--- a/DDS Attrition Analysis.pptx
+++ b/DDS Attrition Analysis.pptx
@@ -5,18 +5,20 @@
     <p:sldMasterId id="2147483672" r:id="rId1"/>
   </p:sldMasterIdLst>
   <p:notesMasterIdLst>
-    <p:notesMasterId r:id="rId11"/>
+    <p:notesMasterId r:id="rId13"/>
   </p:notesMasterIdLst>
   <p:sldIdLst>
     <p:sldId id="256" r:id="rId2"/>
     <p:sldId id="259" r:id="rId3"/>
     <p:sldId id="258" r:id="rId4"/>
     <p:sldId id="261" r:id="rId5"/>
-    <p:sldId id="262" r:id="rId6"/>
-    <p:sldId id="263" r:id="rId7"/>
-    <p:sldId id="264" r:id="rId8"/>
-    <p:sldId id="265" r:id="rId9"/>
-    <p:sldId id="266" r:id="rId10"/>
+    <p:sldId id="267" r:id="rId6"/>
+    <p:sldId id="268" r:id="rId7"/>
+    <p:sldId id="262" r:id="rId8"/>
+    <p:sldId id="263" r:id="rId9"/>
+    <p:sldId id="264" r:id="rId10"/>
+    <p:sldId id="265" r:id="rId11"/>
+    <p:sldId id="266" r:id="rId12"/>
   </p:sldIdLst>
   <p:sldSz cx="9144000" cy="6858000" type="screen4x3"/>
   <p:notesSz cx="6858000" cy="9144000"/>
@@ -5262,6 +5264,154 @@
 </p:sld>
 </file>
 
+<file path=ppt/slides/slide10.xml><?xml version="1.0" encoding="utf-8"?>
+<p:sld xmlns:a="http://schemas.openxmlformats.org/drawingml/2006/main" xmlns:r="http://schemas.openxmlformats.org/officeDocument/2006/relationships" xmlns:p="http://schemas.openxmlformats.org/presentationml/2006/main">
+  <p:cSld>
+    <p:spTree>
+      <p:nvGrpSpPr>
+        <p:cNvPr id="1" name=""/>
+        <p:cNvGrpSpPr/>
+        <p:nvPr/>
+      </p:nvGrpSpPr>
+      <p:grpSpPr>
+        <a:xfrm>
+          <a:off x="0" y="0"/>
+          <a:ext cx="0" cy="0"/>
+          <a:chOff x="0" y="0"/>
+          <a:chExt cx="0" cy="0"/>
+        </a:xfrm>
+      </p:grpSpPr>
+      <p:sp>
+        <p:nvSpPr>
+          <p:cNvPr id="2" name="Content Placeholder 1"/>
+          <p:cNvSpPr>
+            <a:spLocks noGrp="1"/>
+          </p:cNvSpPr>
+          <p:nvPr>
+            <p:ph idx="1"/>
+          </p:nvPr>
+        </p:nvSpPr>
+        <p:spPr/>
+        <p:txBody>
+          <a:bodyPr/>
+          <a:lstStyle/>
+          <a:p>
+            <a:endParaRPr lang="en-US"/>
+          </a:p>
+        </p:txBody>
+      </p:sp>
+      <p:sp>
+        <p:nvSpPr>
+          <p:cNvPr id="3" name="Title 2"/>
+          <p:cNvSpPr>
+            <a:spLocks noGrp="1"/>
+          </p:cNvSpPr>
+          <p:nvPr>
+            <p:ph type="title"/>
+          </p:nvPr>
+        </p:nvSpPr>
+        <p:spPr/>
+        <p:txBody>
+          <a:bodyPr/>
+          <a:lstStyle/>
+          <a:p>
+            <a:r>
+              <a:rPr lang="en-US" dirty="0" smtClean="0"/>
+              <a:t>Other Findings</a:t>
+            </a:r>
+            <a:endParaRPr lang="en-US" dirty="0"/>
+          </a:p>
+        </p:txBody>
+      </p:sp>
+    </p:spTree>
+    <p:extLst>
+      <p:ext uri="{BB962C8B-B14F-4D97-AF65-F5344CB8AC3E}">
+        <p14:creationId xmlns:p14="http://schemas.microsoft.com/office/powerpoint/2010/main" val="2003386794"/>
+      </p:ext>
+    </p:extLst>
+  </p:cSld>
+  <p:clrMapOvr>
+    <a:masterClrMapping/>
+  </p:clrMapOvr>
+</p:sld>
+</file>
+
+<file path=ppt/slides/slide11.xml><?xml version="1.0" encoding="utf-8"?>
+<p:sld xmlns:a="http://schemas.openxmlformats.org/drawingml/2006/main" xmlns:r="http://schemas.openxmlformats.org/officeDocument/2006/relationships" xmlns:p="http://schemas.openxmlformats.org/presentationml/2006/main">
+  <p:cSld>
+    <p:spTree>
+      <p:nvGrpSpPr>
+        <p:cNvPr id="1" name=""/>
+        <p:cNvGrpSpPr/>
+        <p:nvPr/>
+      </p:nvGrpSpPr>
+      <p:grpSpPr>
+        <a:xfrm>
+          <a:off x="0" y="0"/>
+          <a:ext cx="0" cy="0"/>
+          <a:chOff x="0" y="0"/>
+          <a:chExt cx="0" cy="0"/>
+        </a:xfrm>
+      </p:grpSpPr>
+      <p:sp>
+        <p:nvSpPr>
+          <p:cNvPr id="2" name="Content Placeholder 1"/>
+          <p:cNvSpPr>
+            <a:spLocks noGrp="1"/>
+          </p:cNvSpPr>
+          <p:nvPr>
+            <p:ph idx="1"/>
+          </p:nvPr>
+        </p:nvSpPr>
+        <p:spPr/>
+        <p:txBody>
+          <a:bodyPr/>
+          <a:lstStyle/>
+          <a:p>
+            <a:r>
+              <a:rPr lang="en-US" dirty="0" smtClean="0"/>
+              <a:t>Top 3 Factors that Contribute to Turnover	</a:t>
+            </a:r>
+            <a:endParaRPr lang="en-US" dirty="0"/>
+          </a:p>
+        </p:txBody>
+      </p:sp>
+      <p:sp>
+        <p:nvSpPr>
+          <p:cNvPr id="3" name="Title 2"/>
+          <p:cNvSpPr>
+            <a:spLocks noGrp="1"/>
+          </p:cNvSpPr>
+          <p:nvPr>
+            <p:ph type="title"/>
+          </p:nvPr>
+        </p:nvSpPr>
+        <p:spPr/>
+        <p:txBody>
+          <a:bodyPr/>
+          <a:lstStyle/>
+          <a:p>
+            <a:r>
+              <a:rPr lang="en-US" dirty="0" smtClean="0"/>
+              <a:t>Conclusions</a:t>
+            </a:r>
+            <a:endParaRPr lang="en-US" dirty="0"/>
+          </a:p>
+        </p:txBody>
+      </p:sp>
+    </p:spTree>
+    <p:extLst>
+      <p:ext uri="{BB962C8B-B14F-4D97-AF65-F5344CB8AC3E}">
+        <p14:creationId xmlns:p14="http://schemas.microsoft.com/office/powerpoint/2010/main" val="5799522"/>
+      </p:ext>
+    </p:extLst>
+  </p:cSld>
+  <p:clrMapOvr>
+    <a:masterClrMapping/>
+  </p:clrMapOvr>
+</p:sld>
+</file>
+
 <file path=ppt/slides/slide2.xml><?xml version="1.0" encoding="utf-8"?>
 <p:sld xmlns:a="http://schemas.openxmlformats.org/drawingml/2006/main" xmlns:r="http://schemas.openxmlformats.org/officeDocument/2006/relationships" xmlns:p="http://schemas.openxmlformats.org/presentationml/2006/main">
   <p:cSld>
@@ -5749,7 +5899,36 @@
           <a:bodyPr/>
           <a:lstStyle/>
           <a:p>
-            <a:endParaRPr lang="en-US"/>
+            <a:r>
+              <a:rPr lang="en-US" dirty="0" smtClean="0"/>
+              <a:t>Exclusion of Unnecessary Variables</a:t>
+            </a:r>
+          </a:p>
+          <a:p>
+            <a:pPr lvl="1"/>
+            <a:r>
+              <a:rPr lang="en-US" sz="2000" dirty="0"/>
+              <a:t>"Standard Hours", "Over 18“, "Employee Count”, etc.</a:t>
+            </a:r>
+            <a:endParaRPr lang="en-US" sz="2400" dirty="0"/>
+          </a:p>
+          <a:p>
+            <a:pPr lvl="1"/>
+            <a:endParaRPr lang="en-US" dirty="0" smtClean="0"/>
+          </a:p>
+          <a:p>
+            <a:r>
+              <a:rPr lang="en-US" dirty="0" smtClean="0"/>
+              <a:t>Preliminary Correlation Tests</a:t>
+            </a:r>
+          </a:p>
+          <a:p>
+            <a:pPr lvl="1"/>
+            <a:endParaRPr lang="en-US" dirty="0"/>
+          </a:p>
+          <a:p>
+            <a:pPr lvl="1"/>
+            <a:endParaRPr lang="en-US" sz="2000" dirty="0" smtClean="0"/>
           </a:p>
         </p:txBody>
       </p:sp>
@@ -5773,6 +5952,134 @@
               <a:t>Exploratory Data Analysis</a:t>
             </a:r>
             <a:endParaRPr lang="en-US" dirty="0"/>
+          </a:p>
+        </p:txBody>
+      </p:sp>
+      <p:pic>
+        <p:nvPicPr>
+          <p:cNvPr id="6147" name="Picture 3"/>
+          <p:cNvPicPr>
+            <a:picLocks noChangeAspect="1" noChangeArrowheads="1"/>
+          </p:cNvPicPr>
+          <p:nvPr/>
+        </p:nvPicPr>
+        <p:blipFill>
+          <a:blip r:embed="rId2">
+            <a:extLst>
+              <a:ext uri="{28A0092B-C50C-407E-A947-70E740481C1C}">
+                <a14:useLocalDpi xmlns:a14="http://schemas.microsoft.com/office/drawing/2010/main" val="0"/>
+              </a:ext>
+            </a:extLst>
+          </a:blip>
+          <a:srcRect/>
+          <a:stretch>
+            <a:fillRect/>
+          </a:stretch>
+        </p:blipFill>
+        <p:spPr bwMode="auto">
+          <a:xfrm>
+            <a:off x="5867400" y="3352800"/>
+            <a:ext cx="3022946" cy="2819400"/>
+          </a:xfrm>
+          <a:prstGeom prst="rect">
+            <a:avLst/>
+          </a:prstGeom>
+          <a:noFill/>
+          <a:ln w="9525">
+            <a:solidFill>
+              <a:schemeClr val="tx1"/>
+            </a:solidFill>
+            <a:miter lim="800000"/>
+            <a:headEnd/>
+            <a:tailEnd/>
+          </a:ln>
+          <a:extLst>
+            <a:ext uri="{909E8E84-426E-40DD-AFC4-6F175D3DCCD1}">
+              <a14:hiddenFill xmlns:a14="http://schemas.microsoft.com/office/drawing/2010/main">
+                <a:solidFill>
+                  <a:schemeClr val="accent1"/>
+                </a:solidFill>
+              </a14:hiddenFill>
+            </a:ext>
+          </a:extLst>
+        </p:spPr>
+      </p:pic>
+      <p:pic>
+        <p:nvPicPr>
+          <p:cNvPr id="6149" name="Picture 5"/>
+          <p:cNvPicPr>
+            <a:picLocks noChangeAspect="1" noChangeArrowheads="1"/>
+          </p:cNvPicPr>
+          <p:nvPr/>
+        </p:nvPicPr>
+        <p:blipFill>
+          <a:blip r:embed="rId3">
+            <a:extLst>
+              <a:ext uri="{28A0092B-C50C-407E-A947-70E740481C1C}">
+                <a14:useLocalDpi xmlns:a14="http://schemas.microsoft.com/office/drawing/2010/main" val="0"/>
+              </a:ext>
+            </a:extLst>
+          </a:blip>
+          <a:srcRect/>
+          <a:stretch>
+            <a:fillRect/>
+          </a:stretch>
+        </p:blipFill>
+        <p:spPr bwMode="auto">
+          <a:xfrm>
+            <a:off x="990600" y="3352800"/>
+            <a:ext cx="4572000" cy="1905000"/>
+          </a:xfrm>
+          <a:prstGeom prst="rect">
+            <a:avLst/>
+          </a:prstGeom>
+          <a:noFill/>
+          <a:ln w="9525">
+            <a:solidFill>
+              <a:schemeClr val="tx1"/>
+            </a:solidFill>
+            <a:miter lim="800000"/>
+            <a:headEnd/>
+            <a:tailEnd/>
+          </a:ln>
+          <a:extLst>
+            <a:ext uri="{909E8E84-426E-40DD-AFC4-6F175D3DCCD1}">
+              <a14:hiddenFill xmlns:a14="http://schemas.microsoft.com/office/drawing/2010/main">
+                <a:solidFill>
+                  <a:schemeClr val="accent1"/>
+                </a:solidFill>
+              </a14:hiddenFill>
+            </a:ext>
+          </a:extLst>
+        </p:spPr>
+      </p:pic>
+      <p:sp>
+        <p:nvSpPr>
+          <p:cNvPr id="4" name="TextBox 3"/>
+          <p:cNvSpPr txBox="1"/>
+          <p:nvPr/>
+        </p:nvSpPr>
+        <p:spPr>
+          <a:xfrm>
+            <a:off x="1295400" y="5559623"/>
+            <a:ext cx="4038600" cy="307777"/>
+          </a:xfrm>
+          <a:prstGeom prst="rect">
+            <a:avLst/>
+          </a:prstGeom>
+          <a:noFill/>
+        </p:spPr>
+        <p:txBody>
+          <a:bodyPr wrap="square" rtlCol="0">
+            <a:spAutoFit/>
+          </a:bodyPr>
+          <a:lstStyle/>
+          <a:p>
+            <a:r>
+              <a:rPr lang="en-US" sz="1400" dirty="0" smtClean="0"/>
+              <a:t>Correlation Tests of Continuous Variables </a:t>
+            </a:r>
+            <a:endParaRPr lang="en-US" sz="1400" dirty="0"/>
           </a:p>
         </p:txBody>
       </p:sp>
@@ -5821,7 +6128,38 @@
           <a:bodyPr/>
           <a:lstStyle/>
           <a:p>
-            <a:endParaRPr lang="en-US"/>
+            <a:pPr lvl="1"/>
+            <a:endParaRPr lang="en-US" dirty="0" smtClean="0"/>
+          </a:p>
+          <a:p>
+            <a:pPr lvl="1"/>
+            <a:endParaRPr lang="en-US" dirty="0"/>
+          </a:p>
+          <a:p>
+            <a:pPr lvl="1"/>
+            <a:endParaRPr lang="en-US" dirty="0"/>
+          </a:p>
+          <a:p>
+            <a:endParaRPr lang="en-US" dirty="0" smtClean="0"/>
+          </a:p>
+          <a:p>
+            <a:endParaRPr lang="en-US" dirty="0"/>
+          </a:p>
+          <a:p>
+            <a:endParaRPr lang="en-US" dirty="0" smtClean="0"/>
+          </a:p>
+          <a:p>
+            <a:endParaRPr lang="en-US" dirty="0"/>
+          </a:p>
+          <a:p>
+            <a:endParaRPr lang="en-US" dirty="0" smtClean="0"/>
+          </a:p>
+          <a:p>
+            <a:endParaRPr lang="en-US" dirty="0"/>
+          </a:p>
+          <a:p>
+            <a:pPr lvl="1"/>
+            <a:endParaRPr lang="en-US" sz="2000" dirty="0" smtClean="0"/>
           </a:p>
         </p:txBody>
       </p:sp>
@@ -5842,11 +6180,170 @@
           <a:p>
             <a:r>
               <a:rPr lang="en-US" dirty="0" smtClean="0"/>
-              <a:t>Naïve-</a:t>
-            </a:r>
-            <a:r>
-              <a:rPr lang="en-US" dirty="0" err="1" smtClean="0"/>
-              <a:t>Bais</a:t>
+              <a:t>Analysis of Significance</a:t>
+            </a:r>
+            <a:endParaRPr lang="en-US" dirty="0"/>
+          </a:p>
+        </p:txBody>
+      </p:sp>
+      <p:pic>
+        <p:nvPicPr>
+          <p:cNvPr id="7171" name="Picture 3"/>
+          <p:cNvPicPr>
+            <a:picLocks noChangeAspect="1" noChangeArrowheads="1"/>
+          </p:cNvPicPr>
+          <p:nvPr/>
+        </p:nvPicPr>
+        <p:blipFill>
+          <a:blip r:embed="rId2">
+            <a:extLst>
+              <a:ext uri="{28A0092B-C50C-407E-A947-70E740481C1C}">
+                <a14:useLocalDpi xmlns:a14="http://schemas.microsoft.com/office/drawing/2010/main" val="0"/>
+              </a:ext>
+            </a:extLst>
+          </a:blip>
+          <a:srcRect/>
+          <a:stretch>
+            <a:fillRect/>
+          </a:stretch>
+        </p:blipFill>
+        <p:spPr bwMode="auto">
+          <a:xfrm>
+            <a:off x="457200" y="1295400"/>
+            <a:ext cx="5261308" cy="3033713"/>
+          </a:xfrm>
+          <a:prstGeom prst="rect">
+            <a:avLst/>
+          </a:prstGeom>
+          <a:noFill/>
+          <a:ln w="9525">
+            <a:solidFill>
+              <a:schemeClr val="tx1"/>
+            </a:solidFill>
+            <a:miter lim="800000"/>
+            <a:headEnd/>
+            <a:tailEnd/>
+          </a:ln>
+          <a:extLst>
+            <a:ext uri="{909E8E84-426E-40DD-AFC4-6F175D3DCCD1}">
+              <a14:hiddenFill xmlns:a14="http://schemas.microsoft.com/office/drawing/2010/main">
+                <a:solidFill>
+                  <a:schemeClr val="accent1"/>
+                </a:solidFill>
+              </a14:hiddenFill>
+            </a:ext>
+          </a:extLst>
+        </p:spPr>
+      </p:pic>
+      <p:pic>
+        <p:nvPicPr>
+          <p:cNvPr id="7172" name="Picture 4"/>
+          <p:cNvPicPr>
+            <a:picLocks noChangeAspect="1" noChangeArrowheads="1"/>
+          </p:cNvPicPr>
+          <p:nvPr/>
+        </p:nvPicPr>
+        <p:blipFill>
+          <a:blip r:embed="rId3">
+            <a:extLst>
+              <a:ext uri="{28A0092B-C50C-407E-A947-70E740481C1C}">
+                <a14:useLocalDpi xmlns:a14="http://schemas.microsoft.com/office/drawing/2010/main" val="0"/>
+              </a:ext>
+            </a:extLst>
+          </a:blip>
+          <a:srcRect/>
+          <a:stretch>
+            <a:fillRect/>
+          </a:stretch>
+        </p:blipFill>
+        <p:spPr bwMode="auto">
+          <a:xfrm>
+            <a:off x="3789485" y="4572000"/>
+            <a:ext cx="5261308" cy="1867758"/>
+          </a:xfrm>
+          <a:prstGeom prst="rect">
+            <a:avLst/>
+          </a:prstGeom>
+          <a:noFill/>
+          <a:ln w="9525">
+            <a:solidFill>
+              <a:schemeClr val="tx1"/>
+            </a:solidFill>
+            <a:miter lim="800000"/>
+            <a:headEnd/>
+            <a:tailEnd/>
+          </a:ln>
+          <a:extLst>
+            <a:ext uri="{909E8E84-426E-40DD-AFC4-6F175D3DCCD1}">
+              <a14:hiddenFill xmlns:a14="http://schemas.microsoft.com/office/drawing/2010/main">
+                <a:solidFill>
+                  <a:schemeClr val="accent1"/>
+                </a:solidFill>
+              </a14:hiddenFill>
+            </a:ext>
+          </a:extLst>
+        </p:spPr>
+      </p:pic>
+      <p:sp>
+        <p:nvSpPr>
+          <p:cNvPr id="4" name="TextBox 3"/>
+          <p:cNvSpPr txBox="1"/>
+          <p:nvPr/>
+        </p:nvSpPr>
+        <p:spPr>
+          <a:xfrm>
+            <a:off x="5943600" y="2133600"/>
+            <a:ext cx="2819400" cy="646331"/>
+          </a:xfrm>
+          <a:prstGeom prst="rect">
+            <a:avLst/>
+          </a:prstGeom>
+          <a:noFill/>
+        </p:spPr>
+        <p:txBody>
+          <a:bodyPr wrap="square" rtlCol="0">
+            <a:spAutoFit/>
+          </a:bodyPr>
+          <a:lstStyle/>
+          <a:p>
+            <a:pPr algn="ctr"/>
+            <a:r>
+              <a:rPr lang="en-US" i="1" dirty="0" smtClean="0"/>
+              <a:t>t-</a:t>
+            </a:r>
+            <a:r>
+              <a:rPr lang="en-US" dirty="0" smtClean="0"/>
+              <a:t>tests for significance of distributions</a:t>
+            </a:r>
+            <a:endParaRPr lang="en-US" i="1" dirty="0"/>
+          </a:p>
+        </p:txBody>
+      </p:sp>
+      <p:sp>
+        <p:nvSpPr>
+          <p:cNvPr id="5" name="TextBox 4"/>
+          <p:cNvSpPr txBox="1"/>
+          <p:nvPr/>
+        </p:nvSpPr>
+        <p:spPr>
+          <a:xfrm>
+            <a:off x="838200" y="5144869"/>
+            <a:ext cx="2667000" cy="646331"/>
+          </a:xfrm>
+          <a:prstGeom prst="rect">
+            <a:avLst/>
+          </a:prstGeom>
+          <a:noFill/>
+        </p:spPr>
+        <p:txBody>
+          <a:bodyPr wrap="square" rtlCol="0">
+            <a:spAutoFit/>
+          </a:bodyPr>
+          <a:lstStyle/>
+          <a:p>
+            <a:r>
+              <a:rPr lang="en-US" dirty="0" smtClean="0"/>
+              <a:t>ANOVA for Analysis of Categorical Variance</a:t>
             </a:r>
             <a:endParaRPr lang="en-US" dirty="0"/>
           </a:p>
@@ -5855,7 +6352,7 @@
     </p:spTree>
     <p:extLst>
       <p:ext uri="{BB962C8B-B14F-4D97-AF65-F5344CB8AC3E}">
-        <p14:creationId xmlns:p14="http://schemas.microsoft.com/office/powerpoint/2010/main" val="13562319"/>
+        <p14:creationId xmlns:p14="http://schemas.microsoft.com/office/powerpoint/2010/main" val="241419668"/>
       </p:ext>
     </p:extLst>
   </p:cSld>
@@ -5897,7 +6394,11 @@
           <a:bodyPr/>
           <a:lstStyle/>
           <a:p>
-            <a:endParaRPr lang="en-US"/>
+            <a:r>
+              <a:rPr lang="en-US" dirty="0" smtClean="0"/>
+              <a:t>Based on the Exploratory Analysis the Following Variables Emerged as </a:t>
+            </a:r>
+            <a:endParaRPr lang="en-US" dirty="0"/>
           </a:p>
         </p:txBody>
       </p:sp>
@@ -5918,7 +6419,7 @@
           <a:p>
             <a:r>
               <a:rPr lang="en-US" dirty="0" smtClean="0"/>
-              <a:t>Backward Selection</a:t>
+              <a:t>Preliminary Variable Selection</a:t>
             </a:r>
             <a:endParaRPr lang="en-US" dirty="0"/>
           </a:p>
@@ -5927,7 +6428,7 @@
     </p:spTree>
     <p:extLst>
       <p:ext uri="{BB962C8B-B14F-4D97-AF65-F5344CB8AC3E}">
-        <p14:creationId xmlns:p14="http://schemas.microsoft.com/office/powerpoint/2010/main" val="4116180965"/>
+        <p14:creationId xmlns:p14="http://schemas.microsoft.com/office/powerpoint/2010/main" val="1509817844"/>
       </p:ext>
     </p:extLst>
   </p:cSld>
@@ -5990,7 +6491,11 @@
           <a:p>
             <a:r>
               <a:rPr lang="en-US" dirty="0" smtClean="0"/>
-              <a:t>Logistic Regression</a:t>
+              <a:t>Naïve-</a:t>
+            </a:r>
+            <a:r>
+              <a:rPr lang="en-US" dirty="0" err="1" smtClean="0"/>
+              <a:t>Bayse</a:t>
             </a:r>
             <a:endParaRPr lang="en-US" dirty="0"/>
           </a:p>
@@ -5999,7 +6504,7 @@
     </p:spTree>
     <p:extLst>
       <p:ext uri="{BB962C8B-B14F-4D97-AF65-F5344CB8AC3E}">
-        <p14:creationId xmlns:p14="http://schemas.microsoft.com/office/powerpoint/2010/main" val="3465430031"/>
+        <p14:creationId xmlns:p14="http://schemas.microsoft.com/office/powerpoint/2010/main" val="13562319"/>
       </p:ext>
     </p:extLst>
   </p:cSld>
@@ -6062,7 +6567,7 @@
           <a:p>
             <a:r>
               <a:rPr lang="en-US" dirty="0" smtClean="0"/>
-              <a:t>Other Findings</a:t>
+              <a:t>Backward Selection</a:t>
             </a:r>
             <a:endParaRPr lang="en-US" dirty="0"/>
           </a:p>
@@ -6071,7 +6576,7 @@
     </p:spTree>
     <p:extLst>
       <p:ext uri="{BB962C8B-B14F-4D97-AF65-F5344CB8AC3E}">
-        <p14:creationId xmlns:p14="http://schemas.microsoft.com/office/powerpoint/2010/main" val="2003386794"/>
+        <p14:creationId xmlns:p14="http://schemas.microsoft.com/office/powerpoint/2010/main" val="4116180965"/>
       </p:ext>
     </p:extLst>
   </p:cSld>
@@ -6113,11 +6618,7 @@
           <a:bodyPr/>
           <a:lstStyle/>
           <a:p>
-            <a:r>
-              <a:rPr lang="en-US" dirty="0" smtClean="0"/>
-              <a:t>Top 3 Factors that Contribute to Turnover	</a:t>
-            </a:r>
-            <a:endParaRPr lang="en-US" dirty="0"/>
+            <a:endParaRPr lang="en-US"/>
           </a:p>
         </p:txBody>
       </p:sp>
@@ -6138,7 +6639,7 @@
           <a:p>
             <a:r>
               <a:rPr lang="en-US" dirty="0" smtClean="0"/>
-              <a:t>Conclusions</a:t>
+              <a:t>Logistic Regression</a:t>
             </a:r>
             <a:endParaRPr lang="en-US" dirty="0"/>
           </a:p>
@@ -6147,7 +6648,7 @@
     </p:spTree>
     <p:extLst>
       <p:ext uri="{BB962C8B-B14F-4D97-AF65-F5344CB8AC3E}">
-        <p14:creationId xmlns:p14="http://schemas.microsoft.com/office/powerpoint/2010/main" val="5799522"/>
+        <p14:creationId xmlns:p14="http://schemas.microsoft.com/office/powerpoint/2010/main" val="3465430031"/>
       </p:ext>
     </p:extLst>
   </p:cSld>

--- a/DDS Attrition Analysis.pptx
+++ b/DDS Attrition Analysis.pptx
@@ -5,20 +5,22 @@
     <p:sldMasterId id="2147483672" r:id="rId1"/>
   </p:sldMasterIdLst>
   <p:notesMasterIdLst>
-    <p:notesMasterId r:id="rId13"/>
+    <p:notesMasterId r:id="rId15"/>
   </p:notesMasterIdLst>
   <p:sldIdLst>
     <p:sldId id="256" r:id="rId2"/>
     <p:sldId id="259" r:id="rId3"/>
     <p:sldId id="258" r:id="rId4"/>
-    <p:sldId id="261" r:id="rId5"/>
-    <p:sldId id="267" r:id="rId6"/>
-    <p:sldId id="268" r:id="rId7"/>
-    <p:sldId id="262" r:id="rId8"/>
-    <p:sldId id="263" r:id="rId9"/>
-    <p:sldId id="264" r:id="rId10"/>
-    <p:sldId id="265" r:id="rId11"/>
-    <p:sldId id="266" r:id="rId12"/>
+    <p:sldId id="269" r:id="rId5"/>
+    <p:sldId id="262" r:id="rId6"/>
+    <p:sldId id="265" r:id="rId7"/>
+    <p:sldId id="261" r:id="rId8"/>
+    <p:sldId id="267" r:id="rId9"/>
+    <p:sldId id="268" r:id="rId10"/>
+    <p:sldId id="264" r:id="rId11"/>
+    <p:sldId id="263" r:id="rId12"/>
+    <p:sldId id="270" r:id="rId13"/>
+    <p:sldId id="266" r:id="rId14"/>
   </p:sldIdLst>
   <p:sldSz cx="9144000" cy="6858000" type="screen4x3"/>
   <p:notesSz cx="6858000" cy="9144000"/>
@@ -202,7 +204,7 @@
           <a:p>
             <a:fld id="{650D529A-7B2D-49ED-8568-7A39E44BD3F7}" type="datetimeFigureOut">
               <a:rPr lang="en-US" smtClean="0"/>
-              <a:t>4/12/2019</a:t>
+              <a:t>4/14/2019</a:t>
             </a:fld>
             <a:endParaRPr lang="en-US"/>
           </a:p>
@@ -657,6 +659,90 @@
     <p:extLst>
       <p:ext uri="{BB962C8B-B14F-4D97-AF65-F5344CB8AC3E}">
         <p14:creationId xmlns:p14="http://schemas.microsoft.com/office/powerpoint/2010/main" val="2934329488"/>
+      </p:ext>
+    </p:extLst>
+  </p:cSld>
+  <p:clrMapOvr>
+    <a:masterClrMapping/>
+  </p:clrMapOvr>
+</p:notes>
+</file>
+
+<file path=ppt/notesSlides/notesSlide3.xml><?xml version="1.0" encoding="utf-8"?>
+<p:notes xmlns:a="http://schemas.openxmlformats.org/drawingml/2006/main" xmlns:r="http://schemas.openxmlformats.org/officeDocument/2006/relationships" xmlns:p="http://schemas.openxmlformats.org/presentationml/2006/main">
+  <p:cSld>
+    <p:spTree>
+      <p:nvGrpSpPr>
+        <p:cNvPr id="1" name=""/>
+        <p:cNvGrpSpPr/>
+        <p:nvPr/>
+      </p:nvGrpSpPr>
+      <p:grpSpPr>
+        <a:xfrm>
+          <a:off x="0" y="0"/>
+          <a:ext cx="0" cy="0"/>
+          <a:chOff x="0" y="0"/>
+          <a:chExt cx="0" cy="0"/>
+        </a:xfrm>
+      </p:grpSpPr>
+      <p:sp>
+        <p:nvSpPr>
+          <p:cNvPr id="2" name="Slide Image Placeholder 1"/>
+          <p:cNvSpPr>
+            <a:spLocks noGrp="1" noRot="1" noChangeAspect="1"/>
+          </p:cNvSpPr>
+          <p:nvPr>
+            <p:ph type="sldImg"/>
+          </p:nvPr>
+        </p:nvSpPr>
+        <p:spPr/>
+      </p:sp>
+      <p:sp>
+        <p:nvSpPr>
+          <p:cNvPr id="3" name="Notes Placeholder 2"/>
+          <p:cNvSpPr>
+            <a:spLocks noGrp="1"/>
+          </p:cNvSpPr>
+          <p:nvPr>
+            <p:ph type="body" idx="1"/>
+          </p:nvPr>
+        </p:nvSpPr>
+        <p:spPr/>
+        <p:txBody>
+          <a:bodyPr/>
+          <a:lstStyle/>
+          <a:p>
+            <a:endParaRPr lang="en-US" dirty="0"/>
+          </a:p>
+        </p:txBody>
+      </p:sp>
+      <p:sp>
+        <p:nvSpPr>
+          <p:cNvPr id="4" name="Slide Number Placeholder 3"/>
+          <p:cNvSpPr>
+            <a:spLocks noGrp="1"/>
+          </p:cNvSpPr>
+          <p:nvPr>
+            <p:ph type="sldNum" sz="quarter" idx="10"/>
+          </p:nvPr>
+        </p:nvSpPr>
+        <p:spPr/>
+        <p:txBody>
+          <a:bodyPr/>
+          <a:lstStyle/>
+          <a:p>
+            <a:fld id="{CF407A9F-5EB6-4D95-A312-7C583524791B}" type="slidenum">
+              <a:rPr lang="en-US" smtClean="0"/>
+              <a:t>10</a:t>
+            </a:fld>
+            <a:endParaRPr lang="en-US"/>
+          </a:p>
+        </p:txBody>
+      </p:sp>
+    </p:spTree>
+    <p:extLst>
+      <p:ext uri="{BB962C8B-B14F-4D97-AF65-F5344CB8AC3E}">
+        <p14:creationId xmlns:p14="http://schemas.microsoft.com/office/powerpoint/2010/main" val="1022918622"/>
       </p:ext>
     </p:extLst>
   </p:cSld>
@@ -1291,7 +1377,7 @@
           <a:p>
             <a:fld id="{A7C24251-88EE-4A4F-BF05-631D91B7CD4E}" type="datetimeFigureOut">
               <a:rPr lang="en-US" smtClean="0"/>
-              <a:t>4/12/2019</a:t>
+              <a:t>4/14/2019</a:t>
             </a:fld>
             <a:endParaRPr lang="en-US"/>
           </a:p>
@@ -1487,7 +1573,7 @@
           <a:p>
             <a:fld id="{A7C24251-88EE-4A4F-BF05-631D91B7CD4E}" type="datetimeFigureOut">
               <a:rPr lang="en-US" smtClean="0"/>
-              <a:t>4/12/2019</a:t>
+              <a:t>4/14/2019</a:t>
             </a:fld>
             <a:endParaRPr lang="en-US"/>
           </a:p>
@@ -1672,7 +1758,7 @@
           <a:p>
             <a:fld id="{A7C24251-88EE-4A4F-BF05-631D91B7CD4E}" type="datetimeFigureOut">
               <a:rPr lang="en-US" smtClean="0"/>
-              <a:t>4/12/2019</a:t>
+              <a:t>4/14/2019</a:t>
             </a:fld>
             <a:endParaRPr lang="en-US"/>
           </a:p>
@@ -1822,7 +1908,7 @@
           <a:p>
             <a:fld id="{A7C24251-88EE-4A4F-BF05-631D91B7CD4E}" type="datetimeFigureOut">
               <a:rPr lang="en-US" smtClean="0"/>
-              <a:t>4/12/2019</a:t>
+              <a:t>4/14/2019</a:t>
             </a:fld>
             <a:endParaRPr lang="en-US"/>
           </a:p>
@@ -2077,7 +2163,7 @@
           <a:p>
             <a:fld id="{A7C24251-88EE-4A4F-BF05-631D91B7CD4E}" type="datetimeFigureOut">
               <a:rPr lang="en-US" smtClean="0"/>
-              <a:t>4/12/2019</a:t>
+              <a:t>4/14/2019</a:t>
             </a:fld>
             <a:endParaRPr lang="en-US"/>
           </a:p>
@@ -2486,7 +2572,7 @@
           <a:p>
             <a:fld id="{A7C24251-88EE-4A4F-BF05-631D91B7CD4E}" type="datetimeFigureOut">
               <a:rPr lang="en-US" smtClean="0"/>
-              <a:t>4/12/2019</a:t>
+              <a:t>4/14/2019</a:t>
             </a:fld>
             <a:endParaRPr lang="en-US"/>
           </a:p>
@@ -2932,7 +3018,7 @@
           <a:p>
             <a:fld id="{A7C24251-88EE-4A4F-BF05-631D91B7CD4E}" type="datetimeFigureOut">
               <a:rPr lang="en-US" smtClean="0"/>
-              <a:t>4/12/2019</a:t>
+              <a:t>4/14/2019</a:t>
             </a:fld>
             <a:endParaRPr lang="en-US"/>
           </a:p>
@@ -3033,7 +3119,7 @@
           <a:p>
             <a:fld id="{A7C24251-88EE-4A4F-BF05-631D91B7CD4E}" type="datetimeFigureOut">
               <a:rPr lang="en-US" smtClean="0"/>
-              <a:t>4/12/2019</a:t>
+              <a:t>4/14/2019</a:t>
             </a:fld>
             <a:endParaRPr lang="en-US"/>
           </a:p>
@@ -3154,7 +3240,7 @@
           <a:p>
             <a:fld id="{A7C24251-88EE-4A4F-BF05-631D91B7CD4E}" type="datetimeFigureOut">
               <a:rPr lang="en-US" smtClean="0"/>
-              <a:t>4/12/2019</a:t>
+              <a:t>4/14/2019</a:t>
             </a:fld>
             <a:endParaRPr lang="en-US"/>
           </a:p>
@@ -3428,7 +3514,7 @@
           <a:p>
             <a:fld id="{A7C24251-88EE-4A4F-BF05-631D91B7CD4E}" type="datetimeFigureOut">
               <a:rPr lang="en-US" smtClean="0"/>
-              <a:t>4/12/2019</a:t>
+              <a:t>4/14/2019</a:t>
             </a:fld>
             <a:endParaRPr lang="en-US"/>
           </a:p>
@@ -3633,7 +3719,7 @@
           <a:p>
             <a:fld id="{A7C24251-88EE-4A4F-BF05-631D91B7CD4E}" type="datetimeFigureOut">
               <a:rPr lang="en-US" smtClean="0"/>
-              <a:t>4/12/2019</a:t>
+              <a:t>4/14/2019</a:t>
             </a:fld>
             <a:endParaRPr lang="en-US"/>
           </a:p>
@@ -4742,7 +4828,7 @@
           <a:p>
             <a:fld id="{A7C24251-88EE-4A4F-BF05-631D91B7CD4E}" type="datetimeFigureOut">
               <a:rPr lang="en-US" smtClean="0"/>
-              <a:t>4/12/2019</a:t>
+              <a:t>4/14/2019</a:t>
             </a:fld>
             <a:endParaRPr lang="en-US"/>
           </a:p>
@@ -5296,7 +5382,50 @@
           <a:bodyPr/>
           <a:lstStyle/>
           <a:p>
-            <a:endParaRPr lang="en-US"/>
+            <a:r>
+              <a:rPr lang="en-US" dirty="0" smtClean="0"/>
+              <a:t>Classification Regression for Binary Outputs</a:t>
+            </a:r>
+          </a:p>
+          <a:p>
+            <a:endParaRPr lang="en-US" dirty="0"/>
+          </a:p>
+          <a:p>
+            <a:r>
+              <a:rPr lang="en-US" dirty="0" smtClean="0"/>
+              <a:t>Assumptions</a:t>
+            </a:r>
+          </a:p>
+          <a:p>
+            <a:pPr lvl="1"/>
+            <a:r>
+              <a:rPr lang="en-US" dirty="0"/>
+              <a:t>A</a:t>
+            </a:r>
+            <a:r>
+              <a:rPr lang="en-US" dirty="0" smtClean="0"/>
+              <a:t>dditive </a:t>
+            </a:r>
+            <a:r>
+              <a:rPr lang="en-US" dirty="0"/>
+              <a:t>relationship between the predictors and the natural log odds of </a:t>
+            </a:r>
+            <a:r>
+              <a:rPr lang="en-US" dirty="0" smtClean="0"/>
+              <a:t>response.</a:t>
+            </a:r>
+          </a:p>
+          <a:p>
+            <a:pPr lvl="1"/>
+            <a:endParaRPr lang="en-US" dirty="0" smtClean="0"/>
+          </a:p>
+          <a:p>
+            <a:pPr lvl="1"/>
+            <a:r>
+              <a:rPr lang="en-US" dirty="0" smtClean="0"/>
+              <a:t>Normality, Equal Variance, Independence  </a:t>
+            </a:r>
+            <a:endParaRPr lang="en-US" dirty="0"/>
           </a:p>
         </p:txBody>
       </p:sp>
@@ -5317,16 +5446,46 @@
           <a:p>
             <a:r>
               <a:rPr lang="en-US" dirty="0" smtClean="0"/>
-              <a:t>Other Findings</a:t>
+              <a:t>Logistic Regression</a:t>
             </a:r>
             <a:endParaRPr lang="en-US" dirty="0"/>
           </a:p>
         </p:txBody>
       </p:sp>
+      <p:pic>
+        <p:nvPicPr>
+          <p:cNvPr id="4" name="Picture 3"/>
+          <p:cNvPicPr>
+            <a:picLocks noChangeAspect="1"/>
+          </p:cNvPicPr>
+          <p:nvPr/>
+        </p:nvPicPr>
+        <p:blipFill>
+          <a:blip r:embed="rId3">
+            <a:extLst>
+              <a:ext uri="{28A0092B-C50C-407E-A947-70E740481C1C}">
+                <a14:useLocalDpi xmlns:a14="http://schemas.microsoft.com/office/drawing/2010/main" val="0"/>
+              </a:ext>
+            </a:extLst>
+          </a:blip>
+          <a:stretch>
+            <a:fillRect/>
+          </a:stretch>
+        </p:blipFill>
+        <p:spPr>
+          <a:xfrm>
+            <a:off x="5791200" y="4853187"/>
+            <a:ext cx="3124200" cy="1700013"/>
+          </a:xfrm>
+          <a:prstGeom prst="rect">
+            <a:avLst/>
+          </a:prstGeom>
+        </p:spPr>
+      </p:pic>
     </p:spTree>
     <p:extLst>
       <p:ext uri="{BB962C8B-B14F-4D97-AF65-F5344CB8AC3E}">
-        <p14:creationId xmlns:p14="http://schemas.microsoft.com/office/powerpoint/2010/main" val="2003386794"/>
+        <p14:creationId xmlns:p14="http://schemas.microsoft.com/office/powerpoint/2010/main" val="3465430031"/>
       </p:ext>
     </p:extLst>
   </p:cSld>
@@ -5337,6 +5496,439 @@
 </file>
 
 <file path=ppt/slides/slide11.xml><?xml version="1.0" encoding="utf-8"?>
+<p:sld xmlns:a="http://schemas.openxmlformats.org/drawingml/2006/main" xmlns:r="http://schemas.openxmlformats.org/officeDocument/2006/relationships" xmlns:p="http://schemas.openxmlformats.org/presentationml/2006/main">
+  <p:cSld>
+    <p:spTree>
+      <p:nvGrpSpPr>
+        <p:cNvPr id="1" name=""/>
+        <p:cNvGrpSpPr/>
+        <p:nvPr/>
+      </p:nvGrpSpPr>
+      <p:grpSpPr>
+        <a:xfrm>
+          <a:off x="0" y="0"/>
+          <a:ext cx="0" cy="0"/>
+          <a:chOff x="0" y="0"/>
+          <a:chExt cx="0" cy="0"/>
+        </a:xfrm>
+      </p:grpSpPr>
+      <p:sp>
+        <p:nvSpPr>
+          <p:cNvPr id="2" name="Content Placeholder 1"/>
+          <p:cNvSpPr>
+            <a:spLocks noGrp="1"/>
+          </p:cNvSpPr>
+          <p:nvPr>
+            <p:ph idx="1"/>
+          </p:nvPr>
+        </p:nvSpPr>
+        <p:spPr/>
+        <p:txBody>
+          <a:bodyPr/>
+          <a:lstStyle/>
+          <a:p>
+            <a:r>
+              <a:rPr lang="en-US" dirty="0" err="1" smtClean="0"/>
+              <a:t>Foreward</a:t>
+            </a:r>
+            <a:r>
+              <a:rPr lang="en-US" dirty="0" smtClean="0"/>
+              <a:t> Selection</a:t>
+            </a:r>
+          </a:p>
+          <a:p>
+            <a:endParaRPr lang="en-US" dirty="0"/>
+          </a:p>
+          <a:p>
+            <a:r>
+              <a:rPr lang="en-US" dirty="0" smtClean="0"/>
+              <a:t>Backward Selection</a:t>
+            </a:r>
+          </a:p>
+          <a:p>
+            <a:endParaRPr lang="en-US" dirty="0"/>
+          </a:p>
+          <a:p>
+            <a:endParaRPr lang="en-US" dirty="0"/>
+          </a:p>
+        </p:txBody>
+      </p:sp>
+      <p:sp>
+        <p:nvSpPr>
+          <p:cNvPr id="3" name="Title 2"/>
+          <p:cNvSpPr>
+            <a:spLocks noGrp="1"/>
+          </p:cNvSpPr>
+          <p:nvPr>
+            <p:ph type="title"/>
+          </p:nvPr>
+        </p:nvSpPr>
+        <p:spPr/>
+        <p:txBody>
+          <a:bodyPr/>
+          <a:lstStyle/>
+          <a:p>
+            <a:r>
+              <a:rPr lang="en-US" dirty="0" smtClean="0"/>
+              <a:t>Model Selection	</a:t>
+            </a:r>
+            <a:endParaRPr lang="en-US" dirty="0"/>
+          </a:p>
+        </p:txBody>
+      </p:sp>
+    </p:spTree>
+    <p:extLst>
+      <p:ext uri="{BB962C8B-B14F-4D97-AF65-F5344CB8AC3E}">
+        <p14:creationId xmlns:p14="http://schemas.microsoft.com/office/powerpoint/2010/main" val="4116180965"/>
+      </p:ext>
+    </p:extLst>
+  </p:cSld>
+  <p:clrMapOvr>
+    <a:masterClrMapping/>
+  </p:clrMapOvr>
+</p:sld>
+</file>
+
+<file path=ppt/slides/slide12.xml><?xml version="1.0" encoding="utf-8"?>
+<p:sld xmlns:a="http://schemas.openxmlformats.org/drawingml/2006/main" xmlns:r="http://schemas.openxmlformats.org/officeDocument/2006/relationships" xmlns:p="http://schemas.openxmlformats.org/presentationml/2006/main">
+  <p:cSld>
+    <p:spTree>
+      <p:nvGrpSpPr>
+        <p:cNvPr id="1" name=""/>
+        <p:cNvGrpSpPr/>
+        <p:nvPr/>
+      </p:nvGrpSpPr>
+      <p:grpSpPr>
+        <a:xfrm>
+          <a:off x="0" y="0"/>
+          <a:ext cx="0" cy="0"/>
+          <a:chOff x="0" y="0"/>
+          <a:chExt cx="0" cy="0"/>
+        </a:xfrm>
+      </p:grpSpPr>
+      <p:sp>
+        <p:nvSpPr>
+          <p:cNvPr id="2" name="Content Placeholder 1"/>
+          <p:cNvSpPr>
+            <a:spLocks noGrp="1"/>
+          </p:cNvSpPr>
+          <p:nvPr>
+            <p:ph idx="1"/>
+          </p:nvPr>
+        </p:nvSpPr>
+        <p:spPr>
+          <a:xfrm>
+            <a:off x="457200" y="1481328"/>
+            <a:ext cx="3886200" cy="4525963"/>
+          </a:xfrm>
+        </p:spPr>
+        <p:txBody>
+          <a:bodyPr>
+            <a:normAutofit/>
+          </a:bodyPr>
+          <a:lstStyle/>
+          <a:p>
+            <a:r>
+              <a:rPr lang="en-US" sz="2000" dirty="0" smtClean="0"/>
+              <a:t>Older employees tend to be promoted less often</a:t>
+            </a:r>
+          </a:p>
+          <a:p>
+            <a:endParaRPr lang="en-US" sz="2000" dirty="0"/>
+          </a:p>
+          <a:p>
+            <a:r>
+              <a:rPr lang="en-US" sz="2000" dirty="0"/>
+              <a:t>Sales Representatives tend to be the </a:t>
+            </a:r>
+            <a:r>
+              <a:rPr lang="en-US" sz="2000" dirty="0" smtClean="0"/>
+              <a:t>youngest</a:t>
+            </a:r>
+          </a:p>
+          <a:p>
+            <a:endParaRPr lang="en-US" sz="2000" dirty="0"/>
+          </a:p>
+          <a:p>
+            <a:r>
+              <a:rPr lang="en-US" sz="2000" dirty="0"/>
+              <a:t>M</a:t>
+            </a:r>
+            <a:r>
+              <a:rPr lang="en-US" sz="2000" dirty="0" smtClean="0"/>
+              <a:t>anagers </a:t>
+            </a:r>
+            <a:r>
+              <a:rPr lang="en-US" sz="2000" dirty="0"/>
+              <a:t>and </a:t>
+            </a:r>
+            <a:r>
+              <a:rPr lang="en-US" sz="2000" dirty="0" smtClean="0"/>
+              <a:t>Directors </a:t>
+            </a:r>
+            <a:r>
+              <a:rPr lang="en-US" sz="2000" dirty="0"/>
+              <a:t>tend to be </a:t>
+            </a:r>
+            <a:r>
+              <a:rPr lang="en-US" sz="2000" dirty="0" smtClean="0"/>
+              <a:t>older</a:t>
+            </a:r>
+          </a:p>
+          <a:p>
+            <a:endParaRPr lang="en-US" sz="2000" dirty="0"/>
+          </a:p>
+          <a:p>
+            <a:r>
+              <a:rPr lang="en-US" sz="2000" dirty="0"/>
+              <a:t>Healthcare </a:t>
+            </a:r>
+            <a:r>
+              <a:rPr lang="en-US" sz="2000" dirty="0" smtClean="0"/>
+              <a:t>Representatives </a:t>
+            </a:r>
+            <a:r>
+              <a:rPr lang="en-US" sz="2000" dirty="0"/>
+              <a:t>tend to be older than </a:t>
+            </a:r>
+            <a:r>
+              <a:rPr lang="en-US" sz="2000" dirty="0" smtClean="0"/>
+              <a:t>Manufacturing </a:t>
+            </a:r>
+            <a:r>
+              <a:rPr lang="en-US" sz="2000" dirty="0"/>
+              <a:t>D</a:t>
+            </a:r>
+            <a:r>
+              <a:rPr lang="en-US" sz="2000" dirty="0" smtClean="0"/>
+              <a:t>irectors</a:t>
+            </a:r>
+            <a:endParaRPr lang="en-US" sz="2000" dirty="0" smtClean="0"/>
+          </a:p>
+          <a:p>
+            <a:endParaRPr lang="en-US" sz="2000" dirty="0"/>
+          </a:p>
+          <a:p>
+            <a:endParaRPr lang="en-US" sz="2000" dirty="0"/>
+          </a:p>
+        </p:txBody>
+      </p:sp>
+      <p:sp>
+        <p:nvSpPr>
+          <p:cNvPr id="3" name="Title 2"/>
+          <p:cNvSpPr>
+            <a:spLocks noGrp="1"/>
+          </p:cNvSpPr>
+          <p:nvPr>
+            <p:ph type="title"/>
+          </p:nvPr>
+        </p:nvSpPr>
+        <p:spPr/>
+        <p:txBody>
+          <a:bodyPr/>
+          <a:lstStyle/>
+          <a:p>
+            <a:r>
+              <a:rPr lang="en-US" dirty="0" smtClean="0"/>
+              <a:t>Other </a:t>
+            </a:r>
+            <a:r>
+              <a:rPr lang="en-US" dirty="0" smtClean="0"/>
+              <a:t>Job Role Trends</a:t>
+            </a:r>
+            <a:endParaRPr lang="en-US" dirty="0"/>
+          </a:p>
+        </p:txBody>
+      </p:sp>
+      <p:sp>
+        <p:nvSpPr>
+          <p:cNvPr id="4" name="AutoShape 2" descr="data:image/png;base64,iVBORw0KGgoAAAANSUhEUgAABUAAAAPACAMAAADDuCPrAAAAolBMVEUAAAAAADoAAGYAOpAAZrYzMzMzZv86AAA6Ojo6kJA6kNs9PT1NTU1NTW5NTY5NbqtNjshmAABmZmZmtv9uTU1uq+SOTU2Oq6uOyP+QOgCQkLaQ29uQ2/+rbk2rjk2r5P+2ZgC2kDq2///Ijk3I///KysrW1tbbkDrb///kq27k5Kvk///r6+v/tmb/yI7/25D/5Kv//7b//8j//9v//+T////sHfwrAAAACXBIWXMAAB2HAAAdhwGP5fFlAAAgAElEQVR4nO2da4PcxpFlMWNJ3hXbkrwiufLucM0ZSuJw1GxzaPL//7WtB6oK9ehCAgjg3kic88Wk2B0duJV5jCpkZjdfAQBgFI26AQCArCBQAICRIFAAgJEgUACAkSBQAICRIFAAgJEgUACAkSBQAICRIFAAgJEgUACAkSBQAICRIFAAgJEgUACAkcwn0MdxjP5GBxL3Tu4ayF3DBEEh0NlI3Du5ayB3DQjUkcS9k7sGcteAQB1J3Du5ayB3DQjUkcS9k7sGcteAQB1J3Du5ayB3DQjUkcS9k7sGcteAQB1J3Du5ayB3DQjUkcS9k7sGcteAQB1J3Du5ayB3DQjUkcS9k7sGcteAQB1J3Du5ayB3DQjUkcS9k7sGcteAQB1J3Du5ayB3DQjUkcS9k7sGcteAQB1J3Du5ayB3DQjUkcS9k7sGcteAQB1J3Du5ayB3DQjUkcS9k7sGcteAQB1J3Du5ayB3DQjUkcS9k7sGcteAQB1J3Du5ayB3DQjUkcS9k7sGcteAQB1J3Du5ayB3DQjUkcS9k7sGcteAQB1J3Du5ayB3DQjUkcS9k7sGcteAQB1J3Du5ayB3DQjUkcS9k7sGcteAQB1J3Du5ayB3DQjUkcS9k7sGcteAQB1J3Du5ayB3DVqBvnvY8Mv+z59fb/78CoFuSdw7uWsgdw1Kge6UueGn7V8+vdz9+cc/EOg6B5QDiXsndw1CgX55s7vh/PDwl7/vZPrTzqKvYgTabBh5ZQal1jigHEjce1zugeO9lILeBV0VIRToU3u7+WGrzvYvn17+8GuEQJsmLHBFKSayhsS9h+UeON6L6e9d0VUROoFubkB/Of3t3f7W8/w/jhZo04QFLinFRNaQuPeo3APHezm9vUu6KkIn0M+vOzebX95s38d/3d6Ovpou0KYJC1xTiomsIXHvQbkHjvcB9PWu6aoInUA/vfzxj6eHh90noCebftg/Utrwbcvgwptmjoz45gylAObBc5B6dhXKKIH+v/1T+FcdgT4hUAAZnoPUs6tQhl/ZU7uA6Wl7D3pDoAdG3B3zFl4Hb+E18BZeg+4t/NNh2fz2XXusQHmIpAOBauAhkgblZ6Dtc6Pth6E3PgOdIlCWMclAoBpYxqRBKdDWmds/xD6Ff2QhvQwEqoGF9BqU60A7d6Bf3+3XfwatA51yYQ4k7p3cNZC7BuFOpHftu/XdTWfwTiQGlApy10DuGoQCbTe+P82yF54BJYLcNZC7BuVpTE/7ZaD7N+3tXziNaUvi3sldA7lrkJ4H+uXNRpmH9+ycB3oice/kroHcNXAivSOJeyd3DeSuAYE6krh3ctdA7hoQqCOJeyd3DeSuAYE6krh3ctdA7hpqFSg7kQbgGVYgprlHgkA1VCpQ9sIPwDOsQExzDwWBaqhToJzGNADPsAIxzT0WBKqhSoE2TdhM1pRackB5hhWIae7BIFANCNSxFAINxDT3YBCoBgTqWAqBBmKaezAIVAMCdSyFQAMxzT0YBKqhSoGaPhcpL8VDpEhMc48FgWqoU6CmK3OKS7GMKRTT3ENBoBoqFajp2vDSUiykj8U090gQqIZaBcqAEkHuGshdAwJ1JHHv5K6B3DUgUEcS907uGshdAwJ1JHHv5K6B3DUgUEcS907uGshdAwJ1JHHv5K6B3DUgUEcS907uGshdAwJ1JHHv5K6B3DXUKlDPteH1L+j2XEhfSt7cqxeo54SeUMtboJ67E+vfUui5lbOYtLlXL1DPCT2llrVAPc/HqP9QC8/DRMrJmvtj7QL1nNCTajkLtGnCUtKUSjoZAsPSkDT3LVUL1HNCT6uFQGcslXQyIFAdCLQMBDr3hTmUSjoZEKgOBFoGAp37whxKJZ0MCFQHAi0DgQ65sjHf61Aq62RI7s+0uT9WLlDTCV3tQyTXVQ/FpdJOhtz+zJt77QI1ndDVLmNyXXdbWirvZEjtz8S51y5Q0wld7UL6+geUK+Sugdw11LqVkwElgtw1kLsGBOpI4t7JXQO5a0CgjiTundw1kLsGBOpI4t7JXQO5a0CgjiTundw1kLsGBOpI4t7JXQO5a0CgjiTundw1kLsGBOpI4t7JXQO5a6hVoJ4bF+rficREFkHuGioVqOfW2fr3wjORVZC7hjoF6nl4S/2nMT0ykVWQu4YqBTrpnD6HUmscUA4k7p3cNSBQx1JrHFAOJO6d3DUgUMdSaxxQDiTundw1IFDHUmscUA4k7p3cNVQpUB4i6WAiayB3DXUKlGVMMpjIGshdQ6UCZSG9CiayBnLXUKtAGVAiyF0DuWtAoI4k7p3cNZC7BgTqSOLeyV0DuWtAoI4k7p3cNZC7BgTqSOLeyV0DuWtAoI4k7p3cNZC7BgTqSOLeyV0DuWtAoI4k7p3cNZC7hloFykL6AQReoedE9sw9MnbP3EvJ2/v419BboGzlHEDgFXpOZM/cQ2O3zL2YtL1PeA2tBcphIgMIvMJHy4nsmXts7I65l5O19ymvobNABxwc51lKMZGDprLfRPbMPTh2w9wHkLT3Sa8hAp2xFAINxDN3BNohae8I1LUUAg3EM3cE2iFp7wjUtRQCDcQzdwTaIWnv1QqUh0hDqH4ie+YeG7tj7uVk7X3Ka2gtUJYxDaH6ieyZe2jslrkXk7b3Ca+ht0BZSD+E6ieyZ+6RsXvmXkre3se/huYCZUCJIHcN5K6h1q2cDCgR5K6B3DUgUEcS907uGshdAwJ1JHHv5K6B3DUgUEcS907uGshdAwJ1JHHv5K6B3DUgUEcS907uGshdAwJ1JHHv5K6B3DUgUEcS907uGshdQ60CrX4nUuQ2Fs+dSJ65B8JOpAN5e691J1L1e+EjN1J77oX3zD0Q9sIfSdt7rXvhA0+6kZTqvejIo3wia8VNZM/cA4mNHYEqmPIaOgu0acJGp6ZU30UHdmV6Hqhn7oEEx45ABUx6DRHojKUQqGfugSDQDkl7zyHQEZwujFKL1orDNKw4PLuCIYROw+klnmHp/2dwKMUdqGfugQTHzh2ogEmvobNAeYg0T1sl8BCpkNjYEaiCKa+htUBZxjQEz4nsmXsgobEjUAkTXkNvgbKQfgieE9kz90AiY0egGsa/huYCZUCJIHcN5K6h1q2cDCgR5K6B3DUgUEcS907uGshdAwJ1JHHv5K6B3DUgUEcS907uGshdAwJ1JHHv5K6B3DUgUEcS907uGshdAwJ1JHHv5K6B3DUgUEcS907uGshdQ60CrX4nUiSeO5ECMc09EnLXUKlAq98LH4nnXvhATHMPhdw11ClQyVE+gaUEh1q4ncYUiGnusZC7hioF2jRhUtCUUhyr5nUeaCCmuQdD7hoQqGMpBBqIae7BkLsGBOpYCoEGYpp7MOSuAYE6lkKggZjmHgy5a6hSoDxEGkKoPw0nsmvusZC7hjoFyjKmIUT603Eiu+YeCrlrqFSgLKQfQuAVWk5k19wjIXcNtQrUc0CVkrh3ctdA7hoQqCOJeyd3DeSuAYE6krh3ctdA7hoQqCOJeyd3DeSuAYE6krh3ctdA7hoQqCOJeyd3DeSuAYE6krh3ctdA7hoQqCOJeyd3DeSuoVaBVr+QPnLxu+dC+siuClk490gQqITxw8FboNVv5Yzcfum5lTO0q0KWzT0UBKpgwnCwFmj1h4lEHgDieZhIbFeFLJp7LAhUwJTh4CzQpgkb6JpSfRcd2JXpcXbBXRWyZO7BINDlmTQcEOiMpRAoAh0IAl0eBOpaCoEi0IEg0OVBoK6lECgCHQgCXZ5qBcpDpHnaKoGHSBoQqIApw8FaoCxjGkKoE1jGpAGBKpgwHLwFykL6IUTWYiG9BgQqYfxwMBcoA0oEuWsgdw21buVkQIkgdw3krgGBOpK4d3LXQO4aEKgjiXsndw3krgGBOpK4d3LXQO4aEKgjiXsndw3krgGBOpK4d3LXQO4aEKgjiXsndw3krgGBOpK4d3LXQO4aahVo9TuRIql+J5Jp7pFY5l5K3txr3YlU/V74SKrfC2+aeyiOuReTNvda98IHHpojKbXogIo9YcjwNCbT3GMxzL2crLlPCctZoE0TNgw0pZYcUIFXuMXvPFDT3IPxy30ASXOfFBYCnbEUAq0/92D8ch9A0twRqGspBFp/7sH45T6ApLkjUNdSCLT+3IPxy30ASXOvVqA8RBpC7IwxfJhhmnsshrmXkzX3KWFZC5RlTEMInTGOy2lMcw/FMfdi0uY+ISxvgbKQfgiRM8ZyQbdp7pFY5l5K3tzHh2UuULa2iSB3DeSuodatnAwoEeSugdw1IFBHEvdO7hrIXQMCdSRx7+Sugdw1IFBHEvdO7hrIXQMCdSRx7+Sugdw1IFBHEvdO7hrIXQMCdSRx7+Sugdw11CrQ6hfSRy539lxIHwgL6QfgOd5NqXUhffVbOSM33Hlu5QyErZwD8BzvptS6lVNyEkVgqd6LDuzK9DCRQAJz98XwMJH6c58SlrNAmyZsGGhK9V10YFemx9kFEpi7MX7H2dWf+6SwEOiMpRBoIPVP5C0IdHkQqGspBBpI/RN5CwJdHgTqWgqBBlL/RN6CQJenWoHyEGmetkrwE+gKHmY88hBJwpSwrAXKMqYhRNZyFOgKltOwjEnDhLC8BcpC+iFE1nIU6AoWdLOQXsP4sMwF6jmRS0ncO7lrIHcNtW7lZECJIHcN5K4BgTqSuHdy10DuGhCoI4l7J3cN5K4BgTqSuHdy10DuGhCoI4l7J3cN5K4BgTqSuHdy10DuGpQC/fz6YccPvx7/9gqBbkncO7lrIHcNSoF+etkRaPuXH/9AoOscUA4k7p3cNSgF+vTw0/HPm/vPn3YWfRUjUHYiDYCdSC2OvZcR+RLG4TnePaZOgEDfdWz5tL/3/PRy/35+qkDZCz8A9sIfMOy9jNCXMAzP8W4ydaYL9Mubv/z9UqZf3jz8EiDQKaekOJTiNKZIAnM3JfYljMJzvLtMnekC/fz6x/962X4CepTph6v38BOui/NAY9sqwU+ggbmbEvwSBuE53m2mznSBHp4hbe85P79u37p/OH4u+m3L8MJfTxc24ptXViq0liXVX6DpFXqOd9epM6LE037V0qeXm5vPo0CfEOiypUxnXyDVX6DpFXqOd9epM6LE4WZz+679hkAPLH1r7VCKt/CBBOZuSvBLGITneLeZOtMFeuDTyx//iBWo6WfO5aV4iBRJYO6mOPrTdby7TJ1Igf7w643PQKcI1HTVQ3EpljGFEpi7KY7+dB3vJlMnUqA//hH7FP7Rdd1taSkW0scSmLspjv50He8eU2eyQI/O3L1rf7df/xm0DvTRdCKXkrh3ctdA7hqEWzkPG5F27gzeicSAUkHuGshdg1Cgn17u7jb36ozeC8+AEkHuGshdg/IwkQ/d0+yeHjiN6Uji3sldA7lrkB6ovDsC9KfuX15df9HSF+ZA4t7JXQO5a+BEekcS907uGshdAwJ1JHHv5K6B3DUgUEcS907uGshdQ60C9Vx3a7qg2zOsQExzjwSBaqhUoJ47v0y3FHqGFYhp7qEgUA11CtTz7IHyUosOKM+wAjHNPRYEqqFKgTZN2EzWlFpyQHmGFYhp7sEgUA0I1LEUAg3ENPdgEKgGBOpYCoEGYpp7MAhUAwJ1LIVAAzHNPRgEqqFKgZo+FykvxUOkSExzjwWBaqhToKYrc4pLsYwpFNPcQ0GgGioVqOna8NJSLKSPxTT3SBCohloFyoASQe4ayF0DAnUkce/kroHcNSBQRxL3Tu4ayF0DAnUkce/kroHcNSBQRxL3Tu4ayF0DAnUkce/kroHcNSBQRxL3Tu4ayF0DAnUkce/kroHcNSBQRxL3Tu4ayF1DrQJlR8wAIsOKm8j17wCLxFKg5H7vG50Fyp7sAYSGFTaR6z+DIBRHgZL73W80FiinAg0gNqyoiVz/KVixGAqU3O9/o69AmyZWCjEM6CrpeaBbgiZyYFemuQfjJ1By7/lGBDoM0wGFQE+scSLPBrn3fCMCHYbpgEKgJ9Y4kWeD3Hu+EYEOw3RAIdATa5zIs0HuPd/oK1AeIg0hNiweImnwEyi593yjsUBZxjSE0LBYxqTBUKDkfv8bnQXKQvohRIbFQnoNjgIl97vfaC1QzwFVSuLeyV0DuWtAoI4k7p3cNZC7BgTqSOLeyV0DuWtAoI4k7p3cNZC7BgTqSOLeyV0DuWtAoI4k7p3cNZC7BgTqSOLeyV0DuWtAoI4k7p3cNZC7BgTqSOLeyV0DuWuoVaCCbSyBpQou2nOrlWlbnjtiQrNiB1gxHrl7C1SxkTqwVP9Fe272N23Lc092bFacQVCKSe7WApUc5RNYqveiA7uKxLOtwNwDCc6KU7AKccndWaBNE5aSplTfRQd2FYlnW4G5BxKdFeewlmGTOwKdsRQCDYSJPADP8R6ITe4IdMZSCDQQJvIAPMd7IDa5I9AZSyHQQJjIA/Ac74HY5O4sUB4iifBsKzD3QIKz4iFSIS65WwuUZUwiPNsKzD2Q2KxYxlSKSe7eAmUhvQjPtgJzDyQ0KxbSF+ORu7lA2domgtw1kLsGBOpI4t7JXQO5a0CgjiTundw1kPvy/LbhdwRqSOLeyV0DuS/KbwcQqCOJeyd3DeS+FL+dgUAdSdw7uWsg99n57RYI1JHEvZO7BnKfj5vmRKDGJO6d3DWQ+zzck2fNAmUh/QA8wwqEBd3eePbe584tL16MfQ29BcpWzgF4hhUIWwrNseu9xJ17f74Y+xpaC1RyIkJgqUUPE/EMK5DA3AMJzgqBBlHqztafL8a+hs4CbZqw0akpteRxdp5hBRKYeyDRWSHQ6Qxx58GfL8a+hgh0xlIINBAEao++96HuRKDWpRBoIAjUHmHvo8yJQM1LIdBAEKg9it6nmLN2gZo+FykvxUOkSAJzDyQ4KwQ6gAB5Hg069jW0FqjpypziUixjCiUw90Bis0KgZUS582jQsa+ht0BN14aXlmIhfSyBuQcSmhUC7SXWnQeD1rmQngGlgtw1kPtd5pDnjlq3cjKgRJC7BnJ/jtnciUBtSdw7uWsg9xvM604Eakvi3sldA7l3WcCcCNSYxL2TuwZy37KcOBGoM4l7J3cN5L68PBGoK4l7J3cNq85d404Eakvi3sldw1pzF7oTgdqSuHdy17C63NXmbKlVoLk317ATKRbPHWCmO5E8d96dmOy87Q72AHXuqVSgybd3sxc+FM8zCEz3wnue/dASobzdGUphBq1ToIEn3QQfmlMGpzFFUt7VkrkHZxUlUMkVlvQeZbwXL0INWqVAmyZsGASWGgDngQYyoKsFc4/OKkigmivs6T3IdTtevIg1KAJdrNQAEGggCHQAbgKNsVyH9Ql0BKeXzqlUIJFdEVb2UpEYXeHvs3ASaFDByTm1aQXVuWaE3I1vFMrgDjSQkDuhwaUCuyqiqjvQmJvDm6zvDnRMc4FjU6IEHiJFUt4VD5HED5FipHaXUH9+9913VQrUd7VJGSxjCqW4K5YxqZYxheisjAh/fneiToHarncug4X0sZR2xUL6R8EVbt4Hx6ixkAn+/O6aSgW6vq1tJpC7hpy5t15aVqBjuGFOBOpL4t7JXUO63Lt6Mhbo8+ZEoL4k7p3cNWTK/cpSjgLtNeeWWp/CP+YaUFck7p3cNSTJ/basvARaJM4DCNSRxL2Tuwb/3O8oy0OgZbecFyBQRxL3Tu4ajHPvV5daoGPM2YJAHUncO7lrcMy9WGBCgY42ZwsCdSRx7+SuwS33QRbTCHSaOVtqFajnemfPBd2RVJ+7K0YL6YerrECggUd4vngRYc6WSgXquePOc0thJNXnbovHVs6RSusXaND+9ThxHqhToJITEQJLLXqYSCDV5+6L/jCRCV7rFejkE0BC3q7fokqBNk3Y9NOUWvI4u0Cqz90Y6XF24/3TWqjn3yecQddjzinu3IFAHUshUM/cjVEJdKJ/Wgv1/Psogfaqc6o7dyBQx1II1DN3YxYXaIR9jhbq+fdBAu0X53ffcaDyXaqfyAh0nlIItD+sGO9cWKjn34sEWiLO7ziRftAwGHlt8lI8RDLN3ZdFHiLFOOeGhfq+4K70ysxZVGpE61UKtP7lNJb+XEHutsy9jCnIN89YqPcrbkpvmDnvlhpNpQKtf0G3pT9XkLsrMy6kj3LNHQv1f8mZ9MaZ82apqdQqULutbYNI3Du5a5gj9zDL9Fqo/EsniHMWEKgjiXsndw2huS/roFKBepmzBYE6krh3ctcQlrvEQn1fYGjOFgTqSOLeyV1DRO46C935N1dztiBQRxL3Tu4aJuYuttCN/2Z7z3kOAnUkce/krmF87moF/XYuUMtPOp8HgTqSuHdy1zAqd7V9DuwE2mdOO3fuQKCOJO6d3DUMzV0tng795vR05w4E6kji3sldQ3HuauN0KDGnrzr31CrQ6nfERO5Eiqxl9KslhpfKuwOsIHe1arrkF2fLixdjh4O3QKvfkx25Fz50X73Hr5YYWSrtGQR9uas9c6CCW84zXmwFOm44WAu0+lOBArsKPtlJ/6slJpTKegrW453c1Y7ZUcOb9Ru82At01HBwFmjThA10TaklzwONrPUo/tUSU0slPYd1y63c1X75rdScwt8LP4UXB4GOGQ4IdMZSCLT+3IO5yF3tlt8Gfc6JQBFoaCkEWn/uwZxyV2vlt+G/yQ2BItDQUgi0/tyD2eWuNspvI4/9QKBeAuUh0jxtlcBDJAUbB8klNMacLfLeR1LrQySWMQ0i1AksY1qU41wWCnSCOVtSCbQb/4Th4C1QFtIPIbIWC+kX42xaSwQ66v36DXII9NZrMH44mAuULYUiyH0Jrmf3ogK9L85B7txhLtB7r8QEQSHQ2UjcO7nPzDOTfBGB9opzuDt3uAq04OVAoI4k7p3cZ+TOXJ9XoCXmnLCTyE6g5S8JAnUkce/kPg99U34mgc5szha9QEe/LgjUkcS9k3s4RQaIFugy5mwRCnTqi4NAHUncO7nHMUQEYQJdUpwHFAINeo0QqCOJeyf36YzxwXSBKszZsqhAY18rBOpI4t7JfRpjtTBFoDpztiwj0FleLwTqSOLeyX00k+wwUqBic7bMJdAFXrRaBcpOpAF4hhVIYO7zMN0VwwXqYM6Wgt63287LC94NO3SMVipQ9sIPwDOsQAJzj2a8dC4YItD75nwxzFUR9Pf+oqyrkshjx2idApUc5RNYKutpTJFtxRGYexwR3ulSJNCCe84XLwpdFUlv771dlQcfPEarFGjThKWkKZX0PNDItuIIzD2IUPm03Bdo8dv1Fy8UBu0T6J2uhmYfPUYRqGMpBBqIlUDnEdBvzwq0x5xXH3UmEOi0FwCBFuDpBASqwUWgMzvoUkK96rz5mMhZoJZjFIE6lkKggRgIdAkHHSTUL857T9gtBeo8RqsUqOlzkfJSPESKJDD34SxjoI2DSsRZsDbJ6iHSiJewl+AxWqdATVfmFJdiGVMogbkPYSH7BJnzgMCfVwKd8BL2EztGKxWo6drw0lIspI8lMPcSFtJOsDkPLO/PjUB7M3Udo7UKlC2FIlad+0K+mcmcEkJyF4JAHUnc+2pzX8Y31Yjz7J4z8ZhBoI4k7n2NuS9jnBrNOS13BxCoI4l7X1nuyzinwJzC3wtfSGjuNiBQRxL3vpbcl9JO6T2no0DnyN0NBOpI4t5rz30p+Qx9t24l0BlydwWBOpK495pzX8I9Yz/p9BDoPLk7g0AdSdx7pbnP754+c/Y8JRILdK7c7alVoJ7rbk0X0gfi2dak3M9NEb/MvN+cJU/Y4wQqOPt9jePdW6CeO79Mt3IG4tnW+Nxv2iXKoCXmLF6cFCbQ0iucNffxpZZlQlvWAvU8e6C81KKHiQTi2da43O/YZapBI8V5IEqgkrPf1zjenQXaNGGBa0oteZxdIJ5tDc+91y5jDTqHOVuCBHrrChfLPaLUkkxqC4HOWGqNA2o2BnQ14VdL9DCfOVvmEOhiua9xvCPQGUutcUDNRklXBwsN0UsRM95znhMqUMZ7EQjUtdQaB9Rs9HR1ZqEivZQJdClztsQIlPE+hGoFykMkEZ5tPdvVtYX6BFPmz0XN2TJRoP1hBeZ+xRrHu7VAWcYkwrOtG109Y6Fe0fT5c3lztgwV6JCwAnO/zRrHu7dAWUgvwrOtTlf3LdQvnmf9qTJnS7FAh4QVmPtd1jjezQVa65ZCe2xzL7LQGHVpxXmgX6DqF+AOrmOmgFq3cvpO5BIS926Ze7GFhklLfNN5xh2BqtPvx3HMFIJAHUncu1vuwyxU9mU9H3RKDoe/JVB19sWYjZkhIFBHEvdulPsIC93/515xaty5YydQdeJj8Rkzg0GgjiTu3ST3kRZ65r+XmFP6O4lsch9H4t4RqCOJe9fnPsFDVwJNYM4Wfe4TSNw7AnUkce/S3Kfq6CTQPOZsYbxrkAv008sf/9j94fPrh4eHVwh0S+LeNbkHWel37885dzyTAONdwwICfds0//JvX99+f/Mfv7x52Av008uHLa1NEWhWls09UExZzdnCeNcwu0Dfb9fq/8u//fNvzb/+x41//tA6c3P/+dPOoq9iBMpOpAF4htXHAPdM2n55bs7AX+lRWqoojTiBeo73QELH6NwC3flzI9D//mvT/Ok/r/55e9+5E+jT/n8+vfzh1wiBshd+AJ5h3WOEqW67avA9Z+Cv9Hi+1JhIwgTqOd4DiR2jMwv0H3/e3Hj+9183b+G3Bv358p83b+D/9/4z0Hf7W8/Nf/glQKBTTklxKLXo6TSeYT3HaFNdumrUu/WYX+nxbKkJuUQJ1HO8BxI8RmcW6NvtbedOoF83b+K/ufzndw8/7R8ifXnzl7/v/suHq/fwI3prmrCUNKWWPB/RM6xrJpvq6Krxn3NO/ZUez5aaHk+QQD3HeyDRY3RegW6kubnr3Av068erT0G379v3Av38un3r/mH7UeiOb1tum/kup5BGfPPKSrm2deL3iZxUdd+cg0pNbepdyNgAACAASURBVOpQKjirydiPhql4dvWcQPfqbAX6jz9fCPTz681t54VAnxDosqVc29oxWVOtqnrerg+1XoRATSey82gIwbOrcQLdfe75rEAPjLg7PoU08vZaXYq38EELlHrMefmGfb5fKvfb5dv0yKy28Ba+DJvciwR69hb+/cVj+A+7B+9zCNT0uUh5qXU/RBohpyt6zXnzw86gX+lxwZxZHeEhUiEuuRcJ9Ovb7eeee4H+48/nD5E+vdw9N3r2M9ApAjVdmVNcaqXLmAZp6RkKzPn8c6Lpv9Kjy6xZXcIyplJMci8T6Maa2zWgG4G+3+1HOrsBPfLDr7FP4R9d14aXllrbQvpSO95lijlbpvxKjw6zZvUMLKQvxiP3MoG2C+n3nG/mPBPo13f79Z9B60CnXJgDiXsfnHuZHe8w6Z7znKm/GniWRMtgvGtYZivnDX8eaA8TCd6JxIBSMST3abYqEefA3eujBTpfnqUw3jUsc5hIc3MfZ1eg0XvhGVAiCnMfa6otM5izZbhAZ06zHMa7Bpvj7J4eOI3pSOLe+3IfJbYjc5mzpUCgy6Q4HMa7BhuBch5oh8S9P5v7FLFtmdWcLfcEumiKw2G8a5ALtJelL8yBxL3fyn2q12YX54GbAl0+wzEw3jXMK9DtEUznXB3IhEBvkLj3i9ynKm0hc7acC1SU4DgY7xqWFujtY5UR6DmJez/lPkllS91zntMKVJnfWBjvGhYX6LOP42MFKl8bPqnUwgvpA9m2NUVh83zQ2bv6ve1+jQu6rxCMrNzjfdx3Fgl0twx0v/7zY7PdyfnPvw1+Fz/6uix2J44rtexWzjCmHNjeZ84p9513ujq/gDVuKbxEMbKSjvdJbZUJtHMG6P5gka9vr49Vjhfo4W531JUZlFr0MJEYOqYaZtB+c059z15+9vsaD7W4QDKyEo73HVPaKhJoK82DTLfv3j8OfQ8/4bq8TmgbUGrJ4+ymc2WqMoOWmDPi484BZ7+v8Vi1czQjK9d4PzKprSKBtgfZ7dmfB3p1KigCvSbNgLqnqknmDBDnRVcRuQeCQDukGe/nLCHQsztQBFqNQO+p6lmBLmzOlsDcA0GgHfzH+03mF+jmLfzxDXv7Z97CpxboXVU9L1CJOYeHhUAR6ADmF+juLKb9PejHZvc8/vJY5VkEykOkWehX1pU/F77nnBoWD5F4iDSEKW2VCXS7bOnI5tbzbcMypoIvtFvWUWqwgz9LxDm/OQ8E5h5I7EvIMiYFE9oqE+jhMLst7TLQgTegLKSfVmoyw0y2sDkLryEw90BCX0IW0ksY31apQA8K3XlzI9DbxyqHC5StbZMZKjNHcw7EIvdxMN41cBqTI9reh+ssvTlbEo8ZxruGBQX6z78NPkgEgS5NsDvjxLnICR+JxwzjXcNiAt0+j0eghUh6D3VnMnO2JB4zjHcNywi0PZUJgRaydO9x4vzu96m/2VJizpbEY4bxrmEJgbYP4s9/LTwCvcNivceJ83DXGSDQpS7+msRjhvGuYXaBfmwXMQ1++o5AZ2SY0frM2X3HPkqgc19uKYnHDONdw7wCPa6jH61PBBpLtDmvPu0cJtDZrnMciccM413DnAJ93751/78jVn8i0GDizXn7QVGhQOMvMILEY4bxrmE2gR5+m8fP45bPTxUoO5E69Nmss319tDivSxmZk51I3iTufS6B7v2596ZAoOyFbym5G9ztX59qzk6pkl+esSjshTcnce/zCfT00H15gR6234+8NnmpkNNpSty5JcScXX9eGLQ8oJkIzD2QwIG1BYFqmPcOdH/05+ICbZqw0akpNe18xDhxDlwPP+CXZyxIYO6BBA6sHQhUw3wPkd7uh8f3CHR4qZECLRVduDnPBRr4xjQCBGpP4t7nfArfPkda/in86gRa7rh5zNkSLYUYEKg9iXufeSH95GX0CPReqUG/QLjHnKN+nfvoK1wQBGpP4t5n34l0WEu/6E6kwLEpKVXyEGnAL2DvM+fwX+Y++ZdnLElg7oEEZ4VANSyxF/4ff96NlCX3wgeOTUWpnov+7e56oVJzHr9qiD+jrnBRonKPJTYrBKphoePs3u4Gy4KnMQWOTUGp5y/6zHojzXn1QWeJP4OvcFmm5z4HoVkhUA2LnQe6faLEcXaF3Oi97AZxhodEQ1uvLPcskLuGJX+lx3sEWki391LR9apzqDtHtl5L7skgdw38TiRHdr2HiXOoOqe1nj73nJC7BgRqx0ZhJScalYhzSXO25M39cZ0T2YHEvSNQH04muytQU3O2JMz9ROLeyV0DAjXgSmi3BeptzpZMuV+RuHdy14BAlTzntQuBxptzvktKkftzJO6d3DUgUAk9fjsKNMEt5wXeufeQuHdy11CrQD0X0u8o0NzvJe4ctvlyoSvMXSrvRCZ3EZUK1HMrZ9DKpO2XlG+/XPQKk5dKO5HJXUWdApWcAHKfCHWevq7kAJClr7CCUlknMrnLqFKgTRM2DKaXijXnuT9vG3TpK6ynVNKJTO46EOhcpcrEOfDYj/sCXfgK6yuVdCKTuw4EGl4qxpx3H69fCnThK6y2VNKJTO46EGhcqShzfvdd31bOgz4jPqpKP/sCSyWdyOSuo0qBLv1JeJw529vO3r3wgReY/glEYKmsE5ncZdQp0KXWYhSac/B6+OcFOsMFZl8DE1gq7UQmdxWVCnTu1cBx4rz5UecNgc54gclXYQeWyjuRyV1ErQKda2tbnDjvPSTqCnSWy5gPthRqIHcNCLSQZczZFWhs/0vBRNZA7hoQaA9l4ixzZ1mhx3UOKAcS907uGhDocxSbM+w3uXWan9i7ECayBnLXgECvGGDOoVswe815aH5s73qYyBrIXQMCPTHInPfVOdach+ZHXrQBTGQN5K4BgT46mfPQ/MiLNoCJrIHcNaxboMPMGfN+veTp+hoHlAOJeyd3DesUaKg4Y925b37kRRvARNZA7hpqFegzeyCCxTnUnYE7M9iJNEOpZScyL+GBvAIdH5a3QK924cabc8THnYF7g9kLP0epRScyL+GRtAKdEJa1QJvmeGUyc97tqi/cARc4mcBa2UstOZF5CU9kFeiUsJwFuruo4t+6Nr85z9MOOB9xQKleAmulL7XgROYl7JBUoJPCqkagBeIsLBUXNwKtfiLzEnZAoAkFWnbLef/Xt5WZs9sVAnUuhUCrzz2StQp0yJv1wN9/iUDtSyHQ6nOPpFqBPh4EOtydV9/xrD/HdVWWNg+R6n+YwUt4IqlAq32ItLuyS+kNNee5QSe689hVWdosY1rBchpewiNZBVrtMqbtlZ2kN9KcXYNOduehKxbSO5diIb2mVFqBVruQftPf7zHHfsSYc2jzi/60UNhSqIHcNdS6lfPxa5A7R/74aaxxQDmQuHdy17A2gZqb89C88odPg4msgdw1rEigGczZssYB5UDi3sldQ70C/T3bbWeHNQ4oBxL3Tu4a6hZouTlt3LljjQPKgcS9k7uGigWa05071jigHEjcO7lrWLdAR9aenTUOKAcS907uGtYp0JE1F2ONA8qBxL2Tu4ZaBdrdiTRRnp47M9jGMkOpvBPZM/dS8uZeq0Bv7IUfe+PpuTeYjdRzlEo7kT1zLyZt7rUKtGkuT2MaeZWup9MEdpX+KJ/AUlknsmfu5WTN/bFSgTYHgb6Y/HFn04SNqAGlOA/UM3dTPHMfQNLct9QrULsBhUDtSyWdyJ65DyBp7lv8BTqC0yigVNK2PEuZQlj54Q40shR3oJ65m+KZ+wCS5r7F/w50THOBg0BSiodIprmb4pl7OVlzf6xVoKbLOopLsYzJNXdTPHMvJm3u1QrUdGFxaSkW0mtK5Z3InrmXkjf3agXK1jYR5K6B3DUgUEcS907uGshdAwJ1JHHv5K6B3DUgUEcS907uGshdAwJ1JHHv5K6B3DUgUEcS907uGshdAwJ1JHHv5K6B3DUgUEcS907uGshdQ60C9VxYzEJ671LL5m76EgpAoG4C9dzaxlZO81KL5m76EipAoGYCbZqwESUpxWEi9edu+hJKQKBeAm2asBGlKcVxdtXnbvoSakCgCDS0FAKtPnfTl1ADAkWgoaUQaPW5m76EGhAoAg0thUCrz930JdSAQL0EavpZf3kpHiLVn7vpSygBgZoJ1HS1SXEpljGtIHfTl1ABAnUTqOl659JSLKTXlGIhvQYEaidQtraJIHcN5K4BgTqSuHdy10DuGhCoI4l7J3cN5K4BgTqSuHdy10DuGhCoI4l7J3cN5K4BgTqSuHdy10DuGhCoI4l7J3cN5K4BgTqSuHdy10DuGhCoI4l7J3cN5K6hVoF6bhjx3BGTPKzAUnl3IiFQEZUK1HPLsuee7OxhBZZKuxcegaqoU6BNEzY6JaU4jan+3CNfwkcEqqJKgTZN2OjUlOI80Opzj3wJtyBQDQjUsRQCrT53BNohce8I1LEUAq0+dwTaIXHvCNSxFAKtPncE2iFx71UK1PSz/vJSPESqP/dYfyJQEXUK1HS1SXEpljGtIPdQfyJQEZUK1HS9c2kpFtJrSrGQXkPi3msVKANKBLlrIHcNCNSRxL2TuwZy14BAHUncO7lrIHcNCNSRxL2TuwZy14BAHUncO7lrIHcNCNSRxL2TuwZy14BAHUncO7lrIHcNCNSRxL2TuwZy11CrQD3XO3su6E4eVmCpZSey6UL60LbKQKBuAvXccee5pTB7WIGlFp3Ipls5Y9sqA4GaCTTwoAZJKQ4TMc09kMiX8DFOoMFtlYFAvQTaNGHDQFOK4+w8cw8k8iXcEiTQ6LbKQKAINLQUAvXMPRAE2gGBItDQUgjUM/dAEGgHBIpAQ0shUM/cA0GgHRCol0Drf5gROcqzhxVYiodIPEQaSJ0CrX85TeQoTx5WYCmWMbGMaSCVCrT+Bd2Rozx3WIGlWEj/yEL6YdQqULa2iSB3DeSuAYE6krh3ctdA7hoQqCOJeyd3DeSuAYE6krh3ctdA7hoQqCOJeyd3DeSuAYE6krh3ctdA7hoQqCOJeyd3DeSuAYE6krh3ctdA7hoQqCOJeyd3DeSuoVaBVr8jhp1IM5RaNnfTnUgCEvdeqUCr35PNXvg5Si2au+leeAWJe69ToIFHykhKcRpT/blHvoSPCFRFlQJtmrDRqSnFeaDV5x75Em5BoBoQqGMpBFp97gi0Q+LeEahjKQRafe4ItEPi3hGoYykEWn3uCLRD4t6rFKjpZ/3lpXiIVH/usf5EoCLqFKjpapPiUixjWkHuof5EoCIqFajpeufSUiyk15RiIb2GxL3XKlAGlAhy10DuGhCoI4l7J3cN5K4BgTqSuHdy10DuGhCoI4l7J3cN5K4BgTqSuHdy10DuGhCoI4l7J3cN5K5BKtBPLx8eHl61f/n8uvMXBJoVctdA7hqUAv3wsOOHX48yfXj48Q8Eus4B5UDi3sldg1CgG2X+srvx/Onr4X82/+lVjEA91zt7LuhOHlZgqYVzD8S0rUIQ6BiBvtvL8tPL7S3o0/7ec/+X6QL13HHnuaUwe1iBpZbNPRDTtkpBoBMeIn1+vXVma9Mvb7Z3pZMFGnhQg6QUh4msIPdATNsqBoFOEOinl5t7zy9v/vL33d8+XL2HH9Fb04SNKE0pjrOrP/dATNsqB4GOF+jhk9D2rfuH3SeiW75tGVHzNKDGdrWeUqZtVV8qEtO2YAAjX7p3Dw+7W8+jQJ8Q6LKlTNuqvlQkpm3BAMa9dF/ePOwXf94Q6IERd8enATXy9lpdirfw9eceiGlb5fAWftJnoJv38LEC5WHGPG1VX4qHSBoQ6JStnNsVTDc+A50iUJbTDCF5WIGlWMakAYFOEej2MXzsU/hHFnQPIndYgaVYSK8BgY4Q6HHJ524d07v9X4LWgU65MAcS907uGshdg3Qn0v7d+u5de/BOJAaUCnLXQO4a5HvhN+rcvnuP3gvPgBJB7hrIXYPyM9Cn/WlM+zft7V84jWlL4t7JXQO5a5A+RNodAXpQJueBnkjcO7lrIHcNBk/he1j6whxI3Du5ayB3DQjUkcS9k7sGcteAQB1J3Du5ayB3DQjUkcS9k7sGctdQq0DZETOAyFqWE9k090gscy8lce+VCpQ92QMI3UjtOJFNcw/FMfdiEvdep0AlR/kElsp6GtOj5UQ2zT0Ww9zLSdx7lQJtmrCBrimV9DzQLX4T2TT3YPxyH0Di3hGoYykEGohp7sH45T6AxL0jUMdSCDQQ09yD8ct9AIl7R6COpRBoIKa5B+OX+wAS916lQHmINE9bJRhOZNPcYzHMvZzEvdcpUJYxDSHUCY4T2TT3UBxzLyZx75UKlIX0Q4isZTmRTXOPxDL3UhL3XqtAGVAiyF0DuWtAoI4k7p3cNZC7BgTqSOLeyV0DuWtAoI4k7p3cNZC7BgTqSOLeyV0DuWtAoI4k7p3cNZC7BgTqSOLeyV0DuWtAoI4k7p3cNZC7BgTqSOLeyV0DuWuoVaDsRBJhOZEDc3fFMvdSEvdeqUDZC6/CcSIH5m6LY+7FJO69ToFyGpMMw4kcmLsvhrmXk7j3KgXaNGGC0ZTiXMpAAnM3xi/3ASTuHYE6lkKggSBQexL3jkAdSyHQQBCoPYl7R6COpRBoIAjUnsS9VylQHiLpMJzIgbn7Yph7OYl7r1OgLGOS4TiRA3O3xTH3YhL3XqlAWUivwnIiB+buimXupSTuvVaBMqBEkLsGcteAQB1J3Du5ayB3DQjUkcS9k7sGcteAQB1J3Du5ayB3DQjUkcS9k7sGcteAQB1J3Du5ayB3DQjUkcS9k7sGcteAQB1J3Du5ayB3DbUKtPqF9JHkDiuw1BonsgOJe69UoNVv5YwkeViBpdY4kR1I3HudAq3+MJFIsocVWGqNE9mBxL1XKdCmCZt+mlJLDqj0YQWWWuNEdiBx7wjUsRQCrT/3YBCoBgTqWAqB1p97MAhUAwJ1LIVA6889GASqoUqB8jBjCNnDCiy1xonsQOLe6xQoy2mGkDyswFJrnMgOJO69UoGyoHsIucMKLLXGiexA4t5rFSgDSgS5ayB3DQjUkcS9k7sGcteAQB1J3Du5ayB3DQjUkcS9k7sGcteAQB1J3Du5ayB3DQjUkcS9k7sGcteAQB1J3Du5ayB3DQjUkcS9k7sGcteAQB1J3Du5ayB3DbUKtPodMYFdmYYVCDuRvEnce6UCrX5PdmBXpmEFwl54cxL3XqdAqz8VKLAr07AC4TQmdxL3XqVAmyZsJmtK9V10YFemYQUSmLsxCFQDAnUshUADQaD2JO4dgTqWQqCBIFB7EveOQB1LIdBAEKg9iXuvUqCmz0XKS/EQKZLA3H1BoBrqFKjpypziUixjCiUwd1sQqIZKBWq6Nry0FAvpYwnM3RUEqqFWgTKgRJC7BnLXgEAdSdw7uWsgdw0I1JHEvZO7BnLXgEAdSdw7uWsgdw0I1JHEvZO7BnLXgEAdSdw7uWsgdw0I1JHEvZO7BnLXgEAdSdw7uWsgdw21CtRzbXj9C7o9F9KXkjd3BCqiUoF67k6sf0uh51bOYtLmjkBV1ClQz/Mx6j/UwvMwkXKy5v6IQFVUKdCmCZvJmlJJB1RgWBqS5r4FgWpAoI6lkg4oBKoDgWrwF+gIThO50lKm1H+FAPPAHWhkqaT/j8wdqA7uQDX434GOaS5wHktKZR1Qyf2ZNvdHBKqiToGyjElEbn/mzR2BqqhUoCykF5Han4lzR6AiahUoA0oEuWsgdw0I1JHEvZO7BnLXgEAdSdw7uWsgdw0I1JHEvZO7BnLXgEAdSdw7uWsgdw0I1JHEvZO7BnLXgEAdSdw7uWsgdw0I1JHEvZO7BnLXgEAdSdw7uWsgdw21CrT6nUiuW36YyBrIXUOlAq1+L7ztpnMmsgZy11CnQKs/jcn32CMmsgZy11ClQKs/D9T44E0msgZy14BAHUshUA2Jeyd3DQjUsRQC1ZC4d3LXgEAdSyFQDYl7J3cNVQqUh0g6mMgayF1DnQJlGZMMJrIGctdQqUBZSK+CiayB3DXUKlAGlAhy10DuGhCoI4l7J3cN5K4BgTqSuHdy10DuGhCoI4l7J3cN5K4BgTqSuHdy10DuGhCoI4l7J3cN5K4BgTqSuHdy10DuGhCoI4l7J3cN5K4BgTqSuHdy10DuGmoVaPU7kVxhImsgdw2VCrT6vfC2MJE1kLuGOgVa/WlMvjCRNZC7hioFWv15oMYwkTWQuwYE6lhqjQPKgcS9k7sGBOpYao0DyoHEvZO7BgTqWGqNA8qBxL2Tu4YqBcpDJB1MZA3krqFOgbKMSQYTWQO5a6hUoCykV8FE1kDuGmoVKANKBLlrIHcNCNSRxL2TuwZy14BAHUncO7lrIHcNCNSRxL2TuwZy14BAHUncO7lrIHcNCNSRxL2TuwZy14BAHUncO7lrIHcNCNSRxL2TuwZy11CrQFlIL4KJrIHcNVQqULZyqmAiayB3DXUKlMNEZDCRNZC7hioFynF2OpjIGshdAwJ1LLXGAeVA4t7JXQMCdSy1xgHlQOLeyV0DAnUstcYB5UDi3sldQ5UC5SGSDiayBnLXUKdAWcYkg4msgdw1VCpQFtKrYCJrIHcNtQqUASWC3DWQuwYE6kji3sldA7lrQKCOJO6d3DWQuwYE6kji3sldA7lrQKCOJO6d3DWQuwYE6kji3sldA7lrQKCOJO6d3DWQuwYE6kji3sldA7lrQKCOJO6d3DWQu4ZaBcpOJBFMZA3krqFSgbIXXgUTWQO5a6hToJzGJIOJrIHcNVQpUM4D1cFE1kDuGhCoY6k1DigHEvdO7hoQqGOpNQ4oBxL3Tu4aEKhjqTUOKAcS907uGqoUKA+RdDCRNZC7hjoFyjImGUxkDeSuoVKBspBeBRNZA7lrqFWgDCgR5K6B3DUgUEcS907uGshdAwJ1JHHv5K6B3DUgUEcS907uGshdAwJ1JHHv5K6B3DUgUEcS907uGshdg1Sgn14+PDz88Ov+L59fb/7yCoFuSdw7uWsgdw1Kgb572PPqKNOHhx//QKDrHFAOJO6d3DUIBfq0V+e7h7/8fXf/+dPOoq9iBMpCehFMZA3krkEo0HetLN9t1fm0v/f89PLwjn6aQNnKqYKJrIHcNegE+uXN9s7z69adPx1t+uXNwy8BAuUwERlMZA3krsHgKfxWoEebfrh6Dz+iN46z08FE1kDuGvQC3d10fn7dvnX/sL0d3fFty4iSJ1WN7sq7FABUxXgpfNh++nkU6BMCBYC1MVoKT+1D+CuBHhhxd8xbeB28ldRA7hrUb+H3/gwWKA+RdDCRNZC7BrFAP+z9eesz0CkCZRmTDCayBnLXIBXolzeHjZyxT+EfWUgvg4msgdw1KAW68edx5+a7/frPoHWgUy7MgcS9k7sGctcgFGjXn9E7kRhQKshdA7lrEAr0Q/fkkOi98AwoEeSugdw16AS6O77u4XgE09MDpzEdSdw7uWsgdw06gT49nAmU80A7JO6d3DWQuwb1OtB+lr4wBxL3Tu4ayF0DAnUkce/kroHcNSBQRxL3Tu4ayF0DAnUkce/kroHcNdQqUM+dSKWscUA5kLh3ctdQqUA998IXs8YB5UDi3sldQ50C9TyNqZw1DigHEvdO7hqqFKjneaADWOOAciBx7+SuAYEuVmoAaxxQDiTundw1INDFSg1gjQPKgcS9k7sGBLpYqQGscUA5kLh3ctdQpUB5iKSDiayB3DXUKVCWMclgImsgdw2VCpSF9CqYyBrIXUOtAmVAiSB3DeSuAYE6krh3ctdA7hoQqCOJeyd3DeSuAYE6krh3ctdA7hoQqCOJeyd3DeSuAYE6krh3ctdA7hoQqCOJeyd3DeSuAYE6krh3ctdA7hpqFahg9XsgaxxQDiTundw1VCpQxf7LQNY4oBxI3Du5a6hToJITQAJZ44ByIHHv5K6hSoFqzqALZI0DyoHEvZO7BgTqyBoHlAOJeyd3DQjUkTUOKAcS907uGhCoI2scUA4k7p3cNVQpUB4i6WAiayB3DXUKlGVMMpjIGshdQ6UCZSG9CiayBnLXUKtAGVAiyF0DuWtAoI4k7p3cNZC7BgTqSOLeyV0DuWtAoI4k7p3cNZC7BgTqSOLeyV0DuWtAoI4k7p3cNZC7BgTqSOLeyV0DuWtAoI4k7p3cNZC7BgTqSOLeyV0DuWtAoI4k7p3cNZC7BgTqSOLeyV0DuWtAoI4k7p3cNZC7BgTqSOLeyV0DuWtAoI4k7p3cNZC7BgTqSOLeyV0DuWtAoI4k7p3cNZC7BgTqSOLeyV0DuWtAoI4k7p3cNZC7BgTqSOLeyV0DuWtAoI4k7p3cNZC7BgTqSOLeyV0DuWtAoI4k7p3cNZC7BgTqSOLeyV0DuWtAoI4k7p3cNZC7BgTqSOLeyV0DuWtAoI4k7p3cNZC7BgTqSOLeyV0DuWtAoI4k7p3cNZC7BgTqSOLeyV0DuWtAoI4k7p3cNZC7BgTqSOLeyV0DuWtAoI4k7p3cNZC7BgTqSOLeyV0DuWtAoI4k7p3cNZC7Bn+BjuTbb9UdrBNy10DuGqJyR6Cwg9w1kLsGBAqhkLsGcteAQCEUctdA7hoQKIRC7hrIXQMChVDIXQO5a0CgEAq5ayB3DQgUQiF3DeSuoVqBAgBkAYECAIwEgQIAjASBAgCMBIECAIwEgQIAjASBAgCMBIECAIzES6CfXz88PLxSd7E6drFv+OFXdSdr4vPrn45/YtgvxzH3kGFvJdBPL3cX9OMf6kZWRps7Al2Udw/tRGbYL8pl7vUIdPP/CD/tLuuVupOV8XQYUrAc7x7a1Bn2i3LMPWbYOwn0af9/wp9ecie0LO+Yu0uzu/vZz1+G/YJ0co8Z9k4CbS/oy5uHX8SdrIsvb/7yd3UPK+PDZhYfboAY9svRzT1m2BsJ9HhBH7ghWpTPr3/8r5d8ArokHzZDvZ3IDPsF6eQeNOyNBPr5dXstH/hIblEOH6ZzB7Qo7URmW46RewAABupJREFU2C/MQaAxw95RoDzTWJan/RqaTy95J78klwJl2C/D0/Gz54hhj0DhcOvDe8hFQaAano7DPWLYI1A48OklSxEXBIFquMx52rB3FCgfBmlgIc2i8BmohmuBThn2RgLlcaQY7kAXhafwGqq9A/36bv88jAVxy3KcwbyHXJTTOlCG/ZJc/h/XtGHvJFC2ZGg47Mh4xwxektPTYIb9klxsYJg47J0EyqZgDZvEt0PoieMsFuW0oJthvySddaABw95JoNuVWRxLI+ADhzEJOL51ZNgvyjH3kGFvJVAORhSxy50PQJfl9Nkbw35JLnKfOOy9BAoAkAgECgAwEgQKADASBAoAMBIECgAwEgQKADASBAoAMBIECgAwEgQKADASBAoAMBIECgAwEgQKADASBAoAMBIECgAwEgQKz/K2ab45/e2ff2uan6cV/O+/NluORd82f/rPMW2N+a7t1Rz4l38b8f2zNAXJQaDwLFvfnZT5/kynI9gauKUttIxAP+6/vCPQJtB2x+oIdI0gUHiej03zr//R/vkffz79eRQdfx4EtohA3zY3BBqmu7eTLgWyg0DhDhvpfL//0/Q38BsbtxXeN5NqjRbo8dsmNjChGagMBAp32LyJbz8vjHgD372bnaCd6QKdfjVjm4HKQKBwj4/tm92NSSeKYiPQk7PeTvk4IECg0ww+oRmoDAQK99i+c9++iX/beXK9/zDz5I322fr3h3/8eaOn3Vvk/Re237j5y5Vq9vbZfP/3u3fVh48L2u987ideO+usg/Of+745/NPb85Y3f+n2ev4zdrb/eHjctfua4zd3v/BG9bM6Ny4NqgKBwl028tiY6GPHAO+vHqW37G4qN/74X+1fPp79w/brLm87jwL9n3/tfuXxR3xz8ydeCfS8g/Ofe1ugm6v65qzX08/YXedWoG8PRdo/nD7LOH3hdfXzOteXBnWBQOE+248Lu3eP79vbq7etz97vXbG9Cdz+fXsDtlHNP//P8W3y4fPGy0WgXzsCPd6wft/5EW/P/3r8iZcCvejg8uc+8xno991et/9ha7jDwq3dbeQ3X1s3f9Np4uILL6tf/PPVpUFlIFC4z3bu/4/T2+n9vduW97v/uFHE/u/tp6Snp/XvDzddhw88d++EzyR6EujP7Y9q/76TUfvY6fInXgr0soPLn3st0FacnV6PH/G2P/MovIOVD9Uuv/Ci+uU/X14a1AYChR523uu8gT+8F90/FfrY+YyzVc/xffjVhp/j+9u23oV1Wkl9PGhtX/vyJ14K9LKDy597ex3oN19v97q52u+7//L29NZ938z5F14I9PKfLy8NagOBQh/vz5+gPLcR8+1BoO1/3X4UeX3X9bFr0KNAj7eYewN2XXP9E5998H3079kX3BToN23pK73tm7nxL3tPX37hhUAv//ny0qA2ECj00d5r7Wg/yDx7aLNl96FhK9DTG/TOzWaX94dHMp2n8O0/bEucC/L6J94W6LGDy597Q6DdZ+3tHzpv7/fP54+PyLoCvfrCc4Fe/fPlpUFtIFDoo0egH8/+2r1hPHzoeX12x9um8/53skDPO7j8uc9vtuwK9Pwu945An7kdvvi29j8g0NpBoNDHhUDPt/Acdrj/fHoL/831P/988SFgK5ZCgV5sGrow4WUHFz+3UKDcgcIYECj00RXo1dPk98f3yjcF2n7J5nved7ef9wi0dc2u1vXz6wsTXnZw8XNLBHrrM9CbAh3xGSgCrRoECn10BdrZkrQz20lvG1ecCfTsw9D9svqTQt53bw4vLXN8Cr/5wT9f/cRLE152cPlziwR6svvHwwrR2wK9/MKrp/Dn/4xAaweBQh9nAj3tIt957qSv95efgb4/38S5e1O9/9rtx5rt0vhbAj2u/Xl7WAfa/YnPC/T9YU/R+ebREoHeWAd6W6DD14Ei0KpBoNDHmUC3mtoJqn2D3O732T3qaRenn6R03NXz89fuOvqL5ztXlvl4LP39jZ94th5p8/WXHVz+3PcXD5NOdG5WOzuIvv96R6CXX3hZ/eKfEWjtIFDo41ygp9XwO2McH5L/6d8Pmxa/OX1f011R1Hme3t4jPiPQZ/fCXy/o3Hz9ZQeXP/dwJshdgd7YC/+1bfFcoBdfeFX9ai88Aq0aBAp9XAj0/JCl1md7kX1z8RDpfVeDx+/sfuttgd4+jenw9wuBXnZw9XPblfX3Bdr+jG8u/+VKoOdfeF397J8RaO0gUACAkSBQAICRIFAAgJEgUACAkSBQAICRIFAAgJEgUACAkSBQAICRIFAAgJEgUACAkSBQAICRIFAAgJEgUACAkSBQAICRIFAAgJEgUACAkSBQAICRIFAAgJEgUACAkSBQAICR/H+pMZb1EJqevwAAAABJRU5ErkJggg=="/>
+          <p:cNvSpPr>
+            <a:spLocks noChangeAspect="1" noChangeArrowheads="1"/>
+          </p:cNvSpPr>
+          <p:nvPr/>
+        </p:nvSpPr>
+        <p:spPr bwMode="auto">
+          <a:xfrm>
+            <a:off x="155575" y="-144463"/>
+            <a:ext cx="304800" cy="304801"/>
+          </a:xfrm>
+          <a:prstGeom prst="rect">
+            <a:avLst/>
+          </a:prstGeom>
+          <a:noFill/>
+          <a:extLst>
+            <a:ext uri="{909E8E84-426E-40DD-AFC4-6F175D3DCCD1}">
+              <a14:hiddenFill xmlns:a14="http://schemas.microsoft.com/office/drawing/2010/main">
+                <a:solidFill>
+                  <a:srgbClr val="FFFFFF"/>
+                </a:solidFill>
+              </a14:hiddenFill>
+            </a:ext>
+          </a:extLst>
+        </p:spPr>
+        <p:txBody>
+          <a:bodyPr vert="horz" wrap="square" lIns="91440" tIns="45720" rIns="91440" bIns="45720" numCol="1" anchor="t" anchorCtr="0" compatLnSpc="1">
+            <a:prstTxWarp prst="textNoShape">
+              <a:avLst/>
+            </a:prstTxWarp>
+          </a:bodyPr>
+          <a:lstStyle/>
+          <a:p>
+            <a:endParaRPr lang="en-US"/>
+          </a:p>
+        </p:txBody>
+      </p:sp>
+      <p:sp>
+        <p:nvSpPr>
+          <p:cNvPr id="5" name="AutoShape 4" descr="data:image/png;base64,iVBORw0KGgoAAAANSUhEUgAABUAAAAPACAMAAADDuCPrAAAAolBMVEUAAAAAADoAAGYAOpAAZrYzMzMzZv86AAA6Ojo6kJA6kNs9PT1NTU1NTW5NTY5NbqtNjshmAABmZmZmtv9uTU1uq+SOTU2Oq6uOyP+QOgCQkLaQ29uQ2/+rbk2rjk2r5P+2ZgC2kDq2///Ijk3I///KysrW1tbbkDrb///kq27k5Kvk///r6+v/tmb/yI7/25D/5Kv//7b//8j//9v//+T////sHfwrAAAACXBIWXMAAB2HAAAdhwGP5fFlAAAgAElEQVR4nO2da4PcxpFlMWNJ3hXbkrwiufLucM0ZSuJw1GxzaPL//7WtB6oK9ehCAgjg3kic88Wk2B0duJV5jCpkZjdfAQBgFI26AQCArCBQAICRIFAAgJEgUACAkSBQAICRIFAAgJEgUACAkSBQAICRIFAAgJEgUACAkSBQAICRIFAAgJEgUACAkcwn0MdxjP5GBxL3Tu4ayF3DBEEh0NlI3Du5ayB3DQjUkcS9k7sGcteAQB1J3Du5ayB3DQjUkcS9k7sGcteAQB1J3Du5ayB3DQjUkcS9k7sGcteAQB1J3Du5ayB3DQjUkcS9k7sGcteAQB1J3Du5ayB3DQjUkcS9k7sGcteAQB1J3Du5ayB3DQjUkcS9k7sGcteAQB1J3Du5ayB3DQjUkcS9k7sGcteAQB1J3Du5ayB3DQjUkcS9k7sGcteAQB1J3Du5ayB3DQjUkcS9k7sGcteAQB1J3Du5ayB3DQjUkcS9k7sGcteAQB1J3Du5ayB3DQjUkcS9k7sGcteAQB1J3Du5ayB3DQjUkcS9k7sGcteAQB1J3Du5ayB3DQjUkcS9k7sGcteAQB1J3Du5ayB3DQjUkcS9k7sGcteAQB1J3Du5ayB3DQjUkcS9k7sGcteAQB1J3Du5ayB3DVqBvnvY8Mv+z59fb/78CoFuSdw7uWsgdw1Kge6UueGn7V8+vdz9+cc/EOg6B5QDiXsndw1CgX55s7vh/PDwl7/vZPrTzqKvYgTabBh5ZQal1jigHEjce1zugeO9lILeBV0VIRToU3u7+WGrzvYvn17+8GuEQJsmLHBFKSayhsS9h+UeON6L6e9d0VUROoFubkB/Of3t3f7W8/w/jhZo04QFLinFRNaQuPeo3APHezm9vUu6KkIn0M+vOzebX95s38d/3d6Ovpou0KYJC1xTiomsIXHvQbkHjvcB9PWu6aoInUA/vfzxj6eHh90noCebftg/Utrwbcvgwptmjoz45gylAObBc5B6dhXKKIH+v/1T+FcdgT4hUAAZnoPUs6tQhl/ZU7uA6Wl7D3pDoAdG3B3zFl4Hb+E18BZeg+4t/NNh2fz2XXusQHmIpAOBauAhkgblZ6Dtc6Pth6E3PgOdIlCWMclAoBpYxqRBKdDWmds/xD6Ff2QhvQwEqoGF9BqU60A7d6Bf3+3XfwatA51yYQ4k7p3cNZC7BuFOpHftu/XdTWfwTiQGlApy10DuGoQCbTe+P82yF54BJYLcNZC7BuVpTE/7ZaD7N+3tXziNaUvi3sldA7lrkJ4H+uXNRpmH9+ycB3oice/kroHcNXAivSOJeyd3DeSuAYE6krh3ctdA7hoQqCOJeyd3DeSuAYE6krh3ctdA7hpqFSg7kQbgGVYgprlHgkA1VCpQ9sIPwDOsQExzDwWBaqhToJzGNADPsAIxzT0WBKqhSoE2TdhM1pRackB5hhWIae7BIFANCNSxFAINxDT3YBCoBgTqWAqBBmKaezAIVAMCdSyFQAMxzT0YBKqhSoGaPhcpL8VDpEhMc48FgWqoU6CmK3OKS7GMKRTT3ENBoBoqFajp2vDSUiykj8U090gQqIZaBcqAEkHuGshdAwJ1JHHv5K6B3DUgUEcS907uGshdAwJ1JHHv5K6B3DUgUEcS907uGshdAwJ1JHHv5K6B3DUgUEcS907uGshdAwJ1JHHv5K6B3DXUKlDPteH1L+j2XEhfSt7cqxeo54SeUMtboJ67E+vfUui5lbOYtLlXL1DPCT2llrVAPc/HqP9QC8/DRMrJmvtj7QL1nNCTajkLtGnCUtKUSjoZAsPSkDT3LVUL1HNCT6uFQGcslXQyIFAdCLQMBDr3hTmUSjoZEKgOBFoGAp37whxKJZ0MCFQHAi0DgQ65sjHf61Aq62RI7s+0uT9WLlDTCV3tQyTXVQ/FpdJOhtz+zJt77QI1ndDVLmNyXXdbWirvZEjtz8S51y5Q0wld7UL6+geUK+Sugdw11LqVkwElgtw1kLsGBOpI4t7JXQO5a0CgjiTundw1kLsGBOpI4t7JXQO5a0CgjiTundw1kLsGBOpI4t7JXQO5a0CgjiTundw1kLsGBOpI4t7JXQO5a6hVoJ4bF+rficREFkHuGioVqOfW2fr3wjORVZC7hjoF6nl4S/2nMT0ykVWQu4YqBTrpnD6HUmscUA4k7p3cNSBQx1JrHFAOJO6d3DUgUMdSaxxQDiTundw1IFDHUmscUA4k7p3cNVQpUB4i6WAiayB3DXUKlGVMMpjIGshdQ6UCZSG9CiayBnLXUKtAGVAiyF0DuWtAoI4k7p3cNZC7BgTqSOLeyV0DuWtAoI4k7p3cNZC7BgTqSOLeyV0DuWtAoI4k7p3cNZC7BgTqSOLeyV0DuWtAoI4k7p3cNZC7hloFykL6AQReoedE9sw9MnbP3EvJ2/v419BboGzlHEDgFXpOZM/cQ2O3zL2YtL1PeA2tBcphIgMIvMJHy4nsmXts7I65l5O19ymvobNABxwc51lKMZGDprLfRPbMPTh2w9wHkLT3Sa8hAp2xFAINxDN3BNohae8I1LUUAg3EM3cE2iFp7wjUtRQCDcQzdwTaIWnv1QqUh0hDqH4ie+YeG7tj7uVk7X3Ka2gtUJYxDaH6ieyZe2jslrkXk7b3Ca+ht0BZSD+E6ieyZ+6RsXvmXkre3se/huYCZUCJIHcN5K6h1q2cDCgR5K6B3DUgUEcS907uGshdAwJ1JHHv5K6B3DUgUEcS907uGshdAwJ1JHHv5K6B3DUgUEcS907uGshdAwJ1JHHv5K6B3DUgUEcS907uGshdQ60CrX4nUuQ2Fs+dSJ65B8JOpAN5e691J1L1e+EjN1J77oX3zD0Q9sIfSdt7rXvhA0+6kZTqvejIo3wia8VNZM/cA4mNHYEqmPIaOgu0acJGp6ZU30UHdmV6Hqhn7oEEx45ABUx6DRHojKUQqGfugSDQDkl7zyHQEZwujFKL1orDNKw4PLuCIYROw+klnmHp/2dwKMUdqGfugQTHzh2ogEmvobNAeYg0T1sl8BCpkNjYEaiCKa+htUBZxjQEz4nsmXsgobEjUAkTXkNvgbKQfgieE9kz90AiY0egGsa/huYCZUCJIHcN5K6h1q2cDCgR5K6B3DUgUEcS907uGshdAwJ1JHHv5K6B3DUgUEcS907uGshdAwJ1JHHv5K6B3DUgUEcS907uGshdAwJ1JHHv5K6B3DUgUEcS907uGshdQ60CrX4nUiSeO5ECMc09EnLXUKlAq98LH4nnXvhATHMPhdw11ClQyVE+gaUEh1q4ncYUiGnusZC7hioF2jRhUtCUUhyr5nUeaCCmuQdD7hoQqGMpBBqIae7BkLsGBOpYCoEGYpp7MOSuAYE6lkKggZjmHgy5a6hSoDxEGkKoPw0nsmvusZC7hjoFyjKmIUT603Eiu+YeCrlrqFSgLKQfQuAVWk5k19wjIXcNtQrUc0CVkrh3ctdA7hoQqCOJeyd3DeSuAYE6krh3ctdA7hoQqCOJeyd3DeSuAYE6krh3ctdA7hoQqCOJeyd3DeSuAYE6krh3ctdA7hoQqCOJeyd3DeSuoVaBVr+QPnLxu+dC+siuClk490gQqITxw8FboNVv5Yzcfum5lTO0q0KWzT0UBKpgwnCwFmj1h4lEHgDieZhIbFeFLJp7LAhUwJTh4CzQpgkb6JpSfRcd2JXpcXbBXRWyZO7BINDlmTQcEOiMpRAoAh0IAl0eBOpaCoEi0IEg0OVBoK6lECgCHQgCXZ5qBcpDpHnaKoGHSBoQqIApw8FaoCxjGkKoE1jGpAGBKpgwHLwFykL6IUTWYiG9BgQqYfxwMBcoA0oEuWsgdw21buVkQIkgdw3krgGBOpK4d3LXQO4aEKgjiXsndw3krgGBOpK4d3LXQO4aEKgjiXsndw3krgGBOpK4d3LXQO4aEKgjiXsndw3krgGBOpK4d3LXQO4aahVo9TuRIql+J5Jp7pFY5l5K3txr3YlU/V74SKrfC2+aeyiOuReTNvda98IHHpojKbXogIo9YcjwNCbT3GMxzL2crLlPCctZoE0TNgw0pZYcUIFXuMXvPFDT3IPxy30ASXOfFBYCnbEUAq0/92D8ch9A0twRqGspBFp/7sH45T6ApLkjUNdSCLT+3IPxy30ASXOvVqA8RBpC7IwxfJhhmnsshrmXkzX3KWFZC5RlTEMInTGOy2lMcw/FMfdi0uY+ISxvgbKQfgiRM8ZyQbdp7pFY5l5K3tzHh2UuULa2iSB3DeSuodatnAwoEeSugdw1IFBHEvdO7hrIXQMCdSRx7+Sugdw1IFBHEvdO7hrIXQMCdSRx7+Sugdw1IFBHEvdO7hrIXQMCdSRx7+Sugdw11CrQ6hfSRy539lxIHwgL6QfgOd5NqXUhffVbOSM33Hlu5QyErZwD8BzvptS6lVNyEkVgqd6LDuzK9DCRQAJz98XwMJH6c58SlrNAmyZsGGhK9V10YFemx9kFEpi7MX7H2dWf+6SwEOiMpRBoIPVP5C0IdHkQqGspBBpI/RN5CwJdHgTqWgqBBlL/RN6CQJenWoHyEGmetkrwE+gKHmY88hBJwpSwrAXKMqYhRNZyFOgKltOwjEnDhLC8BcpC+iFE1nIU6AoWdLOQXsP4sMwF6jmRS0ncO7lrIHcNtW7lZECJIHcN5K4BgTqSuHdy10DuGhCoI4l7J3cN5K4BgTqSuHdy10DuGhCoI4l7J3cN5K4BgTqSuHdy10DuGpQC/fz6YccPvx7/9gqBbkncO7lrIHcNSoF+etkRaPuXH/9AoOscUA4k7p3cNSgF+vTw0/HPm/vPn3YWfRUjUHYiDYCdSC2OvZcR+RLG4TnePaZOgEDfdWz5tL/3/PRy/35+qkDZCz8A9sIfMOy9jNCXMAzP8W4ydaYL9Mubv/z9UqZf3jz8EiDQKaekOJTiNKZIAnM3JfYljMJzvLtMnekC/fz6x/962X4CepTph6v38BOui/NAY9sqwU+ggbmbEvwSBuE53m2mznSBHp4hbe85P79u37p/OH4u+m3L8MJfTxc24ptXViq0liXVX6DpFXqOd9epM6LE037V0qeXm5vPo0CfEOiypUxnXyDVX6DpFXqOd9epM6LE4WZz+679hkAPLH1r7VCKt/CBBOZuSvBLGITneLeZOtMFeuDTyx//iBWo6WfO5aV4iBRJYO6mOPrTdby7TJ1Igf7w643PQKcI1HTVQ3EpljGFEpi7KY7+dB3vJlMnUqA//hH7FP7Rdd1taSkW0scSmLspjv50He8eU2eyQI/O3L1rf7df/xm0DvTRdCKXkrh3ctdA7hqEWzkPG5F27gzeicSAUkHuGshdg1Cgn17u7jb36ozeC8+AEkHuGshdg/IwkQ/d0+yeHjiN6Uji3sldA7lrkB6ovDsC9KfuX15df9HSF+ZA4t7JXQO5a+BEekcS907uGshdAwJ1JHHv5K6B3DUgUEcS907uGshdQ60C9Vx3a7qg2zOsQExzjwSBaqhUoJ47v0y3FHqGFYhp7qEgUA11CtTz7IHyUosOKM+wAjHNPRYEqqFKgTZN2EzWlFpyQHmGFYhp7sEgUA0I1LEUAg3ENPdgEKgGBOpYCoEGYpp7MAhUAwJ1LIVAAzHNPRgEqqFKgZo+FykvxUOkSExzjwWBaqhToKYrc4pLsYwpFNPcQ0GgGioVqOna8NJSLKSPxTT3SBCohloFyoASQe4ayF0DAnUkce/kroHcNSBQRxL3Tu4ayF0DAnUkce/kroHcNSBQRxL3Tu4ayF0DAnUkce/kroHcNSBQRxL3Tu4ayF0DAnUkce/kroHcNSBQRxL3Tu4ayF1DrQJlR8wAIsOKm8j17wCLxFKg5H7vG50Fyp7sAYSGFTaR6z+DIBRHgZL73W80FiinAg0gNqyoiVz/KVixGAqU3O9/o69AmyZWCjEM6CrpeaBbgiZyYFemuQfjJ1By7/lGBDoM0wGFQE+scSLPBrn3fCMCHYbpgEKgJ9Y4kWeD3Hu+EYEOw3RAIdATa5zIs0HuPd/oK1AeIg0hNiweImnwEyi593yjsUBZxjSE0LBYxqTBUKDkfv8bnQXKQvohRIbFQnoNjgIl97vfaC1QzwFVSuLeyV0DuWtAoI4k7p3cNZC7BgTqSOLeyV0DuWtAoI4k7p3cNZC7BgTqSOLeyV0DuWtAoI4k7p3cNZC7BgTqSOLeyV0DuWtAoI4k7p3cNZC7BgTqSOLeyV0DuWuoVaCCbSyBpQou2nOrlWlbnjtiQrNiB1gxHrl7C1SxkTqwVP9Fe272N23Lc092bFacQVCKSe7WApUc5RNYqveiA7uKxLOtwNwDCc6KU7AKccndWaBNE5aSplTfRQd2FYlnW4G5BxKdFeewlmGTOwKdsRQCDYSJPADP8R6ITe4IdMZSCDQQJvIAPMd7IDa5I9AZSyHQQJjIA/Ac74HY5O4sUB4iifBsKzD3QIKz4iFSIS65WwuUZUwiPNsKzD2Q2KxYxlSKSe7eAmUhvQjPtgJzDyQ0KxbSF+ORu7lA2domgtw1kLsGBOpI4t7JXQO5a0CgjiTundw1kPvy/LbhdwRqSOLeyV0DuS/KbwcQqCOJeyd3DeS+FL+dgUAdSdw7uWsg99n57RYI1JHEvZO7BnKfj5vmRKDGJO6d3DWQ+zzck2fNAmUh/QA8wwqEBd3eePbe584tL16MfQ29BcpWzgF4hhUIWwrNseu9xJ17f74Y+xpaC1RyIkJgqUUPE/EMK5DA3AMJzgqBBlHqztafL8a+hs4CbZqw0akpteRxdp5hBRKYeyDRWSHQ6Qxx58GfL8a+hgh0xlIINBAEao++96HuRKDWpRBoIAjUHmHvo8yJQM1LIdBAEKg9it6nmLN2gZo+FykvxUOkSAJzDyQ4KwQ6gAB5Hg069jW0FqjpypziUixjCiUw90Bis0KgZUS582jQsa+ht0BN14aXlmIhfSyBuQcSmhUC7SXWnQeD1rmQngGlgtw1kPtd5pDnjlq3cjKgRJC7BnJ/jtnciUBtSdw7uWsg9xvM604Eakvi3sldA7l3WcCcCNSYxL2TuwZy37KcOBGoM4l7J3cN5L68PBGoK4l7J3cNq85d404Eakvi3sldw1pzF7oTgdqSuHdy17C63NXmbKlVoLk317ATKRbPHWCmO5E8d96dmOy87Q72AHXuqVSgybd3sxc+FM8zCEz3wnue/dASobzdGUphBq1ToIEn3QQfmlMGpzFFUt7VkrkHZxUlUMkVlvQeZbwXL0INWqVAmyZsGASWGgDngQYyoKsFc4/OKkigmivs6T3IdTtevIg1KAJdrNQAEGggCHQAbgKNsVyH9Ql0BKeXzqlUIJFdEVb2UpEYXeHvs3ASaFDByTm1aQXVuWaE3I1vFMrgDjSQkDuhwaUCuyqiqjvQmJvDm6zvDnRMc4FjU6IEHiJFUt4VD5HED5FipHaXUH9+9913VQrUd7VJGSxjCqW4K5YxqZYxheisjAh/fneiToHarncug4X0sZR2xUL6R8EVbt4Hx6ixkAn+/O6aSgW6vq1tJpC7hpy5t15aVqBjuGFOBOpL4t7JXUO63Lt6Mhbo8+ZEoL4k7p3cNWTK/cpSjgLtNeeWWp/CP+YaUFck7p3cNSTJ/basvARaJM4DCNSRxL2Tuwb/3O8oy0OgZbecFyBQRxL3Tu4ajHPvV5daoGPM2YJAHUncO7lrcMy9WGBCgY42ZwsCdSRx7+SuwS33QRbTCHSaOVtqFajnemfPBd2RVJ+7K0YL6YerrECggUd4vngRYc6WSgXquePOc0thJNXnbovHVs6RSusXaND+9ThxHqhToJITEQJLLXqYSCDV5+6L/jCRCV7rFejkE0BC3q7fokqBNk3Y9NOUWvI4u0Cqz90Y6XF24/3TWqjn3yecQddjzinu3IFAHUshUM/cjVEJdKJ/Wgv1/Psogfaqc6o7dyBQx1II1DN3YxYXaIR9jhbq+fdBAu0X53ffcaDyXaqfyAh0nlIItD+sGO9cWKjn34sEWiLO7ziRftAwGHlt8lI8RDLN3ZdFHiLFOOeGhfq+4K70ysxZVGpE61UKtP7lNJb+XEHutsy9jCnIN89YqPcrbkpvmDnvlhpNpQKtf0G3pT9XkLsrMy6kj3LNHQv1f8mZ9MaZ82apqdQqULutbYNI3Du5a5gj9zDL9Fqo/EsniHMWEKgjiXsndw2huS/roFKBepmzBYE6krh3ctcQlrvEQn1fYGjOFgTqSOLeyV1DRO46C935N1dztiBQRxL3Tu4aJuYuttCN/2Z7z3kOAnUkce/krmF87moF/XYuUMtPOp8HgTqSuHdy1zAqd7V9DuwE2mdOO3fuQKCOJO6d3DUMzV0tng795vR05w4E6kji3sldQ3HuauN0KDGnrzr31CrQ6nfERO5Eiqxl9KslhpfKuwOsIHe1arrkF2fLixdjh4O3QKvfkx25Fz50X73Hr5YYWSrtGQR9uas9c6CCW84zXmwFOm44WAu0+lOBArsKPtlJ/6slJpTKegrW453c1Y7ZUcOb9Ru82At01HBwFmjThA10TaklzwONrPUo/tUSU0slPYd1y63c1X75rdScwt8LP4UXB4GOGQ4IdMZSCLT+3IO5yF3tlt8Gfc6JQBFoaCkEWn/uwZxyV2vlt+G/yQ2BItDQUgi0/tyD2eWuNspvI4/9QKBeAuUh0jxtlcBDJAUbB8klNMacLfLeR1LrQySWMQ0i1AksY1qU41wWCnSCOVtSCbQb/4Th4C1QFtIPIbIWC+kX42xaSwQ66v36DXII9NZrMH44mAuULYUiyH0Jrmf3ogK9L85B7txhLtB7r8QEQSHQ2UjcO7nPzDOTfBGB9opzuDt3uAq04OVAoI4k7p3cZ+TOXJ9XoCXmnLCTyE6g5S8JAnUkce/kPg99U34mgc5szha9QEe/LgjUkcS9k3s4RQaIFugy5mwRCnTqi4NAHUncO7nHMUQEYQJdUpwHFAINeo0QqCOJeyf36YzxwXSBKszZsqhAY18rBOpI4t7JfRpjtTBFoDpztiwj0FleLwTqSOLeyX00k+wwUqBic7bMJdAFXrRaBcpOpAF4hhVIYO7zMN0VwwXqYM6Wgt63287LC94NO3SMVipQ9sIPwDOsQAJzj2a8dC4YItD75nwxzFUR9Pf+oqyrkshjx2idApUc5RNYKutpTJFtxRGYexwR3ulSJNCCe84XLwpdFUlv771dlQcfPEarFGjThKWkKZX0PNDItuIIzD2IUPm03Bdo8dv1Fy8UBu0T6J2uhmYfPUYRqGMpBBqIlUDnEdBvzwq0x5xXH3UmEOi0FwCBFuDpBASqwUWgMzvoUkK96rz5mMhZoJZjFIE6lkKggRgIdAkHHSTUL857T9gtBeo8RqsUqOlzkfJSPESKJDD34SxjoI2DSsRZsDbJ6iHSiJewl+AxWqdATVfmFJdiGVMogbkPYSH7BJnzgMCfVwKd8BL2EztGKxWo6drw0lIspI8lMPcSFtJOsDkPLO/PjUB7M3Udo7UKlC2FIlad+0K+mcmcEkJyF4JAHUnc+2pzX8Y31Yjz7J4z8ZhBoI4k7n2NuS9jnBrNOS13BxCoI4l7X1nuyzinwJzC3wtfSGjuNiBQRxL3vpbcl9JO6T2no0DnyN0NBOpI4t5rz30p+Qx9t24l0BlydwWBOpK495pzX8I9Yz/p9BDoPLk7g0AdSdx7pbnP754+c/Y8JRILdK7c7alVoJ7rbk0X0gfi2dak3M9NEb/MvN+cJU/Y4wQqOPt9jePdW6CeO79Mt3IG4tnW+Nxv2iXKoCXmLF6cFCbQ0iucNffxpZZlQlvWAvU8e6C81KKHiQTi2da43O/YZapBI8V5IEqgkrPf1zjenQXaNGGBa0oteZxdIJ5tDc+91y5jDTqHOVuCBHrrChfLPaLUkkxqC4HOWGqNA2o2BnQ14VdL9DCfOVvmEOhiua9xvCPQGUutcUDNRklXBwsN0UsRM95znhMqUMZ7EQjUtdQaB9Rs9HR1ZqEivZQJdClztsQIlPE+hGoFykMkEZ5tPdvVtYX6BFPmz0XN2TJRoP1hBeZ+xRrHu7VAWcYkwrOtG109Y6Fe0fT5c3lztgwV6JCwAnO/zRrHu7dAWUgvwrOtTlf3LdQvnmf9qTJnS7FAh4QVmPtd1jjezQVa65ZCe2xzL7LQGHVpxXmgX6DqF+AOrmOmgFq3cvpO5BIS926Ze7GFhklLfNN5xh2BqtPvx3HMFIJAHUncu1vuwyxU9mU9H3RKDoe/JVB19sWYjZkhIFBHEvdulPsIC93/515xaty5YydQdeJj8Rkzg0GgjiTu3ST3kRZ65r+XmFP6O4lsch9H4t4RqCOJe9fnPsFDVwJNYM4Wfe4TSNw7AnUkce/S3Kfq6CTQPOZsYbxrkAv008sf/9j94fPrh4eHVwh0S+LeNbkHWel37885dzyTAONdwwICfds0//JvX99+f/Mfv7x52Av008uHLa1NEWhWls09UExZzdnCeNcwu0Dfb9fq/8u//fNvzb/+x41//tA6c3P/+dPOoq9iBMpOpAF4htXHAPdM2n55bs7AX+lRWqoojTiBeo73QELH6NwC3flzI9D//mvT/Ok/r/55e9+5E+jT/n8+vfzh1wiBshd+AJ5h3WOEqW67avA9Z+Cv9Hi+1JhIwgTqOd4DiR2jMwv0H3/e3Hj+9183b+G3Bv358p83b+D/9/4z0Hf7W8/Nf/glQKBTTklxKLXo6TSeYT3HaFNdumrUu/WYX+nxbKkJuUQJ1HO8BxI8RmcW6NvtbedOoF83b+K/ufzndw8/7R8ifXnzl7/v/suHq/fwI3prmrCUNKWWPB/RM6xrJpvq6Krxn3NO/ZUez5aaHk+QQD3HeyDRY3RegW6kubnr3Av068erT0G379v3Av38un3r/mH7UeiOb1tum/kup5BGfPPKSrm2deL3iZxUdd+cg0pNbepdyNgAACAASURBVOpQKjirydiPhql4dvWcQPfqbAX6jz9fCPTz681t54VAnxDosqVc29oxWVOtqnrerg+1XoRATSey82gIwbOrcQLdfe75rEAPjLg7PoU08vZaXYq38EELlHrMefmGfb5fKvfb5dv0yKy28Ba+DJvciwR69hb+/cVj+A+7B+9zCNT0uUh5qXU/RBohpyt6zXnzw86gX+lxwZxZHeEhUiEuuRcJ9Ovb7eeee4H+48/nD5E+vdw9N3r2M9ApAjVdmVNcaqXLmAZp6RkKzPn8c6Lpv9Kjy6xZXcIyplJMci8T6Maa2zWgG4G+3+1HOrsBPfLDr7FP4R9d14aXllrbQvpSO95lijlbpvxKjw6zZvUMLKQvxiP3MoG2C+n3nG/mPBPo13f79Z9B60CnXJgDiXsfnHuZHe8w6Z7znKm/GniWRMtgvGtYZivnDX8eaA8TCd6JxIBSMST3abYqEefA3eujBTpfnqUw3jUsc5hIc3MfZ1eg0XvhGVAiCnMfa6otM5izZbhAZ06zHMa7Bpvj7J4eOI3pSOLe+3IfJbYjc5mzpUCgy6Q4HMa7BhuBch5oh8S9P5v7FLFtmdWcLfcEumiKw2G8a5ALtJelL8yBxL3fyn2q12YX54GbAl0+wzEw3jXMK9DtEUznXB3IhEBvkLj3i9ynKm0hc7acC1SU4DgY7xqWFujtY5UR6DmJez/lPkllS91zntMKVJnfWBjvGhYX6LOP42MFKl8bPqnUwgvpA9m2NUVh83zQ2bv6ve1+jQu6rxCMrNzjfdx3Fgl0twx0v/7zY7PdyfnPvw1+Fz/6uix2J44rtexWzjCmHNjeZ84p9513ujq/gDVuKbxEMbKSjvdJbZUJtHMG6P5gka9vr49Vjhfo4W531JUZlFr0MJEYOqYaZtB+c059z15+9vsaD7W4QDKyEo73HVPaKhJoK82DTLfv3j8OfQ8/4bq8TmgbUGrJ4+ymc2WqMoOWmDPi484BZ7+v8Vi1czQjK9d4PzKprSKBtgfZ7dmfB3p1KigCvSbNgLqnqknmDBDnRVcRuQeCQDukGe/nLCHQsztQBFqNQO+p6lmBLmzOlsDcA0GgHfzH+03mF+jmLfzxDXv7Z97CpxboXVU9L1CJOYeHhUAR6ADmF+juLKb9PejHZvc8/vJY5VkEykOkWehX1pU/F77nnBoWD5F4iDSEKW2VCXS7bOnI5tbzbcMypoIvtFvWUWqwgz9LxDm/OQ8E5h5I7EvIMiYFE9oqE+jhMLst7TLQgTegLKSfVmoyw0y2sDkLryEw90BCX0IW0ksY31apQA8K3XlzI9DbxyqHC5StbZMZKjNHcw7EIvdxMN41cBqTI9reh+ssvTlbEo8ZxruGBQX6z78NPkgEgS5NsDvjxLnICR+JxwzjXcNiAt0+j0eghUh6D3VnMnO2JB4zjHcNywi0PZUJgRaydO9x4vzu96m/2VJizpbEY4bxrmEJgbYP4s9/LTwCvcNivceJ83DXGSDQpS7+msRjhvGuYXaBfmwXMQ1++o5AZ2SY0frM2X3HPkqgc19uKYnHDONdw7wCPa6jH61PBBpLtDmvPu0cJtDZrnMciccM413DnAJ93751/78jVn8i0GDizXn7QVGhQOMvMILEY4bxrmE2gR5+m8fP45bPTxUoO5E69Nmss319tDivSxmZk51I3iTufS6B7v2596ZAoOyFbym5G9ztX59qzk6pkl+esSjshTcnce/zCfT00H15gR6234+8NnmpkNNpSty5JcScXX9eGLQ8oJkIzD2QwIG1BYFqmPcOdH/05+ICbZqw0akpNe18xDhxDlwPP+CXZyxIYO6BBA6sHQhUw3wPkd7uh8f3CHR4qZECLRVduDnPBRr4xjQCBGpP4t7nfArfPkda/in86gRa7rh5zNkSLYUYEKg9iXufeSH95GX0CPReqUG/QLjHnKN+nfvoK1wQBGpP4t5n34l0WEu/6E6kwLEpKVXyEGnAL2DvM+fwX+Y++ZdnLElg7oEEZ4VANSyxF/4ff96NlCX3wgeOTUWpnov+7e56oVJzHr9qiD+jrnBRonKPJTYrBKphoePs3u4Gy4KnMQWOTUGp5y/6zHojzXn1QWeJP4OvcFmm5z4HoVkhUA2LnQe6faLEcXaF3Oi97AZxhodEQ1uvLPcskLuGJX+lx3sEWki391LR9apzqDtHtl5L7skgdw38TiRHdr2HiXOoOqe1nj73nJC7BgRqx0ZhJScalYhzSXO25M39cZ0T2YHEvSNQH04muytQU3O2JMz9ROLeyV0DAjXgSmi3BeptzpZMuV+RuHdy14BAlTzntQuBxptzvktKkftzJO6d3DUgUAk9fjsKNMEt5wXeufeQuHdy11CrQD0X0u8o0NzvJe4ctvlyoSvMXSrvRCZ3EZUK1HMrZ9DKpO2XlG+/XPQKk5dKO5HJXUWdApWcAHKfCHWevq7kAJClr7CCUlknMrnLqFKgTRM2DKaXijXnuT9vG3TpK6ynVNKJTO46EOhcpcrEOfDYj/sCXfgK6yuVdCKTuw4EGl4qxpx3H69fCnThK6y2VNKJTO46EGhcqShzfvdd31bOgz4jPqpKP/sCSyWdyOSuo0qBLv1JeJw529vO3r3wgReY/glEYKmsE5ncZdQp0KXWYhSac/B6+OcFOsMFZl8DE1gq7UQmdxWVCnTu1cBx4rz5UecNgc54gclXYQeWyjuRyV1ErQKda2tbnDjvPSTqCnSWy5gPthRqIHcNCLSQZczZFWhs/0vBRNZA7hoQaA9l4ixzZ1mhx3UOKAcS907uGhDocxSbM+w3uXWan9i7ECayBnLXgECvGGDOoVswe815aH5s73qYyBrIXQMCPTHInPfVOdach+ZHXrQBTGQN5K4BgT46mfPQ/MiLNoCJrIHcNaxboMPMGfN+veTp+hoHlAOJeyd3DesUaKg4Y925b37kRRvARNZA7hpqFegzeyCCxTnUnYE7M9iJNEOpZScyL+GBvAIdH5a3QK924cabc8THnYF7g9kLP0epRScyL+GRtAKdEJa1QJvmeGUyc97tqi/cARc4mcBa2UstOZF5CU9kFeiUsJwFuruo4t+6Nr85z9MOOB9xQKleAmulL7XgROYl7JBUoJPCqkagBeIsLBUXNwKtfiLzEnZAoAkFWnbLef/Xt5WZs9sVAnUuhUCrzz2StQp0yJv1wN9/iUDtSyHQ6nOPpFqBPh4EOtydV9/xrD/HdVWWNg+R6n+YwUt4IqlAq32ItLuyS+kNNee5QSe689hVWdosY1rBchpewiNZBVrtMqbtlZ2kN9KcXYNOduehKxbSO5diIb2mVFqBVruQftPf7zHHfsSYc2jzi/60UNhSqIHcNdS6lfPxa5A7R/74aaxxQDmQuHdy17A2gZqb89C88odPg4msgdw1rEigGczZssYB5UDi3sldQ70C/T3bbWeHNQ4oBxL3Tu4a6hZouTlt3LljjQPKgcS9k7uGigWa05071jigHEjcO7lrWLdAR9aenTUOKAcS907uGtYp0JE1F2ONA8qBxL2Tu4ZaBdrdiTRRnp47M9jGMkOpvBPZM/dS8uZeq0Bv7IUfe+PpuTeYjdRzlEo7kT1zLyZt7rUKtGkuT2MaeZWup9MEdpX+KJ/AUlknsmfu5WTN/bFSgTYHgb6Y/HFn04SNqAGlOA/UM3dTPHMfQNLct9QrULsBhUDtSyWdyJ65DyBp7lv8BTqC0yigVNK2PEuZQlj54Q40shR3oJ65m+KZ+wCS5r7F/w50THOBg0BSiodIprmb4pl7OVlzf6xVoKbLOopLsYzJNXdTPHMvJm3u1QrUdGFxaSkW0mtK5Z3InrmXkjf3agXK1jYR5K6B3DUgUEcS907uGshdAwJ1JHHv5K6B3DUgUEcS907uGshdAwJ1JHHv5K6B3DUgUEcS907uGshdAwJ1JHHv5K6B3DUgUEcS907uGshdQ60C9VxYzEJ671LL5m76EgpAoG4C9dzaxlZO81KL5m76EipAoGYCbZqwESUpxWEi9edu+hJKQKBeAm2asBGlKcVxdtXnbvoSakCgCDS0FAKtPnfTl1ADAkWgoaUQaPW5m76EGhAoAg0thUCrz930JdSAQL0EavpZf3kpHiLVn7vpSygBgZoJ1HS1SXEpljGtIHfTl1ABAnUTqOl659JSLKTXlGIhvQYEaidQtraJIHcN5K4BgTqSuHdy10DuGhCoI4l7J3cN5K4BgTqSuHdy10DuGhCoI4l7J3cN5K4BgTqSuHdy10DuGhCoI4l7J3cN5K4BgTqSuHdy10DuGhCoI4l7J3cN5K6hVoF6bhjx3BGTPKzAUnl3IiFQEZUK1HPLsuee7OxhBZZKuxcegaqoU6BNEzY6JaU4jan+3CNfwkcEqqJKgTZN2OjUlOI80Opzj3wJtyBQDQjUsRQCrT53BNohce8I1LEUAq0+dwTaIXHvCNSxFAKtPncE2iFx71UK1PSz/vJSPESqP/dYfyJQEXUK1HS1SXEpljGtIPdQfyJQEZUK1HS9c2kpFtJrSrGQXkPi3msVKANKBLlrIHcNCNSRxL2TuwZy14BAHUncO7lrIHcNCNSRxL2TuwZy14BAHUncO7lrIHcNCNSRxL2TuwZy14BAHUncO7lrIHcNCNSRxL2TuwZy11CrQD3XO3su6E4eVmCpZSey6UL60LbKQKBuAvXccee5pTB7WIGlFp3Ipls5Y9sqA4GaCTTwoAZJKQ4TMc09kMiX8DFOoMFtlYFAvQTaNGHDQFOK4+w8cw8k8iXcEiTQ6LbKQKAINLQUAvXMPRAE2gGBItDQUgjUM/dAEGgHBIpAQ0shUM/cA0GgHRCol0Drf5gROcqzhxVYiodIPEQaSJ0CrX85TeQoTx5WYCmWMbGMaSCVCrT+Bd2Rozx3WIGlWEj/yEL6YdQqULa2iSB3DeSuAYE6krh3ctdA7hoQqCOJeyd3DeSuAYE6krh3ctdA7hoQqCOJeyd3DeSuAYE6krh3ctdA7hoQqCOJeyd3DeSuAYE6krh3ctdA7hoQqCOJeyd3DeSuoVaBVr8jhp1IM5RaNnfTnUgCEvdeqUCr35PNXvg5Si2au+leeAWJe69ToIFHykhKcRpT/blHvoSPCFRFlQJtmrDRqSnFeaDV5x75Em5BoBoQqGMpBFp97gi0Q+LeEahjKQRafe4ItEPi3hGoYykEWn3uCLRD4t6rFKjpZ/3lpXiIVH/usf5EoCLqFKjpapPiUixjWkHuof5EoCIqFajpeufSUiyk15RiIb2GxL3XKlAGlAhy10DuGhCoI4l7J3cN5K4BgTqSuHdy10DuGhCoI4l7J3cN5K4BgTqSuHdy10DuGhCoI4l7J3cN5K5BKtBPLx8eHl61f/n8uvMXBJoVctdA7hqUAv3wsOOHX48yfXj48Q8Eus4B5UDi3sldg1CgG2X+srvx/Onr4X82/+lVjEA91zt7LuhOHlZgqYVzD8S0rUIQ6BiBvtvL8tPL7S3o0/7ec/+X6QL13HHnuaUwe1iBpZbNPRDTtkpBoBMeIn1+vXVma9Mvb7Z3pZMFGnhQg6QUh4msIPdATNsqBoFOEOinl5t7zy9v/vL33d8+XL2HH9Fb04SNKE0pjrOrP/dATNsqB4GOF+jhk9D2rfuH3SeiW75tGVHzNKDGdrWeUqZtVV8qEtO2YAAjX7p3Dw+7W8+jQJ8Q6LKlTNuqvlQkpm3BAMa9dF/ePOwXf94Q6IERd8enATXy9lpdirfw9eceiGlb5fAWftJnoJv38LEC5WHGPG1VX4qHSBoQ6JStnNsVTDc+A50iUJbTDCF5WIGlWMakAYFOEej2MXzsU/hHFnQPIndYgaVYSK8BgY4Q6HHJ524d07v9X4LWgU65MAcS907uGshdg3Qn0v7d+u5de/BOJAaUCnLXQO4a5HvhN+rcvnuP3gvPgBJB7hrIXYPyM9Cn/WlM+zft7V84jWlL4t7JXQO5a5A+RNodAXpQJueBnkjcO7lrIHcNBk/he1j6whxI3Du5ayB3DQjUkcS9k7sGcteAQB1J3Du5ayB3DQjUkcS9k7sGctdQq0DZETOAyFqWE9k090gscy8lce+VCpQ92QMI3UjtOJFNcw/FMfdiEvdep0AlR/kElsp6GtOj5UQ2zT0Ww9zLSdx7lQJtmrCBrimV9DzQLX4T2TT3YPxyH0Di3hGoYykEGohp7sH45T6AxL0jUMdSCDQQ09yD8ct9AIl7R6COpRBoIKa5B+OX+wAS916lQHmINE9bJRhOZNPcYzHMvZzEvdcpUJYxDSHUCY4T2TT3UBxzLyZx75UKlIX0Q4isZTmRTXOPxDL3UhL3XqtAGVAiyF0DuWtAoI4k7p3cNZC7BgTqSOLeyV0DuWtAoI4k7p3cNZC7BgTqSOLeyV0DuWtAoI4k7p3cNZC7BgTqSOLeyV0DuWtAoI4k7p3cNZC7BgTqSOLeyV0DuWuoVaDsRBJhOZEDc3fFMvdSEvdeqUDZC6/CcSIH5m6LY+7FJO69ToFyGpMMw4kcmLsvhrmXk7j3KgXaNGGC0ZTiXMpAAnM3xi/3ASTuHYE6lkKggSBQexL3jkAdSyHQQBCoPYl7R6COpRBoIAjUnsS9VylQHiLpMJzIgbn7Yph7OYl7r1OgLGOS4TiRA3O3xTH3YhL3XqlAWUivwnIiB+buimXupSTuvVaBMqBEkLsGcteAQB1J3Du5ayB3DQjUkcS9k7sGcteAQB1J3Du5ayB3DQjUkcS9k7sGcteAQB1J3Du5ayB3DQjUkcS9k7sGcteAQB1J3Du5ayB3DbUKtPqF9JHkDiuw1BonsgOJe69UoNVv5YwkeViBpdY4kR1I3HudAq3+MJFIsocVWGqNE9mBxL1XKdCmCZt+mlJLDqj0YQWWWuNEdiBx7wjUsRQCrT/3YBCoBgTqWAqB1p97MAhUAwJ1LIVA6889GASqoUqB8jBjCNnDCiy1xonsQOLe6xQoy2mGkDyswFJrnMgOJO69UoGyoHsIucMKLLXGiexA4t5rFSgDSgS5ayB3DQjUkcS9k7sGcteAQB1J3Du5ayB3DQjUkcS9k7sGcteAQB1J3Du5ayB3DQjUkcS9k7sGcteAQB1J3Du5ayB3DQjUkcS9k7sGcteAQB1J3Du5ayB3DbUKtPodMYFdmYYVCDuRvEnce6UCrX5PdmBXpmEFwl54cxL3XqdAqz8VKLAr07AC4TQmdxL3XqVAmyZsJmtK9V10YFemYQUSmLsxCFQDAnUshUADQaD2JO4dgTqWQqCBIFB7EveOQB1LIdBAEKg9iXuvUqCmz0XKS/EQKZLA3H1BoBrqFKjpypziUixjCiUwd1sQqIZKBWq6Nry0FAvpYwnM3RUEqqFWgTKgRJC7BnLXgEAdSdw7uWsgdw0I1JHEvZO7BnLXgEAdSdw7uWsgdw0I1JHEvZO7BnLXgEAdSdw7uWsgdw0I1JHEvZO7BnLXgEAdSdw7uWsgdw21CtRzbXj9C7o9F9KXkjd3BCqiUoF67k6sf0uh51bOYtLmjkBV1ClQz/Mx6j/UwvMwkXKy5v6IQFVUKdCmCZvJmlJJB1RgWBqS5r4FgWpAoI6lkg4oBKoDgWrwF+gIThO50lKm1H+FAPPAHWhkqaT/j8wdqA7uQDX434GOaS5wHktKZR1Qyf2ZNvdHBKqiToGyjElEbn/mzR2BqqhUoCykF5Han4lzR6AiahUoA0oEuWsgdw0I1JHEvZO7BnLXgEAdSdw7uWsgdw0I1JHEvZO7BnLXgEAdSdw7uWsgdw0I1JHEvZO7BnLXgEAdSdw7uWsgdw0I1JHEvZO7BnLXgEAdSdw7uWsgdw21CrT6nUiuW36YyBrIXUOlAq1+L7ztpnMmsgZy11CnQKs/jcn32CMmsgZy11ClQKs/D9T44E0msgZy14BAHUshUA2Jeyd3DQjUsRQC1ZC4d3LXgEAdSyFQDYl7J3cNVQqUh0g6mMgayF1DnQJlGZMMJrIGctdQqUBZSK+CiayB3DXUKlAGlAhy10DuGhCoI4l7J3cN5K4BgTqSuHdy10DuGhCoI4l7J3cN5K4BgTqSuHdy10DuGhCoI4l7J3cN5K4BgTqSuHdy10DuGhCoI4l7J3cN5K4BgTqSuHdy10DuGmoVaPU7kVxhImsgdw2VCrT6vfC2MJE1kLuGOgVa/WlMvjCRNZC7hioFWv15oMYwkTWQuwYE6lhqjQPKgcS9k7sGBOpYao0DyoHEvZO7BgTqWGqNA8qBxL2Tu4YqBcpDJB1MZA3krqFOgbKMSQYTWQO5a6hUoCykV8FE1kDuGmoVKANKBLlrIHcNCNSRxL2TuwZy14BAHUncO7lrIHcNCNSRxL2TuwZy14BAHUncO7lrIHcNCNSRxL2TuwZy14BAHUncO7lrIHcNCNSRxL2TuwZy11CrQFlIL4KJrIHcNVQqULZyqmAiayB3DXUKlMNEZDCRNZC7hioFynF2OpjIGshdAwJ1LLXGAeVA4t7JXQMCdSy1xgHlQOLeyV0DAnUstcYB5UDi3sldQ5UC5SGSDiayBnLXUKdAWcYkg4msgdw1VCpQFtKrYCJrIHcNtQqUASWC3DWQuwYE6kji3sldA7lrQKCOJO6d3DWQuwYE6kji3sldA7lrQKCOJO6d3DWQuwYE6kji3sldA7lrQKCOJO6d3DWQuwYE6kji3sldA7lrQKCOJO6d3DWQu4ZaBcpOJBFMZA3krqFSgbIXXgUTWQO5a6hToJzGJIOJrIHcNVQpUM4D1cFE1kDuGhCoY6k1DigHEvdO7hoQqGOpNQ4oBxL3Tu4aEKhjqTUOKAcS907uGqoUKA+RdDCRNZC7hjoFyjImGUxkDeSuoVKBspBeBRNZA7lrqFWgDCgR5K6B3DUgUEcS907uGshdAwJ1JHHv5K6B3DUgUEcS907uGshdAwJ1JHHv5K6B3DUgUEcS907uGshdg1Sgn14+PDz88Ov+L59fb/7yCoFuSdw7uWsgdw1Kgb572PPqKNOHhx//QKDrHFAOJO6d3DUIBfq0V+e7h7/8fXf/+dPOoq9iBMpCehFMZA3krkEo0HetLN9t1fm0v/f89PLwjn6aQNnKqYKJrIHcNegE+uXN9s7z69adPx1t+uXNwy8BAuUwERlMZA3krsHgKfxWoEebfrh6Dz+iN46z08FE1kDuGvQC3d10fn7dvnX/sL0d3fFty4iSJ1WN7sq7FABUxXgpfNh++nkU6BMCBYC1MVoKT+1D+CuBHhhxd8xbeB28ldRA7hrUb+H3/gwWKA+RdDCRNZC7BrFAP+z9eesz0CkCZRmTDCayBnLXIBXolzeHjZyxT+EfWUgvg4msgdw1KAW68edx5+a7/frPoHWgUy7MgcS9k7sGctcgFGjXn9E7kRhQKshdA7lrEAr0Q/fkkOi98AwoEeSugdw16AS6O77u4XgE09MDpzEdSdw7uWsgdw06gT49nAmU80A7JO6d3DWQuwb1OtB+lr4wBxL3Tu4ayF0DAnUkce/kroHcNSBQRxL3Tu4ayF0DAnUkce/kroHcNdQqUM+dSKWscUA5kLh3ctdQqUA998IXs8YB5UDi3sldQ50C9TyNqZw1DigHEvdO7hqqFKjneaADWOOAciBx7+SuAYEuVmoAaxxQDiTundw1INDFSg1gjQPKgcS9k7sGBLpYqQGscUA5kLh3ctdQpUB5iKSDiayB3DXUKVCWMclgImsgdw2VCpSF9CqYyBrIXUOtAmVAiSB3DeSuAYE6krh3ctdA7hoQqCOJeyd3DeSuAYE6krh3ctdA7hoQqCOJeyd3DeSuAYE6krh3ctdA7hoQqCOJeyd3DeSuAYE6krh3ctdA7hpqFahg9XsgaxxQDiTundw1VCpQxf7LQNY4oBxI3Du5a6hToJITQAJZ44ByIHHv5K6hSoFqzqALZI0DyoHEvZO7BgTqyBoHlAOJeyd3DQjUkTUOKAcS907uGhCoI2scUA4k7p3cNVQpUB4i6WAiayB3DXUKlGVMMpjIGshdQ6UCZSG9CiayBnLXUKtAGVAiyF0DuWtAoI4k7p3cNZC7BgTqSOLeyV0DuWtAoI4k7p3cNZC7BgTqSOLeyV0DuWtAoI4k7p3cNZC7BgTqSOLeyV0DuWtAoI4k7p3cNZC7BgTqSOLeyV0DuWtAoI4k7p3cNZC7BgTqSOLeyV0DuWtAoI4k7p3cNZC7BgTqSOLeyV0DuWtAoI4k7p3cNZC7BgTqSOLeyV0DuWtAoI4k7p3cNZC7BgTqSOLeyV0DuWtAoI4k7p3cNZC7BgTqSOLeyV0DuWtAoI4k7p3cNZC7BgTqSOLeyV0DuWtAoI4k7p3cNZC7BgTqSOLeyV0DuWtAoI4k7p3cNZC7BgTqSOLeyV0DuWtAoI4k7p3cNZC7BgTqSOLeyV0DuWtAoI4k7p3cNZC7BgTqSOLeyV0DuWtAoI4k7p3cNZC7BgTqSOLeyV0DuWtAoI4k7p3cNZC7BgTqSOLeyV0DuWtAoI4k7p3cNZC7Bn+BjuTbb9UdrBNy10DuGqJyR6Cwg9w1kLsGBAqhkLsGcteAQCEUctdA7hoQKIRC7hrIXQMChVDIXQO5a0CgEAq5ayB3DQgUQiF3DeSuoVqBAgBkAYECAIwEgQIAjASBAgCMBIECAIwEgQIAjASBAgCMBIECAIzES6CfXz88PLxSd7E6drFv+OFXdSdr4vPrn45/YtgvxzH3kGFvJdBPL3cX9OMf6kZWRps7Al2Udw/tRGbYL8pl7vUIdPP/CD/tLuuVupOV8XQYUrAc7x7a1Bn2i3LMPWbYOwn0af9/wp9ecie0LO+Yu0uzu/vZz1+G/YJ0co8Z9k4CbS/oy5uHX8SdrIsvb/7yd3UPK+PDZhYfboAY9svRzT1m2BsJ9HhBH7ghWpTPr3/8r5d8ArokHzZDvZ3IDPsF6eQeNOyNBPr5dXstH/hIblEOH6ZzB7Qo7URmW46RewAABupJREFU2C/MQaAxw95RoDzTWJan/RqaTy95J78klwJl2C/D0/Gz54hhj0DhcOvDe8hFQaAano7DPWLYI1A48OklSxEXBIFquMx52rB3FCgfBmlgIc2i8BmohmuBThn2RgLlcaQY7kAXhafwGqq9A/36bv88jAVxy3KcwbyHXJTTOlCG/ZJc/h/XtGHvJFC2ZGg47Mh4xwxektPTYIb9klxsYJg47J0EyqZgDZvEt0PoieMsFuW0oJthvySddaABw95JoNuVWRxLI+ADhzEJOL51ZNgvyjH3kGFvJVAORhSxy50PQJfl9Nkbw35JLnKfOOy9BAoAkAgECgAwEgQKADASBAoAMBIECgAwEgQKADASBAoAMBIECgAwEgQKADASBAoAMBIECgAwEgQKADASBAoAMBIECgAwEgQKz/K2ab45/e2ff2uan6cV/O+/NluORd82f/rPMW2N+a7t1Rz4l38b8f2zNAXJQaDwLFvfnZT5/kynI9gauKUttIxAP+6/vCPQJtB2x+oIdI0gUHiej03zr//R/vkffz79eRQdfx4EtohA3zY3BBqmu7eTLgWyg0DhDhvpfL//0/Q38BsbtxXeN5NqjRbo8dsmNjChGagMBAp32LyJbz8vjHgD372bnaCd6QKdfjVjm4HKQKBwj4/tm92NSSeKYiPQk7PeTvk4IECg0ww+oRmoDAQK99i+c9++iX/beXK9/zDz5I322fr3h3/8eaOn3Vvk/Re237j5y5Vq9vbZfP/3u3fVh48L2u987ideO+usg/Of+745/NPb85Y3f+n2ev4zdrb/eHjctfua4zd3v/BG9bM6Ny4NqgKBwl028tiY6GPHAO+vHqW37G4qN/74X+1fPp79w/brLm87jwL9n3/tfuXxR3xz8ydeCfS8g/Ofe1ugm6v65qzX08/YXedWoG8PRdo/nD7LOH3hdfXzOteXBnWBQOE+248Lu3eP79vbq7etz97vXbG9Cdz+fXsDtlHNP//P8W3y4fPGy0WgXzsCPd6wft/5EW/P/3r8iZcCvejg8uc+8xno991et/9ha7jDwq3dbeQ3X1s3f9Np4uILL6tf/PPVpUFlIFC4z3bu/4/T2+n9vduW97v/uFHE/u/tp6Snp/XvDzddhw88d++EzyR6EujP7Y9q/76TUfvY6fInXgr0soPLn3st0FacnV6PH/G2P/MovIOVD9Uuv/Ci+uU/X14a1AYChR523uu8gT+8F90/FfrY+YyzVc/xffjVhp/j+9u23oV1Wkl9PGhtX/vyJ14K9LKDy597ex3oN19v97q52u+7//L29NZ938z5F14I9PKfLy8NagOBQh/vz5+gPLcR8+1BoO1/3X4UeX3X9bFr0KNAj7eYewN2XXP9E5998H3079kX3BToN23pK73tm7nxL3tPX37hhUAv//ny0qA2ECj00d5r7Wg/yDx7aLNl96FhK9DTG/TOzWaX94dHMp2n8O0/bEucC/L6J94W6LGDy597Q6DdZ+3tHzpv7/fP54+PyLoCvfrCc4Fe/fPlpUFtIFDoo0egH8/+2r1hPHzoeX12x9um8/53skDPO7j8uc9vtuwK9Pwu945An7kdvvi29j8g0NpBoNDHhUDPt/Acdrj/fHoL/831P/988SFgK5ZCgV5sGrow4WUHFz+3UKDcgcIYECj00RXo1dPk98f3yjcF2n7J5nved7ef9wi0dc2u1vXz6wsTXnZw8XNLBHrrM9CbAh3xGSgCrRoECn10BdrZkrQz20lvG1ecCfTsw9D9svqTQt53bw4vLXN8Cr/5wT9f/cRLE152cPlziwR6svvHwwrR2wK9/MKrp/Dn/4xAaweBQh9nAj3tIt957qSv95efgb4/38S5e1O9/9rtx5rt0vhbAj2u/Xl7WAfa/YnPC/T9YU/R+ebREoHeWAd6W6DD14Ei0KpBoNDHmUC3mtoJqn2D3O732T3qaRenn6R03NXz89fuOvqL5ztXlvl4LP39jZ94th5p8/WXHVz+3PcXD5NOdG5WOzuIvv96R6CXX3hZ/eKfEWjtIFDo41ygp9XwO2McH5L/6d8Pmxa/OX1f011R1Hme3t4jPiPQZ/fCXy/o3Hz9ZQeXP/dwJshdgd7YC/+1bfFcoBdfeFX9ai88Aq0aBAp9XAj0/JCl1md7kX1z8RDpfVeDx+/sfuttgd4+jenw9wuBXnZw9XPblfX3Bdr+jG8u/+VKoOdfeF397J8RaO0gUACAkSBQAICRIFAAgJEgUACAkSBQAICRIFAAgJEgUACAkSBQAICRIFAAgJEgUACAkSBQAICRIFAAgJEgUACAkSBQAICRIFAAgJEgUACAkSBQAICRIFAAgJEgUACAkSBQAICR/H+pMZb1EJqevwAAAABJRU5ErkJggg=="/>
+          <p:cNvSpPr>
+            <a:spLocks noChangeAspect="1" noChangeArrowheads="1"/>
+          </p:cNvSpPr>
+          <p:nvPr/>
+        </p:nvSpPr>
+        <p:spPr bwMode="auto">
+          <a:xfrm>
+            <a:off x="307975" y="7937"/>
+            <a:ext cx="304800" cy="304801"/>
+          </a:xfrm>
+          <a:prstGeom prst="rect">
+            <a:avLst/>
+          </a:prstGeom>
+          <a:noFill/>
+          <a:extLst>
+            <a:ext uri="{909E8E84-426E-40DD-AFC4-6F175D3DCCD1}">
+              <a14:hiddenFill xmlns:a14="http://schemas.microsoft.com/office/drawing/2010/main">
+                <a:solidFill>
+                  <a:srgbClr val="FFFFFF"/>
+                </a:solidFill>
+              </a14:hiddenFill>
+            </a:ext>
+          </a:extLst>
+        </p:spPr>
+        <p:txBody>
+          <a:bodyPr vert="horz" wrap="square" lIns="91440" tIns="45720" rIns="91440" bIns="45720" numCol="1" anchor="t" anchorCtr="0" compatLnSpc="1">
+            <a:prstTxWarp prst="textNoShape">
+              <a:avLst/>
+            </a:prstTxWarp>
+          </a:bodyPr>
+          <a:lstStyle/>
+          <a:p>
+            <a:endParaRPr lang="en-US"/>
+          </a:p>
+        </p:txBody>
+      </p:sp>
+      <p:pic>
+        <p:nvPicPr>
+          <p:cNvPr id="6" name="Picture 5"/>
+          <p:cNvPicPr/>
+          <p:nvPr/>
+        </p:nvPicPr>
+        <p:blipFill rotWithShape="1">
+          <a:blip r:embed="rId2"/>
+          <a:srcRect l="22618" t="30418" r="37218" b="23099"/>
+          <a:stretch/>
+        </p:blipFill>
+        <p:spPr bwMode="auto">
+          <a:xfrm>
+            <a:off x="5105400" y="3657600"/>
+            <a:ext cx="4038600" cy="2819400"/>
+          </a:xfrm>
+          <a:prstGeom prst="rect">
+            <a:avLst/>
+          </a:prstGeom>
+          <a:ln>
+            <a:noFill/>
+          </a:ln>
+          <a:extLst>
+            <a:ext uri="{53640926-AAD7-44D8-BBD7-CCE9431645EC}">
+              <a14:shadowObscured xmlns:a14="http://schemas.microsoft.com/office/drawing/2010/main"/>
+            </a:ext>
+          </a:extLst>
+        </p:spPr>
+      </p:pic>
+      <p:sp>
+        <p:nvSpPr>
+          <p:cNvPr id="8" name="AutoShape 6" descr="data:image/png;base64,iVBORw0KGgoAAAANSUhEUgAABUAAAAPACAMAAADDuCPrAAAAolBMVEUAAAAAADoAAGYAOpAAZrYzMzMzZv86AAA6Ojo6kJA6kNs9PT1NTU1NTW5NTY5NbqtNjshmAABmZmZmtv9uTU1uq+SOTU2Oq6uOyP+QOgCQkLaQ29uQ2/+rbk2rjk2r5P+2ZgC2kDq2///Ijk3I///KysrW1tbbkDrb///kq27k5Kvk///r6+v/tmb/yI7/25D/5Kv//7b//8j//9v//+T////sHfwrAAAACXBIWXMAAB2HAAAdhwGP5fFlAAAgAElEQVR4nO2da4PcxpFlMWNJ3hXbkrwiufLucM0ZSuJw1GxzaPL//7WtB6oK9ehCAgjg3kic88Wk2B0duJV5jCpkZjdfAQBgFI26AQCArCBQAICRIFAAgJEgUACAkSBQAICRIFAAgJEgUACAkSBQAICRIFAAgJEgUACAkSBQAICRIFAAgJEgUACAkcwn0MdxjP5GBxL3Tu4ayF3DBEEh0NlI3Du5ayB3DQjUkcS9k7sGcteAQB1J3Du5ayB3DQjUkcS9k7sGcteAQB1J3Du5ayB3DQjUkcS9k7sGcteAQB1J3Du5ayB3DQjUkcS9k7sGcteAQB1J3Du5ayB3DQjUkcS9k7sGcteAQB1J3Du5ayB3DQjUkcS9k7sGcteAQB1J3Du5ayB3DQjUkcS9k7sGcteAQB1J3Du5ayB3DQjUkcS9k7sGcteAQB1J3Du5ayB3DQjUkcS9k7sGcteAQB1J3Du5ayB3DQjUkcS9k7sGcteAQB1J3Du5ayB3DQjUkcS9k7sGcteAQB1J3Du5ayB3DQjUkcS9k7sGcteAQB1J3Du5ayB3DQjUkcS9k7sGcteAQB1J3Du5ayB3DQjUkcS9k7sGcteAQB1J3Du5ayB3DQjUkcS9k7sGcteAQB1J3Du5ayB3DVqBvnvY8Mv+z59fb/78CoFuSdw7uWsgdw1Kge6UueGn7V8+vdz9+cc/EOg6B5QDiXsndw1CgX55s7vh/PDwl7/vZPrTzqKvYgTabBh5ZQal1jigHEjce1zugeO9lILeBV0VIRToU3u7+WGrzvYvn17+8GuEQJsmLHBFKSayhsS9h+UeON6L6e9d0VUROoFubkB/Of3t3f7W8/w/jhZo04QFLinFRNaQuPeo3APHezm9vUu6KkIn0M+vOzebX95s38d/3d6Ovpou0KYJC1xTiomsIXHvQbkHjvcB9PWu6aoInUA/vfzxj6eHh90noCebftg/Utrwbcvgwptmjoz45gylAObBc5B6dhXKKIH+v/1T+FcdgT4hUAAZnoPUs6tQhl/ZU7uA6Wl7D3pDoAdG3B3zFl4Hb+E18BZeg+4t/NNh2fz2XXusQHmIpAOBauAhkgblZ6Dtc6Pth6E3PgOdIlCWMclAoBpYxqRBKdDWmds/xD6Ff2QhvQwEqoGF9BqU60A7d6Bf3+3XfwatA51yYQ4k7p3cNZC7BuFOpHftu/XdTWfwTiQGlApy10DuGoQCbTe+P82yF54BJYLcNZC7BuVpTE/7ZaD7N+3tXziNaUvi3sldA7lrkJ4H+uXNRpmH9+ycB3oice/kroHcNXAivSOJeyd3DeSuAYE6krh3ctdA7hoQqCOJeyd3DeSuAYE6krh3ctdA7hpqFSg7kQbgGVYgprlHgkA1VCpQ9sIPwDOsQExzDwWBaqhToJzGNADPsAIxzT0WBKqhSoE2TdhM1pRackB5hhWIae7BIFANCNSxFAINxDT3YBCoBgTqWAqBBmKaezAIVAMCdSyFQAMxzT0YBKqhSoGaPhcpL8VDpEhMc48FgWqoU6CmK3OKS7GMKRTT3ENBoBoqFajp2vDSUiykj8U090gQqIZaBcqAEkHuGshdAwJ1JHHv5K6B3DUgUEcS907uGshdAwJ1JHHv5K6B3DUgUEcS907uGshdAwJ1JHHv5K6B3DUgUEcS907uGshdAwJ1JHHv5K6B3DXUKlDPteH1L+j2XEhfSt7cqxeo54SeUMtboJ67E+vfUui5lbOYtLlXL1DPCT2llrVAPc/HqP9QC8/DRMrJmvtj7QL1nNCTajkLtGnCUtKUSjoZAsPSkDT3LVUL1HNCT6uFQGcslXQyIFAdCLQMBDr3hTmUSjoZEKgOBFoGAp37whxKJZ0MCFQHAi0DgQ65sjHf61Aq62RI7s+0uT9WLlDTCV3tQyTXVQ/FpdJOhtz+zJt77QI1ndDVLmNyXXdbWirvZEjtz8S51y5Q0wld7UL6+geUK+Sugdw11LqVkwElgtw1kLsGBOpI4t7JXQO5a0CgjiTundw1kLsGBOpI4t7JXQO5a0CgjiTundw1kLsGBOpI4t7JXQO5a0CgjiTundw1kLsGBOpI4t7JXQO5a6hVoJ4bF+rficREFkHuGioVqOfW2fr3wjORVZC7hjoF6nl4S/2nMT0ykVWQu4YqBTrpnD6HUmscUA4k7p3cNSBQx1JrHFAOJO6d3DUgUMdSaxxQDiTundw1IFDHUmscUA4k7p3cNVQpUB4i6WAiayB3DXUKlGVMMpjIGshdQ6UCZSG9CiayBnLXUKtAGVAiyF0DuWtAoI4k7p3cNZC7BgTqSOLeyV0DuWtAoI4k7p3cNZC7BgTqSOLeyV0DuWtAoI4k7p3cNZC7BgTqSOLeyV0DuWtAoI4k7p3cNZC7hloFykL6AQReoedE9sw9MnbP3EvJ2/v419BboGzlHEDgFXpOZM/cQ2O3zL2YtL1PeA2tBcphIgMIvMJHy4nsmXts7I65l5O19ymvobNABxwc51lKMZGDprLfRPbMPTh2w9wHkLT3Sa8hAp2xFAINxDN3BNohae8I1LUUAg3EM3cE2iFp7wjUtRQCDcQzdwTaIWnv1QqUh0hDqH4ie+YeG7tj7uVk7X3Ka2gtUJYxDaH6ieyZe2jslrkXk7b3Ca+ht0BZSD+E6ieyZ+6RsXvmXkre3se/huYCZUCJIHcN5K6h1q2cDCgR5K6B3DUgUEcS907uGshdAwJ1JHHv5K6B3DUgUEcS907uGshdAwJ1JHHv5K6B3DUgUEcS907uGshdAwJ1JHHv5K6B3DUgUEcS907uGshdQ60CrX4nUuQ2Fs+dSJ65B8JOpAN5e691J1L1e+EjN1J77oX3zD0Q9sIfSdt7rXvhA0+6kZTqvejIo3wia8VNZM/cA4mNHYEqmPIaOgu0acJGp6ZU30UHdmV6Hqhn7oEEx45ABUx6DRHojKUQqGfugSDQDkl7zyHQEZwujFKL1orDNKw4PLuCIYROw+klnmHp/2dwKMUdqGfugQTHzh2ogEmvobNAeYg0T1sl8BCpkNjYEaiCKa+htUBZxjQEz4nsmXsgobEjUAkTXkNvgbKQfgieE9kz90AiY0egGsa/huYCZUCJIHcN5K6h1q2cDCgR5K6B3DUgUEcS907uGshdAwJ1JHHv5K6B3DUgUEcS907uGshdAwJ1JHHv5K6B3DUgUEcS907uGshdAwJ1JHHv5K6B3DUgUEcS907uGshdQ60CrX4nUiSeO5ECMc09EnLXUKlAq98LH4nnXvhATHMPhdw11ClQyVE+gaUEh1q4ncYUiGnusZC7hioF2jRhUtCUUhyr5nUeaCCmuQdD7hoQqGMpBBqIae7BkLsGBOpYCoEGYpp7MOSuAYE6lkKggZjmHgy5a6hSoDxEGkKoPw0nsmvusZC7hjoFyjKmIUT603Eiu+YeCrlrqFSgLKQfQuAVWk5k19wjIXcNtQrUc0CVkrh3ctdA7hoQqCOJeyd3DeSuAYE6krh3ctdA7hoQqCOJeyd3DeSuAYE6krh3ctdA7hoQqCOJeyd3DeSuAYE6krh3ctdA7hoQqCOJeyd3DeSuoVaBVr+QPnLxu+dC+siuClk490gQqITxw8FboNVv5Yzcfum5lTO0q0KWzT0UBKpgwnCwFmj1h4lEHgDieZhIbFeFLJp7LAhUwJTh4CzQpgkb6JpSfRcd2JXpcXbBXRWyZO7BINDlmTQcEOiMpRAoAh0IAl0eBOpaCoEi0IEg0OVBoK6lECgCHQgCXZ5qBcpDpHnaKoGHSBoQqIApw8FaoCxjGkKoE1jGpAGBKpgwHLwFykL6IUTWYiG9BgQqYfxwMBcoA0oEuWsgdw21buVkQIkgdw3krgGBOpK4d3LXQO4aEKgjiXsndw3krgGBOpK4d3LXQO4aEKgjiXsndw3krgGBOpK4d3LXQO4aEKgjiXsndw3krgGBOpK4d3LXQO4aahVo9TuRIql+J5Jp7pFY5l5K3txr3YlU/V74SKrfC2+aeyiOuReTNvda98IHHpojKbXogIo9YcjwNCbT3GMxzL2crLlPCctZoE0TNgw0pZYcUIFXuMXvPFDT3IPxy30ASXOfFBYCnbEUAq0/92D8ch9A0twRqGspBFp/7sH45T6ApLkjUNdSCLT+3IPxy30ASXOvVqA8RBpC7IwxfJhhmnsshrmXkzX3KWFZC5RlTEMInTGOy2lMcw/FMfdi0uY+ISxvgbKQfgiRM8ZyQbdp7pFY5l5K3tzHh2UuULa2iSB3DeSuodatnAwoEeSugdw1IFBHEvdO7hrIXQMCdSRx7+Sugdw1IFBHEvdO7hrIXQMCdSRx7+Sugdw1IFBHEvdO7hrIXQMCdSRx7+Sugdw11CrQ6hfSRy539lxIHwgL6QfgOd5NqXUhffVbOSM33Hlu5QyErZwD8BzvptS6lVNyEkVgqd6LDuzK9DCRQAJz98XwMJH6c58SlrNAmyZsGGhK9V10YFemx9kFEpi7MX7H2dWf+6SwEOiMpRBoIPVP5C0IdHkQqGspBBpI/RN5CwJdHgTqWgqBBlL/RN6CQJenWoHyEGmetkrwE+gKHmY88hBJwpSwrAXKMqYhRNZyFOgKltOwjEnDhLC8BcpC+iFE1nIU6AoWdLOQXsP4sMwF6jmRS0ncO7lrIHcNtW7lZECJIHcN5K4BgTqSuHdy10DuGhCoI4l7J3cN5K4BgTqSuHdy10DuGhCoI4l7J3cN5K4BgTqSuHdy10DuGpQC/fz6YccPvx7/9gqBbkncO7lrIHcNSoF+etkRaPuXH/9AoOscUA4k7p3cNSgF+vTw0/HPm/vPn3YWfRUjUHYiDYCdSC2OvZcR+RLG4TnePaZOgEDfdWz5tL/3/PRy/35+qkDZCz8A9sIfMOy9jNCXMAzP8W4ydaYL9Mubv/z9UqZf3jz8EiDQKaekOJTiNKZIAnM3JfYljMJzvLtMnekC/fz6x/962X4CepTph6v38BOui/NAY9sqwU+ggbmbEvwSBuE53m2mznSBHp4hbe85P79u37p/OH4u+m3L8MJfTxc24ptXViq0liXVX6DpFXqOd9epM6LE037V0qeXm5vPo0CfEOiypUxnXyDVX6DpFXqOd9epM6LE4WZz+679hkAPLH1r7VCKt/CBBOZuSvBLGITneLeZOtMFeuDTyx//iBWo6WfO5aV4iBRJYO6mOPrTdby7TJ1Igf7w643PQKcI1HTVQ3EpljGFEpi7KY7+dB3vJlMnUqA//hH7FP7Rdd1taSkW0scSmLspjv50He8eU2eyQI/O3L1rf7df/xm0DvTRdCKXkrh3ctdA7hqEWzkPG5F27gzeicSAUkHuGshdg1Cgn17u7jb36ozeC8+AEkHuGshdg/IwkQ/d0+yeHjiN6Uji3sldA7lrkB6ovDsC9KfuX15df9HSF+ZA4t7JXQO5a+BEekcS907uGshdAwJ1JHHv5K6B3DUgUEcS907uGshdQ60C9Vx3a7qg2zOsQExzjwSBaqhUoJ47v0y3FHqGFYhp7qEgUA11CtTz7IHyUosOKM+wAjHNPRYEqqFKgTZN2EzWlFpyQHmGFYhp7sEgUA0I1LEUAg3ENPdgEKgGBOpYCoEGYpp7MAhUAwJ1LIVAAzHNPRgEqqFKgZo+FykvxUOkSExzjwWBaqhToKYrc4pLsYwpFNPcQ0GgGioVqOna8NJSLKSPxTT3SBCohloFyoASQe4ayF0DAnUkce/kroHcNSBQRxL3Tu4ayF0DAnUkce/kroHcNSBQRxL3Tu4ayF0DAnUkce/kroHcNSBQRxL3Tu4ayF0DAnUkce/kroHcNSBQRxL3Tu4ayF1DrQJlR8wAIsOKm8j17wCLxFKg5H7vG50Fyp7sAYSGFTaR6z+DIBRHgZL73W80FiinAg0gNqyoiVz/KVixGAqU3O9/o69AmyZWCjEM6CrpeaBbgiZyYFemuQfjJ1By7/lGBDoM0wGFQE+scSLPBrn3fCMCHYbpgEKgJ9Y4kWeD3Hu+EYEOw3RAIdATa5zIs0HuPd/oK1AeIg0hNiweImnwEyi593yjsUBZxjSE0LBYxqTBUKDkfv8bnQXKQvohRIbFQnoNjgIl97vfaC1QzwFVSuLeyV0DuWtAoI4k7p3cNZC7BgTqSOLeyV0DuWtAoI4k7p3cNZC7BgTqSOLeyV0DuWtAoI4k7p3cNZC7BgTqSOLeyV0DuWtAoI4k7p3cNZC7BgTqSOLeyV0DuWuoVaCCbSyBpQou2nOrlWlbnjtiQrNiB1gxHrl7C1SxkTqwVP9Fe272N23Lc092bFacQVCKSe7WApUc5RNYqveiA7uKxLOtwNwDCc6KU7AKccndWaBNE5aSplTfRQd2FYlnW4G5BxKdFeewlmGTOwKdsRQCDYSJPADP8R6ITe4IdMZSCDQQJvIAPMd7IDa5I9AZSyHQQJjIA/Ac74HY5O4sUB4iifBsKzD3QIKz4iFSIS65WwuUZUwiPNsKzD2Q2KxYxlSKSe7eAmUhvQjPtgJzDyQ0KxbSF+ORu7lA2domgtw1kLsGBOpI4t7JXQO5a0CgjiTundw1kPvy/LbhdwRqSOLeyV0DuS/KbwcQqCOJeyd3DeS+FL+dgUAdSdw7uWsg99n57RYI1JHEvZO7BnKfj5vmRKDGJO6d3DWQ+zzck2fNAmUh/QA8wwqEBd3eePbe584tL16MfQ29BcpWzgF4hhUIWwrNseu9xJ17f74Y+xpaC1RyIkJgqUUPE/EMK5DA3AMJzgqBBlHqztafL8a+hs4CbZqw0akpteRxdp5hBRKYeyDRWSHQ6Qxx58GfL8a+hgh0xlIINBAEao++96HuRKDWpRBoIAjUHmHvo8yJQM1LIdBAEKg9it6nmLN2gZo+FykvxUOkSAJzDyQ4KwQ6gAB5Hg069jW0FqjpypziUixjCiUw90Bis0KgZUS582jQsa+ht0BN14aXlmIhfSyBuQcSmhUC7SXWnQeD1rmQngGlgtw1kPtd5pDnjlq3cjKgRJC7BnJ/jtnciUBtSdw7uWsg9xvM604Eakvi3sldA7l3WcCcCNSYxL2TuwZy37KcOBGoM4l7J3cN5L68PBGoK4l7J3cNq85d404Eakvi3sldw1pzF7oTgdqSuHdy17C63NXmbKlVoLk317ATKRbPHWCmO5E8d96dmOy87Q72AHXuqVSgybd3sxc+FM8zCEz3wnue/dASobzdGUphBq1ToIEn3QQfmlMGpzFFUt7VkrkHZxUlUMkVlvQeZbwXL0INWqVAmyZsGASWGgDngQYyoKsFc4/OKkigmivs6T3IdTtevIg1KAJdrNQAEGggCHQAbgKNsVyH9Ql0BKeXzqlUIJFdEVb2UpEYXeHvs3ASaFDByTm1aQXVuWaE3I1vFMrgDjSQkDuhwaUCuyqiqjvQmJvDm6zvDnRMc4FjU6IEHiJFUt4VD5HED5FipHaXUH9+9913VQrUd7VJGSxjCqW4K5YxqZYxheisjAh/fneiToHarncug4X0sZR2xUL6R8EVbt4Hx6ixkAn+/O6aSgW6vq1tJpC7hpy5t15aVqBjuGFOBOpL4t7JXUO63Lt6Mhbo8+ZEoL4k7p3cNWTK/cpSjgLtNeeWWp/CP+YaUFck7p3cNSTJ/basvARaJM4DCNSRxL2Tuwb/3O8oy0OgZbecFyBQRxL3Tu4ajHPvV5daoGPM2YJAHUncO7lrcMy9WGBCgY42ZwsCdSRx7+SuwS33QRbTCHSaOVtqFajnemfPBd2RVJ+7K0YL6YerrECggUd4vngRYc6WSgXquePOc0thJNXnbovHVs6RSusXaND+9ThxHqhToJITEQJLLXqYSCDV5+6L/jCRCV7rFejkE0BC3q7fokqBNk3Y9NOUWvI4u0Cqz90Y6XF24/3TWqjn3yecQddjzinu3IFAHUshUM/cjVEJdKJ/Wgv1/Psogfaqc6o7dyBQx1II1DN3YxYXaIR9jhbq+fdBAu0X53ffcaDyXaqfyAh0nlIItD+sGO9cWKjn34sEWiLO7ziRftAwGHlt8lI8RDLN3ZdFHiLFOOeGhfq+4K70ysxZVGpE61UKtP7lNJb+XEHutsy9jCnIN89YqPcrbkpvmDnvlhpNpQKtf0G3pT9XkLsrMy6kj3LNHQv1f8mZ9MaZ82apqdQqULutbYNI3Du5a5gj9zDL9Fqo/EsniHMWEKgjiXsndw2huS/roFKBepmzBYE6krh3ctcQlrvEQn1fYGjOFgTqSOLeyV1DRO46C935N1dztiBQRxL3Tu4aJuYuttCN/2Z7z3kOAnUkce/krmF87moF/XYuUMtPOp8HgTqSuHdy1zAqd7V9DuwE2mdOO3fuQKCOJO6d3DUMzV0tng795vR05w4E6kji3sldQ3HuauN0KDGnrzr31CrQ6nfERO5Eiqxl9KslhpfKuwOsIHe1arrkF2fLixdjh4O3QKvfkx25Fz50X73Hr5YYWSrtGQR9uas9c6CCW84zXmwFOm44WAu0+lOBArsKPtlJ/6slJpTKegrW453c1Y7ZUcOb9Ru82At01HBwFmjThA10TaklzwONrPUo/tUSU0slPYd1y63c1X75rdScwt8LP4UXB4GOGQ4IdMZSCLT+3IO5yF3tlt8Gfc6JQBFoaCkEWn/uwZxyV2vlt+G/yQ2BItDQUgi0/tyD2eWuNspvI4/9QKBeAuUh0jxtlcBDJAUbB8klNMacLfLeR1LrQySWMQ0i1AksY1qU41wWCnSCOVtSCbQb/4Th4C1QFtIPIbIWC+kX42xaSwQ66v36DXII9NZrMH44mAuULYUiyH0Jrmf3ogK9L85B7txhLtB7r8QEQSHQ2UjcO7nPzDOTfBGB9opzuDt3uAq04OVAoI4k7p3cZ+TOXJ9XoCXmnLCTyE6g5S8JAnUkce/kPg99U34mgc5szha9QEe/LgjUkcS9k3s4RQaIFugy5mwRCnTqi4NAHUncO7nHMUQEYQJdUpwHFAINeo0QqCOJeyf36YzxwXSBKszZsqhAY18rBOpI4t7JfRpjtTBFoDpztiwj0FleLwTqSOLeyX00k+wwUqBic7bMJdAFXrRaBcpOpAF4hhVIYO7zMN0VwwXqYM6Wgt63287LC94NO3SMVipQ9sIPwDOsQAJzj2a8dC4YItD75nwxzFUR9Pf+oqyrkshjx2idApUc5RNYKutpTJFtxRGYexwR3ulSJNCCe84XLwpdFUlv771dlQcfPEarFGjThKWkKZX0PNDItuIIzD2IUPm03Bdo8dv1Fy8UBu0T6J2uhmYfPUYRqGMpBBqIlUDnEdBvzwq0x5xXH3UmEOi0FwCBFuDpBASqwUWgMzvoUkK96rz5mMhZoJZjFIE6lkKggRgIdAkHHSTUL857T9gtBeo8RqsUqOlzkfJSPESKJDD34SxjoI2DSsRZsDbJ6iHSiJewl+AxWqdATVfmFJdiGVMogbkPYSH7BJnzgMCfVwKd8BL2EztGKxWo6drw0lIspI8lMPcSFtJOsDkPLO/PjUB7M3Udo7UKlC2FIlad+0K+mcmcEkJyF4JAHUnc+2pzX8Y31Yjz7J4z8ZhBoI4k7n2NuS9jnBrNOS13BxCoI4l7X1nuyzinwJzC3wtfSGjuNiBQRxL3vpbcl9JO6T2no0DnyN0NBOpI4t5rz30p+Qx9t24l0BlydwWBOpK495pzX8I9Yz/p9BDoPLk7g0AdSdx7pbnP754+c/Y8JRILdK7c7alVoJ7rbk0X0gfi2dak3M9NEb/MvN+cJU/Y4wQqOPt9jePdW6CeO79Mt3IG4tnW+Nxv2iXKoCXmLF6cFCbQ0iucNffxpZZlQlvWAvU8e6C81KKHiQTi2da43O/YZapBI8V5IEqgkrPf1zjenQXaNGGBa0oteZxdIJ5tDc+91y5jDTqHOVuCBHrrChfLPaLUkkxqC4HOWGqNA2o2BnQ14VdL9DCfOVvmEOhiua9xvCPQGUutcUDNRklXBwsN0UsRM95znhMqUMZ7EQjUtdQaB9Rs9HR1ZqEivZQJdClztsQIlPE+hGoFykMkEZ5tPdvVtYX6BFPmz0XN2TJRoP1hBeZ+xRrHu7VAWcYkwrOtG109Y6Fe0fT5c3lztgwV6JCwAnO/zRrHu7dAWUgvwrOtTlf3LdQvnmf9qTJnS7FAh4QVmPtd1jjezQVa65ZCe2xzL7LQGHVpxXmgX6DqF+AOrmOmgFq3cvpO5BIS926Ze7GFhklLfNN5xh2BqtPvx3HMFIJAHUncu1vuwyxU9mU9H3RKDoe/JVB19sWYjZkhIFBHEvdulPsIC93/515xaty5YydQdeJj8Rkzg0GgjiTu3ST3kRZ65r+XmFP6O4lsch9H4t4RqCOJe9fnPsFDVwJNYM4Wfe4TSNw7AnUkce/S3Kfq6CTQPOZsYbxrkAv008sf/9j94fPrh4eHVwh0S+LeNbkHWel37885dzyTAONdwwICfds0//JvX99+f/Mfv7x52Av008uHLa1NEWhWls09UExZzdnCeNcwu0Dfb9fq/8u//fNvzb/+x41//tA6c3P/+dPOoq9iBMpOpAF4htXHAPdM2n55bs7AX+lRWqoojTiBeo73QELH6NwC3flzI9D//mvT/Ok/r/55e9+5E+jT/n8+vfzh1wiBshd+AJ5h3WOEqW67avA9Z+Cv9Hi+1JhIwgTqOd4DiR2jMwv0H3/e3Hj+9183b+G3Bv358p83b+D/9/4z0Hf7W8/Nf/glQKBTTklxKLXo6TSeYT3HaFNdumrUu/WYX+nxbKkJuUQJ1HO8BxI8RmcW6NvtbedOoF83b+K/ufzndw8/7R8ifXnzl7/v/suHq/fwI3prmrCUNKWWPB/RM6xrJpvq6Krxn3NO/ZUez5aaHk+QQD3HeyDRY3RegW6kubnr3Av068erT0G379v3Av38un3r/mH7UeiOb1tum/kup5BGfPPKSrm2deL3iZxUdd+cg0pNbepdyNgAACAASURBVOpQKjirydiPhql4dvWcQPfqbAX6jz9fCPTz681t54VAnxDosqVc29oxWVOtqnrerg+1XoRATSey82gIwbOrcQLdfe75rEAPjLg7PoU08vZaXYq38EELlHrMefmGfb5fKvfb5dv0yKy28Ba+DJvciwR69hb+/cVj+A+7B+9zCNT0uUh5qXU/RBohpyt6zXnzw86gX+lxwZxZHeEhUiEuuRcJ9Ovb7eeee4H+48/nD5E+vdw9N3r2M9ApAjVdmVNcaqXLmAZp6RkKzPn8c6Lpv9Kjy6xZXcIyplJMci8T6Maa2zWgG4G+3+1HOrsBPfLDr7FP4R9d14aXllrbQvpSO95lijlbpvxKjw6zZvUMLKQvxiP3MoG2C+n3nG/mPBPo13f79Z9B60CnXJgDiXsfnHuZHe8w6Z7znKm/GniWRMtgvGtYZivnDX8eaA8TCd6JxIBSMST3abYqEefA3eujBTpfnqUw3jUsc5hIc3MfZ1eg0XvhGVAiCnMfa6otM5izZbhAZ06zHMa7Bpvj7J4eOI3pSOLe+3IfJbYjc5mzpUCgy6Q4HMa7BhuBch5oh8S9P5v7FLFtmdWcLfcEumiKw2G8a5ALtJelL8yBxL3fyn2q12YX54GbAl0+wzEw3jXMK9DtEUznXB3IhEBvkLj3i9ynKm0hc7acC1SU4DgY7xqWFujtY5UR6DmJez/lPkllS91zntMKVJnfWBjvGhYX6LOP42MFKl8bPqnUwgvpA9m2NUVh83zQ2bv6ve1+jQu6rxCMrNzjfdx3Fgl0twx0v/7zY7PdyfnPvw1+Fz/6uix2J44rtexWzjCmHNjeZ84p9513ujq/gDVuKbxEMbKSjvdJbZUJtHMG6P5gka9vr49Vjhfo4W531JUZlFr0MJEYOqYaZtB+c059z15+9vsaD7W4QDKyEo73HVPaKhJoK82DTLfv3j8OfQ8/4bq8TmgbUGrJ4+ymc2WqMoOWmDPi484BZ7+v8Vi1czQjK9d4PzKprSKBtgfZ7dmfB3p1KigCvSbNgLqnqknmDBDnRVcRuQeCQDukGe/nLCHQsztQBFqNQO+p6lmBLmzOlsDcA0GgHfzH+03mF+jmLfzxDXv7Z97CpxboXVU9L1CJOYeHhUAR6ADmF+juLKb9PejHZvc8/vJY5VkEykOkWehX1pU/F77nnBoWD5F4iDSEKW2VCXS7bOnI5tbzbcMypoIvtFvWUWqwgz9LxDm/OQ8E5h5I7EvIMiYFE9oqE+jhMLst7TLQgTegLKSfVmoyw0y2sDkLryEw90BCX0IW0ksY31apQA8K3XlzI9DbxyqHC5StbZMZKjNHcw7EIvdxMN41cBqTI9reh+ssvTlbEo8ZxruGBQX6z78NPkgEgS5NsDvjxLnICR+JxwzjXcNiAt0+j0eghUh6D3VnMnO2JB4zjHcNywi0PZUJgRaydO9x4vzu96m/2VJizpbEY4bxrmEJgbYP4s9/LTwCvcNivceJ83DXGSDQpS7+msRjhvGuYXaBfmwXMQ1++o5AZ2SY0frM2X3HPkqgc19uKYnHDONdw7wCPa6jH61PBBpLtDmvPu0cJtDZrnMciccM413DnAJ93751/78jVn8i0GDizXn7QVGhQOMvMILEY4bxrmE2gR5+m8fP45bPTxUoO5E69Nmss319tDivSxmZk51I3iTufS6B7v2596ZAoOyFbym5G9ztX59qzk6pkl+esSjshTcnce/zCfT00H15gR6234+8NnmpkNNpSty5JcScXX9eGLQ8oJkIzD2QwIG1BYFqmPcOdH/05+ICbZqw0akpNe18xDhxDlwPP+CXZyxIYO6BBA6sHQhUw3wPkd7uh8f3CHR4qZECLRVduDnPBRr4xjQCBGpP4t7nfArfPkda/in86gRa7rh5zNkSLYUYEKg9iXufeSH95GX0CPReqUG/QLjHnKN+nfvoK1wQBGpP4t5n34l0WEu/6E6kwLEpKVXyEGnAL2DvM+fwX+Y++ZdnLElg7oEEZ4VANSyxF/4ff96NlCX3wgeOTUWpnov+7e56oVJzHr9qiD+jrnBRonKPJTYrBKphoePs3u4Gy4KnMQWOTUGp5y/6zHojzXn1QWeJP4OvcFmm5z4HoVkhUA2LnQe6faLEcXaF3Oi97AZxhodEQ1uvLPcskLuGJX+lx3sEWki391LR9apzqDtHtl5L7skgdw38TiRHdr2HiXOoOqe1nj73nJC7BgRqx0ZhJScalYhzSXO25M39cZ0T2YHEvSNQH04muytQU3O2JMz9ROLeyV0DAjXgSmi3BeptzpZMuV+RuHdy14BAlTzntQuBxptzvktKkftzJO6d3DUgUAk9fjsKNMEt5wXeufeQuHdy11CrQD0X0u8o0NzvJe4ctvlyoSvMXSrvRCZ3EZUK1HMrZ9DKpO2XlG+/XPQKk5dKO5HJXUWdApWcAHKfCHWevq7kAJClr7CCUlknMrnLqFKgTRM2DKaXijXnuT9vG3TpK6ynVNKJTO46EOhcpcrEOfDYj/sCXfgK6yuVdCKTuw4EGl4qxpx3H69fCnThK6y2VNKJTO46EGhcqShzfvdd31bOgz4jPqpKP/sCSyWdyOSuo0qBLv1JeJw529vO3r3wgReY/glEYKmsE5ncZdQp0KXWYhSac/B6+OcFOsMFZl8DE1gq7UQmdxWVCnTu1cBx4rz5UecNgc54gclXYQeWyjuRyV1ErQKda2tbnDjvPSTqCnSWy5gPthRqIHcNCLSQZczZFWhs/0vBRNZA7hoQaA9l4ixzZ1mhx3UOKAcS907uGhDocxSbM+w3uXWan9i7ECayBnLXgECvGGDOoVswe815aH5s73qYyBrIXQMCPTHInPfVOdach+ZHXrQBTGQN5K4BgT46mfPQ/MiLNoCJrIHcNaxboMPMGfN+veTp+hoHlAOJeyd3DesUaKg4Y925b37kRRvARNZA7hpqFegzeyCCxTnUnYE7M9iJNEOpZScyL+GBvAIdH5a3QK924cabc8THnYF7g9kLP0epRScyL+GRtAKdEJa1QJvmeGUyc97tqi/cARc4mcBa2UstOZF5CU9kFeiUsJwFuruo4t+6Nr85z9MOOB9xQKleAmulL7XgROYl7JBUoJPCqkagBeIsLBUXNwKtfiLzEnZAoAkFWnbLef/Xt5WZs9sVAnUuhUCrzz2StQp0yJv1wN9/iUDtSyHQ6nOPpFqBPh4EOtydV9/xrD/HdVWWNg+R6n+YwUt4IqlAq32ItLuyS+kNNee5QSe689hVWdosY1rBchpewiNZBVrtMqbtlZ2kN9KcXYNOduehKxbSO5diIb2mVFqBVruQftPf7zHHfsSYc2jzi/60UNhSqIHcNdS6lfPxa5A7R/74aaxxQDmQuHdy17A2gZqb89C88odPg4msgdw1rEigGczZssYB5UDi3sldQ70C/T3bbWeHNQ4oBxL3Tu4a6hZouTlt3LljjQPKgcS9k7uGigWa05071jigHEjcO7lrWLdAR9aenTUOKAcS907uGtYp0JE1F2ONA8qBxL2Tu4ZaBdrdiTRRnp47M9jGMkOpvBPZM/dS8uZeq0Bv7IUfe+PpuTeYjdRzlEo7kT1zLyZt7rUKtGkuT2MaeZWup9MEdpX+KJ/AUlknsmfu5WTN/bFSgTYHgb6Y/HFn04SNqAGlOA/UM3dTPHMfQNLct9QrULsBhUDtSyWdyJ65DyBp7lv8BTqC0yigVNK2PEuZQlj54Q40shR3oJ65m+KZ+wCS5r7F/w50THOBg0BSiodIprmb4pl7OVlzf6xVoKbLOopLsYzJNXdTPHMvJm3u1QrUdGFxaSkW0mtK5Z3InrmXkjf3agXK1jYR5K6B3DUgUEcS907uGshdAwJ1JHHv5K6B3DUgUEcS907uGshdAwJ1JHHv5K6B3DUgUEcS907uGshdAwJ1JHHv5K6B3DUgUEcS907uGshdQ60C9VxYzEJ671LL5m76EgpAoG4C9dzaxlZO81KL5m76EipAoGYCbZqwESUpxWEi9edu+hJKQKBeAm2asBGlKcVxdtXnbvoSakCgCDS0FAKtPnfTl1ADAkWgoaUQaPW5m76EGhAoAg0thUCrz930JdSAQL0EavpZf3kpHiLVn7vpSygBgZoJ1HS1SXEpljGtIHfTl1ABAnUTqOl659JSLKTXlGIhvQYEaidQtraJIHcN5K4BgTqSuHdy10DuGhCoI4l7J3cN5K4BgTqSuHdy10DuGhCoI4l7J3cN5K4BgTqSuHdy10DuGhCoI4l7J3cN5K4BgTqSuHdy10DuGhCoI4l7J3cN5K6hVoF6bhjx3BGTPKzAUnl3IiFQEZUK1HPLsuee7OxhBZZKuxcegaqoU6BNEzY6JaU4jan+3CNfwkcEqqJKgTZN2OjUlOI80Opzj3wJtyBQDQjUsRQCrT53BNohce8I1LEUAq0+dwTaIXHvCNSxFAKtPncE2iFx71UK1PSz/vJSPESqP/dYfyJQEXUK1HS1SXEpljGtIPdQfyJQEZUK1HS9c2kpFtJrSrGQXkPi3msVKANKBLlrIHcNCNSRxL2TuwZy14BAHUncO7lrIHcNCNSRxL2TuwZy14BAHUncO7lrIHcNCNSRxL2TuwZy14BAHUncO7lrIHcNCNSRxL2TuwZy11CrQD3XO3su6E4eVmCpZSey6UL60LbKQKBuAvXccee5pTB7WIGlFp3Ipls5Y9sqA4GaCTTwoAZJKQ4TMc09kMiX8DFOoMFtlYFAvQTaNGHDQFOK4+w8cw8k8iXcEiTQ6LbKQKAINLQUAvXMPRAE2gGBItDQUgjUM/dAEGgHBIpAQ0shUM/cA0GgHRCol0Drf5gROcqzhxVYiodIPEQaSJ0CrX85TeQoTx5WYCmWMbGMaSCVCrT+Bd2Rozx3WIGlWEj/yEL6YdQqULa2iSB3DeSuAYE6krh3ctdA7hoQqCOJeyd3DeSuAYE6krh3ctdA7hoQqCOJeyd3DeSuAYE6krh3ctdA7hoQqCOJeyd3DeSuAYE6krh3ctdA7hoQqCOJeyd3DeSuoVaBVr8jhp1IM5RaNnfTnUgCEvdeqUCr35PNXvg5Si2au+leeAWJe69ToIFHykhKcRpT/blHvoSPCFRFlQJtmrDRqSnFeaDV5x75Em5BoBoQqGMpBFp97gi0Q+LeEahjKQRafe4ItEPi3hGoYykEWn3uCLRD4t6rFKjpZ/3lpXiIVH/usf5EoCLqFKjpapPiUixjWkHuof5EoCIqFajpeufSUiyk15RiIb2GxL3XKlAGlAhy10DuGhCoI4l7J3cN5K4BgTqSuHdy10DuGhCoI4l7J3cN5K4BgTqSuHdy10DuGhCoI4l7J3cN5K5BKtBPLx8eHl61f/n8uvMXBJoVctdA7hqUAv3wsOOHX48yfXj48Q8Eus4B5UDi3sldg1CgG2X+srvx/Onr4X82/+lVjEA91zt7LuhOHlZgqYVzD8S0rUIQ6BiBvtvL8tPL7S3o0/7ec/+X6QL13HHnuaUwe1iBpZbNPRDTtkpBoBMeIn1+vXVma9Mvb7Z3pZMFGnhQg6QUh4msIPdATNsqBoFOEOinl5t7zy9v/vL33d8+XL2HH9Fb04SNKE0pjrOrP/dATNsqB4GOF+jhk9D2rfuH3SeiW75tGVHzNKDGdrWeUqZtVV8qEtO2YAAjX7p3Dw+7W8+jQJ8Q6LKlTNuqvlQkpm3BAMa9dF/ePOwXf94Q6IERd8enATXy9lpdirfw9eceiGlb5fAWftJnoJv38LEC5WHGPG1VX4qHSBoQ6JStnNsVTDc+A50iUJbTDCF5WIGlWMakAYFOEej2MXzsU/hHFnQPIndYgaVYSK8BgY4Q6HHJ524d07v9X4LWgU65MAcS907uGshdg3Qn0v7d+u5de/BOJAaUCnLXQO4a5HvhN+rcvnuP3gvPgBJB7hrIXYPyM9Cn/WlM+zft7V84jWlL4t7JXQO5a5A+RNodAXpQJueBnkjcO7lrIHcNBk/he1j6whxI3Du5ayB3DQjUkcS9k7sGcteAQB1J3Du5ayB3DQjUkcS9k7sGctdQq0DZETOAyFqWE9k090gscy8lce+VCpQ92QMI3UjtOJFNcw/FMfdiEvdep0AlR/kElsp6GtOj5UQ2zT0Ww9zLSdx7lQJtmrCBrimV9DzQLX4T2TT3YPxyH0Di3hGoYykEGohp7sH45T6AxL0jUMdSCDQQ09yD8ct9AIl7R6COpRBoIKa5B+OX+wAS916lQHmINE9bJRhOZNPcYzHMvZzEvdcpUJYxDSHUCY4T2TT3UBxzLyZx75UKlIX0Q4isZTmRTXOPxDL3UhL3XqtAGVAiyF0DuWtAoI4k7p3cNZC7BgTqSOLeyV0DuWtAoI4k7p3cNZC7BgTqSOLeyV0DuWtAoI4k7p3cNZC7BgTqSOLeyV0DuWtAoI4k7p3cNZC7BgTqSOLeyV0DuWuoVaDsRBJhOZEDc3fFMvdSEvdeqUDZC6/CcSIH5m6LY+7FJO69ToFyGpMMw4kcmLsvhrmXk7j3KgXaNGGC0ZTiXMpAAnM3xi/3ASTuHYE6lkKggSBQexL3jkAdSyHQQBCoPYl7R6COpRBoIAjUnsS9VylQHiLpMJzIgbn7Yph7OYl7r1OgLGOS4TiRA3O3xTH3YhL3XqlAWUivwnIiB+buimXupSTuvVaBMqBEkLsGcteAQB1J3Du5ayB3DQjUkcS9k7sGcteAQB1J3Du5ayB3DQjUkcS9k7sGcteAQB1J3Du5ayB3DQjUkcS9k7sGcteAQB1J3Du5ayB3DbUKtPqF9JHkDiuw1BonsgOJe69UoNVv5YwkeViBpdY4kR1I3HudAq3+MJFIsocVWGqNE9mBxL1XKdCmCZt+mlJLDqj0YQWWWuNEdiBx7wjUsRQCrT/3YBCoBgTqWAqB1p97MAhUAwJ1LIVA6889GASqoUqB8jBjCNnDCiy1xonsQOLe6xQoy2mGkDyswFJrnMgOJO69UoGyoHsIucMKLLXGiexA4t5rFSgDSgS5ayB3DQjUkcS9k7sGcteAQB1J3Du5ayB3DQjUkcS9k7sGcteAQB1J3Du5ayB3DQjUkcS9k7sGcteAQB1J3Du5ayB3DQjUkcS9k7sGcteAQB1J3Du5ayB3DbUKtPodMYFdmYYVCDuRvEnce6UCrX5PdmBXpmEFwl54cxL3XqdAqz8VKLAr07AC4TQmdxL3XqVAmyZsJmtK9V10YFemYQUSmLsxCFQDAnUshUADQaD2JO4dgTqWQqCBIFB7EveOQB1LIdBAEKg9iXuvUqCmz0XKS/EQKZLA3H1BoBrqFKjpypziUixjCiUwd1sQqIZKBWq6Nry0FAvpYwnM3RUEqqFWgTKgRJC7BnLXgEAdSdw7uWsgdw0I1JHEvZO7BnLXgEAdSdw7uWsgdw0I1JHEvZO7BnLXgEAdSdw7uWsgdw0I1JHEvZO7BnLXgEAdSdw7uWsgdw21CtRzbXj9C7o9F9KXkjd3BCqiUoF67k6sf0uh51bOYtLmjkBV1ClQz/Mx6j/UwvMwkXKy5v6IQFVUKdCmCZvJmlJJB1RgWBqS5r4FgWpAoI6lkg4oBKoDgWrwF+gIThO50lKm1H+FAPPAHWhkqaT/j8wdqA7uQDX434GOaS5wHktKZR1Qyf2ZNvdHBKqiToGyjElEbn/mzR2BqqhUoCykF5Han4lzR6AiahUoA0oEuWsgdw0I1JHEvZO7BnLXgEAdSdw7uWsgdw0I1JHEvZO7BnLXgEAdSdw7uWsgdw0I1JHEvZO7BnLXgEAdSdw7uWsgdw0I1JHEvZO7BnLXgEAdSdw7uWsgdw21CrT6nUiuW36YyBrIXUOlAq1+L7ztpnMmsgZy11CnQKs/jcn32CMmsgZy11ClQKs/D9T44E0msgZy14BAHUshUA2Jeyd3DQjUsRQC1ZC4d3LXgEAdSyFQDYl7J3cNVQqUh0g6mMgayF1DnQJlGZMMJrIGctdQqUBZSK+CiayB3DXUKlAGlAhy10DuGhCoI4l7J3cN5K4BgTqSuHdy10DuGhCoI4l7J3cN5K4BgTqSuHdy10DuGhCoI4l7J3cN5K4BgTqSuHdy10DuGhCoI4l7J3cN5K4BgTqSuHdy10DuGmoVaPU7kVxhImsgdw2VCrT6vfC2MJE1kLuGOgVa/WlMvjCRNZC7hioFWv15oMYwkTWQuwYE6lhqjQPKgcS9k7sGBOpYao0DyoHEvZO7BgTqWGqNA8qBxL2Tu4YqBcpDJB1MZA3krqFOgbKMSQYTWQO5a6hUoCykV8FE1kDuGmoVKANKBLlrIHcNCNSRxL2TuwZy14BAHUncO7lrIHcNCNSRxL2TuwZy14BAHUncO7lrIHcNCNSRxL2TuwZy14BAHUncO7lrIHcNCNSRxL2TuwZy11CrQFlIL4KJrIHcNVQqULZyqmAiayB3DXUKlMNEZDCRNZC7hioFynF2OpjIGshdAwJ1LLXGAeVA4t7JXQMCdSy1xgHlQOLeyV0DAnUstcYB5UDi3sldQ5UC5SGSDiayBnLXUKdAWcYkg4msgdw1VCpQFtKrYCJrIHcNtQqUASWC3DWQuwYE6kji3sldA7lrQKCOJO6d3DWQuwYE6kji3sldA7lrQKCOJO6d3DWQuwYE6kji3sldA7lrQKCOJO6d3DWQuwYE6kji3sldA7lrQKCOJO6d3DWQu4ZaBcpOJBFMZA3krqFSgbIXXgUTWQO5a6hToJzGJIOJrIHcNVQpUM4D1cFE1kDuGhCoY6k1DigHEvdO7hoQqGOpNQ4oBxL3Tu4aEKhjqTUOKAcS907uGqoUKA+RdDCRNZC7hjoFyjImGUxkDeSuoVKBspBeBRNZA7lrqFWgDCgR5K6B3DUgUEcS907uGshdAwJ1JHHv5K6B3DUgUEcS907uGshdAwJ1JHHv5K6B3DUgUEcS907uGshdg1Sgn14+PDz88Ov+L59fb/7yCoFuSdw7uWsgdw1Kgb572PPqKNOHhx//QKDrHFAOJO6d3DUIBfq0V+e7h7/8fXf/+dPOoq9iBMpCehFMZA3krkEo0HetLN9t1fm0v/f89PLwjn6aQNnKqYKJrIHcNegE+uXN9s7z69adPx1t+uXNwy8BAuUwERlMZA3krsHgKfxWoEebfrh6Dz+iN46z08FE1kDuGvQC3d10fn7dvnX/sL0d3fFty4iSJ1WN7sq7FABUxXgpfNh++nkU6BMCBYC1MVoKT+1D+CuBHhhxd8xbeB28ldRA7hrUb+H3/gwWKA+RdDCRNZC7BrFAP+z9eesz0CkCZRmTDCayBnLXIBXolzeHjZyxT+EfWUgvg4msgdw1KAW68edx5+a7/frPoHWgUy7MgcS9k7sGctcgFGjXn9E7kRhQKshdA7lrEAr0Q/fkkOi98AwoEeSugdw16AS6O77u4XgE09MDpzEdSdw7uWsgdw06gT49nAmU80A7JO6d3DWQuwb1OtB+lr4wBxL3Tu4ayF0DAnUkce/kroHcNSBQRxL3Tu4ayF0DAnUkce/kroHcNdQqUM+dSKWscUA5kLh3ctdQqUA998IXs8YB5UDi3sldQ50C9TyNqZw1DigHEvdO7hqqFKjneaADWOOAciBx7+SuAYEuVmoAaxxQDiTundw1INDFSg1gjQPKgcS9k7sGBLpYqQGscUA5kLh3ctdQpUB5iKSDiayB3DXUKVCWMclgImsgdw2VCpSF9CqYyBrIXUOtAmVAiSB3DeSuAYE6krh3ctdA7hoQqCOJeyd3DeSuAYE6krh3ctdA7hoQqCOJeyd3DeSuAYE6krh3ctdA7hoQqCOJeyd3DeSuAYE6krh3ctdA7hpqFahg9XsgaxxQDiTundw1VCpQxf7LQNY4oBxI3Du5a6hToJITQAJZ44ByIHHv5K6hSoFqzqALZI0DyoHEvZO7BgTqyBoHlAOJeyd3DQjUkTUOKAcS907uGhCoI2scUA4k7p3cNVQpUB4i6WAiayB3DXUKlGVMMpjIGshdQ6UCZSG9CiayBnLXUKtAGVAiyF0DuWtAoI4k7p3cNZC7BgTqSOLeyV0DuWtAoI4k7p3cNZC7BgTqSOLeyV0DuWtAoI4k7p3cNZC7BgTqSOLeyV0DuWtAoI4k7p3cNZC7BgTqSOLeyV0DuWtAoI4k7p3cNZC7BgTqSOLeyV0DuWtAoI4k7p3cNZC7BgTqSOLeyV0DuWtAoI4k7p3cNZC7BgTqSOLeyV0DuWtAoI4k7p3cNZC7BgTqSOLeyV0DuWtAoI4k7p3cNZC7BgTqSOLeyV0DuWtAoI4k7p3cNZC7BgTqSOLeyV0DuWtAoI4k7p3cNZC7BgTqSOLeyV0DuWtAoI4k7p3cNZC7BgTqSOLeyV0DuWtAoI4k7p3cNZC7BgTqSOLeyV0DuWtAoI4k7p3cNZC7BgTqSOLeyV0DuWtAoI4k7p3cNZC7BgTqSOLeyV0DuWtAoI4k7p3cNZC7BgTqSOLeyV0DuWtAoI4k7p3cNZC7Bn+BjuTbb9UdrBNy10DuGqJyR6Cwg9w1kLsGBAqhkLsGcteAQCEUctdA7hoQKIRC7hrIXQMChVDIXQO5a0CgEAq5ayB3DQgUQiF3DeSuoVqBAgBkAYECAIwEgQIAjASBAgCMBIECAIwEgQIAjASBAgCMBIECAIzES6CfXz88PLxSd7E6drFv+OFXdSdr4vPrn45/YtgvxzH3kGFvJdBPL3cX9OMf6kZWRps7Al2Udw/tRGbYL8pl7vUIdPP/CD/tLuuVupOV8XQYUrAc7x7a1Bn2i3LMPWbYOwn0af9/wp9ecie0LO+Yu0uzu/vZz1+G/YJ0co8Z9k4CbS/oy5uHX8SdrIsvb/7yd3UPK+PDZhYfboAY9svRzT1m2BsJ9HhBH7ghWpTPr3/8r5d8ArokHzZDvZ3IDPsF6eQeNOyNBPr5dXstH/hIblEOH6ZzB7Qo7URmW46RewAABupJREFU2C/MQaAxw95RoDzTWJan/RqaTy95J78klwJl2C/D0/Gz54hhj0DhcOvDe8hFQaAano7DPWLYI1A48OklSxEXBIFquMx52rB3FCgfBmlgIc2i8BmohmuBThn2RgLlcaQY7kAXhafwGqq9A/36bv88jAVxy3KcwbyHXJTTOlCG/ZJc/h/XtGHvJFC2ZGg47Mh4xwxektPTYIb9klxsYJg47J0EyqZgDZvEt0PoieMsFuW0oJthvySddaABw95JoNuVWRxLI+ADhzEJOL51ZNgvyjH3kGFvJVAORhSxy50PQJfl9Nkbw35JLnKfOOy9BAoAkAgECgAwEgQKADASBAoAMBIECgAwEgQKADASBAoAMBIECgAwEgQKADASBAoAMBIECgAwEgQKADASBAoAMBIECgAwEgQKz/K2ab45/e2ff2uan6cV/O+/NluORd82f/rPMW2N+a7t1Rz4l38b8f2zNAXJQaDwLFvfnZT5/kynI9gauKUttIxAP+6/vCPQJtB2x+oIdI0gUHiej03zr//R/vkffz79eRQdfx4EtohA3zY3BBqmu7eTLgWyg0DhDhvpfL//0/Q38BsbtxXeN5NqjRbo8dsmNjChGagMBAp32LyJbz8vjHgD372bnaCd6QKdfjVjm4HKQKBwj4/tm92NSSeKYiPQk7PeTvk4IECg0ww+oRmoDAQK99i+c9++iX/beXK9/zDz5I322fr3h3/8eaOn3Vvk/Re237j5y5Vq9vbZfP/3u3fVh48L2u987ideO+usg/Of+745/NPb85Y3f+n2ev4zdrb/eHjctfua4zd3v/BG9bM6Ny4NqgKBwl028tiY6GPHAO+vHqW37G4qN/74X+1fPp79w/brLm87jwL9n3/tfuXxR3xz8ydeCfS8g/Ofe1ugm6v65qzX08/YXedWoG8PRdo/nD7LOH3hdfXzOteXBnWBQOE+248Lu3eP79vbq7etz97vXbG9Cdz+fXsDtlHNP//P8W3y4fPGy0WgXzsCPd6wft/5EW/P/3r8iZcCvejg8uc+8xno991et/9ha7jDwq3dbeQ3X1s3f9Np4uILL6tf/PPVpUFlIFC4z3bu/4/T2+n9vduW97v/uFHE/u/tp6Snp/XvDzddhw88d++EzyR6EujP7Y9q/76TUfvY6fInXgr0soPLn3st0FacnV6PH/G2P/MovIOVD9Uuv/Ci+uU/X14a1AYChR523uu8gT+8F90/FfrY+YyzVc/xffjVhp/j+9u23oV1Wkl9PGhtX/vyJ14K9LKDy597ex3oN19v97q52u+7//L29NZ938z5F14I9PKfLy8NagOBQh/vz5+gPLcR8+1BoO1/3X4UeX3X9bFr0KNAj7eYewN2XXP9E5998H3079kX3BToN23pK73tm7nxL3tPX37hhUAv//ny0qA2ECj00d5r7Wg/yDx7aLNl96FhK9DTG/TOzWaX94dHMp2n8O0/bEucC/L6J94W6LGDy597Q6DdZ+3tHzpv7/fP54+PyLoCvfrCc4Fe/fPlpUFtIFDoo0egH8/+2r1hPHzoeX12x9um8/53skDPO7j8uc9vtuwK9Pwu945An7kdvvi29j8g0NpBoNDHhUDPt/Acdrj/fHoL/831P/988SFgK5ZCgV5sGrow4WUHFz+3UKDcgcIYECj00RXo1dPk98f3yjcF2n7J5nved7ef9wi0dc2u1vXz6wsTXnZw8XNLBHrrM9CbAh3xGSgCrRoECn10BdrZkrQz20lvG1ecCfTsw9D9svqTQt53bw4vLXN8Cr/5wT9f/cRLE152cPlziwR6svvHwwrR2wK9/MKrp/Dn/4xAaweBQh9nAj3tIt957qSv95efgb4/38S5e1O9/9rtx5rt0vhbAj2u/Xl7WAfa/YnPC/T9YU/R+ebREoHeWAd6W6DD14Ei0KpBoNDHmUC3mtoJqn2D3O732T3qaRenn6R03NXz89fuOvqL5ztXlvl4LP39jZ94th5p8/WXHVz+3PcXD5NOdG5WOzuIvv96R6CXX3hZ/eKfEWjtIFDo41ygp9XwO2McH5L/6d8Pmxa/OX1f011R1Hme3t4jPiPQZ/fCXy/o3Hz9ZQeXP/dwJshdgd7YC/+1bfFcoBdfeFX9ai88Aq0aBAp9XAj0/JCl1md7kX1z8RDpfVeDx+/sfuttgd4+jenw9wuBXnZw9XPblfX3Bdr+jG8u/+VKoOdfeF397J8RaO0gUACAkSBQAICRIFAAgJEgUACAkSBQAICRIFAAgJEgUACAkSBQAICRIFAAgJEgUACAkSBQAICRIFAAgJEgUACAkSBQAICRIFAAgJEgUACAkSBQAICRIFAAgJEgUACAkSBQAICR/H+pMZb1EJqevwAAAABJRU5ErkJggg=="/>
+          <p:cNvSpPr>
+            <a:spLocks noChangeAspect="1" noChangeArrowheads="1"/>
+          </p:cNvSpPr>
+          <p:nvPr/>
+        </p:nvSpPr>
+        <p:spPr bwMode="auto">
+          <a:xfrm>
+            <a:off x="460375" y="160337"/>
+            <a:ext cx="304800" cy="304801"/>
+          </a:xfrm>
+          <a:prstGeom prst="rect">
+            <a:avLst/>
+          </a:prstGeom>
+          <a:noFill/>
+          <a:extLst>
+            <a:ext uri="{909E8E84-426E-40DD-AFC4-6F175D3DCCD1}">
+              <a14:hiddenFill xmlns:a14="http://schemas.microsoft.com/office/drawing/2010/main">
+                <a:solidFill>
+                  <a:srgbClr val="FFFFFF"/>
+                </a:solidFill>
+              </a14:hiddenFill>
+            </a:ext>
+          </a:extLst>
+        </p:spPr>
+        <p:txBody>
+          <a:bodyPr vert="horz" wrap="square" lIns="91440" tIns="45720" rIns="91440" bIns="45720" numCol="1" anchor="t" anchorCtr="0" compatLnSpc="1">
+            <a:prstTxWarp prst="textNoShape">
+              <a:avLst/>
+            </a:prstTxWarp>
+          </a:bodyPr>
+          <a:lstStyle/>
+          <a:p>
+            <a:endParaRPr lang="en-US"/>
+          </a:p>
+        </p:txBody>
+      </p:sp>
+      <p:pic>
+        <p:nvPicPr>
+          <p:cNvPr id="9" name="Picture 8"/>
+          <p:cNvPicPr/>
+          <p:nvPr/>
+        </p:nvPicPr>
+        <p:blipFill rotWithShape="1">
+          <a:blip r:embed="rId3"/>
+          <a:srcRect l="22886" t="40700" r="37084" b="12603"/>
+          <a:stretch/>
+        </p:blipFill>
+        <p:spPr bwMode="auto">
+          <a:xfrm>
+            <a:off x="5181600" y="1142999"/>
+            <a:ext cx="2788920" cy="2514601"/>
+          </a:xfrm>
+          <a:prstGeom prst="rect">
+            <a:avLst/>
+          </a:prstGeom>
+          <a:ln>
+            <a:noFill/>
+          </a:ln>
+          <a:extLst>
+            <a:ext uri="{53640926-AAD7-44D8-BBD7-CCE9431645EC}">
+              <a14:shadowObscured xmlns:a14="http://schemas.microsoft.com/office/drawing/2010/main"/>
+            </a:ext>
+          </a:extLst>
+        </p:spPr>
+      </p:pic>
+    </p:spTree>
+    <p:extLst>
+      <p:ext uri="{BB962C8B-B14F-4D97-AF65-F5344CB8AC3E}">
+        <p14:creationId xmlns:p14="http://schemas.microsoft.com/office/powerpoint/2010/main" val="3237407644"/>
+      </p:ext>
+    </p:extLst>
+  </p:cSld>
+  <p:clrMapOvr>
+    <a:masterClrMapping/>
+  </p:clrMapOvr>
+</p:sld>
+</file>
+
+<file path=ppt/slides/slide13.xml><?xml version="1.0" encoding="utf-8"?>
 <p:sld xmlns:a="http://schemas.openxmlformats.org/drawingml/2006/main" xmlns:r="http://schemas.openxmlformats.org/officeDocument/2006/relationships" xmlns:p="http://schemas.openxmlformats.org/presentationml/2006/main">
   <p:cSld>
     <p:spTree>
@@ -5896,6 +6488,1596 @@
         </p:nvSpPr>
         <p:spPr/>
         <p:txBody>
+          <a:bodyPr>
+            <a:normAutofit/>
+          </a:bodyPr>
+          <a:lstStyle/>
+          <a:p>
+            <a:r>
+              <a:rPr lang="en-US" sz="2400" dirty="0" smtClean="0"/>
+              <a:t>Probabilistic Machine Learning Algorithm</a:t>
+            </a:r>
+          </a:p>
+          <a:p>
+            <a:endParaRPr lang="en-US" sz="2400" dirty="0" smtClean="0"/>
+          </a:p>
+          <a:p>
+            <a:r>
+              <a:rPr lang="en-US" sz="2400" dirty="0" smtClean="0"/>
+              <a:t>Assumes </a:t>
+            </a:r>
+            <a:r>
+              <a:rPr lang="en-US" sz="2400" dirty="0"/>
+              <a:t>features </a:t>
+            </a:r>
+            <a:r>
+              <a:rPr lang="en-US" sz="2400" dirty="0" smtClean="0"/>
+              <a:t>are independent of each other</a:t>
+            </a:r>
+            <a:endParaRPr lang="en-US" sz="2400" dirty="0"/>
+          </a:p>
+        </p:txBody>
+      </p:sp>
+      <p:sp>
+        <p:nvSpPr>
+          <p:cNvPr id="3" name="Title 2"/>
+          <p:cNvSpPr>
+            <a:spLocks noGrp="1"/>
+          </p:cNvSpPr>
+          <p:nvPr>
+            <p:ph type="title"/>
+          </p:nvPr>
+        </p:nvSpPr>
+        <p:spPr/>
+        <p:txBody>
+          <a:bodyPr>
+            <a:normAutofit fontScale="90000"/>
+          </a:bodyPr>
+          <a:lstStyle/>
+          <a:p>
+            <a:r>
+              <a:rPr lang="en-US" dirty="0" smtClean="0"/>
+              <a:t>Naïve-Bayes: </a:t>
+            </a:r>
+            <a:r>
+              <a:rPr lang="en-US" sz="4000" dirty="0" smtClean="0"/>
+              <a:t>Variable Exploration</a:t>
+            </a:r>
+            <a:endParaRPr lang="en-US" sz="4400" dirty="0"/>
+          </a:p>
+        </p:txBody>
+      </p:sp>
+      <p:graphicFrame>
+        <p:nvGraphicFramePr>
+          <p:cNvPr id="5" name="Table 4"/>
+          <p:cNvGraphicFramePr>
+            <a:graphicFrameLocks noGrp="1"/>
+          </p:cNvGraphicFramePr>
+          <p:nvPr>
+            <p:extLst>
+              <p:ext uri="{D42A27DB-BD31-4B8C-83A1-F6EECF244321}">
+                <p14:modId xmlns:p14="http://schemas.microsoft.com/office/powerpoint/2010/main" val="2920561248"/>
+              </p:ext>
+            </p:extLst>
+          </p:nvPr>
+        </p:nvGraphicFramePr>
+        <p:xfrm>
+          <a:off x="3048000" y="3048000"/>
+          <a:ext cx="3644900" cy="2543175"/>
+        </p:xfrm>
+        <a:graphic>
+          <a:graphicData uri="http://schemas.openxmlformats.org/drawingml/2006/table">
+            <a:tbl>
+              <a:tblPr>
+                <a:tableStyleId>{5C22544A-7EE6-4342-B048-85BDC9FD1C3A}</a:tableStyleId>
+              </a:tblPr>
+              <a:tblGrid>
+                <a:gridCol w="2819400"/>
+                <a:gridCol w="825500"/>
+              </a:tblGrid>
+              <a:tr h="247650">
+                <a:tc>
+                  <a:txBody>
+                    <a:bodyPr/>
+                    <a:lstStyle/>
+                    <a:p>
+                      <a:pPr algn="l" fontAlgn="b"/>
+                      <a:r>
+                        <a:rPr lang="en-US" sz="1400" u="none" strike="noStrike" dirty="0">
+                          <a:effectLst/>
+                        </a:rPr>
+                        <a:t>Variable</a:t>
+                      </a:r>
+                      <a:endParaRPr lang="en-US" sz="1400" b="1" i="0" u="none" strike="noStrike" dirty="0">
+                        <a:solidFill>
+                          <a:srgbClr val="000000"/>
+                        </a:solidFill>
+                        <a:effectLst/>
+                        <a:latin typeface="Calibri"/>
+                      </a:endParaRPr>
+                    </a:p>
+                  </a:txBody>
+                  <a:tcPr marL="85725" marR="9525" marT="9525" marB="0" anchor="b">
+                    <a:lnL w="12700" cap="flat" cmpd="sng" algn="ctr">
+                      <a:solidFill>
+                        <a:schemeClr val="tx1"/>
+                      </a:solidFill>
+                      <a:prstDash val="solid"/>
+                      <a:round/>
+                      <a:headEnd type="none" w="med" len="med"/>
+                      <a:tailEnd type="none" w="med" len="med"/>
+                    </a:lnL>
+                    <a:lnT w="12700" cap="flat" cmpd="sng" algn="ctr">
+                      <a:solidFill>
+                        <a:schemeClr val="tx1"/>
+                      </a:solidFill>
+                      <a:prstDash val="solid"/>
+                      <a:round/>
+                      <a:headEnd type="none" w="med" len="med"/>
+                      <a:tailEnd type="none" w="med" len="med"/>
+                    </a:lnT>
+                    <a:lnB w="12700" cap="flat" cmpd="sng" algn="ctr">
+                      <a:solidFill>
+                        <a:schemeClr val="tx1"/>
+                      </a:solidFill>
+                      <a:prstDash val="solid"/>
+                      <a:round/>
+                      <a:headEnd type="none" w="med" len="med"/>
+                      <a:tailEnd type="none" w="med" len="med"/>
+                    </a:lnB>
+                    <a:solidFill>
+                      <a:schemeClr val="accent1">
+                        <a:lumMod val="40000"/>
+                        <a:lumOff val="60000"/>
+                      </a:schemeClr>
+                    </a:solidFill>
+                  </a:tcPr>
+                </a:tc>
+                <a:tc>
+                  <a:txBody>
+                    <a:bodyPr/>
+                    <a:lstStyle/>
+                    <a:p>
+                      <a:pPr algn="ctr" fontAlgn="b"/>
+                      <a:r>
+                        <a:rPr lang="en-US" sz="1400" u="none" strike="noStrike" dirty="0">
+                          <a:effectLst/>
+                        </a:rPr>
+                        <a:t>P(Y|X)</a:t>
+                      </a:r>
+                      <a:endParaRPr lang="en-US" sz="1400" b="1" i="0" u="none" strike="noStrike" dirty="0">
+                        <a:solidFill>
+                          <a:srgbClr val="000000"/>
+                        </a:solidFill>
+                        <a:effectLst/>
+                        <a:latin typeface="Calibri"/>
+                      </a:endParaRPr>
+                    </a:p>
+                  </a:txBody>
+                  <a:tcPr marL="9525" marR="9525" marT="9525" marB="0" anchor="b">
+                    <a:lnR w="12700" cap="flat" cmpd="sng" algn="ctr">
+                      <a:solidFill>
+                        <a:schemeClr val="tx1"/>
+                      </a:solidFill>
+                      <a:prstDash val="solid"/>
+                      <a:round/>
+                      <a:headEnd type="none" w="med" len="med"/>
+                      <a:tailEnd type="none" w="med" len="med"/>
+                    </a:lnR>
+                    <a:lnT w="12700" cap="flat" cmpd="sng" algn="ctr">
+                      <a:solidFill>
+                        <a:schemeClr val="tx1"/>
+                      </a:solidFill>
+                      <a:prstDash val="solid"/>
+                      <a:round/>
+                      <a:headEnd type="none" w="med" len="med"/>
+                      <a:tailEnd type="none" w="med" len="med"/>
+                    </a:lnT>
+                    <a:lnB w="12700" cap="flat" cmpd="sng" algn="ctr">
+                      <a:solidFill>
+                        <a:schemeClr val="tx1"/>
+                      </a:solidFill>
+                      <a:prstDash val="solid"/>
+                      <a:round/>
+                      <a:headEnd type="none" w="med" len="med"/>
+                      <a:tailEnd type="none" w="med" len="med"/>
+                    </a:lnB>
+                    <a:solidFill>
+                      <a:schemeClr val="accent1">
+                        <a:lumMod val="40000"/>
+                        <a:lumOff val="60000"/>
+                      </a:schemeClr>
+                    </a:solidFill>
+                  </a:tcPr>
+                </a:tc>
+              </a:tr>
+              <a:tr h="190500">
+                <a:tc>
+                  <a:txBody>
+                    <a:bodyPr/>
+                    <a:lstStyle/>
+                    <a:p>
+                      <a:pPr algn="l" fontAlgn="t"/>
+                      <a:r>
+                        <a:rPr lang="en-US" sz="1100" u="none" strike="noStrike" dirty="0">
+                          <a:effectLst/>
+                        </a:rPr>
+                        <a:t>BusinessTravel - Travel Rarely</a:t>
+                      </a:r>
+                      <a:endParaRPr lang="en-US" sz="1100" b="0" i="0" u="none" strike="noStrike" dirty="0">
+                        <a:solidFill>
+                          <a:srgbClr val="333333"/>
+                        </a:solidFill>
+                        <a:effectLst/>
+                        <a:latin typeface="Arial"/>
+                      </a:endParaRPr>
+                    </a:p>
+                  </a:txBody>
+                  <a:tcPr marL="85725" marR="9525" marT="9525" marB="0">
+                    <a:lnL w="12700" cap="flat" cmpd="sng" algn="ctr">
+                      <a:solidFill>
+                        <a:schemeClr val="tx1"/>
+                      </a:solidFill>
+                      <a:prstDash val="solid"/>
+                      <a:round/>
+                      <a:headEnd type="none" w="med" len="med"/>
+                      <a:tailEnd type="none" w="med" len="med"/>
+                    </a:lnL>
+                    <a:lnT w="12700" cap="flat" cmpd="sng" algn="ctr">
+                      <a:solidFill>
+                        <a:schemeClr val="tx1"/>
+                      </a:solidFill>
+                      <a:prstDash val="solid"/>
+                      <a:round/>
+                      <a:headEnd type="none" w="med" len="med"/>
+                      <a:tailEnd type="none" w="med" len="med"/>
+                    </a:lnT>
+                    <a:solidFill>
+                      <a:schemeClr val="accent1">
+                        <a:lumMod val="20000"/>
+                        <a:lumOff val="80000"/>
+                      </a:schemeClr>
+                    </a:solidFill>
+                  </a:tcPr>
+                </a:tc>
+                <a:tc>
+                  <a:txBody>
+                    <a:bodyPr/>
+                    <a:lstStyle/>
+                    <a:p>
+                      <a:pPr algn="ctr" fontAlgn="t"/>
+                      <a:r>
+                        <a:rPr lang="en-US" sz="1100" u="none" strike="noStrike" dirty="0">
+                          <a:effectLst/>
+                        </a:rPr>
+                        <a:t>0.66</a:t>
+                      </a:r>
+                      <a:endParaRPr lang="en-US" sz="1100" b="0" i="0" u="none" strike="noStrike" dirty="0">
+                        <a:solidFill>
+                          <a:srgbClr val="333333"/>
+                        </a:solidFill>
+                        <a:effectLst/>
+                        <a:latin typeface="Arial"/>
+                      </a:endParaRPr>
+                    </a:p>
+                  </a:txBody>
+                  <a:tcPr marL="9525" marR="9525" marT="9525" marB="0">
+                    <a:lnR w="12700" cap="flat" cmpd="sng" algn="ctr">
+                      <a:solidFill>
+                        <a:schemeClr val="tx1"/>
+                      </a:solidFill>
+                      <a:prstDash val="solid"/>
+                      <a:round/>
+                      <a:headEnd type="none" w="med" len="med"/>
+                      <a:tailEnd type="none" w="med" len="med"/>
+                    </a:lnR>
+                    <a:lnT w="12700" cap="flat" cmpd="sng" algn="ctr">
+                      <a:solidFill>
+                        <a:schemeClr val="tx1"/>
+                      </a:solidFill>
+                      <a:prstDash val="solid"/>
+                      <a:round/>
+                      <a:headEnd type="none" w="med" len="med"/>
+                      <a:tailEnd type="none" w="med" len="med"/>
+                    </a:lnT>
+                    <a:solidFill>
+                      <a:schemeClr val="accent1">
+                        <a:lumMod val="20000"/>
+                        <a:lumOff val="80000"/>
+                      </a:schemeClr>
+                    </a:solidFill>
+                  </a:tcPr>
+                </a:tc>
+              </a:tr>
+              <a:tr h="190500">
+                <a:tc>
+                  <a:txBody>
+                    <a:bodyPr/>
+                    <a:lstStyle/>
+                    <a:p>
+                      <a:pPr algn="l" fontAlgn="t"/>
+                      <a:r>
+                        <a:rPr lang="en-US" sz="1100" u="none" strike="noStrike">
+                          <a:effectLst/>
+                        </a:rPr>
+                        <a:t>Department - Research &amp; Develoment</a:t>
+                      </a:r>
+                      <a:endParaRPr lang="en-US" sz="1100" b="0" i="0" u="none" strike="noStrike">
+                        <a:solidFill>
+                          <a:srgbClr val="333333"/>
+                        </a:solidFill>
+                        <a:effectLst/>
+                        <a:latin typeface="Arial"/>
+                      </a:endParaRPr>
+                    </a:p>
+                  </a:txBody>
+                  <a:tcPr marL="85725" marR="9525" marT="9525" marB="0">
+                    <a:lnL w="12700" cap="flat" cmpd="sng" algn="ctr">
+                      <a:solidFill>
+                        <a:schemeClr val="tx1"/>
+                      </a:solidFill>
+                      <a:prstDash val="solid"/>
+                      <a:round/>
+                      <a:headEnd type="none" w="med" len="med"/>
+                      <a:tailEnd type="none" w="med" len="med"/>
+                    </a:lnL>
+                    <a:solidFill>
+                      <a:schemeClr val="accent1">
+                        <a:lumMod val="20000"/>
+                        <a:lumOff val="80000"/>
+                      </a:schemeClr>
+                    </a:solidFill>
+                  </a:tcPr>
+                </a:tc>
+                <a:tc>
+                  <a:txBody>
+                    <a:bodyPr/>
+                    <a:lstStyle/>
+                    <a:p>
+                      <a:pPr algn="ctr" fontAlgn="t"/>
+                      <a:r>
+                        <a:rPr lang="en-US" sz="1100" u="none" strike="noStrike">
+                          <a:effectLst/>
+                        </a:rPr>
+                        <a:t>0.56</a:t>
+                      </a:r>
+                      <a:endParaRPr lang="en-US" sz="1100" b="0" i="0" u="none" strike="noStrike">
+                        <a:solidFill>
+                          <a:srgbClr val="333333"/>
+                        </a:solidFill>
+                        <a:effectLst/>
+                        <a:latin typeface="Arial"/>
+                      </a:endParaRPr>
+                    </a:p>
+                  </a:txBody>
+                  <a:tcPr marL="9525" marR="9525" marT="9525" marB="0">
+                    <a:lnR w="12700" cap="flat" cmpd="sng" algn="ctr">
+                      <a:solidFill>
+                        <a:schemeClr val="tx1"/>
+                      </a:solidFill>
+                      <a:prstDash val="solid"/>
+                      <a:round/>
+                      <a:headEnd type="none" w="med" len="med"/>
+                      <a:tailEnd type="none" w="med" len="med"/>
+                    </a:lnR>
+                    <a:solidFill>
+                      <a:schemeClr val="accent1">
+                        <a:lumMod val="20000"/>
+                        <a:lumOff val="80000"/>
+                      </a:schemeClr>
+                    </a:solidFill>
+                  </a:tcPr>
+                </a:tc>
+              </a:tr>
+              <a:tr h="190500">
+                <a:tc>
+                  <a:txBody>
+                    <a:bodyPr/>
+                    <a:lstStyle/>
+                    <a:p>
+                      <a:pPr algn="l" fontAlgn="t"/>
+                      <a:r>
+                        <a:rPr lang="en-US" sz="1100" u="none" strike="noStrike">
+                          <a:effectLst/>
+                        </a:rPr>
+                        <a:t>DistanceFromHome - Under 10</a:t>
+                      </a:r>
+                      <a:endParaRPr lang="en-US" sz="1100" b="0" i="0" u="none" strike="noStrike">
+                        <a:solidFill>
+                          <a:srgbClr val="333333"/>
+                        </a:solidFill>
+                        <a:effectLst/>
+                        <a:latin typeface="Arial"/>
+                      </a:endParaRPr>
+                    </a:p>
+                  </a:txBody>
+                  <a:tcPr marL="85725" marR="9525" marT="9525" marB="0">
+                    <a:lnL w="12700" cap="flat" cmpd="sng" algn="ctr">
+                      <a:solidFill>
+                        <a:schemeClr val="tx1"/>
+                      </a:solidFill>
+                      <a:prstDash val="solid"/>
+                      <a:round/>
+                      <a:headEnd type="none" w="med" len="med"/>
+                      <a:tailEnd type="none" w="med" len="med"/>
+                    </a:lnL>
+                    <a:solidFill>
+                      <a:schemeClr val="accent1">
+                        <a:lumMod val="20000"/>
+                        <a:lumOff val="80000"/>
+                      </a:schemeClr>
+                    </a:solidFill>
+                  </a:tcPr>
+                </a:tc>
+                <a:tc>
+                  <a:txBody>
+                    <a:bodyPr/>
+                    <a:lstStyle/>
+                    <a:p>
+                      <a:pPr algn="ctr" fontAlgn="t"/>
+                      <a:r>
+                        <a:rPr lang="en-US" sz="1100" u="none" strike="noStrike">
+                          <a:effectLst/>
+                        </a:rPr>
+                        <a:t>0.56</a:t>
+                      </a:r>
+                      <a:endParaRPr lang="en-US" sz="1100" b="0" i="0" u="none" strike="noStrike">
+                        <a:solidFill>
+                          <a:srgbClr val="333333"/>
+                        </a:solidFill>
+                        <a:effectLst/>
+                        <a:latin typeface="Arial"/>
+                      </a:endParaRPr>
+                    </a:p>
+                  </a:txBody>
+                  <a:tcPr marL="9525" marR="9525" marT="9525" marB="0">
+                    <a:lnR w="12700" cap="flat" cmpd="sng" algn="ctr">
+                      <a:solidFill>
+                        <a:schemeClr val="tx1"/>
+                      </a:solidFill>
+                      <a:prstDash val="solid"/>
+                      <a:round/>
+                      <a:headEnd type="none" w="med" len="med"/>
+                      <a:tailEnd type="none" w="med" len="med"/>
+                    </a:lnR>
+                    <a:solidFill>
+                      <a:schemeClr val="accent1">
+                        <a:lumMod val="20000"/>
+                        <a:lumOff val="80000"/>
+                      </a:schemeClr>
+                    </a:solidFill>
+                  </a:tcPr>
+                </a:tc>
+              </a:tr>
+              <a:tr h="190500">
+                <a:tc>
+                  <a:txBody>
+                    <a:bodyPr/>
+                    <a:lstStyle/>
+                    <a:p>
+                      <a:pPr algn="l" fontAlgn="t"/>
+                      <a:r>
+                        <a:rPr lang="en-US" sz="1100" u="none" strike="noStrike">
+                          <a:effectLst/>
+                        </a:rPr>
+                        <a:t>Education - Bachelor Below</a:t>
+                      </a:r>
+                      <a:endParaRPr lang="en-US" sz="1100" b="0" i="0" u="none" strike="noStrike">
+                        <a:solidFill>
+                          <a:srgbClr val="333333"/>
+                        </a:solidFill>
+                        <a:effectLst/>
+                        <a:latin typeface="Arial"/>
+                      </a:endParaRPr>
+                    </a:p>
+                  </a:txBody>
+                  <a:tcPr marL="85725" marR="9525" marT="9525" marB="0">
+                    <a:lnL w="12700" cap="flat" cmpd="sng" algn="ctr">
+                      <a:solidFill>
+                        <a:schemeClr val="tx1"/>
+                      </a:solidFill>
+                      <a:prstDash val="solid"/>
+                      <a:round/>
+                      <a:headEnd type="none" w="med" len="med"/>
+                      <a:tailEnd type="none" w="med" len="med"/>
+                    </a:lnL>
+                    <a:solidFill>
+                      <a:schemeClr val="accent1">
+                        <a:lumMod val="20000"/>
+                        <a:lumOff val="80000"/>
+                      </a:schemeClr>
+                    </a:solidFill>
+                  </a:tcPr>
+                </a:tc>
+                <a:tc>
+                  <a:txBody>
+                    <a:bodyPr/>
+                    <a:lstStyle/>
+                    <a:p>
+                      <a:pPr algn="ctr" fontAlgn="t"/>
+                      <a:r>
+                        <a:rPr lang="en-US" sz="1100" u="none" strike="noStrike">
+                          <a:effectLst/>
+                        </a:rPr>
+                        <a:t>0.42</a:t>
+                      </a:r>
+                      <a:endParaRPr lang="en-US" sz="1100" b="0" i="0" u="none" strike="noStrike">
+                        <a:solidFill>
+                          <a:srgbClr val="333333"/>
+                        </a:solidFill>
+                        <a:effectLst/>
+                        <a:latin typeface="Arial"/>
+                      </a:endParaRPr>
+                    </a:p>
+                  </a:txBody>
+                  <a:tcPr marL="9525" marR="9525" marT="9525" marB="0">
+                    <a:lnR w="12700" cap="flat" cmpd="sng" algn="ctr">
+                      <a:solidFill>
+                        <a:schemeClr val="tx1"/>
+                      </a:solidFill>
+                      <a:prstDash val="solid"/>
+                      <a:round/>
+                      <a:headEnd type="none" w="med" len="med"/>
+                      <a:tailEnd type="none" w="med" len="med"/>
+                    </a:lnR>
+                    <a:solidFill>
+                      <a:schemeClr val="accent1">
+                        <a:lumMod val="20000"/>
+                        <a:lumOff val="80000"/>
+                      </a:schemeClr>
+                    </a:solidFill>
+                  </a:tcPr>
+                </a:tc>
+              </a:tr>
+              <a:tr h="190500">
+                <a:tc>
+                  <a:txBody>
+                    <a:bodyPr/>
+                    <a:lstStyle/>
+                    <a:p>
+                      <a:pPr algn="l" fontAlgn="t"/>
+                      <a:r>
+                        <a:rPr lang="en-US" sz="1100" u="none" strike="noStrike">
+                          <a:effectLst/>
+                        </a:rPr>
+                        <a:t>Gender - Male</a:t>
+                      </a:r>
+                      <a:endParaRPr lang="en-US" sz="1100" b="0" i="0" u="none" strike="noStrike">
+                        <a:solidFill>
+                          <a:srgbClr val="333333"/>
+                        </a:solidFill>
+                        <a:effectLst/>
+                        <a:latin typeface="Arial"/>
+                      </a:endParaRPr>
+                    </a:p>
+                  </a:txBody>
+                  <a:tcPr marL="85725" marR="9525" marT="9525" marB="0">
+                    <a:lnL w="12700" cap="flat" cmpd="sng" algn="ctr">
+                      <a:solidFill>
+                        <a:schemeClr val="tx1"/>
+                      </a:solidFill>
+                      <a:prstDash val="solid"/>
+                      <a:round/>
+                      <a:headEnd type="none" w="med" len="med"/>
+                      <a:tailEnd type="none" w="med" len="med"/>
+                    </a:lnL>
+                    <a:solidFill>
+                      <a:schemeClr val="accent1">
+                        <a:lumMod val="20000"/>
+                        <a:lumOff val="80000"/>
+                      </a:schemeClr>
+                    </a:solidFill>
+                  </a:tcPr>
+                </a:tc>
+                <a:tc>
+                  <a:txBody>
+                    <a:bodyPr/>
+                    <a:lstStyle/>
+                    <a:p>
+                      <a:pPr algn="ctr" fontAlgn="t"/>
+                      <a:r>
+                        <a:rPr lang="en-US" sz="1100" u="none" strike="noStrike">
+                          <a:effectLst/>
+                        </a:rPr>
+                        <a:t>0.63</a:t>
+                      </a:r>
+                      <a:endParaRPr lang="en-US" sz="1100" b="0" i="0" u="none" strike="noStrike">
+                        <a:solidFill>
+                          <a:srgbClr val="333333"/>
+                        </a:solidFill>
+                        <a:effectLst/>
+                        <a:latin typeface="Arial"/>
+                      </a:endParaRPr>
+                    </a:p>
+                  </a:txBody>
+                  <a:tcPr marL="9525" marR="9525" marT="9525" marB="0">
+                    <a:lnR w="12700" cap="flat" cmpd="sng" algn="ctr">
+                      <a:solidFill>
+                        <a:schemeClr val="tx1"/>
+                      </a:solidFill>
+                      <a:prstDash val="solid"/>
+                      <a:round/>
+                      <a:headEnd type="none" w="med" len="med"/>
+                      <a:tailEnd type="none" w="med" len="med"/>
+                    </a:lnR>
+                    <a:solidFill>
+                      <a:schemeClr val="accent1">
+                        <a:lumMod val="20000"/>
+                        <a:lumOff val="80000"/>
+                      </a:schemeClr>
+                    </a:solidFill>
+                  </a:tcPr>
+                </a:tc>
+              </a:tr>
+              <a:tr h="190500">
+                <a:tc>
+                  <a:txBody>
+                    <a:bodyPr/>
+                    <a:lstStyle/>
+                    <a:p>
+                      <a:pPr algn="l" fontAlgn="t"/>
+                      <a:r>
+                        <a:rPr lang="en-US" sz="1100" u="none" strike="noStrike" dirty="0">
+                          <a:effectLst/>
+                        </a:rPr>
+                        <a:t>JobInvolvement - High</a:t>
+                      </a:r>
+                      <a:endParaRPr lang="en-US" sz="1100" b="0" i="0" u="none" strike="noStrike" dirty="0">
+                        <a:solidFill>
+                          <a:srgbClr val="333333"/>
+                        </a:solidFill>
+                        <a:effectLst/>
+                        <a:latin typeface="Arial"/>
+                      </a:endParaRPr>
+                    </a:p>
+                  </a:txBody>
+                  <a:tcPr marL="85725" marR="9525" marT="9525" marB="0">
+                    <a:lnL w="12700" cap="flat" cmpd="sng" algn="ctr">
+                      <a:solidFill>
+                        <a:schemeClr val="tx1"/>
+                      </a:solidFill>
+                      <a:prstDash val="solid"/>
+                      <a:round/>
+                      <a:headEnd type="none" w="med" len="med"/>
+                      <a:tailEnd type="none" w="med" len="med"/>
+                    </a:lnL>
+                    <a:solidFill>
+                      <a:schemeClr val="accent1">
+                        <a:lumMod val="20000"/>
+                        <a:lumOff val="80000"/>
+                      </a:schemeClr>
+                    </a:solidFill>
+                  </a:tcPr>
+                </a:tc>
+                <a:tc>
+                  <a:txBody>
+                    <a:bodyPr/>
+                    <a:lstStyle/>
+                    <a:p>
+                      <a:pPr algn="ctr" fontAlgn="t"/>
+                      <a:r>
+                        <a:rPr lang="en-US" sz="1100" u="none" strike="noStrike">
+                          <a:effectLst/>
+                        </a:rPr>
+                        <a:t>0.53</a:t>
+                      </a:r>
+                      <a:endParaRPr lang="en-US" sz="1100" b="0" i="0" u="none" strike="noStrike">
+                        <a:solidFill>
+                          <a:srgbClr val="333333"/>
+                        </a:solidFill>
+                        <a:effectLst/>
+                        <a:latin typeface="Arial"/>
+                      </a:endParaRPr>
+                    </a:p>
+                  </a:txBody>
+                  <a:tcPr marL="9525" marR="9525" marT="9525" marB="0">
+                    <a:lnR w="12700" cap="flat" cmpd="sng" algn="ctr">
+                      <a:solidFill>
+                        <a:schemeClr val="tx1"/>
+                      </a:solidFill>
+                      <a:prstDash val="solid"/>
+                      <a:round/>
+                      <a:headEnd type="none" w="med" len="med"/>
+                      <a:tailEnd type="none" w="med" len="med"/>
+                    </a:lnR>
+                    <a:solidFill>
+                      <a:schemeClr val="accent1">
+                        <a:lumMod val="20000"/>
+                        <a:lumOff val="80000"/>
+                      </a:schemeClr>
+                    </a:solidFill>
+                  </a:tcPr>
+                </a:tc>
+              </a:tr>
+              <a:tr h="190500">
+                <a:tc>
+                  <a:txBody>
+                    <a:bodyPr/>
+                    <a:lstStyle/>
+                    <a:p>
+                      <a:pPr algn="l" fontAlgn="t"/>
+                      <a:r>
+                        <a:rPr lang="en-US" sz="1100" u="none" strike="noStrike" dirty="0">
+                          <a:effectLst/>
+                        </a:rPr>
+                        <a:t>MonthlyIncome - Under 5,000</a:t>
+                      </a:r>
+                      <a:endParaRPr lang="en-US" sz="1100" b="0" i="0" u="none" strike="noStrike" dirty="0">
+                        <a:solidFill>
+                          <a:srgbClr val="333333"/>
+                        </a:solidFill>
+                        <a:effectLst/>
+                        <a:latin typeface="Arial"/>
+                      </a:endParaRPr>
+                    </a:p>
+                  </a:txBody>
+                  <a:tcPr marL="85725" marR="9525" marT="9525" marB="0">
+                    <a:lnL w="12700" cap="flat" cmpd="sng" algn="ctr">
+                      <a:solidFill>
+                        <a:schemeClr val="tx1"/>
+                      </a:solidFill>
+                      <a:prstDash val="solid"/>
+                      <a:round/>
+                      <a:headEnd type="none" w="med" len="med"/>
+                      <a:tailEnd type="none" w="med" len="med"/>
+                    </a:lnL>
+                    <a:solidFill>
+                      <a:schemeClr val="accent1">
+                        <a:lumMod val="20000"/>
+                        <a:lumOff val="80000"/>
+                      </a:schemeClr>
+                    </a:solidFill>
+                  </a:tcPr>
+                </a:tc>
+                <a:tc>
+                  <a:txBody>
+                    <a:bodyPr/>
+                    <a:lstStyle/>
+                    <a:p>
+                      <a:pPr algn="ctr" fontAlgn="t"/>
+                      <a:r>
+                        <a:rPr lang="en-US" sz="1100" u="none" strike="noStrike">
+                          <a:effectLst/>
+                        </a:rPr>
+                        <a:t>0.69</a:t>
+                      </a:r>
+                      <a:endParaRPr lang="en-US" sz="1100" b="0" i="0" u="none" strike="noStrike">
+                        <a:solidFill>
+                          <a:srgbClr val="333333"/>
+                        </a:solidFill>
+                        <a:effectLst/>
+                        <a:latin typeface="Arial"/>
+                      </a:endParaRPr>
+                    </a:p>
+                  </a:txBody>
+                  <a:tcPr marL="9525" marR="9525" marT="9525" marB="0">
+                    <a:lnR w="12700" cap="flat" cmpd="sng" algn="ctr">
+                      <a:solidFill>
+                        <a:schemeClr val="tx1"/>
+                      </a:solidFill>
+                      <a:prstDash val="solid"/>
+                      <a:round/>
+                      <a:headEnd type="none" w="med" len="med"/>
+                      <a:tailEnd type="none" w="med" len="med"/>
+                    </a:lnR>
+                    <a:solidFill>
+                      <a:schemeClr val="accent1">
+                        <a:lumMod val="20000"/>
+                        <a:lumOff val="80000"/>
+                      </a:schemeClr>
+                    </a:solidFill>
+                  </a:tcPr>
+                </a:tc>
+              </a:tr>
+              <a:tr h="190500">
+                <a:tc>
+                  <a:txBody>
+                    <a:bodyPr/>
+                    <a:lstStyle/>
+                    <a:p>
+                      <a:pPr algn="l" fontAlgn="t"/>
+                      <a:r>
+                        <a:rPr lang="en-US" sz="1100" u="none" strike="noStrike" dirty="0">
+                          <a:effectLst/>
+                        </a:rPr>
+                        <a:t>MaritalStatus - Single</a:t>
+                      </a:r>
+                      <a:endParaRPr lang="en-US" sz="1100" b="0" i="0" u="none" strike="noStrike" dirty="0">
+                        <a:solidFill>
+                          <a:srgbClr val="333333"/>
+                        </a:solidFill>
+                        <a:effectLst/>
+                        <a:latin typeface="Arial"/>
+                      </a:endParaRPr>
+                    </a:p>
+                  </a:txBody>
+                  <a:tcPr marL="85725" marR="9525" marT="9525" marB="0">
+                    <a:lnL w="12700" cap="flat" cmpd="sng" algn="ctr">
+                      <a:solidFill>
+                        <a:schemeClr val="tx1"/>
+                      </a:solidFill>
+                      <a:prstDash val="solid"/>
+                      <a:round/>
+                      <a:headEnd type="none" w="med" len="med"/>
+                      <a:tailEnd type="none" w="med" len="med"/>
+                    </a:lnL>
+                    <a:solidFill>
+                      <a:schemeClr val="accent1">
+                        <a:lumMod val="20000"/>
+                        <a:lumOff val="80000"/>
+                      </a:schemeClr>
+                    </a:solidFill>
+                  </a:tcPr>
+                </a:tc>
+                <a:tc>
+                  <a:txBody>
+                    <a:bodyPr/>
+                    <a:lstStyle/>
+                    <a:p>
+                      <a:pPr algn="ctr" fontAlgn="t"/>
+                      <a:r>
+                        <a:rPr lang="en-US" sz="1100" u="none" strike="noStrike">
+                          <a:effectLst/>
+                        </a:rPr>
+                        <a:t>0.51</a:t>
+                      </a:r>
+                      <a:endParaRPr lang="en-US" sz="1100" b="0" i="0" u="none" strike="noStrike">
+                        <a:solidFill>
+                          <a:srgbClr val="333333"/>
+                        </a:solidFill>
+                        <a:effectLst/>
+                        <a:latin typeface="Arial"/>
+                      </a:endParaRPr>
+                    </a:p>
+                  </a:txBody>
+                  <a:tcPr marL="9525" marR="9525" marT="9525" marB="0">
+                    <a:lnR w="12700" cap="flat" cmpd="sng" algn="ctr">
+                      <a:solidFill>
+                        <a:schemeClr val="tx1"/>
+                      </a:solidFill>
+                      <a:prstDash val="solid"/>
+                      <a:round/>
+                      <a:headEnd type="none" w="med" len="med"/>
+                      <a:tailEnd type="none" w="med" len="med"/>
+                    </a:lnR>
+                    <a:solidFill>
+                      <a:schemeClr val="accent1">
+                        <a:lumMod val="20000"/>
+                        <a:lumOff val="80000"/>
+                      </a:schemeClr>
+                    </a:solidFill>
+                  </a:tcPr>
+                </a:tc>
+              </a:tr>
+              <a:tr h="190500">
+                <a:tc>
+                  <a:txBody>
+                    <a:bodyPr/>
+                    <a:lstStyle/>
+                    <a:p>
+                      <a:pPr algn="l" fontAlgn="t"/>
+                      <a:r>
+                        <a:rPr lang="en-US" sz="1100" u="none" strike="noStrike" dirty="0">
+                          <a:effectLst/>
+                        </a:rPr>
+                        <a:t>NumCompaniesWorked - Less_than_5</a:t>
+                      </a:r>
+                      <a:endParaRPr lang="en-US" sz="1100" b="0" i="0" u="none" strike="noStrike" dirty="0">
+                        <a:solidFill>
+                          <a:srgbClr val="333333"/>
+                        </a:solidFill>
+                        <a:effectLst/>
+                        <a:latin typeface="Arial"/>
+                      </a:endParaRPr>
+                    </a:p>
+                  </a:txBody>
+                  <a:tcPr marL="85725" marR="9525" marT="9525" marB="0">
+                    <a:lnL w="12700" cap="flat" cmpd="sng" algn="ctr">
+                      <a:solidFill>
+                        <a:schemeClr val="tx1"/>
+                      </a:solidFill>
+                      <a:prstDash val="solid"/>
+                      <a:round/>
+                      <a:headEnd type="none" w="med" len="med"/>
+                      <a:tailEnd type="none" w="med" len="med"/>
+                    </a:lnL>
+                    <a:solidFill>
+                      <a:schemeClr val="accent1">
+                        <a:lumMod val="20000"/>
+                        <a:lumOff val="80000"/>
+                      </a:schemeClr>
+                    </a:solidFill>
+                  </a:tcPr>
+                </a:tc>
+                <a:tc>
+                  <a:txBody>
+                    <a:bodyPr/>
+                    <a:lstStyle/>
+                    <a:p>
+                      <a:pPr algn="ctr" fontAlgn="t"/>
+                      <a:r>
+                        <a:rPr lang="en-US" sz="1100" u="none" strike="noStrike">
+                          <a:effectLst/>
+                        </a:rPr>
+                        <a:t>0.72</a:t>
+                      </a:r>
+                      <a:endParaRPr lang="en-US" sz="1100" b="0" i="0" u="none" strike="noStrike">
+                        <a:solidFill>
+                          <a:srgbClr val="333333"/>
+                        </a:solidFill>
+                        <a:effectLst/>
+                        <a:latin typeface="Arial"/>
+                      </a:endParaRPr>
+                    </a:p>
+                  </a:txBody>
+                  <a:tcPr marL="9525" marR="9525" marT="9525" marB="0">
+                    <a:lnR w="12700" cap="flat" cmpd="sng" algn="ctr">
+                      <a:solidFill>
+                        <a:schemeClr val="tx1"/>
+                      </a:solidFill>
+                      <a:prstDash val="solid"/>
+                      <a:round/>
+                      <a:headEnd type="none" w="med" len="med"/>
+                      <a:tailEnd type="none" w="med" len="med"/>
+                    </a:lnR>
+                    <a:solidFill>
+                      <a:schemeClr val="accent1">
+                        <a:lumMod val="20000"/>
+                        <a:lumOff val="80000"/>
+                      </a:schemeClr>
+                    </a:solidFill>
+                  </a:tcPr>
+                </a:tc>
+              </a:tr>
+              <a:tr h="190500">
+                <a:tc>
+                  <a:txBody>
+                    <a:bodyPr/>
+                    <a:lstStyle/>
+                    <a:p>
+                      <a:pPr algn="l" fontAlgn="t"/>
+                      <a:r>
+                        <a:rPr lang="en-US" sz="1100" u="none" strike="noStrike" dirty="0">
+                          <a:effectLst/>
+                        </a:rPr>
+                        <a:t>YearsWithCurrManager - Five_or_Less</a:t>
+                      </a:r>
+                      <a:endParaRPr lang="en-US" sz="1100" b="0" i="0" u="none" strike="noStrike" dirty="0">
+                        <a:solidFill>
+                          <a:srgbClr val="333333"/>
+                        </a:solidFill>
+                        <a:effectLst/>
+                        <a:latin typeface="Arial"/>
+                      </a:endParaRPr>
+                    </a:p>
+                  </a:txBody>
+                  <a:tcPr marL="85725" marR="9525" marT="9525" marB="0">
+                    <a:lnL w="12700" cap="flat" cmpd="sng" algn="ctr">
+                      <a:solidFill>
+                        <a:schemeClr val="tx1"/>
+                      </a:solidFill>
+                      <a:prstDash val="solid"/>
+                      <a:round/>
+                      <a:headEnd type="none" w="med" len="med"/>
+                      <a:tailEnd type="none" w="med" len="med"/>
+                    </a:lnL>
+                    <a:solidFill>
+                      <a:schemeClr val="accent1">
+                        <a:lumMod val="20000"/>
+                        <a:lumOff val="80000"/>
+                      </a:schemeClr>
+                    </a:solidFill>
+                  </a:tcPr>
+                </a:tc>
+                <a:tc>
+                  <a:txBody>
+                    <a:bodyPr/>
+                    <a:lstStyle/>
+                    <a:p>
+                      <a:pPr algn="ctr" fontAlgn="t"/>
+                      <a:r>
+                        <a:rPr lang="en-US" sz="1100" u="none" strike="noStrike">
+                          <a:effectLst/>
+                        </a:rPr>
+                        <a:t>0.74</a:t>
+                      </a:r>
+                      <a:endParaRPr lang="en-US" sz="1100" b="0" i="0" u="none" strike="noStrike">
+                        <a:solidFill>
+                          <a:srgbClr val="333333"/>
+                        </a:solidFill>
+                        <a:effectLst/>
+                        <a:latin typeface="Arial"/>
+                      </a:endParaRPr>
+                    </a:p>
+                  </a:txBody>
+                  <a:tcPr marL="9525" marR="9525" marT="9525" marB="0">
+                    <a:lnR w="12700" cap="flat" cmpd="sng" algn="ctr">
+                      <a:solidFill>
+                        <a:schemeClr val="tx1"/>
+                      </a:solidFill>
+                      <a:prstDash val="solid"/>
+                      <a:round/>
+                      <a:headEnd type="none" w="med" len="med"/>
+                      <a:tailEnd type="none" w="med" len="med"/>
+                    </a:lnR>
+                    <a:solidFill>
+                      <a:schemeClr val="accent1">
+                        <a:lumMod val="20000"/>
+                        <a:lumOff val="80000"/>
+                      </a:schemeClr>
+                    </a:solidFill>
+                  </a:tcPr>
+                </a:tc>
+              </a:tr>
+              <a:tr h="190500">
+                <a:tc>
+                  <a:txBody>
+                    <a:bodyPr/>
+                    <a:lstStyle/>
+                    <a:p>
+                      <a:pPr algn="l" fontAlgn="t"/>
+                      <a:r>
+                        <a:rPr lang="en-US" sz="1100" u="none" strike="noStrike">
+                          <a:effectLst/>
+                        </a:rPr>
+                        <a:t>PercentSalaryHike - Less_than_15%</a:t>
+                      </a:r>
+                      <a:endParaRPr lang="en-US" sz="1100" b="0" i="0" u="none" strike="noStrike">
+                        <a:solidFill>
+                          <a:srgbClr val="333333"/>
+                        </a:solidFill>
+                        <a:effectLst/>
+                        <a:latin typeface="Arial"/>
+                      </a:endParaRPr>
+                    </a:p>
+                  </a:txBody>
+                  <a:tcPr marL="85725" marR="9525" marT="9525" marB="0">
+                    <a:lnL w="12700" cap="flat" cmpd="sng" algn="ctr">
+                      <a:solidFill>
+                        <a:schemeClr val="tx1"/>
+                      </a:solidFill>
+                      <a:prstDash val="solid"/>
+                      <a:round/>
+                      <a:headEnd type="none" w="med" len="med"/>
+                      <a:tailEnd type="none" w="med" len="med"/>
+                    </a:lnL>
+                    <a:solidFill>
+                      <a:schemeClr val="accent1">
+                        <a:lumMod val="20000"/>
+                        <a:lumOff val="80000"/>
+                      </a:schemeClr>
+                    </a:solidFill>
+                  </a:tcPr>
+                </a:tc>
+                <a:tc>
+                  <a:txBody>
+                    <a:bodyPr/>
+                    <a:lstStyle/>
+                    <a:p>
+                      <a:pPr algn="ctr" fontAlgn="t"/>
+                      <a:r>
+                        <a:rPr lang="en-US" sz="1100" u="none" strike="noStrike">
+                          <a:effectLst/>
+                        </a:rPr>
+                        <a:t>0.56</a:t>
+                      </a:r>
+                      <a:endParaRPr lang="en-US" sz="1100" b="0" i="0" u="none" strike="noStrike">
+                        <a:solidFill>
+                          <a:srgbClr val="333333"/>
+                        </a:solidFill>
+                        <a:effectLst/>
+                        <a:latin typeface="Arial"/>
+                      </a:endParaRPr>
+                    </a:p>
+                  </a:txBody>
+                  <a:tcPr marL="9525" marR="9525" marT="9525" marB="0">
+                    <a:lnR w="12700" cap="flat" cmpd="sng" algn="ctr">
+                      <a:solidFill>
+                        <a:schemeClr val="tx1"/>
+                      </a:solidFill>
+                      <a:prstDash val="solid"/>
+                      <a:round/>
+                      <a:headEnd type="none" w="med" len="med"/>
+                      <a:tailEnd type="none" w="med" len="med"/>
+                    </a:lnR>
+                    <a:solidFill>
+                      <a:schemeClr val="accent1">
+                        <a:lumMod val="20000"/>
+                        <a:lumOff val="80000"/>
+                      </a:schemeClr>
+                    </a:solidFill>
+                  </a:tcPr>
+                </a:tc>
+              </a:tr>
+              <a:tr h="200025">
+                <a:tc>
+                  <a:txBody>
+                    <a:bodyPr/>
+                    <a:lstStyle/>
+                    <a:p>
+                      <a:pPr algn="l" fontAlgn="t"/>
+                      <a:r>
+                        <a:rPr lang="en-US" sz="1100" u="none" strike="noStrike" dirty="0">
+                          <a:effectLst/>
+                        </a:rPr>
+                        <a:t>YearsInCurrentRole - Five_or_Less</a:t>
+                      </a:r>
+                      <a:endParaRPr lang="en-US" sz="1100" b="0" i="0" u="none" strike="noStrike" dirty="0">
+                        <a:solidFill>
+                          <a:srgbClr val="333333"/>
+                        </a:solidFill>
+                        <a:effectLst/>
+                        <a:latin typeface="Arial"/>
+                      </a:endParaRPr>
+                    </a:p>
+                  </a:txBody>
+                  <a:tcPr marL="85725" marR="9525" marT="9525" marB="0">
+                    <a:lnL w="12700" cap="flat" cmpd="sng" algn="ctr">
+                      <a:solidFill>
+                        <a:schemeClr val="tx1"/>
+                      </a:solidFill>
+                      <a:prstDash val="solid"/>
+                      <a:round/>
+                      <a:headEnd type="none" w="med" len="med"/>
+                      <a:tailEnd type="none" w="med" len="med"/>
+                    </a:lnL>
+                    <a:lnB w="12700" cap="flat" cmpd="sng" algn="ctr">
+                      <a:solidFill>
+                        <a:schemeClr val="tx1"/>
+                      </a:solidFill>
+                      <a:prstDash val="solid"/>
+                      <a:round/>
+                      <a:headEnd type="none" w="med" len="med"/>
+                      <a:tailEnd type="none" w="med" len="med"/>
+                    </a:lnB>
+                    <a:solidFill>
+                      <a:schemeClr val="accent1">
+                        <a:lumMod val="20000"/>
+                        <a:lumOff val="80000"/>
+                      </a:schemeClr>
+                    </a:solidFill>
+                  </a:tcPr>
+                </a:tc>
+                <a:tc>
+                  <a:txBody>
+                    <a:bodyPr/>
+                    <a:lstStyle/>
+                    <a:p>
+                      <a:pPr algn="ctr" fontAlgn="t"/>
+                      <a:r>
+                        <a:rPr lang="en-US" sz="1100" u="none" strike="noStrike" dirty="0">
+                          <a:effectLst/>
+                        </a:rPr>
+                        <a:t>0.77</a:t>
+                      </a:r>
+                      <a:endParaRPr lang="en-US" sz="1100" b="0" i="0" u="none" strike="noStrike" dirty="0">
+                        <a:solidFill>
+                          <a:srgbClr val="333333"/>
+                        </a:solidFill>
+                        <a:effectLst/>
+                        <a:latin typeface="Arial"/>
+                      </a:endParaRPr>
+                    </a:p>
+                  </a:txBody>
+                  <a:tcPr marL="9525" marR="9525" marT="9525" marB="0">
+                    <a:lnR w="12700" cap="flat" cmpd="sng" algn="ctr">
+                      <a:solidFill>
+                        <a:schemeClr val="tx1"/>
+                      </a:solidFill>
+                      <a:prstDash val="solid"/>
+                      <a:round/>
+                      <a:headEnd type="none" w="med" len="med"/>
+                      <a:tailEnd type="none" w="med" len="med"/>
+                    </a:lnR>
+                    <a:lnB w="12700" cap="flat" cmpd="sng" algn="ctr">
+                      <a:solidFill>
+                        <a:schemeClr val="tx1"/>
+                      </a:solidFill>
+                      <a:prstDash val="solid"/>
+                      <a:round/>
+                      <a:headEnd type="none" w="med" len="med"/>
+                      <a:tailEnd type="none" w="med" len="med"/>
+                    </a:lnB>
+                    <a:solidFill>
+                      <a:schemeClr val="accent1">
+                        <a:lumMod val="20000"/>
+                        <a:lumOff val="80000"/>
+                      </a:schemeClr>
+                    </a:solidFill>
+                  </a:tcPr>
+                </a:tc>
+              </a:tr>
+            </a:tbl>
+          </a:graphicData>
+        </a:graphic>
+      </p:graphicFrame>
+    </p:spTree>
+    <p:extLst>
+      <p:ext uri="{BB962C8B-B14F-4D97-AF65-F5344CB8AC3E}">
+        <p14:creationId xmlns:p14="http://schemas.microsoft.com/office/powerpoint/2010/main" val="3363377559"/>
+      </p:ext>
+    </p:extLst>
+  </p:cSld>
+  <p:clrMapOvr>
+    <a:masterClrMapping/>
+  </p:clrMapOvr>
+</p:sld>
+</file>
+
+<file path=ppt/slides/slide5.xml><?xml version="1.0" encoding="utf-8"?>
+<p:sld xmlns:a="http://schemas.openxmlformats.org/drawingml/2006/main" xmlns:r="http://schemas.openxmlformats.org/officeDocument/2006/relationships" xmlns:p="http://schemas.openxmlformats.org/presentationml/2006/main">
+  <p:cSld>
+    <p:spTree>
+      <p:nvGrpSpPr>
+        <p:cNvPr id="1" name=""/>
+        <p:cNvGrpSpPr/>
+        <p:nvPr/>
+      </p:nvGrpSpPr>
+      <p:grpSpPr>
+        <a:xfrm>
+          <a:off x="0" y="0"/>
+          <a:ext cx="0" cy="0"/>
+          <a:chOff x="0" y="0"/>
+          <a:chExt cx="0" cy="0"/>
+        </a:xfrm>
+      </p:grpSpPr>
+      <p:pic>
+        <p:nvPicPr>
+          <p:cNvPr id="6" name="Picture 5"/>
+          <p:cNvPicPr/>
+          <p:nvPr/>
+        </p:nvPicPr>
+        <p:blipFill rotWithShape="1">
+          <a:blip r:embed="rId2"/>
+          <a:srcRect l="22217" t="40270" r="37620" b="15389"/>
+          <a:stretch/>
+        </p:blipFill>
+        <p:spPr bwMode="auto">
+          <a:xfrm>
+            <a:off x="914400" y="1295400"/>
+            <a:ext cx="7848600" cy="3657600"/>
+          </a:xfrm>
+          <a:prstGeom prst="rect">
+            <a:avLst/>
+          </a:prstGeom>
+          <a:ln>
+            <a:noFill/>
+          </a:ln>
+          <a:extLst>
+            <a:ext uri="{53640926-AAD7-44D8-BBD7-CCE9431645EC}">
+              <a14:shadowObscured xmlns:a14="http://schemas.microsoft.com/office/drawing/2010/main"/>
+            </a:ext>
+          </a:extLst>
+        </p:spPr>
+      </p:pic>
+      <p:sp>
+        <p:nvSpPr>
+          <p:cNvPr id="2" name="Content Placeholder 1"/>
+          <p:cNvSpPr>
+            <a:spLocks noGrp="1"/>
+          </p:cNvSpPr>
+          <p:nvPr>
+            <p:ph idx="1"/>
+          </p:nvPr>
+        </p:nvSpPr>
+        <p:spPr>
+          <a:xfrm>
+            <a:off x="5588977" y="5181600"/>
+            <a:ext cx="3581400" cy="1752600"/>
+          </a:xfrm>
+        </p:spPr>
+        <p:txBody>
+          <a:bodyPr>
+            <a:normAutofit/>
+          </a:bodyPr>
+          <a:lstStyle/>
+          <a:p>
+            <a:pPr marL="914400" lvl="3" indent="-800100" algn="ctr">
+              <a:buNone/>
+            </a:pPr>
+            <a:r>
+              <a:rPr lang="en-US" sz="2400" u="sng" dirty="0" smtClean="0"/>
+              <a:t>Models Statistics</a:t>
+            </a:r>
+            <a:endParaRPr lang="en-US" sz="2400" u="sng" dirty="0" smtClean="0"/>
+          </a:p>
+          <a:p>
+            <a:pPr marL="109728" indent="0">
+              <a:buNone/>
+            </a:pPr>
+            <a:r>
+              <a:rPr lang="en-US" sz="2400" dirty="0" smtClean="0"/>
+              <a:t>    Accuracy: 74%</a:t>
+            </a:r>
+          </a:p>
+          <a:p>
+            <a:pPr marL="109728" indent="0">
+              <a:buNone/>
+            </a:pPr>
+            <a:r>
+              <a:rPr lang="en-US" sz="2400" dirty="0" smtClean="0"/>
+              <a:t>    Recall: 53%</a:t>
+            </a:r>
+          </a:p>
+          <a:p>
+            <a:pPr marL="109728" indent="0">
+              <a:buNone/>
+            </a:pPr>
+            <a:r>
+              <a:rPr lang="en-US" sz="2400" dirty="0" smtClean="0"/>
+              <a:t>    Precision: 70%</a:t>
+            </a:r>
+            <a:endParaRPr lang="en-US" sz="2400" dirty="0"/>
+          </a:p>
+        </p:txBody>
+      </p:sp>
+      <p:sp>
+        <p:nvSpPr>
+          <p:cNvPr id="3" name="Title 2"/>
+          <p:cNvSpPr>
+            <a:spLocks noGrp="1"/>
+          </p:cNvSpPr>
+          <p:nvPr>
+            <p:ph type="title"/>
+          </p:nvPr>
+        </p:nvSpPr>
+        <p:spPr/>
+        <p:txBody>
+          <a:bodyPr>
+            <a:normAutofit fontScale="90000"/>
+          </a:bodyPr>
+          <a:lstStyle/>
+          <a:p>
+            <a:r>
+              <a:rPr lang="en-US" dirty="0" smtClean="0"/>
+              <a:t>Naïve-Bayes: </a:t>
+            </a:r>
+            <a:r>
+              <a:rPr lang="en-US" sz="3900" dirty="0" smtClean="0"/>
+              <a:t>Prediction &amp; Validation</a:t>
+            </a:r>
+            <a:endParaRPr lang="en-US" sz="3900" dirty="0"/>
+          </a:p>
+        </p:txBody>
+      </p:sp>
+    </p:spTree>
+    <p:extLst>
+      <p:ext uri="{BB962C8B-B14F-4D97-AF65-F5344CB8AC3E}">
+        <p14:creationId xmlns:p14="http://schemas.microsoft.com/office/powerpoint/2010/main" val="13562319"/>
+      </p:ext>
+    </p:extLst>
+  </p:cSld>
+  <p:clrMapOvr>
+    <a:masterClrMapping/>
+  </p:clrMapOvr>
+</p:sld>
+</file>
+
+<file path=ppt/slides/slide6.xml><?xml version="1.0" encoding="utf-8"?>
+<p:sld xmlns:a="http://schemas.openxmlformats.org/drawingml/2006/main" xmlns:r="http://schemas.openxmlformats.org/officeDocument/2006/relationships" xmlns:p="http://schemas.openxmlformats.org/presentationml/2006/main">
+  <p:cSld>
+    <p:spTree>
+      <p:nvGrpSpPr>
+        <p:cNvPr id="1" name=""/>
+        <p:cNvGrpSpPr/>
+        <p:nvPr/>
+      </p:nvGrpSpPr>
+      <p:grpSpPr>
+        <a:xfrm>
+          <a:off x="0" y="0"/>
+          <a:ext cx="0" cy="0"/>
+          <a:chOff x="0" y="0"/>
+          <a:chExt cx="0" cy="0"/>
+        </a:xfrm>
+      </p:grpSpPr>
+      <p:pic>
+        <p:nvPicPr>
+          <p:cNvPr id="6" name="Picture 5"/>
+          <p:cNvPicPr/>
+          <p:nvPr/>
+        </p:nvPicPr>
+        <p:blipFill rotWithShape="1">
+          <a:blip r:embed="rId2"/>
+          <a:srcRect l="22217" t="18850" r="39494" b="40237"/>
+          <a:stretch/>
+        </p:blipFill>
+        <p:spPr bwMode="auto">
+          <a:xfrm>
+            <a:off x="4648200" y="4343400"/>
+            <a:ext cx="4267200" cy="2362200"/>
+          </a:xfrm>
+          <a:prstGeom prst="rect">
+            <a:avLst/>
+          </a:prstGeom>
+          <a:ln>
+            <a:noFill/>
+          </a:ln>
+          <a:extLst>
+            <a:ext uri="{53640926-AAD7-44D8-BBD7-CCE9431645EC}">
+              <a14:shadowObscured xmlns:a14="http://schemas.microsoft.com/office/drawing/2010/main"/>
+            </a:ext>
+          </a:extLst>
+        </p:spPr>
+      </p:pic>
+      <p:sp>
+        <p:nvSpPr>
+          <p:cNvPr id="2" name="Content Placeholder 1"/>
+          <p:cNvSpPr>
+            <a:spLocks noGrp="1"/>
+          </p:cNvSpPr>
+          <p:nvPr>
+            <p:ph idx="1"/>
+          </p:nvPr>
+        </p:nvSpPr>
+        <p:spPr>
+          <a:xfrm>
+            <a:off x="457199" y="1481328"/>
+            <a:ext cx="8422005" cy="4525963"/>
+          </a:xfrm>
+        </p:spPr>
+        <p:txBody>
+          <a:bodyPr/>
+          <a:lstStyle/>
+          <a:p>
+            <a:r>
+              <a:rPr lang="en-US" sz="2000" dirty="0" smtClean="0"/>
+              <a:t>Men have </a:t>
+            </a:r>
+            <a:r>
+              <a:rPr lang="en-US" sz="2000" dirty="0"/>
+              <a:t>a higher attrition rate than women (63% </a:t>
+            </a:r>
+            <a:r>
+              <a:rPr lang="en-US" sz="2000" dirty="0" smtClean="0"/>
+              <a:t>vs. </a:t>
+            </a:r>
+            <a:r>
+              <a:rPr lang="en-US" sz="2000" dirty="0"/>
+              <a:t>37</a:t>
+            </a:r>
+            <a:r>
+              <a:rPr lang="en-US" sz="2000" dirty="0" smtClean="0"/>
+              <a:t>%)</a:t>
+            </a:r>
+          </a:p>
+          <a:p>
+            <a:endParaRPr lang="en-US" sz="800" dirty="0"/>
+          </a:p>
+          <a:p>
+            <a:r>
+              <a:rPr lang="en-US" sz="2000" dirty="0"/>
+              <a:t>Singles have a higher attrition rate at 51% than married (35%) or divorced individuals (14</a:t>
+            </a:r>
+            <a:r>
+              <a:rPr lang="en-US" sz="2000" dirty="0" smtClean="0"/>
+              <a:t>%)</a:t>
+            </a:r>
+          </a:p>
+          <a:p>
+            <a:endParaRPr lang="en-US" sz="800" dirty="0"/>
+          </a:p>
+          <a:p>
+            <a:r>
+              <a:rPr lang="en-US" sz="2000" dirty="0" smtClean="0"/>
+              <a:t>Employees with no stock options have a higher attrition rate 65% than those with.</a:t>
+            </a:r>
+          </a:p>
+          <a:p>
+            <a:endParaRPr lang="en-US" sz="800" dirty="0" smtClean="0"/>
+          </a:p>
+          <a:p>
+            <a:r>
+              <a:rPr lang="en-US" sz="2000" dirty="0" smtClean="0"/>
+              <a:t>Those with less then 10 years of work experience have greater attrition rates than those with more. </a:t>
+            </a:r>
+            <a:endParaRPr lang="en-US" sz="2000" dirty="0"/>
+          </a:p>
+        </p:txBody>
+      </p:sp>
+      <p:sp>
+        <p:nvSpPr>
+          <p:cNvPr id="3" name="Title 2"/>
+          <p:cNvSpPr>
+            <a:spLocks noGrp="1"/>
+          </p:cNvSpPr>
+          <p:nvPr>
+            <p:ph type="title"/>
+          </p:nvPr>
+        </p:nvSpPr>
+        <p:spPr/>
+        <p:txBody>
+          <a:bodyPr/>
+          <a:lstStyle/>
+          <a:p>
+            <a:r>
+              <a:rPr lang="en-US" dirty="0" smtClean="0"/>
+              <a:t>Other Findings</a:t>
+            </a:r>
+            <a:endParaRPr lang="en-US" dirty="0"/>
+          </a:p>
+        </p:txBody>
+      </p:sp>
+      <p:sp>
+        <p:nvSpPr>
+          <p:cNvPr id="5" name="AutoShape 2" descr="data:image/png;base64,iVBORw0KGgoAAAANSUhEUgAABUAAAAPACAMAAADDuCPrAAAAh1BMVEUAAAAAADoAAGYAOjoAOmYAOpAAZpAAZrY6AAA6OgA6Ojo6ZmY6ZrY6kNtmAABmAGZmOgBmOpBmZgBmZjpmZmZmkJBmtv+QOgCQkDqQtpCQ27aQ29uQ2/+2ZgC2Zjq2tma2/7a2/9u2///bkDrbtmbb/9vb////AAD/tmb/25D//7b//9v///9qwZE2AAAACXBIWXMAAB2HAAAdhwGP5fFlAAAgAElEQVR4nO3dfWPaWJvYYWbaqbPbdfqy26TbDt32oc+UJP7+n6/ADUdHQuLlBFs3ynX9MYONsUHo/KJ3Vm8ANFnN/QQAnpWAAjQSUIBGAgrQSEABGgkoQCMBBWgkoACNBBSgkYACNBJQgEYCCtBIQAEaCShAIwEFaCSgAI0EFKCRgAI0ElCARgIK0EhAARoJKEAjAQVoJKAAjQQUoJGAAjQSUIBGAgrQSEABGgkoQCMBBWgkoACNBBSgkYACNBJQgEYCCtBIQAEaCShAIwEFaCSgAI0EFKCRgAI0ElCARgIK0EhAARoJKEAjAQVoJKAAjQQUoJGAAjQSUIBGAgrQSEABGgkoQCMBBWgkoACNBBSgkYACNBJQgEYCCtBIQAEaCShAIwEFaCSgAI0EFKCRgC7Sj6+rnZfTl+v9V6vf/3b8crP/6o+/bvxdoz/9/fPum7/9+bPPsHuK5Vm+TD5kXvHsVqsvwzu2r1NfdIaT6/RjPz0ZmZmALtOmLuYxVmWgru8K1fsE9O3bp9UgKv3KJ3N4wSNTYvcyXse/OHt0ea3djwnosxPQZdrWdYpWrXqj9nxJaso7BTR+b/eLj5W/+Wl9sO2xn/0XfXjSr2Nf9NWTq/4xAX12ArpMvUhujmP/uNB56Onto/a9Ajoo5nZs+S6N45NdDRK5rr+xHt7bqSdX/WMC+uwEdJl6G0FPm++Oq8fb+1aV79tieodYMD4+kSh+2pbEPzr/MJwUtwa0duOP8RQEdKGq7JXNd/Ui0O37at4toMewv3Z/JW9XYiL832HkBfRXJ6ALVS1mnjaBHodtLJzePoLfL6BR9sOTjJtZV+BP0yyeZTXpBPRXJ6ALVW3oPBTwX8pi52C723HrXrVKv4kRfvxfHdB12U5Z/ZLt8edGGhjpfj3eOF/oje2eL6ffXC/bHReb+6E5bcx97X2je6pv3b8WI5so1r3nV28lvvCg/tTs/YqyX2n/e3pfnD2xMrkGPzbcBnr+ZlyYuiQgoAtVLWfuR/1v/+PzaWAeYnAaot3SaTeOY9SvT6O8C2i13/wsoGU7QVe3atPBREBLN0tphw+tH7VZdV5Hn2r9cs5r2N951i2iX3xQ9Xd2L7x3cMP1gJYndltAx96MyalLCgK6VGVL52Hw/fHX+jQsN1WW6ib1q/SPJSgloPWBmsOA/sdPZ7+miuBv/zoR0EjGH3//2o9XnbSy1DX2XAdPtfe4sxj2t12UNenLD+o/Ml7T8YVcDWj3xG4K6OibMTV1yUFAl2p7is82xnxZza22wW1Xq5FBO1jSOwX0fKd5FdDzBlUH/hyN7beKv/Uvp6C8db98+Lh+545/pP9Uh39y+AfLJKlfwLUHlb99eLXrahpcDWg3DW8J6PibMTF1SUJAl6oM+k0M1tNadATjEKtqO2OM02qb6ap84xjQ/nFG5wHdf3GM3Jfu2/vhfurhWJqqfHV3r8tv6W516aqfSP+pdmvl8WuHB0XVmz37y9UXHtT74eOrKqmf3Ik0mIY3HAc68WZMTF2SENClOtXikIXTWuRpNTcWY+o9N9XK6aYftKjH3/t1OQtoLNh1fflRrZWPnPdelAXLbsmqrk3Z3lB9Mx7y5fypbrq+7P/keQq7A7i6f0auPqi37t9bh78e0NMP3hDQiTdjfOqShYAu1nGgHjeBHvcl/Vmtx/YPyun2jwzOsTx8+e//c3/wngX0S/ftasvi8efji/FDT0/Lal0XttUPn7L/dsjYS/VHqoD2t5JeOMK1+8eju3X1Qf3zYut1+KsB7e/yvxjQqTdjfOqShYAu1nG983QczPkhP/0zkrrFrE0/aNXaaJeZYUDr87y71dD+1UzGI3Vcda0O0KkLc3jkYKnwLKD9s0EvRGaw3Ply04P6xz/1lwKvBHTs35uJgE69GeNTlywEdLGOC1llFTU2glabQAdHyJf12001Zt/ONueFYUCPQ38w8Msvv3Ty07b/m0f2PvXXWtfV9/pPtffI0Z0tp25WXb7+oN6CX38d/nJARyfXRECn3ozxqUsWArpYMTj/59dVvY/k9//drRPXxzPVX276Kal3KL/0f/lZQLs69IMw+FM9veNS30YD+lr/mjqqg6fa31M/sjnztEWgzvvVB/UL31uHvxzQ8c26FwI68maMT12yENDFihD9t08lFYeNoP/afX0xoN3CUO/wxNOy4DCgpx9/x4AODugZW4gePHYkhsfn1yvRtQetV+deBy93+MXgif1kQM+mLlkI6HJtBsP9MBb/sfv64ir8WUBfeqcx3hnQS6vw4wE9y8QpY6cDqkYD+tbv7PmZj7GDqto1df1Bg6NSez/04IBOrcILaFoCulzDawB366pfuvsH+y3KDpZhQHvduiGgN+9EOgvoeCaq9ejLAS2/YTW2STO2Y/zb2NOZetDZoezVJH1cQKfeDAHNTUCXqyw69fZBdCP54mFMg4Duv6y3610N6M2HMZ0HdLSKVTsuBPTbp96J6iPr8N05ll9ufNDYGvzpqTwuoBcPYxLQtAR0uUowe/uMh+Nx4kD6kYDWY/xqQG89kH4koPWVRbYj1+CrDhHqPdXeDvKz3/pW/1D3qKsPGhw6378u0uMCevFAegFNS0AX7BTM3nJNVYPjOv3oqZwjAa0XQa8G9MZTOd/GqtV9PGc5D6f6/I+zw5j6u6rqkwTGrv42nCjXHnR++k+Vut524fqLawEdnpE/+WYIaG4CumDVedQHp5KNHSNf3TEZ0GpT5vWA3nYxkbexgA6uG9JtmK29nj/Vs909Y2c9Tk2UiQfVS9K939D9/dNX9RcXAlr/2Oj3e89DQHMT0AU7hmiwa6LeyDd9ObuxgFab5q4HtC7T7/91/9+bAzrYb/M6+G2rf/dpNb61YVDe0dScbU+4/KCRzbfVgmp57OvgiwsBrX/sxsvZCWhaArpgZ60YnKH9duGCyqMBjV84dkX6sSFe7cS65zCm3kNXgx1Rh290RyFdPA504qobm+GdFx909tOnF1ldI+r02qovLgS0/rEbL6gsoGkJ6JJVI/1gOwjq3sRHeowGtNsgeEtAq0vq3RvQktB6l3i36jxxtGn1mkevqjT99yYfNLIG35+MEb3ewmV1DcDeqxmEcniZu+7PnX2kh4CmJaB8ACOfZRJQ3sVuWapashJQlklAeRe9y7sP11RhIQSU93F2fKUP82F5BJT3MTyY0xo8CySgvJPBgeFjZwXBkxNQ3kvvcPiLHzoET0pAeT+9E3VgeQQUoJGAAjQSUIBGAgrQSEABGgkoQCMBBWgkoACNBBSgkYACNBJQgEYCCtBIQAEaCShAIwEFaCSgAI0EFKCRgAI0ElCARgIK0EhAARoJKEAjAQVoJKAAjQQUoJGAAjQSUIBGAgrQSEABGgkoQCMBBWgkoACNBBSgkYACNBJQgEYCCtBIQAEaCShAIwEFaCSgAI0EFKCRgAI0ElCARgIK0EhAARoJKEAjAQVoJKAAjQQUoJGAAjQSUIBGAgrQSEABGgkoQCMBBWi0lICulm3uyQuMWcbQnLtv727uCQyMWcbQXK3+35IJKOS0jKEpoMAMljE0BRSYwTKGpoACM1jG0BRQYAbLGJoCCsxgGUNTQIEZLGNoCigwg2UMTQEFZrCMoSmgwAyWMTQFFJjBMoamgAIzWMbQFFBgBssYmgIKzGAZQ1NAgRksY2gKKDCDZQxNAQVmsIyhKaDADJYxNAUUmMEyhqaAAjNYxtAUUGAGyxiaAgrMYBlDU0CBGSxjaAooMINlDE0BBWawjKEpoMAMljE0BRSYwTKGpoACM1jG0BRQYAbLGJoCCsxgGUNTQIEZLGNoCigwg2UMTQEFZrCMoSmgwAyWMTQFFJjBMoamgAIzWMbQFFBgBssYmgIKzGAZQ1NAgRksY2gKKDCDZQxNAQVmsIyhKaDADJYxNAUUmMEyhqaAAjNYxtAUUGAGyxiaAgrMYBlDU0CBGSxjaAooMINlDE0BBWawjKEpoMAMHj00v39e7byO3rfd37X68uC/uCegwAwePDTXq/Dbn2d3fft0vO/3vz32b74JKDCLxw7NzWo1VcnSz9Xqj78e+kffBBSYxUOH5j6S+zru19Vf+nftV+0P4dxMruH/BAEFZvDQobk+dXNX0sFK/KYseG7fYRFUQIEZPHJo7pYyT2vum8Fi5o+vpajVzYcRUGAGjxyau+XOl+5mbzGzuus9CCgwg0cOzWqxc7eY2duNtH2HDZ8VAQVm8OCAng7yHK6nH+7afdNxoC0EFHJ65NBcV3Vc9wO6/3Jz5TjQ1blb/7KAAjN4bEC7aJ4H9J+njxE9PpX2ggooMIP3C2i9rh4r74fdSiPHiE4/OQE9EFDI6WOWQA8BPe5FOj9GdPrJCeiBgEJOH7YK3x3WtL55R5KABgGFnD5oL/y6Oozp9kOaBDQIKOT0yKG5nT4OdCOgP0FAIacPOhNpW+05EtB7CSjk9EHnwu+CWpZIbQO9l4BCTh91NaZyV6+l156cgB4IKOT0UdcDPd11uO/W0+IFNAgo5PTOV6TfrdUfF0W7u26/HKiABgGFnN75M5G6gB4/Uu6uT/QQ0CCgkNM7fypnFdBjXe/5SDkBDQIKOaUemgIaBBRySj00BTQIKOSUemgKaBBQyCn10BTQIKCQU+qhKaBBQCGn1ENTQIOAQk6ph6aABgGFnFIPTQENAgo5pR6aAhoEFHJKPTQFNAgo5JR6aApoEFDIKfXQFNAgoJBT6qEpoEFAIafUQ1NAg4BCTqmHpoAGAYWcUg9NAQ0CCjmlHpoCGgQUcko9NAU0CCjklHpoCmgQUMgp9dAU0CCgkFPqoSmgQUAhp9RDU0CDgEJOqYemgAYBhZxSD00BDQIKOaUemgIaBBRySj00BTQIKOSUemgKaBBQyCn10BTQIKCQU+qhKaBBQCGn1ENTQIOAQk6ph6aABgGFnFIPTQENAgo5pR6aAhoEFHJKPTQFNAgo5JR6aApoEFDIKfXQFNAgoJBT6qEpoEFAIafUQ1NAg4BCTqmHpoAGAYWcUg9NAQ0CCjmlHpoCGgQUcko9NAU0CCjklHpoCmgQUMgp9dAU0CCgkFPqoSmgQUAhp9RDU0CDgEJOqYemgAYBhZxSD00BDQIKOaUemgIaBBRySj00BTQIKOSUemgKaBBQyCn10BTQIKCQU+qhKaBBQCGn1ENTQIOAQk6ph6aABgGFnFIPTQENAgo5pR6aAhoEFHJKPTQFNAgo5JR6aApoEFDIKfXQFNAgoJBT6qEpoEFAIafUQ1NAg4BCTqmHpoAGAYWcUg9NAQ0CCjmlHpoCGgQUcko9NAU0CCjklHpoCmgQUMjp0UPz++fVzuv5HT++roovN/4yAQ0CCjk9eGiuj4n87c/hPVFWAW0hoJDTY4fmpjTy978N7tquBLSVgEJODx2a3z6tVn/8FbF8Gdy3ub2bhYAGAYWcHjo016du7ko6XIlfny+UXiWgQUAhp0cOze+fSyQ3wx1JP74elk3vI6BBQCGnRw7N3XLnS3ez38tdXIcr9dcJaBBQyOmRQ7Na7NwtcPbX2Ler1ZfDjvjz/fMXnpyAHggo5PTggJ72E+0C2i/lZvXbPxz3wd++Ki+gQUAhp0cOzXW1o309COi6OoppoqCrETf+ZQEFZvDYgHbRHAR0fx5SfGM7fqLSm4BOE1DI6f0C2jvs8/vnct+3Tzcf0CSgQUAhpw9aAu3/2K2H1AtoEFDIaYaAnh0jOklAg4BCTh+1F76yFdA7CSjk9Mihub1wHOj4j10hoEFAIaePOhOpcvtlRQQ0CCjk9EHnwvdPUrr1bCQBDQIKOX3Q1ZiqY5e255e6m3xyAnogoJDTB10PdH8gfRR0c8fp8AIaBBRyeucr0pcD6PdtPblxF5KAnggo5PTOn4nUnYHUFfT2C9MLaBBQyOmdP5WzOoXz+KlI91wVVECDgEJOqYemgAYBhZxSD00BDQIKOZ0Pze//5e7PLnovAhoEFHIaCejn+zZUviMBDQIKOY0H9J5jjd6RgAYBhZzGhubm7uON3omABgGFnCaG5rp3OPxcBDQIKOQ0OTT3J1/e9xmajyegQUAhp0tD87g1dL5dSgIaBBRyujI0j8uhN1/+47EENAgo5HRxaHbXBplnKVRAg4BCTtNDc1P2Ix0WQ+c4rElAg4BCThNDc3AkU3Wt+Y8koEFAIadLx4FWC51rAZ2RgEJOk2ci9Q5f2q3Ez3E4k4AGAYWcxgM60173IQENAgo5jQV09lM4TwQ0CCjklHpoCmgQUMhpbAm0twK/nvFkTgENAgo53RDQ+a4oIqBBQCGnawGd6QjQIKBBQCGn3tCsTt2sWIWfm4BCTr2hebr8Ut9816YX0CCgkFN/aG5T9VNAjwQUcrq6E2lOAhoEFHIS0CcgoJBT6qEpoEFAIafUQ1NAg4BCTvXQ3O+E/3K+K95xoHMTUMhJQJ+AgEJOAvoEBBRySj00BTQIKOSUemgKaBBQyCn10BTQIKCQU+qhKaBBQCGn4U6kEXYizU1AIScBfQICCjkJ6BMQUMgp9dAU0CCgkFPqoSmgQUAhp9RDU0CDgEJOqYemgAYBhZycC/8EBBRyEtAnIKCQk4A+AQGFnFIPTQENAgo5pR6aAhoEFHJKPTQFNAgo5JR6aApoEFDIaWJofvs08/6jAwENAgo5jQ7NbbcL/rc/P/oZVQQ0CCjkNDY0N72jmL58+HMqBDQIKOQ0MjT3q+/Hdffq5hwENAgo5DQyNNf1UuduafTlA59On4AGAYWczofmj6+9ZK5Xf/z1cU+nT0CDgEJO50Pz++feZs+tUzlnJ6CQk4A+AQGFnEa3gb5MfvWxBDQIKOQ0vhf+tXyxnfNIUAENAgo5jQ3NbTl+frc6P+eR9AIaBBRy8rHGT0BAIScBfQICCjkJ6BMQUMgp9dAU0CCgkFPqoSmgQUAhp9RDU0CDgEJO14fm9/9kG+jMBBRyunZB5Xt3IsWOqNfJ+799uuMCowIaBBRyGhua6/a98KeHTh1+Hx89f/OTE9ADAYWcJi6o3HhJ+s216q7v+n0CGgQUchq/oPLLvoUvb4OLK1+1T+/+6qH7TQCjlyDZ3hdkAQ0CCjmNXlA5InhYiNzcswa/PnVzV9KxlfjYQCqg9xJQyGn0eqD7fUDfPh0SuMvpzcHbPfJU283YjqTd7/r9vwvo/QQUcpq8oPLpusqb268HulvufOlunn8SyK6qXzYCej8BhZwmA7pbXDwsQ377dPNnIlWLnfuFzeGq/+E6owLaQEAhp+mP9Dheiv7bp5s3glZx3AV0uBE0tq0KaAMBhZxGdyIdliM3sRJ+x2ci1bvs12cBje9cCOjYlaBu/MsCCsxgZGged7wfP8xjc/vHGtfRPAvoNtbvBbSBgEJO4wfS7+MX+4G2E0d0jukHtB/K758jxFbhGwgo5DR1Kudrd1rmzcG7tAS6Pm4JENAGAgo5jQ3NH18PlTteoP72TzW+ENDSTQFtIKCQ0/jQ3Eb91hcvrHRmei98d4SogDYQUMjpkUNzO3kc6Gawb+jGKgtoEFDI6ZFDc/pMJAH9KQIKOT1yaE6fCy+gP0VAIaeJoXm8Juidn2h87WpMb7aBNhFQyOnaR3pMXVp+1NXrgQpoEwGFnMaGZn+F+44LKp9fkX63Vt9PsIA2EFDIaeIjPY79q27eZviZSAL6CAIKOY1/pEfXuM09R9K/nX0qp4A+goBCTqNXY6qTub79YiIPJ6BBQCGn6euBHt1xObuHE9AgoJCTgD4BAYWcRreBvkx+9bEENAgo5DS+F747U2h735GgjyWgQUAhp7GhuS2HIZ3tRP9YAhoEFHKqh+bxAqBDtoHOTUAhJwF9AgIKOQnoExBQyCn10BTQIKCQU+qhKaBBQCGn1ENTQIOAQk4TQ/O4OXS+zZ8HAhoEFHIaHZrV3qRZEyqgQUAhp7Gh2dsb70D6+Qko5DQyNH98Ldeh3382x3xXsxPQIwGFnEaG5raK5j6m93ymx2MJaBBQyGn0akzVhs/d6ryrMc1NQCGn0SvS9z/S3RXp5yagkJMLKj8BAYWcBPQJCCjkZBX+CQgo5GQn0hMQUMjJYUxPQEAhJwfSPwEBhZyunso558nwAhoEFHJyMZEnIKCQk8vZPQEBhZxSD00BDQIKOY0dxjTzcmdHQIOAQk6jB9LPuOO9R0CDgEJOo6dyznfofJ+ABgGFnCyBPgEBhZzGz0Sa7+SjHgENAgo5jQ3Nb5+SLIMKaBBQyGl0G2ify9nNTUAhJwF9AgIKOQnoExBQyCn10BTQIKCQU+qhKaBBQCGn1ENTQIOAQk7Dofnt036z5+voz344AQ0CCjn1h+bhYvR7v/050/PpEdAgoJBTf2iuy673FAUV0CCgkFNvaO4/Aml/IZH9kUwZzkUS0CCgkFNvaK5PZ8HvVuUzLIIKaBBQyKkemtV1mDYpLigioEFAIad6aFZXAv32KcOeeAENAgo5TQQ0x1WVBTQIKOQkoE9AQCEnAX0CAgo5CegTEFDISUCfgIBCTgL6BAQUchLQJyCgkNMgoGNckX5uAgo5CegTEFDISUCfgIBCTqmHpoAGAYWcUg9NAQ0CCjmlHpoCGgQUcko9NAU0CCjklHpoCmgQUMgp9dAU0CCgkFPqoSmgQUAhp9RDU0CDgEJOqYemgAYBhZwePTTjbKbRz1P69mnyrgkCGgQUcnrw0FwfT/88/1DkH19Pp4be/nGfAhoEFHJ67NDcTJ5A3/XzjoIKaBBQyOmhQ3O/kr7/ZPntrpKDy4lujmvv+1X804fPX39yAnogoJDTQ4fm+tTNXUn7K/G7BdDjN3YFPV+/n3pyAnogoJDTI4fmro2nNffNYG/RrqinRdLN7evwAhoEFHJ65NCsKrm7ObWivhbQewko5PTIoVktdu5W2Seuw1wtpl4loEFAIacHB/S0bNlt8zz/GXvh7yWgkNMjh2a9cr4eC+j64lFMYx8ncuNfFlBgBo8NaBdNAX0gAYWc3i+g56E8HUzvONA7CSjk9KFLoHv7I+lfRu85J6BBQCGnDw/oPUfSC2gQUMhpdGjGdZPu/lz4W/bCv50fZH/hyQnogYBCTmNDc9PfkXNzQLe3HAfa+7FrT05ADwQUchoZmttVY0BvOxNJQO8moJDTyNBc39HMngvnwtdf334up4AGAYWczofmpbXvK6avxrT7xumXVjevPjkBPRBQyOl8aO6WI+/52I3a9PVA94eARjZPFwa96ckJ6IGAQk4PDej5FenLMUv1jv1bDwMV0CMBhZxGV+GbA3r2mUjdQZ/xaXN39VNAjwQUchoZmpvbz7U8N/hUzvqo+VgIved3C2gQUMhpZGj+zDr8YwloEFDIaWxoXjqI80MJaBBQyGl0J1LjgfQPJ6BBQCEnAX0CAgo5CegTEFDIKfXQFNAgoJBT6qEpoEFAIafUQ1NAg4BCThND87ghdL7NnwcCGgQUchodmtV+pFkTKqBBQCGnsaHZ2w9/6+cXvQcBDQIKOY0MzcOnD8clj7d3nrz+YAIaBBRyGv9IjxLNfUxvvHz8OxDQIKCQ0+hHelQbPner87dffu7RBDQIKOR09XqgP3Vxu58koEFAIafRUznrlfatUzlnJ6CQk4A+AQGFnKzCPwEBhZzsRHoC9wV0tWwN8xG8F4cxPYF7qjF3395d05wE78OB9E/gvoDO/WzflYCSytVTOec8GV5Ag4AWAkoqLibyBAS0EFBScTm7JyCghYCSSur5UUCDgBYCSiqp50cBDQJaCCippJ4fBTQIaCGgpFLPj/sNn198rHE+AloIKKkI6BMQ0EJASUVAn4CAFgJKKqnnRwENAloIKKmknh8FNAhoIaCkknp+FNAgoIWAksrYBZV7n2S8dj3Q2QloIaCkckNA7USam4AWAkoq1wL6/bOAzk5ACwElld78uBm9gq1V+LkJaCGgpNKbH88OAT14nXrsuxPQIKCFgJJKf37cpuqngB4JaCGgpHJ1J9KcBDQIaCGgpCKgT0BACwElldTzo4AGAS0ElFRSz48CGgS0EFBScTWmJyCghYCSioA+AQEtBJRUBPQJCGghoKSSen4U0CCghYCSSur5UUCDgBYCSioj8+N6vnX2AQENAloIKKmcz48/vs54+ZA+AQ0CWggoqYydibR6meGJjBHQIKCFgJKKJdAnIKCFgJLKyPy43R/MlIKABgEtBJRUxubHb5+SLIMKaBDQQkBJZXQbqAPpcxHQQkBJRUCfgIAWAkoqAvoEBLQQUFJJPT8KaBDQQkBJJfX8KKBBQAsBJZXU86OABgEtBJRUrn4m0trnws9OQAsBJZUbAmon0twEtBBQUrkW0O+fBXR2AloIKKn05sfNaoxV+LkJaCGgpNKbH88OAT14neu5CeiRgBYCSir9+XGbqp8CeiSghYCSytWdSHMS0CCghYCSyqMDGlsBRpdav33a33XPLxfQIKCFgJLKg+fH9XG9/zyT3fbV2/fqC2gQ0EJASeWxB9J3u/GHlaz3T91cUAENAloIKKk89ED6/Ur6Prf7fVGDz1XanFbs1+f3TT85AT0Q0EJASeWhB9KvT23clbS/Er9fAD1+Tsjm9kVQAQ0CWggoqTzyQPoqtpvBjqRtt9j54+vNn7kkoEFACwEllUceSL9b7nzpbva6Wwd1LaB3EtBCQEnlkQfSV5XcLWZOrqevbz6USUCDgBYCSiqPPA500y1a7gI69Vt2i7m3bhQQ0CCghYCSyiMDWq+bTy9mDjePdk9lxI1/WTVMCpjB1flxe/te+DqakwGd/tB5AZ0ioIWAksrl+XG/x7w1oON7inb9dCbSvQS0EFBSuTQ/bu88ceiGJdDtXZ+SLKBBQAsBJZXJ+fGw8Lm647ShWwJ6Xz8F9EhACwEllYn58XQ8010f53F1L/z6zsvbC2gQ0EJASWVsfiwLnzce736yvXwc6P7X3r44e3hyAnogoIWAksr5/NgdTBXagzoAABEVSURBVH/vhyFdOBMpvnXv1e0FNAhoIaCkMpgfTwuff/y1u3VvQC+cCz9yfZFbnpyAHghoIaCk0psfjwufh9A1BPTC1Zj2cb3/+HwBDQJaCCip1PNj7+M4WgI6fT3QOy7BVD85AT0Q0EJASWUQ0G69uyWg51ekPy14Dq5S4mpMdxHQQkBJ5XwJ9Ji+poCefSbSMaBlv76AthDQQkBJpTc/njr3+tYa0OGnch4DOrzQqIDeRUALASWV4fxYTt9sDOhDCWgQ0EJASeV8fuxWtwU0CQEtBJRURufH7X1r2u9GQIOAFgJKKhPz42kx9K5z4R9OQIOAFgJKKtPz42kx9L7T1x9KQIOAFgJKKpfmx+Ni6HxLoQIaBLQQUFK5Mj9uBTQBAS0ElFSuzo8/vgro3AS0EFBSST0/CmgQ0EJASSX1/CigQUALASWV1POjgAYBLQSUVFLPjwIaBLQQUFJJPT8KaBDQQkBJJfX8KKBBQAsBJZXU86OABgEtBJRUUs+PAhoEtBBQUkk9PwpoENBCQEkl9fwooEFACwElldTzo4AGAS0ElFRSz48CGgS0EFBSST0/CmgQ0EJASSX1/CigQUALASWV1POjgAYBLQSUVFLPjwIaBLQQUFJJPT8KaBDQQkBJJfX8KKBBQAsBJZXU86OABgEtBJRUUs+PAhoEtBBQUkk9PwpoENBCQEkl9fwooEFACwElldTzo4AGAS0ElFRSz48CGgS0EFBSST0/CmgQ0EJASSX1/CigQUALASWV1POjgAYBLQSUVFLPjwIaBLQQUFJJPT8KaBDQQkBJJfX8KKBBQAsBJZXU86OABgEtBJRUUs+PAhoEtBBQUkk9PwpoENBCQEkl9fwooEFACwElldTzo4AGAS0ElFRSz48CGgS0EFBSST0/CmgQ0EJASSX1/CigQUALASWV1POjgAYBLQSUVFLPjwIaBLQQUFJJPT8KaBDQQkBJJfX8KKBBQAsBJZXU86OABgEtBJRUUs+PAhoEtBBQUkk9PwpoENBCQEkl9fwooEFACwElldTzo4AGAS0ElFRSz48CGgS0EFBSST0/CmgQ0EJASSX1/CigQUALASWV1POjgAYBLQSUVFLPjwIaBLQQUFJJPT8KaBDQQkBJJfX8KKBBQAsBJZXU86OABgEtBJRUUs+PAhoEtBBQUkk9PwpoENBCQEkl9fwooEFACwElldTzo4AGAS0ElFQePT9+/7zaeZ2++/e/3f7LBDQIaCGgpPLg+XG9Cr/9OXr3j68rAb2fgBYCSiqPnR83q5PxTq6n7hgnoEFACwEllYfOj98+rVZ//PX2tt0V9OX87t3yp4C2ENBCQEnlofPj+tTNXUnPV+L3eRXQFgJaCCipPHJ+/P655HFztiPpsHfpP9gG2kJACwEllUfOj7tFzJfu5n5dvrLfPPrFTqQmAloIKKk8cn6sFjvPS7nZx1VAmwhoIaCk8uCAfjne3JVy7EgmAW0ioIWAksoj58d1F9Dd7bsDuhpx419WDZMCZvDYgHbRFNAHEtBCQEnl/QLaLY12rMI3EdBCQEkl0RLoOQENAloIKKkI6BMQ0EJAScVe+CcgoIWAksoj58ftpeNAL317ioAGAS0ElFQ+7EykAwFtIqCFgJLKh50LfyCgTQS0EFBS+cCrMb0JaCMBLQSUVD7yeqAC2khACwEllXe+Iv1urb5eFBXQJgJaCCipvPNnIgnoIwhoIaCk8s6fyimgjyCghYCSSur5UUCDgBYCSiqp50cBDQJaCCippJ4fBTQIaCGgpJJ6fhTQIKCFgJJK6vlRQIOAFgJKKqnnRwENAloIKKmknh8FNAhoIaCkknp+FNAgoIWAkkrq+VFAg4AWAkoqqedHAQ0CWggoqaSeHwU0CGghoKSSen4U0CCghYCSSur5UUCDgBYCSiqp50cBDQJaCCippJ4fBTQIaCGgpJJ6fhTQIKCFgJJK6vlRQIOAFgJKKqnnRwENAloIKKmknh8FNAhoIaCkknp+FNAgoIWAkkrq+VFAg4AWAkoqqedHAQ0CWggoqaSeHwU0CGghoKSSen4U0CCghYCSSur5UUCDgBYCSiqp50cBDQJaCCippJ4fBTQIaHFfQFfLds+k4H2kfhMENAhocd+kWLjbJwXvJfWbIKBBQAuTohDQDFK/CQIaVKMwKQoBzSD1myCgQTUKk6IQ0AxSvwkCGlSjMCkKAc0g9ZsgoEE1CpOiENAMUr8JAhpUozApCgHNIPWbIKBBNQqTohDQDFK/CQIaVKMwKQoBzSD1myCgQTUKk6IQ0AxSvwkCGlSjMCkKAc0g9ZsgoEE1CpOiENAMUr8JAhpUozApCgHNIPWbIKBBNQqTohDQDFK/CQIaVKMwKQoBzSD1myCgQTUKk6IQ0AxSvwkCGlSjMCkKAc0g9ZsgoEE1CpOiENAMUr8JAhpUozApCgHNIPWbIKBBNQqTohDQDFK/CQIaVKMwKQoBzSD1myCgQTUKk6IQ0AxSvwkCGlSjMCkKAc0g9ZsgoEE1CpOiENAMUr8JAhpUozApCgHNIPWbIKBBNQqTohDQDFK/CQIaVKMwKQoBzSD1myCgQTUKk6IQ0AxSvwkCGlSjMCkKAc0g9ZsgoEE1CpOiENAMUr8JAhpUozApCgHNIPWbIKBBNQqTohDQDFK/CQIaVKMwKQoBzSD1myCgQTUKk6IQ0AxSvwkCGlSjMCkKAc0g9ZsgoEE1CpOiENAMUr8JAhpUozApCgHNIPWbIKBBNQqTorgvoKtlu2dSPJSAPgHVKEyK4r5JsXC3T4oHE9AnoBqFSVGYFMWCAvr98/7fg9c775ogoMFQKUyKwqQolhPQ9XGJ+rc/77lrioAGQ6UwKQqTolhMQDdlm8Tvf7v9ruknJ6AHhkphUhQmRbGUgH77tFr98dfb23aXyZeb77rw5AT0wFApTIrCpCiWEtD1KY67XA7W1C/cdeHJCeiBoVKYFIVJUSwkoN8/l9XzzWBv0YW7Lj05AT0wVAqTojApioUEdLdw+dLd3K+w33LXpScnoAeGSmFSFCZFsZCAVsuWP7729xVduOvSkxPQA0OlMCkKk6JYTkC/HG/uKtnb0nnhrktPTkAPDJXCpChMimIhAV13ldzd7lXywl3dU2k/Q+vxp4Ylc/ubMPczfXcmRWFSFLdPigd7bEC7Mp4FdPKu7qm0T5ePfrs+3O1vwtzP9N2ZFIVJUdw+KR7s/QLaLXJevgvgSSVaAgV4LgIK0Cj1XniAzB4Z0O30wZ4X7gJ4UqnPRALILPW58ACZpb4aE0Bmqa8HCpDZO1+RfrfqflzebLkiPUBm7/yZSF1AWz4TCSCzd/5UziqgDZ/KCZBZ6s+FB8hMQAEaCShAIwEFaCSgAI0EFKCRgAI0ElCARgIK0EhAARoJKEAjAQVoJKAAjQQUoJGAAjQSUIBGAgrQSEABGgkoQCMBBWgkoACNBBSgkYACNBJQgEYCCtBIQAEaCShAIwEFaCSgAI0EFKCRgAI0ElCARgIK0EhAARoJKEAjAQVoJKAAjQQUoJGAAjQSUIBGAgrQSEABGgkoQCMBBWgkoACNBBSgkYACNPoVA7pdvbQ+9Ns/vb39+Prbn/c+bvP7346/4NNqtfrS+uc/UHnGg9sn+ylxyXb3Olevx599lhc9on4db22TYrP7DU/3/t/m8HJWf/x1/Oqfzn5gwa89COjdj2wI6LdPx5noMBzrAZlVecaD2yfXpuE6XuhhaD3Nix5Rv463n5oUX+Jnn3dSnIt87h2mwMiEWO5rPxHQux95f0C3p3+Fv3/ezz/b1f2LsB9s2y039G5XP3BxGsZL3B6Gy9O86BH163hrnRT7h2wO/33mSXFu1894IZuYPucTYrmvvRDQux95d0DXZTVmE395074N4WN0z7h/u3NlGq5PCx27RbdnedFj6tfRNilOc8t6/79nnhRnfnwtLyMWzM8mxHJfe0dAqy0z27I2Ut/sHFZIXvazxe7f3GNFN6c1vP2316uRf2DXq9//z9fDuNvNcl/iT55WCXPqnnH/dv0Tx8mzW64Yicpp5Oxf6LO86DH162icFPVveuZJcW676l7F/h+a9diQ2Vvga+/88gHddBtxNt32rupmpQT0n/c39mNrN1sc7MbN6eZZQf/Xfu45DKzvn+PO75+nxlkO3TPu3+6cBstxOk1t2NpP6Wd50ZfEHPMzk2K9/5ElTIrOerBDaDKgC3ztnV89oLHycfjnMd7i4c3zR+5L+WX/39f9qNk3drfs8aX79sg8VAIaM0/LfvwPVpdipBrHabhbet/3YjO1YWt9mJZP86InlVa0TYr9Ss7+ziVMiuJ8Uoxuy1jka6/86gFdn/5d/OOv6t/GqX8mTwE9bTI/zQ2b3Xeqb59ZakDXx+WtiQ1bh39enuhFT9mUVZG2SXHYSvTyVO//dedjZDKgi3vtlV88oKf17v1K+P72cZ6obp4/8rhg2m3M2RxW3M6+XVloQMvrGP8HZ3vc+/o0L3rCtpsXWidF/PP6/JOicnoxh02/h0ZO7U1b3muv/OIBPb77sRUzDms7vM/VzbNHHmeBKGW35av37YGFBrTEYrQacfTKM73ocZvVT0+Kt5gvnn5S1E6T4npAl/faK798QHuz+6bbDVDdHDyyLuUmfmhzW0C7eS79hvSfD+j6uN77RC961Lreldge0P0jn31S9NU7kbYXA7q819755QM6/Pdw9w/q6R2ubtaPrEp5eviNAT3Nc09wKMd9q/DnL6jamfY8L3rEYKdgy6QIh3A89aQYqg9juhzQ5b32zi8e0DjEove2XtqXNAzo8WGHjTy3BPR5Dib+yZ1Ixz1q9Z1P8KLP1a8jvr53Upz+jT2usDzvpDhT/9syHtDlvvbOrx7Q6mzD43nO+12u1c3eIw9zQm8JdP/P6n4r0MtNAX2e09muBTRe5rdPxwNohy+oHibP86LPDYd7w6RYn46y//Lck+JcOZVzv8fgZWzWX+5rL37NgJ586R0yv+6OhK9u1g5zSl3K9ek33RbQ57mgwvWAXjp6vNs3t58YT/Oiz/Rfx1vLpCgHehy+/7yTYkw3eY4HoAwPpF/waz/55QMaO9xfuztiqFQ3a7tR8sffz/bCv+6XWG8K6NNc0utaQA9T4q+p8xe7KXyYGM/yos8MXkfLpIj7yz/FTzspxkVCTy9ucz5kFvzaw68YUICHEFCARgJ6WbcSd/vqR8tj8rvyqpb5oseZFJN+udcuoJcJ6IlqFCbFpF/utQsoQCMBBWgkoACNBBSgkYACNBJQgEYCCtBIQAEaCShAIwEFaCSgAI0EFKCRgAI0ElCARgIK0EhAARoJKEAjAQVoJKAAjQQUoJGAAjQSUIBGAgrQSEABGgkoQCMBBWgkoACNBBSgkYACNBJQgEYCCtBIQAEaCShAIwEFaCSgAI0EFKCRgAI0ElCARgIK0EhAARoJKEAjAQVoJKAAjQQUoJGAAjQSUIBGAgrQSEABGgkoQCMBBWgkoACNBBSgkYACNBJQgEYCCtBIQAEaCShAIwEFaCSgAI0EFKCRgAI0ElCARgIK0EhAARoJKEAjAQVoJKAAjQQUoJGAAjQSUIBGAgrQSEABGgkoQCMBBWgkoACNBBSgkYACNBJQgEYCCtBIQAEaCShAIwEFaCSgAI0EFKCRgAI0ElCARgIK0EhAARoJKEAjAQVoJKAAjQQUoJGAAjQSUIBGAgrQSEABGgkoQCMBBWgkoACNBBSgkYACNBJQgEYCCtBIQAEaCShAIwEFaCSgAI0EFKCRgAI0ElCARgIK0EhAARoJKEAjAQVoJKAAjQQUoJGAAjQSUIBGAgrQSEABGgkoQCMBBWj0/wFHOJQoxmiWUwAAAABJRU5ErkJggg=="/>
+          <p:cNvSpPr>
+            <a:spLocks noChangeAspect="1" noChangeArrowheads="1"/>
+          </p:cNvSpPr>
+          <p:nvPr/>
+        </p:nvSpPr>
+        <p:spPr bwMode="auto">
+          <a:xfrm>
+            <a:off x="155575" y="-144463"/>
+            <a:ext cx="304800" cy="304801"/>
+          </a:xfrm>
+          <a:prstGeom prst="rect">
+            <a:avLst/>
+          </a:prstGeom>
+          <a:noFill/>
+          <a:extLst>
+            <a:ext uri="{909E8E84-426E-40DD-AFC4-6F175D3DCCD1}">
+              <a14:hiddenFill xmlns:a14="http://schemas.microsoft.com/office/drawing/2010/main">
+                <a:solidFill>
+                  <a:srgbClr val="FFFFFF"/>
+                </a:solidFill>
+              </a14:hiddenFill>
+            </a:ext>
+          </a:extLst>
+        </p:spPr>
+        <p:txBody>
+          <a:bodyPr vert="horz" wrap="square" lIns="91440" tIns="45720" rIns="91440" bIns="45720" numCol="1" anchor="t" anchorCtr="0" compatLnSpc="1">
+            <a:prstTxWarp prst="textNoShape">
+              <a:avLst/>
+            </a:prstTxWarp>
+          </a:bodyPr>
+          <a:lstStyle/>
+          <a:p>
+            <a:endParaRPr lang="en-US"/>
+          </a:p>
+        </p:txBody>
+      </p:sp>
+    </p:spTree>
+    <p:extLst>
+      <p:ext uri="{BB962C8B-B14F-4D97-AF65-F5344CB8AC3E}">
+        <p14:creationId xmlns:p14="http://schemas.microsoft.com/office/powerpoint/2010/main" val="2003386794"/>
+      </p:ext>
+    </p:extLst>
+  </p:cSld>
+  <p:clrMapOvr>
+    <a:masterClrMapping/>
+  </p:clrMapOvr>
+</p:sld>
+</file>
+
+<file path=ppt/slides/slide7.xml><?xml version="1.0" encoding="utf-8"?>
+<p:sld xmlns:a="http://schemas.openxmlformats.org/drawingml/2006/main" xmlns:r="http://schemas.openxmlformats.org/officeDocument/2006/relationships" xmlns:p="http://schemas.openxmlformats.org/presentationml/2006/main">
+  <p:cSld>
+    <p:spTree>
+      <p:nvGrpSpPr>
+        <p:cNvPr id="1" name=""/>
+        <p:cNvGrpSpPr/>
+        <p:nvPr/>
+      </p:nvGrpSpPr>
+      <p:grpSpPr>
+        <a:xfrm>
+          <a:off x="0" y="0"/>
+          <a:ext cx="0" cy="0"/>
+          <a:chOff x="0" y="0"/>
+          <a:chExt cx="0" cy="0"/>
+        </a:xfrm>
+      </p:grpSpPr>
+      <p:sp>
+        <p:nvSpPr>
+          <p:cNvPr id="2" name="Content Placeholder 1"/>
+          <p:cNvSpPr>
+            <a:spLocks noGrp="1"/>
+          </p:cNvSpPr>
+          <p:nvPr>
+            <p:ph idx="1"/>
+          </p:nvPr>
+        </p:nvSpPr>
+        <p:spPr/>
+        <p:txBody>
           <a:bodyPr/>
           <a:lstStyle/>
           <a:p>
@@ -6096,7 +8278,7 @@
 </p:sld>
 </file>
 
-<file path=ppt/slides/slide5.xml><?xml version="1.0" encoding="utf-8"?>
+<file path=ppt/slides/slide8.xml><?xml version="1.0" encoding="utf-8"?>
 <p:sld xmlns:a="http://schemas.openxmlformats.org/drawingml/2006/main" xmlns:r="http://schemas.openxmlformats.org/officeDocument/2006/relationships" xmlns:p="http://schemas.openxmlformats.org/presentationml/2006/main">
   <p:cSld>
     <p:spTree>
@@ -6362,230 +8544,6 @@
 </p:sld>
 </file>
 
-<file path=ppt/slides/slide6.xml><?xml version="1.0" encoding="utf-8"?>
-<p:sld xmlns:a="http://schemas.openxmlformats.org/drawingml/2006/main" xmlns:r="http://schemas.openxmlformats.org/officeDocument/2006/relationships" xmlns:p="http://schemas.openxmlformats.org/presentationml/2006/main">
-  <p:cSld>
-    <p:spTree>
-      <p:nvGrpSpPr>
-        <p:cNvPr id="1" name=""/>
-        <p:cNvGrpSpPr/>
-        <p:nvPr/>
-      </p:nvGrpSpPr>
-      <p:grpSpPr>
-        <a:xfrm>
-          <a:off x="0" y="0"/>
-          <a:ext cx="0" cy="0"/>
-          <a:chOff x="0" y="0"/>
-          <a:chExt cx="0" cy="0"/>
-        </a:xfrm>
-      </p:grpSpPr>
-      <p:sp>
-        <p:nvSpPr>
-          <p:cNvPr id="2" name="Content Placeholder 1"/>
-          <p:cNvSpPr>
-            <a:spLocks noGrp="1"/>
-          </p:cNvSpPr>
-          <p:nvPr>
-            <p:ph idx="1"/>
-          </p:nvPr>
-        </p:nvSpPr>
-        <p:spPr/>
-        <p:txBody>
-          <a:bodyPr/>
-          <a:lstStyle/>
-          <a:p>
-            <a:r>
-              <a:rPr lang="en-US" dirty="0" smtClean="0"/>
-              <a:t>Based on the Exploratory Analysis the Following Variables Emerged as </a:t>
-            </a:r>
-            <a:endParaRPr lang="en-US" dirty="0"/>
-          </a:p>
-        </p:txBody>
-      </p:sp>
-      <p:sp>
-        <p:nvSpPr>
-          <p:cNvPr id="3" name="Title 2"/>
-          <p:cNvSpPr>
-            <a:spLocks noGrp="1"/>
-          </p:cNvSpPr>
-          <p:nvPr>
-            <p:ph type="title"/>
-          </p:nvPr>
-        </p:nvSpPr>
-        <p:spPr/>
-        <p:txBody>
-          <a:bodyPr/>
-          <a:lstStyle/>
-          <a:p>
-            <a:r>
-              <a:rPr lang="en-US" dirty="0" smtClean="0"/>
-              <a:t>Preliminary Variable Selection</a:t>
-            </a:r>
-            <a:endParaRPr lang="en-US" dirty="0"/>
-          </a:p>
-        </p:txBody>
-      </p:sp>
-    </p:spTree>
-    <p:extLst>
-      <p:ext uri="{BB962C8B-B14F-4D97-AF65-F5344CB8AC3E}">
-        <p14:creationId xmlns:p14="http://schemas.microsoft.com/office/powerpoint/2010/main" val="1509817844"/>
-      </p:ext>
-    </p:extLst>
-  </p:cSld>
-  <p:clrMapOvr>
-    <a:masterClrMapping/>
-  </p:clrMapOvr>
-</p:sld>
-</file>
-
-<file path=ppt/slides/slide7.xml><?xml version="1.0" encoding="utf-8"?>
-<p:sld xmlns:a="http://schemas.openxmlformats.org/drawingml/2006/main" xmlns:r="http://schemas.openxmlformats.org/officeDocument/2006/relationships" xmlns:p="http://schemas.openxmlformats.org/presentationml/2006/main">
-  <p:cSld>
-    <p:spTree>
-      <p:nvGrpSpPr>
-        <p:cNvPr id="1" name=""/>
-        <p:cNvGrpSpPr/>
-        <p:nvPr/>
-      </p:nvGrpSpPr>
-      <p:grpSpPr>
-        <a:xfrm>
-          <a:off x="0" y="0"/>
-          <a:ext cx="0" cy="0"/>
-          <a:chOff x="0" y="0"/>
-          <a:chExt cx="0" cy="0"/>
-        </a:xfrm>
-      </p:grpSpPr>
-      <p:sp>
-        <p:nvSpPr>
-          <p:cNvPr id="2" name="Content Placeholder 1"/>
-          <p:cNvSpPr>
-            <a:spLocks noGrp="1"/>
-          </p:cNvSpPr>
-          <p:nvPr>
-            <p:ph idx="1"/>
-          </p:nvPr>
-        </p:nvSpPr>
-        <p:spPr/>
-        <p:txBody>
-          <a:bodyPr/>
-          <a:lstStyle/>
-          <a:p>
-            <a:endParaRPr lang="en-US"/>
-          </a:p>
-        </p:txBody>
-      </p:sp>
-      <p:sp>
-        <p:nvSpPr>
-          <p:cNvPr id="3" name="Title 2"/>
-          <p:cNvSpPr>
-            <a:spLocks noGrp="1"/>
-          </p:cNvSpPr>
-          <p:nvPr>
-            <p:ph type="title"/>
-          </p:nvPr>
-        </p:nvSpPr>
-        <p:spPr/>
-        <p:txBody>
-          <a:bodyPr/>
-          <a:lstStyle/>
-          <a:p>
-            <a:r>
-              <a:rPr lang="en-US" dirty="0" smtClean="0"/>
-              <a:t>Naïve-</a:t>
-            </a:r>
-            <a:r>
-              <a:rPr lang="en-US" dirty="0" err="1" smtClean="0"/>
-              <a:t>Bayse</a:t>
-            </a:r>
-            <a:endParaRPr lang="en-US" dirty="0"/>
-          </a:p>
-        </p:txBody>
-      </p:sp>
-    </p:spTree>
-    <p:extLst>
-      <p:ext uri="{BB962C8B-B14F-4D97-AF65-F5344CB8AC3E}">
-        <p14:creationId xmlns:p14="http://schemas.microsoft.com/office/powerpoint/2010/main" val="13562319"/>
-      </p:ext>
-    </p:extLst>
-  </p:cSld>
-  <p:clrMapOvr>
-    <a:masterClrMapping/>
-  </p:clrMapOvr>
-</p:sld>
-</file>
-
-<file path=ppt/slides/slide8.xml><?xml version="1.0" encoding="utf-8"?>
-<p:sld xmlns:a="http://schemas.openxmlformats.org/drawingml/2006/main" xmlns:r="http://schemas.openxmlformats.org/officeDocument/2006/relationships" xmlns:p="http://schemas.openxmlformats.org/presentationml/2006/main">
-  <p:cSld>
-    <p:spTree>
-      <p:nvGrpSpPr>
-        <p:cNvPr id="1" name=""/>
-        <p:cNvGrpSpPr/>
-        <p:nvPr/>
-      </p:nvGrpSpPr>
-      <p:grpSpPr>
-        <a:xfrm>
-          <a:off x="0" y="0"/>
-          <a:ext cx="0" cy="0"/>
-          <a:chOff x="0" y="0"/>
-          <a:chExt cx="0" cy="0"/>
-        </a:xfrm>
-      </p:grpSpPr>
-      <p:sp>
-        <p:nvSpPr>
-          <p:cNvPr id="2" name="Content Placeholder 1"/>
-          <p:cNvSpPr>
-            <a:spLocks noGrp="1"/>
-          </p:cNvSpPr>
-          <p:nvPr>
-            <p:ph idx="1"/>
-          </p:nvPr>
-        </p:nvSpPr>
-        <p:spPr/>
-        <p:txBody>
-          <a:bodyPr/>
-          <a:lstStyle/>
-          <a:p>
-            <a:endParaRPr lang="en-US"/>
-          </a:p>
-        </p:txBody>
-      </p:sp>
-      <p:sp>
-        <p:nvSpPr>
-          <p:cNvPr id="3" name="Title 2"/>
-          <p:cNvSpPr>
-            <a:spLocks noGrp="1"/>
-          </p:cNvSpPr>
-          <p:nvPr>
-            <p:ph type="title"/>
-          </p:nvPr>
-        </p:nvSpPr>
-        <p:spPr/>
-        <p:txBody>
-          <a:bodyPr/>
-          <a:lstStyle/>
-          <a:p>
-            <a:r>
-              <a:rPr lang="en-US" dirty="0" smtClean="0"/>
-              <a:t>Backward Selection</a:t>
-            </a:r>
-            <a:endParaRPr lang="en-US" dirty="0"/>
-          </a:p>
-        </p:txBody>
-      </p:sp>
-    </p:spTree>
-    <p:extLst>
-      <p:ext uri="{BB962C8B-B14F-4D97-AF65-F5344CB8AC3E}">
-        <p14:creationId xmlns:p14="http://schemas.microsoft.com/office/powerpoint/2010/main" val="4116180965"/>
-      </p:ext>
-    </p:extLst>
-  </p:cSld>
-  <p:clrMapOvr>
-    <a:masterClrMapping/>
-  </p:clrMapOvr>
-</p:sld>
-</file>
-
 <file path=ppt/slides/slide9.xml><?xml version="1.0" encoding="utf-8"?>
 <p:sld xmlns:a="http://schemas.openxmlformats.org/drawingml/2006/main" xmlns:r="http://schemas.openxmlformats.org/officeDocument/2006/relationships" xmlns:p="http://schemas.openxmlformats.org/presentationml/2006/main">
   <p:cSld>
@@ -6618,7 +8576,14 @@
           <a:bodyPr/>
           <a:lstStyle/>
           <a:p>
-            <a:endParaRPr lang="en-US"/>
+            <a:r>
+              <a:rPr lang="en-US" dirty="0" smtClean="0"/>
+              <a:t>Based on the Exploratory Analysis the Following Variables Emerged as </a:t>
+            </a:r>
+            <a:endParaRPr lang="en-US" dirty="0" smtClean="0"/>
+          </a:p>
+          <a:p>
+            <a:endParaRPr lang="en-US" dirty="0"/>
           </a:p>
         </p:txBody>
       </p:sp>
@@ -6639,16 +8604,1899 @@
           <a:p>
             <a:r>
               <a:rPr lang="en-US" dirty="0" smtClean="0"/>
-              <a:t>Logistic Regression</a:t>
+              <a:t>Preliminary Variable Selection</a:t>
             </a:r>
             <a:endParaRPr lang="en-US" dirty="0"/>
           </a:p>
         </p:txBody>
       </p:sp>
+      <p:graphicFrame>
+        <p:nvGraphicFramePr>
+          <p:cNvPr id="4" name="Table 3"/>
+          <p:cNvGraphicFramePr>
+            <a:graphicFrameLocks noGrp="1"/>
+          </p:cNvGraphicFramePr>
+          <p:nvPr>
+            <p:extLst>
+              <p:ext uri="{D42A27DB-BD31-4B8C-83A1-F6EECF244321}">
+                <p14:modId xmlns:p14="http://schemas.microsoft.com/office/powerpoint/2010/main" val="701024772"/>
+              </p:ext>
+            </p:extLst>
+          </p:nvPr>
+        </p:nvGraphicFramePr>
+        <p:xfrm>
+          <a:off x="2362200" y="2514600"/>
+          <a:ext cx="4724400" cy="3623310"/>
+        </p:xfrm>
+        <a:graphic>
+          <a:graphicData uri="http://schemas.openxmlformats.org/drawingml/2006/table">
+            <a:tbl>
+              <a:tblPr>
+                <a:effectLst/>
+                <a:tableStyleId>{5C22544A-7EE6-4342-B048-85BDC9FD1C3A}</a:tableStyleId>
+              </a:tblPr>
+              <a:tblGrid>
+                <a:gridCol w="3654414"/>
+                <a:gridCol w="1069986"/>
+              </a:tblGrid>
+              <a:tr h="184122">
+                <a:tc>
+                  <a:txBody>
+                    <a:bodyPr/>
+                    <a:lstStyle/>
+                    <a:p>
+                      <a:pPr algn="l" fontAlgn="b"/>
+                      <a:r>
+                        <a:rPr lang="en-US" sz="1400" u="none" strike="noStrike" dirty="0" smtClean="0">
+                          <a:effectLst/>
+                        </a:rPr>
+                        <a:t> Variable</a:t>
+                      </a:r>
+                      <a:endParaRPr lang="en-US" sz="1400" b="1" i="0" u="none" strike="noStrike" dirty="0">
+                        <a:solidFill>
+                          <a:srgbClr val="000000"/>
+                        </a:solidFill>
+                        <a:effectLst/>
+                        <a:latin typeface="Calibri"/>
+                      </a:endParaRPr>
+                    </a:p>
+                  </a:txBody>
+                  <a:tcPr marL="9525" marR="9525" marT="9525" marB="0" anchor="b">
+                    <a:lnL w="12700" cap="flat" cmpd="sng" algn="ctr">
+                      <a:solidFill>
+                        <a:schemeClr val="tx1"/>
+                      </a:solidFill>
+                      <a:prstDash val="solid"/>
+                      <a:round/>
+                      <a:headEnd type="none" w="med" len="med"/>
+                      <a:tailEnd type="none" w="med" len="med"/>
+                    </a:lnL>
+                    <a:lnT w="12700" cap="flat" cmpd="sng" algn="ctr">
+                      <a:solidFill>
+                        <a:schemeClr val="tx1"/>
+                      </a:solidFill>
+                      <a:prstDash val="solid"/>
+                      <a:round/>
+                      <a:headEnd type="none" w="med" len="med"/>
+                      <a:tailEnd type="none" w="med" len="med"/>
+                    </a:lnT>
+                    <a:lnB w="12700" cap="flat" cmpd="sng" algn="ctr">
+                      <a:solidFill>
+                        <a:schemeClr val="tx1"/>
+                      </a:solidFill>
+                      <a:prstDash val="solid"/>
+                      <a:round/>
+                      <a:headEnd type="none" w="med" len="med"/>
+                      <a:tailEnd type="none" w="med" len="med"/>
+                    </a:lnB>
+                    <a:solidFill>
+                      <a:schemeClr val="accent1">
+                        <a:lumMod val="40000"/>
+                        <a:lumOff val="60000"/>
+                      </a:schemeClr>
+                    </a:solidFill>
+                  </a:tcPr>
+                </a:tc>
+                <a:tc>
+                  <a:txBody>
+                    <a:bodyPr/>
+                    <a:lstStyle/>
+                    <a:p>
+                      <a:pPr algn="ctr" fontAlgn="b"/>
+                      <a:r>
+                        <a:rPr lang="en-US" sz="1400" u="none" strike="noStrike" dirty="0">
+                          <a:effectLst/>
+                        </a:rPr>
+                        <a:t>p-value</a:t>
+                      </a:r>
+                      <a:endParaRPr lang="en-US" sz="1400" b="1" i="0" u="none" strike="noStrike" dirty="0">
+                        <a:solidFill>
+                          <a:srgbClr val="000000"/>
+                        </a:solidFill>
+                        <a:effectLst/>
+                        <a:latin typeface="Calibri"/>
+                      </a:endParaRPr>
+                    </a:p>
+                  </a:txBody>
+                  <a:tcPr marL="9525" marR="9525" marT="9525" marB="0" anchor="b">
+                    <a:lnR w="12700" cap="flat" cmpd="sng" algn="ctr">
+                      <a:solidFill>
+                        <a:schemeClr val="tx1"/>
+                      </a:solidFill>
+                      <a:prstDash val="solid"/>
+                      <a:round/>
+                      <a:headEnd type="none" w="med" len="med"/>
+                      <a:tailEnd type="none" w="med" len="med"/>
+                    </a:lnR>
+                    <a:lnT w="12700" cap="flat" cmpd="sng" algn="ctr">
+                      <a:solidFill>
+                        <a:schemeClr val="tx1"/>
+                      </a:solidFill>
+                      <a:prstDash val="solid"/>
+                      <a:round/>
+                      <a:headEnd type="none" w="med" len="med"/>
+                      <a:tailEnd type="none" w="med" len="med"/>
+                    </a:lnT>
+                    <a:lnB w="12700" cap="flat" cmpd="sng" algn="ctr">
+                      <a:solidFill>
+                        <a:schemeClr val="tx1"/>
+                      </a:solidFill>
+                      <a:prstDash val="solid"/>
+                      <a:round/>
+                      <a:headEnd type="none" w="med" len="med"/>
+                      <a:tailEnd type="none" w="med" len="med"/>
+                    </a:lnB>
+                    <a:solidFill>
+                      <a:schemeClr val="accent1">
+                        <a:lumMod val="40000"/>
+                        <a:lumOff val="60000"/>
+                      </a:schemeClr>
+                    </a:solidFill>
+                  </a:tcPr>
+                </a:tc>
+              </a:tr>
+              <a:tr h="146354">
+                <a:tc>
+                  <a:txBody>
+                    <a:bodyPr/>
+                    <a:lstStyle/>
+                    <a:p>
+                      <a:pPr algn="l" fontAlgn="t"/>
+                      <a:r>
+                        <a:rPr lang="en-US" sz="1000" u="none" strike="noStrike" dirty="0" smtClean="0">
+                          <a:effectLst/>
+                        </a:rPr>
+                        <a:t> TotalWorkingYears</a:t>
+                      </a:r>
+                      <a:endParaRPr lang="en-US" sz="1000" b="0" i="0" u="none" strike="noStrike" dirty="0">
+                        <a:solidFill>
+                          <a:srgbClr val="333333"/>
+                        </a:solidFill>
+                        <a:effectLst/>
+                        <a:latin typeface="Arial"/>
+                      </a:endParaRPr>
+                    </a:p>
+                  </a:txBody>
+                  <a:tcPr marL="9525" marR="9525" marT="9525" marB="0">
+                    <a:lnL w="12700" cap="flat" cmpd="sng" algn="ctr">
+                      <a:solidFill>
+                        <a:schemeClr val="tx1"/>
+                      </a:solidFill>
+                      <a:prstDash val="solid"/>
+                      <a:round/>
+                      <a:headEnd type="none" w="med" len="med"/>
+                      <a:tailEnd type="none" w="med" len="med"/>
+                    </a:lnL>
+                    <a:lnT w="12700" cap="flat" cmpd="sng" algn="ctr">
+                      <a:solidFill>
+                        <a:schemeClr val="tx1"/>
+                      </a:solidFill>
+                      <a:prstDash val="solid"/>
+                      <a:round/>
+                      <a:headEnd type="none" w="med" len="med"/>
+                      <a:tailEnd type="none" w="med" len="med"/>
+                    </a:lnT>
+                    <a:solidFill>
+                      <a:schemeClr val="accent1">
+                        <a:lumMod val="20000"/>
+                        <a:lumOff val="80000"/>
+                      </a:schemeClr>
+                    </a:solidFill>
+                  </a:tcPr>
+                </a:tc>
+                <a:tc>
+                  <a:txBody>
+                    <a:bodyPr/>
+                    <a:lstStyle/>
+                    <a:p>
+                      <a:pPr algn="ctr" fontAlgn="t"/>
+                      <a:r>
+                        <a:rPr lang="en-US" sz="1000" u="none" strike="noStrike" dirty="0">
+                          <a:effectLst/>
+                        </a:rPr>
+                        <a:t>&lt; .0001</a:t>
+                      </a:r>
+                      <a:endParaRPr lang="en-US" sz="1000" b="0" i="0" u="none" strike="noStrike" dirty="0">
+                        <a:solidFill>
+                          <a:srgbClr val="333333"/>
+                        </a:solidFill>
+                        <a:effectLst/>
+                        <a:latin typeface="Arial"/>
+                      </a:endParaRPr>
+                    </a:p>
+                  </a:txBody>
+                  <a:tcPr marL="9525" marR="9525" marT="9525" marB="0">
+                    <a:lnR w="12700" cap="flat" cmpd="sng" algn="ctr">
+                      <a:solidFill>
+                        <a:schemeClr val="tx1"/>
+                      </a:solidFill>
+                      <a:prstDash val="solid"/>
+                      <a:round/>
+                      <a:headEnd type="none" w="med" len="med"/>
+                      <a:tailEnd type="none" w="med" len="med"/>
+                    </a:lnR>
+                    <a:lnT w="12700" cap="flat" cmpd="sng" algn="ctr">
+                      <a:solidFill>
+                        <a:schemeClr val="tx1"/>
+                      </a:solidFill>
+                      <a:prstDash val="solid"/>
+                      <a:round/>
+                      <a:headEnd type="none" w="med" len="med"/>
+                      <a:tailEnd type="none" w="med" len="med"/>
+                    </a:lnT>
+                    <a:solidFill>
+                      <a:schemeClr val="accent1">
+                        <a:lumMod val="20000"/>
+                        <a:lumOff val="80000"/>
+                      </a:schemeClr>
+                    </a:solidFill>
+                  </a:tcPr>
+                </a:tc>
+              </a:tr>
+              <a:tr h="146354">
+                <a:tc>
+                  <a:txBody>
+                    <a:bodyPr/>
+                    <a:lstStyle/>
+                    <a:p>
+                      <a:pPr algn="l" fontAlgn="t"/>
+                      <a:r>
+                        <a:rPr lang="en-US" sz="1000" u="none" strike="noStrike" dirty="0" smtClean="0">
+                          <a:effectLst/>
+                        </a:rPr>
+                        <a:t> JobLevel</a:t>
+                      </a:r>
+                      <a:endParaRPr lang="en-US" sz="1000" b="0" i="0" u="none" strike="noStrike" dirty="0">
+                        <a:solidFill>
+                          <a:srgbClr val="333333"/>
+                        </a:solidFill>
+                        <a:effectLst/>
+                        <a:latin typeface="Arial"/>
+                      </a:endParaRPr>
+                    </a:p>
+                  </a:txBody>
+                  <a:tcPr marL="9525" marR="9525" marT="9525" marB="0">
+                    <a:lnL w="12700" cap="flat" cmpd="sng" algn="ctr">
+                      <a:solidFill>
+                        <a:schemeClr val="tx1"/>
+                      </a:solidFill>
+                      <a:prstDash val="solid"/>
+                      <a:round/>
+                      <a:headEnd type="none" w="med" len="med"/>
+                      <a:tailEnd type="none" w="med" len="med"/>
+                    </a:lnL>
+                    <a:solidFill>
+                      <a:schemeClr val="accent1">
+                        <a:lumMod val="20000"/>
+                        <a:lumOff val="80000"/>
+                      </a:schemeClr>
+                    </a:solidFill>
+                  </a:tcPr>
+                </a:tc>
+                <a:tc>
+                  <a:txBody>
+                    <a:bodyPr/>
+                    <a:lstStyle/>
+                    <a:p>
+                      <a:pPr algn="ctr" fontAlgn="t"/>
+                      <a:r>
+                        <a:rPr lang="en-US" sz="1000" u="none" strike="noStrike">
+                          <a:effectLst/>
+                        </a:rPr>
+                        <a:t>&lt; .0001</a:t>
+                      </a:r>
+                      <a:endParaRPr lang="en-US" sz="1000" b="0" i="0" u="none" strike="noStrike">
+                        <a:solidFill>
+                          <a:srgbClr val="333333"/>
+                        </a:solidFill>
+                        <a:effectLst/>
+                        <a:latin typeface="Arial"/>
+                      </a:endParaRPr>
+                    </a:p>
+                  </a:txBody>
+                  <a:tcPr marL="9525" marR="9525" marT="9525" marB="0">
+                    <a:lnR w="12700" cap="flat" cmpd="sng" algn="ctr">
+                      <a:solidFill>
+                        <a:schemeClr val="tx1"/>
+                      </a:solidFill>
+                      <a:prstDash val="solid"/>
+                      <a:round/>
+                      <a:headEnd type="none" w="med" len="med"/>
+                      <a:tailEnd type="none" w="med" len="med"/>
+                    </a:lnR>
+                    <a:solidFill>
+                      <a:schemeClr val="accent1">
+                        <a:lumMod val="20000"/>
+                        <a:lumOff val="80000"/>
+                      </a:schemeClr>
+                    </a:solidFill>
+                  </a:tcPr>
+                </a:tc>
+              </a:tr>
+              <a:tr h="146354">
+                <a:tc>
+                  <a:txBody>
+                    <a:bodyPr/>
+                    <a:lstStyle/>
+                    <a:p>
+                      <a:pPr algn="l" fontAlgn="t"/>
+                      <a:r>
+                        <a:rPr lang="en-US" sz="1000" u="none" strike="noStrike" dirty="0" smtClean="0">
+                          <a:effectLst/>
+                        </a:rPr>
+                        <a:t> YearsInCurrentRole</a:t>
+                      </a:r>
+                      <a:endParaRPr lang="en-US" sz="1000" b="0" i="0" u="none" strike="noStrike" dirty="0">
+                        <a:solidFill>
+                          <a:srgbClr val="333333"/>
+                        </a:solidFill>
+                        <a:effectLst/>
+                        <a:latin typeface="Arial"/>
+                      </a:endParaRPr>
+                    </a:p>
+                  </a:txBody>
+                  <a:tcPr marL="9525" marR="9525" marT="9525" marB="0">
+                    <a:lnL w="12700" cap="flat" cmpd="sng" algn="ctr">
+                      <a:solidFill>
+                        <a:schemeClr val="tx1"/>
+                      </a:solidFill>
+                      <a:prstDash val="solid"/>
+                      <a:round/>
+                      <a:headEnd type="none" w="med" len="med"/>
+                      <a:tailEnd type="none" w="med" len="med"/>
+                    </a:lnL>
+                    <a:solidFill>
+                      <a:schemeClr val="accent1">
+                        <a:lumMod val="20000"/>
+                        <a:lumOff val="80000"/>
+                      </a:schemeClr>
+                    </a:solidFill>
+                  </a:tcPr>
+                </a:tc>
+                <a:tc>
+                  <a:txBody>
+                    <a:bodyPr/>
+                    <a:lstStyle/>
+                    <a:p>
+                      <a:pPr algn="ctr" fontAlgn="t"/>
+                      <a:r>
+                        <a:rPr lang="en-US" sz="1000" u="none" strike="noStrike" dirty="0">
+                          <a:effectLst/>
+                        </a:rPr>
+                        <a:t>&lt; .</a:t>
+                      </a:r>
+                      <a:r>
+                        <a:rPr lang="en-US" sz="1000" u="none" strike="noStrike" dirty="0" smtClean="0">
+                          <a:effectLst/>
+                        </a:rPr>
+                        <a:t>0001 </a:t>
+                      </a:r>
+                      <a:endParaRPr lang="en-US" sz="1000" b="0" i="0" u="none" strike="noStrike" dirty="0">
+                        <a:solidFill>
+                          <a:srgbClr val="333333"/>
+                        </a:solidFill>
+                        <a:effectLst/>
+                        <a:latin typeface="Arial"/>
+                      </a:endParaRPr>
+                    </a:p>
+                  </a:txBody>
+                  <a:tcPr marL="9525" marR="9525" marT="9525" marB="0">
+                    <a:lnR w="12700" cap="flat" cmpd="sng" algn="ctr">
+                      <a:solidFill>
+                        <a:schemeClr val="tx1"/>
+                      </a:solidFill>
+                      <a:prstDash val="solid"/>
+                      <a:round/>
+                      <a:headEnd type="none" w="med" len="med"/>
+                      <a:tailEnd type="none" w="med" len="med"/>
+                    </a:lnR>
+                    <a:solidFill>
+                      <a:schemeClr val="accent1">
+                        <a:lumMod val="20000"/>
+                        <a:lumOff val="80000"/>
+                      </a:schemeClr>
+                    </a:solidFill>
+                  </a:tcPr>
+                </a:tc>
+              </a:tr>
+              <a:tr h="146354">
+                <a:tc>
+                  <a:txBody>
+                    <a:bodyPr/>
+                    <a:lstStyle/>
+                    <a:p>
+                      <a:pPr algn="l" fontAlgn="t"/>
+                      <a:r>
+                        <a:rPr lang="en-US" sz="1000" u="none" strike="noStrike" dirty="0" smtClean="0">
+                          <a:effectLst/>
+                        </a:rPr>
+                        <a:t> MonthlyIncome</a:t>
+                      </a:r>
+                      <a:endParaRPr lang="en-US" sz="1000" b="0" i="0" u="none" strike="noStrike" dirty="0">
+                        <a:solidFill>
+                          <a:srgbClr val="333333"/>
+                        </a:solidFill>
+                        <a:effectLst/>
+                        <a:latin typeface="Arial"/>
+                      </a:endParaRPr>
+                    </a:p>
+                  </a:txBody>
+                  <a:tcPr marL="9525" marR="9525" marT="9525" marB="0">
+                    <a:lnL w="12700" cap="flat" cmpd="sng" algn="ctr">
+                      <a:solidFill>
+                        <a:schemeClr val="tx1"/>
+                      </a:solidFill>
+                      <a:prstDash val="solid"/>
+                      <a:round/>
+                      <a:headEnd type="none" w="med" len="med"/>
+                      <a:tailEnd type="none" w="med" len="med"/>
+                    </a:lnL>
+                    <a:solidFill>
+                      <a:schemeClr val="accent1">
+                        <a:lumMod val="20000"/>
+                        <a:lumOff val="80000"/>
+                      </a:schemeClr>
+                    </a:solidFill>
+                  </a:tcPr>
+                </a:tc>
+                <a:tc>
+                  <a:txBody>
+                    <a:bodyPr/>
+                    <a:lstStyle/>
+                    <a:p>
+                      <a:pPr algn="ctr" fontAlgn="t"/>
+                      <a:r>
+                        <a:rPr lang="en-US" sz="1000" u="none" strike="noStrike" dirty="0">
+                          <a:effectLst/>
+                        </a:rPr>
+                        <a:t>&lt; .0001</a:t>
+                      </a:r>
+                      <a:endParaRPr lang="en-US" sz="1000" b="0" i="0" u="none" strike="noStrike" dirty="0">
+                        <a:solidFill>
+                          <a:srgbClr val="333333"/>
+                        </a:solidFill>
+                        <a:effectLst/>
+                        <a:latin typeface="Arial"/>
+                      </a:endParaRPr>
+                    </a:p>
+                  </a:txBody>
+                  <a:tcPr marL="9525" marR="9525" marT="9525" marB="0">
+                    <a:lnR w="12700" cap="flat" cmpd="sng" algn="ctr">
+                      <a:solidFill>
+                        <a:schemeClr val="tx1"/>
+                      </a:solidFill>
+                      <a:prstDash val="solid"/>
+                      <a:round/>
+                      <a:headEnd type="none" w="med" len="med"/>
+                      <a:tailEnd type="none" w="med" len="med"/>
+                    </a:lnR>
+                    <a:solidFill>
+                      <a:schemeClr val="accent1">
+                        <a:lumMod val="20000"/>
+                        <a:lumOff val="80000"/>
+                      </a:schemeClr>
+                    </a:solidFill>
+                  </a:tcPr>
+                </a:tc>
+              </a:tr>
+              <a:tr h="146354">
+                <a:tc>
+                  <a:txBody>
+                    <a:bodyPr/>
+                    <a:lstStyle/>
+                    <a:p>
+                      <a:pPr algn="l" fontAlgn="t"/>
+                      <a:r>
+                        <a:rPr lang="en-US" sz="1000" u="none" strike="noStrike" dirty="0" smtClean="0">
+                          <a:effectLst/>
+                        </a:rPr>
+                        <a:t> Age</a:t>
+                      </a:r>
+                      <a:endParaRPr lang="en-US" sz="1000" b="0" i="0" u="none" strike="noStrike" dirty="0">
+                        <a:solidFill>
+                          <a:srgbClr val="333333"/>
+                        </a:solidFill>
+                        <a:effectLst/>
+                        <a:latin typeface="Arial"/>
+                      </a:endParaRPr>
+                    </a:p>
+                  </a:txBody>
+                  <a:tcPr marL="9525" marR="9525" marT="9525" marB="0">
+                    <a:lnL w="12700" cap="flat" cmpd="sng" algn="ctr">
+                      <a:solidFill>
+                        <a:schemeClr val="tx1"/>
+                      </a:solidFill>
+                      <a:prstDash val="solid"/>
+                      <a:round/>
+                      <a:headEnd type="none" w="med" len="med"/>
+                      <a:tailEnd type="none" w="med" len="med"/>
+                    </a:lnL>
+                    <a:solidFill>
+                      <a:schemeClr val="accent1">
+                        <a:lumMod val="20000"/>
+                        <a:lumOff val="80000"/>
+                      </a:schemeClr>
+                    </a:solidFill>
+                  </a:tcPr>
+                </a:tc>
+                <a:tc>
+                  <a:txBody>
+                    <a:bodyPr/>
+                    <a:lstStyle/>
+                    <a:p>
+                      <a:pPr algn="ctr" fontAlgn="t"/>
+                      <a:r>
+                        <a:rPr lang="en-US" sz="1000" u="none" strike="noStrike">
+                          <a:effectLst/>
+                        </a:rPr>
+                        <a:t>&lt; .0001</a:t>
+                      </a:r>
+                      <a:endParaRPr lang="en-US" sz="1000" b="0" i="0" u="none" strike="noStrike">
+                        <a:solidFill>
+                          <a:srgbClr val="333333"/>
+                        </a:solidFill>
+                        <a:effectLst/>
+                        <a:latin typeface="Arial"/>
+                      </a:endParaRPr>
+                    </a:p>
+                  </a:txBody>
+                  <a:tcPr marL="9525" marR="9525" marT="9525" marB="0">
+                    <a:lnR w="12700" cap="flat" cmpd="sng" algn="ctr">
+                      <a:solidFill>
+                        <a:schemeClr val="tx1"/>
+                      </a:solidFill>
+                      <a:prstDash val="solid"/>
+                      <a:round/>
+                      <a:headEnd type="none" w="med" len="med"/>
+                      <a:tailEnd type="none" w="med" len="med"/>
+                    </a:lnR>
+                    <a:solidFill>
+                      <a:schemeClr val="accent1">
+                        <a:lumMod val="20000"/>
+                        <a:lumOff val="80000"/>
+                      </a:schemeClr>
+                    </a:solidFill>
+                  </a:tcPr>
+                </a:tc>
+              </a:tr>
+              <a:tr h="146354">
+                <a:tc>
+                  <a:txBody>
+                    <a:bodyPr/>
+                    <a:lstStyle/>
+                    <a:p>
+                      <a:pPr algn="l" fontAlgn="t"/>
+                      <a:r>
+                        <a:rPr lang="en-US" sz="1000" u="none" strike="noStrike" dirty="0" smtClean="0">
+                          <a:effectLst/>
+                        </a:rPr>
+                        <a:t> YearsWithCurrManager</a:t>
+                      </a:r>
+                      <a:endParaRPr lang="en-US" sz="1000" b="0" i="0" u="none" strike="noStrike" dirty="0">
+                        <a:solidFill>
+                          <a:srgbClr val="333333"/>
+                        </a:solidFill>
+                        <a:effectLst/>
+                        <a:latin typeface="Arial"/>
+                      </a:endParaRPr>
+                    </a:p>
+                  </a:txBody>
+                  <a:tcPr marL="9525" marR="9525" marT="9525" marB="0">
+                    <a:lnL w="12700" cap="flat" cmpd="sng" algn="ctr">
+                      <a:solidFill>
+                        <a:schemeClr val="tx1"/>
+                      </a:solidFill>
+                      <a:prstDash val="solid"/>
+                      <a:round/>
+                      <a:headEnd type="none" w="med" len="med"/>
+                      <a:tailEnd type="none" w="med" len="med"/>
+                    </a:lnL>
+                    <a:solidFill>
+                      <a:schemeClr val="accent1">
+                        <a:lumMod val="20000"/>
+                        <a:lumOff val="80000"/>
+                      </a:schemeClr>
+                    </a:solidFill>
+                  </a:tcPr>
+                </a:tc>
+                <a:tc>
+                  <a:txBody>
+                    <a:bodyPr/>
+                    <a:lstStyle/>
+                    <a:p>
+                      <a:pPr algn="ctr" fontAlgn="t"/>
+                      <a:r>
+                        <a:rPr lang="en-US" sz="1000" u="none" strike="noStrike">
+                          <a:effectLst/>
+                        </a:rPr>
+                        <a:t>&lt; .0001</a:t>
+                      </a:r>
+                      <a:endParaRPr lang="en-US" sz="1000" b="0" i="0" u="none" strike="noStrike">
+                        <a:solidFill>
+                          <a:srgbClr val="333333"/>
+                        </a:solidFill>
+                        <a:effectLst/>
+                        <a:latin typeface="Arial"/>
+                      </a:endParaRPr>
+                    </a:p>
+                  </a:txBody>
+                  <a:tcPr marL="9525" marR="9525" marT="9525" marB="0">
+                    <a:lnR w="12700" cap="flat" cmpd="sng" algn="ctr">
+                      <a:solidFill>
+                        <a:schemeClr val="tx1"/>
+                      </a:solidFill>
+                      <a:prstDash val="solid"/>
+                      <a:round/>
+                      <a:headEnd type="none" w="med" len="med"/>
+                      <a:tailEnd type="none" w="med" len="med"/>
+                    </a:lnR>
+                    <a:solidFill>
+                      <a:schemeClr val="accent1">
+                        <a:lumMod val="20000"/>
+                        <a:lumOff val="80000"/>
+                      </a:schemeClr>
+                    </a:solidFill>
+                  </a:tcPr>
+                </a:tc>
+              </a:tr>
+              <a:tr h="146354">
+                <a:tc>
+                  <a:txBody>
+                    <a:bodyPr/>
+                    <a:lstStyle/>
+                    <a:p>
+                      <a:pPr algn="l" fontAlgn="t"/>
+                      <a:r>
+                        <a:rPr lang="en-US" sz="1000" u="none" strike="noStrike" dirty="0" smtClean="0">
+                          <a:effectLst/>
+                        </a:rPr>
+                        <a:t> StockOptionLevel</a:t>
+                      </a:r>
+                      <a:endParaRPr lang="en-US" sz="1000" b="0" i="0" u="none" strike="noStrike" dirty="0">
+                        <a:solidFill>
+                          <a:srgbClr val="333333"/>
+                        </a:solidFill>
+                        <a:effectLst/>
+                        <a:latin typeface="Arial"/>
+                      </a:endParaRPr>
+                    </a:p>
+                  </a:txBody>
+                  <a:tcPr marL="9525" marR="9525" marT="9525" marB="0">
+                    <a:lnL w="12700" cap="flat" cmpd="sng" algn="ctr">
+                      <a:solidFill>
+                        <a:schemeClr val="tx1"/>
+                      </a:solidFill>
+                      <a:prstDash val="solid"/>
+                      <a:round/>
+                      <a:headEnd type="none" w="med" len="med"/>
+                      <a:tailEnd type="none" w="med" len="med"/>
+                    </a:lnL>
+                    <a:solidFill>
+                      <a:schemeClr val="accent1">
+                        <a:lumMod val="20000"/>
+                        <a:lumOff val="80000"/>
+                      </a:schemeClr>
+                    </a:solidFill>
+                  </a:tcPr>
+                </a:tc>
+                <a:tc>
+                  <a:txBody>
+                    <a:bodyPr/>
+                    <a:lstStyle/>
+                    <a:p>
+                      <a:pPr algn="ctr" fontAlgn="t"/>
+                      <a:r>
+                        <a:rPr lang="en-US" sz="1000" u="none" strike="noStrike">
+                          <a:effectLst/>
+                        </a:rPr>
+                        <a:t>&lt; .0001</a:t>
+                      </a:r>
+                      <a:endParaRPr lang="en-US" sz="1000" b="0" i="0" u="none" strike="noStrike">
+                        <a:solidFill>
+                          <a:srgbClr val="333333"/>
+                        </a:solidFill>
+                        <a:effectLst/>
+                        <a:latin typeface="Arial"/>
+                      </a:endParaRPr>
+                    </a:p>
+                  </a:txBody>
+                  <a:tcPr marL="9525" marR="9525" marT="9525" marB="0">
+                    <a:lnR w="12700" cap="flat" cmpd="sng" algn="ctr">
+                      <a:solidFill>
+                        <a:schemeClr val="tx1"/>
+                      </a:solidFill>
+                      <a:prstDash val="solid"/>
+                      <a:round/>
+                      <a:headEnd type="none" w="med" len="med"/>
+                      <a:tailEnd type="none" w="med" len="med"/>
+                    </a:lnR>
+                    <a:solidFill>
+                      <a:schemeClr val="accent1">
+                        <a:lumMod val="20000"/>
+                        <a:lumOff val="80000"/>
+                      </a:schemeClr>
+                    </a:solidFill>
+                  </a:tcPr>
+                </a:tc>
+              </a:tr>
+              <a:tr h="146354">
+                <a:tc>
+                  <a:txBody>
+                    <a:bodyPr/>
+                    <a:lstStyle/>
+                    <a:p>
+                      <a:pPr algn="l" fontAlgn="t"/>
+                      <a:r>
+                        <a:rPr lang="en-US" sz="1000" u="none" strike="noStrike" dirty="0" smtClean="0">
+                          <a:effectLst/>
+                        </a:rPr>
+                        <a:t> YearsAtCompany</a:t>
+                      </a:r>
+                      <a:endParaRPr lang="en-US" sz="1000" b="0" i="0" u="none" strike="noStrike" dirty="0">
+                        <a:solidFill>
+                          <a:srgbClr val="333333"/>
+                        </a:solidFill>
+                        <a:effectLst/>
+                        <a:latin typeface="Arial"/>
+                      </a:endParaRPr>
+                    </a:p>
+                  </a:txBody>
+                  <a:tcPr marL="9525" marR="9525" marT="9525" marB="0">
+                    <a:lnL w="12700" cap="flat" cmpd="sng" algn="ctr">
+                      <a:solidFill>
+                        <a:schemeClr val="tx1"/>
+                      </a:solidFill>
+                      <a:prstDash val="solid"/>
+                      <a:round/>
+                      <a:headEnd type="none" w="med" len="med"/>
+                      <a:tailEnd type="none" w="med" len="med"/>
+                    </a:lnL>
+                    <a:solidFill>
+                      <a:schemeClr val="accent1">
+                        <a:lumMod val="20000"/>
+                        <a:lumOff val="80000"/>
+                      </a:schemeClr>
+                    </a:solidFill>
+                  </a:tcPr>
+                </a:tc>
+                <a:tc>
+                  <a:txBody>
+                    <a:bodyPr/>
+                    <a:lstStyle/>
+                    <a:p>
+                      <a:pPr algn="ctr" fontAlgn="t"/>
+                      <a:r>
+                        <a:rPr lang="en-US" sz="1000" u="none" strike="noStrike">
+                          <a:effectLst/>
+                        </a:rPr>
+                        <a:t>&lt; .0001</a:t>
+                      </a:r>
+                      <a:endParaRPr lang="en-US" sz="1000" b="0" i="0" u="none" strike="noStrike">
+                        <a:solidFill>
+                          <a:srgbClr val="333333"/>
+                        </a:solidFill>
+                        <a:effectLst/>
+                        <a:latin typeface="Arial"/>
+                      </a:endParaRPr>
+                    </a:p>
+                  </a:txBody>
+                  <a:tcPr marL="9525" marR="9525" marT="9525" marB="0">
+                    <a:lnR w="12700" cap="flat" cmpd="sng" algn="ctr">
+                      <a:solidFill>
+                        <a:schemeClr val="tx1"/>
+                      </a:solidFill>
+                      <a:prstDash val="solid"/>
+                      <a:round/>
+                      <a:headEnd type="none" w="med" len="med"/>
+                      <a:tailEnd type="none" w="med" len="med"/>
+                    </a:lnR>
+                    <a:solidFill>
+                      <a:schemeClr val="accent1">
+                        <a:lumMod val="20000"/>
+                        <a:lumOff val="80000"/>
+                      </a:schemeClr>
+                    </a:solidFill>
+                  </a:tcPr>
+                </a:tc>
+              </a:tr>
+              <a:tr h="146354">
+                <a:tc>
+                  <a:txBody>
+                    <a:bodyPr/>
+                    <a:lstStyle/>
+                    <a:p>
+                      <a:pPr algn="l" fontAlgn="t"/>
+                      <a:r>
+                        <a:rPr lang="en-US" sz="1000" u="none" strike="noStrike" dirty="0" smtClean="0">
+                          <a:effectLst/>
+                        </a:rPr>
+                        <a:t> JobInvolvement</a:t>
+                      </a:r>
+                      <a:endParaRPr lang="en-US" sz="1000" b="0" i="0" u="none" strike="noStrike" dirty="0">
+                        <a:solidFill>
+                          <a:srgbClr val="333333"/>
+                        </a:solidFill>
+                        <a:effectLst/>
+                        <a:latin typeface="Arial"/>
+                      </a:endParaRPr>
+                    </a:p>
+                  </a:txBody>
+                  <a:tcPr marL="9525" marR="9525" marT="9525" marB="0">
+                    <a:lnL w="12700" cap="flat" cmpd="sng" algn="ctr">
+                      <a:solidFill>
+                        <a:schemeClr val="tx1"/>
+                      </a:solidFill>
+                      <a:prstDash val="solid"/>
+                      <a:round/>
+                      <a:headEnd type="none" w="med" len="med"/>
+                      <a:tailEnd type="none" w="med" len="med"/>
+                    </a:lnL>
+                    <a:solidFill>
+                      <a:schemeClr val="accent1">
+                        <a:lumMod val="20000"/>
+                        <a:lumOff val="80000"/>
+                      </a:schemeClr>
+                    </a:solidFill>
+                  </a:tcPr>
+                </a:tc>
+                <a:tc>
+                  <a:txBody>
+                    <a:bodyPr/>
+                    <a:lstStyle/>
+                    <a:p>
+                      <a:pPr algn="ctr" fontAlgn="t"/>
+                      <a:r>
+                        <a:rPr lang="en-US" sz="1000" u="none" strike="noStrike">
+                          <a:effectLst/>
+                        </a:rPr>
+                        <a:t>&lt; .0001</a:t>
+                      </a:r>
+                      <a:endParaRPr lang="en-US" sz="1000" b="0" i="0" u="none" strike="noStrike">
+                        <a:solidFill>
+                          <a:srgbClr val="333333"/>
+                        </a:solidFill>
+                        <a:effectLst/>
+                        <a:latin typeface="Arial"/>
+                      </a:endParaRPr>
+                    </a:p>
+                  </a:txBody>
+                  <a:tcPr marL="9525" marR="9525" marT="9525" marB="0">
+                    <a:lnR w="12700" cap="flat" cmpd="sng" algn="ctr">
+                      <a:solidFill>
+                        <a:schemeClr val="tx1"/>
+                      </a:solidFill>
+                      <a:prstDash val="solid"/>
+                      <a:round/>
+                      <a:headEnd type="none" w="med" len="med"/>
+                      <a:tailEnd type="none" w="med" len="med"/>
+                    </a:lnR>
+                    <a:solidFill>
+                      <a:schemeClr val="accent1">
+                        <a:lumMod val="20000"/>
+                        <a:lumOff val="80000"/>
+                      </a:schemeClr>
+                    </a:solidFill>
+                  </a:tcPr>
+                </a:tc>
+              </a:tr>
+              <a:tr h="146354">
+                <a:tc>
+                  <a:txBody>
+                    <a:bodyPr/>
+                    <a:lstStyle/>
+                    <a:p>
+                      <a:pPr algn="l" fontAlgn="t"/>
+                      <a:r>
+                        <a:rPr lang="en-US" sz="1000" u="none" strike="noStrike" dirty="0" smtClean="0">
+                          <a:effectLst/>
+                        </a:rPr>
+                        <a:t> JobSatisfaction</a:t>
+                      </a:r>
+                      <a:endParaRPr lang="en-US" sz="1000" b="0" i="0" u="none" strike="noStrike" dirty="0">
+                        <a:solidFill>
+                          <a:srgbClr val="333333"/>
+                        </a:solidFill>
+                        <a:effectLst/>
+                        <a:latin typeface="Arial"/>
+                      </a:endParaRPr>
+                    </a:p>
+                  </a:txBody>
+                  <a:tcPr marL="9525" marR="9525" marT="9525" marB="0">
+                    <a:lnL w="12700" cap="flat" cmpd="sng" algn="ctr">
+                      <a:solidFill>
+                        <a:schemeClr val="tx1"/>
+                      </a:solidFill>
+                      <a:prstDash val="solid"/>
+                      <a:round/>
+                      <a:headEnd type="none" w="med" len="med"/>
+                      <a:tailEnd type="none" w="med" len="med"/>
+                    </a:lnL>
+                    <a:solidFill>
+                      <a:schemeClr val="accent1">
+                        <a:lumMod val="20000"/>
+                        <a:lumOff val="80000"/>
+                      </a:schemeClr>
+                    </a:solidFill>
+                  </a:tcPr>
+                </a:tc>
+                <a:tc>
+                  <a:txBody>
+                    <a:bodyPr/>
+                    <a:lstStyle/>
+                    <a:p>
+                      <a:pPr algn="ctr" fontAlgn="t"/>
+                      <a:r>
+                        <a:rPr lang="en-US" sz="1000" u="none" strike="noStrike">
+                          <a:effectLst/>
+                        </a:rPr>
+                        <a:t>&lt; .0001</a:t>
+                      </a:r>
+                      <a:endParaRPr lang="en-US" sz="1000" b="0" i="0" u="none" strike="noStrike">
+                        <a:solidFill>
+                          <a:srgbClr val="333333"/>
+                        </a:solidFill>
+                        <a:effectLst/>
+                        <a:latin typeface="Arial"/>
+                      </a:endParaRPr>
+                    </a:p>
+                  </a:txBody>
+                  <a:tcPr marL="9525" marR="9525" marT="9525" marB="0">
+                    <a:lnR w="12700" cap="flat" cmpd="sng" algn="ctr">
+                      <a:solidFill>
+                        <a:schemeClr val="tx1"/>
+                      </a:solidFill>
+                      <a:prstDash val="solid"/>
+                      <a:round/>
+                      <a:headEnd type="none" w="med" len="med"/>
+                      <a:tailEnd type="none" w="med" len="med"/>
+                    </a:lnR>
+                    <a:solidFill>
+                      <a:schemeClr val="accent1">
+                        <a:lumMod val="20000"/>
+                        <a:lumOff val="80000"/>
+                      </a:schemeClr>
+                    </a:solidFill>
+                  </a:tcPr>
+                </a:tc>
+              </a:tr>
+              <a:tr h="146354">
+                <a:tc>
+                  <a:txBody>
+                    <a:bodyPr/>
+                    <a:lstStyle/>
+                    <a:p>
+                      <a:pPr algn="l" fontAlgn="t"/>
+                      <a:r>
+                        <a:rPr lang="en-US" sz="1000" u="none" strike="noStrike" dirty="0" smtClean="0">
+                          <a:effectLst/>
+                        </a:rPr>
+                        <a:t> EnvironmentSatisfaction</a:t>
+                      </a:r>
+                      <a:endParaRPr lang="en-US" sz="1000" b="0" i="0" u="none" strike="noStrike" dirty="0">
+                        <a:solidFill>
+                          <a:srgbClr val="333333"/>
+                        </a:solidFill>
+                        <a:effectLst/>
+                        <a:latin typeface="Arial"/>
+                      </a:endParaRPr>
+                    </a:p>
+                  </a:txBody>
+                  <a:tcPr marL="9525" marR="9525" marT="9525" marB="0">
+                    <a:lnL w="12700" cap="flat" cmpd="sng" algn="ctr">
+                      <a:solidFill>
+                        <a:schemeClr val="tx1"/>
+                      </a:solidFill>
+                      <a:prstDash val="solid"/>
+                      <a:round/>
+                      <a:headEnd type="none" w="med" len="med"/>
+                      <a:tailEnd type="none" w="med" len="med"/>
+                    </a:lnL>
+                    <a:solidFill>
+                      <a:schemeClr val="accent1">
+                        <a:lumMod val="20000"/>
+                        <a:lumOff val="80000"/>
+                      </a:schemeClr>
+                    </a:solidFill>
+                  </a:tcPr>
+                </a:tc>
+                <a:tc>
+                  <a:txBody>
+                    <a:bodyPr/>
+                    <a:lstStyle/>
+                    <a:p>
+                      <a:pPr algn="ctr" fontAlgn="t"/>
+                      <a:r>
+                        <a:rPr lang="en-US" sz="1000" u="none" strike="noStrike" dirty="0">
+                          <a:effectLst/>
+                        </a:rPr>
+                        <a:t>&lt; .</a:t>
+                      </a:r>
+                      <a:r>
+                        <a:rPr lang="en-US" sz="1000" u="none" strike="noStrike" dirty="0" smtClean="0">
+                          <a:effectLst/>
+                        </a:rPr>
+                        <a:t>0001 </a:t>
+                      </a:r>
+                      <a:endParaRPr lang="en-US" sz="1000" b="0" i="0" u="none" strike="noStrike" dirty="0">
+                        <a:solidFill>
+                          <a:srgbClr val="333333"/>
+                        </a:solidFill>
+                        <a:effectLst/>
+                        <a:latin typeface="Arial"/>
+                      </a:endParaRPr>
+                    </a:p>
+                  </a:txBody>
+                  <a:tcPr marL="9525" marR="9525" marT="9525" marB="0">
+                    <a:lnR w="12700" cap="flat" cmpd="sng" algn="ctr">
+                      <a:solidFill>
+                        <a:schemeClr val="tx1"/>
+                      </a:solidFill>
+                      <a:prstDash val="solid"/>
+                      <a:round/>
+                      <a:headEnd type="none" w="med" len="med"/>
+                      <a:tailEnd type="none" w="med" len="med"/>
+                    </a:lnR>
+                    <a:solidFill>
+                      <a:schemeClr val="accent1">
+                        <a:lumMod val="20000"/>
+                        <a:lumOff val="80000"/>
+                      </a:schemeClr>
+                    </a:solidFill>
+                  </a:tcPr>
+                </a:tc>
+              </a:tr>
+              <a:tr h="146354">
+                <a:tc>
+                  <a:txBody>
+                    <a:bodyPr/>
+                    <a:lstStyle/>
+                    <a:p>
+                      <a:pPr algn="l" fontAlgn="t"/>
+                      <a:r>
+                        <a:rPr lang="en-US" sz="1000" u="none" strike="noStrike" dirty="0" smtClean="0">
+                          <a:effectLst/>
+                        </a:rPr>
+                        <a:t> Over </a:t>
+                      </a:r>
+                      <a:r>
+                        <a:rPr lang="en-US" sz="1000" u="none" strike="noStrike" dirty="0">
+                          <a:effectLst/>
+                        </a:rPr>
+                        <a:t>Time</a:t>
+                      </a:r>
+                      <a:endParaRPr lang="en-US" sz="1000" b="0" i="0" u="none" strike="noStrike" dirty="0">
+                        <a:solidFill>
+                          <a:srgbClr val="333333"/>
+                        </a:solidFill>
+                        <a:effectLst/>
+                        <a:latin typeface="Arial"/>
+                      </a:endParaRPr>
+                    </a:p>
+                  </a:txBody>
+                  <a:tcPr marL="9525" marR="9525" marT="9525" marB="0">
+                    <a:lnL w="12700" cap="flat" cmpd="sng" algn="ctr">
+                      <a:solidFill>
+                        <a:schemeClr val="tx1"/>
+                      </a:solidFill>
+                      <a:prstDash val="solid"/>
+                      <a:round/>
+                      <a:headEnd type="none" w="med" len="med"/>
+                      <a:tailEnd type="none" w="med" len="med"/>
+                    </a:lnL>
+                    <a:solidFill>
+                      <a:schemeClr val="accent1">
+                        <a:lumMod val="20000"/>
+                        <a:lumOff val="80000"/>
+                      </a:schemeClr>
+                    </a:solidFill>
+                  </a:tcPr>
+                </a:tc>
+                <a:tc>
+                  <a:txBody>
+                    <a:bodyPr/>
+                    <a:lstStyle/>
+                    <a:p>
+                      <a:pPr algn="ctr" fontAlgn="t"/>
+                      <a:r>
+                        <a:rPr lang="en-US" sz="1000" u="none" strike="noStrike" dirty="0">
+                          <a:effectLst/>
+                        </a:rPr>
+                        <a:t>&lt; .0001</a:t>
+                      </a:r>
+                      <a:endParaRPr lang="en-US" sz="1000" b="0" i="0" u="none" strike="noStrike" dirty="0">
+                        <a:solidFill>
+                          <a:srgbClr val="333333"/>
+                        </a:solidFill>
+                        <a:effectLst/>
+                        <a:latin typeface="Arial"/>
+                      </a:endParaRPr>
+                    </a:p>
+                  </a:txBody>
+                  <a:tcPr marL="9525" marR="9525" marT="9525" marB="0">
+                    <a:lnR w="12700" cap="flat" cmpd="sng" algn="ctr">
+                      <a:solidFill>
+                        <a:schemeClr val="tx1"/>
+                      </a:solidFill>
+                      <a:prstDash val="solid"/>
+                      <a:round/>
+                      <a:headEnd type="none" w="med" len="med"/>
+                      <a:tailEnd type="none" w="med" len="med"/>
+                    </a:lnR>
+                    <a:solidFill>
+                      <a:schemeClr val="accent1">
+                        <a:lumMod val="20000"/>
+                        <a:lumOff val="80000"/>
+                      </a:schemeClr>
+                    </a:solidFill>
+                  </a:tcPr>
+                </a:tc>
+              </a:tr>
+              <a:tr h="146354">
+                <a:tc>
+                  <a:txBody>
+                    <a:bodyPr/>
+                    <a:lstStyle/>
+                    <a:p>
+                      <a:pPr algn="l" fontAlgn="t"/>
+                      <a:r>
+                        <a:rPr lang="en-US" sz="1000" u="none" strike="noStrike" dirty="0" smtClean="0">
+                          <a:effectLst/>
+                        </a:rPr>
+                        <a:t> MaritalStatus</a:t>
+                      </a:r>
+                      <a:endParaRPr lang="en-US" sz="1000" b="0" i="0" u="none" strike="noStrike" dirty="0">
+                        <a:solidFill>
+                          <a:srgbClr val="333333"/>
+                        </a:solidFill>
+                        <a:effectLst/>
+                        <a:latin typeface="Arial"/>
+                      </a:endParaRPr>
+                    </a:p>
+                  </a:txBody>
+                  <a:tcPr marL="9525" marR="9525" marT="9525" marB="0">
+                    <a:lnL w="12700" cap="flat" cmpd="sng" algn="ctr">
+                      <a:solidFill>
+                        <a:schemeClr val="tx1"/>
+                      </a:solidFill>
+                      <a:prstDash val="solid"/>
+                      <a:round/>
+                      <a:headEnd type="none" w="med" len="med"/>
+                      <a:tailEnd type="none" w="med" len="med"/>
+                    </a:lnL>
+                    <a:solidFill>
+                      <a:schemeClr val="accent1">
+                        <a:lumMod val="20000"/>
+                        <a:lumOff val="80000"/>
+                      </a:schemeClr>
+                    </a:solidFill>
+                  </a:tcPr>
+                </a:tc>
+                <a:tc>
+                  <a:txBody>
+                    <a:bodyPr/>
+                    <a:lstStyle/>
+                    <a:p>
+                      <a:pPr algn="ctr" fontAlgn="t"/>
+                      <a:r>
+                        <a:rPr lang="en-US" sz="1000" u="none" strike="noStrike">
+                          <a:effectLst/>
+                        </a:rPr>
+                        <a:t>&lt; .0001</a:t>
+                      </a:r>
+                      <a:endParaRPr lang="en-US" sz="1000" b="0" i="0" u="none" strike="noStrike">
+                        <a:solidFill>
+                          <a:srgbClr val="333333"/>
+                        </a:solidFill>
+                        <a:effectLst/>
+                        <a:latin typeface="Arial"/>
+                      </a:endParaRPr>
+                    </a:p>
+                  </a:txBody>
+                  <a:tcPr marL="9525" marR="9525" marT="9525" marB="0">
+                    <a:lnR w="12700" cap="flat" cmpd="sng" algn="ctr">
+                      <a:solidFill>
+                        <a:schemeClr val="tx1"/>
+                      </a:solidFill>
+                      <a:prstDash val="solid"/>
+                      <a:round/>
+                      <a:headEnd type="none" w="med" len="med"/>
+                      <a:tailEnd type="none" w="med" len="med"/>
+                    </a:lnR>
+                    <a:solidFill>
+                      <a:schemeClr val="accent1">
+                        <a:lumMod val="20000"/>
+                        <a:lumOff val="80000"/>
+                      </a:schemeClr>
+                    </a:solidFill>
+                  </a:tcPr>
+                </a:tc>
+              </a:tr>
+              <a:tr h="146354">
+                <a:tc>
+                  <a:txBody>
+                    <a:bodyPr/>
+                    <a:lstStyle/>
+                    <a:p>
+                      <a:pPr algn="l" fontAlgn="t"/>
+                      <a:r>
+                        <a:rPr lang="en-US" sz="1000" u="none" strike="noStrike" dirty="0" smtClean="0">
+                          <a:effectLst/>
+                        </a:rPr>
+                        <a:t> BusinessTravel</a:t>
+                      </a:r>
+                      <a:endParaRPr lang="en-US" sz="1000" b="0" i="0" u="none" strike="noStrike" dirty="0">
+                        <a:solidFill>
+                          <a:srgbClr val="333333"/>
+                        </a:solidFill>
+                        <a:effectLst/>
+                        <a:latin typeface="Arial"/>
+                      </a:endParaRPr>
+                    </a:p>
+                  </a:txBody>
+                  <a:tcPr marL="9525" marR="9525" marT="9525" marB="0">
+                    <a:lnL w="12700" cap="flat" cmpd="sng" algn="ctr">
+                      <a:solidFill>
+                        <a:schemeClr val="tx1"/>
+                      </a:solidFill>
+                      <a:prstDash val="solid"/>
+                      <a:round/>
+                      <a:headEnd type="none" w="med" len="med"/>
+                      <a:tailEnd type="none" w="med" len="med"/>
+                    </a:lnL>
+                    <a:solidFill>
+                      <a:schemeClr val="accent1">
+                        <a:lumMod val="20000"/>
+                        <a:lumOff val="80000"/>
+                      </a:schemeClr>
+                    </a:solidFill>
+                  </a:tcPr>
+                </a:tc>
+                <a:tc>
+                  <a:txBody>
+                    <a:bodyPr/>
+                    <a:lstStyle/>
+                    <a:p>
+                      <a:pPr algn="ctr" fontAlgn="t"/>
+                      <a:r>
+                        <a:rPr lang="en-US" sz="1000" u="none" strike="noStrike">
+                          <a:effectLst/>
+                        </a:rPr>
+                        <a:t>&lt; .0001</a:t>
+                      </a:r>
+                      <a:endParaRPr lang="en-US" sz="1000" b="0" i="0" u="none" strike="noStrike">
+                        <a:solidFill>
+                          <a:srgbClr val="333333"/>
+                        </a:solidFill>
+                        <a:effectLst/>
+                        <a:latin typeface="Arial"/>
+                      </a:endParaRPr>
+                    </a:p>
+                  </a:txBody>
+                  <a:tcPr marL="9525" marR="9525" marT="9525" marB="0">
+                    <a:lnR w="12700" cap="flat" cmpd="sng" algn="ctr">
+                      <a:solidFill>
+                        <a:schemeClr val="tx1"/>
+                      </a:solidFill>
+                      <a:prstDash val="solid"/>
+                      <a:round/>
+                      <a:headEnd type="none" w="med" len="med"/>
+                      <a:tailEnd type="none" w="med" len="med"/>
+                    </a:lnR>
+                    <a:solidFill>
+                      <a:schemeClr val="accent1">
+                        <a:lumMod val="20000"/>
+                        <a:lumOff val="80000"/>
+                      </a:schemeClr>
+                    </a:solidFill>
+                  </a:tcPr>
+                </a:tc>
+              </a:tr>
+              <a:tr h="146354">
+                <a:tc>
+                  <a:txBody>
+                    <a:bodyPr/>
+                    <a:lstStyle/>
+                    <a:p>
+                      <a:pPr algn="l" fontAlgn="t"/>
+                      <a:r>
+                        <a:rPr lang="en-US" sz="1000" u="none" strike="noStrike" dirty="0" smtClean="0">
+                          <a:effectLst/>
+                        </a:rPr>
+                        <a:t> JobRole</a:t>
+                      </a:r>
+                      <a:endParaRPr lang="en-US" sz="1000" b="0" i="0" u="none" strike="noStrike" dirty="0">
+                        <a:solidFill>
+                          <a:srgbClr val="333333"/>
+                        </a:solidFill>
+                        <a:effectLst/>
+                        <a:latin typeface="Arial"/>
+                      </a:endParaRPr>
+                    </a:p>
+                  </a:txBody>
+                  <a:tcPr marL="9525" marR="9525" marT="9525" marB="0">
+                    <a:lnL w="12700" cap="flat" cmpd="sng" algn="ctr">
+                      <a:solidFill>
+                        <a:schemeClr val="tx1"/>
+                      </a:solidFill>
+                      <a:prstDash val="solid"/>
+                      <a:round/>
+                      <a:headEnd type="none" w="med" len="med"/>
+                      <a:tailEnd type="none" w="med" len="med"/>
+                    </a:lnL>
+                    <a:solidFill>
+                      <a:schemeClr val="accent1">
+                        <a:lumMod val="20000"/>
+                        <a:lumOff val="80000"/>
+                      </a:schemeClr>
+                    </a:solidFill>
+                  </a:tcPr>
+                </a:tc>
+                <a:tc>
+                  <a:txBody>
+                    <a:bodyPr/>
+                    <a:lstStyle/>
+                    <a:p>
+                      <a:pPr algn="ctr" fontAlgn="t"/>
+                      <a:r>
+                        <a:rPr lang="en-US" sz="1000" u="none" strike="noStrike">
+                          <a:effectLst/>
+                        </a:rPr>
+                        <a:t>&lt; .0001</a:t>
+                      </a:r>
+                      <a:endParaRPr lang="en-US" sz="1000" b="0" i="0" u="none" strike="noStrike">
+                        <a:solidFill>
+                          <a:srgbClr val="333333"/>
+                        </a:solidFill>
+                        <a:effectLst/>
+                        <a:latin typeface="Arial"/>
+                      </a:endParaRPr>
+                    </a:p>
+                  </a:txBody>
+                  <a:tcPr marL="9525" marR="9525" marT="9525" marB="0">
+                    <a:lnR w="12700" cap="flat" cmpd="sng" algn="ctr">
+                      <a:solidFill>
+                        <a:schemeClr val="tx1"/>
+                      </a:solidFill>
+                      <a:prstDash val="solid"/>
+                      <a:round/>
+                      <a:headEnd type="none" w="med" len="med"/>
+                      <a:tailEnd type="none" w="med" len="med"/>
+                    </a:lnR>
+                    <a:solidFill>
+                      <a:schemeClr val="accent1">
+                        <a:lumMod val="20000"/>
+                        <a:lumOff val="80000"/>
+                      </a:schemeClr>
+                    </a:solidFill>
+                  </a:tcPr>
+                </a:tc>
+              </a:tr>
+              <a:tr h="146354">
+                <a:tc>
+                  <a:txBody>
+                    <a:bodyPr/>
+                    <a:lstStyle/>
+                    <a:p>
+                      <a:pPr algn="l" fontAlgn="t"/>
+                      <a:r>
+                        <a:rPr lang="en-US" sz="1000" u="none" strike="noStrike" dirty="0" smtClean="0">
+                          <a:effectLst/>
+                        </a:rPr>
+                        <a:t> DistanceFromHome</a:t>
+                      </a:r>
+                      <a:endParaRPr lang="en-US" sz="1000" b="0" i="0" u="none" strike="noStrike" dirty="0">
+                        <a:solidFill>
+                          <a:srgbClr val="333333"/>
+                        </a:solidFill>
+                        <a:effectLst/>
+                        <a:latin typeface="Arial"/>
+                      </a:endParaRPr>
+                    </a:p>
+                  </a:txBody>
+                  <a:tcPr marL="9525" marR="9525" marT="9525" marB="0">
+                    <a:lnL w="12700" cap="flat" cmpd="sng" algn="ctr">
+                      <a:solidFill>
+                        <a:schemeClr val="tx1"/>
+                      </a:solidFill>
+                      <a:prstDash val="solid"/>
+                      <a:round/>
+                      <a:headEnd type="none" w="med" len="med"/>
+                      <a:tailEnd type="none" w="med" len="med"/>
+                    </a:lnL>
+                    <a:solidFill>
+                      <a:schemeClr val="accent1">
+                        <a:lumMod val="20000"/>
+                        <a:lumOff val="80000"/>
+                      </a:schemeClr>
+                    </a:solidFill>
+                  </a:tcPr>
+                </a:tc>
+                <a:tc>
+                  <a:txBody>
+                    <a:bodyPr/>
+                    <a:lstStyle/>
+                    <a:p>
+                      <a:pPr algn="ctr" fontAlgn="t"/>
+                      <a:r>
+                        <a:rPr lang="en-US" sz="1000" u="none" strike="noStrike">
+                          <a:effectLst/>
+                        </a:rPr>
+                        <a:t>0.0027</a:t>
+                      </a:r>
+                      <a:endParaRPr lang="en-US" sz="1000" b="0" i="0" u="none" strike="noStrike">
+                        <a:solidFill>
+                          <a:srgbClr val="333333"/>
+                        </a:solidFill>
+                        <a:effectLst/>
+                        <a:latin typeface="Arial"/>
+                      </a:endParaRPr>
+                    </a:p>
+                  </a:txBody>
+                  <a:tcPr marL="9525" marR="9525" marT="9525" marB="0">
+                    <a:lnR w="12700" cap="flat" cmpd="sng" algn="ctr">
+                      <a:solidFill>
+                        <a:schemeClr val="tx1"/>
+                      </a:solidFill>
+                      <a:prstDash val="solid"/>
+                      <a:round/>
+                      <a:headEnd type="none" w="med" len="med"/>
+                      <a:tailEnd type="none" w="med" len="med"/>
+                    </a:lnR>
+                    <a:solidFill>
+                      <a:schemeClr val="accent1">
+                        <a:lumMod val="20000"/>
+                        <a:lumOff val="80000"/>
+                      </a:schemeClr>
+                    </a:solidFill>
+                  </a:tcPr>
+                </a:tc>
+              </a:tr>
+              <a:tr h="146354">
+                <a:tc>
+                  <a:txBody>
+                    <a:bodyPr/>
+                    <a:lstStyle/>
+                    <a:p>
+                      <a:pPr algn="l" fontAlgn="t"/>
+                      <a:r>
+                        <a:rPr lang="en-US" sz="1000" u="none" strike="noStrike" dirty="0" smtClean="0">
+                          <a:effectLst/>
+                        </a:rPr>
+                        <a:t> Department</a:t>
+                      </a:r>
+                      <a:endParaRPr lang="en-US" sz="1000" b="0" i="0" u="none" strike="noStrike" dirty="0">
+                        <a:solidFill>
+                          <a:srgbClr val="333333"/>
+                        </a:solidFill>
+                        <a:effectLst/>
+                        <a:latin typeface="Arial"/>
+                      </a:endParaRPr>
+                    </a:p>
+                  </a:txBody>
+                  <a:tcPr marL="9525" marR="9525" marT="9525" marB="0">
+                    <a:lnL w="12700" cap="flat" cmpd="sng" algn="ctr">
+                      <a:solidFill>
+                        <a:schemeClr val="tx1"/>
+                      </a:solidFill>
+                      <a:prstDash val="solid"/>
+                      <a:round/>
+                      <a:headEnd type="none" w="med" len="med"/>
+                      <a:tailEnd type="none" w="med" len="med"/>
+                    </a:lnL>
+                    <a:solidFill>
+                      <a:schemeClr val="accent1">
+                        <a:lumMod val="20000"/>
+                        <a:lumOff val="80000"/>
+                      </a:schemeClr>
+                    </a:solidFill>
+                  </a:tcPr>
+                </a:tc>
+                <a:tc>
+                  <a:txBody>
+                    <a:bodyPr/>
+                    <a:lstStyle/>
+                    <a:p>
+                      <a:pPr algn="ctr" fontAlgn="t"/>
+                      <a:r>
+                        <a:rPr lang="en-US" sz="1000" u="none" strike="noStrike" dirty="0">
+                          <a:effectLst/>
+                        </a:rPr>
+                        <a:t>0.0045</a:t>
+                      </a:r>
+                      <a:endParaRPr lang="en-US" sz="1000" b="0" i="0" u="none" strike="noStrike" dirty="0">
+                        <a:solidFill>
+                          <a:srgbClr val="333333"/>
+                        </a:solidFill>
+                        <a:effectLst/>
+                        <a:latin typeface="Arial"/>
+                      </a:endParaRPr>
+                    </a:p>
+                  </a:txBody>
+                  <a:tcPr marL="9525" marR="9525" marT="9525" marB="0">
+                    <a:lnR w="12700" cap="flat" cmpd="sng" algn="ctr">
+                      <a:solidFill>
+                        <a:schemeClr val="tx1"/>
+                      </a:solidFill>
+                      <a:prstDash val="solid"/>
+                      <a:round/>
+                      <a:headEnd type="none" w="med" len="med"/>
+                      <a:tailEnd type="none" w="med" len="med"/>
+                    </a:lnR>
+                    <a:solidFill>
+                      <a:schemeClr val="accent1">
+                        <a:lumMod val="20000"/>
+                        <a:lumOff val="80000"/>
+                      </a:schemeClr>
+                    </a:solidFill>
+                  </a:tcPr>
+                </a:tc>
+              </a:tr>
+              <a:tr h="146354">
+                <a:tc>
+                  <a:txBody>
+                    <a:bodyPr/>
+                    <a:lstStyle/>
+                    <a:p>
+                      <a:pPr algn="l" fontAlgn="t"/>
+                      <a:r>
+                        <a:rPr lang="en-US" sz="1000" u="none" strike="noStrike" dirty="0" smtClean="0">
+                          <a:effectLst/>
+                        </a:rPr>
+                        <a:t> Educationfield</a:t>
+                      </a:r>
+                      <a:endParaRPr lang="en-US" sz="1000" b="0" i="0" u="none" strike="noStrike" dirty="0">
+                        <a:solidFill>
+                          <a:srgbClr val="333333"/>
+                        </a:solidFill>
+                        <a:effectLst/>
+                        <a:latin typeface="Arial"/>
+                      </a:endParaRPr>
+                    </a:p>
+                  </a:txBody>
+                  <a:tcPr marL="9525" marR="9525" marT="9525" marB="0">
+                    <a:lnL w="12700" cap="flat" cmpd="sng" algn="ctr">
+                      <a:solidFill>
+                        <a:schemeClr val="tx1"/>
+                      </a:solidFill>
+                      <a:prstDash val="solid"/>
+                      <a:round/>
+                      <a:headEnd type="none" w="med" len="med"/>
+                      <a:tailEnd type="none" w="med" len="med"/>
+                    </a:lnL>
+                    <a:solidFill>
+                      <a:schemeClr val="accent1">
+                        <a:lumMod val="20000"/>
+                        <a:lumOff val="80000"/>
+                      </a:schemeClr>
+                    </a:solidFill>
+                  </a:tcPr>
+                </a:tc>
+                <a:tc>
+                  <a:txBody>
+                    <a:bodyPr/>
+                    <a:lstStyle/>
+                    <a:p>
+                      <a:pPr algn="ctr" fontAlgn="t"/>
+                      <a:r>
+                        <a:rPr lang="en-US" sz="1000" u="none" strike="noStrike" dirty="0">
+                          <a:effectLst/>
+                        </a:rPr>
+                        <a:t>0.0066</a:t>
+                      </a:r>
+                      <a:endParaRPr lang="en-US" sz="1000" b="0" i="0" u="none" strike="noStrike" dirty="0">
+                        <a:solidFill>
+                          <a:srgbClr val="333333"/>
+                        </a:solidFill>
+                        <a:effectLst/>
+                        <a:latin typeface="Arial"/>
+                      </a:endParaRPr>
+                    </a:p>
+                  </a:txBody>
+                  <a:tcPr marL="9525" marR="9525" marT="9525" marB="0">
+                    <a:lnR w="12700" cap="flat" cmpd="sng" algn="ctr">
+                      <a:solidFill>
+                        <a:schemeClr val="tx1"/>
+                      </a:solidFill>
+                      <a:prstDash val="solid"/>
+                      <a:round/>
+                      <a:headEnd type="none" w="med" len="med"/>
+                      <a:tailEnd type="none" w="med" len="med"/>
+                    </a:lnR>
+                    <a:solidFill>
+                      <a:schemeClr val="accent1">
+                        <a:lumMod val="20000"/>
+                        <a:lumOff val="80000"/>
+                      </a:schemeClr>
+                    </a:solidFill>
+                  </a:tcPr>
+                </a:tc>
+              </a:tr>
+              <a:tr h="146354">
+                <a:tc>
+                  <a:txBody>
+                    <a:bodyPr/>
+                    <a:lstStyle/>
+                    <a:p>
+                      <a:pPr algn="l" fontAlgn="t"/>
+                      <a:r>
+                        <a:rPr lang="en-US" sz="1000" u="none" strike="noStrike" dirty="0" smtClean="0">
+                          <a:effectLst/>
+                        </a:rPr>
+                        <a:t> WorkLifeBalance</a:t>
+                      </a:r>
+                      <a:endParaRPr lang="en-US" sz="1000" b="0" i="0" u="none" strike="noStrike" dirty="0">
+                        <a:solidFill>
+                          <a:srgbClr val="333333"/>
+                        </a:solidFill>
+                        <a:effectLst/>
+                        <a:latin typeface="Arial"/>
+                      </a:endParaRPr>
+                    </a:p>
+                  </a:txBody>
+                  <a:tcPr marL="9525" marR="9525" marT="9525" marB="0">
+                    <a:lnL w="12700" cap="flat" cmpd="sng" algn="ctr">
+                      <a:solidFill>
+                        <a:schemeClr val="tx1"/>
+                      </a:solidFill>
+                      <a:prstDash val="solid"/>
+                      <a:round/>
+                      <a:headEnd type="none" w="med" len="med"/>
+                      <a:tailEnd type="none" w="med" len="med"/>
+                    </a:lnL>
+                    <a:solidFill>
+                      <a:schemeClr val="accent1">
+                        <a:lumMod val="20000"/>
+                        <a:lumOff val="80000"/>
+                      </a:schemeClr>
+                    </a:solidFill>
+                  </a:tcPr>
+                </a:tc>
+                <a:tc>
+                  <a:txBody>
+                    <a:bodyPr/>
+                    <a:lstStyle/>
+                    <a:p>
+                      <a:pPr algn="ctr" fontAlgn="t"/>
+                      <a:r>
+                        <a:rPr lang="en-US" sz="1000" u="none" strike="noStrike" dirty="0">
+                          <a:effectLst/>
+                        </a:rPr>
+                        <a:t>0.0142</a:t>
+                      </a:r>
+                      <a:endParaRPr lang="en-US" sz="1000" b="0" i="0" u="none" strike="noStrike" dirty="0">
+                        <a:solidFill>
+                          <a:srgbClr val="333333"/>
+                        </a:solidFill>
+                        <a:effectLst/>
+                        <a:latin typeface="Arial"/>
+                      </a:endParaRPr>
+                    </a:p>
+                  </a:txBody>
+                  <a:tcPr marL="9525" marR="9525" marT="9525" marB="0">
+                    <a:lnR w="12700" cap="flat" cmpd="sng" algn="ctr">
+                      <a:solidFill>
+                        <a:schemeClr val="tx1"/>
+                      </a:solidFill>
+                      <a:prstDash val="solid"/>
+                      <a:round/>
+                      <a:headEnd type="none" w="med" len="med"/>
+                      <a:tailEnd type="none" w="med" len="med"/>
+                    </a:lnR>
+                    <a:solidFill>
+                      <a:schemeClr val="accent1">
+                        <a:lumMod val="20000"/>
+                        <a:lumOff val="80000"/>
+                      </a:schemeClr>
+                    </a:solidFill>
+                  </a:tcPr>
+                </a:tc>
+              </a:tr>
+              <a:tr h="146354">
+                <a:tc>
+                  <a:txBody>
+                    <a:bodyPr/>
+                    <a:lstStyle/>
+                    <a:p>
+                      <a:pPr algn="l" fontAlgn="t"/>
+                      <a:r>
+                        <a:rPr lang="en-US" sz="1000" u="none" strike="noStrike" dirty="0" smtClean="0">
+                          <a:effectLst/>
+                        </a:rPr>
+                        <a:t> TrainingTimesLastYear</a:t>
+                      </a:r>
+                      <a:endParaRPr lang="en-US" sz="1000" b="0" i="0" u="none" strike="noStrike" dirty="0">
+                        <a:solidFill>
+                          <a:srgbClr val="333333"/>
+                        </a:solidFill>
+                        <a:effectLst/>
+                        <a:latin typeface="Arial"/>
+                      </a:endParaRPr>
+                    </a:p>
+                  </a:txBody>
+                  <a:tcPr marL="9525" marR="9525" marT="9525" marB="0">
+                    <a:lnL w="12700" cap="flat" cmpd="sng" algn="ctr">
+                      <a:solidFill>
+                        <a:schemeClr val="tx1"/>
+                      </a:solidFill>
+                      <a:prstDash val="solid"/>
+                      <a:round/>
+                      <a:headEnd type="none" w="med" len="med"/>
+                      <a:tailEnd type="none" w="med" len="med"/>
+                    </a:lnL>
+                    <a:solidFill>
+                      <a:schemeClr val="accent1">
+                        <a:lumMod val="20000"/>
+                        <a:lumOff val="80000"/>
+                      </a:schemeClr>
+                    </a:solidFill>
+                  </a:tcPr>
+                </a:tc>
+                <a:tc>
+                  <a:txBody>
+                    <a:bodyPr/>
+                    <a:lstStyle/>
+                    <a:p>
+                      <a:pPr algn="ctr" fontAlgn="t"/>
+                      <a:r>
+                        <a:rPr lang="en-US" sz="1000" u="none" strike="noStrike" dirty="0">
+                          <a:effectLst/>
+                        </a:rPr>
+                        <a:t>0.0225</a:t>
+                      </a:r>
+                      <a:endParaRPr lang="en-US" sz="1000" b="0" i="0" u="none" strike="noStrike" dirty="0">
+                        <a:solidFill>
+                          <a:srgbClr val="333333"/>
+                        </a:solidFill>
+                        <a:effectLst/>
+                        <a:latin typeface="Arial"/>
+                      </a:endParaRPr>
+                    </a:p>
+                  </a:txBody>
+                  <a:tcPr marL="9525" marR="9525" marT="9525" marB="0">
+                    <a:lnR w="12700" cap="flat" cmpd="sng" algn="ctr">
+                      <a:solidFill>
+                        <a:schemeClr val="tx1"/>
+                      </a:solidFill>
+                      <a:prstDash val="solid"/>
+                      <a:round/>
+                      <a:headEnd type="none" w="med" len="med"/>
+                      <a:tailEnd type="none" w="med" len="med"/>
+                    </a:lnR>
+                    <a:solidFill>
+                      <a:schemeClr val="accent1">
+                        <a:lumMod val="20000"/>
+                        <a:lumOff val="80000"/>
+                      </a:schemeClr>
+                    </a:solidFill>
+                  </a:tcPr>
+                </a:tc>
+              </a:tr>
+              <a:tr h="146354">
+                <a:tc>
+                  <a:txBody>
+                    <a:bodyPr/>
+                    <a:lstStyle/>
+                    <a:p>
+                      <a:pPr algn="l" fontAlgn="t"/>
+                      <a:r>
+                        <a:rPr lang="en-US" sz="1000" u="none" strike="noStrike" dirty="0" smtClean="0">
+                          <a:effectLst/>
+                        </a:rPr>
+                        <a:t> DailyRate</a:t>
+                      </a:r>
+                      <a:endParaRPr lang="en-US" sz="1000" b="0" i="0" u="none" strike="noStrike" dirty="0">
+                        <a:solidFill>
+                          <a:srgbClr val="333333"/>
+                        </a:solidFill>
+                        <a:effectLst/>
+                        <a:latin typeface="Arial"/>
+                      </a:endParaRPr>
+                    </a:p>
+                  </a:txBody>
+                  <a:tcPr marL="9525" marR="9525" marT="9525" marB="0">
+                    <a:lnL w="12700" cap="flat" cmpd="sng" algn="ctr">
+                      <a:solidFill>
+                        <a:schemeClr val="tx1"/>
+                      </a:solidFill>
+                      <a:prstDash val="solid"/>
+                      <a:round/>
+                      <a:headEnd type="none" w="med" len="med"/>
+                      <a:tailEnd type="none" w="med" len="med"/>
+                    </a:lnL>
+                    <a:lnB w="12700" cap="flat" cmpd="sng" algn="ctr">
+                      <a:solidFill>
+                        <a:schemeClr val="tx1"/>
+                      </a:solidFill>
+                      <a:prstDash val="solid"/>
+                      <a:round/>
+                      <a:headEnd type="none" w="med" len="med"/>
+                      <a:tailEnd type="none" w="med" len="med"/>
+                    </a:lnB>
+                    <a:solidFill>
+                      <a:schemeClr val="accent1">
+                        <a:lumMod val="20000"/>
+                        <a:lumOff val="80000"/>
+                      </a:schemeClr>
+                    </a:solidFill>
+                  </a:tcPr>
+                </a:tc>
+                <a:tc>
+                  <a:txBody>
+                    <a:bodyPr/>
+                    <a:lstStyle/>
+                    <a:p>
+                      <a:pPr algn="ctr" fontAlgn="t"/>
+                      <a:r>
+                        <a:rPr lang="en-US" sz="1000" u="none" strike="noStrike" dirty="0">
+                          <a:effectLst/>
+                        </a:rPr>
+                        <a:t>0.0299</a:t>
+                      </a:r>
+                      <a:endParaRPr lang="en-US" sz="1000" b="0" i="0" u="none" strike="noStrike" dirty="0">
+                        <a:solidFill>
+                          <a:srgbClr val="333333"/>
+                        </a:solidFill>
+                        <a:effectLst/>
+                        <a:latin typeface="Arial"/>
+                      </a:endParaRPr>
+                    </a:p>
+                  </a:txBody>
+                  <a:tcPr marL="9525" marR="9525" marT="9525" marB="0">
+                    <a:lnR w="12700" cap="flat" cmpd="sng" algn="ctr">
+                      <a:solidFill>
+                        <a:schemeClr val="tx1"/>
+                      </a:solidFill>
+                      <a:prstDash val="solid"/>
+                      <a:round/>
+                      <a:headEnd type="none" w="med" len="med"/>
+                      <a:tailEnd type="none" w="med" len="med"/>
+                    </a:lnR>
+                    <a:lnB w="12700" cap="flat" cmpd="sng" algn="ctr">
+                      <a:solidFill>
+                        <a:schemeClr val="tx1"/>
+                      </a:solidFill>
+                      <a:prstDash val="solid"/>
+                      <a:round/>
+                      <a:headEnd type="none" w="med" len="med"/>
+                      <a:tailEnd type="none" w="med" len="med"/>
+                    </a:lnB>
+                    <a:solidFill>
+                      <a:schemeClr val="accent1">
+                        <a:lumMod val="20000"/>
+                        <a:lumOff val="80000"/>
+                      </a:schemeClr>
+                    </a:solidFill>
+                  </a:tcPr>
+                </a:tc>
+              </a:tr>
+            </a:tbl>
+          </a:graphicData>
+        </a:graphic>
+      </p:graphicFrame>
     </p:spTree>
     <p:extLst>
       <p:ext uri="{BB962C8B-B14F-4D97-AF65-F5344CB8AC3E}">
-        <p14:creationId xmlns:p14="http://schemas.microsoft.com/office/powerpoint/2010/main" val="3465430031"/>
+        <p14:creationId xmlns:p14="http://schemas.microsoft.com/office/powerpoint/2010/main" val="1509817844"/>
       </p:ext>
     </p:extLst>
   </p:cSld>

--- a/DDS Attrition Analysis.pptx
+++ b/DDS Attrition Analysis.pptx
@@ -5,7 +5,7 @@
     <p:sldMasterId id="2147483672" r:id="rId1"/>
   </p:sldMasterIdLst>
   <p:notesMasterIdLst>
-    <p:notesMasterId r:id="rId15"/>
+    <p:notesMasterId r:id="rId16"/>
   </p:notesMasterIdLst>
   <p:sldIdLst>
     <p:sldId id="256" r:id="rId2"/>
@@ -14,13 +14,14 @@
     <p:sldId id="269" r:id="rId5"/>
     <p:sldId id="262" r:id="rId6"/>
     <p:sldId id="265" r:id="rId7"/>
-    <p:sldId id="261" r:id="rId8"/>
-    <p:sldId id="267" r:id="rId9"/>
-    <p:sldId id="268" r:id="rId10"/>
-    <p:sldId id="264" r:id="rId11"/>
-    <p:sldId id="263" r:id="rId12"/>
-    <p:sldId id="270" r:id="rId13"/>
-    <p:sldId id="266" r:id="rId14"/>
+    <p:sldId id="271" r:id="rId8"/>
+    <p:sldId id="261" r:id="rId9"/>
+    <p:sldId id="267" r:id="rId10"/>
+    <p:sldId id="268" r:id="rId11"/>
+    <p:sldId id="264" r:id="rId12"/>
+    <p:sldId id="263" r:id="rId13"/>
+    <p:sldId id="270" r:id="rId14"/>
+    <p:sldId id="266" r:id="rId15"/>
   </p:sldIdLst>
   <p:sldSz cx="9144000" cy="6858000" type="screen4x3"/>
   <p:notesSz cx="6858000" cy="9144000"/>
@@ -119,6 +120,22 @@
       </a:defRPr>
     </a:lvl9pPr>
   </p:defaultTextStyle>
+  <p:extLst>
+    <p:ext uri="{EFAFB233-063F-42B5-8137-9DF3F51BA10A}">
+      <p15:sldGuideLst xmlns:p15="http://schemas.microsoft.com/office/powerpoint/2012/main">
+        <p15:guide id="1" orient="horz" pos="2160">
+          <p15:clr>
+            <a:srgbClr val="A4A3A4"/>
+          </p15:clr>
+        </p15:guide>
+        <p15:guide id="2" pos="2880">
+          <p15:clr>
+            <a:srgbClr val="A4A3A4"/>
+          </p15:clr>
+        </p15:guide>
+      </p15:sldGuideLst>
+    </p:ext>
+  </p:extLst>
 </p:presentation>
 </file>
 
@@ -204,7 +221,7 @@
           <a:p>
             <a:fld id="{650D529A-7B2D-49ED-8568-7A39E44BD3F7}" type="datetimeFigureOut">
               <a:rPr lang="en-US" smtClean="0"/>
-              <a:t>4/14/2019</a:t>
+              <a:t>4/14/19</a:t>
             </a:fld>
             <a:endParaRPr lang="en-US"/>
           </a:p>
@@ -733,7 +750,7 @@
           <a:p>
             <a:fld id="{CF407A9F-5EB6-4D95-A312-7C583524791B}" type="slidenum">
               <a:rPr lang="en-US" smtClean="0"/>
-              <a:t>10</a:t>
+              <a:t>11</a:t>
             </a:fld>
             <a:endParaRPr lang="en-US"/>
           </a:p>
@@ -1377,7 +1394,7 @@
           <a:p>
             <a:fld id="{A7C24251-88EE-4A4F-BF05-631D91B7CD4E}" type="datetimeFigureOut">
               <a:rPr lang="en-US" smtClean="0"/>
-              <a:t>4/14/2019</a:t>
+              <a:t>4/14/19</a:t>
             </a:fld>
             <a:endParaRPr lang="en-US"/>
           </a:p>
@@ -1573,7 +1590,7 @@
           <a:p>
             <a:fld id="{A7C24251-88EE-4A4F-BF05-631D91B7CD4E}" type="datetimeFigureOut">
               <a:rPr lang="en-US" smtClean="0"/>
-              <a:t>4/14/2019</a:t>
+              <a:t>4/14/19</a:t>
             </a:fld>
             <a:endParaRPr lang="en-US"/>
           </a:p>
@@ -1758,7 +1775,7 @@
           <a:p>
             <a:fld id="{A7C24251-88EE-4A4F-BF05-631D91B7CD4E}" type="datetimeFigureOut">
               <a:rPr lang="en-US" smtClean="0"/>
-              <a:t>4/14/2019</a:t>
+              <a:t>4/14/19</a:t>
             </a:fld>
             <a:endParaRPr lang="en-US"/>
           </a:p>
@@ -1908,7 +1925,7 @@
           <a:p>
             <a:fld id="{A7C24251-88EE-4A4F-BF05-631D91B7CD4E}" type="datetimeFigureOut">
               <a:rPr lang="en-US" smtClean="0"/>
-              <a:t>4/14/2019</a:t>
+              <a:t>4/14/19</a:t>
             </a:fld>
             <a:endParaRPr lang="en-US"/>
           </a:p>
@@ -2163,7 +2180,7 @@
           <a:p>
             <a:fld id="{A7C24251-88EE-4A4F-BF05-631D91B7CD4E}" type="datetimeFigureOut">
               <a:rPr lang="en-US" smtClean="0"/>
-              <a:t>4/14/2019</a:t>
+              <a:t>4/14/19</a:t>
             </a:fld>
             <a:endParaRPr lang="en-US"/>
           </a:p>
@@ -2572,7 +2589,7 @@
           <a:p>
             <a:fld id="{A7C24251-88EE-4A4F-BF05-631D91B7CD4E}" type="datetimeFigureOut">
               <a:rPr lang="en-US" smtClean="0"/>
-              <a:t>4/14/2019</a:t>
+              <a:t>4/14/19</a:t>
             </a:fld>
             <a:endParaRPr lang="en-US"/>
           </a:p>
@@ -3018,7 +3035,7 @@
           <a:p>
             <a:fld id="{A7C24251-88EE-4A4F-BF05-631D91B7CD4E}" type="datetimeFigureOut">
               <a:rPr lang="en-US" smtClean="0"/>
-              <a:t>4/14/2019</a:t>
+              <a:t>4/14/19</a:t>
             </a:fld>
             <a:endParaRPr lang="en-US"/>
           </a:p>
@@ -3119,7 +3136,7 @@
           <a:p>
             <a:fld id="{A7C24251-88EE-4A4F-BF05-631D91B7CD4E}" type="datetimeFigureOut">
               <a:rPr lang="en-US" smtClean="0"/>
-              <a:t>4/14/2019</a:t>
+              <a:t>4/14/19</a:t>
             </a:fld>
             <a:endParaRPr lang="en-US"/>
           </a:p>
@@ -3240,7 +3257,7 @@
           <a:p>
             <a:fld id="{A7C24251-88EE-4A4F-BF05-631D91B7CD4E}" type="datetimeFigureOut">
               <a:rPr lang="en-US" smtClean="0"/>
-              <a:t>4/14/2019</a:t>
+              <a:t>4/14/19</a:t>
             </a:fld>
             <a:endParaRPr lang="en-US"/>
           </a:p>
@@ -3514,7 +3531,7 @@
           <a:p>
             <a:fld id="{A7C24251-88EE-4A4F-BF05-631D91B7CD4E}" type="datetimeFigureOut">
               <a:rPr lang="en-US" smtClean="0"/>
-              <a:t>4/14/2019</a:t>
+              <a:t>4/14/19</a:t>
             </a:fld>
             <a:endParaRPr lang="en-US"/>
           </a:p>
@@ -3719,7 +3736,7 @@
           <a:p>
             <a:fld id="{A7C24251-88EE-4A4F-BF05-631D91B7CD4E}" type="datetimeFigureOut">
               <a:rPr lang="en-US" smtClean="0"/>
-              <a:t>4/14/2019</a:t>
+              <a:t>4/14/19</a:t>
             </a:fld>
             <a:endParaRPr lang="en-US"/>
           </a:p>
@@ -4828,7 +4845,7 @@
           <a:p>
             <a:fld id="{A7C24251-88EE-4A4F-BF05-631D91B7CD4E}" type="datetimeFigureOut">
               <a:rPr lang="en-US" smtClean="0"/>
-              <a:t>4/14/2019</a:t>
+              <a:t>4/14/19</a:t>
             </a:fld>
             <a:endParaRPr lang="en-US"/>
           </a:p>
@@ -5384,3203 +5401,8 @@
           <a:p>
             <a:r>
               <a:rPr lang="en-US" dirty="0" smtClean="0"/>
-              <a:t>Classification Regression for Binary Outputs</a:t>
-            </a:r>
-          </a:p>
-          <a:p>
-            <a:endParaRPr lang="en-US" dirty="0"/>
-          </a:p>
-          <a:p>
-            <a:r>
-              <a:rPr lang="en-US" dirty="0" smtClean="0"/>
-              <a:t>Assumptions</a:t>
-            </a:r>
-          </a:p>
-          <a:p>
-            <a:pPr lvl="1"/>
-            <a:r>
-              <a:rPr lang="en-US" dirty="0"/>
-              <a:t>A</a:t>
-            </a:r>
-            <a:r>
-              <a:rPr lang="en-US" dirty="0" smtClean="0"/>
-              <a:t>dditive </a:t>
-            </a:r>
-            <a:r>
-              <a:rPr lang="en-US" dirty="0"/>
-              <a:t>relationship between the predictors and the natural log odds of </a:t>
-            </a:r>
-            <a:r>
-              <a:rPr lang="en-US" dirty="0" smtClean="0"/>
-              <a:t>response.</a:t>
-            </a:r>
-          </a:p>
-          <a:p>
-            <a:pPr lvl="1"/>
-            <a:endParaRPr lang="en-US" dirty="0" smtClean="0"/>
-          </a:p>
-          <a:p>
-            <a:pPr lvl="1"/>
-            <a:r>
-              <a:rPr lang="en-US" dirty="0" smtClean="0"/>
-              <a:t>Normality, Equal Variance, Independence  </a:t>
-            </a:r>
-            <a:endParaRPr lang="en-US" dirty="0"/>
-          </a:p>
-        </p:txBody>
-      </p:sp>
-      <p:sp>
-        <p:nvSpPr>
-          <p:cNvPr id="3" name="Title 2"/>
-          <p:cNvSpPr>
-            <a:spLocks noGrp="1"/>
-          </p:cNvSpPr>
-          <p:nvPr>
-            <p:ph type="title"/>
-          </p:nvPr>
-        </p:nvSpPr>
-        <p:spPr/>
-        <p:txBody>
-          <a:bodyPr/>
-          <a:lstStyle/>
-          <a:p>
-            <a:r>
-              <a:rPr lang="en-US" dirty="0" smtClean="0"/>
-              <a:t>Logistic Regression</a:t>
-            </a:r>
-            <a:endParaRPr lang="en-US" dirty="0"/>
-          </a:p>
-        </p:txBody>
-      </p:sp>
-      <p:pic>
-        <p:nvPicPr>
-          <p:cNvPr id="4" name="Picture 3"/>
-          <p:cNvPicPr>
-            <a:picLocks noChangeAspect="1"/>
-          </p:cNvPicPr>
-          <p:nvPr/>
-        </p:nvPicPr>
-        <p:blipFill>
-          <a:blip r:embed="rId3">
-            <a:extLst>
-              <a:ext uri="{28A0092B-C50C-407E-A947-70E740481C1C}">
-                <a14:useLocalDpi xmlns:a14="http://schemas.microsoft.com/office/drawing/2010/main" val="0"/>
-              </a:ext>
-            </a:extLst>
-          </a:blip>
-          <a:stretch>
-            <a:fillRect/>
-          </a:stretch>
-        </p:blipFill>
-        <p:spPr>
-          <a:xfrm>
-            <a:off x="5791200" y="4853187"/>
-            <a:ext cx="3124200" cy="1700013"/>
-          </a:xfrm>
-          <a:prstGeom prst="rect">
-            <a:avLst/>
-          </a:prstGeom>
-        </p:spPr>
-      </p:pic>
-    </p:spTree>
-    <p:extLst>
-      <p:ext uri="{BB962C8B-B14F-4D97-AF65-F5344CB8AC3E}">
-        <p14:creationId xmlns:p14="http://schemas.microsoft.com/office/powerpoint/2010/main" val="3465430031"/>
-      </p:ext>
-    </p:extLst>
-  </p:cSld>
-  <p:clrMapOvr>
-    <a:masterClrMapping/>
-  </p:clrMapOvr>
-</p:sld>
-</file>
-
-<file path=ppt/slides/slide11.xml><?xml version="1.0" encoding="utf-8"?>
-<p:sld xmlns:a="http://schemas.openxmlformats.org/drawingml/2006/main" xmlns:r="http://schemas.openxmlformats.org/officeDocument/2006/relationships" xmlns:p="http://schemas.openxmlformats.org/presentationml/2006/main">
-  <p:cSld>
-    <p:spTree>
-      <p:nvGrpSpPr>
-        <p:cNvPr id="1" name=""/>
-        <p:cNvGrpSpPr/>
-        <p:nvPr/>
-      </p:nvGrpSpPr>
-      <p:grpSpPr>
-        <a:xfrm>
-          <a:off x="0" y="0"/>
-          <a:ext cx="0" cy="0"/>
-          <a:chOff x="0" y="0"/>
-          <a:chExt cx="0" cy="0"/>
-        </a:xfrm>
-      </p:grpSpPr>
-      <p:sp>
-        <p:nvSpPr>
-          <p:cNvPr id="2" name="Content Placeholder 1"/>
-          <p:cNvSpPr>
-            <a:spLocks noGrp="1"/>
-          </p:cNvSpPr>
-          <p:nvPr>
-            <p:ph idx="1"/>
-          </p:nvPr>
-        </p:nvSpPr>
-        <p:spPr/>
-        <p:txBody>
-          <a:bodyPr/>
-          <a:lstStyle/>
-          <a:p>
-            <a:r>
-              <a:rPr lang="en-US" dirty="0" err="1" smtClean="0"/>
-              <a:t>Foreward</a:t>
-            </a:r>
-            <a:r>
-              <a:rPr lang="en-US" dirty="0" smtClean="0"/>
-              <a:t> Selection</a:t>
-            </a:r>
-          </a:p>
-          <a:p>
-            <a:endParaRPr lang="en-US" dirty="0"/>
-          </a:p>
-          <a:p>
-            <a:r>
-              <a:rPr lang="en-US" dirty="0" smtClean="0"/>
-              <a:t>Backward Selection</a:t>
-            </a:r>
-          </a:p>
-          <a:p>
-            <a:endParaRPr lang="en-US" dirty="0"/>
-          </a:p>
-          <a:p>
-            <a:endParaRPr lang="en-US" dirty="0"/>
-          </a:p>
-        </p:txBody>
-      </p:sp>
-      <p:sp>
-        <p:nvSpPr>
-          <p:cNvPr id="3" name="Title 2"/>
-          <p:cNvSpPr>
-            <a:spLocks noGrp="1"/>
-          </p:cNvSpPr>
-          <p:nvPr>
-            <p:ph type="title"/>
-          </p:nvPr>
-        </p:nvSpPr>
-        <p:spPr/>
-        <p:txBody>
-          <a:bodyPr/>
-          <a:lstStyle/>
-          <a:p>
-            <a:r>
-              <a:rPr lang="en-US" dirty="0" smtClean="0"/>
-              <a:t>Model Selection	</a:t>
-            </a:r>
-            <a:endParaRPr lang="en-US" dirty="0"/>
-          </a:p>
-        </p:txBody>
-      </p:sp>
-    </p:spTree>
-    <p:extLst>
-      <p:ext uri="{BB962C8B-B14F-4D97-AF65-F5344CB8AC3E}">
-        <p14:creationId xmlns:p14="http://schemas.microsoft.com/office/powerpoint/2010/main" val="4116180965"/>
-      </p:ext>
-    </p:extLst>
-  </p:cSld>
-  <p:clrMapOvr>
-    <a:masterClrMapping/>
-  </p:clrMapOvr>
-</p:sld>
-</file>
-
-<file path=ppt/slides/slide12.xml><?xml version="1.0" encoding="utf-8"?>
-<p:sld xmlns:a="http://schemas.openxmlformats.org/drawingml/2006/main" xmlns:r="http://schemas.openxmlformats.org/officeDocument/2006/relationships" xmlns:p="http://schemas.openxmlformats.org/presentationml/2006/main">
-  <p:cSld>
-    <p:spTree>
-      <p:nvGrpSpPr>
-        <p:cNvPr id="1" name=""/>
-        <p:cNvGrpSpPr/>
-        <p:nvPr/>
-      </p:nvGrpSpPr>
-      <p:grpSpPr>
-        <a:xfrm>
-          <a:off x="0" y="0"/>
-          <a:ext cx="0" cy="0"/>
-          <a:chOff x="0" y="0"/>
-          <a:chExt cx="0" cy="0"/>
-        </a:xfrm>
-      </p:grpSpPr>
-      <p:sp>
-        <p:nvSpPr>
-          <p:cNvPr id="2" name="Content Placeholder 1"/>
-          <p:cNvSpPr>
-            <a:spLocks noGrp="1"/>
-          </p:cNvSpPr>
-          <p:nvPr>
-            <p:ph idx="1"/>
-          </p:nvPr>
-        </p:nvSpPr>
-        <p:spPr>
-          <a:xfrm>
-            <a:off x="457200" y="1481328"/>
-            <a:ext cx="3886200" cy="4525963"/>
-          </a:xfrm>
-        </p:spPr>
-        <p:txBody>
-          <a:bodyPr>
-            <a:normAutofit/>
-          </a:bodyPr>
-          <a:lstStyle/>
-          <a:p>
-            <a:r>
-              <a:rPr lang="en-US" sz="2000" dirty="0" smtClean="0"/>
-              <a:t>Older employees tend to be promoted less often</a:t>
-            </a:r>
-          </a:p>
-          <a:p>
-            <a:endParaRPr lang="en-US" sz="2000" dirty="0"/>
-          </a:p>
-          <a:p>
-            <a:r>
-              <a:rPr lang="en-US" sz="2000" dirty="0"/>
-              <a:t>Sales Representatives tend to be the </a:t>
-            </a:r>
-            <a:r>
-              <a:rPr lang="en-US" sz="2000" dirty="0" smtClean="0"/>
-              <a:t>youngest</a:t>
-            </a:r>
-          </a:p>
-          <a:p>
-            <a:endParaRPr lang="en-US" sz="2000" dirty="0"/>
-          </a:p>
-          <a:p>
-            <a:r>
-              <a:rPr lang="en-US" sz="2000" dirty="0"/>
-              <a:t>M</a:t>
-            </a:r>
-            <a:r>
-              <a:rPr lang="en-US" sz="2000" dirty="0" smtClean="0"/>
-              <a:t>anagers </a:t>
-            </a:r>
-            <a:r>
-              <a:rPr lang="en-US" sz="2000" dirty="0"/>
-              <a:t>and </a:t>
-            </a:r>
-            <a:r>
-              <a:rPr lang="en-US" sz="2000" dirty="0" smtClean="0"/>
-              <a:t>Directors </a:t>
-            </a:r>
-            <a:r>
-              <a:rPr lang="en-US" sz="2000" dirty="0"/>
-              <a:t>tend to be </a:t>
-            </a:r>
-            <a:r>
-              <a:rPr lang="en-US" sz="2000" dirty="0" smtClean="0"/>
-              <a:t>older</a:t>
-            </a:r>
-          </a:p>
-          <a:p>
-            <a:endParaRPr lang="en-US" sz="2000" dirty="0"/>
-          </a:p>
-          <a:p>
-            <a:r>
-              <a:rPr lang="en-US" sz="2000" dirty="0"/>
-              <a:t>Healthcare </a:t>
-            </a:r>
-            <a:r>
-              <a:rPr lang="en-US" sz="2000" dirty="0" smtClean="0"/>
-              <a:t>Representatives </a:t>
-            </a:r>
-            <a:r>
-              <a:rPr lang="en-US" sz="2000" dirty="0"/>
-              <a:t>tend to be older than </a:t>
-            </a:r>
-            <a:r>
-              <a:rPr lang="en-US" sz="2000" dirty="0" smtClean="0"/>
-              <a:t>Manufacturing </a:t>
-            </a:r>
-            <a:r>
-              <a:rPr lang="en-US" sz="2000" dirty="0"/>
-              <a:t>D</a:t>
-            </a:r>
-            <a:r>
-              <a:rPr lang="en-US" sz="2000" dirty="0" smtClean="0"/>
-              <a:t>irectors</a:t>
-            </a:r>
-            <a:endParaRPr lang="en-US" sz="2000" dirty="0" smtClean="0"/>
-          </a:p>
-          <a:p>
-            <a:endParaRPr lang="en-US" sz="2000" dirty="0"/>
-          </a:p>
-          <a:p>
-            <a:endParaRPr lang="en-US" sz="2000" dirty="0"/>
-          </a:p>
-        </p:txBody>
-      </p:sp>
-      <p:sp>
-        <p:nvSpPr>
-          <p:cNvPr id="3" name="Title 2"/>
-          <p:cNvSpPr>
-            <a:spLocks noGrp="1"/>
-          </p:cNvSpPr>
-          <p:nvPr>
-            <p:ph type="title"/>
-          </p:nvPr>
-        </p:nvSpPr>
-        <p:spPr/>
-        <p:txBody>
-          <a:bodyPr/>
-          <a:lstStyle/>
-          <a:p>
-            <a:r>
-              <a:rPr lang="en-US" dirty="0" smtClean="0"/>
-              <a:t>Other </a:t>
-            </a:r>
-            <a:r>
-              <a:rPr lang="en-US" dirty="0" smtClean="0"/>
-              <a:t>Job Role Trends</a:t>
-            </a:r>
-            <a:endParaRPr lang="en-US" dirty="0"/>
-          </a:p>
-        </p:txBody>
-      </p:sp>
-      <p:sp>
-        <p:nvSpPr>
-          <p:cNvPr id="4" name="AutoShape 2" descr="data:image/png;base64,iVBORw0KGgoAAAANSUhEUgAABUAAAAPACAMAAADDuCPrAAAAolBMVEUAAAAAADoAAGYAOpAAZrYzMzMzZv86AAA6Ojo6kJA6kNs9PT1NTU1NTW5NTY5NbqtNjshmAABmZmZmtv9uTU1uq+SOTU2Oq6uOyP+QOgCQkLaQ29uQ2/+rbk2rjk2r5P+2ZgC2kDq2///Ijk3I///KysrW1tbbkDrb///kq27k5Kvk///r6+v/tmb/yI7/25D/5Kv//7b//8j//9v//+T////sHfwrAAAACXBIWXMAAB2HAAAdhwGP5fFlAAAgAElEQVR4nO2da4PcxpFlMWNJ3hXbkrwiufLucM0ZSuJw1GxzaPL//7WtB6oK9ehCAgjg3kic88Wk2B0duJV5jCpkZjdfAQBgFI26AQCArCBQAICRIFAAgJEgUACAkSBQAICRIFAAgJEgUACAkSBQAICRIFAAgJEgUACAkSBQAICRIFAAgJEgUACAkcwn0MdxjP5GBxL3Tu4ayF3DBEEh0NlI3Du5ayB3DQjUkcS9k7sGcteAQB1J3Du5ayB3DQjUkcS9k7sGcteAQB1J3Du5ayB3DQjUkcS9k7sGcteAQB1J3Du5ayB3DQjUkcS9k7sGcteAQB1J3Du5ayB3DQjUkcS9k7sGcteAQB1J3Du5ayB3DQjUkcS9k7sGcteAQB1J3Du5ayB3DQjUkcS9k7sGcteAQB1J3Du5ayB3DQjUkcS9k7sGcteAQB1J3Du5ayB3DQjUkcS9k7sGcteAQB1J3Du5ayB3DQjUkcS9k7sGcteAQB1J3Du5ayB3DQjUkcS9k7sGcteAQB1J3Du5ayB3DQjUkcS9k7sGcteAQB1J3Du5ayB3DQjUkcS9k7sGcteAQB1J3Du5ayB3DQjUkcS9k7sGcteAQB1J3Du5ayB3DQjUkcS9k7sGcteAQB1J3Du5ayB3DVqBvnvY8Mv+z59fb/78CoFuSdw7uWsgdw1Kge6UueGn7V8+vdz9+cc/EOg6B5QDiXsndw1CgX55s7vh/PDwl7/vZPrTzqKvYgTabBh5ZQal1jigHEjce1zugeO9lILeBV0VIRToU3u7+WGrzvYvn17+8GuEQJsmLHBFKSayhsS9h+UeON6L6e9d0VUROoFubkB/Of3t3f7W8/w/jhZo04QFLinFRNaQuPeo3APHezm9vUu6KkIn0M+vOzebX95s38d/3d6Ovpou0KYJC1xTiomsIXHvQbkHjvcB9PWu6aoInUA/vfzxj6eHh90noCebftg/Utrwbcvgwptmjoz45gylAObBc5B6dhXKKIH+v/1T+FcdgT4hUAAZnoPUs6tQhl/ZU7uA6Wl7D3pDoAdG3B3zFl4Hb+E18BZeg+4t/NNh2fz2XXusQHmIpAOBauAhkgblZ6Dtc6Pth6E3PgOdIlCWMclAoBpYxqRBKdDWmds/xD6Ff2QhvQwEqoGF9BqU60A7d6Bf3+3XfwatA51yYQ4k7p3cNZC7BuFOpHftu/XdTWfwTiQGlApy10DuGoQCbTe+P82yF54BJYLcNZC7BuVpTE/7ZaD7N+3tXziNaUvi3sldA7lrkJ4H+uXNRpmH9+ycB3oice/kroHcNXAivSOJeyd3DeSuAYE6krh3ctdA7hoQqCOJeyd3DeSuAYE6krh3ctdA7hpqFSg7kQbgGVYgprlHgkA1VCpQ9sIPwDOsQExzDwWBaqhToJzGNADPsAIxzT0WBKqhSoE2TdhM1pRackB5hhWIae7BIFANCNSxFAINxDT3YBCoBgTqWAqBBmKaezAIVAMCdSyFQAMxzT0YBKqhSoGaPhcpL8VDpEhMc48FgWqoU6CmK3OKS7GMKRTT3ENBoBoqFajp2vDSUiykj8U090gQqIZaBcqAEkHuGshdAwJ1JHHv5K6B3DUgUEcS907uGshdAwJ1JHHv5K6B3DUgUEcS907uGshdAwJ1JHHv5K6B3DUgUEcS907uGshdAwJ1JHHv5K6B3DXUKlDPteH1L+j2XEhfSt7cqxeo54SeUMtboJ67E+vfUui5lbOYtLlXL1DPCT2llrVAPc/HqP9QC8/DRMrJmvtj7QL1nNCTajkLtGnCUtKUSjoZAsPSkDT3LVUL1HNCT6uFQGcslXQyIFAdCLQMBDr3hTmUSjoZEKgOBFoGAp37whxKJZ0MCFQHAi0DgQ65sjHf61Aq62RI7s+0uT9WLlDTCV3tQyTXVQ/FpdJOhtz+zJt77QI1ndDVLmNyXXdbWirvZEjtz8S51y5Q0wld7UL6+geUK+Sugdw11LqVkwElgtw1kLsGBOpI4t7JXQO5a0CgjiTundw1kLsGBOpI4t7JXQO5a0CgjiTundw1kLsGBOpI4t7JXQO5a0CgjiTundw1kLsGBOpI4t7JXQO5a6hVoJ4bF+rficREFkHuGioVqOfW2fr3wjORVZC7hjoF6nl4S/2nMT0ykVWQu4YqBTrpnD6HUmscUA4k7p3cNSBQx1JrHFAOJO6d3DUgUMdSaxxQDiTundw1IFDHUmscUA4k7p3cNVQpUB4i6WAiayB3DXUKlGVMMpjIGshdQ6UCZSG9CiayBnLXUKtAGVAiyF0DuWtAoI4k7p3cNZC7BgTqSOLeyV0DuWtAoI4k7p3cNZC7BgTqSOLeyV0DuWtAoI4k7p3cNZC7BgTqSOLeyV0DuWtAoI4k7p3cNZC7hloFykL6AQReoedE9sw9MnbP3EvJ2/v419BboGzlHEDgFXpOZM/cQ2O3zL2YtL1PeA2tBcphIgMIvMJHy4nsmXts7I65l5O19ymvobNABxwc51lKMZGDprLfRPbMPTh2w9wHkLT3Sa8hAp2xFAINxDN3BNohae8I1LUUAg3EM3cE2iFp7wjUtRQCDcQzdwTaIWnv1QqUh0hDqH4ie+YeG7tj7uVk7X3Ka2gtUJYxDaH6ieyZe2jslrkXk7b3Ca+ht0BZSD+E6ieyZ+6RsXvmXkre3se/huYCZUCJIHcN5K6h1q2cDCgR5K6B3DUgUEcS907uGshdAwJ1JHHv5K6B3DUgUEcS907uGshdAwJ1JHHv5K6B3DUgUEcS907uGshdAwJ1JHHv5K6B3DUgUEcS907uGshdQ60CrX4nUuQ2Fs+dSJ65B8JOpAN5e691J1L1e+EjN1J77oX3zD0Q9sIfSdt7rXvhA0+6kZTqvejIo3wia8VNZM/cA4mNHYEqmPIaOgu0acJGp6ZU30UHdmV6Hqhn7oEEx45ABUx6DRHojKUQqGfugSDQDkl7zyHQEZwujFKL1orDNKw4PLuCIYROw+klnmHp/2dwKMUdqGfugQTHzh2ogEmvobNAeYg0T1sl8BCpkNjYEaiCKa+htUBZxjQEz4nsmXsgobEjUAkTXkNvgbKQfgieE9kz90AiY0egGsa/huYCZUCJIHcN5K6h1q2cDCgR5K6B3DUgUEcS907uGshdAwJ1JHHv5K6B3DUgUEcS907uGshdAwJ1JHHv5K6B3DUgUEcS907uGshdAwJ1JHHv5K6B3DUgUEcS907uGshdQ60CrX4nUiSeO5ECMc09EnLXUKlAq98LH4nnXvhATHMPhdw11ClQyVE+gaUEh1q4ncYUiGnusZC7hioF2jRhUtCUUhyr5nUeaCCmuQdD7hoQqGMpBBqIae7BkLsGBOpYCoEGYpp7MOSuAYE6lkKggZjmHgy5a6hSoDxEGkKoPw0nsmvusZC7hjoFyjKmIUT603Eiu+YeCrlrqFSgLKQfQuAVWk5k19wjIXcNtQrUc0CVkrh3ctdA7hoQqCOJeyd3DeSuAYE6krh3ctdA7hoQqCOJeyd3DeSuAYE6krh3ctdA7hoQqCOJeyd3DeSuAYE6krh3ctdA7hoQqCOJeyd3DeSuoVaBVr+QPnLxu+dC+siuClk490gQqITxw8FboNVv5Yzcfum5lTO0q0KWzT0UBKpgwnCwFmj1h4lEHgDieZhIbFeFLJp7LAhUwJTh4CzQpgkb6JpSfRcd2JXpcXbBXRWyZO7BINDlmTQcEOiMpRAoAh0IAl0eBOpaCoEi0IEg0OVBoK6lECgCHQgCXZ5qBcpDpHnaKoGHSBoQqIApw8FaoCxjGkKoE1jGpAGBKpgwHLwFykL6IUTWYiG9BgQqYfxwMBcoA0oEuWsgdw21buVkQIkgdw3krgGBOpK4d3LXQO4aEKgjiXsndw3krgGBOpK4d3LXQO4aEKgjiXsndw3krgGBOpK4d3LXQO4aEKgjiXsndw3krgGBOpK4d3LXQO4aahVo9TuRIql+J5Jp7pFY5l5K3txr3YlU/V74SKrfC2+aeyiOuReTNvda98IHHpojKbXogIo9YcjwNCbT3GMxzL2crLlPCctZoE0TNgw0pZYcUIFXuMXvPFDT3IPxy30ASXOfFBYCnbEUAq0/92D8ch9A0twRqGspBFp/7sH45T6ApLkjUNdSCLT+3IPxy30ASXOvVqA8RBpC7IwxfJhhmnsshrmXkzX3KWFZC5RlTEMInTGOy2lMcw/FMfdi0uY+ISxvgbKQfgiRM8ZyQbdp7pFY5l5K3tzHh2UuULa2iSB3DeSuodatnAwoEeSugdw1IFBHEvdO7hrIXQMCdSRx7+Sugdw1IFBHEvdO7hrIXQMCdSRx7+Sugdw1IFBHEvdO7hrIXQMCdSRx7+Sugdw11CrQ6hfSRy539lxIHwgL6QfgOd5NqXUhffVbOSM33Hlu5QyErZwD8BzvptS6lVNyEkVgqd6LDuzK9DCRQAJz98XwMJH6c58SlrNAmyZsGGhK9V10YFemx9kFEpi7MX7H2dWf+6SwEOiMpRBoIPVP5C0IdHkQqGspBBpI/RN5CwJdHgTqWgqBBlL/RN6CQJenWoHyEGmetkrwE+gKHmY88hBJwpSwrAXKMqYhRNZyFOgKltOwjEnDhLC8BcpC+iFE1nIU6AoWdLOQXsP4sMwF6jmRS0ncO7lrIHcNtW7lZECJIHcN5K4BgTqSuHdy10DuGhCoI4l7J3cN5K4BgTqSuHdy10DuGhCoI4l7J3cN5K4BgTqSuHdy10DuGpQC/fz6YccPvx7/9gqBbkncO7lrIHcNSoF+etkRaPuXH/9AoOscUA4k7p3cNSgF+vTw0/HPm/vPn3YWfRUjUHYiDYCdSC2OvZcR+RLG4TnePaZOgEDfdWz5tL/3/PRy/35+qkDZCz8A9sIfMOy9jNCXMAzP8W4ydaYL9Mubv/z9UqZf3jz8EiDQKaekOJTiNKZIAnM3JfYljMJzvLtMnekC/fz6x/962X4CepTph6v38BOui/NAY9sqwU+ggbmbEvwSBuE53m2mznSBHp4hbe85P79u37p/OH4u+m3L8MJfTxc24ptXViq0liXVX6DpFXqOd9epM6LE037V0qeXm5vPo0CfEOiypUxnXyDVX6DpFXqOd9epM6LE4WZz+679hkAPLH1r7VCKt/CBBOZuSvBLGITneLeZOtMFeuDTyx//iBWo6WfO5aV4iBRJYO6mOPrTdby7TJ1Igf7w643PQKcI1HTVQ3EpljGFEpi7KY7+dB3vJlMnUqA//hH7FP7Rdd1taSkW0scSmLspjv50He8eU2eyQI/O3L1rf7df/xm0DvTRdCKXkrh3ctdA7hqEWzkPG5F27gzeicSAUkHuGshdg1Cgn17u7jb36ozeC8+AEkHuGshdg/IwkQ/d0+yeHjiN6Uji3sldA7lrkB6ovDsC9KfuX15df9HSF+ZA4t7JXQO5a+BEekcS907uGshdAwJ1JHHv5K6B3DUgUEcS907uGshdQ60C9Vx3a7qg2zOsQExzjwSBaqhUoJ47v0y3FHqGFYhp7qEgUA11CtTz7IHyUosOKM+wAjHNPRYEqqFKgTZN2EzWlFpyQHmGFYhp7sEgUA0I1LEUAg3ENPdgEKgGBOpYCoEGYpp7MAhUAwJ1LIVAAzHNPRgEqqFKgZo+FykvxUOkSExzjwWBaqhToKYrc4pLsYwpFNPcQ0GgGioVqOna8NJSLKSPxTT3SBCohloFyoASQe4ayF0DAnUkce/kroHcNSBQRxL3Tu4ayF0DAnUkce/kroHcNSBQRxL3Tu4ayF0DAnUkce/kroHcNSBQRxL3Tu4ayF0DAnUkce/kroHcNSBQRxL3Tu4ayF1DrQJlR8wAIsOKm8j17wCLxFKg5H7vG50Fyp7sAYSGFTaR6z+DIBRHgZL73W80FiinAg0gNqyoiVz/KVixGAqU3O9/o69AmyZWCjEM6CrpeaBbgiZyYFemuQfjJ1By7/lGBDoM0wGFQE+scSLPBrn3fCMCHYbpgEKgJ9Y4kWeD3Hu+EYEOw3RAIdATa5zIs0HuPd/oK1AeIg0hNiweImnwEyi593yjsUBZxjSE0LBYxqTBUKDkfv8bnQXKQvohRIbFQnoNjgIl97vfaC1QzwFVSuLeyV0DuWtAoI4k7p3cNZC7BgTqSOLeyV0DuWtAoI4k7p3cNZC7BgTqSOLeyV0DuWtAoI4k7p3cNZC7BgTqSOLeyV0DuWtAoI4k7p3cNZC7BgTqSOLeyV0DuWuoVaCCbSyBpQou2nOrlWlbnjtiQrNiB1gxHrl7C1SxkTqwVP9Fe272N23Lc092bFacQVCKSe7WApUc5RNYqveiA7uKxLOtwNwDCc6KU7AKccndWaBNE5aSplTfRQd2FYlnW4G5BxKdFeewlmGTOwKdsRQCDYSJPADP8R6ITe4IdMZSCDQQJvIAPMd7IDa5I9AZSyHQQJjIA/Ac74HY5O4sUB4iifBsKzD3QIKz4iFSIS65WwuUZUwiPNsKzD2Q2KxYxlSKSe7eAmUhvQjPtgJzDyQ0KxbSF+ORu7lA2domgtw1kLsGBOpI4t7JXQO5a0CgjiTundw1kPvy/LbhdwRqSOLeyV0DuS/KbwcQqCOJeyd3DeS+FL+dgUAdSdw7uWsg99n57RYI1JHEvZO7BnKfj5vmRKDGJO6d3DWQ+zzck2fNAmUh/QA8wwqEBd3eePbe584tL16MfQ29BcpWzgF4hhUIWwrNseu9xJ17f74Y+xpaC1RyIkJgqUUPE/EMK5DA3AMJzgqBBlHqztafL8a+hs4CbZqw0akpteRxdp5hBRKYeyDRWSHQ6Qxx58GfL8a+hgh0xlIINBAEao++96HuRKDWpRBoIAjUHmHvo8yJQM1LIdBAEKg9it6nmLN2gZo+FykvxUOkSAJzDyQ4KwQ6gAB5Hg069jW0FqjpypziUixjCiUw90Bis0KgZUS582jQsa+ht0BN14aXlmIhfSyBuQcSmhUC7SXWnQeD1rmQngGlgtw1kPtd5pDnjlq3cjKgRJC7BnJ/jtnciUBtSdw7uWsg9xvM604Eakvi3sldA7l3WcCcCNSYxL2TuwZy37KcOBGoM4l7J3cN5L68PBGoK4l7J3cNq85d404Eakvi3sldw1pzF7oTgdqSuHdy17C63NXmbKlVoLk317ATKRbPHWCmO5E8d96dmOy87Q72AHXuqVSgybd3sxc+FM8zCEz3wnue/dASobzdGUphBq1ToIEn3QQfmlMGpzFFUt7VkrkHZxUlUMkVlvQeZbwXL0INWqVAmyZsGASWGgDngQYyoKsFc4/OKkigmivs6T3IdTtevIg1KAJdrNQAEGggCHQAbgKNsVyH9Ql0BKeXzqlUIJFdEVb2UpEYXeHvs3ASaFDByTm1aQXVuWaE3I1vFMrgDjSQkDuhwaUCuyqiqjvQmJvDm6zvDnRMc4FjU6IEHiJFUt4VD5HED5FipHaXUH9+9913VQrUd7VJGSxjCqW4K5YxqZYxheisjAh/fneiToHarncug4X0sZR2xUL6R8EVbt4Hx6ixkAn+/O6aSgW6vq1tJpC7hpy5t15aVqBjuGFOBOpL4t7JXUO63Lt6Mhbo8+ZEoL4k7p3cNWTK/cpSjgLtNeeWWp/CP+YaUFck7p3cNSTJ/basvARaJM4DCNSRxL2Tuwb/3O8oy0OgZbecFyBQRxL3Tu4ajHPvV5daoGPM2YJAHUncO7lrcMy9WGBCgY42ZwsCdSRx7+SuwS33QRbTCHSaOVtqFajnemfPBd2RVJ+7K0YL6YerrECggUd4vngRYc6WSgXquePOc0thJNXnbovHVs6RSusXaND+9ThxHqhToJITEQJLLXqYSCDV5+6L/jCRCV7rFejkE0BC3q7fokqBNk3Y9NOUWvI4u0Cqz90Y6XF24/3TWqjn3yecQddjzinu3IFAHUshUM/cjVEJdKJ/Wgv1/Psogfaqc6o7dyBQx1II1DN3YxYXaIR9jhbq+fdBAu0X53ffcaDyXaqfyAh0nlIItD+sGO9cWKjn34sEWiLO7ziRftAwGHlt8lI8RDLN3ZdFHiLFOOeGhfq+4K70ysxZVGpE61UKtP7lNJb+XEHutsy9jCnIN89YqPcrbkpvmDnvlhpNpQKtf0G3pT9XkLsrMy6kj3LNHQv1f8mZ9MaZ82apqdQqULutbYNI3Du5a5gj9zDL9Fqo/EsniHMWEKgjiXsndw2huS/roFKBepmzBYE6krh3ctcQlrvEQn1fYGjOFgTqSOLeyV1DRO46C935N1dztiBQRxL3Tu4aJuYuttCN/2Z7z3kOAnUkce/krmF87moF/XYuUMtPOp8HgTqSuHdy1zAqd7V9DuwE2mdOO3fuQKCOJO6d3DUMzV0tng795vR05w4E6kji3sldQ3HuauN0KDGnrzr31CrQ6nfERO5Eiqxl9KslhpfKuwOsIHe1arrkF2fLixdjh4O3QKvfkx25Fz50X73Hr5YYWSrtGQR9uas9c6CCW84zXmwFOm44WAu0+lOBArsKPtlJ/6slJpTKegrW453c1Y7ZUcOb9Ru82At01HBwFmjThA10TaklzwONrPUo/tUSU0slPYd1y63c1X75rdScwt8LP4UXB4GOGQ4IdMZSCLT+3IO5yF3tlt8Gfc6JQBFoaCkEWn/uwZxyV2vlt+G/yQ2BItDQUgi0/tyD2eWuNspvI4/9QKBeAuUh0jxtlcBDJAUbB8klNMacLfLeR1LrQySWMQ0i1AksY1qU41wWCnSCOVtSCbQb/4Th4C1QFtIPIbIWC+kX42xaSwQ66v36DXII9NZrMH44mAuULYUiyH0Jrmf3ogK9L85B7txhLtB7r8QEQSHQ2UjcO7nPzDOTfBGB9opzuDt3uAq04OVAoI4k7p3cZ+TOXJ9XoCXmnLCTyE6g5S8JAnUkce/kPg99U34mgc5szha9QEe/LgjUkcS9k3s4RQaIFugy5mwRCnTqi4NAHUncO7nHMUQEYQJdUpwHFAINeo0QqCOJeyf36YzxwXSBKszZsqhAY18rBOpI4t7JfRpjtTBFoDpztiwj0FleLwTqSOLeyX00k+wwUqBic7bMJdAFXrRaBcpOpAF4hhVIYO7zMN0VwwXqYM6Wgt63287LC94NO3SMVipQ9sIPwDOsQAJzj2a8dC4YItD75nwxzFUR9Pf+oqyrkshjx2idApUc5RNYKutpTJFtxRGYexwR3ulSJNCCe84XLwpdFUlv771dlQcfPEarFGjThKWkKZX0PNDItuIIzD2IUPm03Bdo8dv1Fy8UBu0T6J2uhmYfPUYRqGMpBBqIlUDnEdBvzwq0x5xXH3UmEOi0FwCBFuDpBASqwUWgMzvoUkK96rz5mMhZoJZjFIE6lkKggRgIdAkHHSTUL857T9gtBeo8RqsUqOlzkfJSPESKJDD34SxjoI2DSsRZsDbJ6iHSiJewl+AxWqdATVfmFJdiGVMogbkPYSH7BJnzgMCfVwKd8BL2EztGKxWo6drw0lIspI8lMPcSFtJOsDkPLO/PjUB7M3Udo7UKlC2FIlad+0K+mcmcEkJyF4JAHUnc+2pzX8Y31Yjz7J4z8ZhBoI4k7n2NuS9jnBrNOS13BxCoI4l7X1nuyzinwJzC3wtfSGjuNiBQRxL3vpbcl9JO6T2no0DnyN0NBOpI4t5rz30p+Qx9t24l0BlydwWBOpK495pzX8I9Yz/p9BDoPLk7g0AdSdx7pbnP754+c/Y8JRILdK7c7alVoJ7rbk0X0gfi2dak3M9NEb/MvN+cJU/Y4wQqOPt9jePdW6CeO79Mt3IG4tnW+Nxv2iXKoCXmLF6cFCbQ0iucNffxpZZlQlvWAvU8e6C81KKHiQTi2da43O/YZapBI8V5IEqgkrPf1zjenQXaNGGBa0oteZxdIJ5tDc+91y5jDTqHOVuCBHrrChfLPaLUkkxqC4HOWGqNA2o2BnQ14VdL9DCfOVvmEOhiua9xvCPQGUutcUDNRklXBwsN0UsRM95znhMqUMZ7EQjUtdQaB9Rs9HR1ZqEivZQJdClztsQIlPE+hGoFykMkEZ5tPdvVtYX6BFPmz0XN2TJRoP1hBeZ+xRrHu7VAWcYkwrOtG109Y6Fe0fT5c3lztgwV6JCwAnO/zRrHu7dAWUgvwrOtTlf3LdQvnmf9qTJnS7FAh4QVmPtd1jjezQVa65ZCe2xzL7LQGHVpxXmgX6DqF+AOrmOmgFq3cvpO5BIS926Ze7GFhklLfNN5xh2BqtPvx3HMFIJAHUncu1vuwyxU9mU9H3RKDoe/JVB19sWYjZkhIFBHEvdulPsIC93/515xaty5YydQdeJj8Rkzg0GgjiTu3ST3kRZ65r+XmFP6O4lsch9H4t4RqCOJe9fnPsFDVwJNYM4Wfe4TSNw7AnUkce/S3Kfq6CTQPOZsYbxrkAv008sf/9j94fPrh4eHVwh0S+LeNbkHWel37885dzyTAONdwwICfds0//JvX99+f/Mfv7x52Av008uHLa1NEWhWls09UExZzdnCeNcwu0Dfb9fq/8u//fNvzb/+x41//tA6c3P/+dPOoq9iBMpOpAF4htXHAPdM2n55bs7AX+lRWqoojTiBeo73QELH6NwC3flzI9D//mvT/Ok/r/55e9+5E+jT/n8+vfzh1wiBshd+AJ5h3WOEqW67avA9Z+Cv9Hi+1JhIwgTqOd4DiR2jMwv0H3/e3Hj+9183b+G3Bv358p83b+D/9/4z0Hf7W8/Nf/glQKBTTklxKLXo6TSeYT3HaFNdumrUu/WYX+nxbKkJuUQJ1HO8BxI8RmcW6NvtbedOoF83b+K/ufzndw8/7R8ifXnzl7/v/suHq/fwI3prmrCUNKWWPB/RM6xrJpvq6Krxn3NO/ZUez5aaHk+QQD3HeyDRY3RegW6kubnr3Av068erT0G379v3Av38un3r/mH7UeiOb1tum/kup5BGfPPKSrm2deL3iZxUdd+cg0pNbepdyNgAACAASURBVOpQKjirydiPhql4dvWcQPfqbAX6jz9fCPTz681t54VAnxDosqVc29oxWVOtqnrerg+1XoRATSey82gIwbOrcQLdfe75rEAPjLg7PoU08vZaXYq38EELlHrMefmGfb5fKvfb5dv0yKy28Ba+DJvciwR69hb+/cVj+A+7B+9zCNT0uUh5qXU/RBohpyt6zXnzw86gX+lxwZxZHeEhUiEuuRcJ9Ovb7eeee4H+48/nD5E+vdw9N3r2M9ApAjVdmVNcaqXLmAZp6RkKzPn8c6Lpv9Kjy6xZXcIyplJMci8T6Maa2zWgG4G+3+1HOrsBPfLDr7FP4R9d14aXllrbQvpSO95lijlbpvxKjw6zZvUMLKQvxiP3MoG2C+n3nG/mPBPo13f79Z9B60CnXJgDiXsfnHuZHe8w6Z7znKm/GniWRMtgvGtYZivnDX8eaA8TCd6JxIBSMST3abYqEefA3eujBTpfnqUw3jUsc5hIc3MfZ1eg0XvhGVAiCnMfa6otM5izZbhAZ06zHMa7Bpvj7J4eOI3pSOLe+3IfJbYjc5mzpUCgy6Q4HMa7BhuBch5oh8S9P5v7FLFtmdWcLfcEumiKw2G8a5ALtJelL8yBxL3fyn2q12YX54GbAl0+wzEw3jXMK9DtEUznXB3IhEBvkLj3i9ynKm0hc7acC1SU4DgY7xqWFujtY5UR6DmJez/lPkllS91zntMKVJnfWBjvGhYX6LOP42MFKl8bPqnUwgvpA9m2NUVh83zQ2bv6ve1+jQu6rxCMrNzjfdx3Fgl0twx0v/7zY7PdyfnPvw1+Fz/6uix2J44rtexWzjCmHNjeZ84p9513ujq/gDVuKbxEMbKSjvdJbZUJtHMG6P5gka9vr49Vjhfo4W531JUZlFr0MJEYOqYaZtB+c059z15+9vsaD7W4QDKyEo73HVPaKhJoK82DTLfv3j8OfQ8/4bq8TmgbUGrJ4+ymc2WqMoOWmDPi484BZ7+v8Vi1czQjK9d4PzKprSKBtgfZ7dmfB3p1KigCvSbNgLqnqknmDBDnRVcRuQeCQDukGe/nLCHQsztQBFqNQO+p6lmBLmzOlsDcA0GgHfzH+03mF+jmLfzxDXv7Z97CpxboXVU9L1CJOYeHhUAR6ADmF+juLKb9PejHZvc8/vJY5VkEykOkWehX1pU/F77nnBoWD5F4iDSEKW2VCXS7bOnI5tbzbcMypoIvtFvWUWqwgz9LxDm/OQ8E5h5I7EvIMiYFE9oqE+jhMLst7TLQgTegLKSfVmoyw0y2sDkLryEw90BCX0IW0ksY31apQA8K3XlzI9DbxyqHC5StbZMZKjNHcw7EIvdxMN41cBqTI9reh+ssvTlbEo8ZxruGBQX6z78NPkgEgS5NsDvjxLnICR+JxwzjXcNiAt0+j0eghUh6D3VnMnO2JB4zjHcNywi0PZUJgRaydO9x4vzu96m/2VJizpbEY4bxrmEJgbYP4s9/LTwCvcNivceJ83DXGSDQpS7+msRjhvGuYXaBfmwXMQ1++o5AZ2SY0frM2X3HPkqgc19uKYnHDONdw7wCPa6jH61PBBpLtDmvPu0cJtDZrnMciccM413DnAJ93751/78jVn8i0GDizXn7QVGhQOMvMILEY4bxrmE2gR5+m8fP45bPTxUoO5E69Nmss319tDivSxmZk51I3iTufS6B7v2596ZAoOyFbym5G9ztX59qzk6pkl+esSjshTcnce/zCfT00H15gR6234+8NnmpkNNpSty5JcScXX9eGLQ8oJkIzD2QwIG1BYFqmPcOdH/05+ICbZqw0akpNe18xDhxDlwPP+CXZyxIYO6BBA6sHQhUw3wPkd7uh8f3CHR4qZECLRVduDnPBRr4xjQCBGpP4t7nfArfPkda/in86gRa7rh5zNkSLYUYEKg9iXufeSH95GX0CPReqUG/QLjHnKN+nfvoK1wQBGpP4t5n34l0WEu/6E6kwLEpKVXyEGnAL2DvM+fwX+Y++ZdnLElg7oEEZ4VANSyxF/4ff96NlCX3wgeOTUWpnov+7e56oVJzHr9qiD+jrnBRonKPJTYrBKphoePs3u4Gy4KnMQWOTUGp5y/6zHojzXn1QWeJP4OvcFmm5z4HoVkhUA2LnQe6faLEcXaF3Oi97AZxhodEQ1uvLPcskLuGJX+lx3sEWki391LR9apzqDtHtl5L7skgdw38TiRHdr2HiXOoOqe1nj73nJC7BgRqx0ZhJScalYhzSXO25M39cZ0T2YHEvSNQH04muytQU3O2JMz9ROLeyV0DAjXgSmi3BeptzpZMuV+RuHdy14BAlTzntQuBxptzvktKkftzJO6d3DUgUAk9fjsKNMEt5wXeufeQuHdy11CrQD0X0u8o0NzvJe4ctvlyoSvMXSrvRCZ3EZUK1HMrZ9DKpO2XlG+/XPQKk5dKO5HJXUWdApWcAHKfCHWevq7kAJClr7CCUlknMrnLqFKgTRM2DKaXijXnuT9vG3TpK6ynVNKJTO46EOhcpcrEOfDYj/sCXfgK6yuVdCKTuw4EGl4qxpx3H69fCnThK6y2VNKJTO46EGhcqShzfvdd31bOgz4jPqpKP/sCSyWdyOSuo0qBLv1JeJw529vO3r3wgReY/glEYKmsE5ncZdQp0KXWYhSac/B6+OcFOsMFZl8DE1gq7UQmdxWVCnTu1cBx4rz5UecNgc54gclXYQeWyjuRyV1ErQKda2tbnDjvPSTqCnSWy5gPthRqIHcNCLSQZczZFWhs/0vBRNZA7hoQaA9l4ixzZ1mhx3UOKAcS907uGhDocxSbM+w3uXWan9i7ECayBnLXgECvGGDOoVswe815aH5s73qYyBrIXQMCPTHInPfVOdach+ZHXrQBTGQN5K4BgT46mfPQ/MiLNoCJrIHcNaxboMPMGfN+veTp+hoHlAOJeyd3DesUaKg4Y925b37kRRvARNZA7hpqFegzeyCCxTnUnYE7M9iJNEOpZScyL+GBvAIdH5a3QK924cabc8THnYF7g9kLP0epRScyL+GRtAKdEJa1QJvmeGUyc97tqi/cARc4mcBa2UstOZF5CU9kFeiUsJwFuruo4t+6Nr85z9MOOB9xQKleAmulL7XgROYl7JBUoJPCqkagBeIsLBUXNwKtfiLzEnZAoAkFWnbLef/Xt5WZs9sVAnUuhUCrzz2StQp0yJv1wN9/iUDtSyHQ6nOPpFqBPh4EOtydV9/xrD/HdVWWNg+R6n+YwUt4IqlAq32ItLuyS+kNNee5QSe689hVWdosY1rBchpewiNZBVrtMqbtlZ2kN9KcXYNOduehKxbSO5diIb2mVFqBVruQftPf7zHHfsSYc2jzi/60UNhSqIHcNdS6lfPxa5A7R/74aaxxQDmQuHdy17A2gZqb89C88odPg4msgdw1rEigGczZssYB5UDi3sldQ70C/T3bbWeHNQ4oBxL3Tu4a6hZouTlt3LljjQPKgcS9k7uGigWa05071jigHEjcO7lrWLdAR9aenTUOKAcS907uGtYp0JE1F2ONA8qBxL2Tu4ZaBdrdiTRRnp47M9jGMkOpvBPZM/dS8uZeq0Bv7IUfe+PpuTeYjdRzlEo7kT1zLyZt7rUKtGkuT2MaeZWup9MEdpX+KJ/AUlknsmfu5WTN/bFSgTYHgb6Y/HFn04SNqAGlOA/UM3dTPHMfQNLct9QrULsBhUDtSyWdyJ65DyBp7lv8BTqC0yigVNK2PEuZQlj54Q40shR3oJ65m+KZ+wCS5r7F/w50THOBg0BSiodIprmb4pl7OVlzf6xVoKbLOopLsYzJNXdTPHMvJm3u1QrUdGFxaSkW0mtK5Z3InrmXkjf3agXK1jYR5K6B3DUgUEcS907uGshdAwJ1JHHv5K6B3DUgUEcS907uGshdAwJ1JHHv5K6B3DUgUEcS907uGshdAwJ1JHHv5K6B3DUgUEcS907uGshdQ60C9VxYzEJ671LL5m76EgpAoG4C9dzaxlZO81KL5m76EipAoGYCbZqwESUpxWEi9edu+hJKQKBeAm2asBGlKcVxdtXnbvoSakCgCDS0FAKtPnfTl1ADAkWgoaUQaPW5m76EGhAoAg0thUCrz930JdSAQL0EavpZf3kpHiLVn7vpSygBgZoJ1HS1SXEpljGtIHfTl1ABAnUTqOl659JSLKTXlGIhvQYEaidQtraJIHcN5K4BgTqSuHdy10DuGhCoI4l7J3cN5K4BgTqSuHdy10DuGhCoI4l7J3cN5K4BgTqSuHdy10DuGhCoI4l7J3cN5K4BgTqSuHdy10DuGhCoI4l7J3cN5K6hVoF6bhjx3BGTPKzAUnl3IiFQEZUK1HPLsuee7OxhBZZKuxcegaqoU6BNEzY6JaU4jan+3CNfwkcEqqJKgTZN2OjUlOI80Opzj3wJtyBQDQjUsRQCrT53BNohce8I1LEUAq0+dwTaIXHvCNSxFAKtPncE2iFx71UK1PSz/vJSPESqP/dYfyJQEXUK1HS1SXEpljGtIPdQfyJQEZUK1HS9c2kpFtJrSrGQXkPi3msVKANKBLlrIHcNCNSRxL2TuwZy14BAHUncO7lrIHcNCNSRxL2TuwZy14BAHUncO7lrIHcNCNSRxL2TuwZy14BAHUncO7lrIHcNCNSRxL2TuwZy11CrQD3XO3su6E4eVmCpZSey6UL60LbKQKBuAvXccee5pTB7WIGlFp3Ipls5Y9sqA4GaCTTwoAZJKQ4TMc09kMiX8DFOoMFtlYFAvQTaNGHDQFOK4+w8cw8k8iXcEiTQ6LbKQKAINLQUAvXMPRAE2gGBItDQUgjUM/dAEGgHBIpAQ0shUM/cA0GgHRCol0Drf5gROcqzhxVYiodIPEQaSJ0CrX85TeQoTx5WYCmWMbGMaSCVCrT+Bd2Rozx3WIGlWEj/yEL6YdQqULa2iSB3DeSuAYE6krh3ctdA7hoQqCOJeyd3DeSuAYE6krh3ctdA7hoQqCOJeyd3DeSuAYE6krh3ctdA7hoQqCOJeyd3DeSuAYE6krh3ctdA7hoQqCOJeyd3DeSuoVaBVr8jhp1IM5RaNnfTnUgCEvdeqUCr35PNXvg5Si2au+leeAWJe69ToIFHykhKcRpT/blHvoSPCFRFlQJtmrDRqSnFeaDV5x75Em5BoBoQqGMpBFp97gi0Q+LeEahjKQRafe4ItEPi3hGoYykEWn3uCLRD4t6rFKjpZ/3lpXiIVH/usf5EoCLqFKjpapPiUixjWkHuof5EoCIqFajpeufSUiyk15RiIb2GxL3XKlAGlAhy10DuGhCoI4l7J3cN5K4BgTqSuHdy10DuGhCoI4l7J3cN5K4BgTqSuHdy10DuGhCoI4l7J3cN5K5BKtBPLx8eHl61f/n8uvMXBJoVctdA7hqUAv3wsOOHX48yfXj48Q8Eus4B5UDi3sldg1CgG2X+srvx/Onr4X82/+lVjEA91zt7LuhOHlZgqYVzD8S0rUIQ6BiBvtvL8tPL7S3o0/7ec/+X6QL13HHnuaUwe1iBpZbNPRDTtkpBoBMeIn1+vXVma9Mvb7Z3pZMFGnhQg6QUh4msIPdATNsqBoFOEOinl5t7zy9v/vL33d8+XL2HH9Fb04SNKE0pjrOrP/dATNsqB4GOF+jhk9D2rfuH3SeiW75tGVHzNKDGdrWeUqZtVV8qEtO2YAAjX7p3Dw+7W8+jQJ8Q6LKlTNuqvlQkpm3BAMa9dF/ePOwXf94Q6IERd8enATXy9lpdirfw9eceiGlb5fAWftJnoJv38LEC5WHGPG1VX4qHSBoQ6JStnNsVTDc+A50iUJbTDCF5WIGlWMakAYFOEej2MXzsU/hHFnQPIndYgaVYSK8BgY4Q6HHJ524d07v9X4LWgU65MAcS907uGshdg3Qn0v7d+u5de/BOJAaUCnLXQO4a5HvhN+rcvnuP3gvPgBJB7hrIXYPyM9Cn/WlM+zft7V84jWlL4t7JXQO5a5A+RNodAXpQJueBnkjcO7lrIHcNBk/he1j6whxI3Du5ayB3DQjUkcS9k7sGcteAQB1J3Du5ayB3DQjUkcS9k7sGctdQq0DZETOAyFqWE9k090gscy8lce+VCpQ92QMI3UjtOJFNcw/FMfdiEvdep0AlR/kElsp6GtOj5UQ2zT0Ww9zLSdx7lQJtmrCBrimV9DzQLX4T2TT3YPxyH0Di3hGoYykEGohp7sH45T6AxL0jUMdSCDQQ09yD8ct9AIl7R6COpRBoIKa5B+OX+wAS916lQHmINE9bJRhOZNPcYzHMvZzEvdcpUJYxDSHUCY4T2TT3UBxzLyZx75UKlIX0Q4isZTmRTXOPxDL3UhL3XqtAGVAiyF0DuWtAoI4k7p3cNZC7BgTqSOLeyV0DuWtAoI4k7p3cNZC7BgTqSOLeyV0DuWtAoI4k7p3cNZC7BgTqSOLeyV0DuWtAoI4k7p3cNZC7BgTqSOLeyV0DuWuoVaDsRBJhOZEDc3fFMvdSEvdeqUDZC6/CcSIH5m6LY+7FJO69ToFyGpMMw4kcmLsvhrmXk7j3KgXaNGGC0ZTiXMpAAnM3xi/3ASTuHYE6lkKggSBQexL3jkAdSyHQQBCoPYl7R6COpRBoIAjUnsS9VylQHiLpMJzIgbn7Yph7OYl7r1OgLGOS4TiRA3O3xTH3YhL3XqlAWUivwnIiB+buimXupSTuvVaBMqBEkLsGcteAQB1J3Du5ayB3DQjUkcS9k7sGcteAQB1J3Du5ayB3DQjUkcS9k7sGcteAQB1J3Du5ayB3DQjUkcS9k7sGcteAQB1J3Du5ayB3DbUKtPqF9JHkDiuw1BonsgOJe69UoNVv5YwkeViBpdY4kR1I3HudAq3+MJFIsocVWGqNE9mBxL1XKdCmCZt+mlJLDqj0YQWWWuNEdiBx7wjUsRQCrT/3YBCoBgTqWAqB1p97MAhUAwJ1LIVA6889GASqoUqB8jBjCNnDCiy1xonsQOLe6xQoy2mGkDyswFJrnMgOJO69UoGyoHsIucMKLLXGiexA4t5rFSgDSgS5ayB3DQjUkcS9k7sGcteAQB1J3Du5ayB3DQjUkcS9k7sGcteAQB1J3Du5ayB3DQjUkcS9k7sGcteAQB1J3Du5ayB3DQjUkcS9k7sGcteAQB1J3Du5ayB3DbUKtPodMYFdmYYVCDuRvEnce6UCrX5PdmBXpmEFwl54cxL3XqdAqz8VKLAr07AC4TQmdxL3XqVAmyZsJmtK9V10YFemYQUSmLsxCFQDAnUshUADQaD2JO4dgTqWQqCBIFB7EveOQB1LIdBAEKg9iXuvUqCmz0XKS/EQKZLA3H1BoBrqFKjpypziUixjCiUwd1sQqIZKBWq6Nry0FAvpYwnM3RUEqqFWgTKgRJC7BnLXgEAdSdw7uWsgdw0I1JHEvZO7BnLXgEAdSdw7uWsgdw0I1JHEvZO7BnLXgEAdSdw7uWsgdw0I1JHEvZO7BnLXgEAdSdw7uWsgdw21CtRzbXj9C7o9F9KXkjd3BCqiUoF67k6sf0uh51bOYtLmjkBV1ClQz/Mx6j/UwvMwkXKy5v6IQFVUKdCmCZvJmlJJB1RgWBqS5r4FgWpAoI6lkg4oBKoDgWrwF+gIThO50lKm1H+FAPPAHWhkqaT/j8wdqA7uQDX434GOaS5wHktKZR1Qyf2ZNvdHBKqiToGyjElEbn/mzR2BqqhUoCykF5Han4lzR6AiahUoA0oEuWsgdw0I1JHEvZO7BnLXgEAdSdw7uWsgdw0I1JHEvZO7BnLXgEAdSdw7uWsgdw0I1JHEvZO7BnLXgEAdSdw7uWsgdw0I1JHEvZO7BnLXgEAdSdw7uWsgdw21CrT6nUiuW36YyBrIXUOlAq1+L7ztpnMmsgZy11CnQKs/jcn32CMmsgZy11ClQKs/D9T44E0msgZy14BAHUshUA2Jeyd3DQjUsRQC1ZC4d3LXgEAdSyFQDYl7J3cNVQqUh0g6mMgayF1DnQJlGZMMJrIGctdQqUBZSK+CiayB3DXUKlAGlAhy10DuGhCoI4l7J3cN5K4BgTqSuHdy10DuGhCoI4l7J3cN5K4BgTqSuHdy10DuGhCoI4l7J3cN5K4BgTqSuHdy10DuGhCoI4l7J3cN5K4BgTqSuHdy10DuGmoVaPU7kVxhImsgdw2VCrT6vfC2MJE1kLuGOgVa/WlMvjCRNZC7hioFWv15oMYwkTWQuwYE6lhqjQPKgcS9k7sGBOpYao0DyoHEvZO7BgTqWGqNA8qBxL2Tu4YqBcpDJB1MZA3krqFOgbKMSQYTWQO5a6hUoCykV8FE1kDuGmoVKANKBLlrIHcNCNSRxL2TuwZy14BAHUncO7lrIHcNCNSRxL2TuwZy14BAHUncO7lrIHcNCNSRxL2TuwZy14BAHUncO7lrIHcNCNSRxL2TuwZy11CrQFlIL4KJrIHcNVQqULZyqmAiayB3DXUKlMNEZDCRNZC7hioFynF2OpjIGshdAwJ1LLXGAeVA4t7JXQMCdSy1xgHlQOLeyV0DAnUstcYB5UDi3sldQ5UC5SGSDiayBnLXUKdAWcYkg4msgdw1VCpQFtKrYCJrIHcNtQqUASWC3DWQuwYE6kji3sldA7lrQKCOJO6d3DWQuwYE6kji3sldA7lrQKCOJO6d3DWQuwYE6kji3sldA7lrQKCOJO6d3DWQuwYE6kji3sldA7lrQKCOJO6d3DWQu4ZaBcpOJBFMZA3krqFSgbIXXgUTWQO5a6hToJzGJIOJrIHcNVQpUM4D1cFE1kDuGhCoY6k1DigHEvdO7hoQqGOpNQ4oBxL3Tu4aEKhjqTUOKAcS907uGqoUKA+RdDCRNZC7hjoFyjImGUxkDeSuoVKBspBeBRNZA7lrqFWgDCgR5K6B3DUgUEcS907uGshdAwJ1JHHv5K6B3DUgUEcS907uGshdAwJ1JHHv5K6B3DUgUEcS907uGshdg1Sgn14+PDz88Ov+L59fb/7yCoFuSdw7uWsgdw1Kgb572PPqKNOHhx//QKDrHFAOJO6d3DUIBfq0V+e7h7/8fXf/+dPOoq9iBMpCehFMZA3krkEo0HetLN9t1fm0v/f89PLwjn6aQNnKqYKJrIHcNegE+uXN9s7z69adPx1t+uXNwy8BAuUwERlMZA3krsHgKfxWoEebfrh6Dz+iN46z08FE1kDuGvQC3d10fn7dvnX/sL0d3fFty4iSJ1WN7sq7FABUxXgpfNh++nkU6BMCBYC1MVoKT+1D+CuBHhhxd8xbeB28ldRA7hrUb+H3/gwWKA+RdDCRNZC7BrFAP+z9eesz0CkCZRmTDCayBnLXIBXolzeHjZyxT+EfWUgvg4msgdw1KAW68edx5+a7/frPoHWgUy7MgcS9k7sGctcgFGjXn9E7kRhQKshdA7lrEAr0Q/fkkOi98AwoEeSugdw16AS6O77u4XgE09MDpzEdSdw7uWsgdw06gT49nAmU80A7JO6d3DWQuwb1OtB+lr4wBxL3Tu4ayF0DAnUkce/kroHcNSBQRxL3Tu4ayF0DAnUkce/kroHcNdQqUM+dSKWscUA5kLh3ctdQqUA998IXs8YB5UDi3sldQ50C9TyNqZw1DigHEvdO7hqqFKjneaADWOOAciBx7+SuAYEuVmoAaxxQDiTundw1INDFSg1gjQPKgcS9k7sGBLpYqQGscUA5kLh3ctdQpUB5iKSDiayB3DXUKVCWMclgImsgdw2VCpSF9CqYyBrIXUOtAmVAiSB3DeSuAYE6krh3ctdA7hoQqCOJeyd3DeSuAYE6krh3ctdA7hoQqCOJeyd3DeSuAYE6krh3ctdA7hoQqCOJeyd3DeSuAYE6krh3ctdA7hpqFahg9XsgaxxQDiTundw1VCpQxf7LQNY4oBxI3Du5a6hToJITQAJZ44ByIHHv5K6hSoFqzqALZI0DyoHEvZO7BgTqyBoHlAOJeyd3DQjUkTUOKAcS907uGhCoI2scUA4k7p3cNVQpUB4i6WAiayB3DXUKlGVMMpjIGshdQ6UCZSG9CiayBnLXUKtAGVAiyF0DuWtAoI4k7p3cNZC7BgTqSOLeyV0DuWtAoI4k7p3cNZC7BgTqSOLeyV0DuWtAoI4k7p3cNZC7BgTqSOLeyV0DuWtAoI4k7p3cNZC7BgTqSOLeyV0DuWtAoI4k7p3cNZC7BgTqSOLeyV0DuWtAoI4k7p3cNZC7BgTqSOLeyV0DuWtAoI4k7p3cNZC7BgTqSOLeyV0DuWtAoI4k7p3cNZC7BgTqSOLeyV0DuWtAoI4k7p3cNZC7BgTqSOLeyV0DuWtAoI4k7p3cNZC7BgTqSOLeyV0DuWtAoI4k7p3cNZC7BgTqSOLeyV0DuWtAoI4k7p3cNZC7BgTqSOLeyV0DuWtAoI4k7p3cNZC7BgTqSOLeyV0DuWtAoI4k7p3cNZC7BgTqSOLeyV0DuWtAoI4k7p3cNZC7BgTqSOLeyV0DuWtAoI4k7p3cNZC7BgTqSOLeyV0DuWtAoI4k7p3cNZC7Bn+BjuTbb9UdrBNy10DuGqJyR6Cwg9w1kLsGBAqhkLsGcteAQCEUctdA7hoQKIRC7hrIXQMChVDIXQO5a0CgEAq5ayB3DQgUQiF3DeSuoVqBAgBkAYECAIwEgQIAjASBAgCMBIECAIwEgQIAjASBAgCMBIECAIzES6CfXz88PLxSd7E6drFv+OFXdSdr4vPrn45/YtgvxzH3kGFvJdBPL3cX9OMf6kZWRps7Al2Udw/tRGbYL8pl7vUIdPP/CD/tLuuVupOV8XQYUrAc7x7a1Bn2i3LMPWbYOwn0af9/wp9ecie0LO+Yu0uzu/vZz1+G/YJ0co8Z9k4CbS/oy5uHX8SdrIsvb/7yd3UPK+PDZhYfboAY9svRzT1m2BsJ9HhBH7ghWpTPr3/8r5d8ArokHzZDvZ3IDPsF6eQeNOyNBPr5dXstH/hIblEOH6ZzB7Qo7URmW46RewAABupJREFU2C/MQaAxw95RoDzTWJan/RqaTy95J78klwJl2C/D0/Gz54hhj0DhcOvDe8hFQaAano7DPWLYI1A48OklSxEXBIFquMx52rB3FCgfBmlgIc2i8BmohmuBThn2RgLlcaQY7kAXhafwGqq9A/36bv88jAVxy3KcwbyHXJTTOlCG/ZJc/h/XtGHvJFC2ZGg47Mh4xwxektPTYIb9klxsYJg47J0EyqZgDZvEt0PoieMsFuW0oJthvySddaABw95JoNuVWRxLI+ADhzEJOL51ZNgvyjH3kGFvJVAORhSxy50PQJfl9Nkbw35JLnKfOOy9BAoAkAgECgAwEgQKADASBAoAMBIECgAwEgQKADASBAoAMBIECgAwEgQKADASBAoAMBIECgAwEgQKADASBAoAMBIECgAwEgQKz/K2ab45/e2ff2uan6cV/O+/NluORd82f/rPMW2N+a7t1Rz4l38b8f2zNAXJQaDwLFvfnZT5/kynI9gauKUttIxAP+6/vCPQJtB2x+oIdI0gUHiej03zr//R/vkffz79eRQdfx4EtohA3zY3BBqmu7eTLgWyg0DhDhvpfL//0/Q38BsbtxXeN5NqjRbo8dsmNjChGagMBAp32LyJbz8vjHgD372bnaCd6QKdfjVjm4HKQKBwj4/tm92NSSeKYiPQk7PeTvk4IECg0ww+oRmoDAQK99i+c9++iX/beXK9/zDz5I322fr3h3/8eaOn3Vvk/Re237j5y5Vq9vbZfP/3u3fVh48L2u987ideO+usg/Of+745/NPb85Y3f+n2ev4zdrb/eHjctfua4zd3v/BG9bM6Ny4NqgKBwl028tiY6GPHAO+vHqW37G4qN/74X+1fPp79w/brLm87jwL9n3/tfuXxR3xz8ydeCfS8g/Ofe1ugm6v65qzX08/YXedWoG8PRdo/nD7LOH3hdfXzOteXBnWBQOE+248Lu3eP79vbq7etz97vXbG9Cdz+fXsDtlHNP//P8W3y4fPGy0WgXzsCPd6wft/5EW/P/3r8iZcCvejg8uc+8xno991et/9ha7jDwq3dbeQ3X1s3f9Np4uILL6tf/PPVpUFlIFC4z3bu/4/T2+n9vduW97v/uFHE/u/tp6Snp/XvDzddhw88d++EzyR6EujP7Y9q/76TUfvY6fInXgr0soPLn3st0FacnV6PH/G2P/MovIOVD9Uuv/Ci+uU/X14a1AYChR523uu8gT+8F90/FfrY+YyzVc/xffjVhp/j+9u23oV1Wkl9PGhtX/vyJ14K9LKDy597ex3oN19v97q52u+7//L29NZ938z5F14I9PKfLy8NagOBQh/vz5+gPLcR8+1BoO1/3X4UeX3X9bFr0KNAj7eYewN2XXP9E5998H3079kX3BToN23pK73tm7nxL3tPX37hhUAv//ny0qA2ECj00d5r7Wg/yDx7aLNl96FhK9DTG/TOzWaX94dHMp2n8O0/bEucC/L6J94W6LGDy597Q6DdZ+3tHzpv7/fP54+PyLoCvfrCc4Fe/fPlpUFtIFDoo0egH8/+2r1hPHzoeX12x9um8/53skDPO7j8uc9vtuwK9Pwu945An7kdvvi29j8g0NpBoNDHhUDPt/Acdrj/fHoL/831P/988SFgK5ZCgV5sGrow4WUHFz+3UKDcgcIYECj00RXo1dPk98f3yjcF2n7J5nved7ef9wi0dc2u1vXz6wsTXnZw8XNLBHrrM9CbAh3xGSgCrRoECn10BdrZkrQz20lvG1ecCfTsw9D9svqTQt53bw4vLXN8Cr/5wT9f/cRLE152cPlziwR6svvHwwrR2wK9/MKrp/Dn/4xAaweBQh9nAj3tIt957qSv95efgb4/38S5e1O9/9rtx5rt0vhbAj2u/Xl7WAfa/YnPC/T9YU/R+ebREoHeWAd6W6DD14Ei0KpBoNDHmUC3mtoJqn2D3O732T3qaRenn6R03NXz89fuOvqL5ztXlvl4LP39jZ94th5p8/WXHVz+3PcXD5NOdG5WOzuIvv96R6CXX3hZ/eKfEWjtIFDo41ygp9XwO2McH5L/6d8Pmxa/OX1f011R1Hme3t4jPiPQZ/fCXy/o3Hz9ZQeXP/dwJshdgd7YC/+1bfFcoBdfeFX9ai88Aq0aBAp9XAj0/JCl1md7kX1z8RDpfVeDx+/sfuttgd4+jenw9wuBXnZw9XPblfX3Bdr+jG8u/+VKoOdfeF397J8RaO0gUACAkSBQAICRIFAAgJEgUACAkSBQAICRIFAAgJEgUACAkSBQAICRIFAAgJEgUACAkSBQAICRIFAAgJEgUACAkSBQAICRIFAAgJEgUACAkSBQAICRIFAAgJEgUACAkSBQAICR/H+pMZb1EJqevwAAAABJRU5ErkJggg=="/>
-          <p:cNvSpPr>
-            <a:spLocks noChangeAspect="1" noChangeArrowheads="1"/>
-          </p:cNvSpPr>
-          <p:nvPr/>
-        </p:nvSpPr>
-        <p:spPr bwMode="auto">
-          <a:xfrm>
-            <a:off x="155575" y="-144463"/>
-            <a:ext cx="304800" cy="304801"/>
-          </a:xfrm>
-          <a:prstGeom prst="rect">
-            <a:avLst/>
-          </a:prstGeom>
-          <a:noFill/>
-          <a:extLst>
-            <a:ext uri="{909E8E84-426E-40DD-AFC4-6F175D3DCCD1}">
-              <a14:hiddenFill xmlns:a14="http://schemas.microsoft.com/office/drawing/2010/main">
-                <a:solidFill>
-                  <a:srgbClr val="FFFFFF"/>
-                </a:solidFill>
-              </a14:hiddenFill>
-            </a:ext>
-          </a:extLst>
-        </p:spPr>
-        <p:txBody>
-          <a:bodyPr vert="horz" wrap="square" lIns="91440" tIns="45720" rIns="91440" bIns="45720" numCol="1" anchor="t" anchorCtr="0" compatLnSpc="1">
-            <a:prstTxWarp prst="textNoShape">
-              <a:avLst/>
-            </a:prstTxWarp>
-          </a:bodyPr>
-          <a:lstStyle/>
-          <a:p>
-            <a:endParaRPr lang="en-US"/>
-          </a:p>
-        </p:txBody>
-      </p:sp>
-      <p:sp>
-        <p:nvSpPr>
-          <p:cNvPr id="5" name="AutoShape 4" descr="data:image/png;base64,iVBORw0KGgoAAAANSUhEUgAABUAAAAPACAMAAADDuCPrAAAAolBMVEUAAAAAADoAAGYAOpAAZrYzMzMzZv86AAA6Ojo6kJA6kNs9PT1NTU1NTW5NTY5NbqtNjshmAABmZmZmtv9uTU1uq+SOTU2Oq6uOyP+QOgCQkLaQ29uQ2/+rbk2rjk2r5P+2ZgC2kDq2///Ijk3I///KysrW1tbbkDrb///kq27k5Kvk///r6+v/tmb/yI7/25D/5Kv//7b//8j//9v//+T////sHfwrAAAACXBIWXMAAB2HAAAdhwGP5fFlAAAgAElEQVR4nO2da4PcxpFlMWNJ3hXbkrwiufLucM0ZSuJw1GxzaPL//7WtB6oK9ehCAgjg3kic88Wk2B0duJV5jCpkZjdfAQBgFI26AQCArCBQAICRIFAAgJEgUACAkSBQAICRIFAAgJEgUACAkSBQAICRIFAAgJEgUACAkSBQAICRIFAAgJEgUACAkcwn0MdxjP5GBxL3Tu4ayF3DBEEh0NlI3Du5ayB3DQjUkcS9k7sGcteAQB1J3Du5ayB3DQjUkcS9k7sGcteAQB1J3Du5ayB3DQjUkcS9k7sGcteAQB1J3Du5ayB3DQjUkcS9k7sGcteAQB1J3Du5ayB3DQjUkcS9k7sGcteAQB1J3Du5ayB3DQjUkcS9k7sGcteAQB1J3Du5ayB3DQjUkcS9k7sGcteAQB1J3Du5ayB3DQjUkcS9k7sGcteAQB1J3Du5ayB3DQjUkcS9k7sGcteAQB1J3Du5ayB3DQjUkcS9k7sGcteAQB1J3Du5ayB3DQjUkcS9k7sGcteAQB1J3Du5ayB3DQjUkcS9k7sGcteAQB1J3Du5ayB3DQjUkcS9k7sGcteAQB1J3Du5ayB3DQjUkcS9k7sGcteAQB1J3Du5ayB3DQjUkcS9k7sGcteAQB1J3Du5ayB3DVqBvnvY8Mv+z59fb/78CoFuSdw7uWsgdw1Kge6UueGn7V8+vdz9+cc/EOg6B5QDiXsndw1CgX55s7vh/PDwl7/vZPrTzqKvYgTabBh5ZQal1jigHEjce1zugeO9lILeBV0VIRToU3u7+WGrzvYvn17+8GuEQJsmLHBFKSayhsS9h+UeON6L6e9d0VUROoFubkB/Of3t3f7W8/w/jhZo04QFLinFRNaQuPeo3APHezm9vUu6KkIn0M+vOzebX95s38d/3d6Ovpou0KYJC1xTiomsIXHvQbkHjvcB9PWu6aoInUA/vfzxj6eHh90noCebftg/Utrwbcvgwptmjoz45gylAObBc5B6dhXKKIH+v/1T+FcdgT4hUAAZnoPUs6tQhl/ZU7uA6Wl7D3pDoAdG3B3zFl4Hb+E18BZeg+4t/NNh2fz2XXusQHmIpAOBauAhkgblZ6Dtc6Pth6E3PgOdIlCWMclAoBpYxqRBKdDWmds/xD6Ff2QhvQwEqoGF9BqU60A7d6Bf3+3XfwatA51yYQ4k7p3cNZC7BuFOpHftu/XdTWfwTiQGlApy10DuGoQCbTe+P82yF54BJYLcNZC7BuVpTE/7ZaD7N+3tXziNaUvi3sldA7lrkJ4H+uXNRpmH9+ycB3oice/kroHcNXAivSOJeyd3DeSuAYE6krh3ctdA7hoQqCOJeyd3DeSuAYE6krh3ctdA7hpqFSg7kQbgGVYgprlHgkA1VCpQ9sIPwDOsQExzDwWBaqhToJzGNADPsAIxzT0WBKqhSoE2TdhM1pRackB5hhWIae7BIFANCNSxFAINxDT3YBCoBgTqWAqBBmKaezAIVAMCdSyFQAMxzT0YBKqhSoGaPhcpL8VDpEhMc48FgWqoU6CmK3OKS7GMKRTT3ENBoBoqFajp2vDSUiykj8U090gQqIZaBcqAEkHuGshdAwJ1JHHv5K6B3DUgUEcS907uGshdAwJ1JHHv5K6B3DUgUEcS907uGshdAwJ1JHHv5K6B3DUgUEcS907uGshdAwJ1JHHv5K6B3DXUKlDPteH1L+j2XEhfSt7cqxeo54SeUMtboJ67E+vfUui5lbOYtLlXL1DPCT2llrVAPc/HqP9QC8/DRMrJmvtj7QL1nNCTajkLtGnCUtKUSjoZAsPSkDT3LVUL1HNCT6uFQGcslXQyIFAdCLQMBDr3hTmUSjoZEKgOBFoGAp37whxKJZ0MCFQHAi0DgQ65sjHf61Aq62RI7s+0uT9WLlDTCV3tQyTXVQ/FpdJOhtz+zJt77QI1ndDVLmNyXXdbWirvZEjtz8S51y5Q0wld7UL6+geUK+Sugdw11LqVkwElgtw1kLsGBOpI4t7JXQO5a0CgjiTundw1kLsGBOpI4t7JXQO5a0CgjiTundw1kLsGBOpI4t7JXQO5a0CgjiTundw1kLsGBOpI4t7JXQO5a6hVoJ4bF+rficREFkHuGioVqOfW2fr3wjORVZC7hjoF6nl4S/2nMT0ykVWQu4YqBTrpnD6HUmscUA4k7p3cNSBQx1JrHFAOJO6d3DUgUMdSaxxQDiTundw1IFDHUmscUA4k7p3cNVQpUB4i6WAiayB3DXUKlGVMMpjIGshdQ6UCZSG9CiayBnLXUKtAGVAiyF0DuWtAoI4k7p3cNZC7BgTqSOLeyV0DuWtAoI4k7p3cNZC7BgTqSOLeyV0DuWtAoI4k7p3cNZC7BgTqSOLeyV0DuWtAoI4k7p3cNZC7hloFykL6AQReoedE9sw9MnbP3EvJ2/v419BboGzlHEDgFXpOZM/cQ2O3zL2YtL1PeA2tBcphIgMIvMJHy4nsmXts7I65l5O19ymvobNABxwc51lKMZGDprLfRPbMPTh2w9wHkLT3Sa8hAp2xFAINxDN3BNohae8I1LUUAg3EM3cE2iFp7wjUtRQCDcQzdwTaIWnv1QqUh0hDqH4ie+YeG7tj7uVk7X3Ka2gtUJYxDaH6ieyZe2jslrkXk7b3Ca+ht0BZSD+E6ieyZ+6RsXvmXkre3se/huYCZUCJIHcN5K6h1q2cDCgR5K6B3DUgUEcS907uGshdAwJ1JHHv5K6B3DUgUEcS907uGshdAwJ1JHHv5K6B3DUgUEcS907uGshdAwJ1JHHv5K6B3DUgUEcS907uGshdQ60CrX4nUuQ2Fs+dSJ65B8JOpAN5e691J1L1e+EjN1J77oX3zD0Q9sIfSdt7rXvhA0+6kZTqvejIo3wia8VNZM/cA4mNHYEqmPIaOgu0acJGp6ZU30UHdmV6Hqhn7oEEx45ABUx6DRHojKUQqGfugSDQDkl7zyHQEZwujFKL1orDNKw4PLuCIYROw+klnmHp/2dwKMUdqGfugQTHzh2ogEmvobNAeYg0T1sl8BCpkNjYEaiCKa+htUBZxjQEz4nsmXsgobEjUAkTXkNvgbKQfgieE9kz90AiY0egGsa/huYCZUCJIHcN5K6h1q2cDCgR5K6B3DUgUEcS907uGshdAwJ1JHHv5K6B3DUgUEcS907uGshdAwJ1JHHv5K6B3DUgUEcS907uGshdAwJ1JHHv5K6B3DUgUEcS907uGshdQ60CrX4nUiSeO5ECMc09EnLXUKlAq98LH4nnXvhATHMPhdw11ClQyVE+gaUEh1q4ncYUiGnusZC7hioF2jRhUtCUUhyr5nUeaCCmuQdD7hoQqGMpBBqIae7BkLsGBOpYCoEGYpp7MOSuAYE6lkKggZjmHgy5a6hSoDxEGkKoPw0nsmvusZC7hjoFyjKmIUT603Eiu+YeCrlrqFSgLKQfQuAVWk5k19wjIXcNtQrUc0CVkrh3ctdA7hoQqCOJeyd3DeSuAYE6krh3ctdA7hoQqCOJeyd3DeSuAYE6krh3ctdA7hoQqCOJeyd3DeSuAYE6krh3ctdA7hoQqCOJeyd3DeSuoVaBVr+QPnLxu+dC+siuClk490gQqITxw8FboNVv5Yzcfum5lTO0q0KWzT0UBKpgwnCwFmj1h4lEHgDieZhIbFeFLJp7LAhUwJTh4CzQpgkb6JpSfRcd2JXpcXbBXRWyZO7BINDlmTQcEOiMpRAoAh0IAl0eBOpaCoEi0IEg0OVBoK6lECgCHQgCXZ5qBcpDpHnaKoGHSBoQqIApw8FaoCxjGkKoE1jGpAGBKpgwHLwFykL6IUTWYiG9BgQqYfxwMBcoA0oEuWsgdw21buVkQIkgdw3krgGBOpK4d3LXQO4aEKgjiXsndw3krgGBOpK4d3LXQO4aEKgjiXsndw3krgGBOpK4d3LXQO4aEKgjiXsndw3krgGBOpK4d3LXQO4aahVo9TuRIql+J5Jp7pFY5l5K3txr3YlU/V74SKrfC2+aeyiOuReTNvda98IHHpojKbXogIo9YcjwNCbT3GMxzL2crLlPCctZoE0TNgw0pZYcUIFXuMXvPFDT3IPxy30ASXOfFBYCnbEUAq0/92D8ch9A0twRqGspBFp/7sH45T6ApLkjUNdSCLT+3IPxy30ASXOvVqA8RBpC7IwxfJhhmnsshrmXkzX3KWFZC5RlTEMInTGOy2lMcw/FMfdi0uY+ISxvgbKQfgiRM8ZyQbdp7pFY5l5K3tzHh2UuULa2iSB3DeSuodatnAwoEeSugdw1IFBHEvdO7hrIXQMCdSRx7+Sugdw1IFBHEvdO7hrIXQMCdSRx7+Sugdw1IFBHEvdO7hrIXQMCdSRx7+Sugdw11CrQ6hfSRy539lxIHwgL6QfgOd5NqXUhffVbOSM33Hlu5QyErZwD8BzvptS6lVNyEkVgqd6LDuzK9DCRQAJz98XwMJH6c58SlrNAmyZsGGhK9V10YFemx9kFEpi7MX7H2dWf+6SwEOiMpRBoIPVP5C0IdHkQqGspBBpI/RN5CwJdHgTqWgqBBlL/RN6CQJenWoHyEGmetkrwE+gKHmY88hBJwpSwrAXKMqYhRNZyFOgKltOwjEnDhLC8BcpC+iFE1nIU6AoWdLOQXsP4sMwF6jmRS0ncO7lrIHcNtW7lZECJIHcN5K4BgTqSuHdy10DuGhCoI4l7J3cN5K4BgTqSuHdy10DuGhCoI4l7J3cN5K4BgTqSuHdy10DuGpQC/fz6YccPvx7/9gqBbkncO7lrIHcNSoF+etkRaPuXH/9AoOscUA4k7p3cNSgF+vTw0/HPm/vPn3YWfRUjUHYiDYCdSC2OvZcR+RLG4TnePaZOgEDfdWz5tL/3/PRy/35+qkDZCz8A9sIfMOy9jNCXMAzP8W4ydaYL9Mubv/z9UqZf3jz8EiDQKaekOJTiNKZIAnM3JfYljMJzvLtMnekC/fz6x/962X4CepTph6v38BOui/NAY9sqwU+ggbmbEvwSBuE53m2mznSBHp4hbe85P79u37p/OH4u+m3L8MJfTxc24ptXViq0liXVX6DpFXqOd9epM6LE037V0qeXm5vPo0CfEOiypUxnXyDVX6DpFXqOd9epM6LE4WZz+679hkAPLH1r7VCKt/CBBOZuSvBLGITneLeZOtMFeuDTyx//iBWo6WfO5aV4iBRJYO6mOPrTdby7TJ1Igf7w643PQKcI1HTVQ3EpljGFEpi7KY7+dB3vJlMnUqA//hH7FP7Rdd1taSkW0scSmLspjv50He8eU2eyQI/O3L1rf7df/xm0DvTRdCKXkrh3ctdA7hqEWzkPG5F27gzeicSAUkHuGshdg1Cgn17u7jb36ozeC8+AEkHuGshdg/IwkQ/d0+yeHjiN6Uji3sldA7lrkB6ovDsC9KfuX15df9HSF+ZA4t7JXQO5a+BEekcS907uGshdAwJ1JHHv5K6B3DUgUEcS907uGshdQ60C9Vx3a7qg2zOsQExzjwSBaqhUoJ47v0y3FHqGFYhp7qEgUA11CtTz7IHyUosOKM+wAjHNPRYEqqFKgTZN2EzWlFpyQHmGFYhp7sEgUA0I1LEUAg3ENPdgEKgGBOpYCoEGYpp7MAhUAwJ1LIVAAzHNPRgEqqFKgZo+FykvxUOkSExzjwWBaqhToKYrc4pLsYwpFNPcQ0GgGioVqOna8NJSLKSPxTT3SBCohloFyoASQe4ayF0DAnUkce/kroHcNSBQRxL3Tu4ayF0DAnUkce/kroHcNSBQRxL3Tu4ayF0DAnUkce/kroHcNSBQRxL3Tu4ayF0DAnUkce/kroHcNSBQRxL3Tu4ayF1DrQJlR8wAIsOKm8j17wCLxFKg5H7vG50Fyp7sAYSGFTaR6z+DIBRHgZL73W80FiinAg0gNqyoiVz/KVixGAqU3O9/o69AmyZWCjEM6CrpeaBbgiZyYFemuQfjJ1By7/lGBDoM0wGFQE+scSLPBrn3fCMCHYbpgEKgJ9Y4kWeD3Hu+EYEOw3RAIdATa5zIs0HuPd/oK1AeIg0hNiweImnwEyi593yjsUBZxjSE0LBYxqTBUKDkfv8bnQXKQvohRIbFQnoNjgIl97vfaC1QzwFVSuLeyV0DuWtAoI4k7p3cNZC7BgTqSOLeyV0DuWtAoI4k7p3cNZC7BgTqSOLeyV0DuWtAoI4k7p3cNZC7BgTqSOLeyV0DuWtAoI4k7p3cNZC7BgTqSOLeyV0DuWuoVaCCbSyBpQou2nOrlWlbnjtiQrNiB1gxHrl7C1SxkTqwVP9Fe272N23Lc092bFacQVCKSe7WApUc5RNYqveiA7uKxLOtwNwDCc6KU7AKccndWaBNE5aSplTfRQd2FYlnW4G5BxKdFeewlmGTOwKdsRQCDYSJPADP8R6ITe4IdMZSCDQQJvIAPMd7IDa5I9AZSyHQQJjIA/Ac74HY5O4sUB4iifBsKzD3QIKz4iFSIS65WwuUZUwiPNsKzD2Q2KxYxlSKSe7eAmUhvQjPtgJzDyQ0KxbSF+ORu7lA2domgtw1kLsGBOpI4t7JXQO5a0CgjiTundw1kPvy/LbhdwRqSOLeyV0DuS/KbwcQqCOJeyd3DeS+FL+dgUAdSdw7uWsg99n57RYI1JHEvZO7BnKfj5vmRKDGJO6d3DWQ+zzck2fNAmUh/QA8wwqEBd3eePbe584tL16MfQ29BcpWzgF4hhUIWwrNseu9xJ17f74Y+xpaC1RyIkJgqUUPE/EMK5DA3AMJzgqBBlHqztafL8a+hs4CbZqw0akpteRxdp5hBRKYeyDRWSHQ6Qxx58GfL8a+hgh0xlIINBAEao++96HuRKDWpRBoIAjUHmHvo8yJQM1LIdBAEKg9it6nmLN2gZo+FykvxUOkSAJzDyQ4KwQ6gAB5Hg069jW0FqjpypziUixjCiUw90Bis0KgZUS582jQsa+ht0BN14aXlmIhfSyBuQcSmhUC7SXWnQeD1rmQngGlgtw1kPtd5pDnjlq3cjKgRJC7BnJ/jtnciUBtSdw7uWsg9xvM604Eakvi3sldA7l3WcCcCNSYxL2TuwZy37KcOBGoM4l7J3cN5L68PBGoK4l7J3cNq85d404Eakvi3sldw1pzF7oTgdqSuHdy17C63NXmbKlVoLk317ATKRbPHWCmO5E8d96dmOy87Q72AHXuqVSgybd3sxc+FM8zCEz3wnue/dASobzdGUphBq1ToIEn3QQfmlMGpzFFUt7VkrkHZxUlUMkVlvQeZbwXL0INWqVAmyZsGASWGgDngQYyoKsFc4/OKkigmivs6T3IdTtevIg1KAJdrNQAEGggCHQAbgKNsVyH9Ql0BKeXzqlUIJFdEVb2UpEYXeHvs3ASaFDByTm1aQXVuWaE3I1vFMrgDjSQkDuhwaUCuyqiqjvQmJvDm6zvDnRMc4FjU6IEHiJFUt4VD5HED5FipHaXUH9+9913VQrUd7VJGSxjCqW4K5YxqZYxheisjAh/fneiToHarncug4X0sZR2xUL6R8EVbt4Hx6ixkAn+/O6aSgW6vq1tJpC7hpy5t15aVqBjuGFOBOpL4t7JXUO63Lt6Mhbo8+ZEoL4k7p3cNWTK/cpSjgLtNeeWWp/CP+YaUFck7p3cNSTJ/basvARaJM4DCNSRxL2Tuwb/3O8oy0OgZbecFyBQRxL3Tu4ajHPvV5daoGPM2YJAHUncO7lrcMy9WGBCgY42ZwsCdSRx7+SuwS33QRbTCHSaOVtqFajnemfPBd2RVJ+7K0YL6YerrECggUd4vngRYc6WSgXquePOc0thJNXnbovHVs6RSusXaND+9ThxHqhToJITEQJLLXqYSCDV5+6L/jCRCV7rFejkE0BC3q7fokqBNk3Y9NOUWvI4u0Cqz90Y6XF24/3TWqjn3yecQddjzinu3IFAHUshUM/cjVEJdKJ/Wgv1/Psogfaqc6o7dyBQx1II1DN3YxYXaIR9jhbq+fdBAu0X53ffcaDyXaqfyAh0nlIItD+sGO9cWKjn34sEWiLO7ziRftAwGHlt8lI8RDLN3ZdFHiLFOOeGhfq+4K70ysxZVGpE61UKtP7lNJb+XEHutsy9jCnIN89YqPcrbkpvmDnvlhpNpQKtf0G3pT9XkLsrMy6kj3LNHQv1f8mZ9MaZ82apqdQqULutbYNI3Du5a5gj9zDL9Fqo/EsniHMWEKgjiXsndw2huS/roFKBepmzBYE6krh3ctcQlrvEQn1fYGjOFgTqSOLeyV1DRO46C935N1dztiBQRxL3Tu4aJuYuttCN/2Z7z3kOAnUkce/krmF87moF/XYuUMtPOp8HgTqSuHdy1zAqd7V9DuwE2mdOO3fuQKCOJO6d3DUMzV0tng795vR05w4E6kji3sldQ3HuauN0KDGnrzr31CrQ6nfERO5Eiqxl9KslhpfKuwOsIHe1arrkF2fLixdjh4O3QKvfkx25Fz50X73Hr5YYWSrtGQR9uas9c6CCW84zXmwFOm44WAu0+lOBArsKPtlJ/6slJpTKegrW453c1Y7ZUcOb9Ru82At01HBwFmjThA10TaklzwONrPUo/tUSU0slPYd1y63c1X75rdScwt8LP4UXB4GOGQ4IdMZSCLT+3IO5yF3tlt8Gfc6JQBFoaCkEWn/uwZxyV2vlt+G/yQ2BItDQUgi0/tyD2eWuNspvI4/9QKBeAuUh0jxtlcBDJAUbB8klNMacLfLeR1LrQySWMQ0i1AksY1qU41wWCnSCOVtSCbQb/4Th4C1QFtIPIbIWC+kX42xaSwQ66v36DXII9NZrMH44mAuULYUiyH0Jrmf3ogK9L85B7txhLtB7r8QEQSHQ2UjcO7nPzDOTfBGB9opzuDt3uAq04OVAoI4k7p3cZ+TOXJ9XoCXmnLCTyE6g5S8JAnUkce/kPg99U34mgc5szha9QEe/LgjUkcS9k3s4RQaIFugy5mwRCnTqi4NAHUncO7nHMUQEYQJdUpwHFAINeo0QqCOJeyf36YzxwXSBKszZsqhAY18rBOpI4t7JfRpjtTBFoDpztiwj0FleLwTqSOLeyX00k+wwUqBic7bMJdAFXrRaBcpOpAF4hhVIYO7zMN0VwwXqYM6Wgt63287LC94NO3SMVipQ9sIPwDOsQAJzj2a8dC4YItD75nwxzFUR9Pf+oqyrkshjx2idApUc5RNYKutpTJFtxRGYexwR3ulSJNCCe84XLwpdFUlv771dlQcfPEarFGjThKWkKZX0PNDItuIIzD2IUPm03Bdo8dv1Fy8UBu0T6J2uhmYfPUYRqGMpBBqIlUDnEdBvzwq0x5xXH3UmEOi0FwCBFuDpBASqwUWgMzvoUkK96rz5mMhZoJZjFIE6lkKggRgIdAkHHSTUL857T9gtBeo8RqsUqOlzkfJSPESKJDD34SxjoI2DSsRZsDbJ6iHSiJewl+AxWqdATVfmFJdiGVMogbkPYSH7BJnzgMCfVwKd8BL2EztGKxWo6drw0lIspI8lMPcSFtJOsDkPLO/PjUB7M3Udo7UKlC2FIlad+0K+mcmcEkJyF4JAHUnc+2pzX8Y31Yjz7J4z8ZhBoI4k7n2NuS9jnBrNOS13BxCoI4l7X1nuyzinwJzC3wtfSGjuNiBQRxL3vpbcl9JO6T2no0DnyN0NBOpI4t5rz30p+Qx9t24l0BlydwWBOpK495pzX8I9Yz/p9BDoPLk7g0AdSdx7pbnP754+c/Y8JRILdK7c7alVoJ7rbk0X0gfi2dak3M9NEb/MvN+cJU/Y4wQqOPt9jePdW6CeO79Mt3IG4tnW+Nxv2iXKoCXmLF6cFCbQ0iucNffxpZZlQlvWAvU8e6C81KKHiQTi2da43O/YZapBI8V5IEqgkrPf1zjenQXaNGGBa0oteZxdIJ5tDc+91y5jDTqHOVuCBHrrChfLPaLUkkxqC4HOWGqNA2o2BnQ14VdL9DCfOVvmEOhiua9xvCPQGUutcUDNRklXBwsN0UsRM95znhMqUMZ7EQjUtdQaB9Rs9HR1ZqEivZQJdClztsQIlPE+hGoFykMkEZ5tPdvVtYX6BFPmz0XN2TJRoP1hBeZ+xRrHu7VAWcYkwrOtG109Y6Fe0fT5c3lztgwV6JCwAnO/zRrHu7dAWUgvwrOtTlf3LdQvnmf9qTJnS7FAh4QVmPtd1jjezQVa65ZCe2xzL7LQGHVpxXmgX6DqF+AOrmOmgFq3cvpO5BIS926Ze7GFhklLfNN5xh2BqtPvx3HMFIJAHUncu1vuwyxU9mU9H3RKDoe/JVB19sWYjZkhIFBHEvdulPsIC93/515xaty5YydQdeJj8Rkzg0GgjiTu3ST3kRZ65r+XmFP6O4lsch9H4t4RqCOJe9fnPsFDVwJNYM4Wfe4TSNw7AnUkce/S3Kfq6CTQPOZsYbxrkAv008sf/9j94fPrh4eHVwh0S+LeNbkHWel37885dzyTAONdwwICfds0//JvX99+f/Mfv7x52Av008uHLa1NEWhWls09UExZzdnCeNcwu0Dfb9fq/8u//fNvzb/+x41//tA6c3P/+dPOoq9iBMpOpAF4htXHAPdM2n55bs7AX+lRWqoojTiBeo73QELH6NwC3flzI9D//mvT/Ok/r/55e9+5E+jT/n8+vfzh1wiBshd+AJ5h3WOEqW67avA9Z+Cv9Hi+1JhIwgTqOd4DiR2jMwv0H3/e3Hj+9183b+G3Bv358p83b+D/9/4z0Hf7W8/Nf/glQKBTTklxKLXo6TSeYT3HaFNdumrUu/WYX+nxbKkJuUQJ1HO8BxI8RmcW6NvtbedOoF83b+K/ufzndw8/7R8ifXnzl7/v/suHq/fwI3prmrCUNKWWPB/RM6xrJpvq6Krxn3NO/ZUez5aaHk+QQD3HeyDRY3RegW6kubnr3Av068erT0G379v3Av38un3r/mH7UeiOb1tum/kup5BGfPPKSrm2deL3iZxUdd+cg0pNbepdyNgAACAASURBVOpQKjirydiPhql4dvWcQPfqbAX6jz9fCPTz681t54VAnxDosqVc29oxWVOtqnrerg+1XoRATSey82gIwbOrcQLdfe75rEAPjLg7PoU08vZaXYq38EELlHrMefmGfb5fKvfb5dv0yKy28Ba+DJvciwR69hb+/cVj+A+7B+9zCNT0uUh5qXU/RBohpyt6zXnzw86gX+lxwZxZHeEhUiEuuRcJ9Ovb7eeee4H+48/nD5E+vdw9N3r2M9ApAjVdmVNcaqXLmAZp6RkKzPn8c6Lpv9Kjy6xZXcIyplJMci8T6Maa2zWgG4G+3+1HOrsBPfLDr7FP4R9d14aXllrbQvpSO95lijlbpvxKjw6zZvUMLKQvxiP3MoG2C+n3nG/mPBPo13f79Z9B60CnXJgDiXsfnHuZHe8w6Z7znKm/GniWRMtgvGtYZivnDX8eaA8TCd6JxIBSMST3abYqEefA3eujBTpfnqUw3jUsc5hIc3MfZ1eg0XvhGVAiCnMfa6otM5izZbhAZ06zHMa7Bpvj7J4eOI3pSOLe+3IfJbYjc5mzpUCgy6Q4HMa7BhuBch5oh8S9P5v7FLFtmdWcLfcEumiKw2G8a5ALtJelL8yBxL3fyn2q12YX54GbAl0+wzEw3jXMK9DtEUznXB3IhEBvkLj3i9ynKm0hc7acC1SU4DgY7xqWFujtY5UR6DmJez/lPkllS91zntMKVJnfWBjvGhYX6LOP42MFKl8bPqnUwgvpA9m2NUVh83zQ2bv6ve1+jQu6rxCMrNzjfdx3Fgl0twx0v/7zY7PdyfnPvw1+Fz/6uix2J44rtexWzjCmHNjeZ84p9513ujq/gDVuKbxEMbKSjvdJbZUJtHMG6P5gka9vr49Vjhfo4W531JUZlFr0MJEYOqYaZtB+c059z15+9vsaD7W4QDKyEo73HVPaKhJoK82DTLfv3j8OfQ8/4bq8TmgbUGrJ4+ymc2WqMoOWmDPi484BZ7+v8Vi1czQjK9d4PzKprSKBtgfZ7dmfB3p1KigCvSbNgLqnqknmDBDnRVcRuQeCQDukGe/nLCHQsztQBFqNQO+p6lmBLmzOlsDcA0GgHfzH+03mF+jmLfzxDXv7Z97CpxboXVU9L1CJOYeHhUAR6ADmF+juLKb9PejHZvc8/vJY5VkEykOkWehX1pU/F77nnBoWD5F4iDSEKW2VCXS7bOnI5tbzbcMypoIvtFvWUWqwgz9LxDm/OQ8E5h5I7EvIMiYFE9oqE+jhMLst7TLQgTegLKSfVmoyw0y2sDkLryEw90BCX0IW0ksY31apQA8K3XlzI9DbxyqHC5StbZMZKjNHcw7EIvdxMN41cBqTI9reh+ssvTlbEo8ZxruGBQX6z78NPkgEgS5NsDvjxLnICR+JxwzjXcNiAt0+j0eghUh6D3VnMnO2JB4zjHcNywi0PZUJgRaydO9x4vzu96m/2VJizpbEY4bxrmEJgbYP4s9/LTwCvcNivceJ83DXGSDQpS7+msRjhvGuYXaBfmwXMQ1++o5AZ2SY0frM2X3HPkqgc19uKYnHDONdw7wCPa6jH61PBBpLtDmvPu0cJtDZrnMciccM413DnAJ93751/78jVn8i0GDizXn7QVGhQOMvMILEY4bxrmE2gR5+m8fP45bPTxUoO5E69Nmss319tDivSxmZk51I3iTufS6B7v2596ZAoOyFbym5G9ztX59qzk6pkl+esSjshTcnce/zCfT00H15gR6234+8NnmpkNNpSty5JcScXX9eGLQ8oJkIzD2QwIG1BYFqmPcOdH/05+ICbZqw0akpNe18xDhxDlwPP+CXZyxIYO6BBA6sHQhUw3wPkd7uh8f3CHR4qZECLRVduDnPBRr4xjQCBGpP4t7nfArfPkda/in86gRa7rh5zNkSLYUYEKg9iXufeSH95GX0CPReqUG/QLjHnKN+nfvoK1wQBGpP4t5n34l0WEu/6E6kwLEpKVXyEGnAL2DvM+fwX+Y++ZdnLElg7oEEZ4VANSyxF/4ff96NlCX3wgeOTUWpnov+7e56oVJzHr9qiD+jrnBRonKPJTYrBKphoePs3u4Gy4KnMQWOTUGp5y/6zHojzXn1QWeJP4OvcFmm5z4HoVkhUA2LnQe6faLEcXaF3Oi97AZxhodEQ1uvLPcskLuGJX+lx3sEWki391LR9apzqDtHtl5L7skgdw38TiRHdr2HiXOoOqe1nj73nJC7BgRqx0ZhJScalYhzSXO25M39cZ0T2YHEvSNQH04muytQU3O2JMz9ROLeyV0DAjXgSmi3BeptzpZMuV+RuHdy14BAlTzntQuBxptzvktKkftzJO6d3DUgUAk9fjsKNMEt5wXeufeQuHdy11CrQD0X0u8o0NzvJe4ctvlyoSvMXSrvRCZ3EZUK1HMrZ9DKpO2XlG+/XPQKk5dKO5HJXUWdApWcAHKfCHWevq7kAJClr7CCUlknMrnLqFKgTRM2DKaXijXnuT9vG3TpK6ynVNKJTO46EOhcpcrEOfDYj/sCXfgK6yuVdCKTuw4EGl4qxpx3H69fCnThK6y2VNKJTO46EGhcqShzfvdd31bOgz4jPqpKP/sCSyWdyOSuo0qBLv1JeJw529vO3r3wgReY/glEYKmsE5ncZdQp0KXWYhSac/B6+OcFOsMFZl8DE1gq7UQmdxWVCnTu1cBx4rz5UecNgc54gclXYQeWyjuRyV1ErQKda2tbnDjvPSTqCnSWy5gPthRqIHcNCLSQZczZFWhs/0vBRNZA7hoQaA9l4ixzZ1mhx3UOKAcS907uGhDocxSbM+w3uXWan9i7ECayBnLXgECvGGDOoVswe815aH5s73qYyBrIXQMCPTHInPfVOdach+ZHXrQBTGQN5K4BgT46mfPQ/MiLNoCJrIHcNaxboMPMGfN+veTp+hoHlAOJeyd3DesUaKg4Y925b37kRRvARNZA7hpqFegzeyCCxTnUnYE7M9iJNEOpZScyL+GBvAIdH5a3QK924cabc8THnYF7g9kLP0epRScyL+GRtAKdEJa1QJvmeGUyc97tqi/cARc4mcBa2UstOZF5CU9kFeiUsJwFuruo4t+6Nr85z9MOOB9xQKleAmulL7XgROYl7JBUoJPCqkagBeIsLBUXNwKtfiLzEnZAoAkFWnbLef/Xt5WZs9sVAnUuhUCrzz2StQp0yJv1wN9/iUDtSyHQ6nOPpFqBPh4EOtydV9/xrD/HdVWWNg+R6n+YwUt4IqlAq32ItLuyS+kNNee5QSe689hVWdosY1rBchpewiNZBVrtMqbtlZ2kN9KcXYNOduehKxbSO5diIb2mVFqBVruQftPf7zHHfsSYc2jzi/60UNhSqIHcNdS6lfPxa5A7R/74aaxxQDmQuHdy17A2gZqb89C88odPg4msgdw1rEigGczZssYB5UDi3sldQ70C/T3bbWeHNQ4oBxL3Tu4a6hZouTlt3LljjQPKgcS9k7uGigWa05071jigHEjcO7lrWLdAR9aenTUOKAcS907uGtYp0JE1F2ONA8qBxL2Tu4ZaBdrdiTRRnp47M9jGMkOpvBPZM/dS8uZeq0Bv7IUfe+PpuTeYjdRzlEo7kT1zLyZt7rUKtGkuT2MaeZWup9MEdpX+KJ/AUlknsmfu5WTN/bFSgTYHgb6Y/HFn04SNqAGlOA/UM3dTPHMfQNLct9QrULsBhUDtSyWdyJ65DyBp7lv8BTqC0yigVNK2PEuZQlj54Q40shR3oJ65m+KZ+wCS5r7F/w50THOBg0BSiodIprmb4pl7OVlzf6xVoKbLOopLsYzJNXdTPHMvJm3u1QrUdGFxaSkW0mtK5Z3InrmXkjf3agXK1jYR5K6B3DUgUEcS907uGshdAwJ1JHHv5K6B3DUgUEcS907uGshdAwJ1JHHv5K6B3DUgUEcS907uGshdAwJ1JHHv5K6B3DUgUEcS907uGshdQ60C9VxYzEJ671LL5m76EgpAoG4C9dzaxlZO81KL5m76EipAoGYCbZqwESUpxWEi9edu+hJKQKBeAm2asBGlKcVxdtXnbvoSakCgCDS0FAKtPnfTl1ADAkWgoaUQaPW5m76EGhAoAg0thUCrz930JdSAQL0EavpZf3kpHiLVn7vpSygBgZoJ1HS1SXEpljGtIHfTl1ABAnUTqOl659JSLKTXlGIhvQYEaidQtraJIHcN5K4BgTqSuHdy10DuGhCoI4l7J3cN5K4BgTqSuHdy10DuGhCoI4l7J3cN5K4BgTqSuHdy10DuGhCoI4l7J3cN5K4BgTqSuHdy10DuGhCoI4l7J3cN5K6hVoF6bhjx3BGTPKzAUnl3IiFQEZUK1HPLsuee7OxhBZZKuxcegaqoU6BNEzY6JaU4jan+3CNfwkcEqqJKgTZN2OjUlOI80Opzj3wJtyBQDQjUsRQCrT53BNohce8I1LEUAq0+dwTaIXHvCNSxFAKtPncE2iFx71UK1PSz/vJSPESqP/dYfyJQEXUK1HS1SXEpljGtIPdQfyJQEZUK1HS9c2kpFtJrSrGQXkPi3msVKANKBLlrIHcNCNSRxL2TuwZy14BAHUncO7lrIHcNCNSRxL2TuwZy14BAHUncO7lrIHcNCNSRxL2TuwZy14BAHUncO7lrIHcNCNSRxL2TuwZy11CrQD3XO3su6E4eVmCpZSey6UL60LbKQKBuAvXccee5pTB7WIGlFp3Ipls5Y9sqA4GaCTTwoAZJKQ4TMc09kMiX8DFOoMFtlYFAvQTaNGHDQFOK4+w8cw8k8iXcEiTQ6LbKQKAINLQUAvXMPRAE2gGBItDQUgjUM/dAEGgHBIpAQ0shUM/cA0GgHRCol0Drf5gROcqzhxVYiodIPEQaSJ0CrX85TeQoTx5WYCmWMbGMaSCVCrT+Bd2Rozx3WIGlWEj/yEL6YdQqULa2iSB3DeSuAYE6krh3ctdA7hoQqCOJeyd3DeSuAYE6krh3ctdA7hoQqCOJeyd3DeSuAYE6krh3ctdA7hoQqCOJeyd3DeSuAYE6krh3ctdA7hoQqCOJeyd3DeSuoVaBVr8jhp1IM5RaNnfTnUgCEvdeqUCr35PNXvg5Si2au+leeAWJe69ToIFHykhKcRpT/blHvoSPCFRFlQJtmrDRqSnFeaDV5x75Em5BoBoQqGMpBFp97gi0Q+LeEahjKQRafe4ItEPi3hGoYykEWn3uCLRD4t6rFKjpZ/3lpXiIVH/usf5EoCLqFKjpapPiUixjWkHuof5EoCIqFajpeufSUiyk15RiIb2GxL3XKlAGlAhy10DuGhCoI4l7J3cN5K4BgTqSuHdy10DuGhCoI4l7J3cN5K4BgTqSuHdy10DuGhCoI4l7J3cN5K5BKtBPLx8eHl61f/n8uvMXBJoVctdA7hqUAv3wsOOHX48yfXj48Q8Eus4B5UDi3sldg1CgG2X+srvx/Onr4X82/+lVjEA91zt7LuhOHlZgqYVzD8S0rUIQ6BiBvtvL8tPL7S3o0/7ec/+X6QL13HHnuaUwe1iBpZbNPRDTtkpBoBMeIn1+vXVma9Mvb7Z3pZMFGnhQg6QUh4msIPdATNsqBoFOEOinl5t7zy9v/vL33d8+XL2HH9Fb04SNKE0pjrOrP/dATNsqB4GOF+jhk9D2rfuH3SeiW75tGVHzNKDGdrWeUqZtVV8qEtO2YAAjX7p3Dw+7W8+jQJ8Q6LKlTNuqvlQkpm3BAMa9dF/ePOwXf94Q6IERd8enATXy9lpdirfw9eceiGlb5fAWftJnoJv38LEC5WHGPG1VX4qHSBoQ6JStnNsVTDc+A50iUJbTDCF5WIGlWMakAYFOEej2MXzsU/hHFnQPIndYgaVYSK8BgY4Q6HHJ524d07v9X4LWgU65MAcS907uGshdg3Qn0v7d+u5de/BOJAaUCnLXQO4a5HvhN+rcvnuP3gvPgBJB7hrIXYPyM9Cn/WlM+zft7V84jWlL4t7JXQO5a5A+RNodAXpQJueBnkjcO7lrIHcNBk/he1j6whxI3Du5ayB3DQjUkcS9k7sGcteAQB1J3Du5ayB3DQjUkcS9k7sGctdQq0DZETOAyFqWE9k090gscy8lce+VCpQ92QMI3UjtOJFNcw/FMfdiEvdep0AlR/kElsp6GtOj5UQ2zT0Ww9zLSdx7lQJtmrCBrimV9DzQLX4T2TT3YPxyH0Di3hGoYykEGohp7sH45T6AxL0jUMdSCDQQ09yD8ct9AIl7R6COpRBoIKa5B+OX+wAS916lQHmINE9bJRhOZNPcYzHMvZzEvdcpUJYxDSHUCY4T2TT3UBxzLyZx75UKlIX0Q4isZTmRTXOPxDL3UhL3XqtAGVAiyF0DuWtAoI4k7p3cNZC7BgTqSOLeyV0DuWtAoI4k7p3cNZC7BgTqSOLeyV0DuWtAoI4k7p3cNZC7BgTqSOLeyV0DuWtAoI4k7p3cNZC7BgTqSOLeyV0DuWuoVaDsRBJhOZEDc3fFMvdSEvdeqUDZC6/CcSIH5m6LY+7FJO69ToFyGpMMw4kcmLsvhrmXk7j3KgXaNGGC0ZTiXMpAAnM3xi/3ASTuHYE6lkKggSBQexL3jkAdSyHQQBCoPYl7R6COpRBoIAjUnsS9VylQHiLpMJzIgbn7Yph7OYl7r1OgLGOS4TiRA3O3xTH3YhL3XqlAWUivwnIiB+buimXupSTuvVaBMqBEkLsGcteAQB1J3Du5ayB3DQjUkcS9k7sGcteAQB1J3Du5ayB3DQjUkcS9k7sGcteAQB1J3Du5ayB3DQjUkcS9k7sGcteAQB1J3Du5ayB3DbUKtPqF9JHkDiuw1BonsgOJe69UoNVv5YwkeViBpdY4kR1I3HudAq3+MJFIsocVWGqNE9mBxL1XKdCmCZt+mlJLDqj0YQWWWuNEdiBx7wjUsRQCrT/3YBCoBgTqWAqB1p97MAhUAwJ1LIVA6889GASqoUqB8jBjCNnDCiy1xonsQOLe6xQoy2mGkDyswFJrnMgOJO69UoGyoHsIucMKLLXGiexA4t5rFSgDSgS5ayB3DQjUkcS9k7sGcteAQB1J3Du5ayB3DQjUkcS9k7sGcteAQB1J3Du5ayB3DQjUkcS9k7sGcteAQB1J3Du5ayB3DQjUkcS9k7sGcteAQB1J3Du5ayB3DbUKtPodMYFdmYYVCDuRvEnce6UCrX5PdmBXpmEFwl54cxL3XqdAqz8VKLAr07AC4TQmdxL3XqVAmyZsJmtK9V10YFemYQUSmLsxCFQDAnUshUADQaD2JO4dgTqWQqCBIFB7EveOQB1LIdBAEKg9iXuvUqCmz0XKS/EQKZLA3H1BoBrqFKjpypziUixjCiUwd1sQqIZKBWq6Nry0FAvpYwnM3RUEqqFWgTKgRJC7BnLXgEAdSdw7uWsgdw0I1JHEvZO7BnLXgEAdSdw7uWsgdw0I1JHEvZO7BnLXgEAdSdw7uWsgdw0I1JHEvZO7BnLXgEAdSdw7uWsgdw21CtRzbXj9C7o9F9KXkjd3BCqiUoF67k6sf0uh51bOYtLmjkBV1ClQz/Mx6j/UwvMwkXKy5v6IQFVUKdCmCZvJmlJJB1RgWBqS5r4FgWpAoI6lkg4oBKoDgWrwF+gIThO50lKm1H+FAPPAHWhkqaT/j8wdqA7uQDX434GOaS5wHktKZR1Qyf2ZNvdHBKqiToGyjElEbn/mzR2BqqhUoCykF5Han4lzR6AiahUoA0oEuWsgdw0I1JHEvZO7BnLXgEAdSdw7uWsgdw0I1JHEvZO7BnLXgEAdSdw7uWsgdw0I1JHEvZO7BnLXgEAdSdw7uWsgdw0I1JHEvZO7BnLXgEAdSdw7uWsgdw21CrT6nUiuW36YyBrIXUOlAq1+L7ztpnMmsgZy11CnQKs/jcn32CMmsgZy11ClQKs/D9T44E0msgZy14BAHUshUA2Jeyd3DQjUsRQC1ZC4d3LXgEAdSyFQDYl7J3cNVQqUh0g6mMgayF1DnQJlGZMMJrIGctdQqUBZSK+CiayB3DXUKlAGlAhy10DuGhCoI4l7J3cN5K4BgTqSuHdy10DuGhCoI4l7J3cN5K4BgTqSuHdy10DuGhCoI4l7J3cN5K4BgTqSuHdy10DuGhCoI4l7J3cN5K4BgTqSuHdy10DuGmoVaPU7kVxhImsgdw2VCrT6vfC2MJE1kLuGOgVa/WlMvjCRNZC7hioFWv15oMYwkTWQuwYE6lhqjQPKgcS9k7sGBOpYao0DyoHEvZO7BgTqWGqNA8qBxL2Tu4YqBcpDJB1MZA3krqFOgbKMSQYTWQO5a6hUoCykV8FE1kDuGmoVKANKBLlrIHcNCNSRxL2TuwZy14BAHUncO7lrIHcNCNSRxL2TuwZy14BAHUncO7lrIHcNCNSRxL2TuwZy14BAHUncO7lrIHcNCNSRxL2TuwZy11CrQFlIL4KJrIHcNVQqULZyqmAiayB3DXUKlMNEZDCRNZC7hioFynF2OpjIGshdAwJ1LLXGAeVA4t7JXQMCdSy1xgHlQOLeyV0DAnUstcYB5UDi3sldQ5UC5SGSDiayBnLXUKdAWcYkg4msgdw1VCpQFtKrYCJrIHcNtQqUASWC3DWQuwYE6kji3sldA7lrQKCOJO6d3DWQuwYE6kji3sldA7lrQKCOJO6d3DWQuwYE6kji3sldA7lrQKCOJO6d3DWQuwYE6kji3sldA7lrQKCOJO6d3DWQu4ZaBcpOJBFMZA3krqFSgbIXXgUTWQO5a6hToJzGJIOJrIHcNVQpUM4D1cFE1kDuGhCoY6k1DigHEvdO7hoQqGOpNQ4oBxL3Tu4aEKhjqTUOKAcS907uGqoUKA+RdDCRNZC7hjoFyjImGUxkDeSuoVKBspBeBRNZA7lrqFWgDCgR5K6B3DUgUEcS907uGshdAwJ1JHHv5K6B3DUgUEcS907uGshdAwJ1JHHv5K6B3DUgUEcS907uGshdg1Sgn14+PDz88Ov+L59fb/7yCoFuSdw7uWsgdw1Kgb572PPqKNOHhx//QKDrHFAOJO6d3DUIBfq0V+e7h7/8fXf/+dPOoq9iBMpCehFMZA3krkEo0HetLN9t1fm0v/f89PLwjn6aQNnKqYKJrIHcNegE+uXN9s7z69adPx1t+uXNwy8BAuUwERlMZA3krsHgKfxWoEebfrh6Dz+iN46z08FE1kDuGvQC3d10fn7dvnX/sL0d3fFty4iSJ1WN7sq7FABUxXgpfNh++nkU6BMCBYC1MVoKT+1D+CuBHhhxd8xbeB28ldRA7hrUb+H3/gwWKA+RdDCRNZC7BrFAP+z9eesz0CkCZRmTDCayBnLXIBXolzeHjZyxT+EfWUgvg4msgdw1KAW68edx5+a7/frPoHWgUy7MgcS9k7sGctcgFGjXn9E7kRhQKshdA7lrEAr0Q/fkkOi98AwoEeSugdw16AS6O77u4XgE09MDpzEdSdw7uWsgdw06gT49nAmU80A7JO6d3DWQuwb1OtB+lr4wBxL3Tu4ayF0DAnUkce/kroHcNSBQRxL3Tu4ayF0DAnUkce/kroHcNdQqUM+dSKWscUA5kLh3ctdQqUA998IXs8YB5UDi3sldQ50C9TyNqZw1DigHEvdO7hqqFKjneaADWOOAciBx7+SuAYEuVmoAaxxQDiTundw1INDFSg1gjQPKgcS9k7sGBLpYqQGscUA5kLh3ctdQpUB5iKSDiayB3DXUKVCWMclgImsgdw2VCpSF9CqYyBrIXUOtAmVAiSB3DeSuAYE6krh3ctdA7hoQqCOJeyd3DeSuAYE6krh3ctdA7hoQqCOJeyd3DeSuAYE6krh3ctdA7hoQqCOJeyd3DeSuAYE6krh3ctdA7hpqFahg9XsgaxxQDiTundw1VCpQxf7LQNY4oBxI3Du5a6hToJITQAJZ44ByIHHv5K6hSoFqzqALZI0DyoHEvZO7BgTqyBoHlAOJeyd3DQjUkTUOKAcS907uGhCoI2scUA4k7p3cNVQpUB4i6WAiayB3DXUKlGVMMpjIGshdQ6UCZSG9CiayBnLXUKtAGVAiyF0DuWtAoI4k7p3cNZC7BgTqSOLeyV0DuWtAoI4k7p3cNZC7BgTqSOLeyV0DuWtAoI4k7p3cNZC7BgTqSOLeyV0DuWtAoI4k7p3cNZC7BgTqSOLeyV0DuWtAoI4k7p3cNZC7BgTqSOLeyV0DuWtAoI4k7p3cNZC7BgTqSOLeyV0DuWtAoI4k7p3cNZC7BgTqSOLeyV0DuWtAoI4k7p3cNZC7BgTqSOLeyV0DuWtAoI4k7p3cNZC7BgTqSOLeyV0DuWtAoI4k7p3cNZC7BgTqSOLeyV0DuWtAoI4k7p3cNZC7BgTqSOLeyV0DuWtAoI4k7p3cNZC7BgTqSOLeyV0DuWtAoI4k7p3cNZC7BgTqSOLeyV0DuWtAoI4k7p3cNZC7BgTqSOLeyV0DuWtAoI4k7p3cNZC7BgTqSOLeyV0DuWtAoI4k7p3cNZC7BgTqSOLeyV0DuWtAoI4k7p3cNZC7Bn+BjuTbb9UdrBNy10DuGqJyR6Cwg9w1kLsGBAqhkLsGcteAQCEUctdA7hoQKIRC7hrIXQMChVDIXQO5a0CgEAq5ayB3DQgUQiF3DeSuoVqBAgBkAYECAIwEgQIAjASBAgCMBIECAIwEgQIAjASBAgCMBIECAIzES6CfXz88PLxSd7E6drFv+OFXdSdr4vPrn45/YtgvxzH3kGFvJdBPL3cX9OMf6kZWRps7Al2Udw/tRGbYL8pl7vUIdPP/CD/tLuuVupOV8XQYUrAc7x7a1Bn2i3LMPWbYOwn0af9/wp9ecie0LO+Yu0uzu/vZz1+G/YJ0co8Z9k4CbS/oy5uHX8SdrIsvb/7yd3UPK+PDZhYfboAY9svRzT1m2BsJ9HhBH7ghWpTPr3/8r5d8ArokHzZDvZ3IDPsF6eQeNOyNBPr5dXstH/hIblEOH6ZzB7Qo7URmW46RewAABupJREFU2C/MQaAxw95RoDzTWJan/RqaTy95J78klwJl2C/D0/Gz54hhj0DhcOvDe8hFQaAano7DPWLYI1A48OklSxEXBIFquMx52rB3FCgfBmlgIc2i8BmohmuBThn2RgLlcaQY7kAXhafwGqq9A/36bv88jAVxy3KcwbyHXJTTOlCG/ZJc/h/XtGHvJFC2ZGg47Mh4xwxektPTYIb9klxsYJg47J0EyqZgDZvEt0PoieMsFuW0oJthvySddaABw95JoNuVWRxLI+ADhzEJOL51ZNgvyjH3kGFvJVAORhSxy50PQJfl9Nkbw35JLnKfOOy9BAoAkAgECgAwEgQKADASBAoAMBIECgAwEgQKADASBAoAMBIECgAwEgQKADASBAoAMBIECgAwEgQKADASBAoAMBIECgAwEgQKz/K2ab45/e2ff2uan6cV/O+/NluORd82f/rPMW2N+a7t1Rz4l38b8f2zNAXJQaDwLFvfnZT5/kynI9gauKUttIxAP+6/vCPQJtB2x+oIdI0gUHiej03zr//R/vkffz79eRQdfx4EtohA3zY3BBqmu7eTLgWyg0DhDhvpfL//0/Q38BsbtxXeN5NqjRbo8dsmNjChGagMBAp32LyJbz8vjHgD372bnaCd6QKdfjVjm4HKQKBwj4/tm92NSSeKYiPQk7PeTvk4IECg0ww+oRmoDAQK99i+c9++iX/beXK9/zDz5I322fr3h3/8eaOn3Vvk/Re237j5y5Vq9vbZfP/3u3fVh48L2u987ideO+usg/Of+745/NPb85Y3f+n2ev4zdrb/eHjctfua4zd3v/BG9bM6Ny4NqgKBwl028tiY6GPHAO+vHqW37G4qN/74X+1fPp79w/brLm87jwL9n3/tfuXxR3xz8ydeCfS8g/Ofe1ugm6v65qzX08/YXedWoG8PRdo/nD7LOH3hdfXzOteXBnWBQOE+248Lu3eP79vbq7etz97vXbG9Cdz+fXsDtlHNP//P8W3y4fPGy0WgXzsCPd6wft/5EW/P/3r8iZcCvejg8uc+8xno991et/9ha7jDwq3dbeQ3X1s3f9Np4uILL6tf/PPVpUFlIFC4z3bu/4/T2+n9vduW97v/uFHE/u/tp6Snp/XvDzddhw88d++EzyR6EujP7Y9q/76TUfvY6fInXgr0soPLn3st0FacnV6PH/G2P/MovIOVD9Uuv/Ci+uU/X14a1AYChR523uu8gT+8F90/FfrY+YyzVc/xffjVhp/j+9u23oV1Wkl9PGhtX/vyJ14K9LKDy597ex3oN19v97q52u+7//L29NZ938z5F14I9PKfLy8NagOBQh/vz5+gPLcR8+1BoO1/3X4UeX3X9bFr0KNAj7eYewN2XXP9E5998H3079kX3BToN23pK73tm7nxL3tPX37hhUAv//ny0qA2ECj00d5r7Wg/yDx7aLNl96FhK9DTG/TOzWaX94dHMp2n8O0/bEucC/L6J94W6LGDy597Q6DdZ+3tHzpv7/fP54+PyLoCvfrCc4Fe/fPlpUFtIFDoo0egH8/+2r1hPHzoeX12x9um8/53skDPO7j8uc9vtuwK9Pwu945An7kdvvi29j8g0NpBoNDHhUDPt/Acdrj/fHoL/831P/988SFgK5ZCgV5sGrow4WUHFz+3UKDcgcIYECj00RXo1dPk98f3yjcF2n7J5nved7ef9wi0dc2u1vXz6wsTXnZw8XNLBHrrM9CbAh3xGSgCrRoECn10BdrZkrQz20lvG1ecCfTsw9D9svqTQt53bw4vLXN8Cr/5wT9f/cRLE152cPlziwR6svvHwwrR2wK9/MKrp/Dn/4xAaweBQh9nAj3tIt957qSv95efgb4/38S5e1O9/9rtx5rt0vhbAj2u/Xl7WAfa/YnPC/T9YU/R+ebREoHeWAd6W6DD14Ei0KpBoNDHmUC3mtoJqn2D3O732T3qaRenn6R03NXz89fuOvqL5ztXlvl4LP39jZ94th5p8/WXHVz+3PcXD5NOdG5WOzuIvv96R6CXX3hZ/eKfEWjtIFDo41ygp9XwO2McH5L/6d8Pmxa/OX1f011R1Hme3t4jPiPQZ/fCXy/o3Hz9ZQeXP/dwJshdgd7YC/+1bfFcoBdfeFX9ai88Aq0aBAp9XAj0/JCl1md7kX1z8RDpfVeDx+/sfuttgd4+jenw9wuBXnZw9XPblfX3Bdr+jG8u/+VKoOdfeF397J8RaO0gUACAkSBQAICRIFAAgJEgUACAkSBQAICRIFAAgJEgUACAkSBQAICRIFAAgJEgUACAkSBQAICRIFAAgJEgUACAkSBQAICRIFAAgJEgUACAkSBQAICRIFAAgJEgUACAkSBQAICR/H+pMZb1EJqevwAAAABJRU5ErkJggg=="/>
-          <p:cNvSpPr>
-            <a:spLocks noChangeAspect="1" noChangeArrowheads="1"/>
-          </p:cNvSpPr>
-          <p:nvPr/>
-        </p:nvSpPr>
-        <p:spPr bwMode="auto">
-          <a:xfrm>
-            <a:off x="307975" y="7937"/>
-            <a:ext cx="304800" cy="304801"/>
-          </a:xfrm>
-          <a:prstGeom prst="rect">
-            <a:avLst/>
-          </a:prstGeom>
-          <a:noFill/>
-          <a:extLst>
-            <a:ext uri="{909E8E84-426E-40DD-AFC4-6F175D3DCCD1}">
-              <a14:hiddenFill xmlns:a14="http://schemas.microsoft.com/office/drawing/2010/main">
-                <a:solidFill>
-                  <a:srgbClr val="FFFFFF"/>
-                </a:solidFill>
-              </a14:hiddenFill>
-            </a:ext>
-          </a:extLst>
-        </p:spPr>
-        <p:txBody>
-          <a:bodyPr vert="horz" wrap="square" lIns="91440" tIns="45720" rIns="91440" bIns="45720" numCol="1" anchor="t" anchorCtr="0" compatLnSpc="1">
-            <a:prstTxWarp prst="textNoShape">
-              <a:avLst/>
-            </a:prstTxWarp>
-          </a:bodyPr>
-          <a:lstStyle/>
-          <a:p>
-            <a:endParaRPr lang="en-US"/>
-          </a:p>
-        </p:txBody>
-      </p:sp>
-      <p:pic>
-        <p:nvPicPr>
-          <p:cNvPr id="6" name="Picture 5"/>
-          <p:cNvPicPr/>
-          <p:nvPr/>
-        </p:nvPicPr>
-        <p:blipFill rotWithShape="1">
-          <a:blip r:embed="rId2"/>
-          <a:srcRect l="22618" t="30418" r="37218" b="23099"/>
-          <a:stretch/>
-        </p:blipFill>
-        <p:spPr bwMode="auto">
-          <a:xfrm>
-            <a:off x="5105400" y="3657600"/>
-            <a:ext cx="4038600" cy="2819400"/>
-          </a:xfrm>
-          <a:prstGeom prst="rect">
-            <a:avLst/>
-          </a:prstGeom>
-          <a:ln>
-            <a:noFill/>
-          </a:ln>
-          <a:extLst>
-            <a:ext uri="{53640926-AAD7-44D8-BBD7-CCE9431645EC}">
-              <a14:shadowObscured xmlns:a14="http://schemas.microsoft.com/office/drawing/2010/main"/>
-            </a:ext>
-          </a:extLst>
-        </p:spPr>
-      </p:pic>
-      <p:sp>
-        <p:nvSpPr>
-          <p:cNvPr id="8" name="AutoShape 6" descr="data:image/png;base64,iVBORw0KGgoAAAANSUhEUgAABUAAAAPACAMAAADDuCPrAAAAolBMVEUAAAAAADoAAGYAOpAAZrYzMzMzZv86AAA6Ojo6kJA6kNs9PT1NTU1NTW5NTY5NbqtNjshmAABmZmZmtv9uTU1uq+SOTU2Oq6uOyP+QOgCQkLaQ29uQ2/+rbk2rjk2r5P+2ZgC2kDq2///Ijk3I///KysrW1tbbkDrb///kq27k5Kvk///r6+v/tmb/yI7/25D/5Kv//7b//8j//9v//+T////sHfwrAAAACXBIWXMAAB2HAAAdhwGP5fFlAAAgAElEQVR4nO2da4PcxpFlMWNJ3hXbkrwiufLucM0ZSuJw1GxzaPL//7WtB6oK9ehCAgjg3kic88Wk2B0duJV5jCpkZjdfAQBgFI26AQCArCBQAICRIFAAgJEgUACAkSBQAICRIFAAgJEgUACAkSBQAICRIFAAgJEgUACAkSBQAICRIFAAgJEgUACAkcwn0MdxjP5GBxL3Tu4ayF3DBEEh0NlI3Du5ayB3DQjUkcS9k7sGcteAQB1J3Du5ayB3DQjUkcS9k7sGcteAQB1J3Du5ayB3DQjUkcS9k7sGcteAQB1J3Du5ayB3DQjUkcS9k7sGcteAQB1J3Du5ayB3DQjUkcS9k7sGcteAQB1J3Du5ayB3DQjUkcS9k7sGcteAQB1J3Du5ayB3DQjUkcS9k7sGcteAQB1J3Du5ayB3DQjUkcS9k7sGcteAQB1J3Du5ayB3DQjUkcS9k7sGcteAQB1J3Du5ayB3DQjUkcS9k7sGcteAQB1J3Du5ayB3DQjUkcS9k7sGcteAQB1J3Du5ayB3DQjUkcS9k7sGcteAQB1J3Du5ayB3DQjUkcS9k7sGcteAQB1J3Du5ayB3DQjUkcS9k7sGcteAQB1J3Du5ayB3DQjUkcS9k7sGcteAQB1J3Du5ayB3DVqBvnvY8Mv+z59fb/78CoFuSdw7uWsgdw1Kge6UueGn7V8+vdz9+cc/EOg6B5QDiXsndw1CgX55s7vh/PDwl7/vZPrTzqKvYgTabBh5ZQal1jigHEjce1zugeO9lILeBV0VIRToU3u7+WGrzvYvn17+8GuEQJsmLHBFKSayhsS9h+UeON6L6e9d0VUROoFubkB/Of3t3f7W8/w/jhZo04QFLinFRNaQuPeo3APHezm9vUu6KkIn0M+vOzebX95s38d/3d6Ovpou0KYJC1xTiomsIXHvQbkHjvcB9PWu6aoInUA/vfzxj6eHh90noCebftg/Utrwbcvgwptmjoz45gylAObBc5B6dhXKKIH+v/1T+FcdgT4hUAAZnoPUs6tQhl/ZU7uA6Wl7D3pDoAdG3B3zFl4Hb+E18BZeg+4t/NNh2fz2XXusQHmIpAOBauAhkgblZ6Dtc6Pth6E3PgOdIlCWMclAoBpYxqRBKdDWmds/xD6Ff2QhvQwEqoGF9BqU60A7d6Bf3+3XfwatA51yYQ4k7p3cNZC7BuFOpHftu/XdTWfwTiQGlApy10DuGoQCbTe+P82yF54BJYLcNZC7BuVpTE/7ZaD7N+3tXziNaUvi3sldA7lrkJ4H+uXNRpmH9+ycB3oice/kroHcNXAivSOJeyd3DeSuAYE6krh3ctdA7hoQqCOJeyd3DeSuAYE6krh3ctdA7hpqFSg7kQbgGVYgprlHgkA1VCpQ9sIPwDOsQExzDwWBaqhToJzGNADPsAIxzT0WBKqhSoE2TdhM1pRackB5hhWIae7BIFANCNSxFAINxDT3YBCoBgTqWAqBBmKaezAIVAMCdSyFQAMxzT0YBKqhSoGaPhcpL8VDpEhMc48FgWqoU6CmK3OKS7GMKRTT3ENBoBoqFajp2vDSUiykj8U090gQqIZaBcqAEkHuGshdAwJ1JHHv5K6B3DUgUEcS907uGshdAwJ1JHHv5K6B3DUgUEcS907uGshdAwJ1JHHv5K6B3DUgUEcS907uGshdAwJ1JHHv5K6B3DXUKlDPteH1L+j2XEhfSt7cqxeo54SeUMtboJ67E+vfUui5lbOYtLlXL1DPCT2llrVAPc/HqP9QC8/DRMrJmvtj7QL1nNCTajkLtGnCUtKUSjoZAsPSkDT3LVUL1HNCT6uFQGcslXQyIFAdCLQMBDr3hTmUSjoZEKgOBFoGAp37whxKJZ0MCFQHAi0DgQ65sjHf61Aq62RI7s+0uT9WLlDTCV3tQyTXVQ/FpdJOhtz+zJt77QI1ndDVLmNyXXdbWirvZEjtz8S51y5Q0wld7UL6+geUK+Sugdw11LqVkwElgtw1kLsGBOpI4t7JXQO5a0CgjiTundw1kLsGBOpI4t7JXQO5a0CgjiTundw1kLsGBOpI4t7JXQO5a0CgjiTundw1kLsGBOpI4t7JXQO5a6hVoJ4bF+rficREFkHuGioVqOfW2fr3wjORVZC7hjoF6nl4S/2nMT0ykVWQu4YqBTrpnD6HUmscUA4k7p3cNSBQx1JrHFAOJO6d3DUgUMdSaxxQDiTundw1IFDHUmscUA4k7p3cNVQpUB4i6WAiayB3DXUKlGVMMpjIGshdQ6UCZSG9CiayBnLXUKtAGVAiyF0DuWtAoI4k7p3cNZC7BgTqSOLeyV0DuWtAoI4k7p3cNZC7BgTqSOLeyV0DuWtAoI4k7p3cNZC7BgTqSOLeyV0DuWtAoI4k7p3cNZC7hloFykL6AQReoedE9sw9MnbP3EvJ2/v419BboGzlHEDgFXpOZM/cQ2O3zL2YtL1PeA2tBcphIgMIvMJHy4nsmXts7I65l5O19ymvobNABxwc51lKMZGDprLfRPbMPTh2w9wHkLT3Sa8hAp2xFAINxDN3BNohae8I1LUUAg3EM3cE2iFp7wjUtRQCDcQzdwTaIWnv1QqUh0hDqH4ie+YeG7tj7uVk7X3Ka2gtUJYxDaH6ieyZe2jslrkXk7b3Ca+ht0BZSD+E6ieyZ+6RsXvmXkre3se/huYCZUCJIHcN5K6h1q2cDCgR5K6B3DUgUEcS907uGshdAwJ1JHHv5K6B3DUgUEcS907uGshdAwJ1JHHv5K6B3DUgUEcS907uGshdAwJ1JHHv5K6B3DUgUEcS907uGshdQ60CrX4nUuQ2Fs+dSJ65B8JOpAN5e691J1L1e+EjN1J77oX3zD0Q9sIfSdt7rXvhA0+6kZTqvejIo3wia8VNZM/cA4mNHYEqmPIaOgu0acJGp6ZU30UHdmV6Hqhn7oEEx45ABUx6DRHojKUQqGfugSDQDkl7zyHQEZwujFKL1orDNKw4PLuCIYROw+klnmHp/2dwKMUdqGfugQTHzh2ogEmvobNAeYg0T1sl8BCpkNjYEaiCKa+htUBZxjQEz4nsmXsgobEjUAkTXkNvgbKQfgieE9kz90AiY0egGsa/huYCZUCJIHcN5K6h1q2cDCgR5K6B3DUgUEcS907uGshdAwJ1JHHv5K6B3DUgUEcS907uGshdAwJ1JHHv5K6B3DUgUEcS907uGshdAwJ1JHHv5K6B3DUgUEcS907uGshdQ60CrX4nUiSeO5ECMc09EnLXUKlAq98LH4nnXvhATHMPhdw11ClQyVE+gaUEh1q4ncYUiGnusZC7hioF2jRhUtCUUhyr5nUeaCCmuQdD7hoQqGMpBBqIae7BkLsGBOpYCoEGYpp7MOSuAYE6lkKggZjmHgy5a6hSoDxEGkKoPw0nsmvusZC7hjoFyjKmIUT603Eiu+YeCrlrqFSgLKQfQuAVWk5k19wjIXcNtQrUc0CVkrh3ctdA7hoQqCOJeyd3DeSuAYE6krh3ctdA7hoQqCOJeyd3DeSuAYE6krh3ctdA7hoQqCOJeyd3DeSuAYE6krh3ctdA7hoQqCOJeyd3DeSuoVaBVr+QPnLxu+dC+siuClk490gQqITxw8FboNVv5Yzcfum5lTO0q0KWzT0UBKpgwnCwFmj1h4lEHgDieZhIbFeFLJp7LAhUwJTh4CzQpgkb6JpSfRcd2JXpcXbBXRWyZO7BINDlmTQcEOiMpRAoAh0IAl0eBOpaCoEi0IEg0OVBoK6lECgCHQgCXZ5qBcpDpHnaKoGHSBoQqIApw8FaoCxjGkKoE1jGpAGBKpgwHLwFykL6IUTWYiG9BgQqYfxwMBcoA0oEuWsgdw21buVkQIkgdw3krgGBOpK4d3LXQO4aEKgjiXsndw3krgGBOpK4d3LXQO4aEKgjiXsndw3krgGBOpK4d3LXQO4aEKgjiXsndw3krgGBOpK4d3LXQO4aahVo9TuRIql+J5Jp7pFY5l5K3txr3YlU/V74SKrfC2+aeyiOuReTNvda98IHHpojKbXogIo9YcjwNCbT3GMxzL2crLlPCctZoE0TNgw0pZYcUIFXuMXvPFDT3IPxy30ASXOfFBYCnbEUAq0/92D8ch9A0twRqGspBFp/7sH45T6ApLkjUNdSCLT+3IPxy30ASXOvVqA8RBpC7IwxfJhhmnsshrmXkzX3KWFZC5RlTEMInTGOy2lMcw/FMfdi0uY+ISxvgbKQfgiRM8ZyQbdp7pFY5l5K3tzHh2UuULa2iSB3DeSuodatnAwoEeSugdw1IFBHEvdO7hrIXQMCdSRx7+Sugdw1IFBHEvdO7hrIXQMCdSRx7+Sugdw1IFBHEvdO7hrIXQMCdSRx7+Sugdw11CrQ6hfSRy539lxIHwgL6QfgOd5NqXUhffVbOSM33Hlu5QyErZwD8BzvptS6lVNyEkVgqd6LDuzK9DCRQAJz98XwMJH6c58SlrNAmyZsGGhK9V10YFemx9kFEpi7MX7H2dWf+6SwEOiMpRBoIPVP5C0IdHkQqGspBBpI/RN5CwJdHgTqWgqBBlL/RN6CQJenWoHyEGmetkrwE+gKHmY88hBJwpSwrAXKMqYhRNZyFOgKltOwjEnDhLC8BcpC+iFE1nIU6AoWdLOQXsP4sMwF6jmRS0ncO7lrIHcNtW7lZECJIHcN5K4BgTqSuHdy10DuGhCoI4l7J3cN5K4BgTqSuHdy10DuGhCoI4l7J3cN5K4BgTqSuHdy10DuGpQC/fz6YccPvx7/9gqBbkncO7lrIHcNSoF+etkRaPuXH/9AoOscUA4k7p3cNSgF+vTw0/HPm/vPn3YWfRUjUHYiDYCdSC2OvZcR+RLG4TnePaZOgEDfdWz5tL/3/PRy/35+qkDZCz8A9sIfMOy9jNCXMAzP8W4ydaYL9Mubv/z9UqZf3jz8EiDQKaekOJTiNKZIAnM3JfYljMJzvLtMnekC/fz6x/962X4CepTph6v38BOui/NAY9sqwU+ggbmbEvwSBuE53m2mznSBHp4hbe85P79u37p/OH4u+m3L8MJfTxc24ptXViq0liXVX6DpFXqOd9epM6LE037V0qeXm5vPo0CfEOiypUxnXyDVX6DpFXqOd9epM6LE4WZz+679hkAPLH1r7VCKt/CBBOZuSvBLGITneLeZOtMFeuDTyx//iBWo6WfO5aV4iBRJYO6mOPrTdby7TJ1Igf7w643PQKcI1HTVQ3EpljGFEpi7KY7+dB3vJlMnUqA//hH7FP7Rdd1taSkW0scSmLspjv50He8eU2eyQI/O3L1rf7df/xm0DvTRdCKXkrh3ctdA7hqEWzkPG5F27gzeicSAUkHuGshdg1Cgn17u7jb36ozeC8+AEkHuGshdg/IwkQ/d0+yeHjiN6Uji3sldA7lrkB6ovDsC9KfuX15df9HSF+ZA4t7JXQO5a+BEekcS907uGshdAwJ1JHHv5K6B3DUgUEcS907uGshdQ60C9Vx3a7qg2zOsQExzjwSBaqhUoJ47v0y3FHqGFYhp7qEgUA11CtTz7IHyUosOKM+wAjHNPRYEqqFKgTZN2EzWlFpyQHmGFYhp7sEgUA0I1LEUAg3ENPdgEKgGBOpYCoEGYpp7MAhUAwJ1LIVAAzHNPRgEqqFKgZo+FykvxUOkSExzjwWBaqhToKYrc4pLsYwpFNPcQ0GgGioVqOna8NJSLKSPxTT3SBCohloFyoASQe4ayF0DAnUkce/kroHcNSBQRxL3Tu4ayF0DAnUkce/kroHcNSBQRxL3Tu4ayF0DAnUkce/kroHcNSBQRxL3Tu4ayF0DAnUkce/kroHcNSBQRxL3Tu4ayF1DrQJlR8wAIsOKm8j17wCLxFKg5H7vG50Fyp7sAYSGFTaR6z+DIBRHgZL73W80FiinAg0gNqyoiVz/KVixGAqU3O9/o69AmyZWCjEM6CrpeaBbgiZyYFemuQfjJ1By7/lGBDoM0wGFQE+scSLPBrn3fCMCHYbpgEKgJ9Y4kWeD3Hu+EYEOw3RAIdATa5zIs0HuPd/oK1AeIg0hNiweImnwEyi593yjsUBZxjSE0LBYxqTBUKDkfv8bnQXKQvohRIbFQnoNjgIl97vfaC1QzwFVSuLeyV0DuWtAoI4k7p3cNZC7BgTqSOLeyV0DuWtAoI4k7p3cNZC7BgTqSOLeyV0DuWtAoI4k7p3cNZC7BgTqSOLeyV0DuWtAoI4k7p3cNZC7BgTqSOLeyV0DuWuoVaCCbSyBpQou2nOrlWlbnjtiQrNiB1gxHrl7C1SxkTqwVP9Fe272N23Lc092bFacQVCKSe7WApUc5RNYqveiA7uKxLOtwNwDCc6KU7AKccndWaBNE5aSplTfRQd2FYlnW4G5BxKdFeewlmGTOwKdsRQCDYSJPADP8R6ITe4IdMZSCDQQJvIAPMd7IDa5I9AZSyHQQJjIA/Ac74HY5O4sUB4iifBsKzD3QIKz4iFSIS65WwuUZUwiPNsKzD2Q2KxYxlSKSe7eAmUhvQjPtgJzDyQ0KxbSF+ORu7lA2domgtw1kLsGBOpI4t7JXQO5a0CgjiTundw1kPvy/LbhdwRqSOLeyV0DuS/KbwcQqCOJeyd3DeS+FL+dgUAdSdw7uWsg99n57RYI1JHEvZO7BnKfj5vmRKDGJO6d3DWQ+zzck2fNAmUh/QA8wwqEBd3eePbe584tL16MfQ29BcpWzgF4hhUIWwrNseu9xJ17f74Y+xpaC1RyIkJgqUUPE/EMK5DA3AMJzgqBBlHqztafL8a+hs4CbZqw0akpteRxdp5hBRKYeyDRWSHQ6Qxx58GfL8a+hgh0xlIINBAEao++96HuRKDWpRBoIAjUHmHvo8yJQM1LIdBAEKg9it6nmLN2gZo+FykvxUOkSAJzDyQ4KwQ6gAB5Hg069jW0FqjpypziUixjCiUw90Bis0KgZUS582jQsa+ht0BN14aXlmIhfSyBuQcSmhUC7SXWnQeD1rmQngGlgtw1kPtd5pDnjlq3cjKgRJC7BnJ/jtnciUBtSdw7uWsg9xvM604Eakvi3sldA7l3WcCcCNSYxL2TuwZy37KcOBGoM4l7J3cN5L68PBGoK4l7J3cNq85d404Eakvi3sldw1pzF7oTgdqSuHdy17C63NXmbKlVoLk317ATKRbPHWCmO5E8d96dmOy87Q72AHXuqVSgybd3sxc+FM8zCEz3wnue/dASobzdGUphBq1ToIEn3QQfmlMGpzFFUt7VkrkHZxUlUMkVlvQeZbwXL0INWqVAmyZsGASWGgDngQYyoKsFc4/OKkigmivs6T3IdTtevIg1KAJdrNQAEGggCHQAbgKNsVyH9Ql0BKeXzqlUIJFdEVb2UpEYXeHvs3ASaFDByTm1aQXVuWaE3I1vFMrgDjSQkDuhwaUCuyqiqjvQmJvDm6zvDnRMc4FjU6IEHiJFUt4VD5HED5FipHaXUH9+9913VQrUd7VJGSxjCqW4K5YxqZYxheisjAh/fneiToHarncug4X0sZR2xUL6R8EVbt4Hx6ixkAn+/O6aSgW6vq1tJpC7hpy5t15aVqBjuGFOBOpL4t7JXUO63Lt6Mhbo8+ZEoL4k7p3cNWTK/cpSjgLtNeeWWp/CP+YaUFck7p3cNSTJ/basvARaJM4DCNSRxL2Tuwb/3O8oy0OgZbecFyBQRxL3Tu4ajHPvV5daoGPM2YJAHUncO7lrcMy9WGBCgY42ZwsCdSRx7+SuwS33QRbTCHSaOVtqFajnemfPBd2RVJ+7K0YL6YerrECggUd4vngRYc6WSgXquePOc0thJNXnbovHVs6RSusXaND+9ThxHqhToJITEQJLLXqYSCDV5+6L/jCRCV7rFejkE0BC3q7fokqBNk3Y9NOUWvI4u0Cqz90Y6XF24/3TWqjn3yecQddjzinu3IFAHUshUM/cjVEJdKJ/Wgv1/Psogfaqc6o7dyBQx1II1DN3YxYXaIR9jhbq+fdBAu0X53ffcaDyXaqfyAh0nlIItD+sGO9cWKjn34sEWiLO7ziRftAwGHlt8lI8RDLN3ZdFHiLFOOeGhfq+4K70ysxZVGpE61UKtP7lNJb+XEHutsy9jCnIN89YqPcrbkpvmDnvlhpNpQKtf0G3pT9XkLsrMy6kj3LNHQv1f8mZ9MaZ82apqdQqULutbYNI3Du5a5gj9zDL9Fqo/EsniHMWEKgjiXsndw2huS/roFKBepmzBYE6krh3ctcQlrvEQn1fYGjOFgTqSOLeyV1DRO46C935N1dztiBQRxL3Tu4aJuYuttCN/2Z7z3kOAnUkce/krmF87moF/XYuUMtPOp8HgTqSuHdy1zAqd7V9DuwE2mdOO3fuQKCOJO6d3DUMzV0tng795vR05w4E6kji3sldQ3HuauN0KDGnrzr31CrQ6nfERO5Eiqxl9KslhpfKuwOsIHe1arrkF2fLixdjh4O3QKvfkx25Fz50X73Hr5YYWSrtGQR9uas9c6CCW84zXmwFOm44WAu0+lOBArsKPtlJ/6slJpTKegrW453c1Y7ZUcOb9Ru82At01HBwFmjThA10TaklzwONrPUo/tUSU0slPYd1y63c1X75rdScwt8LP4UXB4GOGQ4IdMZSCLT+3IO5yF3tlt8Gfc6JQBFoaCkEWn/uwZxyV2vlt+G/yQ2BItDQUgi0/tyD2eWuNspvI4/9QKBeAuUh0jxtlcBDJAUbB8klNMacLfLeR1LrQySWMQ0i1AksY1qU41wWCnSCOVtSCbQb/4Th4C1QFtIPIbIWC+kX42xaSwQ66v36DXII9NZrMH44mAuULYUiyH0Jrmf3ogK9L85B7txhLtB7r8QEQSHQ2UjcO7nPzDOTfBGB9opzuDt3uAq04OVAoI4k7p3cZ+TOXJ9XoCXmnLCTyE6g5S8JAnUkce/kPg99U34mgc5szha9QEe/LgjUkcS9k3s4RQaIFugy5mwRCnTqi4NAHUncO7nHMUQEYQJdUpwHFAINeo0QqCOJeyf36YzxwXSBKszZsqhAY18rBOpI4t7JfRpjtTBFoDpztiwj0FleLwTqSOLeyX00k+wwUqBic7bMJdAFXrRaBcpOpAF4hhVIYO7zMN0VwwXqYM6Wgt63287LC94NO3SMVipQ9sIPwDOsQAJzj2a8dC4YItD75nwxzFUR9Pf+oqyrkshjx2idApUc5RNYKutpTJFtxRGYexwR3ulSJNCCe84XLwpdFUlv771dlQcfPEarFGjThKWkKZX0PNDItuIIzD2IUPm03Bdo8dv1Fy8UBu0T6J2uhmYfPUYRqGMpBBqIlUDnEdBvzwq0x5xXH3UmEOi0FwCBFuDpBASqwUWgMzvoUkK96rz5mMhZoJZjFIE6lkKggRgIdAkHHSTUL857T9gtBeo8RqsUqOlzkfJSPESKJDD34SxjoI2DSsRZsDbJ6iHSiJewl+AxWqdATVfmFJdiGVMogbkPYSH7BJnzgMCfVwKd8BL2EztGKxWo6drw0lIspI8lMPcSFtJOsDkPLO/PjUB7M3Udo7UKlC2FIlad+0K+mcmcEkJyF4JAHUnc+2pzX8Y31Yjz7J4z8ZhBoI4k7n2NuS9jnBrNOS13BxCoI4l7X1nuyzinwJzC3wtfSGjuNiBQRxL3vpbcl9JO6T2no0DnyN0NBOpI4t5rz30p+Qx9t24l0BlydwWBOpK495pzX8I9Yz/p9BDoPLk7g0AdSdx7pbnP754+c/Y8JRILdK7c7alVoJ7rbk0X0gfi2dak3M9NEb/MvN+cJU/Y4wQqOPt9jePdW6CeO79Mt3IG4tnW+Nxv2iXKoCXmLF6cFCbQ0iucNffxpZZlQlvWAvU8e6C81KKHiQTi2da43O/YZapBI8V5IEqgkrPf1zjenQXaNGGBa0oteZxdIJ5tDc+91y5jDTqHOVuCBHrrChfLPaLUkkxqC4HOWGqNA2o2BnQ14VdL9DCfOVvmEOhiua9xvCPQGUutcUDNRklXBwsN0UsRM95znhMqUMZ7EQjUtdQaB9Rs9HR1ZqEivZQJdClztsQIlPE+hGoFykMkEZ5tPdvVtYX6BFPmz0XN2TJRoP1hBeZ+xRrHu7VAWcYkwrOtG109Y6Fe0fT5c3lztgwV6JCwAnO/zRrHu7dAWUgvwrOtTlf3LdQvnmf9qTJnS7FAh4QVmPtd1jjezQVa65ZCe2xzL7LQGHVpxXmgX6DqF+AOrmOmgFq3cvpO5BIS926Ze7GFhklLfNN5xh2BqtPvx3HMFIJAHUncu1vuwyxU9mU9H3RKDoe/JVB19sWYjZkhIFBHEvdulPsIC93/515xaty5YydQdeJj8Rkzg0GgjiTu3ST3kRZ65r+XmFP6O4lsch9H4t4RqCOJe9fnPsFDVwJNYM4Wfe4TSNw7AnUkce/S3Kfq6CTQPOZsYbxrkAv008sf/9j94fPrh4eHVwh0S+LeNbkHWel37885dzyTAONdwwICfds0//JvX99+f/Mfv7x52Av008uHLa1NEWhWls09UExZzdnCeNcwu0Dfb9fq/8u//fNvzb/+x41//tA6c3P/+dPOoq9iBMpOpAF4htXHAPdM2n55bs7AX+lRWqoojTiBeo73QELH6NwC3flzI9D//mvT/Ok/r/55e9+5E+jT/n8+vfzh1wiBshd+AJ5h3WOEqW67avA9Z+Cv9Hi+1JhIwgTqOd4DiR2jMwv0H3/e3Hj+9183b+G3Bv358p83b+D/9/4z0Hf7W8/Nf/glQKBTTklxKLXo6TSeYT3HaFNdumrUu/WYX+nxbKkJuUQJ1HO8BxI8RmcW6NvtbedOoF83b+K/ufzndw8/7R8ifXnzl7/v/suHq/fwI3prmrCUNKWWPB/RM6xrJpvq6Krxn3NO/ZUez5aaHk+QQD3HeyDRY3RegW6kubnr3Av068erT0G379v3Av38un3r/mH7UeiOb1tum/kup5BGfPPKSrm2deL3iZxUdd+cg0pNbepdyNgAACAASURBVOpQKjirydiPhql4dvWcQPfqbAX6jz9fCPTz681t54VAnxDosqVc29oxWVOtqnrerg+1XoRATSey82gIwbOrcQLdfe75rEAPjLg7PoU08vZaXYq38EELlHrMefmGfb5fKvfb5dv0yKy28Ba+DJvciwR69hb+/cVj+A+7B+9zCNT0uUh5qXU/RBohpyt6zXnzw86gX+lxwZxZHeEhUiEuuRcJ9Ovb7eeee4H+48/nD5E+vdw9N3r2M9ApAjVdmVNcaqXLmAZp6RkKzPn8c6Lpv9Kjy6xZXcIyplJMci8T6Maa2zWgG4G+3+1HOrsBPfLDr7FP4R9d14aXllrbQvpSO95lijlbpvxKjw6zZvUMLKQvxiP3MoG2C+n3nG/mPBPo13f79Z9B60CnXJgDiXsfnHuZHe8w6Z7znKm/GniWRMtgvGtYZivnDX8eaA8TCd6JxIBSMST3abYqEefA3eujBTpfnqUw3jUsc5hIc3MfZ1eg0XvhGVAiCnMfa6otM5izZbhAZ06zHMa7Bpvj7J4eOI3pSOLe+3IfJbYjc5mzpUCgy6Q4HMa7BhuBch5oh8S9P5v7FLFtmdWcLfcEumiKw2G8a5ALtJelL8yBxL3fyn2q12YX54GbAl0+wzEw3jXMK9DtEUznXB3IhEBvkLj3i9ynKm0hc7acC1SU4DgY7xqWFujtY5UR6DmJez/lPkllS91zntMKVJnfWBjvGhYX6LOP42MFKl8bPqnUwgvpA9m2NUVh83zQ2bv6ve1+jQu6rxCMrNzjfdx3Fgl0twx0v/7zY7PdyfnPvw1+Fz/6uix2J44rtexWzjCmHNjeZ84p9513ujq/gDVuKbxEMbKSjvdJbZUJtHMG6P5gka9vr49Vjhfo4W531JUZlFr0MJEYOqYaZtB+c059z15+9vsaD7W4QDKyEo73HVPaKhJoK82DTLfv3j8OfQ8/4bq8TmgbUGrJ4+ymc2WqMoOWmDPi484BZ7+v8Vi1czQjK9d4PzKprSKBtgfZ7dmfB3p1KigCvSbNgLqnqknmDBDnRVcRuQeCQDukGe/nLCHQsztQBFqNQO+p6lmBLmzOlsDcA0GgHfzH+03mF+jmLfzxDXv7Z97CpxboXVU9L1CJOYeHhUAR6ADmF+juLKb9PejHZvc8/vJY5VkEykOkWehX1pU/F77nnBoWD5F4iDSEKW2VCXS7bOnI5tbzbcMypoIvtFvWUWqwgz9LxDm/OQ8E5h5I7EvIMiYFE9oqE+jhMLst7TLQgTegLKSfVmoyw0y2sDkLryEw90BCX0IW0ksY31apQA8K3XlzI9DbxyqHC5StbZMZKjNHcw7EIvdxMN41cBqTI9reh+ssvTlbEo8ZxruGBQX6z78NPkgEgS5NsDvjxLnICR+JxwzjXcNiAt0+j0eghUh6D3VnMnO2JB4zjHcNywi0PZUJgRaydO9x4vzu96m/2VJizpbEY4bxrmEJgbYP4s9/LTwCvcNivceJ83DXGSDQpS7+msRjhvGuYXaBfmwXMQ1++o5AZ2SY0frM2X3HPkqgc19uKYnHDONdw7wCPa6jH61PBBpLtDmvPu0cJtDZrnMciccM413DnAJ93751/78jVn8i0GDizXn7QVGhQOMvMILEY4bxrmE2gR5+m8fP45bPTxUoO5E69Nmss319tDivSxmZk51I3iTufS6B7v2596ZAoOyFbym5G9ztX59qzk6pkl+esSjshTcnce/zCfT00H15gR6234+8NnmpkNNpSty5JcScXX9eGLQ8oJkIzD2QwIG1BYFqmPcOdH/05+ICbZqw0akpNe18xDhxDlwPP+CXZyxIYO6BBA6sHQhUw3wPkd7uh8f3CHR4qZECLRVduDnPBRr4xjQCBGpP4t7nfArfPkda/in86gRa7rh5zNkSLYUYEKg9iXufeSH95GX0CPReqUG/QLjHnKN+nfvoK1wQBGpP4t5n34l0WEu/6E6kwLEpKVXyEGnAL2DvM+fwX+Y++ZdnLElg7oEEZ4VANSyxF/4ff96NlCX3wgeOTUWpnov+7e56oVJzHr9qiD+jrnBRonKPJTYrBKphoePs3u4Gy4KnMQWOTUGp5y/6zHojzXn1QWeJP4OvcFmm5z4HoVkhUA2LnQe6faLEcXaF3Oi97AZxhodEQ1uvLPcskLuGJX+lx3sEWki391LR9apzqDtHtl5L7skgdw38TiRHdr2HiXOoOqe1nj73nJC7BgRqx0ZhJScalYhzSXO25M39cZ0T2YHEvSNQH04muytQU3O2JMz9ROLeyV0DAjXgSmi3BeptzpZMuV+RuHdy14BAlTzntQuBxptzvktKkftzJO6d3DUgUAk9fjsKNMEt5wXeufeQuHdy11CrQD0X0u8o0NzvJe4ctvlyoSvMXSrvRCZ3EZUK1HMrZ9DKpO2XlG+/XPQKk5dKO5HJXUWdApWcAHKfCHWevq7kAJClr7CCUlknMrnLqFKgTRM2DKaXijXnuT9vG3TpK6ynVNKJTO46EOhcpcrEOfDYj/sCXfgK6yuVdCKTuw4EGl4qxpx3H69fCnThK6y2VNKJTO46EGhcqShzfvdd31bOgz4jPqpKP/sCSyWdyOSuo0qBLv1JeJw529vO3r3wgReY/glEYKmsE5ncZdQp0KXWYhSac/B6+OcFOsMFZl8DE1gq7UQmdxWVCnTu1cBx4rz5UecNgc54gclXYQeWyjuRyV1ErQKda2tbnDjvPSTqCnSWy5gPthRqIHcNCLSQZczZFWhs/0vBRNZA7hoQaA9l4ixzZ1mhx3UOKAcS907uGhDocxSbM+w3uXWan9i7ECayBnLXgECvGGDOoVswe815aH5s73qYyBrIXQMCPTHInPfVOdach+ZHXrQBTGQN5K4BgT46mfPQ/MiLNoCJrIHcNaxboMPMGfN+veTp+hoHlAOJeyd3DesUaKg4Y925b37kRRvARNZA7hpqFegzeyCCxTnUnYE7M9iJNEOpZScyL+GBvAIdH5a3QK924cabc8THnYF7g9kLP0epRScyL+GRtAKdEJa1QJvmeGUyc97tqi/cARc4mcBa2UstOZF5CU9kFeiUsJwFuruo4t+6Nr85z9MOOB9xQKleAmulL7XgROYl7JBUoJPCqkagBeIsLBUXNwKtfiLzEnZAoAkFWnbLef/Xt5WZs9sVAnUuhUCrzz2StQp0yJv1wN9/iUDtSyHQ6nOPpFqBPh4EOtydV9/xrD/HdVWWNg+R6n+YwUt4IqlAq32ItLuyS+kNNee5QSe689hVWdosY1rBchpewiNZBVrtMqbtlZ2kN9KcXYNOduehKxbSO5diIb2mVFqBVruQftPf7zHHfsSYc2jzi/60UNhSqIHcNdS6lfPxa5A7R/74aaxxQDmQuHdy17A2gZqb89C88odPg4msgdw1rEigGczZssYB5UDi3sldQ70C/T3bbWeHNQ4oBxL3Tu4a6hZouTlt3LljjQPKgcS9k7uGigWa05071jigHEjcO7lrWLdAR9aenTUOKAcS907uGtYp0JE1F2ONA8qBxL2Tu4ZaBdrdiTRRnp47M9jGMkOpvBPZM/dS8uZeq0Bv7IUfe+PpuTeYjdRzlEo7kT1zLyZt7rUKtGkuT2MaeZWup9MEdpX+KJ/AUlknsmfu5WTN/bFSgTYHgb6Y/HFn04SNqAGlOA/UM3dTPHMfQNLct9QrULsBhUDtSyWdyJ65DyBp7lv8BTqC0yigVNK2PEuZQlj54Q40shR3oJ65m+KZ+wCS5r7F/w50THOBg0BSiodIprmb4pl7OVlzf6xVoKbLOopLsYzJNXdTPHMvJm3u1QrUdGFxaSkW0mtK5Z3InrmXkjf3agXK1jYR5K6B3DUgUEcS907uGshdAwJ1JHHv5K6B3DUgUEcS907uGshdAwJ1JHHv5K6B3DUgUEcS907uGshdAwJ1JHHv5K6B3DUgUEcS907uGshdQ60C9VxYzEJ671LL5m76EgpAoG4C9dzaxlZO81KL5m76EipAoGYCbZqwESUpxWEi9edu+hJKQKBeAm2asBGlKcVxdtXnbvoSakCgCDS0FAKtPnfTl1ADAkWgoaUQaPW5m76EGhAoAg0thUCrz930JdSAQL0EavpZf3kpHiLVn7vpSygBgZoJ1HS1SXEpljGtIHfTl1ABAnUTqOl659JSLKTXlGIhvQYEaidQtraJIHcN5K4BgTqSuHdy10DuGhCoI4l7J3cN5K4BgTqSuHdy10DuGhCoI4l7J3cN5K4BgTqSuHdy10DuGhCoI4l7J3cN5K4BgTqSuHdy10DuGhCoI4l7J3cN5K6hVoF6bhjx3BGTPKzAUnl3IiFQEZUK1HPLsuee7OxhBZZKuxcegaqoU6BNEzY6JaU4jan+3CNfwkcEqqJKgTZN2OjUlOI80Opzj3wJtyBQDQjUsRQCrT53BNohce8I1LEUAq0+dwTaIXHvCNSxFAKtPncE2iFx71UK1PSz/vJSPESqP/dYfyJQEXUK1HS1SXEpljGtIPdQfyJQEZUK1HS9c2kpFtJrSrGQXkPi3msVKANKBLlrIHcNCNSRxL2TuwZy14BAHUncO7lrIHcNCNSRxL2TuwZy14BAHUncO7lrIHcNCNSRxL2TuwZy14BAHUncO7lrIHcNCNSRxL2TuwZy11CrQD3XO3su6E4eVmCpZSey6UL60LbKQKBuAvXccee5pTB7WIGlFp3Ipls5Y9sqA4GaCTTwoAZJKQ4TMc09kMiX8DFOoMFtlYFAvQTaNGHDQFOK4+w8cw8k8iXcEiTQ6LbKQKAINLQUAvXMPRAE2gGBItDQUgjUM/dAEGgHBIpAQ0shUM/cA0GgHRCol0Drf5gROcqzhxVYiodIPEQaSJ0CrX85TeQoTx5WYCmWMbGMaSCVCrT+Bd2Rozx3WIGlWEj/yEL6YdQqULa2iSB3DeSuAYE6krh3ctdA7hoQqCOJeyd3DeSuAYE6krh3ctdA7hoQqCOJeyd3DeSuAYE6krh3ctdA7hoQqCOJeyd3DeSuAYE6krh3ctdA7hoQqCOJeyd3DeSuoVaBVr8jhp1IM5RaNnfTnUgCEvdeqUCr35PNXvg5Si2au+leeAWJe69ToIFHykhKcRpT/blHvoSPCFRFlQJtmrDRqSnFeaDV5x75Em5BoBoQqGMpBFp97gi0Q+LeEahjKQRafe4ItEPi3hGoYykEWn3uCLRD4t6rFKjpZ/3lpXiIVH/usf5EoCLqFKjpapPiUixjWkHuof5EoCIqFajpeufSUiyk15RiIb2GxL3XKlAGlAhy10DuGhCoI4l7J3cN5K4BgTqSuHdy10DuGhCoI4l7J3cN5K4BgTqSuHdy10DuGhCoI4l7J3cN5K5BKtBPLx8eHl61f/n8uvMXBJoVctdA7hqUAv3wsOOHX48yfXj48Q8Eus4B5UDi3sldg1CgG2X+srvx/Onr4X82/+lVjEA91zt7LuhOHlZgqYVzD8S0rUIQ6BiBvtvL8tPL7S3o0/7ec/+X6QL13HHnuaUwe1iBpZbNPRDTtkpBoBMeIn1+vXVma9Mvb7Z3pZMFGnhQg6QUh4msIPdATNsqBoFOEOinl5t7zy9v/vL33d8+XL2HH9Fb04SNKE0pjrOrP/dATNsqB4GOF+jhk9D2rfuH3SeiW75tGVHzNKDGdrWeUqZtVV8qEtO2YAAjX7p3Dw+7W8+jQJ8Q6LKlTNuqvlQkpm3BAMa9dF/ePOwXf94Q6IERd8enATXy9lpdirfw9eceiGlb5fAWftJnoJv38LEC5WHGPG1VX4qHSBoQ6JStnNsVTDc+A50iUJbTDCF5WIGlWMakAYFOEej2MXzsU/hHFnQPIndYgaVYSK8BgY4Q6HHJ524d07v9X4LWgU65MAcS907uGshdg3Qn0v7d+u5de/BOJAaUCnLXQO4a5HvhN+rcvnuP3gvPgBJB7hrIXYPyM9Cn/WlM+zft7V84jWlL4t7JXQO5a5A+RNodAXpQJueBnkjcO7lrIHcNBk/he1j6whxI3Du5ayB3DQjUkcS9k7sGcteAQB1J3Du5ayB3DQjUkcS9k7sGctdQq0DZETOAyFqWE9k090gscy8lce+VCpQ92QMI3UjtOJFNcw/FMfdiEvdep0AlR/kElsp6GtOj5UQ2zT0Ww9zLSdx7lQJtmrCBrimV9DzQLX4T2TT3YPxyH0Di3hGoYykEGohp7sH45T6AxL0jUMdSCDQQ09yD8ct9AIl7R6COpRBoIKa5B+OX+wAS916lQHmINE9bJRhOZNPcYzHMvZzEvdcpUJYxDSHUCY4T2TT3UBxzLyZx75UKlIX0Q4isZTmRTXOPxDL3UhL3XqtAGVAiyF0DuWtAoI4k7p3cNZC7BgTqSOLeyV0DuWtAoI4k7p3cNZC7BgTqSOLeyV0DuWtAoI4k7p3cNZC7BgTqSOLeyV0DuWtAoI4k7p3cNZC7BgTqSOLeyV0DuWuoVaDsRBJhOZEDc3fFMvdSEvdeqUDZC6/CcSIH5m6LY+7FJO69ToFyGpMMw4kcmLsvhrmXk7j3KgXaNGGC0ZTiXMpAAnM3xi/3ASTuHYE6lkKggSBQexL3jkAdSyHQQBCoPYl7R6COpRBoIAjUnsS9VylQHiLpMJzIgbn7Yph7OYl7r1OgLGOS4TiRA3O3xTH3YhL3XqlAWUivwnIiB+buimXupSTuvVaBMqBEkLsGcteAQB1J3Du5ayB3DQjUkcS9k7sGcteAQB1J3Du5ayB3DQjUkcS9k7sGcteAQB1J3Du5ayB3DQjUkcS9k7sGcteAQB1J3Du5ayB3DbUKtPqF9JHkDiuw1BonsgOJe69UoNVv5YwkeViBpdY4kR1I3HudAq3+MJFIsocVWGqNE9mBxL1XKdCmCZt+mlJLDqj0YQWWWuNEdiBx7wjUsRQCrT/3YBCoBgTqWAqB1p97MAhUAwJ1LIVA6889GASqoUqB8jBjCNnDCiy1xonsQOLe6xQoy2mGkDyswFJrnMgOJO69UoGyoHsIucMKLLXGiexA4t5rFSgDSgS5ayB3DQjUkcS9k7sGcteAQB1J3Du5ayB3DQjUkcS9k7sGcteAQB1J3Du5ayB3DQjUkcS9k7sGcteAQB1J3Du5ayB3DQjUkcS9k7sGcteAQB1J3Du5ayB3DbUKtPodMYFdmYYVCDuRvEnce6UCrX5PdmBXpmEFwl54cxL3XqdAqz8VKLAr07AC4TQmdxL3XqVAmyZsJmtK9V10YFemYQUSmLsxCFQDAnUshUADQaD2JO4dgTqWQqCBIFB7EveOQB1LIdBAEKg9iXuvUqCmz0XKS/EQKZLA3H1BoBrqFKjpypziUixjCiUwd1sQqIZKBWq6Nry0FAvpYwnM3RUEqqFWgTKgRJC7BnLXgEAdSdw7uWsgdw0I1JHEvZO7BnLXgEAdSdw7uWsgdw0I1JHEvZO7BnLXgEAdSdw7uWsgdw0I1JHEvZO7BnLXgEAdSdw7uWsgdw21CtRzbXj9C7o9F9KXkjd3BCqiUoF67k6sf0uh51bOYtLmjkBV1ClQz/Mx6j/UwvMwkXKy5v6IQFVUKdCmCZvJmlJJB1RgWBqS5r4FgWpAoI6lkg4oBKoDgWrwF+gIThO50lKm1H+FAPPAHWhkqaT/j8wdqA7uQDX434GOaS5wHktKZR1Qyf2ZNvdHBKqiToGyjElEbn/mzR2BqqhUoCykF5Han4lzR6AiahUoA0oEuWsgdw0I1JHEvZO7BnLXgEAdSdw7uWsgdw0I1JHEvZO7BnLXgEAdSdw7uWsgdw0I1JHEvZO7BnLXgEAdSdw7uWsgdw0I1JHEvZO7BnLXgEAdSdw7uWsgdw21CrT6nUiuW36YyBrIXUOlAq1+L7ztpnMmsgZy11CnQKs/jcn32CMmsgZy11ClQKs/D9T44E0msgZy14BAHUshUA2Jeyd3DQjUsRQC1ZC4d3LXgEAdSyFQDYl7J3cNVQqUh0g6mMgayF1DnQJlGZMMJrIGctdQqUBZSK+CiayB3DXUKlAGlAhy10DuGhCoI4l7J3cN5K4BgTqSuHdy10DuGhCoI4l7J3cN5K4BgTqSuHdy10DuGhCoI4l7J3cN5K4BgTqSuHdy10DuGhCoI4l7J3cN5K4BgTqSuHdy10DuGmoVaPU7kVxhImsgdw2VCrT6vfC2MJE1kLuGOgVa/WlMvjCRNZC7hioFWv15oMYwkTWQuwYE6lhqjQPKgcS9k7sGBOpYao0DyoHEvZO7BgTqWGqNA8qBxL2Tu4YqBcpDJB1MZA3krqFOgbKMSQYTWQO5a6hUoCykV8FE1kDuGmoVKANKBLlrIHcNCNSRxL2TuwZy14BAHUncO7lrIHcNCNSRxL2TuwZy14BAHUncO7lrIHcNCNSRxL2TuwZy14BAHUncO7lrIHcNCNSRxL2TuwZy11CrQFlIL4KJrIHcNVQqULZyqmAiayB3DXUKlMNEZDCRNZC7hioFynF2OpjIGshdAwJ1LLXGAeVA4t7JXQMCdSy1xgHlQOLeyV0DAnUstcYB5UDi3sldQ5UC5SGSDiayBnLXUKdAWcYkg4msgdw1VCpQFtKrYCJrIHcNtQqUASWC3DWQuwYE6kji3sldA7lrQKCOJO6d3DWQuwYE6kji3sldA7lrQKCOJO6d3DWQuwYE6kji3sldA7lrQKCOJO6d3DWQuwYE6kji3sldA7lrQKCOJO6d3DWQu4ZaBcpOJBFMZA3krqFSgbIXXgUTWQO5a6hToJzGJIOJrIHcNVQpUM4D1cFE1kDuGhCoY6k1DigHEvdO7hoQqGOpNQ4oBxL3Tu4aEKhjqTUOKAcS907uGqoUKA+RdDCRNZC7hjoFyjImGUxkDeSuoVKBspBeBRNZA7lrqFWgDCgR5K6B3DUgUEcS907uGshdAwJ1JHHv5K6B3DUgUEcS907uGshdAwJ1JHHv5K6B3DUgUEcS907uGshdg1Sgn14+PDz88Ov+L59fb/7yCoFuSdw7uWsgdw1Kgb572PPqKNOHhx//QKDrHFAOJO6d3DUIBfq0V+e7h7/8fXf/+dPOoq9iBMpCehFMZA3krkEo0HetLN9t1fm0v/f89PLwjn6aQNnKqYKJrIHcNegE+uXN9s7z69adPx1t+uXNwy8BAuUwERlMZA3krsHgKfxWoEebfrh6Dz+iN46z08FE1kDuGvQC3d10fn7dvnX/sL0d3fFty4iSJ1WN7sq7FABUxXgpfNh++nkU6BMCBYC1MVoKT+1D+CuBHhhxd8xbeB28ldRA7hrUb+H3/gwWKA+RdDCRNZC7BrFAP+z9eesz0CkCZRmTDCayBnLXIBXolzeHjZyxT+EfWUgvg4msgdw1KAW68edx5+a7/frPoHWgUy7MgcS9k7sGctcgFGjXn9E7kRhQKshdA7lrEAr0Q/fkkOi98AwoEeSugdw16AS6O77u4XgE09MDpzEdSdw7uWsgdw06gT49nAmU80A7JO6d3DWQuwb1OtB+lr4wBxL3Tu4ayF0DAnUkce/kroHcNSBQRxL3Tu4ayF0DAnUkce/kroHcNdQqUM+dSKWscUA5kLh3ctdQqUA998IXs8YB5UDi3sldQ50C9TyNqZw1DigHEvdO7hqqFKjneaADWOOAciBx7+SuAYEuVmoAaxxQDiTundw1INDFSg1gjQPKgcS9k7sGBLpYqQGscUA5kLh3ctdQpUB5iKSDiayB3DXUKVCWMclgImsgdw2VCpSF9CqYyBrIXUOtAmVAiSB3DeSuAYE6krh3ctdA7hoQqCOJeyd3DeSuAYE6krh3ctdA7hoQqCOJeyd3DeSuAYE6krh3ctdA7hoQqCOJeyd3DeSuAYE6krh3ctdA7hpqFahg9XsgaxxQDiTundw1VCpQxf7LQNY4oBxI3Du5a6hToJITQAJZ44ByIHHv5K6hSoFqzqALZI0DyoHEvZO7BgTqyBoHlAOJeyd3DQjUkTUOKAcS907uGhCoI2scUA4k7p3cNVQpUB4i6WAiayB3DXUKlGVMMpjIGshdQ6UCZSG9CiayBnLXUKtAGVAiyF0DuWtAoI4k7p3cNZC7BgTqSOLeyV0DuWtAoI4k7p3cNZC7BgTqSOLeyV0DuWtAoI4k7p3cNZC7BgTqSOLeyV0DuWtAoI4k7p3cNZC7BgTqSOLeyV0DuWtAoI4k7p3cNZC7BgTqSOLeyV0DuWtAoI4k7p3cNZC7BgTqSOLeyV0DuWtAoI4k7p3cNZC7BgTqSOLeyV0DuWtAoI4k7p3cNZC7BgTqSOLeyV0DuWtAoI4k7p3cNZC7BgTqSOLeyV0DuWtAoI4k7p3cNZC7BgTqSOLeyV0DuWtAoI4k7p3cNZC7BgTqSOLeyV0DuWtAoI4k7p3cNZC7BgTqSOLeyV0DuWtAoI4k7p3cNZC7BgTqSOLeyV0DuWtAoI4k7p3cNZC7BgTqSOLeyV0DuWtAoI4k7p3cNZC7BgTqSOLeyV0DuWtAoI4k7p3cNZC7BgTqSOLeyV0DuWtAoI4k7p3cNZC7Bn+BjuTbb9UdrBNy10DuGqJyR6Cwg9w1kLsGBAqhkLsGcteAQCEUctdA7hoQKIRC7hrIXQMChVDIXQO5a0CgEAq5ayB3DQgUQiF3DeSuoVqBAgBkAYECAIwEgQIAjASBAgCMBIECAIwEgQIAjASBAgCMBIECAIzES6CfXz88PLxSd7E6drFv+OFXdSdr4vPrn45/YtgvxzH3kGFvJdBPL3cX9OMf6kZWRps7Al2Udw/tRGbYL8pl7vUIdPP/CD/tLuuVupOV8XQYUrAc7x7a1Bn2i3LMPWbYOwn0af9/wp9ecie0LO+Yu0uzu/vZz1+G/YJ0co8Z9k4CbS/oy5uHX8SdrIsvb/7yd3UPK+PDZhYfboAY9svRzT1m2BsJ9HhBH7ghWpTPr3/8r5d8ArokHzZDvZ3IDPsF6eQeNOyNBPr5dXstH/hIblEOH6ZzB7Qo7URmW46RewAABupJREFU2C/MQaAxw95RoDzTWJan/RqaTy95J78klwJl2C/D0/Gz54hhj0DhcOvDe8hFQaAano7DPWLYI1A48OklSxEXBIFquMx52rB3FCgfBmlgIc2i8BmohmuBThn2RgLlcaQY7kAXhafwGqq9A/36bv88jAVxy3KcwbyHXJTTOlCG/ZJc/h/XtGHvJFC2ZGg47Mh4xwxektPTYIb9klxsYJg47J0EyqZgDZvEt0PoieMsFuW0oJthvySddaABw95JoNuVWRxLI+ADhzEJOL51ZNgvyjH3kGFvJVAORhSxy50PQJfl9Nkbw35JLnKfOOy9BAoAkAgECgAwEgQKADASBAoAMBIECgAwEgQKADASBAoAMBIECgAwEgQKADASBAoAMBIECgAwEgQKADASBAoAMBIECgAwEgQKz/K2ab45/e2ff2uan6cV/O+/NluORd82f/rPMW2N+a7t1Rz4l38b8f2zNAXJQaDwLFvfnZT5/kynI9gauKUttIxAP+6/vCPQJtB2x+oIdI0gUHiej03zr//R/vkffz79eRQdfx4EtohA3zY3BBqmu7eTLgWyg0DhDhvpfL//0/Q38BsbtxXeN5NqjRbo8dsmNjChGagMBAp32LyJbz8vjHgD372bnaCd6QKdfjVjm4HKQKBwj4/tm92NSSeKYiPQk7PeTvk4IECg0ww+oRmoDAQK99i+c9++iX/beXK9/zDz5I322fr3h3/8eaOn3Vvk/Re237j5y5Vq9vbZfP/3u3fVh48L2u987ideO+usg/Of+745/NPb85Y3f+n2ev4zdrb/eHjctfua4zd3v/BG9bM6Ny4NqgKBwl028tiY6GPHAO+vHqW37G4qN/74X+1fPp79w/brLm87jwL9n3/tfuXxR3xz8ydeCfS8g/Ofe1ugm6v65qzX08/YXedWoG8PRdo/nD7LOH3hdfXzOteXBnWBQOE+248Lu3eP79vbq7etz97vXbG9Cdz+fXsDtlHNP//P8W3y4fPGy0WgXzsCPd6wft/5EW/P/3r8iZcCvejg8uc+8xno991et/9ha7jDwq3dbeQ3X1s3f9Np4uILL6tf/PPVpUFlIFC4z3bu/4/T2+n9vduW97v/uFHE/u/tp6Snp/XvDzddhw88d++EzyR6EujP7Y9q/76TUfvY6fInXgr0soPLn3st0FacnV6PH/G2P/MovIOVD9Uuv/Ci+uU/X14a1AYChR523uu8gT+8F90/FfrY+YyzVc/xffjVhp/j+9u23oV1Wkl9PGhtX/vyJ14K9LKDy597ex3oN19v97q52u+7//L29NZ938z5F14I9PKfLy8NagOBQh/vz5+gPLcR8+1BoO1/3X4UeX3X9bFr0KNAj7eYewN2XXP9E5998H3079kX3BToN23pK73tm7nxL3tPX37hhUAv//ny0qA2ECj00d5r7Wg/yDx7aLNl96FhK9DTG/TOzWaX94dHMp2n8O0/bEucC/L6J94W6LGDy597Q6DdZ+3tHzpv7/fP54+PyLoCvfrCc4Fe/fPlpUFtIFDoo0egH8/+2r1hPHzoeX12x9um8/53skDPO7j8uc9vtuwK9Pwu945An7kdvvi29j8g0NpBoNDHhUDPt/Acdrj/fHoL/831P/988SFgK5ZCgV5sGrow4WUHFz+3UKDcgcIYECj00RXo1dPk98f3yjcF2n7J5nved7ef9wi0dc2u1vXz6wsTXnZw8XNLBHrrM9CbAh3xGSgCrRoECn10BdrZkrQz20lvG1ecCfTsw9D9svqTQt53bw4vLXN8Cr/5wT9f/cRLE152cPlziwR6svvHwwrR2wK9/MKrp/Dn/4xAaweBQh9nAj3tIt957qSv95efgb4/38S5e1O9/9rtx5rt0vhbAj2u/Xl7WAfa/YnPC/T9YU/R+ebREoHeWAd6W6DD14Ei0KpBoNDHmUC3mtoJqn2D3O732T3qaRenn6R03NXz89fuOvqL5ztXlvl4LP39jZ94th5p8/WXHVz+3PcXD5NOdG5WOzuIvv96R6CXX3hZ/eKfEWjtIFDo41ygp9XwO2McH5L/6d8Pmxa/OX1f011R1Hme3t4jPiPQZ/fCXy/o3Hz9ZQeXP/dwJshdgd7YC/+1bfFcoBdfeFX9ai88Aq0aBAp9XAj0/JCl1md7kX1z8RDpfVeDx+/sfuttgd4+jenw9wuBXnZw9XPblfX3Bdr+jG8u/+VKoOdfeF397J8RaO0gUACAkSBQAICRIFAAgJEgUACAkSBQAICRIFAAgJEgUACAkSBQAICRIFAAgJEgUACAkSBQAICRIFAAgJEgUACAkSBQAICRIFAAgJEgUACAkSBQAICRIFAAgJEgUACAkSBQAICR/H+pMZb1EJqevwAAAABJRU5ErkJggg=="/>
-          <p:cNvSpPr>
-            <a:spLocks noChangeAspect="1" noChangeArrowheads="1"/>
-          </p:cNvSpPr>
-          <p:nvPr/>
-        </p:nvSpPr>
-        <p:spPr bwMode="auto">
-          <a:xfrm>
-            <a:off x="460375" y="160337"/>
-            <a:ext cx="304800" cy="304801"/>
-          </a:xfrm>
-          <a:prstGeom prst="rect">
-            <a:avLst/>
-          </a:prstGeom>
-          <a:noFill/>
-          <a:extLst>
-            <a:ext uri="{909E8E84-426E-40DD-AFC4-6F175D3DCCD1}">
-              <a14:hiddenFill xmlns:a14="http://schemas.microsoft.com/office/drawing/2010/main">
-                <a:solidFill>
-                  <a:srgbClr val="FFFFFF"/>
-                </a:solidFill>
-              </a14:hiddenFill>
-            </a:ext>
-          </a:extLst>
-        </p:spPr>
-        <p:txBody>
-          <a:bodyPr vert="horz" wrap="square" lIns="91440" tIns="45720" rIns="91440" bIns="45720" numCol="1" anchor="t" anchorCtr="0" compatLnSpc="1">
-            <a:prstTxWarp prst="textNoShape">
-              <a:avLst/>
-            </a:prstTxWarp>
-          </a:bodyPr>
-          <a:lstStyle/>
-          <a:p>
-            <a:endParaRPr lang="en-US"/>
-          </a:p>
-        </p:txBody>
-      </p:sp>
-      <p:pic>
-        <p:nvPicPr>
-          <p:cNvPr id="9" name="Picture 8"/>
-          <p:cNvPicPr/>
-          <p:nvPr/>
-        </p:nvPicPr>
-        <p:blipFill rotWithShape="1">
-          <a:blip r:embed="rId3"/>
-          <a:srcRect l="22886" t="40700" r="37084" b="12603"/>
-          <a:stretch/>
-        </p:blipFill>
-        <p:spPr bwMode="auto">
-          <a:xfrm>
-            <a:off x="5181600" y="1142999"/>
-            <a:ext cx="2788920" cy="2514601"/>
-          </a:xfrm>
-          <a:prstGeom prst="rect">
-            <a:avLst/>
-          </a:prstGeom>
-          <a:ln>
-            <a:noFill/>
-          </a:ln>
-          <a:extLst>
-            <a:ext uri="{53640926-AAD7-44D8-BBD7-CCE9431645EC}">
-              <a14:shadowObscured xmlns:a14="http://schemas.microsoft.com/office/drawing/2010/main"/>
-            </a:ext>
-          </a:extLst>
-        </p:spPr>
-      </p:pic>
-    </p:spTree>
-    <p:extLst>
-      <p:ext uri="{BB962C8B-B14F-4D97-AF65-F5344CB8AC3E}">
-        <p14:creationId xmlns:p14="http://schemas.microsoft.com/office/powerpoint/2010/main" val="3237407644"/>
-      </p:ext>
-    </p:extLst>
-  </p:cSld>
-  <p:clrMapOvr>
-    <a:masterClrMapping/>
-  </p:clrMapOvr>
-</p:sld>
-</file>
-
-<file path=ppt/slides/slide13.xml><?xml version="1.0" encoding="utf-8"?>
-<p:sld xmlns:a="http://schemas.openxmlformats.org/drawingml/2006/main" xmlns:r="http://schemas.openxmlformats.org/officeDocument/2006/relationships" xmlns:p="http://schemas.openxmlformats.org/presentationml/2006/main">
-  <p:cSld>
-    <p:spTree>
-      <p:nvGrpSpPr>
-        <p:cNvPr id="1" name=""/>
-        <p:cNvGrpSpPr/>
-        <p:nvPr/>
-      </p:nvGrpSpPr>
-      <p:grpSpPr>
-        <a:xfrm>
-          <a:off x="0" y="0"/>
-          <a:ext cx="0" cy="0"/>
-          <a:chOff x="0" y="0"/>
-          <a:chExt cx="0" cy="0"/>
-        </a:xfrm>
-      </p:grpSpPr>
-      <p:sp>
-        <p:nvSpPr>
-          <p:cNvPr id="2" name="Content Placeholder 1"/>
-          <p:cNvSpPr>
-            <a:spLocks noGrp="1"/>
-          </p:cNvSpPr>
-          <p:nvPr>
-            <p:ph idx="1"/>
-          </p:nvPr>
-        </p:nvSpPr>
-        <p:spPr/>
-        <p:txBody>
-          <a:bodyPr/>
-          <a:lstStyle/>
-          <a:p>
-            <a:r>
-              <a:rPr lang="en-US" dirty="0" smtClean="0"/>
-              <a:t>Top 3 Factors that Contribute to Turnover	</a:t>
-            </a:r>
-            <a:endParaRPr lang="en-US" dirty="0"/>
-          </a:p>
-        </p:txBody>
-      </p:sp>
-      <p:sp>
-        <p:nvSpPr>
-          <p:cNvPr id="3" name="Title 2"/>
-          <p:cNvSpPr>
-            <a:spLocks noGrp="1"/>
-          </p:cNvSpPr>
-          <p:nvPr>
-            <p:ph type="title"/>
-          </p:nvPr>
-        </p:nvSpPr>
-        <p:spPr/>
-        <p:txBody>
-          <a:bodyPr/>
-          <a:lstStyle/>
-          <a:p>
-            <a:r>
-              <a:rPr lang="en-US" dirty="0" smtClean="0"/>
-              <a:t>Conclusions</a:t>
-            </a:r>
-            <a:endParaRPr lang="en-US" dirty="0"/>
-          </a:p>
-        </p:txBody>
-      </p:sp>
-    </p:spTree>
-    <p:extLst>
-      <p:ext uri="{BB962C8B-B14F-4D97-AF65-F5344CB8AC3E}">
-        <p14:creationId xmlns:p14="http://schemas.microsoft.com/office/powerpoint/2010/main" val="5799522"/>
-      </p:ext>
-    </p:extLst>
-  </p:cSld>
-  <p:clrMapOvr>
-    <a:masterClrMapping/>
-  </p:clrMapOvr>
-</p:sld>
-</file>
-
-<file path=ppt/slides/slide2.xml><?xml version="1.0" encoding="utf-8"?>
-<p:sld xmlns:a="http://schemas.openxmlformats.org/drawingml/2006/main" xmlns:r="http://schemas.openxmlformats.org/officeDocument/2006/relationships" xmlns:p="http://schemas.openxmlformats.org/presentationml/2006/main">
-  <p:cSld>
-    <p:spTree>
-      <p:nvGrpSpPr>
-        <p:cNvPr id="1" name=""/>
-        <p:cNvGrpSpPr/>
-        <p:nvPr/>
-      </p:nvGrpSpPr>
-      <p:grpSpPr>
-        <a:xfrm>
-          <a:off x="0" y="0"/>
-          <a:ext cx="0" cy="0"/>
-          <a:chOff x="0" y="0"/>
-          <a:chExt cx="0" cy="0"/>
-        </a:xfrm>
-      </p:grpSpPr>
-      <p:sp>
-        <p:nvSpPr>
-          <p:cNvPr id="2" name="Content Placeholder 1"/>
-          <p:cNvSpPr>
-            <a:spLocks noGrp="1"/>
-          </p:cNvSpPr>
-          <p:nvPr>
-            <p:ph idx="1"/>
-          </p:nvPr>
-        </p:nvSpPr>
-        <p:spPr>
-          <a:xfrm>
-            <a:off x="457200" y="1447800"/>
-            <a:ext cx="8401050" cy="4525963"/>
-          </a:xfrm>
-          <a:effectLst>
-            <a:innerShdw blurRad="63500" dist="50800" dir="8100000">
-              <a:prstClr val="black">
-                <a:alpha val="50000"/>
-              </a:prstClr>
-            </a:innerShdw>
-          </a:effectLst>
-        </p:spPr>
-        <p:txBody>
-          <a:bodyPr>
-            <a:normAutofit/>
-          </a:bodyPr>
-          <a:lstStyle/>
-          <a:p>
-            <a:endParaRPr lang="en-US" sz="2600" dirty="0"/>
-          </a:p>
-          <a:p>
-            <a:r>
-              <a:rPr lang="en-US" sz="2600" dirty="0" err="1" smtClean="0"/>
-              <a:t>DDSAnalytics</a:t>
-            </a:r>
-            <a:r>
-              <a:rPr lang="en-US" sz="2600" dirty="0" smtClean="0"/>
-              <a:t>: Using Data to Solve Problems</a:t>
-            </a:r>
-          </a:p>
-          <a:p>
-            <a:endParaRPr lang="en-US" sz="2600" dirty="0"/>
-          </a:p>
-          <a:p>
-            <a:r>
-              <a:rPr lang="en-US" sz="2600" dirty="0" smtClean="0"/>
-              <a:t>Solutions </a:t>
-            </a:r>
-            <a:r>
-              <a:rPr lang="en-US" sz="2600" dirty="0"/>
-              <a:t>for Fortune 1000 </a:t>
-            </a:r>
-            <a:r>
-              <a:rPr lang="en-US" sz="2600" dirty="0" smtClean="0"/>
-              <a:t>Companies</a:t>
-            </a:r>
-          </a:p>
-          <a:p>
-            <a:endParaRPr lang="en-US" sz="800" dirty="0" smtClean="0"/>
-          </a:p>
-          <a:p>
-            <a:pPr lvl="1"/>
-            <a:r>
-              <a:rPr lang="en-US" sz="2400" b="1" dirty="0"/>
-              <a:t>W</a:t>
-            </a:r>
-            <a:r>
-              <a:rPr lang="en-US" sz="2400" dirty="0" smtClean="0"/>
-              <a:t>orkforce Planning </a:t>
-            </a:r>
-          </a:p>
-          <a:p>
-            <a:pPr lvl="1"/>
-            <a:r>
-              <a:rPr lang="en-US" sz="2400" b="1" dirty="0"/>
-              <a:t>E</a:t>
-            </a:r>
-            <a:r>
-              <a:rPr lang="en-US" sz="2400" dirty="0" smtClean="0"/>
-              <a:t>mployee </a:t>
-            </a:r>
-            <a:r>
-              <a:rPr lang="en-US" sz="2400" dirty="0"/>
-              <a:t>T</a:t>
-            </a:r>
-            <a:r>
-              <a:rPr lang="en-US" sz="2400" dirty="0" smtClean="0"/>
-              <a:t>raining </a:t>
-            </a:r>
-            <a:r>
-              <a:rPr lang="en-US" sz="2400" dirty="0"/>
-              <a:t>P</a:t>
-            </a:r>
-            <a:r>
-              <a:rPr lang="en-US" sz="2400" dirty="0" smtClean="0"/>
-              <a:t>rogram</a:t>
-            </a:r>
-          </a:p>
-          <a:p>
-            <a:pPr lvl="1"/>
-            <a:r>
-              <a:rPr lang="en-US" sz="2400" b="1" dirty="0" smtClean="0"/>
-              <a:t>I</a:t>
-            </a:r>
-            <a:r>
-              <a:rPr lang="en-US" sz="2400" dirty="0" smtClean="0"/>
-              <a:t>dentifying High-Potential Employees</a:t>
-            </a:r>
-          </a:p>
-          <a:p>
-            <a:pPr lvl="1"/>
-            <a:r>
-              <a:rPr lang="en-US" sz="2400" b="1" dirty="0" smtClean="0"/>
-              <a:t>R</a:t>
-            </a:r>
-            <a:r>
-              <a:rPr lang="en-US" sz="2400" dirty="0" smtClean="0"/>
-              <a:t>educing Turnover</a:t>
-            </a:r>
-          </a:p>
-          <a:p>
-            <a:pPr lvl="1"/>
-            <a:r>
-              <a:rPr lang="en-US" sz="2400" b="1" dirty="0" smtClean="0"/>
-              <a:t>D</a:t>
-            </a:r>
-            <a:r>
-              <a:rPr lang="en-US" sz="2400" dirty="0" smtClean="0"/>
-              <a:t>ata Interpretation</a:t>
-            </a:r>
-          </a:p>
-          <a:p>
-            <a:pPr lvl="1"/>
-            <a:endParaRPr lang="en-US" sz="2400" dirty="0" smtClean="0"/>
-          </a:p>
-          <a:p>
-            <a:pPr lvl="1"/>
-            <a:endParaRPr lang="en-US" sz="5000" dirty="0" smtClean="0"/>
-          </a:p>
-          <a:p>
-            <a:pPr marL="109728" indent="0">
-              <a:buNone/>
-            </a:pPr>
-            <a:endParaRPr lang="en-US" sz="2600" dirty="0"/>
-          </a:p>
-          <a:p>
-            <a:pPr marL="109728" indent="0">
-              <a:buNone/>
-            </a:pPr>
-            <a:endParaRPr lang="en-US" sz="2600" dirty="0" smtClean="0"/>
-          </a:p>
-          <a:p>
-            <a:endParaRPr lang="en-US" sz="2600" dirty="0"/>
-          </a:p>
-        </p:txBody>
-      </p:sp>
-      <p:sp>
-        <p:nvSpPr>
-          <p:cNvPr id="3" name="Title 2"/>
-          <p:cNvSpPr>
-            <a:spLocks noGrp="1"/>
-          </p:cNvSpPr>
-          <p:nvPr>
-            <p:ph type="title"/>
-          </p:nvPr>
-        </p:nvSpPr>
-        <p:spPr/>
-        <p:txBody>
-          <a:bodyPr/>
-          <a:lstStyle/>
-          <a:p>
-            <a:r>
-              <a:rPr lang="en-US" dirty="0" smtClean="0"/>
-              <a:t>Introduction</a:t>
-            </a:r>
-            <a:endParaRPr lang="en-US" dirty="0"/>
-          </a:p>
-        </p:txBody>
-      </p:sp>
-      <p:sp>
-        <p:nvSpPr>
-          <p:cNvPr id="4" name="AutoShape 2" descr="Related image"/>
-          <p:cNvSpPr>
-            <a:spLocks noChangeAspect="1" noChangeArrowheads="1"/>
-          </p:cNvSpPr>
-          <p:nvPr/>
-        </p:nvSpPr>
-        <p:spPr bwMode="auto">
-          <a:xfrm>
-            <a:off x="155575" y="-144463"/>
-            <a:ext cx="304800" cy="304801"/>
-          </a:xfrm>
-          <a:prstGeom prst="rect">
-            <a:avLst/>
-          </a:prstGeom>
-          <a:noFill/>
-          <a:extLst>
-            <a:ext uri="{909E8E84-426E-40DD-AFC4-6F175D3DCCD1}">
-              <a14:hiddenFill xmlns:a14="http://schemas.microsoft.com/office/drawing/2010/main">
-                <a:solidFill>
-                  <a:srgbClr val="FFFFFF"/>
-                </a:solidFill>
-              </a14:hiddenFill>
-            </a:ext>
-          </a:extLst>
-        </p:spPr>
-        <p:txBody>
-          <a:bodyPr vert="horz" wrap="square" lIns="91440" tIns="45720" rIns="91440" bIns="45720" numCol="1" anchor="t" anchorCtr="0" compatLnSpc="1">
-            <a:prstTxWarp prst="textNoShape">
-              <a:avLst/>
-            </a:prstTxWarp>
-          </a:bodyPr>
-          <a:lstStyle/>
-          <a:p>
-            <a:endParaRPr lang="en-US"/>
-          </a:p>
-        </p:txBody>
-      </p:sp>
-      <p:pic>
-        <p:nvPicPr>
-          <p:cNvPr id="5" name="Picture 4"/>
-          <p:cNvPicPr>
-            <a:picLocks noChangeAspect="1"/>
-          </p:cNvPicPr>
-          <p:nvPr/>
-        </p:nvPicPr>
-        <p:blipFill>
-          <a:blip r:embed="rId3" cstate="print">
-            <a:extLst>
-              <a:ext uri="{28A0092B-C50C-407E-A947-70E740481C1C}">
-                <a14:useLocalDpi xmlns:a14="http://schemas.microsoft.com/office/drawing/2010/main" val="0"/>
-              </a:ext>
-            </a:extLst>
-          </a:blip>
-          <a:stretch>
-            <a:fillRect/>
-          </a:stretch>
-        </p:blipFill>
-        <p:spPr>
-          <a:xfrm>
-            <a:off x="6577378" y="4876800"/>
-            <a:ext cx="2261822" cy="1752600"/>
-          </a:xfrm>
-          <a:prstGeom prst="rect">
-            <a:avLst/>
-          </a:prstGeom>
-        </p:spPr>
-      </p:pic>
-    </p:spTree>
-    <p:extLst>
-      <p:ext uri="{BB962C8B-B14F-4D97-AF65-F5344CB8AC3E}">
-        <p14:creationId xmlns:p14="http://schemas.microsoft.com/office/powerpoint/2010/main" val="4075600054"/>
-      </p:ext>
-    </p:extLst>
-  </p:cSld>
-  <p:clrMapOvr>
-    <a:masterClrMapping/>
-  </p:clrMapOvr>
-</p:sld>
-</file>
-
-<file path=ppt/slides/slide3.xml><?xml version="1.0" encoding="utf-8"?>
-<p:sld xmlns:a="http://schemas.openxmlformats.org/drawingml/2006/main" xmlns:r="http://schemas.openxmlformats.org/officeDocument/2006/relationships" xmlns:p="http://schemas.openxmlformats.org/presentationml/2006/main">
-  <p:cSld>
-    <p:spTree>
-      <p:nvGrpSpPr>
-        <p:cNvPr id="1" name=""/>
-        <p:cNvGrpSpPr/>
-        <p:nvPr/>
-      </p:nvGrpSpPr>
-      <p:grpSpPr>
-        <a:xfrm>
-          <a:off x="0" y="0"/>
-          <a:ext cx="0" cy="0"/>
-          <a:chOff x="0" y="0"/>
-          <a:chExt cx="0" cy="0"/>
-        </a:xfrm>
-      </p:grpSpPr>
-      <p:sp>
-        <p:nvSpPr>
-          <p:cNvPr id="2" name="Content Placeholder 1"/>
-          <p:cNvSpPr>
-            <a:spLocks noGrp="1"/>
-          </p:cNvSpPr>
-          <p:nvPr>
-            <p:ph idx="1"/>
-          </p:nvPr>
-        </p:nvSpPr>
-        <p:spPr/>
-        <p:txBody>
-          <a:bodyPr/>
-          <a:lstStyle/>
-          <a:p>
-            <a:r>
-              <a:rPr lang="en-US" dirty="0" smtClean="0"/>
-              <a:t>Costs Per Hire $4,129</a:t>
-            </a:r>
-          </a:p>
-          <a:p>
-            <a:endParaRPr lang="en-US" dirty="0" smtClean="0"/>
-          </a:p>
-          <a:p>
-            <a:r>
-              <a:rPr lang="en-US" dirty="0" smtClean="0"/>
-              <a:t>Time to Fill 42 days</a:t>
-            </a:r>
-          </a:p>
-          <a:p>
-            <a:endParaRPr lang="en-US" dirty="0" smtClean="0"/>
-          </a:p>
-          <a:p>
-            <a:r>
-              <a:rPr lang="en-US" dirty="0" smtClean="0"/>
-              <a:t>Employee Tenure 8 Years</a:t>
-            </a:r>
-          </a:p>
-          <a:p>
-            <a:endParaRPr lang="en-US" dirty="0" smtClean="0"/>
-          </a:p>
-          <a:p>
-            <a:r>
-              <a:rPr lang="en-US" dirty="0" smtClean="0"/>
-              <a:t>Annual Turnover Rate 19%</a:t>
-            </a:r>
-            <a:endParaRPr lang="en-US" dirty="0"/>
-          </a:p>
-        </p:txBody>
-      </p:sp>
-      <p:sp>
-        <p:nvSpPr>
-          <p:cNvPr id="3" name="Title 2"/>
-          <p:cNvSpPr>
-            <a:spLocks noGrp="1"/>
-          </p:cNvSpPr>
-          <p:nvPr>
-            <p:ph type="title"/>
-          </p:nvPr>
-        </p:nvSpPr>
-        <p:spPr/>
-        <p:txBody>
-          <a:bodyPr/>
-          <a:lstStyle/>
-          <a:p>
-            <a:r>
-              <a:rPr lang="en-US" dirty="0"/>
-              <a:t>Cost of Attrition - 2016</a:t>
-            </a:r>
-          </a:p>
-        </p:txBody>
-      </p:sp>
-      <p:pic>
-        <p:nvPicPr>
-          <p:cNvPr id="4" name="Picture 2" descr="Image result for Human Resource Managementâs 2016 Human Capital Benchmarking Report"/>
-          <p:cNvPicPr>
-            <a:picLocks noChangeAspect="1" noChangeArrowheads="1"/>
-          </p:cNvPicPr>
-          <p:nvPr/>
-        </p:nvPicPr>
-        <p:blipFill rotWithShape="1">
-          <a:blip r:embed="rId3" cstate="print">
-            <a:extLst>
-              <a:ext uri="{28A0092B-C50C-407E-A947-70E740481C1C}">
-                <a14:useLocalDpi xmlns:a14="http://schemas.microsoft.com/office/drawing/2010/main" val="0"/>
-              </a:ext>
-            </a:extLst>
-          </a:blip>
-          <a:srcRect l="8306" r="13708"/>
-          <a:stretch/>
-        </p:blipFill>
-        <p:spPr bwMode="auto">
-          <a:xfrm>
-            <a:off x="6781800" y="4953000"/>
-            <a:ext cx="1666180" cy="1121664"/>
-          </a:xfrm>
-          <a:prstGeom prst="rect">
-            <a:avLst/>
-          </a:prstGeom>
-          <a:noFill/>
-          <a:extLst>
-            <a:ext uri="{909E8E84-426E-40DD-AFC4-6F175D3DCCD1}">
-              <a14:hiddenFill xmlns:a14="http://schemas.microsoft.com/office/drawing/2010/main">
-                <a:solidFill>
-                  <a:srgbClr val="FFFFFF"/>
-                </a:solidFill>
-              </a14:hiddenFill>
-            </a:ext>
-          </a:extLst>
-        </p:spPr>
-      </p:pic>
-      <p:pic>
-        <p:nvPicPr>
-          <p:cNvPr id="5" name="Content Placeholder 3"/>
-          <p:cNvPicPr>
-            <a:picLocks noChangeAspect="1"/>
-          </p:cNvPicPr>
-          <p:nvPr/>
-        </p:nvPicPr>
-        <p:blipFill>
-          <a:blip r:embed="rId4" cstate="print">
-            <a:extLst>
-              <a:ext uri="{28A0092B-C50C-407E-A947-70E740481C1C}">
-                <a14:useLocalDpi xmlns:a14="http://schemas.microsoft.com/office/drawing/2010/main" val="0"/>
-              </a:ext>
-            </a:extLst>
-          </a:blip>
-          <a:stretch>
-            <a:fillRect/>
-          </a:stretch>
-        </p:blipFill>
-        <p:spPr>
-          <a:xfrm>
-            <a:off x="6172200" y="1499099"/>
-            <a:ext cx="2708003" cy="3149101"/>
-          </a:xfrm>
-          <a:prstGeom prst="rect">
-            <a:avLst/>
-          </a:prstGeom>
-          <a:ln>
-            <a:solidFill>
-              <a:schemeClr val="accent1"/>
-            </a:solidFill>
-          </a:ln>
-        </p:spPr>
-      </p:pic>
-    </p:spTree>
-    <p:extLst>
-      <p:ext uri="{BB962C8B-B14F-4D97-AF65-F5344CB8AC3E}">
-        <p14:creationId xmlns:p14="http://schemas.microsoft.com/office/powerpoint/2010/main" val="1930422771"/>
-      </p:ext>
-    </p:extLst>
-  </p:cSld>
-  <p:clrMapOvr>
-    <a:masterClrMapping/>
-  </p:clrMapOvr>
-</p:sld>
-</file>
-
-<file path=ppt/slides/slide4.xml><?xml version="1.0" encoding="utf-8"?>
-<p:sld xmlns:a="http://schemas.openxmlformats.org/drawingml/2006/main" xmlns:r="http://schemas.openxmlformats.org/officeDocument/2006/relationships" xmlns:p="http://schemas.openxmlformats.org/presentationml/2006/main">
-  <p:cSld>
-    <p:spTree>
-      <p:nvGrpSpPr>
-        <p:cNvPr id="1" name=""/>
-        <p:cNvGrpSpPr/>
-        <p:nvPr/>
-      </p:nvGrpSpPr>
-      <p:grpSpPr>
-        <a:xfrm>
-          <a:off x="0" y="0"/>
-          <a:ext cx="0" cy="0"/>
-          <a:chOff x="0" y="0"/>
-          <a:chExt cx="0" cy="0"/>
-        </a:xfrm>
-      </p:grpSpPr>
-      <p:sp>
-        <p:nvSpPr>
-          <p:cNvPr id="2" name="Content Placeholder 1"/>
-          <p:cNvSpPr>
-            <a:spLocks noGrp="1"/>
-          </p:cNvSpPr>
-          <p:nvPr>
-            <p:ph idx="1"/>
-          </p:nvPr>
-        </p:nvSpPr>
-        <p:spPr/>
-        <p:txBody>
-          <a:bodyPr>
-            <a:normAutofit/>
-          </a:bodyPr>
-          <a:lstStyle/>
-          <a:p>
-            <a:r>
-              <a:rPr lang="en-US" sz="2400" dirty="0" smtClean="0"/>
-              <a:t>Probabilistic Machine Learning Algorithm</a:t>
-            </a:r>
-          </a:p>
-          <a:p>
-            <a:endParaRPr lang="en-US" sz="2400" dirty="0" smtClean="0"/>
-          </a:p>
-          <a:p>
-            <a:r>
-              <a:rPr lang="en-US" sz="2400" dirty="0" smtClean="0"/>
-              <a:t>Assumes </a:t>
-            </a:r>
-            <a:r>
-              <a:rPr lang="en-US" sz="2400" dirty="0"/>
-              <a:t>features </a:t>
-            </a:r>
-            <a:r>
-              <a:rPr lang="en-US" sz="2400" dirty="0" smtClean="0"/>
-              <a:t>are independent of each other</a:t>
-            </a:r>
-            <a:endParaRPr lang="en-US" sz="2400" dirty="0"/>
-          </a:p>
-        </p:txBody>
-      </p:sp>
-      <p:sp>
-        <p:nvSpPr>
-          <p:cNvPr id="3" name="Title 2"/>
-          <p:cNvSpPr>
-            <a:spLocks noGrp="1"/>
-          </p:cNvSpPr>
-          <p:nvPr>
-            <p:ph type="title"/>
-          </p:nvPr>
-        </p:nvSpPr>
-        <p:spPr/>
-        <p:txBody>
-          <a:bodyPr>
-            <a:normAutofit fontScale="90000"/>
-          </a:bodyPr>
-          <a:lstStyle/>
-          <a:p>
-            <a:r>
-              <a:rPr lang="en-US" dirty="0" smtClean="0"/>
-              <a:t>Naïve-Bayes: </a:t>
-            </a:r>
-            <a:r>
-              <a:rPr lang="en-US" sz="4000" dirty="0" smtClean="0"/>
-              <a:t>Variable Exploration</a:t>
-            </a:r>
-            <a:endParaRPr lang="en-US" sz="4400" dirty="0"/>
-          </a:p>
-        </p:txBody>
-      </p:sp>
-      <p:graphicFrame>
-        <p:nvGraphicFramePr>
-          <p:cNvPr id="5" name="Table 4"/>
-          <p:cNvGraphicFramePr>
-            <a:graphicFrameLocks noGrp="1"/>
-          </p:cNvGraphicFramePr>
-          <p:nvPr>
-            <p:extLst>
-              <p:ext uri="{D42A27DB-BD31-4B8C-83A1-F6EECF244321}">
-                <p14:modId xmlns:p14="http://schemas.microsoft.com/office/powerpoint/2010/main" val="2920561248"/>
-              </p:ext>
-            </p:extLst>
-          </p:nvPr>
-        </p:nvGraphicFramePr>
-        <p:xfrm>
-          <a:off x="3048000" y="3048000"/>
-          <a:ext cx="3644900" cy="2543175"/>
-        </p:xfrm>
-        <a:graphic>
-          <a:graphicData uri="http://schemas.openxmlformats.org/drawingml/2006/table">
-            <a:tbl>
-              <a:tblPr>
-                <a:tableStyleId>{5C22544A-7EE6-4342-B048-85BDC9FD1C3A}</a:tableStyleId>
-              </a:tblPr>
-              <a:tblGrid>
-                <a:gridCol w="2819400"/>
-                <a:gridCol w="825500"/>
-              </a:tblGrid>
-              <a:tr h="247650">
-                <a:tc>
-                  <a:txBody>
-                    <a:bodyPr/>
-                    <a:lstStyle/>
-                    <a:p>
-                      <a:pPr algn="l" fontAlgn="b"/>
-                      <a:r>
-                        <a:rPr lang="en-US" sz="1400" u="none" strike="noStrike" dirty="0">
-                          <a:effectLst/>
-                        </a:rPr>
-                        <a:t>Variable</a:t>
-                      </a:r>
-                      <a:endParaRPr lang="en-US" sz="1400" b="1" i="0" u="none" strike="noStrike" dirty="0">
-                        <a:solidFill>
-                          <a:srgbClr val="000000"/>
-                        </a:solidFill>
-                        <a:effectLst/>
-                        <a:latin typeface="Calibri"/>
-                      </a:endParaRPr>
-                    </a:p>
-                  </a:txBody>
-                  <a:tcPr marL="85725" marR="9525" marT="9525" marB="0" anchor="b">
-                    <a:lnL w="12700" cap="flat" cmpd="sng" algn="ctr">
-                      <a:solidFill>
-                        <a:schemeClr val="tx1"/>
-                      </a:solidFill>
-                      <a:prstDash val="solid"/>
-                      <a:round/>
-                      <a:headEnd type="none" w="med" len="med"/>
-                      <a:tailEnd type="none" w="med" len="med"/>
-                    </a:lnL>
-                    <a:lnT w="12700" cap="flat" cmpd="sng" algn="ctr">
-                      <a:solidFill>
-                        <a:schemeClr val="tx1"/>
-                      </a:solidFill>
-                      <a:prstDash val="solid"/>
-                      <a:round/>
-                      <a:headEnd type="none" w="med" len="med"/>
-                      <a:tailEnd type="none" w="med" len="med"/>
-                    </a:lnT>
-                    <a:lnB w="12700" cap="flat" cmpd="sng" algn="ctr">
-                      <a:solidFill>
-                        <a:schemeClr val="tx1"/>
-                      </a:solidFill>
-                      <a:prstDash val="solid"/>
-                      <a:round/>
-                      <a:headEnd type="none" w="med" len="med"/>
-                      <a:tailEnd type="none" w="med" len="med"/>
-                    </a:lnB>
-                    <a:solidFill>
-                      <a:schemeClr val="accent1">
-                        <a:lumMod val="40000"/>
-                        <a:lumOff val="60000"/>
-                      </a:schemeClr>
-                    </a:solidFill>
-                  </a:tcPr>
-                </a:tc>
-                <a:tc>
-                  <a:txBody>
-                    <a:bodyPr/>
-                    <a:lstStyle/>
-                    <a:p>
-                      <a:pPr algn="ctr" fontAlgn="b"/>
-                      <a:r>
-                        <a:rPr lang="en-US" sz="1400" u="none" strike="noStrike" dirty="0">
-                          <a:effectLst/>
-                        </a:rPr>
-                        <a:t>P(Y|X)</a:t>
-                      </a:r>
-                      <a:endParaRPr lang="en-US" sz="1400" b="1" i="0" u="none" strike="noStrike" dirty="0">
-                        <a:solidFill>
-                          <a:srgbClr val="000000"/>
-                        </a:solidFill>
-                        <a:effectLst/>
-                        <a:latin typeface="Calibri"/>
-                      </a:endParaRPr>
-                    </a:p>
-                  </a:txBody>
-                  <a:tcPr marL="9525" marR="9525" marT="9525" marB="0" anchor="b">
-                    <a:lnR w="12700" cap="flat" cmpd="sng" algn="ctr">
-                      <a:solidFill>
-                        <a:schemeClr val="tx1"/>
-                      </a:solidFill>
-                      <a:prstDash val="solid"/>
-                      <a:round/>
-                      <a:headEnd type="none" w="med" len="med"/>
-                      <a:tailEnd type="none" w="med" len="med"/>
-                    </a:lnR>
-                    <a:lnT w="12700" cap="flat" cmpd="sng" algn="ctr">
-                      <a:solidFill>
-                        <a:schemeClr val="tx1"/>
-                      </a:solidFill>
-                      <a:prstDash val="solid"/>
-                      <a:round/>
-                      <a:headEnd type="none" w="med" len="med"/>
-                      <a:tailEnd type="none" w="med" len="med"/>
-                    </a:lnT>
-                    <a:lnB w="12700" cap="flat" cmpd="sng" algn="ctr">
-                      <a:solidFill>
-                        <a:schemeClr val="tx1"/>
-                      </a:solidFill>
-                      <a:prstDash val="solid"/>
-                      <a:round/>
-                      <a:headEnd type="none" w="med" len="med"/>
-                      <a:tailEnd type="none" w="med" len="med"/>
-                    </a:lnB>
-                    <a:solidFill>
-                      <a:schemeClr val="accent1">
-                        <a:lumMod val="40000"/>
-                        <a:lumOff val="60000"/>
-                      </a:schemeClr>
-                    </a:solidFill>
-                  </a:tcPr>
-                </a:tc>
-              </a:tr>
-              <a:tr h="190500">
-                <a:tc>
-                  <a:txBody>
-                    <a:bodyPr/>
-                    <a:lstStyle/>
-                    <a:p>
-                      <a:pPr algn="l" fontAlgn="t"/>
-                      <a:r>
-                        <a:rPr lang="en-US" sz="1100" u="none" strike="noStrike" dirty="0">
-                          <a:effectLst/>
-                        </a:rPr>
-                        <a:t>BusinessTravel - Travel Rarely</a:t>
-                      </a:r>
-                      <a:endParaRPr lang="en-US" sz="1100" b="0" i="0" u="none" strike="noStrike" dirty="0">
-                        <a:solidFill>
-                          <a:srgbClr val="333333"/>
-                        </a:solidFill>
-                        <a:effectLst/>
-                        <a:latin typeface="Arial"/>
-                      </a:endParaRPr>
-                    </a:p>
-                  </a:txBody>
-                  <a:tcPr marL="85725" marR="9525" marT="9525" marB="0">
-                    <a:lnL w="12700" cap="flat" cmpd="sng" algn="ctr">
-                      <a:solidFill>
-                        <a:schemeClr val="tx1"/>
-                      </a:solidFill>
-                      <a:prstDash val="solid"/>
-                      <a:round/>
-                      <a:headEnd type="none" w="med" len="med"/>
-                      <a:tailEnd type="none" w="med" len="med"/>
-                    </a:lnL>
-                    <a:lnT w="12700" cap="flat" cmpd="sng" algn="ctr">
-                      <a:solidFill>
-                        <a:schemeClr val="tx1"/>
-                      </a:solidFill>
-                      <a:prstDash val="solid"/>
-                      <a:round/>
-                      <a:headEnd type="none" w="med" len="med"/>
-                      <a:tailEnd type="none" w="med" len="med"/>
-                    </a:lnT>
-                    <a:solidFill>
-                      <a:schemeClr val="accent1">
-                        <a:lumMod val="20000"/>
-                        <a:lumOff val="80000"/>
-                      </a:schemeClr>
-                    </a:solidFill>
-                  </a:tcPr>
-                </a:tc>
-                <a:tc>
-                  <a:txBody>
-                    <a:bodyPr/>
-                    <a:lstStyle/>
-                    <a:p>
-                      <a:pPr algn="ctr" fontAlgn="t"/>
-                      <a:r>
-                        <a:rPr lang="en-US" sz="1100" u="none" strike="noStrike" dirty="0">
-                          <a:effectLst/>
-                        </a:rPr>
-                        <a:t>0.66</a:t>
-                      </a:r>
-                      <a:endParaRPr lang="en-US" sz="1100" b="0" i="0" u="none" strike="noStrike" dirty="0">
-                        <a:solidFill>
-                          <a:srgbClr val="333333"/>
-                        </a:solidFill>
-                        <a:effectLst/>
-                        <a:latin typeface="Arial"/>
-                      </a:endParaRPr>
-                    </a:p>
-                  </a:txBody>
-                  <a:tcPr marL="9525" marR="9525" marT="9525" marB="0">
-                    <a:lnR w="12700" cap="flat" cmpd="sng" algn="ctr">
-                      <a:solidFill>
-                        <a:schemeClr val="tx1"/>
-                      </a:solidFill>
-                      <a:prstDash val="solid"/>
-                      <a:round/>
-                      <a:headEnd type="none" w="med" len="med"/>
-                      <a:tailEnd type="none" w="med" len="med"/>
-                    </a:lnR>
-                    <a:lnT w="12700" cap="flat" cmpd="sng" algn="ctr">
-                      <a:solidFill>
-                        <a:schemeClr val="tx1"/>
-                      </a:solidFill>
-                      <a:prstDash val="solid"/>
-                      <a:round/>
-                      <a:headEnd type="none" w="med" len="med"/>
-                      <a:tailEnd type="none" w="med" len="med"/>
-                    </a:lnT>
-                    <a:solidFill>
-                      <a:schemeClr val="accent1">
-                        <a:lumMod val="20000"/>
-                        <a:lumOff val="80000"/>
-                      </a:schemeClr>
-                    </a:solidFill>
-                  </a:tcPr>
-                </a:tc>
-              </a:tr>
-              <a:tr h="190500">
-                <a:tc>
-                  <a:txBody>
-                    <a:bodyPr/>
-                    <a:lstStyle/>
-                    <a:p>
-                      <a:pPr algn="l" fontAlgn="t"/>
-                      <a:r>
-                        <a:rPr lang="en-US" sz="1100" u="none" strike="noStrike">
-                          <a:effectLst/>
-                        </a:rPr>
-                        <a:t>Department - Research &amp; Develoment</a:t>
-                      </a:r>
-                      <a:endParaRPr lang="en-US" sz="1100" b="0" i="0" u="none" strike="noStrike">
-                        <a:solidFill>
-                          <a:srgbClr val="333333"/>
-                        </a:solidFill>
-                        <a:effectLst/>
-                        <a:latin typeface="Arial"/>
-                      </a:endParaRPr>
-                    </a:p>
-                  </a:txBody>
-                  <a:tcPr marL="85725" marR="9525" marT="9525" marB="0">
-                    <a:lnL w="12700" cap="flat" cmpd="sng" algn="ctr">
-                      <a:solidFill>
-                        <a:schemeClr val="tx1"/>
-                      </a:solidFill>
-                      <a:prstDash val="solid"/>
-                      <a:round/>
-                      <a:headEnd type="none" w="med" len="med"/>
-                      <a:tailEnd type="none" w="med" len="med"/>
-                    </a:lnL>
-                    <a:solidFill>
-                      <a:schemeClr val="accent1">
-                        <a:lumMod val="20000"/>
-                        <a:lumOff val="80000"/>
-                      </a:schemeClr>
-                    </a:solidFill>
-                  </a:tcPr>
-                </a:tc>
-                <a:tc>
-                  <a:txBody>
-                    <a:bodyPr/>
-                    <a:lstStyle/>
-                    <a:p>
-                      <a:pPr algn="ctr" fontAlgn="t"/>
-                      <a:r>
-                        <a:rPr lang="en-US" sz="1100" u="none" strike="noStrike">
-                          <a:effectLst/>
-                        </a:rPr>
-                        <a:t>0.56</a:t>
-                      </a:r>
-                      <a:endParaRPr lang="en-US" sz="1100" b="0" i="0" u="none" strike="noStrike">
-                        <a:solidFill>
-                          <a:srgbClr val="333333"/>
-                        </a:solidFill>
-                        <a:effectLst/>
-                        <a:latin typeface="Arial"/>
-                      </a:endParaRPr>
-                    </a:p>
-                  </a:txBody>
-                  <a:tcPr marL="9525" marR="9525" marT="9525" marB="0">
-                    <a:lnR w="12700" cap="flat" cmpd="sng" algn="ctr">
-                      <a:solidFill>
-                        <a:schemeClr val="tx1"/>
-                      </a:solidFill>
-                      <a:prstDash val="solid"/>
-                      <a:round/>
-                      <a:headEnd type="none" w="med" len="med"/>
-                      <a:tailEnd type="none" w="med" len="med"/>
-                    </a:lnR>
-                    <a:solidFill>
-                      <a:schemeClr val="accent1">
-                        <a:lumMod val="20000"/>
-                        <a:lumOff val="80000"/>
-                      </a:schemeClr>
-                    </a:solidFill>
-                  </a:tcPr>
-                </a:tc>
-              </a:tr>
-              <a:tr h="190500">
-                <a:tc>
-                  <a:txBody>
-                    <a:bodyPr/>
-                    <a:lstStyle/>
-                    <a:p>
-                      <a:pPr algn="l" fontAlgn="t"/>
-                      <a:r>
-                        <a:rPr lang="en-US" sz="1100" u="none" strike="noStrike">
-                          <a:effectLst/>
-                        </a:rPr>
-                        <a:t>DistanceFromHome - Under 10</a:t>
-                      </a:r>
-                      <a:endParaRPr lang="en-US" sz="1100" b="0" i="0" u="none" strike="noStrike">
-                        <a:solidFill>
-                          <a:srgbClr val="333333"/>
-                        </a:solidFill>
-                        <a:effectLst/>
-                        <a:latin typeface="Arial"/>
-                      </a:endParaRPr>
-                    </a:p>
-                  </a:txBody>
-                  <a:tcPr marL="85725" marR="9525" marT="9525" marB="0">
-                    <a:lnL w="12700" cap="flat" cmpd="sng" algn="ctr">
-                      <a:solidFill>
-                        <a:schemeClr val="tx1"/>
-                      </a:solidFill>
-                      <a:prstDash val="solid"/>
-                      <a:round/>
-                      <a:headEnd type="none" w="med" len="med"/>
-                      <a:tailEnd type="none" w="med" len="med"/>
-                    </a:lnL>
-                    <a:solidFill>
-                      <a:schemeClr val="accent1">
-                        <a:lumMod val="20000"/>
-                        <a:lumOff val="80000"/>
-                      </a:schemeClr>
-                    </a:solidFill>
-                  </a:tcPr>
-                </a:tc>
-                <a:tc>
-                  <a:txBody>
-                    <a:bodyPr/>
-                    <a:lstStyle/>
-                    <a:p>
-                      <a:pPr algn="ctr" fontAlgn="t"/>
-                      <a:r>
-                        <a:rPr lang="en-US" sz="1100" u="none" strike="noStrike">
-                          <a:effectLst/>
-                        </a:rPr>
-                        <a:t>0.56</a:t>
-                      </a:r>
-                      <a:endParaRPr lang="en-US" sz="1100" b="0" i="0" u="none" strike="noStrike">
-                        <a:solidFill>
-                          <a:srgbClr val="333333"/>
-                        </a:solidFill>
-                        <a:effectLst/>
-                        <a:latin typeface="Arial"/>
-                      </a:endParaRPr>
-                    </a:p>
-                  </a:txBody>
-                  <a:tcPr marL="9525" marR="9525" marT="9525" marB="0">
-                    <a:lnR w="12700" cap="flat" cmpd="sng" algn="ctr">
-                      <a:solidFill>
-                        <a:schemeClr val="tx1"/>
-                      </a:solidFill>
-                      <a:prstDash val="solid"/>
-                      <a:round/>
-                      <a:headEnd type="none" w="med" len="med"/>
-                      <a:tailEnd type="none" w="med" len="med"/>
-                    </a:lnR>
-                    <a:solidFill>
-                      <a:schemeClr val="accent1">
-                        <a:lumMod val="20000"/>
-                        <a:lumOff val="80000"/>
-                      </a:schemeClr>
-                    </a:solidFill>
-                  </a:tcPr>
-                </a:tc>
-              </a:tr>
-              <a:tr h="190500">
-                <a:tc>
-                  <a:txBody>
-                    <a:bodyPr/>
-                    <a:lstStyle/>
-                    <a:p>
-                      <a:pPr algn="l" fontAlgn="t"/>
-                      <a:r>
-                        <a:rPr lang="en-US" sz="1100" u="none" strike="noStrike">
-                          <a:effectLst/>
-                        </a:rPr>
-                        <a:t>Education - Bachelor Below</a:t>
-                      </a:r>
-                      <a:endParaRPr lang="en-US" sz="1100" b="0" i="0" u="none" strike="noStrike">
-                        <a:solidFill>
-                          <a:srgbClr val="333333"/>
-                        </a:solidFill>
-                        <a:effectLst/>
-                        <a:latin typeface="Arial"/>
-                      </a:endParaRPr>
-                    </a:p>
-                  </a:txBody>
-                  <a:tcPr marL="85725" marR="9525" marT="9525" marB="0">
-                    <a:lnL w="12700" cap="flat" cmpd="sng" algn="ctr">
-                      <a:solidFill>
-                        <a:schemeClr val="tx1"/>
-                      </a:solidFill>
-                      <a:prstDash val="solid"/>
-                      <a:round/>
-                      <a:headEnd type="none" w="med" len="med"/>
-                      <a:tailEnd type="none" w="med" len="med"/>
-                    </a:lnL>
-                    <a:solidFill>
-                      <a:schemeClr val="accent1">
-                        <a:lumMod val="20000"/>
-                        <a:lumOff val="80000"/>
-                      </a:schemeClr>
-                    </a:solidFill>
-                  </a:tcPr>
-                </a:tc>
-                <a:tc>
-                  <a:txBody>
-                    <a:bodyPr/>
-                    <a:lstStyle/>
-                    <a:p>
-                      <a:pPr algn="ctr" fontAlgn="t"/>
-                      <a:r>
-                        <a:rPr lang="en-US" sz="1100" u="none" strike="noStrike">
-                          <a:effectLst/>
-                        </a:rPr>
-                        <a:t>0.42</a:t>
-                      </a:r>
-                      <a:endParaRPr lang="en-US" sz="1100" b="0" i="0" u="none" strike="noStrike">
-                        <a:solidFill>
-                          <a:srgbClr val="333333"/>
-                        </a:solidFill>
-                        <a:effectLst/>
-                        <a:latin typeface="Arial"/>
-                      </a:endParaRPr>
-                    </a:p>
-                  </a:txBody>
-                  <a:tcPr marL="9525" marR="9525" marT="9525" marB="0">
-                    <a:lnR w="12700" cap="flat" cmpd="sng" algn="ctr">
-                      <a:solidFill>
-                        <a:schemeClr val="tx1"/>
-                      </a:solidFill>
-                      <a:prstDash val="solid"/>
-                      <a:round/>
-                      <a:headEnd type="none" w="med" len="med"/>
-                      <a:tailEnd type="none" w="med" len="med"/>
-                    </a:lnR>
-                    <a:solidFill>
-                      <a:schemeClr val="accent1">
-                        <a:lumMod val="20000"/>
-                        <a:lumOff val="80000"/>
-                      </a:schemeClr>
-                    </a:solidFill>
-                  </a:tcPr>
-                </a:tc>
-              </a:tr>
-              <a:tr h="190500">
-                <a:tc>
-                  <a:txBody>
-                    <a:bodyPr/>
-                    <a:lstStyle/>
-                    <a:p>
-                      <a:pPr algn="l" fontAlgn="t"/>
-                      <a:r>
-                        <a:rPr lang="en-US" sz="1100" u="none" strike="noStrike">
-                          <a:effectLst/>
-                        </a:rPr>
-                        <a:t>Gender - Male</a:t>
-                      </a:r>
-                      <a:endParaRPr lang="en-US" sz="1100" b="0" i="0" u="none" strike="noStrike">
-                        <a:solidFill>
-                          <a:srgbClr val="333333"/>
-                        </a:solidFill>
-                        <a:effectLst/>
-                        <a:latin typeface="Arial"/>
-                      </a:endParaRPr>
-                    </a:p>
-                  </a:txBody>
-                  <a:tcPr marL="85725" marR="9525" marT="9525" marB="0">
-                    <a:lnL w="12700" cap="flat" cmpd="sng" algn="ctr">
-                      <a:solidFill>
-                        <a:schemeClr val="tx1"/>
-                      </a:solidFill>
-                      <a:prstDash val="solid"/>
-                      <a:round/>
-                      <a:headEnd type="none" w="med" len="med"/>
-                      <a:tailEnd type="none" w="med" len="med"/>
-                    </a:lnL>
-                    <a:solidFill>
-                      <a:schemeClr val="accent1">
-                        <a:lumMod val="20000"/>
-                        <a:lumOff val="80000"/>
-                      </a:schemeClr>
-                    </a:solidFill>
-                  </a:tcPr>
-                </a:tc>
-                <a:tc>
-                  <a:txBody>
-                    <a:bodyPr/>
-                    <a:lstStyle/>
-                    <a:p>
-                      <a:pPr algn="ctr" fontAlgn="t"/>
-                      <a:r>
-                        <a:rPr lang="en-US" sz="1100" u="none" strike="noStrike">
-                          <a:effectLst/>
-                        </a:rPr>
-                        <a:t>0.63</a:t>
-                      </a:r>
-                      <a:endParaRPr lang="en-US" sz="1100" b="0" i="0" u="none" strike="noStrike">
-                        <a:solidFill>
-                          <a:srgbClr val="333333"/>
-                        </a:solidFill>
-                        <a:effectLst/>
-                        <a:latin typeface="Arial"/>
-                      </a:endParaRPr>
-                    </a:p>
-                  </a:txBody>
-                  <a:tcPr marL="9525" marR="9525" marT="9525" marB="0">
-                    <a:lnR w="12700" cap="flat" cmpd="sng" algn="ctr">
-                      <a:solidFill>
-                        <a:schemeClr val="tx1"/>
-                      </a:solidFill>
-                      <a:prstDash val="solid"/>
-                      <a:round/>
-                      <a:headEnd type="none" w="med" len="med"/>
-                      <a:tailEnd type="none" w="med" len="med"/>
-                    </a:lnR>
-                    <a:solidFill>
-                      <a:schemeClr val="accent1">
-                        <a:lumMod val="20000"/>
-                        <a:lumOff val="80000"/>
-                      </a:schemeClr>
-                    </a:solidFill>
-                  </a:tcPr>
-                </a:tc>
-              </a:tr>
-              <a:tr h="190500">
-                <a:tc>
-                  <a:txBody>
-                    <a:bodyPr/>
-                    <a:lstStyle/>
-                    <a:p>
-                      <a:pPr algn="l" fontAlgn="t"/>
-                      <a:r>
-                        <a:rPr lang="en-US" sz="1100" u="none" strike="noStrike" dirty="0">
-                          <a:effectLst/>
-                        </a:rPr>
-                        <a:t>JobInvolvement - High</a:t>
-                      </a:r>
-                      <a:endParaRPr lang="en-US" sz="1100" b="0" i="0" u="none" strike="noStrike" dirty="0">
-                        <a:solidFill>
-                          <a:srgbClr val="333333"/>
-                        </a:solidFill>
-                        <a:effectLst/>
-                        <a:latin typeface="Arial"/>
-                      </a:endParaRPr>
-                    </a:p>
-                  </a:txBody>
-                  <a:tcPr marL="85725" marR="9525" marT="9525" marB="0">
-                    <a:lnL w="12700" cap="flat" cmpd="sng" algn="ctr">
-                      <a:solidFill>
-                        <a:schemeClr val="tx1"/>
-                      </a:solidFill>
-                      <a:prstDash val="solid"/>
-                      <a:round/>
-                      <a:headEnd type="none" w="med" len="med"/>
-                      <a:tailEnd type="none" w="med" len="med"/>
-                    </a:lnL>
-                    <a:solidFill>
-                      <a:schemeClr val="accent1">
-                        <a:lumMod val="20000"/>
-                        <a:lumOff val="80000"/>
-                      </a:schemeClr>
-                    </a:solidFill>
-                  </a:tcPr>
-                </a:tc>
-                <a:tc>
-                  <a:txBody>
-                    <a:bodyPr/>
-                    <a:lstStyle/>
-                    <a:p>
-                      <a:pPr algn="ctr" fontAlgn="t"/>
-                      <a:r>
-                        <a:rPr lang="en-US" sz="1100" u="none" strike="noStrike">
-                          <a:effectLst/>
-                        </a:rPr>
-                        <a:t>0.53</a:t>
-                      </a:r>
-                      <a:endParaRPr lang="en-US" sz="1100" b="0" i="0" u="none" strike="noStrike">
-                        <a:solidFill>
-                          <a:srgbClr val="333333"/>
-                        </a:solidFill>
-                        <a:effectLst/>
-                        <a:latin typeface="Arial"/>
-                      </a:endParaRPr>
-                    </a:p>
-                  </a:txBody>
-                  <a:tcPr marL="9525" marR="9525" marT="9525" marB="0">
-                    <a:lnR w="12700" cap="flat" cmpd="sng" algn="ctr">
-                      <a:solidFill>
-                        <a:schemeClr val="tx1"/>
-                      </a:solidFill>
-                      <a:prstDash val="solid"/>
-                      <a:round/>
-                      <a:headEnd type="none" w="med" len="med"/>
-                      <a:tailEnd type="none" w="med" len="med"/>
-                    </a:lnR>
-                    <a:solidFill>
-                      <a:schemeClr val="accent1">
-                        <a:lumMod val="20000"/>
-                        <a:lumOff val="80000"/>
-                      </a:schemeClr>
-                    </a:solidFill>
-                  </a:tcPr>
-                </a:tc>
-              </a:tr>
-              <a:tr h="190500">
-                <a:tc>
-                  <a:txBody>
-                    <a:bodyPr/>
-                    <a:lstStyle/>
-                    <a:p>
-                      <a:pPr algn="l" fontAlgn="t"/>
-                      <a:r>
-                        <a:rPr lang="en-US" sz="1100" u="none" strike="noStrike" dirty="0">
-                          <a:effectLst/>
-                        </a:rPr>
-                        <a:t>MonthlyIncome - Under 5,000</a:t>
-                      </a:r>
-                      <a:endParaRPr lang="en-US" sz="1100" b="0" i="0" u="none" strike="noStrike" dirty="0">
-                        <a:solidFill>
-                          <a:srgbClr val="333333"/>
-                        </a:solidFill>
-                        <a:effectLst/>
-                        <a:latin typeface="Arial"/>
-                      </a:endParaRPr>
-                    </a:p>
-                  </a:txBody>
-                  <a:tcPr marL="85725" marR="9525" marT="9525" marB="0">
-                    <a:lnL w="12700" cap="flat" cmpd="sng" algn="ctr">
-                      <a:solidFill>
-                        <a:schemeClr val="tx1"/>
-                      </a:solidFill>
-                      <a:prstDash val="solid"/>
-                      <a:round/>
-                      <a:headEnd type="none" w="med" len="med"/>
-                      <a:tailEnd type="none" w="med" len="med"/>
-                    </a:lnL>
-                    <a:solidFill>
-                      <a:schemeClr val="accent1">
-                        <a:lumMod val="20000"/>
-                        <a:lumOff val="80000"/>
-                      </a:schemeClr>
-                    </a:solidFill>
-                  </a:tcPr>
-                </a:tc>
-                <a:tc>
-                  <a:txBody>
-                    <a:bodyPr/>
-                    <a:lstStyle/>
-                    <a:p>
-                      <a:pPr algn="ctr" fontAlgn="t"/>
-                      <a:r>
-                        <a:rPr lang="en-US" sz="1100" u="none" strike="noStrike">
-                          <a:effectLst/>
-                        </a:rPr>
-                        <a:t>0.69</a:t>
-                      </a:r>
-                      <a:endParaRPr lang="en-US" sz="1100" b="0" i="0" u="none" strike="noStrike">
-                        <a:solidFill>
-                          <a:srgbClr val="333333"/>
-                        </a:solidFill>
-                        <a:effectLst/>
-                        <a:latin typeface="Arial"/>
-                      </a:endParaRPr>
-                    </a:p>
-                  </a:txBody>
-                  <a:tcPr marL="9525" marR="9525" marT="9525" marB="0">
-                    <a:lnR w="12700" cap="flat" cmpd="sng" algn="ctr">
-                      <a:solidFill>
-                        <a:schemeClr val="tx1"/>
-                      </a:solidFill>
-                      <a:prstDash val="solid"/>
-                      <a:round/>
-                      <a:headEnd type="none" w="med" len="med"/>
-                      <a:tailEnd type="none" w="med" len="med"/>
-                    </a:lnR>
-                    <a:solidFill>
-                      <a:schemeClr val="accent1">
-                        <a:lumMod val="20000"/>
-                        <a:lumOff val="80000"/>
-                      </a:schemeClr>
-                    </a:solidFill>
-                  </a:tcPr>
-                </a:tc>
-              </a:tr>
-              <a:tr h="190500">
-                <a:tc>
-                  <a:txBody>
-                    <a:bodyPr/>
-                    <a:lstStyle/>
-                    <a:p>
-                      <a:pPr algn="l" fontAlgn="t"/>
-                      <a:r>
-                        <a:rPr lang="en-US" sz="1100" u="none" strike="noStrike" dirty="0">
-                          <a:effectLst/>
-                        </a:rPr>
-                        <a:t>MaritalStatus - Single</a:t>
-                      </a:r>
-                      <a:endParaRPr lang="en-US" sz="1100" b="0" i="0" u="none" strike="noStrike" dirty="0">
-                        <a:solidFill>
-                          <a:srgbClr val="333333"/>
-                        </a:solidFill>
-                        <a:effectLst/>
-                        <a:latin typeface="Arial"/>
-                      </a:endParaRPr>
-                    </a:p>
-                  </a:txBody>
-                  <a:tcPr marL="85725" marR="9525" marT="9525" marB="0">
-                    <a:lnL w="12700" cap="flat" cmpd="sng" algn="ctr">
-                      <a:solidFill>
-                        <a:schemeClr val="tx1"/>
-                      </a:solidFill>
-                      <a:prstDash val="solid"/>
-                      <a:round/>
-                      <a:headEnd type="none" w="med" len="med"/>
-                      <a:tailEnd type="none" w="med" len="med"/>
-                    </a:lnL>
-                    <a:solidFill>
-                      <a:schemeClr val="accent1">
-                        <a:lumMod val="20000"/>
-                        <a:lumOff val="80000"/>
-                      </a:schemeClr>
-                    </a:solidFill>
-                  </a:tcPr>
-                </a:tc>
-                <a:tc>
-                  <a:txBody>
-                    <a:bodyPr/>
-                    <a:lstStyle/>
-                    <a:p>
-                      <a:pPr algn="ctr" fontAlgn="t"/>
-                      <a:r>
-                        <a:rPr lang="en-US" sz="1100" u="none" strike="noStrike">
-                          <a:effectLst/>
-                        </a:rPr>
-                        <a:t>0.51</a:t>
-                      </a:r>
-                      <a:endParaRPr lang="en-US" sz="1100" b="0" i="0" u="none" strike="noStrike">
-                        <a:solidFill>
-                          <a:srgbClr val="333333"/>
-                        </a:solidFill>
-                        <a:effectLst/>
-                        <a:latin typeface="Arial"/>
-                      </a:endParaRPr>
-                    </a:p>
-                  </a:txBody>
-                  <a:tcPr marL="9525" marR="9525" marT="9525" marB="0">
-                    <a:lnR w="12700" cap="flat" cmpd="sng" algn="ctr">
-                      <a:solidFill>
-                        <a:schemeClr val="tx1"/>
-                      </a:solidFill>
-                      <a:prstDash val="solid"/>
-                      <a:round/>
-                      <a:headEnd type="none" w="med" len="med"/>
-                      <a:tailEnd type="none" w="med" len="med"/>
-                    </a:lnR>
-                    <a:solidFill>
-                      <a:schemeClr val="accent1">
-                        <a:lumMod val="20000"/>
-                        <a:lumOff val="80000"/>
-                      </a:schemeClr>
-                    </a:solidFill>
-                  </a:tcPr>
-                </a:tc>
-              </a:tr>
-              <a:tr h="190500">
-                <a:tc>
-                  <a:txBody>
-                    <a:bodyPr/>
-                    <a:lstStyle/>
-                    <a:p>
-                      <a:pPr algn="l" fontAlgn="t"/>
-                      <a:r>
-                        <a:rPr lang="en-US" sz="1100" u="none" strike="noStrike" dirty="0">
-                          <a:effectLst/>
-                        </a:rPr>
-                        <a:t>NumCompaniesWorked - Less_than_5</a:t>
-                      </a:r>
-                      <a:endParaRPr lang="en-US" sz="1100" b="0" i="0" u="none" strike="noStrike" dirty="0">
-                        <a:solidFill>
-                          <a:srgbClr val="333333"/>
-                        </a:solidFill>
-                        <a:effectLst/>
-                        <a:latin typeface="Arial"/>
-                      </a:endParaRPr>
-                    </a:p>
-                  </a:txBody>
-                  <a:tcPr marL="85725" marR="9525" marT="9525" marB="0">
-                    <a:lnL w="12700" cap="flat" cmpd="sng" algn="ctr">
-                      <a:solidFill>
-                        <a:schemeClr val="tx1"/>
-                      </a:solidFill>
-                      <a:prstDash val="solid"/>
-                      <a:round/>
-                      <a:headEnd type="none" w="med" len="med"/>
-                      <a:tailEnd type="none" w="med" len="med"/>
-                    </a:lnL>
-                    <a:solidFill>
-                      <a:schemeClr val="accent1">
-                        <a:lumMod val="20000"/>
-                        <a:lumOff val="80000"/>
-                      </a:schemeClr>
-                    </a:solidFill>
-                  </a:tcPr>
-                </a:tc>
-                <a:tc>
-                  <a:txBody>
-                    <a:bodyPr/>
-                    <a:lstStyle/>
-                    <a:p>
-                      <a:pPr algn="ctr" fontAlgn="t"/>
-                      <a:r>
-                        <a:rPr lang="en-US" sz="1100" u="none" strike="noStrike">
-                          <a:effectLst/>
-                        </a:rPr>
-                        <a:t>0.72</a:t>
-                      </a:r>
-                      <a:endParaRPr lang="en-US" sz="1100" b="0" i="0" u="none" strike="noStrike">
-                        <a:solidFill>
-                          <a:srgbClr val="333333"/>
-                        </a:solidFill>
-                        <a:effectLst/>
-                        <a:latin typeface="Arial"/>
-                      </a:endParaRPr>
-                    </a:p>
-                  </a:txBody>
-                  <a:tcPr marL="9525" marR="9525" marT="9525" marB="0">
-                    <a:lnR w="12700" cap="flat" cmpd="sng" algn="ctr">
-                      <a:solidFill>
-                        <a:schemeClr val="tx1"/>
-                      </a:solidFill>
-                      <a:prstDash val="solid"/>
-                      <a:round/>
-                      <a:headEnd type="none" w="med" len="med"/>
-                      <a:tailEnd type="none" w="med" len="med"/>
-                    </a:lnR>
-                    <a:solidFill>
-                      <a:schemeClr val="accent1">
-                        <a:lumMod val="20000"/>
-                        <a:lumOff val="80000"/>
-                      </a:schemeClr>
-                    </a:solidFill>
-                  </a:tcPr>
-                </a:tc>
-              </a:tr>
-              <a:tr h="190500">
-                <a:tc>
-                  <a:txBody>
-                    <a:bodyPr/>
-                    <a:lstStyle/>
-                    <a:p>
-                      <a:pPr algn="l" fontAlgn="t"/>
-                      <a:r>
-                        <a:rPr lang="en-US" sz="1100" u="none" strike="noStrike" dirty="0">
-                          <a:effectLst/>
-                        </a:rPr>
-                        <a:t>YearsWithCurrManager - Five_or_Less</a:t>
-                      </a:r>
-                      <a:endParaRPr lang="en-US" sz="1100" b="0" i="0" u="none" strike="noStrike" dirty="0">
-                        <a:solidFill>
-                          <a:srgbClr val="333333"/>
-                        </a:solidFill>
-                        <a:effectLst/>
-                        <a:latin typeface="Arial"/>
-                      </a:endParaRPr>
-                    </a:p>
-                  </a:txBody>
-                  <a:tcPr marL="85725" marR="9525" marT="9525" marB="0">
-                    <a:lnL w="12700" cap="flat" cmpd="sng" algn="ctr">
-                      <a:solidFill>
-                        <a:schemeClr val="tx1"/>
-                      </a:solidFill>
-                      <a:prstDash val="solid"/>
-                      <a:round/>
-                      <a:headEnd type="none" w="med" len="med"/>
-                      <a:tailEnd type="none" w="med" len="med"/>
-                    </a:lnL>
-                    <a:solidFill>
-                      <a:schemeClr val="accent1">
-                        <a:lumMod val="20000"/>
-                        <a:lumOff val="80000"/>
-                      </a:schemeClr>
-                    </a:solidFill>
-                  </a:tcPr>
-                </a:tc>
-                <a:tc>
-                  <a:txBody>
-                    <a:bodyPr/>
-                    <a:lstStyle/>
-                    <a:p>
-                      <a:pPr algn="ctr" fontAlgn="t"/>
-                      <a:r>
-                        <a:rPr lang="en-US" sz="1100" u="none" strike="noStrike">
-                          <a:effectLst/>
-                        </a:rPr>
-                        <a:t>0.74</a:t>
-                      </a:r>
-                      <a:endParaRPr lang="en-US" sz="1100" b="0" i="0" u="none" strike="noStrike">
-                        <a:solidFill>
-                          <a:srgbClr val="333333"/>
-                        </a:solidFill>
-                        <a:effectLst/>
-                        <a:latin typeface="Arial"/>
-                      </a:endParaRPr>
-                    </a:p>
-                  </a:txBody>
-                  <a:tcPr marL="9525" marR="9525" marT="9525" marB="0">
-                    <a:lnR w="12700" cap="flat" cmpd="sng" algn="ctr">
-                      <a:solidFill>
-                        <a:schemeClr val="tx1"/>
-                      </a:solidFill>
-                      <a:prstDash val="solid"/>
-                      <a:round/>
-                      <a:headEnd type="none" w="med" len="med"/>
-                      <a:tailEnd type="none" w="med" len="med"/>
-                    </a:lnR>
-                    <a:solidFill>
-                      <a:schemeClr val="accent1">
-                        <a:lumMod val="20000"/>
-                        <a:lumOff val="80000"/>
-                      </a:schemeClr>
-                    </a:solidFill>
-                  </a:tcPr>
-                </a:tc>
-              </a:tr>
-              <a:tr h="190500">
-                <a:tc>
-                  <a:txBody>
-                    <a:bodyPr/>
-                    <a:lstStyle/>
-                    <a:p>
-                      <a:pPr algn="l" fontAlgn="t"/>
-                      <a:r>
-                        <a:rPr lang="en-US" sz="1100" u="none" strike="noStrike">
-                          <a:effectLst/>
-                        </a:rPr>
-                        <a:t>PercentSalaryHike - Less_than_15%</a:t>
-                      </a:r>
-                      <a:endParaRPr lang="en-US" sz="1100" b="0" i="0" u="none" strike="noStrike">
-                        <a:solidFill>
-                          <a:srgbClr val="333333"/>
-                        </a:solidFill>
-                        <a:effectLst/>
-                        <a:latin typeface="Arial"/>
-                      </a:endParaRPr>
-                    </a:p>
-                  </a:txBody>
-                  <a:tcPr marL="85725" marR="9525" marT="9525" marB="0">
-                    <a:lnL w="12700" cap="flat" cmpd="sng" algn="ctr">
-                      <a:solidFill>
-                        <a:schemeClr val="tx1"/>
-                      </a:solidFill>
-                      <a:prstDash val="solid"/>
-                      <a:round/>
-                      <a:headEnd type="none" w="med" len="med"/>
-                      <a:tailEnd type="none" w="med" len="med"/>
-                    </a:lnL>
-                    <a:solidFill>
-                      <a:schemeClr val="accent1">
-                        <a:lumMod val="20000"/>
-                        <a:lumOff val="80000"/>
-                      </a:schemeClr>
-                    </a:solidFill>
-                  </a:tcPr>
-                </a:tc>
-                <a:tc>
-                  <a:txBody>
-                    <a:bodyPr/>
-                    <a:lstStyle/>
-                    <a:p>
-                      <a:pPr algn="ctr" fontAlgn="t"/>
-                      <a:r>
-                        <a:rPr lang="en-US" sz="1100" u="none" strike="noStrike">
-                          <a:effectLst/>
-                        </a:rPr>
-                        <a:t>0.56</a:t>
-                      </a:r>
-                      <a:endParaRPr lang="en-US" sz="1100" b="0" i="0" u="none" strike="noStrike">
-                        <a:solidFill>
-                          <a:srgbClr val="333333"/>
-                        </a:solidFill>
-                        <a:effectLst/>
-                        <a:latin typeface="Arial"/>
-                      </a:endParaRPr>
-                    </a:p>
-                  </a:txBody>
-                  <a:tcPr marL="9525" marR="9525" marT="9525" marB="0">
-                    <a:lnR w="12700" cap="flat" cmpd="sng" algn="ctr">
-                      <a:solidFill>
-                        <a:schemeClr val="tx1"/>
-                      </a:solidFill>
-                      <a:prstDash val="solid"/>
-                      <a:round/>
-                      <a:headEnd type="none" w="med" len="med"/>
-                      <a:tailEnd type="none" w="med" len="med"/>
-                    </a:lnR>
-                    <a:solidFill>
-                      <a:schemeClr val="accent1">
-                        <a:lumMod val="20000"/>
-                        <a:lumOff val="80000"/>
-                      </a:schemeClr>
-                    </a:solidFill>
-                  </a:tcPr>
-                </a:tc>
-              </a:tr>
-              <a:tr h="200025">
-                <a:tc>
-                  <a:txBody>
-                    <a:bodyPr/>
-                    <a:lstStyle/>
-                    <a:p>
-                      <a:pPr algn="l" fontAlgn="t"/>
-                      <a:r>
-                        <a:rPr lang="en-US" sz="1100" u="none" strike="noStrike" dirty="0">
-                          <a:effectLst/>
-                        </a:rPr>
-                        <a:t>YearsInCurrentRole - Five_or_Less</a:t>
-                      </a:r>
-                      <a:endParaRPr lang="en-US" sz="1100" b="0" i="0" u="none" strike="noStrike" dirty="0">
-                        <a:solidFill>
-                          <a:srgbClr val="333333"/>
-                        </a:solidFill>
-                        <a:effectLst/>
-                        <a:latin typeface="Arial"/>
-                      </a:endParaRPr>
-                    </a:p>
-                  </a:txBody>
-                  <a:tcPr marL="85725" marR="9525" marT="9525" marB="0">
-                    <a:lnL w="12700" cap="flat" cmpd="sng" algn="ctr">
-                      <a:solidFill>
-                        <a:schemeClr val="tx1"/>
-                      </a:solidFill>
-                      <a:prstDash val="solid"/>
-                      <a:round/>
-                      <a:headEnd type="none" w="med" len="med"/>
-                      <a:tailEnd type="none" w="med" len="med"/>
-                    </a:lnL>
-                    <a:lnB w="12700" cap="flat" cmpd="sng" algn="ctr">
-                      <a:solidFill>
-                        <a:schemeClr val="tx1"/>
-                      </a:solidFill>
-                      <a:prstDash val="solid"/>
-                      <a:round/>
-                      <a:headEnd type="none" w="med" len="med"/>
-                      <a:tailEnd type="none" w="med" len="med"/>
-                    </a:lnB>
-                    <a:solidFill>
-                      <a:schemeClr val="accent1">
-                        <a:lumMod val="20000"/>
-                        <a:lumOff val="80000"/>
-                      </a:schemeClr>
-                    </a:solidFill>
-                  </a:tcPr>
-                </a:tc>
-                <a:tc>
-                  <a:txBody>
-                    <a:bodyPr/>
-                    <a:lstStyle/>
-                    <a:p>
-                      <a:pPr algn="ctr" fontAlgn="t"/>
-                      <a:r>
-                        <a:rPr lang="en-US" sz="1100" u="none" strike="noStrike" dirty="0">
-                          <a:effectLst/>
-                        </a:rPr>
-                        <a:t>0.77</a:t>
-                      </a:r>
-                      <a:endParaRPr lang="en-US" sz="1100" b="0" i="0" u="none" strike="noStrike" dirty="0">
-                        <a:solidFill>
-                          <a:srgbClr val="333333"/>
-                        </a:solidFill>
-                        <a:effectLst/>
-                        <a:latin typeface="Arial"/>
-                      </a:endParaRPr>
-                    </a:p>
-                  </a:txBody>
-                  <a:tcPr marL="9525" marR="9525" marT="9525" marB="0">
-                    <a:lnR w="12700" cap="flat" cmpd="sng" algn="ctr">
-                      <a:solidFill>
-                        <a:schemeClr val="tx1"/>
-                      </a:solidFill>
-                      <a:prstDash val="solid"/>
-                      <a:round/>
-                      <a:headEnd type="none" w="med" len="med"/>
-                      <a:tailEnd type="none" w="med" len="med"/>
-                    </a:lnR>
-                    <a:lnB w="12700" cap="flat" cmpd="sng" algn="ctr">
-                      <a:solidFill>
-                        <a:schemeClr val="tx1"/>
-                      </a:solidFill>
-                      <a:prstDash val="solid"/>
-                      <a:round/>
-                      <a:headEnd type="none" w="med" len="med"/>
-                      <a:tailEnd type="none" w="med" len="med"/>
-                    </a:lnB>
-                    <a:solidFill>
-                      <a:schemeClr val="accent1">
-                        <a:lumMod val="20000"/>
-                        <a:lumOff val="80000"/>
-                      </a:schemeClr>
-                    </a:solidFill>
-                  </a:tcPr>
-                </a:tc>
-              </a:tr>
-            </a:tbl>
-          </a:graphicData>
-        </a:graphic>
-      </p:graphicFrame>
-    </p:spTree>
-    <p:extLst>
-      <p:ext uri="{BB962C8B-B14F-4D97-AF65-F5344CB8AC3E}">
-        <p14:creationId xmlns:p14="http://schemas.microsoft.com/office/powerpoint/2010/main" val="3363377559"/>
-      </p:ext>
-    </p:extLst>
-  </p:cSld>
-  <p:clrMapOvr>
-    <a:masterClrMapping/>
-  </p:clrMapOvr>
-</p:sld>
-</file>
-
-<file path=ppt/slides/slide5.xml><?xml version="1.0" encoding="utf-8"?>
-<p:sld xmlns:a="http://schemas.openxmlformats.org/drawingml/2006/main" xmlns:r="http://schemas.openxmlformats.org/officeDocument/2006/relationships" xmlns:p="http://schemas.openxmlformats.org/presentationml/2006/main">
-  <p:cSld>
-    <p:spTree>
-      <p:nvGrpSpPr>
-        <p:cNvPr id="1" name=""/>
-        <p:cNvGrpSpPr/>
-        <p:nvPr/>
-      </p:nvGrpSpPr>
-      <p:grpSpPr>
-        <a:xfrm>
-          <a:off x="0" y="0"/>
-          <a:ext cx="0" cy="0"/>
-          <a:chOff x="0" y="0"/>
-          <a:chExt cx="0" cy="0"/>
-        </a:xfrm>
-      </p:grpSpPr>
-      <p:pic>
-        <p:nvPicPr>
-          <p:cNvPr id="6" name="Picture 5"/>
-          <p:cNvPicPr/>
-          <p:nvPr/>
-        </p:nvPicPr>
-        <p:blipFill rotWithShape="1">
-          <a:blip r:embed="rId2"/>
-          <a:srcRect l="22217" t="40270" r="37620" b="15389"/>
-          <a:stretch/>
-        </p:blipFill>
-        <p:spPr bwMode="auto">
-          <a:xfrm>
-            <a:off x="914400" y="1295400"/>
-            <a:ext cx="7848600" cy="3657600"/>
-          </a:xfrm>
-          <a:prstGeom prst="rect">
-            <a:avLst/>
-          </a:prstGeom>
-          <a:ln>
-            <a:noFill/>
-          </a:ln>
-          <a:extLst>
-            <a:ext uri="{53640926-AAD7-44D8-BBD7-CCE9431645EC}">
-              <a14:shadowObscured xmlns:a14="http://schemas.microsoft.com/office/drawing/2010/main"/>
-            </a:ext>
-          </a:extLst>
-        </p:spPr>
-      </p:pic>
-      <p:sp>
-        <p:nvSpPr>
-          <p:cNvPr id="2" name="Content Placeholder 1"/>
-          <p:cNvSpPr>
-            <a:spLocks noGrp="1"/>
-          </p:cNvSpPr>
-          <p:nvPr>
-            <p:ph idx="1"/>
-          </p:nvPr>
-        </p:nvSpPr>
-        <p:spPr>
-          <a:xfrm>
-            <a:off x="5588977" y="5181600"/>
-            <a:ext cx="3581400" cy="1752600"/>
-          </a:xfrm>
-        </p:spPr>
-        <p:txBody>
-          <a:bodyPr>
-            <a:normAutofit/>
-          </a:bodyPr>
-          <a:lstStyle/>
-          <a:p>
-            <a:pPr marL="914400" lvl="3" indent="-800100" algn="ctr">
-              <a:buNone/>
-            </a:pPr>
-            <a:r>
-              <a:rPr lang="en-US" sz="2400" u="sng" dirty="0" smtClean="0"/>
-              <a:t>Models Statistics</a:t>
-            </a:r>
-            <a:endParaRPr lang="en-US" sz="2400" u="sng" dirty="0" smtClean="0"/>
-          </a:p>
-          <a:p>
-            <a:pPr marL="109728" indent="0">
-              <a:buNone/>
-            </a:pPr>
-            <a:r>
-              <a:rPr lang="en-US" sz="2400" dirty="0" smtClean="0"/>
-              <a:t>    Accuracy: 74%</a:t>
-            </a:r>
-          </a:p>
-          <a:p>
-            <a:pPr marL="109728" indent="0">
-              <a:buNone/>
-            </a:pPr>
-            <a:r>
-              <a:rPr lang="en-US" sz="2400" dirty="0" smtClean="0"/>
-              <a:t>    Recall: 53%</a:t>
-            </a:r>
-          </a:p>
-          <a:p>
-            <a:pPr marL="109728" indent="0">
-              <a:buNone/>
-            </a:pPr>
-            <a:r>
-              <a:rPr lang="en-US" sz="2400" dirty="0" smtClean="0"/>
-              <a:t>    Precision: 70%</a:t>
-            </a:r>
-            <a:endParaRPr lang="en-US" sz="2400" dirty="0"/>
-          </a:p>
-        </p:txBody>
-      </p:sp>
-      <p:sp>
-        <p:nvSpPr>
-          <p:cNvPr id="3" name="Title 2"/>
-          <p:cNvSpPr>
-            <a:spLocks noGrp="1"/>
-          </p:cNvSpPr>
-          <p:nvPr>
-            <p:ph type="title"/>
-          </p:nvPr>
-        </p:nvSpPr>
-        <p:spPr/>
-        <p:txBody>
-          <a:bodyPr>
-            <a:normAutofit fontScale="90000"/>
-          </a:bodyPr>
-          <a:lstStyle/>
-          <a:p>
-            <a:r>
-              <a:rPr lang="en-US" dirty="0" smtClean="0"/>
-              <a:t>Naïve-Bayes: </a:t>
-            </a:r>
-            <a:r>
-              <a:rPr lang="en-US" sz="3900" dirty="0" smtClean="0"/>
-              <a:t>Prediction &amp; Validation</a:t>
-            </a:r>
-            <a:endParaRPr lang="en-US" sz="3900" dirty="0"/>
-          </a:p>
-        </p:txBody>
-      </p:sp>
-    </p:spTree>
-    <p:extLst>
-      <p:ext uri="{BB962C8B-B14F-4D97-AF65-F5344CB8AC3E}">
-        <p14:creationId xmlns:p14="http://schemas.microsoft.com/office/powerpoint/2010/main" val="13562319"/>
-      </p:ext>
-    </p:extLst>
-  </p:cSld>
-  <p:clrMapOvr>
-    <a:masterClrMapping/>
-  </p:clrMapOvr>
-</p:sld>
-</file>
-
-<file path=ppt/slides/slide6.xml><?xml version="1.0" encoding="utf-8"?>
-<p:sld xmlns:a="http://schemas.openxmlformats.org/drawingml/2006/main" xmlns:r="http://schemas.openxmlformats.org/officeDocument/2006/relationships" xmlns:p="http://schemas.openxmlformats.org/presentationml/2006/main">
-  <p:cSld>
-    <p:spTree>
-      <p:nvGrpSpPr>
-        <p:cNvPr id="1" name=""/>
-        <p:cNvGrpSpPr/>
-        <p:nvPr/>
-      </p:nvGrpSpPr>
-      <p:grpSpPr>
-        <a:xfrm>
-          <a:off x="0" y="0"/>
-          <a:ext cx="0" cy="0"/>
-          <a:chOff x="0" y="0"/>
-          <a:chExt cx="0" cy="0"/>
-        </a:xfrm>
-      </p:grpSpPr>
-      <p:pic>
-        <p:nvPicPr>
-          <p:cNvPr id="6" name="Picture 5"/>
-          <p:cNvPicPr/>
-          <p:nvPr/>
-        </p:nvPicPr>
-        <p:blipFill rotWithShape="1">
-          <a:blip r:embed="rId2"/>
-          <a:srcRect l="22217" t="18850" r="39494" b="40237"/>
-          <a:stretch/>
-        </p:blipFill>
-        <p:spPr bwMode="auto">
-          <a:xfrm>
-            <a:off x="4648200" y="4343400"/>
-            <a:ext cx="4267200" cy="2362200"/>
-          </a:xfrm>
-          <a:prstGeom prst="rect">
-            <a:avLst/>
-          </a:prstGeom>
-          <a:ln>
-            <a:noFill/>
-          </a:ln>
-          <a:extLst>
-            <a:ext uri="{53640926-AAD7-44D8-BBD7-CCE9431645EC}">
-              <a14:shadowObscured xmlns:a14="http://schemas.microsoft.com/office/drawing/2010/main"/>
-            </a:ext>
-          </a:extLst>
-        </p:spPr>
-      </p:pic>
-      <p:sp>
-        <p:nvSpPr>
-          <p:cNvPr id="2" name="Content Placeholder 1"/>
-          <p:cNvSpPr>
-            <a:spLocks noGrp="1"/>
-          </p:cNvSpPr>
-          <p:nvPr>
-            <p:ph idx="1"/>
-          </p:nvPr>
-        </p:nvSpPr>
-        <p:spPr>
-          <a:xfrm>
-            <a:off x="457199" y="1481328"/>
-            <a:ext cx="8422005" cy="4525963"/>
-          </a:xfrm>
-        </p:spPr>
-        <p:txBody>
-          <a:bodyPr/>
-          <a:lstStyle/>
-          <a:p>
-            <a:r>
-              <a:rPr lang="en-US" sz="2000" dirty="0" smtClean="0"/>
-              <a:t>Men have </a:t>
-            </a:r>
-            <a:r>
-              <a:rPr lang="en-US" sz="2000" dirty="0"/>
-              <a:t>a higher attrition rate than women (63% </a:t>
-            </a:r>
-            <a:r>
-              <a:rPr lang="en-US" sz="2000" dirty="0" smtClean="0"/>
-              <a:t>vs. </a:t>
-            </a:r>
-            <a:r>
-              <a:rPr lang="en-US" sz="2000" dirty="0"/>
-              <a:t>37</a:t>
-            </a:r>
-            <a:r>
-              <a:rPr lang="en-US" sz="2000" dirty="0" smtClean="0"/>
-              <a:t>%)</a:t>
-            </a:r>
-          </a:p>
-          <a:p>
-            <a:endParaRPr lang="en-US" sz="800" dirty="0"/>
-          </a:p>
-          <a:p>
-            <a:r>
-              <a:rPr lang="en-US" sz="2000" dirty="0"/>
-              <a:t>Singles have a higher attrition rate at 51% than married (35%) or divorced individuals (14</a:t>
-            </a:r>
-            <a:r>
-              <a:rPr lang="en-US" sz="2000" dirty="0" smtClean="0"/>
-              <a:t>%)</a:t>
-            </a:r>
-          </a:p>
-          <a:p>
-            <a:endParaRPr lang="en-US" sz="800" dirty="0"/>
-          </a:p>
-          <a:p>
-            <a:r>
-              <a:rPr lang="en-US" sz="2000" dirty="0" smtClean="0"/>
-              <a:t>Employees with no stock options have a higher attrition rate 65% than those with.</a:t>
-            </a:r>
-          </a:p>
-          <a:p>
-            <a:endParaRPr lang="en-US" sz="800" dirty="0" smtClean="0"/>
-          </a:p>
-          <a:p>
-            <a:r>
-              <a:rPr lang="en-US" sz="2000" dirty="0" smtClean="0"/>
-              <a:t>Those with less then 10 years of work experience have greater attrition rates than those with more. </a:t>
-            </a:r>
-            <a:endParaRPr lang="en-US" sz="2000" dirty="0"/>
-          </a:p>
-        </p:txBody>
-      </p:sp>
-      <p:sp>
-        <p:nvSpPr>
-          <p:cNvPr id="3" name="Title 2"/>
-          <p:cNvSpPr>
-            <a:spLocks noGrp="1"/>
-          </p:cNvSpPr>
-          <p:nvPr>
-            <p:ph type="title"/>
-          </p:nvPr>
-        </p:nvSpPr>
-        <p:spPr/>
-        <p:txBody>
-          <a:bodyPr/>
-          <a:lstStyle/>
-          <a:p>
-            <a:r>
-              <a:rPr lang="en-US" dirty="0" smtClean="0"/>
-              <a:t>Other Findings</a:t>
-            </a:r>
-            <a:endParaRPr lang="en-US" dirty="0"/>
-          </a:p>
-        </p:txBody>
-      </p:sp>
-      <p:sp>
-        <p:nvSpPr>
-          <p:cNvPr id="5" name="AutoShape 2" descr="data:image/png;base64,iVBORw0KGgoAAAANSUhEUgAABUAAAAPACAMAAADDuCPrAAAAh1BMVEUAAAAAADoAAGYAOjoAOmYAOpAAZpAAZrY6AAA6OgA6Ojo6ZmY6ZrY6kNtmAABmAGZmOgBmOpBmZgBmZjpmZmZmkJBmtv+QOgCQkDqQtpCQ27aQ29uQ2/+2ZgC2Zjq2tma2/7a2/9u2///bkDrbtmbb/9vb////AAD/tmb/25D//7b//9v///9qwZE2AAAACXBIWXMAAB2HAAAdhwGP5fFlAAAgAElEQVR4nO3dfWPaWJvYYWbaqbPbdfqy26TbDt32oc+UJP7+n6/ADUdHQuLlBFs3ynX9MYONsUHo/KJ3Vm8ANFnN/QQAnpWAAjQSUIBGAgrQSEABGgkoQCMBBWgkoACNBBSgkYACNBJQgEYCCtBIQAEaCShAIwEFaCSgAI0EFKCRgAI0ElCARgIK0EhAARoJKEAjAQVoJKAAjQQUoJGAAjQSUIBGAgrQSEABGgkoQCMBBWgkoACNBBSgkYACNBJQgEYCCtBIQAEaCShAIwEFaCSgAI0EFKCRgAI0ElCARgIK0EhAARoJKEAjAQVoJKAAjQQUoJGAAjQSUIBGAgrQSEABGgkoQCMBBWgkoACNBBSgkYACNBJQgEYCCtBIQAEaCShAIwEFaCSgAI0EFKCRgC7Sj6+rnZfTl+v9V6vf/3b8crP/6o+/bvxdoz/9/fPum7/9+bPPsHuK5Vm+TD5kXvHsVqsvwzu2r1NfdIaT6/RjPz0ZmZmALtOmLuYxVmWgru8K1fsE9O3bp9UgKv3KJ3N4wSNTYvcyXse/OHt0ea3djwnosxPQZdrWdYpWrXqj9nxJaso7BTR+b/eLj5W/+Wl9sO2xn/0XfXjSr2Nf9NWTq/4xAX12ArpMvUhujmP/uNB56Onto/a9Ajoo5nZs+S6N45NdDRK5rr+xHt7bqSdX/WMC+uwEdJl6G0FPm++Oq8fb+1aV79tieodYMD4+kSh+2pbEPzr/MJwUtwa0duOP8RQEdKGq7JXNd/Ui0O37at4toMewv3Z/JW9XYiL832HkBfRXJ6ALVS1mnjaBHodtLJzePoLfL6BR9sOTjJtZV+BP0yyeZTXpBPRXJ6ALVW3oPBTwX8pi52C723HrXrVKv4kRfvxfHdB12U5Z/ZLt8edGGhjpfj3eOF/oje2eL6ffXC/bHReb+6E5bcx97X2je6pv3b8WI5so1r3nV28lvvCg/tTs/YqyX2n/e3pfnD2xMrkGPzbcBnr+ZlyYuiQgoAtVLWfuR/1v/+PzaWAeYnAaot3SaTeOY9SvT6O8C2i13/wsoGU7QVe3atPBREBLN0tphw+tH7VZdV5Hn2r9cs5r2N951i2iX3xQ9Xd2L7x3cMP1gJYndltAx96MyalLCgK6VGVL52Hw/fHX+jQsN1WW6ib1q/SPJSgloPWBmsOA/sdPZ7+miuBv/zoR0EjGH3//2o9XnbSy1DX2XAdPtfe4sxj2t12UNenLD+o/Ml7T8YVcDWj3xG4K6OibMTV1yUFAl2p7is82xnxZza22wW1Xq5FBO1jSOwX0fKd5FdDzBlUH/hyN7beKv/Uvp6C8db98+Lh+545/pP9Uh39y+AfLJKlfwLUHlb99eLXrahpcDWg3DW8J6PibMTF1SUJAl6oM+k0M1tNadATjEKtqO2OM02qb6ap84xjQ/nFG5wHdf3GM3Jfu2/vhfurhWJqqfHV3r8tv6W516aqfSP+pdmvl8WuHB0XVmz37y9UXHtT74eOrKqmf3Ik0mIY3HAc68WZMTF2SENClOtXikIXTWuRpNTcWY+o9N9XK6aYftKjH3/t1OQtoLNh1fflRrZWPnPdelAXLbsmqrk3Z3lB9Mx7y5fypbrq+7P/keQq7A7i6f0auPqi37t9bh78e0NMP3hDQiTdjfOqShYAu1nGgHjeBHvcl/Vmtx/YPyun2jwzOsTx8+e//c3/wngX0S/ftasvi8efji/FDT0/Lal0XttUPn7L/dsjYS/VHqoD2t5JeOMK1+8eju3X1Qf3zYut1+KsB7e/yvxjQqTdjfOqShYAu1nG983QczPkhP/0zkrrFrE0/aNXaaJeZYUDr87y71dD+1UzGI3Vcda0O0KkLc3jkYKnwLKD9s0EvRGaw3Ply04P6xz/1lwKvBHTs35uJgE69GeNTlywEdLGOC1llFTU2glabQAdHyJf12001Zt/ONueFYUCPQ38w8Msvv3Ty07b/m0f2PvXXWtfV9/pPtffI0Z0tp25WXb7+oN6CX38d/nJARyfXRECn3ozxqUsWArpYMTj/59dVvY/k9//drRPXxzPVX276Kal3KL/0f/lZQLs69IMw+FM9veNS30YD+lr/mjqqg6fa31M/sjnztEWgzvvVB/UL31uHvxzQ8c26FwI68maMT12yENDFihD9t08lFYeNoP/afX0xoN3CUO/wxNOy4DCgpx9/x4AODugZW4gePHYkhsfn1yvRtQetV+deBy93+MXgif1kQM+mLlkI6HJtBsP9MBb/sfv64ir8WUBfeqcx3hnQS6vw4wE9y8QpY6cDqkYD+tbv7PmZj7GDqto1df1Bg6NSez/04IBOrcILaFoCulzDawB366pfuvsH+y3KDpZhQHvduiGgN+9EOgvoeCaq9ejLAS2/YTW2STO2Y/zb2NOZetDZoezVJH1cQKfeDAHNTUCXqyw69fZBdCP54mFMg4Duv6y3610N6M2HMZ0HdLSKVTsuBPTbp96J6iPr8N05ll9ufNDYGvzpqTwuoBcPYxLQtAR0uUowe/uMh+Nx4kD6kYDWY/xqQG89kH4koPWVRbYj1+CrDhHqPdXeDvKz3/pW/1D3qKsPGhw6378u0uMCevFAegFNS0AX7BTM3nJNVYPjOv3oqZwjAa0XQa8G9MZTOd/GqtV9PGc5D6f6/I+zw5j6u6rqkwTGrv42nCjXHnR++k+Vut524fqLawEdnpE/+WYIaG4CumDVedQHp5KNHSNf3TEZ0GpT5vWA3nYxkbexgA6uG9JtmK29nj/Vs909Y2c9Tk2UiQfVS9K939D9/dNX9RcXAlr/2Oj3e89DQHMT0AU7hmiwa6LeyDd9ObuxgFab5q4HtC7T7/91/9+bAzrYb/M6+G2rf/dpNb61YVDe0dScbU+4/KCRzbfVgmp57OvgiwsBrX/sxsvZCWhaArpgZ60YnKH9duGCyqMBjV84dkX6sSFe7cS65zCm3kNXgx1Rh290RyFdPA504qobm+GdFx909tOnF1ldI+r02qovLgS0/rEbL6gsoGkJ6JJVI/1gOwjq3sRHeowGtNsgeEtAq0vq3RvQktB6l3i36jxxtGn1mkevqjT99yYfNLIG35+MEb3ewmV1DcDeqxmEcniZu+7PnX2kh4CmJaB8ACOfZRJQ3sVuWapashJQlklAeRe9y7sP11RhIQSU93F2fKUP82F5BJT3MTyY0xo8CySgvJPBgeFjZwXBkxNQ3kvvcPiLHzoET0pAeT+9E3VgeQQUoJGAAjQSUIBGAgrQSEABGgkoQCMBBWgkoACNBBSgkYACNBJQgEYCCtBIQAEaCShAIwEFaCSgAI0EFKCRgAI0ElCARgIK0EhAARoJKEAjAQVoJKAAjQQUoJGAAjQSUIBGAgrQSEABGgkoQCMBBWgkoACNBBSgkYACNBJQgEYCCtBIQAEaCShAIwEFaCSgAI0EFKCRgAI0ElCARgIK0EhAARoJKEAjAQVoJKAAjQQUoJGAAjQSUIBGAgrQSEABGgkoQCMBBWi0lICulm3uyQuMWcbQnLtv727uCQyMWcbQXK3+35IJKOS0jKEpoMAMljE0BRSYwTKGpoACM1jG0BRQYAbLGJoCCsxgGUNTQIEZLGNoCigwg2UMTQEFZrCMoSmgwAyWMTQFFJjBMoamgAIzWMbQFFBgBssYmgIKzGAZQ1NAgRksY2gKKDCDZQxNAQVmsIyhKaDADJYxNAUUmMEyhqaAAjNYxtAUUGAGyxiaAgrMYBlDU0CBGSxjaAooMINlDE0BBWawjKEpoMAMljE0BRSYwTKGpoACM1jG0BRQYAbLGJoCCsxgGUNTQIEZLGNoCigwg2UMTQEFZrCMoSmgwAyWMTQFFJjBMoamgAIzWMbQFFBgBssYmgIKzGAZQ1NAgRksY2gKKDCDZQxNAQVmsIyhKaDADJYxNAUUmMEyhqaAAjNYxtAUUGAGyxiaAgrMYBlDU0CBGSxjaAooMINlDE0BBWawjKEpoMAMHj00v39e7byO3rfd37X68uC/uCegwAwePDTXq/Dbn2d3fft0vO/3vz32b74JKDCLxw7NzWo1VcnSz9Xqj78e+kffBBSYxUOH5j6S+zru19Vf+nftV+0P4dxMruH/BAEFZvDQobk+dXNX0sFK/KYseG7fYRFUQIEZPHJo7pYyT2vum8Fi5o+vpajVzYcRUGAGjxyau+XOl+5mbzGzuus9CCgwg0cOzWqxc7eY2duNtH2HDZ8VAQVm8OCAng7yHK6nH+7afdNxoC0EFHJ65NBcV3Vc9wO6/3Jz5TjQ1blb/7KAAjN4bEC7aJ4H9J+njxE9PpX2ggooMIP3C2i9rh4r74fdSiPHiE4/OQE9EFDI6WOWQA8BPe5FOj9GdPrJCeiBgEJOH7YK3x3WtL55R5KABgGFnD5oL/y6Oozp9kOaBDQIKOT0yKG5nT4OdCOgP0FAIacPOhNpW+05EtB7CSjk9EHnwu+CWpZIbQO9l4BCTh91NaZyV6+l156cgB4IKOT0UdcDPd11uO/W0+IFNAgo5PTOV6TfrdUfF0W7u26/HKiABgGFnN75M5G6gB4/Uu6uT/QQ0CCgkNM7fypnFdBjXe/5SDkBDQIKOaUemgIaBBRySj00BTQIKOSUemgKaBBQyCn10BTQIKCQU+qhKaBBQCGn1ENTQIOAQk6ph6aABgGFnFIPTQENAgo5pR6aAhoEFHJKPTQFNAgo5JR6aApoEFDIKfXQFNAgoJBT6qEpoEFAIafUQ1NAg4BCTqmHpoAGAYWcUg9NAQ0CCjmlHpoCGgQUcko9NAU0CCjklHpoCmgQUMgp9dAU0CCgkFPqoSmgQUAhp9RDU0CDgEJOqYemgAYBhZxSD00BDQIKOaUemgIaBBRySj00BTQIKOSUemgKaBBQyCn10BTQIKCQU+qhKaBBQCGn1ENTQIOAQk6ph6aABgGFnFIPTQENAgo5pR6aAhoEFHJKPTQFNAgo5JR6aApoEFDIKfXQFNAgoJBT6qEpoEFAIafUQ1NAg4BCTqmHpoAGAYWcUg9NAQ0CCjmlHpoCGgQUcko9NAU0CCjklHpoCmgQUMgp9dAU0CCgkFPqoSmgQUAhp9RDU0CDgEJOqYemgAYBhZxSD00BDQIKOaUemgIaBBRySj00BTQIKOSUemgKaBBQyCn10BTQIKCQU+qhKaBBQCGn1ENTQIOAQk6ph6aABgGFnFIPTQENAgo5pR6aAhoEFHJKPTQFNAgo5JR6aApoEFDIKfXQFNAgoJBT6qEpoEFAIafUQ1NAg4BCTqmHpoAGAYWcUg9NAQ0CCjmlHpoCGgQUcko9NAU0CCjklHpoCmgQUMjp0UPz++fVzuv5HT++roovN/4yAQ0CCjk9eGiuj4n87c/hPVFWAW0hoJDTY4fmpjTy978N7tquBLSVgEJODx2a3z6tVn/8FbF8Gdy3ub2bhYAGAYWcHjo016du7ko6XIlfny+UXiWgQUAhp0cOze+fSyQ3wx1JP74elk3vI6BBQCGnRw7N3XLnS3ez38tdXIcr9dcJaBBQyOmRQ7Na7NwtcPbX2Ler1ZfDjvjz/fMXnpyAHggo5PTggJ72E+0C2i/lZvXbPxz3wd++Ki+gQUAhp0cOzXW1o309COi6OoppoqCrETf+ZQEFZvDYgHbRHAR0fx5SfGM7fqLSm4BOE1DI6f0C2jvs8/vnct+3Tzcf0CSgQUAhpw9aAu3/2K2H1AtoEFDIaYaAnh0jOklAg4BCTh+1F76yFdA7CSjk9Mihub1wHOj4j10hoEFAIaePOhOpcvtlRQQ0CCjk9EHnwvdPUrr1bCQBDQIKOX3Q1ZiqY5e255e6m3xyAnogoJDTB10PdH8gfRR0c8fp8AIaBBRyeucr0pcD6PdtPblxF5KAnggo5PTOn4nUnYHUFfT2C9MLaBBQyOmdP5WzOoXz+KlI91wVVECDgEJOqYemgAYBhZxSD00BDQIKOZ0Pze//5e7PLnovAhoEFHIaCejn+zZUviMBDQIKOY0H9J5jjd6RgAYBhZzGhubm7uON3omABgGFnCaG5rp3OPxcBDQIKOQ0OTT3J1/e9xmajyegQUAhp0tD87g1dL5dSgIaBBRyujI0j8uhN1/+47EENAgo5HRxaHbXBplnKVRAg4BCTtNDc1P2Ix0WQ+c4rElAg4BCThNDc3AkU3Wt+Y8koEFAIadLx4FWC51rAZ2RgEJOk2ci9Q5f2q3Ez3E4k4AGAYWcxgM60173IQENAgo5jQV09lM4TwQ0CCjklHpoCmgQUMhpbAm0twK/nvFkTgENAgo53RDQ+a4oIqBBQCGnawGd6QjQIKBBQCGn3tCsTt2sWIWfm4BCTr2hebr8Ut9816YX0CCgkFN/aG5T9VNAjwQUcrq6E2lOAhoEFHIS0CcgoJBT6qEpoEFAIafUQ1NAg4BCTvXQ3O+E/3K+K95xoHMTUMhJQJ+AgEJOAvoEBBRySj00BTQIKOSUemgKaBBQyCn10BTQIKCQU+qhKaBBQCGn4U6kEXYizU1AIScBfQICCjkJ6BMQUMgp9dAU0CCgkFPqoSmgQUAhp9RDU0CDgEJOqYemgAYBhZycC/8EBBRyEtAnIKCQk4A+AQGFnFIPTQENAgo5pR6aAhoEFHJKPTQFNAgo5JR6aApoEFDIaWJofvs08/6jAwENAgo5jQ7NbbcL/rc/P/oZVQQ0CCjkNDY0N72jmL58+HMqBDQIKOQ0MjT3q+/Hdffq5hwENAgo5DQyNNf1UuduafTlA59On4AGAYWczofmj6+9ZK5Xf/z1cU+nT0CDgEJO50Pz++feZs+tUzlnJ6CQk4A+AQGFnEa3gb5MfvWxBDQIKOQ0vhf+tXyxnfNIUAENAgo5jQ3NbTl+frc6P+eR9AIaBBRy8rHGT0BAIScBfQICCjkJ6BMQUMgp9dAU0CCgkFPqoSmgQUAhp9RDU0CDgEJO14fm9/9kG+jMBBRyunZB5Xt3IsWOqNfJ+799uuMCowIaBBRyGhua6/a98KeHTh1+Hx89f/OTE9ADAYWcJi6o3HhJ+s216q7v+n0CGgQUchq/oPLLvoUvb4OLK1+1T+/+6qH7TQCjlyDZ3hdkAQ0CCjmNXlA5InhYiNzcswa/PnVzV9KxlfjYQCqg9xJQyGn0eqD7fUDfPh0SuMvpzcHbPfJU283YjqTd7/r9vwvo/QQUcpq8oPLpusqb268HulvufOlunn8SyK6qXzYCej8BhZwmA7pbXDwsQ377dPNnIlWLnfuFzeGq/+E6owLaQEAhp+mP9Dheiv7bp5s3glZx3AV0uBE0tq0KaAMBhZxGdyIdliM3sRJ+x2ci1bvs12cBje9cCOjYlaBu/MsCCsxgZGged7wfP8xjc/vHGtfRPAvoNtbvBbSBgEJO4wfS7+MX+4G2E0d0jukHtB/K758jxFbhGwgo5DR1Kudrd1rmzcG7tAS6Pm4JENAGAgo5jQ3NH18PlTteoP72TzW+ENDSTQFtIKCQ0/jQ3Eb91hcvrHRmei98d4SogDYQUMjpkUNzO3kc6Gawb+jGKgtoEFDI6ZFDc/pMJAH9KQIKOT1yaE6fCy+gP0VAIaeJoXm8Juidn2h87WpMb7aBNhFQyOnaR3pMXVp+1NXrgQpoEwGFnMaGZn+F+44LKp9fkX63Vt9PsIA2EFDIaeIjPY79q27eZviZSAL6CAIKOY1/pEfXuM09R9K/nX0qp4A+goBCTqNXY6qTub79YiIPJ6BBQCGn6euBHt1xObuHE9AgoJCTgD4BAYWcRreBvkx+9bEENAgo5DS+F747U2h735GgjyWgQUAhp7GhuS2HIZ3tRP9YAhoEFHKqh+bxAqBDtoHOTUAhJwF9AgIKOQnoExBQyCn10BTQIKCQU+qhKaBBQCGn1ENTQIOAQk4TQ/O4OXS+zZ8HAhoEFHIaHZrV3qRZEyqgQUAhp7Gh2dsb70D6+Qko5DQyNH98Ldeh3382x3xXsxPQIwGFnEaG5raK5j6m93ymx2MJaBBQyGn0akzVhs/d6ryrMc1NQCGn0SvS9z/S3RXp5yagkJMLKj8BAYWcBPQJCCjkZBX+CQgo5GQn0hMQUMjJYUxPQEAhJwfSPwEBhZyunso558nwAhoEFHJyMZEnIKCQk8vZPQEBhZxSD00BDQIKOY0dxjTzcmdHQIOAQk6jB9LPuOO9R0CDgEJOo6dyznfofJ+ABgGFnCyBPgEBhZzGz0Sa7+SjHgENAgo5jQ3Nb5+SLIMKaBBQyGl0G2ify9nNTUAhJwF9AgIKOQnoExBQyCn10BTQIKCQU+qhKaBBQCGn1ENTQIOAQk7Dofnt036z5+voz344AQ0CCjn1h+bhYvR7v/050/PpEdAgoJBTf2iuy673FAUV0CCgkFNvaO4/Aml/IZH9kUwZzkUS0CCgkFNvaK5PZ8HvVuUzLIIKaBBQyKkemtV1mDYpLigioEFAIad6aFZXAv32KcOeeAENAgo5TQQ0x1WVBTQIKOQkoE9AQCEnAX0CAgo5CegTEFDISUCfgIBCTgL6BAQUchLQJyCgkNMgoGNckX5uAgo5CegTEFDISUCfgIBCTqmHpoAGAYWcUg9NAQ0CCjmlHpoCGgQUcko9NAU0CCjklHpoCmgQUMgp9dAU0CCgkFPqoSmgQUAhp9RDU0CDgEJOqYemgAYBhZwePTTjbKbRz1P69mnyrgkCGgQUcnrw0FwfT/88/1DkH19Pp4be/nGfAhoEFHJ67NDcTJ5A3/XzjoIKaBBQyOmhQ3O/kr7/ZPntrpKDy4lujmvv+1X804fPX39yAnogoJDTQ4fm+tTNXUn7K/G7BdDjN3YFPV+/n3pyAnogoJDTI4fmro2nNffNYG/RrqinRdLN7evwAhoEFHJ65NCsKrm7ObWivhbQewko5PTIoVktdu5W2Seuw1wtpl4loEFAIacHB/S0bNlt8zz/GXvh7yWgkNMjh2a9cr4eC+j64lFMYx8ncuNfFlBgBo8NaBdNAX0gAYWc3i+g56E8HUzvONA7CSjk9KFLoHv7I+lfRu85J6BBQCGnDw/oPUfSC2gQUMhpdGjGdZPu/lz4W/bCv50fZH/hyQnogYBCTmNDc9PfkXNzQLe3HAfa+7FrT05ADwQUchoZmttVY0BvOxNJQO8moJDTyNBc39HMngvnwtdf334up4AGAYWczofmpbXvK6avxrT7xumXVjevPjkBPRBQyOl8aO6WI+/52I3a9PVA94eARjZPFwa96ckJ6IGAQk4PDej5FenLMUv1jv1bDwMV0CMBhZxGV+GbA3r2mUjdQZ/xaXN39VNAjwQUchoZmpvbz7U8N/hUzvqo+VgIved3C2gQUMhpZGj+zDr8YwloEFDIaWxoXjqI80MJaBBQyGl0J1LjgfQPJ6BBQCEnAX0CAgo5CegTEFDIKfXQFNAgoJBT6qEpoEFAIafUQ1NAg4BCThND87ghdL7NnwcCGgQUchodmtV+pFkTKqBBQCGnsaHZ2w9/6+cXvQcBDQIKOY0MzcOnD8clj7d3nrz+YAIaBBRyGv9IjxLNfUxvvHz8OxDQIKCQ0+hHelQbPner87dffu7RBDQIKOR09XqgP3Vxu58koEFAIafRUznrlfatUzlnJ6CQk4A+AQGFnKzCPwEBhZzsRHoC9wV0tWwN8xG8F4cxPYF7qjF3395d05wE78OB9E/gvoDO/WzflYCSytVTOec8GV5Ag4AWAkoqLibyBAS0EFBScTm7JyCghYCSSur5UUCDgBYCSiqp50cBDQJaCCippJ4fBTQIaCGgpFLPj/sNn198rHE+AloIKKkI6BMQ0EJASUVAn4CAFgJKKqnnRwENAloIKKmknh8FNAhoIaCkknp+FNAgoIWAksrYBZV7n2S8dj3Q2QloIaCkckNA7USam4AWAkoq1wL6/bOAzk5ACwElld78uBm9gq1V+LkJaCGgpNKbH88OAT14nXrsuxPQIKCFgJJKf37cpuqngB4JaCGgpHJ1J9KcBDQIaCGgpCKgT0BACwElldTzo4AGAS0ElFRSz48CGgS0EFBScTWmJyCghYCSioA+AQEtBJRUBPQJCGghoKSSen4U0CCghYCSSur5UUCDgBYCSioj8+N6vnX2AQENAloIKKmcz48/vs54+ZA+AQ0CWggoqYydibR6meGJjBHQIKCFgJKKJdAnIKCFgJLKyPy43R/MlIKABgEtBJRUxubHb5+SLIMKaBDQQkBJZXQbqAPpcxHQQkBJRUCfgIAWAkoqAvoEBLQQUFJJPT8KaBDQQkBJJfX8KKBBQAsBJZXU86OABgEtBJRUrn4m0trnws9OQAsBJZUbAmon0twEtBBQUrkW0O+fBXR2AloIKKn05sfNaoxV+LkJaCGgpNKbH88OAT14neu5CeiRgBYCSir9+XGbqp8CeiSghYCSytWdSHMS0CCghYCSyqMDGlsBRpdav33a33XPLxfQIKCFgJLKg+fH9XG9/zyT3fbV2/fqC2gQ0EJASeWxB9J3u/GHlaz3T91cUAENAloIKKk89ED6/Ur6Prf7fVGDz1XanFbs1+f3TT85AT0Q0EJASeWhB9KvT23clbS/Er9fAD1+Tsjm9kVQAQ0CWggoqTzyQPoqtpvBjqRtt9j54+vNn7kkoEFACwEllUceSL9b7nzpbva6Wwd1LaB3EtBCQEnlkQfSV5XcLWZOrqevbz6USUCDgBYCSiqPPA500y1a7gI69Vt2i7m3bhQQ0CCghYCSyiMDWq+bTy9mDjePdk9lxI1/WTVMCpjB1flxe/te+DqakwGd/tB5AZ0ioIWAksrl+XG/x7w1oON7inb9dCbSvQS0EFBSuTQ/bu88ceiGJdDtXZ+SLKBBQAsBJZXJ+fGw8Lm647ShWwJ6Xz8F9EhACwEllYn58XQ8010f53F1L/z6zsvbC2gQ0EJASWVsfiwLnzce736yvXwc6P7X3r44e3hyAnogoIWAksr5/NgdTBXagzoAABEVSURBVH/vhyFdOBMpvnXv1e0FNAhoIaCkMpgfTwuff/y1u3VvQC+cCz9yfZFbnpyAHghoIaCk0psfjwufh9A1BPTC1Zj2cb3/+HwBDQJaCCip1PNj7+M4WgI6fT3QOy7BVD85AT0Q0EJASWUQ0G69uyWg51ekPy14Dq5S4mpMdxHQQkBJ5XwJ9Ji+poCefSbSMaBlv76AthDQQkBJpTc/njr3+tYa0OGnch4DOrzQqIDeRUALASWV4fxYTt9sDOhDCWgQ0EJASeV8fuxWtwU0CQEtBJRURufH7X1r2u9GQIOAFgJKKhPz42kx9K5z4R9OQIOAFgJKKtPz42kx9L7T1x9KQIOAFgJKKpfmx+Ni6HxLoQIaBLQQUFK5Mj9uBTQBAS0ElFSuzo8/vgro3AS0EFBSST0/CmgQ0EJASSX1/CigQUALASWV1POjgAYBLQSUVFLPjwIaBLQQUFJJPT8KaBDQQkBJJfX8KKBBQAsBJZXU86OABgEtBJRUUs+PAhoEtBBQUkk9PwpoENBCQEkl9fwooEFACwElldTzo4AGAS0ElFRSz48CGgS0EFBSST0/CmgQ0EJASSX1/CigQUALASWV1POjgAYBLQSUVFLPjwIaBLQQUFJJPT8KaBDQQkBJJfX8KKBBQAsBJZXU86OABgEtBJRUUs+PAhoEtBBQUkk9PwpoENBCQEkl9fwooEFACwElldTzo4AGAS0ElFRSz48CGgS0EFBSST0/CmgQ0EJASSX1/CigQUALASWV1POjgAYBLQSUVFLPjwIaBLQQUFJJPT8KaBDQQkBJJfX8KKBBQAsBJZXU86OABgEtBJRUUs+PAhoEtBBQUkk9PwpoENBCQEkl9fwooEFACwElldTzo4AGAS0ElFRSz48CGgS0EFBSST0/CmgQ0EJASSX1/CigQUALASWV1POjgAYBLQSUVFLPjwIaBLQQUFJJPT8KaBDQQkBJJfX8KKBBQAsBJZXU86OABgEtBJRUUs+PAhoEtBBQUkk9PwpoENBCQEkl9fwooEFACwElldTzo4AGAS0ElFRSz48CGgS0EFBSST0/CmgQ0EJASSX1/CigQUALASWV1POjgAYBLQSUVFLPjwIaBLQQUFJJPT8KaBDQQkBJJfX8KKBBQAsBJZXU86OABgEtBJRUUs+PAhoEtBBQUkk9PwpoENBCQEkl9fwooEFACwElldTzo4AGAS0ElFQePT9+/7zaeZ2++/e/3f7LBDQIaCGgpPLg+XG9Cr/9OXr3j68rAb2fgBYCSiqPnR83q5PxTq6n7hgnoEFACwEllYfOj98+rVZ//PX2tt0V9OX87t3yp4C2ENBCQEnlofPj+tTNXUnPV+L3eRXQFgJaCCipPHJ+/P655HFztiPpsHfpP9gG2kJACwEllUfOj7tFzJfu5n5dvrLfPPrFTqQmAloIKKk8cn6sFjvPS7nZx1VAmwhoIaCk8uCAfjne3JVy7EgmAW0ioIWAksoj58d1F9Dd7bsDuhpx419WDZMCZvDYgHbRFNAHEtBCQEnl/QLaLY12rMI3EdBCQEkl0RLoOQENAloIKKkI6BMQ0EJAScVe+CcgoIWAksoj58ftpeNAL317ioAGAS0ElFQ+7EykAwFtIqCFgJLKh50LfyCgTQS0EFBS+cCrMb0JaCMBLQSUVD7yeqAC2khACwEllXe+Iv1urb5eFBXQJgJaCCipvPNnIgnoIwhoIaCk8s6fyimgjyCghYCSSur5UUCDgBYCSiqp50cBDQJaCCippJ4fBTQIaCGgpJJ6fhTQIKCFgJJK6vlRQIOAFgJKKqnnRwENAloIKKmknh8FNAhoIaCkknp+FNAgoIWAkkrq+VFAg4AWAkoqqedHAQ0CWggoqaSeHwU0CGghoKSSen4U0CCghYCSSur5UUCDgBYCSiqp50cBDQJaCCippJ4fBTQIaCGgpJJ6fhTQIKCFgJJK6vlRQIOAFgJKKqnnRwENAloIKKmknh8FNAhoIaCkknp+FNAgoIWAkkrq+VFAg4AWAkoqqedHAQ0CWggoqaSeHwU0CGghoKSSen4U0CCghYCSSur5UUCDgBYCSiqp50cBDQJaCCippJ4fBTQIaHFfQFfLds+k4H2kfhMENAhocd+kWLjbJwXvJfWbIKBBQAuTohDQDFK/CQIaVKMwKQoBzSD1myCgQTUKk6IQ0AxSvwkCGlSjMCkKAc0g9ZsgoEE1CpOiENAMUr8JAhpUozApCgHNIPWbIKBBNQqTohDQDFK/CQIaVKMwKQoBzSD1myCgQTUKk6IQ0AxSvwkCGlSjMCkKAc0g9ZsgoEE1CpOiENAMUr8JAhpUozApCgHNIPWbIKBBNQqTohDQDFK/CQIaVKMwKQoBzSD1myCgQTUKk6IQ0AxSvwkCGlSjMCkKAc0g9ZsgoEE1CpOiENAMUr8JAhpUozApCgHNIPWbIKBBNQqTohDQDFK/CQIaVKMwKQoBzSD1myCgQTUKk6IQ0AxSvwkCGlSjMCkKAc0g9ZsgoEE1CpOiENAMUr8JAhpUozApCgHNIPWbIKBBNQqTohDQDFK/CQIaVKMwKQoBzSD1myCgQTUKk6IQ0AxSvwkCGlSjMCkKAc0g9ZsgoEE1CpOiENAMUr8JAhpUozApCgHNIPWbIKBBNQqTohDQDFK/CQIaVKMwKQoBzSD1myCgQTUKk6IQ0AxSvwkCGlSjMCkKAc0g9ZsgoEE1CpOiENAMUr8JAhpUozApCgHNIPWbIKBBNQqTorgvoKtlu2dSPJSAPgHVKEyK4r5JsXC3T4oHE9AnoBqFSVGYFMWCAvr98/7fg9c775ogoMFQKUyKwqQolhPQ9XGJ+rc/77lrioAGQ6UwKQqTolhMQDdlm8Tvf7v9ruknJ6AHhkphUhQmRbGUgH77tFr98dfb23aXyZeb77rw5AT0wFApTIrCpCiWEtD1KY67XA7W1C/cdeHJCeiBoVKYFIVJUSwkoN8/l9XzzWBv0YW7Lj05AT0wVAqTojApioUEdLdw+dLd3K+w33LXpScnoAeGSmFSFCZFsZCAVsuWP7729xVduOvSkxPQA0OlMCkKk6JYTkC/HG/uKtnb0nnhrktPTkAPDJXCpChMimIhAV13ldzd7lXywl3dU2k/Q+vxp4Ylc/ubMPczfXcmRWFSFLdPigd7bEC7Mp4FdPKu7qm0T5ePfrs+3O1vwtzP9N2ZFIVJUdw+KR7s/QLaLXJevgvgSSVaAgV4LgIK0Cj1XniAzB4Z0O30wZ4X7gJ4UqnPRALILPW58ACZpb4aE0Bmqa8HCpDZO1+RfrfqflzebLkiPUBm7/yZSF1AWz4TCSCzd/5UziqgDZ/KCZBZ6s+FB8hMQAEaCShAIwEFaCSgAI0EFKCRgAI0ElCARgIK0EhAARoJKEAjAQVoJKAAjQQUoJGAAjQSUIBGAgrQSEABGgkoQCMBBWgkoACNBBSgkYACNBJQgEYCCtBIQAEaCShAIwEFaCSgAI0EFKCRgAI0ElCARgIK0EhAARoJKEAjAQVoJKAAjQQUoJGAAjQSUIBGAgrQSEABGgkoQCMBBWgkoACNBBSgkYACNPoVA7pdvbQ+9Ns/vb39+Prbn/c+bvP7346/4NNqtfrS+uc/UHnGg9sn+ylxyXb3Olevx599lhc9on4db22TYrP7DU/3/t/m8HJWf/x1/Oqfzn5gwa89COjdj2wI6LdPx5noMBzrAZlVecaD2yfXpuE6XuhhaD3Nix5Rv463n5oUX+Jnn3dSnIt87h2mwMiEWO5rPxHQux95f0C3p3+Fv3/ezz/b1f2LsB9s2y039G5XP3BxGsZL3B6Gy9O86BH163hrnRT7h2wO/33mSXFu1894IZuYPucTYrmvvRDQux95d0DXZTVmE395074N4WN0z7h/u3NlGq5PCx27RbdnedFj6tfRNilOc8t6/79nnhRnfnwtLyMWzM8mxHJfe0dAqy0z27I2Ut/sHFZIXvazxe7f3GNFN6c1vP2316uRf2DXq9//z9fDuNvNcl/iT55WCXPqnnH/dv0Tx8mzW64Yicpp5Oxf6LO86DH162icFPVveuZJcW676l7F/h+a9diQ2Vvga+/88gHddBtxNt32rupmpQT0n/c39mNrN1sc7MbN6eZZQf/Xfu45DKzvn+PO75+nxlkO3TPu3+6cBstxOk1t2NpP6Wd50ZfEHPMzk2K9/5ElTIrOerBDaDKgC3ztnV89oLHycfjnMd7i4c3zR+5L+WX/39f9qNk3drfs8aX79sg8VAIaM0/LfvwPVpdipBrHabhbet/3YjO1YWt9mJZP86InlVa0TYr9Ss7+ziVMiuJ8Uoxuy1jka6/86gFdn/5d/OOv6t/GqX8mTwE9bTI/zQ2b3Xeqb59ZakDXx+WtiQ1bh39enuhFT9mUVZG2SXHYSvTyVO//dedjZDKgi3vtlV88oKf17v1K+P72cZ6obp4/8rhg2m3M2RxW3M6+XVloQMvrGP8HZ3vc+/o0L3rCtpsXWidF/PP6/JOicnoxh02/h0ZO7U1b3muv/OIBPb77sRUzDms7vM/VzbNHHmeBKGW35av37YGFBrTEYrQacfTKM73ocZvVT0+Kt5gvnn5S1E6T4npAl/faK798QHuz+6bbDVDdHDyyLuUmfmhzW0C7eS79hvSfD+j6uN77RC961Lreldge0P0jn31S9NU7kbYXA7q819755QM6/Pdw9w/q6R2ubtaPrEp5eviNAT3Nc09wKMd9q/DnL6jamfY8L3rEYKdgy6QIh3A89aQYqg9juhzQ5b32zi8e0DjEove2XtqXNAzo8WGHjTy3BPR5Dib+yZ1Ixz1q9Z1P8KLP1a8jvr53Upz+jT2usDzvpDhT/9syHtDlvvbOrx7Q6mzD43nO+12u1c3eIw9zQm8JdP/P6n4r0MtNAX2e09muBTRe5rdPxwNohy+oHibP86LPDYd7w6RYn46y//Lck+JcOZVzv8fgZWzWX+5rL37NgJ586R0yv+6OhK9u1g5zSl3K9ek33RbQ57mgwvWAXjp6vNs3t58YT/Oiz/Rfx1vLpCgHehy+/7yTYkw3eY4HoAwPpF/waz/55QMaO9xfuztiqFQ3a7tR8sffz/bCv+6XWG8K6NNc0utaQA9T4q+p8xe7KXyYGM/yos8MXkfLpIj7yz/FTzspxkVCTy9ucz5kFvzaw68YUICHEFCARgJ6WbcSd/vqR8tj8rvyqpb5oseZFJN+udcuoJcJ6IlqFCbFpF/utQsoQCMBBWgkoACNBBSgkYACNBJQgEYCCtBIQAEaCShAIwEFaCSgAI0EFKCRgAI0ElCARgIK0EhAARoJKEAjAQVoJKAAjQQUoJGAAjQSUIBGAgrQSEABGgkoQCMBBWgkoACNBBSgkYACNBJQgEYCCtBIQAEaCShAIwEFaCSgAI0EFKCRgAI0ElCARgIK0EhAARoJKEAjAQVoJKAAjQQUoJGAAjQSUIBGAgrQSEABGgkoQCMBBWgkoACNBBSgkYACNBJQgEYCCtBIQAEaCShAIwEFaCSgAI0EFKCRgAI0ElCARgIK0EhAARoJKEAjAQVoJKAAjQQUoJGAAjQSUIBGAgrQSEABGgkoQCMBBWgkoACNBBSgkYACNBJQgEYCCtBIQAEaCShAIwEFaCSgAI0EFKCRgAI0ElCARgIK0EhAARoJKEAjAQVoJKAAjQQUoJGAAjQSUIBGAgrQSEABGgkoQCMBBWgkoACNBBSgkYACNBJQgEYCCtBIQAEaCShAIwEFaCSgAI0EFKCRgAI0ElCARgIK0EhAARoJKEAjAQVoJKAAjQQUoJGAAjQSUIBGAgrQSEABGgkoQCMBBWj0/wFHOJQoxmiWUwAAAABJRU5ErkJggg=="/>
-          <p:cNvSpPr>
-            <a:spLocks noChangeAspect="1" noChangeArrowheads="1"/>
-          </p:cNvSpPr>
-          <p:nvPr/>
-        </p:nvSpPr>
-        <p:spPr bwMode="auto">
-          <a:xfrm>
-            <a:off x="155575" y="-144463"/>
-            <a:ext cx="304800" cy="304801"/>
-          </a:xfrm>
-          <a:prstGeom prst="rect">
-            <a:avLst/>
-          </a:prstGeom>
-          <a:noFill/>
-          <a:extLst>
-            <a:ext uri="{909E8E84-426E-40DD-AFC4-6F175D3DCCD1}">
-              <a14:hiddenFill xmlns:a14="http://schemas.microsoft.com/office/drawing/2010/main">
-                <a:solidFill>
-                  <a:srgbClr val="FFFFFF"/>
-                </a:solidFill>
-              </a14:hiddenFill>
-            </a:ext>
-          </a:extLst>
-        </p:spPr>
-        <p:txBody>
-          <a:bodyPr vert="horz" wrap="square" lIns="91440" tIns="45720" rIns="91440" bIns="45720" numCol="1" anchor="t" anchorCtr="0" compatLnSpc="1">
-            <a:prstTxWarp prst="textNoShape">
-              <a:avLst/>
-            </a:prstTxWarp>
-          </a:bodyPr>
-          <a:lstStyle/>
-          <a:p>
-            <a:endParaRPr lang="en-US"/>
-          </a:p>
-        </p:txBody>
-      </p:sp>
-    </p:spTree>
-    <p:extLst>
-      <p:ext uri="{BB962C8B-B14F-4D97-AF65-F5344CB8AC3E}">
-        <p14:creationId xmlns:p14="http://schemas.microsoft.com/office/powerpoint/2010/main" val="2003386794"/>
-      </p:ext>
-    </p:extLst>
-  </p:cSld>
-  <p:clrMapOvr>
-    <a:masterClrMapping/>
-  </p:clrMapOvr>
-</p:sld>
-</file>
-
-<file path=ppt/slides/slide7.xml><?xml version="1.0" encoding="utf-8"?>
-<p:sld xmlns:a="http://schemas.openxmlformats.org/drawingml/2006/main" xmlns:r="http://schemas.openxmlformats.org/officeDocument/2006/relationships" xmlns:p="http://schemas.openxmlformats.org/presentationml/2006/main">
-  <p:cSld>
-    <p:spTree>
-      <p:nvGrpSpPr>
-        <p:cNvPr id="1" name=""/>
-        <p:cNvGrpSpPr/>
-        <p:nvPr/>
-      </p:nvGrpSpPr>
-      <p:grpSpPr>
-        <a:xfrm>
-          <a:off x="0" y="0"/>
-          <a:ext cx="0" cy="0"/>
-          <a:chOff x="0" y="0"/>
-          <a:chExt cx="0" cy="0"/>
-        </a:xfrm>
-      </p:grpSpPr>
-      <p:sp>
-        <p:nvSpPr>
-          <p:cNvPr id="2" name="Content Placeholder 1"/>
-          <p:cNvSpPr>
-            <a:spLocks noGrp="1"/>
-          </p:cNvSpPr>
-          <p:nvPr>
-            <p:ph idx="1"/>
-          </p:nvPr>
-        </p:nvSpPr>
-        <p:spPr/>
-        <p:txBody>
-          <a:bodyPr/>
-          <a:lstStyle/>
-          <a:p>
-            <a:r>
-              <a:rPr lang="en-US" dirty="0" smtClean="0"/>
-              <a:t>Exclusion of Unnecessary Variables</a:t>
-            </a:r>
-          </a:p>
-          <a:p>
-            <a:pPr lvl="1"/>
-            <a:r>
-              <a:rPr lang="en-US" sz="2000" dirty="0"/>
-              <a:t>"Standard Hours", "Over 18“, "Employee Count”, etc.</a:t>
-            </a:r>
-            <a:endParaRPr lang="en-US" sz="2400" dirty="0"/>
-          </a:p>
-          <a:p>
-            <a:pPr lvl="1"/>
-            <a:endParaRPr lang="en-US" dirty="0" smtClean="0"/>
-          </a:p>
-          <a:p>
-            <a:r>
-              <a:rPr lang="en-US" dirty="0" smtClean="0"/>
-              <a:t>Preliminary Correlation Tests</a:t>
-            </a:r>
-          </a:p>
-          <a:p>
-            <a:pPr lvl="1"/>
-            <a:endParaRPr lang="en-US" dirty="0"/>
-          </a:p>
-          <a:p>
-            <a:pPr lvl="1"/>
-            <a:endParaRPr lang="en-US" sz="2000" dirty="0" smtClean="0"/>
-          </a:p>
-        </p:txBody>
-      </p:sp>
-      <p:sp>
-        <p:nvSpPr>
-          <p:cNvPr id="3" name="Title 2"/>
-          <p:cNvSpPr>
-            <a:spLocks noGrp="1"/>
-          </p:cNvSpPr>
-          <p:nvPr>
-            <p:ph type="title"/>
-          </p:nvPr>
-        </p:nvSpPr>
-        <p:spPr/>
-        <p:txBody>
-          <a:bodyPr/>
-          <a:lstStyle/>
-          <a:p>
-            <a:r>
-              <a:rPr lang="en-US" dirty="0" smtClean="0"/>
-              <a:t>Exploratory Data Analysis</a:t>
-            </a:r>
-            <a:endParaRPr lang="en-US" dirty="0"/>
-          </a:p>
-        </p:txBody>
-      </p:sp>
-      <p:pic>
-        <p:nvPicPr>
-          <p:cNvPr id="6147" name="Picture 3"/>
-          <p:cNvPicPr>
-            <a:picLocks noChangeAspect="1" noChangeArrowheads="1"/>
-          </p:cNvPicPr>
-          <p:nvPr/>
-        </p:nvPicPr>
-        <p:blipFill>
-          <a:blip r:embed="rId2">
-            <a:extLst>
-              <a:ext uri="{28A0092B-C50C-407E-A947-70E740481C1C}">
-                <a14:useLocalDpi xmlns:a14="http://schemas.microsoft.com/office/drawing/2010/main" val="0"/>
-              </a:ext>
-            </a:extLst>
-          </a:blip>
-          <a:srcRect/>
-          <a:stretch>
-            <a:fillRect/>
-          </a:stretch>
-        </p:blipFill>
-        <p:spPr bwMode="auto">
-          <a:xfrm>
-            <a:off x="5867400" y="3352800"/>
-            <a:ext cx="3022946" cy="2819400"/>
-          </a:xfrm>
-          <a:prstGeom prst="rect">
-            <a:avLst/>
-          </a:prstGeom>
-          <a:noFill/>
-          <a:ln w="9525">
-            <a:solidFill>
-              <a:schemeClr val="tx1"/>
-            </a:solidFill>
-            <a:miter lim="800000"/>
-            <a:headEnd/>
-            <a:tailEnd/>
-          </a:ln>
-          <a:extLst>
-            <a:ext uri="{909E8E84-426E-40DD-AFC4-6F175D3DCCD1}">
-              <a14:hiddenFill xmlns:a14="http://schemas.microsoft.com/office/drawing/2010/main">
-                <a:solidFill>
-                  <a:schemeClr val="accent1"/>
-                </a:solidFill>
-              </a14:hiddenFill>
-            </a:ext>
-          </a:extLst>
-        </p:spPr>
-      </p:pic>
-      <p:pic>
-        <p:nvPicPr>
-          <p:cNvPr id="6149" name="Picture 5"/>
-          <p:cNvPicPr>
-            <a:picLocks noChangeAspect="1" noChangeArrowheads="1"/>
-          </p:cNvPicPr>
-          <p:nvPr/>
-        </p:nvPicPr>
-        <p:blipFill>
-          <a:blip r:embed="rId3">
-            <a:extLst>
-              <a:ext uri="{28A0092B-C50C-407E-A947-70E740481C1C}">
-                <a14:useLocalDpi xmlns:a14="http://schemas.microsoft.com/office/drawing/2010/main" val="0"/>
-              </a:ext>
-            </a:extLst>
-          </a:blip>
-          <a:srcRect/>
-          <a:stretch>
-            <a:fillRect/>
-          </a:stretch>
-        </p:blipFill>
-        <p:spPr bwMode="auto">
-          <a:xfrm>
-            <a:off x="990600" y="3352800"/>
-            <a:ext cx="4572000" cy="1905000"/>
-          </a:xfrm>
-          <a:prstGeom prst="rect">
-            <a:avLst/>
-          </a:prstGeom>
-          <a:noFill/>
-          <a:ln w="9525">
-            <a:solidFill>
-              <a:schemeClr val="tx1"/>
-            </a:solidFill>
-            <a:miter lim="800000"/>
-            <a:headEnd/>
-            <a:tailEnd/>
-          </a:ln>
-          <a:extLst>
-            <a:ext uri="{909E8E84-426E-40DD-AFC4-6F175D3DCCD1}">
-              <a14:hiddenFill xmlns:a14="http://schemas.microsoft.com/office/drawing/2010/main">
-                <a:solidFill>
-                  <a:schemeClr val="accent1"/>
-                </a:solidFill>
-              </a14:hiddenFill>
-            </a:ext>
-          </a:extLst>
-        </p:spPr>
-      </p:pic>
-      <p:sp>
-        <p:nvSpPr>
-          <p:cNvPr id="4" name="TextBox 3"/>
-          <p:cNvSpPr txBox="1"/>
-          <p:nvPr/>
-        </p:nvSpPr>
-        <p:spPr>
-          <a:xfrm>
-            <a:off x="1295400" y="5559623"/>
-            <a:ext cx="4038600" cy="307777"/>
-          </a:xfrm>
-          <a:prstGeom prst="rect">
-            <a:avLst/>
-          </a:prstGeom>
-          <a:noFill/>
-        </p:spPr>
-        <p:txBody>
-          <a:bodyPr wrap="square" rtlCol="0">
-            <a:spAutoFit/>
-          </a:bodyPr>
-          <a:lstStyle/>
-          <a:p>
-            <a:r>
-              <a:rPr lang="en-US" sz="1400" dirty="0" smtClean="0"/>
-              <a:t>Correlation Tests of Continuous Variables </a:t>
-            </a:r>
-            <a:endParaRPr lang="en-US" sz="1400" dirty="0"/>
-          </a:p>
-        </p:txBody>
-      </p:sp>
-    </p:spTree>
-    <p:extLst>
-      <p:ext uri="{BB962C8B-B14F-4D97-AF65-F5344CB8AC3E}">
-        <p14:creationId xmlns:p14="http://schemas.microsoft.com/office/powerpoint/2010/main" val="3915541442"/>
-      </p:ext>
-    </p:extLst>
-  </p:cSld>
-  <p:clrMapOvr>
-    <a:masterClrMapping/>
-  </p:clrMapOvr>
-</p:sld>
-</file>
-
-<file path=ppt/slides/slide8.xml><?xml version="1.0" encoding="utf-8"?>
-<p:sld xmlns:a="http://schemas.openxmlformats.org/drawingml/2006/main" xmlns:r="http://schemas.openxmlformats.org/officeDocument/2006/relationships" xmlns:p="http://schemas.openxmlformats.org/presentationml/2006/main">
-  <p:cSld>
-    <p:spTree>
-      <p:nvGrpSpPr>
-        <p:cNvPr id="1" name=""/>
-        <p:cNvGrpSpPr/>
-        <p:nvPr/>
-      </p:nvGrpSpPr>
-      <p:grpSpPr>
-        <a:xfrm>
-          <a:off x="0" y="0"/>
-          <a:ext cx="0" cy="0"/>
-          <a:chOff x="0" y="0"/>
-          <a:chExt cx="0" cy="0"/>
-        </a:xfrm>
-      </p:grpSpPr>
-      <p:sp>
-        <p:nvSpPr>
-          <p:cNvPr id="2" name="Content Placeholder 1"/>
-          <p:cNvSpPr>
-            <a:spLocks noGrp="1"/>
-          </p:cNvSpPr>
-          <p:nvPr>
-            <p:ph idx="1"/>
-          </p:nvPr>
-        </p:nvSpPr>
-        <p:spPr/>
-        <p:txBody>
-          <a:bodyPr/>
-          <a:lstStyle/>
-          <a:p>
-            <a:pPr lvl="1"/>
-            <a:endParaRPr lang="en-US" dirty="0" smtClean="0"/>
-          </a:p>
-          <a:p>
-            <a:pPr lvl="1"/>
-            <a:endParaRPr lang="en-US" dirty="0"/>
-          </a:p>
-          <a:p>
-            <a:pPr lvl="1"/>
-            <a:endParaRPr lang="en-US" dirty="0"/>
-          </a:p>
-          <a:p>
-            <a:endParaRPr lang="en-US" dirty="0" smtClean="0"/>
-          </a:p>
-          <a:p>
-            <a:endParaRPr lang="en-US" dirty="0"/>
-          </a:p>
-          <a:p>
-            <a:endParaRPr lang="en-US" dirty="0" smtClean="0"/>
-          </a:p>
-          <a:p>
-            <a:endParaRPr lang="en-US" dirty="0"/>
-          </a:p>
-          <a:p>
-            <a:endParaRPr lang="en-US" dirty="0" smtClean="0"/>
-          </a:p>
-          <a:p>
-            <a:endParaRPr lang="en-US" dirty="0"/>
-          </a:p>
-          <a:p>
-            <a:pPr lvl="1"/>
-            <a:endParaRPr lang="en-US" sz="2000" dirty="0" smtClean="0"/>
-          </a:p>
-        </p:txBody>
-      </p:sp>
-      <p:sp>
-        <p:nvSpPr>
-          <p:cNvPr id="3" name="Title 2"/>
-          <p:cNvSpPr>
-            <a:spLocks noGrp="1"/>
-          </p:cNvSpPr>
-          <p:nvPr>
-            <p:ph type="title"/>
-          </p:nvPr>
-        </p:nvSpPr>
-        <p:spPr/>
-        <p:txBody>
-          <a:bodyPr/>
-          <a:lstStyle/>
-          <a:p>
-            <a:r>
-              <a:rPr lang="en-US" dirty="0" smtClean="0"/>
-              <a:t>Analysis of Significance</a:t>
-            </a:r>
-            <a:endParaRPr lang="en-US" dirty="0"/>
-          </a:p>
-        </p:txBody>
-      </p:sp>
-      <p:pic>
-        <p:nvPicPr>
-          <p:cNvPr id="7171" name="Picture 3"/>
-          <p:cNvPicPr>
-            <a:picLocks noChangeAspect="1" noChangeArrowheads="1"/>
-          </p:cNvPicPr>
-          <p:nvPr/>
-        </p:nvPicPr>
-        <p:blipFill>
-          <a:blip r:embed="rId2">
-            <a:extLst>
-              <a:ext uri="{28A0092B-C50C-407E-A947-70E740481C1C}">
-                <a14:useLocalDpi xmlns:a14="http://schemas.microsoft.com/office/drawing/2010/main" val="0"/>
-              </a:ext>
-            </a:extLst>
-          </a:blip>
-          <a:srcRect/>
-          <a:stretch>
-            <a:fillRect/>
-          </a:stretch>
-        </p:blipFill>
-        <p:spPr bwMode="auto">
-          <a:xfrm>
-            <a:off x="457200" y="1295400"/>
-            <a:ext cx="5261308" cy="3033713"/>
-          </a:xfrm>
-          <a:prstGeom prst="rect">
-            <a:avLst/>
-          </a:prstGeom>
-          <a:noFill/>
-          <a:ln w="9525">
-            <a:solidFill>
-              <a:schemeClr val="tx1"/>
-            </a:solidFill>
-            <a:miter lim="800000"/>
-            <a:headEnd/>
-            <a:tailEnd/>
-          </a:ln>
-          <a:extLst>
-            <a:ext uri="{909E8E84-426E-40DD-AFC4-6F175D3DCCD1}">
-              <a14:hiddenFill xmlns:a14="http://schemas.microsoft.com/office/drawing/2010/main">
-                <a:solidFill>
-                  <a:schemeClr val="accent1"/>
-                </a:solidFill>
-              </a14:hiddenFill>
-            </a:ext>
-          </a:extLst>
-        </p:spPr>
-      </p:pic>
-      <p:pic>
-        <p:nvPicPr>
-          <p:cNvPr id="7172" name="Picture 4"/>
-          <p:cNvPicPr>
-            <a:picLocks noChangeAspect="1" noChangeArrowheads="1"/>
-          </p:cNvPicPr>
-          <p:nvPr/>
-        </p:nvPicPr>
-        <p:blipFill>
-          <a:blip r:embed="rId3">
-            <a:extLst>
-              <a:ext uri="{28A0092B-C50C-407E-A947-70E740481C1C}">
-                <a14:useLocalDpi xmlns:a14="http://schemas.microsoft.com/office/drawing/2010/main" val="0"/>
-              </a:ext>
-            </a:extLst>
-          </a:blip>
-          <a:srcRect/>
-          <a:stretch>
-            <a:fillRect/>
-          </a:stretch>
-        </p:blipFill>
-        <p:spPr bwMode="auto">
-          <a:xfrm>
-            <a:off x="3789485" y="4572000"/>
-            <a:ext cx="5261308" cy="1867758"/>
-          </a:xfrm>
-          <a:prstGeom prst="rect">
-            <a:avLst/>
-          </a:prstGeom>
-          <a:noFill/>
-          <a:ln w="9525">
-            <a:solidFill>
-              <a:schemeClr val="tx1"/>
-            </a:solidFill>
-            <a:miter lim="800000"/>
-            <a:headEnd/>
-            <a:tailEnd/>
-          </a:ln>
-          <a:extLst>
-            <a:ext uri="{909E8E84-426E-40DD-AFC4-6F175D3DCCD1}">
-              <a14:hiddenFill xmlns:a14="http://schemas.microsoft.com/office/drawing/2010/main">
-                <a:solidFill>
-                  <a:schemeClr val="accent1"/>
-                </a:solidFill>
-              </a14:hiddenFill>
-            </a:ext>
-          </a:extLst>
-        </p:spPr>
-      </p:pic>
-      <p:sp>
-        <p:nvSpPr>
-          <p:cNvPr id="4" name="TextBox 3"/>
-          <p:cNvSpPr txBox="1"/>
-          <p:nvPr/>
-        </p:nvSpPr>
-        <p:spPr>
-          <a:xfrm>
-            <a:off x="5943600" y="2133600"/>
-            <a:ext cx="2819400" cy="646331"/>
-          </a:xfrm>
-          <a:prstGeom prst="rect">
-            <a:avLst/>
-          </a:prstGeom>
-          <a:noFill/>
-        </p:spPr>
-        <p:txBody>
-          <a:bodyPr wrap="square" rtlCol="0">
-            <a:spAutoFit/>
-          </a:bodyPr>
-          <a:lstStyle/>
-          <a:p>
-            <a:pPr algn="ctr"/>
-            <a:r>
-              <a:rPr lang="en-US" i="1" dirty="0" smtClean="0"/>
-              <a:t>t-</a:t>
-            </a:r>
-            <a:r>
-              <a:rPr lang="en-US" dirty="0" smtClean="0"/>
-              <a:t>tests for significance of distributions</a:t>
-            </a:r>
-            <a:endParaRPr lang="en-US" i="1" dirty="0"/>
-          </a:p>
-        </p:txBody>
-      </p:sp>
-      <p:sp>
-        <p:nvSpPr>
-          <p:cNvPr id="5" name="TextBox 4"/>
-          <p:cNvSpPr txBox="1"/>
-          <p:nvPr/>
-        </p:nvSpPr>
-        <p:spPr>
-          <a:xfrm>
-            <a:off x="838200" y="5144869"/>
-            <a:ext cx="2667000" cy="646331"/>
-          </a:xfrm>
-          <a:prstGeom prst="rect">
-            <a:avLst/>
-          </a:prstGeom>
-          <a:noFill/>
-        </p:spPr>
-        <p:txBody>
-          <a:bodyPr wrap="square" rtlCol="0">
-            <a:spAutoFit/>
-          </a:bodyPr>
-          <a:lstStyle/>
-          <a:p>
-            <a:r>
-              <a:rPr lang="en-US" dirty="0" smtClean="0"/>
-              <a:t>ANOVA for Analysis of Categorical Variance</a:t>
-            </a:r>
-            <a:endParaRPr lang="en-US" dirty="0"/>
-          </a:p>
-        </p:txBody>
-      </p:sp>
-    </p:spTree>
-    <p:extLst>
-      <p:ext uri="{BB962C8B-B14F-4D97-AF65-F5344CB8AC3E}">
-        <p14:creationId xmlns:p14="http://schemas.microsoft.com/office/powerpoint/2010/main" val="241419668"/>
-      </p:ext>
-    </p:extLst>
-  </p:cSld>
-  <p:clrMapOvr>
-    <a:masterClrMapping/>
-  </p:clrMapOvr>
-</p:sld>
-</file>
-
-<file path=ppt/slides/slide9.xml><?xml version="1.0" encoding="utf-8"?>
-<p:sld xmlns:a="http://schemas.openxmlformats.org/drawingml/2006/main" xmlns:r="http://schemas.openxmlformats.org/officeDocument/2006/relationships" xmlns:p="http://schemas.openxmlformats.org/presentationml/2006/main">
-  <p:cSld>
-    <p:spTree>
-      <p:nvGrpSpPr>
-        <p:cNvPr id="1" name=""/>
-        <p:cNvGrpSpPr/>
-        <p:nvPr/>
-      </p:nvGrpSpPr>
-      <p:grpSpPr>
-        <a:xfrm>
-          <a:off x="0" y="0"/>
-          <a:ext cx="0" cy="0"/>
-          <a:chOff x="0" y="0"/>
-          <a:chExt cx="0" cy="0"/>
-        </a:xfrm>
-      </p:grpSpPr>
-      <p:sp>
-        <p:nvSpPr>
-          <p:cNvPr id="2" name="Content Placeholder 1"/>
-          <p:cNvSpPr>
-            <a:spLocks noGrp="1"/>
-          </p:cNvSpPr>
-          <p:nvPr>
-            <p:ph idx="1"/>
-          </p:nvPr>
-        </p:nvSpPr>
-        <p:spPr/>
-        <p:txBody>
-          <a:bodyPr/>
-          <a:lstStyle/>
-          <a:p>
-            <a:r>
-              <a:rPr lang="en-US" dirty="0" smtClean="0"/>
               <a:t>Based on the Exploratory Analysis the Following Variables Emerged as </a:t>
             </a:r>
-            <a:endParaRPr lang="en-US" dirty="0" smtClean="0"/>
           </a:p>
           <a:p>
             <a:endParaRPr lang="en-US" dirty="0"/>
@@ -10506,6 +7328,3419 @@
 </p:sld>
 </file>
 
+<file path=ppt/slides/slide11.xml><?xml version="1.0" encoding="utf-8"?>
+<p:sld xmlns:a="http://schemas.openxmlformats.org/drawingml/2006/main" xmlns:r="http://schemas.openxmlformats.org/officeDocument/2006/relationships" xmlns:p="http://schemas.openxmlformats.org/presentationml/2006/main">
+  <p:cSld>
+    <p:spTree>
+      <p:nvGrpSpPr>
+        <p:cNvPr id="1" name=""/>
+        <p:cNvGrpSpPr/>
+        <p:nvPr/>
+      </p:nvGrpSpPr>
+      <p:grpSpPr>
+        <a:xfrm>
+          <a:off x="0" y="0"/>
+          <a:ext cx="0" cy="0"/>
+          <a:chOff x="0" y="0"/>
+          <a:chExt cx="0" cy="0"/>
+        </a:xfrm>
+      </p:grpSpPr>
+      <p:sp>
+        <p:nvSpPr>
+          <p:cNvPr id="2" name="Content Placeholder 1"/>
+          <p:cNvSpPr>
+            <a:spLocks noGrp="1"/>
+          </p:cNvSpPr>
+          <p:nvPr>
+            <p:ph idx="1"/>
+          </p:nvPr>
+        </p:nvSpPr>
+        <p:spPr/>
+        <p:txBody>
+          <a:bodyPr>
+            <a:normAutofit/>
+          </a:bodyPr>
+          <a:lstStyle/>
+          <a:p>
+            <a:r>
+              <a:rPr lang="en-US" dirty="0" smtClean="0"/>
+              <a:t>Classification Regression for Binary </a:t>
+            </a:r>
+            <a:r>
+              <a:rPr lang="en-US" dirty="0" smtClean="0"/>
+              <a:t>Outputs</a:t>
+            </a:r>
+            <a:endParaRPr lang="en-US" dirty="0"/>
+          </a:p>
+          <a:p>
+            <a:r>
+              <a:rPr lang="en-US" dirty="0" smtClean="0"/>
+              <a:t>Assumptions</a:t>
+            </a:r>
+          </a:p>
+          <a:p>
+            <a:pPr lvl="1"/>
+            <a:r>
+              <a:rPr lang="en-US" dirty="0"/>
+              <a:t>A</a:t>
+            </a:r>
+            <a:r>
+              <a:rPr lang="en-US" dirty="0" smtClean="0"/>
+              <a:t>dditive </a:t>
+            </a:r>
+            <a:r>
+              <a:rPr lang="en-US" dirty="0"/>
+              <a:t>relationship between the predictors and the natural log odds of </a:t>
+            </a:r>
+            <a:r>
+              <a:rPr lang="en-US" dirty="0" smtClean="0"/>
+              <a:t>response</a:t>
+            </a:r>
+            <a:r>
+              <a:rPr lang="en-US" dirty="0" smtClean="0"/>
+              <a:t>.</a:t>
+            </a:r>
+            <a:endParaRPr lang="en-US" dirty="0" smtClean="0"/>
+          </a:p>
+          <a:p>
+            <a:pPr lvl="1"/>
+            <a:r>
+              <a:rPr lang="en-US" dirty="0" smtClean="0"/>
+              <a:t>Normality, Equal Variance, Independence  </a:t>
+            </a:r>
+            <a:endParaRPr lang="en-US" dirty="0" smtClean="0"/>
+          </a:p>
+          <a:p>
+            <a:pPr lvl="1"/>
+            <a:r>
+              <a:rPr lang="en-US" sz="1800" dirty="0" smtClean="0"/>
+              <a:t>Overtime, Marital Status, Total Working Years, Business Travel, Distance From Home, Environment Satisfaction, Job Involvement, Job Role, Job Satisfaction, Marital Status, </a:t>
+            </a:r>
+            <a:r>
+              <a:rPr lang="en-US" sz="1800" dirty="0" err="1" smtClean="0"/>
+              <a:t>Num</a:t>
+            </a:r>
+            <a:r>
+              <a:rPr lang="en-US" sz="1800" dirty="0" smtClean="0"/>
+              <a:t> Companies Worked, Total Working Years, Overtime, Relationship Satisfaction</a:t>
+            </a:r>
+            <a:endParaRPr lang="en-US" sz="1800" dirty="0" smtClean="0"/>
+          </a:p>
+          <a:p>
+            <a:pPr lvl="1"/>
+            <a:endParaRPr lang="en-US" dirty="0"/>
+          </a:p>
+        </p:txBody>
+      </p:sp>
+      <p:sp>
+        <p:nvSpPr>
+          <p:cNvPr id="3" name="Title 2"/>
+          <p:cNvSpPr>
+            <a:spLocks noGrp="1"/>
+          </p:cNvSpPr>
+          <p:nvPr>
+            <p:ph type="title"/>
+          </p:nvPr>
+        </p:nvSpPr>
+        <p:spPr/>
+        <p:txBody>
+          <a:bodyPr/>
+          <a:lstStyle/>
+          <a:p>
+            <a:r>
+              <a:rPr lang="en-US" dirty="0" smtClean="0"/>
+              <a:t>Logistic Regression</a:t>
+            </a:r>
+            <a:endParaRPr lang="en-US" dirty="0"/>
+          </a:p>
+        </p:txBody>
+      </p:sp>
+      <p:pic>
+        <p:nvPicPr>
+          <p:cNvPr id="4" name="Picture 3"/>
+          <p:cNvPicPr>
+            <a:picLocks noChangeAspect="1"/>
+          </p:cNvPicPr>
+          <p:nvPr/>
+        </p:nvPicPr>
+        <p:blipFill>
+          <a:blip r:embed="rId3">
+            <a:extLst>
+              <a:ext uri="{28A0092B-C50C-407E-A947-70E740481C1C}">
+                <a14:useLocalDpi xmlns:a14="http://schemas.microsoft.com/office/drawing/2010/main" val="0"/>
+              </a:ext>
+            </a:extLst>
+          </a:blip>
+          <a:stretch>
+            <a:fillRect/>
+          </a:stretch>
+        </p:blipFill>
+        <p:spPr>
+          <a:xfrm>
+            <a:off x="5562600" y="4724400"/>
+            <a:ext cx="3124200" cy="1700013"/>
+          </a:xfrm>
+          <a:prstGeom prst="rect">
+            <a:avLst/>
+          </a:prstGeom>
+        </p:spPr>
+      </p:pic>
+    </p:spTree>
+    <p:extLst>
+      <p:ext uri="{BB962C8B-B14F-4D97-AF65-F5344CB8AC3E}">
+        <p14:creationId xmlns:p14="http://schemas.microsoft.com/office/powerpoint/2010/main" val="3465430031"/>
+      </p:ext>
+    </p:extLst>
+  </p:cSld>
+  <p:clrMapOvr>
+    <a:masterClrMapping/>
+  </p:clrMapOvr>
+</p:sld>
+</file>
+
+<file path=ppt/slides/slide12.xml><?xml version="1.0" encoding="utf-8"?>
+<p:sld xmlns:a="http://schemas.openxmlformats.org/drawingml/2006/main" xmlns:r="http://schemas.openxmlformats.org/officeDocument/2006/relationships" xmlns:p="http://schemas.openxmlformats.org/presentationml/2006/main">
+  <p:cSld>
+    <p:spTree>
+      <p:nvGrpSpPr>
+        <p:cNvPr id="1" name=""/>
+        <p:cNvGrpSpPr/>
+        <p:nvPr/>
+      </p:nvGrpSpPr>
+      <p:grpSpPr>
+        <a:xfrm>
+          <a:off x="0" y="0"/>
+          <a:ext cx="0" cy="0"/>
+          <a:chOff x="0" y="0"/>
+          <a:chExt cx="0" cy="0"/>
+        </a:xfrm>
+      </p:grpSpPr>
+      <p:sp>
+        <p:nvSpPr>
+          <p:cNvPr id="2" name="Content Placeholder 1"/>
+          <p:cNvSpPr>
+            <a:spLocks noGrp="1"/>
+          </p:cNvSpPr>
+          <p:nvPr>
+            <p:ph idx="1"/>
+          </p:nvPr>
+        </p:nvSpPr>
+        <p:spPr/>
+        <p:txBody>
+          <a:bodyPr/>
+          <a:lstStyle/>
+          <a:p>
+            <a:r>
+              <a:rPr lang="en-US" dirty="0" smtClean="0"/>
+              <a:t>Forward </a:t>
+            </a:r>
+            <a:r>
+              <a:rPr lang="en-US" dirty="0" smtClean="0"/>
+              <a:t>Selection</a:t>
+            </a:r>
+          </a:p>
+          <a:p>
+            <a:endParaRPr lang="en-US" dirty="0"/>
+          </a:p>
+          <a:p>
+            <a:r>
+              <a:rPr lang="en-US" dirty="0" smtClean="0"/>
+              <a:t>Backward Selection</a:t>
+            </a:r>
+          </a:p>
+          <a:p>
+            <a:endParaRPr lang="en-US" dirty="0" smtClean="0"/>
+          </a:p>
+          <a:p>
+            <a:pPr lvl="1"/>
+            <a:r>
+              <a:rPr lang="en-US" dirty="0" smtClean="0"/>
+              <a:t>Both models resulted in Marital Status, Overtime, and Total Working Years as the top 3 variables</a:t>
+            </a:r>
+            <a:endParaRPr lang="en-US" dirty="0"/>
+          </a:p>
+          <a:p>
+            <a:endParaRPr lang="en-US" dirty="0"/>
+          </a:p>
+        </p:txBody>
+      </p:sp>
+      <p:sp>
+        <p:nvSpPr>
+          <p:cNvPr id="3" name="Title 2"/>
+          <p:cNvSpPr>
+            <a:spLocks noGrp="1"/>
+          </p:cNvSpPr>
+          <p:nvPr>
+            <p:ph type="title"/>
+          </p:nvPr>
+        </p:nvSpPr>
+        <p:spPr/>
+        <p:txBody>
+          <a:bodyPr/>
+          <a:lstStyle/>
+          <a:p>
+            <a:r>
+              <a:rPr lang="en-US" dirty="0" smtClean="0"/>
+              <a:t>Model Selection	</a:t>
+            </a:r>
+            <a:endParaRPr lang="en-US" dirty="0"/>
+          </a:p>
+        </p:txBody>
+      </p:sp>
+      <p:pic>
+        <p:nvPicPr>
+          <p:cNvPr id="4" name="Picture 3"/>
+          <p:cNvPicPr>
+            <a:picLocks noChangeAspect="1"/>
+          </p:cNvPicPr>
+          <p:nvPr/>
+        </p:nvPicPr>
+        <p:blipFill>
+          <a:blip r:embed="rId2">
+            <a:extLst>
+              <a:ext uri="{28A0092B-C50C-407E-A947-70E740481C1C}">
+                <a14:useLocalDpi xmlns:a14="http://schemas.microsoft.com/office/drawing/2010/main" val="0"/>
+              </a:ext>
+            </a:extLst>
+          </a:blip>
+          <a:stretch>
+            <a:fillRect/>
+          </a:stretch>
+        </p:blipFill>
+        <p:spPr>
+          <a:xfrm>
+            <a:off x="2654300" y="4247003"/>
+            <a:ext cx="3835400" cy="1823978"/>
+          </a:xfrm>
+          <a:prstGeom prst="rect">
+            <a:avLst/>
+          </a:prstGeom>
+        </p:spPr>
+      </p:pic>
+    </p:spTree>
+    <p:extLst>
+      <p:ext uri="{BB962C8B-B14F-4D97-AF65-F5344CB8AC3E}">
+        <p14:creationId xmlns:p14="http://schemas.microsoft.com/office/powerpoint/2010/main" val="4116180965"/>
+      </p:ext>
+    </p:extLst>
+  </p:cSld>
+  <p:clrMapOvr>
+    <a:masterClrMapping/>
+  </p:clrMapOvr>
+</p:sld>
+</file>
+
+<file path=ppt/slides/slide13.xml><?xml version="1.0" encoding="utf-8"?>
+<p:sld xmlns:a="http://schemas.openxmlformats.org/drawingml/2006/main" xmlns:r="http://schemas.openxmlformats.org/officeDocument/2006/relationships" xmlns:p="http://schemas.openxmlformats.org/presentationml/2006/main">
+  <p:cSld>
+    <p:spTree>
+      <p:nvGrpSpPr>
+        <p:cNvPr id="1" name=""/>
+        <p:cNvGrpSpPr/>
+        <p:nvPr/>
+      </p:nvGrpSpPr>
+      <p:grpSpPr>
+        <a:xfrm>
+          <a:off x="0" y="0"/>
+          <a:ext cx="0" cy="0"/>
+          <a:chOff x="0" y="0"/>
+          <a:chExt cx="0" cy="0"/>
+        </a:xfrm>
+      </p:grpSpPr>
+      <p:sp>
+        <p:nvSpPr>
+          <p:cNvPr id="2" name="Content Placeholder 1"/>
+          <p:cNvSpPr>
+            <a:spLocks noGrp="1"/>
+          </p:cNvSpPr>
+          <p:nvPr>
+            <p:ph idx="1"/>
+          </p:nvPr>
+        </p:nvSpPr>
+        <p:spPr>
+          <a:xfrm>
+            <a:off x="457200" y="1481328"/>
+            <a:ext cx="3886200" cy="4525963"/>
+          </a:xfrm>
+        </p:spPr>
+        <p:txBody>
+          <a:bodyPr>
+            <a:normAutofit/>
+          </a:bodyPr>
+          <a:lstStyle/>
+          <a:p>
+            <a:r>
+              <a:rPr lang="en-US" sz="2000" dirty="0" smtClean="0"/>
+              <a:t>Older employees tend to be promoted less often</a:t>
+            </a:r>
+          </a:p>
+          <a:p>
+            <a:endParaRPr lang="en-US" sz="2000" dirty="0"/>
+          </a:p>
+          <a:p>
+            <a:r>
+              <a:rPr lang="en-US" sz="2000" dirty="0"/>
+              <a:t>Sales Representatives tend to be the </a:t>
+            </a:r>
+            <a:r>
+              <a:rPr lang="en-US" sz="2000" dirty="0" smtClean="0"/>
+              <a:t>youngest</a:t>
+            </a:r>
+          </a:p>
+          <a:p>
+            <a:endParaRPr lang="en-US" sz="2000" dirty="0"/>
+          </a:p>
+          <a:p>
+            <a:r>
+              <a:rPr lang="en-US" sz="2000" dirty="0"/>
+              <a:t>M</a:t>
+            </a:r>
+            <a:r>
+              <a:rPr lang="en-US" sz="2000" dirty="0" smtClean="0"/>
+              <a:t>anagers </a:t>
+            </a:r>
+            <a:r>
+              <a:rPr lang="en-US" sz="2000" dirty="0"/>
+              <a:t>and </a:t>
+            </a:r>
+            <a:r>
+              <a:rPr lang="en-US" sz="2000" dirty="0" smtClean="0"/>
+              <a:t>Directors </a:t>
+            </a:r>
+            <a:r>
+              <a:rPr lang="en-US" sz="2000" dirty="0"/>
+              <a:t>tend to be </a:t>
+            </a:r>
+            <a:r>
+              <a:rPr lang="en-US" sz="2000" dirty="0" smtClean="0"/>
+              <a:t>older</a:t>
+            </a:r>
+          </a:p>
+          <a:p>
+            <a:endParaRPr lang="en-US" sz="2000" dirty="0"/>
+          </a:p>
+          <a:p>
+            <a:r>
+              <a:rPr lang="en-US" sz="2000" dirty="0"/>
+              <a:t>Healthcare </a:t>
+            </a:r>
+            <a:r>
+              <a:rPr lang="en-US" sz="2000" dirty="0" smtClean="0"/>
+              <a:t>Representatives </a:t>
+            </a:r>
+            <a:r>
+              <a:rPr lang="en-US" sz="2000" dirty="0"/>
+              <a:t>tend to be older than </a:t>
+            </a:r>
+            <a:r>
+              <a:rPr lang="en-US" sz="2000" dirty="0" smtClean="0"/>
+              <a:t>Manufacturing </a:t>
+            </a:r>
+            <a:r>
+              <a:rPr lang="en-US" sz="2000" dirty="0"/>
+              <a:t>D</a:t>
+            </a:r>
+            <a:r>
+              <a:rPr lang="en-US" sz="2000" dirty="0" smtClean="0"/>
+              <a:t>irectors</a:t>
+            </a:r>
+          </a:p>
+          <a:p>
+            <a:endParaRPr lang="en-US" sz="2000" dirty="0"/>
+          </a:p>
+          <a:p>
+            <a:endParaRPr lang="en-US" sz="2000" dirty="0"/>
+          </a:p>
+        </p:txBody>
+      </p:sp>
+      <p:sp>
+        <p:nvSpPr>
+          <p:cNvPr id="3" name="Title 2"/>
+          <p:cNvSpPr>
+            <a:spLocks noGrp="1"/>
+          </p:cNvSpPr>
+          <p:nvPr>
+            <p:ph type="title"/>
+          </p:nvPr>
+        </p:nvSpPr>
+        <p:spPr/>
+        <p:txBody>
+          <a:bodyPr/>
+          <a:lstStyle/>
+          <a:p>
+            <a:r>
+              <a:rPr lang="en-US" dirty="0" smtClean="0"/>
+              <a:t>Other Job Role Trends</a:t>
+            </a:r>
+            <a:endParaRPr lang="en-US" dirty="0"/>
+          </a:p>
+        </p:txBody>
+      </p:sp>
+      <p:sp>
+        <p:nvSpPr>
+          <p:cNvPr id="4" name="AutoShape 2" descr="data:image/png;base64,iVBORw0KGgoAAAANSUhEUgAABUAAAAPACAMAAADDuCPrAAAAolBMVEUAAAAAADoAAGYAOpAAZrYzMzMzZv86AAA6Ojo6kJA6kNs9PT1NTU1NTW5NTY5NbqtNjshmAABmZmZmtv9uTU1uq+SOTU2Oq6uOyP+QOgCQkLaQ29uQ2/+rbk2rjk2r5P+2ZgC2kDq2///Ijk3I///KysrW1tbbkDrb///kq27k5Kvk///r6+v/tmb/yI7/25D/5Kv//7b//8j//9v//+T////sHfwrAAAACXBIWXMAAB2HAAAdhwGP5fFlAAAgAElEQVR4nO2da4PcxpFlMWNJ3hXbkrwiufLucM0ZSuJw1GxzaPL//7WtB6oK9ehCAgjg3kic88Wk2B0duJV5jCpkZjdfAQBgFI26AQCArCBQAICRIFAAgJEgUACAkSBQAICRIFAAgJEgUACAkSBQAICRIFAAgJEgUACAkSBQAICRIFAAgJEgUACAkcwn0MdxjP5GBxL3Tu4ayF3DBEEh0NlI3Du5ayB3DQjUkcS9k7sGcteAQB1J3Du5ayB3DQjUkcS9k7sGcteAQB1J3Du5ayB3DQjUkcS9k7sGcteAQB1J3Du5ayB3DQjUkcS9k7sGcteAQB1J3Du5ayB3DQjUkcS9k7sGcteAQB1J3Du5ayB3DQjUkcS9k7sGcteAQB1J3Du5ayB3DQjUkcS9k7sGcteAQB1J3Du5ayB3DQjUkcS9k7sGcteAQB1J3Du5ayB3DQjUkcS9k7sGcteAQB1J3Du5ayB3DQjUkcS9k7sGcteAQB1J3Du5ayB3DQjUkcS9k7sGcteAQB1J3Du5ayB3DQjUkcS9k7sGcteAQB1J3Du5ayB3DQjUkcS9k7sGcteAQB1J3Du5ayB3DQjUkcS9k7sGcteAQB1J3Du5ayB3DQjUkcS9k7sGcteAQB1J3Du5ayB3DVqBvnvY8Mv+z59fb/78CoFuSdw7uWsgdw1Kge6UueGn7V8+vdz9+cc/EOg6B5QDiXsndw1CgX55s7vh/PDwl7/vZPrTzqKvYgTabBh5ZQal1jigHEjce1zugeO9lILeBV0VIRToU3u7+WGrzvYvn17+8GuEQJsmLHBFKSayhsS9h+UeON6L6e9d0VUROoFubkB/Of3t3f7W8/w/jhZo04QFLinFRNaQuPeo3APHezm9vUu6KkIn0M+vOzebX95s38d/3d6Ovpou0KYJC1xTiomsIXHvQbkHjvcB9PWu6aoInUA/vfzxj6eHh90noCebftg/Utrwbcvgwptmjoz45gylAObBc5B6dhXKKIH+v/1T+FcdgT4hUAAZnoPUs6tQhl/ZU7uA6Wl7D3pDoAdG3B3zFl4Hb+E18BZeg+4t/NNh2fz2XXusQHmIpAOBauAhkgblZ6Dtc6Pth6E3PgOdIlCWMclAoBpYxqRBKdDWmds/xD6Ff2QhvQwEqoGF9BqU60A7d6Bf3+3XfwatA51yYQ4k7p3cNZC7BuFOpHftu/XdTWfwTiQGlApy10DuGoQCbTe+P82yF54BJYLcNZC7BuVpTE/7ZaD7N+3tXziNaUvi3sldA7lrkJ4H+uXNRpmH9+ycB3oice/kroHcNXAivSOJeyd3DeSuAYE6krh3ctdA7hoQqCOJeyd3DeSuAYE6krh3ctdA7hpqFSg7kQbgGVYgprlHgkA1VCpQ9sIPwDOsQExzDwWBaqhToJzGNADPsAIxzT0WBKqhSoE2TdhM1pRackB5hhWIae7BIFANCNSxFAINxDT3YBCoBgTqWAqBBmKaezAIVAMCdSyFQAMxzT0YBKqhSoGaPhcpL8VDpEhMc48FgWqoU6CmK3OKS7GMKRTT3ENBoBoqFajp2vDSUiykj8U090gQqIZaBcqAEkHuGshdAwJ1JHHv5K6B3DUgUEcS907uGshdAwJ1JHHv5K6B3DUgUEcS907uGshdAwJ1JHHv5K6B3DUgUEcS907uGshdAwJ1JHHv5K6B3DXUKlDPteH1L+j2XEhfSt7cqxeo54SeUMtboJ67E+vfUui5lbOYtLlXL1DPCT2llrVAPc/HqP9QC8/DRMrJmvtj7QL1nNCTajkLtGnCUtKUSjoZAsPSkDT3LVUL1HNCT6uFQGcslXQyIFAdCLQMBDr3hTmUSjoZEKgOBFoGAp37whxKJZ0MCFQHAi0DgQ65sjHf61Aq62RI7s+0uT9WLlDTCV3tQyTXVQ/FpdJOhtz+zJt77QI1ndDVLmNyXXdbWirvZEjtz8S51y5Q0wld7UL6+geUK+Sugdw11LqVkwElgtw1kLsGBOpI4t7JXQO5a0CgjiTundw1kLsGBOpI4t7JXQO5a0CgjiTundw1kLsGBOpI4t7JXQO5a0CgjiTundw1kLsGBOpI4t7JXQO5a6hVoJ4bF+rficREFkHuGioVqOfW2fr3wjORVZC7hjoF6nl4S/2nMT0ykVWQu4YqBTrpnD6HUmscUA4k7p3cNSBQx1JrHFAOJO6d3DUgUMdSaxxQDiTundw1IFDHUmscUA4k7p3cNVQpUB4i6WAiayB3DXUKlGVMMpjIGshdQ6UCZSG9CiayBnLXUKtAGVAiyF0DuWtAoI4k7p3cNZC7BgTqSOLeyV0DuWtAoI4k7p3cNZC7BgTqSOLeyV0DuWtAoI4k7p3cNZC7BgTqSOLeyV0DuWtAoI4k7p3cNZC7hloFykL6AQReoedE9sw9MnbP3EvJ2/v419BboGzlHEDgFXpOZM/cQ2O3zL2YtL1PeA2tBcphIgMIvMJHy4nsmXts7I65l5O19ymvobNABxwc51lKMZGDprLfRPbMPTh2w9wHkLT3Sa8hAp2xFAINxDN3BNohae8I1LUUAg3EM3cE2iFp7wjUtRQCDcQzdwTaIWnv1QqUh0hDqH4ie+YeG7tj7uVk7X3Ka2gtUJYxDaH6ieyZe2jslrkXk7b3Ca+ht0BZSD+E6ieyZ+6RsXvmXkre3se/huYCZUCJIHcN5K6h1q2cDCgR5K6B3DUgUEcS907uGshdAwJ1JHHv5K6B3DUgUEcS907uGshdAwJ1JHHv5K6B3DUgUEcS907uGshdAwJ1JHHv5K6B3DUgUEcS907uGshdQ60CrX4nUuQ2Fs+dSJ65B8JOpAN5e691J1L1e+EjN1J77oX3zD0Q9sIfSdt7rXvhA0+6kZTqvejIo3wia8VNZM/cA4mNHYEqmPIaOgu0acJGp6ZU30UHdmV6Hqhn7oEEx45ABUx6DRHojKUQqGfugSDQDkl7zyHQEZwujFKL1orDNKw4PLuCIYROw+klnmHp/2dwKMUdqGfugQTHzh2ogEmvobNAeYg0T1sl8BCpkNjYEaiCKa+htUBZxjQEz4nsmXsgobEjUAkTXkNvgbKQfgieE9kz90AiY0egGsa/huYCZUCJIHcN5K6h1q2cDCgR5K6B3DUgUEcS907uGshdAwJ1JHHv5K6B3DUgUEcS907uGshdAwJ1JHHv5K6B3DUgUEcS907uGshdAwJ1JHHv5K6B3DUgUEcS907uGshdQ60CrX4nUiSeO5ECMc09EnLXUKlAq98LH4nnXvhATHMPhdw11ClQyVE+gaUEh1q4ncYUiGnusZC7hioF2jRhUtCUUhyr5nUeaCCmuQdD7hoQqGMpBBqIae7BkLsGBOpYCoEGYpp7MOSuAYE6lkKggZjmHgy5a6hSoDxEGkKoPw0nsmvusZC7hjoFyjKmIUT603Eiu+YeCrlrqFSgLKQfQuAVWk5k19wjIXcNtQrUc0CVkrh3ctdA7hoQqCOJeyd3DeSuAYE6krh3ctdA7hoQqCOJeyd3DeSuAYE6krh3ctdA7hoQqCOJeyd3DeSuAYE6krh3ctdA7hoQqCOJeyd3DeSuoVaBVr+QPnLxu+dC+siuClk490gQqITxw8FboNVv5Yzcfum5lTO0q0KWzT0UBKpgwnCwFmj1h4lEHgDieZhIbFeFLJp7LAhUwJTh4CzQpgkb6JpSfRcd2JXpcXbBXRWyZO7BINDlmTQcEOiMpRAoAh0IAl0eBOpaCoEi0IEg0OVBoK6lECgCHQgCXZ5qBcpDpHnaKoGHSBoQqIApw8FaoCxjGkKoE1jGpAGBKpgwHLwFykL6IUTWYiG9BgQqYfxwMBcoA0oEuWsgdw21buVkQIkgdw3krgGBOpK4d3LXQO4aEKgjiXsndw3krgGBOpK4d3LXQO4aEKgjiXsndw3krgGBOpK4d3LXQO4aEKgjiXsndw3krgGBOpK4d3LXQO4aahVo9TuRIql+J5Jp7pFY5l5K3txr3YlU/V74SKrfC2+aeyiOuReTNvda98IHHpojKbXogIo9YcjwNCbT3GMxzL2crLlPCctZoE0TNgw0pZYcUIFXuMXvPFDT3IPxy30ASXOfFBYCnbEUAq0/92D8ch9A0twRqGspBFp/7sH45T6ApLkjUNdSCLT+3IPxy30ASXOvVqA8RBpC7IwxfJhhmnsshrmXkzX3KWFZC5RlTEMInTGOy2lMcw/FMfdi0uY+ISxvgbKQfgiRM8ZyQbdp7pFY5l5K3tzHh2UuULa2iSB3DeSuodatnAwoEeSugdw1IFBHEvdO7hrIXQMCdSRx7+Sugdw1IFBHEvdO7hrIXQMCdSRx7+Sugdw1IFBHEvdO7hrIXQMCdSRx7+Sugdw11CrQ6hfSRy539lxIHwgL6QfgOd5NqXUhffVbOSM33Hlu5QyErZwD8BzvptS6lVNyEkVgqd6LDuzK9DCRQAJz98XwMJH6c58SlrNAmyZsGGhK9V10YFemx9kFEpi7MX7H2dWf+6SwEOiMpRBoIPVP5C0IdHkQqGspBBpI/RN5CwJdHgTqWgqBBlL/RN6CQJenWoHyEGmetkrwE+gKHmY88hBJwpSwrAXKMqYhRNZyFOgKltOwjEnDhLC8BcpC+iFE1nIU6AoWdLOQXsP4sMwF6jmRS0ncO7lrIHcNtW7lZECJIHcN5K4BgTqSuHdy10DuGhCoI4l7J3cN5K4BgTqSuHdy10DuGhCoI4l7J3cN5K4BgTqSuHdy10DuGpQC/fz6YccPvx7/9gqBbkncO7lrIHcNSoF+etkRaPuXH/9AoOscUA4k7p3cNSgF+vTw0/HPm/vPn3YWfRUjUHYiDYCdSC2OvZcR+RLG4TnePaZOgEDfdWz5tL/3/PRy/35+qkDZCz8A9sIfMOy9jNCXMAzP8W4ydaYL9Mubv/z9UqZf3jz8EiDQKaekOJTiNKZIAnM3JfYljMJzvLtMnekC/fz6x/962X4CepTph6v38BOui/NAY9sqwU+ggbmbEvwSBuE53m2mznSBHp4hbe85P79u37p/OH4u+m3L8MJfTxc24ptXViq0liXVX6DpFXqOd9epM6LE037V0qeXm5vPo0CfEOiypUxnXyDVX6DpFXqOd9epM6LE4WZz+679hkAPLH1r7VCKt/CBBOZuSvBLGITneLeZOtMFeuDTyx//iBWo6WfO5aV4iBRJYO6mOPrTdby7TJ1Igf7w643PQKcI1HTVQ3EpljGFEpi7KY7+dB3vJlMnUqA//hH7FP7Rdd1taSkW0scSmLspjv50He8eU2eyQI/O3L1rf7df/xm0DvTRdCKXkrh3ctdA7hqEWzkPG5F27gzeicSAUkHuGshdg1Cgn17u7jb36ozeC8+AEkHuGshdg/IwkQ/d0+yeHjiN6Uji3sldA7lrkB6ovDsC9KfuX15df9HSF+ZA4t7JXQO5a+BEekcS907uGshdAwJ1JHHv5K6B3DUgUEcS907uGshdQ60C9Vx3a7qg2zOsQExzjwSBaqhUoJ47v0y3FHqGFYhp7qEgUA11CtTz7IHyUosOKM+wAjHNPRYEqqFKgTZN2EzWlFpyQHmGFYhp7sEgUA0I1LEUAg3ENPdgEKgGBOpYCoEGYpp7MAhUAwJ1LIVAAzHNPRgEqqFKgZo+FykvxUOkSExzjwWBaqhToKYrc4pLsYwpFNPcQ0GgGioVqOna8NJSLKSPxTT3SBCohloFyoASQe4ayF0DAnUkce/kroHcNSBQRxL3Tu4ayF0DAnUkce/kroHcNSBQRxL3Tu4ayF0DAnUkce/kroHcNSBQRxL3Tu4ayF0DAnUkce/kroHcNSBQRxL3Tu4ayF1DrQJlR8wAIsOKm8j17wCLxFKg5H7vG50Fyp7sAYSGFTaR6z+DIBRHgZL73W80FiinAg0gNqyoiVz/KVixGAqU3O9/o69AmyZWCjEM6CrpeaBbgiZyYFemuQfjJ1By7/lGBDoM0wGFQE+scSLPBrn3fCMCHYbpgEKgJ9Y4kWeD3Hu+EYEOw3RAIdATa5zIs0HuPd/oK1AeIg0hNiweImnwEyi593yjsUBZxjSE0LBYxqTBUKDkfv8bnQXKQvohRIbFQnoNjgIl97vfaC1QzwFVSuLeyV0DuWtAoI4k7p3cNZC7BgTqSOLeyV0DuWtAoI4k7p3cNZC7BgTqSOLeyV0DuWtAoI4k7p3cNZC7BgTqSOLeyV0DuWtAoI4k7p3cNZC7BgTqSOLeyV0DuWuoVaCCbSyBpQou2nOrlWlbnjtiQrNiB1gxHrl7C1SxkTqwVP9Fe272N23Lc092bFacQVCKSe7WApUc5RNYqveiA7uKxLOtwNwDCc6KU7AKccndWaBNE5aSplTfRQd2FYlnW4G5BxKdFeewlmGTOwKdsRQCDYSJPADP8R6ITe4IdMZSCDQQJvIAPMd7IDa5I9AZSyHQQJjIA/Ac74HY5O4sUB4iifBsKzD3QIKz4iFSIS65WwuUZUwiPNsKzD2Q2KxYxlSKSe7eAmUhvQjPtgJzDyQ0KxbSF+ORu7lA2domgtw1kLsGBOpI4t7JXQO5a0CgjiTundw1kPvy/LbhdwRqSOLeyV0DuS/KbwcQqCOJeyd3DeS+FL+dgUAdSdw7uWsg99n57RYI1JHEvZO7BnKfj5vmRKDGJO6d3DWQ+zzck2fNAmUh/QA8wwqEBd3eePbe584tL16MfQ29BcpWzgF4hhUIWwrNseu9xJ17f74Y+xpaC1RyIkJgqUUPE/EMK5DA3AMJzgqBBlHqztafL8a+hs4CbZqw0akpteRxdp5hBRKYeyDRWSHQ6Qxx58GfL8a+hgh0xlIINBAEao++96HuRKDWpRBoIAjUHmHvo8yJQM1LIdBAEKg9it6nmLN2gZo+FykvxUOkSAJzDyQ4KwQ6gAB5Hg069jW0FqjpypziUixjCiUw90Bis0KgZUS582jQsa+ht0BN14aXlmIhfSyBuQcSmhUC7SXWnQeD1rmQngGlgtw1kPtd5pDnjlq3cjKgRJC7BnJ/jtnciUBtSdw7uWsg9xvM604Eakvi3sldA7l3WcCcCNSYxL2TuwZy37KcOBGoM4l7J3cN5L68PBGoK4l7J3cNq85d404Eakvi3sldw1pzF7oTgdqSuHdy17C63NXmbKlVoLk317ATKRbPHWCmO5E8d96dmOy87Q72AHXuqVSgybd3sxc+FM8zCEz3wnue/dASobzdGUphBq1ToIEn3QQfmlMGpzFFUt7VkrkHZxUlUMkVlvQeZbwXL0INWqVAmyZsGASWGgDngQYyoKsFc4/OKkigmivs6T3IdTtevIg1KAJdrNQAEGggCHQAbgKNsVyH9Ql0BKeXzqlUIJFdEVb2UpEYXeHvs3ASaFDByTm1aQXVuWaE3I1vFMrgDjSQkDuhwaUCuyqiqjvQmJvDm6zvDnRMc4FjU6IEHiJFUt4VD5HED5FipHaXUH9+9913VQrUd7VJGSxjCqW4K5YxqZYxheisjAh/fneiToHarncug4X0sZR2xUL6R8EVbt4Hx6ixkAn+/O6aSgW6vq1tJpC7hpy5t15aVqBjuGFOBOpL4t7JXUO63Lt6Mhbo8+ZEoL4k7p3cNWTK/cpSjgLtNeeWWp/CP+YaUFck7p3cNSTJ/basvARaJM4DCNSRxL2Tuwb/3O8oy0OgZbecFyBQRxL3Tu4ajHPvV5daoGPM2YJAHUncO7lrcMy9WGBCgY42ZwsCdSRx7+SuwS33QRbTCHSaOVtqFajnemfPBd2RVJ+7K0YL6YerrECggUd4vngRYc6WSgXquePOc0thJNXnbovHVs6RSusXaND+9ThxHqhToJITEQJLLXqYSCDV5+6L/jCRCV7rFejkE0BC3q7fokqBNk3Y9NOUWvI4u0Cqz90Y6XF24/3TWqjn3yecQddjzinu3IFAHUshUM/cjVEJdKJ/Wgv1/Psogfaqc6o7dyBQx1II1DN3YxYXaIR9jhbq+fdBAu0X53ffcaDyXaqfyAh0nlIItD+sGO9cWKjn34sEWiLO7ziRftAwGHlt8lI8RDLN3ZdFHiLFOOeGhfq+4K70ysxZVGpE61UKtP7lNJb+XEHutsy9jCnIN89YqPcrbkpvmDnvlhpNpQKtf0G3pT9XkLsrMy6kj3LNHQv1f8mZ9MaZ82apqdQqULutbYNI3Du5a5gj9zDL9Fqo/EsniHMWEKgjiXsndw2huS/roFKBepmzBYE6krh3ctcQlrvEQn1fYGjOFgTqSOLeyV1DRO46C935N1dztiBQRxL3Tu4aJuYuttCN/2Z7z3kOAnUkce/krmF87moF/XYuUMtPOp8HgTqSuHdy1zAqd7V9DuwE2mdOO3fuQKCOJO6d3DUMzV0tng795vR05w4E6kji3sldQ3HuauN0KDGnrzr31CrQ6nfERO5Eiqxl9KslhpfKuwOsIHe1arrkF2fLixdjh4O3QKvfkx25Fz50X73Hr5YYWSrtGQR9uas9c6CCW84zXmwFOm44WAu0+lOBArsKPtlJ/6slJpTKegrW453c1Y7ZUcOb9Ru82At01HBwFmjThA10TaklzwONrPUo/tUSU0slPYd1y63c1X75rdScwt8LP4UXB4GOGQ4IdMZSCLT+3IO5yF3tlt8Gfc6JQBFoaCkEWn/uwZxyV2vlt+G/yQ2BItDQUgi0/tyD2eWuNspvI4/9QKBeAuUh0jxtlcBDJAUbB8klNMacLfLeR1LrQySWMQ0i1AksY1qU41wWCnSCOVtSCbQb/4Th4C1QFtIPIbIWC+kX42xaSwQ66v36DXII9NZrMH44mAuULYUiyH0Jrmf3ogK9L85B7txhLtB7r8QEQSHQ2UjcO7nPzDOTfBGB9opzuDt3uAq04OVAoI4k7p3cZ+TOXJ9XoCXmnLCTyE6g5S8JAnUkce/kPg99U34mgc5szha9QEe/LgjUkcS9k3s4RQaIFugy5mwRCnTqi4NAHUncO7nHMUQEYQJdUpwHFAINeo0QqCOJeyf36YzxwXSBKszZsqhAY18rBOpI4t7JfRpjtTBFoDpztiwj0FleLwTqSOLeyX00k+wwUqBic7bMJdAFXrRaBcpOpAF4hhVIYO7zMN0VwwXqYM6Wgt63287LC94NO3SMVipQ9sIPwDOsQAJzj2a8dC4YItD75nwxzFUR9Pf+oqyrkshjx2idApUc5RNYKutpTJFtxRGYexwR3ulSJNCCe84XLwpdFUlv771dlQcfPEarFGjThKWkKZX0PNDItuIIzD2IUPm03Bdo8dv1Fy8UBu0T6J2uhmYfPUYRqGMpBBqIlUDnEdBvzwq0x5xXH3UmEOi0FwCBFuDpBASqwUWgMzvoUkK96rz5mMhZoJZjFIE6lkKggRgIdAkHHSTUL857T9gtBeo8RqsUqOlzkfJSPESKJDD34SxjoI2DSsRZsDbJ6iHSiJewl+AxWqdATVfmFJdiGVMogbkPYSH7BJnzgMCfVwKd8BL2EztGKxWo6drw0lIspI8lMPcSFtJOsDkPLO/PjUB7M3Udo7UKlC2FIlad+0K+mcmcEkJyF4JAHUnc+2pzX8Y31Yjz7J4z8ZhBoI4k7n2NuS9jnBrNOS13BxCoI4l7X1nuyzinwJzC3wtfSGjuNiBQRxL3vpbcl9JO6T2no0DnyN0NBOpI4t5rz30p+Qx9t24l0BlydwWBOpK495pzX8I9Yz/p9BDoPLk7g0AdSdx7pbnP754+c/Y8JRILdK7c7alVoJ7rbk0X0gfi2dak3M9NEb/MvN+cJU/Y4wQqOPt9jePdW6CeO79Mt3IG4tnW+Nxv2iXKoCXmLF6cFCbQ0iucNffxpZZlQlvWAvU8e6C81KKHiQTi2da43O/YZapBI8V5IEqgkrPf1zjenQXaNGGBa0oteZxdIJ5tDc+91y5jDTqHOVuCBHrrChfLPaLUkkxqC4HOWGqNA2o2BnQ14VdL9DCfOVvmEOhiua9xvCPQGUutcUDNRklXBwsN0UsRM95znhMqUMZ7EQjUtdQaB9Rs9HR1ZqEivZQJdClztsQIlPE+hGoFykMkEZ5tPdvVtYX6BFPmz0XN2TJRoP1hBeZ+xRrHu7VAWcYkwrOtG109Y6Fe0fT5c3lztgwV6JCwAnO/zRrHu7dAWUgvwrOtTlf3LdQvnmf9qTJnS7FAh4QVmPtd1jjezQVa65ZCe2xzL7LQGHVpxXmgX6DqF+AOrmOmgFq3cvpO5BIS926Ze7GFhklLfNN5xh2BqtPvx3HMFIJAHUncu1vuwyxU9mU9H3RKDoe/JVB19sWYjZkhIFBHEvdulPsIC93/515xaty5YydQdeJj8Rkzg0GgjiTu3ST3kRZ65r+XmFP6O4lsch9H4t4RqCOJe9fnPsFDVwJNYM4Wfe4TSNw7AnUkce/S3Kfq6CTQPOZsYbxrkAv008sf/9j94fPrh4eHVwh0S+LeNbkHWel37885dzyTAONdwwICfds0//JvX99+f/Mfv7x52Av008uHLa1NEWhWls09UExZzdnCeNcwu0Dfb9fq/8u//fNvzb/+x41//tA6c3P/+dPOoq9iBMpOpAF4htXHAPdM2n55bs7AX+lRWqoojTiBeo73QELH6NwC3flzI9D//mvT/Ok/r/55e9+5E+jT/n8+vfzh1wiBshd+AJ5h3WOEqW67avA9Z+Cv9Hi+1JhIwgTqOd4DiR2jMwv0H3/e3Hj+9183b+G3Bv358p83b+D/9/4z0Hf7W8/Nf/glQKBTTklxKLXo6TSeYT3HaFNdumrUu/WYX+nxbKkJuUQJ1HO8BxI8RmcW6NvtbedOoF83b+K/ufzndw8/7R8ifXnzl7/v/suHq/fwI3prmrCUNKWWPB/RM6xrJpvq6Krxn3NO/ZUez5aaHk+QQD3HeyDRY3RegW6kubnr3Av068erT0G379v3Av38un3r/mH7UeiOb1tum/kup5BGfPPKSrm2deL3iZxUdd+cg0pNbepdyNgAACAASURBVOpQKjirydiPhql4dvWcQPfqbAX6jz9fCPTz681t54VAnxDosqVc29oxWVOtqnrerg+1XoRATSey82gIwbOrcQLdfe75rEAPjLg7PoU08vZaXYq38EELlHrMefmGfb5fKvfb5dv0yKy28Ba+DJvciwR69hb+/cVj+A+7B+9zCNT0uUh5qXU/RBohpyt6zXnzw86gX+lxwZxZHeEhUiEuuRcJ9Ovb7eeee4H+48/nD5E+vdw9N3r2M9ApAjVdmVNcaqXLmAZp6RkKzPn8c6Lpv9Kjy6xZXcIyplJMci8T6Maa2zWgG4G+3+1HOrsBPfLDr7FP4R9d14aXllrbQvpSO95lijlbpvxKjw6zZvUMLKQvxiP3MoG2C+n3nG/mPBPo13f79Z9B60CnXJgDiXsfnHuZHe8w6Z7znKm/GniWRMtgvGtYZivnDX8eaA8TCd6JxIBSMST3abYqEefA3eujBTpfnqUw3jUsc5hIc3MfZ1eg0XvhGVAiCnMfa6otM5izZbhAZ06zHMa7Bpvj7J4eOI3pSOLe+3IfJbYjc5mzpUCgy6Q4HMa7BhuBch5oh8S9P5v7FLFtmdWcLfcEumiKw2G8a5ALtJelL8yBxL3fyn2q12YX54GbAl0+wzEw3jXMK9DtEUznXB3IhEBvkLj3i9ynKm0hc7acC1SU4DgY7xqWFujtY5UR6DmJez/lPkllS91zntMKVJnfWBjvGhYX6LOP42MFKl8bPqnUwgvpA9m2NUVh83zQ2bv6ve1+jQu6rxCMrNzjfdx3Fgl0twx0v/7zY7PdyfnPvw1+Fz/6uix2J44rtexWzjCmHNjeZ84p9513ujq/gDVuKbxEMbKSjvdJbZUJtHMG6P5gka9vr49Vjhfo4W531JUZlFr0MJEYOqYaZtB+c059z15+9vsaD7W4QDKyEo73HVPaKhJoK82DTLfv3j8OfQ8/4bq8TmgbUGrJ4+ymc2WqMoOWmDPi484BZ7+v8Vi1czQjK9d4PzKprSKBtgfZ7dmfB3p1KigCvSbNgLqnqknmDBDnRVcRuQeCQDukGe/nLCHQsztQBFqNQO+p6lmBLmzOlsDcA0GgHfzH+03mF+jmLfzxDXv7Z97CpxboXVU9L1CJOYeHhUAR6ADmF+juLKb9PejHZvc8/vJY5VkEykOkWehX1pU/F77nnBoWD5F4iDSEKW2VCXS7bOnI5tbzbcMypoIvtFvWUWqwgz9LxDm/OQ8E5h5I7EvIMiYFE9oqE+jhMLst7TLQgTegLKSfVmoyw0y2sDkLryEw90BCX0IW0ksY31apQA8K3XlzI9DbxyqHC5StbZMZKjNHcw7EIvdxMN41cBqTI9reh+ssvTlbEo8ZxruGBQX6z78NPkgEgS5NsDvjxLnICR+JxwzjXcNiAt0+j0eghUh6D3VnMnO2JB4zjHcNywi0PZUJgRaydO9x4vzu96m/2VJizpbEY4bxrmEJgbYP4s9/LTwCvcNivceJ83DXGSDQpS7+msRjhvGuYXaBfmwXMQ1++o5AZ2SY0frM2X3HPkqgc19uKYnHDONdw7wCPa6jH61PBBpLtDmvPu0cJtDZrnMciccM413DnAJ93751/78jVn8i0GDizXn7QVGhQOMvMILEY4bxrmE2gR5+m8fP45bPTxUoO5E69Nmss319tDivSxmZk51I3iTufS6B7v2596ZAoOyFbym5G9ztX59qzk6pkl+esSjshTcnce/zCfT00H15gR6234+8NnmpkNNpSty5JcScXX9eGLQ8oJkIzD2QwIG1BYFqmPcOdH/05+ICbZqw0akpNe18xDhxDlwPP+CXZyxIYO6BBA6sHQhUw3wPkd7uh8f3CHR4qZECLRVduDnPBRr4xjQCBGpP4t7nfArfPkda/in86gRa7rh5zNkSLYUYEKg9iXufeSH95GX0CPReqUG/QLjHnKN+nfvoK1wQBGpP4t5n34l0WEu/6E6kwLEpKVXyEGnAL2DvM+fwX+Y++ZdnLElg7oEEZ4VANSyxF/4ff96NlCX3wgeOTUWpnov+7e56oVJzHr9qiD+jrnBRonKPJTYrBKphoePs3u4Gy4KnMQWOTUGp5y/6zHojzXn1QWeJP4OvcFmm5z4HoVkhUA2LnQe6faLEcXaF3Oi97AZxhodEQ1uvLPcskLuGJX+lx3sEWki391LR9apzqDtHtl5L7skgdw38TiRHdr2HiXOoOqe1nj73nJC7BgRqx0ZhJScalYhzSXO25M39cZ0T2YHEvSNQH04muytQU3O2JMz9ROLeyV0DAjXgSmi3BeptzpZMuV+RuHdy14BAlTzntQuBxptzvktKkftzJO6d3DUgUAk9fjsKNMEt5wXeufeQuHdy11CrQD0X0u8o0NzvJe4ctvlyoSvMXSrvRCZ3EZUK1HMrZ9DKpO2XlG+/XPQKk5dKO5HJXUWdApWcAHKfCHWevq7kAJClr7CCUlknMrnLqFKgTRM2DKaXijXnuT9vG3TpK6ynVNKJTO46EOhcpcrEOfDYj/sCXfgK6yuVdCKTuw4EGl4qxpx3H69fCnThK6y2VNKJTO46EGhcqShzfvdd31bOgz4jPqpKP/sCSyWdyOSuo0qBLv1JeJw529vO3r3wgReY/glEYKmsE5ncZdQp0KXWYhSac/B6+OcFOsMFZl8DE1gq7UQmdxWVCnTu1cBx4rz5UecNgc54gclXYQeWyjuRyV1ErQKda2tbnDjvPSTqCnSWy5gPthRqIHcNCLSQZczZFWhs/0vBRNZA7hoQaA9l4ixzZ1mhx3UOKAcS907uGhDocxSbM+w3uXWan9i7ECayBnLXgECvGGDOoVswe815aH5s73qYyBrIXQMCPTHInPfVOdach+ZHXrQBTGQN5K4BgT46mfPQ/MiLNoCJrIHcNaxboMPMGfN+veTp+hoHlAOJeyd3DesUaKg4Y925b37kRRvARNZA7hpqFegzeyCCxTnUnYE7M9iJNEOpZScyL+GBvAIdH5a3QK924cabc8THnYF7g9kLP0epRScyL+GRtAKdEJa1QJvmeGUyc97tqi/cARc4mcBa2UstOZF5CU9kFeiUsJwFuruo4t+6Nr85z9MOOB9xQKleAmulL7XgROYl7JBUoJPCqkagBeIsLBUXNwKtfiLzEnZAoAkFWnbLef/Xt5WZs9sVAnUuhUCrzz2StQp0yJv1wN9/iUDtSyHQ6nOPpFqBPh4EOtydV9/xrD/HdVWWNg+R6n+YwUt4IqlAq32ItLuyS+kNNee5QSe689hVWdosY1rBchpewiNZBVrtMqbtlZ2kN9KcXYNOduehKxbSO5diIb2mVFqBVruQftPf7zHHfsSYc2jzi/60UNhSqIHcNdS6lfPxa5A7R/74aaxxQDmQuHdy17A2gZqb89C88odPg4msgdw1rEigGczZssYB5UDi3sldQ70C/T3bbWeHNQ4oBxL3Tu4a6hZouTlt3LljjQPKgcS9k7uGigWa05071jigHEjcO7lrWLdAR9aenTUOKAcS907uGtYp0JE1F2ONA8qBxL2Tu4ZaBdrdiTRRnp47M9jGMkOpvBPZM/dS8uZeq0Bv7IUfe+PpuTeYjdRzlEo7kT1zLyZt7rUKtGkuT2MaeZWup9MEdpX+KJ/AUlknsmfu5WTN/bFSgTYHgb6Y/HFn04SNqAGlOA/UM3dTPHMfQNLct9QrULsBhUDtSyWdyJ65DyBp7lv8BTqC0yigVNK2PEuZQlj54Q40shR3oJ65m+KZ+wCS5r7F/w50THOBg0BSiodIprmb4pl7OVlzf6xVoKbLOopLsYzJNXdTPHMvJm3u1QrUdGFxaSkW0mtK5Z3InrmXkjf3agXK1jYR5K6B3DUgUEcS907uGshdAwJ1JHHv5K6B3DUgUEcS907uGshdAwJ1JHHv5K6B3DUgUEcS907uGshdAwJ1JHHv5K6B3DUgUEcS907uGshdQ60C9VxYzEJ671LL5m76EgpAoG4C9dzaxlZO81KL5m76EipAoGYCbZqwESUpxWEi9edu+hJKQKBeAm2asBGlKcVxdtXnbvoSakCgCDS0FAKtPnfTl1ADAkWgoaUQaPW5m76EGhAoAg0thUCrz930JdSAQL0EavpZf3kpHiLVn7vpSygBgZoJ1HS1SXEpljGtIHfTl1ABAnUTqOl659JSLKTXlGIhvQYEaidQtraJIHcN5K4BgTqSuHdy10DuGhCoI4l7J3cN5K4BgTqSuHdy10DuGhCoI4l7J3cN5K4BgTqSuHdy10DuGhCoI4l7J3cN5K4BgTqSuHdy10DuGhCoI4l7J3cN5K6hVoF6bhjx3BGTPKzAUnl3IiFQEZUK1HPLsuee7OxhBZZKuxcegaqoU6BNEzY6JaU4jan+3CNfwkcEqqJKgTZN2OjUlOI80Opzj3wJtyBQDQjUsRQCrT53BNohce8I1LEUAq0+dwTaIXHvCNSxFAKtPncE2iFx71UK1PSz/vJSPESqP/dYfyJQEXUK1HS1SXEpljGtIPdQfyJQEZUK1HS9c2kpFtJrSrGQXkPi3msVKANKBLlrIHcNCNSRxL2TuwZy14BAHUncO7lrIHcNCNSRxL2TuwZy14BAHUncO7lrIHcNCNSRxL2TuwZy14BAHUncO7lrIHcNCNSRxL2TuwZy11CrQD3XO3su6E4eVmCpZSey6UL60LbKQKBuAvXccee5pTB7WIGlFp3Ipls5Y9sqA4GaCTTwoAZJKQ4TMc09kMiX8DFOoMFtlYFAvQTaNGHDQFOK4+w8cw8k8iXcEiTQ6LbKQKAINLQUAvXMPRAE2gGBItDQUgjUM/dAEGgHBIpAQ0shUM/cA0GgHRCol0Drf5gROcqzhxVYiodIPEQaSJ0CrX85TeQoTx5WYCmWMbGMaSCVCrT+Bd2Rozx3WIGlWEj/yEL6YdQqULa2iSB3DeSuAYE6krh3ctdA7hoQqCOJeyd3DeSuAYE6krh3ctdA7hoQqCOJeyd3DeSuAYE6krh3ctdA7hoQqCOJeyd3DeSuAYE6krh3ctdA7hoQqCOJeyd3DeSuoVaBVr8jhp1IM5RaNnfTnUgCEvdeqUCr35PNXvg5Si2au+leeAWJe69ToIFHykhKcRpT/blHvoSPCFRFlQJtmrDRqSnFeaDV5x75Em5BoBoQqGMpBFp97gi0Q+LeEahjKQRafe4ItEPi3hGoYykEWn3uCLRD4t6rFKjpZ/3lpXiIVH/usf5EoCLqFKjpapPiUixjWkHuof5EoCIqFajpeufSUiyk15RiIb2GxL3XKlAGlAhy10DuGhCoI4l7J3cN5K4BgTqSuHdy10DuGhCoI4l7J3cN5K4BgTqSuHdy10DuGhCoI4l7J3cN5K5BKtBPLx8eHl61f/n8uvMXBJoVctdA7hqUAv3wsOOHX48yfXj48Q8Eus4B5UDi3sldg1CgG2X+srvx/Onr4X82/+lVjEA91zt7LuhOHlZgqYVzD8S0rUIQ6BiBvtvL8tPL7S3o0/7ec/+X6QL13HHnuaUwe1iBpZbNPRDTtkpBoBMeIn1+vXVma9Mvb7Z3pZMFGnhQg6QUh4msIPdATNsqBoFOEOinl5t7zy9v/vL33d8+XL2HH9Fb04SNKE0pjrOrP/dATNsqB4GOF+jhk9D2rfuH3SeiW75tGVHzNKDGdrWeUqZtVV8qEtO2YAAjX7p3Dw+7W8+jQJ8Q6LKlTNuqvlQkpm3BAMa9dF/ePOwXf94Q6IERd8enATXy9lpdirfw9eceiGlb5fAWftJnoJv38LEC5WHGPG1VX4qHSBoQ6JStnNsVTDc+A50iUJbTDCF5WIGlWMakAYFOEej2MXzsU/hHFnQPIndYgaVYSK8BgY4Q6HHJ524d07v9X4LWgU65MAcS907uGshdg3Qn0v7d+u5de/BOJAaUCnLXQO4a5HvhN+rcvnuP3gvPgBJB7hrIXYPyM9Cn/WlM+zft7V84jWlL4t7JXQO5a5A+RNodAXpQJueBnkjcO7lrIHcNBk/he1j6whxI3Du5ayB3DQjUkcS9k7sGcteAQB1J3Du5ayB3DQjUkcS9k7sGctdQq0DZETOAyFqWE9k090gscy8lce+VCpQ92QMI3UjtOJFNcw/FMfdiEvdep0AlR/kElsp6GtOj5UQ2zT0Ww9zLSdx7lQJtmrCBrimV9DzQLX4T2TT3YPxyH0Di3hGoYykEGohp7sH45T6AxL0jUMdSCDQQ09yD8ct9AIl7R6COpRBoIKa5B+OX+wAS916lQHmINE9bJRhOZNPcYzHMvZzEvdcpUJYxDSHUCY4T2TT3UBxzLyZx75UKlIX0Q4isZTmRTXOPxDL3UhL3XqtAGVAiyF0DuWtAoI4k7p3cNZC7BgTqSOLeyV0DuWtAoI4k7p3cNZC7BgTqSOLeyV0DuWtAoI4k7p3cNZC7BgTqSOLeyV0DuWtAoI4k7p3cNZC7BgTqSOLeyV0DuWuoVaDsRBJhOZEDc3fFMvdSEvdeqUDZC6/CcSIH5m6LY+7FJO69ToFyGpMMw4kcmLsvhrmXk7j3KgXaNGGC0ZTiXMpAAnM3xi/3ASTuHYE6lkKggSBQexL3jkAdSyHQQBCoPYl7R6COpRBoIAjUnsS9VylQHiLpMJzIgbn7Yph7OYl7r1OgLGOS4TiRA3O3xTH3YhL3XqlAWUivwnIiB+buimXupSTuvVaBMqBEkLsGcteAQB1J3Du5ayB3DQjUkcS9k7sGcteAQB1J3Du5ayB3DQjUkcS9k7sGcteAQB1J3Du5ayB3DQjUkcS9k7sGcteAQB1J3Du5ayB3DbUKtPqF9JHkDiuw1BonsgOJe69UoNVv5YwkeViBpdY4kR1I3HudAq3+MJFIsocVWGqNE9mBxL1XKdCmCZt+mlJLDqj0YQWWWuNEdiBx7wjUsRQCrT/3YBCoBgTqWAqB1p97MAhUAwJ1LIVA6889GASqoUqB8jBjCNnDCiy1xonsQOLe6xQoy2mGkDyswFJrnMgOJO69UoGyoHsIucMKLLXGiexA4t5rFSgDSgS5ayB3DQjUkcS9k7sGcteAQB1J3Du5ayB3DQjUkcS9k7sGcteAQB1J3Du5ayB3DQjUkcS9k7sGcteAQB1J3Du5ayB3DQjUkcS9k7sGcteAQB1J3Du5ayB3DbUKtPodMYFdmYYVCDuRvEnce6UCrX5PdmBXpmEFwl54cxL3XqdAqz8VKLAr07AC4TQmdxL3XqVAmyZsJmtK9V10YFemYQUSmLsxCFQDAnUshUADQaD2JO4dgTqWQqCBIFB7EveOQB1LIdBAEKg9iXuvUqCmz0XKS/EQKZLA3H1BoBrqFKjpypziUixjCiUwd1sQqIZKBWq6Nry0FAvpYwnM3RUEqqFWgTKgRJC7BnLXgEAdSdw7uWsgdw0I1JHEvZO7BnLXgEAdSdw7uWsgdw0I1JHEvZO7BnLXgEAdSdw7uWsgdw0I1JHEvZO7BnLXgEAdSdw7uWsgdw21CtRzbXj9C7o9F9KXkjd3BCqiUoF67k6sf0uh51bOYtLmjkBV1ClQz/Mx6j/UwvMwkXKy5v6IQFVUKdCmCZvJmlJJB1RgWBqS5r4FgWpAoI6lkg4oBKoDgWrwF+gIThO50lKm1H+FAPPAHWhkqaT/j8wdqA7uQDX434GOaS5wHktKZR1Qyf2ZNvdHBKqiToGyjElEbn/mzR2BqqhUoCykF5Han4lzR6AiahUoA0oEuWsgdw0I1JHEvZO7BnLXgEAdSdw7uWsgdw0I1JHEvZO7BnLXgEAdSdw7uWsgdw0I1JHEvZO7BnLXgEAdSdw7uWsgdw0I1JHEvZO7BnLXgEAdSdw7uWsgdw21CrT6nUiuW36YyBrIXUOlAq1+L7ztpnMmsgZy11CnQKs/jcn32CMmsgZy11ClQKs/D9T44E0msgZy14BAHUshUA2Jeyd3DQjUsRQC1ZC4d3LXgEAdSyFQDYl7J3cNVQqUh0g6mMgayF1DnQJlGZMMJrIGctdQqUBZSK+CiayB3DXUKlAGlAhy10DuGhCoI4l7J3cN5K4BgTqSuHdy10DuGhCoI4l7J3cN5K4BgTqSuHdy10DuGhCoI4l7J3cN5K4BgTqSuHdy10DuGhCoI4l7J3cN5K4BgTqSuHdy10DuGmoVaPU7kVxhImsgdw2VCrT6vfC2MJE1kLuGOgVa/WlMvjCRNZC7hioFWv15oMYwkTWQuwYE6lhqjQPKgcS9k7sGBOpYao0DyoHEvZO7BgTqWGqNA8qBxL2Tu4YqBcpDJB1MZA3krqFOgbKMSQYTWQO5a6hUoCykV8FE1kDuGmoVKANKBLlrIHcNCNSRxL2TuwZy14BAHUncO7lrIHcNCNSRxL2TuwZy14BAHUncO7lrIHcNCNSRxL2TuwZy14BAHUncO7lrIHcNCNSRxL2TuwZy11CrQFlIL4KJrIHcNVQqULZyqmAiayB3DXUKlMNEZDCRNZC7hioFynF2OpjIGshdAwJ1LLXGAeVA4t7JXQMCdSy1xgHlQOLeyV0DAnUstcYB5UDi3sldQ5UC5SGSDiayBnLXUKdAWcYkg4msgdw1VCpQFtKrYCJrIHcNtQqUASWC3DWQuwYE6kji3sldA7lrQKCOJO6d3DWQuwYE6kji3sldA7lrQKCOJO6d3DWQuwYE6kji3sldA7lrQKCOJO6d3DWQuwYE6kji3sldA7lrQKCOJO6d3DWQu4ZaBcpOJBFMZA3krqFSgbIXXgUTWQO5a6hToJzGJIOJrIHcNVQpUM4D1cFE1kDuGhCoY6k1DigHEvdO7hoQqGOpNQ4oBxL3Tu4aEKhjqTUOKAcS907uGqoUKA+RdDCRNZC7hjoFyjImGUxkDeSuoVKBspBeBRNZA7lrqFWgDCgR5K6B3DUgUEcS907uGshdAwJ1JHHv5K6B3DUgUEcS907uGshdAwJ1JHHv5K6B3DUgUEcS907uGshdg1Sgn14+PDz88Ov+L59fb/7yCoFuSdw7uWsgdw1Kgb572PPqKNOHhx//QKDrHFAOJO6d3DUIBfq0V+e7h7/8fXf/+dPOoq9iBMpCehFMZA3krkEo0HetLN9t1fm0v/f89PLwjn6aQNnKqYKJrIHcNegE+uXN9s7z69adPx1t+uXNwy8BAuUwERlMZA3krsHgKfxWoEebfrh6Dz+iN46z08FE1kDuGvQC3d10fn7dvnX/sL0d3fFty4iSJ1WN7sq7FABUxXgpfNh++nkU6BMCBYC1MVoKT+1D+CuBHhhxd8xbeB28ldRA7hrUb+H3/gwWKA+RdDCRNZC7BrFAP+z9eesz0CkCZRmTDCayBnLXIBXolzeHjZyxT+EfWUgvg4msgdw1KAW68edx5+a7/frPoHWgUy7MgcS9k7sGctcgFGjXn9E7kRhQKshdA7lrEAr0Q/fkkOi98AwoEeSugdw16AS6O77u4XgE09MDpzEdSdw7uWsgdw06gT49nAmU80A7JO6d3DWQuwb1OtB+lr4wBxL3Tu4ayF0DAnUkce/kroHcNSBQRxL3Tu4ayF0DAnUkce/kroHcNdQqUM+dSKWscUA5kLh3ctdQqUA998IXs8YB5UDi3sldQ50C9TyNqZw1DigHEvdO7hqqFKjneaADWOOAciBx7+SuAYEuVmoAaxxQDiTundw1INDFSg1gjQPKgcS9k7sGBLpYqQGscUA5kLh3ctdQpUB5iKSDiayB3DXUKVCWMclgImsgdw2VCpSF9CqYyBrIXUOtAmVAiSB3DeSuAYE6krh3ctdA7hoQqCOJeyd3DeSuAYE6krh3ctdA7hoQqCOJeyd3DeSuAYE6krh3ctdA7hoQqCOJeyd3DeSuAYE6krh3ctdA7hpqFahg9XsgaxxQDiTundw1VCpQxf7LQNY4oBxI3Du5a6hToJITQAJZ44ByIHHv5K6hSoFqzqALZI0DyoHEvZO7BgTqyBoHlAOJeyd3DQjUkTUOKAcS907uGhCoI2scUA4k7p3cNVQpUB4i6WAiayB3DXUKlGVMMpjIGshdQ6UCZSG9CiayBnLXUKtAGVAiyF0DuWtAoI4k7p3cNZC7BgTqSOLeyV0DuWtAoI4k7p3cNZC7BgTqSOLeyV0DuWtAoI4k7p3cNZC7BgTqSOLeyV0DuWtAoI4k7p3cNZC7BgTqSOLeyV0DuWtAoI4k7p3cNZC7BgTqSOLeyV0DuWtAoI4k7p3cNZC7BgTqSOLeyV0DuWtAoI4k7p3cNZC7BgTqSOLeyV0DuWtAoI4k7p3cNZC7BgTqSOLeyV0DuWtAoI4k7p3cNZC7BgTqSOLeyV0DuWtAoI4k7p3cNZC7BgTqSOLeyV0DuWtAoI4k7p3cNZC7BgTqSOLeyV0DuWtAoI4k7p3cNZC7BgTqSOLeyV0DuWtAoI4k7p3cNZC7BgTqSOLeyV0DuWtAoI4k7p3cNZC7BgTqSOLeyV0DuWtAoI4k7p3cNZC7BgTqSOLeyV0DuWtAoI4k7p3cNZC7BgTqSOLeyV0DuWtAoI4k7p3cNZC7Bn+BjuTbb9UdrBNy10DuGqJyR6Cwg9w1kLsGBAqhkLsGcteAQCEUctdA7hoQKIRC7hrIXQMChVDIXQO5a0CgEAq5ayB3DQgUQiF3DeSuoVqBAgBkAYECAIwEgQIAjASBAgCMBIECAIwEgQIAjASBAgCMBIECAIzES6CfXz88PLxSd7E6drFv+OFXdSdr4vPrn45/YtgvxzH3kGFvJdBPL3cX9OMf6kZWRps7Al2Udw/tRGbYL8pl7vUIdPP/CD/tLuuVupOV8XQYUrAc7x7a1Bn2i3LMPWbYOwn0af9/wp9ecie0LO+Yu0uzu/vZz1+G/YJ0co8Z9k4CbS/oy5uHX8SdrIsvb/7yd3UPK+PDZhYfboAY9svRzT1m2BsJ9HhBH7ghWpTPr3/8r5d8ArokHzZDvZ3IDPsF6eQeNOyNBPr5dXstH/hIblEOH6ZzB7Qo7URmW46RewAABupJREFU2C/MQaAxw95RoDzTWJan/RqaTy95J78klwJl2C/D0/Gz54hhj0DhcOvDe8hFQaAano7DPWLYI1A48OklSxEXBIFquMx52rB3FCgfBmlgIc2i8BmohmuBThn2RgLlcaQY7kAXhafwGqq9A/36bv88jAVxy3KcwbyHXJTTOlCG/ZJc/h/XtGHvJFC2ZGg47Mh4xwxektPTYIb9klxsYJg47J0EyqZgDZvEt0PoieMsFuW0oJthvySddaABw95JoNuVWRxLI+ADhzEJOL51ZNgvyjH3kGFvJVAORhSxy50PQJfl9Nkbw35JLnKfOOy9BAoAkAgECgAwEgQKADASBAoAMBIECgAwEgQKADASBAoAMBIECgAwEgQKADASBAoAMBIECgAwEgQKADASBAoAMBIECgAwEgQKz/K2ab45/e2ff2uan6cV/O+/NluORd82f/rPMW2N+a7t1Rz4l38b8f2zNAXJQaDwLFvfnZT5/kynI9gauKUttIxAP+6/vCPQJtB2x+oIdI0gUHiej03zr//R/vkffz79eRQdfx4EtohA3zY3BBqmu7eTLgWyg0DhDhvpfL//0/Q38BsbtxXeN5NqjRbo8dsmNjChGagMBAp32LyJbz8vjHgD372bnaCd6QKdfjVjm4HKQKBwj4/tm92NSSeKYiPQk7PeTvk4IECg0ww+oRmoDAQK99i+c9++iX/beXK9/zDz5I322fr3h3/8eaOn3Vvk/Re237j5y5Vq9vbZfP/3u3fVh48L2u987ideO+usg/Of+745/NPb85Y3f+n2ev4zdrb/eHjctfua4zd3v/BG9bM6Ny4NqgKBwl028tiY6GPHAO+vHqW37G4qN/74X+1fPp79w/brLm87jwL9n3/tfuXxR3xz8ydeCfS8g/Ofe1ugm6v65qzX08/YXedWoG8PRdo/nD7LOH3hdfXzOteXBnWBQOE+248Lu3eP79vbq7etz97vXbG9Cdz+fXsDtlHNP//P8W3y4fPGy0WgXzsCPd6wft/5EW/P/3r8iZcCvejg8uc+8xno991et/9ha7jDwq3dbeQ3X1s3f9Np4uILL6tf/PPVpUFlIFC4z3bu/4/T2+n9vduW97v/uFHE/u/tp6Snp/XvDzddhw88d++EzyR6EujP7Y9q/76TUfvY6fInXgr0soPLn3st0FacnV6PH/G2P/MovIOVD9Uuv/Ci+uU/X14a1AYChR523uu8gT+8F90/FfrY+YyzVc/xffjVhp/j+9u23oV1Wkl9PGhtX/vyJ14K9LKDy597ex3oN19v97q52u+7//L29NZ938z5F14I9PKfLy8NagOBQh/vz5+gPLcR8+1BoO1/3X4UeX3X9bFr0KNAj7eYewN2XXP9E5998H3079kX3BToN23pK73tm7nxL3tPX37hhUAv//ny0qA2ECj00d5r7Wg/yDx7aLNl96FhK9DTG/TOzWaX94dHMp2n8O0/bEucC/L6J94W6LGDy597Q6DdZ+3tHzpv7/fP54+PyLoCvfrCc4Fe/fPlpUFtIFDoo0egH8/+2r1hPHzoeX12x9um8/53skDPO7j8uc9vtuwK9Pwu945An7kdvvi29j8g0NpBoNDHhUDPt/Acdrj/fHoL/831P/988SFgK5ZCgV5sGrow4WUHFz+3UKDcgcIYECj00RXo1dPk98f3yjcF2n7J5nved7ef9wi0dc2u1vXz6wsTXnZw8XNLBHrrM9CbAh3xGSgCrRoECn10BdrZkrQz20lvG1ecCfTsw9D9svqTQt53bw4vLXN8Cr/5wT9f/cRLE152cPlziwR6svvHwwrR2wK9/MKrp/Dn/4xAaweBQh9nAj3tIt957qSv95efgb4/38S5e1O9/9rtx5rt0vhbAj2u/Xl7WAfa/YnPC/T9YU/R+ebREoHeWAd6W6DD14Ei0KpBoNDHmUC3mtoJqn2D3O732T3qaRenn6R03NXz89fuOvqL5ztXlvl4LP39jZ94th5p8/WXHVz+3PcXD5NOdG5WOzuIvv96R6CXX3hZ/eKfEWjtIFDo41ygp9XwO2McH5L/6d8Pmxa/OX1f011R1Hme3t4jPiPQZ/fCXy/o3Hz9ZQeXP/dwJshdgd7YC/+1bfFcoBdfeFX9ai88Aq0aBAp9XAj0/JCl1md7kX1z8RDpfVeDx+/sfuttgd4+jenw9wuBXnZw9XPblfX3Bdr+jG8u/+VKoOdfeF397J8RaO0gUACAkSBQAICRIFAAgJEgUACAkSBQAICRIFAAgJEgUACAkSBQAICRIFAAgJEgUACAkSBQAICRIFAAgJEgUACAkSBQAICRIFAAgJEgUACAkSBQAICRIFAAgJEgUACAkSBQAICR/H+pMZb1EJqevwAAAABJRU5ErkJggg=="/>
+          <p:cNvSpPr>
+            <a:spLocks noChangeAspect="1" noChangeArrowheads="1"/>
+          </p:cNvSpPr>
+          <p:nvPr/>
+        </p:nvSpPr>
+        <p:spPr bwMode="auto">
+          <a:xfrm>
+            <a:off x="155575" y="-144463"/>
+            <a:ext cx="304800" cy="304801"/>
+          </a:xfrm>
+          <a:prstGeom prst="rect">
+            <a:avLst/>
+          </a:prstGeom>
+          <a:noFill/>
+          <a:extLst>
+            <a:ext uri="{909E8E84-426E-40DD-AFC4-6F175D3DCCD1}">
+              <a14:hiddenFill xmlns:a14="http://schemas.microsoft.com/office/drawing/2010/main">
+                <a:solidFill>
+                  <a:srgbClr val="FFFFFF"/>
+                </a:solidFill>
+              </a14:hiddenFill>
+            </a:ext>
+          </a:extLst>
+        </p:spPr>
+        <p:txBody>
+          <a:bodyPr vert="horz" wrap="square" lIns="91440" tIns="45720" rIns="91440" bIns="45720" numCol="1" anchor="t" anchorCtr="0" compatLnSpc="1">
+            <a:prstTxWarp prst="textNoShape">
+              <a:avLst/>
+            </a:prstTxWarp>
+          </a:bodyPr>
+          <a:lstStyle/>
+          <a:p>
+            <a:endParaRPr lang="en-US"/>
+          </a:p>
+        </p:txBody>
+      </p:sp>
+      <p:sp>
+        <p:nvSpPr>
+          <p:cNvPr id="5" name="AutoShape 4" descr="data:image/png;base64,iVBORw0KGgoAAAANSUhEUgAABUAAAAPACAMAAADDuCPrAAAAolBMVEUAAAAAADoAAGYAOpAAZrYzMzMzZv86AAA6Ojo6kJA6kNs9PT1NTU1NTW5NTY5NbqtNjshmAABmZmZmtv9uTU1uq+SOTU2Oq6uOyP+QOgCQkLaQ29uQ2/+rbk2rjk2r5P+2ZgC2kDq2///Ijk3I///KysrW1tbbkDrb///kq27k5Kvk///r6+v/tmb/yI7/25D/5Kv//7b//8j//9v//+T////sHfwrAAAACXBIWXMAAB2HAAAdhwGP5fFlAAAgAElEQVR4nO2da4PcxpFlMWNJ3hXbkrwiufLucM0ZSuJw1GxzaPL//7WtB6oK9ehCAgjg3kic88Wk2B0duJV5jCpkZjdfAQBgFI26AQCArCBQAICRIFAAgJEgUACAkSBQAICRIFAAgJEgUACAkSBQAICRIFAAgJEgUACAkSBQAICRIFAAgJEgUACAkcwn0MdxjP5GBxL3Tu4ayF3DBEEh0NlI3Du5ayB3DQjUkcS9k7sGcteAQB1J3Du5ayB3DQjUkcS9k7sGcteAQB1J3Du5ayB3DQjUkcS9k7sGcteAQB1J3Du5ayB3DQjUkcS9k7sGcteAQB1J3Du5ayB3DQjUkcS9k7sGcteAQB1J3Du5ayB3DQjUkcS9k7sGcteAQB1J3Du5ayB3DQjUkcS9k7sGcteAQB1J3Du5ayB3DQjUkcS9k7sGcteAQB1J3Du5ayB3DQjUkcS9k7sGcteAQB1J3Du5ayB3DQjUkcS9k7sGcteAQB1J3Du5ayB3DQjUkcS9k7sGcteAQB1J3Du5ayB3DQjUkcS9k7sGcteAQB1J3Du5ayB3DQjUkcS9k7sGcteAQB1J3Du5ayB3DQjUkcS9k7sGcteAQB1J3Du5ayB3DQjUkcS9k7sGcteAQB1J3Du5ayB3DVqBvnvY8Mv+z59fb/78CoFuSdw7uWsgdw1Kge6UueGn7V8+vdz9+cc/EOg6B5QDiXsndw1CgX55s7vh/PDwl7/vZPrTzqKvYgTabBh5ZQal1jigHEjce1zugeO9lILeBV0VIRToU3u7+WGrzvYvn17+8GuEQJsmLHBFKSayhsS9h+UeON6L6e9d0VUROoFubkB/Of3t3f7W8/w/jhZo04QFLinFRNaQuPeo3APHezm9vUu6KkIn0M+vOzebX95s38d/3d6Ovpou0KYJC1xTiomsIXHvQbkHjvcB9PWu6aoInUA/vfzxj6eHh90noCebftg/Utrwbcvgwptmjoz45gylAObBc5B6dhXKKIH+v/1T+FcdgT4hUAAZnoPUs6tQhl/ZU7uA6Wl7D3pDoAdG3B3zFl4Hb+E18BZeg+4t/NNh2fz2XXusQHmIpAOBauAhkgblZ6Dtc6Pth6E3PgOdIlCWMclAoBpYxqRBKdDWmds/xD6Ff2QhvQwEqoGF9BqU60A7d6Bf3+3XfwatA51yYQ4k7p3cNZC7BuFOpHftu/XdTWfwTiQGlApy10DuGoQCbTe+P82yF54BJYLcNZC7BuVpTE/7ZaD7N+3tXziNaUvi3sldA7lrkJ4H+uXNRpmH9+ycB3oice/kroHcNXAivSOJeyd3DeSuAYE6krh3ctdA7hoQqCOJeyd3DeSuAYE6krh3ctdA7hpqFSg7kQbgGVYgprlHgkA1VCpQ9sIPwDOsQExzDwWBaqhToJzGNADPsAIxzT0WBKqhSoE2TdhM1pRackB5hhWIae7BIFANCNSxFAINxDT3YBCoBgTqWAqBBmKaezAIVAMCdSyFQAMxzT0YBKqhSoGaPhcpL8VDpEhMc48FgWqoU6CmK3OKS7GMKRTT3ENBoBoqFajp2vDSUiykj8U090gQqIZaBcqAEkHuGshdAwJ1JHHv5K6B3DUgUEcS907uGshdAwJ1JHHv5K6B3DUgUEcS907uGshdAwJ1JHHv5K6B3DUgUEcS907uGshdAwJ1JHHv5K6B3DXUKlDPteH1L+j2XEhfSt7cqxeo54SeUMtboJ67E+vfUui5lbOYtLlXL1DPCT2llrVAPc/HqP9QC8/DRMrJmvtj7QL1nNCTajkLtGnCUtKUSjoZAsPSkDT3LVUL1HNCT6uFQGcslXQyIFAdCLQMBDr3hTmUSjoZEKgOBFoGAp37whxKJZ0MCFQHAi0DgQ65sjHf61Aq62RI7s+0uT9WLlDTCV3tQyTXVQ/FpdJOhtz+zJt77QI1ndDVLmNyXXdbWirvZEjtz8S51y5Q0wld7UL6+geUK+Sugdw11LqVkwElgtw1kLsGBOpI4t7JXQO5a0CgjiTundw1kLsGBOpI4t7JXQO5a0CgjiTundw1kLsGBOpI4t7JXQO5a0CgjiTundw1kLsGBOpI4t7JXQO5a6hVoJ4bF+rficREFkHuGioVqOfW2fr3wjORVZC7hjoF6nl4S/2nMT0ykVWQu4YqBTrpnD6HUmscUA4k7p3cNSBQx1JrHFAOJO6d3DUgUMdSaxxQDiTundw1IFDHUmscUA4k7p3cNVQpUB4i6WAiayB3DXUKlGVMMpjIGshdQ6UCZSG9CiayBnLXUKtAGVAiyF0DuWtAoI4k7p3cNZC7BgTqSOLeyV0DuWtAoI4k7p3cNZC7BgTqSOLeyV0DuWtAoI4k7p3cNZC7BgTqSOLeyV0DuWtAoI4k7p3cNZC7hloFykL6AQReoedE9sw9MnbP3EvJ2/v419BboGzlHEDgFXpOZM/cQ2O3zL2YtL1PeA2tBcphIgMIvMJHy4nsmXts7I65l5O19ymvobNABxwc51lKMZGDprLfRPbMPTh2w9wHkLT3Sa8hAp2xFAINxDN3BNohae8I1LUUAg3EM3cE2iFp7wjUtRQCDcQzdwTaIWnv1QqUh0hDqH4ie+YeG7tj7uVk7X3Ka2gtUJYxDaH6ieyZe2jslrkXk7b3Ca+ht0BZSD+E6ieyZ+6RsXvmXkre3se/huYCZUCJIHcN5K6h1q2cDCgR5K6B3DUgUEcS907uGshdAwJ1JHHv5K6B3DUgUEcS907uGshdAwJ1JHHv5K6B3DUgUEcS907uGshdAwJ1JHHv5K6B3DUgUEcS907uGshdQ60CrX4nUuQ2Fs+dSJ65B8JOpAN5e691J1L1e+EjN1J77oX3zD0Q9sIfSdt7rXvhA0+6kZTqvejIo3wia8VNZM/cA4mNHYEqmPIaOgu0acJGp6ZU30UHdmV6Hqhn7oEEx45ABUx6DRHojKUQqGfugSDQDkl7zyHQEZwujFKL1orDNKw4PLuCIYROw+klnmHp/2dwKMUdqGfugQTHzh2ogEmvobNAeYg0T1sl8BCpkNjYEaiCKa+htUBZxjQEz4nsmXsgobEjUAkTXkNvgbKQfgieE9kz90AiY0egGsa/huYCZUCJIHcN5K6h1q2cDCgR5K6B3DUgUEcS907uGshdAwJ1JHHv5K6B3DUgUEcS907uGshdAwJ1JHHv5K6B3DUgUEcS907uGshdAwJ1JHHv5K6B3DUgUEcS907uGshdQ60CrX4nUiSeO5ECMc09EnLXUKlAq98LH4nnXvhATHMPhdw11ClQyVE+gaUEh1q4ncYUiGnusZC7hioF2jRhUtCUUhyr5nUeaCCmuQdD7hoQqGMpBBqIae7BkLsGBOpYCoEGYpp7MOSuAYE6lkKggZjmHgy5a6hSoDxEGkKoPw0nsmvusZC7hjoFyjKmIUT603Eiu+YeCrlrqFSgLKQfQuAVWk5k19wjIXcNtQrUc0CVkrh3ctdA7hoQqCOJeyd3DeSuAYE6krh3ctdA7hoQqCOJeyd3DeSuAYE6krh3ctdA7hoQqCOJeyd3DeSuAYE6krh3ctdA7hoQqCOJeyd3DeSuoVaBVr+QPnLxu+dC+siuClk490gQqITxw8FboNVv5Yzcfum5lTO0q0KWzT0UBKpgwnCwFmj1h4lEHgDieZhIbFeFLJp7LAhUwJTh4CzQpgkb6JpSfRcd2JXpcXbBXRWyZO7BINDlmTQcEOiMpRAoAh0IAl0eBOpaCoEi0IEg0OVBoK6lECgCHQgCXZ5qBcpDpHnaKoGHSBoQqIApw8FaoCxjGkKoE1jGpAGBKpgwHLwFykL6IUTWYiG9BgQqYfxwMBcoA0oEuWsgdw21buVkQIkgdw3krgGBOpK4d3LXQO4aEKgjiXsndw3krgGBOpK4d3LXQO4aEKgjiXsndw3krgGBOpK4d3LXQO4aEKgjiXsndw3krgGBOpK4d3LXQO4aahVo9TuRIql+J5Jp7pFY5l5K3txr3YlU/V74SKrfC2+aeyiOuReTNvda98IHHpojKbXogIo9YcjwNCbT3GMxzL2crLlPCctZoE0TNgw0pZYcUIFXuMXvPFDT3IPxy30ASXOfFBYCnbEUAq0/92D8ch9A0twRqGspBFp/7sH45T6ApLkjUNdSCLT+3IPxy30ASXOvVqA8RBpC7IwxfJhhmnsshrmXkzX3KWFZC5RlTEMInTGOy2lMcw/FMfdi0uY+ISxvgbKQfgiRM8ZyQbdp7pFY5l5K3tzHh2UuULa2iSB3DeSuodatnAwoEeSugdw1IFBHEvdO7hrIXQMCdSRx7+Sugdw1IFBHEvdO7hrIXQMCdSRx7+Sugdw1IFBHEvdO7hrIXQMCdSRx7+Sugdw11CrQ6hfSRy539lxIHwgL6QfgOd5NqXUhffVbOSM33Hlu5QyErZwD8BzvptS6lVNyEkVgqd6LDuzK9DCRQAJz98XwMJH6c58SlrNAmyZsGGhK9V10YFemx9kFEpi7MX7H2dWf+6SwEOiMpRBoIPVP5C0IdHkQqGspBBpI/RN5CwJdHgTqWgqBBlL/RN6CQJenWoHyEGmetkrwE+gKHmY88hBJwpSwrAXKMqYhRNZyFOgKltOwjEnDhLC8BcpC+iFE1nIU6AoWdLOQXsP4sMwF6jmRS0ncO7lrIHcNtW7lZECJIHcN5K4BgTqSuHdy10DuGhCoI4l7J3cN5K4BgTqSuHdy10DuGhCoI4l7J3cN5K4BgTqSuHdy10DuGpQC/fz6YccPvx7/9gqBbkncO7lrIHcNSoF+etkRaPuXH/9AoOscUA4k7p3cNSgF+vTw0/HPm/vPn3YWfRUjUHYiDYCdSC2OvZcR+RLG4TnePaZOgEDfdWz5tL/3/PRy/35+qkDZCz8A9sIfMOy9jNCXMAzP8W4ydaYL9Mubv/z9UqZf3jz8EiDQKaekOJTiNKZIAnM3JfYljMJzvLtMnekC/fz6x/962X4CepTph6v38BOui/NAY9sqwU+ggbmbEvwSBuE53m2mznSBHp4hbe85P79u37p/OH4u+m3L8MJfTxc24ptXViq0liXVX6DpFXqOd9epM6LE037V0qeXm5vPo0CfEOiypUxnXyDVX6DpFXqOd9epM6LE4WZz+679hkAPLH1r7VCKt/CBBOZuSvBLGITneLeZOtMFeuDTyx//iBWo6WfO5aV4iBRJYO6mOPrTdby7TJ1Igf7w643PQKcI1HTVQ3EpljGFEpi7KY7+dB3vJlMnUqA//hH7FP7Rdd1taSkW0scSmLspjv50He8eU2eyQI/O3L1rf7df/xm0DvTRdCKXkrh3ctdA7hqEWzkPG5F27gzeicSAUkHuGshdg1Cgn17u7jb36ozeC8+AEkHuGshdg/IwkQ/d0+yeHjiN6Uji3sldA7lrkB6ovDsC9KfuX15df9HSF+ZA4t7JXQO5a+BEekcS907uGshdAwJ1JHHv5K6B3DUgUEcS907uGshdQ60C9Vx3a7qg2zOsQExzjwSBaqhUoJ47v0y3FHqGFYhp7qEgUA11CtTz7IHyUosOKM+wAjHNPRYEqqFKgTZN2EzWlFpyQHmGFYhp7sEgUA0I1LEUAg3ENPdgEKgGBOpYCoEGYpp7MAhUAwJ1LIVAAzHNPRgEqqFKgZo+FykvxUOkSExzjwWBaqhToKYrc4pLsYwpFNPcQ0GgGioVqOna8NJSLKSPxTT3SBCohloFyoASQe4ayF0DAnUkce/kroHcNSBQRxL3Tu4ayF0DAnUkce/kroHcNSBQRxL3Tu4ayF0DAnUkce/kroHcNSBQRxL3Tu4ayF0DAnUkce/kroHcNSBQRxL3Tu4ayF1DrQJlR8wAIsOKm8j17wCLxFKg5H7vG50Fyp7sAYSGFTaR6z+DIBRHgZL73W80FiinAg0gNqyoiVz/KVixGAqU3O9/o69AmyZWCjEM6CrpeaBbgiZyYFemuQfjJ1By7/lGBDoM0wGFQE+scSLPBrn3fCMCHYbpgEKgJ9Y4kWeD3Hu+EYEOw3RAIdATa5zIs0HuPd/oK1AeIg0hNiweImnwEyi593yjsUBZxjSE0LBYxqTBUKDkfv8bnQXKQvohRIbFQnoNjgIl97vfaC1QzwFVSuLeyV0DuWtAoI4k7p3cNZC7BgTqSOLeyV0DuWtAoI4k7p3cNZC7BgTqSOLeyV0DuWtAoI4k7p3cNZC7BgTqSOLeyV0DuWtAoI4k7p3cNZC7BgTqSOLeyV0DuWuoVaCCbSyBpQou2nOrlWlbnjtiQrNiB1gxHrl7C1SxkTqwVP9Fe272N23Lc092bFacQVCKSe7WApUc5RNYqveiA7uKxLOtwNwDCc6KU7AKccndWaBNE5aSplTfRQd2FYlnW4G5BxKdFeewlmGTOwKdsRQCDYSJPADP8R6ITe4IdMZSCDQQJvIAPMd7IDa5I9AZSyHQQJjIA/Ac74HY5O4sUB4iifBsKzD3QIKz4iFSIS65WwuUZUwiPNsKzD2Q2KxYxlSKSe7eAmUhvQjPtgJzDyQ0KxbSF+ORu7lA2domgtw1kLsGBOpI4t7JXQO5a0CgjiTundw1kPvy/LbhdwRqSOLeyV0DuS/KbwcQqCOJeyd3DeS+FL+dgUAdSdw7uWsg99n57RYI1JHEvZO7BnKfj5vmRKDGJO6d3DWQ+zzck2fNAmUh/QA8wwqEBd3eePbe584tL16MfQ29BcpWzgF4hhUIWwrNseu9xJ17f74Y+xpaC1RyIkJgqUUPE/EMK5DA3AMJzgqBBlHqztafL8a+hs4CbZqw0akpteRxdp5hBRKYeyDRWSHQ6Qxx58GfL8a+hgh0xlIINBAEao++96HuRKDWpRBoIAjUHmHvo8yJQM1LIdBAEKg9it6nmLN2gZo+FykvxUOkSAJzDyQ4KwQ6gAB5Hg069jW0FqjpypziUixjCiUw90Bis0KgZUS582jQsa+ht0BN14aXlmIhfSyBuQcSmhUC7SXWnQeD1rmQngGlgtw1kPtd5pDnjlq3cjKgRJC7BnJ/jtnciUBtSdw7uWsg9xvM604Eakvi3sldA7l3WcCcCNSYxL2TuwZy37KcOBGoM4l7J3cN5L68PBGoK4l7J3cNq85d404Eakvi3sldw1pzF7oTgdqSuHdy17C63NXmbKlVoLk317ATKRbPHWCmO5E8d96dmOy87Q72AHXuqVSgybd3sxc+FM8zCEz3wnue/dASobzdGUphBq1ToIEn3QQfmlMGpzFFUt7VkrkHZxUlUMkVlvQeZbwXL0INWqVAmyZsGASWGgDngQYyoKsFc4/OKkigmivs6T3IdTtevIg1KAJdrNQAEGggCHQAbgKNsVyH9Ql0BKeXzqlUIJFdEVb2UpEYXeHvs3ASaFDByTm1aQXVuWaE3I1vFMrgDjSQkDuhwaUCuyqiqjvQmJvDm6zvDnRMc4FjU6IEHiJFUt4VD5HED5FipHaXUH9+9913VQrUd7VJGSxjCqW4K5YxqZYxheisjAh/fneiToHarncug4X0sZR2xUL6R8EVbt4Hx6ixkAn+/O6aSgW6vq1tJpC7hpy5t15aVqBjuGFOBOpL4t7JXUO63Lt6Mhbo8+ZEoL4k7p3cNWTK/cpSjgLtNeeWWp/CP+YaUFck7p3cNSTJ/basvARaJM4DCNSRxL2Tuwb/3O8oy0OgZbecFyBQRxL3Tu4ajHPvV5daoGPM2YJAHUncO7lrcMy9WGBCgY42ZwsCdSRx7+SuwS33QRbTCHSaOVtqFajnemfPBd2RVJ+7K0YL6YerrECggUd4vngRYc6WSgXquePOc0thJNXnbovHVs6RSusXaND+9ThxHqhToJITEQJLLXqYSCDV5+6L/jCRCV7rFejkE0BC3q7fokqBNk3Y9NOUWvI4u0Cqz90Y6XF24/3TWqjn3yecQddjzinu3IFAHUshUM/cjVEJdKJ/Wgv1/Psogfaqc6o7dyBQx1II1DN3YxYXaIR9jhbq+fdBAu0X53ffcaDyXaqfyAh0nlIItD+sGO9cWKjn34sEWiLO7ziRftAwGHlt8lI8RDLN3ZdFHiLFOOeGhfq+4K70ysxZVGpE61UKtP7lNJb+XEHutsy9jCnIN89YqPcrbkpvmDnvlhpNpQKtf0G3pT9XkLsrMy6kj3LNHQv1f8mZ9MaZ82apqdQqULutbYNI3Du5a5gj9zDL9Fqo/EsniHMWEKgjiXsndw2huS/roFKBepmzBYE6krh3ctcQlrvEQn1fYGjOFgTqSOLeyV1DRO46C935N1dztiBQRxL3Tu4aJuYuttCN/2Z7z3kOAnUkce/krmF87moF/XYuUMtPOp8HgTqSuHdy1zAqd7V9DuwE2mdOO3fuQKCOJO6d3DUMzV0tng795vR05w4E6kji3sldQ3HuauN0KDGnrzr31CrQ6nfERO5Eiqxl9KslhpfKuwOsIHe1arrkF2fLixdjh4O3QKvfkx25Fz50X73Hr5YYWSrtGQR9uas9c6CCW84zXmwFOm44WAu0+lOBArsKPtlJ/6slJpTKegrW453c1Y7ZUcOb9Ru82At01HBwFmjThA10TaklzwONrPUo/tUSU0slPYd1y63c1X75rdScwt8LP4UXB4GOGQ4IdMZSCLT+3IO5yF3tlt8Gfc6JQBFoaCkEWn/uwZxyV2vlt+G/yQ2BItDQUgi0/tyD2eWuNspvI4/9QKBeAuUh0jxtlcBDJAUbB8klNMacLfLeR1LrQySWMQ0i1AksY1qU41wWCnSCOVtSCbQb/4Th4C1QFtIPIbIWC+kX42xaSwQ66v36DXII9NZrMH44mAuULYUiyH0Jrmf3ogK9L85B7txhLtB7r8QEQSHQ2UjcO7nPzDOTfBGB9opzuDt3uAq04OVAoI4k7p3cZ+TOXJ9XoCXmnLCTyE6g5S8JAnUkce/kPg99U34mgc5szha9QEe/LgjUkcS9k3s4RQaIFugy5mwRCnTqi4NAHUncO7nHMUQEYQJdUpwHFAINeo0QqCOJeyf36YzxwXSBKszZsqhAY18rBOpI4t7JfRpjtTBFoDpztiwj0FleLwTqSOLeyX00k+wwUqBic7bMJdAFXrRaBcpOpAF4hhVIYO7zMN0VwwXqYM6Wgt63287LC94NO3SMVipQ9sIPwDOsQAJzj2a8dC4YItD75nwxzFUR9Pf+oqyrkshjx2idApUc5RNYKutpTJFtxRGYexwR3ulSJNCCe84XLwpdFUlv771dlQcfPEarFGjThKWkKZX0PNDItuIIzD2IUPm03Bdo8dv1Fy8UBu0T6J2uhmYfPUYRqGMpBBqIlUDnEdBvzwq0x5xXH3UmEOi0FwCBFuDpBASqwUWgMzvoUkK96rz5mMhZoJZjFIE6lkKggRgIdAkHHSTUL857T9gtBeo8RqsUqOlzkfJSPESKJDD34SxjoI2DSsRZsDbJ6iHSiJewl+AxWqdATVfmFJdiGVMogbkPYSH7BJnzgMCfVwKd8BL2EztGKxWo6drw0lIspI8lMPcSFtJOsDkPLO/PjUB7M3Udo7UKlC2FIlad+0K+mcmcEkJyF4JAHUnc+2pzX8Y31Yjz7J4z8ZhBoI4k7n2NuS9jnBrNOS13BxCoI4l7X1nuyzinwJzC3wtfSGjuNiBQRxL3vpbcl9JO6T2no0DnyN0NBOpI4t5rz30p+Qx9t24l0BlydwWBOpK495pzX8I9Yz/p9BDoPLk7g0AdSdx7pbnP754+c/Y8JRILdK7c7alVoJ7rbk0X0gfi2dak3M9NEb/MvN+cJU/Y4wQqOPt9jePdW6CeO79Mt3IG4tnW+Nxv2iXKoCXmLF6cFCbQ0iucNffxpZZlQlvWAvU8e6C81KKHiQTi2da43O/YZapBI8V5IEqgkrPf1zjenQXaNGGBa0oteZxdIJ5tDc+91y5jDTqHOVuCBHrrChfLPaLUkkxqC4HOWGqNA2o2BnQ14VdL9DCfOVvmEOhiua9xvCPQGUutcUDNRklXBwsN0UsRM95znhMqUMZ7EQjUtdQaB9Rs9HR1ZqEivZQJdClztsQIlPE+hGoFykMkEZ5tPdvVtYX6BFPmz0XN2TJRoP1hBeZ+xRrHu7VAWcYkwrOtG109Y6Fe0fT5c3lztgwV6JCwAnO/zRrHu7dAWUgvwrOtTlf3LdQvnmf9qTJnS7FAh4QVmPtd1jjezQVa65ZCe2xzL7LQGHVpxXmgX6DqF+AOrmOmgFq3cvpO5BIS926Ze7GFhklLfNN5xh2BqtPvx3HMFIJAHUncu1vuwyxU9mU9H3RKDoe/JVB19sWYjZkhIFBHEvdulPsIC93/515xaty5YydQdeJj8Rkzg0GgjiTu3ST3kRZ65r+XmFP6O4lsch9H4t4RqCOJe9fnPsFDVwJNYM4Wfe4TSNw7AnUkce/S3Kfq6CTQPOZsYbxrkAv008sf/9j94fPrh4eHVwh0S+LeNbkHWel37885dzyTAONdwwICfds0//JvX99+f/Mfv7x52Av008uHLa1NEWhWls09UExZzdnCeNcwu0Dfb9fq/8u//fNvzb/+x41//tA6c3P/+dPOoq9iBMpOpAF4htXHAPdM2n55bs7AX+lRWqoojTiBeo73QELH6NwC3flzI9D//mvT/Ok/r/55e9+5E+jT/n8+vfzh1wiBshd+AJ5h3WOEqW67avA9Z+Cv9Hi+1JhIwgTqOd4DiR2jMwv0H3/e3Hj+9183b+G3Bv358p83b+D/9/4z0Hf7W8/Nf/glQKBTTklxKLXo6TSeYT3HaFNdumrUu/WYX+nxbKkJuUQJ1HO8BxI8RmcW6NvtbedOoF83b+K/ufzndw8/7R8ifXnzl7/v/suHq/fwI3prmrCUNKWWPB/RM6xrJpvq6Krxn3NO/ZUez5aaHk+QQD3HeyDRY3RegW6kubnr3Av068erT0G379v3Av38un3r/mH7UeiOb1tum/kup5BGfPPKSrm2deL3iZxUdd+cg0pNbepdyNgAACAASURBVOpQKjirydiPhql4dvWcQPfqbAX6jz9fCPTz681t54VAnxDosqVc29oxWVOtqnrerg+1XoRATSey82gIwbOrcQLdfe75rEAPjLg7PoU08vZaXYq38EELlHrMefmGfb5fKvfb5dv0yKy28Ba+DJvciwR69hb+/cVj+A+7B+9zCNT0uUh5qXU/RBohpyt6zXnzw86gX+lxwZxZHeEhUiEuuRcJ9Ovb7eeee4H+48/nD5E+vdw9N3r2M9ApAjVdmVNcaqXLmAZp6RkKzPn8c6Lpv9Kjy6xZXcIyplJMci8T6Maa2zWgG4G+3+1HOrsBPfLDr7FP4R9d14aXllrbQvpSO95lijlbpvxKjw6zZvUMLKQvxiP3MoG2C+n3nG/mPBPo13f79Z9B60CnXJgDiXsfnHuZHe8w6Z7znKm/GniWRMtgvGtYZivnDX8eaA8TCd6JxIBSMST3abYqEefA3eujBTpfnqUw3jUsc5hIc3MfZ1eg0XvhGVAiCnMfa6otM5izZbhAZ06zHMa7Bpvj7J4eOI3pSOLe+3IfJbYjc5mzpUCgy6Q4HMa7BhuBch5oh8S9P5v7FLFtmdWcLfcEumiKw2G8a5ALtJelL8yBxL3fyn2q12YX54GbAl0+wzEw3jXMK9DtEUznXB3IhEBvkLj3i9ynKm0hc7acC1SU4DgY7xqWFujtY5UR6DmJez/lPkllS91zntMKVJnfWBjvGhYX6LOP42MFKl8bPqnUwgvpA9m2NUVh83zQ2bv6ve1+jQu6rxCMrNzjfdx3Fgl0twx0v/7zY7PdyfnPvw1+Fz/6uix2J44rtexWzjCmHNjeZ84p9513ujq/gDVuKbxEMbKSjvdJbZUJtHMG6P5gka9vr49Vjhfo4W531JUZlFr0MJEYOqYaZtB+c059z15+9vsaD7W4QDKyEo73HVPaKhJoK82DTLfv3j8OfQ8/4bq8TmgbUGrJ4+ymc2WqMoOWmDPi484BZ7+v8Vi1czQjK9d4PzKprSKBtgfZ7dmfB3p1KigCvSbNgLqnqknmDBDnRVcRuQeCQDukGe/nLCHQsztQBFqNQO+p6lmBLmzOlsDcA0GgHfzH+03mF+jmLfzxDXv7Z97CpxboXVU9L1CJOYeHhUAR6ADmF+juLKb9PejHZvc8/vJY5VkEykOkWehX1pU/F77nnBoWD5F4iDSEKW2VCXS7bOnI5tbzbcMypoIvtFvWUWqwgz9LxDm/OQ8E5h5I7EvIMiYFE9oqE+jhMLst7TLQgTegLKSfVmoyw0y2sDkLryEw90BCX0IW0ksY31apQA8K3XlzI9DbxyqHC5StbZMZKjNHcw7EIvdxMN41cBqTI9reh+ssvTlbEo8ZxruGBQX6z78NPkgEgS5NsDvjxLnICR+JxwzjXcNiAt0+j0eghUh6D3VnMnO2JB4zjHcNywi0PZUJgRaydO9x4vzu96m/2VJizpbEY4bxrmEJgbYP4s9/LTwCvcNivceJ83DXGSDQpS7+msRjhvGuYXaBfmwXMQ1++o5AZ2SY0frM2X3HPkqgc19uKYnHDONdw7wCPa6jH61PBBpLtDmvPu0cJtDZrnMciccM413DnAJ93751/78jVn8i0GDizXn7QVGhQOMvMILEY4bxrmE2gR5+m8fP45bPTxUoO5E69Nmss319tDivSxmZk51I3iTufS6B7v2596ZAoOyFbym5G9ztX59qzk6pkl+esSjshTcnce/zCfT00H15gR6234+8NnmpkNNpSty5JcScXX9eGLQ8oJkIzD2QwIG1BYFqmPcOdH/05+ICbZqw0akpNe18xDhxDlwPP+CXZyxIYO6BBA6sHQhUw3wPkd7uh8f3CHR4qZECLRVduDnPBRr4xjQCBGpP4t7nfArfPkda/in86gRa7rh5zNkSLYUYEKg9iXufeSH95GX0CPReqUG/QLjHnKN+nfvoK1wQBGpP4t5n34l0WEu/6E6kwLEpKVXyEGnAL2DvM+fwX+Y++ZdnLElg7oEEZ4VANSyxF/4ff96NlCX3wgeOTUWpnov+7e56oVJzHr9qiD+jrnBRonKPJTYrBKphoePs3u4Gy4KnMQWOTUGp5y/6zHojzXn1QWeJP4OvcFmm5z4HoVkhUA2LnQe6faLEcXaF3Oi97AZxhodEQ1uvLPcskLuGJX+lx3sEWki391LR9apzqDtHtl5L7skgdw38TiRHdr2HiXOoOqe1nj73nJC7BgRqx0ZhJScalYhzSXO25M39cZ0T2YHEvSNQH04muytQU3O2JMz9ROLeyV0DAjXgSmi3BeptzpZMuV+RuHdy14BAlTzntQuBxptzvktKkftzJO6d3DUgUAk9fjsKNMEt5wXeufeQuHdy11CrQD0X0u8o0NzvJe4ctvlyoSvMXSrvRCZ3EZUK1HMrZ9DKpO2XlG+/XPQKk5dKO5HJXUWdApWcAHKfCHWevq7kAJClr7CCUlknMrnLqFKgTRM2DKaXijXnuT9vG3TpK6ynVNKJTO46EOhcpcrEOfDYj/sCXfgK6yuVdCKTuw4EGl4qxpx3H69fCnThK6y2VNKJTO46EGhcqShzfvdd31bOgz4jPqpKP/sCSyWdyOSuo0qBLv1JeJw529vO3r3wgReY/glEYKmsE5ncZdQp0KXWYhSac/B6+OcFOsMFZl8DE1gq7UQmdxWVCnTu1cBx4rz5UecNgc54gclXYQeWyjuRyV1ErQKda2tbnDjvPSTqCnSWy5gPthRqIHcNCLSQZczZFWhs/0vBRNZA7hoQaA9l4ixzZ1mhx3UOKAcS907uGhDocxSbM+w3uXWan9i7ECayBnLXgECvGGDOoVswe815aH5s73qYyBrIXQMCPTHInPfVOdach+ZHXrQBTGQN5K4BgT46mfPQ/MiLNoCJrIHcNaxboMPMGfN+veTp+hoHlAOJeyd3DesUaKg4Y925b37kRRvARNZA7hpqFegzeyCCxTnUnYE7M9iJNEOpZScyL+GBvAIdH5a3QK924cabc8THnYF7g9kLP0epRScyL+GRtAKdEJa1QJvmeGUyc97tqi/cARc4mcBa2UstOZF5CU9kFeiUsJwFuruo4t+6Nr85z9MOOB9xQKleAmulL7XgROYl7JBUoJPCqkagBeIsLBUXNwKtfiLzEnZAoAkFWnbLef/Xt5WZs9sVAnUuhUCrzz2StQp0yJv1wN9/iUDtSyHQ6nOPpFqBPh4EOtydV9/xrD/HdVWWNg+R6n+YwUt4IqlAq32ItLuyS+kNNee5QSe689hVWdosY1rBchpewiNZBVrtMqbtlZ2kN9KcXYNOduehKxbSO5diIb2mVFqBVruQftPf7zHHfsSYc2jzi/60UNhSqIHcNdS6lfPxa5A7R/74aaxxQDmQuHdy17A2gZqb89C88odPg4msgdw1rEigGczZssYB5UDi3sldQ70C/T3bbWeHNQ4oBxL3Tu4a6hZouTlt3LljjQPKgcS9k7uGigWa05071jigHEjcO7lrWLdAR9aenTUOKAcS907uGtYp0JE1F2ONA8qBxL2Tu4ZaBdrdiTRRnp47M9jGMkOpvBPZM/dS8uZeq0Bv7IUfe+PpuTeYjdRzlEo7kT1zLyZt7rUKtGkuT2MaeZWup9MEdpX+KJ/AUlknsmfu5WTN/bFSgTYHgb6Y/HFn04SNqAGlOA/UM3dTPHMfQNLct9QrULsBhUDtSyWdyJ65DyBp7lv8BTqC0yigVNK2PEuZQlj54Q40shR3oJ65m+KZ+wCS5r7F/w50THOBg0BSiodIprmb4pl7OVlzf6xVoKbLOopLsYzJNXdTPHMvJm3u1QrUdGFxaSkW0mtK5Z3InrmXkjf3agXK1jYR5K6B3DUgUEcS907uGshdAwJ1JHHv5K6B3DUgUEcS907uGshdAwJ1JHHv5K6B3DUgUEcS907uGshdAwJ1JHHv5K6B3DUgUEcS907uGshdQ60C9VxYzEJ671LL5m76EgpAoG4C9dzaxlZO81KL5m76EipAoGYCbZqwESUpxWEi9edu+hJKQKBeAm2asBGlKcVxdtXnbvoSakCgCDS0FAKtPnfTl1ADAkWgoaUQaPW5m76EGhAoAg0thUCrz930JdSAQL0EavpZf3kpHiLVn7vpSygBgZoJ1HS1SXEpljGtIHfTl1ABAnUTqOl659JSLKTXlGIhvQYEaidQtraJIHcN5K4BgTqSuHdy10DuGhCoI4l7J3cN5K4BgTqSuHdy10DuGhCoI4l7J3cN5K4BgTqSuHdy10DuGhCoI4l7J3cN5K4BgTqSuHdy10DuGhCoI4l7J3cN5K6hVoF6bhjx3BGTPKzAUnl3IiFQEZUK1HPLsuee7OxhBZZKuxcegaqoU6BNEzY6JaU4jan+3CNfwkcEqqJKgTZN2OjUlOI80Opzj3wJtyBQDQjUsRQCrT53BNohce8I1LEUAq0+dwTaIXHvCNSxFAKtPncE2iFx71UK1PSz/vJSPESqP/dYfyJQEXUK1HS1SXEpljGtIPdQfyJQEZUK1HS9c2kpFtJrSrGQXkPi3msVKANKBLlrIHcNCNSRxL2TuwZy14BAHUncO7lrIHcNCNSRxL2TuwZy14BAHUncO7lrIHcNCNSRxL2TuwZy14BAHUncO7lrIHcNCNSRxL2TuwZy11CrQD3XO3su6E4eVmCpZSey6UL60LbKQKBuAvXccee5pTB7WIGlFp3Ipls5Y9sqA4GaCTTwoAZJKQ4TMc09kMiX8DFOoMFtlYFAvQTaNGHDQFOK4+w8cw8k8iXcEiTQ6LbKQKAINLQUAvXMPRAE2gGBItDQUgjUM/dAEGgHBIpAQ0shUM/cA0GgHRCol0Drf5gROcqzhxVYiodIPEQaSJ0CrX85TeQoTx5WYCmWMbGMaSCVCrT+Bd2Rozx3WIGlWEj/yEL6YdQqULa2iSB3DeSuAYE6krh3ctdA7hoQqCOJeyd3DeSuAYE6krh3ctdA7hoQqCOJeyd3DeSuAYE6krh3ctdA7hoQqCOJeyd3DeSuAYE6krh3ctdA7hoQqCOJeyd3DeSuoVaBVr8jhp1IM5RaNnfTnUgCEvdeqUCr35PNXvg5Si2au+leeAWJe69ToIFHykhKcRpT/blHvoSPCFRFlQJtmrDRqSnFeaDV5x75Em5BoBoQqGMpBFp97gi0Q+LeEahjKQRafe4ItEPi3hGoYykEWn3uCLRD4t6rFKjpZ/3lpXiIVH/usf5EoCLqFKjpapPiUixjWkHuof5EoCIqFajpeufSUiyk15RiIb2GxL3XKlAGlAhy10DuGhCoI4l7J3cN5K4BgTqSuHdy10DuGhCoI4l7J3cN5K4BgTqSuHdy10DuGhCoI4l7J3cN5K5BKtBPLx8eHl61f/n8uvMXBJoVctdA7hqUAv3wsOOHX48yfXj48Q8Eus4B5UDi3sldg1CgG2X+srvx/Onr4X82/+lVjEA91zt7LuhOHlZgqYVzD8S0rUIQ6BiBvtvL8tPL7S3o0/7ec/+X6QL13HHnuaUwe1iBpZbNPRDTtkpBoBMeIn1+vXVma9Mvb7Z3pZMFGnhQg6QUh4msIPdATNsqBoFOEOinl5t7zy9v/vL33d8+XL2HH9Fb04SNKE0pjrOrP/dATNsqB4GOF+jhk9D2rfuH3SeiW75tGVHzNKDGdrWeUqZtVV8qEtO2YAAjX7p3Dw+7W8+jQJ8Q6LKlTNuqvlQkpm3BAMa9dF/ePOwXf94Q6IERd8enATXy9lpdirfw9eceiGlb5fAWftJnoJv38LEC5WHGPG1VX4qHSBoQ6JStnNsVTDc+A50iUJbTDCF5WIGlWMakAYFOEej2MXzsU/hHFnQPIndYgaVYSK8BgY4Q6HHJ524d07v9X4LWgU65MAcS907uGshdg3Qn0v7d+u5de/BOJAaUCnLXQO4a5HvhN+rcvnuP3gvPgBJB7hrIXYPyM9Cn/WlM+zft7V84jWlL4t7JXQO5a5A+RNodAXpQJueBnkjcO7lrIHcNBk/he1j6whxI3Du5ayB3DQjUkcS9k7sGcteAQB1J3Du5ayB3DQjUkcS9k7sGctdQq0DZETOAyFqWE9k090gscy8lce+VCpQ92QMI3UjtOJFNcw/FMfdiEvdep0AlR/kElsp6GtOj5UQ2zT0Ww9zLSdx7lQJtmrCBrimV9DzQLX4T2TT3YPxyH0Di3hGoYykEGohp7sH45T6AxL0jUMdSCDQQ09yD8ct9AIl7R6COpRBoIKa5B+OX+wAS916lQHmINE9bJRhOZNPcYzHMvZzEvdcpUJYxDSHUCY4T2TT3UBxzLyZx75UKlIX0Q4isZTmRTXOPxDL3UhL3XqtAGVAiyF0DuWtAoI4k7p3cNZC7BgTqSOLeyV0DuWtAoI4k7p3cNZC7BgTqSOLeyV0DuWtAoI4k7p3cNZC7BgTqSOLeyV0DuWtAoI4k7p3cNZC7BgTqSOLeyV0DuWuoVaDsRBJhOZEDc3fFMvdSEvdeqUDZC6/CcSIH5m6LY+7FJO69ToFyGpMMw4kcmLsvhrmXk7j3KgXaNGGC0ZTiXMpAAnM3xi/3ASTuHYE6lkKggSBQexL3jkAdSyHQQBCoPYl7R6COpRBoIAjUnsS9VylQHiLpMJzIgbn7Yph7OYl7r1OgLGOS4TiRA3O3xTH3YhL3XqlAWUivwnIiB+buimXupSTuvVaBMqBEkLsGcteAQB1J3Du5ayB3DQjUkcS9k7sGcteAQB1J3Du5ayB3DQjUkcS9k7sGcteAQB1J3Du5ayB3DQjUkcS9k7sGcteAQB1J3Du5ayB3DbUKtPqF9JHkDiuw1BonsgOJe69UoNVv5YwkeViBpdY4kR1I3HudAq3+MJFIsocVWGqNE9mBxL1XKdCmCZt+mlJLDqj0YQWWWuNEdiBx7wjUsRQCrT/3YBCoBgTqWAqB1p97MAhUAwJ1LIVA6889GASqoUqB8jBjCNnDCiy1xonsQOLe6xQoy2mGkDyswFJrnMgOJO69UoGyoHsIucMKLLXGiexA4t5rFSgDSgS5ayB3DQjUkcS9k7sGcteAQB1J3Du5ayB3DQjUkcS9k7sGcteAQB1J3Du5ayB3DQjUkcS9k7sGcteAQB1J3Du5ayB3DQjUkcS9k7sGcteAQB1J3Du5ayB3DbUKtPodMYFdmYYVCDuRvEnce6UCrX5PdmBXpmEFwl54cxL3XqdAqz8VKLAr07AC4TQmdxL3XqVAmyZsJmtK9V10YFemYQUSmLsxCFQDAnUshUADQaD2JO4dgTqWQqCBIFB7EveOQB1LIdBAEKg9iXuvUqCmz0XKS/EQKZLA3H1BoBrqFKjpypziUixjCiUwd1sQqIZKBWq6Nry0FAvpYwnM3RUEqqFWgTKgRJC7BnLXgEAdSdw7uWsgdw0I1JHEvZO7BnLXgEAdSdw7uWsgdw0I1JHEvZO7BnLXgEAdSdw7uWsgdw0I1JHEvZO7BnLXgEAdSdw7uWsgdw21CtRzbXj9C7o9F9KXkjd3BCqiUoF67k6sf0uh51bOYtLmjkBV1ClQz/Mx6j/UwvMwkXKy5v6IQFVUKdCmCZvJmlJJB1RgWBqS5r4FgWpAoI6lkg4oBKoDgWrwF+gIThO50lKm1H+FAPPAHWhkqaT/j8wdqA7uQDX434GOaS5wHktKZR1Qyf2ZNvdHBKqiToGyjElEbn/mzR2BqqhUoCykF5Han4lzR6AiahUoA0oEuWsgdw0I1JHEvZO7BnLXgEAdSdw7uWsgdw0I1JHEvZO7BnLXgEAdSdw7uWsgdw0I1JHEvZO7BnLXgEAdSdw7uWsgdw0I1JHEvZO7BnLXgEAdSdw7uWsgdw21CrT6nUiuW36YyBrIXUOlAq1+L7ztpnMmsgZy11CnQKs/jcn32CMmsgZy11ClQKs/D9T44E0msgZy14BAHUshUA2Jeyd3DQjUsRQC1ZC4d3LXgEAdSyFQDYl7J3cNVQqUh0g6mMgayF1DnQJlGZMMJrIGctdQqUBZSK+CiayB3DXUKlAGlAhy10DuGhCoI4l7J3cN5K4BgTqSuHdy10DuGhCoI4l7J3cN5K4BgTqSuHdy10DuGhCoI4l7J3cN5K4BgTqSuHdy10DuGhCoI4l7J3cN5K4BgTqSuHdy10DuGmoVaPU7kVxhImsgdw2VCrT6vfC2MJE1kLuGOgVa/WlMvjCRNZC7hioFWv15oMYwkTWQuwYE6lhqjQPKgcS9k7sGBOpYao0DyoHEvZO7BgTqWGqNA8qBxL2Tu4YqBcpDJB1MZA3krqFOgbKMSQYTWQO5a6hUoCykV8FE1kDuGmoVKANKBLlrIHcNCNSRxL2TuwZy14BAHUncO7lrIHcNCNSRxL2TuwZy14BAHUncO7lrIHcNCNSRxL2TuwZy14BAHUncO7lrIHcNCNSRxL2TuwZy11CrQFlIL4KJrIHcNVQqULZyqmAiayB3DXUKlMNEZDCRNZC7hioFynF2OpjIGshdAwJ1LLXGAeVA4t7JXQMCdSy1xgHlQOLeyV0DAnUstcYB5UDi3sldQ5UC5SGSDiayBnLXUKdAWcYkg4msgdw1VCpQFtKrYCJrIHcNtQqUASWC3DWQuwYE6kji3sldA7lrQKCOJO6d3DWQuwYE6kji3sldA7lrQKCOJO6d3DWQuwYE6kji3sldA7lrQKCOJO6d3DWQuwYE6kji3sldA7lrQKCOJO6d3DWQu4ZaBcpOJBFMZA3krqFSgbIXXgUTWQO5a6hToJzGJIOJrIHcNVQpUM4D1cFE1kDuGhCoY6k1DigHEvdO7hoQqGOpNQ4oBxL3Tu4aEKhjqTUOKAcS907uGqoUKA+RdDCRNZC7hjoFyjImGUxkDeSuoVKBspBeBRNZA7lrqFWgDCgR5K6B3DUgUEcS907uGshdAwJ1JHHv5K6B3DUgUEcS907uGshdAwJ1JHHv5K6B3DUgUEcS907uGshdg1Sgn14+PDz88Ov+L59fb/7yCoFuSdw7uWsgdw1Kgb572PPqKNOHhx//QKDrHFAOJO6d3DUIBfq0V+e7h7/8fXf/+dPOoq9iBMpCehFMZA3krkEo0HetLN9t1fm0v/f89PLwjn6aQNnKqYKJrIHcNegE+uXN9s7z69adPx1t+uXNwy8BAuUwERlMZA3krsHgKfxWoEebfrh6Dz+iN46z08FE1kDuGvQC3d10fn7dvnX/sL0d3fFty4iSJ1WN7sq7FABUxXgpfNh++nkU6BMCBYC1MVoKT+1D+CuBHhhxd8xbeB28ldRA7hrUb+H3/gwWKA+RdDCRNZC7BrFAP+z9eesz0CkCZRmTDCayBnLXIBXolzeHjZyxT+EfWUgvg4msgdw1KAW68edx5+a7/frPoHWgUy7MgcS9k7sGctcgFGjXn9E7kRhQKshdA7lrEAr0Q/fkkOi98AwoEeSugdw16AS6O77u4XgE09MDpzEdSdw7uWsgdw06gT49nAmU80A7JO6d3DWQuwb1OtB+lr4wBxL3Tu4ayF0DAnUkce/kroHcNSBQRxL3Tu4ayF0DAnUkce/kroHcNdQqUM+dSKWscUA5kLh3ctdQqUA998IXs8YB5UDi3sldQ50C9TyNqZw1DigHEvdO7hqqFKjneaADWOOAciBx7+SuAYEuVmoAaxxQDiTundw1INDFSg1gjQPKgcS9k7sGBLpYqQGscUA5kLh3ctdQpUB5iKSDiayB3DXUKVCWMclgImsgdw2VCpSF9CqYyBrIXUOtAmVAiSB3DeSuAYE6krh3ctdA7hoQqCOJeyd3DeSuAYE6krh3ctdA7hoQqCOJeyd3DeSuAYE6krh3ctdA7hoQqCOJeyd3DeSuAYE6krh3ctdA7hpqFahg9XsgaxxQDiTundw1VCpQxf7LQNY4oBxI3Du5a6hToJITQAJZ44ByIHHv5K6hSoFqzqALZI0DyoHEvZO7BgTqyBoHlAOJeyd3DQjUkTUOKAcS907uGhCoI2scUA4k7p3cNVQpUB4i6WAiayB3DXUKlGVMMpjIGshdQ6UCZSG9CiayBnLXUKtAGVAiyF0DuWtAoI4k7p3cNZC7BgTqSOLeyV0DuWtAoI4k7p3cNZC7BgTqSOLeyV0DuWtAoI4k7p3cNZC7BgTqSOLeyV0DuWtAoI4k7p3cNZC7BgTqSOLeyV0DuWtAoI4k7p3cNZC7BgTqSOLeyV0DuWtAoI4k7p3cNZC7BgTqSOLeyV0DuWtAoI4k7p3cNZC7BgTqSOLeyV0DuWtAoI4k7p3cNZC7BgTqSOLeyV0DuWtAoI4k7p3cNZC7BgTqSOLeyV0DuWtAoI4k7p3cNZC7BgTqSOLeyV0DuWtAoI4k7p3cNZC7BgTqSOLeyV0DuWtAoI4k7p3cNZC7BgTqSOLeyV0DuWtAoI4k7p3cNZC7BgTqSOLeyV0DuWtAoI4k7p3cNZC7BgTqSOLeyV0DuWtAoI4k7p3cNZC7BgTqSOLeyV0DuWtAoI4k7p3cNZC7BgTqSOLeyV0DuWtAoI4k7p3cNZC7Bn+BjuTbb9UdrBNy10DuGqJyR6Cwg9w1kLsGBAqhkLsGcteAQCEUctdA7hoQKIRC7hrIXQMChVDIXQO5a0CgEAq5ayB3DQgUQiF3DeSuoVqBAgBkAYECAIwEgQIAjASBAgCMBIECAIwEgQIAjASBAgCMBIECAIzES6CfXz88PLxSd7E6drFv+OFXdSdr4vPrn45/YtgvxzH3kGFvJdBPL3cX9OMf6kZWRps7Al2Udw/tRGbYL8pl7vUIdPP/CD/tLuuVupOV8XQYUrAc7x7a1Bn2i3LMPWbYOwn0af9/wp9ecie0LO+Yu0uzu/vZz1+G/YJ0co8Z9k4CbS/oy5uHX8SdrIsvb/7yd3UPK+PDZhYfboAY9svRzT1m2BsJ9HhBH7ghWpTPr3/8r5d8ArokHzZDvZ3IDPsF6eQeNOyNBPr5dXstH/hIblEOH6ZzB7Qo7URmW46RewAABupJREFU2C/MQaAxw95RoDzTWJan/RqaTy95J78klwJl2C/D0/Gz54hhj0DhcOvDe8hFQaAano7DPWLYI1A48OklSxEXBIFquMx52rB3FCgfBmlgIc2i8BmohmuBThn2RgLlcaQY7kAXhafwGqq9A/36bv88jAVxy3KcwbyHXJTTOlCG/ZJc/h/XtGHvJFC2ZGg47Mh4xwxektPTYIb9klxsYJg47J0EyqZgDZvEt0PoieMsFuW0oJthvySddaABw95JoNuVWRxLI+ADhzEJOL51ZNgvyjH3kGFvJVAORhSxy50PQJfl9Nkbw35JLnKfOOy9BAoAkAgECgAwEgQKADASBAoAMBIECgAwEgQKADASBAoAMBIECgAwEgQKADASBAoAMBIECgAwEgQKADASBAoAMBIECgAwEgQKz/K2ab45/e2ff2uan6cV/O+/NluORd82f/rPMW2N+a7t1Rz4l38b8f2zNAXJQaDwLFvfnZT5/kynI9gauKUttIxAP+6/vCPQJtB2x+oIdI0gUHiej03zr//R/vkffz79eRQdfx4EtohA3zY3BBqmu7eTLgWyg0DhDhvpfL//0/Q38BsbtxXeN5NqjRbo8dsmNjChGagMBAp32LyJbz8vjHgD372bnaCd6QKdfjVjm4HKQKBwj4/tm92NSSeKYiPQk7PeTvk4IECg0ww+oRmoDAQK99i+c9++iX/beXK9/zDz5I322fr3h3/8eaOn3Vvk/Re237j5y5Vq9vbZfP/3u3fVh48L2u987ideO+usg/Of+745/NPb85Y3f+n2ev4zdrb/eHjctfua4zd3v/BG9bM6Ny4NqgKBwl028tiY6GPHAO+vHqW37G4qN/74X+1fPp79w/brLm87jwL9n3/tfuXxR3xz8ydeCfS8g/Ofe1ugm6v65qzX08/YXedWoG8PRdo/nD7LOH3hdfXzOteXBnWBQOE+248Lu3eP79vbq7etz97vXbG9Cdz+fXsDtlHNP//P8W3y4fPGy0WgXzsCPd6wft/5EW/P/3r8iZcCvejg8uc+8xno991et/9ha7jDwq3dbeQ3X1s3f9Np4uILL6tf/PPVpUFlIFC4z3bu/4/T2+n9vduW97v/uFHE/u/tp6Snp/XvDzddhw88d++EzyR6EujP7Y9q/76TUfvY6fInXgr0soPLn3st0FacnV6PH/G2P/MovIOVD9Uuv/Ci+uU/X14a1AYChR523uu8gT+8F90/FfrY+YyzVc/xffjVhp/j+9u23oV1Wkl9PGhtX/vyJ14K9LKDy597ex3oN19v97q52u+7//L29NZ938z5F14I9PKfLy8NagOBQh/vz5+gPLcR8+1BoO1/3X4UeX3X9bFr0KNAj7eYewN2XXP9E5998H3079kX3BToN23pK73tm7nxL3tPX37hhUAv//ny0qA2ECj00d5r7Wg/yDx7aLNl96FhK9DTG/TOzWaX94dHMp2n8O0/bEucC/L6J94W6LGDy597Q6DdZ+3tHzpv7/fP54+PyLoCvfrCc4Fe/fPlpUFtIFDoo0egH8/+2r1hPHzoeX12x9um8/53skDPO7j8uc9vtuwK9Pwu945An7kdvvi29j8g0NpBoNDHhUDPt/Acdrj/fHoL/831P/988SFgK5ZCgV5sGrow4WUHFz+3UKDcgcIYECj00RXo1dPk98f3yjcF2n7J5nved7ef9wi0dc2u1vXz6wsTXnZw8XNLBHrrM9CbAh3xGSgCrRoECn10BdrZkrQz20lvG1ecCfTsw9D9svqTQt53bw4vLXN8Cr/5wT9f/cRLE152cPlziwR6svvHwwrR2wK9/MKrp/Dn/4xAaweBQh9nAj3tIt957qSv95efgb4/38S5e1O9/9rtx5rt0vhbAj2u/Xl7WAfa/YnPC/T9YU/R+ebREoHeWAd6W6DD14Ei0KpBoNDHmUC3mtoJqn2D3O732T3qaRenn6R03NXz89fuOvqL5ztXlvl4LP39jZ94th5p8/WXHVz+3PcXD5NOdG5WOzuIvv96R6CXX3hZ/eKfEWjtIFDo41ygp9XwO2McH5L/6d8Pmxa/OX1f011R1Hme3t4jPiPQZ/fCXy/o3Hz9ZQeXP/dwJshdgd7YC/+1bfFcoBdfeFX9ai88Aq0aBAp9XAj0/JCl1md7kX1z8RDpfVeDx+/sfuttgd4+jenw9wuBXnZw9XPblfX3Bdr+jG8u/+VKoOdfeF397J8RaO0gUACAkSBQAICRIFAAgJEgUACAkSBQAICRIFAAgJEgUACAkSBQAICRIFAAgJEgUACAkSBQAICRIFAAgJEgUACAkSBQAICRIFAAgJEgUACAkSBQAICRIFAAgJEgUACAkSBQAICR/H+pMZb1EJqevwAAAABJRU5ErkJggg=="/>
+          <p:cNvSpPr>
+            <a:spLocks noChangeAspect="1" noChangeArrowheads="1"/>
+          </p:cNvSpPr>
+          <p:nvPr/>
+        </p:nvSpPr>
+        <p:spPr bwMode="auto">
+          <a:xfrm>
+            <a:off x="307975" y="7937"/>
+            <a:ext cx="304800" cy="304801"/>
+          </a:xfrm>
+          <a:prstGeom prst="rect">
+            <a:avLst/>
+          </a:prstGeom>
+          <a:noFill/>
+          <a:extLst>
+            <a:ext uri="{909E8E84-426E-40DD-AFC4-6F175D3DCCD1}">
+              <a14:hiddenFill xmlns:a14="http://schemas.microsoft.com/office/drawing/2010/main">
+                <a:solidFill>
+                  <a:srgbClr val="FFFFFF"/>
+                </a:solidFill>
+              </a14:hiddenFill>
+            </a:ext>
+          </a:extLst>
+        </p:spPr>
+        <p:txBody>
+          <a:bodyPr vert="horz" wrap="square" lIns="91440" tIns="45720" rIns="91440" bIns="45720" numCol="1" anchor="t" anchorCtr="0" compatLnSpc="1">
+            <a:prstTxWarp prst="textNoShape">
+              <a:avLst/>
+            </a:prstTxWarp>
+          </a:bodyPr>
+          <a:lstStyle/>
+          <a:p>
+            <a:endParaRPr lang="en-US"/>
+          </a:p>
+        </p:txBody>
+      </p:sp>
+      <p:pic>
+        <p:nvPicPr>
+          <p:cNvPr id="6" name="Picture 5"/>
+          <p:cNvPicPr/>
+          <p:nvPr/>
+        </p:nvPicPr>
+        <p:blipFill rotWithShape="1">
+          <a:blip r:embed="rId2"/>
+          <a:srcRect l="22618" t="30418" r="37218" b="23099"/>
+          <a:stretch/>
+        </p:blipFill>
+        <p:spPr bwMode="auto">
+          <a:xfrm>
+            <a:off x="5105400" y="3657600"/>
+            <a:ext cx="4038600" cy="2819400"/>
+          </a:xfrm>
+          <a:prstGeom prst="rect">
+            <a:avLst/>
+          </a:prstGeom>
+          <a:ln>
+            <a:noFill/>
+          </a:ln>
+          <a:extLst>
+            <a:ext uri="{53640926-AAD7-44D8-BBD7-CCE9431645EC}">
+              <a14:shadowObscured xmlns:a14="http://schemas.microsoft.com/office/drawing/2010/main"/>
+            </a:ext>
+          </a:extLst>
+        </p:spPr>
+      </p:pic>
+      <p:sp>
+        <p:nvSpPr>
+          <p:cNvPr id="8" name="AutoShape 6" descr="data:image/png;base64,iVBORw0KGgoAAAANSUhEUgAABUAAAAPACAMAAADDuCPrAAAAolBMVEUAAAAAADoAAGYAOpAAZrYzMzMzZv86AAA6Ojo6kJA6kNs9PT1NTU1NTW5NTY5NbqtNjshmAABmZmZmtv9uTU1uq+SOTU2Oq6uOyP+QOgCQkLaQ29uQ2/+rbk2rjk2r5P+2ZgC2kDq2///Ijk3I///KysrW1tbbkDrb///kq27k5Kvk///r6+v/tmb/yI7/25D/5Kv//7b//8j//9v//+T////sHfwrAAAACXBIWXMAAB2HAAAdhwGP5fFlAAAgAElEQVR4nO2da4PcxpFlMWNJ3hXbkrwiufLucM0ZSuJw1GxzaPL//7WtB6oK9ehCAgjg3kic88Wk2B0duJV5jCpkZjdfAQBgFI26AQCArCBQAICRIFAAgJEgUACAkSBQAICRIFAAgJEgUACAkSBQAICRIFAAgJEgUACAkSBQAICRIFAAgJEgUACAkcwn0MdxjP5GBxL3Tu4ayF3DBEEh0NlI3Du5ayB3DQjUkcS9k7sGcteAQB1J3Du5ayB3DQjUkcS9k7sGcteAQB1J3Du5ayB3DQjUkcS9k7sGcteAQB1J3Du5ayB3DQjUkcS9k7sGcteAQB1J3Du5ayB3DQjUkcS9k7sGcteAQB1J3Du5ayB3DQjUkcS9k7sGcteAQB1J3Du5ayB3DQjUkcS9k7sGcteAQB1J3Du5ayB3DQjUkcS9k7sGcteAQB1J3Du5ayB3DQjUkcS9k7sGcteAQB1J3Du5ayB3DQjUkcS9k7sGcteAQB1J3Du5ayB3DQjUkcS9k7sGcteAQB1J3Du5ayB3DQjUkcS9k7sGcteAQB1J3Du5ayB3DQjUkcS9k7sGcteAQB1J3Du5ayB3DQjUkcS9k7sGcteAQB1J3Du5ayB3DQjUkcS9k7sGcteAQB1J3Du5ayB3DVqBvnvY8Mv+z59fb/78CoFuSdw7uWsgdw1Kge6UueGn7V8+vdz9+cc/EOg6B5QDiXsndw1CgX55s7vh/PDwl7/vZPrTzqKvYgTabBh5ZQal1jigHEjce1zugeO9lILeBV0VIRToU3u7+WGrzvYvn17+8GuEQJsmLHBFKSayhsS9h+UeON6L6e9d0VUROoFubkB/Of3t3f7W8/w/jhZo04QFLinFRNaQuPeo3APHezm9vUu6KkIn0M+vOzebX95s38d/3d6Ovpou0KYJC1xTiomsIXHvQbkHjvcB9PWu6aoInUA/vfzxj6eHh90noCebftg/Utrwbcvgwptmjoz45gylAObBc5B6dhXKKIH+v/1T+FcdgT4hUAAZnoPUs6tQhl/ZU7uA6Wl7D3pDoAdG3B3zFl4Hb+E18BZeg+4t/NNh2fz2XXusQHmIpAOBauAhkgblZ6Dtc6Pth6E3PgOdIlCWMclAoBpYxqRBKdDWmds/xD6Ff2QhvQwEqoGF9BqU60A7d6Bf3+3XfwatA51yYQ4k7p3cNZC7BuFOpHftu/XdTWfwTiQGlApy10DuGoQCbTe+P82yF54BJYLcNZC7BuVpTE/7ZaD7N+3tXziNaUvi3sldA7lrkJ4H+uXNRpmH9+ycB3oice/kroHcNXAivSOJeyd3DeSuAYE6krh3ctdA7hoQqCOJeyd3DeSuAYE6krh3ctdA7hpqFSg7kQbgGVYgprlHgkA1VCpQ9sIPwDOsQExzDwWBaqhToJzGNADPsAIxzT0WBKqhSoE2TdhM1pRackB5hhWIae7BIFANCNSxFAINxDT3YBCoBgTqWAqBBmKaezAIVAMCdSyFQAMxzT0YBKqhSoGaPhcpL8VDpEhMc48FgWqoU6CmK3OKS7GMKRTT3ENBoBoqFajp2vDSUiykj8U090gQqIZaBcqAEkHuGshdAwJ1JHHv5K6B3DUgUEcS907uGshdAwJ1JHHv5K6B3DUgUEcS907uGshdAwJ1JHHv5K6B3DUgUEcS907uGshdAwJ1JHHv5K6B3DXUKlDPteH1L+j2XEhfSt7cqxeo54SeUMtboJ67E+vfUui5lbOYtLlXL1DPCT2llrVAPc/HqP9QC8/DRMrJmvtj7QL1nNCTajkLtGnCUtKUSjoZAsPSkDT3LVUL1HNCT6uFQGcslXQyIFAdCLQMBDr3hTmUSjoZEKgOBFoGAp37whxKJZ0MCFQHAi0DgQ65sjHf61Aq62RI7s+0uT9WLlDTCV3tQyTXVQ/FpdJOhtz+zJt77QI1ndDVLmNyXXdbWirvZEjtz8S51y5Q0wld7UL6+geUK+Sugdw11LqVkwElgtw1kLsGBOpI4t7JXQO5a0CgjiTundw1kLsGBOpI4t7JXQO5a0CgjiTundw1kLsGBOpI4t7JXQO5a0CgjiTundw1kLsGBOpI4t7JXQO5a6hVoJ4bF+rficREFkHuGioVqOfW2fr3wjORVZC7hjoF6nl4S/2nMT0ykVWQu4YqBTrpnD6HUmscUA4k7p3cNSBQx1JrHFAOJO6d3DUgUMdSaxxQDiTundw1IFDHUmscUA4k7p3cNVQpUB4i6WAiayB3DXUKlGVMMpjIGshdQ6UCZSG9CiayBnLXUKtAGVAiyF0DuWtAoI4k7p3cNZC7BgTqSOLeyV0DuWtAoI4k7p3cNZC7BgTqSOLeyV0DuWtAoI4k7p3cNZC7BgTqSOLeyV0DuWtAoI4k7p3cNZC7hloFykL6AQReoedE9sw9MnbP3EvJ2/v419BboGzlHEDgFXpOZM/cQ2O3zL2YtL1PeA2tBcphIgMIvMJHy4nsmXts7I65l5O19ymvobNABxwc51lKMZGDprLfRPbMPTh2w9wHkLT3Sa8hAp2xFAINxDN3BNohae8I1LUUAg3EM3cE2iFp7wjUtRQCDcQzdwTaIWnv1QqUh0hDqH4ie+YeG7tj7uVk7X3Ka2gtUJYxDaH6ieyZe2jslrkXk7b3Ca+ht0BZSD+E6ieyZ+6RsXvmXkre3se/huYCZUCJIHcN5K6h1q2cDCgR5K6B3DUgUEcS907uGshdAwJ1JHHv5K6B3DUgUEcS907uGshdAwJ1JHHv5K6B3DUgUEcS907uGshdAwJ1JHHv5K6B3DUgUEcS907uGshdQ60CrX4nUuQ2Fs+dSJ65B8JOpAN5e691J1L1e+EjN1J77oX3zD0Q9sIfSdt7rXvhA0+6kZTqvejIo3wia8VNZM/cA4mNHYEqmPIaOgu0acJGp6ZU30UHdmV6Hqhn7oEEx45ABUx6DRHojKUQqGfugSDQDkl7zyHQEZwujFKL1orDNKw4PLuCIYROw+klnmHp/2dwKMUdqGfugQTHzh2ogEmvobNAeYg0T1sl8BCpkNjYEaiCKa+htUBZxjQEz4nsmXsgobEjUAkTXkNvgbKQfgieE9kz90AiY0egGsa/huYCZUCJIHcN5K6h1q2cDCgR5K6B3DUgUEcS907uGshdAwJ1JHHv5K6B3DUgUEcS907uGshdAwJ1JHHv5K6B3DUgUEcS907uGshdAwJ1JHHv5K6B3DUgUEcS907uGshdQ60CrX4nUiSeO5ECMc09EnLXUKlAq98LH4nnXvhATHMPhdw11ClQyVE+gaUEh1q4ncYUiGnusZC7hioF2jRhUtCUUhyr5nUeaCCmuQdD7hoQqGMpBBqIae7BkLsGBOpYCoEGYpp7MOSuAYE6lkKggZjmHgy5a6hSoDxEGkKoPw0nsmvusZC7hjoFyjKmIUT603Eiu+YeCrlrqFSgLKQfQuAVWk5k19wjIXcNtQrUc0CVkrh3ctdA7hoQqCOJeyd3DeSuAYE6krh3ctdA7hoQqCOJeyd3DeSuAYE6krh3ctdA7hoQqCOJeyd3DeSuAYE6krh3ctdA7hoQqCOJeyd3DeSuoVaBVr+QPnLxu+dC+siuClk490gQqITxw8FboNVv5Yzcfum5lTO0q0KWzT0UBKpgwnCwFmj1h4lEHgDieZhIbFeFLJp7LAhUwJTh4CzQpgkb6JpSfRcd2JXpcXbBXRWyZO7BINDlmTQcEOiMpRAoAh0IAl0eBOpaCoEi0IEg0OVBoK6lECgCHQgCXZ5qBcpDpHnaKoGHSBoQqIApw8FaoCxjGkKoE1jGpAGBKpgwHLwFykL6IUTWYiG9BgQqYfxwMBcoA0oEuWsgdw21buVkQIkgdw3krgGBOpK4d3LXQO4aEKgjiXsndw3krgGBOpK4d3LXQO4aEKgjiXsndw3krgGBOpK4d3LXQO4aEKgjiXsndw3krgGBOpK4d3LXQO4aahVo9TuRIql+J5Jp7pFY5l5K3txr3YlU/V74SKrfC2+aeyiOuReTNvda98IHHpojKbXogIo9YcjwNCbT3GMxzL2crLlPCctZoE0TNgw0pZYcUIFXuMXvPFDT3IPxy30ASXOfFBYCnbEUAq0/92D8ch9A0twRqGspBFp/7sH45T6ApLkjUNdSCLT+3IPxy30ASXOvVqA8RBpC7IwxfJhhmnsshrmXkzX3KWFZC5RlTEMInTGOy2lMcw/FMfdi0uY+ISxvgbKQfgiRM8ZyQbdp7pFY5l5K3tzHh2UuULa2iSB3DeSuodatnAwoEeSugdw1IFBHEvdO7hrIXQMCdSRx7+Sugdw1IFBHEvdO7hrIXQMCdSRx7+Sugdw1IFBHEvdO7hrIXQMCdSRx7+Sugdw11CrQ6hfSRy539lxIHwgL6QfgOd5NqXUhffVbOSM33Hlu5QyErZwD8BzvptS6lVNyEkVgqd6LDuzK9DCRQAJz98XwMJH6c58SlrNAmyZsGGhK9V10YFemx9kFEpi7MX7H2dWf+6SwEOiMpRBoIPVP5C0IdHkQqGspBBpI/RN5CwJdHgTqWgqBBlL/RN6CQJenWoHyEGmetkrwE+gKHmY88hBJwpSwrAXKMqYhRNZyFOgKltOwjEnDhLC8BcpC+iFE1nIU6AoWdLOQXsP4sMwF6jmRS0ncO7lrIHcNtW7lZECJIHcN5K4BgTqSuHdy10DuGhCoI4l7J3cN5K4BgTqSuHdy10DuGhCoI4l7J3cN5K4BgTqSuHdy10DuGpQC/fz6YccPvx7/9gqBbkncO7lrIHcNSoF+etkRaPuXH/9AoOscUA4k7p3cNSgF+vTw0/HPm/vPn3YWfRUjUHYiDYCdSC2OvZcR+RLG4TnePaZOgEDfdWz5tL/3/PRy/35+qkDZCz8A9sIfMOy9jNCXMAzP8W4ydaYL9Mubv/z9UqZf3jz8EiDQKaekOJTiNKZIAnM3JfYljMJzvLtMnekC/fz6x/962X4CepTph6v38BOui/NAY9sqwU+ggbmbEvwSBuE53m2mznSBHp4hbe85P79u37p/OH4u+m3L8MJfTxc24ptXViq0liXVX6DpFXqOd9epM6LE037V0qeXm5vPo0CfEOiypUxnXyDVX6DpFXqOd9epM6LE4WZz+679hkAPLH1r7VCKt/CBBOZuSvBLGITneLeZOtMFeuDTyx//iBWo6WfO5aV4iBRJYO6mOPrTdby7TJ1Igf7w643PQKcI1HTVQ3EpljGFEpi7KY7+dB3vJlMnUqA//hH7FP7Rdd1taSkW0scSmLspjv50He8eU2eyQI/O3L1rf7df/xm0DvTRdCKXkrh3ctdA7hqEWzkPG5F27gzeicSAUkHuGshdg1Cgn17u7jb36ozeC8+AEkHuGshdg/IwkQ/d0+yeHjiN6Uji3sldA7lrkB6ovDsC9KfuX15df9HSF+ZA4t7JXQO5a+BEekcS907uGshdAwJ1JHHv5K6B3DUgUEcS907uGshdQ60C9Vx3a7qg2zOsQExzjwSBaqhUoJ47v0y3FHqGFYhp7qEgUA11CtTz7IHyUosOKM+wAjHNPRYEqqFKgTZN2EzWlFpyQHmGFYhp7sEgUA0I1LEUAg3ENPdgEKgGBOpYCoEGYpp7MAhUAwJ1LIVAAzHNPRgEqqFKgZo+FykvxUOkSExzjwWBaqhToKYrc4pLsYwpFNPcQ0GgGioVqOna8NJSLKSPxTT3SBCohloFyoASQe4ayF0DAnUkce/kroHcNSBQRxL3Tu4ayF0DAnUkce/kroHcNSBQRxL3Tu4ayF0DAnUkce/kroHcNSBQRxL3Tu4ayF0DAnUkce/kroHcNSBQRxL3Tu4ayF1DrQJlR8wAIsOKm8j17wCLxFKg5H7vG50Fyp7sAYSGFTaR6z+DIBRHgZL73W80FiinAg0gNqyoiVz/KVixGAqU3O9/o69AmyZWCjEM6CrpeaBbgiZyYFemuQfjJ1By7/lGBDoM0wGFQE+scSLPBrn3fCMCHYbpgEKgJ9Y4kWeD3Hu+EYEOw3RAIdATa5zIs0HuPd/oK1AeIg0hNiweImnwEyi593yjsUBZxjSE0LBYxqTBUKDkfv8bnQXKQvohRIbFQnoNjgIl97vfaC1QzwFVSuLeyV0DuWtAoI4k7p3cNZC7BgTqSOLeyV0DuWtAoI4k7p3cNZC7BgTqSOLeyV0DuWtAoI4k7p3cNZC7BgTqSOLeyV0DuWtAoI4k7p3cNZC7BgTqSOLeyV0DuWuoVaCCbSyBpQou2nOrlWlbnjtiQrNiB1gxHrl7C1SxkTqwVP9Fe272N23Lc092bFacQVCKSe7WApUc5RNYqveiA7uKxLOtwNwDCc6KU7AKccndWaBNE5aSplTfRQd2FYlnW4G5BxKdFeewlmGTOwKdsRQCDYSJPADP8R6ITe4IdMZSCDQQJvIAPMd7IDa5I9AZSyHQQJjIA/Ac74HY5O4sUB4iifBsKzD3QIKz4iFSIS65WwuUZUwiPNsKzD2Q2KxYxlSKSe7eAmUhvQjPtgJzDyQ0KxbSF+ORu7lA2domgtw1kLsGBOpI4t7JXQO5a0CgjiTundw1kPvy/LbhdwRqSOLeyV0DuS/KbwcQqCOJeyd3DeS+FL+dgUAdSdw7uWsg99n57RYI1JHEvZO7BnKfj5vmRKDGJO6d3DWQ+zzck2fNAmUh/QA8wwqEBd3eePbe584tL16MfQ29BcpWzgF4hhUIWwrNseu9xJ17f74Y+xpaC1RyIkJgqUUPE/EMK5DA3AMJzgqBBlHqztafL8a+hs4CbZqw0akpteRxdp5hBRKYeyDRWSHQ6Qxx58GfL8a+hgh0xlIINBAEao++96HuRKDWpRBoIAjUHmHvo8yJQM1LIdBAEKg9it6nmLN2gZo+FykvxUOkSAJzDyQ4KwQ6gAB5Hg069jW0FqjpypziUixjCiUw90Bis0KgZUS582jQsa+ht0BN14aXlmIhfSyBuQcSmhUC7SXWnQeD1rmQngGlgtw1kPtd5pDnjlq3cjKgRJC7BnJ/jtnciUBtSdw7uWsg9xvM604Eakvi3sldA7l3WcCcCNSYxL2TuwZy37KcOBGoM4l7J3cN5L68PBGoK4l7J3cNq85d404Eakvi3sldw1pzF7oTgdqSuHdy17C63NXmbKlVoLk317ATKRbPHWCmO5E8d96dmOy87Q72AHXuqVSgybd3sxc+FM8zCEz3wnue/dASobzdGUphBq1ToIEn3QQfmlMGpzFFUt7VkrkHZxUlUMkVlvQeZbwXL0INWqVAmyZsGASWGgDngQYyoKsFc4/OKkigmivs6T3IdTtevIg1KAJdrNQAEGggCHQAbgKNsVyH9Ql0BKeXzqlUIJFdEVb2UpEYXeHvs3ASaFDByTm1aQXVuWaE3I1vFMrgDjSQkDuhwaUCuyqiqjvQmJvDm6zvDnRMc4FjU6IEHiJFUt4VD5HED5FipHaXUH9+9913VQrUd7VJGSxjCqW4K5YxqZYxheisjAh/fneiToHarncug4X0sZR2xUL6R8EVbt4Hx6ixkAn+/O6aSgW6vq1tJpC7hpy5t15aVqBjuGFOBOpL4t7JXUO63Lt6Mhbo8+ZEoL4k7p3cNWTK/cpSjgLtNeeWWp/CP+YaUFck7p3cNSTJ/basvARaJM4DCNSRxL2Tuwb/3O8oy0OgZbecFyBQRxL3Tu4ajHPvV5daoGPM2YJAHUncO7lrcMy9WGBCgY42ZwsCdSRx7+SuwS33QRbTCHSaOVtqFajnemfPBd2RVJ+7K0YL6YerrECggUd4vngRYc6WSgXquePOc0thJNXnbovHVs6RSusXaND+9ThxHqhToJITEQJLLXqYSCDV5+6L/jCRCV7rFejkE0BC3q7fokqBNk3Y9NOUWvI4u0Cqz90Y6XF24/3TWqjn3yecQddjzinu3IFAHUshUM/cjVEJdKJ/Wgv1/Psogfaqc6o7dyBQx1II1DN3YxYXaIR9jhbq+fdBAu0X53ffcaDyXaqfyAh0nlIItD+sGO9cWKjn34sEWiLO7ziRftAwGHlt8lI8RDLN3ZdFHiLFOOeGhfq+4K70ysxZVGpE61UKtP7lNJb+XEHutsy9jCnIN89YqPcrbkpvmDnvlhpNpQKtf0G3pT9XkLsrMy6kj3LNHQv1f8mZ9MaZ82apqdQqULutbYNI3Du5a5gj9zDL9Fqo/EsniHMWEKgjiXsndw2huS/roFKBepmzBYE6krh3ctcQlrvEQn1fYGjOFgTqSOLeyV1DRO46C935N1dztiBQRxL3Tu4aJuYuttCN/2Z7z3kOAnUkce/krmF87moF/XYuUMtPOp8HgTqSuHdy1zAqd7V9DuwE2mdOO3fuQKCOJO6d3DUMzV0tng795vR05w4E6kji3sldQ3HuauN0KDGnrzr31CrQ6nfERO5Eiqxl9KslhpfKuwOsIHe1arrkF2fLixdjh4O3QKvfkx25Fz50X73Hr5YYWSrtGQR9uas9c6CCW84zXmwFOm44WAu0+lOBArsKPtlJ/6slJpTKegrW453c1Y7ZUcOb9Ru82At01HBwFmjThA10TaklzwONrPUo/tUSU0slPYd1y63c1X75rdScwt8LP4UXB4GOGQ4IdMZSCLT+3IO5yF3tlt8Gfc6JQBFoaCkEWn/uwZxyV2vlt+G/yQ2BItDQUgi0/tyD2eWuNspvI4/9QKBeAuUh0jxtlcBDJAUbB8klNMacLfLeR1LrQySWMQ0i1AksY1qU41wWCnSCOVtSCbQb/4Th4C1QFtIPIbIWC+kX42xaSwQ66v36DXII9NZrMH44mAuULYUiyH0Jrmf3ogK9L85B7txhLtB7r8QEQSHQ2UjcO7nPzDOTfBGB9opzuDt3uAq04OVAoI4k7p3cZ+TOXJ9XoCXmnLCTyE6g5S8JAnUkce/kPg99U34mgc5szha9QEe/LgjUkcS9k3s4RQaIFugy5mwRCnTqi4NAHUncO7nHMUQEYQJdUpwHFAINeo0QqCOJeyf36YzxwXSBKszZsqhAY18rBOpI4t7JfRpjtTBFoDpztiwj0FleLwTqSOLeyX00k+wwUqBic7bMJdAFXrRaBcpOpAF4hhVIYO7zMN0VwwXqYM6Wgt63287LC94NO3SMVipQ9sIPwDOsQAJzj2a8dC4YItD75nwxzFUR9Pf+oqyrkshjx2idApUc5RNYKutpTJFtxRGYexwR3ulSJNCCe84XLwpdFUlv771dlQcfPEarFGjThKWkKZX0PNDItuIIzD2IUPm03Bdo8dv1Fy8UBu0T6J2uhmYfPUYRqGMpBBqIlUDnEdBvzwq0x5xXH3UmEOi0FwCBFuDpBASqwUWgMzvoUkK96rz5mMhZoJZjFIE6lkKggRgIdAkHHSTUL857T9gtBeo8RqsUqOlzkfJSPESKJDD34SxjoI2DSsRZsDbJ6iHSiJewl+AxWqdATVfmFJdiGVMogbkPYSH7BJnzgMCfVwKd8BL2EztGKxWo6drw0lIspI8lMPcSFtJOsDkPLO/PjUB7M3Udo7UKlC2FIlad+0K+mcmcEkJyF4JAHUnc+2pzX8Y31Yjz7J4z8ZhBoI4k7n2NuS9jnBrNOS13BxCoI4l7X1nuyzinwJzC3wtfSGjuNiBQRxL3vpbcl9JO6T2no0DnyN0NBOpI4t5rz30p+Qx9t24l0BlydwWBOpK495pzX8I9Yz/p9BDoPLk7g0AdSdx7pbnP754+c/Y8JRILdK7c7alVoJ7rbk0X0gfi2dak3M9NEb/MvN+cJU/Y4wQqOPt9jePdW6CeO79Mt3IG4tnW+Nxv2iXKoCXmLF6cFCbQ0iucNffxpZZlQlvWAvU8e6C81KKHiQTi2da43O/YZapBI8V5IEqgkrPf1zjenQXaNGGBa0oteZxdIJ5tDc+91y5jDTqHOVuCBHrrChfLPaLUkkxqC4HOWGqNA2o2BnQ14VdL9DCfOVvmEOhiua9xvCPQGUutcUDNRklXBwsN0UsRM95znhMqUMZ7EQjUtdQaB9Rs9HR1ZqEivZQJdClztsQIlPE+hGoFykMkEZ5tPdvVtYX6BFPmz0XN2TJRoP1hBeZ+xRrHu7VAWcYkwrOtG109Y6Fe0fT5c3lztgwV6JCwAnO/zRrHu7dAWUgvwrOtTlf3LdQvnmf9qTJnS7FAh4QVmPtd1jjezQVa65ZCe2xzL7LQGHVpxXmgX6DqF+AOrmOmgFq3cvpO5BIS926Ze7GFhklLfNN5xh2BqtPvx3HMFIJAHUncu1vuwyxU9mU9H3RKDoe/JVB19sWYjZkhIFBHEvdulPsIC93/515xaty5YydQdeJj8Rkzg0GgjiTu3ST3kRZ65r+XmFP6O4lsch9H4t4RqCOJe9fnPsFDVwJNYM4Wfe4TSNw7AnUkce/S3Kfq6CTQPOZsYbxrkAv008sf/9j94fPrh4eHVwh0S+LeNbkHWel37885dzyTAONdwwICfds0//JvX99+f/Mfv7x52Av008uHLa1NEWhWls09UExZzdnCeNcwu0Dfb9fq/8u//fNvzb/+x41//tA6c3P/+dPOoq9iBMpOpAF4htXHAPdM2n55bs7AX+lRWqoojTiBeo73QELH6NwC3flzI9D//mvT/Ok/r/55e9+5E+jT/n8+vfzh1wiBshd+AJ5h3WOEqW67avA9Z+Cv9Hi+1JhIwgTqOd4DiR2jMwv0H3/e3Hj+9183b+G3Bv358p83b+D/9/4z0Hf7W8/Nf/glQKBTTklxKLXo6TSeYT3HaFNdumrUu/WYX+nxbKkJuUQJ1HO8BxI8RmcW6NvtbedOoF83b+K/ufzndw8/7R8ifXnzl7/v/suHq/fwI3prmrCUNKWWPB/RM6xrJpvq6Krxn3NO/ZUez5aaHk+QQD3HeyDRY3RegW6kubnr3Av068erT0G379v3Av38un3r/mH7UeiOb1tum/kup5BGfPPKSrm2deL3iZxUdd+cg0pNbepdyNgAACAASURBVOpQKjirydiPhql4dvWcQPfqbAX6jz9fCPTz681t54VAnxDosqVc29oxWVOtqnrerg+1XoRATSey82gIwbOrcQLdfe75rEAPjLg7PoU08vZaXYq38EELlHrMefmGfb5fKvfb5dv0yKy28Ba+DJvciwR69hb+/cVj+A+7B+9zCNT0uUh5qXU/RBohpyt6zXnzw86gX+lxwZxZHeEhUiEuuRcJ9Ovb7eeee4H+48/nD5E+vdw9N3r2M9ApAjVdmVNcaqXLmAZp6RkKzPn8c6Lpv9Kjy6xZXcIyplJMci8T6Maa2zWgG4G+3+1HOrsBPfLDr7FP4R9d14aXllrbQvpSO95lijlbpvxKjw6zZvUMLKQvxiP3MoG2C+n3nG/mPBPo13f79Z9B60CnXJgDiXsfnHuZHe8w6Z7znKm/GniWRMtgvGtYZivnDX8eaA8TCd6JxIBSMST3abYqEefA3eujBTpfnqUw3jUsc5hIc3MfZ1eg0XvhGVAiCnMfa6otM5izZbhAZ06zHMa7Bpvj7J4eOI3pSOLe+3IfJbYjc5mzpUCgy6Q4HMa7BhuBch5oh8S9P5v7FLFtmdWcLfcEumiKw2G8a5ALtJelL8yBxL3fyn2q12YX54GbAl0+wzEw3jXMK9DtEUznXB3IhEBvkLj3i9ynKm0hc7acC1SU4DgY7xqWFujtY5UR6DmJez/lPkllS91zntMKVJnfWBjvGhYX6LOP42MFKl8bPqnUwgvpA9m2NUVh83zQ2bv6ve1+jQu6rxCMrNzjfdx3Fgl0twx0v/7zY7PdyfnPvw1+Fz/6uix2J44rtexWzjCmHNjeZ84p9513ujq/gDVuKbxEMbKSjvdJbZUJtHMG6P5gka9vr49Vjhfo4W531JUZlFr0MJEYOqYaZtB+c059z15+9vsaD7W4QDKyEo73HVPaKhJoK82DTLfv3j8OfQ8/4bq8TmgbUGrJ4+ymc2WqMoOWmDPi484BZ7+v8Vi1czQjK9d4PzKprSKBtgfZ7dmfB3p1KigCvSbNgLqnqknmDBDnRVcRuQeCQDukGe/nLCHQsztQBFqNQO+p6lmBLmzOlsDcA0GgHfzH+03mF+jmLfzxDXv7Z97CpxboXVU9L1CJOYeHhUAR6ADmF+juLKb9PejHZvc8/vJY5VkEykOkWehX1pU/F77nnBoWD5F4iDSEKW2VCXS7bOnI5tbzbcMypoIvtFvWUWqwgz9LxDm/OQ8E5h5I7EvIMiYFE9oqE+jhMLst7TLQgTegLKSfVmoyw0y2sDkLryEw90BCX0IW0ksY31apQA8K3XlzI9DbxyqHC5StbZMZKjNHcw7EIvdxMN41cBqTI9reh+ssvTlbEo8ZxruGBQX6z78NPkgEgS5NsDvjxLnICR+JxwzjXcNiAt0+j0eghUh6D3VnMnO2JB4zjHcNywi0PZUJgRaydO9x4vzu96m/2VJizpbEY4bxrmEJgbYP4s9/LTwCvcNivceJ83DXGSDQpS7+msRjhvGuYXaBfmwXMQ1++o5AZ2SY0frM2X3HPkqgc19uKYnHDONdw7wCPa6jH61PBBpLtDmvPu0cJtDZrnMciccM413DnAJ93751/78jVn8i0GDizXn7QVGhQOMvMILEY4bxrmE2gR5+m8fP45bPTxUoO5E69Nmss319tDivSxmZk51I3iTufS6B7v2596ZAoOyFbym5G9ztX59qzk6pkl+esSjshTcnce/zCfT00H15gR6234+8NnmpkNNpSty5JcScXX9eGLQ8oJkIzD2QwIG1BYFqmPcOdH/05+ICbZqw0akpNe18xDhxDlwPP+CXZyxIYO6BBA6sHQhUw3wPkd7uh8f3CHR4qZECLRVduDnPBRr4xjQCBGpP4t7nfArfPkda/in86gRa7rh5zNkSLYUYEKg9iXufeSH95GX0CPReqUG/QLjHnKN+nfvoK1wQBGpP4t5n34l0WEu/6E6kwLEpKVXyEGnAL2DvM+fwX+Y++ZdnLElg7oEEZ4VANSyxF/4ff96NlCX3wgeOTUWpnov+7e56oVJzHr9qiD+jrnBRonKPJTYrBKphoePs3u4Gy4KnMQWOTUGp5y/6zHojzXn1QWeJP4OvcFmm5z4HoVkhUA2LnQe6faLEcXaF3Oi97AZxhodEQ1uvLPcskLuGJX+lx3sEWki391LR9apzqDtHtl5L7skgdw38TiRHdr2HiXOoOqe1nj73nJC7BgRqx0ZhJScalYhzSXO25M39cZ0T2YHEvSNQH04muytQU3O2JMz9ROLeyV0DAjXgSmi3BeptzpZMuV+RuHdy14BAlTzntQuBxptzvktKkftzJO6d3DUgUAk9fjsKNMEt5wXeufeQuHdy11CrQD0X0u8o0NzvJe4ctvlyoSvMXSrvRCZ3EZUK1HMrZ9DKpO2XlG+/XPQKk5dKO5HJXUWdApWcAHKfCHWevq7kAJClr7CCUlknMrnLqFKgTRM2DKaXijXnuT9vG3TpK6ynVNKJTO46EOhcpcrEOfDYj/sCXfgK6yuVdCKTuw4EGl4qxpx3H69fCnThK6y2VNKJTO46EGhcqShzfvdd31bOgz4jPqpKP/sCSyWdyOSuo0qBLv1JeJw529vO3r3wgReY/glEYKmsE5ncZdQp0KXWYhSac/B6+OcFOsMFZl8DE1gq7UQmdxWVCnTu1cBx4rz5UecNgc54gclXYQeWyjuRyV1ErQKda2tbnDjvPSTqCnSWy5gPthRqIHcNCLSQZczZFWhs/0vBRNZA7hoQaA9l4ixzZ1mhx3UOKAcS907uGhDocxSbM+w3uXWan9i7ECayBnLXgECvGGDOoVswe815aH5s73qYyBrIXQMCPTHInPfVOdach+ZHXrQBTGQN5K4BgT46mfPQ/MiLNoCJrIHcNaxboMPMGfN+veTp+hoHlAOJeyd3DesUaKg4Y925b37kRRvARNZA7hpqFegzeyCCxTnUnYE7M9iJNEOpZScyL+GBvAIdH5a3QK924cabc8THnYF7g9kLP0epRScyL+GRtAKdEJa1QJvmeGUyc97tqi/cARc4mcBa2UstOZF5CU9kFeiUsJwFuruo4t+6Nr85z9MOOB9xQKleAmulL7XgROYl7JBUoJPCqkagBeIsLBUXNwKtfiLzEnZAoAkFWnbLef/Xt5WZs9sVAnUuhUCrzz2StQp0yJv1wN9/iUDtSyHQ6nOPpFqBPh4EOtydV9/xrD/HdVWWNg+R6n+YwUt4IqlAq32ItLuyS+kNNee5QSe689hVWdosY1rBchpewiNZBVrtMqbtlZ2kN9KcXYNOduehKxbSO5diIb2mVFqBVruQftPf7zHHfsSYc2jzi/60UNhSqIHcNdS6lfPxa5A7R/74aaxxQDmQuHdy17A2gZqb89C88odPg4msgdw1rEigGczZssYB5UDi3sldQ70C/T3bbWeHNQ4oBxL3Tu4a6hZouTlt3LljjQPKgcS9k7uGigWa05071jigHEjcO7lrWLdAR9aenTUOKAcS907uGtYp0JE1F2ONA8qBxL2Tu4ZaBdrdiTRRnp47M9jGMkOpvBPZM/dS8uZeq0Bv7IUfe+PpuTeYjdRzlEo7kT1zLyZt7rUKtGkuT2MaeZWup9MEdpX+KJ/AUlknsmfu5WTN/bFSgTYHgb6Y/HFn04SNqAGlOA/UM3dTPHMfQNLct9QrULsBhUDtSyWdyJ65DyBp7lv8BTqC0yigVNK2PEuZQlj54Q40shR3oJ65m+KZ+wCS5r7F/w50THOBg0BSiodIprmb4pl7OVlzf6xVoKbLOopLsYzJNXdTPHMvJm3u1QrUdGFxaSkW0mtK5Z3InrmXkjf3agXK1jYR5K6B3DUgUEcS907uGshdAwJ1JHHv5K6B3DUgUEcS907uGshdAwJ1JHHv5K6B3DUgUEcS907uGshdAwJ1JHHv5K6B3DUgUEcS907uGshdQ60C9VxYzEJ671LL5m76EgpAoG4C9dzaxlZO81KL5m76EipAoGYCbZqwESUpxWEi9edu+hJKQKBeAm2asBGlKcVxdtXnbvoSakCgCDS0FAKtPnfTl1ADAkWgoaUQaPW5m76EGhAoAg0thUCrz930JdSAQL0EavpZf3kpHiLVn7vpSygBgZoJ1HS1SXEpljGtIHfTl1ABAnUTqOl659JSLKTXlGIhvQYEaidQtraJIHcN5K4BgTqSuHdy10DuGhCoI4l7J3cN5K4BgTqSuHdy10DuGhCoI4l7J3cN5K4BgTqSuHdy10DuGhCoI4l7J3cN5K4BgTqSuHdy10DuGhCoI4l7J3cN5K6hVoF6bhjx3BGTPKzAUnl3IiFQEZUK1HPLsuee7OxhBZZKuxcegaqoU6BNEzY6JaU4jan+3CNfwkcEqqJKgTZN2OjUlOI80Opzj3wJtyBQDQjUsRQCrT53BNohce8I1LEUAq0+dwTaIXHvCNSxFAKtPncE2iFx71UK1PSz/vJSPESqP/dYfyJQEXUK1HS1SXEpljGtIPdQfyJQEZUK1HS9c2kpFtJrSrGQXkPi3msVKANKBLlrIHcNCNSRxL2TuwZy14BAHUncO7lrIHcNCNSRxL2TuwZy14BAHUncO7lrIHcNCNSRxL2TuwZy14BAHUncO7lrIHcNCNSRxL2TuwZy11CrQD3XO3su6E4eVmCpZSey6UL60LbKQKBuAvXccee5pTB7WIGlFp3Ipls5Y9sqA4GaCTTwoAZJKQ4TMc09kMiX8DFOoMFtlYFAvQTaNGHDQFOK4+w8cw8k8iXcEiTQ6LbKQKAINLQUAvXMPRAE2gGBItDQUgjUM/dAEGgHBIpAQ0shUM/cA0GgHRCol0Drf5gROcqzhxVYiodIPEQaSJ0CrX85TeQoTx5WYCmWMbGMaSCVCrT+Bd2Rozx3WIGlWEj/yEL6YdQqULa2iSB3DeSuAYE6krh3ctdA7hoQqCOJeyd3DeSuAYE6krh3ctdA7hoQqCOJeyd3DeSuAYE6krh3ctdA7hoQqCOJeyd3DeSuAYE6krh3ctdA7hoQqCOJeyd3DeSuoVaBVr8jhp1IM5RaNnfTnUgCEvdeqUCr35PNXvg5Si2au+leeAWJe69ToIFHykhKcRpT/blHvoSPCFRFlQJtmrDRqSnFeaDV5x75Em5BoBoQqGMpBFp97gi0Q+LeEahjKQRafe4ItEPi3hGoYykEWn3uCLRD4t6rFKjpZ/3lpXiIVH/usf5EoCLqFKjpapPiUixjWkHuof5EoCIqFajpeufSUiyk15RiIb2GxL3XKlAGlAhy10DuGhCoI4l7J3cN5K4BgTqSuHdy10DuGhCoI4l7J3cN5K4BgTqSuHdy10DuGhCoI4l7J3cN5K5BKtBPLx8eHl61f/n8uvMXBJoVctdA7hqUAv3wsOOHX48yfXj48Q8Eus4B5UDi3sldg1CgG2X+srvx/Onr4X82/+lVjEA91zt7LuhOHlZgqYVzD8S0rUIQ6BiBvtvL8tPL7S3o0/7ec/+X6QL13HHnuaUwe1iBpZbNPRDTtkpBoBMeIn1+vXVma9Mvb7Z3pZMFGnhQg6QUh4msIPdATNsqBoFOEOinl5t7zy9v/vL33d8+XL2HH9Fb04SNKE0pjrOrP/dATNsqB4GOF+jhk9D2rfuH3SeiW75tGVHzNKDGdrWeUqZtVV8qEtO2YAAjX7p3Dw+7W8+jQJ8Q6LKlTNuqvlQkpm3BAMa9dF/ePOwXf94Q6IERd8enATXy9lpdirfw9eceiGlb5fAWftJnoJv38LEC5WHGPG1VX4qHSBoQ6JStnNsVTDc+A50iUJbTDCF5WIGlWMakAYFOEej2MXzsU/hHFnQPIndYgaVYSK8BgY4Q6HHJ524d07v9X4LWgU65MAcS907uGshdg3Qn0v7d+u5de/BOJAaUCnLXQO4a5HvhN+rcvnuP3gvPgBJB7hrIXYPyM9Cn/WlM+zft7V84jWlL4t7JXQO5a5A+RNodAXpQJueBnkjcO7lrIHcNBk/he1j6whxI3Du5ayB3DQjUkcS9k7sGcteAQB1J3Du5ayB3DQjUkcS9k7sGctdQq0DZETOAyFqWE9k090gscy8lce+VCpQ92QMI3UjtOJFNcw/FMfdiEvdep0AlR/kElsp6GtOj5UQ2zT0Ww9zLSdx7lQJtmrCBrimV9DzQLX4T2TT3YPxyH0Di3hGoYykEGohp7sH45T6AxL0jUMdSCDQQ09yD8ct9AIl7R6COpRBoIKa5B+OX+wAS916lQHmINE9bJRhOZNPcYzHMvZzEvdcpUJYxDSHUCY4T2TT3UBxzLyZx75UKlIX0Q4isZTmRTXOPxDL3UhL3XqtAGVAiyF0DuWtAoI4k7p3cNZC7BgTqSOLeyV0DuWtAoI4k7p3cNZC7BgTqSOLeyV0DuWtAoI4k7p3cNZC7BgTqSOLeyV0DuWtAoI4k7p3cNZC7BgTqSOLeyV0DuWuoVaDsRBJhOZEDc3fFMvdSEvdeqUDZC6/CcSIH5m6LY+7FJO69ToFyGpMMw4kcmLsvhrmXk7j3KgXaNGGC0ZTiXMpAAnM3xi/3ASTuHYE6lkKggSBQexL3jkAdSyHQQBCoPYl7R6COpRBoIAjUnsS9VylQHiLpMJzIgbn7Yph7OYl7r1OgLGOS4TiRA3O3xTH3YhL3XqlAWUivwnIiB+buimXupSTuvVaBMqBEkLsGcteAQB1J3Du5ayB3DQjUkcS9k7sGcteAQB1J3Du5ayB3DQjUkcS9k7sGcteAQB1J3Du5ayB3DQjUkcS9k7sGcteAQB1J3Du5ayB3DbUKtPqF9JHkDiuw1BonsgOJe69UoNVv5YwkeViBpdY4kR1I3HudAq3+MJFIsocVWGqNE9mBxL1XKdCmCZt+mlJLDqj0YQWWWuNEdiBx7wjUsRQCrT/3YBCoBgTqWAqB1p97MAhUAwJ1LIVA6889GASqoUqB8jBjCNnDCiy1xonsQOLe6xQoy2mGkDyswFJrnMgOJO69UoGyoHsIucMKLLXGiexA4t5rFSgDSgS5ayB3DQjUkcS9k7sGcteAQB1J3Du5ayB3DQjUkcS9k7sGcteAQB1J3Du5ayB3DQjUkcS9k7sGcteAQB1J3Du5ayB3DQjUkcS9k7sGcteAQB1J3Du5ayB3DbUKtPodMYFdmYYVCDuRvEnce6UCrX5PdmBXpmEFwl54cxL3XqdAqz8VKLAr07AC4TQmdxL3XqVAmyZsJmtK9V10YFemYQUSmLsxCFQDAnUshUADQaD2JO4dgTqWQqCBIFB7EveOQB1LIdBAEKg9iXuvUqCmz0XKS/EQKZLA3H1BoBrqFKjpypziUixjCiUwd1sQqIZKBWq6Nry0FAvpYwnM3RUEqqFWgTKgRJC7BnLXgEAdSdw7uWsgdw0I1JHEvZO7BnLXgEAdSdw7uWsgdw0I1JHEvZO7BnLXgEAdSdw7uWsgdw0I1JHEvZO7BnLXgEAdSdw7uWsgdw21CtRzbXj9C7o9F9KXkjd3BCqiUoF67k6sf0uh51bOYtLmjkBV1ClQz/Mx6j/UwvMwkXKy5v6IQFVUKdCmCZvJmlJJB1RgWBqS5r4FgWpAoI6lkg4oBKoDgWrwF+gIThO50lKm1H+FAPPAHWhkqaT/j8wdqA7uQDX434GOaS5wHktKZR1Qyf2ZNvdHBKqiToGyjElEbn/mzR2BqqhUoCykF5Han4lzR6AiahUoA0oEuWsgdw0I1JHEvZO7BnLXgEAdSdw7uWsgdw0I1JHEvZO7BnLXgEAdSdw7uWsgdw0I1JHEvZO7BnLXgEAdSdw7uWsgdw0I1JHEvZO7BnLXgEAdSdw7uWsgdw21CrT6nUiuW36YyBrIXUOlAq1+L7ztpnMmsgZy11CnQKs/jcn32CMmsgZy11ClQKs/D9T44E0msgZy14BAHUshUA2Jeyd3DQjUsRQC1ZC4d3LXgEAdSyFQDYl7J3cNVQqUh0g6mMgayF1DnQJlGZMMJrIGctdQqUBZSK+CiayB3DXUKlAGlAhy10DuGhCoI4l7J3cN5K4BgTqSuHdy10DuGhCoI4l7J3cN5K4BgTqSuHdy10DuGhCoI4l7J3cN5K4BgTqSuHdy10DuGhCoI4l7J3cN5K4BgTqSuHdy10DuGmoVaPU7kVxhImsgdw2VCrT6vfC2MJE1kLuGOgVa/WlMvjCRNZC7hioFWv15oMYwkTWQuwYE6lhqjQPKgcS9k7sGBOpYao0DyoHEvZO7BgTqWGqNA8qBxL2Tu4YqBcpDJB1MZA3krqFOgbKMSQYTWQO5a6hUoCykV8FE1kDuGmoVKANKBLlrIHcNCNSRxL2TuwZy14BAHUncO7lrIHcNCNSRxL2TuwZy14BAHUncO7lrIHcNCNSRxL2TuwZy14BAHUncO7lrIHcNCNSRxL2TuwZy11CrQFlIL4KJrIHcNVQqULZyqmAiayB3DXUKlMNEZDCRNZC7hioFynF2OpjIGshdAwJ1LLXGAeVA4t7JXQMCdSy1xgHlQOLeyV0DAnUstcYB5UDi3sldQ5UC5SGSDiayBnLXUKdAWcYkg4msgdw1VCpQFtKrYCJrIHcNtQqUASWC3DWQuwYE6kji3sldA7lrQKCOJO6d3DWQuwYE6kji3sldA7lrQKCOJO6d3DWQuwYE6kji3sldA7lrQKCOJO6d3DWQuwYE6kji3sldA7lrQKCOJO6d3DWQu4ZaBcpOJBFMZA3krqFSgbIXXgUTWQO5a6hToJzGJIOJrIHcNVQpUM4D1cFE1kDuGhCoY6k1DigHEvdO7hoQqGOpNQ4oBxL3Tu4aEKhjqTUOKAcS907uGqoUKA+RdDCRNZC7hjoFyjImGUxkDeSuoVKBspBeBRNZA7lrqFWgDCgR5K6B3DUgUEcS907uGshdAwJ1JHHv5K6B3DUgUEcS907uGshdAwJ1JHHv5K6B3DUgUEcS907uGshdg1Sgn14+PDz88Ov+L59fb/7yCoFuSdw7uWsgdw1Kgb572PPqKNOHhx//QKDrHFAOJO6d3DUIBfq0V+e7h7/8fXf/+dPOoq9iBMpCehFMZA3krkEo0HetLN9t1fm0v/f89PLwjn6aQNnKqYKJrIHcNegE+uXN9s7z69adPx1t+uXNwy8BAuUwERlMZA3krsHgKfxWoEebfrh6Dz+iN46z08FE1kDuGvQC3d10fn7dvnX/sL0d3fFty4iSJ1WN7sq7FABUxXgpfNh++nkU6BMCBYC1MVoKT+1D+CuBHhhxd8xbeB28ldRA7hrUb+H3/gwWKA+RdDCRNZC7BrFAP+z9eesz0CkCZRmTDCayBnLXIBXolzeHjZyxT+EfWUgvg4msgdw1KAW68edx5+a7/frPoHWgUy7MgcS9k7sGctcgFGjXn9E7kRhQKshdA7lrEAr0Q/fkkOi98AwoEeSugdw16AS6O77u4XgE09MDpzEdSdw7uWsgdw06gT49nAmU80A7JO6d3DWQuwb1OtB+lr4wBxL3Tu4ayF0DAnUkce/kroHcNSBQRxL3Tu4ayF0DAnUkce/kroHcNdQqUM+dSKWscUA5kLh3ctdQqUA998IXs8YB5UDi3sldQ50C9TyNqZw1DigHEvdO7hqqFKjneaADWOOAciBx7+SuAYEuVmoAaxxQDiTundw1INDFSg1gjQPKgcS9k7sGBLpYqQGscUA5kLh3ctdQpUB5iKSDiayB3DXUKVCWMclgImsgdw2VCpSF9CqYyBrIXUOtAmVAiSB3DeSuAYE6krh3ctdA7hoQqCOJeyd3DeSuAYE6krh3ctdA7hoQqCOJeyd3DeSuAYE6krh3ctdA7hoQqCOJeyd3DeSuAYE6krh3ctdA7hpqFahg9XsgaxxQDiTundw1VCpQxf7LQNY4oBxI3Du5a6hToJITQAJZ44ByIHHv5K6hSoFqzqALZI0DyoHEvZO7BgTqyBoHlAOJeyd3DQjUkTUOKAcS907uGhCoI2scUA4k7p3cNVQpUB4i6WAiayB3DXUKlGVMMpjIGshdQ6UCZSG9CiayBnLXUKtAGVAiyF0DuWtAoI4k7p3cNZC7BgTqSOLeyV0DuWtAoI4k7p3cNZC7BgTqSOLeyV0DuWtAoI4k7p3cNZC7BgTqSOLeyV0DuWtAoI4k7p3cNZC7BgTqSOLeyV0DuWtAoI4k7p3cNZC7BgTqSOLeyV0DuWtAoI4k7p3cNZC7BgTqSOLeyV0DuWtAoI4k7p3cNZC7BgTqSOLeyV0DuWtAoI4k7p3cNZC7BgTqSOLeyV0DuWtAoI4k7p3cNZC7BgTqSOLeyV0DuWtAoI4k7p3cNZC7BgTqSOLeyV0DuWtAoI4k7p3cNZC7BgTqSOLeyV0DuWtAoI4k7p3cNZC7BgTqSOLeyV0DuWtAoI4k7p3cNZC7BgTqSOLeyV0DuWtAoI4k7p3cNZC7BgTqSOLeyV0DuWtAoI4k7p3cNZC7BgTqSOLeyV0DuWtAoI4k7p3cNZC7BgTqSOLeyV0DuWtAoI4k7p3cNZC7Bn+BjuTbb9UdrBNy10DuGqJyR6Cwg9w1kLsGBAqhkLsGcteAQCEUctdA7hoQKIRC7hrIXQMChVDIXQO5a0CgEAq5ayB3DQgUQiF3DeSuoVqBAgBkAYECAIwEgQIAjASBAgCMBIECAIwEgQIAjASBAgCMBIECAIzES6CfXz88PLxSd7E6drFv+OFXdSdr4vPrn45/YtgvxzH3kGFvJdBPL3cX9OMf6kZWRps7Al2Udw/tRGbYL8pl7vUIdPP/CD/tLuuVupOV8XQYUrAc7x7a1Bn2i3LMPWbYOwn0af9/wp9ecie0LO+Yu0uzu/vZz1+G/YJ0co8Z9k4CbS/oy5uHX8SdrIsvb/7yd3UPK+PDZhYfboAY9svRzT1m2BsJ9HhBH7ghWpTPr3/8r5d8ArokHzZDvZ3IDPsF6eQeNOyNBPr5dXstH/hIblEOH6ZzB7Qo7URmW46RewAABupJREFU2C/MQaAxw95RoDzTWJan/RqaTy95J78klwJl2C/D0/Gz54hhj0DhcOvDe8hFQaAano7DPWLYI1A48OklSxEXBIFquMx52rB3FCgfBmlgIc2i8BmohmuBThn2RgLlcaQY7kAXhafwGqq9A/36bv88jAVxy3KcwbyHXJTTOlCG/ZJc/h/XtGHvJFC2ZGg47Mh4xwxektPTYIb9klxsYJg47J0EyqZgDZvEt0PoieMsFuW0oJthvySddaABw95JoNuVWRxLI+ADhzEJOL51ZNgvyjH3kGFvJVAORhSxy50PQJfl9Nkbw35JLnKfOOy9BAoAkAgECgAwEgQKADASBAoAMBIECgAwEgQKADASBAoAMBIECgAwEgQKADASBAoAMBIECgAwEgQKADASBAoAMBIECgAwEgQKz/K2ab45/e2ff2uan6cV/O+/NluORd82f/rPMW2N+a7t1Rz4l38b8f2zNAXJQaDwLFvfnZT5/kynI9gauKUttIxAP+6/vCPQJtB2x+oIdI0gUHiej03zr//R/vkffz79eRQdfx4EtohA3zY3BBqmu7eTLgWyg0DhDhvpfL//0/Q38BsbtxXeN5NqjRbo8dsmNjChGagMBAp32LyJbz8vjHgD372bnaCd6QKdfjVjm4HKQKBwj4/tm92NSSeKYiPQk7PeTvk4IECg0ww+oRmoDAQK99i+c9++iX/beXK9/zDz5I322fr3h3/8eaOn3Vvk/Re237j5y5Vq9vbZfP/3u3fVh48L2u987ideO+usg/Of+745/NPb85Y3f+n2ev4zdrb/eHjctfua4zd3v/BG9bM6Ny4NqgKBwl028tiY6GPHAO+vHqW37G4qN/74X+1fPp79w/brLm87jwL9n3/tfuXxR3xz8ydeCfS8g/Ofe1ugm6v65qzX08/YXedWoG8PRdo/nD7LOH3hdfXzOteXBnWBQOE+248Lu3eP79vbq7etz97vXbG9Cdz+fXsDtlHNP//P8W3y4fPGy0WgXzsCPd6wft/5EW/P/3r8iZcCvejg8uc+8xno991et/9ha7jDwq3dbeQ3X1s3f9Np4uILL6tf/PPVpUFlIFC4z3bu/4/T2+n9vduW97v/uFHE/u/tp6Snp/XvDzddhw88d++EzyR6EujP7Y9q/76TUfvY6fInXgr0soPLn3st0FacnV6PH/G2P/MovIOVD9Uuv/Ci+uU/X14a1AYChR523uu8gT+8F90/FfrY+YyzVc/xffjVhp/j+9u23oV1Wkl9PGhtX/vyJ14K9LKDy597ex3oN19v97q52u+7//L29NZ938z5F14I9PKfLy8NagOBQh/vz5+gPLcR8+1BoO1/3X4UeX3X9bFr0KNAj7eYewN2XXP9E5998H3079kX3BToN23pK73tm7nxL3tPX37hhUAv//ny0qA2ECj00d5r7Wg/yDx7aLNl96FhK9DTG/TOzWaX94dHMp2n8O0/bEucC/L6J94W6LGDy597Q6DdZ+3tHzpv7/fP54+PyLoCvfrCc4Fe/fPlpUFtIFDoo0egH8/+2r1hPHzoeX12x9um8/53skDPO7j8uc9vtuwK9Pwu945An7kdvvi29j8g0NpBoNDHhUDPt/Acdrj/fHoL/831P/988SFgK5ZCgV5sGrow4WUHFz+3UKDcgcIYECj00RXo1dPk98f3yjcF2n7J5nved7ef9wi0dc2u1vXz6wsTXnZw8XNLBHrrM9CbAh3xGSgCrRoECn10BdrZkrQz20lvG1ecCfTsw9D9svqTQt53bw4vLXN8Cr/5wT9f/cRLE152cPlziwR6svvHwwrR2wK9/MKrp/Dn/4xAaweBQh9nAj3tIt957qSv95efgb4/38S5e1O9/9rtx5rt0vhbAj2u/Xl7WAfa/YnPC/T9YU/R+ebREoHeWAd6W6DD14Ei0KpBoNDHmUC3mtoJqn2D3O732T3qaRenn6R03NXz89fuOvqL5ztXlvl4LP39jZ94th5p8/WXHVz+3PcXD5NOdG5WOzuIvv96R6CXX3hZ/eKfEWjtIFDo41ygp9XwO2McH5L/6d8Pmxa/OX1f011R1Hme3t4jPiPQZ/fCXy/o3Hz9ZQeXP/dwJshdgd7YC/+1bfFcoBdfeFX9ai88Aq0aBAp9XAj0/JCl1md7kX1z8RDpfVeDx+/sfuttgd4+jenw9wuBXnZw9XPblfX3Bdr+jG8u/+VKoOdfeF397J8RaO0gUACAkSBQAICRIFAAgJEgUACAkSBQAICRIFAAgJEgUACAkSBQAICRIFAAgJEgUACAkSBQAICRIFAAgJEgUACAkSBQAICRIFAAgJEgUACAkSBQAICRIFAAgJEgUACAkSBQAICR/H+pMZb1EJqevwAAAABJRU5ErkJggg=="/>
+          <p:cNvSpPr>
+            <a:spLocks noChangeAspect="1" noChangeArrowheads="1"/>
+          </p:cNvSpPr>
+          <p:nvPr/>
+        </p:nvSpPr>
+        <p:spPr bwMode="auto">
+          <a:xfrm>
+            <a:off x="460375" y="160337"/>
+            <a:ext cx="304800" cy="304801"/>
+          </a:xfrm>
+          <a:prstGeom prst="rect">
+            <a:avLst/>
+          </a:prstGeom>
+          <a:noFill/>
+          <a:extLst>
+            <a:ext uri="{909E8E84-426E-40DD-AFC4-6F175D3DCCD1}">
+              <a14:hiddenFill xmlns:a14="http://schemas.microsoft.com/office/drawing/2010/main">
+                <a:solidFill>
+                  <a:srgbClr val="FFFFFF"/>
+                </a:solidFill>
+              </a14:hiddenFill>
+            </a:ext>
+          </a:extLst>
+        </p:spPr>
+        <p:txBody>
+          <a:bodyPr vert="horz" wrap="square" lIns="91440" tIns="45720" rIns="91440" bIns="45720" numCol="1" anchor="t" anchorCtr="0" compatLnSpc="1">
+            <a:prstTxWarp prst="textNoShape">
+              <a:avLst/>
+            </a:prstTxWarp>
+          </a:bodyPr>
+          <a:lstStyle/>
+          <a:p>
+            <a:endParaRPr lang="en-US"/>
+          </a:p>
+        </p:txBody>
+      </p:sp>
+      <p:pic>
+        <p:nvPicPr>
+          <p:cNvPr id="9" name="Picture 8"/>
+          <p:cNvPicPr/>
+          <p:nvPr/>
+        </p:nvPicPr>
+        <p:blipFill rotWithShape="1">
+          <a:blip r:embed="rId3"/>
+          <a:srcRect l="22886" t="40700" r="37084" b="12603"/>
+          <a:stretch/>
+        </p:blipFill>
+        <p:spPr bwMode="auto">
+          <a:xfrm>
+            <a:off x="5181600" y="1142999"/>
+            <a:ext cx="2788920" cy="2514601"/>
+          </a:xfrm>
+          <a:prstGeom prst="rect">
+            <a:avLst/>
+          </a:prstGeom>
+          <a:ln>
+            <a:noFill/>
+          </a:ln>
+          <a:extLst>
+            <a:ext uri="{53640926-AAD7-44D8-BBD7-CCE9431645EC}">
+              <a14:shadowObscured xmlns:a14="http://schemas.microsoft.com/office/drawing/2010/main"/>
+            </a:ext>
+          </a:extLst>
+        </p:spPr>
+      </p:pic>
+    </p:spTree>
+    <p:extLst>
+      <p:ext uri="{BB962C8B-B14F-4D97-AF65-F5344CB8AC3E}">
+        <p14:creationId xmlns:p14="http://schemas.microsoft.com/office/powerpoint/2010/main" val="3237407644"/>
+      </p:ext>
+    </p:extLst>
+  </p:cSld>
+  <p:clrMapOvr>
+    <a:masterClrMapping/>
+  </p:clrMapOvr>
+</p:sld>
+</file>
+
+<file path=ppt/slides/slide14.xml><?xml version="1.0" encoding="utf-8"?>
+<p:sld xmlns:a="http://schemas.openxmlformats.org/drawingml/2006/main" xmlns:r="http://schemas.openxmlformats.org/officeDocument/2006/relationships" xmlns:p="http://schemas.openxmlformats.org/presentationml/2006/main">
+  <p:cSld>
+    <p:spTree>
+      <p:nvGrpSpPr>
+        <p:cNvPr id="1" name=""/>
+        <p:cNvGrpSpPr/>
+        <p:nvPr/>
+      </p:nvGrpSpPr>
+      <p:grpSpPr>
+        <a:xfrm>
+          <a:off x="0" y="0"/>
+          <a:ext cx="0" cy="0"/>
+          <a:chOff x="0" y="0"/>
+          <a:chExt cx="0" cy="0"/>
+        </a:xfrm>
+      </p:grpSpPr>
+      <p:sp>
+        <p:nvSpPr>
+          <p:cNvPr id="2" name="Content Placeholder 1"/>
+          <p:cNvSpPr>
+            <a:spLocks noGrp="1"/>
+          </p:cNvSpPr>
+          <p:nvPr>
+            <p:ph idx="1"/>
+          </p:nvPr>
+        </p:nvSpPr>
+        <p:spPr/>
+        <p:txBody>
+          <a:bodyPr/>
+          <a:lstStyle/>
+          <a:p>
+            <a:r>
+              <a:rPr lang="en-US" dirty="0" smtClean="0"/>
+              <a:t>Top 3 Factors that Contribute to </a:t>
+            </a:r>
+            <a:r>
+              <a:rPr lang="en-US" dirty="0" smtClean="0"/>
+              <a:t>Turnover: Overtime, Marital Status, and Total Working Years</a:t>
+            </a:r>
+          </a:p>
+          <a:p>
+            <a:r>
+              <a:rPr lang="en-US" dirty="0" smtClean="0"/>
+              <a:t>External/personal factors contribute as well as internal/job function factors</a:t>
+            </a:r>
+          </a:p>
+          <a:p>
+            <a:r>
+              <a:rPr lang="en-US" dirty="0" smtClean="0"/>
+              <a:t>Variables that are correlated with entry level positions/age (work experience, perk eligibility, marital status)</a:t>
+            </a:r>
+            <a:r>
+              <a:rPr lang="en-US" dirty="0" smtClean="0"/>
+              <a:t>	</a:t>
+            </a:r>
+            <a:r>
+              <a:rPr lang="en-US" dirty="0" smtClean="0"/>
+              <a:t>lead to higher attrition</a:t>
+            </a:r>
+            <a:endParaRPr lang="en-US" dirty="0"/>
+          </a:p>
+        </p:txBody>
+      </p:sp>
+      <p:sp>
+        <p:nvSpPr>
+          <p:cNvPr id="3" name="Title 2"/>
+          <p:cNvSpPr>
+            <a:spLocks noGrp="1"/>
+          </p:cNvSpPr>
+          <p:nvPr>
+            <p:ph type="title"/>
+          </p:nvPr>
+        </p:nvSpPr>
+        <p:spPr/>
+        <p:txBody>
+          <a:bodyPr/>
+          <a:lstStyle/>
+          <a:p>
+            <a:r>
+              <a:rPr lang="en-US" dirty="0" smtClean="0"/>
+              <a:t>Conclusions</a:t>
+            </a:r>
+            <a:endParaRPr lang="en-US" dirty="0"/>
+          </a:p>
+        </p:txBody>
+      </p:sp>
+    </p:spTree>
+    <p:extLst>
+      <p:ext uri="{BB962C8B-B14F-4D97-AF65-F5344CB8AC3E}">
+        <p14:creationId xmlns:p14="http://schemas.microsoft.com/office/powerpoint/2010/main" val="5799522"/>
+      </p:ext>
+    </p:extLst>
+  </p:cSld>
+  <p:clrMapOvr>
+    <a:masterClrMapping/>
+  </p:clrMapOvr>
+</p:sld>
+</file>
+
+<file path=ppt/slides/slide2.xml><?xml version="1.0" encoding="utf-8"?>
+<p:sld xmlns:a="http://schemas.openxmlformats.org/drawingml/2006/main" xmlns:r="http://schemas.openxmlformats.org/officeDocument/2006/relationships" xmlns:p="http://schemas.openxmlformats.org/presentationml/2006/main">
+  <p:cSld>
+    <p:spTree>
+      <p:nvGrpSpPr>
+        <p:cNvPr id="1" name=""/>
+        <p:cNvGrpSpPr/>
+        <p:nvPr/>
+      </p:nvGrpSpPr>
+      <p:grpSpPr>
+        <a:xfrm>
+          <a:off x="0" y="0"/>
+          <a:ext cx="0" cy="0"/>
+          <a:chOff x="0" y="0"/>
+          <a:chExt cx="0" cy="0"/>
+        </a:xfrm>
+      </p:grpSpPr>
+      <p:sp>
+        <p:nvSpPr>
+          <p:cNvPr id="2" name="Content Placeholder 1"/>
+          <p:cNvSpPr>
+            <a:spLocks noGrp="1"/>
+          </p:cNvSpPr>
+          <p:nvPr>
+            <p:ph idx="1"/>
+          </p:nvPr>
+        </p:nvSpPr>
+        <p:spPr>
+          <a:xfrm>
+            <a:off x="457200" y="1447800"/>
+            <a:ext cx="8401050" cy="4525963"/>
+          </a:xfrm>
+          <a:effectLst>
+            <a:innerShdw blurRad="63500" dist="50800" dir="8100000">
+              <a:prstClr val="black">
+                <a:alpha val="50000"/>
+              </a:prstClr>
+            </a:innerShdw>
+          </a:effectLst>
+        </p:spPr>
+        <p:txBody>
+          <a:bodyPr>
+            <a:normAutofit/>
+          </a:bodyPr>
+          <a:lstStyle/>
+          <a:p>
+            <a:endParaRPr lang="en-US" sz="2600" dirty="0"/>
+          </a:p>
+          <a:p>
+            <a:r>
+              <a:rPr lang="en-US" sz="2600" dirty="0" err="1" smtClean="0"/>
+              <a:t>DDSAnalytics</a:t>
+            </a:r>
+            <a:r>
+              <a:rPr lang="en-US" sz="2600" dirty="0" smtClean="0"/>
+              <a:t>: Using Data to Solve Problems</a:t>
+            </a:r>
+          </a:p>
+          <a:p>
+            <a:endParaRPr lang="en-US" sz="2600" dirty="0"/>
+          </a:p>
+          <a:p>
+            <a:r>
+              <a:rPr lang="en-US" sz="2600" dirty="0" smtClean="0"/>
+              <a:t>Solutions </a:t>
+            </a:r>
+            <a:r>
+              <a:rPr lang="en-US" sz="2600" dirty="0"/>
+              <a:t>for Fortune 1000 </a:t>
+            </a:r>
+            <a:r>
+              <a:rPr lang="en-US" sz="2600" dirty="0" smtClean="0"/>
+              <a:t>Companies</a:t>
+            </a:r>
+          </a:p>
+          <a:p>
+            <a:endParaRPr lang="en-US" sz="800" dirty="0" smtClean="0"/>
+          </a:p>
+          <a:p>
+            <a:pPr lvl="1"/>
+            <a:r>
+              <a:rPr lang="en-US" sz="2400" b="1" dirty="0"/>
+              <a:t>W</a:t>
+            </a:r>
+            <a:r>
+              <a:rPr lang="en-US" sz="2400" dirty="0" smtClean="0"/>
+              <a:t>orkforce Planning </a:t>
+            </a:r>
+          </a:p>
+          <a:p>
+            <a:pPr lvl="1"/>
+            <a:r>
+              <a:rPr lang="en-US" sz="2400" b="1" dirty="0"/>
+              <a:t>E</a:t>
+            </a:r>
+            <a:r>
+              <a:rPr lang="en-US" sz="2400" dirty="0" smtClean="0"/>
+              <a:t>mployee </a:t>
+            </a:r>
+            <a:r>
+              <a:rPr lang="en-US" sz="2400" dirty="0"/>
+              <a:t>T</a:t>
+            </a:r>
+            <a:r>
+              <a:rPr lang="en-US" sz="2400" dirty="0" smtClean="0"/>
+              <a:t>raining </a:t>
+            </a:r>
+            <a:r>
+              <a:rPr lang="en-US" sz="2400" dirty="0"/>
+              <a:t>P</a:t>
+            </a:r>
+            <a:r>
+              <a:rPr lang="en-US" sz="2400" dirty="0" smtClean="0"/>
+              <a:t>rogram</a:t>
+            </a:r>
+          </a:p>
+          <a:p>
+            <a:pPr lvl="1"/>
+            <a:r>
+              <a:rPr lang="en-US" sz="2400" b="1" dirty="0" smtClean="0"/>
+              <a:t>I</a:t>
+            </a:r>
+            <a:r>
+              <a:rPr lang="en-US" sz="2400" dirty="0" smtClean="0"/>
+              <a:t>dentifying High-Potential Employees</a:t>
+            </a:r>
+          </a:p>
+          <a:p>
+            <a:pPr lvl="1"/>
+            <a:r>
+              <a:rPr lang="en-US" sz="2400" b="1" dirty="0" smtClean="0"/>
+              <a:t>R</a:t>
+            </a:r>
+            <a:r>
+              <a:rPr lang="en-US" sz="2400" dirty="0" smtClean="0"/>
+              <a:t>educing Turnover</a:t>
+            </a:r>
+          </a:p>
+          <a:p>
+            <a:pPr lvl="1"/>
+            <a:r>
+              <a:rPr lang="en-US" sz="2400" b="1" dirty="0" smtClean="0"/>
+              <a:t>D</a:t>
+            </a:r>
+            <a:r>
+              <a:rPr lang="en-US" sz="2400" dirty="0" smtClean="0"/>
+              <a:t>ata Interpretation</a:t>
+            </a:r>
+          </a:p>
+          <a:p>
+            <a:pPr lvl="1"/>
+            <a:endParaRPr lang="en-US" sz="2400" dirty="0" smtClean="0"/>
+          </a:p>
+          <a:p>
+            <a:pPr lvl="1"/>
+            <a:endParaRPr lang="en-US" sz="5000" dirty="0" smtClean="0"/>
+          </a:p>
+          <a:p>
+            <a:pPr marL="109728" indent="0">
+              <a:buNone/>
+            </a:pPr>
+            <a:endParaRPr lang="en-US" sz="2600" dirty="0"/>
+          </a:p>
+          <a:p>
+            <a:pPr marL="109728" indent="0">
+              <a:buNone/>
+            </a:pPr>
+            <a:endParaRPr lang="en-US" sz="2600" dirty="0" smtClean="0"/>
+          </a:p>
+          <a:p>
+            <a:endParaRPr lang="en-US" sz="2600" dirty="0"/>
+          </a:p>
+        </p:txBody>
+      </p:sp>
+      <p:sp>
+        <p:nvSpPr>
+          <p:cNvPr id="3" name="Title 2"/>
+          <p:cNvSpPr>
+            <a:spLocks noGrp="1"/>
+          </p:cNvSpPr>
+          <p:nvPr>
+            <p:ph type="title"/>
+          </p:nvPr>
+        </p:nvSpPr>
+        <p:spPr/>
+        <p:txBody>
+          <a:bodyPr/>
+          <a:lstStyle/>
+          <a:p>
+            <a:r>
+              <a:rPr lang="en-US" dirty="0" smtClean="0"/>
+              <a:t>Introduction</a:t>
+            </a:r>
+            <a:endParaRPr lang="en-US" dirty="0"/>
+          </a:p>
+        </p:txBody>
+      </p:sp>
+      <p:sp>
+        <p:nvSpPr>
+          <p:cNvPr id="4" name="AutoShape 2" descr="Related image"/>
+          <p:cNvSpPr>
+            <a:spLocks noChangeAspect="1" noChangeArrowheads="1"/>
+          </p:cNvSpPr>
+          <p:nvPr/>
+        </p:nvSpPr>
+        <p:spPr bwMode="auto">
+          <a:xfrm>
+            <a:off x="155575" y="-144463"/>
+            <a:ext cx="304800" cy="304801"/>
+          </a:xfrm>
+          <a:prstGeom prst="rect">
+            <a:avLst/>
+          </a:prstGeom>
+          <a:noFill/>
+          <a:extLst>
+            <a:ext uri="{909E8E84-426E-40DD-AFC4-6F175D3DCCD1}">
+              <a14:hiddenFill xmlns:a14="http://schemas.microsoft.com/office/drawing/2010/main">
+                <a:solidFill>
+                  <a:srgbClr val="FFFFFF"/>
+                </a:solidFill>
+              </a14:hiddenFill>
+            </a:ext>
+          </a:extLst>
+        </p:spPr>
+        <p:txBody>
+          <a:bodyPr vert="horz" wrap="square" lIns="91440" tIns="45720" rIns="91440" bIns="45720" numCol="1" anchor="t" anchorCtr="0" compatLnSpc="1">
+            <a:prstTxWarp prst="textNoShape">
+              <a:avLst/>
+            </a:prstTxWarp>
+          </a:bodyPr>
+          <a:lstStyle/>
+          <a:p>
+            <a:endParaRPr lang="en-US"/>
+          </a:p>
+        </p:txBody>
+      </p:sp>
+      <p:pic>
+        <p:nvPicPr>
+          <p:cNvPr id="5" name="Picture 4"/>
+          <p:cNvPicPr>
+            <a:picLocks noChangeAspect="1"/>
+          </p:cNvPicPr>
+          <p:nvPr/>
+        </p:nvPicPr>
+        <p:blipFill>
+          <a:blip r:embed="rId3" cstate="print">
+            <a:extLst>
+              <a:ext uri="{28A0092B-C50C-407E-A947-70E740481C1C}">
+                <a14:useLocalDpi xmlns:a14="http://schemas.microsoft.com/office/drawing/2010/main" val="0"/>
+              </a:ext>
+            </a:extLst>
+          </a:blip>
+          <a:stretch>
+            <a:fillRect/>
+          </a:stretch>
+        </p:blipFill>
+        <p:spPr>
+          <a:xfrm>
+            <a:off x="6577378" y="4876800"/>
+            <a:ext cx="2261822" cy="1752600"/>
+          </a:xfrm>
+          <a:prstGeom prst="rect">
+            <a:avLst/>
+          </a:prstGeom>
+        </p:spPr>
+      </p:pic>
+    </p:spTree>
+    <p:extLst>
+      <p:ext uri="{BB962C8B-B14F-4D97-AF65-F5344CB8AC3E}">
+        <p14:creationId xmlns:p14="http://schemas.microsoft.com/office/powerpoint/2010/main" val="4075600054"/>
+      </p:ext>
+    </p:extLst>
+  </p:cSld>
+  <p:clrMapOvr>
+    <a:masterClrMapping/>
+  </p:clrMapOvr>
+</p:sld>
+</file>
+
+<file path=ppt/slides/slide3.xml><?xml version="1.0" encoding="utf-8"?>
+<p:sld xmlns:a="http://schemas.openxmlformats.org/drawingml/2006/main" xmlns:r="http://schemas.openxmlformats.org/officeDocument/2006/relationships" xmlns:p="http://schemas.openxmlformats.org/presentationml/2006/main">
+  <p:cSld>
+    <p:spTree>
+      <p:nvGrpSpPr>
+        <p:cNvPr id="1" name=""/>
+        <p:cNvGrpSpPr/>
+        <p:nvPr/>
+      </p:nvGrpSpPr>
+      <p:grpSpPr>
+        <a:xfrm>
+          <a:off x="0" y="0"/>
+          <a:ext cx="0" cy="0"/>
+          <a:chOff x="0" y="0"/>
+          <a:chExt cx="0" cy="0"/>
+        </a:xfrm>
+      </p:grpSpPr>
+      <p:sp>
+        <p:nvSpPr>
+          <p:cNvPr id="2" name="Content Placeholder 1"/>
+          <p:cNvSpPr>
+            <a:spLocks noGrp="1"/>
+          </p:cNvSpPr>
+          <p:nvPr>
+            <p:ph idx="1"/>
+          </p:nvPr>
+        </p:nvSpPr>
+        <p:spPr/>
+        <p:txBody>
+          <a:bodyPr/>
+          <a:lstStyle/>
+          <a:p>
+            <a:r>
+              <a:rPr lang="en-US" dirty="0" smtClean="0"/>
+              <a:t>Costs Per Hire $4,129</a:t>
+            </a:r>
+          </a:p>
+          <a:p>
+            <a:endParaRPr lang="en-US" dirty="0" smtClean="0"/>
+          </a:p>
+          <a:p>
+            <a:r>
+              <a:rPr lang="en-US" dirty="0" smtClean="0"/>
+              <a:t>Time to Fill 42 days</a:t>
+            </a:r>
+          </a:p>
+          <a:p>
+            <a:endParaRPr lang="en-US" dirty="0" smtClean="0"/>
+          </a:p>
+          <a:p>
+            <a:r>
+              <a:rPr lang="en-US" dirty="0" smtClean="0"/>
+              <a:t>Employee Tenure 8 Years</a:t>
+            </a:r>
+          </a:p>
+          <a:p>
+            <a:endParaRPr lang="en-US" dirty="0" smtClean="0"/>
+          </a:p>
+          <a:p>
+            <a:r>
+              <a:rPr lang="en-US" dirty="0" smtClean="0"/>
+              <a:t>Annual Turnover Rate 19%</a:t>
+            </a:r>
+            <a:endParaRPr lang="en-US" dirty="0"/>
+          </a:p>
+        </p:txBody>
+      </p:sp>
+      <p:sp>
+        <p:nvSpPr>
+          <p:cNvPr id="3" name="Title 2"/>
+          <p:cNvSpPr>
+            <a:spLocks noGrp="1"/>
+          </p:cNvSpPr>
+          <p:nvPr>
+            <p:ph type="title"/>
+          </p:nvPr>
+        </p:nvSpPr>
+        <p:spPr/>
+        <p:txBody>
+          <a:bodyPr/>
+          <a:lstStyle/>
+          <a:p>
+            <a:r>
+              <a:rPr lang="en-US" dirty="0"/>
+              <a:t>Cost of Attrition - 2016</a:t>
+            </a:r>
+          </a:p>
+        </p:txBody>
+      </p:sp>
+      <p:pic>
+        <p:nvPicPr>
+          <p:cNvPr id="4" name="Picture 2" descr="Image result for Human Resource Managementâs 2016 Human Capital Benchmarking Report"/>
+          <p:cNvPicPr>
+            <a:picLocks noChangeAspect="1" noChangeArrowheads="1"/>
+          </p:cNvPicPr>
+          <p:nvPr/>
+        </p:nvPicPr>
+        <p:blipFill rotWithShape="1">
+          <a:blip r:embed="rId3" cstate="print">
+            <a:extLst>
+              <a:ext uri="{28A0092B-C50C-407E-A947-70E740481C1C}">
+                <a14:useLocalDpi xmlns:a14="http://schemas.microsoft.com/office/drawing/2010/main" val="0"/>
+              </a:ext>
+            </a:extLst>
+          </a:blip>
+          <a:srcRect l="8306" r="13708"/>
+          <a:stretch/>
+        </p:blipFill>
+        <p:spPr bwMode="auto">
+          <a:xfrm>
+            <a:off x="6781800" y="4953000"/>
+            <a:ext cx="1666180" cy="1121664"/>
+          </a:xfrm>
+          <a:prstGeom prst="rect">
+            <a:avLst/>
+          </a:prstGeom>
+          <a:noFill/>
+          <a:extLst>
+            <a:ext uri="{909E8E84-426E-40DD-AFC4-6F175D3DCCD1}">
+              <a14:hiddenFill xmlns:a14="http://schemas.microsoft.com/office/drawing/2010/main">
+                <a:solidFill>
+                  <a:srgbClr val="FFFFFF"/>
+                </a:solidFill>
+              </a14:hiddenFill>
+            </a:ext>
+          </a:extLst>
+        </p:spPr>
+      </p:pic>
+      <p:pic>
+        <p:nvPicPr>
+          <p:cNvPr id="5" name="Content Placeholder 3"/>
+          <p:cNvPicPr>
+            <a:picLocks noChangeAspect="1"/>
+          </p:cNvPicPr>
+          <p:nvPr/>
+        </p:nvPicPr>
+        <p:blipFill>
+          <a:blip r:embed="rId4" cstate="print">
+            <a:extLst>
+              <a:ext uri="{28A0092B-C50C-407E-A947-70E740481C1C}">
+                <a14:useLocalDpi xmlns:a14="http://schemas.microsoft.com/office/drawing/2010/main" val="0"/>
+              </a:ext>
+            </a:extLst>
+          </a:blip>
+          <a:stretch>
+            <a:fillRect/>
+          </a:stretch>
+        </p:blipFill>
+        <p:spPr>
+          <a:xfrm>
+            <a:off x="6172200" y="1499099"/>
+            <a:ext cx="2708003" cy="3149101"/>
+          </a:xfrm>
+          <a:prstGeom prst="rect">
+            <a:avLst/>
+          </a:prstGeom>
+          <a:ln>
+            <a:solidFill>
+              <a:schemeClr val="accent1"/>
+            </a:solidFill>
+          </a:ln>
+        </p:spPr>
+      </p:pic>
+    </p:spTree>
+    <p:extLst>
+      <p:ext uri="{BB962C8B-B14F-4D97-AF65-F5344CB8AC3E}">
+        <p14:creationId xmlns:p14="http://schemas.microsoft.com/office/powerpoint/2010/main" val="1930422771"/>
+      </p:ext>
+    </p:extLst>
+  </p:cSld>
+  <p:clrMapOvr>
+    <a:masterClrMapping/>
+  </p:clrMapOvr>
+</p:sld>
+</file>
+
+<file path=ppt/slides/slide4.xml><?xml version="1.0" encoding="utf-8"?>
+<p:sld xmlns:a="http://schemas.openxmlformats.org/drawingml/2006/main" xmlns:r="http://schemas.openxmlformats.org/officeDocument/2006/relationships" xmlns:p="http://schemas.openxmlformats.org/presentationml/2006/main">
+  <p:cSld>
+    <p:spTree>
+      <p:nvGrpSpPr>
+        <p:cNvPr id="1" name=""/>
+        <p:cNvGrpSpPr/>
+        <p:nvPr/>
+      </p:nvGrpSpPr>
+      <p:grpSpPr>
+        <a:xfrm>
+          <a:off x="0" y="0"/>
+          <a:ext cx="0" cy="0"/>
+          <a:chOff x="0" y="0"/>
+          <a:chExt cx="0" cy="0"/>
+        </a:xfrm>
+      </p:grpSpPr>
+      <p:sp>
+        <p:nvSpPr>
+          <p:cNvPr id="2" name="Content Placeholder 1"/>
+          <p:cNvSpPr>
+            <a:spLocks noGrp="1"/>
+          </p:cNvSpPr>
+          <p:nvPr>
+            <p:ph idx="1"/>
+          </p:nvPr>
+        </p:nvSpPr>
+        <p:spPr/>
+        <p:txBody>
+          <a:bodyPr>
+            <a:normAutofit/>
+          </a:bodyPr>
+          <a:lstStyle/>
+          <a:p>
+            <a:r>
+              <a:rPr lang="en-US" sz="2400" dirty="0" smtClean="0"/>
+              <a:t>Probabilistic Machine Learning Algorithm</a:t>
+            </a:r>
+          </a:p>
+          <a:p>
+            <a:endParaRPr lang="en-US" sz="2400" dirty="0" smtClean="0"/>
+          </a:p>
+          <a:p>
+            <a:r>
+              <a:rPr lang="en-US" sz="2400" dirty="0" smtClean="0"/>
+              <a:t>Assumes </a:t>
+            </a:r>
+            <a:r>
+              <a:rPr lang="en-US" sz="2400" dirty="0"/>
+              <a:t>features </a:t>
+            </a:r>
+            <a:r>
+              <a:rPr lang="en-US" sz="2400" dirty="0" smtClean="0"/>
+              <a:t>are independent of each other</a:t>
+            </a:r>
+            <a:endParaRPr lang="en-US" sz="2400" dirty="0"/>
+          </a:p>
+        </p:txBody>
+      </p:sp>
+      <p:sp>
+        <p:nvSpPr>
+          <p:cNvPr id="3" name="Title 2"/>
+          <p:cNvSpPr>
+            <a:spLocks noGrp="1"/>
+          </p:cNvSpPr>
+          <p:nvPr>
+            <p:ph type="title"/>
+          </p:nvPr>
+        </p:nvSpPr>
+        <p:spPr/>
+        <p:txBody>
+          <a:bodyPr>
+            <a:normAutofit fontScale="90000"/>
+          </a:bodyPr>
+          <a:lstStyle/>
+          <a:p>
+            <a:r>
+              <a:rPr lang="en-US" dirty="0" smtClean="0"/>
+              <a:t>Naïve-Bayes: </a:t>
+            </a:r>
+            <a:r>
+              <a:rPr lang="en-US" sz="4000" dirty="0" smtClean="0"/>
+              <a:t>Variable Exploration</a:t>
+            </a:r>
+            <a:endParaRPr lang="en-US" sz="4400" dirty="0"/>
+          </a:p>
+        </p:txBody>
+      </p:sp>
+      <p:graphicFrame>
+        <p:nvGraphicFramePr>
+          <p:cNvPr id="5" name="Table 4"/>
+          <p:cNvGraphicFramePr>
+            <a:graphicFrameLocks noGrp="1"/>
+          </p:cNvGraphicFramePr>
+          <p:nvPr>
+            <p:extLst>
+              <p:ext uri="{D42A27DB-BD31-4B8C-83A1-F6EECF244321}">
+                <p14:modId xmlns:p14="http://schemas.microsoft.com/office/powerpoint/2010/main" val="2920561248"/>
+              </p:ext>
+            </p:extLst>
+          </p:nvPr>
+        </p:nvGraphicFramePr>
+        <p:xfrm>
+          <a:off x="3048000" y="3048000"/>
+          <a:ext cx="3644900" cy="2543175"/>
+        </p:xfrm>
+        <a:graphic>
+          <a:graphicData uri="http://schemas.openxmlformats.org/drawingml/2006/table">
+            <a:tbl>
+              <a:tblPr>
+                <a:tableStyleId>{5C22544A-7EE6-4342-B048-85BDC9FD1C3A}</a:tableStyleId>
+              </a:tblPr>
+              <a:tblGrid>
+                <a:gridCol w="2819400"/>
+                <a:gridCol w="825500"/>
+              </a:tblGrid>
+              <a:tr h="247650">
+                <a:tc>
+                  <a:txBody>
+                    <a:bodyPr/>
+                    <a:lstStyle/>
+                    <a:p>
+                      <a:pPr algn="l" fontAlgn="b"/>
+                      <a:r>
+                        <a:rPr lang="en-US" sz="1400" u="none" strike="noStrike" dirty="0">
+                          <a:effectLst/>
+                        </a:rPr>
+                        <a:t>Variable</a:t>
+                      </a:r>
+                      <a:endParaRPr lang="en-US" sz="1400" b="1" i="0" u="none" strike="noStrike" dirty="0">
+                        <a:solidFill>
+                          <a:srgbClr val="000000"/>
+                        </a:solidFill>
+                        <a:effectLst/>
+                        <a:latin typeface="Calibri"/>
+                      </a:endParaRPr>
+                    </a:p>
+                  </a:txBody>
+                  <a:tcPr marL="85725" marR="9525" marT="9525" marB="0" anchor="b">
+                    <a:lnL w="12700" cap="flat" cmpd="sng" algn="ctr">
+                      <a:solidFill>
+                        <a:schemeClr val="tx1"/>
+                      </a:solidFill>
+                      <a:prstDash val="solid"/>
+                      <a:round/>
+                      <a:headEnd type="none" w="med" len="med"/>
+                      <a:tailEnd type="none" w="med" len="med"/>
+                    </a:lnL>
+                    <a:lnT w="12700" cap="flat" cmpd="sng" algn="ctr">
+                      <a:solidFill>
+                        <a:schemeClr val="tx1"/>
+                      </a:solidFill>
+                      <a:prstDash val="solid"/>
+                      <a:round/>
+                      <a:headEnd type="none" w="med" len="med"/>
+                      <a:tailEnd type="none" w="med" len="med"/>
+                    </a:lnT>
+                    <a:lnB w="12700" cap="flat" cmpd="sng" algn="ctr">
+                      <a:solidFill>
+                        <a:schemeClr val="tx1"/>
+                      </a:solidFill>
+                      <a:prstDash val="solid"/>
+                      <a:round/>
+                      <a:headEnd type="none" w="med" len="med"/>
+                      <a:tailEnd type="none" w="med" len="med"/>
+                    </a:lnB>
+                    <a:solidFill>
+                      <a:schemeClr val="accent1">
+                        <a:lumMod val="40000"/>
+                        <a:lumOff val="60000"/>
+                      </a:schemeClr>
+                    </a:solidFill>
+                  </a:tcPr>
+                </a:tc>
+                <a:tc>
+                  <a:txBody>
+                    <a:bodyPr/>
+                    <a:lstStyle/>
+                    <a:p>
+                      <a:pPr algn="ctr" fontAlgn="b"/>
+                      <a:r>
+                        <a:rPr lang="en-US" sz="1400" u="none" strike="noStrike" dirty="0">
+                          <a:effectLst/>
+                        </a:rPr>
+                        <a:t>P(Y|X)</a:t>
+                      </a:r>
+                      <a:endParaRPr lang="en-US" sz="1400" b="1" i="0" u="none" strike="noStrike" dirty="0">
+                        <a:solidFill>
+                          <a:srgbClr val="000000"/>
+                        </a:solidFill>
+                        <a:effectLst/>
+                        <a:latin typeface="Calibri"/>
+                      </a:endParaRPr>
+                    </a:p>
+                  </a:txBody>
+                  <a:tcPr marL="9525" marR="9525" marT="9525" marB="0" anchor="b">
+                    <a:lnR w="12700" cap="flat" cmpd="sng" algn="ctr">
+                      <a:solidFill>
+                        <a:schemeClr val="tx1"/>
+                      </a:solidFill>
+                      <a:prstDash val="solid"/>
+                      <a:round/>
+                      <a:headEnd type="none" w="med" len="med"/>
+                      <a:tailEnd type="none" w="med" len="med"/>
+                    </a:lnR>
+                    <a:lnT w="12700" cap="flat" cmpd="sng" algn="ctr">
+                      <a:solidFill>
+                        <a:schemeClr val="tx1"/>
+                      </a:solidFill>
+                      <a:prstDash val="solid"/>
+                      <a:round/>
+                      <a:headEnd type="none" w="med" len="med"/>
+                      <a:tailEnd type="none" w="med" len="med"/>
+                    </a:lnT>
+                    <a:lnB w="12700" cap="flat" cmpd="sng" algn="ctr">
+                      <a:solidFill>
+                        <a:schemeClr val="tx1"/>
+                      </a:solidFill>
+                      <a:prstDash val="solid"/>
+                      <a:round/>
+                      <a:headEnd type="none" w="med" len="med"/>
+                      <a:tailEnd type="none" w="med" len="med"/>
+                    </a:lnB>
+                    <a:solidFill>
+                      <a:schemeClr val="accent1">
+                        <a:lumMod val="40000"/>
+                        <a:lumOff val="60000"/>
+                      </a:schemeClr>
+                    </a:solidFill>
+                  </a:tcPr>
+                </a:tc>
+              </a:tr>
+              <a:tr h="190500">
+                <a:tc>
+                  <a:txBody>
+                    <a:bodyPr/>
+                    <a:lstStyle/>
+                    <a:p>
+                      <a:pPr algn="l" fontAlgn="t"/>
+                      <a:r>
+                        <a:rPr lang="en-US" sz="1100" u="none" strike="noStrike" dirty="0">
+                          <a:effectLst/>
+                        </a:rPr>
+                        <a:t>BusinessTravel - Travel Rarely</a:t>
+                      </a:r>
+                      <a:endParaRPr lang="en-US" sz="1100" b="0" i="0" u="none" strike="noStrike" dirty="0">
+                        <a:solidFill>
+                          <a:srgbClr val="333333"/>
+                        </a:solidFill>
+                        <a:effectLst/>
+                        <a:latin typeface="Arial"/>
+                      </a:endParaRPr>
+                    </a:p>
+                  </a:txBody>
+                  <a:tcPr marL="85725" marR="9525" marT="9525" marB="0">
+                    <a:lnL w="12700" cap="flat" cmpd="sng" algn="ctr">
+                      <a:solidFill>
+                        <a:schemeClr val="tx1"/>
+                      </a:solidFill>
+                      <a:prstDash val="solid"/>
+                      <a:round/>
+                      <a:headEnd type="none" w="med" len="med"/>
+                      <a:tailEnd type="none" w="med" len="med"/>
+                    </a:lnL>
+                    <a:lnT w="12700" cap="flat" cmpd="sng" algn="ctr">
+                      <a:solidFill>
+                        <a:schemeClr val="tx1"/>
+                      </a:solidFill>
+                      <a:prstDash val="solid"/>
+                      <a:round/>
+                      <a:headEnd type="none" w="med" len="med"/>
+                      <a:tailEnd type="none" w="med" len="med"/>
+                    </a:lnT>
+                    <a:solidFill>
+                      <a:schemeClr val="accent1">
+                        <a:lumMod val="20000"/>
+                        <a:lumOff val="80000"/>
+                      </a:schemeClr>
+                    </a:solidFill>
+                  </a:tcPr>
+                </a:tc>
+                <a:tc>
+                  <a:txBody>
+                    <a:bodyPr/>
+                    <a:lstStyle/>
+                    <a:p>
+                      <a:pPr algn="ctr" fontAlgn="t"/>
+                      <a:r>
+                        <a:rPr lang="en-US" sz="1100" u="none" strike="noStrike" dirty="0">
+                          <a:effectLst/>
+                        </a:rPr>
+                        <a:t>0.66</a:t>
+                      </a:r>
+                      <a:endParaRPr lang="en-US" sz="1100" b="0" i="0" u="none" strike="noStrike" dirty="0">
+                        <a:solidFill>
+                          <a:srgbClr val="333333"/>
+                        </a:solidFill>
+                        <a:effectLst/>
+                        <a:latin typeface="Arial"/>
+                      </a:endParaRPr>
+                    </a:p>
+                  </a:txBody>
+                  <a:tcPr marL="9525" marR="9525" marT="9525" marB="0">
+                    <a:lnR w="12700" cap="flat" cmpd="sng" algn="ctr">
+                      <a:solidFill>
+                        <a:schemeClr val="tx1"/>
+                      </a:solidFill>
+                      <a:prstDash val="solid"/>
+                      <a:round/>
+                      <a:headEnd type="none" w="med" len="med"/>
+                      <a:tailEnd type="none" w="med" len="med"/>
+                    </a:lnR>
+                    <a:lnT w="12700" cap="flat" cmpd="sng" algn="ctr">
+                      <a:solidFill>
+                        <a:schemeClr val="tx1"/>
+                      </a:solidFill>
+                      <a:prstDash val="solid"/>
+                      <a:round/>
+                      <a:headEnd type="none" w="med" len="med"/>
+                      <a:tailEnd type="none" w="med" len="med"/>
+                    </a:lnT>
+                    <a:solidFill>
+                      <a:schemeClr val="accent1">
+                        <a:lumMod val="20000"/>
+                        <a:lumOff val="80000"/>
+                      </a:schemeClr>
+                    </a:solidFill>
+                  </a:tcPr>
+                </a:tc>
+              </a:tr>
+              <a:tr h="190500">
+                <a:tc>
+                  <a:txBody>
+                    <a:bodyPr/>
+                    <a:lstStyle/>
+                    <a:p>
+                      <a:pPr algn="l" fontAlgn="t"/>
+                      <a:r>
+                        <a:rPr lang="en-US" sz="1100" u="none" strike="noStrike">
+                          <a:effectLst/>
+                        </a:rPr>
+                        <a:t>Department - Research &amp; Develoment</a:t>
+                      </a:r>
+                      <a:endParaRPr lang="en-US" sz="1100" b="0" i="0" u="none" strike="noStrike">
+                        <a:solidFill>
+                          <a:srgbClr val="333333"/>
+                        </a:solidFill>
+                        <a:effectLst/>
+                        <a:latin typeface="Arial"/>
+                      </a:endParaRPr>
+                    </a:p>
+                  </a:txBody>
+                  <a:tcPr marL="85725" marR="9525" marT="9525" marB="0">
+                    <a:lnL w="12700" cap="flat" cmpd="sng" algn="ctr">
+                      <a:solidFill>
+                        <a:schemeClr val="tx1"/>
+                      </a:solidFill>
+                      <a:prstDash val="solid"/>
+                      <a:round/>
+                      <a:headEnd type="none" w="med" len="med"/>
+                      <a:tailEnd type="none" w="med" len="med"/>
+                    </a:lnL>
+                    <a:solidFill>
+                      <a:schemeClr val="accent1">
+                        <a:lumMod val="20000"/>
+                        <a:lumOff val="80000"/>
+                      </a:schemeClr>
+                    </a:solidFill>
+                  </a:tcPr>
+                </a:tc>
+                <a:tc>
+                  <a:txBody>
+                    <a:bodyPr/>
+                    <a:lstStyle/>
+                    <a:p>
+                      <a:pPr algn="ctr" fontAlgn="t"/>
+                      <a:r>
+                        <a:rPr lang="en-US" sz="1100" u="none" strike="noStrike">
+                          <a:effectLst/>
+                        </a:rPr>
+                        <a:t>0.56</a:t>
+                      </a:r>
+                      <a:endParaRPr lang="en-US" sz="1100" b="0" i="0" u="none" strike="noStrike">
+                        <a:solidFill>
+                          <a:srgbClr val="333333"/>
+                        </a:solidFill>
+                        <a:effectLst/>
+                        <a:latin typeface="Arial"/>
+                      </a:endParaRPr>
+                    </a:p>
+                  </a:txBody>
+                  <a:tcPr marL="9525" marR="9525" marT="9525" marB="0">
+                    <a:lnR w="12700" cap="flat" cmpd="sng" algn="ctr">
+                      <a:solidFill>
+                        <a:schemeClr val="tx1"/>
+                      </a:solidFill>
+                      <a:prstDash val="solid"/>
+                      <a:round/>
+                      <a:headEnd type="none" w="med" len="med"/>
+                      <a:tailEnd type="none" w="med" len="med"/>
+                    </a:lnR>
+                    <a:solidFill>
+                      <a:schemeClr val="accent1">
+                        <a:lumMod val="20000"/>
+                        <a:lumOff val="80000"/>
+                      </a:schemeClr>
+                    </a:solidFill>
+                  </a:tcPr>
+                </a:tc>
+              </a:tr>
+              <a:tr h="190500">
+                <a:tc>
+                  <a:txBody>
+                    <a:bodyPr/>
+                    <a:lstStyle/>
+                    <a:p>
+                      <a:pPr algn="l" fontAlgn="t"/>
+                      <a:r>
+                        <a:rPr lang="en-US" sz="1100" u="none" strike="noStrike">
+                          <a:effectLst/>
+                        </a:rPr>
+                        <a:t>DistanceFromHome - Under 10</a:t>
+                      </a:r>
+                      <a:endParaRPr lang="en-US" sz="1100" b="0" i="0" u="none" strike="noStrike">
+                        <a:solidFill>
+                          <a:srgbClr val="333333"/>
+                        </a:solidFill>
+                        <a:effectLst/>
+                        <a:latin typeface="Arial"/>
+                      </a:endParaRPr>
+                    </a:p>
+                  </a:txBody>
+                  <a:tcPr marL="85725" marR="9525" marT="9525" marB="0">
+                    <a:lnL w="12700" cap="flat" cmpd="sng" algn="ctr">
+                      <a:solidFill>
+                        <a:schemeClr val="tx1"/>
+                      </a:solidFill>
+                      <a:prstDash val="solid"/>
+                      <a:round/>
+                      <a:headEnd type="none" w="med" len="med"/>
+                      <a:tailEnd type="none" w="med" len="med"/>
+                    </a:lnL>
+                    <a:solidFill>
+                      <a:schemeClr val="accent1">
+                        <a:lumMod val="20000"/>
+                        <a:lumOff val="80000"/>
+                      </a:schemeClr>
+                    </a:solidFill>
+                  </a:tcPr>
+                </a:tc>
+                <a:tc>
+                  <a:txBody>
+                    <a:bodyPr/>
+                    <a:lstStyle/>
+                    <a:p>
+                      <a:pPr algn="ctr" fontAlgn="t"/>
+                      <a:r>
+                        <a:rPr lang="en-US" sz="1100" u="none" strike="noStrike">
+                          <a:effectLst/>
+                        </a:rPr>
+                        <a:t>0.56</a:t>
+                      </a:r>
+                      <a:endParaRPr lang="en-US" sz="1100" b="0" i="0" u="none" strike="noStrike">
+                        <a:solidFill>
+                          <a:srgbClr val="333333"/>
+                        </a:solidFill>
+                        <a:effectLst/>
+                        <a:latin typeface="Arial"/>
+                      </a:endParaRPr>
+                    </a:p>
+                  </a:txBody>
+                  <a:tcPr marL="9525" marR="9525" marT="9525" marB="0">
+                    <a:lnR w="12700" cap="flat" cmpd="sng" algn="ctr">
+                      <a:solidFill>
+                        <a:schemeClr val="tx1"/>
+                      </a:solidFill>
+                      <a:prstDash val="solid"/>
+                      <a:round/>
+                      <a:headEnd type="none" w="med" len="med"/>
+                      <a:tailEnd type="none" w="med" len="med"/>
+                    </a:lnR>
+                    <a:solidFill>
+                      <a:schemeClr val="accent1">
+                        <a:lumMod val="20000"/>
+                        <a:lumOff val="80000"/>
+                      </a:schemeClr>
+                    </a:solidFill>
+                  </a:tcPr>
+                </a:tc>
+              </a:tr>
+              <a:tr h="190500">
+                <a:tc>
+                  <a:txBody>
+                    <a:bodyPr/>
+                    <a:lstStyle/>
+                    <a:p>
+                      <a:pPr algn="l" fontAlgn="t"/>
+                      <a:r>
+                        <a:rPr lang="en-US" sz="1100" u="none" strike="noStrike">
+                          <a:effectLst/>
+                        </a:rPr>
+                        <a:t>Education - Bachelor Below</a:t>
+                      </a:r>
+                      <a:endParaRPr lang="en-US" sz="1100" b="0" i="0" u="none" strike="noStrike">
+                        <a:solidFill>
+                          <a:srgbClr val="333333"/>
+                        </a:solidFill>
+                        <a:effectLst/>
+                        <a:latin typeface="Arial"/>
+                      </a:endParaRPr>
+                    </a:p>
+                  </a:txBody>
+                  <a:tcPr marL="85725" marR="9525" marT="9525" marB="0">
+                    <a:lnL w="12700" cap="flat" cmpd="sng" algn="ctr">
+                      <a:solidFill>
+                        <a:schemeClr val="tx1"/>
+                      </a:solidFill>
+                      <a:prstDash val="solid"/>
+                      <a:round/>
+                      <a:headEnd type="none" w="med" len="med"/>
+                      <a:tailEnd type="none" w="med" len="med"/>
+                    </a:lnL>
+                    <a:solidFill>
+                      <a:schemeClr val="accent1">
+                        <a:lumMod val="20000"/>
+                        <a:lumOff val="80000"/>
+                      </a:schemeClr>
+                    </a:solidFill>
+                  </a:tcPr>
+                </a:tc>
+                <a:tc>
+                  <a:txBody>
+                    <a:bodyPr/>
+                    <a:lstStyle/>
+                    <a:p>
+                      <a:pPr algn="ctr" fontAlgn="t"/>
+                      <a:r>
+                        <a:rPr lang="en-US" sz="1100" u="none" strike="noStrike">
+                          <a:effectLst/>
+                        </a:rPr>
+                        <a:t>0.42</a:t>
+                      </a:r>
+                      <a:endParaRPr lang="en-US" sz="1100" b="0" i="0" u="none" strike="noStrike">
+                        <a:solidFill>
+                          <a:srgbClr val="333333"/>
+                        </a:solidFill>
+                        <a:effectLst/>
+                        <a:latin typeface="Arial"/>
+                      </a:endParaRPr>
+                    </a:p>
+                  </a:txBody>
+                  <a:tcPr marL="9525" marR="9525" marT="9525" marB="0">
+                    <a:lnR w="12700" cap="flat" cmpd="sng" algn="ctr">
+                      <a:solidFill>
+                        <a:schemeClr val="tx1"/>
+                      </a:solidFill>
+                      <a:prstDash val="solid"/>
+                      <a:round/>
+                      <a:headEnd type="none" w="med" len="med"/>
+                      <a:tailEnd type="none" w="med" len="med"/>
+                    </a:lnR>
+                    <a:solidFill>
+                      <a:schemeClr val="accent1">
+                        <a:lumMod val="20000"/>
+                        <a:lumOff val="80000"/>
+                      </a:schemeClr>
+                    </a:solidFill>
+                  </a:tcPr>
+                </a:tc>
+              </a:tr>
+              <a:tr h="190500">
+                <a:tc>
+                  <a:txBody>
+                    <a:bodyPr/>
+                    <a:lstStyle/>
+                    <a:p>
+                      <a:pPr algn="l" fontAlgn="t"/>
+                      <a:r>
+                        <a:rPr lang="en-US" sz="1100" u="none" strike="noStrike">
+                          <a:effectLst/>
+                        </a:rPr>
+                        <a:t>Gender - Male</a:t>
+                      </a:r>
+                      <a:endParaRPr lang="en-US" sz="1100" b="0" i="0" u="none" strike="noStrike">
+                        <a:solidFill>
+                          <a:srgbClr val="333333"/>
+                        </a:solidFill>
+                        <a:effectLst/>
+                        <a:latin typeface="Arial"/>
+                      </a:endParaRPr>
+                    </a:p>
+                  </a:txBody>
+                  <a:tcPr marL="85725" marR="9525" marT="9525" marB="0">
+                    <a:lnL w="12700" cap="flat" cmpd="sng" algn="ctr">
+                      <a:solidFill>
+                        <a:schemeClr val="tx1"/>
+                      </a:solidFill>
+                      <a:prstDash val="solid"/>
+                      <a:round/>
+                      <a:headEnd type="none" w="med" len="med"/>
+                      <a:tailEnd type="none" w="med" len="med"/>
+                    </a:lnL>
+                    <a:solidFill>
+                      <a:schemeClr val="accent1">
+                        <a:lumMod val="20000"/>
+                        <a:lumOff val="80000"/>
+                      </a:schemeClr>
+                    </a:solidFill>
+                  </a:tcPr>
+                </a:tc>
+                <a:tc>
+                  <a:txBody>
+                    <a:bodyPr/>
+                    <a:lstStyle/>
+                    <a:p>
+                      <a:pPr algn="ctr" fontAlgn="t"/>
+                      <a:r>
+                        <a:rPr lang="en-US" sz="1100" u="none" strike="noStrike">
+                          <a:effectLst/>
+                        </a:rPr>
+                        <a:t>0.63</a:t>
+                      </a:r>
+                      <a:endParaRPr lang="en-US" sz="1100" b="0" i="0" u="none" strike="noStrike">
+                        <a:solidFill>
+                          <a:srgbClr val="333333"/>
+                        </a:solidFill>
+                        <a:effectLst/>
+                        <a:latin typeface="Arial"/>
+                      </a:endParaRPr>
+                    </a:p>
+                  </a:txBody>
+                  <a:tcPr marL="9525" marR="9525" marT="9525" marB="0">
+                    <a:lnR w="12700" cap="flat" cmpd="sng" algn="ctr">
+                      <a:solidFill>
+                        <a:schemeClr val="tx1"/>
+                      </a:solidFill>
+                      <a:prstDash val="solid"/>
+                      <a:round/>
+                      <a:headEnd type="none" w="med" len="med"/>
+                      <a:tailEnd type="none" w="med" len="med"/>
+                    </a:lnR>
+                    <a:solidFill>
+                      <a:schemeClr val="accent1">
+                        <a:lumMod val="20000"/>
+                        <a:lumOff val="80000"/>
+                      </a:schemeClr>
+                    </a:solidFill>
+                  </a:tcPr>
+                </a:tc>
+              </a:tr>
+              <a:tr h="190500">
+                <a:tc>
+                  <a:txBody>
+                    <a:bodyPr/>
+                    <a:lstStyle/>
+                    <a:p>
+                      <a:pPr algn="l" fontAlgn="t"/>
+                      <a:r>
+                        <a:rPr lang="en-US" sz="1100" u="none" strike="noStrike" dirty="0">
+                          <a:effectLst/>
+                        </a:rPr>
+                        <a:t>JobInvolvement - High</a:t>
+                      </a:r>
+                      <a:endParaRPr lang="en-US" sz="1100" b="0" i="0" u="none" strike="noStrike" dirty="0">
+                        <a:solidFill>
+                          <a:srgbClr val="333333"/>
+                        </a:solidFill>
+                        <a:effectLst/>
+                        <a:latin typeface="Arial"/>
+                      </a:endParaRPr>
+                    </a:p>
+                  </a:txBody>
+                  <a:tcPr marL="85725" marR="9525" marT="9525" marB="0">
+                    <a:lnL w="12700" cap="flat" cmpd="sng" algn="ctr">
+                      <a:solidFill>
+                        <a:schemeClr val="tx1"/>
+                      </a:solidFill>
+                      <a:prstDash val="solid"/>
+                      <a:round/>
+                      <a:headEnd type="none" w="med" len="med"/>
+                      <a:tailEnd type="none" w="med" len="med"/>
+                    </a:lnL>
+                    <a:solidFill>
+                      <a:schemeClr val="accent1">
+                        <a:lumMod val="20000"/>
+                        <a:lumOff val="80000"/>
+                      </a:schemeClr>
+                    </a:solidFill>
+                  </a:tcPr>
+                </a:tc>
+                <a:tc>
+                  <a:txBody>
+                    <a:bodyPr/>
+                    <a:lstStyle/>
+                    <a:p>
+                      <a:pPr algn="ctr" fontAlgn="t"/>
+                      <a:r>
+                        <a:rPr lang="en-US" sz="1100" u="none" strike="noStrike">
+                          <a:effectLst/>
+                        </a:rPr>
+                        <a:t>0.53</a:t>
+                      </a:r>
+                      <a:endParaRPr lang="en-US" sz="1100" b="0" i="0" u="none" strike="noStrike">
+                        <a:solidFill>
+                          <a:srgbClr val="333333"/>
+                        </a:solidFill>
+                        <a:effectLst/>
+                        <a:latin typeface="Arial"/>
+                      </a:endParaRPr>
+                    </a:p>
+                  </a:txBody>
+                  <a:tcPr marL="9525" marR="9525" marT="9525" marB="0">
+                    <a:lnR w="12700" cap="flat" cmpd="sng" algn="ctr">
+                      <a:solidFill>
+                        <a:schemeClr val="tx1"/>
+                      </a:solidFill>
+                      <a:prstDash val="solid"/>
+                      <a:round/>
+                      <a:headEnd type="none" w="med" len="med"/>
+                      <a:tailEnd type="none" w="med" len="med"/>
+                    </a:lnR>
+                    <a:solidFill>
+                      <a:schemeClr val="accent1">
+                        <a:lumMod val="20000"/>
+                        <a:lumOff val="80000"/>
+                      </a:schemeClr>
+                    </a:solidFill>
+                  </a:tcPr>
+                </a:tc>
+              </a:tr>
+              <a:tr h="190500">
+                <a:tc>
+                  <a:txBody>
+                    <a:bodyPr/>
+                    <a:lstStyle/>
+                    <a:p>
+                      <a:pPr algn="l" fontAlgn="t"/>
+                      <a:r>
+                        <a:rPr lang="en-US" sz="1100" u="none" strike="noStrike" dirty="0">
+                          <a:effectLst/>
+                        </a:rPr>
+                        <a:t>MonthlyIncome - Under 5,000</a:t>
+                      </a:r>
+                      <a:endParaRPr lang="en-US" sz="1100" b="0" i="0" u="none" strike="noStrike" dirty="0">
+                        <a:solidFill>
+                          <a:srgbClr val="333333"/>
+                        </a:solidFill>
+                        <a:effectLst/>
+                        <a:latin typeface="Arial"/>
+                      </a:endParaRPr>
+                    </a:p>
+                  </a:txBody>
+                  <a:tcPr marL="85725" marR="9525" marT="9525" marB="0">
+                    <a:lnL w="12700" cap="flat" cmpd="sng" algn="ctr">
+                      <a:solidFill>
+                        <a:schemeClr val="tx1"/>
+                      </a:solidFill>
+                      <a:prstDash val="solid"/>
+                      <a:round/>
+                      <a:headEnd type="none" w="med" len="med"/>
+                      <a:tailEnd type="none" w="med" len="med"/>
+                    </a:lnL>
+                    <a:solidFill>
+                      <a:schemeClr val="accent1">
+                        <a:lumMod val="20000"/>
+                        <a:lumOff val="80000"/>
+                      </a:schemeClr>
+                    </a:solidFill>
+                  </a:tcPr>
+                </a:tc>
+                <a:tc>
+                  <a:txBody>
+                    <a:bodyPr/>
+                    <a:lstStyle/>
+                    <a:p>
+                      <a:pPr algn="ctr" fontAlgn="t"/>
+                      <a:r>
+                        <a:rPr lang="en-US" sz="1100" u="none" strike="noStrike">
+                          <a:effectLst/>
+                        </a:rPr>
+                        <a:t>0.69</a:t>
+                      </a:r>
+                      <a:endParaRPr lang="en-US" sz="1100" b="0" i="0" u="none" strike="noStrike">
+                        <a:solidFill>
+                          <a:srgbClr val="333333"/>
+                        </a:solidFill>
+                        <a:effectLst/>
+                        <a:latin typeface="Arial"/>
+                      </a:endParaRPr>
+                    </a:p>
+                  </a:txBody>
+                  <a:tcPr marL="9525" marR="9525" marT="9525" marB="0">
+                    <a:lnR w="12700" cap="flat" cmpd="sng" algn="ctr">
+                      <a:solidFill>
+                        <a:schemeClr val="tx1"/>
+                      </a:solidFill>
+                      <a:prstDash val="solid"/>
+                      <a:round/>
+                      <a:headEnd type="none" w="med" len="med"/>
+                      <a:tailEnd type="none" w="med" len="med"/>
+                    </a:lnR>
+                    <a:solidFill>
+                      <a:schemeClr val="accent1">
+                        <a:lumMod val="20000"/>
+                        <a:lumOff val="80000"/>
+                      </a:schemeClr>
+                    </a:solidFill>
+                  </a:tcPr>
+                </a:tc>
+              </a:tr>
+              <a:tr h="190500">
+                <a:tc>
+                  <a:txBody>
+                    <a:bodyPr/>
+                    <a:lstStyle/>
+                    <a:p>
+                      <a:pPr algn="l" fontAlgn="t"/>
+                      <a:r>
+                        <a:rPr lang="en-US" sz="1100" u="none" strike="noStrike" dirty="0">
+                          <a:effectLst/>
+                        </a:rPr>
+                        <a:t>MaritalStatus - Single</a:t>
+                      </a:r>
+                      <a:endParaRPr lang="en-US" sz="1100" b="0" i="0" u="none" strike="noStrike" dirty="0">
+                        <a:solidFill>
+                          <a:srgbClr val="333333"/>
+                        </a:solidFill>
+                        <a:effectLst/>
+                        <a:latin typeface="Arial"/>
+                      </a:endParaRPr>
+                    </a:p>
+                  </a:txBody>
+                  <a:tcPr marL="85725" marR="9525" marT="9525" marB="0">
+                    <a:lnL w="12700" cap="flat" cmpd="sng" algn="ctr">
+                      <a:solidFill>
+                        <a:schemeClr val="tx1"/>
+                      </a:solidFill>
+                      <a:prstDash val="solid"/>
+                      <a:round/>
+                      <a:headEnd type="none" w="med" len="med"/>
+                      <a:tailEnd type="none" w="med" len="med"/>
+                    </a:lnL>
+                    <a:solidFill>
+                      <a:schemeClr val="accent1">
+                        <a:lumMod val="20000"/>
+                        <a:lumOff val="80000"/>
+                      </a:schemeClr>
+                    </a:solidFill>
+                  </a:tcPr>
+                </a:tc>
+                <a:tc>
+                  <a:txBody>
+                    <a:bodyPr/>
+                    <a:lstStyle/>
+                    <a:p>
+                      <a:pPr algn="ctr" fontAlgn="t"/>
+                      <a:r>
+                        <a:rPr lang="en-US" sz="1100" u="none" strike="noStrike">
+                          <a:effectLst/>
+                        </a:rPr>
+                        <a:t>0.51</a:t>
+                      </a:r>
+                      <a:endParaRPr lang="en-US" sz="1100" b="0" i="0" u="none" strike="noStrike">
+                        <a:solidFill>
+                          <a:srgbClr val="333333"/>
+                        </a:solidFill>
+                        <a:effectLst/>
+                        <a:latin typeface="Arial"/>
+                      </a:endParaRPr>
+                    </a:p>
+                  </a:txBody>
+                  <a:tcPr marL="9525" marR="9525" marT="9525" marB="0">
+                    <a:lnR w="12700" cap="flat" cmpd="sng" algn="ctr">
+                      <a:solidFill>
+                        <a:schemeClr val="tx1"/>
+                      </a:solidFill>
+                      <a:prstDash val="solid"/>
+                      <a:round/>
+                      <a:headEnd type="none" w="med" len="med"/>
+                      <a:tailEnd type="none" w="med" len="med"/>
+                    </a:lnR>
+                    <a:solidFill>
+                      <a:schemeClr val="accent1">
+                        <a:lumMod val="20000"/>
+                        <a:lumOff val="80000"/>
+                      </a:schemeClr>
+                    </a:solidFill>
+                  </a:tcPr>
+                </a:tc>
+              </a:tr>
+              <a:tr h="190500">
+                <a:tc>
+                  <a:txBody>
+                    <a:bodyPr/>
+                    <a:lstStyle/>
+                    <a:p>
+                      <a:pPr algn="l" fontAlgn="t"/>
+                      <a:r>
+                        <a:rPr lang="en-US" sz="1100" u="none" strike="noStrike" dirty="0">
+                          <a:effectLst/>
+                        </a:rPr>
+                        <a:t>NumCompaniesWorked - Less_than_5</a:t>
+                      </a:r>
+                      <a:endParaRPr lang="en-US" sz="1100" b="0" i="0" u="none" strike="noStrike" dirty="0">
+                        <a:solidFill>
+                          <a:srgbClr val="333333"/>
+                        </a:solidFill>
+                        <a:effectLst/>
+                        <a:latin typeface="Arial"/>
+                      </a:endParaRPr>
+                    </a:p>
+                  </a:txBody>
+                  <a:tcPr marL="85725" marR="9525" marT="9525" marB="0">
+                    <a:lnL w="12700" cap="flat" cmpd="sng" algn="ctr">
+                      <a:solidFill>
+                        <a:schemeClr val="tx1"/>
+                      </a:solidFill>
+                      <a:prstDash val="solid"/>
+                      <a:round/>
+                      <a:headEnd type="none" w="med" len="med"/>
+                      <a:tailEnd type="none" w="med" len="med"/>
+                    </a:lnL>
+                    <a:solidFill>
+                      <a:schemeClr val="accent1">
+                        <a:lumMod val="20000"/>
+                        <a:lumOff val="80000"/>
+                      </a:schemeClr>
+                    </a:solidFill>
+                  </a:tcPr>
+                </a:tc>
+                <a:tc>
+                  <a:txBody>
+                    <a:bodyPr/>
+                    <a:lstStyle/>
+                    <a:p>
+                      <a:pPr algn="ctr" fontAlgn="t"/>
+                      <a:r>
+                        <a:rPr lang="en-US" sz="1100" u="none" strike="noStrike">
+                          <a:effectLst/>
+                        </a:rPr>
+                        <a:t>0.72</a:t>
+                      </a:r>
+                      <a:endParaRPr lang="en-US" sz="1100" b="0" i="0" u="none" strike="noStrike">
+                        <a:solidFill>
+                          <a:srgbClr val="333333"/>
+                        </a:solidFill>
+                        <a:effectLst/>
+                        <a:latin typeface="Arial"/>
+                      </a:endParaRPr>
+                    </a:p>
+                  </a:txBody>
+                  <a:tcPr marL="9525" marR="9525" marT="9525" marB="0">
+                    <a:lnR w="12700" cap="flat" cmpd="sng" algn="ctr">
+                      <a:solidFill>
+                        <a:schemeClr val="tx1"/>
+                      </a:solidFill>
+                      <a:prstDash val="solid"/>
+                      <a:round/>
+                      <a:headEnd type="none" w="med" len="med"/>
+                      <a:tailEnd type="none" w="med" len="med"/>
+                    </a:lnR>
+                    <a:solidFill>
+                      <a:schemeClr val="accent1">
+                        <a:lumMod val="20000"/>
+                        <a:lumOff val="80000"/>
+                      </a:schemeClr>
+                    </a:solidFill>
+                  </a:tcPr>
+                </a:tc>
+              </a:tr>
+              <a:tr h="190500">
+                <a:tc>
+                  <a:txBody>
+                    <a:bodyPr/>
+                    <a:lstStyle/>
+                    <a:p>
+                      <a:pPr algn="l" fontAlgn="t"/>
+                      <a:r>
+                        <a:rPr lang="en-US" sz="1100" u="none" strike="noStrike" dirty="0">
+                          <a:effectLst/>
+                        </a:rPr>
+                        <a:t>YearsWithCurrManager - Five_or_Less</a:t>
+                      </a:r>
+                      <a:endParaRPr lang="en-US" sz="1100" b="0" i="0" u="none" strike="noStrike" dirty="0">
+                        <a:solidFill>
+                          <a:srgbClr val="333333"/>
+                        </a:solidFill>
+                        <a:effectLst/>
+                        <a:latin typeface="Arial"/>
+                      </a:endParaRPr>
+                    </a:p>
+                  </a:txBody>
+                  <a:tcPr marL="85725" marR="9525" marT="9525" marB="0">
+                    <a:lnL w="12700" cap="flat" cmpd="sng" algn="ctr">
+                      <a:solidFill>
+                        <a:schemeClr val="tx1"/>
+                      </a:solidFill>
+                      <a:prstDash val="solid"/>
+                      <a:round/>
+                      <a:headEnd type="none" w="med" len="med"/>
+                      <a:tailEnd type="none" w="med" len="med"/>
+                    </a:lnL>
+                    <a:solidFill>
+                      <a:schemeClr val="accent1">
+                        <a:lumMod val="20000"/>
+                        <a:lumOff val="80000"/>
+                      </a:schemeClr>
+                    </a:solidFill>
+                  </a:tcPr>
+                </a:tc>
+                <a:tc>
+                  <a:txBody>
+                    <a:bodyPr/>
+                    <a:lstStyle/>
+                    <a:p>
+                      <a:pPr algn="ctr" fontAlgn="t"/>
+                      <a:r>
+                        <a:rPr lang="en-US" sz="1100" u="none" strike="noStrike">
+                          <a:effectLst/>
+                        </a:rPr>
+                        <a:t>0.74</a:t>
+                      </a:r>
+                      <a:endParaRPr lang="en-US" sz="1100" b="0" i="0" u="none" strike="noStrike">
+                        <a:solidFill>
+                          <a:srgbClr val="333333"/>
+                        </a:solidFill>
+                        <a:effectLst/>
+                        <a:latin typeface="Arial"/>
+                      </a:endParaRPr>
+                    </a:p>
+                  </a:txBody>
+                  <a:tcPr marL="9525" marR="9525" marT="9525" marB="0">
+                    <a:lnR w="12700" cap="flat" cmpd="sng" algn="ctr">
+                      <a:solidFill>
+                        <a:schemeClr val="tx1"/>
+                      </a:solidFill>
+                      <a:prstDash val="solid"/>
+                      <a:round/>
+                      <a:headEnd type="none" w="med" len="med"/>
+                      <a:tailEnd type="none" w="med" len="med"/>
+                    </a:lnR>
+                    <a:solidFill>
+                      <a:schemeClr val="accent1">
+                        <a:lumMod val="20000"/>
+                        <a:lumOff val="80000"/>
+                      </a:schemeClr>
+                    </a:solidFill>
+                  </a:tcPr>
+                </a:tc>
+              </a:tr>
+              <a:tr h="190500">
+                <a:tc>
+                  <a:txBody>
+                    <a:bodyPr/>
+                    <a:lstStyle/>
+                    <a:p>
+                      <a:pPr algn="l" fontAlgn="t"/>
+                      <a:r>
+                        <a:rPr lang="en-US" sz="1100" u="none" strike="noStrike">
+                          <a:effectLst/>
+                        </a:rPr>
+                        <a:t>PercentSalaryHike - Less_than_15%</a:t>
+                      </a:r>
+                      <a:endParaRPr lang="en-US" sz="1100" b="0" i="0" u="none" strike="noStrike">
+                        <a:solidFill>
+                          <a:srgbClr val="333333"/>
+                        </a:solidFill>
+                        <a:effectLst/>
+                        <a:latin typeface="Arial"/>
+                      </a:endParaRPr>
+                    </a:p>
+                  </a:txBody>
+                  <a:tcPr marL="85725" marR="9525" marT="9525" marB="0">
+                    <a:lnL w="12700" cap="flat" cmpd="sng" algn="ctr">
+                      <a:solidFill>
+                        <a:schemeClr val="tx1"/>
+                      </a:solidFill>
+                      <a:prstDash val="solid"/>
+                      <a:round/>
+                      <a:headEnd type="none" w="med" len="med"/>
+                      <a:tailEnd type="none" w="med" len="med"/>
+                    </a:lnL>
+                    <a:solidFill>
+                      <a:schemeClr val="accent1">
+                        <a:lumMod val="20000"/>
+                        <a:lumOff val="80000"/>
+                      </a:schemeClr>
+                    </a:solidFill>
+                  </a:tcPr>
+                </a:tc>
+                <a:tc>
+                  <a:txBody>
+                    <a:bodyPr/>
+                    <a:lstStyle/>
+                    <a:p>
+                      <a:pPr algn="ctr" fontAlgn="t"/>
+                      <a:r>
+                        <a:rPr lang="en-US" sz="1100" u="none" strike="noStrike">
+                          <a:effectLst/>
+                        </a:rPr>
+                        <a:t>0.56</a:t>
+                      </a:r>
+                      <a:endParaRPr lang="en-US" sz="1100" b="0" i="0" u="none" strike="noStrike">
+                        <a:solidFill>
+                          <a:srgbClr val="333333"/>
+                        </a:solidFill>
+                        <a:effectLst/>
+                        <a:latin typeface="Arial"/>
+                      </a:endParaRPr>
+                    </a:p>
+                  </a:txBody>
+                  <a:tcPr marL="9525" marR="9525" marT="9525" marB="0">
+                    <a:lnR w="12700" cap="flat" cmpd="sng" algn="ctr">
+                      <a:solidFill>
+                        <a:schemeClr val="tx1"/>
+                      </a:solidFill>
+                      <a:prstDash val="solid"/>
+                      <a:round/>
+                      <a:headEnd type="none" w="med" len="med"/>
+                      <a:tailEnd type="none" w="med" len="med"/>
+                    </a:lnR>
+                    <a:solidFill>
+                      <a:schemeClr val="accent1">
+                        <a:lumMod val="20000"/>
+                        <a:lumOff val="80000"/>
+                      </a:schemeClr>
+                    </a:solidFill>
+                  </a:tcPr>
+                </a:tc>
+              </a:tr>
+              <a:tr h="200025">
+                <a:tc>
+                  <a:txBody>
+                    <a:bodyPr/>
+                    <a:lstStyle/>
+                    <a:p>
+                      <a:pPr algn="l" fontAlgn="t"/>
+                      <a:r>
+                        <a:rPr lang="en-US" sz="1100" u="none" strike="noStrike" dirty="0">
+                          <a:effectLst/>
+                        </a:rPr>
+                        <a:t>YearsInCurrentRole - Five_or_Less</a:t>
+                      </a:r>
+                      <a:endParaRPr lang="en-US" sz="1100" b="0" i="0" u="none" strike="noStrike" dirty="0">
+                        <a:solidFill>
+                          <a:srgbClr val="333333"/>
+                        </a:solidFill>
+                        <a:effectLst/>
+                        <a:latin typeface="Arial"/>
+                      </a:endParaRPr>
+                    </a:p>
+                  </a:txBody>
+                  <a:tcPr marL="85725" marR="9525" marT="9525" marB="0">
+                    <a:lnL w="12700" cap="flat" cmpd="sng" algn="ctr">
+                      <a:solidFill>
+                        <a:schemeClr val="tx1"/>
+                      </a:solidFill>
+                      <a:prstDash val="solid"/>
+                      <a:round/>
+                      <a:headEnd type="none" w="med" len="med"/>
+                      <a:tailEnd type="none" w="med" len="med"/>
+                    </a:lnL>
+                    <a:lnB w="12700" cap="flat" cmpd="sng" algn="ctr">
+                      <a:solidFill>
+                        <a:schemeClr val="tx1"/>
+                      </a:solidFill>
+                      <a:prstDash val="solid"/>
+                      <a:round/>
+                      <a:headEnd type="none" w="med" len="med"/>
+                      <a:tailEnd type="none" w="med" len="med"/>
+                    </a:lnB>
+                    <a:solidFill>
+                      <a:schemeClr val="accent1">
+                        <a:lumMod val="20000"/>
+                        <a:lumOff val="80000"/>
+                      </a:schemeClr>
+                    </a:solidFill>
+                  </a:tcPr>
+                </a:tc>
+                <a:tc>
+                  <a:txBody>
+                    <a:bodyPr/>
+                    <a:lstStyle/>
+                    <a:p>
+                      <a:pPr algn="ctr" fontAlgn="t"/>
+                      <a:r>
+                        <a:rPr lang="en-US" sz="1100" u="none" strike="noStrike" dirty="0">
+                          <a:effectLst/>
+                        </a:rPr>
+                        <a:t>0.77</a:t>
+                      </a:r>
+                      <a:endParaRPr lang="en-US" sz="1100" b="0" i="0" u="none" strike="noStrike" dirty="0">
+                        <a:solidFill>
+                          <a:srgbClr val="333333"/>
+                        </a:solidFill>
+                        <a:effectLst/>
+                        <a:latin typeface="Arial"/>
+                      </a:endParaRPr>
+                    </a:p>
+                  </a:txBody>
+                  <a:tcPr marL="9525" marR="9525" marT="9525" marB="0">
+                    <a:lnR w="12700" cap="flat" cmpd="sng" algn="ctr">
+                      <a:solidFill>
+                        <a:schemeClr val="tx1"/>
+                      </a:solidFill>
+                      <a:prstDash val="solid"/>
+                      <a:round/>
+                      <a:headEnd type="none" w="med" len="med"/>
+                      <a:tailEnd type="none" w="med" len="med"/>
+                    </a:lnR>
+                    <a:lnB w="12700" cap="flat" cmpd="sng" algn="ctr">
+                      <a:solidFill>
+                        <a:schemeClr val="tx1"/>
+                      </a:solidFill>
+                      <a:prstDash val="solid"/>
+                      <a:round/>
+                      <a:headEnd type="none" w="med" len="med"/>
+                      <a:tailEnd type="none" w="med" len="med"/>
+                    </a:lnB>
+                    <a:solidFill>
+                      <a:schemeClr val="accent1">
+                        <a:lumMod val="20000"/>
+                        <a:lumOff val="80000"/>
+                      </a:schemeClr>
+                    </a:solidFill>
+                  </a:tcPr>
+                </a:tc>
+              </a:tr>
+            </a:tbl>
+          </a:graphicData>
+        </a:graphic>
+      </p:graphicFrame>
+    </p:spTree>
+    <p:extLst>
+      <p:ext uri="{BB962C8B-B14F-4D97-AF65-F5344CB8AC3E}">
+        <p14:creationId xmlns:p14="http://schemas.microsoft.com/office/powerpoint/2010/main" val="3363377559"/>
+      </p:ext>
+    </p:extLst>
+  </p:cSld>
+  <p:clrMapOvr>
+    <a:masterClrMapping/>
+  </p:clrMapOvr>
+</p:sld>
+</file>
+
+<file path=ppt/slides/slide5.xml><?xml version="1.0" encoding="utf-8"?>
+<p:sld xmlns:a="http://schemas.openxmlformats.org/drawingml/2006/main" xmlns:r="http://schemas.openxmlformats.org/officeDocument/2006/relationships" xmlns:p="http://schemas.openxmlformats.org/presentationml/2006/main">
+  <p:cSld>
+    <p:spTree>
+      <p:nvGrpSpPr>
+        <p:cNvPr id="1" name=""/>
+        <p:cNvGrpSpPr/>
+        <p:nvPr/>
+      </p:nvGrpSpPr>
+      <p:grpSpPr>
+        <a:xfrm>
+          <a:off x="0" y="0"/>
+          <a:ext cx="0" cy="0"/>
+          <a:chOff x="0" y="0"/>
+          <a:chExt cx="0" cy="0"/>
+        </a:xfrm>
+      </p:grpSpPr>
+      <p:pic>
+        <p:nvPicPr>
+          <p:cNvPr id="6" name="Picture 5"/>
+          <p:cNvPicPr/>
+          <p:nvPr/>
+        </p:nvPicPr>
+        <p:blipFill rotWithShape="1">
+          <a:blip r:embed="rId2"/>
+          <a:srcRect l="22217" t="40270" r="37620" b="15389"/>
+          <a:stretch/>
+        </p:blipFill>
+        <p:spPr bwMode="auto">
+          <a:xfrm>
+            <a:off x="914400" y="1295400"/>
+            <a:ext cx="7848600" cy="3657600"/>
+          </a:xfrm>
+          <a:prstGeom prst="rect">
+            <a:avLst/>
+          </a:prstGeom>
+          <a:ln>
+            <a:noFill/>
+          </a:ln>
+          <a:extLst>
+            <a:ext uri="{53640926-AAD7-44D8-BBD7-CCE9431645EC}">
+              <a14:shadowObscured xmlns:a14="http://schemas.microsoft.com/office/drawing/2010/main"/>
+            </a:ext>
+          </a:extLst>
+        </p:spPr>
+      </p:pic>
+      <p:sp>
+        <p:nvSpPr>
+          <p:cNvPr id="2" name="Content Placeholder 1"/>
+          <p:cNvSpPr>
+            <a:spLocks noGrp="1"/>
+          </p:cNvSpPr>
+          <p:nvPr>
+            <p:ph idx="1"/>
+          </p:nvPr>
+        </p:nvSpPr>
+        <p:spPr>
+          <a:xfrm>
+            <a:off x="5588977" y="5181600"/>
+            <a:ext cx="3581400" cy="1752600"/>
+          </a:xfrm>
+        </p:spPr>
+        <p:txBody>
+          <a:bodyPr>
+            <a:normAutofit/>
+          </a:bodyPr>
+          <a:lstStyle/>
+          <a:p>
+            <a:pPr marL="914400" lvl="3" indent="-800100" algn="ctr">
+              <a:buNone/>
+            </a:pPr>
+            <a:r>
+              <a:rPr lang="en-US" sz="2400" u="sng" dirty="0" smtClean="0"/>
+              <a:t>Models Statistics</a:t>
+            </a:r>
+          </a:p>
+          <a:p>
+            <a:pPr marL="109728" indent="0">
+              <a:buNone/>
+            </a:pPr>
+            <a:r>
+              <a:rPr lang="en-US" sz="2400" dirty="0" smtClean="0"/>
+              <a:t>    Accuracy: 74%</a:t>
+            </a:r>
+          </a:p>
+          <a:p>
+            <a:pPr marL="109728" indent="0">
+              <a:buNone/>
+            </a:pPr>
+            <a:r>
+              <a:rPr lang="en-US" sz="2400" dirty="0" smtClean="0"/>
+              <a:t>    Recall: 53%</a:t>
+            </a:r>
+          </a:p>
+          <a:p>
+            <a:pPr marL="109728" indent="0">
+              <a:buNone/>
+            </a:pPr>
+            <a:r>
+              <a:rPr lang="en-US" sz="2400" dirty="0" smtClean="0"/>
+              <a:t>    Precision: 70%</a:t>
+            </a:r>
+            <a:endParaRPr lang="en-US" sz="2400" dirty="0"/>
+          </a:p>
+        </p:txBody>
+      </p:sp>
+      <p:sp>
+        <p:nvSpPr>
+          <p:cNvPr id="3" name="Title 2"/>
+          <p:cNvSpPr>
+            <a:spLocks noGrp="1"/>
+          </p:cNvSpPr>
+          <p:nvPr>
+            <p:ph type="title"/>
+          </p:nvPr>
+        </p:nvSpPr>
+        <p:spPr/>
+        <p:txBody>
+          <a:bodyPr>
+            <a:normAutofit fontScale="90000"/>
+          </a:bodyPr>
+          <a:lstStyle/>
+          <a:p>
+            <a:r>
+              <a:rPr lang="en-US" dirty="0" smtClean="0"/>
+              <a:t>Naïve-Bayes: </a:t>
+            </a:r>
+            <a:r>
+              <a:rPr lang="en-US" sz="3900" dirty="0" smtClean="0"/>
+              <a:t>Prediction &amp; Validation</a:t>
+            </a:r>
+            <a:endParaRPr lang="en-US" sz="3900" dirty="0"/>
+          </a:p>
+        </p:txBody>
+      </p:sp>
+    </p:spTree>
+    <p:extLst>
+      <p:ext uri="{BB962C8B-B14F-4D97-AF65-F5344CB8AC3E}">
+        <p14:creationId xmlns:p14="http://schemas.microsoft.com/office/powerpoint/2010/main" val="13562319"/>
+      </p:ext>
+    </p:extLst>
+  </p:cSld>
+  <p:clrMapOvr>
+    <a:masterClrMapping/>
+  </p:clrMapOvr>
+</p:sld>
+</file>
+
+<file path=ppt/slides/slide6.xml><?xml version="1.0" encoding="utf-8"?>
+<p:sld xmlns:a="http://schemas.openxmlformats.org/drawingml/2006/main" xmlns:r="http://schemas.openxmlformats.org/officeDocument/2006/relationships" xmlns:p="http://schemas.openxmlformats.org/presentationml/2006/main">
+  <p:cSld>
+    <p:spTree>
+      <p:nvGrpSpPr>
+        <p:cNvPr id="1" name=""/>
+        <p:cNvGrpSpPr/>
+        <p:nvPr/>
+      </p:nvGrpSpPr>
+      <p:grpSpPr>
+        <a:xfrm>
+          <a:off x="0" y="0"/>
+          <a:ext cx="0" cy="0"/>
+          <a:chOff x="0" y="0"/>
+          <a:chExt cx="0" cy="0"/>
+        </a:xfrm>
+      </p:grpSpPr>
+      <p:pic>
+        <p:nvPicPr>
+          <p:cNvPr id="6" name="Picture 5"/>
+          <p:cNvPicPr/>
+          <p:nvPr/>
+        </p:nvPicPr>
+        <p:blipFill rotWithShape="1">
+          <a:blip r:embed="rId2"/>
+          <a:srcRect l="22217" t="18850" r="39494" b="40237"/>
+          <a:stretch/>
+        </p:blipFill>
+        <p:spPr bwMode="auto">
+          <a:xfrm>
+            <a:off x="4648200" y="4343400"/>
+            <a:ext cx="4267200" cy="2362200"/>
+          </a:xfrm>
+          <a:prstGeom prst="rect">
+            <a:avLst/>
+          </a:prstGeom>
+          <a:ln>
+            <a:noFill/>
+          </a:ln>
+          <a:extLst>
+            <a:ext uri="{53640926-AAD7-44D8-BBD7-CCE9431645EC}">
+              <a14:shadowObscured xmlns:a14="http://schemas.microsoft.com/office/drawing/2010/main"/>
+            </a:ext>
+          </a:extLst>
+        </p:spPr>
+      </p:pic>
+      <p:sp>
+        <p:nvSpPr>
+          <p:cNvPr id="2" name="Content Placeholder 1"/>
+          <p:cNvSpPr>
+            <a:spLocks noGrp="1"/>
+          </p:cNvSpPr>
+          <p:nvPr>
+            <p:ph idx="1"/>
+          </p:nvPr>
+        </p:nvSpPr>
+        <p:spPr>
+          <a:xfrm>
+            <a:off x="457199" y="1481328"/>
+            <a:ext cx="8422005" cy="4525963"/>
+          </a:xfrm>
+        </p:spPr>
+        <p:txBody>
+          <a:bodyPr/>
+          <a:lstStyle/>
+          <a:p>
+            <a:r>
+              <a:rPr lang="en-US" sz="2000" dirty="0" smtClean="0"/>
+              <a:t>Men have </a:t>
+            </a:r>
+            <a:r>
+              <a:rPr lang="en-US" sz="2000" dirty="0"/>
+              <a:t>a higher attrition rate than women (63% </a:t>
+            </a:r>
+            <a:r>
+              <a:rPr lang="en-US" sz="2000" dirty="0" smtClean="0"/>
+              <a:t>vs. </a:t>
+            </a:r>
+            <a:r>
+              <a:rPr lang="en-US" sz="2000" dirty="0"/>
+              <a:t>37</a:t>
+            </a:r>
+            <a:r>
+              <a:rPr lang="en-US" sz="2000" dirty="0" smtClean="0"/>
+              <a:t>%)</a:t>
+            </a:r>
+          </a:p>
+          <a:p>
+            <a:endParaRPr lang="en-US" sz="800" dirty="0"/>
+          </a:p>
+          <a:p>
+            <a:r>
+              <a:rPr lang="en-US" sz="2000" dirty="0"/>
+              <a:t>Singles have a higher attrition rate at 51% than married (35%) or divorced individuals (14</a:t>
+            </a:r>
+            <a:r>
+              <a:rPr lang="en-US" sz="2000" dirty="0" smtClean="0"/>
+              <a:t>%)</a:t>
+            </a:r>
+          </a:p>
+          <a:p>
+            <a:endParaRPr lang="en-US" sz="800" dirty="0"/>
+          </a:p>
+          <a:p>
+            <a:r>
+              <a:rPr lang="en-US" sz="2000" dirty="0" smtClean="0"/>
+              <a:t>Employees with no stock options have a higher attrition rate 65% than those with.</a:t>
+            </a:r>
+          </a:p>
+          <a:p>
+            <a:endParaRPr lang="en-US" sz="800" dirty="0" smtClean="0"/>
+          </a:p>
+          <a:p>
+            <a:r>
+              <a:rPr lang="en-US" sz="2000" dirty="0" smtClean="0"/>
+              <a:t>Those with less then 10 years of work experience have greater attrition rates than those with more. </a:t>
+            </a:r>
+            <a:endParaRPr lang="en-US" sz="2000" dirty="0"/>
+          </a:p>
+        </p:txBody>
+      </p:sp>
+      <p:sp>
+        <p:nvSpPr>
+          <p:cNvPr id="3" name="Title 2"/>
+          <p:cNvSpPr>
+            <a:spLocks noGrp="1"/>
+          </p:cNvSpPr>
+          <p:nvPr>
+            <p:ph type="title"/>
+          </p:nvPr>
+        </p:nvSpPr>
+        <p:spPr/>
+        <p:txBody>
+          <a:bodyPr/>
+          <a:lstStyle/>
+          <a:p>
+            <a:r>
+              <a:rPr lang="en-US" dirty="0" smtClean="0"/>
+              <a:t>Other Findings</a:t>
+            </a:r>
+            <a:endParaRPr lang="en-US" dirty="0"/>
+          </a:p>
+        </p:txBody>
+      </p:sp>
+      <p:sp>
+        <p:nvSpPr>
+          <p:cNvPr id="5" name="AutoShape 2" descr="data:image/png;base64,iVBORw0KGgoAAAANSUhEUgAABUAAAAPACAMAAADDuCPrAAAAh1BMVEUAAAAAADoAAGYAOjoAOmYAOpAAZpAAZrY6AAA6OgA6Ojo6ZmY6ZrY6kNtmAABmAGZmOgBmOpBmZgBmZjpmZmZmkJBmtv+QOgCQkDqQtpCQ27aQ29uQ2/+2ZgC2Zjq2tma2/7a2/9u2///bkDrbtmbb/9vb////AAD/tmb/25D//7b//9v///9qwZE2AAAACXBIWXMAAB2HAAAdhwGP5fFlAAAgAElEQVR4nO3dfWPaWJvYYWbaqbPbdfqy26TbDt32oc+UJP7+n6/ADUdHQuLlBFs3ynX9MYONsUHo/KJ3Vm8ANFnN/QQAnpWAAjQSUIBGAgrQSEABGgkoQCMBBWgkoACNBBSgkYACNBJQgEYCCtBIQAEaCShAIwEFaCSgAI0EFKCRgAI0ElCARgIK0EhAARoJKEAjAQVoJKAAjQQUoJGAAjQSUIBGAgrQSEABGgkoQCMBBWgkoACNBBSgkYACNBJQgEYCCtBIQAEaCShAIwEFaCSgAI0EFKCRgAI0ElCARgIK0EhAARoJKEAjAQVoJKAAjQQUoJGAAjQSUIBGAgrQSEABGgkoQCMBBWgkoACNBBSgkYACNBJQgEYCCtBIQAEaCShAIwEFaCSgAI0EFKCRgC7Sj6+rnZfTl+v9V6vf/3b8crP/6o+/bvxdoz/9/fPum7/9+bPPsHuK5Vm+TD5kXvHsVqsvwzu2r1NfdIaT6/RjPz0ZmZmALtOmLuYxVmWgru8K1fsE9O3bp9UgKv3KJ3N4wSNTYvcyXse/OHt0ea3djwnosxPQZdrWdYpWrXqj9nxJaso7BTR+b/eLj5W/+Wl9sO2xn/0XfXjSr2Nf9NWTq/4xAX12ArpMvUhujmP/uNB56Onto/a9Ajoo5nZs+S6N45NdDRK5rr+xHt7bqSdX/WMC+uwEdJl6G0FPm++Oq8fb+1aV79tieodYMD4+kSh+2pbEPzr/MJwUtwa0duOP8RQEdKGq7JXNd/Ui0O37at4toMewv3Z/JW9XYiL832HkBfRXJ6ALVS1mnjaBHodtLJzePoLfL6BR9sOTjJtZV+BP0yyeZTXpBPRXJ6ALVW3oPBTwX8pi52C723HrXrVKv4kRfvxfHdB12U5Z/ZLt8edGGhjpfj3eOF/oje2eL6ffXC/bHReb+6E5bcx97X2je6pv3b8WI5so1r3nV28lvvCg/tTs/YqyX2n/e3pfnD2xMrkGPzbcBnr+ZlyYuiQgoAtVLWfuR/1v/+PzaWAeYnAaot3SaTeOY9SvT6O8C2i13/wsoGU7QVe3atPBREBLN0tphw+tH7VZdV5Hn2r9cs5r2N951i2iX3xQ9Xd2L7x3cMP1gJYndltAx96MyalLCgK6VGVL52Hw/fHX+jQsN1WW6ib1q/SPJSgloPWBmsOA/sdPZ7+miuBv/zoR0EjGH3//2o9XnbSy1DX2XAdPtfe4sxj2t12UNenLD+o/Ml7T8YVcDWj3xG4K6OibMTV1yUFAl2p7is82xnxZza22wW1Xq5FBO1jSOwX0fKd5FdDzBlUH/hyN7beKv/Uvp6C8db98+Lh+545/pP9Uh39y+AfLJKlfwLUHlb99eLXrahpcDWg3DW8J6PibMTF1SUJAl6oM+k0M1tNadATjEKtqO2OM02qb6ap84xjQ/nFG5wHdf3GM3Jfu2/vhfurhWJqqfHV3r8tv6W516aqfSP+pdmvl8WuHB0XVmz37y9UXHtT74eOrKqmf3Ik0mIY3HAc68WZMTF2SENClOtXikIXTWuRpNTcWY+o9N9XK6aYftKjH3/t1OQtoLNh1fflRrZWPnPdelAXLbsmqrk3Z3lB9Mx7y5fypbrq+7P/keQq7A7i6f0auPqi37t9bh78e0NMP3hDQiTdjfOqShYAu1nGgHjeBHvcl/Vmtx/YPyun2jwzOsTx8+e//c3/wngX0S/ftasvi8efji/FDT0/Lal0XttUPn7L/dsjYS/VHqoD2t5JeOMK1+8eju3X1Qf3zYut1+KsB7e/yvxjQqTdjfOqShYAu1nG983QczPkhP/0zkrrFrE0/aNXaaJeZYUDr87y71dD+1UzGI3Vcda0O0KkLc3jkYKnwLKD9s0EvRGaw3Ply04P6xz/1lwKvBHTs35uJgE69GeNTlywEdLGOC1llFTU2glabQAdHyJf12001Zt/ONueFYUCPQ38w8Msvv3Ty07b/m0f2PvXXWtfV9/pPtffI0Z0tp25WXb7+oN6CX38d/nJARyfXRECn3ozxqUsWArpYMTj/59dVvY/k9//drRPXxzPVX276Kal3KL/0f/lZQLs69IMw+FM9veNS30YD+lr/mjqqg6fa31M/sjnztEWgzvvVB/UL31uHvxzQ8c26FwI68maMT12yENDFihD9t08lFYeNoP/afX0xoN3CUO/wxNOy4DCgpx9/x4AODugZW4gePHYkhsfn1yvRtQetV+deBy93+MXgif1kQM+mLlkI6HJtBsP9MBb/sfv64ir8WUBfeqcx3hnQS6vw4wE9y8QpY6cDqkYD+tbv7PmZj7GDqto1df1Bg6NSez/04IBOrcILaFoCulzDawB366pfuvsH+y3KDpZhQHvduiGgN+9EOgvoeCaq9ejLAS2/YTW2STO2Y/zb2NOZetDZoezVJH1cQKfeDAHNTUCXqyw69fZBdCP54mFMg4Duv6y3610N6M2HMZ0HdLSKVTsuBPTbp96J6iPr8N05ll9ufNDYGvzpqTwuoBcPYxLQtAR0uUowe/uMh+Nx4kD6kYDWY/xqQG89kH4koPWVRbYj1+CrDhHqPdXeDvKz3/pW/1D3qKsPGhw6378u0uMCevFAegFNS0AX7BTM3nJNVYPjOv3oqZwjAa0XQa8G9MZTOd/GqtV9PGc5D6f6/I+zw5j6u6rqkwTGrv42nCjXHnR++k+Vut524fqLawEdnpE/+WYIaG4CumDVedQHp5KNHSNf3TEZ0GpT5vWA3nYxkbexgA6uG9JtmK29nj/Vs909Y2c9Tk2UiQfVS9K939D9/dNX9RcXAlr/2Oj3e89DQHMT0AU7hmiwa6LeyDd9ObuxgFab5q4HtC7T7/91/9+bAzrYb/M6+G2rf/dpNb61YVDe0dScbU+4/KCRzbfVgmp57OvgiwsBrX/sxsvZCWhaArpgZ60YnKH9duGCyqMBjV84dkX6sSFe7cS65zCm3kNXgx1Rh290RyFdPA504qobm+GdFx909tOnF1ldI+r02qovLgS0/rEbL6gsoGkJ6JJVI/1gOwjq3sRHeowGtNsgeEtAq0vq3RvQktB6l3i36jxxtGn1mkevqjT99yYfNLIG35+MEb3ewmV1DcDeqxmEcniZu+7PnX2kh4CmJaB8ACOfZRJQ3sVuWapashJQlklAeRe9y7sP11RhIQSU93F2fKUP82F5BJT3MTyY0xo8CySgvJPBgeFjZwXBkxNQ3kvvcPiLHzoET0pAeT+9E3VgeQQUoJGAAjQSUIBGAgrQSEABGgkoQCMBBWgkoACNBBSgkYACNBJQgEYCCtBIQAEaCShAIwEFaCSgAI0EFKCRgAI0ElCARgIK0EhAARoJKEAjAQVoJKAAjQQUoJGAAjQSUIBGAgrQSEABGgkoQCMBBWgkoACNBBSgkYACNBJQgEYCCtBIQAEaCShAIwEFaCSgAI0EFKCRgAI0ElCARgIK0EhAARoJKEAjAQVoJKAAjQQUoJGAAjQSUIBGAgrQSEABGgkoQCMBBWi0lICulm3uyQuMWcbQnLtv727uCQyMWcbQXK3+35IJKOS0jKEpoMAMljE0BRSYwTKGpoACM1jG0BRQYAbLGJoCCsxgGUNTQIEZLGNoCigwg2UMTQEFZrCMoSmgwAyWMTQFFJjBMoamgAIzWMbQFFBgBssYmgIKzGAZQ1NAgRksY2gKKDCDZQxNAQVmsIyhKaDADJYxNAUUmMEyhqaAAjNYxtAUUGAGyxiaAgrMYBlDU0CBGSxjaAooMINlDE0BBWawjKEpoMAMljE0BRSYwTKGpoACM1jG0BRQYAbLGJoCCsxgGUNTQIEZLGNoCigwg2UMTQEFZrCMoSmgwAyWMTQFFJjBMoamgAIzWMbQFFBgBssYmgIKzGAZQ1NAgRksY2gKKDCDZQxNAQVmsIyhKaDADJYxNAUUmMEyhqaAAjNYxtAUUGAGyxiaAgrMYBlDU0CBGSxjaAooMINlDE0BBWawjKEpoMAMHj00v39e7byO3rfd37X68uC/uCegwAwePDTXq/Dbn2d3fft0vO/3vz32b74JKDCLxw7NzWo1VcnSz9Xqj78e+kffBBSYxUOH5j6S+zru19Vf+nftV+0P4dxMruH/BAEFZvDQobk+dXNX0sFK/KYseG7fYRFUQIEZPHJo7pYyT2vum8Fi5o+vpajVzYcRUGAGjxyau+XOl+5mbzGzuus9CCgwg0cOzWqxc7eY2duNtH2HDZ8VAQVm8OCAng7yHK6nH+7afdNxoC0EFHJ65NBcV3Vc9wO6/3Jz5TjQ1blb/7KAAjN4bEC7aJ4H9J+njxE9PpX2ggooMIP3C2i9rh4r74fdSiPHiE4/OQE9EFDI6WOWQA8BPe5FOj9GdPrJCeiBgEJOH7YK3x3WtL55R5KABgGFnD5oL/y6Oozp9kOaBDQIKOT0yKG5nT4OdCOgP0FAIacPOhNpW+05EtB7CSjk9EHnwu+CWpZIbQO9l4BCTh91NaZyV6+l156cgB4IKOT0UdcDPd11uO/W0+IFNAgo5PTOV6TfrdUfF0W7u26/HKiABgGFnN75M5G6gB4/Uu6uT/QQ0CCgkNM7fypnFdBjXe/5SDkBDQIKOaUemgIaBBRySj00BTQIKOSUemgKaBBQyCn10BTQIKCQU+qhKaBBQCGn1ENTQIOAQk6ph6aABgGFnFIPTQENAgo5pR6aAhoEFHJKPTQFNAgo5JR6aApoEFDIKfXQFNAgoJBT6qEpoEFAIafUQ1NAg4BCTqmHpoAGAYWcUg9NAQ0CCjmlHpoCGgQUcko9NAU0CCjklHpoCmgQUMgp9dAU0CCgkFPqoSmgQUAhp9RDU0CDgEJOqYemgAYBhZxSD00BDQIKOaUemgIaBBRySj00BTQIKOSUemgKaBBQyCn10BTQIKCQU+qhKaBBQCGn1ENTQIOAQk6ph6aABgGFnFIPTQENAgo5pR6aAhoEFHJKPTQFNAgo5JR6aApoEFDIKfXQFNAgoJBT6qEpoEFAIafUQ1NAg4BCTqmHpoAGAYWcUg9NAQ0CCjmlHpoCGgQUcko9NAU0CCjklHpoCmgQUMgp9dAU0CCgkFPqoSmgQUAhp9RDU0CDgEJOqYemgAYBhZxSD00BDQIKOaUemgIaBBRySj00BTQIKOSUemgKaBBQyCn10BTQIKCQU+qhKaBBQCGn1ENTQIOAQk6ph6aABgGFnFIPTQENAgo5pR6aAhoEFHJKPTQFNAgo5JR6aApoEFDIKfXQFNAgoJBT6qEpoEFAIafUQ1NAg4BCTqmHpoAGAYWcUg9NAQ0CCjmlHpoCGgQUcko9NAU0CCjklHpoCmgQUMjp0UPz++fVzuv5HT++roovN/4yAQ0CCjk9eGiuj4n87c/hPVFWAW0hoJDTY4fmpjTy978N7tquBLSVgEJODx2a3z6tVn/8FbF8Gdy3ub2bhYAGAYWcHjo016du7ko6XIlfny+UXiWgQUAhp0cOze+fSyQ3wx1JP74elk3vI6BBQCGnRw7N3XLnS3ez38tdXIcr9dcJaBBQyOmRQ7Na7NwtcPbX2Ler1ZfDjvjz/fMXnpyAHggo5PTggJ72E+0C2i/lZvXbPxz3wd++Ki+gQUAhp0cOzXW1o309COi6OoppoqCrETf+ZQEFZvDYgHbRHAR0fx5SfGM7fqLSm4BOE1DI6f0C2jvs8/vnct+3Tzcf0CSgQUAhpw9aAu3/2K2H1AtoEFDIaYaAnh0jOklAg4BCTh+1F76yFdA7CSjk9Mihub1wHOj4j10hoEFAIaePOhOpcvtlRQQ0CCjk9EHnwvdPUrr1bCQBDQIKOX3Q1ZiqY5e255e6m3xyAnogoJDTB10PdH8gfRR0c8fp8AIaBBRyeucr0pcD6PdtPblxF5KAnggo5PTOn4nUnYHUFfT2C9MLaBBQyOmdP5WzOoXz+KlI91wVVECDgEJOqYemgAYBhZxSD00BDQIKOZ0Pze//5e7PLnovAhoEFHIaCejn+zZUviMBDQIKOY0H9J5jjd6RgAYBhZzGhubm7uON3omABgGFnCaG5rp3OPxcBDQIKOQ0OTT3J1/e9xmajyegQUAhp0tD87g1dL5dSgIaBBRyujI0j8uhN1/+47EENAgo5HRxaHbXBplnKVRAg4BCTtNDc1P2Ix0WQ+c4rElAg4BCThNDc3AkU3Wt+Y8koEFAIadLx4FWC51rAZ2RgEJOk2ci9Q5f2q3Ez3E4k4AGAYWcxgM60173IQENAgo5jQV09lM4TwQ0CCjklHpoCmgQUMhpbAm0twK/nvFkTgENAgo53RDQ+a4oIqBBQCGnawGd6QjQIKBBQCGn3tCsTt2sWIWfm4BCTr2hebr8Ut9816YX0CCgkFN/aG5T9VNAjwQUcrq6E2lOAhoEFHIS0CcgoJBT6qEpoEFAIafUQ1NAg4BCTvXQ3O+E/3K+K95xoHMTUMhJQJ+AgEJOAvoEBBRySj00BTQIKOSUemgKaBBQyCn10BTQIKCQU+qhKaBBQCGn4U6kEXYizU1AIScBfQICCjkJ6BMQUMgp9dAU0CCgkFPqoSmgQUAhp9RDU0CDgEJOqYemgAYBhZycC/8EBBRyEtAnIKCQk4A+AQGFnFIPTQENAgo5pR6aAhoEFHJKPTQFNAgo5JR6aApoEFDIaWJofvs08/6jAwENAgo5jQ7NbbcL/rc/P/oZVQQ0CCjkNDY0N72jmL58+HMqBDQIKOQ0MjT3q+/Hdffq5hwENAgo5DQyNNf1UuduafTlA59On4AGAYWczofmj6+9ZK5Xf/z1cU+nT0CDgEJO50Pz++feZs+tUzlnJ6CQk4A+AQGFnEa3gb5MfvWxBDQIKOQ0vhf+tXyxnfNIUAENAgo5jQ3NbTl+frc6P+eR9AIaBBRy8rHGT0BAIScBfQICCjkJ6BMQUMgp9dAU0CCgkFPqoSmgQUAhp9RDU0CDgEJO14fm9/9kG+jMBBRyunZB5Xt3IsWOqNfJ+799uuMCowIaBBRyGhua6/a98KeHTh1+Hx89f/OTE9ADAYWcJi6o3HhJ+s216q7v+n0CGgQUchq/oPLLvoUvb4OLK1+1T+/+6qH7TQCjlyDZ3hdkAQ0CCjmNXlA5InhYiNzcswa/PnVzV9KxlfjYQCqg9xJQyGn0eqD7fUDfPh0SuMvpzcHbPfJU283YjqTd7/r9vwvo/QQUcpq8oPLpusqb268HulvufOlunn8SyK6qXzYCej8BhZwmA7pbXDwsQ377dPNnIlWLnfuFzeGq/+E6owLaQEAhp+mP9Dheiv7bp5s3glZx3AV0uBE0tq0KaAMBhZxGdyIdliM3sRJ+x2ci1bvs12cBje9cCOjYlaBu/MsCCsxgZGged7wfP8xjc/vHGtfRPAvoNtbvBbSBgEJO4wfS7+MX+4G2E0d0jukHtB/K758jxFbhGwgo5DR1Kudrd1rmzcG7tAS6Pm4JENAGAgo5jQ3NH18PlTteoP72TzW+ENDSTQFtIKCQ0/jQ3Eb91hcvrHRmei98d4SogDYQUMjpkUNzO3kc6Gawb+jGKgtoEFDI6ZFDc/pMJAH9KQIKOT1yaE6fCy+gP0VAIaeJoXm8Juidn2h87WpMb7aBNhFQyOnaR3pMXVp+1NXrgQpoEwGFnMaGZn+F+44LKp9fkX63Vt9PsIA2EFDIaeIjPY79q27eZviZSAL6CAIKOY1/pEfXuM09R9K/nX0qp4A+goBCTqNXY6qTub79YiIPJ6BBQCGn6euBHt1xObuHE9AgoJCTgD4BAYWcRreBvkx+9bEENAgo5DS+F747U2h735GgjyWgQUAhp7GhuS2HIZ3tRP9YAhoEFHKqh+bxAqBDtoHOTUAhJwF9AgIKOQnoExBQyCn10BTQIKCQU+qhKaBBQCGn1ENTQIOAQk4TQ/O4OXS+zZ8HAhoEFHIaHZrV3qRZEyqgQUAhp7Gh2dsb70D6+Qko5DQyNH98Ldeh3382x3xXsxPQIwGFnEaG5raK5j6m93ymx2MJaBBQyGn0akzVhs/d6ryrMc1NQCGn0SvS9z/S3RXp5yagkJMLKj8BAYWcBPQJCCjkZBX+CQgo5GQn0hMQUMjJYUxPQEAhJwfSPwEBhZyunso558nwAhoEFHJyMZEnIKCQk8vZPQEBhZxSD00BDQIKOY0dxjTzcmdHQIOAQk6jB9LPuOO9R0CDgEJOo6dyznfofJ+ABgGFnCyBPgEBhZzGz0Sa7+SjHgENAgo5jQ3Nb5+SLIMKaBBQyGl0G2ify9nNTUAhJwF9AgIKOQnoExBQyCn10BTQIKCQU+qhKaBBQCGn1ENTQIOAQk7Dofnt036z5+voz344AQ0CCjn1h+bhYvR7v/050/PpEdAgoJBTf2iuy673FAUV0CCgkFNvaO4/Aml/IZH9kUwZzkUS0CCgkFNvaK5PZ8HvVuUzLIIKaBBQyKkemtV1mDYpLigioEFAIad6aFZXAv32KcOeeAENAgo5TQQ0x1WVBTQIKOQkoE9AQCEnAX0CAgo5CegTEFDISUCfgIBCTgL6BAQUchLQJyCgkNMgoGNckX5uAgo5CegTEFDISUCfgIBCTqmHpoAGAYWcUg9NAQ0CCjmlHpoCGgQUcko9NAU0CCjklHpoCmgQUMgp9dAU0CCgkFPqoSmgQUAhp9RDU0CDgEJOqYemgAYBhZwePTTjbKbRz1P69mnyrgkCGgQUcnrw0FwfT/88/1DkH19Pp4be/nGfAhoEFHJ67NDcTJ5A3/XzjoIKaBBQyOmhQ3O/kr7/ZPntrpKDy4lujmvv+1X804fPX39yAnogoJDTQ4fm+tTNXUn7K/G7BdDjN3YFPV+/n3pyAnogoJDTI4fmro2nNffNYG/RrqinRdLN7evwAhoEFHJ65NCsKrm7ObWivhbQewko5PTIoVktdu5W2Seuw1wtpl4loEFAIacHB/S0bNlt8zz/GXvh7yWgkNMjh2a9cr4eC+j64lFMYx8ncuNfFlBgBo8NaBdNAX0gAYWc3i+g56E8HUzvONA7CSjk9KFLoHv7I+lfRu85J6BBQCGnDw/oPUfSC2gQUMhpdGjGdZPu/lz4W/bCv50fZH/hyQnogYBCTmNDc9PfkXNzQLe3HAfa+7FrT05ADwQUchoZmttVY0BvOxNJQO8moJDTyNBc39HMngvnwtdf334up4AGAYWczofmpbXvK6avxrT7xumXVjevPjkBPRBQyOl8aO6WI+/52I3a9PVA94eARjZPFwa96ckJ6IGAQk4PDej5FenLMUv1jv1bDwMV0CMBhZxGV+GbA3r2mUjdQZ/xaXN39VNAjwQUchoZmpvbz7U8N/hUzvqo+VgIved3C2gQUMhpZGj+zDr8YwloEFDIaWxoXjqI80MJaBBQyGl0J1LjgfQPJ6BBQCEnAX0CAgo5CegTEFDIKfXQFNAgoJBT6qEpoEFAIafUQ1NAg4BCThND87ghdL7NnwcCGgQUchodmtV+pFkTKqBBQCGnsaHZ2w9/6+cXvQcBDQIKOY0MzcOnD8clj7d3nrz+YAIaBBRyGv9IjxLNfUxvvHz8OxDQIKCQ0+hHelQbPner87dffu7RBDQIKOR09XqgP3Vxu58koEFAIafRUznrlfatUzlnJ6CQk4A+AQGFnKzCPwEBhZzsRHoC9wV0tWwN8xG8F4cxPYF7qjF3395d05wE78OB9E/gvoDO/WzflYCSytVTOec8GV5Ag4AWAkoqLibyBAS0EFBScTm7JyCghYCSSur5UUCDgBYCSiqp50cBDQJaCCippJ4fBTQIaCGgpFLPj/sNn198rHE+AloIKKkI6BMQ0EJASUVAn4CAFgJKKqnnRwENAloIKKmknh8FNAhoIaCkknp+FNAgoIWAksrYBZV7n2S8dj3Q2QloIaCkckNA7USam4AWAkoq1wL6/bOAzk5ACwElld78uBm9gq1V+LkJaCGgpNKbH88OAT14nXrsuxPQIKCFgJJKf37cpuqngB4JaCGgpHJ1J9KcBDQIaCGgpCKgT0BACwElldTzo4AGAS0ElFRSz48CGgS0EFBScTWmJyCghYCSioA+AQEtBJRUBPQJCGghoKSSen4U0CCghYCSSur5UUCDgBYCSioj8+N6vnX2AQENAloIKKmcz48/vs54+ZA+AQ0CWggoqYydibR6meGJjBHQIKCFgJKKJdAnIKCFgJLKyPy43R/MlIKABgEtBJRUxubHb5+SLIMKaBDQQkBJZXQbqAPpcxHQQkBJRUCfgIAWAkoqAvoEBLQQUFJJPT8KaBDQQkBJJfX8KKBBQAsBJZXU86OABgEtBJRUrn4m0trnws9OQAsBJZUbAmon0twEtBBQUrkW0O+fBXR2AloIKKn05sfNaoxV+LkJaCGgpNKbH88OAT14neu5CeiRgBYCSir9+XGbqp8CeiSghYCSytWdSHMS0CCghYCSyqMDGlsBRpdav33a33XPLxfQIKCFgJLKg+fH9XG9/zyT3fbV2/fqC2gQ0EJASeWxB9J3u/GHlaz3T91cUAENAloIKKk89ED6/Ur6Prf7fVGDz1XanFbs1+f3TT85AT0Q0EJASeWhB9KvT23clbS/Er9fAD1+Tsjm9kVQAQ0CWggoqTzyQPoqtpvBjqRtt9j54+vNn7kkoEFACwEllUceSL9b7nzpbva6Wwd1LaB3EtBCQEnlkQfSV5XcLWZOrqevbz6USUCDgBYCSiqPPA500y1a7gI69Vt2i7m3bhQQ0CCghYCSyiMDWq+bTy9mDjePdk9lxI1/WTVMCpjB1flxe/te+DqakwGd/tB5AZ0ioIWAksrl+XG/x7w1oON7inb9dCbSvQS0EFBSuTQ/bu88ceiGJdDtXZ+SLKBBQAsBJZXJ+fGw8Lm647ShWwJ6Xz8F9EhACwEllYn58XQ8010f53F1L/z6zsvbC2gQ0EJASWVsfiwLnzce736yvXwc6P7X3r44e3hyAnogoIWAksr5/NgdTBXagzoAABEVSURBVH/vhyFdOBMpvnXv1e0FNAhoIaCkMpgfTwuff/y1u3VvQC+cCz9yfZFbnpyAHghoIaCk0psfjwufh9A1BPTC1Zj2cb3/+HwBDQJaCCip1PNj7+M4WgI6fT3QOy7BVD85AT0Q0EJASWUQ0G69uyWg51ekPy14Dq5S4mpMdxHQQkBJ5XwJ9Ji+poCefSbSMaBlv76AthDQQkBJpTc/njr3+tYa0OGnch4DOrzQqIDeRUALASWV4fxYTt9sDOhDCWgQ0EJASeV8fuxWtwU0CQEtBJRURufH7X1r2u9GQIOAFgJKKhPz42kx9K5z4R9OQIOAFgJKKtPz42kx9L7T1x9KQIOAFgJKKpfmx+Ni6HxLoQIaBLQQUFK5Mj9uBTQBAS0ElFSuzo8/vgro3AS0EFBSST0/CmgQ0EJASSX1/CigQUALASWV1POjgAYBLQSUVFLPjwIaBLQQUFJJPT8KaBDQQkBJJfX8KKBBQAsBJZXU86OABgEtBJRUUs+PAhoEtBBQUkk9PwpoENBCQEkl9fwooEFACwElldTzo4AGAS0ElFRSz48CGgS0EFBSST0/CmgQ0EJASSX1/CigQUALASWV1POjgAYBLQSUVFLPjwIaBLQQUFJJPT8KaBDQQkBJJfX8KKBBQAsBJZXU86OABgEtBJRUUs+PAhoEtBBQUkk9PwpoENBCQEkl9fwooEFACwElldTzo4AGAS0ElFRSz48CGgS0EFBSST0/CmgQ0EJASSX1/CigQUALASWV1POjgAYBLQSUVFLPjwIaBLQQUFJJPT8KaBDQQkBJJfX8KKBBQAsBJZXU86OABgEtBJRUUs+PAhoEtBBQUkk9PwpoENBCQEkl9fwooEFACwElldTzo4AGAS0ElFRSz48CGgS0EFBSST0/CmgQ0EJASSX1/CigQUALASWV1POjgAYBLQSUVFLPjwIaBLQQUFJJPT8KaBDQQkBJJfX8KKBBQAsBJZXU86OABgEtBJRUUs+PAhoEtBBQUkk9PwpoENBCQEkl9fwooEFACwElldTzo4AGAS0ElFRSz48CGgS0EFBSST0/CmgQ0EJASSX1/CigQUALASWV1POjgAYBLQSUVFLPjwIaBLQQUFJJPT8KaBDQQkBJJfX8KKBBQAsBJZXU86OABgEtBJRUUs+PAhoEtBBQUkk9PwpoENBCQEkl9fwooEFACwElldTzo4AGAS0ElFQePT9+/7zaeZ2++/e/3f7LBDQIaCGgpPLg+XG9Cr/9OXr3j68rAb2fgBYCSiqPnR83q5PxTq6n7hgnoEFACwEllYfOj98+rVZ//PX2tt0V9OX87t3yp4C2ENBCQEnlofPj+tTNXUnPV+L3eRXQFgJaCCipPHJ+/P655HFztiPpsHfpP9gG2kJACwEllUfOj7tFzJfu5n5dvrLfPPrFTqQmAloIKKk8cn6sFjvPS7nZx1VAmwhoIaCk8uCAfjne3JVy7EgmAW0ioIWAksoj58d1F9Dd7bsDuhpx419WDZMCZvDYgHbRFNAHEtBCQEnl/QLaLY12rMI3EdBCQEkl0RLoOQENAloIKKkI6BMQ0EJAScVe+CcgoIWAksoj58ftpeNAL317ioAGAS0ElFQ+7EykAwFtIqCFgJLKh50LfyCgTQS0EFBS+cCrMb0JaCMBLQSUVD7yeqAC2khACwEllXe+Iv1urb5eFBXQJgJaCCipvPNnIgnoIwhoIaCk8s6fyimgjyCghYCSSur5UUCDgBYCSiqp50cBDQJaCCippJ4fBTQIaCGgpJJ6fhTQIKCFgJJK6vlRQIOAFgJKKqnnRwENAloIKKmknh8FNAhoIaCkknp+FNAgoIWAkkrq+VFAg4AWAkoqqedHAQ0CWggoqaSeHwU0CGghoKSSen4U0CCghYCSSur5UUCDgBYCSiqp50cBDQJaCCippJ4fBTQIaCGgpJJ6fhTQIKCFgJJK6vlRQIOAFgJKKqnnRwENAloIKKmknh8FNAhoIaCkknp+FNAgoIWAkkrq+VFAg4AWAkoqqedHAQ0CWggoqaSeHwU0CGghoKSSen4U0CCghYCSSur5UUCDgBYCSiqp50cBDQJaCCippJ4fBTQIaHFfQFfLds+k4H2kfhMENAhocd+kWLjbJwXvJfWbIKBBQAuTohDQDFK/CQIaVKMwKQoBzSD1myCgQTUKk6IQ0AxSvwkCGlSjMCkKAc0g9ZsgoEE1CpOiENAMUr8JAhpUozApCgHNIPWbIKBBNQqTohDQDFK/CQIaVKMwKQoBzSD1myCgQTUKk6IQ0AxSvwkCGlSjMCkKAc0g9ZsgoEE1CpOiENAMUr8JAhpUozApCgHNIPWbIKBBNQqTohDQDFK/CQIaVKMwKQoBzSD1myCgQTUKk6IQ0AxSvwkCGlSjMCkKAc0g9ZsgoEE1CpOiENAMUr8JAhpUozApCgHNIPWbIKBBNQqTohDQDFK/CQIaVKMwKQoBzSD1myCgQTUKk6IQ0AxSvwkCGlSjMCkKAc0g9ZsgoEE1CpOiENAMUr8JAhpUozApCgHNIPWbIKBBNQqTohDQDFK/CQIaVKMwKQoBzSD1myCgQTUKk6IQ0AxSvwkCGlSjMCkKAc0g9ZsgoEE1CpOiENAMUr8JAhpUozApCgHNIPWbIKBBNQqTohDQDFK/CQIaVKMwKQoBzSD1myCgQTUKk6IQ0AxSvwkCGlSjMCkKAc0g9ZsgoEE1CpOiENAMUr8JAhpUozApCgHNIPWbIKBBNQqTorgvoKtlu2dSPJSAPgHVKEyK4r5JsXC3T4oHE9AnoBqFSVGYFMWCAvr98/7fg9c775ogoMFQKUyKwqQolhPQ9XGJ+rc/77lrioAGQ6UwKQqTolhMQDdlm8Tvf7v9ruknJ6AHhkphUhQmRbGUgH77tFr98dfb23aXyZeb77rw5AT0wFApTIrCpCiWEtD1KY67XA7W1C/cdeHJCeiBoVKYFIVJUSwkoN8/l9XzzWBv0YW7Lj05AT0wVAqTojApioUEdLdw+dLd3K+w33LXpScnoAeGSmFSFCZFsZCAVsuWP7729xVduOvSkxPQA0OlMCkKk6JYTkC/HG/uKtnb0nnhrktPTkAPDJXCpChMimIhAV13ldzd7lXywl3dU2k/Q+vxp4Ylc/ubMPczfXcmRWFSFLdPigd7bEC7Mp4FdPKu7qm0T5ePfrs+3O1vwtzP9N2ZFIVJUdw+KR7s/QLaLXJevgvgSSVaAgV4LgIK0Cj1XniAzB4Z0O30wZ4X7gJ4UqnPRALILPW58ACZpb4aE0Bmqa8HCpDZO1+RfrfqflzebLkiPUBm7/yZSF1AWz4TCSCzd/5UziqgDZ/KCZBZ6s+FB8hMQAEaCShAIwEFaCSgAI0EFKCRgAI0ElCARgIK0EhAARoJKEAjAQVoJKAAjQQUoJGAAjQSUIBGAgrQSEABGgkoQCMBBWgkoACNBBSgkYACNBJQgEYCCtBIQAEaCShAIwEFaCSgAI0EFKCRgAI0ElCARgIK0EhAARoJKEAjAQVoJKAAjQQUoJGAAjQSUIBGAgrQSEABGgkoQCMBBWgkoACNBBSgkYACNPoVA7pdvbQ+9Ns/vb39+Prbn/c+bvP7346/4NNqtfrS+uc/UHnGg9sn+ylxyXb3Olevx599lhc9on4db22TYrP7DU/3/t/m8HJWf/x1/Oqfzn5gwa89COjdj2wI6LdPx5noMBzrAZlVecaD2yfXpuE6XuhhaD3Nix5Rv463n5oUX+Jnn3dSnIt87h2mwMiEWO5rPxHQux95f0C3p3+Fv3/ezz/b1f2LsB9s2y039G5XP3BxGsZL3B6Gy9O86BH163hrnRT7h2wO/33mSXFu1894IZuYPucTYrmvvRDQux95d0DXZTVmE395074N4WN0z7h/u3NlGq5PCx27RbdnedFj6tfRNilOc8t6/79nnhRnfnwtLyMWzM8mxHJfe0dAqy0z27I2Ut/sHFZIXvazxe7f3GNFN6c1vP2316uRf2DXq9//z9fDuNvNcl/iT55WCXPqnnH/dv0Tx8mzW64Yicpp5Oxf6LO86DH162icFPVveuZJcW676l7F/h+a9diQ2Vvga+/88gHddBtxNt32rupmpQT0n/c39mNrN1sc7MbN6eZZQf/Xfu45DKzvn+PO75+nxlkO3TPu3+6cBstxOk1t2NpP6Wd50ZfEHPMzk2K9/5ElTIrOerBDaDKgC3ztnV89oLHycfjnMd7i4c3zR+5L+WX/39f9qNk3drfs8aX79sg8VAIaM0/LfvwPVpdipBrHabhbet/3YjO1YWt9mJZP86InlVa0TYr9Ss7+ziVMiuJ8Uoxuy1jka6/86gFdn/5d/OOv6t/GqX8mTwE9bTI/zQ2b3Xeqb59ZakDXx+WtiQ1bh39enuhFT9mUVZG2SXHYSvTyVO//dedjZDKgi3vtlV88oKf17v1K+P72cZ6obp4/8rhg2m3M2RxW3M6+XVloQMvrGP8HZ3vc+/o0L3rCtpsXWidF/PP6/JOicnoxh02/h0ZO7U1b3muv/OIBPb77sRUzDms7vM/VzbNHHmeBKGW35av37YGFBrTEYrQacfTKM73ocZvVT0+Kt5gvnn5S1E6T4npAl/faK798QHuz+6bbDVDdHDyyLuUmfmhzW0C7eS79hvSfD+j6uN77RC961Lreldge0P0jn31S9NU7kbYXA7q819755QM6/Pdw9w/q6R2ubtaPrEp5eviNAT3Nc09wKMd9q/DnL6jamfY8L3rEYKdgy6QIh3A89aQYqg9juhzQ5b32zi8e0DjEove2XtqXNAzo8WGHjTy3BPR5Dib+yZ1Ixz1q9Z1P8KLP1a8jvr53Upz+jT2usDzvpDhT/9syHtDlvvbOrx7Q6mzD43nO+12u1c3eIw9zQm8JdP/P6n4r0MtNAX2e09muBTRe5rdPxwNohy+oHibP86LPDYd7w6RYn46y//Lck+JcOZVzv8fgZWzWX+5rL37NgJ586R0yv+6OhK9u1g5zSl3K9ek33RbQ57mgwvWAXjp6vNs3t58YT/Oiz/Rfx1vLpCgHehy+/7yTYkw3eY4HoAwPpF/waz/55QMaO9xfuztiqFQ3a7tR8sffz/bCv+6XWG8K6NNc0utaQA9T4q+p8xe7KXyYGM/yos8MXkfLpIj7yz/FTzspxkVCTy9ucz5kFvzaw68YUICHEFCARgJ6WbcSd/vqR8tj8rvyqpb5oseZFJN+udcuoJcJ6IlqFCbFpF/utQsoQCMBBWgkoACNBBSgkYACNBJQgEYCCtBIQAEaCShAIwEFaCSgAI0EFKCRgAI0ElCARgIK0EhAARoJKEAjAQVoJKAAjQQUoJGAAjQSUIBGAgrQSEABGgkoQCMBBWgkoACNBBSgkYACNBJQgEYCCtBIQAEaCShAIwEFaCSgAI0EFKCRgAI0ElCARgIK0EhAARoJKEAjAQVoJKAAjQQUoJGAAjQSUIBGAgrQSEABGgkoQCMBBWgkoACNBBSgkYACNBJQgEYCCtBIQAEaCShAIwEFaCSgAI0EFKCRgAI0ElCARgIK0EhAARoJKEAjAQVoJKAAjQQUoJGAAjQSUIBGAgrQSEABGgkoQCMBBWgkoACNBBSgkYACNBJQgEYCCtBIQAEaCShAIwEFaCSgAI0EFKCRgAI0ElCARgIK0EhAARoJKEAjAQVoJKAAjQQUoJGAAjQSUIBGAgrQSEABGgkoQCMBBWgkoACNBBSgkYACNBJQgEYCCtBIQAEaCShAIwEFaCSgAI0EFKCRgAI0ElCARgIK0EhAARoJKEAjAQVoJKAAjQQUoJGAAjQSUIBGAgrQSEABGgkoQCMBBWj0/wFHOJQoxmiWUwAAAABJRU5ErkJggg=="/>
+          <p:cNvSpPr>
+            <a:spLocks noChangeAspect="1" noChangeArrowheads="1"/>
+          </p:cNvSpPr>
+          <p:nvPr/>
+        </p:nvSpPr>
+        <p:spPr bwMode="auto">
+          <a:xfrm>
+            <a:off x="155575" y="-144463"/>
+            <a:ext cx="304800" cy="304801"/>
+          </a:xfrm>
+          <a:prstGeom prst="rect">
+            <a:avLst/>
+          </a:prstGeom>
+          <a:noFill/>
+          <a:extLst>
+            <a:ext uri="{909E8E84-426E-40DD-AFC4-6F175D3DCCD1}">
+              <a14:hiddenFill xmlns:a14="http://schemas.microsoft.com/office/drawing/2010/main">
+                <a:solidFill>
+                  <a:srgbClr val="FFFFFF"/>
+                </a:solidFill>
+              </a14:hiddenFill>
+            </a:ext>
+          </a:extLst>
+        </p:spPr>
+        <p:txBody>
+          <a:bodyPr vert="horz" wrap="square" lIns="91440" tIns="45720" rIns="91440" bIns="45720" numCol="1" anchor="t" anchorCtr="0" compatLnSpc="1">
+            <a:prstTxWarp prst="textNoShape">
+              <a:avLst/>
+            </a:prstTxWarp>
+          </a:bodyPr>
+          <a:lstStyle/>
+          <a:p>
+            <a:endParaRPr lang="en-US"/>
+          </a:p>
+        </p:txBody>
+      </p:sp>
+    </p:spTree>
+    <p:extLst>
+      <p:ext uri="{BB962C8B-B14F-4D97-AF65-F5344CB8AC3E}">
+        <p14:creationId xmlns:p14="http://schemas.microsoft.com/office/powerpoint/2010/main" val="2003386794"/>
+      </p:ext>
+    </p:extLst>
+  </p:cSld>
+  <p:clrMapOvr>
+    <a:masterClrMapping/>
+  </p:clrMapOvr>
+</p:sld>
+</file>
+
+<file path=ppt/slides/slide7.xml><?xml version="1.0" encoding="utf-8"?>
+<p:sld xmlns:a="http://schemas.openxmlformats.org/drawingml/2006/main" xmlns:r="http://schemas.openxmlformats.org/officeDocument/2006/relationships" xmlns:p="http://schemas.openxmlformats.org/presentationml/2006/main">
+  <p:cSld>
+    <p:spTree>
+      <p:nvGrpSpPr>
+        <p:cNvPr id="1" name=""/>
+        <p:cNvGrpSpPr/>
+        <p:nvPr/>
+      </p:nvGrpSpPr>
+      <p:grpSpPr>
+        <a:xfrm>
+          <a:off x="0" y="0"/>
+          <a:ext cx="0" cy="0"/>
+          <a:chOff x="0" y="0"/>
+          <a:chExt cx="0" cy="0"/>
+        </a:xfrm>
+      </p:grpSpPr>
+      <p:sp>
+        <p:nvSpPr>
+          <p:cNvPr id="2" name="Content Placeholder 1"/>
+          <p:cNvSpPr>
+            <a:spLocks noGrp="1"/>
+          </p:cNvSpPr>
+          <p:nvPr>
+            <p:ph idx="1"/>
+          </p:nvPr>
+        </p:nvSpPr>
+        <p:spPr/>
+        <p:txBody>
+          <a:bodyPr/>
+          <a:lstStyle/>
+          <a:p>
+            <a:r>
+              <a:rPr lang="en-US" dirty="0" smtClean="0"/>
+              <a:t>Attributes based on rankings tend to have higher attrition rates for middle ranks</a:t>
+            </a:r>
+          </a:p>
+          <a:p>
+            <a:endParaRPr lang="en-US" dirty="0"/>
+          </a:p>
+        </p:txBody>
+      </p:sp>
+      <p:sp>
+        <p:nvSpPr>
+          <p:cNvPr id="3" name="Title 2"/>
+          <p:cNvSpPr>
+            <a:spLocks noGrp="1"/>
+          </p:cNvSpPr>
+          <p:nvPr>
+            <p:ph type="title"/>
+          </p:nvPr>
+        </p:nvSpPr>
+        <p:spPr/>
+        <p:txBody>
+          <a:bodyPr/>
+          <a:lstStyle/>
+          <a:p>
+            <a:r>
+              <a:rPr lang="en-US" dirty="0" smtClean="0"/>
+              <a:t>Other Findings</a:t>
+            </a:r>
+            <a:endParaRPr lang="en-US" dirty="0"/>
+          </a:p>
+        </p:txBody>
+      </p:sp>
+      <p:pic>
+        <p:nvPicPr>
+          <p:cNvPr id="4" name="Picture 3"/>
+          <p:cNvPicPr>
+            <a:picLocks noChangeAspect="1"/>
+          </p:cNvPicPr>
+          <p:nvPr/>
+        </p:nvPicPr>
+        <p:blipFill>
+          <a:blip r:embed="rId2">
+            <a:extLst>
+              <a:ext uri="{28A0092B-C50C-407E-A947-70E740481C1C}">
+                <a14:useLocalDpi xmlns:a14="http://schemas.microsoft.com/office/drawing/2010/main" val="0"/>
+              </a:ext>
+            </a:extLst>
+          </a:blip>
+          <a:stretch>
+            <a:fillRect/>
+          </a:stretch>
+        </p:blipFill>
+        <p:spPr>
+          <a:xfrm>
+            <a:off x="381000" y="2971800"/>
+            <a:ext cx="4049138" cy="2349500"/>
+          </a:xfrm>
+          <a:prstGeom prst="rect">
+            <a:avLst/>
+          </a:prstGeom>
+        </p:spPr>
+      </p:pic>
+      <p:pic>
+        <p:nvPicPr>
+          <p:cNvPr id="5" name="Picture 4"/>
+          <p:cNvPicPr>
+            <a:picLocks noChangeAspect="1"/>
+          </p:cNvPicPr>
+          <p:nvPr/>
+        </p:nvPicPr>
+        <p:blipFill>
+          <a:blip r:embed="rId3">
+            <a:extLst>
+              <a:ext uri="{28A0092B-C50C-407E-A947-70E740481C1C}">
+                <a14:useLocalDpi xmlns:a14="http://schemas.microsoft.com/office/drawing/2010/main" val="0"/>
+              </a:ext>
+            </a:extLst>
+          </a:blip>
+          <a:stretch>
+            <a:fillRect/>
+          </a:stretch>
+        </p:blipFill>
+        <p:spPr>
+          <a:xfrm>
+            <a:off x="4499411" y="2970408"/>
+            <a:ext cx="4034989" cy="2363592"/>
+          </a:xfrm>
+          <a:prstGeom prst="rect">
+            <a:avLst/>
+          </a:prstGeom>
+        </p:spPr>
+      </p:pic>
+    </p:spTree>
+    <p:extLst>
+      <p:ext uri="{BB962C8B-B14F-4D97-AF65-F5344CB8AC3E}">
+        <p14:creationId xmlns:p14="http://schemas.microsoft.com/office/powerpoint/2010/main" val="218252302"/>
+      </p:ext>
+    </p:extLst>
+  </p:cSld>
+  <p:clrMapOvr>
+    <a:masterClrMapping/>
+  </p:clrMapOvr>
+</p:sld>
+</file>
+
+<file path=ppt/slides/slide8.xml><?xml version="1.0" encoding="utf-8"?>
+<p:sld xmlns:a="http://schemas.openxmlformats.org/drawingml/2006/main" xmlns:r="http://schemas.openxmlformats.org/officeDocument/2006/relationships" xmlns:p="http://schemas.openxmlformats.org/presentationml/2006/main">
+  <p:cSld>
+    <p:spTree>
+      <p:nvGrpSpPr>
+        <p:cNvPr id="1" name=""/>
+        <p:cNvGrpSpPr/>
+        <p:nvPr/>
+      </p:nvGrpSpPr>
+      <p:grpSpPr>
+        <a:xfrm>
+          <a:off x="0" y="0"/>
+          <a:ext cx="0" cy="0"/>
+          <a:chOff x="0" y="0"/>
+          <a:chExt cx="0" cy="0"/>
+        </a:xfrm>
+      </p:grpSpPr>
+      <p:sp>
+        <p:nvSpPr>
+          <p:cNvPr id="2" name="Content Placeholder 1"/>
+          <p:cNvSpPr>
+            <a:spLocks noGrp="1"/>
+          </p:cNvSpPr>
+          <p:nvPr>
+            <p:ph idx="1"/>
+          </p:nvPr>
+        </p:nvSpPr>
+        <p:spPr/>
+        <p:txBody>
+          <a:bodyPr/>
+          <a:lstStyle/>
+          <a:p>
+            <a:r>
+              <a:rPr lang="en-US" dirty="0" smtClean="0"/>
+              <a:t>Exclusion of Unnecessary Variables</a:t>
+            </a:r>
+          </a:p>
+          <a:p>
+            <a:pPr lvl="1"/>
+            <a:r>
+              <a:rPr lang="en-US" sz="2000" dirty="0"/>
+              <a:t>"Standard Hours", "Over 18“, "Employee Count”, etc.</a:t>
+            </a:r>
+            <a:endParaRPr lang="en-US" sz="2400" dirty="0"/>
+          </a:p>
+          <a:p>
+            <a:pPr lvl="1"/>
+            <a:endParaRPr lang="en-US" dirty="0" smtClean="0"/>
+          </a:p>
+          <a:p>
+            <a:r>
+              <a:rPr lang="en-US" dirty="0" smtClean="0"/>
+              <a:t>Preliminary Correlation Tests</a:t>
+            </a:r>
+          </a:p>
+          <a:p>
+            <a:pPr lvl="1"/>
+            <a:endParaRPr lang="en-US" dirty="0"/>
+          </a:p>
+          <a:p>
+            <a:pPr lvl="1"/>
+            <a:endParaRPr lang="en-US" sz="2000" dirty="0" smtClean="0"/>
+          </a:p>
+        </p:txBody>
+      </p:sp>
+      <p:sp>
+        <p:nvSpPr>
+          <p:cNvPr id="3" name="Title 2"/>
+          <p:cNvSpPr>
+            <a:spLocks noGrp="1"/>
+          </p:cNvSpPr>
+          <p:nvPr>
+            <p:ph type="title"/>
+          </p:nvPr>
+        </p:nvSpPr>
+        <p:spPr/>
+        <p:txBody>
+          <a:bodyPr/>
+          <a:lstStyle/>
+          <a:p>
+            <a:r>
+              <a:rPr lang="en-US" dirty="0" smtClean="0"/>
+              <a:t>Exploratory Data Analysis</a:t>
+            </a:r>
+            <a:endParaRPr lang="en-US" dirty="0"/>
+          </a:p>
+        </p:txBody>
+      </p:sp>
+      <p:pic>
+        <p:nvPicPr>
+          <p:cNvPr id="6147" name="Picture 3"/>
+          <p:cNvPicPr>
+            <a:picLocks noChangeAspect="1" noChangeArrowheads="1"/>
+          </p:cNvPicPr>
+          <p:nvPr/>
+        </p:nvPicPr>
+        <p:blipFill>
+          <a:blip r:embed="rId2">
+            <a:extLst>
+              <a:ext uri="{28A0092B-C50C-407E-A947-70E740481C1C}">
+                <a14:useLocalDpi xmlns:a14="http://schemas.microsoft.com/office/drawing/2010/main" val="0"/>
+              </a:ext>
+            </a:extLst>
+          </a:blip>
+          <a:srcRect/>
+          <a:stretch>
+            <a:fillRect/>
+          </a:stretch>
+        </p:blipFill>
+        <p:spPr bwMode="auto">
+          <a:xfrm>
+            <a:off x="5867400" y="3352800"/>
+            <a:ext cx="3022946" cy="2819400"/>
+          </a:xfrm>
+          <a:prstGeom prst="rect">
+            <a:avLst/>
+          </a:prstGeom>
+          <a:noFill/>
+          <a:ln w="9525">
+            <a:solidFill>
+              <a:schemeClr val="tx1"/>
+            </a:solidFill>
+            <a:miter lim="800000"/>
+            <a:headEnd/>
+            <a:tailEnd/>
+          </a:ln>
+          <a:extLst>
+            <a:ext uri="{909E8E84-426E-40DD-AFC4-6F175D3DCCD1}">
+              <a14:hiddenFill xmlns:a14="http://schemas.microsoft.com/office/drawing/2010/main">
+                <a:solidFill>
+                  <a:schemeClr val="accent1"/>
+                </a:solidFill>
+              </a14:hiddenFill>
+            </a:ext>
+          </a:extLst>
+        </p:spPr>
+      </p:pic>
+      <p:pic>
+        <p:nvPicPr>
+          <p:cNvPr id="6149" name="Picture 5"/>
+          <p:cNvPicPr>
+            <a:picLocks noChangeAspect="1" noChangeArrowheads="1"/>
+          </p:cNvPicPr>
+          <p:nvPr/>
+        </p:nvPicPr>
+        <p:blipFill>
+          <a:blip r:embed="rId3">
+            <a:extLst>
+              <a:ext uri="{28A0092B-C50C-407E-A947-70E740481C1C}">
+                <a14:useLocalDpi xmlns:a14="http://schemas.microsoft.com/office/drawing/2010/main" val="0"/>
+              </a:ext>
+            </a:extLst>
+          </a:blip>
+          <a:srcRect/>
+          <a:stretch>
+            <a:fillRect/>
+          </a:stretch>
+        </p:blipFill>
+        <p:spPr bwMode="auto">
+          <a:xfrm>
+            <a:off x="990600" y="3352800"/>
+            <a:ext cx="4572000" cy="1905000"/>
+          </a:xfrm>
+          <a:prstGeom prst="rect">
+            <a:avLst/>
+          </a:prstGeom>
+          <a:noFill/>
+          <a:ln w="9525">
+            <a:solidFill>
+              <a:schemeClr val="tx1"/>
+            </a:solidFill>
+            <a:miter lim="800000"/>
+            <a:headEnd/>
+            <a:tailEnd/>
+          </a:ln>
+          <a:extLst>
+            <a:ext uri="{909E8E84-426E-40DD-AFC4-6F175D3DCCD1}">
+              <a14:hiddenFill xmlns:a14="http://schemas.microsoft.com/office/drawing/2010/main">
+                <a:solidFill>
+                  <a:schemeClr val="accent1"/>
+                </a:solidFill>
+              </a14:hiddenFill>
+            </a:ext>
+          </a:extLst>
+        </p:spPr>
+      </p:pic>
+      <p:sp>
+        <p:nvSpPr>
+          <p:cNvPr id="4" name="TextBox 3"/>
+          <p:cNvSpPr txBox="1"/>
+          <p:nvPr/>
+        </p:nvSpPr>
+        <p:spPr>
+          <a:xfrm>
+            <a:off x="1295400" y="5559623"/>
+            <a:ext cx="4038600" cy="307777"/>
+          </a:xfrm>
+          <a:prstGeom prst="rect">
+            <a:avLst/>
+          </a:prstGeom>
+          <a:noFill/>
+        </p:spPr>
+        <p:txBody>
+          <a:bodyPr wrap="square" rtlCol="0">
+            <a:spAutoFit/>
+          </a:bodyPr>
+          <a:lstStyle/>
+          <a:p>
+            <a:r>
+              <a:rPr lang="en-US" sz="1400" dirty="0" smtClean="0"/>
+              <a:t>Correlation Tests of Continuous Variables </a:t>
+            </a:r>
+            <a:endParaRPr lang="en-US" sz="1400" dirty="0"/>
+          </a:p>
+        </p:txBody>
+      </p:sp>
+    </p:spTree>
+    <p:extLst>
+      <p:ext uri="{BB962C8B-B14F-4D97-AF65-F5344CB8AC3E}">
+        <p14:creationId xmlns:p14="http://schemas.microsoft.com/office/powerpoint/2010/main" val="3915541442"/>
+      </p:ext>
+    </p:extLst>
+  </p:cSld>
+  <p:clrMapOvr>
+    <a:masterClrMapping/>
+  </p:clrMapOvr>
+</p:sld>
+</file>
+
+<file path=ppt/slides/slide9.xml><?xml version="1.0" encoding="utf-8"?>
+<p:sld xmlns:a="http://schemas.openxmlformats.org/drawingml/2006/main" xmlns:r="http://schemas.openxmlformats.org/officeDocument/2006/relationships" xmlns:p="http://schemas.openxmlformats.org/presentationml/2006/main">
+  <p:cSld>
+    <p:spTree>
+      <p:nvGrpSpPr>
+        <p:cNvPr id="1" name=""/>
+        <p:cNvGrpSpPr/>
+        <p:nvPr/>
+      </p:nvGrpSpPr>
+      <p:grpSpPr>
+        <a:xfrm>
+          <a:off x="0" y="0"/>
+          <a:ext cx="0" cy="0"/>
+          <a:chOff x="0" y="0"/>
+          <a:chExt cx="0" cy="0"/>
+        </a:xfrm>
+      </p:grpSpPr>
+      <p:sp>
+        <p:nvSpPr>
+          <p:cNvPr id="2" name="Content Placeholder 1"/>
+          <p:cNvSpPr>
+            <a:spLocks noGrp="1"/>
+          </p:cNvSpPr>
+          <p:nvPr>
+            <p:ph idx="1"/>
+          </p:nvPr>
+        </p:nvSpPr>
+        <p:spPr/>
+        <p:txBody>
+          <a:bodyPr/>
+          <a:lstStyle/>
+          <a:p>
+            <a:pPr lvl="1"/>
+            <a:endParaRPr lang="en-US" dirty="0" smtClean="0"/>
+          </a:p>
+          <a:p>
+            <a:pPr lvl="1"/>
+            <a:endParaRPr lang="en-US" dirty="0"/>
+          </a:p>
+          <a:p>
+            <a:pPr lvl="1"/>
+            <a:endParaRPr lang="en-US" dirty="0"/>
+          </a:p>
+          <a:p>
+            <a:endParaRPr lang="en-US" dirty="0" smtClean="0"/>
+          </a:p>
+          <a:p>
+            <a:endParaRPr lang="en-US" dirty="0"/>
+          </a:p>
+          <a:p>
+            <a:endParaRPr lang="en-US" dirty="0" smtClean="0"/>
+          </a:p>
+          <a:p>
+            <a:endParaRPr lang="en-US" dirty="0"/>
+          </a:p>
+          <a:p>
+            <a:endParaRPr lang="en-US" dirty="0" smtClean="0"/>
+          </a:p>
+          <a:p>
+            <a:endParaRPr lang="en-US" dirty="0"/>
+          </a:p>
+          <a:p>
+            <a:pPr lvl="1"/>
+            <a:endParaRPr lang="en-US" sz="2000" dirty="0" smtClean="0"/>
+          </a:p>
+        </p:txBody>
+      </p:sp>
+      <p:sp>
+        <p:nvSpPr>
+          <p:cNvPr id="3" name="Title 2"/>
+          <p:cNvSpPr>
+            <a:spLocks noGrp="1"/>
+          </p:cNvSpPr>
+          <p:nvPr>
+            <p:ph type="title"/>
+          </p:nvPr>
+        </p:nvSpPr>
+        <p:spPr/>
+        <p:txBody>
+          <a:bodyPr/>
+          <a:lstStyle/>
+          <a:p>
+            <a:r>
+              <a:rPr lang="en-US" dirty="0" smtClean="0"/>
+              <a:t>Analysis of Significance</a:t>
+            </a:r>
+            <a:endParaRPr lang="en-US" dirty="0"/>
+          </a:p>
+        </p:txBody>
+      </p:sp>
+      <p:pic>
+        <p:nvPicPr>
+          <p:cNvPr id="7171" name="Picture 3"/>
+          <p:cNvPicPr>
+            <a:picLocks noChangeAspect="1" noChangeArrowheads="1"/>
+          </p:cNvPicPr>
+          <p:nvPr/>
+        </p:nvPicPr>
+        <p:blipFill>
+          <a:blip r:embed="rId2">
+            <a:extLst>
+              <a:ext uri="{28A0092B-C50C-407E-A947-70E740481C1C}">
+                <a14:useLocalDpi xmlns:a14="http://schemas.microsoft.com/office/drawing/2010/main" val="0"/>
+              </a:ext>
+            </a:extLst>
+          </a:blip>
+          <a:srcRect/>
+          <a:stretch>
+            <a:fillRect/>
+          </a:stretch>
+        </p:blipFill>
+        <p:spPr bwMode="auto">
+          <a:xfrm>
+            <a:off x="457200" y="1295400"/>
+            <a:ext cx="5261308" cy="3033713"/>
+          </a:xfrm>
+          <a:prstGeom prst="rect">
+            <a:avLst/>
+          </a:prstGeom>
+          <a:noFill/>
+          <a:ln w="9525">
+            <a:solidFill>
+              <a:schemeClr val="tx1"/>
+            </a:solidFill>
+            <a:miter lim="800000"/>
+            <a:headEnd/>
+            <a:tailEnd/>
+          </a:ln>
+          <a:extLst>
+            <a:ext uri="{909E8E84-426E-40DD-AFC4-6F175D3DCCD1}">
+              <a14:hiddenFill xmlns:a14="http://schemas.microsoft.com/office/drawing/2010/main">
+                <a:solidFill>
+                  <a:schemeClr val="accent1"/>
+                </a:solidFill>
+              </a14:hiddenFill>
+            </a:ext>
+          </a:extLst>
+        </p:spPr>
+      </p:pic>
+      <p:pic>
+        <p:nvPicPr>
+          <p:cNvPr id="7172" name="Picture 4"/>
+          <p:cNvPicPr>
+            <a:picLocks noChangeAspect="1" noChangeArrowheads="1"/>
+          </p:cNvPicPr>
+          <p:nvPr/>
+        </p:nvPicPr>
+        <p:blipFill>
+          <a:blip r:embed="rId3">
+            <a:extLst>
+              <a:ext uri="{28A0092B-C50C-407E-A947-70E740481C1C}">
+                <a14:useLocalDpi xmlns:a14="http://schemas.microsoft.com/office/drawing/2010/main" val="0"/>
+              </a:ext>
+            </a:extLst>
+          </a:blip>
+          <a:srcRect/>
+          <a:stretch>
+            <a:fillRect/>
+          </a:stretch>
+        </p:blipFill>
+        <p:spPr bwMode="auto">
+          <a:xfrm>
+            <a:off x="3789485" y="4572000"/>
+            <a:ext cx="5261308" cy="1867758"/>
+          </a:xfrm>
+          <a:prstGeom prst="rect">
+            <a:avLst/>
+          </a:prstGeom>
+          <a:noFill/>
+          <a:ln w="9525">
+            <a:solidFill>
+              <a:schemeClr val="tx1"/>
+            </a:solidFill>
+            <a:miter lim="800000"/>
+            <a:headEnd/>
+            <a:tailEnd/>
+          </a:ln>
+          <a:extLst>
+            <a:ext uri="{909E8E84-426E-40DD-AFC4-6F175D3DCCD1}">
+              <a14:hiddenFill xmlns:a14="http://schemas.microsoft.com/office/drawing/2010/main">
+                <a:solidFill>
+                  <a:schemeClr val="accent1"/>
+                </a:solidFill>
+              </a14:hiddenFill>
+            </a:ext>
+          </a:extLst>
+        </p:spPr>
+      </p:pic>
+      <p:sp>
+        <p:nvSpPr>
+          <p:cNvPr id="4" name="TextBox 3"/>
+          <p:cNvSpPr txBox="1"/>
+          <p:nvPr/>
+        </p:nvSpPr>
+        <p:spPr>
+          <a:xfrm>
+            <a:off x="5943600" y="2133600"/>
+            <a:ext cx="2819400" cy="646331"/>
+          </a:xfrm>
+          <a:prstGeom prst="rect">
+            <a:avLst/>
+          </a:prstGeom>
+          <a:noFill/>
+        </p:spPr>
+        <p:txBody>
+          <a:bodyPr wrap="square" rtlCol="0">
+            <a:spAutoFit/>
+          </a:bodyPr>
+          <a:lstStyle/>
+          <a:p>
+            <a:pPr algn="ctr"/>
+            <a:r>
+              <a:rPr lang="en-US" i="1" dirty="0" smtClean="0"/>
+              <a:t>t-</a:t>
+            </a:r>
+            <a:r>
+              <a:rPr lang="en-US" dirty="0" smtClean="0"/>
+              <a:t>tests for significance of distributions</a:t>
+            </a:r>
+            <a:endParaRPr lang="en-US" i="1" dirty="0"/>
+          </a:p>
+        </p:txBody>
+      </p:sp>
+      <p:sp>
+        <p:nvSpPr>
+          <p:cNvPr id="5" name="TextBox 4"/>
+          <p:cNvSpPr txBox="1"/>
+          <p:nvPr/>
+        </p:nvSpPr>
+        <p:spPr>
+          <a:xfrm>
+            <a:off x="838200" y="5144869"/>
+            <a:ext cx="2667000" cy="646331"/>
+          </a:xfrm>
+          <a:prstGeom prst="rect">
+            <a:avLst/>
+          </a:prstGeom>
+          <a:noFill/>
+        </p:spPr>
+        <p:txBody>
+          <a:bodyPr wrap="square" rtlCol="0">
+            <a:spAutoFit/>
+          </a:bodyPr>
+          <a:lstStyle/>
+          <a:p>
+            <a:r>
+              <a:rPr lang="en-US" dirty="0" smtClean="0"/>
+              <a:t>ANOVA for Analysis of Categorical Variance</a:t>
+            </a:r>
+            <a:endParaRPr lang="en-US" dirty="0"/>
+          </a:p>
+        </p:txBody>
+      </p:sp>
+    </p:spTree>
+    <p:extLst>
+      <p:ext uri="{BB962C8B-B14F-4D97-AF65-F5344CB8AC3E}">
+        <p14:creationId xmlns:p14="http://schemas.microsoft.com/office/powerpoint/2010/main" val="241419668"/>
+      </p:ext>
+    </p:extLst>
+  </p:cSld>
+  <p:clrMapOvr>
+    <a:masterClrMapping/>
+  </p:clrMapOvr>
+</p:sld>
+</file>
+
 <file path=ppt/theme/theme1.xml><?xml version="1.0" encoding="utf-8"?>
 <a:theme xmlns:a="http://schemas.openxmlformats.org/drawingml/2006/main" name="Concourse">
   <a:themeElements>

--- a/DDS Attrition Analysis.pptx
+++ b/DDS Attrition Analysis.pptx
@@ -5,7 +5,7 @@
     <p:sldMasterId id="2147483672" r:id="rId1"/>
   </p:sldMasterIdLst>
   <p:notesMasterIdLst>
-    <p:notesMasterId r:id="rId16"/>
+    <p:notesMasterId r:id="rId15"/>
   </p:notesMasterIdLst>
   <p:sldIdLst>
     <p:sldId id="256" r:id="rId2"/>
@@ -14,14 +14,13 @@
     <p:sldId id="269" r:id="rId5"/>
     <p:sldId id="262" r:id="rId6"/>
     <p:sldId id="265" r:id="rId7"/>
-    <p:sldId id="271" r:id="rId8"/>
-    <p:sldId id="261" r:id="rId9"/>
-    <p:sldId id="267" r:id="rId10"/>
-    <p:sldId id="268" r:id="rId11"/>
-    <p:sldId id="264" r:id="rId12"/>
-    <p:sldId id="263" r:id="rId13"/>
-    <p:sldId id="270" r:id="rId14"/>
-    <p:sldId id="266" r:id="rId15"/>
+    <p:sldId id="261" r:id="rId8"/>
+    <p:sldId id="267" r:id="rId9"/>
+    <p:sldId id="268" r:id="rId10"/>
+    <p:sldId id="264" r:id="rId11"/>
+    <p:sldId id="263" r:id="rId12"/>
+    <p:sldId id="270" r:id="rId13"/>
+    <p:sldId id="266" r:id="rId14"/>
   </p:sldIdLst>
   <p:sldSz cx="9144000" cy="6858000" type="screen4x3"/>
   <p:notesSz cx="6858000" cy="9144000"/>
@@ -120,22 +119,6 @@
       </a:defRPr>
     </a:lvl9pPr>
   </p:defaultTextStyle>
-  <p:extLst>
-    <p:ext uri="{EFAFB233-063F-42B5-8137-9DF3F51BA10A}">
-      <p15:sldGuideLst xmlns:p15="http://schemas.microsoft.com/office/powerpoint/2012/main">
-        <p15:guide id="1" orient="horz" pos="2160">
-          <p15:clr>
-            <a:srgbClr val="A4A3A4"/>
-          </p15:clr>
-        </p15:guide>
-        <p15:guide id="2" pos="2880">
-          <p15:clr>
-            <a:srgbClr val="A4A3A4"/>
-          </p15:clr>
-        </p15:guide>
-      </p15:sldGuideLst>
-    </p:ext>
-  </p:extLst>
 </p:presentation>
 </file>
 
@@ -221,7 +204,7 @@
           <a:p>
             <a:fld id="{650D529A-7B2D-49ED-8568-7A39E44BD3F7}" type="datetimeFigureOut">
               <a:rPr lang="en-US" smtClean="0"/>
-              <a:t>4/14/19</a:t>
+              <a:t>4/14/2019</a:t>
             </a:fld>
             <a:endParaRPr lang="en-US"/>
           </a:p>
@@ -750,7 +733,7 @@
           <a:p>
             <a:fld id="{CF407A9F-5EB6-4D95-A312-7C583524791B}" type="slidenum">
               <a:rPr lang="en-US" smtClean="0"/>
-              <a:t>11</a:t>
+              <a:t>10</a:t>
             </a:fld>
             <a:endParaRPr lang="en-US"/>
           </a:p>
@@ -1394,7 +1377,7 @@
           <a:p>
             <a:fld id="{A7C24251-88EE-4A4F-BF05-631D91B7CD4E}" type="datetimeFigureOut">
               <a:rPr lang="en-US" smtClean="0"/>
-              <a:t>4/14/19</a:t>
+              <a:t>4/14/2019</a:t>
             </a:fld>
             <a:endParaRPr lang="en-US"/>
           </a:p>
@@ -1590,7 +1573,7 @@
           <a:p>
             <a:fld id="{A7C24251-88EE-4A4F-BF05-631D91B7CD4E}" type="datetimeFigureOut">
               <a:rPr lang="en-US" smtClean="0"/>
-              <a:t>4/14/19</a:t>
+              <a:t>4/14/2019</a:t>
             </a:fld>
             <a:endParaRPr lang="en-US"/>
           </a:p>
@@ -1775,7 +1758,7 @@
           <a:p>
             <a:fld id="{A7C24251-88EE-4A4F-BF05-631D91B7CD4E}" type="datetimeFigureOut">
               <a:rPr lang="en-US" smtClean="0"/>
-              <a:t>4/14/19</a:t>
+              <a:t>4/14/2019</a:t>
             </a:fld>
             <a:endParaRPr lang="en-US"/>
           </a:p>
@@ -1925,7 +1908,7 @@
           <a:p>
             <a:fld id="{A7C24251-88EE-4A4F-BF05-631D91B7CD4E}" type="datetimeFigureOut">
               <a:rPr lang="en-US" smtClean="0"/>
-              <a:t>4/14/19</a:t>
+              <a:t>4/14/2019</a:t>
             </a:fld>
             <a:endParaRPr lang="en-US"/>
           </a:p>
@@ -2180,7 +2163,7 @@
           <a:p>
             <a:fld id="{A7C24251-88EE-4A4F-BF05-631D91B7CD4E}" type="datetimeFigureOut">
               <a:rPr lang="en-US" smtClean="0"/>
-              <a:t>4/14/19</a:t>
+              <a:t>4/14/2019</a:t>
             </a:fld>
             <a:endParaRPr lang="en-US"/>
           </a:p>
@@ -2589,7 +2572,7 @@
           <a:p>
             <a:fld id="{A7C24251-88EE-4A4F-BF05-631D91B7CD4E}" type="datetimeFigureOut">
               <a:rPr lang="en-US" smtClean="0"/>
-              <a:t>4/14/19</a:t>
+              <a:t>4/14/2019</a:t>
             </a:fld>
             <a:endParaRPr lang="en-US"/>
           </a:p>
@@ -3035,7 +3018,7 @@
           <a:p>
             <a:fld id="{A7C24251-88EE-4A4F-BF05-631D91B7CD4E}" type="datetimeFigureOut">
               <a:rPr lang="en-US" smtClean="0"/>
-              <a:t>4/14/19</a:t>
+              <a:t>4/14/2019</a:t>
             </a:fld>
             <a:endParaRPr lang="en-US"/>
           </a:p>
@@ -3136,7 +3119,7 @@
           <a:p>
             <a:fld id="{A7C24251-88EE-4A4F-BF05-631D91B7CD4E}" type="datetimeFigureOut">
               <a:rPr lang="en-US" smtClean="0"/>
-              <a:t>4/14/19</a:t>
+              <a:t>4/14/2019</a:t>
             </a:fld>
             <a:endParaRPr lang="en-US"/>
           </a:p>
@@ -3257,7 +3240,7 @@
           <a:p>
             <a:fld id="{A7C24251-88EE-4A4F-BF05-631D91B7CD4E}" type="datetimeFigureOut">
               <a:rPr lang="en-US" smtClean="0"/>
-              <a:t>4/14/19</a:t>
+              <a:t>4/14/2019</a:t>
             </a:fld>
             <a:endParaRPr lang="en-US"/>
           </a:p>
@@ -3531,7 +3514,7 @@
           <a:p>
             <a:fld id="{A7C24251-88EE-4A4F-BF05-631D91B7CD4E}" type="datetimeFigureOut">
               <a:rPr lang="en-US" smtClean="0"/>
-              <a:t>4/14/19</a:t>
+              <a:t>4/14/2019</a:t>
             </a:fld>
             <a:endParaRPr lang="en-US"/>
           </a:p>
@@ -3736,7 +3719,7 @@
           <a:p>
             <a:fld id="{A7C24251-88EE-4A4F-BF05-631D91B7CD4E}" type="datetimeFigureOut">
               <a:rPr lang="en-US" smtClean="0"/>
-              <a:t>4/14/19</a:t>
+              <a:t>4/14/2019</a:t>
             </a:fld>
             <a:endParaRPr lang="en-US"/>
           </a:p>
@@ -4845,7 +4828,7 @@
           <a:p>
             <a:fld id="{A7C24251-88EE-4A4F-BF05-631D91B7CD4E}" type="datetimeFigureOut">
               <a:rPr lang="en-US" smtClean="0"/>
-              <a:t>4/14/19</a:t>
+              <a:t>4/14/2019</a:t>
             </a:fld>
             <a:endParaRPr lang="en-US"/>
           </a:p>
@@ -5401,8 +5384,3484 @@
           <a:p>
             <a:r>
               <a:rPr lang="en-US" dirty="0" smtClean="0"/>
+              <a:t>Classification Regression for Binary Outputs</a:t>
+            </a:r>
+          </a:p>
+          <a:p>
+            <a:endParaRPr lang="en-US" dirty="0"/>
+          </a:p>
+          <a:p>
+            <a:r>
+              <a:rPr lang="en-US" dirty="0" smtClean="0"/>
+              <a:t>Assumptions</a:t>
+            </a:r>
+          </a:p>
+          <a:p>
+            <a:pPr lvl="1"/>
+            <a:r>
+              <a:rPr lang="en-US" dirty="0"/>
+              <a:t>A</a:t>
+            </a:r>
+            <a:r>
+              <a:rPr lang="en-US" dirty="0" smtClean="0"/>
+              <a:t>dditive </a:t>
+            </a:r>
+            <a:r>
+              <a:rPr lang="en-US" dirty="0"/>
+              <a:t>relationship between the predictors and the natural log odds of </a:t>
+            </a:r>
+            <a:r>
+              <a:rPr lang="en-US" dirty="0" smtClean="0"/>
+              <a:t>response.</a:t>
+            </a:r>
+          </a:p>
+          <a:p>
+            <a:pPr lvl="1"/>
+            <a:endParaRPr lang="en-US" dirty="0" smtClean="0"/>
+          </a:p>
+          <a:p>
+            <a:pPr lvl="1"/>
+            <a:r>
+              <a:rPr lang="en-US" dirty="0" smtClean="0"/>
+              <a:t>Normality, Equal Variance, Independence  </a:t>
+            </a:r>
+            <a:endParaRPr lang="en-US" dirty="0"/>
+          </a:p>
+        </p:txBody>
+      </p:sp>
+      <p:sp>
+        <p:nvSpPr>
+          <p:cNvPr id="3" name="Title 2"/>
+          <p:cNvSpPr>
+            <a:spLocks noGrp="1"/>
+          </p:cNvSpPr>
+          <p:nvPr>
+            <p:ph type="title"/>
+          </p:nvPr>
+        </p:nvSpPr>
+        <p:spPr/>
+        <p:txBody>
+          <a:bodyPr/>
+          <a:lstStyle/>
+          <a:p>
+            <a:r>
+              <a:rPr lang="en-US" dirty="0" smtClean="0"/>
+              <a:t>Logistic Regression</a:t>
+            </a:r>
+            <a:endParaRPr lang="en-US" dirty="0"/>
+          </a:p>
+        </p:txBody>
+      </p:sp>
+      <p:pic>
+        <p:nvPicPr>
+          <p:cNvPr id="4" name="Picture 3"/>
+          <p:cNvPicPr>
+            <a:picLocks noChangeAspect="1"/>
+          </p:cNvPicPr>
+          <p:nvPr/>
+        </p:nvPicPr>
+        <p:blipFill>
+          <a:blip r:embed="rId3">
+            <a:extLst>
+              <a:ext uri="{28A0092B-C50C-407E-A947-70E740481C1C}">
+                <a14:useLocalDpi xmlns:a14="http://schemas.microsoft.com/office/drawing/2010/main" val="0"/>
+              </a:ext>
+            </a:extLst>
+          </a:blip>
+          <a:stretch>
+            <a:fillRect/>
+          </a:stretch>
+        </p:blipFill>
+        <p:spPr>
+          <a:xfrm>
+            <a:off x="5791200" y="4853187"/>
+            <a:ext cx="3124200" cy="1700013"/>
+          </a:xfrm>
+          <a:prstGeom prst="rect">
+            <a:avLst/>
+          </a:prstGeom>
+        </p:spPr>
+      </p:pic>
+    </p:spTree>
+    <p:extLst>
+      <p:ext uri="{BB962C8B-B14F-4D97-AF65-F5344CB8AC3E}">
+        <p14:creationId xmlns:p14="http://schemas.microsoft.com/office/powerpoint/2010/main" val="3465430031"/>
+      </p:ext>
+    </p:extLst>
+  </p:cSld>
+  <p:clrMapOvr>
+    <a:masterClrMapping/>
+  </p:clrMapOvr>
+</p:sld>
+</file>
+
+<file path=ppt/slides/slide11.xml><?xml version="1.0" encoding="utf-8"?>
+<p:sld xmlns:a="http://schemas.openxmlformats.org/drawingml/2006/main" xmlns:r="http://schemas.openxmlformats.org/officeDocument/2006/relationships" xmlns:p="http://schemas.openxmlformats.org/presentationml/2006/main">
+  <p:cSld>
+    <p:spTree>
+      <p:nvGrpSpPr>
+        <p:cNvPr id="1" name=""/>
+        <p:cNvGrpSpPr/>
+        <p:nvPr/>
+      </p:nvGrpSpPr>
+      <p:grpSpPr>
+        <a:xfrm>
+          <a:off x="0" y="0"/>
+          <a:ext cx="0" cy="0"/>
+          <a:chOff x="0" y="0"/>
+          <a:chExt cx="0" cy="0"/>
+        </a:xfrm>
+      </p:grpSpPr>
+      <p:sp>
+        <p:nvSpPr>
+          <p:cNvPr id="2" name="Content Placeholder 1"/>
+          <p:cNvSpPr>
+            <a:spLocks noGrp="1"/>
+          </p:cNvSpPr>
+          <p:nvPr>
+            <p:ph idx="1"/>
+          </p:nvPr>
+        </p:nvSpPr>
+        <p:spPr/>
+        <p:txBody>
+          <a:bodyPr>
+            <a:normAutofit lnSpcReduction="10000"/>
+          </a:bodyPr>
+          <a:lstStyle/>
+          <a:p>
+            <a:r>
+              <a:rPr lang="en-US" dirty="0" smtClean="0"/>
+              <a:t>Foreword Selection</a:t>
+            </a:r>
+          </a:p>
+          <a:p>
+            <a:pPr lvl="1"/>
+            <a:r>
+              <a:rPr lang="en-US" dirty="0"/>
+              <a:t>B</a:t>
+            </a:r>
+            <a:r>
+              <a:rPr lang="en-US" dirty="0" smtClean="0"/>
+              <a:t>egins </a:t>
+            </a:r>
+            <a:r>
+              <a:rPr lang="en-US" dirty="0"/>
+              <a:t>with an empty model </a:t>
+            </a:r>
+            <a:endParaRPr lang="en-US" dirty="0"/>
+          </a:p>
+          <a:p>
+            <a:pPr lvl="1"/>
+            <a:r>
+              <a:rPr lang="en-US" dirty="0" smtClean="0"/>
+              <a:t>Adds </a:t>
+            </a:r>
+            <a:r>
+              <a:rPr lang="en-US" dirty="0"/>
+              <a:t>in variables one by one</a:t>
+            </a:r>
+            <a:endParaRPr lang="en-US" dirty="0" smtClean="0"/>
+          </a:p>
+          <a:p>
+            <a:endParaRPr lang="en-US" sz="1400" dirty="0" smtClean="0"/>
+          </a:p>
+          <a:p>
+            <a:r>
+              <a:rPr lang="en-US" dirty="0" smtClean="0"/>
+              <a:t>Backward Selection</a:t>
+            </a:r>
+          </a:p>
+          <a:p>
+            <a:pPr lvl="1"/>
+            <a:r>
+              <a:rPr lang="en-US" dirty="0"/>
+              <a:t>B</a:t>
+            </a:r>
+            <a:r>
+              <a:rPr lang="en-US" dirty="0" smtClean="0"/>
+              <a:t>egins with all variables then</a:t>
+            </a:r>
+          </a:p>
+          <a:p>
+            <a:pPr lvl="1"/>
+            <a:r>
+              <a:rPr lang="en-US" dirty="0"/>
+              <a:t>each one is deleted one at </a:t>
+            </a:r>
+            <a:r>
+              <a:rPr lang="en-US" dirty="0" smtClean="0"/>
+              <a:t>a time</a:t>
+            </a:r>
+            <a:endParaRPr lang="en-US" dirty="0" smtClean="0"/>
+          </a:p>
+          <a:p>
+            <a:endParaRPr lang="en-US" dirty="0" smtClean="0"/>
+          </a:p>
+          <a:p>
+            <a:r>
+              <a:rPr lang="en-US" dirty="0" smtClean="0"/>
+              <a:t>Top Variables</a:t>
+            </a:r>
+          </a:p>
+          <a:p>
+            <a:pPr lvl="1"/>
+            <a:r>
+              <a:rPr lang="en-US" dirty="0" smtClean="0"/>
+              <a:t>Marital Status</a:t>
+            </a:r>
+          </a:p>
+          <a:p>
+            <a:pPr lvl="1"/>
+            <a:r>
+              <a:rPr lang="en-US" dirty="0" smtClean="0"/>
+              <a:t>Overtime</a:t>
+            </a:r>
+          </a:p>
+          <a:p>
+            <a:pPr lvl="1"/>
+            <a:r>
+              <a:rPr lang="en-US" dirty="0" smtClean="0"/>
+              <a:t>Total Working Years</a:t>
+            </a:r>
+            <a:endParaRPr lang="en-US" dirty="0"/>
+          </a:p>
+          <a:p>
+            <a:endParaRPr lang="en-US" dirty="0"/>
+          </a:p>
+        </p:txBody>
+      </p:sp>
+      <p:sp>
+        <p:nvSpPr>
+          <p:cNvPr id="3" name="Title 2"/>
+          <p:cNvSpPr>
+            <a:spLocks noGrp="1"/>
+          </p:cNvSpPr>
+          <p:nvPr>
+            <p:ph type="title"/>
+          </p:nvPr>
+        </p:nvSpPr>
+        <p:spPr/>
+        <p:txBody>
+          <a:bodyPr/>
+          <a:lstStyle/>
+          <a:p>
+            <a:r>
+              <a:rPr lang="en-US" dirty="0" smtClean="0"/>
+              <a:t>Model Selection	</a:t>
+            </a:r>
+            <a:endParaRPr lang="en-US" dirty="0"/>
+          </a:p>
+        </p:txBody>
+      </p:sp>
+      <p:pic>
+        <p:nvPicPr>
+          <p:cNvPr id="7170" name="Picture 2"/>
+          <p:cNvPicPr>
+            <a:picLocks noChangeAspect="1" noChangeArrowheads="1"/>
+          </p:cNvPicPr>
+          <p:nvPr/>
+        </p:nvPicPr>
+        <p:blipFill>
+          <a:blip r:embed="rId2">
+            <a:extLst>
+              <a:ext uri="{28A0092B-C50C-407E-A947-70E740481C1C}">
+                <a14:useLocalDpi xmlns:a14="http://schemas.microsoft.com/office/drawing/2010/main" val="0"/>
+              </a:ext>
+            </a:extLst>
+          </a:blip>
+          <a:srcRect/>
+          <a:stretch>
+            <a:fillRect/>
+          </a:stretch>
+        </p:blipFill>
+        <p:spPr bwMode="auto">
+          <a:xfrm>
+            <a:off x="6019800" y="1524000"/>
+            <a:ext cx="2485663" cy="1629042"/>
+          </a:xfrm>
+          <a:prstGeom prst="rect">
+            <a:avLst/>
+          </a:prstGeom>
+          <a:noFill/>
+          <a:ln>
+            <a:noFill/>
+          </a:ln>
+          <a:extLst>
+            <a:ext uri="{909E8E84-426E-40DD-AFC4-6F175D3DCCD1}">
+              <a14:hiddenFill xmlns:a14="http://schemas.microsoft.com/office/drawing/2010/main">
+                <a:solidFill>
+                  <a:schemeClr val="accent1"/>
+                </a:solidFill>
+              </a14:hiddenFill>
+            </a:ext>
+            <a:ext uri="{91240B29-F687-4F45-9708-019B960494DF}">
+              <a14:hiddenLine xmlns:a14="http://schemas.microsoft.com/office/drawing/2010/main" w="9525">
+                <a:solidFill>
+                  <a:schemeClr val="tx1"/>
+                </a:solidFill>
+                <a:miter lim="800000"/>
+                <a:headEnd/>
+                <a:tailEnd/>
+              </a14:hiddenLine>
+            </a:ext>
+          </a:extLst>
+        </p:spPr>
+      </p:pic>
+      <p:sp>
+        <p:nvSpPr>
+          <p:cNvPr id="5" name="Plus 4"/>
+          <p:cNvSpPr/>
+          <p:nvPr/>
+        </p:nvSpPr>
+        <p:spPr>
+          <a:xfrm>
+            <a:off x="7804638" y="2033721"/>
+            <a:ext cx="304800" cy="304800"/>
+          </a:xfrm>
+          <a:prstGeom prst="mathPlus">
+            <a:avLst/>
+          </a:prstGeom>
+          <a:solidFill>
+            <a:srgbClr val="FF0000"/>
+          </a:solidFill>
+          <a:ln>
+            <a:solidFill>
+              <a:srgbClr val="FF0000"/>
+            </a:solidFill>
+          </a:ln>
+        </p:spPr>
+        <p:style>
+          <a:lnRef idx="2">
+            <a:schemeClr val="accent1">
+              <a:shade val="50000"/>
+            </a:schemeClr>
+          </a:lnRef>
+          <a:fillRef idx="1">
+            <a:schemeClr val="accent1"/>
+          </a:fillRef>
+          <a:effectRef idx="0">
+            <a:schemeClr val="accent1"/>
+          </a:effectRef>
+          <a:fontRef idx="minor">
+            <a:schemeClr val="lt1"/>
+          </a:fontRef>
+        </p:style>
+        <p:txBody>
+          <a:bodyPr rtlCol="0" anchor="ctr"/>
+          <a:lstStyle/>
+          <a:p>
+            <a:pPr algn="ctr"/>
+            <a:endParaRPr lang="en-US">
+              <a:solidFill>
+                <a:srgbClr val="FF0000"/>
+              </a:solidFill>
+            </a:endParaRPr>
+          </a:p>
+        </p:txBody>
+      </p:sp>
+      <p:sp>
+        <p:nvSpPr>
+          <p:cNvPr id="6" name="Minus 5"/>
+          <p:cNvSpPr/>
+          <p:nvPr/>
+        </p:nvSpPr>
+        <p:spPr>
+          <a:xfrm>
+            <a:off x="6477000" y="2423746"/>
+            <a:ext cx="381000" cy="152400"/>
+          </a:xfrm>
+          <a:prstGeom prst="mathMinus">
+            <a:avLst/>
+          </a:prstGeom>
+          <a:solidFill>
+            <a:srgbClr val="002060"/>
+          </a:solidFill>
+          <a:ln>
+            <a:solidFill>
+              <a:srgbClr val="002060"/>
+            </a:solidFill>
+          </a:ln>
+        </p:spPr>
+        <p:style>
+          <a:lnRef idx="2">
+            <a:schemeClr val="accent1">
+              <a:shade val="50000"/>
+            </a:schemeClr>
+          </a:lnRef>
+          <a:fillRef idx="1">
+            <a:schemeClr val="accent1"/>
+          </a:fillRef>
+          <a:effectRef idx="0">
+            <a:schemeClr val="accent1"/>
+          </a:effectRef>
+          <a:fontRef idx="minor">
+            <a:schemeClr val="lt1"/>
+          </a:fontRef>
+        </p:style>
+        <p:txBody>
+          <a:bodyPr rtlCol="0" anchor="ctr"/>
+          <a:lstStyle/>
+          <a:p>
+            <a:pPr algn="ctr"/>
+            <a:endParaRPr lang="en-US"/>
+          </a:p>
+        </p:txBody>
+      </p:sp>
+      <p:pic>
+        <p:nvPicPr>
+          <p:cNvPr id="8" name="Picture 7"/>
+          <p:cNvPicPr>
+            <a:picLocks noChangeAspect="1"/>
+          </p:cNvPicPr>
+          <p:nvPr/>
+        </p:nvPicPr>
+        <p:blipFill>
+          <a:blip r:embed="rId3">
+            <a:extLst>
+              <a:ext uri="{28A0092B-C50C-407E-A947-70E740481C1C}">
+                <a14:useLocalDpi xmlns:a14="http://schemas.microsoft.com/office/drawing/2010/main" val="0"/>
+              </a:ext>
+            </a:extLst>
+          </a:blip>
+          <a:stretch>
+            <a:fillRect/>
+          </a:stretch>
+        </p:blipFill>
+        <p:spPr>
+          <a:xfrm>
+            <a:off x="4191000" y="4514516"/>
+            <a:ext cx="2844800" cy="1352884"/>
+          </a:xfrm>
+          <a:prstGeom prst="rect">
+            <a:avLst/>
+          </a:prstGeom>
+        </p:spPr>
+      </p:pic>
+    </p:spTree>
+    <p:extLst>
+      <p:ext uri="{BB962C8B-B14F-4D97-AF65-F5344CB8AC3E}">
+        <p14:creationId xmlns:p14="http://schemas.microsoft.com/office/powerpoint/2010/main" val="4116180965"/>
+      </p:ext>
+    </p:extLst>
+  </p:cSld>
+  <p:clrMapOvr>
+    <a:masterClrMapping/>
+  </p:clrMapOvr>
+</p:sld>
+</file>
+
+<file path=ppt/slides/slide12.xml><?xml version="1.0" encoding="utf-8"?>
+<p:sld xmlns:a="http://schemas.openxmlformats.org/drawingml/2006/main" xmlns:r="http://schemas.openxmlformats.org/officeDocument/2006/relationships" xmlns:p="http://schemas.openxmlformats.org/presentationml/2006/main">
+  <p:cSld>
+    <p:spTree>
+      <p:nvGrpSpPr>
+        <p:cNvPr id="1" name=""/>
+        <p:cNvGrpSpPr/>
+        <p:nvPr/>
+      </p:nvGrpSpPr>
+      <p:grpSpPr>
+        <a:xfrm>
+          <a:off x="0" y="0"/>
+          <a:ext cx="0" cy="0"/>
+          <a:chOff x="0" y="0"/>
+          <a:chExt cx="0" cy="0"/>
+        </a:xfrm>
+      </p:grpSpPr>
+      <p:sp>
+        <p:nvSpPr>
+          <p:cNvPr id="2" name="Content Placeholder 1"/>
+          <p:cNvSpPr>
+            <a:spLocks noGrp="1"/>
+          </p:cNvSpPr>
+          <p:nvPr>
+            <p:ph idx="1"/>
+          </p:nvPr>
+        </p:nvSpPr>
+        <p:spPr>
+          <a:xfrm>
+            <a:off x="457200" y="1481328"/>
+            <a:ext cx="3886200" cy="4525963"/>
+          </a:xfrm>
+        </p:spPr>
+        <p:txBody>
+          <a:bodyPr>
+            <a:normAutofit/>
+          </a:bodyPr>
+          <a:lstStyle/>
+          <a:p>
+            <a:r>
+              <a:rPr lang="en-US" sz="2000" dirty="0" smtClean="0"/>
+              <a:t>Older employees tend to be promoted less often</a:t>
+            </a:r>
+          </a:p>
+          <a:p>
+            <a:endParaRPr lang="en-US" sz="2000" dirty="0"/>
+          </a:p>
+          <a:p>
+            <a:r>
+              <a:rPr lang="en-US" sz="2000" dirty="0"/>
+              <a:t>Sales Representatives tend to be the </a:t>
+            </a:r>
+            <a:r>
+              <a:rPr lang="en-US" sz="2000" dirty="0" smtClean="0"/>
+              <a:t>youngest</a:t>
+            </a:r>
+          </a:p>
+          <a:p>
+            <a:endParaRPr lang="en-US" sz="2000" dirty="0"/>
+          </a:p>
+          <a:p>
+            <a:r>
+              <a:rPr lang="en-US" sz="2000" dirty="0"/>
+              <a:t>M</a:t>
+            </a:r>
+            <a:r>
+              <a:rPr lang="en-US" sz="2000" dirty="0" smtClean="0"/>
+              <a:t>anagers </a:t>
+            </a:r>
+            <a:r>
+              <a:rPr lang="en-US" sz="2000" dirty="0"/>
+              <a:t>and </a:t>
+            </a:r>
+            <a:r>
+              <a:rPr lang="en-US" sz="2000" dirty="0" smtClean="0"/>
+              <a:t>Directors </a:t>
+            </a:r>
+            <a:r>
+              <a:rPr lang="en-US" sz="2000" dirty="0"/>
+              <a:t>tend to be </a:t>
+            </a:r>
+            <a:r>
+              <a:rPr lang="en-US" sz="2000" dirty="0" smtClean="0"/>
+              <a:t>older</a:t>
+            </a:r>
+          </a:p>
+          <a:p>
+            <a:endParaRPr lang="en-US" sz="2000" dirty="0"/>
+          </a:p>
+          <a:p>
+            <a:r>
+              <a:rPr lang="en-US" sz="2000" dirty="0"/>
+              <a:t>Healthcare </a:t>
+            </a:r>
+            <a:r>
+              <a:rPr lang="en-US" sz="2000" dirty="0" smtClean="0"/>
+              <a:t>Representatives </a:t>
+            </a:r>
+            <a:r>
+              <a:rPr lang="en-US" sz="2000" dirty="0"/>
+              <a:t>tend to be older than </a:t>
+            </a:r>
+            <a:r>
+              <a:rPr lang="en-US" sz="2000" dirty="0" smtClean="0"/>
+              <a:t>Manufacturing </a:t>
+            </a:r>
+            <a:r>
+              <a:rPr lang="en-US" sz="2000" dirty="0"/>
+              <a:t>D</a:t>
+            </a:r>
+            <a:r>
+              <a:rPr lang="en-US" sz="2000" dirty="0" smtClean="0"/>
+              <a:t>irectors</a:t>
+            </a:r>
+            <a:endParaRPr lang="en-US" sz="2000" dirty="0" smtClean="0"/>
+          </a:p>
+          <a:p>
+            <a:endParaRPr lang="en-US" sz="2000" dirty="0"/>
+          </a:p>
+          <a:p>
+            <a:endParaRPr lang="en-US" sz="2000" dirty="0"/>
+          </a:p>
+        </p:txBody>
+      </p:sp>
+      <p:sp>
+        <p:nvSpPr>
+          <p:cNvPr id="3" name="Title 2"/>
+          <p:cNvSpPr>
+            <a:spLocks noGrp="1"/>
+          </p:cNvSpPr>
+          <p:nvPr>
+            <p:ph type="title"/>
+          </p:nvPr>
+        </p:nvSpPr>
+        <p:spPr/>
+        <p:txBody>
+          <a:bodyPr/>
+          <a:lstStyle/>
+          <a:p>
+            <a:r>
+              <a:rPr lang="en-US" dirty="0" smtClean="0"/>
+              <a:t>Other </a:t>
+            </a:r>
+            <a:r>
+              <a:rPr lang="en-US" dirty="0" smtClean="0"/>
+              <a:t>Job Role Trends</a:t>
+            </a:r>
+            <a:endParaRPr lang="en-US" dirty="0"/>
+          </a:p>
+        </p:txBody>
+      </p:sp>
+      <p:sp>
+        <p:nvSpPr>
+          <p:cNvPr id="4" name="AutoShape 2" descr="data:image/png;base64,iVBORw0KGgoAAAANSUhEUgAABUAAAAPACAMAAADDuCPrAAAAolBMVEUAAAAAADoAAGYAOpAAZrYzMzMzZv86AAA6Ojo6kJA6kNs9PT1NTU1NTW5NTY5NbqtNjshmAABmZmZmtv9uTU1uq+SOTU2Oq6uOyP+QOgCQkLaQ29uQ2/+rbk2rjk2r5P+2ZgC2kDq2///Ijk3I///KysrW1tbbkDrb///kq27k5Kvk///r6+v/tmb/yI7/25D/5Kv//7b//8j//9v//+T////sHfwrAAAACXBIWXMAAB2HAAAdhwGP5fFlAAAgAElEQVR4nO2da4PcxpFlMWNJ3hXbkrwiufLucM0ZSuJw1GxzaPL//7WtB6oK9ehCAgjg3kic88Wk2B0duJV5jCpkZjdfAQBgFI26AQCArCBQAICRIFAAgJEgUACAkSBQAICRIFAAgJEgUACAkSBQAICRIFAAgJEgUACAkSBQAICRIFAAgJEgUACAkcwn0MdxjP5GBxL3Tu4ayF3DBEEh0NlI3Du5ayB3DQjUkcS9k7sGcteAQB1J3Du5ayB3DQjUkcS9k7sGcteAQB1J3Du5ayB3DQjUkcS9k7sGcteAQB1J3Du5ayB3DQjUkcS9k7sGcteAQB1J3Du5ayB3DQjUkcS9k7sGcteAQB1J3Du5ayB3DQjUkcS9k7sGcteAQB1J3Du5ayB3DQjUkcS9k7sGcteAQB1J3Du5ayB3DQjUkcS9k7sGcteAQB1J3Du5ayB3DQjUkcS9k7sGcteAQB1J3Du5ayB3DQjUkcS9k7sGcteAQB1J3Du5ayB3DQjUkcS9k7sGcteAQB1J3Du5ayB3DQjUkcS9k7sGcteAQB1J3Du5ayB3DQjUkcS9k7sGcteAQB1J3Du5ayB3DQjUkcS9k7sGcteAQB1J3Du5ayB3DQjUkcS9k7sGcteAQB1J3Du5ayB3DVqBvnvY8Mv+z59fb/78CoFuSdw7uWsgdw1Kge6UueGn7V8+vdz9+cc/EOg6B5QDiXsndw1CgX55s7vh/PDwl7/vZPrTzqKvYgTabBh5ZQal1jigHEjce1zugeO9lILeBV0VIRToU3u7+WGrzvYvn17+8GuEQJsmLHBFKSayhsS9h+UeON6L6e9d0VUROoFubkB/Of3t3f7W8/w/jhZo04QFLinFRNaQuPeo3APHezm9vUu6KkIn0M+vOzebX95s38d/3d6Ovpou0KYJC1xTiomsIXHvQbkHjvcB9PWu6aoInUA/vfzxj6eHh90noCebftg/Utrwbcvgwptmjoz45gylAObBc5B6dhXKKIH+v/1T+FcdgT4hUAAZnoPUs6tQhl/ZU7uA6Wl7D3pDoAdG3B3zFl4Hb+E18BZeg+4t/NNh2fz2XXusQHmIpAOBauAhkgblZ6Dtc6Pth6E3PgOdIlCWMclAoBpYxqRBKdDWmds/xD6Ff2QhvQwEqoGF9BqU60A7d6Bf3+3XfwatA51yYQ4k7p3cNZC7BuFOpHftu/XdTWfwTiQGlApy10DuGoQCbTe+P82yF54BJYLcNZC7BuVpTE/7ZaD7N+3tXziNaUvi3sldA7lrkJ4H+uXNRpmH9+ycB3oice/kroHcNXAivSOJeyd3DeSuAYE6krh3ctdA7hoQqCOJeyd3DeSuAYE6krh3ctdA7hpqFSg7kQbgGVYgprlHgkA1VCpQ9sIPwDOsQExzDwWBaqhToJzGNADPsAIxzT0WBKqhSoE2TdhM1pRackB5hhWIae7BIFANCNSxFAINxDT3YBCoBgTqWAqBBmKaezAIVAMCdSyFQAMxzT0YBKqhSoGaPhcpL8VDpEhMc48FgWqoU6CmK3OKS7GMKRTT3ENBoBoqFajp2vDSUiykj8U090gQqIZaBcqAEkHuGshdAwJ1JHHv5K6B3DUgUEcS907uGshdAwJ1JHHv5K6B3DUgUEcS907uGshdAwJ1JHHv5K6B3DUgUEcS907uGshdAwJ1JHHv5K6B3DXUKlDPteH1L+j2XEhfSt7cqxeo54SeUMtboJ67E+vfUui5lbOYtLlXL1DPCT2llrVAPc/HqP9QC8/DRMrJmvtj7QL1nNCTajkLtGnCUtKUSjoZAsPSkDT3LVUL1HNCT6uFQGcslXQyIFAdCLQMBDr3hTmUSjoZEKgOBFoGAp37whxKJZ0MCFQHAi0DgQ65sjHf61Aq62RI7s+0uT9WLlDTCV3tQyTXVQ/FpdJOhtz+zJt77QI1ndDVLmNyXXdbWirvZEjtz8S51y5Q0wld7UL6+geUK+Sugdw11LqVkwElgtw1kLsGBOpI4t7JXQO5a0CgjiTundw1kLsGBOpI4t7JXQO5a0CgjiTundw1kLsGBOpI4t7JXQO5a0CgjiTundw1kLsGBOpI4t7JXQO5a6hVoJ4bF+rficREFkHuGioVqOfW2fr3wjORVZC7hjoF6nl4S/2nMT0ykVWQu4YqBTrpnD6HUmscUA4k7p3cNSBQx1JrHFAOJO6d3DUgUMdSaxxQDiTundw1IFDHUmscUA4k7p3cNVQpUB4i6WAiayB3DXUKlGVMMpjIGshdQ6UCZSG9CiayBnLXUKtAGVAiyF0DuWtAoI4k7p3cNZC7BgTqSOLeyV0DuWtAoI4k7p3cNZC7BgTqSOLeyV0DuWtAoI4k7p3cNZC7BgTqSOLeyV0DuWtAoI4k7p3cNZC7hloFykL6AQReoedE9sw9MnbP3EvJ2/v419BboGzlHEDgFXpOZM/cQ2O3zL2YtL1PeA2tBcphIgMIvMJHy4nsmXts7I65l5O19ymvobNABxwc51lKMZGDprLfRPbMPTh2w9wHkLT3Sa8hAp2xFAINxDN3BNohae8I1LUUAg3EM3cE2iFp7wjUtRQCDcQzdwTaIWnv1QqUh0hDqH4ie+YeG7tj7uVk7X3Ka2gtUJYxDaH6ieyZe2jslrkXk7b3Ca+ht0BZSD+E6ieyZ+6RsXvmXkre3se/huYCZUCJIHcN5K6h1q2cDCgR5K6B3DUgUEcS907uGshdAwJ1JHHv5K6B3DUgUEcS907uGshdAwJ1JHHv5K6B3DUgUEcS907uGshdAwJ1JHHv5K6B3DUgUEcS907uGshdQ60CrX4nUuQ2Fs+dSJ65B8JOpAN5e691J1L1e+EjN1J77oX3zD0Q9sIfSdt7rXvhA0+6kZTqvejIo3wia8VNZM/cA4mNHYEqmPIaOgu0acJGp6ZU30UHdmV6Hqhn7oEEx45ABUx6DRHojKUQqGfugSDQDkl7zyHQEZwujFKL1orDNKw4PLuCIYROw+klnmHp/2dwKMUdqGfugQTHzh2ogEmvobNAeYg0T1sl8BCpkNjYEaiCKa+htUBZxjQEz4nsmXsgobEjUAkTXkNvgbKQfgieE9kz90AiY0egGsa/huYCZUCJIHcN5K6h1q2cDCgR5K6B3DUgUEcS907uGshdAwJ1JHHv5K6B3DUgUEcS907uGshdAwJ1JHHv5K6B3DUgUEcS907uGshdAwJ1JHHv5K6B3DUgUEcS907uGshdQ60CrX4nUiSeO5ECMc09EnLXUKlAq98LH4nnXvhATHMPhdw11ClQyVE+gaUEh1q4ncYUiGnusZC7hioF2jRhUtCUUhyr5nUeaCCmuQdD7hoQqGMpBBqIae7BkLsGBOpYCoEGYpp7MOSuAYE6lkKggZjmHgy5a6hSoDxEGkKoPw0nsmvusZC7hjoFyjKmIUT603Eiu+YeCrlrqFSgLKQfQuAVWk5k19wjIXcNtQrUc0CVkrh3ctdA7hoQqCOJeyd3DeSuAYE6krh3ctdA7hoQqCOJeyd3DeSuAYE6krh3ctdA7hoQqCOJeyd3DeSuAYE6krh3ctdA7hoQqCOJeyd3DeSuoVaBVr+QPnLxu+dC+siuClk490gQqITxw8FboNVv5Yzcfum5lTO0q0KWzT0UBKpgwnCwFmj1h4lEHgDieZhIbFeFLJp7LAhUwJTh4CzQpgkb6JpSfRcd2JXpcXbBXRWyZO7BINDlmTQcEOiMpRAoAh0IAl0eBOpaCoEi0IEg0OVBoK6lECgCHQgCXZ5qBcpDpHnaKoGHSBoQqIApw8FaoCxjGkKoE1jGpAGBKpgwHLwFykL6IUTWYiG9BgQqYfxwMBcoA0oEuWsgdw21buVkQIkgdw3krgGBOpK4d3LXQO4aEKgjiXsndw3krgGBOpK4d3LXQO4aEKgjiXsndw3krgGBOpK4d3LXQO4aEKgjiXsndw3krgGBOpK4d3LXQO4aahVo9TuRIql+J5Jp7pFY5l5K3txr3YlU/V74SKrfC2+aeyiOuReTNvda98IHHpojKbXogIo9YcjwNCbT3GMxzL2crLlPCctZoE0TNgw0pZYcUIFXuMXvPFDT3IPxy30ASXOfFBYCnbEUAq0/92D8ch9A0twRqGspBFp/7sH45T6ApLkjUNdSCLT+3IPxy30ASXOvVqA8RBpC7IwxfJhhmnsshrmXkzX3KWFZC5RlTEMInTGOy2lMcw/FMfdi0uY+ISxvgbKQfgiRM8ZyQbdp7pFY5l5K3tzHh2UuULa2iSB3DeSuodatnAwoEeSugdw1IFBHEvdO7hrIXQMCdSRx7+Sugdw1IFBHEvdO7hrIXQMCdSRx7+Sugdw1IFBHEvdO7hrIXQMCdSRx7+Sugdw11CrQ6hfSRy539lxIHwgL6QfgOd5NqXUhffVbOSM33Hlu5QyErZwD8BzvptS6lVNyEkVgqd6LDuzK9DCRQAJz98XwMJH6c58SlrNAmyZsGGhK9V10YFemx9kFEpi7MX7H2dWf+6SwEOiMpRBoIPVP5C0IdHkQqGspBBpI/RN5CwJdHgTqWgqBBlL/RN6CQJenWoHyEGmetkrwE+gKHmY88hBJwpSwrAXKMqYhRNZyFOgKltOwjEnDhLC8BcpC+iFE1nIU6AoWdLOQXsP4sMwF6jmRS0ncO7lrIHcNtW7lZECJIHcN5K4BgTqSuHdy10DuGhCoI4l7J3cN5K4BgTqSuHdy10DuGhCoI4l7J3cN5K4BgTqSuHdy10DuGpQC/fz6YccPvx7/9gqBbkncO7lrIHcNSoF+etkRaPuXH/9AoOscUA4k7p3cNSgF+vTw0/HPm/vPn3YWfRUjUHYiDYCdSC2OvZcR+RLG4TnePaZOgEDfdWz5tL/3/PRy/35+qkDZCz8A9sIfMOy9jNCXMAzP8W4ydaYL9Mubv/z9UqZf3jz8EiDQKaekOJTiNKZIAnM3JfYljMJzvLtMnekC/fz6x/962X4CepTph6v38BOui/NAY9sqwU+ggbmbEvwSBuE53m2mznSBHp4hbe85P79u37p/OH4u+m3L8MJfTxc24ptXViq0liXVX6DpFXqOd9epM6LE037V0qeXm5vPo0CfEOiypUxnXyDVX6DpFXqOd9epM6LE4WZz+679hkAPLH1r7VCKt/CBBOZuSvBLGITneLeZOtMFeuDTyx//iBWo6WfO5aV4iBRJYO6mOPrTdby7TJ1Igf7w643PQKcI1HTVQ3EpljGFEpi7KY7+dB3vJlMnUqA//hH7FP7Rdd1taSkW0scSmLspjv50He8eU2eyQI/O3L1rf7df/xm0DvTRdCKXkrh3ctdA7hqEWzkPG5F27gzeicSAUkHuGshdg1Cgn17u7jb36ozeC8+AEkHuGshdg/IwkQ/d0+yeHjiN6Uji3sldA7lrkB6ovDsC9KfuX15df9HSF+ZA4t7JXQO5a+BEekcS907uGshdAwJ1JHHv5K6B3DUgUEcS907uGshdQ60C9Vx3a7qg2zOsQExzjwSBaqhUoJ47v0y3FHqGFYhp7qEgUA11CtTz7IHyUosOKM+wAjHNPRYEqqFKgTZN2EzWlFpyQHmGFYhp7sEgUA0I1LEUAg3ENPdgEKgGBOpYCoEGYpp7MAhUAwJ1LIVAAzHNPRgEqqFKgZo+FykvxUOkSExzjwWBaqhToKYrc4pLsYwpFNPcQ0GgGioVqOna8NJSLKSPxTT3SBCohloFyoASQe4ayF0DAnUkce/kroHcNSBQRxL3Tu4ayF0DAnUkce/kroHcNSBQRxL3Tu4ayF0DAnUkce/kroHcNSBQRxL3Tu4ayF0DAnUkce/kroHcNSBQRxL3Tu4ayF1DrQJlR8wAIsOKm8j17wCLxFKg5H7vG50Fyp7sAYSGFTaR6z+DIBRHgZL73W80FiinAg0gNqyoiVz/KVixGAqU3O9/o69AmyZWCjEM6CrpeaBbgiZyYFemuQfjJ1By7/lGBDoM0wGFQE+scSLPBrn3fCMCHYbpgEKgJ9Y4kWeD3Hu+EYEOw3RAIdATa5zIs0HuPd/oK1AeIg0hNiweImnwEyi593yjsUBZxjSE0LBYxqTBUKDkfv8bnQXKQvohRIbFQnoNjgIl97vfaC1QzwFVSuLeyV0DuWtAoI4k7p3cNZC7BgTqSOLeyV0DuWtAoI4k7p3cNZC7BgTqSOLeyV0DuWtAoI4k7p3cNZC7BgTqSOLeyV0DuWtAoI4k7p3cNZC7BgTqSOLeyV0DuWuoVaCCbSyBpQou2nOrlWlbnjtiQrNiB1gxHrl7C1SxkTqwVP9Fe272N23Lc092bFacQVCKSe7WApUc5RNYqveiA7uKxLOtwNwDCc6KU7AKccndWaBNE5aSplTfRQd2FYlnW4G5BxKdFeewlmGTOwKdsRQCDYSJPADP8R6ITe4IdMZSCDQQJvIAPMd7IDa5I9AZSyHQQJjIA/Ac74HY5O4sUB4iifBsKzD3QIKz4iFSIS65WwuUZUwiPNsKzD2Q2KxYxlSKSe7eAmUhvQjPtgJzDyQ0KxbSF+ORu7lA2domgtw1kLsGBOpI4t7JXQO5a0CgjiTundw1kPvy/LbhdwRqSOLeyV0DuS/KbwcQqCOJeyd3DeS+FL+dgUAdSdw7uWsg99n57RYI1JHEvZO7BnKfj5vmRKDGJO6d3DWQ+zzck2fNAmUh/QA8wwqEBd3eePbe584tL16MfQ29BcpWzgF4hhUIWwrNseu9xJ17f74Y+xpaC1RyIkJgqUUPE/EMK5DA3AMJzgqBBlHqztafL8a+hs4CbZqw0akpteRxdp5hBRKYeyDRWSHQ6Qxx58GfL8a+hgh0xlIINBAEao++96HuRKDWpRBoIAjUHmHvo8yJQM1LIdBAEKg9it6nmLN2gZo+FykvxUOkSAJzDyQ4KwQ6gAB5Hg069jW0FqjpypziUixjCiUw90Bis0KgZUS582jQsa+ht0BN14aXlmIhfSyBuQcSmhUC7SXWnQeD1rmQngGlgtw1kPtd5pDnjlq3cjKgRJC7BnJ/jtnciUBtSdw7uWsg9xvM604Eakvi3sldA7l3WcCcCNSYxL2TuwZy37KcOBGoM4l7J3cN5L68PBGoK4l7J3cNq85d404Eakvi3sldw1pzF7oTgdqSuHdy17C63NXmbKlVoLk317ATKRbPHWCmO5E8d96dmOy87Q72AHXuqVSgybd3sxc+FM8zCEz3wnue/dASobzdGUphBq1ToIEn3QQfmlMGpzFFUt7VkrkHZxUlUMkVlvQeZbwXL0INWqVAmyZsGASWGgDngQYyoKsFc4/OKkigmivs6T3IdTtevIg1KAJdrNQAEGggCHQAbgKNsVyH9Ql0BKeXzqlUIJFdEVb2UpEYXeHvs3ASaFDByTm1aQXVuWaE3I1vFMrgDjSQkDuhwaUCuyqiqjvQmJvDm6zvDnRMc4FjU6IEHiJFUt4VD5HED5FipHaXUH9+9913VQrUd7VJGSxjCqW4K5YxqZYxheisjAh/fneiToHarncug4X0sZR2xUL6R8EVbt4Hx6ixkAn+/O6aSgW6vq1tJpC7hpy5t15aVqBjuGFOBOpL4t7JXUO63Lt6Mhbo8+ZEoL4k7p3cNWTK/cpSjgLtNeeWWp/CP+YaUFck7p3cNSTJ/basvARaJM4DCNSRxL2Tuwb/3O8oy0OgZbecFyBQRxL3Tu4ajHPvV5daoGPM2YJAHUncO7lrcMy9WGBCgY42ZwsCdSRx7+SuwS33QRbTCHSaOVtqFajnemfPBd2RVJ+7K0YL6YerrECggUd4vngRYc6WSgXquePOc0thJNXnbovHVs6RSusXaND+9ThxHqhToJITEQJLLXqYSCDV5+6L/jCRCV7rFejkE0BC3q7fokqBNk3Y9NOUWvI4u0Cqz90Y6XF24/3TWqjn3yecQddjzinu3IFAHUshUM/cjVEJdKJ/Wgv1/Psogfaqc6o7dyBQx1II1DN3YxYXaIR9jhbq+fdBAu0X53ffcaDyXaqfyAh0nlIItD+sGO9cWKjn34sEWiLO7ziRftAwGHlt8lI8RDLN3ZdFHiLFOOeGhfq+4K70ysxZVGpE61UKtP7lNJb+XEHutsy9jCnIN89YqPcrbkpvmDnvlhpNpQKtf0G3pT9XkLsrMy6kj3LNHQv1f8mZ9MaZ82apqdQqULutbYNI3Du5a5gj9zDL9Fqo/EsniHMWEKgjiXsndw2huS/roFKBepmzBYE6krh3ctcQlrvEQn1fYGjOFgTqSOLeyV1DRO46C935N1dztiBQRxL3Tu4aJuYuttCN/2Z7z3kOAnUkce/krmF87moF/XYuUMtPOp8HgTqSuHdy1zAqd7V9DuwE2mdOO3fuQKCOJO6d3DUMzV0tng795vR05w4E6kji3sldQ3HuauN0KDGnrzr31CrQ6nfERO5Eiqxl9KslhpfKuwOsIHe1arrkF2fLixdjh4O3QKvfkx25Fz50X73Hr5YYWSrtGQR9uas9c6CCW84zXmwFOm44WAu0+lOBArsKPtlJ/6slJpTKegrW453c1Y7ZUcOb9Ru82At01HBwFmjThA10TaklzwONrPUo/tUSU0slPYd1y63c1X75rdScwt8LP4UXB4GOGQ4IdMZSCLT+3IO5yF3tlt8Gfc6JQBFoaCkEWn/uwZxyV2vlt+G/yQ2BItDQUgi0/tyD2eWuNspvI4/9QKBeAuUh0jxtlcBDJAUbB8klNMacLfLeR1LrQySWMQ0i1AksY1qU41wWCnSCOVtSCbQb/4Th4C1QFtIPIbIWC+kX42xaSwQ66v36DXII9NZrMH44mAuULYUiyH0Jrmf3ogK9L85B7txhLtB7r8QEQSHQ2UjcO7nPzDOTfBGB9opzuDt3uAq04OVAoI4k7p3cZ+TOXJ9XoCXmnLCTyE6g5S8JAnUkce/kPg99U34mgc5szha9QEe/LgjUkcS9k3s4RQaIFugy5mwRCnTqi4NAHUncO7nHMUQEYQJdUpwHFAINeo0QqCOJeyf36YzxwXSBKszZsqhAY18rBOpI4t7JfRpjtTBFoDpztiwj0FleLwTqSOLeyX00k+wwUqBic7bMJdAFXrRaBcpOpAF4hhVIYO7zMN0VwwXqYM6Wgt63287LC94NO3SMVipQ9sIPwDOsQAJzj2a8dC4YItD75nwxzFUR9Pf+oqyrkshjx2idApUc5RNYKutpTJFtxRGYexwR3ulSJNCCe84XLwpdFUlv771dlQcfPEarFGjThKWkKZX0PNDItuIIzD2IUPm03Bdo8dv1Fy8UBu0T6J2uhmYfPUYRqGMpBBqIlUDnEdBvzwq0x5xXH3UmEOi0FwCBFuDpBASqwUWgMzvoUkK96rz5mMhZoJZjFIE6lkKggRgIdAkHHSTUL857T9gtBeo8RqsUqOlzkfJSPESKJDD34SxjoI2DSsRZsDbJ6iHSiJewl+AxWqdATVfmFJdiGVMogbkPYSH7BJnzgMCfVwKd8BL2EztGKxWo6drw0lIspI8lMPcSFtJOsDkPLO/PjUB7M3Udo7UKlC2FIlad+0K+mcmcEkJyF4JAHUnc+2pzX8Y31Yjz7J4z8ZhBoI4k7n2NuS9jnBrNOS13BxCoI4l7X1nuyzinwJzC3wtfSGjuNiBQRxL3vpbcl9JO6T2no0DnyN0NBOpI4t5rz30p+Qx9t24l0BlydwWBOpK495pzX8I9Yz/p9BDoPLk7g0AdSdx7pbnP754+c/Y8JRILdK7c7alVoJ7rbk0X0gfi2dak3M9NEb/MvN+cJU/Y4wQqOPt9jePdW6CeO79Mt3IG4tnW+Nxv2iXKoCXmLF6cFCbQ0iucNffxpZZlQlvWAvU8e6C81KKHiQTi2da43O/YZapBI8V5IEqgkrPf1zjenQXaNGGBa0oteZxdIJ5tDc+91y5jDTqHOVuCBHrrChfLPaLUkkxqC4HOWGqNA2o2BnQ14VdL9DCfOVvmEOhiua9xvCPQGUutcUDNRklXBwsN0UsRM95znhMqUMZ7EQjUtdQaB9Rs9HR1ZqEivZQJdClztsQIlPE+hGoFykMkEZ5tPdvVtYX6BFPmz0XN2TJRoP1hBeZ+xRrHu7VAWcYkwrOtG109Y6Fe0fT5c3lztgwV6JCwAnO/zRrHu7dAWUgvwrOtTlf3LdQvnmf9qTJnS7FAh4QVmPtd1jjezQVa65ZCe2xzL7LQGHVpxXmgX6DqF+AOrmOmgFq3cvpO5BIS926Ze7GFhklLfNN5xh2BqtPvx3HMFIJAHUncu1vuwyxU9mU9H3RKDoe/JVB19sWYjZkhIFBHEvdulPsIC93/515xaty5YydQdeJj8Rkzg0GgjiTu3ST3kRZ65r+XmFP6O4lsch9H4t4RqCOJe9fnPsFDVwJNYM4Wfe4TSNw7AnUkce/S3Kfq6CTQPOZsYbxrkAv008sf/9j94fPrh4eHVwh0S+LeNbkHWel37885dzyTAONdwwICfds0//JvX99+f/Mfv7x52Av008uHLa1NEWhWls09UExZzdnCeNcwu0Dfb9fq/8u//fNvzb/+x41//tA6c3P/+dPOoq9iBMpOpAF4htXHAPdM2n55bs7AX+lRWqoojTiBeo73QELH6NwC3flzI9D//mvT/Ok/r/55e9+5E+jT/n8+vfzh1wiBshd+AJ5h3WOEqW67avA9Z+Cv9Hi+1JhIwgTqOd4DiR2jMwv0H3/e3Hj+9183b+G3Bv358p83b+D/9/4z0Hf7W8/Nf/glQKBTTklxKLXo6TSeYT3HaFNdumrUu/WYX+nxbKkJuUQJ1HO8BxI8RmcW6NvtbedOoF83b+K/ufzndw8/7R8ifXnzl7/v/suHq/fwI3prmrCUNKWWPB/RM6xrJpvq6Krxn3NO/ZUez5aaHk+QQD3HeyDRY3RegW6kubnr3Av068erT0G379v3Av38un3r/mH7UeiOb1tum/kup5BGfPPKSrm2deL3iZxUdd+cg0pNbepdyNgAACAASURBVOpQKjirydiPhql4dvWcQPfqbAX6jz9fCPTz681t54VAnxDosqVc29oxWVOtqnrerg+1XoRATSey82gIwbOrcQLdfe75rEAPjLg7PoU08vZaXYq38EELlHrMefmGfb5fKvfb5dv0yKy28Ba+DJvciwR69hb+/cVj+A+7B+9zCNT0uUh5qXU/RBohpyt6zXnzw86gX+lxwZxZHeEhUiEuuRcJ9Ovb7eeee4H+48/nD5E+vdw9N3r2M9ApAjVdmVNcaqXLmAZp6RkKzPn8c6Lpv9Kjy6xZXcIyplJMci8T6Maa2zWgG4G+3+1HOrsBPfLDr7FP4R9d14aXllrbQvpSO95lijlbpvxKjw6zZvUMLKQvxiP3MoG2C+n3nG/mPBPo13f79Z9B60CnXJgDiXsfnHuZHe8w6Z7znKm/GniWRMtgvGtYZivnDX8eaA8TCd6JxIBSMST3abYqEefA3eujBTpfnqUw3jUsc5hIc3MfZ1eg0XvhGVAiCnMfa6otM5izZbhAZ06zHMa7Bpvj7J4eOI3pSOLe+3IfJbYjc5mzpUCgy6Q4HMa7BhuBch5oh8S9P5v7FLFtmdWcLfcEumiKw2G8a5ALtJelL8yBxL3fyn2q12YX54GbAl0+wzEw3jXMK9DtEUznXB3IhEBvkLj3i9ynKm0hc7acC1SU4DgY7xqWFujtY5UR6DmJez/lPkllS91zntMKVJnfWBjvGhYX6LOP42MFKl8bPqnUwgvpA9m2NUVh83zQ2bv6ve1+jQu6rxCMrNzjfdx3Fgl0twx0v/7zY7PdyfnPvw1+Fz/6uix2J44rtexWzjCmHNjeZ84p9513ujq/gDVuKbxEMbKSjvdJbZUJtHMG6P5gka9vr49Vjhfo4W531JUZlFr0MJEYOqYaZtB+c059z15+9vsaD7W4QDKyEo73HVPaKhJoK82DTLfv3j8OfQ8/4bq8TmgbUGrJ4+ymc2WqMoOWmDPi484BZ7+v8Vi1czQjK9d4PzKprSKBtgfZ7dmfB3p1KigCvSbNgLqnqknmDBDnRVcRuQeCQDukGe/nLCHQsztQBFqNQO+p6lmBLmzOlsDcA0GgHfzH+03mF+jmLfzxDXv7Z97CpxboXVU9L1CJOYeHhUAR6ADmF+juLKb9PejHZvc8/vJY5VkEykOkWehX1pU/F77nnBoWD5F4iDSEKW2VCXS7bOnI5tbzbcMypoIvtFvWUWqwgz9LxDm/OQ8E5h5I7EvIMiYFE9oqE+jhMLst7TLQgTegLKSfVmoyw0y2sDkLryEw90BCX0IW0ksY31apQA8K3XlzI9DbxyqHC5StbZMZKjNHcw7EIvdxMN41cBqTI9reh+ssvTlbEo8ZxruGBQX6z78NPkgEgS5NsDvjxLnICR+JxwzjXcNiAt0+j0eghUh6D3VnMnO2JB4zjHcNywi0PZUJgRaydO9x4vzu96m/2VJizpbEY4bxrmEJgbYP4s9/LTwCvcNivceJ83DXGSDQpS7+msRjhvGuYXaBfmwXMQ1++o5AZ2SY0frM2X3HPkqgc19uKYnHDONdw7wCPa6jH61PBBpLtDmvPu0cJtDZrnMciccM413DnAJ93751/78jVn8i0GDizXn7QVGhQOMvMILEY4bxrmE2gR5+m8fP45bPTxUoO5E69Nmss319tDivSxmZk51I3iTufS6B7v2596ZAoOyFbym5G9ztX59qzk6pkl+esSjshTcnce/zCfT00H15gR6234+8NnmpkNNpSty5JcScXX9eGLQ8oJkIzD2QwIG1BYFqmPcOdH/05+ICbZqw0akpNe18xDhxDlwPP+CXZyxIYO6BBA6sHQhUw3wPkd7uh8f3CHR4qZECLRVduDnPBRr4xjQCBGpP4t7nfArfPkda/in86gRa7rh5zNkSLYUYEKg9iXufeSH95GX0CPReqUG/QLjHnKN+nfvoK1wQBGpP4t5n34l0WEu/6E6kwLEpKVXyEGnAL2DvM+fwX+Y++ZdnLElg7oEEZ4VANSyxF/4ff96NlCX3wgeOTUWpnov+7e56oVJzHr9qiD+jrnBRonKPJTYrBKphoePs3u4Gy4KnMQWOTUGp5y/6zHojzXn1QWeJP4OvcFmm5z4HoVkhUA2LnQe6faLEcXaF3Oi97AZxhodEQ1uvLPcskLuGJX+lx3sEWki391LR9apzqDtHtl5L7skgdw38TiRHdr2HiXOoOqe1nj73nJC7BgRqx0ZhJScalYhzSXO25M39cZ0T2YHEvSNQH04muytQU3O2JMz9ROLeyV0DAjXgSmi3BeptzpZMuV+RuHdy14BAlTzntQuBxptzvktKkftzJO6d3DUgUAk9fjsKNMEt5wXeufeQuHdy11CrQD0X0u8o0NzvJe4ctvlyoSvMXSrvRCZ3EZUK1HMrZ9DKpO2XlG+/XPQKk5dKO5HJXUWdApWcAHKfCHWevq7kAJClr7CCUlknMrnLqFKgTRM2DKaXijXnuT9vG3TpK6ynVNKJTO46EOhcpcrEOfDYj/sCXfgK6yuVdCKTuw4EGl4qxpx3H69fCnThK6y2VNKJTO46EGhcqShzfvdd31bOgz4jPqpKP/sCSyWdyOSuo0qBLv1JeJw529vO3r3wgReY/glEYKmsE5ncZdQp0KXWYhSac/B6+OcFOsMFZl8DE1gq7UQmdxWVCnTu1cBx4rz5UecNgc54gclXYQeWyjuRyV1ErQKda2tbnDjvPSTqCnSWy5gPthRqIHcNCLSQZczZFWhs/0vBRNZA7hoQaA9l4ixzZ1mhx3UOKAcS907uGhDocxSbM+w3uXWan9i7ECayBnLXgECvGGDOoVswe815aH5s73qYyBrIXQMCPTHInPfVOdach+ZHXrQBTGQN5K4BgT46mfPQ/MiLNoCJrIHcNaxboMPMGfN+veTp+hoHlAOJeyd3DesUaKg4Y925b37kRRvARNZA7hpqFegzeyCCxTnUnYE7M9iJNEOpZScyL+GBvAIdH5a3QK924cabc8THnYF7g9kLP0epRScyL+GRtAKdEJa1QJvmeGUyc97tqi/cARc4mcBa2UstOZF5CU9kFeiUsJwFuruo4t+6Nr85z9MOOB9xQKleAmulL7XgROYl7JBUoJPCqkagBeIsLBUXNwKtfiLzEnZAoAkFWnbLef/Xt5WZs9sVAnUuhUCrzz2StQp0yJv1wN9/iUDtSyHQ6nOPpFqBPh4EOtydV9/xrD/HdVWWNg+R6n+YwUt4IqlAq32ItLuyS+kNNee5QSe689hVWdosY1rBchpewiNZBVrtMqbtlZ2kN9KcXYNOduehKxbSO5diIb2mVFqBVruQftPf7zHHfsSYc2jzi/60UNhSqIHcNdS6lfPxa5A7R/74aaxxQDmQuHdy17A2gZqb89C88odPg4msgdw1rEigGczZssYB5UDi3sldQ70C/T3bbWeHNQ4oBxL3Tu4a6hZouTlt3LljjQPKgcS9k7uGigWa05071jigHEjcO7lrWLdAR9aenTUOKAcS907uGtYp0JE1F2ONA8qBxL2Tu4ZaBdrdiTRRnp47M9jGMkOpvBPZM/dS8uZeq0Bv7IUfe+PpuTeYjdRzlEo7kT1zLyZt7rUKtGkuT2MaeZWup9MEdpX+KJ/AUlknsmfu5WTN/bFSgTYHgb6Y/HFn04SNqAGlOA/UM3dTPHMfQNLct9QrULsBhUDtSyWdyJ65DyBp7lv8BTqC0yigVNK2PEuZQlj54Q40shR3oJ65m+KZ+wCS5r7F/w50THOBg0BSiodIprmb4pl7OVlzf6xVoKbLOopLsYzJNXdTPHMvJm3u1QrUdGFxaSkW0mtK5Z3InrmXkjf3agXK1jYR5K6B3DUgUEcS907uGshdAwJ1JHHv5K6B3DUgUEcS907uGshdAwJ1JHHv5K6B3DUgUEcS907uGshdAwJ1JHHv5K6B3DUgUEcS907uGshdQ60C9VxYzEJ671LL5m76EgpAoG4C9dzaxlZO81KL5m76EipAoGYCbZqwESUpxWEi9edu+hJKQKBeAm2asBGlKcVxdtXnbvoSakCgCDS0FAKtPnfTl1ADAkWgoaUQaPW5m76EGhAoAg0thUCrz930JdSAQL0EavpZf3kpHiLVn7vpSygBgZoJ1HS1SXEpljGtIHfTl1ABAnUTqOl659JSLKTXlGIhvQYEaidQtraJIHcN5K4BgTqSuHdy10DuGhCoI4l7J3cN5K4BgTqSuHdy10DuGhCoI4l7J3cN5K4BgTqSuHdy10DuGhCoI4l7J3cN5K4BgTqSuHdy10DuGhCoI4l7J3cN5K6hVoF6bhjx3BGTPKzAUnl3IiFQEZUK1HPLsuee7OxhBZZKuxcegaqoU6BNEzY6JaU4jan+3CNfwkcEqqJKgTZN2OjUlOI80Opzj3wJtyBQDQjUsRQCrT53BNohce8I1LEUAq0+dwTaIXHvCNSxFAKtPncE2iFx71UK1PSz/vJSPESqP/dYfyJQEXUK1HS1SXEpljGtIPdQfyJQEZUK1HS9c2kpFtJrSrGQXkPi3msVKANKBLlrIHcNCNSRxL2TuwZy14BAHUncO7lrIHcNCNSRxL2TuwZy14BAHUncO7lrIHcNCNSRxL2TuwZy14BAHUncO7lrIHcNCNSRxL2TuwZy11CrQD3XO3su6E4eVmCpZSey6UL60LbKQKBuAvXccee5pTB7WIGlFp3Ipls5Y9sqA4GaCTTwoAZJKQ4TMc09kMiX8DFOoMFtlYFAvQTaNGHDQFOK4+w8cw8k8iXcEiTQ6LbKQKAINLQUAvXMPRAE2gGBItDQUgjUM/dAEGgHBIpAQ0shUM/cA0GgHRCol0Drf5gROcqzhxVYiodIPEQaSJ0CrX85TeQoTx5WYCmWMbGMaSCVCrT+Bd2Rozx3WIGlWEj/yEL6YdQqULa2iSB3DeSuAYE6krh3ctdA7hoQqCOJeyd3DeSuAYE6krh3ctdA7hoQqCOJeyd3DeSuAYE6krh3ctdA7hoQqCOJeyd3DeSuAYE6krh3ctdA7hoQqCOJeyd3DeSuoVaBVr8jhp1IM5RaNnfTnUgCEvdeqUCr35PNXvg5Si2au+leeAWJe69ToIFHykhKcRpT/blHvoSPCFRFlQJtmrDRqSnFeaDV5x75Em5BoBoQqGMpBFp97gi0Q+LeEahjKQRafe4ItEPi3hGoYykEWn3uCLRD4t6rFKjpZ/3lpXiIVH/usf5EoCLqFKjpapPiUixjWkHuof5EoCIqFajpeufSUiyk15RiIb2GxL3XKlAGlAhy10DuGhCoI4l7J3cN5K4BgTqSuHdy10DuGhCoI4l7J3cN5K4BgTqSuHdy10DuGhCoI4l7J3cN5K5BKtBPLx8eHl61f/n8uvMXBJoVctdA7hqUAv3wsOOHX48yfXj48Q8Eus4B5UDi3sldg1CgG2X+srvx/Onr4X82/+lVjEA91zt7LuhOHlZgqYVzD8S0rUIQ6BiBvtvL8tPL7S3o0/7ec/+X6QL13HHnuaUwe1iBpZbNPRDTtkpBoBMeIn1+vXVma9Mvb7Z3pZMFGnhQg6QUh4msIPdATNsqBoFOEOinl5t7zy9v/vL33d8+XL2HH9Fb04SNKE0pjrOrP/dATNsqB4GOF+jhk9D2rfuH3SeiW75tGVHzNKDGdrWeUqZtVV8qEtO2YAAjX7p3Dw+7W8+jQJ8Q6LKlTNuqvlQkpm3BAMa9dF/ePOwXf94Q6IERd8enATXy9lpdirfw9eceiGlb5fAWftJnoJv38LEC5WHGPG1VX4qHSBoQ6JStnNsVTDc+A50iUJbTDCF5WIGlWMakAYFOEej2MXzsU/hHFnQPIndYgaVYSK8BgY4Q6HHJ524d07v9X4LWgU65MAcS907uGshdg3Qn0v7d+u5de/BOJAaUCnLXQO4a5HvhN+rcvnuP3gvPgBJB7hrIXYPyM9Cn/WlM+zft7V84jWlL4t7JXQO5a5A+RNodAXpQJueBnkjcO7lrIHcNBk/he1j6whxI3Du5ayB3DQjUkcS9k7sGcteAQB1J3Du5ayB3DQjUkcS9k7sGctdQq0DZETOAyFqWE9k090gscy8lce+VCpQ92QMI3UjtOJFNcw/FMfdiEvdep0AlR/kElsp6GtOj5UQ2zT0Ww9zLSdx7lQJtmrCBrimV9DzQLX4T2TT3YPxyH0Di3hGoYykEGohp7sH45T6AxL0jUMdSCDQQ09yD8ct9AIl7R6COpRBoIKa5B+OX+wAS916lQHmINE9bJRhOZNPcYzHMvZzEvdcpUJYxDSHUCY4T2TT3UBxzLyZx75UKlIX0Q4isZTmRTXOPxDL3UhL3XqtAGVAiyF0DuWtAoI4k7p3cNZC7BgTqSOLeyV0DuWtAoI4k7p3cNZC7BgTqSOLeyV0DuWtAoI4k7p3cNZC7BgTqSOLeyV0DuWtAoI4k7p3cNZC7BgTqSOLeyV0DuWuoVaDsRBJhOZEDc3fFMvdSEvdeqUDZC6/CcSIH5m6LY+7FJO69ToFyGpMMw4kcmLsvhrmXk7j3KgXaNGGC0ZTiXMpAAnM3xi/3ASTuHYE6lkKggSBQexL3jkAdSyHQQBCoPYl7R6COpRBoIAjUnsS9VylQHiLpMJzIgbn7Yph7OYl7r1OgLGOS4TiRA3O3xTH3YhL3XqlAWUivwnIiB+buimXupSTuvVaBMqBEkLsGcteAQB1J3Du5ayB3DQjUkcS9k7sGcteAQB1J3Du5ayB3DQjUkcS9k7sGcteAQB1J3Du5ayB3DQjUkcS9k7sGcteAQB1J3Du5ayB3DbUKtPqF9JHkDiuw1BonsgOJe69UoNVv5YwkeViBpdY4kR1I3HudAq3+MJFIsocVWGqNE9mBxL1XKdCmCZt+mlJLDqj0YQWWWuNEdiBx7wjUsRQCrT/3YBCoBgTqWAqB1p97MAhUAwJ1LIVA6889GASqoUqB8jBjCNnDCiy1xonsQOLe6xQoy2mGkDyswFJrnMgOJO69UoGyoHsIucMKLLXGiexA4t5rFSgDSgS5ayB3DQjUkcS9k7sGcteAQB1J3Du5ayB3DQjUkcS9k7sGcteAQB1J3Du5ayB3DQjUkcS9k7sGcteAQB1J3Du5ayB3DQjUkcS9k7sGcteAQB1J3Du5ayB3DbUKtPodMYFdmYYVCDuRvEnce6UCrX5PdmBXpmEFwl54cxL3XqdAqz8VKLAr07AC4TQmdxL3XqVAmyZsJmtK9V10YFemYQUSmLsxCFQDAnUshUADQaD2JO4dgTqWQqCBIFB7EveOQB1LIdBAEKg9iXuvUqCmz0XKS/EQKZLA3H1BoBrqFKjpypziUixjCiUwd1sQqIZKBWq6Nry0FAvpYwnM3RUEqqFWgTKgRJC7BnLXgEAdSdw7uWsgdw0I1JHEvZO7BnLXgEAdSdw7uWsgdw0I1JHEvZO7BnLXgEAdSdw7uWsgdw0I1JHEvZO7BnLXgEAdSdw7uWsgdw21CtRzbXj9C7o9F9KXkjd3BCqiUoF67k6sf0uh51bOYtLmjkBV1ClQz/Mx6j/UwvMwkXKy5v6IQFVUKdCmCZvJmlJJB1RgWBqS5r4FgWpAoI6lkg4oBKoDgWrwF+gIThO50lKm1H+FAPPAHWhkqaT/j8wdqA7uQDX434GOaS5wHktKZR1Qyf2ZNvdHBKqiToGyjElEbn/mzR2BqqhUoCykF5Han4lzR6AiahUoA0oEuWsgdw0I1JHEvZO7BnLXgEAdSdw7uWsgdw0I1JHEvZO7BnLXgEAdSdw7uWsgdw0I1JHEvZO7BnLXgEAdSdw7uWsgdw0I1JHEvZO7BnLXgEAdSdw7uWsgdw21CrT6nUiuW36YyBrIXUOlAq1+L7ztpnMmsgZy11CnQKs/jcn32CMmsgZy11ClQKs/D9T44E0msgZy14BAHUshUA2Jeyd3DQjUsRQC1ZC4d3LXgEAdSyFQDYl7J3cNVQqUh0g6mMgayF1DnQJlGZMMJrIGctdQqUBZSK+CiayB3DXUKlAGlAhy10DuGhCoI4l7J3cN5K4BgTqSuHdy10DuGhCoI4l7J3cN5K4BgTqSuHdy10DuGhCoI4l7J3cN5K4BgTqSuHdy10DuGhCoI4l7J3cN5K4BgTqSuHdy10DuGmoVaPU7kVxhImsgdw2VCrT6vfC2MJE1kLuGOgVa/WlMvjCRNZC7hioFWv15oMYwkTWQuwYE6lhqjQPKgcS9k7sGBOpYao0DyoHEvZO7BgTqWGqNA8qBxL2Tu4YqBcpDJB1MZA3krqFOgbKMSQYTWQO5a6hUoCykV8FE1kDuGmoVKANKBLlrIHcNCNSRxL2TuwZy14BAHUncO7lrIHcNCNSRxL2TuwZy14BAHUncO7lrIHcNCNSRxL2TuwZy14BAHUncO7lrIHcNCNSRxL2TuwZy11CrQFlIL4KJrIHcNVQqULZyqmAiayB3DXUKlMNEZDCRNZC7hioFynF2OpjIGshdAwJ1LLXGAeVA4t7JXQMCdSy1xgHlQOLeyV0DAnUstcYB5UDi3sldQ5UC5SGSDiayBnLXUKdAWcYkg4msgdw1VCpQFtKrYCJrIHcNtQqUASWC3DWQuwYE6kji3sldA7lrQKCOJO6d3DWQuwYE6kji3sldA7lrQKCOJO6d3DWQuwYE6kji3sldA7lrQKCOJO6d3DWQuwYE6kji3sldA7lrQKCOJO6d3DWQu4ZaBcpOJBFMZA3krqFSgbIXXgUTWQO5a6hToJzGJIOJrIHcNVQpUM4D1cFE1kDuGhCoY6k1DigHEvdO7hoQqGOpNQ4oBxL3Tu4aEKhjqTUOKAcS907uGqoUKA+RdDCRNZC7hjoFyjImGUxkDeSuoVKBspBeBRNZA7lrqFWgDCgR5K6B3DUgUEcS907uGshdAwJ1JHHv5K6B3DUgUEcS907uGshdAwJ1JHHv5K6B3DUgUEcS907uGshdg1Sgn14+PDz88Ov+L59fb/7yCoFuSdw7uWsgdw1Kgb572PPqKNOHhx//QKDrHFAOJO6d3DUIBfq0V+e7h7/8fXf/+dPOoq9iBMpCehFMZA3krkEo0HetLN9t1fm0v/f89PLwjn6aQNnKqYKJrIHcNegE+uXN9s7z69adPx1t+uXNwy8BAuUwERlMZA3krsHgKfxWoEebfrh6Dz+iN46z08FE1kDuGvQC3d10fn7dvnX/sL0d3fFty4iSJ1WN7sq7FABUxXgpfNh++nkU6BMCBYC1MVoKT+1D+CuBHhhxd8xbeB28ldRA7hrUb+H3/gwWKA+RdDCRNZC7BrFAP+z9eesz0CkCZRmTDCayBnLXIBXolzeHjZyxT+EfWUgvg4msgdw1KAW68edx5+a7/frPoHWgUy7MgcS9k7sGctcgFGjXn9E7kRhQKshdA7lrEAr0Q/fkkOi98AwoEeSugdw16AS6O77u4XgE09MDpzEdSdw7uWsgdw06gT49nAmU80A7JO6d3DWQuwb1OtB+lr4wBxL3Tu4ayF0DAnUkce/kroHcNSBQRxL3Tu4ayF0DAnUkce/kroHcNdQqUM+dSKWscUA5kLh3ctdQqUA998IXs8YB5UDi3sldQ50C9TyNqZw1DigHEvdO7hqqFKjneaADWOOAciBx7+SuAYEuVmoAaxxQDiTundw1INDFSg1gjQPKgcS9k7sGBLpYqQGscUA5kLh3ctdQpUB5iKSDiayB3DXUKVCWMclgImsgdw2VCpSF9CqYyBrIXUOtAmVAiSB3DeSuAYE6krh3ctdA7hoQqCOJeyd3DeSuAYE6krh3ctdA7hoQqCOJeyd3DeSuAYE6krh3ctdA7hoQqCOJeyd3DeSuAYE6krh3ctdA7hpqFahg9XsgaxxQDiTundw1VCpQxf7LQNY4oBxI3Du5a6hToJITQAJZ44ByIHHv5K6hSoFqzqALZI0DyoHEvZO7BgTqyBoHlAOJeyd3DQjUkTUOKAcS907uGhCoI2scUA4k7p3cNVQpUB4i6WAiayB3DXUKlGVMMpjIGshdQ6UCZSG9CiayBnLXUKtAGVAiyF0DuWtAoI4k7p3cNZC7BgTqSOLeyV0DuWtAoI4k7p3cNZC7BgTqSOLeyV0DuWtAoI4k7p3cNZC7BgTqSOLeyV0DuWtAoI4k7p3cNZC7BgTqSOLeyV0DuWtAoI4k7p3cNZC7BgTqSOLeyV0DuWtAoI4k7p3cNZC7BgTqSOLeyV0DuWtAoI4k7p3cNZC7BgTqSOLeyV0DuWtAoI4k7p3cNZC7BgTqSOLeyV0DuWtAoI4k7p3cNZC7BgTqSOLeyV0DuWtAoI4k7p3cNZC7BgTqSOLeyV0DuWtAoI4k7p3cNZC7BgTqSOLeyV0DuWtAoI4k7p3cNZC7BgTqSOLeyV0DuWtAoI4k7p3cNZC7BgTqSOLeyV0DuWtAoI4k7p3cNZC7BgTqSOLeyV0DuWtAoI4k7p3cNZC7BgTqSOLeyV0DuWtAoI4k7p3cNZC7BgTqSOLeyV0DuWtAoI4k7p3cNZC7Bn+BjuTbb9UdrBNy10DuGqJyR6Cwg9w1kLsGBAqhkLsGcteAQCEUctdA7hoQKIRC7hrIXQMChVDIXQO5a0CgEAq5ayB3DQgUQiF3DeSuoVqBAgBkAYECAIwEgQIAjASBAgCMBIECAIwEgQIAjASBAgCMBIECAIzES6CfXz88PLxSd7E6drFv+OFXdSdr4vPrn45/YtgvxzH3kGFvJdBPL3cX9OMf6kZWRps7Al2Udw/tRGbYL8pl7vUIdPP/CD/tLuuVupOV8XQYUrAc7x7a1Bn2i3LMPWbYOwn0af9/wp9ecie0LO+Yu0uzu/vZz1+G/YJ0co8Z9k4CbS/oy5uHX8SdrIsvb/7yd3UPK+PDZhYfboAY9svRzT1m2BsJ9HhBH7ghWpTPr3/8r5d8ArokHzZDvZ3IDPsF6eQeNOyNBPr5dXstH/hIblEOH6ZzB7Qo7URmW46RewAABupJREFU2C/MQaAxw95RoDzTWJan/RqaTy95J78klwJl2C/D0/Gz54hhj0DhcOvDe8hFQaAano7DPWLYI1A48OklSxEXBIFquMx52rB3FCgfBmlgIc2i8BmohmuBThn2RgLlcaQY7kAXhafwGqq9A/36bv88jAVxy3KcwbyHXJTTOlCG/ZJc/h/XtGHvJFC2ZGg47Mh4xwxektPTYIb9klxsYJg47J0EyqZgDZvEt0PoieMsFuW0oJthvySddaABw95JoNuVWRxLI+ADhzEJOL51ZNgvyjH3kGFvJVAORhSxy50PQJfl9Nkbw35JLnKfOOy9BAoAkAgECgAwEgQKADASBAoAMBIECgAwEgQKADASBAoAMBIECgAwEgQKADASBAoAMBIECgAwEgQKADASBAoAMBIECgAwEgQKz/K2ab45/e2ff2uan6cV/O+/NluORd82f/rPMW2N+a7t1Rz4l38b8f2zNAXJQaDwLFvfnZT5/kynI9gauKUttIxAP+6/vCPQJtB2x+oIdI0gUHiej03zr//R/vkffz79eRQdfx4EtohA3zY3BBqmu7eTLgWyg0DhDhvpfL//0/Q38BsbtxXeN5NqjRbo8dsmNjChGagMBAp32LyJbz8vjHgD372bnaCd6QKdfjVjm4HKQKBwj4/tm92NSSeKYiPQk7PeTvk4IECg0ww+oRmoDAQK99i+c9++iX/beXK9/zDz5I322fr3h3/8eaOn3Vvk/Re237j5y5Vq9vbZfP/3u3fVh48L2u987ideO+usg/Of+745/NPb85Y3f+n2ev4zdrb/eHjctfua4zd3v/BG9bM6Ny4NqgKBwl028tiY6GPHAO+vHqW37G4qN/74X+1fPp79w/brLm87jwL9n3/tfuXxR3xz8ydeCfS8g/Ofe1ugm6v65qzX08/YXedWoG8PRdo/nD7LOH3hdfXzOteXBnWBQOE+248Lu3eP79vbq7etz97vXbG9Cdz+fXsDtlHNP//P8W3y4fPGy0WgXzsCPd6wft/5EW/P/3r8iZcCvejg8uc+8xno991et/9ha7jDwq3dbeQ3X1s3f9Np4uILL6tf/PPVpUFlIFC4z3bu/4/T2+n9vduW97v/uFHE/u/tp6Snp/XvDzddhw88d++EzyR6EujP7Y9q/76TUfvY6fInXgr0soPLn3st0FacnV6PH/G2P/MovIOVD9Uuv/Ci+uU/X14a1AYChR523uu8gT+8F90/FfrY+YyzVc/xffjVhp/j+9u23oV1Wkl9PGhtX/vyJ14K9LKDy597ex3oN19v97q52u+7//L29NZ938z5F14I9PKfLy8NagOBQh/vz5+gPLcR8+1BoO1/3X4UeX3X9bFr0KNAj7eYewN2XXP9E5998H3079kX3BToN23pK73tm7nxL3tPX37hhUAv//ny0qA2ECj00d5r7Wg/yDx7aLNl96FhK9DTG/TOzWaX94dHMp2n8O0/bEucC/L6J94W6LGDy597Q6DdZ+3tHzpv7/fP54+PyLoCvfrCc4Fe/fPlpUFtIFDoo0egH8/+2r1hPHzoeX12x9um8/53skDPO7j8uc9vtuwK9Pwu945An7kdvvi29j8g0NpBoNDHhUDPt/Acdrj/fHoL/831P/988SFgK5ZCgV5sGrow4WUHFz+3UKDcgcIYECj00RXo1dPk98f3yjcF2n7J5nved7ef9wi0dc2u1vXz6wsTXnZw8XNLBHrrM9CbAh3xGSgCrRoECn10BdrZkrQz20lvG1ecCfTsw9D9svqTQt53bw4vLXN8Cr/5wT9f/cRLE152cPlziwR6svvHwwrR2wK9/MKrp/Dn/4xAaweBQh9nAj3tIt957qSv95efgb4/38S5e1O9/9rtx5rt0vhbAj2u/Xl7WAfa/YnPC/T9YU/R+ebREoHeWAd6W6DD14Ei0KpBoNDHmUC3mtoJqn2D3O732T3qaRenn6R03NXz89fuOvqL5ztXlvl4LP39jZ94th5p8/WXHVz+3PcXD5NOdG5WOzuIvv96R6CXX3hZ/eKfEWjtIFDo41ygp9XwO2McH5L/6d8Pmxa/OX1f011R1Hme3t4jPiPQZ/fCXy/o3Hz9ZQeXP/dwJshdgd7YC/+1bfFcoBdfeFX9ai88Aq0aBAp9XAj0/JCl1md7kX1z8RDpfVeDx+/sfuttgd4+jenw9wuBXnZw9XPblfX3Bdr+jG8u/+VKoOdfeF397J8RaO0gUACAkSBQAICRIFAAgJEgUACAkSBQAICRIFAAgJEgUACAkSBQAICRIFAAgJEgUACAkSBQAICRIFAAgJEgUACAkSBQAICRIFAAgJEgUACAkSBQAICRIFAAgJEgUACAkSBQAICR/H+pMZb1EJqevwAAAABJRU5ErkJggg=="/>
+          <p:cNvSpPr>
+            <a:spLocks noChangeAspect="1" noChangeArrowheads="1"/>
+          </p:cNvSpPr>
+          <p:nvPr/>
+        </p:nvSpPr>
+        <p:spPr bwMode="auto">
+          <a:xfrm>
+            <a:off x="155575" y="-144463"/>
+            <a:ext cx="304800" cy="304801"/>
+          </a:xfrm>
+          <a:prstGeom prst="rect">
+            <a:avLst/>
+          </a:prstGeom>
+          <a:noFill/>
+          <a:extLst>
+            <a:ext uri="{909E8E84-426E-40DD-AFC4-6F175D3DCCD1}">
+              <a14:hiddenFill xmlns:a14="http://schemas.microsoft.com/office/drawing/2010/main">
+                <a:solidFill>
+                  <a:srgbClr val="FFFFFF"/>
+                </a:solidFill>
+              </a14:hiddenFill>
+            </a:ext>
+          </a:extLst>
+        </p:spPr>
+        <p:txBody>
+          <a:bodyPr vert="horz" wrap="square" lIns="91440" tIns="45720" rIns="91440" bIns="45720" numCol="1" anchor="t" anchorCtr="0" compatLnSpc="1">
+            <a:prstTxWarp prst="textNoShape">
+              <a:avLst/>
+            </a:prstTxWarp>
+          </a:bodyPr>
+          <a:lstStyle/>
+          <a:p>
+            <a:endParaRPr lang="en-US"/>
+          </a:p>
+        </p:txBody>
+      </p:sp>
+      <p:sp>
+        <p:nvSpPr>
+          <p:cNvPr id="5" name="AutoShape 4" descr="data:image/png;base64,iVBORw0KGgoAAAANSUhEUgAABUAAAAPACAMAAADDuCPrAAAAolBMVEUAAAAAADoAAGYAOpAAZrYzMzMzZv86AAA6Ojo6kJA6kNs9PT1NTU1NTW5NTY5NbqtNjshmAABmZmZmtv9uTU1uq+SOTU2Oq6uOyP+QOgCQkLaQ29uQ2/+rbk2rjk2r5P+2ZgC2kDq2///Ijk3I///KysrW1tbbkDrb///kq27k5Kvk///r6+v/tmb/yI7/25D/5Kv//7b//8j//9v//+T////sHfwrAAAACXBIWXMAAB2HAAAdhwGP5fFlAAAgAElEQVR4nO2da4PcxpFlMWNJ3hXbkrwiufLucM0ZSuJw1GxzaPL//7WtB6oK9ehCAgjg3kic88Wk2B0duJV5jCpkZjdfAQBgFI26AQCArCBQAICRIFAAgJEgUACAkSBQAICRIFAAgJEgUACAkSBQAICRIFAAgJEgUACAkSBQAICRIFAAgJEgUACAkcwn0MdxjP5GBxL3Tu4ayF3DBEEh0NlI3Du5ayB3DQjUkcS9k7sGcteAQB1J3Du5ayB3DQjUkcS9k7sGcteAQB1J3Du5ayB3DQjUkcS9k7sGcteAQB1J3Du5ayB3DQjUkcS9k7sGcteAQB1J3Du5ayB3DQjUkcS9k7sGcteAQB1J3Du5ayB3DQjUkcS9k7sGcteAQB1J3Du5ayB3DQjUkcS9k7sGcteAQB1J3Du5ayB3DQjUkcS9k7sGcteAQB1J3Du5ayB3DQjUkcS9k7sGcteAQB1J3Du5ayB3DQjUkcS9k7sGcteAQB1J3Du5ayB3DQjUkcS9k7sGcteAQB1J3Du5ayB3DQjUkcS9k7sGcteAQB1J3Du5ayB3DQjUkcS9k7sGcteAQB1J3Du5ayB3DQjUkcS9k7sGcteAQB1J3Du5ayB3DQjUkcS9k7sGcteAQB1J3Du5ayB3DVqBvnvY8Mv+z59fb/78CoFuSdw7uWsgdw1Kge6UueGn7V8+vdz9+cc/EOg6B5QDiXsndw1CgX55s7vh/PDwl7/vZPrTzqKvYgTabBh5ZQal1jigHEjce1zugeO9lILeBV0VIRToU3u7+WGrzvYvn17+8GuEQJsmLHBFKSayhsS9h+UeON6L6e9d0VUROoFubkB/Of3t3f7W8/w/jhZo04QFLinFRNaQuPeo3APHezm9vUu6KkIn0M+vOzebX95s38d/3d6Ovpou0KYJC1xTiomsIXHvQbkHjvcB9PWu6aoInUA/vfzxj6eHh90noCebftg/Utrwbcvgwptmjoz45gylAObBc5B6dhXKKIH+v/1T+FcdgT4hUAAZnoPUs6tQhl/ZU7uA6Wl7D3pDoAdG3B3zFl4Hb+E18BZeg+4t/NNh2fz2XXusQHmIpAOBauAhkgblZ6Dtc6Pth6E3PgOdIlCWMclAoBpYxqRBKdDWmds/xD6Ff2QhvQwEqoGF9BqU60A7d6Bf3+3XfwatA51yYQ4k7p3cNZC7BuFOpHftu/XdTWfwTiQGlApy10DuGoQCbTe+P82yF54BJYLcNZC7BuVpTE/7ZaD7N+3tXziNaUvi3sldA7lrkJ4H+uXNRpmH9+ycB3oice/kroHcNXAivSOJeyd3DeSuAYE6krh3ctdA7hoQqCOJeyd3DeSuAYE6krh3ctdA7hpqFSg7kQbgGVYgprlHgkA1VCpQ9sIPwDOsQExzDwWBaqhToJzGNADPsAIxzT0WBKqhSoE2TdhM1pRackB5hhWIae7BIFANCNSxFAINxDT3YBCoBgTqWAqBBmKaezAIVAMCdSyFQAMxzT0YBKqhSoGaPhcpL8VDpEhMc48FgWqoU6CmK3OKS7GMKRTT3ENBoBoqFajp2vDSUiykj8U090gQqIZaBcqAEkHuGshdAwJ1JHHv5K6B3DUgUEcS907uGshdAwJ1JHHv5K6B3DUgUEcS907uGshdAwJ1JHHv5K6B3DUgUEcS907uGshdAwJ1JHHv5K6B3DXUKlDPteH1L+j2XEhfSt7cqxeo54SeUMtboJ67E+vfUui5lbOYtLlXL1DPCT2llrVAPc/HqP9QC8/DRMrJmvtj7QL1nNCTajkLtGnCUtKUSjoZAsPSkDT3LVUL1HNCT6uFQGcslXQyIFAdCLQMBDr3hTmUSjoZEKgOBFoGAp37whxKJZ0MCFQHAi0DgQ65sjHf61Aq62RI7s+0uT9WLlDTCV3tQyTXVQ/FpdJOhtz+zJt77QI1ndDVLmNyXXdbWirvZEjtz8S51y5Q0wld7UL6+geUK+Sugdw11LqVkwElgtw1kLsGBOpI4t7JXQO5a0CgjiTundw1kLsGBOpI4t7JXQO5a0CgjiTundw1kLsGBOpI4t7JXQO5a0CgjiTundw1kLsGBOpI4t7JXQO5a6hVoJ4bF+rficREFkHuGioVqOfW2fr3wjORVZC7hjoF6nl4S/2nMT0ykVWQu4YqBTrpnD6HUmscUA4k7p3cNSBQx1JrHFAOJO6d3DUgUMdSaxxQDiTundw1IFDHUmscUA4k7p3cNVQpUB4i6WAiayB3DXUKlGVMMpjIGshdQ6UCZSG9CiayBnLXUKtAGVAiyF0DuWtAoI4k7p3cNZC7BgTqSOLeyV0DuWtAoI4k7p3cNZC7BgTqSOLeyV0DuWtAoI4k7p3cNZC7BgTqSOLeyV0DuWtAoI4k7p3cNZC7hloFykL6AQReoedE9sw9MnbP3EvJ2/v419BboGzlHEDgFXpOZM/cQ2O3zL2YtL1PeA2tBcphIgMIvMJHy4nsmXts7I65l5O19ymvobNABxwc51lKMZGDprLfRPbMPTh2w9wHkLT3Sa8hAp2xFAINxDN3BNohae8I1LUUAg3EM3cE2iFp7wjUtRQCDcQzdwTaIWnv1QqUh0hDqH4ie+YeG7tj7uVk7X3Ka2gtUJYxDaH6ieyZe2jslrkXk7b3Ca+ht0BZSD+E6ieyZ+6RsXvmXkre3se/huYCZUCJIHcN5K6h1q2cDCgR5K6B3DUgUEcS907uGshdAwJ1JHHv5K6B3DUgUEcS907uGshdAwJ1JHHv5K6B3DUgUEcS907uGshdAwJ1JHHv5K6B3DUgUEcS907uGshdQ60CrX4nUuQ2Fs+dSJ65B8JOpAN5e691J1L1e+EjN1J77oX3zD0Q9sIfSdt7rXvhA0+6kZTqvejIo3wia8VNZM/cA4mNHYEqmPIaOgu0acJGp6ZU30UHdmV6Hqhn7oEEx45ABUx6DRHojKUQqGfugSDQDkl7zyHQEZwujFKL1orDNKw4PLuCIYROw+klnmHp/2dwKMUdqGfugQTHzh2ogEmvobNAeYg0T1sl8BCpkNjYEaiCKa+htUBZxjQEz4nsmXsgobEjUAkTXkNvgbKQfgieE9kz90AiY0egGsa/huYCZUCJIHcN5K6h1q2cDCgR5K6B3DUgUEcS907uGshdAwJ1JHHv5K6B3DUgUEcS907uGshdAwJ1JHHv5K6B3DUgUEcS907uGshdAwJ1JHHv5K6B3DUgUEcS907uGshdQ60CrX4nUiSeO5ECMc09EnLXUKlAq98LH4nnXvhATHMPhdw11ClQyVE+gaUEh1q4ncYUiGnusZC7hioF2jRhUtCUUhyr5nUeaCCmuQdD7hoQqGMpBBqIae7BkLsGBOpYCoEGYpp7MOSuAYE6lkKggZjmHgy5a6hSoDxEGkKoPw0nsmvusZC7hjoFyjKmIUT603Eiu+YeCrlrqFSgLKQfQuAVWk5k19wjIXcNtQrUc0CVkrh3ctdA7hoQqCOJeyd3DeSuAYE6krh3ctdA7hoQqCOJeyd3DeSuAYE6krh3ctdA7hoQqCOJeyd3DeSuAYE6krh3ctdA7hoQqCOJeyd3DeSuoVaBVr+QPnLxu+dC+siuClk490gQqITxw8FboNVv5Yzcfum5lTO0q0KWzT0UBKpgwnCwFmj1h4lEHgDieZhIbFeFLJp7LAhUwJTh4CzQpgkb6JpSfRcd2JXpcXbBXRWyZO7BINDlmTQcEOiMpRAoAh0IAl0eBOpaCoEi0IEg0OVBoK6lECgCHQgCXZ5qBcpDpHnaKoGHSBoQqIApw8FaoCxjGkKoE1jGpAGBKpgwHLwFykL6IUTWYiG9BgQqYfxwMBcoA0oEuWsgdw21buVkQIkgdw3krgGBOpK4d3LXQO4aEKgjiXsndw3krgGBOpK4d3LXQO4aEKgjiXsndw3krgGBOpK4d3LXQO4aEKgjiXsndw3krgGBOpK4d3LXQO4aahVo9TuRIql+J5Jp7pFY5l5K3txr3YlU/V74SKrfC2+aeyiOuReTNvda98IHHpojKbXogIo9YcjwNCbT3GMxzL2crLlPCctZoE0TNgw0pZYcUIFXuMXvPFDT3IPxy30ASXOfFBYCnbEUAq0/92D8ch9A0twRqGspBFp/7sH45T6ApLkjUNdSCLT+3IPxy30ASXOvVqA8RBpC7IwxfJhhmnsshrmXkzX3KWFZC5RlTEMInTGOy2lMcw/FMfdi0uY+ISxvgbKQfgiRM8ZyQbdp7pFY5l5K3tzHh2UuULa2iSB3DeSuodatnAwoEeSugdw1IFBHEvdO7hrIXQMCdSRx7+Sugdw1IFBHEvdO7hrIXQMCdSRx7+Sugdw1IFBHEvdO7hrIXQMCdSRx7+Sugdw11CrQ6hfSRy539lxIHwgL6QfgOd5NqXUhffVbOSM33Hlu5QyErZwD8BzvptS6lVNyEkVgqd6LDuzK9DCRQAJz98XwMJH6c58SlrNAmyZsGGhK9V10YFemx9kFEpi7MX7H2dWf+6SwEOiMpRBoIPVP5C0IdHkQqGspBBpI/RN5CwJdHgTqWgqBBlL/RN6CQJenWoHyEGmetkrwE+gKHmY88hBJwpSwrAXKMqYhRNZyFOgKltOwjEnDhLC8BcpC+iFE1nIU6AoWdLOQXsP4sMwF6jmRS0ncO7lrIHcNtW7lZECJIHcN5K4BgTqSuHdy10DuGhCoI4l7J3cN5K4BgTqSuHdy10DuGhCoI4l7J3cN5K4BgTqSuHdy10DuGpQC/fz6YccPvx7/9gqBbkncO7lrIHcNSoF+etkRaPuXH/9AoOscUA4k7p3cNSgF+vTw0/HPm/vPn3YWfRUjUHYiDYCdSC2OvZcR+RLG4TnePaZOgEDfdWz5tL/3/PRy/35+qkDZCz8A9sIfMOy9jNCXMAzP8W4ydaYL9Mubv/z9UqZf3jz8EiDQKaekOJTiNKZIAnM3JfYljMJzvLtMnekC/fz6x/962X4CepTph6v38BOui/NAY9sqwU+ggbmbEvwSBuE53m2mznSBHp4hbe85P79u37p/OH4u+m3L8MJfTxc24ptXViq0liXVX6DpFXqOd9epM6LE037V0qeXm5vPo0CfEOiypUxnXyDVX6DpFXqOd9epM6LE4WZz+679hkAPLH1r7VCKt/CBBOZuSvBLGITneLeZOtMFeuDTyx//iBWo6WfO5aV4iBRJYO6mOPrTdby7TJ1Igf7w643PQKcI1HTVQ3EpljGFEpi7KY7+dB3vJlMnUqA//hH7FP7Rdd1taSkW0scSmLspjv50He8eU2eyQI/O3L1rf7df/xm0DvTRdCKXkrh3ctdA7hqEWzkPG5F27gzeicSAUkHuGshdg1Cgn17u7jb36ozeC8+AEkHuGshdg/IwkQ/d0+yeHjiN6Uji3sldA7lrkB6ovDsC9KfuX15df9HSF+ZA4t7JXQO5a+BEekcS907uGshdAwJ1JHHv5K6B3DUgUEcS907uGshdQ60C9Vx3a7qg2zOsQExzjwSBaqhUoJ47v0y3FHqGFYhp7qEgUA11CtTz7IHyUosOKM+wAjHNPRYEqqFKgTZN2EzWlFpyQHmGFYhp7sEgUA0I1LEUAg3ENPdgEKgGBOpYCoEGYpp7MAhUAwJ1LIVAAzHNPRgEqqFKgZo+FykvxUOkSExzjwWBaqhToKYrc4pLsYwpFNPcQ0GgGioVqOna8NJSLKSPxTT3SBCohloFyoASQe4ayF0DAnUkce/kroHcNSBQRxL3Tu4ayF0DAnUkce/kroHcNSBQRxL3Tu4ayF0DAnUkce/kroHcNSBQRxL3Tu4ayF0DAnUkce/kroHcNSBQRxL3Tu4ayF1DrQJlR8wAIsOKm8j17wCLxFKg5H7vG50Fyp7sAYSGFTaR6z+DIBRHgZL73W80FiinAg0gNqyoiVz/KVixGAqU3O9/o69AmyZWCjEM6CrpeaBbgiZyYFemuQfjJ1By7/lGBDoM0wGFQE+scSLPBrn3fCMCHYbpgEKgJ9Y4kWeD3Hu+EYEOw3RAIdATa5zIs0HuPd/oK1AeIg0hNiweImnwEyi593yjsUBZxjSE0LBYxqTBUKDkfv8bnQXKQvohRIbFQnoNjgIl97vfaC1QzwFVSuLeyV0DuWtAoI4k7p3cNZC7BgTqSOLeyV0DuWtAoI4k7p3cNZC7BgTqSOLeyV0DuWtAoI4k7p3cNZC7BgTqSOLeyV0DuWtAoI4k7p3cNZC7BgTqSOLeyV0DuWuoVaCCbSyBpQou2nOrlWlbnjtiQrNiB1gxHrl7C1SxkTqwVP9Fe272N23Lc092bFacQVCKSe7WApUc5RNYqveiA7uKxLOtwNwDCc6KU7AKccndWaBNE5aSplTfRQd2FYlnW4G5BxKdFeewlmGTOwKdsRQCDYSJPADP8R6ITe4IdMZSCDQQJvIAPMd7IDa5I9AZSyHQQJjIA/Ac74HY5O4sUB4iifBsKzD3QIKz4iFSIS65WwuUZUwiPNsKzD2Q2KxYxlSKSe7eAmUhvQjPtgJzDyQ0KxbSF+ORu7lA2domgtw1kLsGBOpI4t7JXQO5a0CgjiTundw1kPvy/LbhdwRqSOLeyV0DuS/KbwcQqCOJeyd3DeS+FL+dgUAdSdw7uWsg99n57RYI1JHEvZO7BnKfj5vmRKDGJO6d3DWQ+zzck2fNAmUh/QA8wwqEBd3eePbe584tL16MfQ29BcpWzgF4hhUIWwrNseu9xJ17f74Y+xpaC1RyIkJgqUUPE/EMK5DA3AMJzgqBBlHqztafL8a+hs4CbZqw0akpteRxdp5hBRKYeyDRWSHQ6Qxx58GfL8a+hgh0xlIINBAEao++96HuRKDWpRBoIAjUHmHvo8yJQM1LIdBAEKg9it6nmLN2gZo+FykvxUOkSAJzDyQ4KwQ6gAB5Hg069jW0FqjpypziUixjCiUw90Bis0KgZUS582jQsa+ht0BN14aXlmIhfSyBuQcSmhUC7SXWnQeD1rmQngGlgtw1kPtd5pDnjlq3cjKgRJC7BnJ/jtnciUBtSdw7uWsg9xvM604Eakvi3sldA7l3WcCcCNSYxL2TuwZy37KcOBGoM4l7J3cN5L68PBGoK4l7J3cNq85d404Eakvi3sldw1pzF7oTgdqSuHdy17C63NXmbKlVoLk317ATKRbPHWCmO5E8d96dmOy87Q72AHXuqVSgybd3sxc+FM8zCEz3wnue/dASobzdGUphBq1ToIEn3QQfmlMGpzFFUt7VkrkHZxUlUMkVlvQeZbwXL0INWqVAmyZsGASWGgDngQYyoKsFc4/OKkigmivs6T3IdTtevIg1KAJdrNQAEGggCHQAbgKNsVyH9Ql0BKeXzqlUIJFdEVb2UpEYXeHvs3ASaFDByTm1aQXVuWaE3I1vFMrgDjSQkDuhwaUCuyqiqjvQmJvDm6zvDnRMc4FjU6IEHiJFUt4VD5HED5FipHaXUH9+9913VQrUd7VJGSxjCqW4K5YxqZYxheisjAh/fneiToHarncug4X0sZR2xUL6R8EVbt4Hx6ixkAn+/O6aSgW6vq1tJpC7hpy5t15aVqBjuGFOBOpL4t7JXUO63Lt6Mhbo8+ZEoL4k7p3cNWTK/cpSjgLtNeeWWp/CP+YaUFck7p3cNSTJ/basvARaJM4DCNSRxL2Tuwb/3O8oy0OgZbecFyBQRxL3Tu4ajHPvV5daoGPM2YJAHUncO7lrcMy9WGBCgY42ZwsCdSRx7+SuwS33QRbTCHSaOVtqFajnemfPBd2RVJ+7K0YL6YerrECggUd4vngRYc6WSgXquePOc0thJNXnbovHVs6RSusXaND+9ThxHqhToJITEQJLLXqYSCDV5+6L/jCRCV7rFejkE0BC3q7fokqBNk3Y9NOUWvI4u0Cqz90Y6XF24/3TWqjn3yecQddjzinu3IFAHUshUM/cjVEJdKJ/Wgv1/Psogfaqc6o7dyBQx1II1DN3YxYXaIR9jhbq+fdBAu0X53ffcaDyXaqfyAh0nlIItD+sGO9cWKjn34sEWiLO7ziRftAwGHlt8lI8RDLN3ZdFHiLFOOeGhfq+4K70ysxZVGpE61UKtP7lNJb+XEHutsy9jCnIN89YqPcrbkpvmDnvlhpNpQKtf0G3pT9XkLsrMy6kj3LNHQv1f8mZ9MaZ82apqdQqULutbYNI3Du5a5gj9zDL9Fqo/EsniHMWEKgjiXsndw2huS/roFKBepmzBYE6krh3ctcQlrvEQn1fYGjOFgTqSOLeyV1DRO46C935N1dztiBQRxL3Tu4aJuYuttCN/2Z7z3kOAnUkce/krmF87moF/XYuUMtPOp8HgTqSuHdy1zAqd7V9DuwE2mdOO3fuQKCOJO6d3DUMzV0tng795vR05w4E6kji3sldQ3HuauN0KDGnrzr31CrQ6nfERO5Eiqxl9KslhpfKuwOsIHe1arrkF2fLixdjh4O3QKvfkx25Fz50X73Hr5YYWSrtGQR9uas9c6CCW84zXmwFOm44WAu0+lOBArsKPtlJ/6slJpTKegrW453c1Y7ZUcOb9Ru82At01HBwFmjThA10TaklzwONrPUo/tUSU0slPYd1y63c1X75rdScwt8LP4UXB4GOGQ4IdMZSCLT+3IO5yF3tlt8Gfc6JQBFoaCkEWn/uwZxyV2vlt+G/yQ2BItDQUgi0/tyD2eWuNspvI4/9QKBeAuUh0jxtlcBDJAUbB8klNMacLfLeR1LrQySWMQ0i1AksY1qU41wWCnSCOVtSCbQb/4Th4C1QFtIPIbIWC+kX42xaSwQ66v36DXII9NZrMH44mAuULYUiyH0Jrmf3ogK9L85B7txhLtB7r8QEQSHQ2UjcO7nPzDOTfBGB9opzuDt3uAq04OVAoI4k7p3cZ+TOXJ9XoCXmnLCTyE6g5S8JAnUkce/kPg99U34mgc5szha9QEe/LgjUkcS9k3s4RQaIFugy5mwRCnTqi4NAHUncO7nHMUQEYQJdUpwHFAINeo0QqCOJeyf36YzxwXSBKszZsqhAY18rBOpI4t7JfRpjtTBFoDpztiwj0FleLwTqSOLeyX00k+wwUqBic7bMJdAFXrRaBcpOpAF4hhVIYO7zMN0VwwXqYM6Wgt63287LC94NO3SMVipQ9sIPwDOsQAJzj2a8dC4YItD75nwxzFUR9Pf+oqyrkshjx2idApUc5RNYKutpTJFtxRGYexwR3ulSJNCCe84XLwpdFUlv771dlQcfPEarFGjThKWkKZX0PNDItuIIzD2IUPm03Bdo8dv1Fy8UBu0T6J2uhmYfPUYRqGMpBBqIlUDnEdBvzwq0x5xXH3UmEOi0FwCBFuDpBASqwUWgMzvoUkK96rz5mMhZoJZjFIE6lkKggRgIdAkHHSTUL857T9gtBeo8RqsUqOlzkfJSPESKJDD34SxjoI2DSsRZsDbJ6iHSiJewl+AxWqdATVfmFJdiGVMogbkPYSH7BJnzgMCfVwKd8BL2EztGKxWo6drw0lIspI8lMPcSFtJOsDkPLO/PjUB7M3Udo7UKlC2FIlad+0K+mcmcEkJyF4JAHUnc+2pzX8Y31Yjz7J4z8ZhBoI4k7n2NuS9jnBrNOS13BxCoI4l7X1nuyzinwJzC3wtfSGjuNiBQRxL3vpbcl9JO6T2no0DnyN0NBOpI4t5rz30p+Qx9t24l0BlydwWBOpK495pzX8I9Yz/p9BDoPLk7g0AdSdx7pbnP754+c/Y8JRILdK7c7alVoJ7rbk0X0gfi2dak3M9NEb/MvN+cJU/Y4wQqOPt9jePdW6CeO79Mt3IG4tnW+Nxv2iXKoCXmLF6cFCbQ0iucNffxpZZlQlvWAvU8e6C81KKHiQTi2da43O/YZapBI8V5IEqgkrPf1zjenQXaNGGBa0oteZxdIJ5tDc+91y5jDTqHOVuCBHrrChfLPaLUkkxqC4HOWGqNA2o2BnQ14VdL9DCfOVvmEOhiua9xvCPQGUutcUDNRklXBwsN0UsRM95znhMqUMZ7EQjUtdQaB9Rs9HR1ZqEivZQJdClztsQIlPE+hGoFykMkEZ5tPdvVtYX6BFPmz0XN2TJRoP1hBeZ+xRrHu7VAWcYkwrOtG109Y6Fe0fT5c3lztgwV6JCwAnO/zRrHu7dAWUgvwrOtTlf3LdQvnmf9qTJnS7FAh4QVmPtd1jjezQVa65ZCe2xzL7LQGHVpxXmgX6DqF+AOrmOmgFq3cvpO5BIS926Ze7GFhklLfNN5xh2BqtPvx3HMFIJAHUncu1vuwyxU9mU9H3RKDoe/JVB19sWYjZkhIFBHEvdulPsIC93/515xaty5YydQdeJj8Rkzg0GgjiTu3ST3kRZ65r+XmFP6O4lsch9H4t4RqCOJe9fnPsFDVwJNYM4Wfe4TSNw7AnUkce/S3Kfq6CTQPOZsYbxrkAv008sf/9j94fPrh4eHVwh0S+LeNbkHWel37885dzyTAONdwwICfds0//JvX99+f/Mfv7x52Av008uHLa1NEWhWls09UExZzdnCeNcwu0Dfb9fq/8u//fNvzb/+x41//tA6c3P/+dPOoq9iBMpOpAF4htXHAPdM2n55bs7AX+lRWqoojTiBeo73QELH6NwC3flzI9D//mvT/Ok/r/55e9+5E+jT/n8+vfzh1wiBshd+AJ5h3WOEqW67avA9Z+Cv9Hi+1JhIwgTqOd4DiR2jMwv0H3/e3Hj+9183b+G3Bv358p83b+D/9/4z0Hf7W8/Nf/glQKBTTklxKLXo6TSeYT3HaFNdumrUu/WYX+nxbKkJuUQJ1HO8BxI8RmcW6NvtbedOoF83b+K/ufzndw8/7R8ifXnzl7/v/suHq/fwI3prmrCUNKWWPB/RM6xrJpvq6Krxn3NO/ZUez5aaHk+QQD3HeyDRY3RegW6kubnr3Av068erT0G379v3Av38un3r/mH7UeiOb1tum/kup5BGfPPKSrm2deL3iZxUdd+cg0pNbepdyNgAACAASURBVOpQKjirydiPhql4dvWcQPfqbAX6jz9fCPTz681t54VAnxDosqVc29oxWVOtqnrerg+1XoRATSey82gIwbOrcQLdfe75rEAPjLg7PoU08vZaXYq38EELlHrMefmGfb5fKvfb5dv0yKy28Ba+DJvciwR69hb+/cVj+A+7B+9zCNT0uUh5qXU/RBohpyt6zXnzw86gX+lxwZxZHeEhUiEuuRcJ9Ovb7eeee4H+48/nD5E+vdw9N3r2M9ApAjVdmVNcaqXLmAZp6RkKzPn8c6Lpv9Kjy6xZXcIyplJMci8T6Maa2zWgG4G+3+1HOrsBPfLDr7FP4R9d14aXllrbQvpSO95lijlbpvxKjw6zZvUMLKQvxiP3MoG2C+n3nG/mPBPo13f79Z9B60CnXJgDiXsfnHuZHe8w6Z7znKm/GniWRMtgvGtYZivnDX8eaA8TCd6JxIBSMST3abYqEefA3eujBTpfnqUw3jUsc5hIc3MfZ1eg0XvhGVAiCnMfa6otM5izZbhAZ06zHMa7Bpvj7J4eOI3pSOLe+3IfJbYjc5mzpUCgy6Q4HMa7BhuBch5oh8S9P5v7FLFtmdWcLfcEumiKw2G8a5ALtJelL8yBxL3fyn2q12YX54GbAl0+wzEw3jXMK9DtEUznXB3IhEBvkLj3i9ynKm0hc7acC1SU4DgY7xqWFujtY5UR6DmJez/lPkllS91zntMKVJnfWBjvGhYX6LOP42MFKl8bPqnUwgvpA9m2NUVh83zQ2bv6ve1+jQu6rxCMrNzjfdx3Fgl0twx0v/7zY7PdyfnPvw1+Fz/6uix2J44rtexWzjCmHNjeZ84p9513ujq/gDVuKbxEMbKSjvdJbZUJtHMG6P5gka9vr49Vjhfo4W531JUZlFr0MJEYOqYaZtB+c059z15+9vsaD7W4QDKyEo73HVPaKhJoK82DTLfv3j8OfQ8/4bq8TmgbUGrJ4+ymc2WqMoOWmDPi484BZ7+v8Vi1czQjK9d4PzKprSKBtgfZ7dmfB3p1KigCvSbNgLqnqknmDBDnRVcRuQeCQDukGe/nLCHQsztQBFqNQO+p6lmBLmzOlsDcA0GgHfzH+03mF+jmLfzxDXv7Z97CpxboXVU9L1CJOYeHhUAR6ADmF+juLKb9PejHZvc8/vJY5VkEykOkWehX1pU/F77nnBoWD5F4iDSEKW2VCXS7bOnI5tbzbcMypoIvtFvWUWqwgz9LxDm/OQ8E5h5I7EvIMiYFE9oqE+jhMLst7TLQgTegLKSfVmoyw0y2sDkLryEw90BCX0IW0ksY31apQA8K3XlzI9DbxyqHC5StbZMZKjNHcw7EIvdxMN41cBqTI9reh+ssvTlbEo8ZxruGBQX6z78NPkgEgS5NsDvjxLnICR+JxwzjXcNiAt0+j0eghUh6D3VnMnO2JB4zjHcNywi0PZUJgRaydO9x4vzu96m/2VJizpbEY4bxrmEJgbYP4s9/LTwCvcNivceJ83DXGSDQpS7+msRjhvGuYXaBfmwXMQ1++o5AZ2SY0frM2X3HPkqgc19uKYnHDONdw7wCPa6jH61PBBpLtDmvPu0cJtDZrnMciccM413DnAJ93751/78jVn8i0GDizXn7QVGhQOMvMILEY4bxrmE2gR5+m8fP45bPTxUoO5E69Nmss319tDivSxmZk51I3iTufS6B7v2596ZAoOyFbym5G9ztX59qzk6pkl+esSjshTcnce/zCfT00H15gR6234+8NnmpkNNpSty5JcScXX9eGLQ8oJkIzD2QwIG1BYFqmPcOdH/05+ICbZqw0akpNe18xDhxDlwPP+CXZyxIYO6BBA6sHQhUw3wPkd7uh8f3CHR4qZECLRVduDnPBRr4xjQCBGpP4t7nfArfPkda/in86gRa7rh5zNkSLYUYEKg9iXufeSH95GX0CPReqUG/QLjHnKN+nfvoK1wQBGpP4t5n34l0WEu/6E6kwLEpKVXyEGnAL2DvM+fwX+Y++ZdnLElg7oEEZ4VANSyxF/4ff96NlCX3wgeOTUWpnov+7e56oVJzHr9qiD+jrnBRonKPJTYrBKphoePs3u4Gy4KnMQWOTUGp5y/6zHojzXn1QWeJP4OvcFmm5z4HoVkhUA2LnQe6faLEcXaF3Oi97AZxhodEQ1uvLPcskLuGJX+lx3sEWki391LR9apzqDtHtl5L7skgdw38TiRHdr2HiXOoOqe1nj73nJC7BgRqx0ZhJScalYhzSXO25M39cZ0T2YHEvSNQH04muytQU3O2JMz9ROLeyV0DAjXgSmi3BeptzpZMuV+RuHdy14BAlTzntQuBxptzvktKkftzJO6d3DUgUAk9fjsKNMEt5wXeufeQuHdy11CrQD0X0u8o0NzvJe4ctvlyoSvMXSrvRCZ3EZUK1HMrZ9DKpO2XlG+/XPQKk5dKO5HJXUWdApWcAHKfCHWevq7kAJClr7CCUlknMrnLqFKgTRM2DKaXijXnuT9vG3TpK6ynVNKJTO46EOhcpcrEOfDYj/sCXfgK6yuVdCKTuw4EGl4qxpx3H69fCnThK6y2VNKJTO46EGhcqShzfvdd31bOgz4jPqpKP/sCSyWdyOSuo0qBLv1JeJw529vO3r3wgReY/glEYKmsE5ncZdQp0KXWYhSac/B6+OcFOsMFZl8DE1gq7UQmdxWVCnTu1cBx4rz5UecNgc54gclXYQeWyjuRyV1ErQKda2tbnDjvPSTqCnSWy5gPthRqIHcNCLSQZczZFWhs/0vBRNZA7hoQaA9l4ixzZ1mhx3UOKAcS907uGhDocxSbM+w3uXWan9i7ECayBnLXgECvGGDOoVswe815aH5s73qYyBrIXQMCPTHInPfVOdach+ZHXrQBTGQN5K4BgT46mfPQ/MiLNoCJrIHcNaxboMPMGfN+veTp+hoHlAOJeyd3DesUaKg4Y925b37kRRvARNZA7hpqFegzeyCCxTnUnYE7M9iJNEOpZScyL+GBvAIdH5a3QK924cabc8THnYF7g9kLP0epRScyL+GRtAKdEJa1QJvmeGUyc97tqi/cARc4mcBa2UstOZF5CU9kFeiUsJwFuruo4t+6Nr85z9MOOB9xQKleAmulL7XgROYl7JBUoJPCqkagBeIsLBUXNwKtfiLzEnZAoAkFWnbLef/Xt5WZs9sVAnUuhUCrzz2StQp0yJv1wN9/iUDtSyHQ6nOPpFqBPh4EOtydV9/xrD/HdVWWNg+R6n+YwUt4IqlAq32ItLuyS+kNNee5QSe689hVWdosY1rBchpewiNZBVrtMqbtlZ2kN9KcXYNOduehKxbSO5diIb2mVFqBVruQftPf7zHHfsSYc2jzi/60UNhSqIHcNdS6lfPxa5A7R/74aaxxQDmQuHdy17A2gZqb89C88odPg4msgdw1rEigGczZssYB5UDi3sldQ70C/T3bbWeHNQ4oBxL3Tu4a6hZouTlt3LljjQPKgcS9k7uGigWa05071jigHEjcO7lrWLdAR9aenTUOKAcS907uGtYp0JE1F2ONA8qBxL2Tu4ZaBdrdiTRRnp47M9jGMkOpvBPZM/dS8uZeq0Bv7IUfe+PpuTeYjdRzlEo7kT1zLyZt7rUKtGkuT2MaeZWup9MEdpX+KJ/AUlknsmfu5WTN/bFSgTYHgb6Y/HFn04SNqAGlOA/UM3dTPHMfQNLct9QrULsBhUDtSyWdyJ65DyBp7lv8BTqC0yigVNK2PEuZQlj54Q40shR3oJ65m+KZ+wCS5r7F/w50THOBg0BSiodIprmb4pl7OVlzf6xVoKbLOopLsYzJNXdTPHMvJm3u1QrUdGFxaSkW0mtK5Z3InrmXkjf3agXK1jYR5K6B3DUgUEcS907uGshdAwJ1JHHv5K6B3DUgUEcS907uGshdAwJ1JHHv5K6B3DUgUEcS907uGshdAwJ1JHHv5K6B3DUgUEcS907uGshdQ60C9VxYzEJ671LL5m76EgpAoG4C9dzaxlZO81KL5m76EipAoGYCbZqwESUpxWEi9edu+hJKQKBeAm2asBGlKcVxdtXnbvoSakCgCDS0FAKtPnfTl1ADAkWgoaUQaPW5m76EGhAoAg0thUCrz930JdSAQL0EavpZf3kpHiLVn7vpSygBgZoJ1HS1SXEpljGtIHfTl1ABAnUTqOl659JSLKTXlGIhvQYEaidQtraJIHcN5K4BgTqSuHdy10DuGhCoI4l7J3cN5K4BgTqSuHdy10DuGhCoI4l7J3cN5K4BgTqSuHdy10DuGhCoI4l7J3cN5K4BgTqSuHdy10DuGhCoI4l7J3cN5K6hVoF6bhjx3BGTPKzAUnl3IiFQEZUK1HPLsuee7OxhBZZKuxcegaqoU6BNEzY6JaU4jan+3CNfwkcEqqJKgTZN2OjUlOI80Opzj3wJtyBQDQjUsRQCrT53BNohce8I1LEUAq0+dwTaIXHvCNSxFAKtPncE2iFx71UK1PSz/vJSPESqP/dYfyJQEXUK1HS1SXEpljGtIPdQfyJQEZUK1HS9c2kpFtJrSrGQXkPi3msVKANKBLlrIHcNCNSRxL2TuwZy14BAHUncO7lrIHcNCNSRxL2TuwZy14BAHUncO7lrIHcNCNSRxL2TuwZy14BAHUncO7lrIHcNCNSRxL2TuwZy11CrQD3XO3su6E4eVmCpZSey6UL60LbKQKBuAvXccee5pTB7WIGlFp3Ipls5Y9sqA4GaCTTwoAZJKQ4TMc09kMiX8DFOoMFtlYFAvQTaNGHDQFOK4+w8cw8k8iXcEiTQ6LbKQKAINLQUAvXMPRAE2gGBItDQUgjUM/dAEGgHBIpAQ0shUM/cA0GgHRCol0Drf5gROcqzhxVYiodIPEQaSJ0CrX85TeQoTx5WYCmWMbGMaSCVCrT+Bd2Rozx3WIGlWEj/yEL6YdQqULa2iSB3DeSuAYE6krh3ctdA7hoQqCOJeyd3DeSuAYE6krh3ctdA7hoQqCOJeyd3DeSuAYE6krh3ctdA7hoQqCOJeyd3DeSuAYE6krh3ctdA7hoQqCOJeyd3DeSuoVaBVr8jhp1IM5RaNnfTnUgCEvdeqUCr35PNXvg5Si2au+leeAWJe69ToIFHykhKcRpT/blHvoSPCFRFlQJtmrDRqSnFeaDV5x75Em5BoBoQqGMpBFp97gi0Q+LeEahjKQRafe4ItEPi3hGoYykEWn3uCLRD4t6rFKjpZ/3lpXiIVH/usf5EoCLqFKjpapPiUixjWkHuof5EoCIqFajpeufSUiyk15RiIb2GxL3XKlAGlAhy10DuGhCoI4l7J3cN5K4BgTqSuHdy10DuGhCoI4l7J3cN5K4BgTqSuHdy10DuGhCoI4l7J3cN5K5BKtBPLx8eHl61f/n8uvMXBJoVctdA7hqUAv3wsOOHX48yfXj48Q8Eus4B5UDi3sldg1CgG2X+srvx/Onr4X82/+lVjEA91zt7LuhOHlZgqYVzD8S0rUIQ6BiBvtvL8tPL7S3o0/7ec/+X6QL13HHnuaUwe1iBpZbNPRDTtkpBoBMeIn1+vXVma9Mvb7Z3pZMFGnhQg6QUh4msIPdATNsqBoFOEOinl5t7zy9v/vL33d8+XL2HH9Fb04SNKE0pjrOrP/dATNsqB4GOF+jhk9D2rfuH3SeiW75tGVHzNKDGdrWeUqZtVV8qEtO2YAAjX7p3Dw+7W8+jQJ8Q6LKlTNuqvlQkpm3BAMa9dF/ePOwXf94Q6IERd8enATXy9lpdirfw9eceiGlb5fAWftJnoJv38LEC5WHGPG1VX4qHSBoQ6JStnNsVTDc+A50iUJbTDCF5WIGlWMakAYFOEej2MXzsU/hHFnQPIndYgaVYSK8BgY4Q6HHJ524d07v9X4LWgU65MAcS907uGshdg3Qn0v7d+u5de/BOJAaUCnLXQO4a5HvhN+rcvnuP3gvPgBJB7hrIXYPyM9Cn/WlM+zft7V84jWlL4t7JXQO5a5A+RNodAXpQJueBnkjcO7lrIHcNBk/he1j6whxI3Du5ayB3DQjUkcS9k7sGcteAQB1J3Du5ayB3DQjUkcS9k7sGctdQq0DZETOAyFqWE9k090gscy8lce+VCpQ92QMI3UjtOJFNcw/FMfdiEvdep0AlR/kElsp6GtOj5UQ2zT0Ww9zLSdx7lQJtmrCBrimV9DzQLX4T2TT3YPxyH0Di3hGoYykEGohp7sH45T6AxL0jUMdSCDQQ09yD8ct9AIl7R6COpRBoIKa5B+OX+wAS916lQHmINE9bJRhOZNPcYzHMvZzEvdcpUJYxDSHUCY4T2TT3UBxzLyZx75UKlIX0Q4isZTmRTXOPxDL3UhL3XqtAGVAiyF0DuWtAoI4k7p3cNZC7BgTqSOLeyV0DuWtAoI4k7p3cNZC7BgTqSOLeyV0DuWtAoI4k7p3cNZC7BgTqSOLeyV0DuWtAoI4k7p3cNZC7BgTqSOLeyV0DuWuoVaDsRBJhOZEDc3fFMvdSEvdeqUDZC6/CcSIH5m6LY+7FJO69ToFyGpMMw4kcmLsvhrmXk7j3KgXaNGGC0ZTiXMpAAnM3xi/3ASTuHYE6lkKggSBQexL3jkAdSyHQQBCoPYl7R6COpRBoIAjUnsS9VylQHiLpMJzIgbn7Yph7OYl7r1OgLGOS4TiRA3O3xTH3YhL3XqlAWUivwnIiB+buimXupSTuvVaBMqBEkLsGcteAQB1J3Du5ayB3DQjUkcS9k7sGcteAQB1J3Du5ayB3DQjUkcS9k7sGcteAQB1J3Du5ayB3DQjUkcS9k7sGcteAQB1J3Du5ayB3DbUKtPqF9JHkDiuw1BonsgOJe69UoNVv5YwkeViBpdY4kR1I3HudAq3+MJFIsocVWGqNE9mBxL1XKdCmCZt+mlJLDqj0YQWWWuNEdiBx7wjUsRQCrT/3YBCoBgTqWAqB1p97MAhUAwJ1LIVA6889GASqoUqB8jBjCNnDCiy1xonsQOLe6xQoy2mGkDyswFJrnMgOJO69UoGyoHsIucMKLLXGiexA4t5rFSgDSgS5ayB3DQjUkcS9k7sGcteAQB1J3Du5ayB3DQjUkcS9k7sGcteAQB1J3Du5ayB3DQjUkcS9k7sGcteAQB1J3Du5ayB3DQjUkcS9k7sGcteAQB1J3Du5ayB3DbUKtPodMYFdmYYVCDuRvEnce6UCrX5PdmBXpmEFwl54cxL3XqdAqz8VKLAr07AC4TQmdxL3XqVAmyZsJmtK9V10YFemYQUSmLsxCFQDAnUshUADQaD2JO4dgTqWQqCBIFB7EveOQB1LIdBAEKg9iXuvUqCmz0XKS/EQKZLA3H1BoBrqFKjpypziUixjCiUwd1sQqIZKBWq6Nry0FAvpYwnM3RUEqqFWgTKgRJC7BnLXgEAdSdw7uWsgdw0I1JHEvZO7BnLXgEAdSdw7uWsgdw0I1JHEvZO7BnLXgEAdSdw7uWsgdw0I1JHEvZO7BnLXgEAdSdw7uWsgdw21CtRzbXj9C7o9F9KXkjd3BCqiUoF67k6sf0uh51bOYtLmjkBV1ClQz/Mx6j/UwvMwkXKy5v6IQFVUKdCmCZvJmlJJB1RgWBqS5r4FgWpAoI6lkg4oBKoDgWrwF+gIThO50lKm1H+FAPPAHWhkqaT/j8wdqA7uQDX434GOaS5wHktKZR1Qyf2ZNvdHBKqiToGyjElEbn/mzR2BqqhUoCykF5Han4lzR6AiahUoA0oEuWsgdw0I1JHEvZO7BnLXgEAdSdw7uWsgdw0I1JHEvZO7BnLXgEAdSdw7uWsgdw0I1JHEvZO7BnLXgEAdSdw7uWsgdw0I1JHEvZO7BnLXgEAdSdw7uWsgdw21CrT6nUiuW36YyBrIXUOlAq1+L7ztpnMmsgZy11CnQKs/jcn32CMmsgZy11ClQKs/D9T44E0msgZy14BAHUshUA2Jeyd3DQjUsRQC1ZC4d3LXgEAdSyFQDYl7J3cNVQqUh0g6mMgayF1DnQJlGZMMJrIGctdQqUBZSK+CiayB3DXUKlAGlAhy10DuGhCoI4l7J3cN5K4BgTqSuHdy10DuGhCoI4l7J3cN5K4BgTqSuHdy10DuGhCoI4l7J3cN5K4BgTqSuHdy10DuGhCoI4l7J3cN5K4BgTqSuHdy10DuGmoVaPU7kVxhImsgdw2VCrT6vfC2MJE1kLuGOgVa/WlMvjCRNZC7hioFWv15oMYwkTWQuwYE6lhqjQPKgcS9k7sGBOpYao0DyoHEvZO7BgTqWGqNA8qBxL2Tu4YqBcpDJB1MZA3krqFOgbKMSQYTWQO5a6hUoCykV8FE1kDuGmoVKANKBLlrIHcNCNSRxL2TuwZy14BAHUncO7lrIHcNCNSRxL2TuwZy14BAHUncO7lrIHcNCNSRxL2TuwZy14BAHUncO7lrIHcNCNSRxL2TuwZy11CrQFlIL4KJrIHcNVQqULZyqmAiayB3DXUKlMNEZDCRNZC7hioFynF2OpjIGshdAwJ1LLXGAeVA4t7JXQMCdSy1xgHlQOLeyV0DAnUstcYB5UDi3sldQ5UC5SGSDiayBnLXUKdAWcYkg4msgdw1VCpQFtKrYCJrIHcNtQqUASWC3DWQuwYE6kji3sldA7lrQKCOJO6d3DWQuwYE6kji3sldA7lrQKCOJO6d3DWQuwYE6kji3sldA7lrQKCOJO6d3DWQuwYE6kji3sldA7lrQKCOJO6d3DWQu4ZaBcpOJBFMZA3krqFSgbIXXgUTWQO5a6hToJzGJIOJrIHcNVQpUM4D1cFE1kDuGhCoY6k1DigHEvdO7hoQqGOpNQ4oBxL3Tu4aEKhjqTUOKAcS907uGqoUKA+RdDCRNZC7hjoFyjImGUxkDeSuoVKBspBeBRNZA7lrqFWgDCgR5K6B3DUgUEcS907uGshdAwJ1JHHv5K6B3DUgUEcS907uGshdAwJ1JHHv5K6B3DUgUEcS907uGshdg1Sgn14+PDz88Ov+L59fb/7yCoFuSdw7uWsgdw1Kgb572PPqKNOHhx//QKDrHFAOJO6d3DUIBfq0V+e7h7/8fXf/+dPOoq9iBMpCehFMZA3krkEo0HetLN9t1fm0v/f89PLwjn6aQNnKqYKJrIHcNegE+uXN9s7z69adPx1t+uXNwy8BAuUwERlMZA3krsHgKfxWoEebfrh6Dz+iN46z08FE1kDuGvQC3d10fn7dvnX/sL0d3fFty4iSJ1WN7sq7FABUxXgpfNh++nkU6BMCBYC1MVoKT+1D+CuBHhhxd8xbeB28ldRA7hrUb+H3/gwWKA+RdDCRNZC7BrFAP+z9eesz0CkCZRmTDCayBnLXIBXolzeHjZyxT+EfWUgvg4msgdw1KAW68edx5+a7/frPoHWgUy7MgcS9k7sGctcgFGjXn9E7kRhQKshdA7lrEAr0Q/fkkOi98AwoEeSugdw16AS6O77u4XgE09MDpzEdSdw7uWsgdw06gT49nAmU80A7JO6d3DWQuwb1OtB+lr4wBxL3Tu4ayF0DAnUkce/kroHcNSBQRxL3Tu4ayF0DAnUkce/kroHcNdQqUM+dSKWscUA5kLh3ctdQqUA998IXs8YB5UDi3sldQ50C9TyNqZw1DigHEvdO7hqqFKjneaADWOOAciBx7+SuAYEuVmoAaxxQDiTundw1INDFSg1gjQPKgcS9k7sGBLpYqQGscUA5kLh3ctdQpUB5iKSDiayB3DXUKVCWMclgImsgdw2VCpSF9CqYyBrIXUOtAmVAiSB3DeSuAYE6krh3ctdA7hoQqCOJeyd3DeSuAYE6krh3ctdA7hoQqCOJeyd3DeSuAYE6krh3ctdA7hoQqCOJeyd3DeSuAYE6krh3ctdA7hpqFahg9XsgaxxQDiTundw1VCpQxf7LQNY4oBxI3Du5a6hToJITQAJZ44ByIHHv5K6hSoFqzqALZI0DyoHEvZO7BgTqyBoHlAOJeyd3DQjUkTUOKAcS907uGhCoI2scUA4k7p3cNVQpUB4i6WAiayB3DXUKlGVMMpjIGshdQ6UCZSG9CiayBnLXUKtAGVAiyF0DuWtAoI4k7p3cNZC7BgTqSOLeyV0DuWtAoI4k7p3cNZC7BgTqSOLeyV0DuWtAoI4k7p3cNZC7BgTqSOLeyV0DuWtAoI4k7p3cNZC7BgTqSOLeyV0DuWtAoI4k7p3cNZC7BgTqSOLeyV0DuWtAoI4k7p3cNZC7BgTqSOLeyV0DuWtAoI4k7p3cNZC7BgTqSOLeyV0DuWtAoI4k7p3cNZC7BgTqSOLeyV0DuWtAoI4k7p3cNZC7BgTqSOLeyV0DuWtAoI4k7p3cNZC7BgTqSOLeyV0DuWtAoI4k7p3cNZC7BgTqSOLeyV0DuWtAoI4k7p3cNZC7BgTqSOLeyV0DuWtAoI4k7p3cNZC7BgTqSOLeyV0DuWtAoI4k7p3cNZC7BgTqSOLeyV0DuWtAoI4k7p3cNZC7BgTqSOLeyV0DuWtAoI4k7p3cNZC7BgTqSOLeyV0DuWtAoI4k7p3cNZC7Bn+BjuTbb9UdrBNy10DuGqJyR6Cwg9w1kLsGBAqhkLsGcteAQCEUctdA7hoQKIRC7hrIXQMChVDIXQO5a0CgEAq5ayB3DQgUQiF3DeSuoVqBAgBkAYECAIwEgQIAjASBAgCMBIECAIwEgQIAjASBAgCMBIECAIzES6CfXz88PLxSd7E6drFv+OFXdSdr4vPrn45/YtgvxzH3kGFvJdBPL3cX9OMf6kZWRps7Al2Udw/tRGbYL8pl7vUIdPP/CD/tLuuVupOV8XQYUrAc7x7a1Bn2i3LMPWbYOwn0af9/wp9ecie0LO+Yu0uzu/vZz1+G/YJ0co8Z9k4CbS/oy5uHX8SdrIsvb/7yd3UPK+PDZhYfboAY9svRzT1m2BsJ9HhBH7ghWpTPr3/8r5d8ArokHzZDvZ3IDPsF6eQeNOyNBPr5dXstH/hIblEOH6ZzB7Qo7URmW46RewAABupJREFU2C/MQaAxw95RoDzTWJan/RqaTy95J78klwJl2C/D0/Gz54hhj0DhcOvDe8hFQaAano7DPWLYI1A48OklSxEXBIFquMx52rB3FCgfBmlgIc2i8BmohmuBThn2RgLlcaQY7kAXhafwGqq9A/36bv88jAVxy3KcwbyHXJTTOlCG/ZJc/h/XtGHvJFC2ZGg47Mh4xwxektPTYIb9klxsYJg47J0EyqZgDZvEt0PoieMsFuW0oJthvySddaABw95JoNuVWRxLI+ADhzEJOL51ZNgvyjH3kGFvJVAORhSxy50PQJfl9Nkbw35JLnKfOOy9BAoAkAgECgAwEgQKADASBAoAMBIECgAwEgQKADASBAoAMBIECgAwEgQKADASBAoAMBIECgAwEgQKADASBAoAMBIECgAwEgQKz/K2ab45/e2ff2uan6cV/O+/NluORd82f/rPMW2N+a7t1Rz4l38b8f2zNAXJQaDwLFvfnZT5/kynI9gauKUttIxAP+6/vCPQJtB2x+oIdI0gUHiej03zr//R/vkffz79eRQdfx4EtohA3zY3BBqmu7eTLgWyg0DhDhvpfL//0/Q38BsbtxXeN5NqjRbo8dsmNjChGagMBAp32LyJbz8vjHgD372bnaCd6QKdfjVjm4HKQKBwj4/tm92NSSeKYiPQk7PeTvk4IECg0ww+oRmoDAQK99i+c9++iX/beXK9/zDz5I322fr3h3/8eaOn3Vvk/Re237j5y5Vq9vbZfP/3u3fVh48L2u987ideO+usg/Of+745/NPb85Y3f+n2ev4zdrb/eHjctfua4zd3v/BG9bM6Ny4NqgKBwl028tiY6GPHAO+vHqW37G4qN/74X+1fPp79w/brLm87jwL9n3/tfuXxR3xz8ydeCfS8g/Ofe1ugm6v65qzX08/YXedWoG8PRdo/nD7LOH3hdfXzOteXBnWBQOE+248Lu3eP79vbq7etz97vXbG9Cdz+fXsDtlHNP//P8W3y4fPGy0WgXzsCPd6wft/5EW/P/3r8iZcCvejg8uc+8xno991et/9ha7jDwq3dbeQ3X1s3f9Np4uILL6tf/PPVpUFlIFC4z3bu/4/T2+n9vduW97v/uFHE/u/tp6Snp/XvDzddhw88d++EzyR6EujP7Y9q/76TUfvY6fInXgr0soPLn3st0FacnV6PH/G2P/MovIOVD9Uuv/Ci+uU/X14a1AYChR523uu8gT+8F90/FfrY+YyzVc/xffjVhp/j+9u23oV1Wkl9PGhtX/vyJ14K9LKDy597ex3oN19v97q52u+7//L29NZ938z5F14I9PKfLy8NagOBQh/vz5+gPLcR8+1BoO1/3X4UeX3X9bFr0KNAj7eYewN2XXP9E5998H3079kX3BToN23pK73tm7nxL3tPX37hhUAv//ny0qA2ECj00d5r7Wg/yDx7aLNl96FhK9DTG/TOzWaX94dHMp2n8O0/bEucC/L6J94W6LGDy597Q6DdZ+3tHzpv7/fP54+PyLoCvfrCc4Fe/fPlpUFtIFDoo0egH8/+2r1hPHzoeX12x9um8/53skDPO7j8uc9vtuwK9Pwu945An7kdvvi29j8g0NpBoNDHhUDPt/Acdrj/fHoL/831P/988SFgK5ZCgV5sGrow4WUHFz+3UKDcgcIYECj00RXo1dPk98f3yjcF2n7J5nved7ef9wi0dc2u1vXz6wsTXnZw8XNLBHrrM9CbAh3xGSgCrRoECn10BdrZkrQz20lvG1ecCfTsw9D9svqTQt53bw4vLXN8Cr/5wT9f/cRLE152cPlziwR6svvHwwrR2wK9/MKrp/Dn/4xAaweBQh9nAj3tIt957qSv95efgb4/38S5e1O9/9rtx5rt0vhbAj2u/Xl7WAfa/YnPC/T9YU/R+ebREoHeWAd6W6DD14Ei0KpBoNDHmUC3mtoJqn2D3O732T3qaRenn6R03NXz89fuOvqL5ztXlvl4LP39jZ94th5p8/WXHVz+3PcXD5NOdG5WOzuIvv96R6CXX3hZ/eKfEWjtIFDo41ygp9XwO2McH5L/6d8Pmxa/OX1f011R1Hme3t4jPiPQZ/fCXy/o3Hz9ZQeXP/dwJshdgd7YC/+1bfFcoBdfeFX9ai88Aq0aBAp9XAj0/JCl1md7kX1z8RDpfVeDx+/sfuttgd4+jenw9wuBXnZw9XPblfX3Bdr+jG8u/+VKoOdfeF397J8RaO0gUACAkSBQAICRIFAAgJEgUACAkSBQAICRIFAAgJEgUACAkSBQAICRIFAAgJEgUACAkSBQAICRIFAAgJEgUACAkSBQAICRIFAAgJEgUACAkSBQAICRIFAAgJEgUACAkSBQAICR/H+pMZb1EJqevwAAAABJRU5ErkJggg=="/>
+          <p:cNvSpPr>
+            <a:spLocks noChangeAspect="1" noChangeArrowheads="1"/>
+          </p:cNvSpPr>
+          <p:nvPr/>
+        </p:nvSpPr>
+        <p:spPr bwMode="auto">
+          <a:xfrm>
+            <a:off x="307975" y="7937"/>
+            <a:ext cx="304800" cy="304801"/>
+          </a:xfrm>
+          <a:prstGeom prst="rect">
+            <a:avLst/>
+          </a:prstGeom>
+          <a:noFill/>
+          <a:extLst>
+            <a:ext uri="{909E8E84-426E-40DD-AFC4-6F175D3DCCD1}">
+              <a14:hiddenFill xmlns:a14="http://schemas.microsoft.com/office/drawing/2010/main">
+                <a:solidFill>
+                  <a:srgbClr val="FFFFFF"/>
+                </a:solidFill>
+              </a14:hiddenFill>
+            </a:ext>
+          </a:extLst>
+        </p:spPr>
+        <p:txBody>
+          <a:bodyPr vert="horz" wrap="square" lIns="91440" tIns="45720" rIns="91440" bIns="45720" numCol="1" anchor="t" anchorCtr="0" compatLnSpc="1">
+            <a:prstTxWarp prst="textNoShape">
+              <a:avLst/>
+            </a:prstTxWarp>
+          </a:bodyPr>
+          <a:lstStyle/>
+          <a:p>
+            <a:endParaRPr lang="en-US"/>
+          </a:p>
+        </p:txBody>
+      </p:sp>
+      <p:pic>
+        <p:nvPicPr>
+          <p:cNvPr id="6" name="Picture 5"/>
+          <p:cNvPicPr/>
+          <p:nvPr/>
+        </p:nvPicPr>
+        <p:blipFill rotWithShape="1">
+          <a:blip r:embed="rId2"/>
+          <a:srcRect l="22618" t="30418" r="37218" b="23099"/>
+          <a:stretch/>
+        </p:blipFill>
+        <p:spPr bwMode="auto">
+          <a:xfrm>
+            <a:off x="5105400" y="3657600"/>
+            <a:ext cx="4038600" cy="2819400"/>
+          </a:xfrm>
+          <a:prstGeom prst="rect">
+            <a:avLst/>
+          </a:prstGeom>
+          <a:ln>
+            <a:noFill/>
+          </a:ln>
+          <a:extLst>
+            <a:ext uri="{53640926-AAD7-44D8-BBD7-CCE9431645EC}">
+              <a14:shadowObscured xmlns:a14="http://schemas.microsoft.com/office/drawing/2010/main"/>
+            </a:ext>
+          </a:extLst>
+        </p:spPr>
+      </p:pic>
+      <p:sp>
+        <p:nvSpPr>
+          <p:cNvPr id="8" name="AutoShape 6" descr="data:image/png;base64,iVBORw0KGgoAAAANSUhEUgAABUAAAAPACAMAAADDuCPrAAAAolBMVEUAAAAAADoAAGYAOpAAZrYzMzMzZv86AAA6Ojo6kJA6kNs9PT1NTU1NTW5NTY5NbqtNjshmAABmZmZmtv9uTU1uq+SOTU2Oq6uOyP+QOgCQkLaQ29uQ2/+rbk2rjk2r5P+2ZgC2kDq2///Ijk3I///KysrW1tbbkDrb///kq27k5Kvk///r6+v/tmb/yI7/25D/5Kv//7b//8j//9v//+T////sHfwrAAAACXBIWXMAAB2HAAAdhwGP5fFlAAAgAElEQVR4nO2da4PcxpFlMWNJ3hXbkrwiufLucM0ZSuJw1GxzaPL//7WtB6oK9ehCAgjg3kic88Wk2B0duJV5jCpkZjdfAQBgFI26AQCArCBQAICRIFAAgJEgUACAkSBQAICRIFAAgJEgUACAkSBQAICRIFAAgJEgUACAkSBQAICRIFAAgJEgUACAkcwn0MdxjP5GBxL3Tu4ayF3DBEEh0NlI3Du5ayB3DQjUkcS9k7sGcteAQB1J3Du5ayB3DQjUkcS9k7sGcteAQB1J3Du5ayB3DQjUkcS9k7sGcteAQB1J3Du5ayB3DQjUkcS9k7sGcteAQB1J3Du5ayB3DQjUkcS9k7sGcteAQB1J3Du5ayB3DQjUkcS9k7sGcteAQB1J3Du5ayB3DQjUkcS9k7sGcteAQB1J3Du5ayB3DQjUkcS9k7sGcteAQB1J3Du5ayB3DQjUkcS9k7sGcteAQB1J3Du5ayB3DQjUkcS9k7sGcteAQB1J3Du5ayB3DQjUkcS9k7sGcteAQB1J3Du5ayB3DQjUkcS9k7sGcteAQB1J3Du5ayB3DQjUkcS9k7sGcteAQB1J3Du5ayB3DQjUkcS9k7sGcteAQB1J3Du5ayB3DQjUkcS9k7sGcteAQB1J3Du5ayB3DVqBvnvY8Mv+z59fb/78CoFuSdw7uWsgdw1Kge6UueGn7V8+vdz9+cc/EOg6B5QDiXsndw1CgX55s7vh/PDwl7/vZPrTzqKvYgTabBh5ZQal1jigHEjce1zugeO9lILeBV0VIRToU3u7+WGrzvYvn17+8GuEQJsmLHBFKSayhsS9h+UeON6L6e9d0VUROoFubkB/Of3t3f7W8/w/jhZo04QFLinFRNaQuPeo3APHezm9vUu6KkIn0M+vOzebX95s38d/3d6Ovpou0KYJC1xTiomsIXHvQbkHjvcB9PWu6aoInUA/vfzxj6eHh90noCebftg/Utrwbcvgwptmjoz45gylAObBc5B6dhXKKIH+v/1T+FcdgT4hUAAZnoPUs6tQhl/ZU7uA6Wl7D3pDoAdG3B3zFl4Hb+E18BZeg+4t/NNh2fz2XXusQHmIpAOBauAhkgblZ6Dtc6Pth6E3PgOdIlCWMclAoBpYxqRBKdDWmds/xD6Ff2QhvQwEqoGF9BqU60A7d6Bf3+3XfwatA51yYQ4k7p3cNZC7BuFOpHftu/XdTWfwTiQGlApy10DuGoQCbTe+P82yF54BJYLcNZC7BuVpTE/7ZaD7N+3tXziNaUvi3sldA7lrkJ4H+uXNRpmH9+ycB3oice/kroHcNXAivSOJeyd3DeSuAYE6krh3ctdA7hoQqCOJeyd3DeSuAYE6krh3ctdA7hpqFSg7kQbgGVYgprlHgkA1VCpQ9sIPwDOsQExzDwWBaqhToJzGNADPsAIxzT0WBKqhSoE2TdhM1pRackB5hhWIae7BIFANCNSxFAINxDT3YBCoBgTqWAqBBmKaezAIVAMCdSyFQAMxzT0YBKqhSoGaPhcpL8VDpEhMc48FgWqoU6CmK3OKS7GMKRTT3ENBoBoqFajp2vDSUiykj8U090gQqIZaBcqAEkHuGshdAwJ1JHHv5K6B3DUgUEcS907uGshdAwJ1JHHv5K6B3DUgUEcS907uGshdAwJ1JHHv5K6B3DUgUEcS907uGshdAwJ1JHHv5K6B3DXUKlDPteH1L+j2XEhfSt7cqxeo54SeUMtboJ67E+vfUui5lbOYtLlXL1DPCT2llrVAPc/HqP9QC8/DRMrJmvtj7QL1nNCTajkLtGnCUtKUSjoZAsPSkDT3LVUL1HNCT6uFQGcslXQyIFAdCLQMBDr3hTmUSjoZEKgOBFoGAp37whxKJZ0MCFQHAi0DgQ65sjHf61Aq62RI7s+0uT9WLlDTCV3tQyTXVQ/FpdJOhtz+zJt77QI1ndDVLmNyXXdbWirvZEjtz8S51y5Q0wld7UL6+geUK+Sugdw11LqVkwElgtw1kLsGBOpI4t7JXQO5a0CgjiTundw1kLsGBOpI4t7JXQO5a0CgjiTundw1kLsGBOpI4t7JXQO5a0CgjiTundw1kLsGBOpI4t7JXQO5a6hVoJ4bF+rficREFkHuGioVqOfW2fr3wjORVZC7hjoF6nl4S/2nMT0ykVWQu4YqBTrpnD6HUmscUA4k7p3cNSBQx1JrHFAOJO6d3DUgUMdSaxxQDiTundw1IFDHUmscUA4k7p3cNVQpUB4i6WAiayB3DXUKlGVMMpjIGshdQ6UCZSG9CiayBnLXUKtAGVAiyF0DuWtAoI4k7p3cNZC7BgTqSOLeyV0DuWtAoI4k7p3cNZC7BgTqSOLeyV0DuWtAoI4k7p3cNZC7BgTqSOLeyV0DuWtAoI4k7p3cNZC7hloFykL6AQReoedE9sw9MnbP3EvJ2/v419BboGzlHEDgFXpOZM/cQ2O3zL2YtL1PeA2tBcphIgMIvMJHy4nsmXts7I65l5O19ymvobNABxwc51lKMZGDprLfRPbMPTh2w9wHkLT3Sa8hAp2xFAINxDN3BNohae8I1LUUAg3EM3cE2iFp7wjUtRQCDcQzdwTaIWnv1QqUh0hDqH4ie+YeG7tj7uVk7X3Ka2gtUJYxDaH6ieyZe2jslrkXk7b3Ca+ht0BZSD+E6ieyZ+6RsXvmXkre3se/huYCZUCJIHcN5K6h1q2cDCgR5K6B3DUgUEcS907uGshdAwJ1JHHv5K6B3DUgUEcS907uGshdAwJ1JHHv5K6B3DUgUEcS907uGshdAwJ1JHHv5K6B3DUgUEcS907uGshdQ60CrX4nUuQ2Fs+dSJ65B8JOpAN5e691J1L1e+EjN1J77oX3zD0Q9sIfSdt7rXvhA0+6kZTqvejIo3wia8VNZM/cA4mNHYEqmPIaOgu0acJGp6ZU30UHdmV6Hqhn7oEEx45ABUx6DRHojKUQqGfugSDQDkl7zyHQEZwujFKL1orDNKw4PLuCIYROw+klnmHp/2dwKMUdqGfugQTHzh2ogEmvobNAeYg0T1sl8BCpkNjYEaiCKa+htUBZxjQEz4nsmXsgobEjUAkTXkNvgbKQfgieE9kz90AiY0egGsa/huYCZUCJIHcN5K6h1q2cDCgR5K6B3DUgUEcS907uGshdAwJ1JHHv5K6B3DUgUEcS907uGshdAwJ1JHHv5K6B3DUgUEcS907uGshdAwJ1JHHv5K6B3DUgUEcS907uGshdQ60CrX4nUiSeO5ECMc09EnLXUKlAq98LH4nnXvhATHMPhdw11ClQyVE+gaUEh1q4ncYUiGnusZC7hioF2jRhUtCUUhyr5nUeaCCmuQdD7hoQqGMpBBqIae7BkLsGBOpYCoEGYpp7MOSuAYE6lkKggZjmHgy5a6hSoDxEGkKoPw0nsmvusZC7hjoFyjKmIUT603Eiu+YeCrlrqFSgLKQfQuAVWk5k19wjIXcNtQrUc0CVkrh3ctdA7hoQqCOJeyd3DeSuAYE6krh3ctdA7hoQqCOJeyd3DeSuAYE6krh3ctdA7hoQqCOJeyd3DeSuAYE6krh3ctdA7hoQqCOJeyd3DeSuoVaBVr+QPnLxu+dC+siuClk490gQqITxw8FboNVv5Yzcfum5lTO0q0KWzT0UBKpgwnCwFmj1h4lEHgDieZhIbFeFLJp7LAhUwJTh4CzQpgkb6JpSfRcd2JXpcXbBXRWyZO7BINDlmTQcEOiMpRAoAh0IAl0eBOpaCoEi0IEg0OVBoK6lECgCHQgCXZ5qBcpDpHnaKoGHSBoQqIApw8FaoCxjGkKoE1jGpAGBKpgwHLwFykL6IUTWYiG9BgQqYfxwMBcoA0oEuWsgdw21buVkQIkgdw3krgGBOpK4d3LXQO4aEKgjiXsndw3krgGBOpK4d3LXQO4aEKgjiXsndw3krgGBOpK4d3LXQO4aEKgjiXsndw3krgGBOpK4d3LXQO4aahVo9TuRIql+J5Jp7pFY5l5K3txr3YlU/V74SKrfC2+aeyiOuReTNvda98IHHpojKbXogIo9YcjwNCbT3GMxzL2crLlPCctZoE0TNgw0pZYcUIFXuMXvPFDT3IPxy30ASXOfFBYCnbEUAq0/92D8ch9A0twRqGspBFp/7sH45T6ApLkjUNdSCLT+3IPxy30ASXOvVqA8RBpC7IwxfJhhmnsshrmXkzX3KWFZC5RlTEMInTGOy2lMcw/FMfdi0uY+ISxvgbKQfgiRM8ZyQbdp7pFY5l5K3tzHh2UuULa2iSB3DeSuodatnAwoEeSugdw1IFBHEvdO7hrIXQMCdSRx7+Sugdw1IFBHEvdO7hrIXQMCdSRx7+Sugdw1IFBHEvdO7hrIXQMCdSRx7+Sugdw11CrQ6hfSRy539lxIHwgL6QfgOd5NqXUhffVbOSM33Hlu5QyErZwD8BzvptS6lVNyEkVgqd6LDuzK9DCRQAJz98XwMJH6c58SlrNAmyZsGGhK9V10YFemx9kFEpi7MX7H2dWf+6SwEOiMpRBoIPVP5C0IdHkQqGspBBpI/RN5CwJdHgTqWgqBBlL/RN6CQJenWoHyEGmetkrwE+gKHmY88hBJwpSwrAXKMqYhRNZyFOgKltOwjEnDhLC8BcpC+iFE1nIU6AoWdLOQXsP4sMwF6jmRS0ncO7lrIHcNtW7lZECJIHcN5K4BgTqSuHdy10DuGhCoI4l7J3cN5K4BgTqSuHdy10DuGhCoI4l7J3cN5K4BgTqSuHdy10DuGpQC/fz6YccPvx7/9gqBbkncO7lrIHcNSoF+etkRaPuXH/9AoOscUA4k7p3cNSgF+vTw0/HPm/vPn3YWfRUjUHYiDYCdSC2OvZcR+RLG4TnePaZOgEDfdWz5tL/3/PRy/35+qkDZCz8A9sIfMOy9jNCXMAzP8W4ydaYL9Mubv/z9UqZf3jz8EiDQKaekOJTiNKZIAnM3JfYljMJzvLtMnekC/fz6x/962X4CepTph6v38BOui/NAY9sqwU+ggbmbEvwSBuE53m2mznSBHp4hbe85P79u37p/OH4u+m3L8MJfTxc24ptXViq0liXVX6DpFXqOd9epM6LE037V0qeXm5vPo0CfEOiypUxnXyDVX6DpFXqOd9epM6LE4WZz+679hkAPLH1r7VCKt/CBBOZuSvBLGITneLeZOtMFeuDTyx//iBWo6WfO5aV4iBRJYO6mOPrTdby7TJ1Igf7w643PQKcI1HTVQ3EpljGFEpi7KY7+dB3vJlMnUqA//hH7FP7Rdd1taSkW0scSmLspjv50He8eU2eyQI/O3L1rf7df/xm0DvTRdCKXkrh3ctdA7hqEWzkPG5F27gzeicSAUkHuGshdg1Cgn17u7jb36ozeC8+AEkHuGshdg/IwkQ/d0+yeHjiN6Uji3sldA7lrkB6ovDsC9KfuX15df9HSF+ZA4t7JXQO5a+BEekcS907uGshdAwJ1JHHv5K6B3DUgUEcS907uGshdQ60C9Vx3a7qg2zOsQExzjwSBaqhUoJ47v0y3FHqGFYhp7qEgUA11CtTz7IHyUosOKM+wAjHNPRYEqqFKgTZN2EzWlFpyQHmGFYhp7sEgUA0I1LEUAg3ENPdgEKgGBOpYCoEGYpp7MAhUAwJ1LIVAAzHNPRgEqqFKgZo+FykvxUOkSExzjwWBaqhToKYrc4pLsYwpFNPcQ0GgGioVqOna8NJSLKSPxTT3SBCohloFyoASQe4ayF0DAnUkce/kroHcNSBQRxL3Tu4ayF0DAnUkce/kroHcNSBQRxL3Tu4ayF0DAnUkce/kroHcNSBQRxL3Tu4ayF0DAnUkce/kroHcNSBQRxL3Tu4ayF1DrQJlR8wAIsOKm8j17wCLxFKg5H7vG50Fyp7sAYSGFTaR6z+DIBRHgZL73W80FiinAg0gNqyoiVz/KVixGAqU3O9/o69AmyZWCjEM6CrpeaBbgiZyYFemuQfjJ1By7/lGBDoM0wGFQE+scSLPBrn3fCMCHYbpgEKgJ9Y4kWeD3Hu+EYEOw3RAIdATa5zIs0HuPd/oK1AeIg0hNiweImnwEyi593yjsUBZxjSE0LBYxqTBUKDkfv8bnQXKQvohRIbFQnoNjgIl97vfaC1QzwFVSuLeyV0DuWtAoI4k7p3cNZC7BgTqSOLeyV0DuWtAoI4k7p3cNZC7BgTqSOLeyV0DuWtAoI4k7p3cNZC7BgTqSOLeyV0DuWtAoI4k7p3cNZC7BgTqSOLeyV0DuWuoVaCCbSyBpQou2nOrlWlbnjtiQrNiB1gxHrl7C1SxkTqwVP9Fe272N23Lc092bFacQVCKSe7WApUc5RNYqveiA7uKxLOtwNwDCc6KU7AKccndWaBNE5aSplTfRQd2FYlnW4G5BxKdFeewlmGTOwKdsRQCDYSJPADP8R6ITe4IdMZSCDQQJvIAPMd7IDa5I9AZSyHQQJjIA/Ac74HY5O4sUB4iifBsKzD3QIKz4iFSIS65WwuUZUwiPNsKzD2Q2KxYxlSKSe7eAmUhvQjPtgJzDyQ0KxbSF+ORu7lA2domgtw1kLsGBOpI4t7JXQO5a0CgjiTundw1kPvy/LbhdwRqSOLeyV0DuS/KbwcQqCOJeyd3DeS+FL+dgUAdSdw7uWsg99n57RYI1JHEvZO7BnKfj5vmRKDGJO6d3DWQ+zzck2fNAmUh/QA8wwqEBd3eePbe584tL16MfQ29BcpWzgF4hhUIWwrNseu9xJ17f74Y+xpaC1RyIkJgqUUPE/EMK5DA3AMJzgqBBlHqztafL8a+hs4CbZqw0akpteRxdp5hBRKYeyDRWSHQ6Qxx58GfL8a+hgh0xlIINBAEao++96HuRKDWpRBoIAjUHmHvo8yJQM1LIdBAEKg9it6nmLN2gZo+FykvxUOkSAJzDyQ4KwQ6gAB5Hg069jW0FqjpypziUixjCiUw90Bis0KgZUS582jQsa+ht0BN14aXlmIhfSyBuQcSmhUC7SXWnQeD1rmQngGlgtw1kPtd5pDnjlq3cjKgRJC7BnJ/jtnciUBtSdw7uWsg9xvM604Eakvi3sldA7l3WcCcCNSYxL2TuwZy37KcOBGoM4l7J3cN5L68PBGoK4l7J3cNq85d404Eakvi3sldw1pzF7oTgdqSuHdy17C63NXmbKlVoLk317ATKRbPHWCmO5E8d96dmOy87Q72AHXuqVSgybd3sxc+FM8zCEz3wnue/dASobzdGUphBq1ToIEn3QQfmlMGpzFFUt7VkrkHZxUlUMkVlvQeZbwXL0INWqVAmyZsGASWGgDngQYyoKsFc4/OKkigmivs6T3IdTtevIg1KAJdrNQAEGggCHQAbgKNsVyH9Ql0BKeXzqlUIJFdEVb2UpEYXeHvs3ASaFDByTm1aQXVuWaE3I1vFMrgDjSQkDuhwaUCuyqiqjvQmJvDm6zvDnRMc4FjU6IEHiJFUt4VD5HED5FipHaXUH9+9913VQrUd7VJGSxjCqW4K5YxqZYxheisjAh/fneiToHarncug4X0sZR2xUL6R8EVbt4Hx6ixkAn+/O6aSgW6vq1tJpC7hpy5t15aVqBjuGFOBOpL4t7JXUO63Lt6Mhbo8+ZEoL4k7p3cNWTK/cpSjgLtNeeWWp/CP+YaUFck7p3cNSTJ/basvARaJM4DCNSRxL2Tuwb/3O8oy0OgZbecFyBQRxL3Tu4ajHPvV5daoGPM2YJAHUncO7lrcMy9WGBCgY42ZwsCdSRx7+SuwS33QRbTCHSaOVtqFajnemfPBd2RVJ+7K0YL6YerrECggUd4vngRYc6WSgXquePOc0thJNXnbovHVs6RSusXaND+9ThxHqhToJITEQJLLXqYSCDV5+6L/jCRCV7rFejkE0BC3q7fokqBNk3Y9NOUWvI4u0Cqz90Y6XF24/3TWqjn3yecQddjzinu3IFAHUshUM/cjVEJdKJ/Wgv1/Psogfaqc6o7dyBQx1II1DN3YxYXaIR9jhbq+fdBAu0X53ffcaDyXaqfyAh0nlIItD+sGO9cWKjn34sEWiLO7ziRftAwGHlt8lI8RDLN3ZdFHiLFOOeGhfq+4K70ysxZVGpE61UKtP7lNJb+XEHutsy9jCnIN89YqPcrbkpvmDnvlhpNpQKtf0G3pT9XkLsrMy6kj3LNHQv1f8mZ9MaZ82apqdQqULutbYNI3Du5a5gj9zDL9Fqo/EsniHMWEKgjiXsndw2huS/roFKBepmzBYE6krh3ctcQlrvEQn1fYGjOFgTqSOLeyV1DRO46C935N1dztiBQRxL3Tu4aJuYuttCN/2Z7z3kOAnUkce/krmF87moF/XYuUMtPOp8HgTqSuHdy1zAqd7V9DuwE2mdOO3fuQKCOJO6d3DUMzV0tng795vR05w4E6kji3sldQ3HuauN0KDGnrzr31CrQ6nfERO5Eiqxl9KslhpfKuwOsIHe1arrkF2fLixdjh4O3QKvfkx25Fz50X73Hr5YYWSrtGQR9uas9c6CCW84zXmwFOm44WAu0+lOBArsKPtlJ/6slJpTKegrW453c1Y7ZUcOb9Ru82At01HBwFmjThA10TaklzwONrPUo/tUSU0slPYd1y63c1X75rdScwt8LP4UXB4GOGQ4IdMZSCLT+3IO5yF3tlt8Gfc6JQBFoaCkEWn/uwZxyV2vlt+G/yQ2BItDQUgi0/tyD2eWuNspvI4/9QKBeAuUh0jxtlcBDJAUbB8klNMacLfLeR1LrQySWMQ0i1AksY1qU41wWCnSCOVtSCbQb/4Th4C1QFtIPIbIWC+kX42xaSwQ66v36DXII9NZrMH44mAuULYUiyH0Jrmf3ogK9L85B7txhLtB7r8QEQSHQ2UjcO7nPzDOTfBGB9opzuDt3uAq04OVAoI4k7p3cZ+TOXJ9XoCXmnLCTyE6g5S8JAnUkce/kPg99U34mgc5szha9QEe/LgjUkcS9k3s4RQaIFugy5mwRCnTqi4NAHUncO7nHMUQEYQJdUpwHFAINeo0QqCOJeyf36YzxwXSBKszZsqhAY18rBOpI4t7JfRpjtTBFoDpztiwj0FleLwTqSOLeyX00k+wwUqBic7bMJdAFXrRaBcpOpAF4hhVIYO7zMN0VwwXqYM6Wgt63287LC94NO3SMVipQ9sIPwDOsQAJzj2a8dC4YItD75nwxzFUR9Pf+oqyrkshjx2idApUc5RNYKutpTJFtxRGYexwR3ulSJNCCe84XLwpdFUlv771dlQcfPEarFGjThKWkKZX0PNDItuIIzD2IUPm03Bdo8dv1Fy8UBu0T6J2uhmYfPUYRqGMpBBqIlUDnEdBvzwq0x5xXH3UmEOi0FwCBFuDpBASqwUWgMzvoUkK96rz5mMhZoJZjFIE6lkKggRgIdAkHHSTUL857T9gtBeo8RqsUqOlzkfJSPESKJDD34SxjoI2DSsRZsDbJ6iHSiJewl+AxWqdATVfmFJdiGVMogbkPYSH7BJnzgMCfVwKd8BL2EztGKxWo6drw0lIspI8lMPcSFtJOsDkPLO/PjUB7M3Udo7UKlC2FIlad+0K+mcmcEkJyF4JAHUnc+2pzX8Y31Yjz7J4z8ZhBoI4k7n2NuS9jnBrNOS13BxCoI4l7X1nuyzinwJzC3wtfSGjuNiBQRxL3vpbcl9JO6T2no0DnyN0NBOpI4t5rz30p+Qx9t24l0BlydwWBOpK495pzX8I9Yz/p9BDoPLk7g0AdSdx7pbnP754+c/Y8JRILdK7c7alVoJ7rbk0X0gfi2dak3M9NEb/MvN+cJU/Y4wQqOPt9jePdW6CeO79Mt3IG4tnW+Nxv2iXKoCXmLF6cFCbQ0iucNffxpZZlQlvWAvU8e6C81KKHiQTi2da43O/YZapBI8V5IEqgkrPf1zjenQXaNGGBa0oteZxdIJ5tDc+91y5jDTqHOVuCBHrrChfLPaLUkkxqC4HOWGqNA2o2BnQ14VdL9DCfOVvmEOhiua9xvCPQGUutcUDNRklXBwsN0UsRM95znhMqUMZ7EQjUtdQaB9Rs9HR1ZqEivZQJdClztsQIlPE+hGoFykMkEZ5tPdvVtYX6BFPmz0XN2TJRoP1hBeZ+xRrHu7VAWcYkwrOtG109Y6Fe0fT5c3lztgwV6JCwAnO/zRrHu7dAWUgvwrOtTlf3LdQvnmf9qTJnS7FAh4QVmPtd1jjezQVa65ZCe2xzL7LQGHVpxXmgX6DqF+AOrmOmgFq3cvpO5BIS926Ze7GFhklLfNN5xh2BqtPvx3HMFIJAHUncu1vuwyxU9mU9H3RKDoe/JVB19sWYjZkhIFBHEvdulPsIC93/515xaty5YydQdeJj8Rkzg0GgjiTu3ST3kRZ65r+XmFP6O4lsch9H4t4RqCOJe9fnPsFDVwJNYM4Wfe4TSNw7AnUkce/S3Kfq6CTQPOZsYbxrkAv008sf/9j94fPrh4eHVwh0S+LeNbkHWel37885dzyTAONdwwICfds0//JvX99+f/Mfv7x52Av008uHLa1NEWhWls09UExZzdnCeNcwu0Dfb9fq/8u//fNvzb/+x41//tA6c3P/+dPOoq9iBMpOpAF4htXHAPdM2n55bs7AX+lRWqoojTiBeo73QELH6NwC3flzI9D//mvT/Ok/r/55e9+5E+jT/n8+vfzh1wiBshd+AJ5h3WOEqW67avA9Z+Cv9Hi+1JhIwgTqOd4DiR2jMwv0H3/e3Hj+9183b+G3Bv358p83b+D/9/4z0Hf7W8/Nf/glQKBTTklxKLXo6TSeYT3HaFNdumrUu/WYX+nxbKkJuUQJ1HO8BxI8RmcW6NvtbedOoF83b+K/ufzndw8/7R8ifXnzl7/v/suHq/fwI3prmrCUNKWWPB/RM6xrJpvq6Krxn3NO/ZUez5aaHk+QQD3HeyDRY3RegW6kubnr3Av068erT0G379v3Av38un3r/mH7UeiOb1tum/kup5BGfPPKSrm2deL3iZxUdd+cg0pNbepdyNgAACAASURBVOpQKjirydiPhql4dvWcQPfqbAX6jz9fCPTz681t54VAnxDosqVc29oxWVOtqnrerg+1XoRATSey82gIwbOrcQLdfe75rEAPjLg7PoU08vZaXYq38EELlHrMefmGfb5fKvfb5dv0yKy28Ba+DJvciwR69hb+/cVj+A+7B+9zCNT0uUh5qXU/RBohpyt6zXnzw86gX+lxwZxZHeEhUiEuuRcJ9Ovb7eeee4H+48/nD5E+vdw9N3r2M9ApAjVdmVNcaqXLmAZp6RkKzPn8c6Lpv9Kjy6xZXcIyplJMci8T6Maa2zWgG4G+3+1HOrsBPfLDr7FP4R9d14aXllrbQvpSO95lijlbpvxKjw6zZvUMLKQvxiP3MoG2C+n3nG/mPBPo13f79Z9B60CnXJgDiXsfnHuZHe8w6Z7znKm/GniWRMtgvGtYZivnDX8eaA8TCd6JxIBSMST3abYqEefA3eujBTpfnqUw3jUsc5hIc3MfZ1eg0XvhGVAiCnMfa6otM5izZbhAZ06zHMa7Bpvj7J4eOI3pSOLe+3IfJbYjc5mzpUCgy6Q4HMa7BhuBch5oh8S9P5v7FLFtmdWcLfcEumiKw2G8a5ALtJelL8yBxL3fyn2q12YX54GbAl0+wzEw3jXMK9DtEUznXB3IhEBvkLj3i9ynKm0hc7acC1SU4DgY7xqWFujtY5UR6DmJez/lPkllS91zntMKVJnfWBjvGhYX6LOP42MFKl8bPqnUwgvpA9m2NUVh83zQ2bv6ve1+jQu6rxCMrNzjfdx3Fgl0twx0v/7zY7PdyfnPvw1+Fz/6uix2J44rtexWzjCmHNjeZ84p9513ujq/gDVuKbxEMbKSjvdJbZUJtHMG6P5gka9vr49Vjhfo4W531JUZlFr0MJEYOqYaZtB+c059z15+9vsaD7W4QDKyEo73HVPaKhJoK82DTLfv3j8OfQ8/4bq8TmgbUGrJ4+ymc2WqMoOWmDPi484BZ7+v8Vi1czQjK9d4PzKprSKBtgfZ7dmfB3p1KigCvSbNgLqnqknmDBDnRVcRuQeCQDukGe/nLCHQsztQBFqNQO+p6lmBLmzOlsDcA0GgHfzH+03mF+jmLfzxDXv7Z97CpxboXVU9L1CJOYeHhUAR6ADmF+juLKb9PejHZvc8/vJY5VkEykOkWehX1pU/F77nnBoWD5F4iDSEKW2VCXS7bOnI5tbzbcMypoIvtFvWUWqwgz9LxDm/OQ8E5h5I7EvIMiYFE9oqE+jhMLst7TLQgTegLKSfVmoyw0y2sDkLryEw90BCX0IW0ksY31apQA8K3XlzI9DbxyqHC5StbZMZKjNHcw7EIvdxMN41cBqTI9reh+ssvTlbEo8ZxruGBQX6z78NPkgEgS5NsDvjxLnICR+JxwzjXcNiAt0+j0eghUh6D3VnMnO2JB4zjHcNywi0PZUJgRaydO9x4vzu96m/2VJizpbEY4bxrmEJgbYP4s9/LTwCvcNivceJ83DXGSDQpS7+msRjhvGuYXaBfmwXMQ1++o5AZ2SY0frM2X3HPkqgc19uKYnHDONdw7wCPa6jH61PBBpLtDmvPu0cJtDZrnMciccM413DnAJ93751/78jVn8i0GDizXn7QVGhQOMvMILEY4bxrmE2gR5+m8fP45bPTxUoO5E69Nmss319tDivSxmZk51I3iTufS6B7v2596ZAoOyFbym5G9ztX59qzk6pkl+esSjshTcnce/zCfT00H15gR6234+8NnmpkNNpSty5JcScXX9eGLQ8oJkIzD2QwIG1BYFqmPcOdH/05+ICbZqw0akpNe18xDhxDlwPP+CXZyxIYO6BBA6sHQhUw3wPkd7uh8f3CHR4qZECLRVduDnPBRr4xjQCBGpP4t7nfArfPkda/in86gRa7rh5zNkSLYUYEKg9iXufeSH95GX0CPReqUG/QLjHnKN+nfvoK1wQBGpP4t5n34l0WEu/6E6kwLEpKVXyEGnAL2DvM+fwX+Y++ZdnLElg7oEEZ4VANSyxF/4ff96NlCX3wgeOTUWpnov+7e56oVJzHr9qiD+jrnBRonKPJTYrBKphoePs3u4Gy4KnMQWOTUGp5y/6zHojzXn1QWeJP4OvcFmm5z4HoVkhUA2LnQe6faLEcXaF3Oi97AZxhodEQ1uvLPcskLuGJX+lx3sEWki391LR9apzqDtHtl5L7skgdw38TiRHdr2HiXOoOqe1nj73nJC7BgRqx0ZhJScalYhzSXO25M39cZ0T2YHEvSNQH04muytQU3O2JMz9ROLeyV0DAjXgSmi3BeptzpZMuV+RuHdy14BAlTzntQuBxptzvktKkftzJO6d3DUgUAk9fjsKNMEt5wXeufeQuHdy11CrQD0X0u8o0NzvJe4ctvlyoSvMXSrvRCZ3EZUK1HMrZ9DKpO2XlG+/XPQKk5dKO5HJXUWdApWcAHKfCHWevq7kAJClr7CCUlknMrnLqFKgTRM2DKaXijXnuT9vG3TpK6ynVNKJTO46EOhcpcrEOfDYj/sCXfgK6yuVdCKTuw4EGl4qxpx3H69fCnThK6y2VNKJTO46EGhcqShzfvdd31bOgz4jPqpKP/sCSyWdyOSuo0qBLv1JeJw529vO3r3wgReY/glEYKmsE5ncZdQp0KXWYhSac/B6+OcFOsMFZl8DE1gq7UQmdxWVCnTu1cBx4rz5UecNgc54gclXYQeWyjuRyV1ErQKda2tbnDjvPSTqCnSWy5gPthRqIHcNCLSQZczZFWhs/0vBRNZA7hoQaA9l4ixzZ1mhx3UOKAcS907uGhDocxSbM+w3uXWan9i7ECayBnLXgECvGGDOoVswe815aH5s73qYyBrIXQMCPTHInPfVOdach+ZHXrQBTGQN5K4BgT46mfPQ/MiLNoCJrIHcNaxboMPMGfN+veTp+hoHlAOJeyd3DesUaKg4Y925b37kRRvARNZA7hpqFegzeyCCxTnUnYE7M9iJNEOpZScyL+GBvAIdH5a3QK924cabc8THnYF7g9kLP0epRScyL+GRtAKdEJa1QJvmeGUyc97tqi/cARc4mcBa2UstOZF5CU9kFeiUsJwFuruo4t+6Nr85z9MOOB9xQKleAmulL7XgROYl7JBUoJPCqkagBeIsLBUXNwKtfiLzEnZAoAkFWnbLef/Xt5WZs9sVAnUuhUCrzz2StQp0yJv1wN9/iUDtSyHQ6nOPpFqBPh4EOtydV9/xrD/HdVWWNg+R6n+YwUt4IqlAq32ItLuyS+kNNee5QSe689hVWdosY1rBchpewiNZBVrtMqbtlZ2kN9KcXYNOduehKxbSO5diIb2mVFqBVruQftPf7zHHfsSYc2jzi/60UNhSqIHcNdS6lfPxa5A7R/74aaxxQDmQuHdy17A2gZqb89C88odPg4msgdw1rEigGczZssYB5UDi3sldQ70C/T3bbWeHNQ4oBxL3Tu4a6hZouTlt3LljjQPKgcS9k7uGigWa05071jigHEjcO7lrWLdAR9aenTUOKAcS907uGtYp0JE1F2ONA8qBxL2Tu4ZaBdrdiTRRnp47M9jGMkOpvBPZM/dS8uZeq0Bv7IUfe+PpuTeYjdRzlEo7kT1zLyZt7rUKtGkuT2MaeZWup9MEdpX+KJ/AUlknsmfu5WTN/bFSgTYHgb6Y/HFn04SNqAGlOA/UM3dTPHMfQNLct9QrULsBhUDtSyWdyJ65DyBp7lv8BTqC0yigVNK2PEuZQlj54Q40shR3oJ65m+KZ+wCS5r7F/w50THOBg0BSiodIprmb4pl7OVlzf6xVoKbLOopLsYzJNXdTPHMvJm3u1QrUdGFxaSkW0mtK5Z3InrmXkjf3agXK1jYR5K6B3DUgUEcS907uGshdAwJ1JHHv5K6B3DUgUEcS907uGshdAwJ1JHHv5K6B3DUgUEcS907uGshdAwJ1JHHv5K6B3DUgUEcS907uGshdQ60C9VxYzEJ671LL5m76EgpAoG4C9dzaxlZO81KL5m76EipAoGYCbZqwESUpxWEi9edu+hJKQKBeAm2asBGlKcVxdtXnbvoSakCgCDS0FAKtPnfTl1ADAkWgoaUQaPW5m76EGhAoAg0thUCrz930JdSAQL0EavpZf3kpHiLVn7vpSygBgZoJ1HS1SXEpljGtIHfTl1ABAnUTqOl659JSLKTXlGIhvQYEaidQtraJIHcN5K4BgTqSuHdy10DuGhCoI4l7J3cN5K4BgTqSuHdy10DuGhCoI4l7J3cN5K4BgTqSuHdy10DuGhCoI4l7J3cN5K4BgTqSuHdy10DuGhCoI4l7J3cN5K6hVoF6bhjx3BGTPKzAUnl3IiFQEZUK1HPLsuee7OxhBZZKuxcegaqoU6BNEzY6JaU4jan+3CNfwkcEqqJKgTZN2OjUlOI80Opzj3wJtyBQDQjUsRQCrT53BNohce8I1LEUAq0+dwTaIXHvCNSxFAKtPncE2iFx71UK1PSz/vJSPESqP/dYfyJQEXUK1HS1SXEpljGtIPdQfyJQEZUK1HS9c2kpFtJrSrGQXkPi3msVKANKBLlrIHcNCNSRxL2TuwZy14BAHUncO7lrIHcNCNSRxL2TuwZy14BAHUncO7lrIHcNCNSRxL2TuwZy14BAHUncO7lrIHcNCNSRxL2TuwZy11CrQD3XO3su6E4eVmCpZSey6UL60LbKQKBuAvXccee5pTB7WIGlFp3Ipls5Y9sqA4GaCTTwoAZJKQ4TMc09kMiX8DFOoMFtlYFAvQTaNGHDQFOK4+w8cw8k8iXcEiTQ6LbKQKAINLQUAvXMPRAE2gGBItDQUgjUM/dAEGgHBIpAQ0shUM/cA0GgHRCol0Drf5gROcqzhxVYiodIPEQaSJ0CrX85TeQoTx5WYCmWMbGMaSCVCrT+Bd2Rozx3WIGlWEj/yEL6YdQqULa2iSB3DeSuAYE6krh3ctdA7hoQqCOJeyd3DeSuAYE6krh3ctdA7hoQqCOJeyd3DeSuAYE6krh3ctdA7hoQqCOJeyd3DeSuAYE6krh3ctdA7hoQqCOJeyd3DeSuoVaBVr8jhp1IM5RaNnfTnUgCEvdeqUCr35PNXvg5Si2au+leeAWJe69ToIFHykhKcRpT/blHvoSPCFRFlQJtmrDRqSnFeaDV5x75Em5BoBoQqGMpBFp97gi0Q+LeEahjKQRafe4ItEPi3hGoYykEWn3uCLRD4t6rFKjpZ/3lpXiIVH/usf5EoCLqFKjpapPiUixjWkHuof5EoCIqFajpeufSUiyk15RiIb2GxL3XKlAGlAhy10DuGhCoI4l7J3cN5K4BgTqSuHdy10DuGhCoI4l7J3cN5K4BgTqSuHdy10DuGhCoI4l7J3cN5K5BKtBPLx8eHl61f/n8uvMXBJoVctdA7hqUAv3wsOOHX48yfXj48Q8Eus4B5UDi3sldg1CgG2X+srvx/Onr4X82/+lVjEA91zt7LuhOHlZgqYVzD8S0rUIQ6BiBvtvL8tPL7S3o0/7ec/+X6QL13HHnuaUwe1iBpZbNPRDTtkpBoBMeIn1+vXVma9Mvb7Z3pZMFGnhQg6QUh4msIPdATNsqBoFOEOinl5t7zy9v/vL33d8+XL2HH9Fb04SNKE0pjrOrP/dATNsqB4GOF+jhk9D2rfuH3SeiW75tGVHzNKDGdrWeUqZtVV8qEtO2YAAjX7p3Dw+7W8+jQJ8Q6LKlTNuqvlQkpm3BAMa9dF/ePOwXf94Q6IERd8enATXy9lpdirfw9eceiGlb5fAWftJnoJv38LEC5WHGPG1VX4qHSBoQ6JStnNsVTDc+A50iUJbTDCF5WIGlWMakAYFOEej2MXzsU/hHFnQPIndYgaVYSK8BgY4Q6HHJ524d07v9X4LWgU65MAcS907uGshdg3Qn0v7d+u5de/BOJAaUCnLXQO4a5HvhN+rcvnuP3gvPgBJB7hrIXYPyM9Cn/WlM+zft7V84jWlL4t7JXQO5a5A+RNodAXpQJueBnkjcO7lrIHcNBk/he1j6whxI3Du5ayB3DQjUkcS9k7sGcteAQB1J3Du5ayB3DQjUkcS9k7sGctdQq0DZETOAyFqWE9k090gscy8lce+VCpQ92QMI3UjtOJFNcw/FMfdiEvdep0AlR/kElsp6GtOj5UQ2zT0Ww9zLSdx7lQJtmrCBrimV9DzQLX4T2TT3YPxyH0Di3hGoYykEGohp7sH45T6AxL0jUMdSCDQQ09yD8ct9AIl7R6COpRBoIKa5B+OX+wAS916lQHmINE9bJRhOZNPcYzHMvZzEvdcpUJYxDSHUCY4T2TT3UBxzLyZx75UKlIX0Q4isZTmRTXOPxDL3UhL3XqtAGVAiyF0DuWtAoI4k7p3cNZC7BgTqSOLeyV0DuWtAoI4k7p3cNZC7BgTqSOLeyV0DuWtAoI4k7p3cNZC7BgTqSOLeyV0DuWtAoI4k7p3cNZC7BgTqSOLeyV0DuWuoVaDsRBJhOZEDc3fFMvdSEvdeqUDZC6/CcSIH5m6LY+7FJO69ToFyGpMMw4kcmLsvhrmXk7j3KgXaNGGC0ZTiXMpAAnM3xi/3ASTuHYE6lkKggSBQexL3jkAdSyHQQBCoPYl7R6COpRBoIAjUnsS9VylQHiLpMJzIgbn7Yph7OYl7r1OgLGOS4TiRA3O3xTH3YhL3XqlAWUivwnIiB+buimXupSTuvVaBMqBEkLsGcteAQB1J3Du5ayB3DQjUkcS9k7sGcteAQB1J3Du5ayB3DQjUkcS9k7sGcteAQB1J3Du5ayB3DQjUkcS9k7sGcteAQB1J3Du5ayB3DbUKtPqF9JHkDiuw1BonsgOJe69UoNVv5YwkeViBpdY4kR1I3HudAq3+MJFIsocVWGqNE9mBxL1XKdCmCZt+mlJLDqj0YQWWWuNEdiBx7wjUsRQCrT/3YBCoBgTqWAqB1p97MAhUAwJ1LIVA6889GASqoUqB8jBjCNnDCiy1xonsQOLe6xQoy2mGkDyswFJrnMgOJO69UoGyoHsIucMKLLXGiexA4t5rFSgDSgS5ayB3DQjUkcS9k7sGcteAQB1J3Du5ayB3DQjUkcS9k7sGcteAQB1J3Du5ayB3DQjUkcS9k7sGcteAQB1J3Du5ayB3DQjUkcS9k7sGcteAQB1J3Du5ayB3DbUKtPodMYFdmYYVCDuRvEnce6UCrX5PdmBXpmEFwl54cxL3XqdAqz8VKLAr07AC4TQmdxL3XqVAmyZsJmtK9V10YFemYQUSmLsxCFQDAnUshUADQaD2JO4dgTqWQqCBIFB7EveOQB1LIdBAEKg9iXuvUqCmz0XKS/EQKZLA3H1BoBrqFKjpypziUixjCiUwd1sQqIZKBWq6Nry0FAvpYwnM3RUEqqFWgTKgRJC7BnLXgEAdSdw7uWsgdw0I1JHEvZO7BnLXgEAdSdw7uWsgdw0I1JHEvZO7BnLXgEAdSdw7uWsgdw0I1JHEvZO7BnLXgEAdSdw7uWsgdw21CtRzbXj9C7o9F9KXkjd3BCqiUoF67k6sf0uh51bOYtLmjkBV1ClQz/Mx6j/UwvMwkXKy5v6IQFVUKdCmCZvJmlJJB1RgWBqS5r4FgWpAoI6lkg4oBKoDgWrwF+gIThO50lKm1H+FAPPAHWhkqaT/j8wdqA7uQDX434GOaS5wHktKZR1Qyf2ZNvdHBKqiToGyjElEbn/mzR2BqqhUoCykF5Han4lzR6AiahUoA0oEuWsgdw0I1JHEvZO7BnLXgEAdSdw7uWsgdw0I1JHEvZO7BnLXgEAdSdw7uWsgdw0I1JHEvZO7BnLXgEAdSdw7uWsgdw0I1JHEvZO7BnLXgEAdSdw7uWsgdw21CrT6nUiuW36YyBrIXUOlAq1+L7ztpnMmsgZy11CnQKs/jcn32CMmsgZy11ClQKs/D9T44E0msgZy14BAHUshUA2Jeyd3DQjUsRQC1ZC4d3LXgEAdSyFQDYl7J3cNVQqUh0g6mMgayF1DnQJlGZMMJrIGctdQqUBZSK+CiayB3DXUKlAGlAhy10DuGhCoI4l7J3cN5K4BgTqSuHdy10DuGhCoI4l7J3cN5K4BgTqSuHdy10DuGhCoI4l7J3cN5K4BgTqSuHdy10DuGhCoI4l7J3cN5K4BgTqSuHdy10DuGmoVaPU7kVxhImsgdw2VCrT6vfC2MJE1kLuGOgVa/WlMvjCRNZC7hioFWv15oMYwkTWQuwYE6lhqjQPKgcS9k7sGBOpYao0DyoHEvZO7BgTqWGqNA8qBxL2Tu4YqBcpDJB1MZA3krqFOgbKMSQYTWQO5a6hUoCykV8FE1kDuGmoVKANKBLlrIHcNCNSRxL2TuwZy14BAHUncO7lrIHcNCNSRxL2TuwZy14BAHUncO7lrIHcNCNSRxL2TuwZy14BAHUncO7lrIHcNCNSRxL2TuwZy11CrQFlIL4KJrIHcNVQqULZyqmAiayB3DXUKlMNEZDCRNZC7hioFynF2OpjIGshdAwJ1LLXGAeVA4t7JXQMCdSy1xgHlQOLeyV0DAnUstcYB5UDi3sldQ5UC5SGSDiayBnLXUKdAWcYkg4msgdw1VCpQFtKrYCJrIHcNtQqUASWC3DWQuwYE6kji3sldA7lrQKCOJO6d3DWQuwYE6kji3sldA7lrQKCOJO6d3DWQuwYE6kji3sldA7lrQKCOJO6d3DWQuwYE6kji3sldA7lrQKCOJO6d3DWQu4ZaBcpOJBFMZA3krqFSgbIXXgUTWQO5a6hToJzGJIOJrIHcNVQpUM4D1cFE1kDuGhCoY6k1DigHEvdO7hoQqGOpNQ4oBxL3Tu4aEKhjqTUOKAcS907uGqoUKA+RdDCRNZC7hjoFyjImGUxkDeSuoVKBspBeBRNZA7lrqFWgDCgR5K6B3DUgUEcS907uGshdAwJ1JHHv5K6B3DUgUEcS907uGshdAwJ1JHHv5K6B3DUgUEcS907uGshdg1Sgn14+PDz88Ov+L59fb/7yCoFuSdw7uWsgdw1Kgb572PPqKNOHhx//QKDrHFAOJO6d3DUIBfq0V+e7h7/8fXf/+dPOoq9iBMpCehFMZA3krkEo0HetLN9t1fm0v/f89PLwjn6aQNnKqYKJrIHcNegE+uXN9s7z69adPx1t+uXNwy8BAuUwERlMZA3krsHgKfxWoEebfrh6Dz+iN46z08FE1kDuGvQC3d10fn7dvnX/sL0d3fFty4iSJ1WN7sq7FABUxXgpfNh++nkU6BMCBYC1MVoKT+1D+CuBHhhxd8xbeB28ldRA7hrUb+H3/gwWKA+RdDCRNZC7BrFAP+z9eesz0CkCZRmTDCayBnLXIBXolzeHjZyxT+EfWUgvg4msgdw1KAW68edx5+a7/frPoHWgUy7MgcS9k7sGctcgFGjXn9E7kRhQKshdA7lrEAr0Q/fkkOi98AwoEeSugdw16AS6O77u4XgE09MDpzEdSdw7uWsgdw06gT49nAmU80A7JO6d3DWQuwb1OtB+lr4wBxL3Tu4ayF0DAnUkce/kroHcNSBQRxL3Tu4ayF0DAnUkce/kroHcNdQqUM+dSKWscUA5kLh3ctdQqUA998IXs8YB5UDi3sldQ50C9TyNqZw1DigHEvdO7hqqFKjneaADWOOAciBx7+SuAYEuVmoAaxxQDiTundw1INDFSg1gjQPKgcS9k7sGBLpYqQGscUA5kLh3ctdQpUB5iKSDiayB3DXUKVCWMclgImsgdw2VCpSF9CqYyBrIXUOtAmVAiSB3DeSuAYE6krh3ctdA7hoQqCOJeyd3DeSuAYE6krh3ctdA7hoQqCOJeyd3DeSuAYE6krh3ctdA7hoQqCOJeyd3DeSuAYE6krh3ctdA7hpqFahg9XsgaxxQDiTundw1VCpQxf7LQNY4oBxI3Du5a6hToJITQAJZ44ByIHHv5K6hSoFqzqALZI0DyoHEvZO7BgTqyBoHlAOJeyd3DQjUkTUOKAcS907uGhCoI2scUA4k7p3cNVQpUB4i6WAiayB3DXUKlGVMMpjIGshdQ6UCZSG9CiayBnLXUKtAGVAiyF0DuWtAoI4k7p3cNZC7BgTqSOLeyV0DuWtAoI4k7p3cNZC7BgTqSOLeyV0DuWtAoI4k7p3cNZC7BgTqSOLeyV0DuWtAoI4k7p3cNZC7BgTqSOLeyV0DuWtAoI4k7p3cNZC7BgTqSOLeyV0DuWtAoI4k7p3cNZC7BgTqSOLeyV0DuWtAoI4k7p3cNZC7BgTqSOLeyV0DuWtAoI4k7p3cNZC7BgTqSOLeyV0DuWtAoI4k7p3cNZC7BgTqSOLeyV0DuWtAoI4k7p3cNZC7BgTqSOLeyV0DuWtAoI4k7p3cNZC7BgTqSOLeyV0DuWtAoI4k7p3cNZC7BgTqSOLeyV0DuWtAoI4k7p3cNZC7BgTqSOLeyV0DuWtAoI4k7p3cNZC7BgTqSOLeyV0DuWtAoI4k7p3cNZC7BgTqSOLeyV0DuWtAoI4k7p3cNZC7BgTqSOLeyV0DuWtAoI4k7p3cNZC7Bn+BjuTbb9UdrBNy10DuGqJyR6Cwg9w1kLsGBAqhkLsGcteAQCEUctdA7hoQKIRC7hrIXQMChVDIXQO5a0CgEAq5ayB3DQgUQiF3DeSuoVqBAgBkAYECAIwEgQIAjASBAgCMBIECAIwEgQIAjASBAgCMBIECAIzES6CfXz88PLxSd7E6drFv+OFXdSdr4vPrn45/YtgvxzH3kGFvJdBPL3cX9OMf6kZWRps7Al2Udw/tRGbYL8pl7vUIdPP/CD/tLuuVupOV8XQYUrAc7x7a1Bn2i3LMPWbYOwn0af9/wp9ecie0LO+Yu0uzu/vZz1+G/YJ0co8Z9k4CbS/oy5uHX8SdrIsvb/7yd3UPK+PDZhYfboAY9svRzT1m2BsJ9HhBH7ghWpTPr3/8r5d8ArokHzZDvZ3IDPsF6eQeNOyNBPr5dXstH/hIblEOH6ZzB7Qo7URmW46RewAABupJREFU2C/MQaAxw95RoDzTWJan/RqaTy95J78klwJl2C/D0/Gz54hhj0DhcOvDe8hFQaAano7DPWLYI1A48OklSxEXBIFquMx52rB3FCgfBmlgIc2i8BmohmuBThn2RgLlcaQY7kAXhafwGqq9A/36bv88jAVxy3KcwbyHXJTTOlCG/ZJc/h/XtGHvJFC2ZGg47Mh4xwxektPTYIb9klxsYJg47J0EyqZgDZvEt0PoieMsFuW0oJthvySddaABw95JoNuVWRxLI+ADhzEJOL51ZNgvyjH3kGFvJVAORhSxy50PQJfl9Nkbw35JLnKfOOy9BAoAkAgECgAwEgQKADASBAoAMBIECgAwEgQKADASBAoAMBIECgAwEgQKADASBAoAMBIECgAwEgQKADASBAoAMBIECgAwEgQKz/K2ab45/e2ff2uan6cV/O+/NluORd82f/rPMW2N+a7t1Rz4l38b8f2zNAXJQaDwLFvfnZT5/kynI9gauKUttIxAP+6/vCPQJtB2x+oIdI0gUHiej03zr//R/vkffz79eRQdfx4EtohA3zY3BBqmu7eTLgWyg0DhDhvpfL//0/Q38BsbtxXeN5NqjRbo8dsmNjChGagMBAp32LyJbz8vjHgD372bnaCd6QKdfjVjm4HKQKBwj4/tm92NSSeKYiPQk7PeTvk4IECg0ww+oRmoDAQK99i+c9++iX/beXK9/zDz5I322fr3h3/8eaOn3Vvk/Re237j5y5Vq9vbZfP/3u3fVh48L2u987ideO+usg/Of+745/NPb85Y3f+n2ev4zdrb/eHjctfua4zd3v/BG9bM6Ny4NqgKBwl028tiY6GPHAO+vHqW37G4qN/74X+1fPp79w/brLm87jwL9n3/tfuXxR3xz8ydeCfS8g/Ofe1ugm6v65qzX08/YXedWoG8PRdo/nD7LOH3hdfXzOteXBnWBQOE+248Lu3eP79vbq7etz97vXbG9Cdz+fXsDtlHNP//P8W3y4fPGy0WgXzsCPd6wft/5EW/P/3r8iZcCvejg8uc+8xno991et/9ha7jDwq3dbeQ3X1s3f9Np4uILL6tf/PPVpUFlIFC4z3bu/4/T2+n9vduW97v/uFHE/u/tp6Snp/XvDzddhw88d++EzyR6EujP7Y9q/76TUfvY6fInXgr0soPLn3st0FacnV6PH/G2P/MovIOVD9Uuv/Ci+uU/X14a1AYChR523uu8gT+8F90/FfrY+YyzVc/xffjVhp/j+9u23oV1Wkl9PGhtX/vyJ14K9LKDy597ex3oN19v97q52u+7//L29NZ938z5F14I9PKfLy8NagOBQh/vz5+gPLcR8+1BoO1/3X4UeX3X9bFr0KNAj7eYewN2XXP9E5998H3079kX3BToN23pK73tm7nxL3tPX37hhUAv//ny0qA2ECj00d5r7Wg/yDx7aLNl96FhK9DTG/TOzWaX94dHMp2n8O0/bEucC/L6J94W6LGDy597Q6DdZ+3tHzpv7/fP54+PyLoCvfrCc4Fe/fPlpUFtIFDoo0egH8/+2r1hPHzoeX12x9um8/53skDPO7j8uc9vtuwK9Pwu945An7kdvvi29j8g0NpBoNDHhUDPt/Acdrj/fHoL/831P/988SFgK5ZCgV5sGrow4WUHFz+3UKDcgcIYECj00RXo1dPk98f3yjcF2n7J5nved7ef9wi0dc2u1vXz6wsTXnZw8XNLBHrrM9CbAh3xGSgCrRoECn10BdrZkrQz20lvG1ecCfTsw9D9svqTQt53bw4vLXN8Cr/5wT9f/cRLE152cPlziwR6svvHwwrR2wK9/MKrp/Dn/4xAaweBQh9nAj3tIt957qSv95efgb4/38S5e1O9/9rtx5rt0vhbAj2u/Xl7WAfa/YnPC/T9YU/R+ebREoHeWAd6W6DD14Ei0KpBoNDHmUC3mtoJqn2D3O732T3qaRenn6R03NXz89fuOvqL5ztXlvl4LP39jZ94th5p8/WXHVz+3PcXD5NOdG5WOzuIvv96R6CXX3hZ/eKfEWjtIFDo41ygp9XwO2McH5L/6d8Pmxa/OX1f011R1Hme3t4jPiPQZ/fCXy/o3Hz9ZQeXP/dwJshdgd7YC/+1bfFcoBdfeFX9ai88Aq0aBAp9XAj0/JCl1md7kX1z8RDpfVeDx+/sfuttgd4+jenw9wuBXnZw9XPblfX3Bdr+jG8u/+VKoOdfeF397J8RaO0gUACAkSBQAICRIFAAgJEgUACAkSBQAICRIFAAgJEgUACAkSBQAICRIFAAgJEgUACAkSBQAICRIFAAgJEgUACAkSBQAICRIFAAgJEgUACAkSBQAICRIFAAgJEgUACAkSBQAICR/H+pMZb1EJqevwAAAABJRU5ErkJggg=="/>
+          <p:cNvSpPr>
+            <a:spLocks noChangeAspect="1" noChangeArrowheads="1"/>
+          </p:cNvSpPr>
+          <p:nvPr/>
+        </p:nvSpPr>
+        <p:spPr bwMode="auto">
+          <a:xfrm>
+            <a:off x="460375" y="160337"/>
+            <a:ext cx="304800" cy="304801"/>
+          </a:xfrm>
+          <a:prstGeom prst="rect">
+            <a:avLst/>
+          </a:prstGeom>
+          <a:noFill/>
+          <a:extLst>
+            <a:ext uri="{909E8E84-426E-40DD-AFC4-6F175D3DCCD1}">
+              <a14:hiddenFill xmlns:a14="http://schemas.microsoft.com/office/drawing/2010/main">
+                <a:solidFill>
+                  <a:srgbClr val="FFFFFF"/>
+                </a:solidFill>
+              </a14:hiddenFill>
+            </a:ext>
+          </a:extLst>
+        </p:spPr>
+        <p:txBody>
+          <a:bodyPr vert="horz" wrap="square" lIns="91440" tIns="45720" rIns="91440" bIns="45720" numCol="1" anchor="t" anchorCtr="0" compatLnSpc="1">
+            <a:prstTxWarp prst="textNoShape">
+              <a:avLst/>
+            </a:prstTxWarp>
+          </a:bodyPr>
+          <a:lstStyle/>
+          <a:p>
+            <a:endParaRPr lang="en-US"/>
+          </a:p>
+        </p:txBody>
+      </p:sp>
+      <p:pic>
+        <p:nvPicPr>
+          <p:cNvPr id="9" name="Picture 8"/>
+          <p:cNvPicPr/>
+          <p:nvPr/>
+        </p:nvPicPr>
+        <p:blipFill rotWithShape="1">
+          <a:blip r:embed="rId3"/>
+          <a:srcRect l="22886" t="40700" r="37084" b="12603"/>
+          <a:stretch/>
+        </p:blipFill>
+        <p:spPr bwMode="auto">
+          <a:xfrm>
+            <a:off x="5181600" y="1142999"/>
+            <a:ext cx="2788920" cy="2514601"/>
+          </a:xfrm>
+          <a:prstGeom prst="rect">
+            <a:avLst/>
+          </a:prstGeom>
+          <a:ln>
+            <a:noFill/>
+          </a:ln>
+          <a:extLst>
+            <a:ext uri="{53640926-AAD7-44D8-BBD7-CCE9431645EC}">
+              <a14:shadowObscured xmlns:a14="http://schemas.microsoft.com/office/drawing/2010/main"/>
+            </a:ext>
+          </a:extLst>
+        </p:spPr>
+      </p:pic>
+    </p:spTree>
+    <p:extLst>
+      <p:ext uri="{BB962C8B-B14F-4D97-AF65-F5344CB8AC3E}">
+        <p14:creationId xmlns:p14="http://schemas.microsoft.com/office/powerpoint/2010/main" val="3237407644"/>
+      </p:ext>
+    </p:extLst>
+  </p:cSld>
+  <p:clrMapOvr>
+    <a:masterClrMapping/>
+  </p:clrMapOvr>
+</p:sld>
+</file>
+
+<file path=ppt/slides/slide13.xml><?xml version="1.0" encoding="utf-8"?>
+<p:sld xmlns:a="http://schemas.openxmlformats.org/drawingml/2006/main" xmlns:r="http://schemas.openxmlformats.org/officeDocument/2006/relationships" xmlns:p="http://schemas.openxmlformats.org/presentationml/2006/main">
+  <p:cSld>
+    <p:spTree>
+      <p:nvGrpSpPr>
+        <p:cNvPr id="1" name=""/>
+        <p:cNvGrpSpPr/>
+        <p:nvPr/>
+      </p:nvGrpSpPr>
+      <p:grpSpPr>
+        <a:xfrm>
+          <a:off x="0" y="0"/>
+          <a:ext cx="0" cy="0"/>
+          <a:chOff x="0" y="0"/>
+          <a:chExt cx="0" cy="0"/>
+        </a:xfrm>
+      </p:grpSpPr>
+      <p:sp>
+        <p:nvSpPr>
+          <p:cNvPr id="2" name="Content Placeholder 1"/>
+          <p:cNvSpPr>
+            <a:spLocks noGrp="1"/>
+          </p:cNvSpPr>
+          <p:nvPr>
+            <p:ph idx="1"/>
+          </p:nvPr>
+        </p:nvSpPr>
+        <p:spPr/>
+        <p:txBody>
+          <a:bodyPr/>
+          <a:lstStyle/>
+          <a:p>
+            <a:r>
+              <a:rPr lang="en-US" dirty="0"/>
+              <a:t>Top 3 Factors that Contribute to Turnover: Overtime, Marital Status, and Total Working Years</a:t>
+            </a:r>
+          </a:p>
+          <a:p>
+            <a:r>
+              <a:rPr lang="en-US" dirty="0"/>
+              <a:t>External/personal factors contribute as well as internal/job function factors</a:t>
+            </a:r>
+          </a:p>
+          <a:p>
+            <a:r>
+              <a:rPr lang="en-US" dirty="0"/>
+              <a:t>Variables that are correlated with entry level positions/age (work experience, perk eligibility, marital status)	lead to higher </a:t>
+            </a:r>
+            <a:r>
+              <a:rPr lang="en-US" dirty="0" smtClean="0"/>
+              <a:t>attrition</a:t>
+            </a:r>
+            <a:r>
+              <a:rPr lang="en-US" dirty="0" smtClean="0"/>
+              <a:t>	</a:t>
+            </a:r>
+            <a:endParaRPr lang="en-US" dirty="0"/>
+          </a:p>
+        </p:txBody>
+      </p:sp>
+      <p:sp>
+        <p:nvSpPr>
+          <p:cNvPr id="3" name="Title 2"/>
+          <p:cNvSpPr>
+            <a:spLocks noGrp="1"/>
+          </p:cNvSpPr>
+          <p:nvPr>
+            <p:ph type="title"/>
+          </p:nvPr>
+        </p:nvSpPr>
+        <p:spPr/>
+        <p:txBody>
+          <a:bodyPr/>
+          <a:lstStyle/>
+          <a:p>
+            <a:r>
+              <a:rPr lang="en-US" dirty="0" smtClean="0"/>
+              <a:t>Conclusions</a:t>
+            </a:r>
+            <a:endParaRPr lang="en-US" dirty="0"/>
+          </a:p>
+        </p:txBody>
+      </p:sp>
+    </p:spTree>
+    <p:extLst>
+      <p:ext uri="{BB962C8B-B14F-4D97-AF65-F5344CB8AC3E}">
+        <p14:creationId xmlns:p14="http://schemas.microsoft.com/office/powerpoint/2010/main" val="5799522"/>
+      </p:ext>
+    </p:extLst>
+  </p:cSld>
+  <p:clrMapOvr>
+    <a:masterClrMapping/>
+  </p:clrMapOvr>
+</p:sld>
+</file>
+
+<file path=ppt/slides/slide2.xml><?xml version="1.0" encoding="utf-8"?>
+<p:sld xmlns:a="http://schemas.openxmlformats.org/drawingml/2006/main" xmlns:r="http://schemas.openxmlformats.org/officeDocument/2006/relationships" xmlns:p="http://schemas.openxmlformats.org/presentationml/2006/main">
+  <p:cSld>
+    <p:spTree>
+      <p:nvGrpSpPr>
+        <p:cNvPr id="1" name=""/>
+        <p:cNvGrpSpPr/>
+        <p:nvPr/>
+      </p:nvGrpSpPr>
+      <p:grpSpPr>
+        <a:xfrm>
+          <a:off x="0" y="0"/>
+          <a:ext cx="0" cy="0"/>
+          <a:chOff x="0" y="0"/>
+          <a:chExt cx="0" cy="0"/>
+        </a:xfrm>
+      </p:grpSpPr>
+      <p:sp>
+        <p:nvSpPr>
+          <p:cNvPr id="2" name="Content Placeholder 1"/>
+          <p:cNvSpPr>
+            <a:spLocks noGrp="1"/>
+          </p:cNvSpPr>
+          <p:nvPr>
+            <p:ph idx="1"/>
+          </p:nvPr>
+        </p:nvSpPr>
+        <p:spPr>
+          <a:xfrm>
+            <a:off x="457200" y="1447800"/>
+            <a:ext cx="8401050" cy="4525963"/>
+          </a:xfrm>
+          <a:effectLst>
+            <a:innerShdw blurRad="63500" dist="50800" dir="8100000">
+              <a:prstClr val="black">
+                <a:alpha val="50000"/>
+              </a:prstClr>
+            </a:innerShdw>
+          </a:effectLst>
+        </p:spPr>
+        <p:txBody>
+          <a:bodyPr>
+            <a:normAutofit/>
+          </a:bodyPr>
+          <a:lstStyle/>
+          <a:p>
+            <a:endParaRPr lang="en-US" sz="2600" dirty="0"/>
+          </a:p>
+          <a:p>
+            <a:r>
+              <a:rPr lang="en-US" sz="2600" dirty="0" err="1" smtClean="0"/>
+              <a:t>DDSAnalytics</a:t>
+            </a:r>
+            <a:r>
+              <a:rPr lang="en-US" sz="2600" dirty="0" smtClean="0"/>
+              <a:t>: Using Data to Solve Problems</a:t>
+            </a:r>
+          </a:p>
+          <a:p>
+            <a:endParaRPr lang="en-US" sz="2600" dirty="0"/>
+          </a:p>
+          <a:p>
+            <a:r>
+              <a:rPr lang="en-US" sz="2600" dirty="0" smtClean="0"/>
+              <a:t>Solutions </a:t>
+            </a:r>
+            <a:r>
+              <a:rPr lang="en-US" sz="2600" dirty="0"/>
+              <a:t>for Fortune 1000 </a:t>
+            </a:r>
+            <a:r>
+              <a:rPr lang="en-US" sz="2600" dirty="0" smtClean="0"/>
+              <a:t>Companies</a:t>
+            </a:r>
+          </a:p>
+          <a:p>
+            <a:endParaRPr lang="en-US" sz="800" dirty="0" smtClean="0"/>
+          </a:p>
+          <a:p>
+            <a:pPr lvl="1"/>
+            <a:r>
+              <a:rPr lang="en-US" sz="2400" b="1" dirty="0"/>
+              <a:t>W</a:t>
+            </a:r>
+            <a:r>
+              <a:rPr lang="en-US" sz="2400" dirty="0" smtClean="0"/>
+              <a:t>orkforce Planning </a:t>
+            </a:r>
+          </a:p>
+          <a:p>
+            <a:pPr lvl="1"/>
+            <a:r>
+              <a:rPr lang="en-US" sz="2400" b="1" dirty="0"/>
+              <a:t>E</a:t>
+            </a:r>
+            <a:r>
+              <a:rPr lang="en-US" sz="2400" dirty="0" smtClean="0"/>
+              <a:t>mployee </a:t>
+            </a:r>
+            <a:r>
+              <a:rPr lang="en-US" sz="2400" dirty="0"/>
+              <a:t>T</a:t>
+            </a:r>
+            <a:r>
+              <a:rPr lang="en-US" sz="2400" dirty="0" smtClean="0"/>
+              <a:t>raining </a:t>
+            </a:r>
+            <a:r>
+              <a:rPr lang="en-US" sz="2400" dirty="0"/>
+              <a:t>P</a:t>
+            </a:r>
+            <a:r>
+              <a:rPr lang="en-US" sz="2400" dirty="0" smtClean="0"/>
+              <a:t>rogram</a:t>
+            </a:r>
+          </a:p>
+          <a:p>
+            <a:pPr lvl="1"/>
+            <a:r>
+              <a:rPr lang="en-US" sz="2400" b="1" dirty="0" smtClean="0"/>
+              <a:t>I</a:t>
+            </a:r>
+            <a:r>
+              <a:rPr lang="en-US" sz="2400" dirty="0" smtClean="0"/>
+              <a:t>dentifying High-Potential Employees</a:t>
+            </a:r>
+          </a:p>
+          <a:p>
+            <a:pPr lvl="1"/>
+            <a:r>
+              <a:rPr lang="en-US" sz="2400" b="1" dirty="0" smtClean="0"/>
+              <a:t>R</a:t>
+            </a:r>
+            <a:r>
+              <a:rPr lang="en-US" sz="2400" dirty="0" smtClean="0"/>
+              <a:t>educing Turnover</a:t>
+            </a:r>
+          </a:p>
+          <a:p>
+            <a:pPr lvl="1"/>
+            <a:r>
+              <a:rPr lang="en-US" sz="2400" b="1" dirty="0" smtClean="0"/>
+              <a:t>D</a:t>
+            </a:r>
+            <a:r>
+              <a:rPr lang="en-US" sz="2400" dirty="0" smtClean="0"/>
+              <a:t>ata Interpretation</a:t>
+            </a:r>
+          </a:p>
+          <a:p>
+            <a:pPr lvl="1"/>
+            <a:endParaRPr lang="en-US" sz="2400" dirty="0" smtClean="0"/>
+          </a:p>
+          <a:p>
+            <a:pPr lvl="1"/>
+            <a:endParaRPr lang="en-US" sz="5000" dirty="0" smtClean="0"/>
+          </a:p>
+          <a:p>
+            <a:pPr marL="109728" indent="0">
+              <a:buNone/>
+            </a:pPr>
+            <a:endParaRPr lang="en-US" sz="2600" dirty="0"/>
+          </a:p>
+          <a:p>
+            <a:pPr marL="109728" indent="0">
+              <a:buNone/>
+            </a:pPr>
+            <a:endParaRPr lang="en-US" sz="2600" dirty="0" smtClean="0"/>
+          </a:p>
+          <a:p>
+            <a:endParaRPr lang="en-US" sz="2600" dirty="0"/>
+          </a:p>
+        </p:txBody>
+      </p:sp>
+      <p:sp>
+        <p:nvSpPr>
+          <p:cNvPr id="3" name="Title 2"/>
+          <p:cNvSpPr>
+            <a:spLocks noGrp="1"/>
+          </p:cNvSpPr>
+          <p:nvPr>
+            <p:ph type="title"/>
+          </p:nvPr>
+        </p:nvSpPr>
+        <p:spPr/>
+        <p:txBody>
+          <a:bodyPr/>
+          <a:lstStyle/>
+          <a:p>
+            <a:r>
+              <a:rPr lang="en-US" dirty="0" smtClean="0"/>
+              <a:t>Introduction</a:t>
+            </a:r>
+            <a:endParaRPr lang="en-US" dirty="0"/>
+          </a:p>
+        </p:txBody>
+      </p:sp>
+      <p:sp>
+        <p:nvSpPr>
+          <p:cNvPr id="4" name="AutoShape 2" descr="Related image"/>
+          <p:cNvSpPr>
+            <a:spLocks noChangeAspect="1" noChangeArrowheads="1"/>
+          </p:cNvSpPr>
+          <p:nvPr/>
+        </p:nvSpPr>
+        <p:spPr bwMode="auto">
+          <a:xfrm>
+            <a:off x="155575" y="-144463"/>
+            <a:ext cx="304800" cy="304801"/>
+          </a:xfrm>
+          <a:prstGeom prst="rect">
+            <a:avLst/>
+          </a:prstGeom>
+          <a:noFill/>
+          <a:extLst>
+            <a:ext uri="{909E8E84-426E-40DD-AFC4-6F175D3DCCD1}">
+              <a14:hiddenFill xmlns:a14="http://schemas.microsoft.com/office/drawing/2010/main">
+                <a:solidFill>
+                  <a:srgbClr val="FFFFFF"/>
+                </a:solidFill>
+              </a14:hiddenFill>
+            </a:ext>
+          </a:extLst>
+        </p:spPr>
+        <p:txBody>
+          <a:bodyPr vert="horz" wrap="square" lIns="91440" tIns="45720" rIns="91440" bIns="45720" numCol="1" anchor="t" anchorCtr="0" compatLnSpc="1">
+            <a:prstTxWarp prst="textNoShape">
+              <a:avLst/>
+            </a:prstTxWarp>
+          </a:bodyPr>
+          <a:lstStyle/>
+          <a:p>
+            <a:endParaRPr lang="en-US"/>
+          </a:p>
+        </p:txBody>
+      </p:sp>
+      <p:pic>
+        <p:nvPicPr>
+          <p:cNvPr id="5" name="Picture 4"/>
+          <p:cNvPicPr>
+            <a:picLocks noChangeAspect="1"/>
+          </p:cNvPicPr>
+          <p:nvPr/>
+        </p:nvPicPr>
+        <p:blipFill>
+          <a:blip r:embed="rId3" cstate="print">
+            <a:extLst>
+              <a:ext uri="{28A0092B-C50C-407E-A947-70E740481C1C}">
+                <a14:useLocalDpi xmlns:a14="http://schemas.microsoft.com/office/drawing/2010/main" val="0"/>
+              </a:ext>
+            </a:extLst>
+          </a:blip>
+          <a:stretch>
+            <a:fillRect/>
+          </a:stretch>
+        </p:blipFill>
+        <p:spPr>
+          <a:xfrm>
+            <a:off x="6577378" y="4876800"/>
+            <a:ext cx="2261822" cy="1752600"/>
+          </a:xfrm>
+          <a:prstGeom prst="rect">
+            <a:avLst/>
+          </a:prstGeom>
+        </p:spPr>
+      </p:pic>
+    </p:spTree>
+    <p:extLst>
+      <p:ext uri="{BB962C8B-B14F-4D97-AF65-F5344CB8AC3E}">
+        <p14:creationId xmlns:p14="http://schemas.microsoft.com/office/powerpoint/2010/main" val="4075600054"/>
+      </p:ext>
+    </p:extLst>
+  </p:cSld>
+  <p:clrMapOvr>
+    <a:masterClrMapping/>
+  </p:clrMapOvr>
+</p:sld>
+</file>
+
+<file path=ppt/slides/slide3.xml><?xml version="1.0" encoding="utf-8"?>
+<p:sld xmlns:a="http://schemas.openxmlformats.org/drawingml/2006/main" xmlns:r="http://schemas.openxmlformats.org/officeDocument/2006/relationships" xmlns:p="http://schemas.openxmlformats.org/presentationml/2006/main">
+  <p:cSld>
+    <p:spTree>
+      <p:nvGrpSpPr>
+        <p:cNvPr id="1" name=""/>
+        <p:cNvGrpSpPr/>
+        <p:nvPr/>
+      </p:nvGrpSpPr>
+      <p:grpSpPr>
+        <a:xfrm>
+          <a:off x="0" y="0"/>
+          <a:ext cx="0" cy="0"/>
+          <a:chOff x="0" y="0"/>
+          <a:chExt cx="0" cy="0"/>
+        </a:xfrm>
+      </p:grpSpPr>
+      <p:sp>
+        <p:nvSpPr>
+          <p:cNvPr id="2" name="Content Placeholder 1"/>
+          <p:cNvSpPr>
+            <a:spLocks noGrp="1"/>
+          </p:cNvSpPr>
+          <p:nvPr>
+            <p:ph idx="1"/>
+          </p:nvPr>
+        </p:nvSpPr>
+        <p:spPr/>
+        <p:txBody>
+          <a:bodyPr/>
+          <a:lstStyle/>
+          <a:p>
+            <a:r>
+              <a:rPr lang="en-US" dirty="0" smtClean="0"/>
+              <a:t>Costs Per Hire $4,129</a:t>
+            </a:r>
+          </a:p>
+          <a:p>
+            <a:endParaRPr lang="en-US" dirty="0" smtClean="0"/>
+          </a:p>
+          <a:p>
+            <a:r>
+              <a:rPr lang="en-US" dirty="0" smtClean="0"/>
+              <a:t>Time to Fill 42 days</a:t>
+            </a:r>
+          </a:p>
+          <a:p>
+            <a:endParaRPr lang="en-US" dirty="0" smtClean="0"/>
+          </a:p>
+          <a:p>
+            <a:r>
+              <a:rPr lang="en-US" dirty="0" smtClean="0"/>
+              <a:t>Employee Tenure 8 Years</a:t>
+            </a:r>
+          </a:p>
+          <a:p>
+            <a:endParaRPr lang="en-US" dirty="0" smtClean="0"/>
+          </a:p>
+          <a:p>
+            <a:r>
+              <a:rPr lang="en-US" dirty="0" smtClean="0"/>
+              <a:t>Annual Turnover Rate 19%</a:t>
+            </a:r>
+            <a:endParaRPr lang="en-US" dirty="0"/>
+          </a:p>
+        </p:txBody>
+      </p:sp>
+      <p:sp>
+        <p:nvSpPr>
+          <p:cNvPr id="3" name="Title 2"/>
+          <p:cNvSpPr>
+            <a:spLocks noGrp="1"/>
+          </p:cNvSpPr>
+          <p:nvPr>
+            <p:ph type="title"/>
+          </p:nvPr>
+        </p:nvSpPr>
+        <p:spPr/>
+        <p:txBody>
+          <a:bodyPr/>
+          <a:lstStyle/>
+          <a:p>
+            <a:r>
+              <a:rPr lang="en-US" dirty="0"/>
+              <a:t>Cost of Attrition - 2016</a:t>
+            </a:r>
+          </a:p>
+        </p:txBody>
+      </p:sp>
+      <p:pic>
+        <p:nvPicPr>
+          <p:cNvPr id="4" name="Picture 2" descr="Image result for Human Resource Managementâs 2016 Human Capital Benchmarking Report"/>
+          <p:cNvPicPr>
+            <a:picLocks noChangeAspect="1" noChangeArrowheads="1"/>
+          </p:cNvPicPr>
+          <p:nvPr/>
+        </p:nvPicPr>
+        <p:blipFill rotWithShape="1">
+          <a:blip r:embed="rId3" cstate="print">
+            <a:extLst>
+              <a:ext uri="{28A0092B-C50C-407E-A947-70E740481C1C}">
+                <a14:useLocalDpi xmlns:a14="http://schemas.microsoft.com/office/drawing/2010/main" val="0"/>
+              </a:ext>
+            </a:extLst>
+          </a:blip>
+          <a:srcRect l="8306" r="13708"/>
+          <a:stretch/>
+        </p:blipFill>
+        <p:spPr bwMode="auto">
+          <a:xfrm>
+            <a:off x="6781800" y="4953000"/>
+            <a:ext cx="1666180" cy="1121664"/>
+          </a:xfrm>
+          <a:prstGeom prst="rect">
+            <a:avLst/>
+          </a:prstGeom>
+          <a:noFill/>
+          <a:extLst>
+            <a:ext uri="{909E8E84-426E-40DD-AFC4-6F175D3DCCD1}">
+              <a14:hiddenFill xmlns:a14="http://schemas.microsoft.com/office/drawing/2010/main">
+                <a:solidFill>
+                  <a:srgbClr val="FFFFFF"/>
+                </a:solidFill>
+              </a14:hiddenFill>
+            </a:ext>
+          </a:extLst>
+        </p:spPr>
+      </p:pic>
+      <p:pic>
+        <p:nvPicPr>
+          <p:cNvPr id="5" name="Content Placeholder 3"/>
+          <p:cNvPicPr>
+            <a:picLocks noChangeAspect="1"/>
+          </p:cNvPicPr>
+          <p:nvPr/>
+        </p:nvPicPr>
+        <p:blipFill>
+          <a:blip r:embed="rId4" cstate="print">
+            <a:extLst>
+              <a:ext uri="{28A0092B-C50C-407E-A947-70E740481C1C}">
+                <a14:useLocalDpi xmlns:a14="http://schemas.microsoft.com/office/drawing/2010/main" val="0"/>
+              </a:ext>
+            </a:extLst>
+          </a:blip>
+          <a:stretch>
+            <a:fillRect/>
+          </a:stretch>
+        </p:blipFill>
+        <p:spPr>
+          <a:xfrm>
+            <a:off x="6172200" y="1499099"/>
+            <a:ext cx="2708003" cy="3149101"/>
+          </a:xfrm>
+          <a:prstGeom prst="rect">
+            <a:avLst/>
+          </a:prstGeom>
+          <a:ln>
+            <a:solidFill>
+              <a:schemeClr val="accent1"/>
+            </a:solidFill>
+          </a:ln>
+        </p:spPr>
+      </p:pic>
+    </p:spTree>
+    <p:extLst>
+      <p:ext uri="{BB962C8B-B14F-4D97-AF65-F5344CB8AC3E}">
+        <p14:creationId xmlns:p14="http://schemas.microsoft.com/office/powerpoint/2010/main" val="1930422771"/>
+      </p:ext>
+    </p:extLst>
+  </p:cSld>
+  <p:clrMapOvr>
+    <a:masterClrMapping/>
+  </p:clrMapOvr>
+</p:sld>
+</file>
+
+<file path=ppt/slides/slide4.xml><?xml version="1.0" encoding="utf-8"?>
+<p:sld xmlns:a="http://schemas.openxmlformats.org/drawingml/2006/main" xmlns:r="http://schemas.openxmlformats.org/officeDocument/2006/relationships" xmlns:p="http://schemas.openxmlformats.org/presentationml/2006/main">
+  <p:cSld>
+    <p:spTree>
+      <p:nvGrpSpPr>
+        <p:cNvPr id="1" name=""/>
+        <p:cNvGrpSpPr/>
+        <p:nvPr/>
+      </p:nvGrpSpPr>
+      <p:grpSpPr>
+        <a:xfrm>
+          <a:off x="0" y="0"/>
+          <a:ext cx="0" cy="0"/>
+          <a:chOff x="0" y="0"/>
+          <a:chExt cx="0" cy="0"/>
+        </a:xfrm>
+      </p:grpSpPr>
+      <p:sp>
+        <p:nvSpPr>
+          <p:cNvPr id="2" name="Content Placeholder 1"/>
+          <p:cNvSpPr>
+            <a:spLocks noGrp="1"/>
+          </p:cNvSpPr>
+          <p:nvPr>
+            <p:ph idx="1"/>
+          </p:nvPr>
+        </p:nvSpPr>
+        <p:spPr/>
+        <p:txBody>
+          <a:bodyPr>
+            <a:normAutofit/>
+          </a:bodyPr>
+          <a:lstStyle/>
+          <a:p>
+            <a:r>
+              <a:rPr lang="en-US" sz="2400" dirty="0" smtClean="0"/>
+              <a:t>Probabilistic Machine Learning Algorithm</a:t>
+            </a:r>
+          </a:p>
+          <a:p>
+            <a:endParaRPr lang="en-US" sz="2400" dirty="0" smtClean="0"/>
+          </a:p>
+          <a:p>
+            <a:r>
+              <a:rPr lang="en-US" sz="2400" dirty="0" smtClean="0"/>
+              <a:t>Assumes </a:t>
+            </a:r>
+            <a:r>
+              <a:rPr lang="en-US" sz="2400" dirty="0"/>
+              <a:t>features </a:t>
+            </a:r>
+            <a:r>
+              <a:rPr lang="en-US" sz="2400" dirty="0" smtClean="0"/>
+              <a:t>are independent of each other</a:t>
+            </a:r>
+            <a:endParaRPr lang="en-US" sz="2400" dirty="0"/>
+          </a:p>
+        </p:txBody>
+      </p:sp>
+      <p:sp>
+        <p:nvSpPr>
+          <p:cNvPr id="3" name="Title 2"/>
+          <p:cNvSpPr>
+            <a:spLocks noGrp="1"/>
+          </p:cNvSpPr>
+          <p:nvPr>
+            <p:ph type="title"/>
+          </p:nvPr>
+        </p:nvSpPr>
+        <p:spPr/>
+        <p:txBody>
+          <a:bodyPr>
+            <a:normAutofit fontScale="90000"/>
+          </a:bodyPr>
+          <a:lstStyle/>
+          <a:p>
+            <a:r>
+              <a:rPr lang="en-US" dirty="0" smtClean="0"/>
+              <a:t>Naïve-Bayes: </a:t>
+            </a:r>
+            <a:r>
+              <a:rPr lang="en-US" sz="4000" dirty="0" smtClean="0"/>
+              <a:t>Variable Exploration</a:t>
+            </a:r>
+            <a:endParaRPr lang="en-US" sz="4400" dirty="0"/>
+          </a:p>
+        </p:txBody>
+      </p:sp>
+      <p:graphicFrame>
+        <p:nvGraphicFramePr>
+          <p:cNvPr id="5" name="Table 4"/>
+          <p:cNvGraphicFramePr>
+            <a:graphicFrameLocks noGrp="1"/>
+          </p:cNvGraphicFramePr>
+          <p:nvPr>
+            <p:extLst>
+              <p:ext uri="{D42A27DB-BD31-4B8C-83A1-F6EECF244321}">
+                <p14:modId xmlns:p14="http://schemas.microsoft.com/office/powerpoint/2010/main" val="2920561248"/>
+              </p:ext>
+            </p:extLst>
+          </p:nvPr>
+        </p:nvGraphicFramePr>
+        <p:xfrm>
+          <a:off x="3048000" y="3048000"/>
+          <a:ext cx="3644900" cy="2543175"/>
+        </p:xfrm>
+        <a:graphic>
+          <a:graphicData uri="http://schemas.openxmlformats.org/drawingml/2006/table">
+            <a:tbl>
+              <a:tblPr>
+                <a:tableStyleId>{5C22544A-7EE6-4342-B048-85BDC9FD1C3A}</a:tableStyleId>
+              </a:tblPr>
+              <a:tblGrid>
+                <a:gridCol w="2819400"/>
+                <a:gridCol w="825500"/>
+              </a:tblGrid>
+              <a:tr h="247650">
+                <a:tc>
+                  <a:txBody>
+                    <a:bodyPr/>
+                    <a:lstStyle/>
+                    <a:p>
+                      <a:pPr algn="l" fontAlgn="b"/>
+                      <a:r>
+                        <a:rPr lang="en-US" sz="1400" u="none" strike="noStrike" dirty="0">
+                          <a:effectLst/>
+                        </a:rPr>
+                        <a:t>Variable</a:t>
+                      </a:r>
+                      <a:endParaRPr lang="en-US" sz="1400" b="1" i="0" u="none" strike="noStrike" dirty="0">
+                        <a:solidFill>
+                          <a:srgbClr val="000000"/>
+                        </a:solidFill>
+                        <a:effectLst/>
+                        <a:latin typeface="Calibri"/>
+                      </a:endParaRPr>
+                    </a:p>
+                  </a:txBody>
+                  <a:tcPr marL="85725" marR="9525" marT="9525" marB="0" anchor="b">
+                    <a:lnL w="12700" cap="flat" cmpd="sng" algn="ctr">
+                      <a:solidFill>
+                        <a:schemeClr val="tx1"/>
+                      </a:solidFill>
+                      <a:prstDash val="solid"/>
+                      <a:round/>
+                      <a:headEnd type="none" w="med" len="med"/>
+                      <a:tailEnd type="none" w="med" len="med"/>
+                    </a:lnL>
+                    <a:lnT w="12700" cap="flat" cmpd="sng" algn="ctr">
+                      <a:solidFill>
+                        <a:schemeClr val="tx1"/>
+                      </a:solidFill>
+                      <a:prstDash val="solid"/>
+                      <a:round/>
+                      <a:headEnd type="none" w="med" len="med"/>
+                      <a:tailEnd type="none" w="med" len="med"/>
+                    </a:lnT>
+                    <a:lnB w="12700" cap="flat" cmpd="sng" algn="ctr">
+                      <a:solidFill>
+                        <a:schemeClr val="tx1"/>
+                      </a:solidFill>
+                      <a:prstDash val="solid"/>
+                      <a:round/>
+                      <a:headEnd type="none" w="med" len="med"/>
+                      <a:tailEnd type="none" w="med" len="med"/>
+                    </a:lnB>
+                    <a:solidFill>
+                      <a:schemeClr val="accent1">
+                        <a:lumMod val="40000"/>
+                        <a:lumOff val="60000"/>
+                      </a:schemeClr>
+                    </a:solidFill>
+                  </a:tcPr>
+                </a:tc>
+                <a:tc>
+                  <a:txBody>
+                    <a:bodyPr/>
+                    <a:lstStyle/>
+                    <a:p>
+                      <a:pPr algn="ctr" fontAlgn="b"/>
+                      <a:r>
+                        <a:rPr lang="en-US" sz="1400" u="none" strike="noStrike" dirty="0">
+                          <a:effectLst/>
+                        </a:rPr>
+                        <a:t>P(Y|X)</a:t>
+                      </a:r>
+                      <a:endParaRPr lang="en-US" sz="1400" b="1" i="0" u="none" strike="noStrike" dirty="0">
+                        <a:solidFill>
+                          <a:srgbClr val="000000"/>
+                        </a:solidFill>
+                        <a:effectLst/>
+                        <a:latin typeface="Calibri"/>
+                      </a:endParaRPr>
+                    </a:p>
+                  </a:txBody>
+                  <a:tcPr marL="9525" marR="9525" marT="9525" marB="0" anchor="b">
+                    <a:lnR w="12700" cap="flat" cmpd="sng" algn="ctr">
+                      <a:solidFill>
+                        <a:schemeClr val="tx1"/>
+                      </a:solidFill>
+                      <a:prstDash val="solid"/>
+                      <a:round/>
+                      <a:headEnd type="none" w="med" len="med"/>
+                      <a:tailEnd type="none" w="med" len="med"/>
+                    </a:lnR>
+                    <a:lnT w="12700" cap="flat" cmpd="sng" algn="ctr">
+                      <a:solidFill>
+                        <a:schemeClr val="tx1"/>
+                      </a:solidFill>
+                      <a:prstDash val="solid"/>
+                      <a:round/>
+                      <a:headEnd type="none" w="med" len="med"/>
+                      <a:tailEnd type="none" w="med" len="med"/>
+                    </a:lnT>
+                    <a:lnB w="12700" cap="flat" cmpd="sng" algn="ctr">
+                      <a:solidFill>
+                        <a:schemeClr val="tx1"/>
+                      </a:solidFill>
+                      <a:prstDash val="solid"/>
+                      <a:round/>
+                      <a:headEnd type="none" w="med" len="med"/>
+                      <a:tailEnd type="none" w="med" len="med"/>
+                    </a:lnB>
+                    <a:solidFill>
+                      <a:schemeClr val="accent1">
+                        <a:lumMod val="40000"/>
+                        <a:lumOff val="60000"/>
+                      </a:schemeClr>
+                    </a:solidFill>
+                  </a:tcPr>
+                </a:tc>
+              </a:tr>
+              <a:tr h="190500">
+                <a:tc>
+                  <a:txBody>
+                    <a:bodyPr/>
+                    <a:lstStyle/>
+                    <a:p>
+                      <a:pPr algn="l" fontAlgn="t"/>
+                      <a:r>
+                        <a:rPr lang="en-US" sz="1100" u="none" strike="noStrike" dirty="0">
+                          <a:effectLst/>
+                        </a:rPr>
+                        <a:t>BusinessTravel - Travel Rarely</a:t>
+                      </a:r>
+                      <a:endParaRPr lang="en-US" sz="1100" b="0" i="0" u="none" strike="noStrike" dirty="0">
+                        <a:solidFill>
+                          <a:srgbClr val="333333"/>
+                        </a:solidFill>
+                        <a:effectLst/>
+                        <a:latin typeface="Arial"/>
+                      </a:endParaRPr>
+                    </a:p>
+                  </a:txBody>
+                  <a:tcPr marL="85725" marR="9525" marT="9525" marB="0">
+                    <a:lnL w="12700" cap="flat" cmpd="sng" algn="ctr">
+                      <a:solidFill>
+                        <a:schemeClr val="tx1"/>
+                      </a:solidFill>
+                      <a:prstDash val="solid"/>
+                      <a:round/>
+                      <a:headEnd type="none" w="med" len="med"/>
+                      <a:tailEnd type="none" w="med" len="med"/>
+                    </a:lnL>
+                    <a:lnT w="12700" cap="flat" cmpd="sng" algn="ctr">
+                      <a:solidFill>
+                        <a:schemeClr val="tx1"/>
+                      </a:solidFill>
+                      <a:prstDash val="solid"/>
+                      <a:round/>
+                      <a:headEnd type="none" w="med" len="med"/>
+                      <a:tailEnd type="none" w="med" len="med"/>
+                    </a:lnT>
+                    <a:solidFill>
+                      <a:schemeClr val="accent1">
+                        <a:lumMod val="20000"/>
+                        <a:lumOff val="80000"/>
+                      </a:schemeClr>
+                    </a:solidFill>
+                  </a:tcPr>
+                </a:tc>
+                <a:tc>
+                  <a:txBody>
+                    <a:bodyPr/>
+                    <a:lstStyle/>
+                    <a:p>
+                      <a:pPr algn="ctr" fontAlgn="t"/>
+                      <a:r>
+                        <a:rPr lang="en-US" sz="1100" u="none" strike="noStrike" dirty="0">
+                          <a:effectLst/>
+                        </a:rPr>
+                        <a:t>0.66</a:t>
+                      </a:r>
+                      <a:endParaRPr lang="en-US" sz="1100" b="0" i="0" u="none" strike="noStrike" dirty="0">
+                        <a:solidFill>
+                          <a:srgbClr val="333333"/>
+                        </a:solidFill>
+                        <a:effectLst/>
+                        <a:latin typeface="Arial"/>
+                      </a:endParaRPr>
+                    </a:p>
+                  </a:txBody>
+                  <a:tcPr marL="9525" marR="9525" marT="9525" marB="0">
+                    <a:lnR w="12700" cap="flat" cmpd="sng" algn="ctr">
+                      <a:solidFill>
+                        <a:schemeClr val="tx1"/>
+                      </a:solidFill>
+                      <a:prstDash val="solid"/>
+                      <a:round/>
+                      <a:headEnd type="none" w="med" len="med"/>
+                      <a:tailEnd type="none" w="med" len="med"/>
+                    </a:lnR>
+                    <a:lnT w="12700" cap="flat" cmpd="sng" algn="ctr">
+                      <a:solidFill>
+                        <a:schemeClr val="tx1"/>
+                      </a:solidFill>
+                      <a:prstDash val="solid"/>
+                      <a:round/>
+                      <a:headEnd type="none" w="med" len="med"/>
+                      <a:tailEnd type="none" w="med" len="med"/>
+                    </a:lnT>
+                    <a:solidFill>
+                      <a:schemeClr val="accent1">
+                        <a:lumMod val="20000"/>
+                        <a:lumOff val="80000"/>
+                      </a:schemeClr>
+                    </a:solidFill>
+                  </a:tcPr>
+                </a:tc>
+              </a:tr>
+              <a:tr h="190500">
+                <a:tc>
+                  <a:txBody>
+                    <a:bodyPr/>
+                    <a:lstStyle/>
+                    <a:p>
+                      <a:pPr algn="l" fontAlgn="t"/>
+                      <a:r>
+                        <a:rPr lang="en-US" sz="1100" u="none" strike="noStrike">
+                          <a:effectLst/>
+                        </a:rPr>
+                        <a:t>Department - Research &amp; Develoment</a:t>
+                      </a:r>
+                      <a:endParaRPr lang="en-US" sz="1100" b="0" i="0" u="none" strike="noStrike">
+                        <a:solidFill>
+                          <a:srgbClr val="333333"/>
+                        </a:solidFill>
+                        <a:effectLst/>
+                        <a:latin typeface="Arial"/>
+                      </a:endParaRPr>
+                    </a:p>
+                  </a:txBody>
+                  <a:tcPr marL="85725" marR="9525" marT="9525" marB="0">
+                    <a:lnL w="12700" cap="flat" cmpd="sng" algn="ctr">
+                      <a:solidFill>
+                        <a:schemeClr val="tx1"/>
+                      </a:solidFill>
+                      <a:prstDash val="solid"/>
+                      <a:round/>
+                      <a:headEnd type="none" w="med" len="med"/>
+                      <a:tailEnd type="none" w="med" len="med"/>
+                    </a:lnL>
+                    <a:solidFill>
+                      <a:schemeClr val="accent1">
+                        <a:lumMod val="20000"/>
+                        <a:lumOff val="80000"/>
+                      </a:schemeClr>
+                    </a:solidFill>
+                  </a:tcPr>
+                </a:tc>
+                <a:tc>
+                  <a:txBody>
+                    <a:bodyPr/>
+                    <a:lstStyle/>
+                    <a:p>
+                      <a:pPr algn="ctr" fontAlgn="t"/>
+                      <a:r>
+                        <a:rPr lang="en-US" sz="1100" u="none" strike="noStrike">
+                          <a:effectLst/>
+                        </a:rPr>
+                        <a:t>0.56</a:t>
+                      </a:r>
+                      <a:endParaRPr lang="en-US" sz="1100" b="0" i="0" u="none" strike="noStrike">
+                        <a:solidFill>
+                          <a:srgbClr val="333333"/>
+                        </a:solidFill>
+                        <a:effectLst/>
+                        <a:latin typeface="Arial"/>
+                      </a:endParaRPr>
+                    </a:p>
+                  </a:txBody>
+                  <a:tcPr marL="9525" marR="9525" marT="9525" marB="0">
+                    <a:lnR w="12700" cap="flat" cmpd="sng" algn="ctr">
+                      <a:solidFill>
+                        <a:schemeClr val="tx1"/>
+                      </a:solidFill>
+                      <a:prstDash val="solid"/>
+                      <a:round/>
+                      <a:headEnd type="none" w="med" len="med"/>
+                      <a:tailEnd type="none" w="med" len="med"/>
+                    </a:lnR>
+                    <a:solidFill>
+                      <a:schemeClr val="accent1">
+                        <a:lumMod val="20000"/>
+                        <a:lumOff val="80000"/>
+                      </a:schemeClr>
+                    </a:solidFill>
+                  </a:tcPr>
+                </a:tc>
+              </a:tr>
+              <a:tr h="190500">
+                <a:tc>
+                  <a:txBody>
+                    <a:bodyPr/>
+                    <a:lstStyle/>
+                    <a:p>
+                      <a:pPr algn="l" fontAlgn="t"/>
+                      <a:r>
+                        <a:rPr lang="en-US" sz="1100" u="none" strike="noStrike">
+                          <a:effectLst/>
+                        </a:rPr>
+                        <a:t>DistanceFromHome - Under 10</a:t>
+                      </a:r>
+                      <a:endParaRPr lang="en-US" sz="1100" b="0" i="0" u="none" strike="noStrike">
+                        <a:solidFill>
+                          <a:srgbClr val="333333"/>
+                        </a:solidFill>
+                        <a:effectLst/>
+                        <a:latin typeface="Arial"/>
+                      </a:endParaRPr>
+                    </a:p>
+                  </a:txBody>
+                  <a:tcPr marL="85725" marR="9525" marT="9525" marB="0">
+                    <a:lnL w="12700" cap="flat" cmpd="sng" algn="ctr">
+                      <a:solidFill>
+                        <a:schemeClr val="tx1"/>
+                      </a:solidFill>
+                      <a:prstDash val="solid"/>
+                      <a:round/>
+                      <a:headEnd type="none" w="med" len="med"/>
+                      <a:tailEnd type="none" w="med" len="med"/>
+                    </a:lnL>
+                    <a:solidFill>
+                      <a:schemeClr val="accent1">
+                        <a:lumMod val="20000"/>
+                        <a:lumOff val="80000"/>
+                      </a:schemeClr>
+                    </a:solidFill>
+                  </a:tcPr>
+                </a:tc>
+                <a:tc>
+                  <a:txBody>
+                    <a:bodyPr/>
+                    <a:lstStyle/>
+                    <a:p>
+                      <a:pPr algn="ctr" fontAlgn="t"/>
+                      <a:r>
+                        <a:rPr lang="en-US" sz="1100" u="none" strike="noStrike">
+                          <a:effectLst/>
+                        </a:rPr>
+                        <a:t>0.56</a:t>
+                      </a:r>
+                      <a:endParaRPr lang="en-US" sz="1100" b="0" i="0" u="none" strike="noStrike">
+                        <a:solidFill>
+                          <a:srgbClr val="333333"/>
+                        </a:solidFill>
+                        <a:effectLst/>
+                        <a:latin typeface="Arial"/>
+                      </a:endParaRPr>
+                    </a:p>
+                  </a:txBody>
+                  <a:tcPr marL="9525" marR="9525" marT="9525" marB="0">
+                    <a:lnR w="12700" cap="flat" cmpd="sng" algn="ctr">
+                      <a:solidFill>
+                        <a:schemeClr val="tx1"/>
+                      </a:solidFill>
+                      <a:prstDash val="solid"/>
+                      <a:round/>
+                      <a:headEnd type="none" w="med" len="med"/>
+                      <a:tailEnd type="none" w="med" len="med"/>
+                    </a:lnR>
+                    <a:solidFill>
+                      <a:schemeClr val="accent1">
+                        <a:lumMod val="20000"/>
+                        <a:lumOff val="80000"/>
+                      </a:schemeClr>
+                    </a:solidFill>
+                  </a:tcPr>
+                </a:tc>
+              </a:tr>
+              <a:tr h="190500">
+                <a:tc>
+                  <a:txBody>
+                    <a:bodyPr/>
+                    <a:lstStyle/>
+                    <a:p>
+                      <a:pPr algn="l" fontAlgn="t"/>
+                      <a:r>
+                        <a:rPr lang="en-US" sz="1100" u="none" strike="noStrike">
+                          <a:effectLst/>
+                        </a:rPr>
+                        <a:t>Education - Bachelor Below</a:t>
+                      </a:r>
+                      <a:endParaRPr lang="en-US" sz="1100" b="0" i="0" u="none" strike="noStrike">
+                        <a:solidFill>
+                          <a:srgbClr val="333333"/>
+                        </a:solidFill>
+                        <a:effectLst/>
+                        <a:latin typeface="Arial"/>
+                      </a:endParaRPr>
+                    </a:p>
+                  </a:txBody>
+                  <a:tcPr marL="85725" marR="9525" marT="9525" marB="0">
+                    <a:lnL w="12700" cap="flat" cmpd="sng" algn="ctr">
+                      <a:solidFill>
+                        <a:schemeClr val="tx1"/>
+                      </a:solidFill>
+                      <a:prstDash val="solid"/>
+                      <a:round/>
+                      <a:headEnd type="none" w="med" len="med"/>
+                      <a:tailEnd type="none" w="med" len="med"/>
+                    </a:lnL>
+                    <a:solidFill>
+                      <a:schemeClr val="accent1">
+                        <a:lumMod val="20000"/>
+                        <a:lumOff val="80000"/>
+                      </a:schemeClr>
+                    </a:solidFill>
+                  </a:tcPr>
+                </a:tc>
+                <a:tc>
+                  <a:txBody>
+                    <a:bodyPr/>
+                    <a:lstStyle/>
+                    <a:p>
+                      <a:pPr algn="ctr" fontAlgn="t"/>
+                      <a:r>
+                        <a:rPr lang="en-US" sz="1100" u="none" strike="noStrike">
+                          <a:effectLst/>
+                        </a:rPr>
+                        <a:t>0.42</a:t>
+                      </a:r>
+                      <a:endParaRPr lang="en-US" sz="1100" b="0" i="0" u="none" strike="noStrike">
+                        <a:solidFill>
+                          <a:srgbClr val="333333"/>
+                        </a:solidFill>
+                        <a:effectLst/>
+                        <a:latin typeface="Arial"/>
+                      </a:endParaRPr>
+                    </a:p>
+                  </a:txBody>
+                  <a:tcPr marL="9525" marR="9525" marT="9525" marB="0">
+                    <a:lnR w="12700" cap="flat" cmpd="sng" algn="ctr">
+                      <a:solidFill>
+                        <a:schemeClr val="tx1"/>
+                      </a:solidFill>
+                      <a:prstDash val="solid"/>
+                      <a:round/>
+                      <a:headEnd type="none" w="med" len="med"/>
+                      <a:tailEnd type="none" w="med" len="med"/>
+                    </a:lnR>
+                    <a:solidFill>
+                      <a:schemeClr val="accent1">
+                        <a:lumMod val="20000"/>
+                        <a:lumOff val="80000"/>
+                      </a:schemeClr>
+                    </a:solidFill>
+                  </a:tcPr>
+                </a:tc>
+              </a:tr>
+              <a:tr h="190500">
+                <a:tc>
+                  <a:txBody>
+                    <a:bodyPr/>
+                    <a:lstStyle/>
+                    <a:p>
+                      <a:pPr algn="l" fontAlgn="t"/>
+                      <a:r>
+                        <a:rPr lang="en-US" sz="1100" u="none" strike="noStrike">
+                          <a:effectLst/>
+                        </a:rPr>
+                        <a:t>Gender - Male</a:t>
+                      </a:r>
+                      <a:endParaRPr lang="en-US" sz="1100" b="0" i="0" u="none" strike="noStrike">
+                        <a:solidFill>
+                          <a:srgbClr val="333333"/>
+                        </a:solidFill>
+                        <a:effectLst/>
+                        <a:latin typeface="Arial"/>
+                      </a:endParaRPr>
+                    </a:p>
+                  </a:txBody>
+                  <a:tcPr marL="85725" marR="9525" marT="9525" marB="0">
+                    <a:lnL w="12700" cap="flat" cmpd="sng" algn="ctr">
+                      <a:solidFill>
+                        <a:schemeClr val="tx1"/>
+                      </a:solidFill>
+                      <a:prstDash val="solid"/>
+                      <a:round/>
+                      <a:headEnd type="none" w="med" len="med"/>
+                      <a:tailEnd type="none" w="med" len="med"/>
+                    </a:lnL>
+                    <a:solidFill>
+                      <a:schemeClr val="accent1">
+                        <a:lumMod val="20000"/>
+                        <a:lumOff val="80000"/>
+                      </a:schemeClr>
+                    </a:solidFill>
+                  </a:tcPr>
+                </a:tc>
+                <a:tc>
+                  <a:txBody>
+                    <a:bodyPr/>
+                    <a:lstStyle/>
+                    <a:p>
+                      <a:pPr algn="ctr" fontAlgn="t"/>
+                      <a:r>
+                        <a:rPr lang="en-US" sz="1100" u="none" strike="noStrike">
+                          <a:effectLst/>
+                        </a:rPr>
+                        <a:t>0.63</a:t>
+                      </a:r>
+                      <a:endParaRPr lang="en-US" sz="1100" b="0" i="0" u="none" strike="noStrike">
+                        <a:solidFill>
+                          <a:srgbClr val="333333"/>
+                        </a:solidFill>
+                        <a:effectLst/>
+                        <a:latin typeface="Arial"/>
+                      </a:endParaRPr>
+                    </a:p>
+                  </a:txBody>
+                  <a:tcPr marL="9525" marR="9525" marT="9525" marB="0">
+                    <a:lnR w="12700" cap="flat" cmpd="sng" algn="ctr">
+                      <a:solidFill>
+                        <a:schemeClr val="tx1"/>
+                      </a:solidFill>
+                      <a:prstDash val="solid"/>
+                      <a:round/>
+                      <a:headEnd type="none" w="med" len="med"/>
+                      <a:tailEnd type="none" w="med" len="med"/>
+                    </a:lnR>
+                    <a:solidFill>
+                      <a:schemeClr val="accent1">
+                        <a:lumMod val="20000"/>
+                        <a:lumOff val="80000"/>
+                      </a:schemeClr>
+                    </a:solidFill>
+                  </a:tcPr>
+                </a:tc>
+              </a:tr>
+              <a:tr h="190500">
+                <a:tc>
+                  <a:txBody>
+                    <a:bodyPr/>
+                    <a:lstStyle/>
+                    <a:p>
+                      <a:pPr algn="l" fontAlgn="t"/>
+                      <a:r>
+                        <a:rPr lang="en-US" sz="1100" u="none" strike="noStrike" dirty="0">
+                          <a:effectLst/>
+                        </a:rPr>
+                        <a:t>JobInvolvement - High</a:t>
+                      </a:r>
+                      <a:endParaRPr lang="en-US" sz="1100" b="0" i="0" u="none" strike="noStrike" dirty="0">
+                        <a:solidFill>
+                          <a:srgbClr val="333333"/>
+                        </a:solidFill>
+                        <a:effectLst/>
+                        <a:latin typeface="Arial"/>
+                      </a:endParaRPr>
+                    </a:p>
+                  </a:txBody>
+                  <a:tcPr marL="85725" marR="9525" marT="9525" marB="0">
+                    <a:lnL w="12700" cap="flat" cmpd="sng" algn="ctr">
+                      <a:solidFill>
+                        <a:schemeClr val="tx1"/>
+                      </a:solidFill>
+                      <a:prstDash val="solid"/>
+                      <a:round/>
+                      <a:headEnd type="none" w="med" len="med"/>
+                      <a:tailEnd type="none" w="med" len="med"/>
+                    </a:lnL>
+                    <a:solidFill>
+                      <a:schemeClr val="accent1">
+                        <a:lumMod val="20000"/>
+                        <a:lumOff val="80000"/>
+                      </a:schemeClr>
+                    </a:solidFill>
+                  </a:tcPr>
+                </a:tc>
+                <a:tc>
+                  <a:txBody>
+                    <a:bodyPr/>
+                    <a:lstStyle/>
+                    <a:p>
+                      <a:pPr algn="ctr" fontAlgn="t"/>
+                      <a:r>
+                        <a:rPr lang="en-US" sz="1100" u="none" strike="noStrike">
+                          <a:effectLst/>
+                        </a:rPr>
+                        <a:t>0.53</a:t>
+                      </a:r>
+                      <a:endParaRPr lang="en-US" sz="1100" b="0" i="0" u="none" strike="noStrike">
+                        <a:solidFill>
+                          <a:srgbClr val="333333"/>
+                        </a:solidFill>
+                        <a:effectLst/>
+                        <a:latin typeface="Arial"/>
+                      </a:endParaRPr>
+                    </a:p>
+                  </a:txBody>
+                  <a:tcPr marL="9525" marR="9525" marT="9525" marB="0">
+                    <a:lnR w="12700" cap="flat" cmpd="sng" algn="ctr">
+                      <a:solidFill>
+                        <a:schemeClr val="tx1"/>
+                      </a:solidFill>
+                      <a:prstDash val="solid"/>
+                      <a:round/>
+                      <a:headEnd type="none" w="med" len="med"/>
+                      <a:tailEnd type="none" w="med" len="med"/>
+                    </a:lnR>
+                    <a:solidFill>
+                      <a:schemeClr val="accent1">
+                        <a:lumMod val="20000"/>
+                        <a:lumOff val="80000"/>
+                      </a:schemeClr>
+                    </a:solidFill>
+                  </a:tcPr>
+                </a:tc>
+              </a:tr>
+              <a:tr h="190500">
+                <a:tc>
+                  <a:txBody>
+                    <a:bodyPr/>
+                    <a:lstStyle/>
+                    <a:p>
+                      <a:pPr algn="l" fontAlgn="t"/>
+                      <a:r>
+                        <a:rPr lang="en-US" sz="1100" u="none" strike="noStrike" dirty="0">
+                          <a:effectLst/>
+                        </a:rPr>
+                        <a:t>MonthlyIncome - Under 5,000</a:t>
+                      </a:r>
+                      <a:endParaRPr lang="en-US" sz="1100" b="0" i="0" u="none" strike="noStrike" dirty="0">
+                        <a:solidFill>
+                          <a:srgbClr val="333333"/>
+                        </a:solidFill>
+                        <a:effectLst/>
+                        <a:latin typeface="Arial"/>
+                      </a:endParaRPr>
+                    </a:p>
+                  </a:txBody>
+                  <a:tcPr marL="85725" marR="9525" marT="9525" marB="0">
+                    <a:lnL w="12700" cap="flat" cmpd="sng" algn="ctr">
+                      <a:solidFill>
+                        <a:schemeClr val="tx1"/>
+                      </a:solidFill>
+                      <a:prstDash val="solid"/>
+                      <a:round/>
+                      <a:headEnd type="none" w="med" len="med"/>
+                      <a:tailEnd type="none" w="med" len="med"/>
+                    </a:lnL>
+                    <a:solidFill>
+                      <a:schemeClr val="accent1">
+                        <a:lumMod val="20000"/>
+                        <a:lumOff val="80000"/>
+                      </a:schemeClr>
+                    </a:solidFill>
+                  </a:tcPr>
+                </a:tc>
+                <a:tc>
+                  <a:txBody>
+                    <a:bodyPr/>
+                    <a:lstStyle/>
+                    <a:p>
+                      <a:pPr algn="ctr" fontAlgn="t"/>
+                      <a:r>
+                        <a:rPr lang="en-US" sz="1100" u="none" strike="noStrike">
+                          <a:effectLst/>
+                        </a:rPr>
+                        <a:t>0.69</a:t>
+                      </a:r>
+                      <a:endParaRPr lang="en-US" sz="1100" b="0" i="0" u="none" strike="noStrike">
+                        <a:solidFill>
+                          <a:srgbClr val="333333"/>
+                        </a:solidFill>
+                        <a:effectLst/>
+                        <a:latin typeface="Arial"/>
+                      </a:endParaRPr>
+                    </a:p>
+                  </a:txBody>
+                  <a:tcPr marL="9525" marR="9525" marT="9525" marB="0">
+                    <a:lnR w="12700" cap="flat" cmpd="sng" algn="ctr">
+                      <a:solidFill>
+                        <a:schemeClr val="tx1"/>
+                      </a:solidFill>
+                      <a:prstDash val="solid"/>
+                      <a:round/>
+                      <a:headEnd type="none" w="med" len="med"/>
+                      <a:tailEnd type="none" w="med" len="med"/>
+                    </a:lnR>
+                    <a:solidFill>
+                      <a:schemeClr val="accent1">
+                        <a:lumMod val="20000"/>
+                        <a:lumOff val="80000"/>
+                      </a:schemeClr>
+                    </a:solidFill>
+                  </a:tcPr>
+                </a:tc>
+              </a:tr>
+              <a:tr h="190500">
+                <a:tc>
+                  <a:txBody>
+                    <a:bodyPr/>
+                    <a:lstStyle/>
+                    <a:p>
+                      <a:pPr algn="l" fontAlgn="t"/>
+                      <a:r>
+                        <a:rPr lang="en-US" sz="1100" u="none" strike="noStrike" dirty="0">
+                          <a:effectLst/>
+                        </a:rPr>
+                        <a:t>MaritalStatus - Single</a:t>
+                      </a:r>
+                      <a:endParaRPr lang="en-US" sz="1100" b="0" i="0" u="none" strike="noStrike" dirty="0">
+                        <a:solidFill>
+                          <a:srgbClr val="333333"/>
+                        </a:solidFill>
+                        <a:effectLst/>
+                        <a:latin typeface="Arial"/>
+                      </a:endParaRPr>
+                    </a:p>
+                  </a:txBody>
+                  <a:tcPr marL="85725" marR="9525" marT="9525" marB="0">
+                    <a:lnL w="12700" cap="flat" cmpd="sng" algn="ctr">
+                      <a:solidFill>
+                        <a:schemeClr val="tx1"/>
+                      </a:solidFill>
+                      <a:prstDash val="solid"/>
+                      <a:round/>
+                      <a:headEnd type="none" w="med" len="med"/>
+                      <a:tailEnd type="none" w="med" len="med"/>
+                    </a:lnL>
+                    <a:solidFill>
+                      <a:schemeClr val="accent1">
+                        <a:lumMod val="20000"/>
+                        <a:lumOff val="80000"/>
+                      </a:schemeClr>
+                    </a:solidFill>
+                  </a:tcPr>
+                </a:tc>
+                <a:tc>
+                  <a:txBody>
+                    <a:bodyPr/>
+                    <a:lstStyle/>
+                    <a:p>
+                      <a:pPr algn="ctr" fontAlgn="t"/>
+                      <a:r>
+                        <a:rPr lang="en-US" sz="1100" u="none" strike="noStrike">
+                          <a:effectLst/>
+                        </a:rPr>
+                        <a:t>0.51</a:t>
+                      </a:r>
+                      <a:endParaRPr lang="en-US" sz="1100" b="0" i="0" u="none" strike="noStrike">
+                        <a:solidFill>
+                          <a:srgbClr val="333333"/>
+                        </a:solidFill>
+                        <a:effectLst/>
+                        <a:latin typeface="Arial"/>
+                      </a:endParaRPr>
+                    </a:p>
+                  </a:txBody>
+                  <a:tcPr marL="9525" marR="9525" marT="9525" marB="0">
+                    <a:lnR w="12700" cap="flat" cmpd="sng" algn="ctr">
+                      <a:solidFill>
+                        <a:schemeClr val="tx1"/>
+                      </a:solidFill>
+                      <a:prstDash val="solid"/>
+                      <a:round/>
+                      <a:headEnd type="none" w="med" len="med"/>
+                      <a:tailEnd type="none" w="med" len="med"/>
+                    </a:lnR>
+                    <a:solidFill>
+                      <a:schemeClr val="accent1">
+                        <a:lumMod val="20000"/>
+                        <a:lumOff val="80000"/>
+                      </a:schemeClr>
+                    </a:solidFill>
+                  </a:tcPr>
+                </a:tc>
+              </a:tr>
+              <a:tr h="190500">
+                <a:tc>
+                  <a:txBody>
+                    <a:bodyPr/>
+                    <a:lstStyle/>
+                    <a:p>
+                      <a:pPr algn="l" fontAlgn="t"/>
+                      <a:r>
+                        <a:rPr lang="en-US" sz="1100" u="none" strike="noStrike" dirty="0">
+                          <a:effectLst/>
+                        </a:rPr>
+                        <a:t>NumCompaniesWorked - Less_than_5</a:t>
+                      </a:r>
+                      <a:endParaRPr lang="en-US" sz="1100" b="0" i="0" u="none" strike="noStrike" dirty="0">
+                        <a:solidFill>
+                          <a:srgbClr val="333333"/>
+                        </a:solidFill>
+                        <a:effectLst/>
+                        <a:latin typeface="Arial"/>
+                      </a:endParaRPr>
+                    </a:p>
+                  </a:txBody>
+                  <a:tcPr marL="85725" marR="9525" marT="9525" marB="0">
+                    <a:lnL w="12700" cap="flat" cmpd="sng" algn="ctr">
+                      <a:solidFill>
+                        <a:schemeClr val="tx1"/>
+                      </a:solidFill>
+                      <a:prstDash val="solid"/>
+                      <a:round/>
+                      <a:headEnd type="none" w="med" len="med"/>
+                      <a:tailEnd type="none" w="med" len="med"/>
+                    </a:lnL>
+                    <a:solidFill>
+                      <a:schemeClr val="accent1">
+                        <a:lumMod val="20000"/>
+                        <a:lumOff val="80000"/>
+                      </a:schemeClr>
+                    </a:solidFill>
+                  </a:tcPr>
+                </a:tc>
+                <a:tc>
+                  <a:txBody>
+                    <a:bodyPr/>
+                    <a:lstStyle/>
+                    <a:p>
+                      <a:pPr algn="ctr" fontAlgn="t"/>
+                      <a:r>
+                        <a:rPr lang="en-US" sz="1100" u="none" strike="noStrike">
+                          <a:effectLst/>
+                        </a:rPr>
+                        <a:t>0.72</a:t>
+                      </a:r>
+                      <a:endParaRPr lang="en-US" sz="1100" b="0" i="0" u="none" strike="noStrike">
+                        <a:solidFill>
+                          <a:srgbClr val="333333"/>
+                        </a:solidFill>
+                        <a:effectLst/>
+                        <a:latin typeface="Arial"/>
+                      </a:endParaRPr>
+                    </a:p>
+                  </a:txBody>
+                  <a:tcPr marL="9525" marR="9525" marT="9525" marB="0">
+                    <a:lnR w="12700" cap="flat" cmpd="sng" algn="ctr">
+                      <a:solidFill>
+                        <a:schemeClr val="tx1"/>
+                      </a:solidFill>
+                      <a:prstDash val="solid"/>
+                      <a:round/>
+                      <a:headEnd type="none" w="med" len="med"/>
+                      <a:tailEnd type="none" w="med" len="med"/>
+                    </a:lnR>
+                    <a:solidFill>
+                      <a:schemeClr val="accent1">
+                        <a:lumMod val="20000"/>
+                        <a:lumOff val="80000"/>
+                      </a:schemeClr>
+                    </a:solidFill>
+                  </a:tcPr>
+                </a:tc>
+              </a:tr>
+              <a:tr h="190500">
+                <a:tc>
+                  <a:txBody>
+                    <a:bodyPr/>
+                    <a:lstStyle/>
+                    <a:p>
+                      <a:pPr algn="l" fontAlgn="t"/>
+                      <a:r>
+                        <a:rPr lang="en-US" sz="1100" u="none" strike="noStrike" dirty="0">
+                          <a:effectLst/>
+                        </a:rPr>
+                        <a:t>YearsWithCurrManager - Five_or_Less</a:t>
+                      </a:r>
+                      <a:endParaRPr lang="en-US" sz="1100" b="0" i="0" u="none" strike="noStrike" dirty="0">
+                        <a:solidFill>
+                          <a:srgbClr val="333333"/>
+                        </a:solidFill>
+                        <a:effectLst/>
+                        <a:latin typeface="Arial"/>
+                      </a:endParaRPr>
+                    </a:p>
+                  </a:txBody>
+                  <a:tcPr marL="85725" marR="9525" marT="9525" marB="0">
+                    <a:lnL w="12700" cap="flat" cmpd="sng" algn="ctr">
+                      <a:solidFill>
+                        <a:schemeClr val="tx1"/>
+                      </a:solidFill>
+                      <a:prstDash val="solid"/>
+                      <a:round/>
+                      <a:headEnd type="none" w="med" len="med"/>
+                      <a:tailEnd type="none" w="med" len="med"/>
+                    </a:lnL>
+                    <a:solidFill>
+                      <a:schemeClr val="accent1">
+                        <a:lumMod val="20000"/>
+                        <a:lumOff val="80000"/>
+                      </a:schemeClr>
+                    </a:solidFill>
+                  </a:tcPr>
+                </a:tc>
+                <a:tc>
+                  <a:txBody>
+                    <a:bodyPr/>
+                    <a:lstStyle/>
+                    <a:p>
+                      <a:pPr algn="ctr" fontAlgn="t"/>
+                      <a:r>
+                        <a:rPr lang="en-US" sz="1100" u="none" strike="noStrike">
+                          <a:effectLst/>
+                        </a:rPr>
+                        <a:t>0.74</a:t>
+                      </a:r>
+                      <a:endParaRPr lang="en-US" sz="1100" b="0" i="0" u="none" strike="noStrike">
+                        <a:solidFill>
+                          <a:srgbClr val="333333"/>
+                        </a:solidFill>
+                        <a:effectLst/>
+                        <a:latin typeface="Arial"/>
+                      </a:endParaRPr>
+                    </a:p>
+                  </a:txBody>
+                  <a:tcPr marL="9525" marR="9525" marT="9525" marB="0">
+                    <a:lnR w="12700" cap="flat" cmpd="sng" algn="ctr">
+                      <a:solidFill>
+                        <a:schemeClr val="tx1"/>
+                      </a:solidFill>
+                      <a:prstDash val="solid"/>
+                      <a:round/>
+                      <a:headEnd type="none" w="med" len="med"/>
+                      <a:tailEnd type="none" w="med" len="med"/>
+                    </a:lnR>
+                    <a:solidFill>
+                      <a:schemeClr val="accent1">
+                        <a:lumMod val="20000"/>
+                        <a:lumOff val="80000"/>
+                      </a:schemeClr>
+                    </a:solidFill>
+                  </a:tcPr>
+                </a:tc>
+              </a:tr>
+              <a:tr h="190500">
+                <a:tc>
+                  <a:txBody>
+                    <a:bodyPr/>
+                    <a:lstStyle/>
+                    <a:p>
+                      <a:pPr algn="l" fontAlgn="t"/>
+                      <a:r>
+                        <a:rPr lang="en-US" sz="1100" u="none" strike="noStrike">
+                          <a:effectLst/>
+                        </a:rPr>
+                        <a:t>PercentSalaryHike - Less_than_15%</a:t>
+                      </a:r>
+                      <a:endParaRPr lang="en-US" sz="1100" b="0" i="0" u="none" strike="noStrike">
+                        <a:solidFill>
+                          <a:srgbClr val="333333"/>
+                        </a:solidFill>
+                        <a:effectLst/>
+                        <a:latin typeface="Arial"/>
+                      </a:endParaRPr>
+                    </a:p>
+                  </a:txBody>
+                  <a:tcPr marL="85725" marR="9525" marT="9525" marB="0">
+                    <a:lnL w="12700" cap="flat" cmpd="sng" algn="ctr">
+                      <a:solidFill>
+                        <a:schemeClr val="tx1"/>
+                      </a:solidFill>
+                      <a:prstDash val="solid"/>
+                      <a:round/>
+                      <a:headEnd type="none" w="med" len="med"/>
+                      <a:tailEnd type="none" w="med" len="med"/>
+                    </a:lnL>
+                    <a:solidFill>
+                      <a:schemeClr val="accent1">
+                        <a:lumMod val="20000"/>
+                        <a:lumOff val="80000"/>
+                      </a:schemeClr>
+                    </a:solidFill>
+                  </a:tcPr>
+                </a:tc>
+                <a:tc>
+                  <a:txBody>
+                    <a:bodyPr/>
+                    <a:lstStyle/>
+                    <a:p>
+                      <a:pPr algn="ctr" fontAlgn="t"/>
+                      <a:r>
+                        <a:rPr lang="en-US" sz="1100" u="none" strike="noStrike">
+                          <a:effectLst/>
+                        </a:rPr>
+                        <a:t>0.56</a:t>
+                      </a:r>
+                      <a:endParaRPr lang="en-US" sz="1100" b="0" i="0" u="none" strike="noStrike">
+                        <a:solidFill>
+                          <a:srgbClr val="333333"/>
+                        </a:solidFill>
+                        <a:effectLst/>
+                        <a:latin typeface="Arial"/>
+                      </a:endParaRPr>
+                    </a:p>
+                  </a:txBody>
+                  <a:tcPr marL="9525" marR="9525" marT="9525" marB="0">
+                    <a:lnR w="12700" cap="flat" cmpd="sng" algn="ctr">
+                      <a:solidFill>
+                        <a:schemeClr val="tx1"/>
+                      </a:solidFill>
+                      <a:prstDash val="solid"/>
+                      <a:round/>
+                      <a:headEnd type="none" w="med" len="med"/>
+                      <a:tailEnd type="none" w="med" len="med"/>
+                    </a:lnR>
+                    <a:solidFill>
+                      <a:schemeClr val="accent1">
+                        <a:lumMod val="20000"/>
+                        <a:lumOff val="80000"/>
+                      </a:schemeClr>
+                    </a:solidFill>
+                  </a:tcPr>
+                </a:tc>
+              </a:tr>
+              <a:tr h="200025">
+                <a:tc>
+                  <a:txBody>
+                    <a:bodyPr/>
+                    <a:lstStyle/>
+                    <a:p>
+                      <a:pPr algn="l" fontAlgn="t"/>
+                      <a:r>
+                        <a:rPr lang="en-US" sz="1100" u="none" strike="noStrike" dirty="0">
+                          <a:effectLst/>
+                        </a:rPr>
+                        <a:t>YearsInCurrentRole - Five_or_Less</a:t>
+                      </a:r>
+                      <a:endParaRPr lang="en-US" sz="1100" b="0" i="0" u="none" strike="noStrike" dirty="0">
+                        <a:solidFill>
+                          <a:srgbClr val="333333"/>
+                        </a:solidFill>
+                        <a:effectLst/>
+                        <a:latin typeface="Arial"/>
+                      </a:endParaRPr>
+                    </a:p>
+                  </a:txBody>
+                  <a:tcPr marL="85725" marR="9525" marT="9525" marB="0">
+                    <a:lnL w="12700" cap="flat" cmpd="sng" algn="ctr">
+                      <a:solidFill>
+                        <a:schemeClr val="tx1"/>
+                      </a:solidFill>
+                      <a:prstDash val="solid"/>
+                      <a:round/>
+                      <a:headEnd type="none" w="med" len="med"/>
+                      <a:tailEnd type="none" w="med" len="med"/>
+                    </a:lnL>
+                    <a:lnB w="12700" cap="flat" cmpd="sng" algn="ctr">
+                      <a:solidFill>
+                        <a:schemeClr val="tx1"/>
+                      </a:solidFill>
+                      <a:prstDash val="solid"/>
+                      <a:round/>
+                      <a:headEnd type="none" w="med" len="med"/>
+                      <a:tailEnd type="none" w="med" len="med"/>
+                    </a:lnB>
+                    <a:solidFill>
+                      <a:schemeClr val="accent1">
+                        <a:lumMod val="20000"/>
+                        <a:lumOff val="80000"/>
+                      </a:schemeClr>
+                    </a:solidFill>
+                  </a:tcPr>
+                </a:tc>
+                <a:tc>
+                  <a:txBody>
+                    <a:bodyPr/>
+                    <a:lstStyle/>
+                    <a:p>
+                      <a:pPr algn="ctr" fontAlgn="t"/>
+                      <a:r>
+                        <a:rPr lang="en-US" sz="1100" u="none" strike="noStrike" dirty="0">
+                          <a:effectLst/>
+                        </a:rPr>
+                        <a:t>0.77</a:t>
+                      </a:r>
+                      <a:endParaRPr lang="en-US" sz="1100" b="0" i="0" u="none" strike="noStrike" dirty="0">
+                        <a:solidFill>
+                          <a:srgbClr val="333333"/>
+                        </a:solidFill>
+                        <a:effectLst/>
+                        <a:latin typeface="Arial"/>
+                      </a:endParaRPr>
+                    </a:p>
+                  </a:txBody>
+                  <a:tcPr marL="9525" marR="9525" marT="9525" marB="0">
+                    <a:lnR w="12700" cap="flat" cmpd="sng" algn="ctr">
+                      <a:solidFill>
+                        <a:schemeClr val="tx1"/>
+                      </a:solidFill>
+                      <a:prstDash val="solid"/>
+                      <a:round/>
+                      <a:headEnd type="none" w="med" len="med"/>
+                      <a:tailEnd type="none" w="med" len="med"/>
+                    </a:lnR>
+                    <a:lnB w="12700" cap="flat" cmpd="sng" algn="ctr">
+                      <a:solidFill>
+                        <a:schemeClr val="tx1"/>
+                      </a:solidFill>
+                      <a:prstDash val="solid"/>
+                      <a:round/>
+                      <a:headEnd type="none" w="med" len="med"/>
+                      <a:tailEnd type="none" w="med" len="med"/>
+                    </a:lnB>
+                    <a:solidFill>
+                      <a:schemeClr val="accent1">
+                        <a:lumMod val="20000"/>
+                        <a:lumOff val="80000"/>
+                      </a:schemeClr>
+                    </a:solidFill>
+                  </a:tcPr>
+                </a:tc>
+              </a:tr>
+            </a:tbl>
+          </a:graphicData>
+        </a:graphic>
+      </p:graphicFrame>
+    </p:spTree>
+    <p:extLst>
+      <p:ext uri="{BB962C8B-B14F-4D97-AF65-F5344CB8AC3E}">
+        <p14:creationId xmlns:p14="http://schemas.microsoft.com/office/powerpoint/2010/main" val="3363377559"/>
+      </p:ext>
+    </p:extLst>
+  </p:cSld>
+  <p:clrMapOvr>
+    <a:masterClrMapping/>
+  </p:clrMapOvr>
+</p:sld>
+</file>
+
+<file path=ppt/slides/slide5.xml><?xml version="1.0" encoding="utf-8"?>
+<p:sld xmlns:a="http://schemas.openxmlformats.org/drawingml/2006/main" xmlns:r="http://schemas.openxmlformats.org/officeDocument/2006/relationships" xmlns:p="http://schemas.openxmlformats.org/presentationml/2006/main">
+  <p:cSld>
+    <p:spTree>
+      <p:nvGrpSpPr>
+        <p:cNvPr id="1" name=""/>
+        <p:cNvGrpSpPr/>
+        <p:nvPr/>
+      </p:nvGrpSpPr>
+      <p:grpSpPr>
+        <a:xfrm>
+          <a:off x="0" y="0"/>
+          <a:ext cx="0" cy="0"/>
+          <a:chOff x="0" y="0"/>
+          <a:chExt cx="0" cy="0"/>
+        </a:xfrm>
+      </p:grpSpPr>
+      <p:pic>
+        <p:nvPicPr>
+          <p:cNvPr id="6" name="Picture 5"/>
+          <p:cNvPicPr/>
+          <p:nvPr/>
+        </p:nvPicPr>
+        <p:blipFill rotWithShape="1">
+          <a:blip r:embed="rId2"/>
+          <a:srcRect l="22217" t="40270" r="37620" b="15389"/>
+          <a:stretch/>
+        </p:blipFill>
+        <p:spPr bwMode="auto">
+          <a:xfrm>
+            <a:off x="914400" y="1295400"/>
+            <a:ext cx="7848600" cy="3657600"/>
+          </a:xfrm>
+          <a:prstGeom prst="rect">
+            <a:avLst/>
+          </a:prstGeom>
+          <a:ln>
+            <a:noFill/>
+          </a:ln>
+          <a:extLst>
+            <a:ext uri="{53640926-AAD7-44D8-BBD7-CCE9431645EC}">
+              <a14:shadowObscured xmlns:a14="http://schemas.microsoft.com/office/drawing/2010/main"/>
+            </a:ext>
+          </a:extLst>
+        </p:spPr>
+      </p:pic>
+      <p:sp>
+        <p:nvSpPr>
+          <p:cNvPr id="2" name="Content Placeholder 1"/>
+          <p:cNvSpPr>
+            <a:spLocks noGrp="1"/>
+          </p:cNvSpPr>
+          <p:nvPr>
+            <p:ph idx="1"/>
+          </p:nvPr>
+        </p:nvSpPr>
+        <p:spPr>
+          <a:xfrm>
+            <a:off x="5588977" y="5181600"/>
+            <a:ext cx="3581400" cy="1752600"/>
+          </a:xfrm>
+        </p:spPr>
+        <p:txBody>
+          <a:bodyPr>
+            <a:normAutofit/>
+          </a:bodyPr>
+          <a:lstStyle/>
+          <a:p>
+            <a:pPr marL="914400" lvl="3" indent="-800100" algn="ctr">
+              <a:buNone/>
+            </a:pPr>
+            <a:r>
+              <a:rPr lang="en-US" sz="2400" u="sng" dirty="0" smtClean="0"/>
+              <a:t>Models Statistics</a:t>
+            </a:r>
+            <a:endParaRPr lang="en-US" sz="2400" u="sng" dirty="0" smtClean="0"/>
+          </a:p>
+          <a:p>
+            <a:pPr marL="109728" indent="0">
+              <a:buNone/>
+            </a:pPr>
+            <a:r>
+              <a:rPr lang="en-US" sz="2400" dirty="0" smtClean="0"/>
+              <a:t>    Accuracy: 74%</a:t>
+            </a:r>
+          </a:p>
+          <a:p>
+            <a:pPr marL="109728" indent="0">
+              <a:buNone/>
+            </a:pPr>
+            <a:r>
+              <a:rPr lang="en-US" sz="2400" dirty="0" smtClean="0"/>
+              <a:t>    Recall: 53%</a:t>
+            </a:r>
+          </a:p>
+          <a:p>
+            <a:pPr marL="109728" indent="0">
+              <a:buNone/>
+            </a:pPr>
+            <a:r>
+              <a:rPr lang="en-US" sz="2400" dirty="0" smtClean="0"/>
+              <a:t>    Precision: 70%</a:t>
+            </a:r>
+            <a:endParaRPr lang="en-US" sz="2400" dirty="0"/>
+          </a:p>
+        </p:txBody>
+      </p:sp>
+      <p:sp>
+        <p:nvSpPr>
+          <p:cNvPr id="3" name="Title 2"/>
+          <p:cNvSpPr>
+            <a:spLocks noGrp="1"/>
+          </p:cNvSpPr>
+          <p:nvPr>
+            <p:ph type="title"/>
+          </p:nvPr>
+        </p:nvSpPr>
+        <p:spPr/>
+        <p:txBody>
+          <a:bodyPr>
+            <a:normAutofit fontScale="90000"/>
+          </a:bodyPr>
+          <a:lstStyle/>
+          <a:p>
+            <a:r>
+              <a:rPr lang="en-US" dirty="0" smtClean="0"/>
+              <a:t>Naïve-Bayes: </a:t>
+            </a:r>
+            <a:r>
+              <a:rPr lang="en-US" sz="3900" dirty="0" smtClean="0"/>
+              <a:t>Prediction &amp; Validation</a:t>
+            </a:r>
+            <a:endParaRPr lang="en-US" sz="3900" dirty="0"/>
+          </a:p>
+        </p:txBody>
+      </p:sp>
+    </p:spTree>
+    <p:extLst>
+      <p:ext uri="{BB962C8B-B14F-4D97-AF65-F5344CB8AC3E}">
+        <p14:creationId xmlns:p14="http://schemas.microsoft.com/office/powerpoint/2010/main" val="13562319"/>
+      </p:ext>
+    </p:extLst>
+  </p:cSld>
+  <p:clrMapOvr>
+    <a:masterClrMapping/>
+  </p:clrMapOvr>
+</p:sld>
+</file>
+
+<file path=ppt/slides/slide6.xml><?xml version="1.0" encoding="utf-8"?>
+<p:sld xmlns:a="http://schemas.openxmlformats.org/drawingml/2006/main" xmlns:r="http://schemas.openxmlformats.org/officeDocument/2006/relationships" xmlns:p="http://schemas.openxmlformats.org/presentationml/2006/main">
+  <p:cSld>
+    <p:spTree>
+      <p:nvGrpSpPr>
+        <p:cNvPr id="1" name=""/>
+        <p:cNvGrpSpPr/>
+        <p:nvPr/>
+      </p:nvGrpSpPr>
+      <p:grpSpPr>
+        <a:xfrm>
+          <a:off x="0" y="0"/>
+          <a:ext cx="0" cy="0"/>
+          <a:chOff x="0" y="0"/>
+          <a:chExt cx="0" cy="0"/>
+        </a:xfrm>
+      </p:grpSpPr>
+      <p:pic>
+        <p:nvPicPr>
+          <p:cNvPr id="6" name="Picture 5"/>
+          <p:cNvPicPr/>
+          <p:nvPr/>
+        </p:nvPicPr>
+        <p:blipFill rotWithShape="1">
+          <a:blip r:embed="rId2"/>
+          <a:srcRect l="22217" t="18850" r="39494" b="40237"/>
+          <a:stretch/>
+        </p:blipFill>
+        <p:spPr bwMode="auto">
+          <a:xfrm>
+            <a:off x="4648200" y="4343400"/>
+            <a:ext cx="4267200" cy="2362200"/>
+          </a:xfrm>
+          <a:prstGeom prst="rect">
+            <a:avLst/>
+          </a:prstGeom>
+          <a:ln>
+            <a:noFill/>
+          </a:ln>
+          <a:extLst>
+            <a:ext uri="{53640926-AAD7-44D8-BBD7-CCE9431645EC}">
+              <a14:shadowObscured xmlns:a14="http://schemas.microsoft.com/office/drawing/2010/main"/>
+            </a:ext>
+          </a:extLst>
+        </p:spPr>
+      </p:pic>
+      <p:sp>
+        <p:nvSpPr>
+          <p:cNvPr id="2" name="Content Placeholder 1"/>
+          <p:cNvSpPr>
+            <a:spLocks noGrp="1"/>
+          </p:cNvSpPr>
+          <p:nvPr>
+            <p:ph idx="1"/>
+          </p:nvPr>
+        </p:nvSpPr>
+        <p:spPr>
+          <a:xfrm>
+            <a:off x="457199" y="1481328"/>
+            <a:ext cx="8422005" cy="4525963"/>
+          </a:xfrm>
+        </p:spPr>
+        <p:txBody>
+          <a:bodyPr/>
+          <a:lstStyle/>
+          <a:p>
+            <a:r>
+              <a:rPr lang="en-US" sz="2000" dirty="0" smtClean="0"/>
+              <a:t>Men have </a:t>
+            </a:r>
+            <a:r>
+              <a:rPr lang="en-US" sz="2000" dirty="0"/>
+              <a:t>a higher attrition rate than women (63% </a:t>
+            </a:r>
+            <a:r>
+              <a:rPr lang="en-US" sz="2000" dirty="0" smtClean="0"/>
+              <a:t>vs. </a:t>
+            </a:r>
+            <a:r>
+              <a:rPr lang="en-US" sz="2000" dirty="0"/>
+              <a:t>37</a:t>
+            </a:r>
+            <a:r>
+              <a:rPr lang="en-US" sz="2000" dirty="0" smtClean="0"/>
+              <a:t>%)</a:t>
+            </a:r>
+          </a:p>
+          <a:p>
+            <a:endParaRPr lang="en-US" sz="800" dirty="0"/>
+          </a:p>
+          <a:p>
+            <a:r>
+              <a:rPr lang="en-US" sz="2000" dirty="0"/>
+              <a:t>Singles have a higher attrition rate at 51% than married (35%) or divorced individuals (14</a:t>
+            </a:r>
+            <a:r>
+              <a:rPr lang="en-US" sz="2000" dirty="0" smtClean="0"/>
+              <a:t>%)</a:t>
+            </a:r>
+          </a:p>
+          <a:p>
+            <a:endParaRPr lang="en-US" sz="800" dirty="0"/>
+          </a:p>
+          <a:p>
+            <a:r>
+              <a:rPr lang="en-US" sz="2000" dirty="0" smtClean="0"/>
+              <a:t>Employees with no stock options have a higher attrition rate 65% than those with.</a:t>
+            </a:r>
+          </a:p>
+          <a:p>
+            <a:endParaRPr lang="en-US" sz="800" dirty="0" smtClean="0"/>
+          </a:p>
+          <a:p>
+            <a:r>
+              <a:rPr lang="en-US" sz="2000" dirty="0" smtClean="0"/>
+              <a:t>Those with less then 10 years of work experience have greater attrition rates than those with more. </a:t>
+            </a:r>
+            <a:endParaRPr lang="en-US" sz="2000" dirty="0"/>
+          </a:p>
+        </p:txBody>
+      </p:sp>
+      <p:sp>
+        <p:nvSpPr>
+          <p:cNvPr id="3" name="Title 2"/>
+          <p:cNvSpPr>
+            <a:spLocks noGrp="1"/>
+          </p:cNvSpPr>
+          <p:nvPr>
+            <p:ph type="title"/>
+          </p:nvPr>
+        </p:nvSpPr>
+        <p:spPr/>
+        <p:txBody>
+          <a:bodyPr/>
+          <a:lstStyle/>
+          <a:p>
+            <a:r>
+              <a:rPr lang="en-US" dirty="0" smtClean="0"/>
+              <a:t>Other Findings</a:t>
+            </a:r>
+            <a:endParaRPr lang="en-US" dirty="0"/>
+          </a:p>
+        </p:txBody>
+      </p:sp>
+      <p:sp>
+        <p:nvSpPr>
+          <p:cNvPr id="5" name="AutoShape 2" descr="data:image/png;base64,iVBORw0KGgoAAAANSUhEUgAABUAAAAPACAMAAADDuCPrAAAAh1BMVEUAAAAAADoAAGYAOjoAOmYAOpAAZpAAZrY6AAA6OgA6Ojo6ZmY6ZrY6kNtmAABmAGZmOgBmOpBmZgBmZjpmZmZmkJBmtv+QOgCQkDqQtpCQ27aQ29uQ2/+2ZgC2Zjq2tma2/7a2/9u2///bkDrbtmbb/9vb////AAD/tmb/25D//7b//9v///9qwZE2AAAACXBIWXMAAB2HAAAdhwGP5fFlAAAgAElEQVR4nO3dfWPaWJvYYWbaqbPbdfqy26TbDt32oc+UJP7+n6/ADUdHQuLlBFs3ynX9MYONsUHo/KJ3Vm8ANFnN/QQAnpWAAjQSUIBGAgrQSEABGgkoQCMBBWgkoACNBBSgkYACNBJQgEYCCtBIQAEaCShAIwEFaCSgAI0EFKCRgAI0ElCARgIK0EhAARoJKEAjAQVoJKAAjQQUoJGAAjQSUIBGAgrQSEABGgkoQCMBBWgkoACNBBSgkYACNBJQgEYCCtBIQAEaCShAIwEFaCSgAI0EFKCRgAI0ElCARgIK0EhAARoJKEAjAQVoJKAAjQQUoJGAAjQSUIBGAgrQSEABGgkoQCMBBWgkoACNBBSgkYACNBJQgEYCCtBIQAEaCShAIwEFaCSgAI0EFKCRgC7Sj6+rnZfTl+v9V6vf/3b8crP/6o+/bvxdoz/9/fPum7/9+bPPsHuK5Vm+TD5kXvHsVqsvwzu2r1NfdIaT6/RjPz0ZmZmALtOmLuYxVmWgru8K1fsE9O3bp9UgKv3KJ3N4wSNTYvcyXse/OHt0ea3djwnosxPQZdrWdYpWrXqj9nxJaso7BTR+b/eLj5W/+Wl9sO2xn/0XfXjSr2Nf9NWTq/4xAX12ArpMvUhujmP/uNB56Onto/a9Ajoo5nZs+S6N45NdDRK5rr+xHt7bqSdX/WMC+uwEdJl6G0FPm++Oq8fb+1aV79tieodYMD4+kSh+2pbEPzr/MJwUtwa0duOP8RQEdKGq7JXNd/Ui0O37at4toMewv3Z/JW9XYiL832HkBfRXJ6ALVS1mnjaBHodtLJzePoLfL6BR9sOTjJtZV+BP0yyeZTXpBPRXJ6ALVW3oPBTwX8pi52C723HrXrVKv4kRfvxfHdB12U5Z/ZLt8edGGhjpfj3eOF/oje2eL6ffXC/bHReb+6E5bcx97X2je6pv3b8WI5so1r3nV28lvvCg/tTs/YqyX2n/e3pfnD2xMrkGPzbcBnr+ZlyYuiQgoAtVLWfuR/1v/+PzaWAeYnAaot3SaTeOY9SvT6O8C2i13/wsoGU7QVe3atPBREBLN0tphw+tH7VZdV5Hn2r9cs5r2N951i2iX3xQ9Xd2L7x3cMP1gJYndltAx96MyalLCgK6VGVL52Hw/fHX+jQsN1WW6ib1q/SPJSgloPWBmsOA/sdPZ7+miuBv/zoR0EjGH3//2o9XnbSy1DX2XAdPtfe4sxj2t12UNenLD+o/Ml7T8YVcDWj3xG4K6OibMTV1yUFAl2p7is82xnxZza22wW1Xq5FBO1jSOwX0fKd5FdDzBlUH/hyN7beKv/Uvp6C8db98+Lh+545/pP9Uh39y+AfLJKlfwLUHlb99eLXrahpcDWg3DW8J6PibMTF1SUJAl6oM+k0M1tNadATjEKtqO2OM02qb6ap84xjQ/nFG5wHdf3GM3Jfu2/vhfurhWJqqfHV3r8tv6W516aqfSP+pdmvl8WuHB0XVmz37y9UXHtT74eOrKqmf3Ik0mIY3HAc68WZMTF2SENClOtXikIXTWuRpNTcWY+o9N9XK6aYftKjH3/t1OQtoLNh1fflRrZWPnPdelAXLbsmqrk3Z3lB9Mx7y5fypbrq+7P/keQq7A7i6f0auPqi37t9bh78e0NMP3hDQiTdjfOqShYAu1nGgHjeBHvcl/Vmtx/YPyun2jwzOsTx8+e//c3/wngX0S/ftasvi8efji/FDT0/Lal0XttUPn7L/dsjYS/VHqoD2t5JeOMK1+8eju3X1Qf3zYut1+KsB7e/yvxjQqTdjfOqShYAu1nG983QczPkhP/0zkrrFrE0/aNXaaJeZYUDr87y71dD+1UzGI3Vcda0O0KkLc3jkYKnwLKD9s0EvRGaw3Ply04P6xz/1lwKvBHTs35uJgE69GeNTlywEdLGOC1llFTU2glabQAdHyJf12001Zt/ONueFYUCPQ38w8Msvv3Ty07b/m0f2PvXXWtfV9/pPtffI0Z0tp25WXb7+oN6CX38d/nJARyfXRECn3ozxqUsWArpYMTj/59dVvY/k9//drRPXxzPVX276Kal3KL/0f/lZQLs69IMw+FM9veNS30YD+lr/mjqqg6fa31M/sjnztEWgzvvVB/UL31uHvxzQ8c26FwI68maMT12yENDFihD9t08lFYeNoP/afX0xoN3CUO/wxNOy4DCgpx9/x4AODugZW4gePHYkhsfn1yvRtQetV+deBy93+MXgif1kQM+mLlkI6HJtBsP9MBb/sfv64ir8WUBfeqcx3hnQS6vw4wE9y8QpY6cDqkYD+tbv7PmZj7GDqto1df1Bg6NSez/04IBOrcILaFoCulzDawB366pfuvsH+y3KDpZhQHvduiGgN+9EOgvoeCaq9ejLAS2/YTW2STO2Y/zb2NOZetDZoezVJH1cQKfeDAHNTUCXqyw69fZBdCP54mFMg4Duv6y3610N6M2HMZ0HdLSKVTsuBPTbp96J6iPr8N05ll9ufNDYGvzpqTwuoBcPYxLQtAR0uUowe/uMh+Nx4kD6kYDWY/xqQG89kH4koPWVRbYj1+CrDhHqPdXeDvKz3/pW/1D3qKsPGhw6378u0uMCevFAegFNS0AX7BTM3nJNVYPjOv3oqZwjAa0XQa8G9MZTOd/GqtV9PGc5D6f6/I+zw5j6u6rqkwTGrv42nCjXHnR++k+Vut524fqLawEdnpE/+WYIaG4CumDVedQHp5KNHSNf3TEZ0GpT5vWA3nYxkbexgA6uG9JtmK29nj/Vs909Y2c9Tk2UiQfVS9K939D9/dNX9RcXAlr/2Oj3e89DQHMT0AU7hmiwa6LeyDd9ObuxgFab5q4HtC7T7/91/9+bAzrYb/M6+G2rf/dpNb61YVDe0dScbU+4/KCRzbfVgmp57OvgiwsBrX/sxsvZCWhaArpgZ60YnKH9duGCyqMBjV84dkX6sSFe7cS65zCm3kNXgx1Rh290RyFdPA504qobm+GdFx909tOnF1ldI+r02qovLgS0/rEbL6gsoGkJ6JJVI/1gOwjq3sRHeowGtNsgeEtAq0vq3RvQktB6l3i36jxxtGn1mkevqjT99yYfNLIG35+MEb3ewmV1DcDeqxmEcniZu+7PnX2kh4CmJaB8ACOfZRJQ3sVuWapashJQlklAeRe9y7sP11RhIQSU93F2fKUP82F5BJT3MTyY0xo8CySgvJPBgeFjZwXBkxNQ3kvvcPiLHzoET0pAeT+9E3VgeQQUoJGAAjQSUIBGAgrQSEABGgkoQCMBBWgkoACNBBSgkYACNBJQgEYCCtBIQAEaCShAIwEFaCSgAI0EFKCRgAI0ElCARgIK0EhAARoJKEAjAQVoJKAAjQQUoJGAAjQSUIBGAgrQSEABGgkoQCMBBWgkoACNBBSgkYACNBJQgEYCCtBIQAEaCShAIwEFaCSgAI0EFKCRgAI0ElCARgIK0EhAARoJKEAjAQVoJKAAjQQUoJGAAjQSUIBGAgrQSEABGgkoQCMBBWi0lICulm3uyQuMWcbQnLtv727uCQyMWcbQXK3+35IJKOS0jKEpoMAMljE0BRSYwTKGpoACM1jG0BRQYAbLGJoCCsxgGUNTQIEZLGNoCigwg2UMTQEFZrCMoSmgwAyWMTQFFJjBMoamgAIzWMbQFFBgBssYmgIKzGAZQ1NAgRksY2gKKDCDZQxNAQVmsIyhKaDADJYxNAUUmMEyhqaAAjNYxtAUUGAGyxiaAgrMYBlDU0CBGSxjaAooMINlDE0BBWawjKEpoMAMljE0BRSYwTKGpoACM1jG0BRQYAbLGJoCCsxgGUNTQIEZLGNoCigwg2UMTQEFZrCMoSmgwAyWMTQFFJjBMoamgAIzWMbQFFBgBssYmgIKzGAZQ1NAgRksY2gKKDCDZQxNAQVmsIyhKaDADJYxNAUUmMEyhqaAAjNYxtAUUGAGyxiaAgrMYBlDU0CBGSxjaAooMINlDE0BBWawjKEpoMAMHj00v39e7byO3rfd37X68uC/uCegwAwePDTXq/Dbn2d3fft0vO/3vz32b74JKDCLxw7NzWo1VcnSz9Xqj78e+kffBBSYxUOH5j6S+zru19Vf+nftV+0P4dxMruH/BAEFZvDQobk+dXNX0sFK/KYseG7fYRFUQIEZPHJo7pYyT2vum8Fi5o+vpajVzYcRUGAGjxyau+XOl+5mbzGzuus9CCgwg0cOzWqxc7eY2duNtH2HDZ8VAQVm8OCAng7yHK6nH+7afdNxoC0EFHJ65NBcV3Vc9wO6/3Jz5TjQ1blb/7KAAjN4bEC7aJ4H9J+njxE9PpX2ggooMIP3C2i9rh4r74fdSiPHiE4/OQE9EFDI6WOWQA8BPe5FOj9GdPrJCeiBgEJOH7YK3x3WtL55R5KABgGFnD5oL/y6Oozp9kOaBDQIKOT0yKG5nT4OdCOgP0FAIacPOhNpW+05EtB7CSjk9EHnwu+CWpZIbQO9l4BCTh91NaZyV6+l156cgB4IKOT0UdcDPd11uO/W0+IFNAgo5PTOV6TfrdUfF0W7u26/HKiABgGFnN75M5G6gB4/Uu6uT/QQ0CCgkNM7fypnFdBjXe/5SDkBDQIKOaUemgIaBBRySj00BTQIKOSUemgKaBBQyCn10BTQIKCQU+qhKaBBQCGn1ENTQIOAQk6ph6aABgGFnFIPTQENAgo5pR6aAhoEFHJKPTQFNAgo5JR6aApoEFDIKfXQFNAgoJBT6qEpoEFAIafUQ1NAg4BCTqmHpoAGAYWcUg9NAQ0CCjmlHpoCGgQUcko9NAU0CCjklHpoCmgQUMgp9dAU0CCgkFPqoSmgQUAhp9RDU0CDgEJOqYemgAYBhZxSD00BDQIKOaUemgIaBBRySj00BTQIKOSUemgKaBBQyCn10BTQIKCQU+qhKaBBQCGn1ENTQIOAQk6ph6aABgGFnFIPTQENAgo5pR6aAhoEFHJKPTQFNAgo5JR6aApoEFDIKfXQFNAgoJBT6qEpoEFAIafUQ1NAg4BCTqmHpoAGAYWcUg9NAQ0CCjmlHpoCGgQUcko9NAU0CCjklHpoCmgQUMgp9dAU0CCgkFPqoSmgQUAhp9RDU0CDgEJOqYemgAYBhZxSD00BDQIKOaUemgIaBBRySj00BTQIKOSUemgKaBBQyCn10BTQIKCQU+qhKaBBQCGn1ENTQIOAQk6ph6aABgGFnFIPTQENAgo5pR6aAhoEFHJKPTQFNAgo5JR6aApoEFDIKfXQFNAgoJBT6qEpoEFAIafUQ1NAg4BCTqmHpoAGAYWcUg9NAQ0CCjmlHpoCGgQUcko9NAU0CCjklHpoCmgQUMjp0UPz++fVzuv5HT++roovN/4yAQ0CCjk9eGiuj4n87c/hPVFWAW0hoJDTY4fmpjTy978N7tquBLSVgEJODx2a3z6tVn/8FbF8Gdy3ub2bhYAGAYWcHjo016du7ko6XIlfny+UXiWgQUAhp0cOze+fSyQ3wx1JP74elk3vI6BBQCGnRw7N3XLnS3ez38tdXIcr9dcJaBBQyOmRQ7Na7NwtcPbX2Ler1ZfDjvjz/fMXnpyAHggo5PTggJ72E+0C2i/lZvXbPxz3wd++Ki+gQUAhp0cOzXW1o309COi6OoppoqCrETf+ZQEFZvDYgHbRHAR0fx5SfGM7fqLSm4BOE1DI6f0C2jvs8/vnct+3Tzcf0CSgQUAhpw9aAu3/2K2H1AtoEFDIaYaAnh0jOklAg4BCTh+1F76yFdA7CSjk9Mihub1wHOj4j10hoEFAIaePOhOpcvtlRQQ0CCjk9EHnwvdPUrr1bCQBDQIKOX3Q1ZiqY5e255e6m3xyAnogoJDTB10PdH8gfRR0c8fp8AIaBBRyeucr0pcD6PdtPblxF5KAnggo5PTOn4nUnYHUFfT2C9MLaBBQyOmdP5WzOoXz+KlI91wVVECDgEJOqYemgAYBhZxSD00BDQIKOZ0Pze//5e7PLnovAhoEFHIaCejn+zZUviMBDQIKOY0H9J5jjd6RgAYBhZzGhubm7uON3omABgGFnCaG5rp3OPxcBDQIKOQ0OTT3J1/e9xmajyegQUAhp0tD87g1dL5dSgIaBBRyujI0j8uhN1/+47EENAgo5HRxaHbXBplnKVRAg4BCTtNDc1P2Ix0WQ+c4rElAg4BCThNDc3AkU3Wt+Y8koEFAIadLx4FWC51rAZ2RgEJOk2ci9Q5f2q3Ez3E4k4AGAYWcxgM60173IQENAgo5jQV09lM4TwQ0CCjklHpoCmgQUMhpbAm0twK/nvFkTgENAgo53RDQ+a4oIqBBQCGnawGd6QjQIKBBQCGn3tCsTt2sWIWfm4BCTr2hebr8Ut9816YX0CCgkFN/aG5T9VNAjwQUcrq6E2lOAhoEFHIS0CcgoJBT6qEpoEFAIafUQ1NAg4BCTvXQ3O+E/3K+K95xoHMTUMhJQJ+AgEJOAvoEBBRySj00BTQIKOSUemgKaBBQyCn10BTQIKCQU+qhKaBBQCGn4U6kEXYizU1AIScBfQICCjkJ6BMQUMgp9dAU0CCgkFPqoSmgQUAhp9RDU0CDgEJOqYemgAYBhZycC/8EBBRyEtAnIKCQk4A+AQGFnFIPTQENAgo5pR6aAhoEFHJKPTQFNAgo5JR6aApoEFDIaWJofvs08/6jAwENAgo5jQ7NbbcL/rc/P/oZVQQ0CCjkNDY0N72jmL58+HMqBDQIKOQ0MjT3q+/Hdffq5hwENAgo5DQyNNf1UuduafTlA59On4AGAYWczofmj6+9ZK5Xf/z1cU+nT0CDgEJO50Pz++feZs+tUzlnJ6CQk4A+AQGFnEa3gb5MfvWxBDQIKOQ0vhf+tXyxnfNIUAENAgo5jQ3NbTl+frc6P+eR9AIaBBRy8rHGT0BAIScBfQICCjkJ6BMQUMgp9dAU0CCgkFPqoSmgQUAhp9RDU0CDgEJO14fm9/9kG+jMBBRyunZB5Xt3IsWOqNfJ+799uuMCowIaBBRyGhua6/a98KeHTh1+Hx89f/OTE9ADAYWcJi6o3HhJ+s216q7v+n0CGgQUchq/oPLLvoUvb4OLK1+1T+/+6qH7TQCjlyDZ3hdkAQ0CCjmNXlA5InhYiNzcswa/PnVzV9KxlfjYQCqg9xJQyGn0eqD7fUDfPh0SuMvpzcHbPfJU283YjqTd7/r9vwvo/QQUcpq8oPLpusqb268HulvufOlunn8SyK6qXzYCej8BhZwmA7pbXDwsQ377dPNnIlWLnfuFzeGq/+E6owLaQEAhp+mP9Dheiv7bp5s3glZx3AV0uBE0tq0KaAMBhZxGdyIdliM3sRJ+x2ci1bvs12cBje9cCOjYlaBu/MsCCsxgZGged7wfP8xjc/vHGtfRPAvoNtbvBbSBgEJO4wfS7+MX+4G2E0d0jukHtB/K758jxFbhGwgo5DR1Kudrd1rmzcG7tAS6Pm4JENAGAgo5jQ3NH18PlTteoP72TzW+ENDSTQFtIKCQ0/jQ3Eb91hcvrHRmei98d4SogDYQUMjpkUNzO3kc6Gawb+jGKgtoEFDI6ZFDc/pMJAH9KQIKOT1yaE6fCy+gP0VAIaeJoXm8Juidn2h87WpMb7aBNhFQyOnaR3pMXVp+1NXrgQpoEwGFnMaGZn+F+44LKp9fkX63Vt9PsIA2EFDIaeIjPY79q27eZviZSAL6CAIKOY1/pEfXuM09R9K/nX0qp4A+goBCTqNXY6qTub79YiIPJ6BBQCGn6euBHt1xObuHE9AgoJCTgD4BAYWcRreBvkx+9bEENAgo5DS+F747U2h735GgjyWgQUAhp7GhuS2HIZ3tRP9YAhoEFHKqh+bxAqBDtoHOTUAhJwF9AgIKOQnoExBQyCn10BTQIKCQU+qhKaBBQCGn1ENTQIOAQk4TQ/O4OXS+zZ8HAhoEFHIaHZrV3qRZEyqgQUAhp7Gh2dsb70D6+Qko5DQyNH98Ldeh3382x3xXsxPQIwGFnEaG5raK5j6m93ymx2MJaBBQyGn0akzVhs/d6ryrMc1NQCGn0SvS9z/S3RXp5yagkJMLKj8BAYWcBPQJCCjkZBX+CQgo5GQn0hMQUMjJYUxPQEAhJwfSPwEBhZyunso558nwAhoEFHJyMZEnIKCQk8vZPQEBhZxSD00BDQIKOY0dxjTzcmdHQIOAQk6jB9LPuOO9R0CDgEJOo6dyznfofJ+ABgGFnCyBPgEBhZzGz0Sa7+SjHgENAgo5jQ3Nb5+SLIMKaBBQyGl0G2ify9nNTUAhJwF9AgIKOQnoExBQyCn10BTQIKCQU+qhKaBBQCGn1ENTQIOAQk7Dofnt036z5+voz344AQ0CCjn1h+bhYvR7v/050/PpEdAgoJBTf2iuy673FAUV0CCgkFNvaO4/Aml/IZH9kUwZzkUS0CCgkFNvaK5PZ8HvVuUzLIIKaBBQyKkemtV1mDYpLigioEFAIad6aFZXAv32KcOeeAENAgo5TQQ0x1WVBTQIKOQkoE9AQCEnAX0CAgo5CegTEFDISUCfgIBCTgL6BAQUchLQJyCgkNMgoGNckX5uAgo5CegTEFDISUCfgIBCTqmHpoAGAYWcUg9NAQ0CCjmlHpoCGgQUcko9NAU0CCjklHpoCmgQUMgp9dAU0CCgkFPqoSmgQUAhp9RDU0CDgEJOqYemgAYBhZwePTTjbKbRz1P69mnyrgkCGgQUcnrw0FwfT/88/1DkH19Pp4be/nGfAhoEFHJ67NDcTJ5A3/XzjoIKaBBQyOmhQ3O/kr7/ZPntrpKDy4lujmvv+1X804fPX39yAnogoJDTQ4fm+tTNXUn7K/G7BdDjN3YFPV+/n3pyAnogoJDTI4fmro2nNffNYG/RrqinRdLN7evwAhoEFHJ65NCsKrm7ObWivhbQewko5PTIoVktdu5W2Seuw1wtpl4loEFAIacHB/S0bNlt8zz/GXvh7yWgkNMjh2a9cr4eC+j64lFMYx8ncuNfFlBgBo8NaBdNAX0gAYWc3i+g56E8HUzvONA7CSjk9KFLoHv7I+lfRu85J6BBQCGnDw/oPUfSC2gQUMhpdGjGdZPu/lz4W/bCv50fZH/hyQnogYBCTmNDc9PfkXNzQLe3HAfa+7FrT05ADwQUchoZmttVY0BvOxNJQO8moJDTyNBc39HMngvnwtdf334up4AGAYWczofmpbXvK6avxrT7xumXVjevPjkBPRBQyOl8aO6WI+/52I3a9PVA94eARjZPFwa96ckJ6IGAQk4PDej5FenLMUv1jv1bDwMV0CMBhZxGV+GbA3r2mUjdQZ/xaXN39VNAjwQUchoZmpvbz7U8N/hUzvqo+VgIved3C2gQUMhpZGj+zDr8YwloEFDIaWxoXjqI80MJaBBQyGl0J1LjgfQPJ6BBQCEnAX0CAgo5CegTEFDIKfXQFNAgoJBT6qEpoEFAIafUQ1NAg4BCThND87ghdL7NnwcCGgQUchodmtV+pFkTKqBBQCGnsaHZ2w9/6+cXvQcBDQIKOY0MzcOnD8clj7d3nrz+YAIaBBRyGv9IjxLNfUxvvHz8OxDQIKCQ0+hHelQbPner87dffu7RBDQIKOR09XqgP3Vxu58koEFAIafRUznrlfatUzlnJ6CQk4A+AQGFnKzCPwEBhZzsRHoC9wV0tWwN8xG8F4cxPYF7qjF3395d05wE78OB9E/gvoDO/WzflYCSytVTOec8GV5Ag4AWAkoqLibyBAS0EFBScTm7JyCghYCSSur5UUCDgBYCSiqp50cBDQJaCCippJ4fBTQIaCGgpFLPj/sNn198rHE+AloIKKkI6BMQ0EJASUVAn4CAFgJKKqnnRwENAloIKKmknh8FNAhoIaCkknp+FNAgoIWAksrYBZV7n2S8dj3Q2QloIaCkckNA7USam4AWAkoq1wL6/bOAzk5ACwElld78uBm9gq1V+LkJaCGgpNKbH88OAT14nXrsuxPQIKCFgJJKf37cpuqngB4JaCGgpHJ1J9KcBDQIaCGgpCKgT0BACwElldTzo4AGAS0ElFRSz48CGgS0EFBScTWmJyCghYCSioA+AQEtBJRUBPQJCGghoKSSen4U0CCghYCSSur5UUCDgBYCSioj8+N6vnX2AQENAloIKKmcz48/vs54+ZA+AQ0CWggoqYydibR6meGJjBHQIKCFgJKKJdAnIKCFgJLKyPy43R/MlIKABgEtBJRUxubHb5+SLIMKaBDQQkBJZXQbqAPpcxHQQkBJRUCfgIAWAkoqAvoEBLQQUFJJPT8KaBDQQkBJJfX8KKBBQAsBJZXU86OABgEtBJRUrn4m0trnws9OQAsBJZUbAmon0twEtBBQUrkW0O+fBXR2AloIKKn05sfNaoxV+LkJaCGgpNKbH88OAT14neu5CeiRgBYCSir9+XGbqp8CeiSghYCSytWdSHMS0CCghYCSyqMDGlsBRpdav33a33XPLxfQIKCFgJLKg+fH9XG9/zyT3fbV2/fqC2gQ0EJASeWxB9J3u/GHlaz3T91cUAENAloIKKk89ED6/Ur6Prf7fVGDz1XanFbs1+f3TT85AT0Q0EJASeWhB9KvT23clbS/Er9fAD1+Tsjm9kVQAQ0CWggoqTzyQPoqtpvBjqRtt9j54+vNn7kkoEFACwEllUceSL9b7nzpbva6Wwd1LaB3EtBCQEnlkQfSV5XcLWZOrqevbz6USUCDgBYCSiqPPA500y1a7gI69Vt2i7m3bhQQ0CCghYCSyiMDWq+bTy9mDjePdk9lxI1/WTVMCpjB1flxe/te+DqakwGd/tB5AZ0ioIWAksrl+XG/x7w1oON7inb9dCbSvQS0EFBSuTQ/bu88ceiGJdDtXZ+SLKBBQAsBJZXJ+fGw8Lm647ShWwJ6Xz8F9EhACwEllYn58XQ8010f53F1L/z6zsvbC2gQ0EJASWVsfiwLnzce736yvXwc6P7X3r44e3hyAnogoIWAksr5/NgdTBXagzoAABEVSURBVH/vhyFdOBMpvnXv1e0FNAhoIaCkMpgfTwuff/y1u3VvQC+cCz9yfZFbnpyAHghoIaCk0psfjwufh9A1BPTC1Zj2cb3/+HwBDQJaCCip1PNj7+M4WgI6fT3QOy7BVD85AT0Q0EJASWUQ0G69uyWg51ekPy14Dq5S4mpMdxHQQkBJ5XwJ9Ji+poCefSbSMaBlv76AthDQQkBJpTc/njr3+tYa0OGnch4DOrzQqIDeRUALASWV4fxYTt9sDOhDCWgQ0EJASeV8fuxWtwU0CQEtBJRURufH7X1r2u9GQIOAFgJKKhPz42kx9K5z4R9OQIOAFgJKKtPz42kx9L7T1x9KQIOAFgJKKpfmx+Ni6HxLoQIaBLQQUFK5Mj9uBTQBAS0ElFSuzo8/vgro3AS0EFBSST0/CmgQ0EJASSX1/CigQUALASWV1POjgAYBLQSUVFLPjwIaBLQQUFJJPT8KaBDQQkBJJfX8KKBBQAsBJZXU86OABgEtBJRUUs+PAhoEtBBQUkk9PwpoENBCQEkl9fwooEFACwElldTzo4AGAS0ElFRSz48CGgS0EFBSST0/CmgQ0EJASSX1/CigQUALASWV1POjgAYBLQSUVFLPjwIaBLQQUFJJPT8KaBDQQkBJJfX8KKBBQAsBJZXU86OABgEtBJRUUs+PAhoEtBBQUkk9PwpoENBCQEkl9fwooEFACwElldTzo4AGAS0ElFRSz48CGgS0EFBSST0/CmgQ0EJASSX1/CigQUALASWV1POjgAYBLQSUVFLPjwIaBLQQUFJJPT8KaBDQQkBJJfX8KKBBQAsBJZXU86OABgEtBJRUUs+PAhoEtBBQUkk9PwpoENBCQEkl9fwooEFACwElldTzo4AGAS0ElFRSz48CGgS0EFBSST0/CmgQ0EJASSX1/CigQUALASWV1POjgAYBLQSUVFLPjwIaBLQQUFJJPT8KaBDQQkBJJfX8KKBBQAsBJZXU86OABgEtBJRUUs+PAhoEtBBQUkk9PwpoENBCQEkl9fwooEFACwElldTzo4AGAS0ElFRSz48CGgS0EFBSST0/CmgQ0EJASSX1/CigQUALASWV1POjgAYBLQSUVFLPjwIaBLQQUFJJPT8KaBDQQkBJJfX8KKBBQAsBJZXU86OABgEtBJRUUs+PAhoEtBBQUkk9PwpoENBCQEkl9fwooEFACwElldTzo4AGAS0ElFQePT9+/7zaeZ2++/e/3f7LBDQIaCGgpPLg+XG9Cr/9OXr3j68rAb2fgBYCSiqPnR83q5PxTq6n7hgnoEFACwEllYfOj98+rVZ//PX2tt0V9OX87t3yp4C2ENBCQEnlofPj+tTNXUnPV+L3eRXQFgJaCCipPHJ+/P655HFztiPpsHfpP9gG2kJACwEllUfOj7tFzJfu5n5dvrLfPPrFTqQmAloIKKk8cn6sFjvPS7nZx1VAmwhoIaCk8uCAfjne3JVy7EgmAW0ioIWAksoj58d1F9Dd7bsDuhpx419WDZMCZvDYgHbRFNAHEtBCQEnl/QLaLY12rMI3EdBCQEkl0RLoOQENAloIKKkI6BMQ0EJAScVe+CcgoIWAksoj58ftpeNAL317ioAGAS0ElFQ+7EykAwFtIqCFgJLKh50LfyCgTQS0EFBS+cCrMb0JaCMBLQSUVD7yeqAC2khACwEllXe+Iv1urb5eFBXQJgJaCCipvPNnIgnoIwhoIaCk8s6fyimgjyCghYCSSur5UUCDgBYCSiqp50cBDQJaCCippJ4fBTQIaCGgpJJ6fhTQIKCFgJJK6vlRQIOAFgJKKqnnRwENAloIKKmknh8FNAhoIaCkknp+FNAgoIWAkkrq+VFAg4AWAkoqqedHAQ0CWggoqaSeHwU0CGghoKSSen4U0CCghYCSSur5UUCDgBYCSiqp50cBDQJaCCippJ4fBTQIaCGgpJJ6fhTQIKCFgJJK6vlRQIOAFgJKKqnnRwENAloIKKmknh8FNAhoIaCkknp+FNAgoIWAkkrq+VFAg4AWAkoqqedHAQ0CWggoqaSeHwU0CGghoKSSen4U0CCghYCSSur5UUCDgBYCSiqp50cBDQJaCCippJ4fBTQIaHFfQFfLds+k4H2kfhMENAhocd+kWLjbJwXvJfWbIKBBQAuTohDQDFK/CQIaVKMwKQoBzSD1myCgQTUKk6IQ0AxSvwkCGlSjMCkKAc0g9ZsgoEE1CpOiENAMUr8JAhpUozApCgHNIPWbIKBBNQqTohDQDFK/CQIaVKMwKQoBzSD1myCgQTUKk6IQ0AxSvwkCGlSjMCkKAc0g9ZsgoEE1CpOiENAMUr8JAhpUozApCgHNIPWbIKBBNQqTohDQDFK/CQIaVKMwKQoBzSD1myCgQTUKk6IQ0AxSvwkCGlSjMCkKAc0g9ZsgoEE1CpOiENAMUr8JAhpUozApCgHNIPWbIKBBNQqTohDQDFK/CQIaVKMwKQoBzSD1myCgQTUKk6IQ0AxSvwkCGlSjMCkKAc0g9ZsgoEE1CpOiENAMUr8JAhpUozApCgHNIPWbIKBBNQqTohDQDFK/CQIaVKMwKQoBzSD1myCgQTUKk6IQ0AxSvwkCGlSjMCkKAc0g9ZsgoEE1CpOiENAMUr8JAhpUozApCgHNIPWbIKBBNQqTohDQDFK/CQIaVKMwKQoBzSD1myCgQTUKk6IQ0AxSvwkCGlSjMCkKAc0g9ZsgoEE1CpOiENAMUr8JAhpUozApCgHNIPWbIKBBNQqTorgvoKtlu2dSPJSAPgHVKEyK4r5JsXC3T4oHE9AnoBqFSVGYFMWCAvr98/7fg9c775ogoMFQKUyKwqQolhPQ9XGJ+rc/77lrioAGQ6UwKQqTolhMQDdlm8Tvf7v9ruknJ6AHhkphUhQmRbGUgH77tFr98dfb23aXyZeb77rw5AT0wFApTIrCpCiWEtD1KY67XA7W1C/cdeHJCeiBoVKYFIVJUSwkoN8/l9XzzWBv0YW7Lj05AT0wVAqTojApioUEdLdw+dLd3K+w33LXpScnoAeGSmFSFCZFsZCAVsuWP7729xVduOvSkxPQA0OlMCkKk6JYTkC/HG/uKtnb0nnhrktPTkAPDJXCpChMimIhAV13ldzd7lXywl3dU2k/Q+vxp4Ylc/ubMPczfXcmRWFSFLdPigd7bEC7Mp4FdPKu7qm0T5ePfrs+3O1vwtzP9N2ZFIVJUdw+KR7s/QLaLXJevgvgSSVaAgV4LgIK0Cj1XniAzB4Z0O30wZ4X7gJ4UqnPRALILPW58ACZpb4aE0Bmqa8HCpDZO1+RfrfqflzebLkiPUBm7/yZSF1AWz4TCSCzd/5UziqgDZ/KCZBZ6s+FB8hMQAEaCShAIwEFaCSgAI0EFKCRgAI0ElCARgIK0EhAARoJKEAjAQVoJKAAjQQUoJGAAjQSUIBGAgrQSEABGgkoQCMBBWgkoACNBBSgkYACNBJQgEYCCtBIQAEaCShAIwEFaCSgAI0EFKCRgAI0ElCARgIK0EhAARoJKEAjAQVoJKAAjQQUoJGAAjQSUIBGAgrQSEABGgkoQCMBBWgkoACNBBSgkYACNPoVA7pdvbQ+9Ns/vb39+Prbn/c+bvP7346/4NNqtfrS+uc/UHnGg9sn+ylxyXb3Olevx599lhc9on4db22TYrP7DU/3/t/m8HJWf/x1/Oqfzn5gwa89COjdj2wI6LdPx5noMBzrAZlVecaD2yfXpuE6XuhhaD3Nix5Rv463n5oUX+Jnn3dSnIt87h2mwMiEWO5rPxHQux95f0C3p3+Fv3/ezz/b1f2LsB9s2y039G5XP3BxGsZL3B6Gy9O86BH163hrnRT7h2wO/33mSXFu1894IZuYPucTYrmvvRDQux95d0DXZTVmE395074N4WN0z7h/u3NlGq5PCx27RbdnedFj6tfRNilOc8t6/79nnhRnfnwtLyMWzM8mxHJfe0dAqy0z27I2Ut/sHFZIXvazxe7f3GNFN6c1vP2316uRf2DXq9//z9fDuNvNcl/iT55WCXPqnnH/dv0Tx8mzW64Yicpp5Oxf6LO86DH162icFPVveuZJcW676l7F/h+a9diQ2Vvga+/88gHddBtxNt32rupmpQT0n/c39mNrN1sc7MbN6eZZQf/Xfu45DKzvn+PO75+nxlkO3TPu3+6cBstxOk1t2NpP6Wd50ZfEHPMzk2K9/5ElTIrOerBDaDKgC3ztnV89oLHycfjnMd7i4c3zR+5L+WX/39f9qNk3drfs8aX79sg8VAIaM0/LfvwPVpdipBrHabhbet/3YjO1YWt9mJZP86InlVa0TYr9Ss7+ziVMiuJ8Uoxuy1jka6/86gFdn/5d/OOv6t/GqX8mTwE9bTI/zQ2b3Xeqb59ZakDXx+WtiQ1bh39enuhFT9mUVZG2SXHYSvTyVO//dedjZDKgi3vtlV88oKf17v1K+P72cZ6obp4/8rhg2m3M2RxW3M6+XVloQMvrGP8HZ3vc+/o0L3rCtpsXWidF/PP6/JOicnoxh02/h0ZO7U1b3muv/OIBPb77sRUzDms7vM/VzbNHHmeBKGW35av37YGFBrTEYrQacfTKM73ocZvVT0+Kt5gvnn5S1E6T4npAl/faK798QHuz+6bbDVDdHDyyLuUmfmhzW0C7eS79hvSfD+j6uN77RC961Lreldge0P0jn31S9NU7kbYXA7q819755QM6/Pdw9w/q6R2ubtaPrEp5eviNAT3Nc09wKMd9q/DnL6jamfY8L3rEYKdgy6QIh3A89aQYqg9juhzQ5b32zi8e0DjEove2XtqXNAzo8WGHjTy3BPR5Dib+yZ1Ixz1q9Z1P8KLP1a8jvr53Upz+jT2usDzvpDhT/9syHtDlvvbOrx7Q6mzD43nO+12u1c3eIw9zQm8JdP/P6n4r0MtNAX2e09muBTRe5rdPxwNohy+oHibP86LPDYd7w6RYn46y//Lck+JcOZVzv8fgZWzWX+5rL37NgJ586R0yv+6OhK9u1g5zSl3K9ek33RbQ57mgwvWAXjp6vNs3t58YT/Oiz/Rfx1vLpCgHehy+/7yTYkw3eY4HoAwPpF/waz/55QMaO9xfuztiqFQ3a7tR8sffz/bCv+6XWG8K6NNc0utaQA9T4q+p8xe7KXyYGM/yos8MXkfLpIj7yz/FTzspxkVCTy9ucz5kFvzaw68YUICHEFCARgJ6WbcSd/vqR8tj8rvyqpb5oseZFJN+udcuoJcJ6IlqFCbFpF/utQsoQCMBBWgkoACNBBSgkYACNBJQgEYCCtBIQAEaCShAIwEFaCSgAI0EFKCRgAI0ElCARgIK0EhAARoJKEAjAQVoJKAAjQQUoJGAAjQSUIBGAgrQSEABGgkoQCMBBWgkoACNBBSgkYACNBJQgEYCCtBIQAEaCShAIwEFaCSgAI0EFKCRgAI0ElCARgIK0EhAARoJKEAjAQVoJKAAjQQUoJGAAjQSUIBGAgrQSEABGgkoQCMBBWgkoACNBBSgkYACNBJQgEYCCtBIQAEaCShAIwEFaCSgAI0EFKCRgAI0ElCARgIK0EhAARoJKEAjAQVoJKAAjQQUoJGAAjQSUIBGAgrQSEABGgkoQCMBBWgkoACNBBSgkYACNBJQgEYCCtBIQAEaCShAIwEFaCSgAI0EFKCRgAI0ElCARgIK0EhAARoJKEAjAQVoJKAAjQQUoJGAAjQSUIBGAgrQSEABGgkoQCMBBWgkoACNBBSgkYACNBJQgEYCCtBIQAEaCShAIwEFaCSgAI0EFKCRgAI0ElCARgIK0EhAARoJKEAjAQVoJKAAjQQUoJGAAjQSUIBGAgrQSEABGgkoQCMBBWj0/wFHOJQoxmiWUwAAAABJRU5ErkJggg=="/>
+          <p:cNvSpPr>
+            <a:spLocks noChangeAspect="1" noChangeArrowheads="1"/>
+          </p:cNvSpPr>
+          <p:nvPr/>
+        </p:nvSpPr>
+        <p:spPr bwMode="auto">
+          <a:xfrm>
+            <a:off x="155575" y="-144463"/>
+            <a:ext cx="304800" cy="304801"/>
+          </a:xfrm>
+          <a:prstGeom prst="rect">
+            <a:avLst/>
+          </a:prstGeom>
+          <a:noFill/>
+          <a:extLst>
+            <a:ext uri="{909E8E84-426E-40DD-AFC4-6F175D3DCCD1}">
+              <a14:hiddenFill xmlns:a14="http://schemas.microsoft.com/office/drawing/2010/main">
+                <a:solidFill>
+                  <a:srgbClr val="FFFFFF"/>
+                </a:solidFill>
+              </a14:hiddenFill>
+            </a:ext>
+          </a:extLst>
+        </p:spPr>
+        <p:txBody>
+          <a:bodyPr vert="horz" wrap="square" lIns="91440" tIns="45720" rIns="91440" bIns="45720" numCol="1" anchor="t" anchorCtr="0" compatLnSpc="1">
+            <a:prstTxWarp prst="textNoShape">
+              <a:avLst/>
+            </a:prstTxWarp>
+          </a:bodyPr>
+          <a:lstStyle/>
+          <a:p>
+            <a:endParaRPr lang="en-US"/>
+          </a:p>
+        </p:txBody>
+      </p:sp>
+    </p:spTree>
+    <p:extLst>
+      <p:ext uri="{BB962C8B-B14F-4D97-AF65-F5344CB8AC3E}">
+        <p14:creationId xmlns:p14="http://schemas.microsoft.com/office/powerpoint/2010/main" val="2003386794"/>
+      </p:ext>
+    </p:extLst>
+  </p:cSld>
+  <p:clrMapOvr>
+    <a:masterClrMapping/>
+  </p:clrMapOvr>
+</p:sld>
+</file>
+
+<file path=ppt/slides/slide7.xml><?xml version="1.0" encoding="utf-8"?>
+<p:sld xmlns:a="http://schemas.openxmlformats.org/drawingml/2006/main" xmlns:r="http://schemas.openxmlformats.org/officeDocument/2006/relationships" xmlns:p="http://schemas.openxmlformats.org/presentationml/2006/main">
+  <p:cSld>
+    <p:spTree>
+      <p:nvGrpSpPr>
+        <p:cNvPr id="1" name=""/>
+        <p:cNvGrpSpPr/>
+        <p:nvPr/>
+      </p:nvGrpSpPr>
+      <p:grpSpPr>
+        <a:xfrm>
+          <a:off x="0" y="0"/>
+          <a:ext cx="0" cy="0"/>
+          <a:chOff x="0" y="0"/>
+          <a:chExt cx="0" cy="0"/>
+        </a:xfrm>
+      </p:grpSpPr>
+      <p:sp>
+        <p:nvSpPr>
+          <p:cNvPr id="2" name="Content Placeholder 1"/>
+          <p:cNvSpPr>
+            <a:spLocks noGrp="1"/>
+          </p:cNvSpPr>
+          <p:nvPr>
+            <p:ph idx="1"/>
+          </p:nvPr>
+        </p:nvSpPr>
+        <p:spPr/>
+        <p:txBody>
+          <a:bodyPr/>
+          <a:lstStyle/>
+          <a:p>
+            <a:r>
+              <a:rPr lang="en-US" dirty="0" smtClean="0"/>
+              <a:t>Exclusion of Unnecessary Variables</a:t>
+            </a:r>
+          </a:p>
+          <a:p>
+            <a:pPr lvl="1"/>
+            <a:r>
+              <a:rPr lang="en-US" sz="2000" dirty="0"/>
+              <a:t>"Standard Hours", "Over 18“, "Employee Count”, etc.</a:t>
+            </a:r>
+            <a:endParaRPr lang="en-US" sz="2400" dirty="0"/>
+          </a:p>
+          <a:p>
+            <a:pPr lvl="1"/>
+            <a:endParaRPr lang="en-US" dirty="0" smtClean="0"/>
+          </a:p>
+          <a:p>
+            <a:r>
+              <a:rPr lang="en-US" dirty="0" smtClean="0"/>
+              <a:t>Preliminary Correlation Tests</a:t>
+            </a:r>
+          </a:p>
+          <a:p>
+            <a:pPr lvl="1"/>
+            <a:endParaRPr lang="en-US" dirty="0"/>
+          </a:p>
+          <a:p>
+            <a:pPr lvl="1"/>
+            <a:endParaRPr lang="en-US" sz="2000" dirty="0" smtClean="0"/>
+          </a:p>
+        </p:txBody>
+      </p:sp>
+      <p:sp>
+        <p:nvSpPr>
+          <p:cNvPr id="3" name="Title 2"/>
+          <p:cNvSpPr>
+            <a:spLocks noGrp="1"/>
+          </p:cNvSpPr>
+          <p:nvPr>
+            <p:ph type="title"/>
+          </p:nvPr>
+        </p:nvSpPr>
+        <p:spPr/>
+        <p:txBody>
+          <a:bodyPr/>
+          <a:lstStyle/>
+          <a:p>
+            <a:r>
+              <a:rPr lang="en-US" dirty="0" smtClean="0"/>
+              <a:t>Exploratory Data Analysis</a:t>
+            </a:r>
+            <a:endParaRPr lang="en-US" dirty="0"/>
+          </a:p>
+        </p:txBody>
+      </p:sp>
+      <p:pic>
+        <p:nvPicPr>
+          <p:cNvPr id="6147" name="Picture 3"/>
+          <p:cNvPicPr>
+            <a:picLocks noChangeAspect="1" noChangeArrowheads="1"/>
+          </p:cNvPicPr>
+          <p:nvPr/>
+        </p:nvPicPr>
+        <p:blipFill>
+          <a:blip r:embed="rId2">
+            <a:extLst>
+              <a:ext uri="{28A0092B-C50C-407E-A947-70E740481C1C}">
+                <a14:useLocalDpi xmlns:a14="http://schemas.microsoft.com/office/drawing/2010/main" val="0"/>
+              </a:ext>
+            </a:extLst>
+          </a:blip>
+          <a:srcRect/>
+          <a:stretch>
+            <a:fillRect/>
+          </a:stretch>
+        </p:blipFill>
+        <p:spPr bwMode="auto">
+          <a:xfrm>
+            <a:off x="5867400" y="3352800"/>
+            <a:ext cx="3022946" cy="2819400"/>
+          </a:xfrm>
+          <a:prstGeom prst="rect">
+            <a:avLst/>
+          </a:prstGeom>
+          <a:noFill/>
+          <a:ln w="9525">
+            <a:solidFill>
+              <a:schemeClr val="tx1"/>
+            </a:solidFill>
+            <a:miter lim="800000"/>
+            <a:headEnd/>
+            <a:tailEnd/>
+          </a:ln>
+          <a:extLst>
+            <a:ext uri="{909E8E84-426E-40DD-AFC4-6F175D3DCCD1}">
+              <a14:hiddenFill xmlns:a14="http://schemas.microsoft.com/office/drawing/2010/main">
+                <a:solidFill>
+                  <a:schemeClr val="accent1"/>
+                </a:solidFill>
+              </a14:hiddenFill>
+            </a:ext>
+          </a:extLst>
+        </p:spPr>
+      </p:pic>
+      <p:pic>
+        <p:nvPicPr>
+          <p:cNvPr id="6149" name="Picture 5"/>
+          <p:cNvPicPr>
+            <a:picLocks noChangeAspect="1" noChangeArrowheads="1"/>
+          </p:cNvPicPr>
+          <p:nvPr/>
+        </p:nvPicPr>
+        <p:blipFill>
+          <a:blip r:embed="rId3">
+            <a:extLst>
+              <a:ext uri="{28A0092B-C50C-407E-A947-70E740481C1C}">
+                <a14:useLocalDpi xmlns:a14="http://schemas.microsoft.com/office/drawing/2010/main" val="0"/>
+              </a:ext>
+            </a:extLst>
+          </a:blip>
+          <a:srcRect/>
+          <a:stretch>
+            <a:fillRect/>
+          </a:stretch>
+        </p:blipFill>
+        <p:spPr bwMode="auto">
+          <a:xfrm>
+            <a:off x="990600" y="3352800"/>
+            <a:ext cx="4572000" cy="1905000"/>
+          </a:xfrm>
+          <a:prstGeom prst="rect">
+            <a:avLst/>
+          </a:prstGeom>
+          <a:noFill/>
+          <a:ln w="9525">
+            <a:solidFill>
+              <a:schemeClr val="tx1"/>
+            </a:solidFill>
+            <a:miter lim="800000"/>
+            <a:headEnd/>
+            <a:tailEnd/>
+          </a:ln>
+          <a:extLst>
+            <a:ext uri="{909E8E84-426E-40DD-AFC4-6F175D3DCCD1}">
+              <a14:hiddenFill xmlns:a14="http://schemas.microsoft.com/office/drawing/2010/main">
+                <a:solidFill>
+                  <a:schemeClr val="accent1"/>
+                </a:solidFill>
+              </a14:hiddenFill>
+            </a:ext>
+          </a:extLst>
+        </p:spPr>
+      </p:pic>
+      <p:sp>
+        <p:nvSpPr>
+          <p:cNvPr id="4" name="TextBox 3"/>
+          <p:cNvSpPr txBox="1"/>
+          <p:nvPr/>
+        </p:nvSpPr>
+        <p:spPr>
+          <a:xfrm>
+            <a:off x="1295400" y="5559623"/>
+            <a:ext cx="4038600" cy="307777"/>
+          </a:xfrm>
+          <a:prstGeom prst="rect">
+            <a:avLst/>
+          </a:prstGeom>
+          <a:noFill/>
+        </p:spPr>
+        <p:txBody>
+          <a:bodyPr wrap="square" rtlCol="0">
+            <a:spAutoFit/>
+          </a:bodyPr>
+          <a:lstStyle/>
+          <a:p>
+            <a:r>
+              <a:rPr lang="en-US" sz="1400" dirty="0" smtClean="0"/>
+              <a:t>Correlation Tests of Continuous Variables </a:t>
+            </a:r>
+            <a:endParaRPr lang="en-US" sz="1400" dirty="0"/>
+          </a:p>
+        </p:txBody>
+      </p:sp>
+    </p:spTree>
+    <p:extLst>
+      <p:ext uri="{BB962C8B-B14F-4D97-AF65-F5344CB8AC3E}">
+        <p14:creationId xmlns:p14="http://schemas.microsoft.com/office/powerpoint/2010/main" val="3915541442"/>
+      </p:ext>
+    </p:extLst>
+  </p:cSld>
+  <p:clrMapOvr>
+    <a:masterClrMapping/>
+  </p:clrMapOvr>
+</p:sld>
+</file>
+
+<file path=ppt/slides/slide8.xml><?xml version="1.0" encoding="utf-8"?>
+<p:sld xmlns:a="http://schemas.openxmlformats.org/drawingml/2006/main" xmlns:r="http://schemas.openxmlformats.org/officeDocument/2006/relationships" xmlns:p="http://schemas.openxmlformats.org/presentationml/2006/main">
+  <p:cSld>
+    <p:spTree>
+      <p:nvGrpSpPr>
+        <p:cNvPr id="1" name=""/>
+        <p:cNvGrpSpPr/>
+        <p:nvPr/>
+      </p:nvGrpSpPr>
+      <p:grpSpPr>
+        <a:xfrm>
+          <a:off x="0" y="0"/>
+          <a:ext cx="0" cy="0"/>
+          <a:chOff x="0" y="0"/>
+          <a:chExt cx="0" cy="0"/>
+        </a:xfrm>
+      </p:grpSpPr>
+      <p:sp>
+        <p:nvSpPr>
+          <p:cNvPr id="2" name="Content Placeholder 1"/>
+          <p:cNvSpPr>
+            <a:spLocks noGrp="1"/>
+          </p:cNvSpPr>
+          <p:nvPr>
+            <p:ph idx="1"/>
+          </p:nvPr>
+        </p:nvSpPr>
+        <p:spPr/>
+        <p:txBody>
+          <a:bodyPr/>
+          <a:lstStyle/>
+          <a:p>
+            <a:pPr lvl="1"/>
+            <a:endParaRPr lang="en-US" dirty="0" smtClean="0"/>
+          </a:p>
+          <a:p>
+            <a:pPr lvl="1"/>
+            <a:endParaRPr lang="en-US" dirty="0"/>
+          </a:p>
+          <a:p>
+            <a:pPr lvl="1"/>
+            <a:endParaRPr lang="en-US" dirty="0"/>
+          </a:p>
+          <a:p>
+            <a:endParaRPr lang="en-US" dirty="0" smtClean="0"/>
+          </a:p>
+          <a:p>
+            <a:endParaRPr lang="en-US" dirty="0"/>
+          </a:p>
+          <a:p>
+            <a:endParaRPr lang="en-US" dirty="0" smtClean="0"/>
+          </a:p>
+          <a:p>
+            <a:endParaRPr lang="en-US" dirty="0"/>
+          </a:p>
+          <a:p>
+            <a:endParaRPr lang="en-US" dirty="0" smtClean="0"/>
+          </a:p>
+          <a:p>
+            <a:endParaRPr lang="en-US" dirty="0"/>
+          </a:p>
+          <a:p>
+            <a:pPr lvl="1"/>
+            <a:endParaRPr lang="en-US" sz="2000" dirty="0" smtClean="0"/>
+          </a:p>
+        </p:txBody>
+      </p:sp>
+      <p:sp>
+        <p:nvSpPr>
+          <p:cNvPr id="3" name="Title 2"/>
+          <p:cNvSpPr>
+            <a:spLocks noGrp="1"/>
+          </p:cNvSpPr>
+          <p:nvPr>
+            <p:ph type="title"/>
+          </p:nvPr>
+        </p:nvSpPr>
+        <p:spPr/>
+        <p:txBody>
+          <a:bodyPr/>
+          <a:lstStyle/>
+          <a:p>
+            <a:r>
+              <a:rPr lang="en-US" dirty="0" smtClean="0"/>
+              <a:t>Analysis of Significance</a:t>
+            </a:r>
+            <a:endParaRPr lang="en-US" dirty="0"/>
+          </a:p>
+        </p:txBody>
+      </p:sp>
+      <p:pic>
+        <p:nvPicPr>
+          <p:cNvPr id="7171" name="Picture 3"/>
+          <p:cNvPicPr>
+            <a:picLocks noChangeAspect="1" noChangeArrowheads="1"/>
+          </p:cNvPicPr>
+          <p:nvPr/>
+        </p:nvPicPr>
+        <p:blipFill>
+          <a:blip r:embed="rId2">
+            <a:extLst>
+              <a:ext uri="{28A0092B-C50C-407E-A947-70E740481C1C}">
+                <a14:useLocalDpi xmlns:a14="http://schemas.microsoft.com/office/drawing/2010/main" val="0"/>
+              </a:ext>
+            </a:extLst>
+          </a:blip>
+          <a:srcRect/>
+          <a:stretch>
+            <a:fillRect/>
+          </a:stretch>
+        </p:blipFill>
+        <p:spPr bwMode="auto">
+          <a:xfrm>
+            <a:off x="457200" y="1295400"/>
+            <a:ext cx="5261308" cy="3033713"/>
+          </a:xfrm>
+          <a:prstGeom prst="rect">
+            <a:avLst/>
+          </a:prstGeom>
+          <a:noFill/>
+          <a:ln w="9525">
+            <a:solidFill>
+              <a:schemeClr val="tx1"/>
+            </a:solidFill>
+            <a:miter lim="800000"/>
+            <a:headEnd/>
+            <a:tailEnd/>
+          </a:ln>
+          <a:extLst>
+            <a:ext uri="{909E8E84-426E-40DD-AFC4-6F175D3DCCD1}">
+              <a14:hiddenFill xmlns:a14="http://schemas.microsoft.com/office/drawing/2010/main">
+                <a:solidFill>
+                  <a:schemeClr val="accent1"/>
+                </a:solidFill>
+              </a14:hiddenFill>
+            </a:ext>
+          </a:extLst>
+        </p:spPr>
+      </p:pic>
+      <p:pic>
+        <p:nvPicPr>
+          <p:cNvPr id="7172" name="Picture 4"/>
+          <p:cNvPicPr>
+            <a:picLocks noChangeAspect="1" noChangeArrowheads="1"/>
+          </p:cNvPicPr>
+          <p:nvPr/>
+        </p:nvPicPr>
+        <p:blipFill>
+          <a:blip r:embed="rId3">
+            <a:extLst>
+              <a:ext uri="{28A0092B-C50C-407E-A947-70E740481C1C}">
+                <a14:useLocalDpi xmlns:a14="http://schemas.microsoft.com/office/drawing/2010/main" val="0"/>
+              </a:ext>
+            </a:extLst>
+          </a:blip>
+          <a:srcRect/>
+          <a:stretch>
+            <a:fillRect/>
+          </a:stretch>
+        </p:blipFill>
+        <p:spPr bwMode="auto">
+          <a:xfrm>
+            <a:off x="3789485" y="4572000"/>
+            <a:ext cx="5261308" cy="1867758"/>
+          </a:xfrm>
+          <a:prstGeom prst="rect">
+            <a:avLst/>
+          </a:prstGeom>
+          <a:noFill/>
+          <a:ln w="9525">
+            <a:solidFill>
+              <a:schemeClr val="tx1"/>
+            </a:solidFill>
+            <a:miter lim="800000"/>
+            <a:headEnd/>
+            <a:tailEnd/>
+          </a:ln>
+          <a:extLst>
+            <a:ext uri="{909E8E84-426E-40DD-AFC4-6F175D3DCCD1}">
+              <a14:hiddenFill xmlns:a14="http://schemas.microsoft.com/office/drawing/2010/main">
+                <a:solidFill>
+                  <a:schemeClr val="accent1"/>
+                </a:solidFill>
+              </a14:hiddenFill>
+            </a:ext>
+          </a:extLst>
+        </p:spPr>
+      </p:pic>
+      <p:sp>
+        <p:nvSpPr>
+          <p:cNvPr id="4" name="TextBox 3"/>
+          <p:cNvSpPr txBox="1"/>
+          <p:nvPr/>
+        </p:nvSpPr>
+        <p:spPr>
+          <a:xfrm>
+            <a:off x="5943600" y="2133600"/>
+            <a:ext cx="2819400" cy="646331"/>
+          </a:xfrm>
+          <a:prstGeom prst="rect">
+            <a:avLst/>
+          </a:prstGeom>
+          <a:noFill/>
+        </p:spPr>
+        <p:txBody>
+          <a:bodyPr wrap="square" rtlCol="0">
+            <a:spAutoFit/>
+          </a:bodyPr>
+          <a:lstStyle/>
+          <a:p>
+            <a:pPr algn="ctr"/>
+            <a:r>
+              <a:rPr lang="en-US" i="1" dirty="0" smtClean="0"/>
+              <a:t>t-</a:t>
+            </a:r>
+            <a:r>
+              <a:rPr lang="en-US" dirty="0" smtClean="0"/>
+              <a:t>tests for significance of distributions</a:t>
+            </a:r>
+            <a:endParaRPr lang="en-US" i="1" dirty="0"/>
+          </a:p>
+        </p:txBody>
+      </p:sp>
+      <p:sp>
+        <p:nvSpPr>
+          <p:cNvPr id="5" name="TextBox 4"/>
+          <p:cNvSpPr txBox="1"/>
+          <p:nvPr/>
+        </p:nvSpPr>
+        <p:spPr>
+          <a:xfrm>
+            <a:off x="838200" y="5144869"/>
+            <a:ext cx="2667000" cy="646331"/>
+          </a:xfrm>
+          <a:prstGeom prst="rect">
+            <a:avLst/>
+          </a:prstGeom>
+          <a:noFill/>
+        </p:spPr>
+        <p:txBody>
+          <a:bodyPr wrap="square" rtlCol="0">
+            <a:spAutoFit/>
+          </a:bodyPr>
+          <a:lstStyle/>
+          <a:p>
+            <a:r>
+              <a:rPr lang="en-US" dirty="0" smtClean="0"/>
+              <a:t>ANOVA for Analysis of Categorical Variance</a:t>
+            </a:r>
+            <a:endParaRPr lang="en-US" dirty="0"/>
+          </a:p>
+        </p:txBody>
+      </p:sp>
+    </p:spTree>
+    <p:extLst>
+      <p:ext uri="{BB962C8B-B14F-4D97-AF65-F5344CB8AC3E}">
+        <p14:creationId xmlns:p14="http://schemas.microsoft.com/office/powerpoint/2010/main" val="241419668"/>
+      </p:ext>
+    </p:extLst>
+  </p:cSld>
+  <p:clrMapOvr>
+    <a:masterClrMapping/>
+  </p:clrMapOvr>
+</p:sld>
+</file>
+
+<file path=ppt/slides/slide9.xml><?xml version="1.0" encoding="utf-8"?>
+<p:sld xmlns:a="http://schemas.openxmlformats.org/drawingml/2006/main" xmlns:r="http://schemas.openxmlformats.org/officeDocument/2006/relationships" xmlns:p="http://schemas.openxmlformats.org/presentationml/2006/main">
+  <p:cSld>
+    <p:spTree>
+      <p:nvGrpSpPr>
+        <p:cNvPr id="1" name=""/>
+        <p:cNvGrpSpPr/>
+        <p:nvPr/>
+      </p:nvGrpSpPr>
+      <p:grpSpPr>
+        <a:xfrm>
+          <a:off x="0" y="0"/>
+          <a:ext cx="0" cy="0"/>
+          <a:chOff x="0" y="0"/>
+          <a:chExt cx="0" cy="0"/>
+        </a:xfrm>
+      </p:grpSpPr>
+      <p:sp>
+        <p:nvSpPr>
+          <p:cNvPr id="2" name="Content Placeholder 1"/>
+          <p:cNvSpPr>
+            <a:spLocks noGrp="1"/>
+          </p:cNvSpPr>
+          <p:nvPr>
+            <p:ph idx="1"/>
+          </p:nvPr>
+        </p:nvSpPr>
+        <p:spPr/>
+        <p:txBody>
+          <a:bodyPr/>
+          <a:lstStyle/>
+          <a:p>
+            <a:r>
+              <a:rPr lang="en-US" dirty="0" smtClean="0"/>
               <a:t>Based on the Exploratory Analysis the Following Variables Emerged as </a:t>
             </a:r>
+            <a:endParaRPr lang="en-US" dirty="0" smtClean="0"/>
           </a:p>
           <a:p>
             <a:endParaRPr lang="en-US" dirty="0"/>
@@ -7328,3419 +10787,6 @@
 </p:sld>
 </file>
 
-<file path=ppt/slides/slide11.xml><?xml version="1.0" encoding="utf-8"?>
-<p:sld xmlns:a="http://schemas.openxmlformats.org/drawingml/2006/main" xmlns:r="http://schemas.openxmlformats.org/officeDocument/2006/relationships" xmlns:p="http://schemas.openxmlformats.org/presentationml/2006/main">
-  <p:cSld>
-    <p:spTree>
-      <p:nvGrpSpPr>
-        <p:cNvPr id="1" name=""/>
-        <p:cNvGrpSpPr/>
-        <p:nvPr/>
-      </p:nvGrpSpPr>
-      <p:grpSpPr>
-        <a:xfrm>
-          <a:off x="0" y="0"/>
-          <a:ext cx="0" cy="0"/>
-          <a:chOff x="0" y="0"/>
-          <a:chExt cx="0" cy="0"/>
-        </a:xfrm>
-      </p:grpSpPr>
-      <p:sp>
-        <p:nvSpPr>
-          <p:cNvPr id="2" name="Content Placeholder 1"/>
-          <p:cNvSpPr>
-            <a:spLocks noGrp="1"/>
-          </p:cNvSpPr>
-          <p:nvPr>
-            <p:ph idx="1"/>
-          </p:nvPr>
-        </p:nvSpPr>
-        <p:spPr/>
-        <p:txBody>
-          <a:bodyPr>
-            <a:normAutofit/>
-          </a:bodyPr>
-          <a:lstStyle/>
-          <a:p>
-            <a:r>
-              <a:rPr lang="en-US" dirty="0" smtClean="0"/>
-              <a:t>Classification Regression for Binary </a:t>
-            </a:r>
-            <a:r>
-              <a:rPr lang="en-US" dirty="0" smtClean="0"/>
-              <a:t>Outputs</a:t>
-            </a:r>
-            <a:endParaRPr lang="en-US" dirty="0"/>
-          </a:p>
-          <a:p>
-            <a:r>
-              <a:rPr lang="en-US" dirty="0" smtClean="0"/>
-              <a:t>Assumptions</a:t>
-            </a:r>
-          </a:p>
-          <a:p>
-            <a:pPr lvl="1"/>
-            <a:r>
-              <a:rPr lang="en-US" dirty="0"/>
-              <a:t>A</a:t>
-            </a:r>
-            <a:r>
-              <a:rPr lang="en-US" dirty="0" smtClean="0"/>
-              <a:t>dditive </a:t>
-            </a:r>
-            <a:r>
-              <a:rPr lang="en-US" dirty="0"/>
-              <a:t>relationship between the predictors and the natural log odds of </a:t>
-            </a:r>
-            <a:r>
-              <a:rPr lang="en-US" dirty="0" smtClean="0"/>
-              <a:t>response</a:t>
-            </a:r>
-            <a:r>
-              <a:rPr lang="en-US" dirty="0" smtClean="0"/>
-              <a:t>.</a:t>
-            </a:r>
-            <a:endParaRPr lang="en-US" dirty="0" smtClean="0"/>
-          </a:p>
-          <a:p>
-            <a:pPr lvl="1"/>
-            <a:r>
-              <a:rPr lang="en-US" dirty="0" smtClean="0"/>
-              <a:t>Normality, Equal Variance, Independence  </a:t>
-            </a:r>
-            <a:endParaRPr lang="en-US" dirty="0" smtClean="0"/>
-          </a:p>
-          <a:p>
-            <a:pPr lvl="1"/>
-            <a:r>
-              <a:rPr lang="en-US" sz="1800" dirty="0" smtClean="0"/>
-              <a:t>Overtime, Marital Status, Total Working Years, Business Travel, Distance From Home, Environment Satisfaction, Job Involvement, Job Role, Job Satisfaction, Marital Status, </a:t>
-            </a:r>
-            <a:r>
-              <a:rPr lang="en-US" sz="1800" dirty="0" err="1" smtClean="0"/>
-              <a:t>Num</a:t>
-            </a:r>
-            <a:r>
-              <a:rPr lang="en-US" sz="1800" dirty="0" smtClean="0"/>
-              <a:t> Companies Worked, Total Working Years, Overtime, Relationship Satisfaction</a:t>
-            </a:r>
-            <a:endParaRPr lang="en-US" sz="1800" dirty="0" smtClean="0"/>
-          </a:p>
-          <a:p>
-            <a:pPr lvl="1"/>
-            <a:endParaRPr lang="en-US" dirty="0"/>
-          </a:p>
-        </p:txBody>
-      </p:sp>
-      <p:sp>
-        <p:nvSpPr>
-          <p:cNvPr id="3" name="Title 2"/>
-          <p:cNvSpPr>
-            <a:spLocks noGrp="1"/>
-          </p:cNvSpPr>
-          <p:nvPr>
-            <p:ph type="title"/>
-          </p:nvPr>
-        </p:nvSpPr>
-        <p:spPr/>
-        <p:txBody>
-          <a:bodyPr/>
-          <a:lstStyle/>
-          <a:p>
-            <a:r>
-              <a:rPr lang="en-US" dirty="0" smtClean="0"/>
-              <a:t>Logistic Regression</a:t>
-            </a:r>
-            <a:endParaRPr lang="en-US" dirty="0"/>
-          </a:p>
-        </p:txBody>
-      </p:sp>
-      <p:pic>
-        <p:nvPicPr>
-          <p:cNvPr id="4" name="Picture 3"/>
-          <p:cNvPicPr>
-            <a:picLocks noChangeAspect="1"/>
-          </p:cNvPicPr>
-          <p:nvPr/>
-        </p:nvPicPr>
-        <p:blipFill>
-          <a:blip r:embed="rId3">
-            <a:extLst>
-              <a:ext uri="{28A0092B-C50C-407E-A947-70E740481C1C}">
-                <a14:useLocalDpi xmlns:a14="http://schemas.microsoft.com/office/drawing/2010/main" val="0"/>
-              </a:ext>
-            </a:extLst>
-          </a:blip>
-          <a:stretch>
-            <a:fillRect/>
-          </a:stretch>
-        </p:blipFill>
-        <p:spPr>
-          <a:xfrm>
-            <a:off x="5562600" y="4724400"/>
-            <a:ext cx="3124200" cy="1700013"/>
-          </a:xfrm>
-          <a:prstGeom prst="rect">
-            <a:avLst/>
-          </a:prstGeom>
-        </p:spPr>
-      </p:pic>
-    </p:spTree>
-    <p:extLst>
-      <p:ext uri="{BB962C8B-B14F-4D97-AF65-F5344CB8AC3E}">
-        <p14:creationId xmlns:p14="http://schemas.microsoft.com/office/powerpoint/2010/main" val="3465430031"/>
-      </p:ext>
-    </p:extLst>
-  </p:cSld>
-  <p:clrMapOvr>
-    <a:masterClrMapping/>
-  </p:clrMapOvr>
-</p:sld>
-</file>
-
-<file path=ppt/slides/slide12.xml><?xml version="1.0" encoding="utf-8"?>
-<p:sld xmlns:a="http://schemas.openxmlformats.org/drawingml/2006/main" xmlns:r="http://schemas.openxmlformats.org/officeDocument/2006/relationships" xmlns:p="http://schemas.openxmlformats.org/presentationml/2006/main">
-  <p:cSld>
-    <p:spTree>
-      <p:nvGrpSpPr>
-        <p:cNvPr id="1" name=""/>
-        <p:cNvGrpSpPr/>
-        <p:nvPr/>
-      </p:nvGrpSpPr>
-      <p:grpSpPr>
-        <a:xfrm>
-          <a:off x="0" y="0"/>
-          <a:ext cx="0" cy="0"/>
-          <a:chOff x="0" y="0"/>
-          <a:chExt cx="0" cy="0"/>
-        </a:xfrm>
-      </p:grpSpPr>
-      <p:sp>
-        <p:nvSpPr>
-          <p:cNvPr id="2" name="Content Placeholder 1"/>
-          <p:cNvSpPr>
-            <a:spLocks noGrp="1"/>
-          </p:cNvSpPr>
-          <p:nvPr>
-            <p:ph idx="1"/>
-          </p:nvPr>
-        </p:nvSpPr>
-        <p:spPr/>
-        <p:txBody>
-          <a:bodyPr/>
-          <a:lstStyle/>
-          <a:p>
-            <a:r>
-              <a:rPr lang="en-US" dirty="0" smtClean="0"/>
-              <a:t>Forward </a:t>
-            </a:r>
-            <a:r>
-              <a:rPr lang="en-US" dirty="0" smtClean="0"/>
-              <a:t>Selection</a:t>
-            </a:r>
-          </a:p>
-          <a:p>
-            <a:endParaRPr lang="en-US" dirty="0"/>
-          </a:p>
-          <a:p>
-            <a:r>
-              <a:rPr lang="en-US" dirty="0" smtClean="0"/>
-              <a:t>Backward Selection</a:t>
-            </a:r>
-          </a:p>
-          <a:p>
-            <a:endParaRPr lang="en-US" dirty="0" smtClean="0"/>
-          </a:p>
-          <a:p>
-            <a:pPr lvl="1"/>
-            <a:r>
-              <a:rPr lang="en-US" dirty="0" smtClean="0"/>
-              <a:t>Both models resulted in Marital Status, Overtime, and Total Working Years as the top 3 variables</a:t>
-            </a:r>
-            <a:endParaRPr lang="en-US" dirty="0"/>
-          </a:p>
-          <a:p>
-            <a:endParaRPr lang="en-US" dirty="0"/>
-          </a:p>
-        </p:txBody>
-      </p:sp>
-      <p:sp>
-        <p:nvSpPr>
-          <p:cNvPr id="3" name="Title 2"/>
-          <p:cNvSpPr>
-            <a:spLocks noGrp="1"/>
-          </p:cNvSpPr>
-          <p:nvPr>
-            <p:ph type="title"/>
-          </p:nvPr>
-        </p:nvSpPr>
-        <p:spPr/>
-        <p:txBody>
-          <a:bodyPr/>
-          <a:lstStyle/>
-          <a:p>
-            <a:r>
-              <a:rPr lang="en-US" dirty="0" smtClean="0"/>
-              <a:t>Model Selection	</a:t>
-            </a:r>
-            <a:endParaRPr lang="en-US" dirty="0"/>
-          </a:p>
-        </p:txBody>
-      </p:sp>
-      <p:pic>
-        <p:nvPicPr>
-          <p:cNvPr id="4" name="Picture 3"/>
-          <p:cNvPicPr>
-            <a:picLocks noChangeAspect="1"/>
-          </p:cNvPicPr>
-          <p:nvPr/>
-        </p:nvPicPr>
-        <p:blipFill>
-          <a:blip r:embed="rId2">
-            <a:extLst>
-              <a:ext uri="{28A0092B-C50C-407E-A947-70E740481C1C}">
-                <a14:useLocalDpi xmlns:a14="http://schemas.microsoft.com/office/drawing/2010/main" val="0"/>
-              </a:ext>
-            </a:extLst>
-          </a:blip>
-          <a:stretch>
-            <a:fillRect/>
-          </a:stretch>
-        </p:blipFill>
-        <p:spPr>
-          <a:xfrm>
-            <a:off x="2654300" y="4247003"/>
-            <a:ext cx="3835400" cy="1823978"/>
-          </a:xfrm>
-          <a:prstGeom prst="rect">
-            <a:avLst/>
-          </a:prstGeom>
-        </p:spPr>
-      </p:pic>
-    </p:spTree>
-    <p:extLst>
-      <p:ext uri="{BB962C8B-B14F-4D97-AF65-F5344CB8AC3E}">
-        <p14:creationId xmlns:p14="http://schemas.microsoft.com/office/powerpoint/2010/main" val="4116180965"/>
-      </p:ext>
-    </p:extLst>
-  </p:cSld>
-  <p:clrMapOvr>
-    <a:masterClrMapping/>
-  </p:clrMapOvr>
-</p:sld>
-</file>
-
-<file path=ppt/slides/slide13.xml><?xml version="1.0" encoding="utf-8"?>
-<p:sld xmlns:a="http://schemas.openxmlformats.org/drawingml/2006/main" xmlns:r="http://schemas.openxmlformats.org/officeDocument/2006/relationships" xmlns:p="http://schemas.openxmlformats.org/presentationml/2006/main">
-  <p:cSld>
-    <p:spTree>
-      <p:nvGrpSpPr>
-        <p:cNvPr id="1" name=""/>
-        <p:cNvGrpSpPr/>
-        <p:nvPr/>
-      </p:nvGrpSpPr>
-      <p:grpSpPr>
-        <a:xfrm>
-          <a:off x="0" y="0"/>
-          <a:ext cx="0" cy="0"/>
-          <a:chOff x="0" y="0"/>
-          <a:chExt cx="0" cy="0"/>
-        </a:xfrm>
-      </p:grpSpPr>
-      <p:sp>
-        <p:nvSpPr>
-          <p:cNvPr id="2" name="Content Placeholder 1"/>
-          <p:cNvSpPr>
-            <a:spLocks noGrp="1"/>
-          </p:cNvSpPr>
-          <p:nvPr>
-            <p:ph idx="1"/>
-          </p:nvPr>
-        </p:nvSpPr>
-        <p:spPr>
-          <a:xfrm>
-            <a:off x="457200" y="1481328"/>
-            <a:ext cx="3886200" cy="4525963"/>
-          </a:xfrm>
-        </p:spPr>
-        <p:txBody>
-          <a:bodyPr>
-            <a:normAutofit/>
-          </a:bodyPr>
-          <a:lstStyle/>
-          <a:p>
-            <a:r>
-              <a:rPr lang="en-US" sz="2000" dirty="0" smtClean="0"/>
-              <a:t>Older employees tend to be promoted less often</a:t>
-            </a:r>
-          </a:p>
-          <a:p>
-            <a:endParaRPr lang="en-US" sz="2000" dirty="0"/>
-          </a:p>
-          <a:p>
-            <a:r>
-              <a:rPr lang="en-US" sz="2000" dirty="0"/>
-              <a:t>Sales Representatives tend to be the </a:t>
-            </a:r>
-            <a:r>
-              <a:rPr lang="en-US" sz="2000" dirty="0" smtClean="0"/>
-              <a:t>youngest</a:t>
-            </a:r>
-          </a:p>
-          <a:p>
-            <a:endParaRPr lang="en-US" sz="2000" dirty="0"/>
-          </a:p>
-          <a:p>
-            <a:r>
-              <a:rPr lang="en-US" sz="2000" dirty="0"/>
-              <a:t>M</a:t>
-            </a:r>
-            <a:r>
-              <a:rPr lang="en-US" sz="2000" dirty="0" smtClean="0"/>
-              <a:t>anagers </a:t>
-            </a:r>
-            <a:r>
-              <a:rPr lang="en-US" sz="2000" dirty="0"/>
-              <a:t>and </a:t>
-            </a:r>
-            <a:r>
-              <a:rPr lang="en-US" sz="2000" dirty="0" smtClean="0"/>
-              <a:t>Directors </a:t>
-            </a:r>
-            <a:r>
-              <a:rPr lang="en-US" sz="2000" dirty="0"/>
-              <a:t>tend to be </a:t>
-            </a:r>
-            <a:r>
-              <a:rPr lang="en-US" sz="2000" dirty="0" smtClean="0"/>
-              <a:t>older</a:t>
-            </a:r>
-          </a:p>
-          <a:p>
-            <a:endParaRPr lang="en-US" sz="2000" dirty="0"/>
-          </a:p>
-          <a:p>
-            <a:r>
-              <a:rPr lang="en-US" sz="2000" dirty="0"/>
-              <a:t>Healthcare </a:t>
-            </a:r>
-            <a:r>
-              <a:rPr lang="en-US" sz="2000" dirty="0" smtClean="0"/>
-              <a:t>Representatives </a:t>
-            </a:r>
-            <a:r>
-              <a:rPr lang="en-US" sz="2000" dirty="0"/>
-              <a:t>tend to be older than </a:t>
-            </a:r>
-            <a:r>
-              <a:rPr lang="en-US" sz="2000" dirty="0" smtClean="0"/>
-              <a:t>Manufacturing </a:t>
-            </a:r>
-            <a:r>
-              <a:rPr lang="en-US" sz="2000" dirty="0"/>
-              <a:t>D</a:t>
-            </a:r>
-            <a:r>
-              <a:rPr lang="en-US" sz="2000" dirty="0" smtClean="0"/>
-              <a:t>irectors</a:t>
-            </a:r>
-          </a:p>
-          <a:p>
-            <a:endParaRPr lang="en-US" sz="2000" dirty="0"/>
-          </a:p>
-          <a:p>
-            <a:endParaRPr lang="en-US" sz="2000" dirty="0"/>
-          </a:p>
-        </p:txBody>
-      </p:sp>
-      <p:sp>
-        <p:nvSpPr>
-          <p:cNvPr id="3" name="Title 2"/>
-          <p:cNvSpPr>
-            <a:spLocks noGrp="1"/>
-          </p:cNvSpPr>
-          <p:nvPr>
-            <p:ph type="title"/>
-          </p:nvPr>
-        </p:nvSpPr>
-        <p:spPr/>
-        <p:txBody>
-          <a:bodyPr/>
-          <a:lstStyle/>
-          <a:p>
-            <a:r>
-              <a:rPr lang="en-US" dirty="0" smtClean="0"/>
-              <a:t>Other Job Role Trends</a:t>
-            </a:r>
-            <a:endParaRPr lang="en-US" dirty="0"/>
-          </a:p>
-        </p:txBody>
-      </p:sp>
-      <p:sp>
-        <p:nvSpPr>
-          <p:cNvPr id="4" name="AutoShape 2" descr="data:image/png;base64,iVBORw0KGgoAAAANSUhEUgAABUAAAAPACAMAAADDuCPrAAAAolBMVEUAAAAAADoAAGYAOpAAZrYzMzMzZv86AAA6Ojo6kJA6kNs9PT1NTU1NTW5NTY5NbqtNjshmAABmZmZmtv9uTU1uq+SOTU2Oq6uOyP+QOgCQkLaQ29uQ2/+rbk2rjk2r5P+2ZgC2kDq2///Ijk3I///KysrW1tbbkDrb///kq27k5Kvk///r6+v/tmb/yI7/25D/5Kv//7b//8j//9v//+T////sHfwrAAAACXBIWXMAAB2HAAAdhwGP5fFlAAAgAElEQVR4nO2da4PcxpFlMWNJ3hXbkrwiufLucM0ZSuJw1GxzaPL//7WtB6oK9ehCAgjg3kic88Wk2B0duJV5jCpkZjdfAQBgFI26AQCArCBQAICRIFAAgJEgUACAkSBQAICRIFAAgJEgUACAkSBQAICRIFAAgJEgUACAkSBQAICRIFAAgJEgUACAkcwn0MdxjP5GBxL3Tu4ayF3DBEEh0NlI3Du5ayB3DQjUkcS9k7sGcteAQB1J3Du5ayB3DQjUkcS9k7sGcteAQB1J3Du5ayB3DQjUkcS9k7sGcteAQB1J3Du5ayB3DQjUkcS9k7sGcteAQB1J3Du5ayB3DQjUkcS9k7sGcteAQB1J3Du5ayB3DQjUkcS9k7sGcteAQB1J3Du5ayB3DQjUkcS9k7sGcteAQB1J3Du5ayB3DQjUkcS9k7sGcteAQB1J3Du5ayB3DQjUkcS9k7sGcteAQB1J3Du5ayB3DQjUkcS9k7sGcteAQB1J3Du5ayB3DQjUkcS9k7sGcteAQB1J3Du5ayB3DQjUkcS9k7sGcteAQB1J3Du5ayB3DQjUkcS9k7sGcteAQB1J3Du5ayB3DQjUkcS9k7sGcteAQB1J3Du5ayB3DQjUkcS9k7sGcteAQB1J3Du5ayB3DVqBvnvY8Mv+z59fb/78CoFuSdw7uWsgdw1Kge6UueGn7V8+vdz9+cc/EOg6B5QDiXsndw1CgX55s7vh/PDwl7/vZPrTzqKvYgTabBh5ZQal1jigHEjce1zugeO9lILeBV0VIRToU3u7+WGrzvYvn17+8GuEQJsmLHBFKSayhsS9h+UeON6L6e9d0VUROoFubkB/Of3t3f7W8/w/jhZo04QFLinFRNaQuPeo3APHezm9vUu6KkIn0M+vOzebX95s38d/3d6Ovpou0KYJC1xTiomsIXHvQbkHjvcB9PWu6aoInUA/vfzxj6eHh90noCebftg/Utrwbcvgwptmjoz45gylAObBc5B6dhXKKIH+v/1T+FcdgT4hUAAZnoPUs6tQhl/ZU7uA6Wl7D3pDoAdG3B3zFl4Hb+E18BZeg+4t/NNh2fz2XXusQHmIpAOBauAhkgblZ6Dtc6Pth6E3PgOdIlCWMclAoBpYxqRBKdDWmds/xD6Ff2QhvQwEqoGF9BqU60A7d6Bf3+3XfwatA51yYQ4k7p3cNZC7BuFOpHftu/XdTWfwTiQGlApy10DuGoQCbTe+P82yF54BJYLcNZC7BuVpTE/7ZaD7N+3tXziNaUvi3sldA7lrkJ4H+uXNRpmH9+ycB3oice/kroHcNXAivSOJeyd3DeSuAYE6krh3ctdA7hoQqCOJeyd3DeSuAYE6krh3ctdA7hpqFSg7kQbgGVYgprlHgkA1VCpQ9sIPwDOsQExzDwWBaqhToJzGNADPsAIxzT0WBKqhSoE2TdhM1pRackB5hhWIae7BIFANCNSxFAINxDT3YBCoBgTqWAqBBmKaezAIVAMCdSyFQAMxzT0YBKqhSoGaPhcpL8VDpEhMc48FgWqoU6CmK3OKS7GMKRTT3ENBoBoqFajp2vDSUiykj8U090gQqIZaBcqAEkHuGshdAwJ1JHHv5K6B3DUgUEcS907uGshdAwJ1JHHv5K6B3DUgUEcS907uGshdAwJ1JHHv5K6B3DUgUEcS907uGshdAwJ1JHHv5K6B3DXUKlDPteH1L+j2XEhfSt7cqxeo54SeUMtboJ67E+vfUui5lbOYtLlXL1DPCT2llrVAPc/HqP9QC8/DRMrJmvtj7QL1nNCTajkLtGnCUtKUSjoZAsPSkDT3LVUL1HNCT6uFQGcslXQyIFAdCLQMBDr3hTmUSjoZEKgOBFoGAp37whxKJZ0MCFQHAi0DgQ65sjHf61Aq62RI7s+0uT9WLlDTCV3tQyTXVQ/FpdJOhtz+zJt77QI1ndDVLmNyXXdbWirvZEjtz8S51y5Q0wld7UL6+geUK+Sugdw11LqVkwElgtw1kLsGBOpI4t7JXQO5a0CgjiTundw1kLsGBOpI4t7JXQO5a0CgjiTundw1kLsGBOpI4t7JXQO5a0CgjiTundw1kLsGBOpI4t7JXQO5a6hVoJ4bF+rficREFkHuGioVqOfW2fr3wjORVZC7hjoF6nl4S/2nMT0ykVWQu4YqBTrpnD6HUmscUA4k7p3cNSBQx1JrHFAOJO6d3DUgUMdSaxxQDiTundw1IFDHUmscUA4k7p3cNVQpUB4i6WAiayB3DXUKlGVMMpjIGshdQ6UCZSG9CiayBnLXUKtAGVAiyF0DuWtAoI4k7p3cNZC7BgTqSOLeyV0DuWtAoI4k7p3cNZC7BgTqSOLeyV0DuWtAoI4k7p3cNZC7BgTqSOLeyV0DuWtAoI4k7p3cNZC7hloFykL6AQReoedE9sw9MnbP3EvJ2/v419BboGzlHEDgFXpOZM/cQ2O3zL2YtL1PeA2tBcphIgMIvMJHy4nsmXts7I65l5O19ymvobNABxwc51lKMZGDprLfRPbMPTh2w9wHkLT3Sa8hAp2xFAINxDN3BNohae8I1LUUAg3EM3cE2iFp7wjUtRQCDcQzdwTaIWnv1QqUh0hDqH4ie+YeG7tj7uVk7X3Ka2gtUJYxDaH6ieyZe2jslrkXk7b3Ca+ht0BZSD+E6ieyZ+6RsXvmXkre3se/huYCZUCJIHcN5K6h1q2cDCgR5K6B3DUgUEcS907uGshdAwJ1JHHv5K6B3DUgUEcS907uGshdAwJ1JHHv5K6B3DUgUEcS907uGshdAwJ1JHHv5K6B3DUgUEcS907uGshdQ60CrX4nUuQ2Fs+dSJ65B8JOpAN5e691J1L1e+EjN1J77oX3zD0Q9sIfSdt7rXvhA0+6kZTqvejIo3wia8VNZM/cA4mNHYEqmPIaOgu0acJGp6ZU30UHdmV6Hqhn7oEEx45ABUx6DRHojKUQqGfugSDQDkl7zyHQEZwujFKL1orDNKw4PLuCIYROw+klnmHp/2dwKMUdqGfugQTHzh2ogEmvobNAeYg0T1sl8BCpkNjYEaiCKa+htUBZxjQEz4nsmXsgobEjUAkTXkNvgbKQfgieE9kz90AiY0egGsa/huYCZUCJIHcN5K6h1q2cDCgR5K6B3DUgUEcS907uGshdAwJ1JHHv5K6B3DUgUEcS907uGshdAwJ1JHHv5K6B3DUgUEcS907uGshdAwJ1JHHv5K6B3DUgUEcS907uGshdQ60CrX4nUiSeO5ECMc09EnLXUKlAq98LH4nnXvhATHMPhdw11ClQyVE+gaUEh1q4ncYUiGnusZC7hioF2jRhUtCUUhyr5nUeaCCmuQdD7hoQqGMpBBqIae7BkLsGBOpYCoEGYpp7MOSuAYE6lkKggZjmHgy5a6hSoDxEGkKoPw0nsmvusZC7hjoFyjKmIUT603Eiu+YeCrlrqFSgLKQfQuAVWk5k19wjIXcNtQrUc0CVkrh3ctdA7hoQqCOJeyd3DeSuAYE6krh3ctdA7hoQqCOJeyd3DeSuAYE6krh3ctdA7hoQqCOJeyd3DeSuAYE6krh3ctdA7hoQqCOJeyd3DeSuoVaBVr+QPnLxu+dC+siuClk490gQqITxw8FboNVv5Yzcfum5lTO0q0KWzT0UBKpgwnCwFmj1h4lEHgDieZhIbFeFLJp7LAhUwJTh4CzQpgkb6JpSfRcd2JXpcXbBXRWyZO7BINDlmTQcEOiMpRAoAh0IAl0eBOpaCoEi0IEg0OVBoK6lECgCHQgCXZ5qBcpDpHnaKoGHSBoQqIApw8FaoCxjGkKoE1jGpAGBKpgwHLwFykL6IUTWYiG9BgQqYfxwMBcoA0oEuWsgdw21buVkQIkgdw3krgGBOpK4d3LXQO4aEKgjiXsndw3krgGBOpK4d3LXQO4aEKgjiXsndw3krgGBOpK4d3LXQO4aEKgjiXsndw3krgGBOpK4d3LXQO4aahVo9TuRIql+J5Jp7pFY5l5K3txr3YlU/V74SKrfC2+aeyiOuReTNvda98IHHpojKbXogIo9YcjwNCbT3GMxzL2crLlPCctZoE0TNgw0pZYcUIFXuMXvPFDT3IPxy30ASXOfFBYCnbEUAq0/92D8ch9A0twRqGspBFp/7sH45T6ApLkjUNdSCLT+3IPxy30ASXOvVqA8RBpC7IwxfJhhmnsshrmXkzX3KWFZC5RlTEMInTGOy2lMcw/FMfdi0uY+ISxvgbKQfgiRM8ZyQbdp7pFY5l5K3tzHh2UuULa2iSB3DeSuodatnAwoEeSugdw1IFBHEvdO7hrIXQMCdSRx7+Sugdw1IFBHEvdO7hrIXQMCdSRx7+Sugdw1IFBHEvdO7hrIXQMCdSRx7+Sugdw11CrQ6hfSRy539lxIHwgL6QfgOd5NqXUhffVbOSM33Hlu5QyErZwD8BzvptS6lVNyEkVgqd6LDuzK9DCRQAJz98XwMJH6c58SlrNAmyZsGGhK9V10YFemx9kFEpi7MX7H2dWf+6SwEOiMpRBoIPVP5C0IdHkQqGspBBpI/RN5CwJdHgTqWgqBBlL/RN6CQJenWoHyEGmetkrwE+gKHmY88hBJwpSwrAXKMqYhRNZyFOgKltOwjEnDhLC8BcpC+iFE1nIU6AoWdLOQXsP4sMwF6jmRS0ncO7lrIHcNtW7lZECJIHcN5K4BgTqSuHdy10DuGhCoI4l7J3cN5K4BgTqSuHdy10DuGhCoI4l7J3cN5K4BgTqSuHdy10DuGpQC/fz6YccPvx7/9gqBbkncO7lrIHcNSoF+etkRaPuXH/9AoOscUA4k7p3cNSgF+vTw0/HPm/vPn3YWfRUjUHYiDYCdSC2OvZcR+RLG4TnePaZOgEDfdWz5tL/3/PRy/35+qkDZCz8A9sIfMOy9jNCXMAzP8W4ydaYL9Mubv/z9UqZf3jz8EiDQKaekOJTiNKZIAnM3JfYljMJzvLtMnekC/fz6x/962X4CepTph6v38BOui/NAY9sqwU+ggbmbEvwSBuE53m2mznSBHp4hbe85P79u37p/OH4u+m3L8MJfTxc24ptXViq0liXVX6DpFXqOd9epM6LE037V0qeXm5vPo0CfEOiypUxnXyDVX6DpFXqOd9epM6LE4WZz+679hkAPLH1r7VCKt/CBBOZuSvBLGITneLeZOtMFeuDTyx//iBWo6WfO5aV4iBRJYO6mOPrTdby7TJ1Igf7w643PQKcI1HTVQ3EpljGFEpi7KY7+dB3vJlMnUqA//hH7FP7Rdd1taSkW0scSmLspjv50He8eU2eyQI/O3L1rf7df/xm0DvTRdCKXkrh3ctdA7hqEWzkPG5F27gzeicSAUkHuGshdg1Cgn17u7jb36ozeC8+AEkHuGshdg/IwkQ/d0+yeHjiN6Uji3sldA7lrkB6ovDsC9KfuX15df9HSF+ZA4t7JXQO5a+BEekcS907uGshdAwJ1JHHv5K6B3DUgUEcS907uGshdQ60C9Vx3a7qg2zOsQExzjwSBaqhUoJ47v0y3FHqGFYhp7qEgUA11CtTz7IHyUosOKM+wAjHNPRYEqqFKgTZN2EzWlFpyQHmGFYhp7sEgUA0I1LEUAg3ENPdgEKgGBOpYCoEGYpp7MAhUAwJ1LIVAAzHNPRgEqqFKgZo+FykvxUOkSExzjwWBaqhToKYrc4pLsYwpFNPcQ0GgGioVqOna8NJSLKSPxTT3SBCohloFyoASQe4ayF0DAnUkce/kroHcNSBQRxL3Tu4ayF0DAnUkce/kroHcNSBQRxL3Tu4ayF0DAnUkce/kroHcNSBQRxL3Tu4ayF0DAnUkce/kroHcNSBQRxL3Tu4ayF1DrQJlR8wAIsOKm8j17wCLxFKg5H7vG50Fyp7sAYSGFTaR6z+DIBRHgZL73W80FiinAg0gNqyoiVz/KVixGAqU3O9/o69AmyZWCjEM6CrpeaBbgiZyYFemuQfjJ1By7/lGBDoM0wGFQE+scSLPBrn3fCMCHYbpgEKgJ9Y4kWeD3Hu+EYEOw3RAIdATa5zIs0HuPd/oK1AeIg0hNiweImnwEyi593yjsUBZxjSE0LBYxqTBUKDkfv8bnQXKQvohRIbFQnoNjgIl97vfaC1QzwFVSuLeyV0DuWtAoI4k7p3cNZC7BgTqSOLeyV0DuWtAoI4k7p3cNZC7BgTqSOLeyV0DuWtAoI4k7p3cNZC7BgTqSOLeyV0DuWtAoI4k7p3cNZC7BgTqSOLeyV0DuWuoVaCCbSyBpQou2nOrlWlbnjtiQrNiB1gxHrl7C1SxkTqwVP9Fe272N23Lc092bFacQVCKSe7WApUc5RNYqveiA7uKxLOtwNwDCc6KU7AKccndWaBNE5aSplTfRQd2FYlnW4G5BxKdFeewlmGTOwKdsRQCDYSJPADP8R6ITe4IdMZSCDQQJvIAPMd7IDa5I9AZSyHQQJjIA/Ac74HY5O4sUB4iifBsKzD3QIKz4iFSIS65WwuUZUwiPNsKzD2Q2KxYxlSKSe7eAmUhvQjPtgJzDyQ0KxbSF+ORu7lA2domgtw1kLsGBOpI4t7JXQO5a0CgjiTundw1kPvy/LbhdwRqSOLeyV0DuS/KbwcQqCOJeyd3DeS+FL+dgUAdSdw7uWsg99n57RYI1JHEvZO7BnKfj5vmRKDGJO6d3DWQ+zzck2fNAmUh/QA8wwqEBd3eePbe584tL16MfQ29BcpWzgF4hhUIWwrNseu9xJ17f74Y+xpaC1RyIkJgqUUPE/EMK5DA3AMJzgqBBlHqztafL8a+hs4CbZqw0akpteRxdp5hBRKYeyDRWSHQ6Qxx58GfL8a+hgh0xlIINBAEao++96HuRKDWpRBoIAjUHmHvo8yJQM1LIdBAEKg9it6nmLN2gZo+FykvxUOkSAJzDyQ4KwQ6gAB5Hg069jW0FqjpypziUixjCiUw90Bis0KgZUS582jQsa+ht0BN14aXlmIhfSyBuQcSmhUC7SXWnQeD1rmQngGlgtw1kPtd5pDnjlq3cjKgRJC7BnJ/jtnciUBtSdw7uWsg9xvM604Eakvi3sldA7l3WcCcCNSYxL2TuwZy37KcOBGoM4l7J3cN5L68PBGoK4l7J3cNq85d404Eakvi3sldw1pzF7oTgdqSuHdy17C63NXmbKlVoLk317ATKRbPHWCmO5E8d96dmOy87Q72AHXuqVSgybd3sxc+FM8zCEz3wnue/dASobzdGUphBq1ToIEn3QQfmlMGpzFFUt7VkrkHZxUlUMkVlvQeZbwXL0INWqVAmyZsGASWGgDngQYyoKsFc4/OKkigmivs6T3IdTtevIg1KAJdrNQAEGggCHQAbgKNsVyH9Ql0BKeXzqlUIJFdEVb2UpEYXeHvs3ASaFDByTm1aQXVuWaE3I1vFMrgDjSQkDuhwaUCuyqiqjvQmJvDm6zvDnRMc4FjU6IEHiJFUt4VD5HED5FipHaXUH9+9913VQrUd7VJGSxjCqW4K5YxqZYxheisjAh/fneiToHarncug4X0sZR2xUL6R8EVbt4Hx6ixkAn+/O6aSgW6vq1tJpC7hpy5t15aVqBjuGFOBOpL4t7JXUO63Lt6Mhbo8+ZEoL4k7p3cNWTK/cpSjgLtNeeWWp/CP+YaUFck7p3cNSTJ/basvARaJM4DCNSRxL2Tuwb/3O8oy0OgZbecFyBQRxL3Tu4ajHPvV5daoGPM2YJAHUncO7lrcMy9WGBCgY42ZwsCdSRx7+SuwS33QRbTCHSaOVtqFajnemfPBd2RVJ+7K0YL6YerrECggUd4vngRYc6WSgXquePOc0thJNXnbovHVs6RSusXaND+9ThxHqhToJITEQJLLXqYSCDV5+6L/jCRCV7rFejkE0BC3q7fokqBNk3Y9NOUWvI4u0Cqz90Y6XF24/3TWqjn3yecQddjzinu3IFAHUshUM/cjVEJdKJ/Wgv1/Psogfaqc6o7dyBQx1II1DN3YxYXaIR9jhbq+fdBAu0X53ffcaDyXaqfyAh0nlIItD+sGO9cWKjn34sEWiLO7ziRftAwGHlt8lI8RDLN3ZdFHiLFOOeGhfq+4K70ysxZVGpE61UKtP7lNJb+XEHutsy9jCnIN89YqPcrbkpvmDnvlhpNpQKtf0G3pT9XkLsrMy6kj3LNHQv1f8mZ9MaZ82apqdQqULutbYNI3Du5a5gj9zDL9Fqo/EsniHMWEKgjiXsndw2huS/roFKBepmzBYE6krh3ctcQlrvEQn1fYGjOFgTqSOLeyV1DRO46C935N1dztiBQRxL3Tu4aJuYuttCN/2Z7z3kOAnUkce/krmF87moF/XYuUMtPOp8HgTqSuHdy1zAqd7V9DuwE2mdOO3fuQKCOJO6d3DUMzV0tng795vR05w4E6kji3sldQ3HuauN0KDGnrzr31CrQ6nfERO5Eiqxl9KslhpfKuwOsIHe1arrkF2fLixdjh4O3QKvfkx25Fz50X73Hr5YYWSrtGQR9uas9c6CCW84zXmwFOm44WAu0+lOBArsKPtlJ/6slJpTKegrW453c1Y7ZUcOb9Ru82At01HBwFmjThA10TaklzwONrPUo/tUSU0slPYd1y63c1X75rdScwt8LP4UXB4GOGQ4IdMZSCLT+3IO5yF3tlt8Gfc6JQBFoaCkEWn/uwZxyV2vlt+G/yQ2BItDQUgi0/tyD2eWuNspvI4/9QKBeAuUh0jxtlcBDJAUbB8klNMacLfLeR1LrQySWMQ0i1AksY1qU41wWCnSCOVtSCbQb/4Th4C1QFtIPIbIWC+kX42xaSwQ66v36DXII9NZrMH44mAuULYUiyH0Jrmf3ogK9L85B7txhLtB7r8QEQSHQ2UjcO7nPzDOTfBGB9opzuDt3uAq04OVAoI4k7p3cZ+TOXJ9XoCXmnLCTyE6g5S8JAnUkce/kPg99U34mgc5szha9QEe/LgjUkcS9k3s4RQaIFugy5mwRCnTqi4NAHUncO7nHMUQEYQJdUpwHFAINeo0QqCOJeyf36YzxwXSBKszZsqhAY18rBOpI4t7JfRpjtTBFoDpztiwj0FleLwTqSOLeyX00k+wwUqBic7bMJdAFXrRaBcpOpAF4hhVIYO7zMN0VwwXqYM6Wgt63287LC94NO3SMVipQ9sIPwDOsQAJzj2a8dC4YItD75nwxzFUR9Pf+oqyrkshjx2idApUc5RNYKutpTJFtxRGYexwR3ulSJNCCe84XLwpdFUlv771dlQcfPEarFGjThKWkKZX0PNDItuIIzD2IUPm03Bdo8dv1Fy8UBu0T6J2uhmYfPUYRqGMpBBqIlUDnEdBvzwq0x5xXH3UmEOi0FwCBFuDpBASqwUWgMzvoUkK96rz5mMhZoJZjFIE6lkKggRgIdAkHHSTUL857T9gtBeo8RqsUqOlzkfJSPESKJDD34SxjoI2DSsRZsDbJ6iHSiJewl+AxWqdATVfmFJdiGVMogbkPYSH7BJnzgMCfVwKd8BL2EztGKxWo6drw0lIspI8lMPcSFtJOsDkPLO/PjUB7M3Udo7UKlC2FIlad+0K+mcmcEkJyF4JAHUnc+2pzX8Y31Yjz7J4z8ZhBoI4k7n2NuS9jnBrNOS13BxCoI4l7X1nuyzinwJzC3wtfSGjuNiBQRxL3vpbcl9JO6T2no0DnyN0NBOpI4t5rz30p+Qx9t24l0BlydwWBOpK495pzX8I9Yz/p9BDoPLk7g0AdSdx7pbnP754+c/Y8JRILdK7c7alVoJ7rbk0X0gfi2dak3M9NEb/MvN+cJU/Y4wQqOPt9jePdW6CeO79Mt3IG4tnW+Nxv2iXKoCXmLF6cFCbQ0iucNffxpZZlQlvWAvU8e6C81KKHiQTi2da43O/YZapBI8V5IEqgkrPf1zjenQXaNGGBa0oteZxdIJ5tDc+91y5jDTqHOVuCBHrrChfLPaLUkkxqC4HOWGqNA2o2BnQ14VdL9DCfOVvmEOhiua9xvCPQGUutcUDNRklXBwsN0UsRM95znhMqUMZ7EQjUtdQaB9Rs9HR1ZqEivZQJdClztsQIlPE+hGoFykMkEZ5tPdvVtYX6BFPmz0XN2TJRoP1hBeZ+xRrHu7VAWcYkwrOtG109Y6Fe0fT5c3lztgwV6JCwAnO/zRrHu7dAWUgvwrOtTlf3LdQvnmf9qTJnS7FAh4QVmPtd1jjezQVa65ZCe2xzL7LQGHVpxXmgX6DqF+AOrmOmgFq3cvpO5BIS926Ze7GFhklLfNN5xh2BqtPvx3HMFIJAHUncu1vuwyxU9mU9H3RKDoe/JVB19sWYjZkhIFBHEvdulPsIC93/515xaty5YydQdeJj8Rkzg0GgjiTu3ST3kRZ65r+XmFP6O4lsch9H4t4RqCOJe9fnPsFDVwJNYM4Wfe4TSNw7AnUkce/S3Kfq6CTQPOZsYbxrkAv008sf/9j94fPrh4eHVwh0S+LeNbkHWel37885dzyTAONdwwICfds0//JvX99+f/Mfv7x52Av008uHLa1NEWhWls09UExZzdnCeNcwu0Dfb9fq/8u//fNvzb/+x41//tA6c3P/+dPOoq9iBMpOpAF4htXHAPdM2n55bs7AX+lRWqoojTiBeo73QELH6NwC3flzI9D//mvT/Ok/r/55e9+5E+jT/n8+vfzh1wiBshd+AJ5h3WOEqW67avA9Z+Cv9Hi+1JhIwgTqOd4DiR2jMwv0H3/e3Hj+9183b+G3Bv358p83b+D/9/4z0Hf7W8/Nf/glQKBTTklxKLXo6TSeYT3HaFNdumrUu/WYX+nxbKkJuUQJ1HO8BxI8RmcW6NvtbedOoF83b+K/ufzndw8/7R8ifXnzl7/v/suHq/fwI3prmrCUNKWWPB/RM6xrJpvq6Krxn3NO/ZUez5aaHk+QQD3HeyDRY3RegW6kubnr3Av068erT0G379v3Av38un3r/mH7UeiOb1tum/kup5BGfPPKSrm2deL3iZxUdd+cg0pNbepdyNgAACAASURBVOpQKjirydiPhql4dvWcQPfqbAX6jz9fCPTz681t54VAnxDosqVc29oxWVOtqnrerg+1XoRATSey82gIwbOrcQLdfe75rEAPjLg7PoU08vZaXYq38EELlHrMefmGfb5fKvfb5dv0yKy28Ba+DJvciwR69hb+/cVj+A+7B+9zCNT0uUh5qXU/RBohpyt6zXnzw86gX+lxwZxZHeEhUiEuuRcJ9Ovb7eeee4H+48/nD5E+vdw9N3r2M9ApAjVdmVNcaqXLmAZp6RkKzPn8c6Lpv9Kjy6xZXcIyplJMci8T6Maa2zWgG4G+3+1HOrsBPfLDr7FP4R9d14aXllrbQvpSO95lijlbpvxKjw6zZvUMLKQvxiP3MoG2C+n3nG/mPBPo13f79Z9B60CnXJgDiXsfnHuZHe8w6Z7znKm/GniWRMtgvGtYZivnDX8eaA8TCd6JxIBSMST3abYqEefA3eujBTpfnqUw3jUsc5hIc3MfZ1eg0XvhGVAiCnMfa6otM5izZbhAZ06zHMa7Bpvj7J4eOI3pSOLe+3IfJbYjc5mzpUCgy6Q4HMa7BhuBch5oh8S9P5v7FLFtmdWcLfcEumiKw2G8a5ALtJelL8yBxL3fyn2q12YX54GbAl0+wzEw3jXMK9DtEUznXB3IhEBvkLj3i9ynKm0hc7acC1SU4DgY7xqWFujtY5UR6DmJez/lPkllS91zntMKVJnfWBjvGhYX6LOP42MFKl8bPqnUwgvpA9m2NUVh83zQ2bv6ve1+jQu6rxCMrNzjfdx3Fgl0twx0v/7zY7PdyfnPvw1+Fz/6uix2J44rtexWzjCmHNjeZ84p9513ujq/gDVuKbxEMbKSjvdJbZUJtHMG6P5gka9vr49Vjhfo4W531JUZlFr0MJEYOqYaZtB+c059z15+9vsaD7W4QDKyEo73HVPaKhJoK82DTLfv3j8OfQ8/4bq8TmgbUGrJ4+ymc2WqMoOWmDPi484BZ7+v8Vi1czQjK9d4PzKprSKBtgfZ7dmfB3p1KigCvSbNgLqnqknmDBDnRVcRuQeCQDukGe/nLCHQsztQBFqNQO+p6lmBLmzOlsDcA0GgHfzH+03mF+jmLfzxDXv7Z97CpxboXVU9L1CJOYeHhUAR6ADmF+juLKb9PejHZvc8/vJY5VkEykOkWehX1pU/F77nnBoWD5F4iDSEKW2VCXS7bOnI5tbzbcMypoIvtFvWUWqwgz9LxDm/OQ8E5h5I7EvIMiYFE9oqE+jhMLst7TLQgTegLKSfVmoyw0y2sDkLryEw90BCX0IW0ksY31apQA8K3XlzI9DbxyqHC5StbZMZKjNHcw7EIvdxMN41cBqTI9reh+ssvTlbEo8ZxruGBQX6z78NPkgEgS5NsDvjxLnICR+JxwzjXcNiAt0+j0eghUh6D3VnMnO2JB4zjHcNywi0PZUJgRaydO9x4vzu96m/2VJizpbEY4bxrmEJgbYP4s9/LTwCvcNivceJ83DXGSDQpS7+msRjhvGuYXaBfmwXMQ1++o5AZ2SY0frM2X3HPkqgc19uKYnHDONdw7wCPa6jH61PBBpLtDmvPu0cJtDZrnMciccM413DnAJ93751/78jVn8i0GDizXn7QVGhQOMvMILEY4bxrmE2gR5+m8fP45bPTxUoO5E69Nmss319tDivSxmZk51I3iTufS6B7v2596ZAoOyFbym5G9ztX59qzk6pkl+esSjshTcnce/zCfT00H15gR6234+8NnmpkNNpSty5JcScXX9eGLQ8oJkIzD2QwIG1BYFqmPcOdH/05+ICbZqw0akpNe18xDhxDlwPP+CXZyxIYO6BBA6sHQhUw3wPkd7uh8f3CHR4qZECLRVduDnPBRr4xjQCBGpP4t7nfArfPkda/in86gRa7rh5zNkSLYUYEKg9iXufeSH95GX0CPReqUG/QLjHnKN+nfvoK1wQBGpP4t5n34l0WEu/6E6kwLEpKVXyEGnAL2DvM+fwX+Y++ZdnLElg7oEEZ4VANSyxF/4ff96NlCX3wgeOTUWpnov+7e56oVJzHr9qiD+jrnBRonKPJTYrBKphoePs3u4Gy4KnMQWOTUGp5y/6zHojzXn1QWeJP4OvcFmm5z4HoVkhUA2LnQe6faLEcXaF3Oi97AZxhodEQ1uvLPcskLuGJX+lx3sEWki391LR9apzqDtHtl5L7skgdw38TiRHdr2HiXOoOqe1nj73nJC7BgRqx0ZhJScalYhzSXO25M39cZ0T2YHEvSNQH04muytQU3O2JMz9ROLeyV0DAjXgSmi3BeptzpZMuV+RuHdy14BAlTzntQuBxptzvktKkftzJO6d3DUgUAk9fjsKNMEt5wXeufeQuHdy11CrQD0X0u8o0NzvJe4ctvlyoSvMXSrvRCZ3EZUK1HMrZ9DKpO2XlG+/XPQKk5dKO5HJXUWdApWcAHKfCHWevq7kAJClr7CCUlknMrnLqFKgTRM2DKaXijXnuT9vG3TpK6ynVNKJTO46EOhcpcrEOfDYj/sCXfgK6yuVdCKTuw4EGl4qxpx3H69fCnThK6y2VNKJTO46EGhcqShzfvdd31bOgz4jPqpKP/sCSyWdyOSuo0qBLv1JeJw529vO3r3wgReY/glEYKmsE5ncZdQp0KXWYhSac/B6+OcFOsMFZl8DE1gq7UQmdxWVCnTu1cBx4rz5UecNgc54gclXYQeWyjuRyV1ErQKda2tbnDjvPSTqCnSWy5gPthRqIHcNCLSQZczZFWhs/0vBRNZA7hoQaA9l4ixzZ1mhx3UOKAcS907uGhDocxSbM+w3uXWan9i7ECayBnLXgECvGGDOoVswe815aH5s73qYyBrIXQMCPTHInPfVOdach+ZHXrQBTGQN5K4BgT46mfPQ/MiLNoCJrIHcNaxboMPMGfN+veTp+hoHlAOJeyd3DesUaKg4Y925b37kRRvARNZA7hpqFegzeyCCxTnUnYE7M9iJNEOpZScyL+GBvAIdH5a3QK924cabc8THnYF7g9kLP0epRScyL+GRtAKdEJa1QJvmeGUyc97tqi/cARc4mcBa2UstOZF5CU9kFeiUsJwFuruo4t+6Nr85z9MOOB9xQKleAmulL7XgROYl7JBUoJPCqkagBeIsLBUXNwKtfiLzEnZAoAkFWnbLef/Xt5WZs9sVAnUuhUCrzz2StQp0yJv1wN9/iUDtSyHQ6nOPpFqBPh4EOtydV9/xrD/HdVWWNg+R6n+YwUt4IqlAq32ItLuyS+kNNee5QSe689hVWdosY1rBchpewiNZBVrtMqbtlZ2kN9KcXYNOduehKxbSO5diIb2mVFqBVruQftPf7zHHfsSYc2jzi/60UNhSqIHcNdS6lfPxa5A7R/74aaxxQDmQuHdy17A2gZqb89C88odPg4msgdw1rEigGczZssYB5UDi3sldQ70C/T3bbWeHNQ4oBxL3Tu4a6hZouTlt3LljjQPKgcS9k7uGigWa05071jigHEjcO7lrWLdAR9aenTUOKAcS907uGtYp0JE1F2ONA8qBxL2Tu4ZaBdrdiTRRnp47M9jGMkOpvBPZM/dS8uZeq0Bv7IUfe+PpuTeYjdRzlEo7kT1zLyZt7rUKtGkuT2MaeZWup9MEdpX+KJ/AUlknsmfu5WTN/bFSgTYHgb6Y/HFn04SNqAGlOA/UM3dTPHMfQNLct9QrULsBhUDtSyWdyJ65DyBp7lv8BTqC0yigVNK2PEuZQlj54Q40shR3oJ65m+KZ+wCS5r7F/w50THOBg0BSiodIprmb4pl7OVlzf6xVoKbLOopLsYzJNXdTPHMvJm3u1QrUdGFxaSkW0mtK5Z3InrmXkjf3agXK1jYR5K6B3DUgUEcS907uGshdAwJ1JHHv5K6B3DUgUEcS907uGshdAwJ1JHHv5K6B3DUgUEcS907uGshdAwJ1JHHv5K6B3DUgUEcS907uGshdQ60C9VxYzEJ671LL5m76EgpAoG4C9dzaxlZO81KL5m76EipAoGYCbZqwESUpxWEi9edu+hJKQKBeAm2asBGlKcVxdtXnbvoSakCgCDS0FAKtPnfTl1ADAkWgoaUQaPW5m76EGhAoAg0thUCrz930JdSAQL0EavpZf3kpHiLVn7vpSygBgZoJ1HS1SXEpljGtIHfTl1ABAnUTqOl659JSLKTXlGIhvQYEaidQtraJIHcN5K4BgTqSuHdy10DuGhCoI4l7J3cN5K4BgTqSuHdy10DuGhCoI4l7J3cN5K4BgTqSuHdy10DuGhCoI4l7J3cN5K4BgTqSuHdy10DuGhCoI4l7J3cN5K6hVoF6bhjx3BGTPKzAUnl3IiFQEZUK1HPLsuee7OxhBZZKuxcegaqoU6BNEzY6JaU4jan+3CNfwkcEqqJKgTZN2OjUlOI80Opzj3wJtyBQDQjUsRQCrT53BNohce8I1LEUAq0+dwTaIXHvCNSxFAKtPncE2iFx71UK1PSz/vJSPESqP/dYfyJQEXUK1HS1SXEpljGtIPdQfyJQEZUK1HS9c2kpFtJrSrGQXkPi3msVKANKBLlrIHcNCNSRxL2TuwZy14BAHUncO7lrIHcNCNSRxL2TuwZy14BAHUncO7lrIHcNCNSRxL2TuwZy14BAHUncO7lrIHcNCNSRxL2TuwZy11CrQD3XO3su6E4eVmCpZSey6UL60LbKQKBuAvXccee5pTB7WIGlFp3Ipls5Y9sqA4GaCTTwoAZJKQ4TMc09kMiX8DFOoMFtlYFAvQTaNGHDQFOK4+w8cw8k8iXcEiTQ6LbKQKAINLQUAvXMPRAE2gGBItDQUgjUM/dAEGgHBIpAQ0shUM/cA0GgHRCol0Drf5gROcqzhxVYiodIPEQaSJ0CrX85TeQoTx5WYCmWMbGMaSCVCrT+Bd2Rozx3WIGlWEj/yEL6YdQqULa2iSB3DeSuAYE6krh3ctdA7hoQqCOJeyd3DeSuAYE6krh3ctdA7hoQqCOJeyd3DeSuAYE6krh3ctdA7hoQqCOJeyd3DeSuAYE6krh3ctdA7hoQqCOJeyd3DeSuoVaBVr8jhp1IM5RaNnfTnUgCEvdeqUCr35PNXvg5Si2au+leeAWJe69ToIFHykhKcRpT/blHvoSPCFRFlQJtmrDRqSnFeaDV5x75Em5BoBoQqGMpBFp97gi0Q+LeEahjKQRafe4ItEPi3hGoYykEWn3uCLRD4t6rFKjpZ/3lpXiIVH/usf5EoCLqFKjpapPiUixjWkHuof5EoCIqFajpeufSUiyk15RiIb2GxL3XKlAGlAhy10DuGhCoI4l7J3cN5K4BgTqSuHdy10DuGhCoI4l7J3cN5K4BgTqSuHdy10DuGhCoI4l7J3cN5K5BKtBPLx8eHl61f/n8uvMXBJoVctdA7hqUAv3wsOOHX48yfXj48Q8Eus4B5UDi3sldg1CgG2X+srvx/Onr4X82/+lVjEA91zt7LuhOHlZgqYVzD8S0rUIQ6BiBvtvL8tPL7S3o0/7ec/+X6QL13HHnuaUwe1iBpZbNPRDTtkpBoBMeIn1+vXVma9Mvb7Z3pZMFGnhQg6QUh4msIPdATNsqBoFOEOinl5t7zy9v/vL33d8+XL2HH9Fb04SNKE0pjrOrP/dATNsqB4GOF+jhk9D2rfuH3SeiW75tGVHzNKDGdrWeUqZtVV8qEtO2YAAjX7p3Dw+7W8+jQJ8Q6LKlTNuqvlQkpm3BAMa9dF/ePOwXf94Q6IERd8enATXy9lpdirfw9eceiGlb5fAWftJnoJv38LEC5WHGPG1VX4qHSBoQ6JStnNsVTDc+A50iUJbTDCF5WIGlWMakAYFOEej2MXzsU/hHFnQPIndYgaVYSK8BgY4Q6HHJ524d07v9X4LWgU65MAcS907uGshdg3Qn0v7d+u5de/BOJAaUCnLXQO4a5HvhN+rcvnuP3gvPgBJB7hrIXYPyM9Cn/WlM+zft7V84jWlL4t7JXQO5a5A+RNodAXpQJueBnkjcO7lrIHcNBk/he1j6whxI3Du5ayB3DQjUkcS9k7sGcteAQB1J3Du5ayB3DQjUkcS9k7sGctdQq0DZETOAyFqWE9k090gscy8lce+VCpQ92QMI3UjtOJFNcw/FMfdiEvdep0AlR/kElsp6GtOj5UQ2zT0Ww9zLSdx7lQJtmrCBrimV9DzQLX4T2TT3YPxyH0Di3hGoYykEGohp7sH45T6AxL0jUMdSCDQQ09yD8ct9AIl7R6COpRBoIKa5B+OX+wAS916lQHmINE9bJRhOZNPcYzHMvZzEvdcpUJYxDSHUCY4T2TT3UBxzLyZx75UKlIX0Q4isZTmRTXOPxDL3UhL3XqtAGVAiyF0DuWtAoI4k7p3cNZC7BgTqSOLeyV0DuWtAoI4k7p3cNZC7BgTqSOLeyV0DuWtAoI4k7p3cNZC7BgTqSOLeyV0DuWtAoI4k7p3cNZC7BgTqSOLeyV0DuWuoVaDsRBJhOZEDc3fFMvdSEvdeqUDZC6/CcSIH5m6LY+7FJO69ToFyGpMMw4kcmLsvhrmXk7j3KgXaNGGC0ZTiXMpAAnM3xi/3ASTuHYE6lkKggSBQexL3jkAdSyHQQBCoPYl7R6COpRBoIAjUnsS9VylQHiLpMJzIgbn7Yph7OYl7r1OgLGOS4TiRA3O3xTH3YhL3XqlAWUivwnIiB+buimXupSTuvVaBMqBEkLsGcteAQB1J3Du5ayB3DQjUkcS9k7sGcteAQB1J3Du5ayB3DQjUkcS9k7sGcteAQB1J3Du5ayB3DQjUkcS9k7sGcteAQB1J3Du5ayB3DbUKtPqF9JHkDiuw1BonsgOJe69UoNVv5YwkeViBpdY4kR1I3HudAq3+MJFIsocVWGqNE9mBxL1XKdCmCZt+mlJLDqj0YQWWWuNEdiBx7wjUsRQCrT/3YBCoBgTqWAqB1p97MAhUAwJ1LIVA6889GASqoUqB8jBjCNnDCiy1xonsQOLe6xQoy2mGkDyswFJrnMgOJO69UoGyoHsIucMKLLXGiexA4t5rFSgDSgS5ayB3DQjUkcS9k7sGcteAQB1J3Du5ayB3DQjUkcS9k7sGcteAQB1J3Du5ayB3DQjUkcS9k7sGcteAQB1J3Du5ayB3DQjUkcS9k7sGcteAQB1J3Du5ayB3DbUKtPodMYFdmYYVCDuRvEnce6UCrX5PdmBXpmEFwl54cxL3XqdAqz8VKLAr07AC4TQmdxL3XqVAmyZsJmtK9V10YFemYQUSmLsxCFQDAnUshUADQaD2JO4dgTqWQqCBIFB7EveOQB1LIdBAEKg9iXuvUqCmz0XKS/EQKZLA3H1BoBrqFKjpypziUixjCiUwd1sQqIZKBWq6Nry0FAvpYwnM3RUEqqFWgTKgRJC7BnLXgEAdSdw7uWsgdw0I1JHEvZO7BnLXgEAdSdw7uWsgdw0I1JHEvZO7BnLXgEAdSdw7uWsgdw0I1JHEvZO7BnLXgEAdSdw7uWsgdw21CtRzbXj9C7o9F9KXkjd3BCqiUoF67k6sf0uh51bOYtLmjkBV1ClQz/Mx6j/UwvMwkXKy5v6IQFVUKdCmCZvJmlJJB1RgWBqS5r4FgWpAoI6lkg4oBKoDgWrwF+gIThO50lKm1H+FAPPAHWhkqaT/j8wdqA7uQDX434GOaS5wHktKZR1Qyf2ZNvdHBKqiToGyjElEbn/mzR2BqqhUoCykF5Han4lzR6AiahUoA0oEuWsgdw0I1JHEvZO7BnLXgEAdSdw7uWsgdw0I1JHEvZO7BnLXgEAdSdw7uWsgdw0I1JHEvZO7BnLXgEAdSdw7uWsgdw0I1JHEvZO7BnLXgEAdSdw7uWsgdw21CrT6nUiuW36YyBrIXUOlAq1+L7ztpnMmsgZy11CnQKs/jcn32CMmsgZy11ClQKs/D9T44E0msgZy14BAHUshUA2Jeyd3DQjUsRQC1ZC4d3LXgEAdSyFQDYl7J3cNVQqUh0g6mMgayF1DnQJlGZMMJrIGctdQqUBZSK+CiayB3DXUKlAGlAhy10DuGhCoI4l7J3cN5K4BgTqSuHdy10DuGhCoI4l7J3cN5K4BgTqSuHdy10DuGhCoI4l7J3cN5K4BgTqSuHdy10DuGhCoI4l7J3cN5K4BgTqSuHdy10DuGmoVaPU7kVxhImsgdw2VCrT6vfC2MJE1kLuGOgVa/WlMvjCRNZC7hioFWv15oMYwkTWQuwYE6lhqjQPKgcS9k7sGBOpYao0DyoHEvZO7BgTqWGqNA8qBxL2Tu4YqBcpDJB1MZA3krqFOgbKMSQYTWQO5a6hUoCykV8FE1kDuGmoVKANKBLlrIHcNCNSRxL2TuwZy14BAHUncO7lrIHcNCNSRxL2TuwZy14BAHUncO7lrIHcNCNSRxL2TuwZy14BAHUncO7lrIHcNCNSRxL2TuwZy11CrQFlIL4KJrIHcNVQqULZyqmAiayB3DXUKlMNEZDCRNZC7hioFynF2OpjIGshdAwJ1LLXGAeVA4t7JXQMCdSy1xgHlQOLeyV0DAnUstcYB5UDi3sldQ5UC5SGSDiayBnLXUKdAWcYkg4msgdw1VCpQFtKrYCJrIHcNtQqUASWC3DWQuwYE6kji3sldA7lrQKCOJO6d3DWQuwYE6kji3sldA7lrQKCOJO6d3DWQuwYE6kji3sldA7lrQKCOJO6d3DWQuwYE6kji3sldA7lrQKCOJO6d3DWQu4ZaBcpOJBFMZA3krqFSgbIXXgUTWQO5a6hToJzGJIOJrIHcNVQpUM4D1cFE1kDuGhCoY6k1DigHEvdO7hoQqGOpNQ4oBxL3Tu4aEKhjqTUOKAcS907uGqoUKA+RdDCRNZC7hjoFyjImGUxkDeSuoVKBspBeBRNZA7lrqFWgDCgR5K6B3DUgUEcS907uGshdAwJ1JHHv5K6B3DUgUEcS907uGshdAwJ1JHHv5K6B3DUgUEcS907uGshdg1Sgn14+PDz88Ov+L59fb/7yCoFuSdw7uWsgdw1Kgb572PPqKNOHhx//QKDrHFAOJO6d3DUIBfq0V+e7h7/8fXf/+dPOoq9iBMpCehFMZA3krkEo0HetLN9t1fm0v/f89PLwjn6aQNnKqYKJrIHcNegE+uXN9s7z69adPx1t+uXNwy8BAuUwERlMZA3krsHgKfxWoEebfrh6Dz+iN46z08FE1kDuGvQC3d10fn7dvnX/sL0d3fFty4iSJ1WN7sq7FABUxXgpfNh++nkU6BMCBYC1MVoKT+1D+CuBHhhxd8xbeB28ldRA7hrUb+H3/gwWKA+RdDCRNZC7BrFAP+z9eesz0CkCZRmTDCayBnLXIBXolzeHjZyxT+EfWUgvg4msgdw1KAW68edx5+a7/frPoHWgUy7MgcS9k7sGctcgFGjXn9E7kRhQKshdA7lrEAr0Q/fkkOi98AwoEeSugdw16AS6O77u4XgE09MDpzEdSdw7uWsgdw06gT49nAmU80A7JO6d3DWQuwb1OtB+lr4wBxL3Tu4ayF0DAnUkce/kroHcNSBQRxL3Tu4ayF0DAnUkce/kroHcNdQqUM+dSKWscUA5kLh3ctdQqUA998IXs8YB5UDi3sldQ50C9TyNqZw1DigHEvdO7hqqFKjneaADWOOAciBx7+SuAYEuVmoAaxxQDiTundw1INDFSg1gjQPKgcS9k7sGBLpYqQGscUA5kLh3ctdQpUB5iKSDiayB3DXUKVCWMclgImsgdw2VCpSF9CqYyBrIXUOtAmVAiSB3DeSuAYE6krh3ctdA7hoQqCOJeyd3DeSuAYE6krh3ctdA7hoQqCOJeyd3DeSuAYE6krh3ctdA7hoQqCOJeyd3DeSuAYE6krh3ctdA7hpqFahg9XsgaxxQDiTundw1VCpQxf7LQNY4oBxI3Du5a6hToJITQAJZ44ByIHHv5K6hSoFqzqALZI0DyoHEvZO7BgTqyBoHlAOJeyd3DQjUkTUOKAcS907uGhCoI2scUA4k7p3cNVQpUB4i6WAiayB3DXUKlGVMMpjIGshdQ6UCZSG9CiayBnLXUKtAGVAiyF0DuWtAoI4k7p3cNZC7BgTqSOLeyV0DuWtAoI4k7p3cNZC7BgTqSOLeyV0DuWtAoI4k7p3cNZC7BgTqSOLeyV0DuWtAoI4k7p3cNZC7BgTqSOLeyV0DuWtAoI4k7p3cNZC7BgTqSOLeyV0DuWtAoI4k7p3cNZC7BgTqSOLeyV0DuWtAoI4k7p3cNZC7BgTqSOLeyV0DuWtAoI4k7p3cNZC7BgTqSOLeyV0DuWtAoI4k7p3cNZC7BgTqSOLeyV0DuWtAoI4k7p3cNZC7BgTqSOLeyV0DuWtAoI4k7p3cNZC7BgTqSOLeyV0DuWtAoI4k7p3cNZC7BgTqSOLeyV0DuWtAoI4k7p3cNZC7BgTqSOLeyV0DuWtAoI4k7p3cNZC7BgTqSOLeyV0DuWtAoI4k7p3cNZC7BgTqSOLeyV0DuWtAoI4k7p3cNZC7BgTqSOLeyV0DuWtAoI4k7p3cNZC7Bn+BjuTbb9UdrBNy10DuGqJyR6Cwg9w1kLsGBAqhkLsGcteAQCEUctdA7hoQKIRC7hrIXQMChVDIXQO5a0CgEAq5ayB3DQgUQiF3DeSuoVqBAgBkAYECAIwEgQIAjASBAgCMBIECAIwEgQIAjASBAgCMBIECAIzES6CfXz88PLxSd7E6drFv+OFXdSdr4vPrn45/YtgvxzH3kGFvJdBPL3cX9OMf6kZWRps7Al2Udw/tRGbYL8pl7vUIdPP/CD/tLuuVupOV8XQYUrAc7x7a1Bn2i3LMPWbYOwn0af9/wp9ecie0LO+Yu0uzu/vZz1+G/YJ0co8Z9k4CbS/oy5uHX8SdrIsvb/7yd3UPK+PDZhYfboAY9svRzT1m2BsJ9HhBH7ghWpTPr3/8r5d8ArokHzZDvZ3IDPsF6eQeNOyNBPr5dXstH/hIblEOH6ZzB7Qo7URmW46RewAABupJREFU2C/MQaAxw95RoDzTWJan/RqaTy95J78klwJl2C/D0/Gz54hhj0DhcOvDe8hFQaAano7DPWLYI1A48OklSxEXBIFquMx52rB3FCgfBmlgIc2i8BmohmuBThn2RgLlcaQY7kAXhafwGqq9A/36bv88jAVxy3KcwbyHXJTTOlCG/ZJc/h/XtGHvJFC2ZGg47Mh4xwxektPTYIb9klxsYJg47J0EyqZgDZvEt0PoieMsFuW0oJthvySddaABw95JoNuVWRxLI+ADhzEJOL51ZNgvyjH3kGFvJVAORhSxy50PQJfl9Nkbw35JLnKfOOy9BAoAkAgECgAwEgQKADASBAoAMBIECgAwEgQKADASBAoAMBIECgAwEgQKADASBAoAMBIECgAwEgQKADASBAoAMBIECgAwEgQKz/K2ab45/e2ff2uan6cV/O+/NluORd82f/rPMW2N+a7t1Rz4l38b8f2zNAXJQaDwLFvfnZT5/kynI9gauKUttIxAP+6/vCPQJtB2x+oIdI0gUHiej03zr//R/vkffz79eRQdfx4EtohA3zY3BBqmu7eTLgWyg0DhDhvpfL//0/Q38BsbtxXeN5NqjRbo8dsmNjChGagMBAp32LyJbz8vjHgD372bnaCd6QKdfjVjm4HKQKBwj4/tm92NSSeKYiPQk7PeTvk4IECg0ww+oRmoDAQK99i+c9++iX/beXK9/zDz5I322fr3h3/8eaOn3Vvk/Re237j5y5Vq9vbZfP/3u3fVh48L2u987ideO+usg/Of+745/NPb85Y3f+n2ev4zdrb/eHjctfua4zd3v/BG9bM6Ny4NqgKBwl028tiY6GPHAO+vHqW37G4qN/74X+1fPp79w/brLm87jwL9n3/tfuXxR3xz8ydeCfS8g/Ofe1ugm6v65qzX08/YXedWoG8PRdo/nD7LOH3hdfXzOteXBnWBQOE+248Lu3eP79vbq7etz97vXbG9Cdz+fXsDtlHNP//P8W3y4fPGy0WgXzsCPd6wft/5EW/P/3r8iZcCvejg8uc+8xno991et/9ha7jDwq3dbeQ3X1s3f9Np4uILL6tf/PPVpUFlIFC4z3bu/4/T2+n9vduW97v/uFHE/u/tp6Snp/XvDzddhw88d++EzyR6EujP7Y9q/76TUfvY6fInXgr0soPLn3st0FacnV6PH/G2P/MovIOVD9Uuv/Ci+uU/X14a1AYChR523uu8gT+8F90/FfrY+YyzVc/xffjVhp/j+9u23oV1Wkl9PGhtX/vyJ14K9LKDy597ex3oN19v97q52u+7//L29NZ938z5F14I9PKfLy8NagOBQh/vz5+gPLcR8+1BoO1/3X4UeX3X9bFr0KNAj7eYewN2XXP9E5998H3079kX3BToN23pK73tm7nxL3tPX37hhUAv//ny0qA2ECj00d5r7Wg/yDx7aLNl96FhK9DTG/TOzWaX94dHMp2n8O0/bEucC/L6J94W6LGDy597Q6DdZ+3tHzpv7/fP54+PyLoCvfrCc4Fe/fPlpUFtIFDoo0egH8/+2r1hPHzoeX12x9um8/53skDPO7j8uc9vtuwK9Pwu945An7kdvvi29j8g0NpBoNDHhUDPt/Acdrj/fHoL/831P/988SFgK5ZCgV5sGrow4WUHFz+3UKDcgcIYECj00RXo1dPk98f3yjcF2n7J5nved7ef9wi0dc2u1vXz6wsTXnZw8XNLBHrrM9CbAh3xGSgCrRoECn10BdrZkrQz20lvG1ecCfTsw9D9svqTQt53bw4vLXN8Cr/5wT9f/cRLE152cPlziwR6svvHwwrR2wK9/MKrp/Dn/4xAaweBQh9nAj3tIt957qSv95efgb4/38S5e1O9/9rtx5rt0vhbAj2u/Xl7WAfa/YnPC/T9YU/R+ebREoHeWAd6W6DD14Ei0KpBoNDHmUC3mtoJqn2D3O732T3qaRenn6R03NXz89fuOvqL5ztXlvl4LP39jZ94th5p8/WXHVz+3PcXD5NOdG5WOzuIvv96R6CXX3hZ/eKfEWjtIFDo41ygp9XwO2McH5L/6d8Pmxa/OX1f011R1Hme3t4jPiPQZ/fCXy/o3Hz9ZQeXP/dwJshdgd7YC/+1bfFcoBdfeFX9ai88Aq0aBAp9XAj0/JCl1md7kX1z8RDpfVeDx+/sfuttgd4+jenw9wuBXnZw9XPblfX3Bdr+jG8u/+VKoOdfeF397J8RaO0gUACAkSBQAICRIFAAgJEgUACAkSBQAICRIFAAgJEgUACAkSBQAICRIFAAgJEgUACAkSBQAICRIFAAgJEgUACAkSBQAICRIFAAgJEgUACAkSBQAICRIFAAgJEgUACAkSBQAICR/H+pMZb1EJqevwAAAABJRU5ErkJggg=="/>
-          <p:cNvSpPr>
-            <a:spLocks noChangeAspect="1" noChangeArrowheads="1"/>
-          </p:cNvSpPr>
-          <p:nvPr/>
-        </p:nvSpPr>
-        <p:spPr bwMode="auto">
-          <a:xfrm>
-            <a:off x="155575" y="-144463"/>
-            <a:ext cx="304800" cy="304801"/>
-          </a:xfrm>
-          <a:prstGeom prst="rect">
-            <a:avLst/>
-          </a:prstGeom>
-          <a:noFill/>
-          <a:extLst>
-            <a:ext uri="{909E8E84-426E-40DD-AFC4-6F175D3DCCD1}">
-              <a14:hiddenFill xmlns:a14="http://schemas.microsoft.com/office/drawing/2010/main">
-                <a:solidFill>
-                  <a:srgbClr val="FFFFFF"/>
-                </a:solidFill>
-              </a14:hiddenFill>
-            </a:ext>
-          </a:extLst>
-        </p:spPr>
-        <p:txBody>
-          <a:bodyPr vert="horz" wrap="square" lIns="91440" tIns="45720" rIns="91440" bIns="45720" numCol="1" anchor="t" anchorCtr="0" compatLnSpc="1">
-            <a:prstTxWarp prst="textNoShape">
-              <a:avLst/>
-            </a:prstTxWarp>
-          </a:bodyPr>
-          <a:lstStyle/>
-          <a:p>
-            <a:endParaRPr lang="en-US"/>
-          </a:p>
-        </p:txBody>
-      </p:sp>
-      <p:sp>
-        <p:nvSpPr>
-          <p:cNvPr id="5" name="AutoShape 4" descr="data:image/png;base64,iVBORw0KGgoAAAANSUhEUgAABUAAAAPACAMAAADDuCPrAAAAolBMVEUAAAAAADoAAGYAOpAAZrYzMzMzZv86AAA6Ojo6kJA6kNs9PT1NTU1NTW5NTY5NbqtNjshmAABmZmZmtv9uTU1uq+SOTU2Oq6uOyP+QOgCQkLaQ29uQ2/+rbk2rjk2r5P+2ZgC2kDq2///Ijk3I///KysrW1tbbkDrb///kq27k5Kvk///r6+v/tmb/yI7/25D/5Kv//7b//8j//9v//+T////sHfwrAAAACXBIWXMAAB2HAAAdhwGP5fFlAAAgAElEQVR4nO2da4PcxpFlMWNJ3hXbkrwiufLucM0ZSuJw1GxzaPL//7WtB6oK9ehCAgjg3kic88Wk2B0duJV5jCpkZjdfAQBgFI26AQCArCBQAICRIFAAgJEgUACAkSBQAICRIFAAgJEgUACAkSBQAICRIFAAgJEgUACAkSBQAICRIFAAgJEgUACAkcwn0MdxjP5GBxL3Tu4ayF3DBEEh0NlI3Du5ayB3DQjUkcS9k7sGcteAQB1J3Du5ayB3DQjUkcS9k7sGcteAQB1J3Du5ayB3DQjUkcS9k7sGcteAQB1J3Du5ayB3DQjUkcS9k7sGcteAQB1J3Du5ayB3DQjUkcS9k7sGcteAQB1J3Du5ayB3DQjUkcS9k7sGcteAQB1J3Du5ayB3DQjUkcS9k7sGcteAQB1J3Du5ayB3DQjUkcS9k7sGcteAQB1J3Du5ayB3DQjUkcS9k7sGcteAQB1J3Du5ayB3DQjUkcS9k7sGcteAQB1J3Du5ayB3DQjUkcS9k7sGcteAQB1J3Du5ayB3DQjUkcS9k7sGcteAQB1J3Du5ayB3DQjUkcS9k7sGcteAQB1J3Du5ayB3DQjUkcS9k7sGcteAQB1J3Du5ayB3DQjUkcS9k7sGcteAQB1J3Du5ayB3DVqBvnvY8Mv+z59fb/78CoFuSdw7uWsgdw1Kge6UueGn7V8+vdz9+cc/EOg6B5QDiXsndw1CgX55s7vh/PDwl7/vZPrTzqKvYgTabBh5ZQal1jigHEjce1zugeO9lILeBV0VIRToU3u7+WGrzvYvn17+8GuEQJsmLHBFKSayhsS9h+UeON6L6e9d0VUROoFubkB/Of3t3f7W8/w/jhZo04QFLinFRNaQuPeo3APHezm9vUu6KkIn0M+vOzebX95s38d/3d6Ovpou0KYJC1xTiomsIXHvQbkHjvcB9PWu6aoInUA/vfzxj6eHh90noCebftg/Utrwbcvgwptmjoz45gylAObBc5B6dhXKKIH+v/1T+FcdgT4hUAAZnoPUs6tQhl/ZU7uA6Wl7D3pDoAdG3B3zFl4Hb+E18BZeg+4t/NNh2fz2XXusQHmIpAOBauAhkgblZ6Dtc6Pth6E3PgOdIlCWMclAoBpYxqRBKdDWmds/xD6Ff2QhvQwEqoGF9BqU60A7d6Bf3+3XfwatA51yYQ4k7p3cNZC7BuFOpHftu/XdTWfwTiQGlApy10DuGoQCbTe+P82yF54BJYLcNZC7BuVpTE/7ZaD7N+3tXziNaUvi3sldA7lrkJ4H+uXNRpmH9+ycB3oice/kroHcNXAivSOJeyd3DeSuAYE6krh3ctdA7hoQqCOJeyd3DeSuAYE6krh3ctdA7hpqFSg7kQbgGVYgprlHgkA1VCpQ9sIPwDOsQExzDwWBaqhToJzGNADPsAIxzT0WBKqhSoE2TdhM1pRackB5hhWIae7BIFANCNSxFAINxDT3YBCoBgTqWAqBBmKaezAIVAMCdSyFQAMxzT0YBKqhSoGaPhcpL8VDpEhMc48FgWqoU6CmK3OKS7GMKRTT3ENBoBoqFajp2vDSUiykj8U090gQqIZaBcqAEkHuGshdAwJ1JHHv5K6B3DUgUEcS907uGshdAwJ1JHHv5K6B3DUgUEcS907uGshdAwJ1JHHv5K6B3DUgUEcS907uGshdAwJ1JHHv5K6B3DXUKlDPteH1L+j2XEhfSt7cqxeo54SeUMtboJ67E+vfUui5lbOYtLlXL1DPCT2llrVAPc/HqP9QC8/DRMrJmvtj7QL1nNCTajkLtGnCUtKUSjoZAsPSkDT3LVUL1HNCT6uFQGcslXQyIFAdCLQMBDr3hTmUSjoZEKgOBFoGAp37whxKJZ0MCFQHAi0DgQ65sjHf61Aq62RI7s+0uT9WLlDTCV3tQyTXVQ/FpdJOhtz+zJt77QI1ndDVLmNyXXdbWirvZEjtz8S51y5Q0wld7UL6+geUK+Sugdw11LqVkwElgtw1kLsGBOpI4t7JXQO5a0CgjiTundw1kLsGBOpI4t7JXQO5a0CgjiTundw1kLsGBOpI4t7JXQO5a0CgjiTundw1kLsGBOpI4t7JXQO5a6hVoJ4bF+rficREFkHuGioVqOfW2fr3wjORVZC7hjoF6nl4S/2nMT0ykVWQu4YqBTrpnD6HUmscUA4k7p3cNSBQx1JrHFAOJO6d3DUgUMdSaxxQDiTundw1IFDHUmscUA4k7p3cNVQpUB4i6WAiayB3DXUKlGVMMpjIGshdQ6UCZSG9CiayBnLXUKtAGVAiyF0DuWtAoI4k7p3cNZC7BgTqSOLeyV0DuWtAoI4k7p3cNZC7BgTqSOLeyV0DuWtAoI4k7p3cNZC7BgTqSOLeyV0DuWtAoI4k7p3cNZC7hloFykL6AQReoedE9sw9MnbP3EvJ2/v419BboGzlHEDgFXpOZM/cQ2O3zL2YtL1PeA2tBcphIgMIvMJHy4nsmXts7I65l5O19ymvobNABxwc51lKMZGDprLfRPbMPTh2w9wHkLT3Sa8hAp2xFAINxDN3BNohae8I1LUUAg3EM3cE2iFp7wjUtRQCDcQzdwTaIWnv1QqUh0hDqH4ie+YeG7tj7uVk7X3Ka2gtUJYxDaH6ieyZe2jslrkXk7b3Ca+ht0BZSD+E6ieyZ+6RsXvmXkre3se/huYCZUCJIHcN5K6h1q2cDCgR5K6B3DUgUEcS907uGshdAwJ1JHHv5K6B3DUgUEcS907uGshdAwJ1JHHv5K6B3DUgUEcS907uGshdAwJ1JHHv5K6B3DUgUEcS907uGshdQ60CrX4nUuQ2Fs+dSJ65B8JOpAN5e691J1L1e+EjN1J77oX3zD0Q9sIfSdt7rXvhA0+6kZTqvejIo3wia8VNZM/cA4mNHYEqmPIaOgu0acJGp6ZU30UHdmV6Hqhn7oEEx45ABUx6DRHojKUQqGfugSDQDkl7zyHQEZwujFKL1orDNKw4PLuCIYROw+klnmHp/2dwKMUdqGfugQTHzh2ogEmvobNAeYg0T1sl8BCpkNjYEaiCKa+htUBZxjQEz4nsmXsgobEjUAkTXkNvgbKQfgieE9kz90AiY0egGsa/huYCZUCJIHcN5K6h1q2cDCgR5K6B3DUgUEcS907uGshdAwJ1JHHv5K6B3DUgUEcS907uGshdAwJ1JHHv5K6B3DUgUEcS907uGshdAwJ1JHHv5K6B3DUgUEcS907uGshdQ60CrX4nUiSeO5ECMc09EnLXUKlAq98LH4nnXvhATHMPhdw11ClQyVE+gaUEh1q4ncYUiGnusZC7hioF2jRhUtCUUhyr5nUeaCCmuQdD7hoQqGMpBBqIae7BkLsGBOpYCoEGYpp7MOSuAYE6lkKggZjmHgy5a6hSoDxEGkKoPw0nsmvusZC7hjoFyjKmIUT603Eiu+YeCrlrqFSgLKQfQuAVWk5k19wjIXcNtQrUc0CVkrh3ctdA7hoQqCOJeyd3DeSuAYE6krh3ctdA7hoQqCOJeyd3DeSuAYE6krh3ctdA7hoQqCOJeyd3DeSuAYE6krh3ctdA7hoQqCOJeyd3DeSuoVaBVr+QPnLxu+dC+siuClk490gQqITxw8FboNVv5Yzcfum5lTO0q0KWzT0UBKpgwnCwFmj1h4lEHgDieZhIbFeFLJp7LAhUwJTh4CzQpgkb6JpSfRcd2JXpcXbBXRWyZO7BINDlmTQcEOiMpRAoAh0IAl0eBOpaCoEi0IEg0OVBoK6lECgCHQgCXZ5qBcpDpHnaKoGHSBoQqIApw8FaoCxjGkKoE1jGpAGBKpgwHLwFykL6IUTWYiG9BgQqYfxwMBcoA0oEuWsgdw21buVkQIkgdw3krgGBOpK4d3LXQO4aEKgjiXsndw3krgGBOpK4d3LXQO4aEKgjiXsndw3krgGBOpK4d3LXQO4aEKgjiXsndw3krgGBOpK4d3LXQO4aahVo9TuRIql+J5Jp7pFY5l5K3txr3YlU/V74SKrfC2+aeyiOuReTNvda98IHHpojKbXogIo9YcjwNCbT3GMxzL2crLlPCctZoE0TNgw0pZYcUIFXuMXvPFDT3IPxy30ASXOfFBYCnbEUAq0/92D8ch9A0twRqGspBFp/7sH45T6ApLkjUNdSCLT+3IPxy30ASXOvVqA8RBpC7IwxfJhhmnsshrmXkzX3KWFZC5RlTEMInTGOy2lMcw/FMfdi0uY+ISxvgbKQfgiRM8ZyQbdp7pFY5l5K3tzHh2UuULa2iSB3DeSuodatnAwoEeSugdw1IFBHEvdO7hrIXQMCdSRx7+Sugdw1IFBHEvdO7hrIXQMCdSRx7+Sugdw1IFBHEvdO7hrIXQMCdSRx7+Sugdw11CrQ6hfSRy539lxIHwgL6QfgOd5NqXUhffVbOSM33Hlu5QyErZwD8BzvptS6lVNyEkVgqd6LDuzK9DCRQAJz98XwMJH6c58SlrNAmyZsGGhK9V10YFemx9kFEpi7MX7H2dWf+6SwEOiMpRBoIPVP5C0IdHkQqGspBBpI/RN5CwJdHgTqWgqBBlL/RN6CQJenWoHyEGmetkrwE+gKHmY88hBJwpSwrAXKMqYhRNZyFOgKltOwjEnDhLC8BcpC+iFE1nIU6AoWdLOQXsP4sMwF6jmRS0ncO7lrIHcNtW7lZECJIHcN5K4BgTqSuHdy10DuGhCoI4l7J3cN5K4BgTqSuHdy10DuGhCoI4l7J3cN5K4BgTqSuHdy10DuGpQC/fz6YccPvx7/9gqBbkncO7lrIHcNSoF+etkRaPuXH/9AoOscUA4k7p3cNSgF+vTw0/HPm/vPn3YWfRUjUHYiDYCdSC2OvZcR+RLG4TnePaZOgEDfdWz5tL/3/PRy/35+qkDZCz8A9sIfMOy9jNCXMAzP8W4ydaYL9Mubv/z9UqZf3jz8EiDQKaekOJTiNKZIAnM3JfYljMJzvLtMnekC/fz6x/962X4CepTph6v38BOui/NAY9sqwU+ggbmbEvwSBuE53m2mznSBHp4hbe85P79u37p/OH4u+m3L8MJfTxc24ptXViq0liXVX6DpFXqOd9epM6LE037V0qeXm5vPo0CfEOiypUxnXyDVX6DpFXqOd9epM6LE4WZz+679hkAPLH1r7VCKt/CBBOZuSvBLGITneLeZOtMFeuDTyx//iBWo6WfO5aV4iBRJYO6mOPrTdby7TJ1Igf7w643PQKcI1HTVQ3EpljGFEpi7KY7+dB3vJlMnUqA//hH7FP7Rdd1taSkW0scSmLspjv50He8eU2eyQI/O3L1rf7df/xm0DvTRdCKXkrh3ctdA7hqEWzkPG5F27gzeicSAUkHuGshdg1Cgn17u7jb36ozeC8+AEkHuGshdg/IwkQ/d0+yeHjiN6Uji3sldA7lrkB6ovDsC9KfuX15df9HSF+ZA4t7JXQO5a+BEekcS907uGshdAwJ1JHHv5K6B3DUgUEcS907uGshdQ60C9Vx3a7qg2zOsQExzjwSBaqhUoJ47v0y3FHqGFYhp7qEgUA11CtTz7IHyUosOKM+wAjHNPRYEqqFKgTZN2EzWlFpyQHmGFYhp7sEgUA0I1LEUAg3ENPdgEKgGBOpYCoEGYpp7MAhUAwJ1LIVAAzHNPRgEqqFKgZo+FykvxUOkSExzjwWBaqhToKYrc4pLsYwpFNPcQ0GgGioVqOna8NJSLKSPxTT3SBCohloFyoASQe4ayF0DAnUkce/kroHcNSBQRxL3Tu4ayF0DAnUkce/kroHcNSBQRxL3Tu4ayF0DAnUkce/kroHcNSBQRxL3Tu4ayF0DAnUkce/kroHcNSBQRxL3Tu4ayF1DrQJlR8wAIsOKm8j17wCLxFKg5H7vG50Fyp7sAYSGFTaR6z+DIBRHgZL73W80FiinAg0gNqyoiVz/KVixGAqU3O9/o69AmyZWCjEM6CrpeaBbgiZyYFemuQfjJ1By7/lGBDoM0wGFQE+scSLPBrn3fCMCHYbpgEKgJ9Y4kWeD3Hu+EYEOw3RAIdATa5zIs0HuPd/oK1AeIg0hNiweImnwEyi593yjsUBZxjSE0LBYxqTBUKDkfv8bnQXKQvohRIbFQnoNjgIl97vfaC1QzwFVSuLeyV0DuWtAoI4k7p3cNZC7BgTqSOLeyV0DuWtAoI4k7p3cNZC7BgTqSOLeyV0DuWtAoI4k7p3cNZC7BgTqSOLeyV0DuWtAoI4k7p3cNZC7BgTqSOLeyV0DuWuoVaCCbSyBpQou2nOrlWlbnjtiQrNiB1gxHrl7C1SxkTqwVP9Fe272N23Lc092bFacQVCKSe7WApUc5RNYqveiA7uKxLOtwNwDCc6KU7AKccndWaBNE5aSplTfRQd2FYlnW4G5BxKdFeewlmGTOwKdsRQCDYSJPADP8R6ITe4IdMZSCDQQJvIAPMd7IDa5I9AZSyHQQJjIA/Ac74HY5O4sUB4iifBsKzD3QIKz4iFSIS65WwuUZUwiPNsKzD2Q2KxYxlSKSe7eAmUhvQjPtgJzDyQ0KxbSF+ORu7lA2domgtw1kLsGBOpI4t7JXQO5a0CgjiTundw1kPvy/LbhdwRqSOLeyV0DuS/KbwcQqCOJeyd3DeS+FL+dgUAdSdw7uWsg99n57RYI1JHEvZO7BnKfj5vmRKDGJO6d3DWQ+zzck2fNAmUh/QA8wwqEBd3eePbe584tL16MfQ29BcpWzgF4hhUIWwrNseu9xJ17f74Y+xpaC1RyIkJgqUUPE/EMK5DA3AMJzgqBBlHqztafL8a+hs4CbZqw0akpteRxdp5hBRKYeyDRWSHQ6Qxx58GfL8a+hgh0xlIINBAEao++96HuRKDWpRBoIAjUHmHvo8yJQM1LIdBAEKg9it6nmLN2gZo+FykvxUOkSAJzDyQ4KwQ6gAB5Hg069jW0FqjpypziUixjCiUw90Bis0KgZUS582jQsa+ht0BN14aXlmIhfSyBuQcSmhUC7SXWnQeD1rmQngGlgtw1kPtd5pDnjlq3cjKgRJC7BnJ/jtnciUBtSdw7uWsg9xvM604Eakvi3sldA7l3WcCcCNSYxL2TuwZy37KcOBGoM4l7J3cN5L68PBGoK4l7J3cNq85d404Eakvi3sldw1pzF7oTgdqSuHdy17C63NXmbKlVoLk317ATKRbPHWCmO5E8d96dmOy87Q72AHXuqVSgybd3sxc+FM8zCEz3wnue/dASobzdGUphBq1ToIEn3QQfmlMGpzFFUt7VkrkHZxUlUMkVlvQeZbwXL0INWqVAmyZsGASWGgDngQYyoKsFc4/OKkigmivs6T3IdTtevIg1KAJdrNQAEGggCHQAbgKNsVyH9Ql0BKeXzqlUIJFdEVb2UpEYXeHvs3ASaFDByTm1aQXVuWaE3I1vFMrgDjSQkDuhwaUCuyqiqjvQmJvDm6zvDnRMc4FjU6IEHiJFUt4VD5HED5FipHaXUH9+9913VQrUd7VJGSxjCqW4K5YxqZYxheisjAh/fneiToHarncug4X0sZR2xUL6R8EVbt4Hx6ixkAn+/O6aSgW6vq1tJpC7hpy5t15aVqBjuGFOBOpL4t7JXUO63Lt6Mhbo8+ZEoL4k7p3cNWTK/cpSjgLtNeeWWp/CP+YaUFck7p3cNSTJ/basvARaJM4DCNSRxL2Tuwb/3O8oy0OgZbecFyBQRxL3Tu4ajHPvV5daoGPM2YJAHUncO7lrcMy9WGBCgY42ZwsCdSRx7+SuwS33QRbTCHSaOVtqFajnemfPBd2RVJ+7K0YL6YerrECggUd4vngRYc6WSgXquePOc0thJNXnbovHVs6RSusXaND+9ThxHqhToJITEQJLLXqYSCDV5+6L/jCRCV7rFejkE0BC3q7fokqBNk3Y9NOUWvI4u0Cqz90Y6XF24/3TWqjn3yecQddjzinu3IFAHUshUM/cjVEJdKJ/Wgv1/Psogfaqc6o7dyBQx1II1DN3YxYXaIR9jhbq+fdBAu0X53ffcaDyXaqfyAh0nlIItD+sGO9cWKjn34sEWiLO7ziRftAwGHlt8lI8RDLN3ZdFHiLFOOeGhfq+4K70ysxZVGpE61UKtP7lNJb+XEHutsy9jCnIN89YqPcrbkpvmDnvlhpNpQKtf0G3pT9XkLsrMy6kj3LNHQv1f8mZ9MaZ82apqdQqULutbYNI3Du5a5gj9zDL9Fqo/EsniHMWEKgjiXsndw2huS/roFKBepmzBYE6krh3ctcQlrvEQn1fYGjOFgTqSOLeyV1DRO46C935N1dztiBQRxL3Tu4aJuYuttCN/2Z7z3kOAnUkce/krmF87moF/XYuUMtPOp8HgTqSuHdy1zAqd7V9DuwE2mdOO3fuQKCOJO6d3DUMzV0tng795vR05w4E6kji3sldQ3HuauN0KDGnrzr31CrQ6nfERO5Eiqxl9KslhpfKuwOsIHe1arrkF2fLixdjh4O3QKvfkx25Fz50X73Hr5YYWSrtGQR9uas9c6CCW84zXmwFOm44WAu0+lOBArsKPtlJ/6slJpTKegrW453c1Y7ZUcOb9Ru82At01HBwFmjThA10TaklzwONrPUo/tUSU0slPYd1y63c1X75rdScwt8LP4UXB4GOGQ4IdMZSCLT+3IO5yF3tlt8Gfc6JQBFoaCkEWn/uwZxyV2vlt+G/yQ2BItDQUgi0/tyD2eWuNspvI4/9QKBeAuUh0jxtlcBDJAUbB8klNMacLfLeR1LrQySWMQ0i1AksY1qU41wWCnSCOVtSCbQb/4Th4C1QFtIPIbIWC+kX42xaSwQ66v36DXII9NZrMH44mAuULYUiyH0Jrmf3ogK9L85B7txhLtB7r8QEQSHQ2UjcO7nPzDOTfBGB9opzuDt3uAq04OVAoI4k7p3cZ+TOXJ9XoCXmnLCTyE6g5S8JAnUkce/kPg99U34mgc5szha9QEe/LgjUkcS9k3s4RQaIFugy5mwRCnTqi4NAHUncO7nHMUQEYQJdUpwHFAINeo0QqCOJeyf36YzxwXSBKszZsqhAY18rBOpI4t7JfRpjtTBFoDpztiwj0FleLwTqSOLeyX00k+wwUqBic7bMJdAFXrRaBcpOpAF4hhVIYO7zMN0VwwXqYM6Wgt63287LC94NO3SMVipQ9sIPwDOsQAJzj2a8dC4YItD75nwxzFUR9Pf+oqyrkshjx2idApUc5RNYKutpTJFtxRGYexwR3ulSJNCCe84XLwpdFUlv771dlQcfPEarFGjThKWkKZX0PNDItuIIzD2IUPm03Bdo8dv1Fy8UBu0T6J2uhmYfPUYRqGMpBBqIlUDnEdBvzwq0x5xXH3UmEOi0FwCBFuDpBASqwUWgMzvoUkK96rz5mMhZoJZjFIE6lkKggRgIdAkHHSTUL857T9gtBeo8RqsUqOlzkfJSPESKJDD34SxjoI2DSsRZsDbJ6iHSiJewl+AxWqdATVfmFJdiGVMogbkPYSH7BJnzgMCfVwKd8BL2EztGKxWo6drw0lIspI8lMPcSFtJOsDkPLO/PjUB7M3Udo7UKlC2FIlad+0K+mcmcEkJyF4JAHUnc+2pzX8Y31Yjz7J4z8ZhBoI4k7n2NuS9jnBrNOS13BxCoI4l7X1nuyzinwJzC3wtfSGjuNiBQRxL3vpbcl9JO6T2no0DnyN0NBOpI4t5rz30p+Qx9t24l0BlydwWBOpK495pzX8I9Yz/p9BDoPLk7g0AdSdx7pbnP754+c/Y8JRILdK7c7alVoJ7rbk0X0gfi2dak3M9NEb/MvN+cJU/Y4wQqOPt9jePdW6CeO79Mt3IG4tnW+Nxv2iXKoCXmLF6cFCbQ0iucNffxpZZlQlvWAvU8e6C81KKHiQTi2da43O/YZapBI8V5IEqgkrPf1zjenQXaNGGBa0oteZxdIJ5tDc+91y5jDTqHOVuCBHrrChfLPaLUkkxqC4HOWGqNA2o2BnQ14VdL9DCfOVvmEOhiua9xvCPQGUutcUDNRklXBwsN0UsRM95znhMqUMZ7EQjUtdQaB9Rs9HR1ZqEivZQJdClztsQIlPE+hGoFykMkEZ5tPdvVtYX6BFPmz0XN2TJRoP1hBeZ+xRrHu7VAWcYkwrOtG109Y6Fe0fT5c3lztgwV6JCwAnO/zRrHu7dAWUgvwrOtTlf3LdQvnmf9qTJnS7FAh4QVmPtd1jjezQVa65ZCe2xzL7LQGHVpxXmgX6DqF+AOrmOmgFq3cvpO5BIS926Ze7GFhklLfNN5xh2BqtPvx3HMFIJAHUncu1vuwyxU9mU9H3RKDoe/JVB19sWYjZkhIFBHEvdulPsIC93/515xaty5YydQdeJj8Rkzg0GgjiTu3ST3kRZ65r+XmFP6O4lsch9H4t4RqCOJe9fnPsFDVwJNYM4Wfe4TSNw7AnUkce/S3Kfq6CTQPOZsYbxrkAv008sf/9j94fPrh4eHVwh0S+LeNbkHWel37885dzyTAONdwwICfds0//JvX99+f/Mfv7x52Av008uHLa1NEWhWls09UExZzdnCeNcwu0Dfb9fq/8u//fNvzb/+x41//tA6c3P/+dPOoq9iBMpOpAF4htXHAPdM2n55bs7AX+lRWqoojTiBeo73QELH6NwC3flzI9D//mvT/Ok/r/55e9+5E+jT/n8+vfzh1wiBshd+AJ5h3WOEqW67avA9Z+Cv9Hi+1JhIwgTqOd4DiR2jMwv0H3/e3Hj+9183b+G3Bv358p83b+D/9/4z0Hf7W8/Nf/glQKBTTklxKLXo6TSeYT3HaFNdumrUu/WYX+nxbKkJuUQJ1HO8BxI8RmcW6NvtbedOoF83b+K/ufzndw8/7R8ifXnzl7/v/suHq/fwI3prmrCUNKWWPB/RM6xrJpvq6Krxn3NO/ZUez5aaHk+QQD3HeyDRY3RegW6kubnr3Av068erT0G379v3Av38un3r/mH7UeiOb1tum/kup5BGfPPKSrm2deL3iZxUdd+cg0pNbepdyNgAACAASURBVOpQKjirydiPhql4dvWcQPfqbAX6jz9fCPTz681t54VAnxDosqVc29oxWVOtqnrerg+1XoRATSey82gIwbOrcQLdfe75rEAPjLg7PoU08vZaXYq38EELlHrMefmGfb5fKvfb5dv0yKy28Ba+DJvciwR69hb+/cVj+A+7B+9zCNT0uUh5qXU/RBohpyt6zXnzw86gX+lxwZxZHeEhUiEuuRcJ9Ovb7eeee4H+48/nD5E+vdw9N3r2M9ApAjVdmVNcaqXLmAZp6RkKzPn8c6Lpv9Kjy6xZXcIyplJMci8T6Maa2zWgG4G+3+1HOrsBPfLDr7FP4R9d14aXllrbQvpSO95lijlbpvxKjw6zZvUMLKQvxiP3MoG2C+n3nG/mPBPo13f79Z9B60CnXJgDiXsfnHuZHe8w6Z7znKm/GniWRMtgvGtYZivnDX8eaA8TCd6JxIBSMST3abYqEefA3eujBTpfnqUw3jUsc5hIc3MfZ1eg0XvhGVAiCnMfa6otM5izZbhAZ06zHMa7Bpvj7J4eOI3pSOLe+3IfJbYjc5mzpUCgy6Q4HMa7BhuBch5oh8S9P5v7FLFtmdWcLfcEumiKw2G8a5ALtJelL8yBxL3fyn2q12YX54GbAl0+wzEw3jXMK9DtEUznXB3IhEBvkLj3i9ynKm0hc7acC1SU4DgY7xqWFujtY5UR6DmJez/lPkllS91zntMKVJnfWBjvGhYX6LOP42MFKl8bPqnUwgvpA9m2NUVh83zQ2bv6ve1+jQu6rxCMrNzjfdx3Fgl0twx0v/7zY7PdyfnPvw1+Fz/6uix2J44rtexWzjCmHNjeZ84p9513ujq/gDVuKbxEMbKSjvdJbZUJtHMG6P5gka9vr49Vjhfo4W531JUZlFr0MJEYOqYaZtB+c059z15+9vsaD7W4QDKyEo73HVPaKhJoK82DTLfv3j8OfQ8/4bq8TmgbUGrJ4+ymc2WqMoOWmDPi484BZ7+v8Vi1czQjK9d4PzKprSKBtgfZ7dmfB3p1KigCvSbNgLqnqknmDBDnRVcRuQeCQDukGe/nLCHQsztQBFqNQO+p6lmBLmzOlsDcA0GgHfzH+03mF+jmLfzxDXv7Z97CpxboXVU9L1CJOYeHhUAR6ADmF+juLKb9PejHZvc8/vJY5VkEykOkWehX1pU/F77nnBoWD5F4iDSEKW2VCXS7bOnI5tbzbcMypoIvtFvWUWqwgz9LxDm/OQ8E5h5I7EvIMiYFE9oqE+jhMLst7TLQgTegLKSfVmoyw0y2sDkLryEw90BCX0IW0ksY31apQA8K3XlzI9DbxyqHC5StbZMZKjNHcw7EIvdxMN41cBqTI9reh+ssvTlbEo8ZxruGBQX6z78NPkgEgS5NsDvjxLnICR+JxwzjXcNiAt0+j0eghUh6D3VnMnO2JB4zjHcNywi0PZUJgRaydO9x4vzu96m/2VJizpbEY4bxrmEJgbYP4s9/LTwCvcNivceJ83DXGSDQpS7+msRjhvGuYXaBfmwXMQ1++o5AZ2SY0frM2X3HPkqgc19uKYnHDONdw7wCPa6jH61PBBpLtDmvPu0cJtDZrnMciccM413DnAJ93751/78jVn8i0GDizXn7QVGhQOMvMILEY4bxrmE2gR5+m8fP45bPTxUoO5E69Nmss319tDivSxmZk51I3iTufS6B7v2596ZAoOyFbym5G9ztX59qzk6pkl+esSjshTcnce/zCfT00H15gR6234+8NnmpkNNpSty5JcScXX9eGLQ8oJkIzD2QwIG1BYFqmPcOdH/05+ICbZqw0akpNe18xDhxDlwPP+CXZyxIYO6BBA6sHQhUw3wPkd7uh8f3CHR4qZECLRVduDnPBRr4xjQCBGpP4t7nfArfPkda/in86gRa7rh5zNkSLYUYEKg9iXufeSH95GX0CPReqUG/QLjHnKN+nfvoK1wQBGpP4t5n34l0WEu/6E6kwLEpKVXyEGnAL2DvM+fwX+Y++ZdnLElg7oEEZ4VANSyxF/4ff96NlCX3wgeOTUWpnov+7e56oVJzHr9qiD+jrnBRonKPJTYrBKphoePs3u4Gy4KnMQWOTUGp5y/6zHojzXn1QWeJP4OvcFmm5z4HoVkhUA2LnQe6faLEcXaF3Oi97AZxhodEQ1uvLPcskLuGJX+lx3sEWki391LR9apzqDtHtl5L7skgdw38TiRHdr2HiXOoOqe1nj73nJC7BgRqx0ZhJScalYhzSXO25M39cZ0T2YHEvSNQH04muytQU3O2JMz9ROLeyV0DAjXgSmi3BeptzpZMuV+RuHdy14BAlTzntQuBxptzvktKkftzJO6d3DUgUAk9fjsKNMEt5wXeufeQuHdy11CrQD0X0u8o0NzvJe4ctvlyoSvMXSrvRCZ3EZUK1HMrZ9DKpO2XlG+/XPQKk5dKO5HJXUWdApWcAHKfCHWevq7kAJClr7CCUlknMrnLqFKgTRM2DKaXijXnuT9vG3TpK6ynVNKJTO46EOhcpcrEOfDYj/sCXfgK6yuVdCKTuw4EGl4qxpx3H69fCnThK6y2VNKJTO46EGhcqShzfvdd31bOgz4jPqpKP/sCSyWdyOSuo0qBLv1JeJw529vO3r3wgReY/glEYKmsE5ncZdQp0KXWYhSac/B6+OcFOsMFZl8DE1gq7UQmdxWVCnTu1cBx4rz5UecNgc54gclXYQeWyjuRyV1ErQKda2tbnDjvPSTqCnSWy5gPthRqIHcNCLSQZczZFWhs/0vBRNZA7hoQaA9l4ixzZ1mhx3UOKAcS907uGhDocxSbM+w3uXWan9i7ECayBnLXgECvGGDOoVswe815aH5s73qYyBrIXQMCPTHInPfVOdach+ZHXrQBTGQN5K4BgT46mfPQ/MiLNoCJrIHcNaxboMPMGfN+veTp+hoHlAOJeyd3DesUaKg4Y925b37kRRvARNZA7hpqFegzeyCCxTnUnYE7M9iJNEOpZScyL+GBvAIdH5a3QK924cabc8THnYF7g9kLP0epRScyL+GRtAKdEJa1QJvmeGUyc97tqi/cARc4mcBa2UstOZF5CU9kFeiUsJwFuruo4t+6Nr85z9MOOB9xQKleAmulL7XgROYl7JBUoJPCqkagBeIsLBUXNwKtfiLzEnZAoAkFWnbLef/Xt5WZs9sVAnUuhUCrzz2StQp0yJv1wN9/iUDtSyHQ6nOPpFqBPh4EOtydV9/xrD/HdVWWNg+R6n+YwUt4IqlAq32ItLuyS+kNNee5QSe689hVWdosY1rBchpewiNZBVrtMqbtlZ2kN9KcXYNOduehKxbSO5diIb2mVFqBVruQftPf7zHHfsSYc2jzi/60UNhSqIHcNdS6lfPxa5A7R/74aaxxQDmQuHdy17A2gZqb89C88odPg4msgdw1rEigGczZssYB5UDi3sldQ70C/T3bbWeHNQ4oBxL3Tu4a6hZouTlt3LljjQPKgcS9k7uGigWa05071jigHEjcO7lrWLdAR9aenTUOKAcS907uGtYp0JE1F2ONA8qBxL2Tu4ZaBdrdiTRRnp47M9jGMkOpvBPZM/dS8uZeq0Bv7IUfe+PpuTeYjdRzlEo7kT1zLyZt7rUKtGkuT2MaeZWup9MEdpX+KJ/AUlknsmfu5WTN/bFSgTYHgb6Y/HFn04SNqAGlOA/UM3dTPHMfQNLct9QrULsBhUDtSyWdyJ65DyBp7lv8BTqC0yigVNK2PEuZQlj54Q40shR3oJ65m+KZ+wCS5r7F/w50THOBg0BSiodIprmb4pl7OVlzf6xVoKbLOopLsYzJNXdTPHMvJm3u1QrUdGFxaSkW0mtK5Z3InrmXkjf3agXK1jYR5K6B3DUgUEcS907uGshdAwJ1JHHv5K6B3DUgUEcS907uGshdAwJ1JHHv5K6B3DUgUEcS907uGshdAwJ1JHHv5K6B3DUgUEcS907uGshdQ60C9VxYzEJ671LL5m76EgpAoG4C9dzaxlZO81KL5m76EipAoGYCbZqwESUpxWEi9edu+hJKQKBeAm2asBGlKcVxdtXnbvoSakCgCDS0FAKtPnfTl1ADAkWgoaUQaPW5m76EGhAoAg0thUCrz930JdSAQL0EavpZf3kpHiLVn7vpSygBgZoJ1HS1SXEpljGtIHfTl1ABAnUTqOl659JSLKTXlGIhvQYEaidQtraJIHcN5K4BgTqSuHdy10DuGhCoI4l7J3cN5K4BgTqSuHdy10DuGhCoI4l7J3cN5K4BgTqSuHdy10DuGhCoI4l7J3cN5K4BgTqSuHdy10DuGhCoI4l7J3cN5K6hVoF6bhjx3BGTPKzAUnl3IiFQEZUK1HPLsuee7OxhBZZKuxcegaqoU6BNEzY6JaU4jan+3CNfwkcEqqJKgTZN2OjUlOI80Opzj3wJtyBQDQjUsRQCrT53BNohce8I1LEUAq0+dwTaIXHvCNSxFAKtPncE2iFx71UK1PSz/vJSPESqP/dYfyJQEXUK1HS1SXEpljGtIPdQfyJQEZUK1HS9c2kpFtJrSrGQXkPi3msVKANKBLlrIHcNCNSRxL2TuwZy14BAHUncO7lrIHcNCNSRxL2TuwZy14BAHUncO7lrIHcNCNSRxL2TuwZy14BAHUncO7lrIHcNCNSRxL2TuwZy11CrQD3XO3su6E4eVmCpZSey6UL60LbKQKBuAvXccee5pTB7WIGlFp3Ipls5Y9sqA4GaCTTwoAZJKQ4TMc09kMiX8DFOoMFtlYFAvQTaNGHDQFOK4+w8cw8k8iXcEiTQ6LbKQKAINLQUAvXMPRAE2gGBItDQUgjUM/dAEGgHBIpAQ0shUM/cA0GgHRCol0Drf5gROcqzhxVYiodIPEQaSJ0CrX85TeQoTx5WYCmWMbGMaSCVCrT+Bd2Rozx3WIGlWEj/yEL6YdQqULa2iSB3DeSuAYE6krh3ctdA7hoQqCOJeyd3DeSuAYE6krh3ctdA7hoQqCOJeyd3DeSuAYE6krh3ctdA7hoQqCOJeyd3DeSuAYE6krh3ctdA7hoQqCOJeyd3DeSuoVaBVr8jhp1IM5RaNnfTnUgCEvdeqUCr35PNXvg5Si2au+leeAWJe69ToIFHykhKcRpT/blHvoSPCFRFlQJtmrDRqSnFeaDV5x75Em5BoBoQqGMpBFp97gi0Q+LeEahjKQRafe4ItEPi3hGoYykEWn3uCLRD4t6rFKjpZ/3lpXiIVH/usf5EoCLqFKjpapPiUixjWkHuof5EoCIqFajpeufSUiyk15RiIb2GxL3XKlAGlAhy10DuGhCoI4l7J3cN5K4BgTqSuHdy10DuGhCoI4l7J3cN5K4BgTqSuHdy10DuGhCoI4l7J3cN5K5BKtBPLx8eHl61f/n8uvMXBJoVctdA7hqUAv3wsOOHX48yfXj48Q8Eus4B5UDi3sldg1CgG2X+srvx/Onr4X82/+lVjEA91zt7LuhOHlZgqYVzD8S0rUIQ6BiBvtvL8tPL7S3o0/7ec/+X6QL13HHnuaUwe1iBpZbNPRDTtkpBoBMeIn1+vXVma9Mvb7Z3pZMFGnhQg6QUh4msIPdATNsqBoFOEOinl5t7zy9v/vL33d8+XL2HH9Fb04SNKE0pjrOrP/dATNsqB4GOF+jhk9D2rfuH3SeiW75tGVHzNKDGdrWeUqZtVV8qEtO2YAAjX7p3Dw+7W8+jQJ8Q6LKlTNuqvlQkpm3BAMa9dF/ePOwXf94Q6IERd8enATXy9lpdirfw9eceiGlb5fAWftJnoJv38LEC5WHGPG1VX4qHSBoQ6JStnNsVTDc+A50iUJbTDCF5WIGlWMakAYFOEej2MXzsU/hHFnQPIndYgaVYSK8BgY4Q6HHJ524d07v9X4LWgU65MAcS907uGshdg3Qn0v7d+u5de/BOJAaUCnLXQO4a5HvhN+rcvnuP3gvPgBJB7hrIXYPyM9Cn/WlM+zft7V84jWlL4t7JXQO5a5A+RNodAXpQJueBnkjcO7lrIHcNBk/he1j6whxI3Du5ayB3DQjUkcS9k7sGcteAQB1J3Du5ayB3DQjUkcS9k7sGctdQq0DZETOAyFqWE9k090gscy8lce+VCpQ92QMI3UjtOJFNcw/FMfdiEvdep0AlR/kElsp6GtOj5UQ2zT0Ww9zLSdx7lQJtmrCBrimV9DzQLX4T2TT3YPxyH0Di3hGoYykEGohp7sH45T6AxL0jUMdSCDQQ09yD8ct9AIl7R6COpRBoIKa5B+OX+wAS916lQHmINE9bJRhOZNPcYzHMvZzEvdcpUJYxDSHUCY4T2TT3UBxzLyZx75UKlIX0Q4isZTmRTXOPxDL3UhL3XqtAGVAiyF0DuWtAoI4k7p3cNZC7BgTqSOLeyV0DuWtAoI4k7p3cNZC7BgTqSOLeyV0DuWtAoI4k7p3cNZC7BgTqSOLeyV0DuWtAoI4k7p3cNZC7BgTqSOLeyV0DuWuoVaDsRBJhOZEDc3fFMvdSEvdeqUDZC6/CcSIH5m6LY+7FJO69ToFyGpMMw4kcmLsvhrmXk7j3KgXaNGGC0ZTiXMpAAnM3xi/3ASTuHYE6lkKggSBQexL3jkAdSyHQQBCoPYl7R6COpRBoIAjUnsS9VylQHiLpMJzIgbn7Yph7OYl7r1OgLGOS4TiRA3O3xTH3YhL3XqlAWUivwnIiB+buimXupSTuvVaBMqBEkLsGcteAQB1J3Du5ayB3DQjUkcS9k7sGcteAQB1J3Du5ayB3DQjUkcS9k7sGcteAQB1J3Du5ayB3DQjUkcS9k7sGcteAQB1J3Du5ayB3DbUKtPqF9JHkDiuw1BonsgOJe69UoNVv5YwkeViBpdY4kR1I3HudAq3+MJFIsocVWGqNE9mBxL1XKdCmCZt+mlJLDqj0YQWWWuNEdiBx7wjUsRQCrT/3YBCoBgTqWAqB1p97MAhUAwJ1LIVA6889GASqoUqB8jBjCNnDCiy1xonsQOLe6xQoy2mGkDyswFJrnMgOJO69UoGyoHsIucMKLLXGiexA4t5rFSgDSgS5ayB3DQjUkcS9k7sGcteAQB1J3Du5ayB3DQjUkcS9k7sGcteAQB1J3Du5ayB3DQjUkcS9k7sGcteAQB1J3Du5ayB3DQjUkcS9k7sGcteAQB1J3Du5ayB3DbUKtPodMYFdmYYVCDuRvEnce6UCrX5PdmBXpmEFwl54cxL3XqdAqz8VKLAr07AC4TQmdxL3XqVAmyZsJmtK9V10YFemYQUSmLsxCFQDAnUshUADQaD2JO4dgTqWQqCBIFB7EveOQB1LIdBAEKg9iXuvUqCmz0XKS/EQKZLA3H1BoBrqFKjpypziUixjCiUwd1sQqIZKBWq6Nry0FAvpYwnM3RUEqqFWgTKgRJC7BnLXgEAdSdw7uWsgdw0I1JHEvZO7BnLXgEAdSdw7uWsgdw0I1JHEvZO7BnLXgEAdSdw7uWsgdw0I1JHEvZO7BnLXgEAdSdw7uWsgdw21CtRzbXj9C7o9F9KXkjd3BCqiUoF67k6sf0uh51bOYtLmjkBV1ClQz/Mx6j/UwvMwkXKy5v6IQFVUKdCmCZvJmlJJB1RgWBqS5r4FgWpAoI6lkg4oBKoDgWrwF+gIThO50lKm1H+FAPPAHWhkqaT/j8wdqA7uQDX434GOaS5wHktKZR1Qyf2ZNvdHBKqiToGyjElEbn/mzR2BqqhUoCykF5Han4lzR6AiahUoA0oEuWsgdw0I1JHEvZO7BnLXgEAdSdw7uWsgdw0I1JHEvZO7BnLXgEAdSdw7uWsgdw0I1JHEvZO7BnLXgEAdSdw7uWsgdw0I1JHEvZO7BnLXgEAdSdw7uWsgdw21CrT6nUiuW36YyBrIXUOlAq1+L7ztpnMmsgZy11CnQKs/jcn32CMmsgZy11ClQKs/D9T44E0msgZy14BAHUshUA2Jeyd3DQjUsRQC1ZC4d3LXgEAdSyFQDYl7J3cNVQqUh0g6mMgayF1DnQJlGZMMJrIGctdQqUBZSK+CiayB3DXUKlAGlAhy10DuGhCoI4l7J3cN5K4BgTqSuHdy10DuGhCoI4l7J3cN5K4BgTqSuHdy10DuGhCoI4l7J3cN5K4BgTqSuHdy10DuGhCoI4l7J3cN5K4BgTqSuHdy10DuGmoVaPU7kVxhImsgdw2VCrT6vfC2MJE1kLuGOgVa/WlMvjCRNZC7hioFWv15oMYwkTWQuwYE6lhqjQPKgcS9k7sGBOpYao0DyoHEvZO7BgTqWGqNA8qBxL2Tu4YqBcpDJB1MZA3krqFOgbKMSQYTWQO5a6hUoCykV8FE1kDuGmoVKANKBLlrIHcNCNSRxL2TuwZy14BAHUncO7lrIHcNCNSRxL2TuwZy14BAHUncO7lrIHcNCNSRxL2TuwZy14BAHUncO7lrIHcNCNSRxL2TuwZy11CrQFlIL4KJrIHcNVQqULZyqmAiayB3DXUKlMNEZDCRNZC7hioFynF2OpjIGshdAwJ1LLXGAeVA4t7JXQMCdSy1xgHlQOLeyV0DAnUstcYB5UDi3sldQ5UC5SGSDiayBnLXUKdAWcYkg4msgdw1VCpQFtKrYCJrIHcNtQqUASWC3DWQuwYE6kji3sldA7lrQKCOJO6d3DWQuwYE6kji3sldA7lrQKCOJO6d3DWQuwYE6kji3sldA7lrQKCOJO6d3DWQuwYE6kji3sldA7lrQKCOJO6d3DWQu4ZaBcpOJBFMZA3krqFSgbIXXgUTWQO5a6hToJzGJIOJrIHcNVQpUM4D1cFE1kDuGhCoY6k1DigHEvdO7hoQqGOpNQ4oBxL3Tu4aEKhjqTUOKAcS907uGqoUKA+RdDCRNZC7hjoFyjImGUxkDeSuoVKBspBeBRNZA7lrqFWgDCgR5K6B3DUgUEcS907uGshdAwJ1JHHv5K6B3DUgUEcS907uGshdAwJ1JHHv5K6B3DUgUEcS907uGshdg1Sgn14+PDz88Ov+L59fb/7yCoFuSdw7uWsgdw1Kgb572PPqKNOHhx//QKDrHFAOJO6d3DUIBfq0V+e7h7/8fXf/+dPOoq9iBMpCehFMZA3krkEo0HetLN9t1fm0v/f89PLwjn6aQNnKqYKJrIHcNegE+uXN9s7z69adPx1t+uXNwy8BAuUwERlMZA3krsHgKfxWoEebfrh6Dz+iN46z08FE1kDuGvQC3d10fn7dvnX/sL0d3fFty4iSJ1WN7sq7FABUxXgpfNh++nkU6BMCBYC1MVoKT+1D+CuBHhhxd8xbeB28ldRA7hrUb+H3/gwWKA+RdDCRNZC7BrFAP+z9eesz0CkCZRmTDCayBnLXIBXolzeHjZyxT+EfWUgvg4msgdw1KAW68edx5+a7/frPoHWgUy7MgcS9k7sGctcgFGjXn9E7kRhQKshdA7lrEAr0Q/fkkOi98AwoEeSugdw16AS6O77u4XgE09MDpzEdSdw7uWsgdw06gT49nAmU80A7JO6d3DWQuwb1OtB+lr4wBxL3Tu4ayF0DAnUkce/kroHcNSBQRxL3Tu4ayF0DAnUkce/kroHcNdQqUM+dSKWscUA5kLh3ctdQqUA998IXs8YB5UDi3sldQ50C9TyNqZw1DigHEvdO7hqqFKjneaADWOOAciBx7+SuAYEuVmoAaxxQDiTundw1INDFSg1gjQPKgcS9k7sGBLpYqQGscUA5kLh3ctdQpUB5iKSDiayB3DXUKVCWMclgImsgdw2VCpSF9CqYyBrIXUOtAmVAiSB3DeSuAYE6krh3ctdA7hoQqCOJeyd3DeSuAYE6krh3ctdA7hoQqCOJeyd3DeSuAYE6krh3ctdA7hoQqCOJeyd3DeSuAYE6krh3ctdA7hpqFahg9XsgaxxQDiTundw1VCpQxf7LQNY4oBxI3Du5a6hToJITQAJZ44ByIHHv5K6hSoFqzqALZI0DyoHEvZO7BgTqyBoHlAOJeyd3DQjUkTUOKAcS907uGhCoI2scUA4k7p3cNVQpUB4i6WAiayB3DXUKlGVMMpjIGshdQ6UCZSG9CiayBnLXUKtAGVAiyF0DuWtAoI4k7p3cNZC7BgTqSOLeyV0DuWtAoI4k7p3cNZC7BgTqSOLeyV0DuWtAoI4k7p3cNZC7BgTqSOLeyV0DuWtAoI4k7p3cNZC7BgTqSOLeyV0DuWtAoI4k7p3cNZC7BgTqSOLeyV0DuWtAoI4k7p3cNZC7BgTqSOLeyV0DuWtAoI4k7p3cNZC7BgTqSOLeyV0DuWtAoI4k7p3cNZC7BgTqSOLeyV0DuWtAoI4k7p3cNZC7BgTqSOLeyV0DuWtAoI4k7p3cNZC7BgTqSOLeyV0DuWtAoI4k7p3cNZC7BgTqSOLeyV0DuWtAoI4k7p3cNZC7BgTqSOLeyV0DuWtAoI4k7p3cNZC7BgTqSOLeyV0DuWtAoI4k7p3cNZC7BgTqSOLeyV0DuWtAoI4k7p3cNZC7BgTqSOLeyV0DuWtAoI4k7p3cNZC7BgTqSOLeyV0DuWtAoI4k7p3cNZC7Bn+BjuTbb9UdrBNy10DuGqJyR6Cwg9w1kLsGBAqhkLsGcteAQCEUctdA7hoQKIRC7hrIXQMChVDIXQO5a0CgEAq5ayB3DQgUQiF3DeSuoVqBAgBkAYECAIwEgQIAjASBAgCMBIECAIwEgQIAjASBAgCMBIECAIzES6CfXz88PLxSd7E6drFv+OFXdSdr4vPrn45/YtgvxzH3kGFvJdBPL3cX9OMf6kZWRps7Al2Udw/tRGbYL8pl7vUIdPP/CD/tLuuVupOV8XQYUrAc7x7a1Bn2i3LMPWbYOwn0af9/wp9ecie0LO+Yu0uzu/vZz1+G/YJ0co8Z9k4CbS/oy5uHX8SdrIsvb/7yd3UPK+PDZhYfboAY9svRzT1m2BsJ9HhBH7ghWpTPr3/8r5d8ArokHzZDvZ3IDPsF6eQeNOyNBPr5dXstH/hIblEOH6ZzB7Qo7URmW46RewAABupJREFU2C/MQaAxw95RoDzTWJan/RqaTy95J78klwJl2C/D0/Gz54hhj0DhcOvDe8hFQaAano7DPWLYI1A48OklSxEXBIFquMx52rB3FCgfBmlgIc2i8BmohmuBThn2RgLlcaQY7kAXhafwGqq9A/36bv88jAVxy3KcwbyHXJTTOlCG/ZJc/h/XtGHvJFC2ZGg47Mh4xwxektPTYIb9klxsYJg47J0EyqZgDZvEt0PoieMsFuW0oJthvySddaABw95JoNuVWRxLI+ADhzEJOL51ZNgvyjH3kGFvJVAORhSxy50PQJfl9Nkbw35JLnKfOOy9BAoAkAgECgAwEgQKADASBAoAMBIECgAwEgQKADASBAoAMBIECgAwEgQKADASBAoAMBIECgAwEgQKADASBAoAMBIECgAwEgQKz/K2ab45/e2ff2uan6cV/O+/NluORd82f/rPMW2N+a7t1Rz4l38b8f2zNAXJQaDwLFvfnZT5/kynI9gauKUttIxAP+6/vCPQJtB2x+oIdI0gUHiej03zr//R/vkffz79eRQdfx4EtohA3zY3BBqmu7eTLgWyg0DhDhvpfL//0/Q38BsbtxXeN5NqjRbo8dsmNjChGagMBAp32LyJbz8vjHgD372bnaCd6QKdfjVjm4HKQKBwj4/tm92NSSeKYiPQk7PeTvk4IECg0ww+oRmoDAQK99i+c9++iX/beXK9/zDz5I322fr3h3/8eaOn3Vvk/Re237j5y5Vq9vbZfP/3u3fVh48L2u987ideO+usg/Of+745/NPb85Y3f+n2ev4zdrb/eHjctfua4zd3v/BG9bM6Ny4NqgKBwl028tiY6GPHAO+vHqW37G4qN/74X+1fPp79w/brLm87jwL9n3/tfuXxR3xz8ydeCfS8g/Ofe1ugm6v65qzX08/YXedWoG8PRdo/nD7LOH3hdfXzOteXBnWBQOE+248Lu3eP79vbq7etz97vXbG9Cdz+fXsDtlHNP//P8W3y4fPGy0WgXzsCPd6wft/5EW/P/3r8iZcCvejg8uc+8xno991et/9ha7jDwq3dbeQ3X1s3f9Np4uILL6tf/PPVpUFlIFC4z3bu/4/T2+n9vduW97v/uFHE/u/tp6Snp/XvDzddhw88d++EzyR6EujP7Y9q/76TUfvY6fInXgr0soPLn3st0FacnV6PH/G2P/MovIOVD9Uuv/Ci+uU/X14a1AYChR523uu8gT+8F90/FfrY+YyzVc/xffjVhp/j+9u23oV1Wkl9PGhtX/vyJ14K9LKDy597ex3oN19v97q52u+7//L29NZ938z5F14I9PKfLy8NagOBQh/vz5+gPLcR8+1BoO1/3X4UeX3X9bFr0KNAj7eYewN2XXP9E5998H3079kX3BToN23pK73tm7nxL3tPX37hhUAv//ny0qA2ECj00d5r7Wg/yDx7aLNl96FhK9DTG/TOzWaX94dHMp2n8O0/bEucC/L6J94W6LGDy597Q6DdZ+3tHzpv7/fP54+PyLoCvfrCc4Fe/fPlpUFtIFDoo0egH8/+2r1hPHzoeX12x9um8/53skDPO7j8uc9vtuwK9Pwu945An7kdvvi29j8g0NpBoNDHhUDPt/Acdrj/fHoL/831P/988SFgK5ZCgV5sGrow4WUHFz+3UKDcgcIYECj00RXo1dPk98f3yjcF2n7J5nved7ef9wi0dc2u1vXz6wsTXnZw8XNLBHrrM9CbAh3xGSgCrRoECn10BdrZkrQz20lvG1ecCfTsw9D9svqTQt53bw4vLXN8Cr/5wT9f/cRLE152cPlziwR6svvHwwrR2wK9/MKrp/Dn/4xAaweBQh9nAj3tIt957qSv95efgb4/38S5e1O9/9rtx5rt0vhbAj2u/Xl7WAfa/YnPC/T9YU/R+ebREoHeWAd6W6DD14Ei0KpBoNDHmUC3mtoJqn2D3O732T3qaRenn6R03NXz89fuOvqL5ztXlvl4LP39jZ94th5p8/WXHVz+3PcXD5NOdG5WOzuIvv96R6CXX3hZ/eKfEWjtIFDo41ygp9XwO2McH5L/6d8Pmxa/OX1f011R1Hme3t4jPiPQZ/fCXy/o3Hz9ZQeXP/dwJshdgd7YC/+1bfFcoBdfeFX9ai88Aq0aBAp9XAj0/JCl1md7kX1z8RDpfVeDx+/sfuttgd4+jenw9wuBXnZw9XPblfX3Bdr+jG8u/+VKoOdfeF397J8RaO0gUACAkSBQAICRIFAAgJEgUACAkSBQAICRIFAAgJEgUACAkSBQAICRIFAAgJEgUACAkSBQAICRIFAAgJEgUACAkSBQAICRIFAAgJEgUACAkSBQAICRIFAAgJEgUACAkSBQAICR/H+pMZb1EJqevwAAAABJRU5ErkJggg=="/>
-          <p:cNvSpPr>
-            <a:spLocks noChangeAspect="1" noChangeArrowheads="1"/>
-          </p:cNvSpPr>
-          <p:nvPr/>
-        </p:nvSpPr>
-        <p:spPr bwMode="auto">
-          <a:xfrm>
-            <a:off x="307975" y="7937"/>
-            <a:ext cx="304800" cy="304801"/>
-          </a:xfrm>
-          <a:prstGeom prst="rect">
-            <a:avLst/>
-          </a:prstGeom>
-          <a:noFill/>
-          <a:extLst>
-            <a:ext uri="{909E8E84-426E-40DD-AFC4-6F175D3DCCD1}">
-              <a14:hiddenFill xmlns:a14="http://schemas.microsoft.com/office/drawing/2010/main">
-                <a:solidFill>
-                  <a:srgbClr val="FFFFFF"/>
-                </a:solidFill>
-              </a14:hiddenFill>
-            </a:ext>
-          </a:extLst>
-        </p:spPr>
-        <p:txBody>
-          <a:bodyPr vert="horz" wrap="square" lIns="91440" tIns="45720" rIns="91440" bIns="45720" numCol="1" anchor="t" anchorCtr="0" compatLnSpc="1">
-            <a:prstTxWarp prst="textNoShape">
-              <a:avLst/>
-            </a:prstTxWarp>
-          </a:bodyPr>
-          <a:lstStyle/>
-          <a:p>
-            <a:endParaRPr lang="en-US"/>
-          </a:p>
-        </p:txBody>
-      </p:sp>
-      <p:pic>
-        <p:nvPicPr>
-          <p:cNvPr id="6" name="Picture 5"/>
-          <p:cNvPicPr/>
-          <p:nvPr/>
-        </p:nvPicPr>
-        <p:blipFill rotWithShape="1">
-          <a:blip r:embed="rId2"/>
-          <a:srcRect l="22618" t="30418" r="37218" b="23099"/>
-          <a:stretch/>
-        </p:blipFill>
-        <p:spPr bwMode="auto">
-          <a:xfrm>
-            <a:off x="5105400" y="3657600"/>
-            <a:ext cx="4038600" cy="2819400"/>
-          </a:xfrm>
-          <a:prstGeom prst="rect">
-            <a:avLst/>
-          </a:prstGeom>
-          <a:ln>
-            <a:noFill/>
-          </a:ln>
-          <a:extLst>
-            <a:ext uri="{53640926-AAD7-44D8-BBD7-CCE9431645EC}">
-              <a14:shadowObscured xmlns:a14="http://schemas.microsoft.com/office/drawing/2010/main"/>
-            </a:ext>
-          </a:extLst>
-        </p:spPr>
-      </p:pic>
-      <p:sp>
-        <p:nvSpPr>
-          <p:cNvPr id="8" name="AutoShape 6" descr="data:image/png;base64,iVBORw0KGgoAAAANSUhEUgAABUAAAAPACAMAAADDuCPrAAAAolBMVEUAAAAAADoAAGYAOpAAZrYzMzMzZv86AAA6Ojo6kJA6kNs9PT1NTU1NTW5NTY5NbqtNjshmAABmZmZmtv9uTU1uq+SOTU2Oq6uOyP+QOgCQkLaQ29uQ2/+rbk2rjk2r5P+2ZgC2kDq2///Ijk3I///KysrW1tbbkDrb///kq27k5Kvk///r6+v/tmb/yI7/25D/5Kv//7b//8j//9v//+T////sHfwrAAAACXBIWXMAAB2HAAAdhwGP5fFlAAAgAElEQVR4nO2da4PcxpFlMWNJ3hXbkrwiufLucM0ZSuJw1GxzaPL//7WtB6oK9ehCAgjg3kic88Wk2B0duJV5jCpkZjdfAQBgFI26AQCArCBQAICRIFAAgJEgUACAkSBQAICRIFAAgJEgUACAkSBQAICRIFAAgJEgUACAkSBQAICRIFAAgJEgUACAkcwn0MdxjP5GBxL3Tu4ayF3DBEEh0NlI3Du5ayB3DQjUkcS9k7sGcteAQB1J3Du5ayB3DQjUkcS9k7sGcteAQB1J3Du5ayB3DQjUkcS9k7sGcteAQB1J3Du5ayB3DQjUkcS9k7sGcteAQB1J3Du5ayB3DQjUkcS9k7sGcteAQB1J3Du5ayB3DQjUkcS9k7sGcteAQB1J3Du5ayB3DQjUkcS9k7sGcteAQB1J3Du5ayB3DQjUkcS9k7sGcteAQB1J3Du5ayB3DQjUkcS9k7sGcteAQB1J3Du5ayB3DQjUkcS9k7sGcteAQB1J3Du5ayB3DQjUkcS9k7sGcteAQB1J3Du5ayB3DQjUkcS9k7sGcteAQB1J3Du5ayB3DQjUkcS9k7sGcteAQB1J3Du5ayB3DQjUkcS9k7sGcteAQB1J3Du5ayB3DQjUkcS9k7sGcteAQB1J3Du5ayB3DVqBvnvY8Mv+z59fb/78CoFuSdw7uWsgdw1Kge6UueGn7V8+vdz9+cc/EOg6B5QDiXsndw1CgX55s7vh/PDwl7/vZPrTzqKvYgTabBh5ZQal1jigHEjce1zugeO9lILeBV0VIRToU3u7+WGrzvYvn17+8GuEQJsmLHBFKSayhsS9h+UeON6L6e9d0VUROoFubkB/Of3t3f7W8/w/jhZo04QFLinFRNaQuPeo3APHezm9vUu6KkIn0M+vOzebX95s38d/3d6Ovpou0KYJC1xTiomsIXHvQbkHjvcB9PWu6aoInUA/vfzxj6eHh90noCebftg/Utrwbcvgwptmjoz45gylAObBc5B6dhXKKIH+v/1T+FcdgT4hUAAZnoPUs6tQhl/ZU7uA6Wl7D3pDoAdG3B3zFl4Hb+E18BZeg+4t/NNh2fz2XXusQHmIpAOBauAhkgblZ6Dtc6Pth6E3PgOdIlCWMclAoBpYxqRBKdDWmds/xD6Ff2QhvQwEqoGF9BqU60A7d6Bf3+3XfwatA51yYQ4k7p3cNZC7BuFOpHftu/XdTWfwTiQGlApy10DuGoQCbTe+P82yF54BJYLcNZC7BuVpTE/7ZaD7N+3tXziNaUvi3sldA7lrkJ4H+uXNRpmH9+ycB3oice/kroHcNXAivSOJeyd3DeSuAYE6krh3ctdA7hoQqCOJeyd3DeSuAYE6krh3ctdA7hpqFSg7kQbgGVYgprlHgkA1VCpQ9sIPwDOsQExzDwWBaqhToJzGNADPsAIxzT0WBKqhSoE2TdhM1pRackB5hhWIae7BIFANCNSxFAINxDT3YBCoBgTqWAqBBmKaezAIVAMCdSyFQAMxzT0YBKqhSoGaPhcpL8VDpEhMc48FgWqoU6CmK3OKS7GMKRTT3ENBoBoqFajp2vDSUiykj8U090gQqIZaBcqAEkHuGshdAwJ1JHHv5K6B3DUgUEcS907uGshdAwJ1JHHv5K6B3DUgUEcS907uGshdAwJ1JHHv5K6B3DUgUEcS907uGshdAwJ1JHHv5K6B3DXUKlDPteH1L+j2XEhfSt7cqxeo54SeUMtboJ67E+vfUui5lbOYtLlXL1DPCT2llrVAPc/HqP9QC8/DRMrJmvtj7QL1nNCTajkLtGnCUtKUSjoZAsPSkDT3LVUL1HNCT6uFQGcslXQyIFAdCLQMBDr3hTmUSjoZEKgOBFoGAp37whxKJZ0MCFQHAi0DgQ65sjHf61Aq62RI7s+0uT9WLlDTCV3tQyTXVQ/FpdJOhtz+zJt77QI1ndDVLmNyXXdbWirvZEjtz8S51y5Q0wld7UL6+geUK+Sugdw11LqVkwElgtw1kLsGBOpI4t7JXQO5a0CgjiTundw1kLsGBOpI4t7JXQO5a0CgjiTundw1kLsGBOpI4t7JXQO5a0CgjiTundw1kLsGBOpI4t7JXQO5a6hVoJ4bF+rficREFkHuGioVqOfW2fr3wjORVZC7hjoF6nl4S/2nMT0ykVWQu4YqBTrpnD6HUmscUA4k7p3cNSBQx1JrHFAOJO6d3DUgUMdSaxxQDiTundw1IFDHUmscUA4k7p3cNVQpUB4i6WAiayB3DXUKlGVMMpjIGshdQ6UCZSG9CiayBnLXUKtAGVAiyF0DuWtAoI4k7p3cNZC7BgTqSOLeyV0DuWtAoI4k7p3cNZC7BgTqSOLeyV0DuWtAoI4k7p3cNZC7BgTqSOLeyV0DuWtAoI4k7p3cNZC7hloFykL6AQReoedE9sw9MnbP3EvJ2/v419BboGzlHEDgFXpOZM/cQ2O3zL2YtL1PeA2tBcphIgMIvMJHy4nsmXts7I65l5O19ymvobNABxwc51lKMZGDprLfRPbMPTh2w9wHkLT3Sa8hAp2xFAINxDN3BNohae8I1LUUAg3EM3cE2iFp7wjUtRQCDcQzdwTaIWnv1QqUh0hDqH4ie+YeG7tj7uVk7X3Ka2gtUJYxDaH6ieyZe2jslrkXk7b3Ca+ht0BZSD+E6ieyZ+6RsXvmXkre3se/huYCZUCJIHcN5K6h1q2cDCgR5K6B3DUgUEcS907uGshdAwJ1JHHv5K6B3DUgUEcS907uGshdAwJ1JHHv5K6B3DUgUEcS907uGshdAwJ1JHHv5K6B3DUgUEcS907uGshdQ60CrX4nUuQ2Fs+dSJ65B8JOpAN5e691J1L1e+EjN1J77oX3zD0Q9sIfSdt7rXvhA0+6kZTqvejIo3wia8VNZM/cA4mNHYEqmPIaOgu0acJGp6ZU30UHdmV6Hqhn7oEEx45ABUx6DRHojKUQqGfugSDQDkl7zyHQEZwujFKL1orDNKw4PLuCIYROw+klnmHp/2dwKMUdqGfugQTHzh2ogEmvobNAeYg0T1sl8BCpkNjYEaiCKa+htUBZxjQEz4nsmXsgobEjUAkTXkNvgbKQfgieE9kz90AiY0egGsa/huYCZUCJIHcN5K6h1q2cDCgR5K6B3DUgUEcS907uGshdAwJ1JHHv5K6B3DUgUEcS907uGshdAwJ1JHHv5K6B3DUgUEcS907uGshdAwJ1JHHv5K6B3DUgUEcS907uGshdQ60CrX4nUiSeO5ECMc09EnLXUKlAq98LH4nnXvhATHMPhdw11ClQyVE+gaUEh1q4ncYUiGnusZC7hioF2jRhUtCUUhyr5nUeaCCmuQdD7hoQqGMpBBqIae7BkLsGBOpYCoEGYpp7MOSuAYE6lkKggZjmHgy5a6hSoDxEGkKoPw0nsmvusZC7hjoFyjKmIUT603Eiu+YeCrlrqFSgLKQfQuAVWk5k19wjIXcNtQrUc0CVkrh3ctdA7hoQqCOJeyd3DeSuAYE6krh3ctdA7hoQqCOJeyd3DeSuAYE6krh3ctdA7hoQqCOJeyd3DeSuAYE6krh3ctdA7hoQqCOJeyd3DeSuoVaBVr+QPnLxu+dC+siuClk490gQqITxw8FboNVv5Yzcfum5lTO0q0KWzT0UBKpgwnCwFmj1h4lEHgDieZhIbFeFLJp7LAhUwJTh4CzQpgkb6JpSfRcd2JXpcXbBXRWyZO7BINDlmTQcEOiMpRAoAh0IAl0eBOpaCoEi0IEg0OVBoK6lECgCHQgCXZ5qBcpDpHnaKoGHSBoQqIApw8FaoCxjGkKoE1jGpAGBKpgwHLwFykL6IUTWYiG9BgQqYfxwMBcoA0oEuWsgdw21buVkQIkgdw3krgGBOpK4d3LXQO4aEKgjiXsndw3krgGBOpK4d3LXQO4aEKgjiXsndw3krgGBOpK4d3LXQO4aEKgjiXsndw3krgGBOpK4d3LXQO4aahVo9TuRIql+J5Jp7pFY5l5K3txr3YlU/V74SKrfC2+aeyiOuReTNvda98IHHpojKbXogIo9YcjwNCbT3GMxzL2crLlPCctZoE0TNgw0pZYcUIFXuMXvPFDT3IPxy30ASXOfFBYCnbEUAq0/92D8ch9A0twRqGspBFp/7sH45T6ApLkjUNdSCLT+3IPxy30ASXOvVqA8RBpC7IwxfJhhmnsshrmXkzX3KWFZC5RlTEMInTGOy2lMcw/FMfdi0uY+ISxvgbKQfgiRM8ZyQbdp7pFY5l5K3tzHh2UuULa2iSB3DeSuodatnAwoEeSugdw1IFBHEvdO7hrIXQMCdSRx7+Sugdw1IFBHEvdO7hrIXQMCdSRx7+Sugdw1IFBHEvdO7hrIXQMCdSRx7+Sugdw11CrQ6hfSRy539lxIHwgL6QfgOd5NqXUhffVbOSM33Hlu5QyErZwD8BzvptS6lVNyEkVgqd6LDuzK9DCRQAJz98XwMJH6c58SlrNAmyZsGGhK9V10YFemx9kFEpi7MX7H2dWf+6SwEOiMpRBoIPVP5C0IdHkQqGspBBpI/RN5CwJdHgTqWgqBBlL/RN6CQJenWoHyEGmetkrwE+gKHmY88hBJwpSwrAXKMqYhRNZyFOgKltOwjEnDhLC8BcpC+iFE1nIU6AoWdLOQXsP4sMwF6jmRS0ncO7lrIHcNtW7lZECJIHcN5K4BgTqSuHdy10DuGhCoI4l7J3cN5K4BgTqSuHdy10DuGhCoI4l7J3cN5K4BgTqSuHdy10DuGpQC/fz6YccPvx7/9gqBbkncO7lrIHcNSoF+etkRaPuXH/9AoOscUA4k7p3cNSgF+vTw0/HPm/vPn3YWfRUjUHYiDYCdSC2OvZcR+RLG4TnePaZOgEDfdWz5tL/3/PRy/35+qkDZCz8A9sIfMOy9jNCXMAzP8W4ydaYL9Mubv/z9UqZf3jz8EiDQKaekOJTiNKZIAnM3JfYljMJzvLtMnekC/fz6x/962X4CepTph6v38BOui/NAY9sqwU+ggbmbEvwSBuE53m2mznSBHp4hbe85P79u37p/OH4u+m3L8MJfTxc24ptXViq0liXVX6DpFXqOd9epM6LE037V0qeXm5vPo0CfEOiypUxnXyDVX6DpFXqOd9epM6LE4WZz+679hkAPLH1r7VCKt/CBBOZuSvBLGITneLeZOtMFeuDTyx//iBWo6WfO5aV4iBRJYO6mOPrTdby7TJ1Igf7w643PQKcI1HTVQ3EpljGFEpi7KY7+dB3vJlMnUqA//hH7FP7Rdd1taSkW0scSmLspjv50He8eU2eyQI/O3L1rf7df/xm0DvTRdCKXkrh3ctdA7hqEWzkPG5F27gzeicSAUkHuGshdg1Cgn17u7jb36ozeC8+AEkHuGshdg/IwkQ/d0+yeHjiN6Uji3sldA7lrkB6ovDsC9KfuX15df9HSF+ZA4t7JXQO5a+BEekcS907uGshdAwJ1JHHv5K6B3DUgUEcS907uGshdQ60C9Vx3a7qg2zOsQExzjwSBaqhUoJ47v0y3FHqGFYhp7qEgUA11CtTz7IHyUosOKM+wAjHNPRYEqqFKgTZN2EzWlFpyQHmGFYhp7sEgUA0I1LEUAg3ENPdgEKgGBOpYCoEGYpp7MAhUAwJ1LIVAAzHNPRgEqqFKgZo+FykvxUOkSExzjwWBaqhToKYrc4pLsYwpFNPcQ0GgGioVqOna8NJSLKSPxTT3SBCohloFyoASQe4ayF0DAnUkce/kroHcNSBQRxL3Tu4ayF0DAnUkce/kroHcNSBQRxL3Tu4ayF0DAnUkce/kroHcNSBQRxL3Tu4ayF0DAnUkce/kroHcNSBQRxL3Tu4ayF1DrQJlR8wAIsOKm8j17wCLxFKg5H7vG50Fyp7sAYSGFTaR6z+DIBRHgZL73W80FiinAg0gNqyoiVz/KVixGAqU3O9/o69AmyZWCjEM6CrpeaBbgiZyYFemuQfjJ1By7/lGBDoM0wGFQE+scSLPBrn3fCMCHYbpgEKgJ9Y4kWeD3Hu+EYEOw3RAIdATa5zIs0HuPd/oK1AeIg0hNiweImnwEyi593yjsUBZxjSE0LBYxqTBUKDkfv8bnQXKQvohRIbFQnoNjgIl97vfaC1QzwFVSuLeyV0DuWtAoI4k7p3cNZC7BgTqSOLeyV0DuWtAoI4k7p3cNZC7BgTqSOLeyV0DuWtAoI4k7p3cNZC7BgTqSOLeyV0DuWtAoI4k7p3cNZC7BgTqSOLeyV0DuWuoVaCCbSyBpQou2nOrlWlbnjtiQrNiB1gxHrl7C1SxkTqwVP9Fe272N23Lc092bFacQVCKSe7WApUc5RNYqveiA7uKxLOtwNwDCc6KU7AKccndWaBNE5aSplTfRQd2FYlnW4G5BxKdFeewlmGTOwKdsRQCDYSJPADP8R6ITe4IdMZSCDQQJvIAPMd7IDa5I9AZSyHQQJjIA/Ac74HY5O4sUB4iifBsKzD3QIKz4iFSIS65WwuUZUwiPNsKzD2Q2KxYxlSKSe7eAmUhvQjPtgJzDyQ0KxbSF+ORu7lA2domgtw1kLsGBOpI4t7JXQO5a0CgjiTundw1kPvy/LbhdwRqSOLeyV0DuS/KbwcQqCOJeyd3DeS+FL+dgUAdSdw7uWsg99n57RYI1JHEvZO7BnKfj5vmRKDGJO6d3DWQ+zzck2fNAmUh/QA8wwqEBd3eePbe584tL16MfQ29BcpWzgF4hhUIWwrNseu9xJ17f74Y+xpaC1RyIkJgqUUPE/EMK5DA3AMJzgqBBlHqztafL8a+hs4CbZqw0akpteRxdp5hBRKYeyDRWSHQ6Qxx58GfL8a+hgh0xlIINBAEao++96HuRKDWpRBoIAjUHmHvo8yJQM1LIdBAEKg9it6nmLN2gZo+FykvxUOkSAJzDyQ4KwQ6gAB5Hg069jW0FqjpypziUixjCiUw90Bis0KgZUS582jQsa+ht0BN14aXlmIhfSyBuQcSmhUC7SXWnQeD1rmQngGlgtw1kPtd5pDnjlq3cjKgRJC7BnJ/jtnciUBtSdw7uWsg9xvM604Eakvi3sldA7l3WcCcCNSYxL2TuwZy37KcOBGoM4l7J3cN5L68PBGoK4l7J3cNq85d404Eakvi3sldw1pzF7oTgdqSuHdy17C63NXmbKlVoLk317ATKRbPHWCmO5E8d96dmOy87Q72AHXuqVSgybd3sxc+FM8zCEz3wnue/dASobzdGUphBq1ToIEn3QQfmlMGpzFFUt7VkrkHZxUlUMkVlvQeZbwXL0INWqVAmyZsGASWGgDngQYyoKsFc4/OKkigmivs6T3IdTtevIg1KAJdrNQAEGggCHQAbgKNsVyH9Ql0BKeXzqlUIJFdEVb2UpEYXeHvs3ASaFDByTm1aQXVuWaE3I1vFMrgDjSQkDuhwaUCuyqiqjvQmJvDm6zvDnRMc4FjU6IEHiJFUt4VD5HED5FipHaXUH9+9913VQrUd7VJGSxjCqW4K5YxqZYxheisjAh/fneiToHarncug4X0sZR2xUL6R8EVbt4Hx6ixkAn+/O6aSgW6vq1tJpC7hpy5t15aVqBjuGFOBOpL4t7JXUO63Lt6Mhbo8+ZEoL4k7p3cNWTK/cpSjgLtNeeWWp/CP+YaUFck7p3cNSTJ/basvARaJM4DCNSRxL2Tuwb/3O8oy0OgZbecFyBQRxL3Tu4ajHPvV5daoGPM2YJAHUncO7lrcMy9WGBCgY42ZwsCdSRx7+SuwS33QRbTCHSaOVtqFajnemfPBd2RVJ+7K0YL6YerrECggUd4vngRYc6WSgXquePOc0thJNXnbovHVs6RSusXaND+9ThxHqhToJITEQJLLXqYSCDV5+6L/jCRCV7rFejkE0BC3q7fokqBNk3Y9NOUWvI4u0Cqz90Y6XF24/3TWqjn3yecQddjzinu3IFAHUshUM/cjVEJdKJ/Wgv1/Psogfaqc6o7dyBQx1II1DN3YxYXaIR9jhbq+fdBAu0X53ffcaDyXaqfyAh0nlIItD+sGO9cWKjn34sEWiLO7ziRftAwGHlt8lI8RDLN3ZdFHiLFOOeGhfq+4K70ysxZVGpE61UKtP7lNJb+XEHutsy9jCnIN89YqPcrbkpvmDnvlhpNpQKtf0G3pT9XkLsrMy6kj3LNHQv1f8mZ9MaZ82apqdQqULutbYNI3Du5a5gj9zDL9Fqo/EsniHMWEKgjiXsndw2huS/roFKBepmzBYE6krh3ctcQlrvEQn1fYGjOFgTqSOLeyV1DRO46C935N1dztiBQRxL3Tu4aJuYuttCN/2Z7z3kOAnUkce/krmF87moF/XYuUMtPOp8HgTqSuHdy1zAqd7V9DuwE2mdOO3fuQKCOJO6d3DUMzV0tng795vR05w4E6kji3sldQ3HuauN0KDGnrzr31CrQ6nfERO5Eiqxl9KslhpfKuwOsIHe1arrkF2fLixdjh4O3QKvfkx25Fz50X73Hr5YYWSrtGQR9uas9c6CCW84zXmwFOm44WAu0+lOBArsKPtlJ/6slJpTKegrW453c1Y7ZUcOb9Ru82At01HBwFmjThA10TaklzwONrPUo/tUSU0slPYd1y63c1X75rdScwt8LP4UXB4GOGQ4IdMZSCLT+3IO5yF3tlt8Gfc6JQBFoaCkEWn/uwZxyV2vlt+G/yQ2BItDQUgi0/tyD2eWuNspvI4/9QKBeAuUh0jxtlcBDJAUbB8klNMacLfLeR1LrQySWMQ0i1AksY1qU41wWCnSCOVtSCbQb/4Th4C1QFtIPIbIWC+kX42xaSwQ66v36DXII9NZrMH44mAuULYUiyH0Jrmf3ogK9L85B7txhLtB7r8QEQSHQ2UjcO7nPzDOTfBGB9opzuDt3uAq04OVAoI4k7p3cZ+TOXJ9XoCXmnLCTyE6g5S8JAnUkce/kPg99U34mgc5szha9QEe/LgjUkcS9k3s4RQaIFugy5mwRCnTqi4NAHUncO7nHMUQEYQJdUpwHFAINeo0QqCOJeyf36YzxwXSBKszZsqhAY18rBOpI4t7JfRpjtTBFoDpztiwj0FleLwTqSOLeyX00k+wwUqBic7bMJdAFXrRaBcpOpAF4hhVIYO7zMN0VwwXqYM6Wgt63287LC94NO3SMVipQ9sIPwDOsQAJzj2a8dC4YItD75nwxzFUR9Pf+oqyrkshjx2idApUc5RNYKutpTJFtxRGYexwR3ulSJNCCe84XLwpdFUlv771dlQcfPEarFGjThKWkKZX0PNDItuIIzD2IUPm03Bdo8dv1Fy8UBu0T6J2uhmYfPUYRqGMpBBqIlUDnEdBvzwq0x5xXH3UmEOi0FwCBFuDpBASqwUWgMzvoUkK96rz5mMhZoJZjFIE6lkKggRgIdAkHHSTUL857T9gtBeo8RqsUqOlzkfJSPESKJDD34SxjoI2DSsRZsDbJ6iHSiJewl+AxWqdATVfmFJdiGVMogbkPYSH7BJnzgMCfVwKd8BL2EztGKxWo6drw0lIspI8lMPcSFtJOsDkPLO/PjUB7M3Udo7UKlC2FIlad+0K+mcmcEkJyF4JAHUnc+2pzX8Y31Yjz7J4z8ZhBoI4k7n2NuS9jnBrNOS13BxCoI4l7X1nuyzinwJzC3wtfSGjuNiBQRxL3vpbcl9JO6T2no0DnyN0NBOpI4t5rz30p+Qx9t24l0BlydwWBOpK495pzX8I9Yz/p9BDoPLk7g0AdSdx7pbnP754+c/Y8JRILdK7c7alVoJ7rbk0X0gfi2dak3M9NEb/MvN+cJU/Y4wQqOPt9jePdW6CeO79Mt3IG4tnW+Nxv2iXKoCXmLF6cFCbQ0iucNffxpZZlQlvWAvU8e6C81KKHiQTi2da43O/YZapBI8V5IEqgkrPf1zjenQXaNGGBa0oteZxdIJ5tDc+91y5jDTqHOVuCBHrrChfLPaLUkkxqC4HOWGqNA2o2BnQ14VdL9DCfOVvmEOhiua9xvCPQGUutcUDNRklXBwsN0UsRM95znhMqUMZ7EQjUtdQaB9Rs9HR1ZqEivZQJdClztsQIlPE+hGoFykMkEZ5tPdvVtYX6BFPmz0XN2TJRoP1hBeZ+xRrHu7VAWcYkwrOtG109Y6Fe0fT5c3lztgwV6JCwAnO/zRrHu7dAWUgvwrOtTlf3LdQvnmf9qTJnS7FAh4QVmPtd1jjezQVa65ZCe2xzL7LQGHVpxXmgX6DqF+AOrmOmgFq3cvpO5BIS926Ze7GFhklLfNN5xh2BqtPvx3HMFIJAHUncu1vuwyxU9mU9H3RKDoe/JVB19sWYjZkhIFBHEvdulPsIC93/515xaty5YydQdeJj8Rkzg0GgjiTu3ST3kRZ65r+XmFP6O4lsch9H4t4RqCOJe9fnPsFDVwJNYM4Wfe4TSNw7AnUkce/S3Kfq6CTQPOZsYbxrkAv008sf/9j94fPrh4eHVwh0S+LeNbkHWel37885dzyTAONdwwICfds0//JvX99+f/Mfv7x52Av008uHLa1NEWhWls09UExZzdnCeNcwu0Dfb9fq/8u//fNvzb/+x41//tA6c3P/+dPOoq9iBMpOpAF4htXHAPdM2n55bs7AX+lRWqoojTiBeo73QELH6NwC3flzI9D//mvT/Ok/r/55e9+5E+jT/n8+vfzh1wiBshd+AJ5h3WOEqW67avA9Z+Cv9Hi+1JhIwgTqOd4DiR2jMwv0H3/e3Hj+9183b+G3Bv358p83b+D/9/4z0Hf7W8/Nf/glQKBTTklxKLXo6TSeYT3HaFNdumrUu/WYX+nxbKkJuUQJ1HO8BxI8RmcW6NvtbedOoF83b+K/ufzndw8/7R8ifXnzl7/v/suHq/fwI3prmrCUNKWWPB/RM6xrJpvq6Krxn3NO/ZUez5aaHk+QQD3HeyDRY3RegW6kubnr3Av068erT0G379v3Av38un3r/mH7UeiOb1tum/kup5BGfPPKSrm2deL3iZxUdd+cg0pNbepdyNgAACAASURBVOpQKjirydiPhql4dvWcQPfqbAX6jz9fCPTz681t54VAnxDosqVc29oxWVOtqnrerg+1XoRATSey82gIwbOrcQLdfe75rEAPjLg7PoU08vZaXYq38EELlHrMefmGfb5fKvfb5dv0yKy28Ba+DJvciwR69hb+/cVj+A+7B+9zCNT0uUh5qXU/RBohpyt6zXnzw86gX+lxwZxZHeEhUiEuuRcJ9Ovb7eeee4H+48/nD5E+vdw9N3r2M9ApAjVdmVNcaqXLmAZp6RkKzPn8c6Lpv9Kjy6xZXcIyplJMci8T6Maa2zWgG4G+3+1HOrsBPfLDr7FP4R9d14aXllrbQvpSO95lijlbpvxKjw6zZvUMLKQvxiP3MoG2C+n3nG/mPBPo13f79Z9B60CnXJgDiXsfnHuZHe8w6Z7znKm/GniWRMtgvGtYZivnDX8eaA8TCd6JxIBSMST3abYqEefA3eujBTpfnqUw3jUsc5hIc3MfZ1eg0XvhGVAiCnMfa6otM5izZbhAZ06zHMa7Bpvj7J4eOI3pSOLe+3IfJbYjc5mzpUCgy6Q4HMa7BhuBch5oh8S9P5v7FLFtmdWcLfcEumiKw2G8a5ALtJelL8yBxL3fyn2q12YX54GbAl0+wzEw3jXMK9DtEUznXB3IhEBvkLj3i9ynKm0hc7acC1SU4DgY7xqWFujtY5UR6DmJez/lPkllS91zntMKVJnfWBjvGhYX6LOP42MFKl8bPqnUwgvpA9m2NUVh83zQ2bv6ve1+jQu6rxCMrNzjfdx3Fgl0twx0v/7zY7PdyfnPvw1+Fz/6uix2J44rtexWzjCmHNjeZ84p9513ujq/gDVuKbxEMbKSjvdJbZUJtHMG6P5gka9vr49Vjhfo4W531JUZlFr0MJEYOqYaZtB+c059z15+9vsaD7W4QDKyEo73HVPaKhJoK82DTLfv3j8OfQ8/4bq8TmgbUGrJ4+ymc2WqMoOWmDPi484BZ7+v8Vi1czQjK9d4PzKprSKBtgfZ7dmfB3p1KigCvSbNgLqnqknmDBDnRVcRuQeCQDukGe/nLCHQsztQBFqNQO+p6lmBLmzOlsDcA0GgHfzH+03mF+jmLfzxDXv7Z97CpxboXVU9L1CJOYeHhUAR6ADmF+juLKb9PejHZvc8/vJY5VkEykOkWehX1pU/F77nnBoWD5F4iDSEKW2VCXS7bOnI5tbzbcMypoIvtFvWUWqwgz9LxDm/OQ8E5h5I7EvIMiYFE9oqE+jhMLst7TLQgTegLKSfVmoyw0y2sDkLryEw90BCX0IW0ksY31apQA8K3XlzI9DbxyqHC5StbZMZKjNHcw7EIvdxMN41cBqTI9reh+ssvTlbEo8ZxruGBQX6z78NPkgEgS5NsDvjxLnICR+JxwzjXcNiAt0+j0eghUh6D3VnMnO2JB4zjHcNywi0PZUJgRaydO9x4vzu96m/2VJizpbEY4bxrmEJgbYP4s9/LTwCvcNivceJ83DXGSDQpS7+msRjhvGuYXaBfmwXMQ1++o5AZ2SY0frM2X3HPkqgc19uKYnHDONdw7wCPa6jH61PBBpLtDmvPu0cJtDZrnMciccM413DnAJ93751/78jVn8i0GDizXn7QVGhQOMvMILEY4bxrmE2gR5+m8fP45bPTxUoO5E69Nmss319tDivSxmZk51I3iTufS6B7v2596ZAoOyFbym5G9ztX59qzk6pkl+esSjshTcnce/zCfT00H15gR6234+8NnmpkNNpSty5JcScXX9eGLQ8oJkIzD2QwIG1BYFqmPcOdH/05+ICbZqw0akpNe18xDhxDlwPP+CXZyxIYO6BBA6sHQhUw3wPkd7uh8f3CHR4qZECLRVduDnPBRr4xjQCBGpP4t7nfArfPkda/in86gRa7rh5zNkSLYUYEKg9iXufeSH95GX0CPReqUG/QLjHnKN+nfvoK1wQBGpP4t5n34l0WEu/6E6kwLEpKVXyEGnAL2DvM+fwX+Y++ZdnLElg7oEEZ4VANSyxF/4ff96NlCX3wgeOTUWpnov+7e56oVJzHr9qiD+jrnBRonKPJTYrBKphoePs3u4Gy4KnMQWOTUGp5y/6zHojzXn1QWeJP4OvcFmm5z4HoVkhUA2LnQe6faLEcXaF3Oi97AZxhodEQ1uvLPcskLuGJX+lx3sEWki391LR9apzqDtHtl5L7skgdw38TiRHdr2HiXOoOqe1nj73nJC7BgRqx0ZhJScalYhzSXO25M39cZ0T2YHEvSNQH04muytQU3O2JMz9ROLeyV0DAjXgSmi3BeptzpZMuV+RuHdy14BAlTzntQuBxptzvktKkftzJO6d3DUgUAk9fjsKNMEt5wXeufeQuHdy11CrQD0X0u8o0NzvJe4ctvlyoSvMXSrvRCZ3EZUK1HMrZ9DKpO2XlG+/XPQKk5dKO5HJXUWdApWcAHKfCHWevq7kAJClr7CCUlknMrnLqFKgTRM2DKaXijXnuT9vG3TpK6ynVNKJTO46EOhcpcrEOfDYj/sCXfgK6yuVdCKTuw4EGl4qxpx3H69fCnThK6y2VNKJTO46EGhcqShzfvdd31bOgz4jPqpKP/sCSyWdyOSuo0qBLv1JeJw529vO3r3wgReY/glEYKmsE5ncZdQp0KXWYhSac/B6+OcFOsMFZl8DE1gq7UQmdxWVCnTu1cBx4rz5UecNgc54gclXYQeWyjuRyV1ErQKda2tbnDjvPSTqCnSWy5gPthRqIHcNCLSQZczZFWhs/0vBRNZA7hoQaA9l4ixzZ1mhx3UOKAcS907uGhDocxSbM+w3uXWan9i7ECayBnLXgECvGGDOoVswe815aH5s73qYyBrIXQMCPTHInPfVOdach+ZHXrQBTGQN5K4BgT46mfPQ/MiLNoCJrIHcNaxboMPMGfN+veTp+hoHlAOJeyd3DesUaKg4Y925b37kRRvARNZA7hpqFegzeyCCxTnUnYE7M9iJNEOpZScyL+GBvAIdH5a3QK924cabc8THnYF7g9kLP0epRScyL+GRtAKdEJa1QJvmeGUyc97tqi/cARc4mcBa2UstOZF5CU9kFeiUsJwFuruo4t+6Nr85z9MOOB9xQKleAmulL7XgROYl7JBUoJPCqkagBeIsLBUXNwKtfiLzEnZAoAkFWnbLef/Xt5WZs9sVAnUuhUCrzz2StQp0yJv1wN9/iUDtSyHQ6nOPpFqBPh4EOtydV9/xrD/HdVWWNg+R6n+YwUt4IqlAq32ItLuyS+kNNee5QSe689hVWdosY1rBchpewiNZBVrtMqbtlZ2kN9KcXYNOduehKxbSO5diIb2mVFqBVruQftPf7zHHfsSYc2jzi/60UNhSqIHcNdS6lfPxa5A7R/74aaxxQDmQuHdy17A2gZqb89C88odPg4msgdw1rEigGczZssYB5UDi3sldQ70C/T3bbWeHNQ4oBxL3Tu4a6hZouTlt3LljjQPKgcS9k7uGigWa05071jigHEjcO7lrWLdAR9aenTUOKAcS907uGtYp0JE1F2ONA8qBxL2Tu4ZaBdrdiTRRnp47M9jGMkOpvBPZM/dS8uZeq0Bv7IUfe+PpuTeYjdRzlEo7kT1zLyZt7rUKtGkuT2MaeZWup9MEdpX+KJ/AUlknsmfu5WTN/bFSgTYHgb6Y/HFn04SNqAGlOA/UM3dTPHMfQNLct9QrULsBhUDtSyWdyJ65DyBp7lv8BTqC0yigVNK2PEuZQlj54Q40shR3oJ65m+KZ+wCS5r7F/w50THOBg0BSiodIprmb4pl7OVlzf6xVoKbLOopLsYzJNXdTPHMvJm3u1QrUdGFxaSkW0mtK5Z3InrmXkjf3agXK1jYR5K6B3DUgUEcS907uGshdAwJ1JHHv5K6B3DUgUEcS907uGshdAwJ1JHHv5K6B3DUgUEcS907uGshdAwJ1JHHv5K6B3DUgUEcS907uGshdQ60C9VxYzEJ671LL5m76EgpAoG4C9dzaxlZO81KL5m76EipAoGYCbZqwESUpxWEi9edu+hJKQKBeAm2asBGlKcVxdtXnbvoSakCgCDS0FAKtPnfTl1ADAkWgoaUQaPW5m76EGhAoAg0thUCrz930JdSAQL0EavpZf3kpHiLVn7vpSygBgZoJ1HS1SXEpljGtIHfTl1ABAnUTqOl659JSLKTXlGIhvQYEaidQtraJIHcN5K4BgTqSuHdy10DuGhCoI4l7J3cN5K4BgTqSuHdy10DuGhCoI4l7J3cN5K4BgTqSuHdy10DuGhCoI4l7J3cN5K4BgTqSuHdy10DuGhCoI4l7J3cN5K6hVoF6bhjx3BGTPKzAUnl3IiFQEZUK1HPLsuee7OxhBZZKuxcegaqoU6BNEzY6JaU4jan+3CNfwkcEqqJKgTZN2OjUlOI80Opzj3wJtyBQDQjUsRQCrT53BNohce8I1LEUAq0+dwTaIXHvCNSxFAKtPncE2iFx71UK1PSz/vJSPESqP/dYfyJQEXUK1HS1SXEpljGtIPdQfyJQEZUK1HS9c2kpFtJrSrGQXkPi3msVKANKBLlrIHcNCNSRxL2TuwZy14BAHUncO7lrIHcNCNSRxL2TuwZy14BAHUncO7lrIHcNCNSRxL2TuwZy14BAHUncO7lrIHcNCNSRxL2TuwZy11CrQD3XO3su6E4eVmCpZSey6UL60LbKQKBuAvXccee5pTB7WIGlFp3Ipls5Y9sqA4GaCTTwoAZJKQ4TMc09kMiX8DFOoMFtlYFAvQTaNGHDQFOK4+w8cw8k8iXcEiTQ6LbKQKAINLQUAvXMPRAE2gGBItDQUgjUM/dAEGgHBIpAQ0shUM/cA0GgHRCol0Drf5gROcqzhxVYiodIPEQaSJ0CrX85TeQoTx5WYCmWMbGMaSCVCrT+Bd2Rozx3WIGlWEj/yEL6YdQqULa2iSB3DeSuAYE6krh3ctdA7hoQqCOJeyd3DeSuAYE6krh3ctdA7hoQqCOJeyd3DeSuAYE6krh3ctdA7hoQqCOJeyd3DeSuAYE6krh3ctdA7hoQqCOJeyd3DeSuoVaBVr8jhp1IM5RaNnfTnUgCEvdeqUCr35PNXvg5Si2au+leeAWJe69ToIFHykhKcRpT/blHvoSPCFRFlQJtmrDRqSnFeaDV5x75Em5BoBoQqGMpBFp97gi0Q+LeEahjKQRafe4ItEPi3hGoYykEWn3uCLRD4t6rFKjpZ/3lpXiIVH/usf5EoCLqFKjpapPiUixjWkHuof5EoCIqFajpeufSUiyk15RiIb2GxL3XKlAGlAhy10DuGhCoI4l7J3cN5K4BgTqSuHdy10DuGhCoI4l7J3cN5K4BgTqSuHdy10DuGhCoI4l7J3cN5K5BKtBPLx8eHl61f/n8uvMXBJoVctdA7hqUAv3wsOOHX48yfXj48Q8Eus4B5UDi3sldg1CgG2X+srvx/Onr4X82/+lVjEA91zt7LuhOHlZgqYVzD8S0rUIQ6BiBvtvL8tPL7S3o0/7ec/+X6QL13HHnuaUwe1iBpZbNPRDTtkpBoBMeIn1+vXVma9Mvb7Z3pZMFGnhQg6QUh4msIPdATNsqBoFOEOinl5t7zy9v/vL33d8+XL2HH9Fb04SNKE0pjrOrP/dATNsqB4GOF+jhk9D2rfuH3SeiW75tGVHzNKDGdrWeUqZtVV8qEtO2YAAjX7p3Dw+7W8+jQJ8Q6LKlTNuqvlQkpm3BAMa9dF/ePOwXf94Q6IERd8enATXy9lpdirfw9eceiGlb5fAWftJnoJv38LEC5WHGPG1VX4qHSBoQ6JStnNsVTDc+A50iUJbTDCF5WIGlWMakAYFOEej2MXzsU/hHFnQPIndYgaVYSK8BgY4Q6HHJ524d07v9X4LWgU65MAcS907uGshdg3Qn0v7d+u5de/BOJAaUCnLXQO4a5HvhN+rcvnuP3gvPgBJB7hrIXYPyM9Cn/WlM+zft7V84jWlL4t7JXQO5a5A+RNodAXpQJueBnkjcO7lrIHcNBk/he1j6whxI3Du5ayB3DQjUkcS9k7sGcteAQB1J3Du5ayB3DQjUkcS9k7sGctdQq0DZETOAyFqWE9k090gscy8lce+VCpQ92QMI3UjtOJFNcw/FMfdiEvdep0AlR/kElsp6GtOj5UQ2zT0Ww9zLSdx7lQJtmrCBrimV9DzQLX4T2TT3YPxyH0Di3hGoYykEGohp7sH45T6AxL0jUMdSCDQQ09yD8ct9AIl7R6COpRBoIKa5B+OX+wAS916lQHmINE9bJRhOZNPcYzHMvZzEvdcpUJYxDSHUCY4T2TT3UBxzLyZx75UKlIX0Q4isZTmRTXOPxDL3UhL3XqtAGVAiyF0DuWtAoI4k7p3cNZC7BgTqSOLeyV0DuWtAoI4k7p3cNZC7BgTqSOLeyV0DuWtAoI4k7p3cNZC7BgTqSOLeyV0DuWtAoI4k7p3cNZC7BgTqSOLeyV0DuWuoVaDsRBJhOZEDc3fFMvdSEvdeqUDZC6/CcSIH5m6LY+7FJO69ToFyGpMMw4kcmLsvhrmXk7j3KgXaNGGC0ZTiXMpAAnM3xi/3ASTuHYE6lkKggSBQexL3jkAdSyHQQBCoPYl7R6COpRBoIAjUnsS9VylQHiLpMJzIgbn7Yph7OYl7r1OgLGOS4TiRA3O3xTH3YhL3XqlAWUivwnIiB+buimXupSTuvVaBMqBEkLsGcteAQB1J3Du5ayB3DQjUkcS9k7sGcteAQB1J3Du5ayB3DQjUkcS9k7sGcteAQB1J3Du5ayB3DQjUkcS9k7sGcteAQB1J3Du5ayB3DbUKtPqF9JHkDiuw1BonsgOJe69UoNVv5YwkeViBpdY4kR1I3HudAq3+MJFIsocVWGqNE9mBxL1XKdCmCZt+mlJLDqj0YQWWWuNEdiBx7wjUsRQCrT/3YBCoBgTqWAqB1p97MAhUAwJ1LIVA6889GASqoUqB8jBjCNnDCiy1xonsQOLe6xQoy2mGkDyswFJrnMgOJO69UoGyoHsIucMKLLXGiexA4t5rFSgDSgS5ayB3DQjUkcS9k7sGcteAQB1J3Du5ayB3DQjUkcS9k7sGcteAQB1J3Du5ayB3DQjUkcS9k7sGcteAQB1J3Du5ayB3DQjUkcS9k7sGcteAQB1J3Du5ayB3DbUKtPodMYFdmYYVCDuRvEnce6UCrX5PdmBXpmEFwl54cxL3XqdAqz8VKLAr07AC4TQmdxL3XqVAmyZsJmtK9V10YFemYQUSmLsxCFQDAnUshUADQaD2JO4dgTqWQqCBIFB7EveOQB1LIdBAEKg9iXuvUqCmz0XKS/EQKZLA3H1BoBrqFKjpypziUixjCiUwd1sQqIZKBWq6Nry0FAvpYwnM3RUEqqFWgTKgRJC7BnLXgEAdSdw7uWsgdw0I1JHEvZO7BnLXgEAdSdw7uWsgdw0I1JHEvZO7BnLXgEAdSdw7uWsgdw0I1JHEvZO7BnLXgEAdSdw7uWsgdw21CtRzbXj9C7o9F9KXkjd3BCqiUoF67k6sf0uh51bOYtLmjkBV1ClQz/Mx6j/UwvMwkXKy5v6IQFVUKdCmCZvJmlJJB1RgWBqS5r4FgWpAoI6lkg4oBKoDgWrwF+gIThO50lKm1H+FAPPAHWhkqaT/j8wdqA7uQDX434GOaS5wHktKZR1Qyf2ZNvdHBKqiToGyjElEbn/mzR2BqqhUoCykF5Han4lzR6AiahUoA0oEuWsgdw0I1JHEvZO7BnLXgEAdSdw7uWsgdw0I1JHEvZO7BnLXgEAdSdw7uWsgdw0I1JHEvZO7BnLXgEAdSdw7uWsgdw0I1JHEvZO7BnLXgEAdSdw7uWsgdw21CrT6nUiuW36YyBrIXUOlAq1+L7ztpnMmsgZy11CnQKs/jcn32CMmsgZy11ClQKs/D9T44E0msgZy14BAHUshUA2Jeyd3DQjUsRQC1ZC4d3LXgEAdSyFQDYl7J3cNVQqUh0g6mMgayF1DnQJlGZMMJrIGctdQqUBZSK+CiayB3DXUKlAGlAhy10DuGhCoI4l7J3cN5K4BgTqSuHdy10DuGhCoI4l7J3cN5K4BgTqSuHdy10DuGhCoI4l7J3cN5K4BgTqSuHdy10DuGhCoI4l7J3cN5K4BgTqSuHdy10DuGmoVaPU7kVxhImsgdw2VCrT6vfC2MJE1kLuGOgVa/WlMvjCRNZC7hioFWv15oMYwkTWQuwYE6lhqjQPKgcS9k7sGBOpYao0DyoHEvZO7BgTqWGqNA8qBxL2Tu4YqBcpDJB1MZA3krqFOgbKMSQYTWQO5a6hUoCykV8FE1kDuGmoVKANKBLlrIHcNCNSRxL2TuwZy14BAHUncO7lrIHcNCNSRxL2TuwZy14BAHUncO7lrIHcNCNSRxL2TuwZy14BAHUncO7lrIHcNCNSRxL2TuwZy11CrQFlIL4KJrIHcNVQqULZyqmAiayB3DXUKlMNEZDCRNZC7hioFynF2OpjIGshdAwJ1LLXGAeVA4t7JXQMCdSy1xgHlQOLeyV0DAnUstcYB5UDi3sldQ5UC5SGSDiayBnLXUKdAWcYkg4msgdw1VCpQFtKrYCJrIHcNtQqUASWC3DWQuwYE6kji3sldA7lrQKCOJO6d3DWQuwYE6kji3sldA7lrQKCOJO6d3DWQuwYE6kji3sldA7lrQKCOJO6d3DWQuwYE6kji3sldA7lrQKCOJO6d3DWQu4ZaBcpOJBFMZA3krqFSgbIXXgUTWQO5a6hToJzGJIOJrIHcNVQpUM4D1cFE1kDuGhCoY6k1DigHEvdO7hoQqGOpNQ4oBxL3Tu4aEKhjqTUOKAcS907uGqoUKA+RdDCRNZC7hjoFyjImGUxkDeSuoVKBspBeBRNZA7lrqFWgDCgR5K6B3DUgUEcS907uGshdAwJ1JHHv5K6B3DUgUEcS907uGshdAwJ1JHHv5K6B3DUgUEcS907uGshdg1Sgn14+PDz88Ov+L59fb/7yCoFuSdw7uWsgdw1Kgb572PPqKNOHhx//QKDrHFAOJO6d3DUIBfq0V+e7h7/8fXf/+dPOoq9iBMpCehFMZA3krkEo0HetLN9t1fm0v/f89PLwjn6aQNnKqYKJrIHcNegE+uXN9s7z69adPx1t+uXNwy8BAuUwERlMZA3krsHgKfxWoEebfrh6Dz+iN46z08FE1kDuGvQC3d10fn7dvnX/sL0d3fFty4iSJ1WN7sq7FABUxXgpfNh++nkU6BMCBYC1MVoKT+1D+CuBHhhxd8xbeB28ldRA7hrUb+H3/gwWKA+RdDCRNZC7BrFAP+z9eesz0CkCZRmTDCayBnLXIBXolzeHjZyxT+EfWUgvg4msgdw1KAW68edx5+a7/frPoHWgUy7MgcS9k7sGctcgFGjXn9E7kRhQKshdA7lrEAr0Q/fkkOi98AwoEeSugdw16AS6O77u4XgE09MDpzEdSdw7uWsgdw06gT49nAmU80A7JO6d3DWQuwb1OtB+lr4wBxL3Tu4ayF0DAnUkce/kroHcNSBQRxL3Tu4ayF0DAnUkce/kroHcNdQqUM+dSKWscUA5kLh3ctdQqUA998IXs8YB5UDi3sldQ50C9TyNqZw1DigHEvdO7hqqFKjneaADWOOAciBx7+SuAYEuVmoAaxxQDiTundw1INDFSg1gjQPKgcS9k7sGBLpYqQGscUA5kLh3ctdQpUB5iKSDiayB3DXUKVCWMclgImsgdw2VCpSF9CqYyBrIXUOtAmVAiSB3DeSuAYE6krh3ctdA7hoQqCOJeyd3DeSuAYE6krh3ctdA7hoQqCOJeyd3DeSuAYE6krh3ctdA7hoQqCOJeyd3DeSuAYE6krh3ctdA7hpqFahg9XsgaxxQDiTundw1VCpQxf7LQNY4oBxI3Du5a6hToJITQAJZ44ByIHHv5K6hSoFqzqALZI0DyoHEvZO7BgTqyBoHlAOJeyd3DQjUkTUOKAcS907uGhCoI2scUA4k7p3cNVQpUB4i6WAiayB3DXUKlGVMMpjIGshdQ6UCZSG9CiayBnLXUKtAGVAiyF0DuWtAoI4k7p3cNZC7BgTqSOLeyV0DuWtAoI4k7p3cNZC7BgTqSOLeyV0DuWtAoI4k7p3cNZC7BgTqSOLeyV0DuWtAoI4k7p3cNZC7BgTqSOLeyV0DuWtAoI4k7p3cNZC7BgTqSOLeyV0DuWtAoI4k7p3cNZC7BgTqSOLeyV0DuWtAoI4k7p3cNZC7BgTqSOLeyV0DuWtAoI4k7p3cNZC7BgTqSOLeyV0DuWtAoI4k7p3cNZC7BgTqSOLeyV0DuWtAoI4k7p3cNZC7BgTqSOLeyV0DuWtAoI4k7p3cNZC7BgTqSOLeyV0DuWtAoI4k7p3cNZC7BgTqSOLeyV0DuWtAoI4k7p3cNZC7BgTqSOLeyV0DuWtAoI4k7p3cNZC7BgTqSOLeyV0DuWtAoI4k7p3cNZC7BgTqSOLeyV0DuWtAoI4k7p3cNZC7BgTqSOLeyV0DuWtAoI4k7p3cNZC7Bn+BjuTbb9UdrBNy10DuGqJyR6Cwg9w1kLsGBAqhkLsGcteAQCEUctdA7hoQKIRC7hrIXQMChVDIXQO5a0CgEAq5ayB3DQgUQiF3DeSuoVqBAgBkAYECAIwEgQIAjASBAgCMBIECAIwEgQIAjASBAgCMBIECAIzES6CfXz88PLxSd7E6drFv+OFXdSdr4vPrn45/YtgvxzH3kGFvJdBPL3cX9OMf6kZWRps7Al2Udw/tRGbYL8pl7vUIdPP/CD/tLuuVupOV8XQYUrAc7x7a1Bn2i3LMPWbYOwn0af9/wp9ecie0LO+Yu0uzu/vZz1+G/YJ0co8Z9k4CbS/oy5uHX8SdrIsvb/7yd3UPK+PDZhYfboAY9svRzT1m2BsJ9HhBH7ghWpTPr3/8r5d8ArokHzZDvZ3IDPsF6eQeNOyNBPr5dXstH/hIblEOH6ZzB7Qo7URmW46RewAABupJREFU2C/MQaAxw95RoDzTWJan/RqaTy95J78klwJl2C/D0/Gz54hhj0DhcOvDe8hFQaAano7DPWLYI1A48OklSxEXBIFquMx52rB3FCgfBmlgIc2i8BmohmuBThn2RgLlcaQY7kAXhafwGqq9A/36bv88jAVxy3KcwbyHXJTTOlCG/ZJc/h/XtGHvJFC2ZGg47Mh4xwxektPTYIb9klxsYJg47J0EyqZgDZvEt0PoieMsFuW0oJthvySddaABw95JoNuVWRxLI+ADhzEJOL51ZNgvyjH3kGFvJVAORhSxy50PQJfl9Nkbw35JLnKfOOy9BAoAkAgECgAwEgQKADASBAoAMBIECgAwEgQKADASBAoAMBIECgAwEgQKADASBAoAMBIECgAwEgQKADASBAoAMBIECgAwEgQKz/K2ab45/e2ff2uan6cV/O+/NluORd82f/rPMW2N+a7t1Rz4l38b8f2zNAXJQaDwLFvfnZT5/kynI9gauKUttIxAP+6/vCPQJtB2x+oIdI0gUHiej03zr//R/vkffz79eRQdfx4EtohA3zY3BBqmu7eTLgWyg0DhDhvpfL//0/Q38BsbtxXeN5NqjRbo8dsmNjChGagMBAp32LyJbz8vjHgD372bnaCd6QKdfjVjm4HKQKBwj4/tm92NSSeKYiPQk7PeTvk4IECg0ww+oRmoDAQK99i+c9++iX/beXK9/zDz5I322fr3h3/8eaOn3Vvk/Re237j5y5Vq9vbZfP/3u3fVh48L2u987ideO+usg/Of+745/NPb85Y3f+n2ev4zdrb/eHjctfua4zd3v/BG9bM6Ny4NqgKBwl028tiY6GPHAO+vHqW37G4qN/74X+1fPp79w/brLm87jwL9n3/tfuXxR3xz8ydeCfS8g/Ofe1ugm6v65qzX08/YXedWoG8PRdo/nD7LOH3hdfXzOteXBnWBQOE+248Lu3eP79vbq7etz97vXbG9Cdz+fXsDtlHNP//P8W3y4fPGy0WgXzsCPd6wft/5EW/P/3r8iZcCvejg8uc+8xno991et/9ha7jDwq3dbeQ3X1s3f9Np4uILL6tf/PPVpUFlIFC4z3bu/4/T2+n9vduW97v/uFHE/u/tp6Snp/XvDzddhw88d++EzyR6EujP7Y9q/76TUfvY6fInXgr0soPLn3st0FacnV6PH/G2P/MovIOVD9Uuv/Ci+uU/X14a1AYChR523uu8gT+8F90/FfrY+YyzVc/xffjVhp/j+9u23oV1Wkl9PGhtX/vyJ14K9LKDy597ex3oN19v97q52u+7//L29NZ938z5F14I9PKfLy8NagOBQh/vz5+gPLcR8+1BoO1/3X4UeX3X9bFr0KNAj7eYewN2XXP9E5998H3079kX3BToN23pK73tm7nxL3tPX37hhUAv//ny0qA2ECj00d5r7Wg/yDx7aLNl96FhK9DTG/TOzWaX94dHMp2n8O0/bEucC/L6J94W6LGDy597Q6DdZ+3tHzpv7/fP54+PyLoCvfrCc4Fe/fPlpUFtIFDoo0egH8/+2r1hPHzoeX12x9um8/53skDPO7j8uc9vtuwK9Pwu945An7kdvvi29j8g0NpBoNDHhUDPt/Acdrj/fHoL/831P/988SFgK5ZCgV5sGrow4WUHFz+3UKDcgcIYECj00RXo1dPk98f3yjcF2n7J5nved7ef9wi0dc2u1vXz6wsTXnZw8XNLBHrrM9CbAh3xGSgCrRoECn10BdrZkrQz20lvG1ecCfTsw9D9svqTQt53bw4vLXN8Cr/5wT9f/cRLE152cPlziwR6svvHwwrR2wK9/MKrp/Dn/4xAaweBQh9nAj3tIt957qSv95efgb4/38S5e1O9/9rtx5rt0vhbAj2u/Xl7WAfa/YnPC/T9YU/R+ebREoHeWAd6W6DD14Ei0KpBoNDHmUC3mtoJqn2D3O732T3qaRenn6R03NXz89fuOvqL5ztXlvl4LP39jZ94th5p8/WXHVz+3PcXD5NOdG5WOzuIvv96R6CXX3hZ/eKfEWjtIFDo41ygp9XwO2McH5L/6d8Pmxa/OX1f011R1Hme3t4jPiPQZ/fCXy/o3Hz9ZQeXP/dwJshdgd7YC/+1bfFcoBdfeFX9ai88Aq0aBAp9XAj0/JCl1md7kX1z8RDpfVeDx+/sfuttgd4+jenw9wuBXnZw9XPblfX3Bdr+jG8u/+VKoOdfeF397J8RaO0gUACAkSBQAICRIFAAgJEgUACAkSBQAICRIFAAgJEgUACAkSBQAICRIFAAgJEgUACAkSBQAICRIFAAgJEgUACAkSBQAICRIFAAgJEgUACAkSBQAICRIFAAgJEgUACAkSBQAICR/H+pMZb1EJqevwAAAABJRU5ErkJggg=="/>
-          <p:cNvSpPr>
-            <a:spLocks noChangeAspect="1" noChangeArrowheads="1"/>
-          </p:cNvSpPr>
-          <p:nvPr/>
-        </p:nvSpPr>
-        <p:spPr bwMode="auto">
-          <a:xfrm>
-            <a:off x="460375" y="160337"/>
-            <a:ext cx="304800" cy="304801"/>
-          </a:xfrm>
-          <a:prstGeom prst="rect">
-            <a:avLst/>
-          </a:prstGeom>
-          <a:noFill/>
-          <a:extLst>
-            <a:ext uri="{909E8E84-426E-40DD-AFC4-6F175D3DCCD1}">
-              <a14:hiddenFill xmlns:a14="http://schemas.microsoft.com/office/drawing/2010/main">
-                <a:solidFill>
-                  <a:srgbClr val="FFFFFF"/>
-                </a:solidFill>
-              </a14:hiddenFill>
-            </a:ext>
-          </a:extLst>
-        </p:spPr>
-        <p:txBody>
-          <a:bodyPr vert="horz" wrap="square" lIns="91440" tIns="45720" rIns="91440" bIns="45720" numCol="1" anchor="t" anchorCtr="0" compatLnSpc="1">
-            <a:prstTxWarp prst="textNoShape">
-              <a:avLst/>
-            </a:prstTxWarp>
-          </a:bodyPr>
-          <a:lstStyle/>
-          <a:p>
-            <a:endParaRPr lang="en-US"/>
-          </a:p>
-        </p:txBody>
-      </p:sp>
-      <p:pic>
-        <p:nvPicPr>
-          <p:cNvPr id="9" name="Picture 8"/>
-          <p:cNvPicPr/>
-          <p:nvPr/>
-        </p:nvPicPr>
-        <p:blipFill rotWithShape="1">
-          <a:blip r:embed="rId3"/>
-          <a:srcRect l="22886" t="40700" r="37084" b="12603"/>
-          <a:stretch/>
-        </p:blipFill>
-        <p:spPr bwMode="auto">
-          <a:xfrm>
-            <a:off x="5181600" y="1142999"/>
-            <a:ext cx="2788920" cy="2514601"/>
-          </a:xfrm>
-          <a:prstGeom prst="rect">
-            <a:avLst/>
-          </a:prstGeom>
-          <a:ln>
-            <a:noFill/>
-          </a:ln>
-          <a:extLst>
-            <a:ext uri="{53640926-AAD7-44D8-BBD7-CCE9431645EC}">
-              <a14:shadowObscured xmlns:a14="http://schemas.microsoft.com/office/drawing/2010/main"/>
-            </a:ext>
-          </a:extLst>
-        </p:spPr>
-      </p:pic>
-    </p:spTree>
-    <p:extLst>
-      <p:ext uri="{BB962C8B-B14F-4D97-AF65-F5344CB8AC3E}">
-        <p14:creationId xmlns:p14="http://schemas.microsoft.com/office/powerpoint/2010/main" val="3237407644"/>
-      </p:ext>
-    </p:extLst>
-  </p:cSld>
-  <p:clrMapOvr>
-    <a:masterClrMapping/>
-  </p:clrMapOvr>
-</p:sld>
-</file>
-
-<file path=ppt/slides/slide14.xml><?xml version="1.0" encoding="utf-8"?>
-<p:sld xmlns:a="http://schemas.openxmlformats.org/drawingml/2006/main" xmlns:r="http://schemas.openxmlformats.org/officeDocument/2006/relationships" xmlns:p="http://schemas.openxmlformats.org/presentationml/2006/main">
-  <p:cSld>
-    <p:spTree>
-      <p:nvGrpSpPr>
-        <p:cNvPr id="1" name=""/>
-        <p:cNvGrpSpPr/>
-        <p:nvPr/>
-      </p:nvGrpSpPr>
-      <p:grpSpPr>
-        <a:xfrm>
-          <a:off x="0" y="0"/>
-          <a:ext cx="0" cy="0"/>
-          <a:chOff x="0" y="0"/>
-          <a:chExt cx="0" cy="0"/>
-        </a:xfrm>
-      </p:grpSpPr>
-      <p:sp>
-        <p:nvSpPr>
-          <p:cNvPr id="2" name="Content Placeholder 1"/>
-          <p:cNvSpPr>
-            <a:spLocks noGrp="1"/>
-          </p:cNvSpPr>
-          <p:nvPr>
-            <p:ph idx="1"/>
-          </p:nvPr>
-        </p:nvSpPr>
-        <p:spPr/>
-        <p:txBody>
-          <a:bodyPr/>
-          <a:lstStyle/>
-          <a:p>
-            <a:r>
-              <a:rPr lang="en-US" dirty="0" smtClean="0"/>
-              <a:t>Top 3 Factors that Contribute to </a:t>
-            </a:r>
-            <a:r>
-              <a:rPr lang="en-US" dirty="0" smtClean="0"/>
-              <a:t>Turnover: Overtime, Marital Status, and Total Working Years</a:t>
-            </a:r>
-          </a:p>
-          <a:p>
-            <a:r>
-              <a:rPr lang="en-US" dirty="0" smtClean="0"/>
-              <a:t>External/personal factors contribute as well as internal/job function factors</a:t>
-            </a:r>
-          </a:p>
-          <a:p>
-            <a:r>
-              <a:rPr lang="en-US" dirty="0" smtClean="0"/>
-              <a:t>Variables that are correlated with entry level positions/age (work experience, perk eligibility, marital status)</a:t>
-            </a:r>
-            <a:r>
-              <a:rPr lang="en-US" dirty="0" smtClean="0"/>
-              <a:t>	</a:t>
-            </a:r>
-            <a:r>
-              <a:rPr lang="en-US" dirty="0" smtClean="0"/>
-              <a:t>lead to higher attrition</a:t>
-            </a:r>
-            <a:endParaRPr lang="en-US" dirty="0"/>
-          </a:p>
-        </p:txBody>
-      </p:sp>
-      <p:sp>
-        <p:nvSpPr>
-          <p:cNvPr id="3" name="Title 2"/>
-          <p:cNvSpPr>
-            <a:spLocks noGrp="1"/>
-          </p:cNvSpPr>
-          <p:nvPr>
-            <p:ph type="title"/>
-          </p:nvPr>
-        </p:nvSpPr>
-        <p:spPr/>
-        <p:txBody>
-          <a:bodyPr/>
-          <a:lstStyle/>
-          <a:p>
-            <a:r>
-              <a:rPr lang="en-US" dirty="0" smtClean="0"/>
-              <a:t>Conclusions</a:t>
-            </a:r>
-            <a:endParaRPr lang="en-US" dirty="0"/>
-          </a:p>
-        </p:txBody>
-      </p:sp>
-    </p:spTree>
-    <p:extLst>
-      <p:ext uri="{BB962C8B-B14F-4D97-AF65-F5344CB8AC3E}">
-        <p14:creationId xmlns:p14="http://schemas.microsoft.com/office/powerpoint/2010/main" val="5799522"/>
-      </p:ext>
-    </p:extLst>
-  </p:cSld>
-  <p:clrMapOvr>
-    <a:masterClrMapping/>
-  </p:clrMapOvr>
-</p:sld>
-</file>
-
-<file path=ppt/slides/slide2.xml><?xml version="1.0" encoding="utf-8"?>
-<p:sld xmlns:a="http://schemas.openxmlformats.org/drawingml/2006/main" xmlns:r="http://schemas.openxmlformats.org/officeDocument/2006/relationships" xmlns:p="http://schemas.openxmlformats.org/presentationml/2006/main">
-  <p:cSld>
-    <p:spTree>
-      <p:nvGrpSpPr>
-        <p:cNvPr id="1" name=""/>
-        <p:cNvGrpSpPr/>
-        <p:nvPr/>
-      </p:nvGrpSpPr>
-      <p:grpSpPr>
-        <a:xfrm>
-          <a:off x="0" y="0"/>
-          <a:ext cx="0" cy="0"/>
-          <a:chOff x="0" y="0"/>
-          <a:chExt cx="0" cy="0"/>
-        </a:xfrm>
-      </p:grpSpPr>
-      <p:sp>
-        <p:nvSpPr>
-          <p:cNvPr id="2" name="Content Placeholder 1"/>
-          <p:cNvSpPr>
-            <a:spLocks noGrp="1"/>
-          </p:cNvSpPr>
-          <p:nvPr>
-            <p:ph idx="1"/>
-          </p:nvPr>
-        </p:nvSpPr>
-        <p:spPr>
-          <a:xfrm>
-            <a:off x="457200" y="1447800"/>
-            <a:ext cx="8401050" cy="4525963"/>
-          </a:xfrm>
-          <a:effectLst>
-            <a:innerShdw blurRad="63500" dist="50800" dir="8100000">
-              <a:prstClr val="black">
-                <a:alpha val="50000"/>
-              </a:prstClr>
-            </a:innerShdw>
-          </a:effectLst>
-        </p:spPr>
-        <p:txBody>
-          <a:bodyPr>
-            <a:normAutofit/>
-          </a:bodyPr>
-          <a:lstStyle/>
-          <a:p>
-            <a:endParaRPr lang="en-US" sz="2600" dirty="0"/>
-          </a:p>
-          <a:p>
-            <a:r>
-              <a:rPr lang="en-US" sz="2600" dirty="0" err="1" smtClean="0"/>
-              <a:t>DDSAnalytics</a:t>
-            </a:r>
-            <a:r>
-              <a:rPr lang="en-US" sz="2600" dirty="0" smtClean="0"/>
-              <a:t>: Using Data to Solve Problems</a:t>
-            </a:r>
-          </a:p>
-          <a:p>
-            <a:endParaRPr lang="en-US" sz="2600" dirty="0"/>
-          </a:p>
-          <a:p>
-            <a:r>
-              <a:rPr lang="en-US" sz="2600" dirty="0" smtClean="0"/>
-              <a:t>Solutions </a:t>
-            </a:r>
-            <a:r>
-              <a:rPr lang="en-US" sz="2600" dirty="0"/>
-              <a:t>for Fortune 1000 </a:t>
-            </a:r>
-            <a:r>
-              <a:rPr lang="en-US" sz="2600" dirty="0" smtClean="0"/>
-              <a:t>Companies</a:t>
-            </a:r>
-          </a:p>
-          <a:p>
-            <a:endParaRPr lang="en-US" sz="800" dirty="0" smtClean="0"/>
-          </a:p>
-          <a:p>
-            <a:pPr lvl="1"/>
-            <a:r>
-              <a:rPr lang="en-US" sz="2400" b="1" dirty="0"/>
-              <a:t>W</a:t>
-            </a:r>
-            <a:r>
-              <a:rPr lang="en-US" sz="2400" dirty="0" smtClean="0"/>
-              <a:t>orkforce Planning </a:t>
-            </a:r>
-          </a:p>
-          <a:p>
-            <a:pPr lvl="1"/>
-            <a:r>
-              <a:rPr lang="en-US" sz="2400" b="1" dirty="0"/>
-              <a:t>E</a:t>
-            </a:r>
-            <a:r>
-              <a:rPr lang="en-US" sz="2400" dirty="0" smtClean="0"/>
-              <a:t>mployee </a:t>
-            </a:r>
-            <a:r>
-              <a:rPr lang="en-US" sz="2400" dirty="0"/>
-              <a:t>T</a:t>
-            </a:r>
-            <a:r>
-              <a:rPr lang="en-US" sz="2400" dirty="0" smtClean="0"/>
-              <a:t>raining </a:t>
-            </a:r>
-            <a:r>
-              <a:rPr lang="en-US" sz="2400" dirty="0"/>
-              <a:t>P</a:t>
-            </a:r>
-            <a:r>
-              <a:rPr lang="en-US" sz="2400" dirty="0" smtClean="0"/>
-              <a:t>rogram</a:t>
-            </a:r>
-          </a:p>
-          <a:p>
-            <a:pPr lvl="1"/>
-            <a:r>
-              <a:rPr lang="en-US" sz="2400" b="1" dirty="0" smtClean="0"/>
-              <a:t>I</a:t>
-            </a:r>
-            <a:r>
-              <a:rPr lang="en-US" sz="2400" dirty="0" smtClean="0"/>
-              <a:t>dentifying High-Potential Employees</a:t>
-            </a:r>
-          </a:p>
-          <a:p>
-            <a:pPr lvl="1"/>
-            <a:r>
-              <a:rPr lang="en-US" sz="2400" b="1" dirty="0" smtClean="0"/>
-              <a:t>R</a:t>
-            </a:r>
-            <a:r>
-              <a:rPr lang="en-US" sz="2400" dirty="0" smtClean="0"/>
-              <a:t>educing Turnover</a:t>
-            </a:r>
-          </a:p>
-          <a:p>
-            <a:pPr lvl="1"/>
-            <a:r>
-              <a:rPr lang="en-US" sz="2400" b="1" dirty="0" smtClean="0"/>
-              <a:t>D</a:t>
-            </a:r>
-            <a:r>
-              <a:rPr lang="en-US" sz="2400" dirty="0" smtClean="0"/>
-              <a:t>ata Interpretation</a:t>
-            </a:r>
-          </a:p>
-          <a:p>
-            <a:pPr lvl="1"/>
-            <a:endParaRPr lang="en-US" sz="2400" dirty="0" smtClean="0"/>
-          </a:p>
-          <a:p>
-            <a:pPr lvl="1"/>
-            <a:endParaRPr lang="en-US" sz="5000" dirty="0" smtClean="0"/>
-          </a:p>
-          <a:p>
-            <a:pPr marL="109728" indent="0">
-              <a:buNone/>
-            </a:pPr>
-            <a:endParaRPr lang="en-US" sz="2600" dirty="0"/>
-          </a:p>
-          <a:p>
-            <a:pPr marL="109728" indent="0">
-              <a:buNone/>
-            </a:pPr>
-            <a:endParaRPr lang="en-US" sz="2600" dirty="0" smtClean="0"/>
-          </a:p>
-          <a:p>
-            <a:endParaRPr lang="en-US" sz="2600" dirty="0"/>
-          </a:p>
-        </p:txBody>
-      </p:sp>
-      <p:sp>
-        <p:nvSpPr>
-          <p:cNvPr id="3" name="Title 2"/>
-          <p:cNvSpPr>
-            <a:spLocks noGrp="1"/>
-          </p:cNvSpPr>
-          <p:nvPr>
-            <p:ph type="title"/>
-          </p:nvPr>
-        </p:nvSpPr>
-        <p:spPr/>
-        <p:txBody>
-          <a:bodyPr/>
-          <a:lstStyle/>
-          <a:p>
-            <a:r>
-              <a:rPr lang="en-US" dirty="0" smtClean="0"/>
-              <a:t>Introduction</a:t>
-            </a:r>
-            <a:endParaRPr lang="en-US" dirty="0"/>
-          </a:p>
-        </p:txBody>
-      </p:sp>
-      <p:sp>
-        <p:nvSpPr>
-          <p:cNvPr id="4" name="AutoShape 2" descr="Related image"/>
-          <p:cNvSpPr>
-            <a:spLocks noChangeAspect="1" noChangeArrowheads="1"/>
-          </p:cNvSpPr>
-          <p:nvPr/>
-        </p:nvSpPr>
-        <p:spPr bwMode="auto">
-          <a:xfrm>
-            <a:off x="155575" y="-144463"/>
-            <a:ext cx="304800" cy="304801"/>
-          </a:xfrm>
-          <a:prstGeom prst="rect">
-            <a:avLst/>
-          </a:prstGeom>
-          <a:noFill/>
-          <a:extLst>
-            <a:ext uri="{909E8E84-426E-40DD-AFC4-6F175D3DCCD1}">
-              <a14:hiddenFill xmlns:a14="http://schemas.microsoft.com/office/drawing/2010/main">
-                <a:solidFill>
-                  <a:srgbClr val="FFFFFF"/>
-                </a:solidFill>
-              </a14:hiddenFill>
-            </a:ext>
-          </a:extLst>
-        </p:spPr>
-        <p:txBody>
-          <a:bodyPr vert="horz" wrap="square" lIns="91440" tIns="45720" rIns="91440" bIns="45720" numCol="1" anchor="t" anchorCtr="0" compatLnSpc="1">
-            <a:prstTxWarp prst="textNoShape">
-              <a:avLst/>
-            </a:prstTxWarp>
-          </a:bodyPr>
-          <a:lstStyle/>
-          <a:p>
-            <a:endParaRPr lang="en-US"/>
-          </a:p>
-        </p:txBody>
-      </p:sp>
-      <p:pic>
-        <p:nvPicPr>
-          <p:cNvPr id="5" name="Picture 4"/>
-          <p:cNvPicPr>
-            <a:picLocks noChangeAspect="1"/>
-          </p:cNvPicPr>
-          <p:nvPr/>
-        </p:nvPicPr>
-        <p:blipFill>
-          <a:blip r:embed="rId3" cstate="print">
-            <a:extLst>
-              <a:ext uri="{28A0092B-C50C-407E-A947-70E740481C1C}">
-                <a14:useLocalDpi xmlns:a14="http://schemas.microsoft.com/office/drawing/2010/main" val="0"/>
-              </a:ext>
-            </a:extLst>
-          </a:blip>
-          <a:stretch>
-            <a:fillRect/>
-          </a:stretch>
-        </p:blipFill>
-        <p:spPr>
-          <a:xfrm>
-            <a:off x="6577378" y="4876800"/>
-            <a:ext cx="2261822" cy="1752600"/>
-          </a:xfrm>
-          <a:prstGeom prst="rect">
-            <a:avLst/>
-          </a:prstGeom>
-        </p:spPr>
-      </p:pic>
-    </p:spTree>
-    <p:extLst>
-      <p:ext uri="{BB962C8B-B14F-4D97-AF65-F5344CB8AC3E}">
-        <p14:creationId xmlns:p14="http://schemas.microsoft.com/office/powerpoint/2010/main" val="4075600054"/>
-      </p:ext>
-    </p:extLst>
-  </p:cSld>
-  <p:clrMapOvr>
-    <a:masterClrMapping/>
-  </p:clrMapOvr>
-</p:sld>
-</file>
-
-<file path=ppt/slides/slide3.xml><?xml version="1.0" encoding="utf-8"?>
-<p:sld xmlns:a="http://schemas.openxmlformats.org/drawingml/2006/main" xmlns:r="http://schemas.openxmlformats.org/officeDocument/2006/relationships" xmlns:p="http://schemas.openxmlformats.org/presentationml/2006/main">
-  <p:cSld>
-    <p:spTree>
-      <p:nvGrpSpPr>
-        <p:cNvPr id="1" name=""/>
-        <p:cNvGrpSpPr/>
-        <p:nvPr/>
-      </p:nvGrpSpPr>
-      <p:grpSpPr>
-        <a:xfrm>
-          <a:off x="0" y="0"/>
-          <a:ext cx="0" cy="0"/>
-          <a:chOff x="0" y="0"/>
-          <a:chExt cx="0" cy="0"/>
-        </a:xfrm>
-      </p:grpSpPr>
-      <p:sp>
-        <p:nvSpPr>
-          <p:cNvPr id="2" name="Content Placeholder 1"/>
-          <p:cNvSpPr>
-            <a:spLocks noGrp="1"/>
-          </p:cNvSpPr>
-          <p:nvPr>
-            <p:ph idx="1"/>
-          </p:nvPr>
-        </p:nvSpPr>
-        <p:spPr/>
-        <p:txBody>
-          <a:bodyPr/>
-          <a:lstStyle/>
-          <a:p>
-            <a:r>
-              <a:rPr lang="en-US" dirty="0" smtClean="0"/>
-              <a:t>Costs Per Hire $4,129</a:t>
-            </a:r>
-          </a:p>
-          <a:p>
-            <a:endParaRPr lang="en-US" dirty="0" smtClean="0"/>
-          </a:p>
-          <a:p>
-            <a:r>
-              <a:rPr lang="en-US" dirty="0" smtClean="0"/>
-              <a:t>Time to Fill 42 days</a:t>
-            </a:r>
-          </a:p>
-          <a:p>
-            <a:endParaRPr lang="en-US" dirty="0" smtClean="0"/>
-          </a:p>
-          <a:p>
-            <a:r>
-              <a:rPr lang="en-US" dirty="0" smtClean="0"/>
-              <a:t>Employee Tenure 8 Years</a:t>
-            </a:r>
-          </a:p>
-          <a:p>
-            <a:endParaRPr lang="en-US" dirty="0" smtClean="0"/>
-          </a:p>
-          <a:p>
-            <a:r>
-              <a:rPr lang="en-US" dirty="0" smtClean="0"/>
-              <a:t>Annual Turnover Rate 19%</a:t>
-            </a:r>
-            <a:endParaRPr lang="en-US" dirty="0"/>
-          </a:p>
-        </p:txBody>
-      </p:sp>
-      <p:sp>
-        <p:nvSpPr>
-          <p:cNvPr id="3" name="Title 2"/>
-          <p:cNvSpPr>
-            <a:spLocks noGrp="1"/>
-          </p:cNvSpPr>
-          <p:nvPr>
-            <p:ph type="title"/>
-          </p:nvPr>
-        </p:nvSpPr>
-        <p:spPr/>
-        <p:txBody>
-          <a:bodyPr/>
-          <a:lstStyle/>
-          <a:p>
-            <a:r>
-              <a:rPr lang="en-US" dirty="0"/>
-              <a:t>Cost of Attrition - 2016</a:t>
-            </a:r>
-          </a:p>
-        </p:txBody>
-      </p:sp>
-      <p:pic>
-        <p:nvPicPr>
-          <p:cNvPr id="4" name="Picture 2" descr="Image result for Human Resource Managementâs 2016 Human Capital Benchmarking Report"/>
-          <p:cNvPicPr>
-            <a:picLocks noChangeAspect="1" noChangeArrowheads="1"/>
-          </p:cNvPicPr>
-          <p:nvPr/>
-        </p:nvPicPr>
-        <p:blipFill rotWithShape="1">
-          <a:blip r:embed="rId3" cstate="print">
-            <a:extLst>
-              <a:ext uri="{28A0092B-C50C-407E-A947-70E740481C1C}">
-                <a14:useLocalDpi xmlns:a14="http://schemas.microsoft.com/office/drawing/2010/main" val="0"/>
-              </a:ext>
-            </a:extLst>
-          </a:blip>
-          <a:srcRect l="8306" r="13708"/>
-          <a:stretch/>
-        </p:blipFill>
-        <p:spPr bwMode="auto">
-          <a:xfrm>
-            <a:off x="6781800" y="4953000"/>
-            <a:ext cx="1666180" cy="1121664"/>
-          </a:xfrm>
-          <a:prstGeom prst="rect">
-            <a:avLst/>
-          </a:prstGeom>
-          <a:noFill/>
-          <a:extLst>
-            <a:ext uri="{909E8E84-426E-40DD-AFC4-6F175D3DCCD1}">
-              <a14:hiddenFill xmlns:a14="http://schemas.microsoft.com/office/drawing/2010/main">
-                <a:solidFill>
-                  <a:srgbClr val="FFFFFF"/>
-                </a:solidFill>
-              </a14:hiddenFill>
-            </a:ext>
-          </a:extLst>
-        </p:spPr>
-      </p:pic>
-      <p:pic>
-        <p:nvPicPr>
-          <p:cNvPr id="5" name="Content Placeholder 3"/>
-          <p:cNvPicPr>
-            <a:picLocks noChangeAspect="1"/>
-          </p:cNvPicPr>
-          <p:nvPr/>
-        </p:nvPicPr>
-        <p:blipFill>
-          <a:blip r:embed="rId4" cstate="print">
-            <a:extLst>
-              <a:ext uri="{28A0092B-C50C-407E-A947-70E740481C1C}">
-                <a14:useLocalDpi xmlns:a14="http://schemas.microsoft.com/office/drawing/2010/main" val="0"/>
-              </a:ext>
-            </a:extLst>
-          </a:blip>
-          <a:stretch>
-            <a:fillRect/>
-          </a:stretch>
-        </p:blipFill>
-        <p:spPr>
-          <a:xfrm>
-            <a:off x="6172200" y="1499099"/>
-            <a:ext cx="2708003" cy="3149101"/>
-          </a:xfrm>
-          <a:prstGeom prst="rect">
-            <a:avLst/>
-          </a:prstGeom>
-          <a:ln>
-            <a:solidFill>
-              <a:schemeClr val="accent1"/>
-            </a:solidFill>
-          </a:ln>
-        </p:spPr>
-      </p:pic>
-    </p:spTree>
-    <p:extLst>
-      <p:ext uri="{BB962C8B-B14F-4D97-AF65-F5344CB8AC3E}">
-        <p14:creationId xmlns:p14="http://schemas.microsoft.com/office/powerpoint/2010/main" val="1930422771"/>
-      </p:ext>
-    </p:extLst>
-  </p:cSld>
-  <p:clrMapOvr>
-    <a:masterClrMapping/>
-  </p:clrMapOvr>
-</p:sld>
-</file>
-
-<file path=ppt/slides/slide4.xml><?xml version="1.0" encoding="utf-8"?>
-<p:sld xmlns:a="http://schemas.openxmlformats.org/drawingml/2006/main" xmlns:r="http://schemas.openxmlformats.org/officeDocument/2006/relationships" xmlns:p="http://schemas.openxmlformats.org/presentationml/2006/main">
-  <p:cSld>
-    <p:spTree>
-      <p:nvGrpSpPr>
-        <p:cNvPr id="1" name=""/>
-        <p:cNvGrpSpPr/>
-        <p:nvPr/>
-      </p:nvGrpSpPr>
-      <p:grpSpPr>
-        <a:xfrm>
-          <a:off x="0" y="0"/>
-          <a:ext cx="0" cy="0"/>
-          <a:chOff x="0" y="0"/>
-          <a:chExt cx="0" cy="0"/>
-        </a:xfrm>
-      </p:grpSpPr>
-      <p:sp>
-        <p:nvSpPr>
-          <p:cNvPr id="2" name="Content Placeholder 1"/>
-          <p:cNvSpPr>
-            <a:spLocks noGrp="1"/>
-          </p:cNvSpPr>
-          <p:nvPr>
-            <p:ph idx="1"/>
-          </p:nvPr>
-        </p:nvSpPr>
-        <p:spPr/>
-        <p:txBody>
-          <a:bodyPr>
-            <a:normAutofit/>
-          </a:bodyPr>
-          <a:lstStyle/>
-          <a:p>
-            <a:r>
-              <a:rPr lang="en-US" sz="2400" dirty="0" smtClean="0"/>
-              <a:t>Probabilistic Machine Learning Algorithm</a:t>
-            </a:r>
-          </a:p>
-          <a:p>
-            <a:endParaRPr lang="en-US" sz="2400" dirty="0" smtClean="0"/>
-          </a:p>
-          <a:p>
-            <a:r>
-              <a:rPr lang="en-US" sz="2400" dirty="0" smtClean="0"/>
-              <a:t>Assumes </a:t>
-            </a:r>
-            <a:r>
-              <a:rPr lang="en-US" sz="2400" dirty="0"/>
-              <a:t>features </a:t>
-            </a:r>
-            <a:r>
-              <a:rPr lang="en-US" sz="2400" dirty="0" smtClean="0"/>
-              <a:t>are independent of each other</a:t>
-            </a:r>
-            <a:endParaRPr lang="en-US" sz="2400" dirty="0"/>
-          </a:p>
-        </p:txBody>
-      </p:sp>
-      <p:sp>
-        <p:nvSpPr>
-          <p:cNvPr id="3" name="Title 2"/>
-          <p:cNvSpPr>
-            <a:spLocks noGrp="1"/>
-          </p:cNvSpPr>
-          <p:nvPr>
-            <p:ph type="title"/>
-          </p:nvPr>
-        </p:nvSpPr>
-        <p:spPr/>
-        <p:txBody>
-          <a:bodyPr>
-            <a:normAutofit fontScale="90000"/>
-          </a:bodyPr>
-          <a:lstStyle/>
-          <a:p>
-            <a:r>
-              <a:rPr lang="en-US" dirty="0" smtClean="0"/>
-              <a:t>Naïve-Bayes: </a:t>
-            </a:r>
-            <a:r>
-              <a:rPr lang="en-US" sz="4000" dirty="0" smtClean="0"/>
-              <a:t>Variable Exploration</a:t>
-            </a:r>
-            <a:endParaRPr lang="en-US" sz="4400" dirty="0"/>
-          </a:p>
-        </p:txBody>
-      </p:sp>
-      <p:graphicFrame>
-        <p:nvGraphicFramePr>
-          <p:cNvPr id="5" name="Table 4"/>
-          <p:cNvGraphicFramePr>
-            <a:graphicFrameLocks noGrp="1"/>
-          </p:cNvGraphicFramePr>
-          <p:nvPr>
-            <p:extLst>
-              <p:ext uri="{D42A27DB-BD31-4B8C-83A1-F6EECF244321}">
-                <p14:modId xmlns:p14="http://schemas.microsoft.com/office/powerpoint/2010/main" val="2920561248"/>
-              </p:ext>
-            </p:extLst>
-          </p:nvPr>
-        </p:nvGraphicFramePr>
-        <p:xfrm>
-          <a:off x="3048000" y="3048000"/>
-          <a:ext cx="3644900" cy="2543175"/>
-        </p:xfrm>
-        <a:graphic>
-          <a:graphicData uri="http://schemas.openxmlformats.org/drawingml/2006/table">
-            <a:tbl>
-              <a:tblPr>
-                <a:tableStyleId>{5C22544A-7EE6-4342-B048-85BDC9FD1C3A}</a:tableStyleId>
-              </a:tblPr>
-              <a:tblGrid>
-                <a:gridCol w="2819400"/>
-                <a:gridCol w="825500"/>
-              </a:tblGrid>
-              <a:tr h="247650">
-                <a:tc>
-                  <a:txBody>
-                    <a:bodyPr/>
-                    <a:lstStyle/>
-                    <a:p>
-                      <a:pPr algn="l" fontAlgn="b"/>
-                      <a:r>
-                        <a:rPr lang="en-US" sz="1400" u="none" strike="noStrike" dirty="0">
-                          <a:effectLst/>
-                        </a:rPr>
-                        <a:t>Variable</a:t>
-                      </a:r>
-                      <a:endParaRPr lang="en-US" sz="1400" b="1" i="0" u="none" strike="noStrike" dirty="0">
-                        <a:solidFill>
-                          <a:srgbClr val="000000"/>
-                        </a:solidFill>
-                        <a:effectLst/>
-                        <a:latin typeface="Calibri"/>
-                      </a:endParaRPr>
-                    </a:p>
-                  </a:txBody>
-                  <a:tcPr marL="85725" marR="9525" marT="9525" marB="0" anchor="b">
-                    <a:lnL w="12700" cap="flat" cmpd="sng" algn="ctr">
-                      <a:solidFill>
-                        <a:schemeClr val="tx1"/>
-                      </a:solidFill>
-                      <a:prstDash val="solid"/>
-                      <a:round/>
-                      <a:headEnd type="none" w="med" len="med"/>
-                      <a:tailEnd type="none" w="med" len="med"/>
-                    </a:lnL>
-                    <a:lnT w="12700" cap="flat" cmpd="sng" algn="ctr">
-                      <a:solidFill>
-                        <a:schemeClr val="tx1"/>
-                      </a:solidFill>
-                      <a:prstDash val="solid"/>
-                      <a:round/>
-                      <a:headEnd type="none" w="med" len="med"/>
-                      <a:tailEnd type="none" w="med" len="med"/>
-                    </a:lnT>
-                    <a:lnB w="12700" cap="flat" cmpd="sng" algn="ctr">
-                      <a:solidFill>
-                        <a:schemeClr val="tx1"/>
-                      </a:solidFill>
-                      <a:prstDash val="solid"/>
-                      <a:round/>
-                      <a:headEnd type="none" w="med" len="med"/>
-                      <a:tailEnd type="none" w="med" len="med"/>
-                    </a:lnB>
-                    <a:solidFill>
-                      <a:schemeClr val="accent1">
-                        <a:lumMod val="40000"/>
-                        <a:lumOff val="60000"/>
-                      </a:schemeClr>
-                    </a:solidFill>
-                  </a:tcPr>
-                </a:tc>
-                <a:tc>
-                  <a:txBody>
-                    <a:bodyPr/>
-                    <a:lstStyle/>
-                    <a:p>
-                      <a:pPr algn="ctr" fontAlgn="b"/>
-                      <a:r>
-                        <a:rPr lang="en-US" sz="1400" u="none" strike="noStrike" dirty="0">
-                          <a:effectLst/>
-                        </a:rPr>
-                        <a:t>P(Y|X)</a:t>
-                      </a:r>
-                      <a:endParaRPr lang="en-US" sz="1400" b="1" i="0" u="none" strike="noStrike" dirty="0">
-                        <a:solidFill>
-                          <a:srgbClr val="000000"/>
-                        </a:solidFill>
-                        <a:effectLst/>
-                        <a:latin typeface="Calibri"/>
-                      </a:endParaRPr>
-                    </a:p>
-                  </a:txBody>
-                  <a:tcPr marL="9525" marR="9525" marT="9525" marB="0" anchor="b">
-                    <a:lnR w="12700" cap="flat" cmpd="sng" algn="ctr">
-                      <a:solidFill>
-                        <a:schemeClr val="tx1"/>
-                      </a:solidFill>
-                      <a:prstDash val="solid"/>
-                      <a:round/>
-                      <a:headEnd type="none" w="med" len="med"/>
-                      <a:tailEnd type="none" w="med" len="med"/>
-                    </a:lnR>
-                    <a:lnT w="12700" cap="flat" cmpd="sng" algn="ctr">
-                      <a:solidFill>
-                        <a:schemeClr val="tx1"/>
-                      </a:solidFill>
-                      <a:prstDash val="solid"/>
-                      <a:round/>
-                      <a:headEnd type="none" w="med" len="med"/>
-                      <a:tailEnd type="none" w="med" len="med"/>
-                    </a:lnT>
-                    <a:lnB w="12700" cap="flat" cmpd="sng" algn="ctr">
-                      <a:solidFill>
-                        <a:schemeClr val="tx1"/>
-                      </a:solidFill>
-                      <a:prstDash val="solid"/>
-                      <a:round/>
-                      <a:headEnd type="none" w="med" len="med"/>
-                      <a:tailEnd type="none" w="med" len="med"/>
-                    </a:lnB>
-                    <a:solidFill>
-                      <a:schemeClr val="accent1">
-                        <a:lumMod val="40000"/>
-                        <a:lumOff val="60000"/>
-                      </a:schemeClr>
-                    </a:solidFill>
-                  </a:tcPr>
-                </a:tc>
-              </a:tr>
-              <a:tr h="190500">
-                <a:tc>
-                  <a:txBody>
-                    <a:bodyPr/>
-                    <a:lstStyle/>
-                    <a:p>
-                      <a:pPr algn="l" fontAlgn="t"/>
-                      <a:r>
-                        <a:rPr lang="en-US" sz="1100" u="none" strike="noStrike" dirty="0">
-                          <a:effectLst/>
-                        </a:rPr>
-                        <a:t>BusinessTravel - Travel Rarely</a:t>
-                      </a:r>
-                      <a:endParaRPr lang="en-US" sz="1100" b="0" i="0" u="none" strike="noStrike" dirty="0">
-                        <a:solidFill>
-                          <a:srgbClr val="333333"/>
-                        </a:solidFill>
-                        <a:effectLst/>
-                        <a:latin typeface="Arial"/>
-                      </a:endParaRPr>
-                    </a:p>
-                  </a:txBody>
-                  <a:tcPr marL="85725" marR="9525" marT="9525" marB="0">
-                    <a:lnL w="12700" cap="flat" cmpd="sng" algn="ctr">
-                      <a:solidFill>
-                        <a:schemeClr val="tx1"/>
-                      </a:solidFill>
-                      <a:prstDash val="solid"/>
-                      <a:round/>
-                      <a:headEnd type="none" w="med" len="med"/>
-                      <a:tailEnd type="none" w="med" len="med"/>
-                    </a:lnL>
-                    <a:lnT w="12700" cap="flat" cmpd="sng" algn="ctr">
-                      <a:solidFill>
-                        <a:schemeClr val="tx1"/>
-                      </a:solidFill>
-                      <a:prstDash val="solid"/>
-                      <a:round/>
-                      <a:headEnd type="none" w="med" len="med"/>
-                      <a:tailEnd type="none" w="med" len="med"/>
-                    </a:lnT>
-                    <a:solidFill>
-                      <a:schemeClr val="accent1">
-                        <a:lumMod val="20000"/>
-                        <a:lumOff val="80000"/>
-                      </a:schemeClr>
-                    </a:solidFill>
-                  </a:tcPr>
-                </a:tc>
-                <a:tc>
-                  <a:txBody>
-                    <a:bodyPr/>
-                    <a:lstStyle/>
-                    <a:p>
-                      <a:pPr algn="ctr" fontAlgn="t"/>
-                      <a:r>
-                        <a:rPr lang="en-US" sz="1100" u="none" strike="noStrike" dirty="0">
-                          <a:effectLst/>
-                        </a:rPr>
-                        <a:t>0.66</a:t>
-                      </a:r>
-                      <a:endParaRPr lang="en-US" sz="1100" b="0" i="0" u="none" strike="noStrike" dirty="0">
-                        <a:solidFill>
-                          <a:srgbClr val="333333"/>
-                        </a:solidFill>
-                        <a:effectLst/>
-                        <a:latin typeface="Arial"/>
-                      </a:endParaRPr>
-                    </a:p>
-                  </a:txBody>
-                  <a:tcPr marL="9525" marR="9525" marT="9525" marB="0">
-                    <a:lnR w="12700" cap="flat" cmpd="sng" algn="ctr">
-                      <a:solidFill>
-                        <a:schemeClr val="tx1"/>
-                      </a:solidFill>
-                      <a:prstDash val="solid"/>
-                      <a:round/>
-                      <a:headEnd type="none" w="med" len="med"/>
-                      <a:tailEnd type="none" w="med" len="med"/>
-                    </a:lnR>
-                    <a:lnT w="12700" cap="flat" cmpd="sng" algn="ctr">
-                      <a:solidFill>
-                        <a:schemeClr val="tx1"/>
-                      </a:solidFill>
-                      <a:prstDash val="solid"/>
-                      <a:round/>
-                      <a:headEnd type="none" w="med" len="med"/>
-                      <a:tailEnd type="none" w="med" len="med"/>
-                    </a:lnT>
-                    <a:solidFill>
-                      <a:schemeClr val="accent1">
-                        <a:lumMod val="20000"/>
-                        <a:lumOff val="80000"/>
-                      </a:schemeClr>
-                    </a:solidFill>
-                  </a:tcPr>
-                </a:tc>
-              </a:tr>
-              <a:tr h="190500">
-                <a:tc>
-                  <a:txBody>
-                    <a:bodyPr/>
-                    <a:lstStyle/>
-                    <a:p>
-                      <a:pPr algn="l" fontAlgn="t"/>
-                      <a:r>
-                        <a:rPr lang="en-US" sz="1100" u="none" strike="noStrike">
-                          <a:effectLst/>
-                        </a:rPr>
-                        <a:t>Department - Research &amp; Develoment</a:t>
-                      </a:r>
-                      <a:endParaRPr lang="en-US" sz="1100" b="0" i="0" u="none" strike="noStrike">
-                        <a:solidFill>
-                          <a:srgbClr val="333333"/>
-                        </a:solidFill>
-                        <a:effectLst/>
-                        <a:latin typeface="Arial"/>
-                      </a:endParaRPr>
-                    </a:p>
-                  </a:txBody>
-                  <a:tcPr marL="85725" marR="9525" marT="9525" marB="0">
-                    <a:lnL w="12700" cap="flat" cmpd="sng" algn="ctr">
-                      <a:solidFill>
-                        <a:schemeClr val="tx1"/>
-                      </a:solidFill>
-                      <a:prstDash val="solid"/>
-                      <a:round/>
-                      <a:headEnd type="none" w="med" len="med"/>
-                      <a:tailEnd type="none" w="med" len="med"/>
-                    </a:lnL>
-                    <a:solidFill>
-                      <a:schemeClr val="accent1">
-                        <a:lumMod val="20000"/>
-                        <a:lumOff val="80000"/>
-                      </a:schemeClr>
-                    </a:solidFill>
-                  </a:tcPr>
-                </a:tc>
-                <a:tc>
-                  <a:txBody>
-                    <a:bodyPr/>
-                    <a:lstStyle/>
-                    <a:p>
-                      <a:pPr algn="ctr" fontAlgn="t"/>
-                      <a:r>
-                        <a:rPr lang="en-US" sz="1100" u="none" strike="noStrike">
-                          <a:effectLst/>
-                        </a:rPr>
-                        <a:t>0.56</a:t>
-                      </a:r>
-                      <a:endParaRPr lang="en-US" sz="1100" b="0" i="0" u="none" strike="noStrike">
-                        <a:solidFill>
-                          <a:srgbClr val="333333"/>
-                        </a:solidFill>
-                        <a:effectLst/>
-                        <a:latin typeface="Arial"/>
-                      </a:endParaRPr>
-                    </a:p>
-                  </a:txBody>
-                  <a:tcPr marL="9525" marR="9525" marT="9525" marB="0">
-                    <a:lnR w="12700" cap="flat" cmpd="sng" algn="ctr">
-                      <a:solidFill>
-                        <a:schemeClr val="tx1"/>
-                      </a:solidFill>
-                      <a:prstDash val="solid"/>
-                      <a:round/>
-                      <a:headEnd type="none" w="med" len="med"/>
-                      <a:tailEnd type="none" w="med" len="med"/>
-                    </a:lnR>
-                    <a:solidFill>
-                      <a:schemeClr val="accent1">
-                        <a:lumMod val="20000"/>
-                        <a:lumOff val="80000"/>
-                      </a:schemeClr>
-                    </a:solidFill>
-                  </a:tcPr>
-                </a:tc>
-              </a:tr>
-              <a:tr h="190500">
-                <a:tc>
-                  <a:txBody>
-                    <a:bodyPr/>
-                    <a:lstStyle/>
-                    <a:p>
-                      <a:pPr algn="l" fontAlgn="t"/>
-                      <a:r>
-                        <a:rPr lang="en-US" sz="1100" u="none" strike="noStrike">
-                          <a:effectLst/>
-                        </a:rPr>
-                        <a:t>DistanceFromHome - Under 10</a:t>
-                      </a:r>
-                      <a:endParaRPr lang="en-US" sz="1100" b="0" i="0" u="none" strike="noStrike">
-                        <a:solidFill>
-                          <a:srgbClr val="333333"/>
-                        </a:solidFill>
-                        <a:effectLst/>
-                        <a:latin typeface="Arial"/>
-                      </a:endParaRPr>
-                    </a:p>
-                  </a:txBody>
-                  <a:tcPr marL="85725" marR="9525" marT="9525" marB="0">
-                    <a:lnL w="12700" cap="flat" cmpd="sng" algn="ctr">
-                      <a:solidFill>
-                        <a:schemeClr val="tx1"/>
-                      </a:solidFill>
-                      <a:prstDash val="solid"/>
-                      <a:round/>
-                      <a:headEnd type="none" w="med" len="med"/>
-                      <a:tailEnd type="none" w="med" len="med"/>
-                    </a:lnL>
-                    <a:solidFill>
-                      <a:schemeClr val="accent1">
-                        <a:lumMod val="20000"/>
-                        <a:lumOff val="80000"/>
-                      </a:schemeClr>
-                    </a:solidFill>
-                  </a:tcPr>
-                </a:tc>
-                <a:tc>
-                  <a:txBody>
-                    <a:bodyPr/>
-                    <a:lstStyle/>
-                    <a:p>
-                      <a:pPr algn="ctr" fontAlgn="t"/>
-                      <a:r>
-                        <a:rPr lang="en-US" sz="1100" u="none" strike="noStrike">
-                          <a:effectLst/>
-                        </a:rPr>
-                        <a:t>0.56</a:t>
-                      </a:r>
-                      <a:endParaRPr lang="en-US" sz="1100" b="0" i="0" u="none" strike="noStrike">
-                        <a:solidFill>
-                          <a:srgbClr val="333333"/>
-                        </a:solidFill>
-                        <a:effectLst/>
-                        <a:latin typeface="Arial"/>
-                      </a:endParaRPr>
-                    </a:p>
-                  </a:txBody>
-                  <a:tcPr marL="9525" marR="9525" marT="9525" marB="0">
-                    <a:lnR w="12700" cap="flat" cmpd="sng" algn="ctr">
-                      <a:solidFill>
-                        <a:schemeClr val="tx1"/>
-                      </a:solidFill>
-                      <a:prstDash val="solid"/>
-                      <a:round/>
-                      <a:headEnd type="none" w="med" len="med"/>
-                      <a:tailEnd type="none" w="med" len="med"/>
-                    </a:lnR>
-                    <a:solidFill>
-                      <a:schemeClr val="accent1">
-                        <a:lumMod val="20000"/>
-                        <a:lumOff val="80000"/>
-                      </a:schemeClr>
-                    </a:solidFill>
-                  </a:tcPr>
-                </a:tc>
-              </a:tr>
-              <a:tr h="190500">
-                <a:tc>
-                  <a:txBody>
-                    <a:bodyPr/>
-                    <a:lstStyle/>
-                    <a:p>
-                      <a:pPr algn="l" fontAlgn="t"/>
-                      <a:r>
-                        <a:rPr lang="en-US" sz="1100" u="none" strike="noStrike">
-                          <a:effectLst/>
-                        </a:rPr>
-                        <a:t>Education - Bachelor Below</a:t>
-                      </a:r>
-                      <a:endParaRPr lang="en-US" sz="1100" b="0" i="0" u="none" strike="noStrike">
-                        <a:solidFill>
-                          <a:srgbClr val="333333"/>
-                        </a:solidFill>
-                        <a:effectLst/>
-                        <a:latin typeface="Arial"/>
-                      </a:endParaRPr>
-                    </a:p>
-                  </a:txBody>
-                  <a:tcPr marL="85725" marR="9525" marT="9525" marB="0">
-                    <a:lnL w="12700" cap="flat" cmpd="sng" algn="ctr">
-                      <a:solidFill>
-                        <a:schemeClr val="tx1"/>
-                      </a:solidFill>
-                      <a:prstDash val="solid"/>
-                      <a:round/>
-                      <a:headEnd type="none" w="med" len="med"/>
-                      <a:tailEnd type="none" w="med" len="med"/>
-                    </a:lnL>
-                    <a:solidFill>
-                      <a:schemeClr val="accent1">
-                        <a:lumMod val="20000"/>
-                        <a:lumOff val="80000"/>
-                      </a:schemeClr>
-                    </a:solidFill>
-                  </a:tcPr>
-                </a:tc>
-                <a:tc>
-                  <a:txBody>
-                    <a:bodyPr/>
-                    <a:lstStyle/>
-                    <a:p>
-                      <a:pPr algn="ctr" fontAlgn="t"/>
-                      <a:r>
-                        <a:rPr lang="en-US" sz="1100" u="none" strike="noStrike">
-                          <a:effectLst/>
-                        </a:rPr>
-                        <a:t>0.42</a:t>
-                      </a:r>
-                      <a:endParaRPr lang="en-US" sz="1100" b="0" i="0" u="none" strike="noStrike">
-                        <a:solidFill>
-                          <a:srgbClr val="333333"/>
-                        </a:solidFill>
-                        <a:effectLst/>
-                        <a:latin typeface="Arial"/>
-                      </a:endParaRPr>
-                    </a:p>
-                  </a:txBody>
-                  <a:tcPr marL="9525" marR="9525" marT="9525" marB="0">
-                    <a:lnR w="12700" cap="flat" cmpd="sng" algn="ctr">
-                      <a:solidFill>
-                        <a:schemeClr val="tx1"/>
-                      </a:solidFill>
-                      <a:prstDash val="solid"/>
-                      <a:round/>
-                      <a:headEnd type="none" w="med" len="med"/>
-                      <a:tailEnd type="none" w="med" len="med"/>
-                    </a:lnR>
-                    <a:solidFill>
-                      <a:schemeClr val="accent1">
-                        <a:lumMod val="20000"/>
-                        <a:lumOff val="80000"/>
-                      </a:schemeClr>
-                    </a:solidFill>
-                  </a:tcPr>
-                </a:tc>
-              </a:tr>
-              <a:tr h="190500">
-                <a:tc>
-                  <a:txBody>
-                    <a:bodyPr/>
-                    <a:lstStyle/>
-                    <a:p>
-                      <a:pPr algn="l" fontAlgn="t"/>
-                      <a:r>
-                        <a:rPr lang="en-US" sz="1100" u="none" strike="noStrike">
-                          <a:effectLst/>
-                        </a:rPr>
-                        <a:t>Gender - Male</a:t>
-                      </a:r>
-                      <a:endParaRPr lang="en-US" sz="1100" b="0" i="0" u="none" strike="noStrike">
-                        <a:solidFill>
-                          <a:srgbClr val="333333"/>
-                        </a:solidFill>
-                        <a:effectLst/>
-                        <a:latin typeface="Arial"/>
-                      </a:endParaRPr>
-                    </a:p>
-                  </a:txBody>
-                  <a:tcPr marL="85725" marR="9525" marT="9525" marB="0">
-                    <a:lnL w="12700" cap="flat" cmpd="sng" algn="ctr">
-                      <a:solidFill>
-                        <a:schemeClr val="tx1"/>
-                      </a:solidFill>
-                      <a:prstDash val="solid"/>
-                      <a:round/>
-                      <a:headEnd type="none" w="med" len="med"/>
-                      <a:tailEnd type="none" w="med" len="med"/>
-                    </a:lnL>
-                    <a:solidFill>
-                      <a:schemeClr val="accent1">
-                        <a:lumMod val="20000"/>
-                        <a:lumOff val="80000"/>
-                      </a:schemeClr>
-                    </a:solidFill>
-                  </a:tcPr>
-                </a:tc>
-                <a:tc>
-                  <a:txBody>
-                    <a:bodyPr/>
-                    <a:lstStyle/>
-                    <a:p>
-                      <a:pPr algn="ctr" fontAlgn="t"/>
-                      <a:r>
-                        <a:rPr lang="en-US" sz="1100" u="none" strike="noStrike">
-                          <a:effectLst/>
-                        </a:rPr>
-                        <a:t>0.63</a:t>
-                      </a:r>
-                      <a:endParaRPr lang="en-US" sz="1100" b="0" i="0" u="none" strike="noStrike">
-                        <a:solidFill>
-                          <a:srgbClr val="333333"/>
-                        </a:solidFill>
-                        <a:effectLst/>
-                        <a:latin typeface="Arial"/>
-                      </a:endParaRPr>
-                    </a:p>
-                  </a:txBody>
-                  <a:tcPr marL="9525" marR="9525" marT="9525" marB="0">
-                    <a:lnR w="12700" cap="flat" cmpd="sng" algn="ctr">
-                      <a:solidFill>
-                        <a:schemeClr val="tx1"/>
-                      </a:solidFill>
-                      <a:prstDash val="solid"/>
-                      <a:round/>
-                      <a:headEnd type="none" w="med" len="med"/>
-                      <a:tailEnd type="none" w="med" len="med"/>
-                    </a:lnR>
-                    <a:solidFill>
-                      <a:schemeClr val="accent1">
-                        <a:lumMod val="20000"/>
-                        <a:lumOff val="80000"/>
-                      </a:schemeClr>
-                    </a:solidFill>
-                  </a:tcPr>
-                </a:tc>
-              </a:tr>
-              <a:tr h="190500">
-                <a:tc>
-                  <a:txBody>
-                    <a:bodyPr/>
-                    <a:lstStyle/>
-                    <a:p>
-                      <a:pPr algn="l" fontAlgn="t"/>
-                      <a:r>
-                        <a:rPr lang="en-US" sz="1100" u="none" strike="noStrike" dirty="0">
-                          <a:effectLst/>
-                        </a:rPr>
-                        <a:t>JobInvolvement - High</a:t>
-                      </a:r>
-                      <a:endParaRPr lang="en-US" sz="1100" b="0" i="0" u="none" strike="noStrike" dirty="0">
-                        <a:solidFill>
-                          <a:srgbClr val="333333"/>
-                        </a:solidFill>
-                        <a:effectLst/>
-                        <a:latin typeface="Arial"/>
-                      </a:endParaRPr>
-                    </a:p>
-                  </a:txBody>
-                  <a:tcPr marL="85725" marR="9525" marT="9525" marB="0">
-                    <a:lnL w="12700" cap="flat" cmpd="sng" algn="ctr">
-                      <a:solidFill>
-                        <a:schemeClr val="tx1"/>
-                      </a:solidFill>
-                      <a:prstDash val="solid"/>
-                      <a:round/>
-                      <a:headEnd type="none" w="med" len="med"/>
-                      <a:tailEnd type="none" w="med" len="med"/>
-                    </a:lnL>
-                    <a:solidFill>
-                      <a:schemeClr val="accent1">
-                        <a:lumMod val="20000"/>
-                        <a:lumOff val="80000"/>
-                      </a:schemeClr>
-                    </a:solidFill>
-                  </a:tcPr>
-                </a:tc>
-                <a:tc>
-                  <a:txBody>
-                    <a:bodyPr/>
-                    <a:lstStyle/>
-                    <a:p>
-                      <a:pPr algn="ctr" fontAlgn="t"/>
-                      <a:r>
-                        <a:rPr lang="en-US" sz="1100" u="none" strike="noStrike">
-                          <a:effectLst/>
-                        </a:rPr>
-                        <a:t>0.53</a:t>
-                      </a:r>
-                      <a:endParaRPr lang="en-US" sz="1100" b="0" i="0" u="none" strike="noStrike">
-                        <a:solidFill>
-                          <a:srgbClr val="333333"/>
-                        </a:solidFill>
-                        <a:effectLst/>
-                        <a:latin typeface="Arial"/>
-                      </a:endParaRPr>
-                    </a:p>
-                  </a:txBody>
-                  <a:tcPr marL="9525" marR="9525" marT="9525" marB="0">
-                    <a:lnR w="12700" cap="flat" cmpd="sng" algn="ctr">
-                      <a:solidFill>
-                        <a:schemeClr val="tx1"/>
-                      </a:solidFill>
-                      <a:prstDash val="solid"/>
-                      <a:round/>
-                      <a:headEnd type="none" w="med" len="med"/>
-                      <a:tailEnd type="none" w="med" len="med"/>
-                    </a:lnR>
-                    <a:solidFill>
-                      <a:schemeClr val="accent1">
-                        <a:lumMod val="20000"/>
-                        <a:lumOff val="80000"/>
-                      </a:schemeClr>
-                    </a:solidFill>
-                  </a:tcPr>
-                </a:tc>
-              </a:tr>
-              <a:tr h="190500">
-                <a:tc>
-                  <a:txBody>
-                    <a:bodyPr/>
-                    <a:lstStyle/>
-                    <a:p>
-                      <a:pPr algn="l" fontAlgn="t"/>
-                      <a:r>
-                        <a:rPr lang="en-US" sz="1100" u="none" strike="noStrike" dirty="0">
-                          <a:effectLst/>
-                        </a:rPr>
-                        <a:t>MonthlyIncome - Under 5,000</a:t>
-                      </a:r>
-                      <a:endParaRPr lang="en-US" sz="1100" b="0" i="0" u="none" strike="noStrike" dirty="0">
-                        <a:solidFill>
-                          <a:srgbClr val="333333"/>
-                        </a:solidFill>
-                        <a:effectLst/>
-                        <a:latin typeface="Arial"/>
-                      </a:endParaRPr>
-                    </a:p>
-                  </a:txBody>
-                  <a:tcPr marL="85725" marR="9525" marT="9525" marB="0">
-                    <a:lnL w="12700" cap="flat" cmpd="sng" algn="ctr">
-                      <a:solidFill>
-                        <a:schemeClr val="tx1"/>
-                      </a:solidFill>
-                      <a:prstDash val="solid"/>
-                      <a:round/>
-                      <a:headEnd type="none" w="med" len="med"/>
-                      <a:tailEnd type="none" w="med" len="med"/>
-                    </a:lnL>
-                    <a:solidFill>
-                      <a:schemeClr val="accent1">
-                        <a:lumMod val="20000"/>
-                        <a:lumOff val="80000"/>
-                      </a:schemeClr>
-                    </a:solidFill>
-                  </a:tcPr>
-                </a:tc>
-                <a:tc>
-                  <a:txBody>
-                    <a:bodyPr/>
-                    <a:lstStyle/>
-                    <a:p>
-                      <a:pPr algn="ctr" fontAlgn="t"/>
-                      <a:r>
-                        <a:rPr lang="en-US" sz="1100" u="none" strike="noStrike">
-                          <a:effectLst/>
-                        </a:rPr>
-                        <a:t>0.69</a:t>
-                      </a:r>
-                      <a:endParaRPr lang="en-US" sz="1100" b="0" i="0" u="none" strike="noStrike">
-                        <a:solidFill>
-                          <a:srgbClr val="333333"/>
-                        </a:solidFill>
-                        <a:effectLst/>
-                        <a:latin typeface="Arial"/>
-                      </a:endParaRPr>
-                    </a:p>
-                  </a:txBody>
-                  <a:tcPr marL="9525" marR="9525" marT="9525" marB="0">
-                    <a:lnR w="12700" cap="flat" cmpd="sng" algn="ctr">
-                      <a:solidFill>
-                        <a:schemeClr val="tx1"/>
-                      </a:solidFill>
-                      <a:prstDash val="solid"/>
-                      <a:round/>
-                      <a:headEnd type="none" w="med" len="med"/>
-                      <a:tailEnd type="none" w="med" len="med"/>
-                    </a:lnR>
-                    <a:solidFill>
-                      <a:schemeClr val="accent1">
-                        <a:lumMod val="20000"/>
-                        <a:lumOff val="80000"/>
-                      </a:schemeClr>
-                    </a:solidFill>
-                  </a:tcPr>
-                </a:tc>
-              </a:tr>
-              <a:tr h="190500">
-                <a:tc>
-                  <a:txBody>
-                    <a:bodyPr/>
-                    <a:lstStyle/>
-                    <a:p>
-                      <a:pPr algn="l" fontAlgn="t"/>
-                      <a:r>
-                        <a:rPr lang="en-US" sz="1100" u="none" strike="noStrike" dirty="0">
-                          <a:effectLst/>
-                        </a:rPr>
-                        <a:t>MaritalStatus - Single</a:t>
-                      </a:r>
-                      <a:endParaRPr lang="en-US" sz="1100" b="0" i="0" u="none" strike="noStrike" dirty="0">
-                        <a:solidFill>
-                          <a:srgbClr val="333333"/>
-                        </a:solidFill>
-                        <a:effectLst/>
-                        <a:latin typeface="Arial"/>
-                      </a:endParaRPr>
-                    </a:p>
-                  </a:txBody>
-                  <a:tcPr marL="85725" marR="9525" marT="9525" marB="0">
-                    <a:lnL w="12700" cap="flat" cmpd="sng" algn="ctr">
-                      <a:solidFill>
-                        <a:schemeClr val="tx1"/>
-                      </a:solidFill>
-                      <a:prstDash val="solid"/>
-                      <a:round/>
-                      <a:headEnd type="none" w="med" len="med"/>
-                      <a:tailEnd type="none" w="med" len="med"/>
-                    </a:lnL>
-                    <a:solidFill>
-                      <a:schemeClr val="accent1">
-                        <a:lumMod val="20000"/>
-                        <a:lumOff val="80000"/>
-                      </a:schemeClr>
-                    </a:solidFill>
-                  </a:tcPr>
-                </a:tc>
-                <a:tc>
-                  <a:txBody>
-                    <a:bodyPr/>
-                    <a:lstStyle/>
-                    <a:p>
-                      <a:pPr algn="ctr" fontAlgn="t"/>
-                      <a:r>
-                        <a:rPr lang="en-US" sz="1100" u="none" strike="noStrike">
-                          <a:effectLst/>
-                        </a:rPr>
-                        <a:t>0.51</a:t>
-                      </a:r>
-                      <a:endParaRPr lang="en-US" sz="1100" b="0" i="0" u="none" strike="noStrike">
-                        <a:solidFill>
-                          <a:srgbClr val="333333"/>
-                        </a:solidFill>
-                        <a:effectLst/>
-                        <a:latin typeface="Arial"/>
-                      </a:endParaRPr>
-                    </a:p>
-                  </a:txBody>
-                  <a:tcPr marL="9525" marR="9525" marT="9525" marB="0">
-                    <a:lnR w="12700" cap="flat" cmpd="sng" algn="ctr">
-                      <a:solidFill>
-                        <a:schemeClr val="tx1"/>
-                      </a:solidFill>
-                      <a:prstDash val="solid"/>
-                      <a:round/>
-                      <a:headEnd type="none" w="med" len="med"/>
-                      <a:tailEnd type="none" w="med" len="med"/>
-                    </a:lnR>
-                    <a:solidFill>
-                      <a:schemeClr val="accent1">
-                        <a:lumMod val="20000"/>
-                        <a:lumOff val="80000"/>
-                      </a:schemeClr>
-                    </a:solidFill>
-                  </a:tcPr>
-                </a:tc>
-              </a:tr>
-              <a:tr h="190500">
-                <a:tc>
-                  <a:txBody>
-                    <a:bodyPr/>
-                    <a:lstStyle/>
-                    <a:p>
-                      <a:pPr algn="l" fontAlgn="t"/>
-                      <a:r>
-                        <a:rPr lang="en-US" sz="1100" u="none" strike="noStrike" dirty="0">
-                          <a:effectLst/>
-                        </a:rPr>
-                        <a:t>NumCompaniesWorked - Less_than_5</a:t>
-                      </a:r>
-                      <a:endParaRPr lang="en-US" sz="1100" b="0" i="0" u="none" strike="noStrike" dirty="0">
-                        <a:solidFill>
-                          <a:srgbClr val="333333"/>
-                        </a:solidFill>
-                        <a:effectLst/>
-                        <a:latin typeface="Arial"/>
-                      </a:endParaRPr>
-                    </a:p>
-                  </a:txBody>
-                  <a:tcPr marL="85725" marR="9525" marT="9525" marB="0">
-                    <a:lnL w="12700" cap="flat" cmpd="sng" algn="ctr">
-                      <a:solidFill>
-                        <a:schemeClr val="tx1"/>
-                      </a:solidFill>
-                      <a:prstDash val="solid"/>
-                      <a:round/>
-                      <a:headEnd type="none" w="med" len="med"/>
-                      <a:tailEnd type="none" w="med" len="med"/>
-                    </a:lnL>
-                    <a:solidFill>
-                      <a:schemeClr val="accent1">
-                        <a:lumMod val="20000"/>
-                        <a:lumOff val="80000"/>
-                      </a:schemeClr>
-                    </a:solidFill>
-                  </a:tcPr>
-                </a:tc>
-                <a:tc>
-                  <a:txBody>
-                    <a:bodyPr/>
-                    <a:lstStyle/>
-                    <a:p>
-                      <a:pPr algn="ctr" fontAlgn="t"/>
-                      <a:r>
-                        <a:rPr lang="en-US" sz="1100" u="none" strike="noStrike">
-                          <a:effectLst/>
-                        </a:rPr>
-                        <a:t>0.72</a:t>
-                      </a:r>
-                      <a:endParaRPr lang="en-US" sz="1100" b="0" i="0" u="none" strike="noStrike">
-                        <a:solidFill>
-                          <a:srgbClr val="333333"/>
-                        </a:solidFill>
-                        <a:effectLst/>
-                        <a:latin typeface="Arial"/>
-                      </a:endParaRPr>
-                    </a:p>
-                  </a:txBody>
-                  <a:tcPr marL="9525" marR="9525" marT="9525" marB="0">
-                    <a:lnR w="12700" cap="flat" cmpd="sng" algn="ctr">
-                      <a:solidFill>
-                        <a:schemeClr val="tx1"/>
-                      </a:solidFill>
-                      <a:prstDash val="solid"/>
-                      <a:round/>
-                      <a:headEnd type="none" w="med" len="med"/>
-                      <a:tailEnd type="none" w="med" len="med"/>
-                    </a:lnR>
-                    <a:solidFill>
-                      <a:schemeClr val="accent1">
-                        <a:lumMod val="20000"/>
-                        <a:lumOff val="80000"/>
-                      </a:schemeClr>
-                    </a:solidFill>
-                  </a:tcPr>
-                </a:tc>
-              </a:tr>
-              <a:tr h="190500">
-                <a:tc>
-                  <a:txBody>
-                    <a:bodyPr/>
-                    <a:lstStyle/>
-                    <a:p>
-                      <a:pPr algn="l" fontAlgn="t"/>
-                      <a:r>
-                        <a:rPr lang="en-US" sz="1100" u="none" strike="noStrike" dirty="0">
-                          <a:effectLst/>
-                        </a:rPr>
-                        <a:t>YearsWithCurrManager - Five_or_Less</a:t>
-                      </a:r>
-                      <a:endParaRPr lang="en-US" sz="1100" b="0" i="0" u="none" strike="noStrike" dirty="0">
-                        <a:solidFill>
-                          <a:srgbClr val="333333"/>
-                        </a:solidFill>
-                        <a:effectLst/>
-                        <a:latin typeface="Arial"/>
-                      </a:endParaRPr>
-                    </a:p>
-                  </a:txBody>
-                  <a:tcPr marL="85725" marR="9525" marT="9525" marB="0">
-                    <a:lnL w="12700" cap="flat" cmpd="sng" algn="ctr">
-                      <a:solidFill>
-                        <a:schemeClr val="tx1"/>
-                      </a:solidFill>
-                      <a:prstDash val="solid"/>
-                      <a:round/>
-                      <a:headEnd type="none" w="med" len="med"/>
-                      <a:tailEnd type="none" w="med" len="med"/>
-                    </a:lnL>
-                    <a:solidFill>
-                      <a:schemeClr val="accent1">
-                        <a:lumMod val="20000"/>
-                        <a:lumOff val="80000"/>
-                      </a:schemeClr>
-                    </a:solidFill>
-                  </a:tcPr>
-                </a:tc>
-                <a:tc>
-                  <a:txBody>
-                    <a:bodyPr/>
-                    <a:lstStyle/>
-                    <a:p>
-                      <a:pPr algn="ctr" fontAlgn="t"/>
-                      <a:r>
-                        <a:rPr lang="en-US" sz="1100" u="none" strike="noStrike">
-                          <a:effectLst/>
-                        </a:rPr>
-                        <a:t>0.74</a:t>
-                      </a:r>
-                      <a:endParaRPr lang="en-US" sz="1100" b="0" i="0" u="none" strike="noStrike">
-                        <a:solidFill>
-                          <a:srgbClr val="333333"/>
-                        </a:solidFill>
-                        <a:effectLst/>
-                        <a:latin typeface="Arial"/>
-                      </a:endParaRPr>
-                    </a:p>
-                  </a:txBody>
-                  <a:tcPr marL="9525" marR="9525" marT="9525" marB="0">
-                    <a:lnR w="12700" cap="flat" cmpd="sng" algn="ctr">
-                      <a:solidFill>
-                        <a:schemeClr val="tx1"/>
-                      </a:solidFill>
-                      <a:prstDash val="solid"/>
-                      <a:round/>
-                      <a:headEnd type="none" w="med" len="med"/>
-                      <a:tailEnd type="none" w="med" len="med"/>
-                    </a:lnR>
-                    <a:solidFill>
-                      <a:schemeClr val="accent1">
-                        <a:lumMod val="20000"/>
-                        <a:lumOff val="80000"/>
-                      </a:schemeClr>
-                    </a:solidFill>
-                  </a:tcPr>
-                </a:tc>
-              </a:tr>
-              <a:tr h="190500">
-                <a:tc>
-                  <a:txBody>
-                    <a:bodyPr/>
-                    <a:lstStyle/>
-                    <a:p>
-                      <a:pPr algn="l" fontAlgn="t"/>
-                      <a:r>
-                        <a:rPr lang="en-US" sz="1100" u="none" strike="noStrike">
-                          <a:effectLst/>
-                        </a:rPr>
-                        <a:t>PercentSalaryHike - Less_than_15%</a:t>
-                      </a:r>
-                      <a:endParaRPr lang="en-US" sz="1100" b="0" i="0" u="none" strike="noStrike">
-                        <a:solidFill>
-                          <a:srgbClr val="333333"/>
-                        </a:solidFill>
-                        <a:effectLst/>
-                        <a:latin typeface="Arial"/>
-                      </a:endParaRPr>
-                    </a:p>
-                  </a:txBody>
-                  <a:tcPr marL="85725" marR="9525" marT="9525" marB="0">
-                    <a:lnL w="12700" cap="flat" cmpd="sng" algn="ctr">
-                      <a:solidFill>
-                        <a:schemeClr val="tx1"/>
-                      </a:solidFill>
-                      <a:prstDash val="solid"/>
-                      <a:round/>
-                      <a:headEnd type="none" w="med" len="med"/>
-                      <a:tailEnd type="none" w="med" len="med"/>
-                    </a:lnL>
-                    <a:solidFill>
-                      <a:schemeClr val="accent1">
-                        <a:lumMod val="20000"/>
-                        <a:lumOff val="80000"/>
-                      </a:schemeClr>
-                    </a:solidFill>
-                  </a:tcPr>
-                </a:tc>
-                <a:tc>
-                  <a:txBody>
-                    <a:bodyPr/>
-                    <a:lstStyle/>
-                    <a:p>
-                      <a:pPr algn="ctr" fontAlgn="t"/>
-                      <a:r>
-                        <a:rPr lang="en-US" sz="1100" u="none" strike="noStrike">
-                          <a:effectLst/>
-                        </a:rPr>
-                        <a:t>0.56</a:t>
-                      </a:r>
-                      <a:endParaRPr lang="en-US" sz="1100" b="0" i="0" u="none" strike="noStrike">
-                        <a:solidFill>
-                          <a:srgbClr val="333333"/>
-                        </a:solidFill>
-                        <a:effectLst/>
-                        <a:latin typeface="Arial"/>
-                      </a:endParaRPr>
-                    </a:p>
-                  </a:txBody>
-                  <a:tcPr marL="9525" marR="9525" marT="9525" marB="0">
-                    <a:lnR w="12700" cap="flat" cmpd="sng" algn="ctr">
-                      <a:solidFill>
-                        <a:schemeClr val="tx1"/>
-                      </a:solidFill>
-                      <a:prstDash val="solid"/>
-                      <a:round/>
-                      <a:headEnd type="none" w="med" len="med"/>
-                      <a:tailEnd type="none" w="med" len="med"/>
-                    </a:lnR>
-                    <a:solidFill>
-                      <a:schemeClr val="accent1">
-                        <a:lumMod val="20000"/>
-                        <a:lumOff val="80000"/>
-                      </a:schemeClr>
-                    </a:solidFill>
-                  </a:tcPr>
-                </a:tc>
-              </a:tr>
-              <a:tr h="200025">
-                <a:tc>
-                  <a:txBody>
-                    <a:bodyPr/>
-                    <a:lstStyle/>
-                    <a:p>
-                      <a:pPr algn="l" fontAlgn="t"/>
-                      <a:r>
-                        <a:rPr lang="en-US" sz="1100" u="none" strike="noStrike" dirty="0">
-                          <a:effectLst/>
-                        </a:rPr>
-                        <a:t>YearsInCurrentRole - Five_or_Less</a:t>
-                      </a:r>
-                      <a:endParaRPr lang="en-US" sz="1100" b="0" i="0" u="none" strike="noStrike" dirty="0">
-                        <a:solidFill>
-                          <a:srgbClr val="333333"/>
-                        </a:solidFill>
-                        <a:effectLst/>
-                        <a:latin typeface="Arial"/>
-                      </a:endParaRPr>
-                    </a:p>
-                  </a:txBody>
-                  <a:tcPr marL="85725" marR="9525" marT="9525" marB="0">
-                    <a:lnL w="12700" cap="flat" cmpd="sng" algn="ctr">
-                      <a:solidFill>
-                        <a:schemeClr val="tx1"/>
-                      </a:solidFill>
-                      <a:prstDash val="solid"/>
-                      <a:round/>
-                      <a:headEnd type="none" w="med" len="med"/>
-                      <a:tailEnd type="none" w="med" len="med"/>
-                    </a:lnL>
-                    <a:lnB w="12700" cap="flat" cmpd="sng" algn="ctr">
-                      <a:solidFill>
-                        <a:schemeClr val="tx1"/>
-                      </a:solidFill>
-                      <a:prstDash val="solid"/>
-                      <a:round/>
-                      <a:headEnd type="none" w="med" len="med"/>
-                      <a:tailEnd type="none" w="med" len="med"/>
-                    </a:lnB>
-                    <a:solidFill>
-                      <a:schemeClr val="accent1">
-                        <a:lumMod val="20000"/>
-                        <a:lumOff val="80000"/>
-                      </a:schemeClr>
-                    </a:solidFill>
-                  </a:tcPr>
-                </a:tc>
-                <a:tc>
-                  <a:txBody>
-                    <a:bodyPr/>
-                    <a:lstStyle/>
-                    <a:p>
-                      <a:pPr algn="ctr" fontAlgn="t"/>
-                      <a:r>
-                        <a:rPr lang="en-US" sz="1100" u="none" strike="noStrike" dirty="0">
-                          <a:effectLst/>
-                        </a:rPr>
-                        <a:t>0.77</a:t>
-                      </a:r>
-                      <a:endParaRPr lang="en-US" sz="1100" b="0" i="0" u="none" strike="noStrike" dirty="0">
-                        <a:solidFill>
-                          <a:srgbClr val="333333"/>
-                        </a:solidFill>
-                        <a:effectLst/>
-                        <a:latin typeface="Arial"/>
-                      </a:endParaRPr>
-                    </a:p>
-                  </a:txBody>
-                  <a:tcPr marL="9525" marR="9525" marT="9525" marB="0">
-                    <a:lnR w="12700" cap="flat" cmpd="sng" algn="ctr">
-                      <a:solidFill>
-                        <a:schemeClr val="tx1"/>
-                      </a:solidFill>
-                      <a:prstDash val="solid"/>
-                      <a:round/>
-                      <a:headEnd type="none" w="med" len="med"/>
-                      <a:tailEnd type="none" w="med" len="med"/>
-                    </a:lnR>
-                    <a:lnB w="12700" cap="flat" cmpd="sng" algn="ctr">
-                      <a:solidFill>
-                        <a:schemeClr val="tx1"/>
-                      </a:solidFill>
-                      <a:prstDash val="solid"/>
-                      <a:round/>
-                      <a:headEnd type="none" w="med" len="med"/>
-                      <a:tailEnd type="none" w="med" len="med"/>
-                    </a:lnB>
-                    <a:solidFill>
-                      <a:schemeClr val="accent1">
-                        <a:lumMod val="20000"/>
-                        <a:lumOff val="80000"/>
-                      </a:schemeClr>
-                    </a:solidFill>
-                  </a:tcPr>
-                </a:tc>
-              </a:tr>
-            </a:tbl>
-          </a:graphicData>
-        </a:graphic>
-      </p:graphicFrame>
-    </p:spTree>
-    <p:extLst>
-      <p:ext uri="{BB962C8B-B14F-4D97-AF65-F5344CB8AC3E}">
-        <p14:creationId xmlns:p14="http://schemas.microsoft.com/office/powerpoint/2010/main" val="3363377559"/>
-      </p:ext>
-    </p:extLst>
-  </p:cSld>
-  <p:clrMapOvr>
-    <a:masterClrMapping/>
-  </p:clrMapOvr>
-</p:sld>
-</file>
-
-<file path=ppt/slides/slide5.xml><?xml version="1.0" encoding="utf-8"?>
-<p:sld xmlns:a="http://schemas.openxmlformats.org/drawingml/2006/main" xmlns:r="http://schemas.openxmlformats.org/officeDocument/2006/relationships" xmlns:p="http://schemas.openxmlformats.org/presentationml/2006/main">
-  <p:cSld>
-    <p:spTree>
-      <p:nvGrpSpPr>
-        <p:cNvPr id="1" name=""/>
-        <p:cNvGrpSpPr/>
-        <p:nvPr/>
-      </p:nvGrpSpPr>
-      <p:grpSpPr>
-        <a:xfrm>
-          <a:off x="0" y="0"/>
-          <a:ext cx="0" cy="0"/>
-          <a:chOff x="0" y="0"/>
-          <a:chExt cx="0" cy="0"/>
-        </a:xfrm>
-      </p:grpSpPr>
-      <p:pic>
-        <p:nvPicPr>
-          <p:cNvPr id="6" name="Picture 5"/>
-          <p:cNvPicPr/>
-          <p:nvPr/>
-        </p:nvPicPr>
-        <p:blipFill rotWithShape="1">
-          <a:blip r:embed="rId2"/>
-          <a:srcRect l="22217" t="40270" r="37620" b="15389"/>
-          <a:stretch/>
-        </p:blipFill>
-        <p:spPr bwMode="auto">
-          <a:xfrm>
-            <a:off x="914400" y="1295400"/>
-            <a:ext cx="7848600" cy="3657600"/>
-          </a:xfrm>
-          <a:prstGeom prst="rect">
-            <a:avLst/>
-          </a:prstGeom>
-          <a:ln>
-            <a:noFill/>
-          </a:ln>
-          <a:extLst>
-            <a:ext uri="{53640926-AAD7-44D8-BBD7-CCE9431645EC}">
-              <a14:shadowObscured xmlns:a14="http://schemas.microsoft.com/office/drawing/2010/main"/>
-            </a:ext>
-          </a:extLst>
-        </p:spPr>
-      </p:pic>
-      <p:sp>
-        <p:nvSpPr>
-          <p:cNvPr id="2" name="Content Placeholder 1"/>
-          <p:cNvSpPr>
-            <a:spLocks noGrp="1"/>
-          </p:cNvSpPr>
-          <p:nvPr>
-            <p:ph idx="1"/>
-          </p:nvPr>
-        </p:nvSpPr>
-        <p:spPr>
-          <a:xfrm>
-            <a:off x="5588977" y="5181600"/>
-            <a:ext cx="3581400" cy="1752600"/>
-          </a:xfrm>
-        </p:spPr>
-        <p:txBody>
-          <a:bodyPr>
-            <a:normAutofit/>
-          </a:bodyPr>
-          <a:lstStyle/>
-          <a:p>
-            <a:pPr marL="914400" lvl="3" indent="-800100" algn="ctr">
-              <a:buNone/>
-            </a:pPr>
-            <a:r>
-              <a:rPr lang="en-US" sz="2400" u="sng" dirty="0" smtClean="0"/>
-              <a:t>Models Statistics</a:t>
-            </a:r>
-          </a:p>
-          <a:p>
-            <a:pPr marL="109728" indent="0">
-              <a:buNone/>
-            </a:pPr>
-            <a:r>
-              <a:rPr lang="en-US" sz="2400" dirty="0" smtClean="0"/>
-              <a:t>    Accuracy: 74%</a:t>
-            </a:r>
-          </a:p>
-          <a:p>
-            <a:pPr marL="109728" indent="0">
-              <a:buNone/>
-            </a:pPr>
-            <a:r>
-              <a:rPr lang="en-US" sz="2400" dirty="0" smtClean="0"/>
-              <a:t>    Recall: 53%</a:t>
-            </a:r>
-          </a:p>
-          <a:p>
-            <a:pPr marL="109728" indent="0">
-              <a:buNone/>
-            </a:pPr>
-            <a:r>
-              <a:rPr lang="en-US" sz="2400" dirty="0" smtClean="0"/>
-              <a:t>    Precision: 70%</a:t>
-            </a:r>
-            <a:endParaRPr lang="en-US" sz="2400" dirty="0"/>
-          </a:p>
-        </p:txBody>
-      </p:sp>
-      <p:sp>
-        <p:nvSpPr>
-          <p:cNvPr id="3" name="Title 2"/>
-          <p:cNvSpPr>
-            <a:spLocks noGrp="1"/>
-          </p:cNvSpPr>
-          <p:nvPr>
-            <p:ph type="title"/>
-          </p:nvPr>
-        </p:nvSpPr>
-        <p:spPr/>
-        <p:txBody>
-          <a:bodyPr>
-            <a:normAutofit fontScale="90000"/>
-          </a:bodyPr>
-          <a:lstStyle/>
-          <a:p>
-            <a:r>
-              <a:rPr lang="en-US" dirty="0" smtClean="0"/>
-              <a:t>Naïve-Bayes: </a:t>
-            </a:r>
-            <a:r>
-              <a:rPr lang="en-US" sz="3900" dirty="0" smtClean="0"/>
-              <a:t>Prediction &amp; Validation</a:t>
-            </a:r>
-            <a:endParaRPr lang="en-US" sz="3900" dirty="0"/>
-          </a:p>
-        </p:txBody>
-      </p:sp>
-    </p:spTree>
-    <p:extLst>
-      <p:ext uri="{BB962C8B-B14F-4D97-AF65-F5344CB8AC3E}">
-        <p14:creationId xmlns:p14="http://schemas.microsoft.com/office/powerpoint/2010/main" val="13562319"/>
-      </p:ext>
-    </p:extLst>
-  </p:cSld>
-  <p:clrMapOvr>
-    <a:masterClrMapping/>
-  </p:clrMapOvr>
-</p:sld>
-</file>
-
-<file path=ppt/slides/slide6.xml><?xml version="1.0" encoding="utf-8"?>
-<p:sld xmlns:a="http://schemas.openxmlformats.org/drawingml/2006/main" xmlns:r="http://schemas.openxmlformats.org/officeDocument/2006/relationships" xmlns:p="http://schemas.openxmlformats.org/presentationml/2006/main">
-  <p:cSld>
-    <p:spTree>
-      <p:nvGrpSpPr>
-        <p:cNvPr id="1" name=""/>
-        <p:cNvGrpSpPr/>
-        <p:nvPr/>
-      </p:nvGrpSpPr>
-      <p:grpSpPr>
-        <a:xfrm>
-          <a:off x="0" y="0"/>
-          <a:ext cx="0" cy="0"/>
-          <a:chOff x="0" y="0"/>
-          <a:chExt cx="0" cy="0"/>
-        </a:xfrm>
-      </p:grpSpPr>
-      <p:pic>
-        <p:nvPicPr>
-          <p:cNvPr id="6" name="Picture 5"/>
-          <p:cNvPicPr/>
-          <p:nvPr/>
-        </p:nvPicPr>
-        <p:blipFill rotWithShape="1">
-          <a:blip r:embed="rId2"/>
-          <a:srcRect l="22217" t="18850" r="39494" b="40237"/>
-          <a:stretch/>
-        </p:blipFill>
-        <p:spPr bwMode="auto">
-          <a:xfrm>
-            <a:off x="4648200" y="4343400"/>
-            <a:ext cx="4267200" cy="2362200"/>
-          </a:xfrm>
-          <a:prstGeom prst="rect">
-            <a:avLst/>
-          </a:prstGeom>
-          <a:ln>
-            <a:noFill/>
-          </a:ln>
-          <a:extLst>
-            <a:ext uri="{53640926-AAD7-44D8-BBD7-CCE9431645EC}">
-              <a14:shadowObscured xmlns:a14="http://schemas.microsoft.com/office/drawing/2010/main"/>
-            </a:ext>
-          </a:extLst>
-        </p:spPr>
-      </p:pic>
-      <p:sp>
-        <p:nvSpPr>
-          <p:cNvPr id="2" name="Content Placeholder 1"/>
-          <p:cNvSpPr>
-            <a:spLocks noGrp="1"/>
-          </p:cNvSpPr>
-          <p:nvPr>
-            <p:ph idx="1"/>
-          </p:nvPr>
-        </p:nvSpPr>
-        <p:spPr>
-          <a:xfrm>
-            <a:off x="457199" y="1481328"/>
-            <a:ext cx="8422005" cy="4525963"/>
-          </a:xfrm>
-        </p:spPr>
-        <p:txBody>
-          <a:bodyPr/>
-          <a:lstStyle/>
-          <a:p>
-            <a:r>
-              <a:rPr lang="en-US" sz="2000" dirty="0" smtClean="0"/>
-              <a:t>Men have </a:t>
-            </a:r>
-            <a:r>
-              <a:rPr lang="en-US" sz="2000" dirty="0"/>
-              <a:t>a higher attrition rate than women (63% </a:t>
-            </a:r>
-            <a:r>
-              <a:rPr lang="en-US" sz="2000" dirty="0" smtClean="0"/>
-              <a:t>vs. </a:t>
-            </a:r>
-            <a:r>
-              <a:rPr lang="en-US" sz="2000" dirty="0"/>
-              <a:t>37</a:t>
-            </a:r>
-            <a:r>
-              <a:rPr lang="en-US" sz="2000" dirty="0" smtClean="0"/>
-              <a:t>%)</a:t>
-            </a:r>
-          </a:p>
-          <a:p>
-            <a:endParaRPr lang="en-US" sz="800" dirty="0"/>
-          </a:p>
-          <a:p>
-            <a:r>
-              <a:rPr lang="en-US" sz="2000" dirty="0"/>
-              <a:t>Singles have a higher attrition rate at 51% than married (35%) or divorced individuals (14</a:t>
-            </a:r>
-            <a:r>
-              <a:rPr lang="en-US" sz="2000" dirty="0" smtClean="0"/>
-              <a:t>%)</a:t>
-            </a:r>
-          </a:p>
-          <a:p>
-            <a:endParaRPr lang="en-US" sz="800" dirty="0"/>
-          </a:p>
-          <a:p>
-            <a:r>
-              <a:rPr lang="en-US" sz="2000" dirty="0" smtClean="0"/>
-              <a:t>Employees with no stock options have a higher attrition rate 65% than those with.</a:t>
-            </a:r>
-          </a:p>
-          <a:p>
-            <a:endParaRPr lang="en-US" sz="800" dirty="0" smtClean="0"/>
-          </a:p>
-          <a:p>
-            <a:r>
-              <a:rPr lang="en-US" sz="2000" dirty="0" smtClean="0"/>
-              <a:t>Those with less then 10 years of work experience have greater attrition rates than those with more. </a:t>
-            </a:r>
-            <a:endParaRPr lang="en-US" sz="2000" dirty="0"/>
-          </a:p>
-        </p:txBody>
-      </p:sp>
-      <p:sp>
-        <p:nvSpPr>
-          <p:cNvPr id="3" name="Title 2"/>
-          <p:cNvSpPr>
-            <a:spLocks noGrp="1"/>
-          </p:cNvSpPr>
-          <p:nvPr>
-            <p:ph type="title"/>
-          </p:nvPr>
-        </p:nvSpPr>
-        <p:spPr/>
-        <p:txBody>
-          <a:bodyPr/>
-          <a:lstStyle/>
-          <a:p>
-            <a:r>
-              <a:rPr lang="en-US" dirty="0" smtClean="0"/>
-              <a:t>Other Findings</a:t>
-            </a:r>
-            <a:endParaRPr lang="en-US" dirty="0"/>
-          </a:p>
-        </p:txBody>
-      </p:sp>
-      <p:sp>
-        <p:nvSpPr>
-          <p:cNvPr id="5" name="AutoShape 2" descr="data:image/png;base64,iVBORw0KGgoAAAANSUhEUgAABUAAAAPACAMAAADDuCPrAAAAh1BMVEUAAAAAADoAAGYAOjoAOmYAOpAAZpAAZrY6AAA6OgA6Ojo6ZmY6ZrY6kNtmAABmAGZmOgBmOpBmZgBmZjpmZmZmkJBmtv+QOgCQkDqQtpCQ27aQ29uQ2/+2ZgC2Zjq2tma2/7a2/9u2///bkDrbtmbb/9vb////AAD/tmb/25D//7b//9v///9qwZE2AAAACXBIWXMAAB2HAAAdhwGP5fFlAAAgAElEQVR4nO3dfWPaWJvYYWbaqbPbdfqy26TbDt32oc+UJP7+n6/ADUdHQuLlBFs3ynX9MYONsUHo/KJ3Vm8ANFnN/QQAnpWAAjQSUIBGAgrQSEABGgkoQCMBBWgkoACNBBSgkYACNBJQgEYCCtBIQAEaCShAIwEFaCSgAI0EFKCRgAI0ElCARgIK0EhAARoJKEAjAQVoJKAAjQQUoJGAAjQSUIBGAgrQSEABGgkoQCMBBWgkoACNBBSgkYACNBJQgEYCCtBIQAEaCShAIwEFaCSgAI0EFKCRgAI0ElCARgIK0EhAARoJKEAjAQVoJKAAjQQUoJGAAjQSUIBGAgrQSEABGgkoQCMBBWgkoACNBBSgkYACNBJQgEYCCtBIQAEaCShAIwEFaCSgAI0EFKCRgC7Sj6+rnZfTl+v9V6vf/3b8crP/6o+/bvxdoz/9/fPum7/9+bPPsHuK5Vm+TD5kXvHsVqsvwzu2r1NfdIaT6/RjPz0ZmZmALtOmLuYxVmWgru8K1fsE9O3bp9UgKv3KJ3N4wSNTYvcyXse/OHt0ea3djwnosxPQZdrWdYpWrXqj9nxJaso7BTR+b/eLj5W/+Wl9sO2xn/0XfXjSr2Nf9NWTq/4xAX12ArpMvUhujmP/uNB56Onto/a9Ajoo5nZs+S6N45NdDRK5rr+xHt7bqSdX/WMC+uwEdJl6G0FPm++Oq8fb+1aV79tieodYMD4+kSh+2pbEPzr/MJwUtwa0duOP8RQEdKGq7JXNd/Ui0O37at4toMewv3Z/JW9XYiL832HkBfRXJ6ALVS1mnjaBHodtLJzePoLfL6BR9sOTjJtZV+BP0yyeZTXpBPRXJ6ALVW3oPBTwX8pi52C723HrXrVKv4kRfvxfHdB12U5Z/ZLt8edGGhjpfj3eOF/oje2eL6ffXC/bHReb+6E5bcx97X2je6pv3b8WI5so1r3nV28lvvCg/tTs/YqyX2n/e3pfnD2xMrkGPzbcBnr+ZlyYuiQgoAtVLWfuR/1v/+PzaWAeYnAaot3SaTeOY9SvT6O8C2i13/wsoGU7QVe3atPBREBLN0tphw+tH7VZdV5Hn2r9cs5r2N951i2iX3xQ9Xd2L7x3cMP1gJYndltAx96MyalLCgK6VGVL52Hw/fHX+jQsN1WW6ib1q/SPJSgloPWBmsOA/sdPZ7+miuBv/zoR0EjGH3//2o9XnbSy1DX2XAdPtfe4sxj2t12UNenLD+o/Ml7T8YVcDWj3xG4K6OibMTV1yUFAl2p7is82xnxZza22wW1Xq5FBO1jSOwX0fKd5FdDzBlUH/hyN7beKv/Uvp6C8db98+Lh+545/pP9Uh39y+AfLJKlfwLUHlb99eLXrahpcDWg3DW8J6PibMTF1SUJAl6oM+k0M1tNadATjEKtqO2OM02qb6ap84xjQ/nFG5wHdf3GM3Jfu2/vhfurhWJqqfHV3r8tv6W516aqfSP+pdmvl8WuHB0XVmz37y9UXHtT74eOrKqmf3Ik0mIY3HAc68WZMTF2SENClOtXikIXTWuRpNTcWY+o9N9XK6aYftKjH3/t1OQtoLNh1fflRrZWPnPdelAXLbsmqrk3Z3lB9Mx7y5fypbrq+7P/keQq7A7i6f0auPqi37t9bh78e0NMP3hDQiTdjfOqShYAu1nGgHjeBHvcl/Vmtx/YPyun2jwzOsTx8+e//c3/wngX0S/ftasvi8efji/FDT0/Lal0XttUPn7L/dsjYS/VHqoD2t5JeOMK1+8eju3X1Qf3zYut1+KsB7e/yvxjQqTdjfOqShYAu1nG983QczPkhP/0zkrrFrE0/aNXaaJeZYUDr87y71dD+1UzGI3Vcda0O0KkLc3jkYKnwLKD9s0EvRGaw3Ply04P6xz/1lwKvBHTs35uJgE69GeNTlywEdLGOC1llFTU2glabQAdHyJf12001Zt/ONueFYUCPQ38w8Msvv3Ty07b/m0f2PvXXWtfV9/pPtffI0Z0tp25WXb7+oN6CX38d/nJARyfXRECn3ozxqUsWArpYMTj/59dVvY/k9//drRPXxzPVX276Kal3KL/0f/lZQLs69IMw+FM9veNS30YD+lr/mjqqg6fa31M/sjnztEWgzvvVB/UL31uHvxzQ8c26FwI68maMT12yENDFihD9t08lFYeNoP/afX0xoN3CUO/wxNOy4DCgpx9/x4AODugZW4gePHYkhsfn1yvRtQetV+deBy93+MXgif1kQM+mLlkI6HJtBsP9MBb/sfv64ir8WUBfeqcx3hnQS6vw4wE9y8QpY6cDqkYD+tbv7PmZj7GDqto1df1Bg6NSez/04IBOrcILaFoCulzDawB366pfuvsH+y3KDpZhQHvduiGgN+9EOgvoeCaq9ejLAS2/YTW2STO2Y/zb2NOZetDZoezVJH1cQKfeDAHNTUCXqyw69fZBdCP54mFMg4Duv6y3610N6M2HMZ0HdLSKVTsuBPTbp96J6iPr8N05ll9ufNDYGvzpqTwuoBcPYxLQtAR0uUowe/uMh+Nx4kD6kYDWY/xqQG89kH4koPWVRbYj1+CrDhHqPdXeDvKz3/pW/1D3qKsPGhw6378u0uMCevFAegFNS0AX7BTM3nJNVYPjOv3oqZwjAa0XQa8G9MZTOd/GqtV9PGc5D6f6/I+zw5j6u6rqkwTGrv42nCjXHnR++k+Vut524fqLawEdnpE/+WYIaG4CumDVedQHp5KNHSNf3TEZ0GpT5vWA3nYxkbexgA6uG9JtmK29nj/Vs909Y2c9Tk2UiQfVS9K939D9/dNX9RcXAlr/2Oj3e89DQHMT0AU7hmiwa6LeyDd9ObuxgFab5q4HtC7T7/91/9+bAzrYb/M6+G2rf/dpNb61YVDe0dScbU+4/KCRzbfVgmp57OvgiwsBrX/sxsvZCWhaArpgZ60YnKH9duGCyqMBjV84dkX6sSFe7cS65zCm3kNXgx1Rh290RyFdPA504qobm+GdFx909tOnF1ldI+r02qovLgS0/rEbL6gsoGkJ6JJVI/1gOwjq3sRHeowGtNsgeEtAq0vq3RvQktB6l3i36jxxtGn1mkevqjT99yYfNLIG35+MEb3ewmV1DcDeqxmEcniZu+7PnX2kh4CmJaB8ACOfZRJQ3sVuWapashJQlklAeRe9y7sP11RhIQSU93F2fKUP82F5BJT3MTyY0xo8CySgvJPBgeFjZwXBkxNQ3kvvcPiLHzoET0pAeT+9E3VgeQQUoJGAAjQSUIBGAgrQSEABGgkoQCMBBWgkoACNBBSgkYACNBJQgEYCCtBIQAEaCShAIwEFaCSgAI0EFKCRgAI0ElCARgIK0EhAARoJKEAjAQVoJKAAjQQUoJGAAjQSUIBGAgrQSEABGgkoQCMBBWgkoACNBBSgkYACNBJQgEYCCtBIQAEaCShAIwEFaCSgAI0EFKCRgAI0ElCARgIK0EhAARoJKEAjAQVoJKAAjQQUoJGAAjQSUIBGAgrQSEABGgkoQCMBBWi0lICulm3uyQuMWcbQnLtv727uCQyMWcbQXK3+35IJKOS0jKEpoMAMljE0BRSYwTKGpoACM1jG0BRQYAbLGJoCCsxgGUNTQIEZLGNoCigwg2UMTQEFZrCMoSmgwAyWMTQFFJjBMoamgAIzWMbQFFBgBssYmgIKzGAZQ1NAgRksY2gKKDCDZQxNAQVmsIyhKaDADJYxNAUUmMEyhqaAAjNYxtAUUGAGyxiaAgrMYBlDU0CBGSxjaAooMINlDE0BBWawjKEpoMAMljE0BRSYwTKGpoACM1jG0BRQYAbLGJoCCsxgGUNTQIEZLGNoCigwg2UMTQEFZrCMoSmgwAyWMTQFFJjBMoamgAIzWMbQFFBgBssYmgIKzGAZQ1NAgRksY2gKKDCDZQxNAQVmsIyhKaDADJYxNAUUmMEyhqaAAjNYxtAUUGAGyxiaAgrMYBlDU0CBGSxjaAooMINlDE0BBWawjKEpoMAMHj00v39e7byO3rfd37X68uC/uCegwAwePDTXq/Dbn2d3fft0vO/3vz32b74JKDCLxw7NzWo1VcnSz9Xqj78e+kffBBSYxUOH5j6S+zru19Vf+nftV+0P4dxMruH/BAEFZvDQobk+dXNX0sFK/KYseG7fYRFUQIEZPHJo7pYyT2vum8Fi5o+vpajVzYcRUGAGjxyau+XOl+5mbzGzuus9CCgwg0cOzWqxc7eY2duNtH2HDZ8VAQVm8OCAng7yHK6nH+7afdNxoC0EFHJ65NBcV3Vc9wO6/3Jz5TjQ1blb/7KAAjN4bEC7aJ4H9J+njxE9PpX2ggooMIP3C2i9rh4r74fdSiPHiE4/OQE9EFDI6WOWQA8BPe5FOj9GdPrJCeiBgEJOH7YK3x3WtL55R5KABgGFnD5oL/y6Oozp9kOaBDQIKOT0yKG5nT4OdCOgP0FAIacPOhNpW+05EtB7CSjk9EHnwu+CWpZIbQO9l4BCTh91NaZyV6+l156cgB4IKOT0UdcDPd11uO/W0+IFNAgo5PTOV6TfrdUfF0W7u26/HKiABgGFnN75M5G6gB4/Uu6uT/QQ0CCgkNM7fypnFdBjXe/5SDkBDQIKOaUemgIaBBRySj00BTQIKOSUemgKaBBQyCn10BTQIKCQU+qhKaBBQCGn1ENTQIOAQk6ph6aABgGFnFIPTQENAgo5pR6aAhoEFHJKPTQFNAgo5JR6aApoEFDIKfXQFNAgoJBT6qEpoEFAIafUQ1NAg4BCTqmHpoAGAYWcUg9NAQ0CCjmlHpoCGgQUcko9NAU0CCjklHpoCmgQUMgp9dAU0CCgkFPqoSmgQUAhp9RDU0CDgEJOqYemgAYBhZxSD00BDQIKOaUemgIaBBRySj00BTQIKOSUemgKaBBQyCn10BTQIKCQU+qhKaBBQCGn1ENTQIOAQk6ph6aABgGFnFIPTQENAgo5pR6aAhoEFHJKPTQFNAgo5JR6aApoEFDIKfXQFNAgoJBT6qEpoEFAIafUQ1NAg4BCTqmHpoAGAYWcUg9NAQ0CCjmlHpoCGgQUcko9NAU0CCjklHpoCmgQUMgp9dAU0CCgkFPqoSmgQUAhp9RDU0CDgEJOqYemgAYBhZxSD00BDQIKOaUemgIaBBRySj00BTQIKOSUemgKaBBQyCn10BTQIKCQU+qhKaBBQCGn1ENTQIOAQk6ph6aABgGFnFIPTQENAgo5pR6aAhoEFHJKPTQFNAgo5JR6aApoEFDIKfXQFNAgoJBT6qEpoEFAIafUQ1NAg4BCTqmHpoAGAYWcUg9NAQ0CCjmlHpoCGgQUcko9NAU0CCjklHpoCmgQUMjp0UPz++fVzuv5HT++roovN/4yAQ0CCjk9eGiuj4n87c/hPVFWAW0hoJDTY4fmpjTy978N7tquBLSVgEJODx2a3z6tVn/8FbF8Gdy3ub2bhYAGAYWcHjo016du7ko6XIlfny+UXiWgQUAhp0cOze+fSyQ3wx1JP74elk3vI6BBQCGnRw7N3XLnS3ez38tdXIcr9dcJaBBQyOmRQ7Na7NwtcPbX2Ler1ZfDjvjz/fMXnpyAHggo5PTggJ72E+0C2i/lZvXbPxz3wd++Ki+gQUAhp0cOzXW1o309COi6OoppoqCrETf+ZQEFZvDYgHbRHAR0fx5SfGM7fqLSm4BOE1DI6f0C2jvs8/vnct+3Tzcf0CSgQUAhpw9aAu3/2K2H1AtoEFDIaYaAnh0jOklAg4BCTh+1F76yFdA7CSjk9Mihub1wHOj4j10hoEFAIaePOhOpcvtlRQQ0CCjk9EHnwvdPUrr1bCQBDQIKOX3Q1ZiqY5e255e6m3xyAnogoJDTB10PdH8gfRR0c8fp8AIaBBRyeucr0pcD6PdtPblxF5KAnggo5PTOn4nUnYHUFfT2C9MLaBBQyOmdP5WzOoXz+KlI91wVVECDgEJOqYemgAYBhZxSD00BDQIKOZ0Pze//5e7PLnovAhoEFHIaCejn+zZUviMBDQIKOY0H9J5jjd6RgAYBhZzGhubm7uON3omABgGFnCaG5rp3OPxcBDQIKOQ0OTT3J1/e9xmajyegQUAhp0tD87g1dL5dSgIaBBRyujI0j8uhN1/+47EENAgo5HRxaHbXBplnKVRAg4BCTtNDc1P2Ix0WQ+c4rElAg4BCThNDc3AkU3Wt+Y8koEFAIadLx4FWC51rAZ2RgEJOk2ci9Q5f2q3Ez3E4k4AGAYWcxgM60173IQENAgo5jQV09lM4TwQ0CCjklHpoCmgQUMhpbAm0twK/nvFkTgENAgo53RDQ+a4oIqBBQCGnawGd6QjQIKBBQCGn3tCsTt2sWIWfm4BCTr2hebr8Ut9816YX0CCgkFN/aG5T9VNAjwQUcrq6E2lOAhoEFHIS0CcgoJBT6qEpoEFAIafUQ1NAg4BCTvXQ3O+E/3K+K95xoHMTUMhJQJ+AgEJOAvoEBBRySj00BTQIKOSUemgKaBBQyCn10BTQIKCQU+qhKaBBQCGn4U6kEXYizU1AIScBfQICCjkJ6BMQUMgp9dAU0CCgkFPqoSmgQUAhp9RDU0CDgEJOqYemgAYBhZycC/8EBBRyEtAnIKCQk4A+AQGFnFIPTQENAgo5pR6aAhoEFHJKPTQFNAgo5JR6aApoEFDIaWJofvs08/6jAwENAgo5jQ7NbbcL/rc/P/oZVQQ0CCjkNDY0N72jmL58+HMqBDQIKOQ0MjT3q+/Hdffq5hwENAgo5DQyNNf1UuduafTlA59On4AGAYWczofmj6+9ZK5Xf/z1cU+nT0CDgEJO50Pz++feZs+tUzlnJ6CQk4A+AQGFnEa3gb5MfvWxBDQIKOQ0vhf+tXyxnfNIUAENAgo5jQ3NbTl+frc6P+eR9AIaBBRy8rHGT0BAIScBfQICCjkJ6BMQUMgp9dAU0CCgkFPqoSmgQUAhp9RDU0CDgEJO14fm9/9kG+jMBBRyunZB5Xt3IsWOqNfJ+799uuMCowIaBBRyGhua6/a98KeHTh1+Hx89f/OTE9ADAYWcJi6o3HhJ+s216q7v+n0CGgQUchq/oPLLvoUvb4OLK1+1T+/+6qH7TQCjlyDZ3hdkAQ0CCjmNXlA5InhYiNzcswa/PnVzV9KxlfjYQCqg9xJQyGn0eqD7fUDfPh0SuMvpzcHbPfJU283YjqTd7/r9vwvo/QQUcpq8oPLpusqb268HulvufOlunn8SyK6qXzYCej8BhZwmA7pbXDwsQ377dPNnIlWLnfuFzeGq/+E6owLaQEAhp+mP9Dheiv7bp5s3glZx3AV0uBE0tq0KaAMBhZxGdyIdliM3sRJ+x2ci1bvs12cBje9cCOjYlaBu/MsCCsxgZGged7wfP8xjc/vHGtfRPAvoNtbvBbSBgEJO4wfS7+MX+4G2E0d0jukHtB/K758jxFbhGwgo5DR1Kudrd1rmzcG7tAS6Pm4JENAGAgo5jQ3NH18PlTteoP72TzW+ENDSTQFtIKCQ0/jQ3Eb91hcvrHRmei98d4SogDYQUMjpkUNzO3kc6Gawb+jGKgtoEFDI6ZFDc/pMJAH9KQIKOT1yaE6fCy+gP0VAIaeJoXm8Juidn2h87WpMb7aBNhFQyOnaR3pMXVp+1NXrgQpoEwGFnMaGZn+F+44LKp9fkX63Vt9PsIA2EFDIaeIjPY79q27eZviZSAL6CAIKOY1/pEfXuM09R9K/nX0qp4A+goBCTqNXY6qTub79YiIPJ6BBQCGn6euBHt1xObuHE9AgoJCTgD4BAYWcRreBvkx+9bEENAgo5DS+F747U2h735GgjyWgQUAhp7GhuS2HIZ3tRP9YAhoEFHKqh+bxAqBDtoHOTUAhJwF9AgIKOQnoExBQyCn10BTQIKCQU+qhKaBBQCGn1ENTQIOAQk4TQ/O4OXS+zZ8HAhoEFHIaHZrV3qRZEyqgQUAhp7Gh2dsb70D6+Qko5DQyNH98Ldeh3382x3xXsxPQIwGFnEaG5raK5j6m93ymx2MJaBBQyGn0akzVhs/d6ryrMc1NQCGn0SvS9z/S3RXp5yagkJMLKj8BAYWcBPQJCCjkZBX+CQgo5GQn0hMQUMjJYUxPQEAhJwfSPwEBhZyunso558nwAhoEFHJyMZEnIKCQk8vZPQEBhZxSD00BDQIKOY0dxjTzcmdHQIOAQk6jB9LPuOO9R0CDgEJOo6dyznfofJ+ABgGFnCyBPgEBhZzGz0Sa7+SjHgENAgo5jQ3Nb5+SLIMKaBBQyGl0G2ify9nNTUAhJwF9AgIKOQnoExBQyCn10BTQIKCQU+qhKaBBQCGn1ENTQIOAQk7Dofnt036z5+voz344AQ0CCjn1h+bhYvR7v/050/PpEdAgoJBTf2iuy673FAUV0CCgkFNvaO4/Aml/IZH9kUwZzkUS0CCgkFNvaK5PZ8HvVuUzLIIKaBBQyKkemtV1mDYpLigioEFAIad6aFZXAv32KcOeeAENAgo5TQQ0x1WVBTQIKOQkoE9AQCEnAX0CAgo5CegTEFDISUCfgIBCTgL6BAQUchLQJyCgkNMgoGNckX5uAgo5CegTEFDISUCfgIBCTqmHpoAGAYWcUg9NAQ0CCjmlHpoCGgQUcko9NAU0CCjklHpoCmgQUMgp9dAU0CCgkFPqoSmgQUAhp9RDU0CDgEJOqYemgAYBhZwePTTjbKbRz1P69mnyrgkCGgQUcnrw0FwfT/88/1DkH19Pp4be/nGfAhoEFHJ67NDcTJ5A3/XzjoIKaBBQyOmhQ3O/kr7/ZPntrpKDy4lujmvv+1X804fPX39yAnogoJDTQ4fm+tTNXUn7K/G7BdDjN3YFPV+/n3pyAnogoJDTI4fmro2nNffNYG/RrqinRdLN7evwAhoEFHJ65NCsKrm7ObWivhbQewko5PTIoVktdu5W2Seuw1wtpl4loEFAIacHB/S0bNlt8zz/GXvh7yWgkNMjh2a9cr4eC+j64lFMYx8ncuNfFlBgBo8NaBdNAX0gAYWc3i+g56E8HUzvONA7CSjk9KFLoHv7I+lfRu85J6BBQCGnDw/oPUfSC2gQUMhpdGjGdZPu/lz4W/bCv50fZH/hyQnogYBCTmNDc9PfkXNzQLe3HAfa+7FrT05ADwQUchoZmttVY0BvOxNJQO8moJDTyNBc39HMngvnwtdf334up4AGAYWczofmpbXvK6avxrT7xumXVjevPjkBPRBQyOl8aO6WI+/52I3a9PVA94eARjZPFwa96ckJ6IGAQk4PDej5FenLMUv1jv1bDwMV0CMBhZxGV+GbA3r2mUjdQZ/xaXN39VNAjwQUchoZmpvbz7U8N/hUzvqo+VgIved3C2gQUMhpZGj+zDr8YwloEFDIaWxoXjqI80MJaBBQyGl0J1LjgfQPJ6BBQCEnAX0CAgo5CegTEFDIKfXQFNAgoJBT6qEpoEFAIafUQ1NAg4BCThND87ghdL7NnwcCGgQUchodmtV+pFkTKqBBQCGnsaHZ2w9/6+cXvQcBDQIKOY0MzcOnD8clj7d3nrz+YAIaBBRyGv9IjxLNfUxvvHz8OxDQIKCQ0+hHelQbPner87dffu7RBDQIKOR09XqgP3Vxu58koEFAIafRUznrlfatUzlnJ6CQk4A+AQGFnKzCPwEBhZzsRHoC9wV0tWwN8xG8F4cxPYF7qjF3395d05wE78OB9E/gvoDO/WzflYCSytVTOec8GV5Ag4AWAkoqLibyBAS0EFBScTm7JyCghYCSSur5UUCDgBYCSiqp50cBDQJaCCippJ4fBTQIaCGgpFLPj/sNn198rHE+AloIKKkI6BMQ0EJASUVAn4CAFgJKKqnnRwENAloIKKmknh8FNAhoIaCkknp+FNAgoIWAksrYBZV7n2S8dj3Q2QloIaCkckNA7USam4AWAkoq1wL6/bOAzk5ACwElld78uBm9gq1V+LkJaCGgpNKbH88OAT14nXrsuxPQIKCFgJJKf37cpuqngB4JaCGgpHJ1J9KcBDQIaCGgpCKgT0BACwElldTzo4AGAS0ElFRSz48CGgS0EFBScTWmJyCghYCSioA+AQEtBJRUBPQJCGghoKSSen4U0CCghYCSSur5UUCDgBYCSioj8+N6vnX2AQENAloIKKmcz48/vs54+ZA+AQ0CWggoqYydibR6meGJjBHQIKCFgJKKJdAnIKCFgJLKyPy43R/MlIKABgEtBJRUxubHb5+SLIMKaBDQQkBJZXQbqAPpcxHQQkBJRUCfgIAWAkoqAvoEBLQQUFJJPT8KaBDQQkBJJfX8KKBBQAsBJZXU86OABgEtBJRUrn4m0trnws9OQAsBJZUbAmon0twEtBBQUrkW0O+fBXR2AloIKKn05sfNaoxV+LkJaCGgpNKbH88OAT14neu5CeiRgBYCSir9+XGbqp8CeiSghYCSytWdSHMS0CCghYCSyqMDGlsBRpdav33a33XPLxfQIKCFgJLKg+fH9XG9/zyT3fbV2/fqC2gQ0EJASeWxB9J3u/GHlaz3T91cUAENAloIKKk89ED6/Ur6Prf7fVGDz1XanFbs1+f3TT85AT0Q0EJASeWhB9KvT23clbS/Er9fAD1+Tsjm9kVQAQ0CWggoqTzyQPoqtpvBjqRtt9j54+vNn7kkoEFACwEllUceSL9b7nzpbva6Wwd1LaB3EtBCQEnlkQfSV5XcLWZOrqevbz6USUCDgBYCSiqPPA500y1a7gI69Vt2i7m3bhQQ0CCghYCSyiMDWq+bTy9mDjePdk9lxI1/WTVMCpjB1flxe/te+DqakwGd/tB5AZ0ioIWAksrl+XG/x7w1oON7inb9dCbSvQS0EFBSuTQ/bu88ceiGJdDtXZ+SLKBBQAsBJZXJ+fGw8Lm647ShWwJ6Xz8F9EhACwEllYn58XQ8010f53F1L/z6zsvbC2gQ0EJASWVsfiwLnzce736yvXwc6P7X3r44e3hyAnogoIWAksr5/NgdTBXagzoAABEVSURBVH/vhyFdOBMpvnXv1e0FNAhoIaCkMpgfTwuff/y1u3VvQC+cCz9yfZFbnpyAHghoIaCk0psfjwufh9A1BPTC1Zj2cb3/+HwBDQJaCCip1PNj7+M4WgI6fT3QOy7BVD85AT0Q0EJASWUQ0G69uyWg51ekPy14Dq5S4mpMdxHQQkBJ5XwJ9Ji+poCefSbSMaBlv76AthDQQkBJpTc/njr3+tYa0OGnch4DOrzQqIDeRUALASWV4fxYTt9sDOhDCWgQ0EJASeV8fuxWtwU0CQEtBJRURufH7X1r2u9GQIOAFgJKKhPz42kx9K5z4R9OQIOAFgJKKtPz42kx9L7T1x9KQIOAFgJKKpfmx+Ni6HxLoQIaBLQQUFK5Mj9uBTQBAS0ElFSuzo8/vgro3AS0EFBSST0/CmgQ0EJASSX1/CigQUALASWV1POjgAYBLQSUVFLPjwIaBLQQUFJJPT8KaBDQQkBJJfX8KKBBQAsBJZXU86OABgEtBJRUUs+PAhoEtBBQUkk9PwpoENBCQEkl9fwooEFACwElldTzo4AGAS0ElFRSz48CGgS0EFBSST0/CmgQ0EJASSX1/CigQUALASWV1POjgAYBLQSUVFLPjwIaBLQQUFJJPT8KaBDQQkBJJfX8KKBBQAsBJZXU86OABgEtBJRUUs+PAhoEtBBQUkk9PwpoENBCQEkl9fwooEFACwElldTzo4AGAS0ElFRSz48CGgS0EFBSST0/CmgQ0EJASSX1/CigQUALASWV1POjgAYBLQSUVFLPjwIaBLQQUFJJPT8KaBDQQkBJJfX8KKBBQAsBJZXU86OABgEtBJRUUs+PAhoEtBBQUkk9PwpoENBCQEkl9fwooEFACwElldTzo4AGAS0ElFRSz48CGgS0EFBSST0/CmgQ0EJASSX1/CigQUALASWV1POjgAYBLQSUVFLPjwIaBLQQUFJJPT8KaBDQQkBJJfX8KKBBQAsBJZXU86OABgEtBJRUUs+PAhoEtBBQUkk9PwpoENBCQEkl9fwooEFACwElldTzo4AGAS0ElFRSz48CGgS0EFBSST0/CmgQ0EJASSX1/CigQUALASWV1POjgAYBLQSUVFLPjwIaBLQQUFJJPT8KaBDQQkBJJfX8KKBBQAsBJZXU86OABgEtBJRUUs+PAhoEtBBQUkk9PwpoENBCQEkl9fwooEFACwElldTzo4AGAS0ElFQePT9+/7zaeZ2++/e/3f7LBDQIaCGgpPLg+XG9Cr/9OXr3j68rAb2fgBYCSiqPnR83q5PxTq6n7hgnoEFACwEllYfOj98+rVZ//PX2tt0V9OX87t3yp4C2ENBCQEnlofPj+tTNXUnPV+L3eRXQFgJaCCipPHJ+/P655HFztiPpsHfpP9gG2kJACwEllUfOj7tFzJfu5n5dvrLfPPrFTqQmAloIKKk8cn6sFjvPS7nZx1VAmwhoIaCk8uCAfjne3JVy7EgmAW0ioIWAksoj58d1F9Dd7bsDuhpx419WDZMCZvDYgHbRFNAHEtBCQEnl/QLaLY12rMI3EdBCQEkl0RLoOQENAloIKKkI6BMQ0EJAScVe+CcgoIWAksoj58ftpeNAL317ioAGAS0ElFQ+7EykAwFtIqCFgJLKh50LfyCgTQS0EFBS+cCrMb0JaCMBLQSUVD7yeqAC2khACwEllXe+Iv1urb5eFBXQJgJaCCipvPNnIgnoIwhoIaCk8s6fyimgjyCghYCSSur5UUCDgBYCSiqp50cBDQJaCCippJ4fBTQIaCGgpJJ6fhTQIKCFgJJK6vlRQIOAFgJKKqnnRwENAloIKKmknh8FNAhoIaCkknp+FNAgoIWAkkrq+VFAg4AWAkoqqedHAQ0CWggoqaSeHwU0CGghoKSSen4U0CCghYCSSur5UUCDgBYCSiqp50cBDQJaCCippJ4fBTQIaCGgpJJ6fhTQIKCFgJJK6vlRQIOAFgJKKqnnRwENAloIKKmknh8FNAhoIaCkknp+FNAgoIWAkkrq+VFAg4AWAkoqqedHAQ0CWggoqaSeHwU0CGghoKSSen4U0CCghYCSSur5UUCDgBYCSiqp50cBDQJaCCippJ4fBTQIaHFfQFfLds+k4H2kfhMENAhocd+kWLjbJwXvJfWbIKBBQAuTohDQDFK/CQIaVKMwKQoBzSD1myCgQTUKk6IQ0AxSvwkCGlSjMCkKAc0g9ZsgoEE1CpOiENAMUr8JAhpUozApCgHNIPWbIKBBNQqTohDQDFK/CQIaVKMwKQoBzSD1myCgQTUKk6IQ0AxSvwkCGlSjMCkKAc0g9ZsgoEE1CpOiENAMUr8JAhpUozApCgHNIPWbIKBBNQqTohDQDFK/CQIaVKMwKQoBzSD1myCgQTUKk6IQ0AxSvwkCGlSjMCkKAc0g9ZsgoEE1CpOiENAMUr8JAhpUozApCgHNIPWbIKBBNQqTohDQDFK/CQIaVKMwKQoBzSD1myCgQTUKk6IQ0AxSvwkCGlSjMCkKAc0g9ZsgoEE1CpOiENAMUr8JAhpUozApCgHNIPWbIKBBNQqTohDQDFK/CQIaVKMwKQoBzSD1myCgQTUKk6IQ0AxSvwkCGlSjMCkKAc0g9ZsgoEE1CpOiENAMUr8JAhpUozApCgHNIPWbIKBBNQqTohDQDFK/CQIaVKMwKQoBzSD1myCgQTUKk6IQ0AxSvwkCGlSjMCkKAc0g9ZsgoEE1CpOiENAMUr8JAhpUozApCgHNIPWbIKBBNQqTorgvoKtlu2dSPJSAPgHVKEyK4r5JsXC3T4oHE9AnoBqFSVGYFMWCAvr98/7fg9c775ogoMFQKUyKwqQolhPQ9XGJ+rc/77lrioAGQ6UwKQqTolhMQDdlm8Tvf7v9ruknJ6AHhkphUhQmRbGUgH77tFr98dfb23aXyZeb77rw5AT0wFApTIrCpCiWEtD1KY67XA7W1C/cdeHJCeiBoVKYFIVJUSwkoN8/l9XzzWBv0YW7Lj05AT0wVAqTojApioUEdLdw+dLd3K+w33LXpScnoAeGSmFSFCZFsZCAVsuWP7729xVduOvSkxPQA0OlMCkKk6JYTkC/HG/uKtnb0nnhrktPTkAPDJXCpChMimIhAV13ldzd7lXywl3dU2k/Q+vxp4Ylc/ubMPczfXcmRWFSFLdPigd7bEC7Mp4FdPKu7qm0T5ePfrs+3O1vwtzP9N2ZFIVJUdw+KR7s/QLaLXJevgvgSSVaAgV4LgIK0Cj1XniAzB4Z0O30wZ4X7gJ4UqnPRALILPW58ACZpb4aE0Bmqa8HCpDZO1+RfrfqflzebLkiPUBm7/yZSF1AWz4TCSCzd/5UziqgDZ/KCZBZ6s+FB8hMQAEaCShAIwEFaCSgAI0EFKCRgAI0ElCARgIK0EhAARoJKEAjAQVoJKAAjQQUoJGAAjQSUIBGAgrQSEABGgkoQCMBBWgkoACNBBSgkYACNBJQgEYCCtBIQAEaCShAIwEFaCSgAI0EFKCRgAI0ElCARgIK0EhAARoJKEAjAQVoJKAAjQQUoJGAAjQSUIBGAgrQSEABGgkoQCMBBWgkoACNBBSgkYACNPoVA7pdvbQ+9Ns/vb39+Prbn/c+bvP7346/4NNqtfrS+uc/UHnGg9sn+ylxyXb3Olevx599lhc9on4db22TYrP7DU/3/t/m8HJWf/x1/Oqfzn5gwa89COjdj2wI6LdPx5noMBzrAZlVecaD2yfXpuE6XuhhaD3Nix5Rv463n5oUX+Jnn3dSnIt87h2mwMiEWO5rPxHQux95f0C3p3+Fv3/ezz/b1f2LsB9s2y039G5XP3BxGsZL3B6Gy9O86BH163hrnRT7h2wO/33mSXFu1894IZuYPucTYrmvvRDQux95d0DXZTVmE395074N4WN0z7h/u3NlGq5PCx27RbdnedFj6tfRNilOc8t6/79nnhRnfnwtLyMWzM8mxHJfe0dAqy0z27I2Ut/sHFZIXvazxe7f3GNFN6c1vP2316uRf2DXq9//z9fDuNvNcl/iT55WCXPqnnH/dv0Tx8mzW64Yicpp5Oxf6LO86DH162icFPVveuZJcW676l7F/h+a9diQ2Vvga+/88gHddBtxNt32rupmpQT0n/c39mNrN1sc7MbN6eZZQf/Xfu45DKzvn+PO75+nxlkO3TPu3+6cBstxOk1t2NpP6Wd50ZfEHPMzk2K9/5ElTIrOerBDaDKgC3ztnV89oLHycfjnMd7i4c3zR+5L+WX/39f9qNk3drfs8aX79sg8VAIaM0/LfvwPVpdipBrHabhbet/3YjO1YWt9mJZP86InlVa0TYr9Ss7+ziVMiuJ8Uoxuy1jka6/86gFdn/5d/OOv6t/GqX8mTwE9bTI/zQ2b3Xeqb59ZakDXx+WtiQ1bh39enuhFT9mUVZG2SXHYSvTyVO//dedjZDKgi3vtlV88oKf17v1K+P72cZ6obp4/8rhg2m3M2RxW3M6+XVloQMvrGP8HZ3vc+/o0L3rCtpsXWidF/PP6/JOicnoxh02/h0ZO7U1b3muv/OIBPb77sRUzDms7vM/VzbNHHmeBKGW35av37YGFBrTEYrQacfTKM73ocZvVT0+Kt5gvnn5S1E6T4npAl/faK798QHuz+6bbDVDdHDyyLuUmfmhzW0C7eS79hvSfD+j6uN77RC961Lreldge0P0jn31S9NU7kbYXA7q819755QM6/Pdw9w/q6R2ubtaPrEp5eviNAT3Nc09wKMd9q/DnL6jamfY8L3rEYKdgy6QIh3A89aQYqg9juhzQ5b32zi8e0DjEove2XtqXNAzo8WGHjTy3BPR5Dib+yZ1Ixz1q9Z1P8KLP1a8jvr53Upz+jT2usDzvpDhT/9syHtDlvvbOrx7Q6mzD43nO+12u1c3eIw9zQm8JdP/P6n4r0MtNAX2e09muBTRe5rdPxwNohy+oHibP86LPDYd7w6RYn46y//Lck+JcOZVzv8fgZWzWX+5rL37NgJ586R0yv+6OhK9u1g5zSl3K9ek33RbQ57mgwvWAXjp6vNs3t58YT/Oiz/Rfx1vLpCgHehy+/7yTYkw3eY4HoAwPpF/waz/55QMaO9xfuztiqFQ3a7tR8sffz/bCv+6XWG8K6NNc0utaQA9T4q+p8xe7KXyYGM/yos8MXkfLpIj7yz/FTzspxkVCTy9ucz5kFvzaw68YUICHEFCARgJ6WbcSd/vqR8tj8rvyqpb5oseZFJN+udcuoJcJ6IlqFCbFpF/utQsoQCMBBWgkoACNBBSgkYACNBJQgEYCCtBIQAEaCShAIwEFaCSgAI0EFKCRgAI0ElCARgIK0EhAARoJKEAjAQVoJKAAjQQUoJGAAjQSUIBGAgrQSEABGgkoQCMBBWgkoACNBBSgkYACNBJQgEYCCtBIQAEaCShAIwEFaCSgAI0EFKCRgAI0ElCARgIK0EhAARoJKEAjAQVoJKAAjQQUoJGAAjQSUIBGAgrQSEABGgkoQCMBBWgkoACNBBSgkYACNBJQgEYCCtBIQAEaCShAIwEFaCSgAI0EFKCRgAI0ElCARgIK0EhAARoJKEAjAQVoJKAAjQQUoJGAAjQSUIBGAgrQSEABGgkoQCMBBWgkoACNBBSgkYACNBJQgEYCCtBIQAEaCShAIwEFaCSgAI0EFKCRgAI0ElCARgIK0EhAARoJKEAjAQVoJKAAjQQUoJGAAjQSUIBGAgrQSEABGgkoQCMBBWgkoACNBBSgkYACNBJQgEYCCtBIQAEaCShAIwEFaCSgAI0EFKCRgAI0ElCARgIK0EhAARoJKEAjAQVoJKAAjQQUoJGAAjQSUIBGAgrQSEABGgkoQCMBBWj0/wFHOJQoxmiWUwAAAABJRU5ErkJggg=="/>
-          <p:cNvSpPr>
-            <a:spLocks noChangeAspect="1" noChangeArrowheads="1"/>
-          </p:cNvSpPr>
-          <p:nvPr/>
-        </p:nvSpPr>
-        <p:spPr bwMode="auto">
-          <a:xfrm>
-            <a:off x="155575" y="-144463"/>
-            <a:ext cx="304800" cy="304801"/>
-          </a:xfrm>
-          <a:prstGeom prst="rect">
-            <a:avLst/>
-          </a:prstGeom>
-          <a:noFill/>
-          <a:extLst>
-            <a:ext uri="{909E8E84-426E-40DD-AFC4-6F175D3DCCD1}">
-              <a14:hiddenFill xmlns:a14="http://schemas.microsoft.com/office/drawing/2010/main">
-                <a:solidFill>
-                  <a:srgbClr val="FFFFFF"/>
-                </a:solidFill>
-              </a14:hiddenFill>
-            </a:ext>
-          </a:extLst>
-        </p:spPr>
-        <p:txBody>
-          <a:bodyPr vert="horz" wrap="square" lIns="91440" tIns="45720" rIns="91440" bIns="45720" numCol="1" anchor="t" anchorCtr="0" compatLnSpc="1">
-            <a:prstTxWarp prst="textNoShape">
-              <a:avLst/>
-            </a:prstTxWarp>
-          </a:bodyPr>
-          <a:lstStyle/>
-          <a:p>
-            <a:endParaRPr lang="en-US"/>
-          </a:p>
-        </p:txBody>
-      </p:sp>
-    </p:spTree>
-    <p:extLst>
-      <p:ext uri="{BB962C8B-B14F-4D97-AF65-F5344CB8AC3E}">
-        <p14:creationId xmlns:p14="http://schemas.microsoft.com/office/powerpoint/2010/main" val="2003386794"/>
-      </p:ext>
-    </p:extLst>
-  </p:cSld>
-  <p:clrMapOvr>
-    <a:masterClrMapping/>
-  </p:clrMapOvr>
-</p:sld>
-</file>
-
-<file path=ppt/slides/slide7.xml><?xml version="1.0" encoding="utf-8"?>
-<p:sld xmlns:a="http://schemas.openxmlformats.org/drawingml/2006/main" xmlns:r="http://schemas.openxmlformats.org/officeDocument/2006/relationships" xmlns:p="http://schemas.openxmlformats.org/presentationml/2006/main">
-  <p:cSld>
-    <p:spTree>
-      <p:nvGrpSpPr>
-        <p:cNvPr id="1" name=""/>
-        <p:cNvGrpSpPr/>
-        <p:nvPr/>
-      </p:nvGrpSpPr>
-      <p:grpSpPr>
-        <a:xfrm>
-          <a:off x="0" y="0"/>
-          <a:ext cx="0" cy="0"/>
-          <a:chOff x="0" y="0"/>
-          <a:chExt cx="0" cy="0"/>
-        </a:xfrm>
-      </p:grpSpPr>
-      <p:sp>
-        <p:nvSpPr>
-          <p:cNvPr id="2" name="Content Placeholder 1"/>
-          <p:cNvSpPr>
-            <a:spLocks noGrp="1"/>
-          </p:cNvSpPr>
-          <p:nvPr>
-            <p:ph idx="1"/>
-          </p:nvPr>
-        </p:nvSpPr>
-        <p:spPr/>
-        <p:txBody>
-          <a:bodyPr/>
-          <a:lstStyle/>
-          <a:p>
-            <a:r>
-              <a:rPr lang="en-US" dirty="0" smtClean="0"/>
-              <a:t>Attributes based on rankings tend to have higher attrition rates for middle ranks</a:t>
-            </a:r>
-          </a:p>
-          <a:p>
-            <a:endParaRPr lang="en-US" dirty="0"/>
-          </a:p>
-        </p:txBody>
-      </p:sp>
-      <p:sp>
-        <p:nvSpPr>
-          <p:cNvPr id="3" name="Title 2"/>
-          <p:cNvSpPr>
-            <a:spLocks noGrp="1"/>
-          </p:cNvSpPr>
-          <p:nvPr>
-            <p:ph type="title"/>
-          </p:nvPr>
-        </p:nvSpPr>
-        <p:spPr/>
-        <p:txBody>
-          <a:bodyPr/>
-          <a:lstStyle/>
-          <a:p>
-            <a:r>
-              <a:rPr lang="en-US" dirty="0" smtClean="0"/>
-              <a:t>Other Findings</a:t>
-            </a:r>
-            <a:endParaRPr lang="en-US" dirty="0"/>
-          </a:p>
-        </p:txBody>
-      </p:sp>
-      <p:pic>
-        <p:nvPicPr>
-          <p:cNvPr id="4" name="Picture 3"/>
-          <p:cNvPicPr>
-            <a:picLocks noChangeAspect="1"/>
-          </p:cNvPicPr>
-          <p:nvPr/>
-        </p:nvPicPr>
-        <p:blipFill>
-          <a:blip r:embed="rId2">
-            <a:extLst>
-              <a:ext uri="{28A0092B-C50C-407E-A947-70E740481C1C}">
-                <a14:useLocalDpi xmlns:a14="http://schemas.microsoft.com/office/drawing/2010/main" val="0"/>
-              </a:ext>
-            </a:extLst>
-          </a:blip>
-          <a:stretch>
-            <a:fillRect/>
-          </a:stretch>
-        </p:blipFill>
-        <p:spPr>
-          <a:xfrm>
-            <a:off x="381000" y="2971800"/>
-            <a:ext cx="4049138" cy="2349500"/>
-          </a:xfrm>
-          <a:prstGeom prst="rect">
-            <a:avLst/>
-          </a:prstGeom>
-        </p:spPr>
-      </p:pic>
-      <p:pic>
-        <p:nvPicPr>
-          <p:cNvPr id="5" name="Picture 4"/>
-          <p:cNvPicPr>
-            <a:picLocks noChangeAspect="1"/>
-          </p:cNvPicPr>
-          <p:nvPr/>
-        </p:nvPicPr>
-        <p:blipFill>
-          <a:blip r:embed="rId3">
-            <a:extLst>
-              <a:ext uri="{28A0092B-C50C-407E-A947-70E740481C1C}">
-                <a14:useLocalDpi xmlns:a14="http://schemas.microsoft.com/office/drawing/2010/main" val="0"/>
-              </a:ext>
-            </a:extLst>
-          </a:blip>
-          <a:stretch>
-            <a:fillRect/>
-          </a:stretch>
-        </p:blipFill>
-        <p:spPr>
-          <a:xfrm>
-            <a:off x="4499411" y="2970408"/>
-            <a:ext cx="4034989" cy="2363592"/>
-          </a:xfrm>
-          <a:prstGeom prst="rect">
-            <a:avLst/>
-          </a:prstGeom>
-        </p:spPr>
-      </p:pic>
-    </p:spTree>
-    <p:extLst>
-      <p:ext uri="{BB962C8B-B14F-4D97-AF65-F5344CB8AC3E}">
-        <p14:creationId xmlns:p14="http://schemas.microsoft.com/office/powerpoint/2010/main" val="218252302"/>
-      </p:ext>
-    </p:extLst>
-  </p:cSld>
-  <p:clrMapOvr>
-    <a:masterClrMapping/>
-  </p:clrMapOvr>
-</p:sld>
-</file>
-
-<file path=ppt/slides/slide8.xml><?xml version="1.0" encoding="utf-8"?>
-<p:sld xmlns:a="http://schemas.openxmlformats.org/drawingml/2006/main" xmlns:r="http://schemas.openxmlformats.org/officeDocument/2006/relationships" xmlns:p="http://schemas.openxmlformats.org/presentationml/2006/main">
-  <p:cSld>
-    <p:spTree>
-      <p:nvGrpSpPr>
-        <p:cNvPr id="1" name=""/>
-        <p:cNvGrpSpPr/>
-        <p:nvPr/>
-      </p:nvGrpSpPr>
-      <p:grpSpPr>
-        <a:xfrm>
-          <a:off x="0" y="0"/>
-          <a:ext cx="0" cy="0"/>
-          <a:chOff x="0" y="0"/>
-          <a:chExt cx="0" cy="0"/>
-        </a:xfrm>
-      </p:grpSpPr>
-      <p:sp>
-        <p:nvSpPr>
-          <p:cNvPr id="2" name="Content Placeholder 1"/>
-          <p:cNvSpPr>
-            <a:spLocks noGrp="1"/>
-          </p:cNvSpPr>
-          <p:nvPr>
-            <p:ph idx="1"/>
-          </p:nvPr>
-        </p:nvSpPr>
-        <p:spPr/>
-        <p:txBody>
-          <a:bodyPr/>
-          <a:lstStyle/>
-          <a:p>
-            <a:r>
-              <a:rPr lang="en-US" dirty="0" smtClean="0"/>
-              <a:t>Exclusion of Unnecessary Variables</a:t>
-            </a:r>
-          </a:p>
-          <a:p>
-            <a:pPr lvl="1"/>
-            <a:r>
-              <a:rPr lang="en-US" sz="2000" dirty="0"/>
-              <a:t>"Standard Hours", "Over 18“, "Employee Count”, etc.</a:t>
-            </a:r>
-            <a:endParaRPr lang="en-US" sz="2400" dirty="0"/>
-          </a:p>
-          <a:p>
-            <a:pPr lvl="1"/>
-            <a:endParaRPr lang="en-US" dirty="0" smtClean="0"/>
-          </a:p>
-          <a:p>
-            <a:r>
-              <a:rPr lang="en-US" dirty="0" smtClean="0"/>
-              <a:t>Preliminary Correlation Tests</a:t>
-            </a:r>
-          </a:p>
-          <a:p>
-            <a:pPr lvl="1"/>
-            <a:endParaRPr lang="en-US" dirty="0"/>
-          </a:p>
-          <a:p>
-            <a:pPr lvl="1"/>
-            <a:endParaRPr lang="en-US" sz="2000" dirty="0" smtClean="0"/>
-          </a:p>
-        </p:txBody>
-      </p:sp>
-      <p:sp>
-        <p:nvSpPr>
-          <p:cNvPr id="3" name="Title 2"/>
-          <p:cNvSpPr>
-            <a:spLocks noGrp="1"/>
-          </p:cNvSpPr>
-          <p:nvPr>
-            <p:ph type="title"/>
-          </p:nvPr>
-        </p:nvSpPr>
-        <p:spPr/>
-        <p:txBody>
-          <a:bodyPr/>
-          <a:lstStyle/>
-          <a:p>
-            <a:r>
-              <a:rPr lang="en-US" dirty="0" smtClean="0"/>
-              <a:t>Exploratory Data Analysis</a:t>
-            </a:r>
-            <a:endParaRPr lang="en-US" dirty="0"/>
-          </a:p>
-        </p:txBody>
-      </p:sp>
-      <p:pic>
-        <p:nvPicPr>
-          <p:cNvPr id="6147" name="Picture 3"/>
-          <p:cNvPicPr>
-            <a:picLocks noChangeAspect="1" noChangeArrowheads="1"/>
-          </p:cNvPicPr>
-          <p:nvPr/>
-        </p:nvPicPr>
-        <p:blipFill>
-          <a:blip r:embed="rId2">
-            <a:extLst>
-              <a:ext uri="{28A0092B-C50C-407E-A947-70E740481C1C}">
-                <a14:useLocalDpi xmlns:a14="http://schemas.microsoft.com/office/drawing/2010/main" val="0"/>
-              </a:ext>
-            </a:extLst>
-          </a:blip>
-          <a:srcRect/>
-          <a:stretch>
-            <a:fillRect/>
-          </a:stretch>
-        </p:blipFill>
-        <p:spPr bwMode="auto">
-          <a:xfrm>
-            <a:off x="5867400" y="3352800"/>
-            <a:ext cx="3022946" cy="2819400"/>
-          </a:xfrm>
-          <a:prstGeom prst="rect">
-            <a:avLst/>
-          </a:prstGeom>
-          <a:noFill/>
-          <a:ln w="9525">
-            <a:solidFill>
-              <a:schemeClr val="tx1"/>
-            </a:solidFill>
-            <a:miter lim="800000"/>
-            <a:headEnd/>
-            <a:tailEnd/>
-          </a:ln>
-          <a:extLst>
-            <a:ext uri="{909E8E84-426E-40DD-AFC4-6F175D3DCCD1}">
-              <a14:hiddenFill xmlns:a14="http://schemas.microsoft.com/office/drawing/2010/main">
-                <a:solidFill>
-                  <a:schemeClr val="accent1"/>
-                </a:solidFill>
-              </a14:hiddenFill>
-            </a:ext>
-          </a:extLst>
-        </p:spPr>
-      </p:pic>
-      <p:pic>
-        <p:nvPicPr>
-          <p:cNvPr id="6149" name="Picture 5"/>
-          <p:cNvPicPr>
-            <a:picLocks noChangeAspect="1" noChangeArrowheads="1"/>
-          </p:cNvPicPr>
-          <p:nvPr/>
-        </p:nvPicPr>
-        <p:blipFill>
-          <a:blip r:embed="rId3">
-            <a:extLst>
-              <a:ext uri="{28A0092B-C50C-407E-A947-70E740481C1C}">
-                <a14:useLocalDpi xmlns:a14="http://schemas.microsoft.com/office/drawing/2010/main" val="0"/>
-              </a:ext>
-            </a:extLst>
-          </a:blip>
-          <a:srcRect/>
-          <a:stretch>
-            <a:fillRect/>
-          </a:stretch>
-        </p:blipFill>
-        <p:spPr bwMode="auto">
-          <a:xfrm>
-            <a:off x="990600" y="3352800"/>
-            <a:ext cx="4572000" cy="1905000"/>
-          </a:xfrm>
-          <a:prstGeom prst="rect">
-            <a:avLst/>
-          </a:prstGeom>
-          <a:noFill/>
-          <a:ln w="9525">
-            <a:solidFill>
-              <a:schemeClr val="tx1"/>
-            </a:solidFill>
-            <a:miter lim="800000"/>
-            <a:headEnd/>
-            <a:tailEnd/>
-          </a:ln>
-          <a:extLst>
-            <a:ext uri="{909E8E84-426E-40DD-AFC4-6F175D3DCCD1}">
-              <a14:hiddenFill xmlns:a14="http://schemas.microsoft.com/office/drawing/2010/main">
-                <a:solidFill>
-                  <a:schemeClr val="accent1"/>
-                </a:solidFill>
-              </a14:hiddenFill>
-            </a:ext>
-          </a:extLst>
-        </p:spPr>
-      </p:pic>
-      <p:sp>
-        <p:nvSpPr>
-          <p:cNvPr id="4" name="TextBox 3"/>
-          <p:cNvSpPr txBox="1"/>
-          <p:nvPr/>
-        </p:nvSpPr>
-        <p:spPr>
-          <a:xfrm>
-            <a:off x="1295400" y="5559623"/>
-            <a:ext cx="4038600" cy="307777"/>
-          </a:xfrm>
-          <a:prstGeom prst="rect">
-            <a:avLst/>
-          </a:prstGeom>
-          <a:noFill/>
-        </p:spPr>
-        <p:txBody>
-          <a:bodyPr wrap="square" rtlCol="0">
-            <a:spAutoFit/>
-          </a:bodyPr>
-          <a:lstStyle/>
-          <a:p>
-            <a:r>
-              <a:rPr lang="en-US" sz="1400" dirty="0" smtClean="0"/>
-              <a:t>Correlation Tests of Continuous Variables </a:t>
-            </a:r>
-            <a:endParaRPr lang="en-US" sz="1400" dirty="0"/>
-          </a:p>
-        </p:txBody>
-      </p:sp>
-    </p:spTree>
-    <p:extLst>
-      <p:ext uri="{BB962C8B-B14F-4D97-AF65-F5344CB8AC3E}">
-        <p14:creationId xmlns:p14="http://schemas.microsoft.com/office/powerpoint/2010/main" val="3915541442"/>
-      </p:ext>
-    </p:extLst>
-  </p:cSld>
-  <p:clrMapOvr>
-    <a:masterClrMapping/>
-  </p:clrMapOvr>
-</p:sld>
-</file>
-
-<file path=ppt/slides/slide9.xml><?xml version="1.0" encoding="utf-8"?>
-<p:sld xmlns:a="http://schemas.openxmlformats.org/drawingml/2006/main" xmlns:r="http://schemas.openxmlformats.org/officeDocument/2006/relationships" xmlns:p="http://schemas.openxmlformats.org/presentationml/2006/main">
-  <p:cSld>
-    <p:spTree>
-      <p:nvGrpSpPr>
-        <p:cNvPr id="1" name=""/>
-        <p:cNvGrpSpPr/>
-        <p:nvPr/>
-      </p:nvGrpSpPr>
-      <p:grpSpPr>
-        <a:xfrm>
-          <a:off x="0" y="0"/>
-          <a:ext cx="0" cy="0"/>
-          <a:chOff x="0" y="0"/>
-          <a:chExt cx="0" cy="0"/>
-        </a:xfrm>
-      </p:grpSpPr>
-      <p:sp>
-        <p:nvSpPr>
-          <p:cNvPr id="2" name="Content Placeholder 1"/>
-          <p:cNvSpPr>
-            <a:spLocks noGrp="1"/>
-          </p:cNvSpPr>
-          <p:nvPr>
-            <p:ph idx="1"/>
-          </p:nvPr>
-        </p:nvSpPr>
-        <p:spPr/>
-        <p:txBody>
-          <a:bodyPr/>
-          <a:lstStyle/>
-          <a:p>
-            <a:pPr lvl="1"/>
-            <a:endParaRPr lang="en-US" dirty="0" smtClean="0"/>
-          </a:p>
-          <a:p>
-            <a:pPr lvl="1"/>
-            <a:endParaRPr lang="en-US" dirty="0"/>
-          </a:p>
-          <a:p>
-            <a:pPr lvl="1"/>
-            <a:endParaRPr lang="en-US" dirty="0"/>
-          </a:p>
-          <a:p>
-            <a:endParaRPr lang="en-US" dirty="0" smtClean="0"/>
-          </a:p>
-          <a:p>
-            <a:endParaRPr lang="en-US" dirty="0"/>
-          </a:p>
-          <a:p>
-            <a:endParaRPr lang="en-US" dirty="0" smtClean="0"/>
-          </a:p>
-          <a:p>
-            <a:endParaRPr lang="en-US" dirty="0"/>
-          </a:p>
-          <a:p>
-            <a:endParaRPr lang="en-US" dirty="0" smtClean="0"/>
-          </a:p>
-          <a:p>
-            <a:endParaRPr lang="en-US" dirty="0"/>
-          </a:p>
-          <a:p>
-            <a:pPr lvl="1"/>
-            <a:endParaRPr lang="en-US" sz="2000" dirty="0" smtClean="0"/>
-          </a:p>
-        </p:txBody>
-      </p:sp>
-      <p:sp>
-        <p:nvSpPr>
-          <p:cNvPr id="3" name="Title 2"/>
-          <p:cNvSpPr>
-            <a:spLocks noGrp="1"/>
-          </p:cNvSpPr>
-          <p:nvPr>
-            <p:ph type="title"/>
-          </p:nvPr>
-        </p:nvSpPr>
-        <p:spPr/>
-        <p:txBody>
-          <a:bodyPr/>
-          <a:lstStyle/>
-          <a:p>
-            <a:r>
-              <a:rPr lang="en-US" dirty="0" smtClean="0"/>
-              <a:t>Analysis of Significance</a:t>
-            </a:r>
-            <a:endParaRPr lang="en-US" dirty="0"/>
-          </a:p>
-        </p:txBody>
-      </p:sp>
-      <p:pic>
-        <p:nvPicPr>
-          <p:cNvPr id="7171" name="Picture 3"/>
-          <p:cNvPicPr>
-            <a:picLocks noChangeAspect="1" noChangeArrowheads="1"/>
-          </p:cNvPicPr>
-          <p:nvPr/>
-        </p:nvPicPr>
-        <p:blipFill>
-          <a:blip r:embed="rId2">
-            <a:extLst>
-              <a:ext uri="{28A0092B-C50C-407E-A947-70E740481C1C}">
-                <a14:useLocalDpi xmlns:a14="http://schemas.microsoft.com/office/drawing/2010/main" val="0"/>
-              </a:ext>
-            </a:extLst>
-          </a:blip>
-          <a:srcRect/>
-          <a:stretch>
-            <a:fillRect/>
-          </a:stretch>
-        </p:blipFill>
-        <p:spPr bwMode="auto">
-          <a:xfrm>
-            <a:off x="457200" y="1295400"/>
-            <a:ext cx="5261308" cy="3033713"/>
-          </a:xfrm>
-          <a:prstGeom prst="rect">
-            <a:avLst/>
-          </a:prstGeom>
-          <a:noFill/>
-          <a:ln w="9525">
-            <a:solidFill>
-              <a:schemeClr val="tx1"/>
-            </a:solidFill>
-            <a:miter lim="800000"/>
-            <a:headEnd/>
-            <a:tailEnd/>
-          </a:ln>
-          <a:extLst>
-            <a:ext uri="{909E8E84-426E-40DD-AFC4-6F175D3DCCD1}">
-              <a14:hiddenFill xmlns:a14="http://schemas.microsoft.com/office/drawing/2010/main">
-                <a:solidFill>
-                  <a:schemeClr val="accent1"/>
-                </a:solidFill>
-              </a14:hiddenFill>
-            </a:ext>
-          </a:extLst>
-        </p:spPr>
-      </p:pic>
-      <p:pic>
-        <p:nvPicPr>
-          <p:cNvPr id="7172" name="Picture 4"/>
-          <p:cNvPicPr>
-            <a:picLocks noChangeAspect="1" noChangeArrowheads="1"/>
-          </p:cNvPicPr>
-          <p:nvPr/>
-        </p:nvPicPr>
-        <p:blipFill>
-          <a:blip r:embed="rId3">
-            <a:extLst>
-              <a:ext uri="{28A0092B-C50C-407E-A947-70E740481C1C}">
-                <a14:useLocalDpi xmlns:a14="http://schemas.microsoft.com/office/drawing/2010/main" val="0"/>
-              </a:ext>
-            </a:extLst>
-          </a:blip>
-          <a:srcRect/>
-          <a:stretch>
-            <a:fillRect/>
-          </a:stretch>
-        </p:blipFill>
-        <p:spPr bwMode="auto">
-          <a:xfrm>
-            <a:off x="3789485" y="4572000"/>
-            <a:ext cx="5261308" cy="1867758"/>
-          </a:xfrm>
-          <a:prstGeom prst="rect">
-            <a:avLst/>
-          </a:prstGeom>
-          <a:noFill/>
-          <a:ln w="9525">
-            <a:solidFill>
-              <a:schemeClr val="tx1"/>
-            </a:solidFill>
-            <a:miter lim="800000"/>
-            <a:headEnd/>
-            <a:tailEnd/>
-          </a:ln>
-          <a:extLst>
-            <a:ext uri="{909E8E84-426E-40DD-AFC4-6F175D3DCCD1}">
-              <a14:hiddenFill xmlns:a14="http://schemas.microsoft.com/office/drawing/2010/main">
-                <a:solidFill>
-                  <a:schemeClr val="accent1"/>
-                </a:solidFill>
-              </a14:hiddenFill>
-            </a:ext>
-          </a:extLst>
-        </p:spPr>
-      </p:pic>
-      <p:sp>
-        <p:nvSpPr>
-          <p:cNvPr id="4" name="TextBox 3"/>
-          <p:cNvSpPr txBox="1"/>
-          <p:nvPr/>
-        </p:nvSpPr>
-        <p:spPr>
-          <a:xfrm>
-            <a:off x="5943600" y="2133600"/>
-            <a:ext cx="2819400" cy="646331"/>
-          </a:xfrm>
-          <a:prstGeom prst="rect">
-            <a:avLst/>
-          </a:prstGeom>
-          <a:noFill/>
-        </p:spPr>
-        <p:txBody>
-          <a:bodyPr wrap="square" rtlCol="0">
-            <a:spAutoFit/>
-          </a:bodyPr>
-          <a:lstStyle/>
-          <a:p>
-            <a:pPr algn="ctr"/>
-            <a:r>
-              <a:rPr lang="en-US" i="1" dirty="0" smtClean="0"/>
-              <a:t>t-</a:t>
-            </a:r>
-            <a:r>
-              <a:rPr lang="en-US" dirty="0" smtClean="0"/>
-              <a:t>tests for significance of distributions</a:t>
-            </a:r>
-            <a:endParaRPr lang="en-US" i="1" dirty="0"/>
-          </a:p>
-        </p:txBody>
-      </p:sp>
-      <p:sp>
-        <p:nvSpPr>
-          <p:cNvPr id="5" name="TextBox 4"/>
-          <p:cNvSpPr txBox="1"/>
-          <p:nvPr/>
-        </p:nvSpPr>
-        <p:spPr>
-          <a:xfrm>
-            <a:off x="838200" y="5144869"/>
-            <a:ext cx="2667000" cy="646331"/>
-          </a:xfrm>
-          <a:prstGeom prst="rect">
-            <a:avLst/>
-          </a:prstGeom>
-          <a:noFill/>
-        </p:spPr>
-        <p:txBody>
-          <a:bodyPr wrap="square" rtlCol="0">
-            <a:spAutoFit/>
-          </a:bodyPr>
-          <a:lstStyle/>
-          <a:p>
-            <a:r>
-              <a:rPr lang="en-US" dirty="0" smtClean="0"/>
-              <a:t>ANOVA for Analysis of Categorical Variance</a:t>
-            </a:r>
-            <a:endParaRPr lang="en-US" dirty="0"/>
-          </a:p>
-        </p:txBody>
-      </p:sp>
-    </p:spTree>
-    <p:extLst>
-      <p:ext uri="{BB962C8B-B14F-4D97-AF65-F5344CB8AC3E}">
-        <p14:creationId xmlns:p14="http://schemas.microsoft.com/office/powerpoint/2010/main" val="241419668"/>
-      </p:ext>
-    </p:extLst>
-  </p:cSld>
-  <p:clrMapOvr>
-    <a:masterClrMapping/>
-  </p:clrMapOvr>
-</p:sld>
-</file>
-
 <file path=ppt/theme/theme1.xml><?xml version="1.0" encoding="utf-8"?>
 <a:theme xmlns:a="http://schemas.openxmlformats.org/drawingml/2006/main" name="Concourse">
   <a:themeElements>

--- a/DDS Attrition Analysis.pptx
+++ b/DDS Attrition Analysis.pptx
@@ -5,7 +5,7 @@
     <p:sldMasterId id="2147483672" r:id="rId1"/>
   </p:sldMasterIdLst>
   <p:notesMasterIdLst>
-    <p:notesMasterId r:id="rId15"/>
+    <p:notesMasterId r:id="rId16"/>
   </p:notesMasterIdLst>
   <p:sldIdLst>
     <p:sldId id="256" r:id="rId2"/>
@@ -14,13 +14,14 @@
     <p:sldId id="269" r:id="rId5"/>
     <p:sldId id="262" r:id="rId6"/>
     <p:sldId id="265" r:id="rId7"/>
-    <p:sldId id="261" r:id="rId8"/>
-    <p:sldId id="267" r:id="rId9"/>
-    <p:sldId id="268" r:id="rId10"/>
-    <p:sldId id="264" r:id="rId11"/>
-    <p:sldId id="263" r:id="rId12"/>
-    <p:sldId id="270" r:id="rId13"/>
-    <p:sldId id="266" r:id="rId14"/>
+    <p:sldId id="271" r:id="rId8"/>
+    <p:sldId id="261" r:id="rId9"/>
+    <p:sldId id="267" r:id="rId10"/>
+    <p:sldId id="268" r:id="rId11"/>
+    <p:sldId id="264" r:id="rId12"/>
+    <p:sldId id="272" r:id="rId13"/>
+    <p:sldId id="270" r:id="rId14"/>
+    <p:sldId id="266" r:id="rId15"/>
   </p:sldIdLst>
   <p:sldSz cx="9144000" cy="6858000" type="screen4x3"/>
   <p:notesSz cx="6858000" cy="9144000"/>
@@ -119,6 +120,22 @@
       </a:defRPr>
     </a:lvl9pPr>
   </p:defaultTextStyle>
+  <p:extLst>
+    <p:ext uri="{EFAFB233-063F-42B5-8137-9DF3F51BA10A}">
+      <p15:sldGuideLst xmlns:p15="http://schemas.microsoft.com/office/powerpoint/2012/main" xmlns="">
+        <p15:guide id="1" orient="horz" pos="2160">
+          <p15:clr>
+            <a:srgbClr val="A4A3A4"/>
+          </p15:clr>
+        </p15:guide>
+        <p15:guide id="2" pos="2880">
+          <p15:clr>
+            <a:srgbClr val="A4A3A4"/>
+          </p15:clr>
+        </p15:guide>
+      </p15:sldGuideLst>
+    </p:ext>
+  </p:extLst>
 </p:presentation>
 </file>
 
@@ -204,7 +221,7 @@
           <a:p>
             <a:fld id="{650D529A-7B2D-49ED-8568-7A39E44BD3F7}" type="datetimeFigureOut">
               <a:rPr lang="en-US" smtClean="0"/>
-              <a:t>4/14/2019</a:t>
+              <a:t>4/15/2019</a:t>
             </a:fld>
             <a:endParaRPr lang="en-US"/>
           </a:p>
@@ -733,7 +750,7 @@
           <a:p>
             <a:fld id="{CF407A9F-5EB6-4D95-A312-7C583524791B}" type="slidenum">
               <a:rPr lang="en-US" smtClean="0"/>
-              <a:t>10</a:t>
+              <a:t>11</a:t>
             </a:fld>
             <a:endParaRPr lang="en-US"/>
           </a:p>
@@ -1377,7 +1394,7 @@
           <a:p>
             <a:fld id="{A7C24251-88EE-4A4F-BF05-631D91B7CD4E}" type="datetimeFigureOut">
               <a:rPr lang="en-US" smtClean="0"/>
-              <a:t>4/14/2019</a:t>
+              <a:t>4/15/2019</a:t>
             </a:fld>
             <a:endParaRPr lang="en-US"/>
           </a:p>
@@ -1573,7 +1590,7 @@
           <a:p>
             <a:fld id="{A7C24251-88EE-4A4F-BF05-631D91B7CD4E}" type="datetimeFigureOut">
               <a:rPr lang="en-US" smtClean="0"/>
-              <a:t>4/14/2019</a:t>
+              <a:t>4/15/2019</a:t>
             </a:fld>
             <a:endParaRPr lang="en-US"/>
           </a:p>
@@ -1758,7 +1775,7 @@
           <a:p>
             <a:fld id="{A7C24251-88EE-4A4F-BF05-631D91B7CD4E}" type="datetimeFigureOut">
               <a:rPr lang="en-US" smtClean="0"/>
-              <a:t>4/14/2019</a:t>
+              <a:t>4/15/2019</a:t>
             </a:fld>
             <a:endParaRPr lang="en-US"/>
           </a:p>
@@ -1908,7 +1925,7 @@
           <a:p>
             <a:fld id="{A7C24251-88EE-4A4F-BF05-631D91B7CD4E}" type="datetimeFigureOut">
               <a:rPr lang="en-US" smtClean="0"/>
-              <a:t>4/14/2019</a:t>
+              <a:t>4/15/2019</a:t>
             </a:fld>
             <a:endParaRPr lang="en-US"/>
           </a:p>
@@ -2163,7 +2180,7 @@
           <a:p>
             <a:fld id="{A7C24251-88EE-4A4F-BF05-631D91B7CD4E}" type="datetimeFigureOut">
               <a:rPr lang="en-US" smtClean="0"/>
-              <a:t>4/14/2019</a:t>
+              <a:t>4/15/2019</a:t>
             </a:fld>
             <a:endParaRPr lang="en-US"/>
           </a:p>
@@ -2572,7 +2589,7 @@
           <a:p>
             <a:fld id="{A7C24251-88EE-4A4F-BF05-631D91B7CD4E}" type="datetimeFigureOut">
               <a:rPr lang="en-US" smtClean="0"/>
-              <a:t>4/14/2019</a:t>
+              <a:t>4/15/2019</a:t>
             </a:fld>
             <a:endParaRPr lang="en-US"/>
           </a:p>
@@ -3018,7 +3035,7 @@
           <a:p>
             <a:fld id="{A7C24251-88EE-4A4F-BF05-631D91B7CD4E}" type="datetimeFigureOut">
               <a:rPr lang="en-US" smtClean="0"/>
-              <a:t>4/14/2019</a:t>
+              <a:t>4/15/2019</a:t>
             </a:fld>
             <a:endParaRPr lang="en-US"/>
           </a:p>
@@ -3119,7 +3136,7 @@
           <a:p>
             <a:fld id="{A7C24251-88EE-4A4F-BF05-631D91B7CD4E}" type="datetimeFigureOut">
               <a:rPr lang="en-US" smtClean="0"/>
-              <a:t>4/14/2019</a:t>
+              <a:t>4/15/2019</a:t>
             </a:fld>
             <a:endParaRPr lang="en-US"/>
           </a:p>
@@ -3240,7 +3257,7 @@
           <a:p>
             <a:fld id="{A7C24251-88EE-4A4F-BF05-631D91B7CD4E}" type="datetimeFigureOut">
               <a:rPr lang="en-US" smtClean="0"/>
-              <a:t>4/14/2019</a:t>
+              <a:t>4/15/2019</a:t>
             </a:fld>
             <a:endParaRPr lang="en-US"/>
           </a:p>
@@ -3514,7 +3531,7 @@
           <a:p>
             <a:fld id="{A7C24251-88EE-4A4F-BF05-631D91B7CD4E}" type="datetimeFigureOut">
               <a:rPr lang="en-US" smtClean="0"/>
-              <a:t>4/14/2019</a:t>
+              <a:t>4/15/2019</a:t>
             </a:fld>
             <a:endParaRPr lang="en-US"/>
           </a:p>
@@ -3719,7 +3736,7 @@
           <a:p>
             <a:fld id="{A7C24251-88EE-4A4F-BF05-631D91B7CD4E}" type="datetimeFigureOut">
               <a:rPr lang="en-US" smtClean="0"/>
-              <a:t>4/14/2019</a:t>
+              <a:t>4/15/2019</a:t>
             </a:fld>
             <a:endParaRPr lang="en-US"/>
           </a:p>
@@ -4828,7 +4845,7 @@
           <a:p>
             <a:fld id="{A7C24251-88EE-4A4F-BF05-631D91B7CD4E}" type="datetimeFigureOut">
               <a:rPr lang="en-US" smtClean="0"/>
-              <a:t>4/14/2019</a:t>
+              <a:t>4/15/2019</a:t>
             </a:fld>
             <a:endParaRPr lang="en-US"/>
           </a:p>
@@ -5384,3484 +5401,8 @@
           <a:p>
             <a:r>
               <a:rPr lang="en-US" dirty="0" smtClean="0"/>
-              <a:t>Classification Regression for Binary Outputs</a:t>
-            </a:r>
-          </a:p>
-          <a:p>
-            <a:endParaRPr lang="en-US" dirty="0"/>
-          </a:p>
-          <a:p>
-            <a:r>
-              <a:rPr lang="en-US" dirty="0" smtClean="0"/>
-              <a:t>Assumptions</a:t>
-            </a:r>
-          </a:p>
-          <a:p>
-            <a:pPr lvl="1"/>
-            <a:r>
-              <a:rPr lang="en-US" dirty="0"/>
-              <a:t>A</a:t>
-            </a:r>
-            <a:r>
-              <a:rPr lang="en-US" dirty="0" smtClean="0"/>
-              <a:t>dditive </a:t>
-            </a:r>
-            <a:r>
-              <a:rPr lang="en-US" dirty="0"/>
-              <a:t>relationship between the predictors and the natural log odds of </a:t>
-            </a:r>
-            <a:r>
-              <a:rPr lang="en-US" dirty="0" smtClean="0"/>
-              <a:t>response.</a:t>
-            </a:r>
-          </a:p>
-          <a:p>
-            <a:pPr lvl="1"/>
-            <a:endParaRPr lang="en-US" dirty="0" smtClean="0"/>
-          </a:p>
-          <a:p>
-            <a:pPr lvl="1"/>
-            <a:r>
-              <a:rPr lang="en-US" dirty="0" smtClean="0"/>
-              <a:t>Normality, Equal Variance, Independence  </a:t>
-            </a:r>
-            <a:endParaRPr lang="en-US" dirty="0"/>
-          </a:p>
-        </p:txBody>
-      </p:sp>
-      <p:sp>
-        <p:nvSpPr>
-          <p:cNvPr id="3" name="Title 2"/>
-          <p:cNvSpPr>
-            <a:spLocks noGrp="1"/>
-          </p:cNvSpPr>
-          <p:nvPr>
-            <p:ph type="title"/>
-          </p:nvPr>
-        </p:nvSpPr>
-        <p:spPr/>
-        <p:txBody>
-          <a:bodyPr/>
-          <a:lstStyle/>
-          <a:p>
-            <a:r>
-              <a:rPr lang="en-US" dirty="0" smtClean="0"/>
-              <a:t>Logistic Regression</a:t>
-            </a:r>
-            <a:endParaRPr lang="en-US" dirty="0"/>
-          </a:p>
-        </p:txBody>
-      </p:sp>
-      <p:pic>
-        <p:nvPicPr>
-          <p:cNvPr id="4" name="Picture 3"/>
-          <p:cNvPicPr>
-            <a:picLocks noChangeAspect="1"/>
-          </p:cNvPicPr>
-          <p:nvPr/>
-        </p:nvPicPr>
-        <p:blipFill>
-          <a:blip r:embed="rId3">
-            <a:extLst>
-              <a:ext uri="{28A0092B-C50C-407E-A947-70E740481C1C}">
-                <a14:useLocalDpi xmlns:a14="http://schemas.microsoft.com/office/drawing/2010/main" val="0"/>
-              </a:ext>
-            </a:extLst>
-          </a:blip>
-          <a:stretch>
-            <a:fillRect/>
-          </a:stretch>
-        </p:blipFill>
-        <p:spPr>
-          <a:xfrm>
-            <a:off x="5791200" y="4853187"/>
-            <a:ext cx="3124200" cy="1700013"/>
-          </a:xfrm>
-          <a:prstGeom prst="rect">
-            <a:avLst/>
-          </a:prstGeom>
-        </p:spPr>
-      </p:pic>
-    </p:spTree>
-    <p:extLst>
-      <p:ext uri="{BB962C8B-B14F-4D97-AF65-F5344CB8AC3E}">
-        <p14:creationId xmlns:p14="http://schemas.microsoft.com/office/powerpoint/2010/main" val="3465430031"/>
-      </p:ext>
-    </p:extLst>
-  </p:cSld>
-  <p:clrMapOvr>
-    <a:masterClrMapping/>
-  </p:clrMapOvr>
-</p:sld>
-</file>
-
-<file path=ppt/slides/slide11.xml><?xml version="1.0" encoding="utf-8"?>
-<p:sld xmlns:a="http://schemas.openxmlformats.org/drawingml/2006/main" xmlns:r="http://schemas.openxmlformats.org/officeDocument/2006/relationships" xmlns:p="http://schemas.openxmlformats.org/presentationml/2006/main">
-  <p:cSld>
-    <p:spTree>
-      <p:nvGrpSpPr>
-        <p:cNvPr id="1" name=""/>
-        <p:cNvGrpSpPr/>
-        <p:nvPr/>
-      </p:nvGrpSpPr>
-      <p:grpSpPr>
-        <a:xfrm>
-          <a:off x="0" y="0"/>
-          <a:ext cx="0" cy="0"/>
-          <a:chOff x="0" y="0"/>
-          <a:chExt cx="0" cy="0"/>
-        </a:xfrm>
-      </p:grpSpPr>
-      <p:sp>
-        <p:nvSpPr>
-          <p:cNvPr id="2" name="Content Placeholder 1"/>
-          <p:cNvSpPr>
-            <a:spLocks noGrp="1"/>
-          </p:cNvSpPr>
-          <p:nvPr>
-            <p:ph idx="1"/>
-          </p:nvPr>
-        </p:nvSpPr>
-        <p:spPr/>
-        <p:txBody>
-          <a:bodyPr>
-            <a:normAutofit lnSpcReduction="10000"/>
-          </a:bodyPr>
-          <a:lstStyle/>
-          <a:p>
-            <a:r>
-              <a:rPr lang="en-US" dirty="0" smtClean="0"/>
-              <a:t>Foreword Selection</a:t>
-            </a:r>
-          </a:p>
-          <a:p>
-            <a:pPr lvl="1"/>
-            <a:r>
-              <a:rPr lang="en-US" dirty="0"/>
-              <a:t>B</a:t>
-            </a:r>
-            <a:r>
-              <a:rPr lang="en-US" dirty="0" smtClean="0"/>
-              <a:t>egins </a:t>
-            </a:r>
-            <a:r>
-              <a:rPr lang="en-US" dirty="0"/>
-              <a:t>with an empty model </a:t>
-            </a:r>
-            <a:endParaRPr lang="en-US" dirty="0"/>
-          </a:p>
-          <a:p>
-            <a:pPr lvl="1"/>
-            <a:r>
-              <a:rPr lang="en-US" dirty="0" smtClean="0"/>
-              <a:t>Adds </a:t>
-            </a:r>
-            <a:r>
-              <a:rPr lang="en-US" dirty="0"/>
-              <a:t>in variables one by one</a:t>
-            </a:r>
-            <a:endParaRPr lang="en-US" dirty="0" smtClean="0"/>
-          </a:p>
-          <a:p>
-            <a:endParaRPr lang="en-US" sz="1400" dirty="0" smtClean="0"/>
-          </a:p>
-          <a:p>
-            <a:r>
-              <a:rPr lang="en-US" dirty="0" smtClean="0"/>
-              <a:t>Backward Selection</a:t>
-            </a:r>
-          </a:p>
-          <a:p>
-            <a:pPr lvl="1"/>
-            <a:r>
-              <a:rPr lang="en-US" dirty="0"/>
-              <a:t>B</a:t>
-            </a:r>
-            <a:r>
-              <a:rPr lang="en-US" dirty="0" smtClean="0"/>
-              <a:t>egins with all variables then</a:t>
-            </a:r>
-          </a:p>
-          <a:p>
-            <a:pPr lvl="1"/>
-            <a:r>
-              <a:rPr lang="en-US" dirty="0"/>
-              <a:t>each one is deleted one at </a:t>
-            </a:r>
-            <a:r>
-              <a:rPr lang="en-US" dirty="0" smtClean="0"/>
-              <a:t>a time</a:t>
-            </a:r>
-            <a:endParaRPr lang="en-US" dirty="0" smtClean="0"/>
-          </a:p>
-          <a:p>
-            <a:endParaRPr lang="en-US" dirty="0" smtClean="0"/>
-          </a:p>
-          <a:p>
-            <a:r>
-              <a:rPr lang="en-US" dirty="0" smtClean="0"/>
-              <a:t>Top Variables</a:t>
-            </a:r>
-          </a:p>
-          <a:p>
-            <a:pPr lvl="1"/>
-            <a:r>
-              <a:rPr lang="en-US" dirty="0" smtClean="0"/>
-              <a:t>Marital Status</a:t>
-            </a:r>
-          </a:p>
-          <a:p>
-            <a:pPr lvl="1"/>
-            <a:r>
-              <a:rPr lang="en-US" dirty="0" smtClean="0"/>
-              <a:t>Overtime</a:t>
-            </a:r>
-          </a:p>
-          <a:p>
-            <a:pPr lvl="1"/>
-            <a:r>
-              <a:rPr lang="en-US" dirty="0" smtClean="0"/>
-              <a:t>Total Working Years</a:t>
-            </a:r>
-            <a:endParaRPr lang="en-US" dirty="0"/>
-          </a:p>
-          <a:p>
-            <a:endParaRPr lang="en-US" dirty="0"/>
-          </a:p>
-        </p:txBody>
-      </p:sp>
-      <p:sp>
-        <p:nvSpPr>
-          <p:cNvPr id="3" name="Title 2"/>
-          <p:cNvSpPr>
-            <a:spLocks noGrp="1"/>
-          </p:cNvSpPr>
-          <p:nvPr>
-            <p:ph type="title"/>
-          </p:nvPr>
-        </p:nvSpPr>
-        <p:spPr/>
-        <p:txBody>
-          <a:bodyPr/>
-          <a:lstStyle/>
-          <a:p>
-            <a:r>
-              <a:rPr lang="en-US" dirty="0" smtClean="0"/>
-              <a:t>Model Selection	</a:t>
-            </a:r>
-            <a:endParaRPr lang="en-US" dirty="0"/>
-          </a:p>
-        </p:txBody>
-      </p:sp>
-      <p:pic>
-        <p:nvPicPr>
-          <p:cNvPr id="7170" name="Picture 2"/>
-          <p:cNvPicPr>
-            <a:picLocks noChangeAspect="1" noChangeArrowheads="1"/>
-          </p:cNvPicPr>
-          <p:nvPr/>
-        </p:nvPicPr>
-        <p:blipFill>
-          <a:blip r:embed="rId2">
-            <a:extLst>
-              <a:ext uri="{28A0092B-C50C-407E-A947-70E740481C1C}">
-                <a14:useLocalDpi xmlns:a14="http://schemas.microsoft.com/office/drawing/2010/main" val="0"/>
-              </a:ext>
-            </a:extLst>
-          </a:blip>
-          <a:srcRect/>
-          <a:stretch>
-            <a:fillRect/>
-          </a:stretch>
-        </p:blipFill>
-        <p:spPr bwMode="auto">
-          <a:xfrm>
-            <a:off x="6019800" y="1524000"/>
-            <a:ext cx="2485663" cy="1629042"/>
-          </a:xfrm>
-          <a:prstGeom prst="rect">
-            <a:avLst/>
-          </a:prstGeom>
-          <a:noFill/>
-          <a:ln>
-            <a:noFill/>
-          </a:ln>
-          <a:extLst>
-            <a:ext uri="{909E8E84-426E-40DD-AFC4-6F175D3DCCD1}">
-              <a14:hiddenFill xmlns:a14="http://schemas.microsoft.com/office/drawing/2010/main">
-                <a:solidFill>
-                  <a:schemeClr val="accent1"/>
-                </a:solidFill>
-              </a14:hiddenFill>
-            </a:ext>
-            <a:ext uri="{91240B29-F687-4F45-9708-019B960494DF}">
-              <a14:hiddenLine xmlns:a14="http://schemas.microsoft.com/office/drawing/2010/main" w="9525">
-                <a:solidFill>
-                  <a:schemeClr val="tx1"/>
-                </a:solidFill>
-                <a:miter lim="800000"/>
-                <a:headEnd/>
-                <a:tailEnd/>
-              </a14:hiddenLine>
-            </a:ext>
-          </a:extLst>
-        </p:spPr>
-      </p:pic>
-      <p:sp>
-        <p:nvSpPr>
-          <p:cNvPr id="5" name="Plus 4"/>
-          <p:cNvSpPr/>
-          <p:nvPr/>
-        </p:nvSpPr>
-        <p:spPr>
-          <a:xfrm>
-            <a:off x="7804638" y="2033721"/>
-            <a:ext cx="304800" cy="304800"/>
-          </a:xfrm>
-          <a:prstGeom prst="mathPlus">
-            <a:avLst/>
-          </a:prstGeom>
-          <a:solidFill>
-            <a:srgbClr val="FF0000"/>
-          </a:solidFill>
-          <a:ln>
-            <a:solidFill>
-              <a:srgbClr val="FF0000"/>
-            </a:solidFill>
-          </a:ln>
-        </p:spPr>
-        <p:style>
-          <a:lnRef idx="2">
-            <a:schemeClr val="accent1">
-              <a:shade val="50000"/>
-            </a:schemeClr>
-          </a:lnRef>
-          <a:fillRef idx="1">
-            <a:schemeClr val="accent1"/>
-          </a:fillRef>
-          <a:effectRef idx="0">
-            <a:schemeClr val="accent1"/>
-          </a:effectRef>
-          <a:fontRef idx="minor">
-            <a:schemeClr val="lt1"/>
-          </a:fontRef>
-        </p:style>
-        <p:txBody>
-          <a:bodyPr rtlCol="0" anchor="ctr"/>
-          <a:lstStyle/>
-          <a:p>
-            <a:pPr algn="ctr"/>
-            <a:endParaRPr lang="en-US">
-              <a:solidFill>
-                <a:srgbClr val="FF0000"/>
-              </a:solidFill>
-            </a:endParaRPr>
-          </a:p>
-        </p:txBody>
-      </p:sp>
-      <p:sp>
-        <p:nvSpPr>
-          <p:cNvPr id="6" name="Minus 5"/>
-          <p:cNvSpPr/>
-          <p:nvPr/>
-        </p:nvSpPr>
-        <p:spPr>
-          <a:xfrm>
-            <a:off x="6477000" y="2423746"/>
-            <a:ext cx="381000" cy="152400"/>
-          </a:xfrm>
-          <a:prstGeom prst="mathMinus">
-            <a:avLst/>
-          </a:prstGeom>
-          <a:solidFill>
-            <a:srgbClr val="002060"/>
-          </a:solidFill>
-          <a:ln>
-            <a:solidFill>
-              <a:srgbClr val="002060"/>
-            </a:solidFill>
-          </a:ln>
-        </p:spPr>
-        <p:style>
-          <a:lnRef idx="2">
-            <a:schemeClr val="accent1">
-              <a:shade val="50000"/>
-            </a:schemeClr>
-          </a:lnRef>
-          <a:fillRef idx="1">
-            <a:schemeClr val="accent1"/>
-          </a:fillRef>
-          <a:effectRef idx="0">
-            <a:schemeClr val="accent1"/>
-          </a:effectRef>
-          <a:fontRef idx="minor">
-            <a:schemeClr val="lt1"/>
-          </a:fontRef>
-        </p:style>
-        <p:txBody>
-          <a:bodyPr rtlCol="0" anchor="ctr"/>
-          <a:lstStyle/>
-          <a:p>
-            <a:pPr algn="ctr"/>
-            <a:endParaRPr lang="en-US"/>
-          </a:p>
-        </p:txBody>
-      </p:sp>
-      <p:pic>
-        <p:nvPicPr>
-          <p:cNvPr id="8" name="Picture 7"/>
-          <p:cNvPicPr>
-            <a:picLocks noChangeAspect="1"/>
-          </p:cNvPicPr>
-          <p:nvPr/>
-        </p:nvPicPr>
-        <p:blipFill>
-          <a:blip r:embed="rId3">
-            <a:extLst>
-              <a:ext uri="{28A0092B-C50C-407E-A947-70E740481C1C}">
-                <a14:useLocalDpi xmlns:a14="http://schemas.microsoft.com/office/drawing/2010/main" val="0"/>
-              </a:ext>
-            </a:extLst>
-          </a:blip>
-          <a:stretch>
-            <a:fillRect/>
-          </a:stretch>
-        </p:blipFill>
-        <p:spPr>
-          <a:xfrm>
-            <a:off x="4191000" y="4514516"/>
-            <a:ext cx="2844800" cy="1352884"/>
-          </a:xfrm>
-          <a:prstGeom prst="rect">
-            <a:avLst/>
-          </a:prstGeom>
-        </p:spPr>
-      </p:pic>
-    </p:spTree>
-    <p:extLst>
-      <p:ext uri="{BB962C8B-B14F-4D97-AF65-F5344CB8AC3E}">
-        <p14:creationId xmlns:p14="http://schemas.microsoft.com/office/powerpoint/2010/main" val="4116180965"/>
-      </p:ext>
-    </p:extLst>
-  </p:cSld>
-  <p:clrMapOvr>
-    <a:masterClrMapping/>
-  </p:clrMapOvr>
-</p:sld>
-</file>
-
-<file path=ppt/slides/slide12.xml><?xml version="1.0" encoding="utf-8"?>
-<p:sld xmlns:a="http://schemas.openxmlformats.org/drawingml/2006/main" xmlns:r="http://schemas.openxmlformats.org/officeDocument/2006/relationships" xmlns:p="http://schemas.openxmlformats.org/presentationml/2006/main">
-  <p:cSld>
-    <p:spTree>
-      <p:nvGrpSpPr>
-        <p:cNvPr id="1" name=""/>
-        <p:cNvGrpSpPr/>
-        <p:nvPr/>
-      </p:nvGrpSpPr>
-      <p:grpSpPr>
-        <a:xfrm>
-          <a:off x="0" y="0"/>
-          <a:ext cx="0" cy="0"/>
-          <a:chOff x="0" y="0"/>
-          <a:chExt cx="0" cy="0"/>
-        </a:xfrm>
-      </p:grpSpPr>
-      <p:sp>
-        <p:nvSpPr>
-          <p:cNvPr id="2" name="Content Placeholder 1"/>
-          <p:cNvSpPr>
-            <a:spLocks noGrp="1"/>
-          </p:cNvSpPr>
-          <p:nvPr>
-            <p:ph idx="1"/>
-          </p:nvPr>
-        </p:nvSpPr>
-        <p:spPr>
-          <a:xfrm>
-            <a:off x="457200" y="1481328"/>
-            <a:ext cx="3886200" cy="4525963"/>
-          </a:xfrm>
-        </p:spPr>
-        <p:txBody>
-          <a:bodyPr>
-            <a:normAutofit/>
-          </a:bodyPr>
-          <a:lstStyle/>
-          <a:p>
-            <a:r>
-              <a:rPr lang="en-US" sz="2000" dirty="0" smtClean="0"/>
-              <a:t>Older employees tend to be promoted less often</a:t>
-            </a:r>
-          </a:p>
-          <a:p>
-            <a:endParaRPr lang="en-US" sz="2000" dirty="0"/>
-          </a:p>
-          <a:p>
-            <a:r>
-              <a:rPr lang="en-US" sz="2000" dirty="0"/>
-              <a:t>Sales Representatives tend to be the </a:t>
-            </a:r>
-            <a:r>
-              <a:rPr lang="en-US" sz="2000" dirty="0" smtClean="0"/>
-              <a:t>youngest</a:t>
-            </a:r>
-          </a:p>
-          <a:p>
-            <a:endParaRPr lang="en-US" sz="2000" dirty="0"/>
-          </a:p>
-          <a:p>
-            <a:r>
-              <a:rPr lang="en-US" sz="2000" dirty="0"/>
-              <a:t>M</a:t>
-            </a:r>
-            <a:r>
-              <a:rPr lang="en-US" sz="2000" dirty="0" smtClean="0"/>
-              <a:t>anagers </a:t>
-            </a:r>
-            <a:r>
-              <a:rPr lang="en-US" sz="2000" dirty="0"/>
-              <a:t>and </a:t>
-            </a:r>
-            <a:r>
-              <a:rPr lang="en-US" sz="2000" dirty="0" smtClean="0"/>
-              <a:t>Directors </a:t>
-            </a:r>
-            <a:r>
-              <a:rPr lang="en-US" sz="2000" dirty="0"/>
-              <a:t>tend to be </a:t>
-            </a:r>
-            <a:r>
-              <a:rPr lang="en-US" sz="2000" dirty="0" smtClean="0"/>
-              <a:t>older</a:t>
-            </a:r>
-          </a:p>
-          <a:p>
-            <a:endParaRPr lang="en-US" sz="2000" dirty="0"/>
-          </a:p>
-          <a:p>
-            <a:r>
-              <a:rPr lang="en-US" sz="2000" dirty="0"/>
-              <a:t>Healthcare </a:t>
-            </a:r>
-            <a:r>
-              <a:rPr lang="en-US" sz="2000" dirty="0" smtClean="0"/>
-              <a:t>Representatives </a:t>
-            </a:r>
-            <a:r>
-              <a:rPr lang="en-US" sz="2000" dirty="0"/>
-              <a:t>tend to be older than </a:t>
-            </a:r>
-            <a:r>
-              <a:rPr lang="en-US" sz="2000" dirty="0" smtClean="0"/>
-              <a:t>Manufacturing </a:t>
-            </a:r>
-            <a:r>
-              <a:rPr lang="en-US" sz="2000" dirty="0"/>
-              <a:t>D</a:t>
-            </a:r>
-            <a:r>
-              <a:rPr lang="en-US" sz="2000" dirty="0" smtClean="0"/>
-              <a:t>irectors</a:t>
-            </a:r>
-            <a:endParaRPr lang="en-US" sz="2000" dirty="0" smtClean="0"/>
-          </a:p>
-          <a:p>
-            <a:endParaRPr lang="en-US" sz="2000" dirty="0"/>
-          </a:p>
-          <a:p>
-            <a:endParaRPr lang="en-US" sz="2000" dirty="0"/>
-          </a:p>
-        </p:txBody>
-      </p:sp>
-      <p:sp>
-        <p:nvSpPr>
-          <p:cNvPr id="3" name="Title 2"/>
-          <p:cNvSpPr>
-            <a:spLocks noGrp="1"/>
-          </p:cNvSpPr>
-          <p:nvPr>
-            <p:ph type="title"/>
-          </p:nvPr>
-        </p:nvSpPr>
-        <p:spPr/>
-        <p:txBody>
-          <a:bodyPr/>
-          <a:lstStyle/>
-          <a:p>
-            <a:r>
-              <a:rPr lang="en-US" dirty="0" smtClean="0"/>
-              <a:t>Other </a:t>
-            </a:r>
-            <a:r>
-              <a:rPr lang="en-US" dirty="0" smtClean="0"/>
-              <a:t>Job Role Trends</a:t>
-            </a:r>
-            <a:endParaRPr lang="en-US" dirty="0"/>
-          </a:p>
-        </p:txBody>
-      </p:sp>
-      <p:sp>
-        <p:nvSpPr>
-          <p:cNvPr id="4" name="AutoShape 2" descr="data:image/png;base64,iVBORw0KGgoAAAANSUhEUgAABUAAAAPACAMAAADDuCPrAAAAolBMVEUAAAAAADoAAGYAOpAAZrYzMzMzZv86AAA6Ojo6kJA6kNs9PT1NTU1NTW5NTY5NbqtNjshmAABmZmZmtv9uTU1uq+SOTU2Oq6uOyP+QOgCQkLaQ29uQ2/+rbk2rjk2r5P+2ZgC2kDq2///Ijk3I///KysrW1tbbkDrb///kq27k5Kvk///r6+v/tmb/yI7/25D/5Kv//7b//8j//9v//+T////sHfwrAAAACXBIWXMAAB2HAAAdhwGP5fFlAAAgAElEQVR4nO2da4PcxpFlMWNJ3hXbkrwiufLucM0ZSuJw1GxzaPL//7WtB6oK9ehCAgjg3kic88Wk2B0duJV5jCpkZjdfAQBgFI26AQCArCBQAICRIFAAgJEgUACAkSBQAICRIFAAgJEgUACAkSBQAICRIFAAgJEgUACAkSBQAICRIFAAgJEgUACAkcwn0MdxjP5GBxL3Tu4ayF3DBEEh0NlI3Du5ayB3DQjUkcS9k7sGcteAQB1J3Du5ayB3DQjUkcS9k7sGcteAQB1J3Du5ayB3DQjUkcS9k7sGcteAQB1J3Du5ayB3DQjUkcS9k7sGcteAQB1J3Du5ayB3DQjUkcS9k7sGcteAQB1J3Du5ayB3DQjUkcS9k7sGcteAQB1J3Du5ayB3DQjUkcS9k7sGcteAQB1J3Du5ayB3DQjUkcS9k7sGcteAQB1J3Du5ayB3DQjUkcS9k7sGcteAQB1J3Du5ayB3DQjUkcS9k7sGcteAQB1J3Du5ayB3DQjUkcS9k7sGcteAQB1J3Du5ayB3DQjUkcS9k7sGcteAQB1J3Du5ayB3DQjUkcS9k7sGcteAQB1J3Du5ayB3DQjUkcS9k7sGcteAQB1J3Du5ayB3DQjUkcS9k7sGcteAQB1J3Du5ayB3DVqBvnvY8Mv+z59fb/78CoFuSdw7uWsgdw1Kge6UueGn7V8+vdz9+cc/EOg6B5QDiXsndw1CgX55s7vh/PDwl7/vZPrTzqKvYgTabBh5ZQal1jigHEjce1zugeO9lILeBV0VIRToU3u7+WGrzvYvn17+8GuEQJsmLHBFKSayhsS9h+UeON6L6e9d0VUROoFubkB/Of3t3f7W8/w/jhZo04QFLinFRNaQuPeo3APHezm9vUu6KkIn0M+vOzebX95s38d/3d6Ovpou0KYJC1xTiomsIXHvQbkHjvcB9PWu6aoInUA/vfzxj6eHh90noCebftg/Utrwbcvgwptmjoz45gylAObBc5B6dhXKKIH+v/1T+FcdgT4hUAAZnoPUs6tQhl/ZU7uA6Wl7D3pDoAdG3B3zFl4Hb+E18BZeg+4t/NNh2fz2XXusQHmIpAOBauAhkgblZ6Dtc6Pth6E3PgOdIlCWMclAoBpYxqRBKdDWmds/xD6Ff2QhvQwEqoGF9BqU60A7d6Bf3+3XfwatA51yYQ4k7p3cNZC7BuFOpHftu/XdTWfwTiQGlApy10DuGoQCbTe+P82yF54BJYLcNZC7BuVpTE/7ZaD7N+3tXziNaUvi3sldA7lrkJ4H+uXNRpmH9+ycB3oice/kroHcNXAivSOJeyd3DeSuAYE6krh3ctdA7hoQqCOJeyd3DeSuAYE6krh3ctdA7hpqFSg7kQbgGVYgprlHgkA1VCpQ9sIPwDOsQExzDwWBaqhToJzGNADPsAIxzT0WBKqhSoE2TdhM1pRackB5hhWIae7BIFANCNSxFAINxDT3YBCoBgTqWAqBBmKaezAIVAMCdSyFQAMxzT0YBKqhSoGaPhcpL8VDpEhMc48FgWqoU6CmK3OKS7GMKRTT3ENBoBoqFajp2vDSUiykj8U090gQqIZaBcqAEkHuGshdAwJ1JHHv5K6B3DUgUEcS907uGshdAwJ1JHHv5K6B3DUgUEcS907uGshdAwJ1JHHv5K6B3DUgUEcS907uGshdAwJ1JHHv5K6B3DXUKlDPteH1L+j2XEhfSt7cqxeo54SeUMtboJ67E+vfUui5lbOYtLlXL1DPCT2llrVAPc/HqP9QC8/DRMrJmvtj7QL1nNCTajkLtGnCUtKUSjoZAsPSkDT3LVUL1HNCT6uFQGcslXQyIFAdCLQMBDr3hTmUSjoZEKgOBFoGAp37whxKJZ0MCFQHAi0DgQ65sjHf61Aq62RI7s+0uT9WLlDTCV3tQyTXVQ/FpdJOhtz+zJt77QI1ndDVLmNyXXdbWirvZEjtz8S51y5Q0wld7UL6+geUK+Sugdw11LqVkwElgtw1kLsGBOpI4t7JXQO5a0CgjiTundw1kLsGBOpI4t7JXQO5a0CgjiTundw1kLsGBOpI4t7JXQO5a0CgjiTundw1kLsGBOpI4t7JXQO5a6hVoJ4bF+rficREFkHuGioVqOfW2fr3wjORVZC7hjoF6nl4S/2nMT0ykVWQu4YqBTrpnD6HUmscUA4k7p3cNSBQx1JrHFAOJO6d3DUgUMdSaxxQDiTundw1IFDHUmscUA4k7p3cNVQpUB4i6WAiayB3DXUKlGVMMpjIGshdQ6UCZSG9CiayBnLXUKtAGVAiyF0DuWtAoI4k7p3cNZC7BgTqSOLeyV0DuWtAoI4k7p3cNZC7BgTqSOLeyV0DuWtAoI4k7p3cNZC7BgTqSOLeyV0DuWtAoI4k7p3cNZC7hloFykL6AQReoedE9sw9MnbP3EvJ2/v419BboGzlHEDgFXpOZM/cQ2O3zL2YtL1PeA2tBcphIgMIvMJHy4nsmXts7I65l5O19ymvobNABxwc51lKMZGDprLfRPbMPTh2w9wHkLT3Sa8hAp2xFAINxDN3BNohae8I1LUUAg3EM3cE2iFp7wjUtRQCDcQzdwTaIWnv1QqUh0hDqH4ie+YeG7tj7uVk7X3Ka2gtUJYxDaH6ieyZe2jslrkXk7b3Ca+ht0BZSD+E6ieyZ+6RsXvmXkre3se/huYCZUCJIHcN5K6h1q2cDCgR5K6B3DUgUEcS907uGshdAwJ1JHHv5K6B3DUgUEcS907uGshdAwJ1JHHv5K6B3DUgUEcS907uGshdAwJ1JHHv5K6B3DUgUEcS907uGshdQ60CrX4nUuQ2Fs+dSJ65B8JOpAN5e691J1L1e+EjN1J77oX3zD0Q9sIfSdt7rXvhA0+6kZTqvejIo3wia8VNZM/cA4mNHYEqmPIaOgu0acJGp6ZU30UHdmV6Hqhn7oEEx45ABUx6DRHojKUQqGfugSDQDkl7zyHQEZwujFKL1orDNKw4PLuCIYROw+klnmHp/2dwKMUdqGfugQTHzh2ogEmvobNAeYg0T1sl8BCpkNjYEaiCKa+htUBZxjQEz4nsmXsgobEjUAkTXkNvgbKQfgieE9kz90AiY0egGsa/huYCZUCJIHcN5K6h1q2cDCgR5K6B3DUgUEcS907uGshdAwJ1JHHv5K6B3DUgUEcS907uGshdAwJ1JHHv5K6B3DUgUEcS907uGshdAwJ1JHHv5K6B3DUgUEcS907uGshdQ60CrX4nUiSeO5ECMc09EnLXUKlAq98LH4nnXvhATHMPhdw11ClQyVE+gaUEh1q4ncYUiGnusZC7hioF2jRhUtCUUhyr5nUeaCCmuQdD7hoQqGMpBBqIae7BkLsGBOpYCoEGYpp7MOSuAYE6lkKggZjmHgy5a6hSoDxEGkKoPw0nsmvusZC7hjoFyjKmIUT603Eiu+YeCrlrqFSgLKQfQuAVWk5k19wjIXcNtQrUc0CVkrh3ctdA7hoQqCOJeyd3DeSuAYE6krh3ctdA7hoQqCOJeyd3DeSuAYE6krh3ctdA7hoQqCOJeyd3DeSuAYE6krh3ctdA7hoQqCOJeyd3DeSuoVaBVr+QPnLxu+dC+siuClk490gQqITxw8FboNVv5Yzcfum5lTO0q0KWzT0UBKpgwnCwFmj1h4lEHgDieZhIbFeFLJp7LAhUwJTh4CzQpgkb6JpSfRcd2JXpcXbBXRWyZO7BINDlmTQcEOiMpRAoAh0IAl0eBOpaCoEi0IEg0OVBoK6lECgCHQgCXZ5qBcpDpHnaKoGHSBoQqIApw8FaoCxjGkKoE1jGpAGBKpgwHLwFykL6IUTWYiG9BgQqYfxwMBcoA0oEuWsgdw21buVkQIkgdw3krgGBOpK4d3LXQO4aEKgjiXsndw3krgGBOpK4d3LXQO4aEKgjiXsndw3krgGBOpK4d3LXQO4aEKgjiXsndw3krgGBOpK4d3LXQO4aahVo9TuRIql+J5Jp7pFY5l5K3txr3YlU/V74SKrfC2+aeyiOuReTNvda98IHHpojKbXogIo9YcjwNCbT3GMxzL2crLlPCctZoE0TNgw0pZYcUIFXuMXvPFDT3IPxy30ASXOfFBYCnbEUAq0/92D8ch9A0twRqGspBFp/7sH45T6ApLkjUNdSCLT+3IPxy30ASXOvVqA8RBpC7IwxfJhhmnsshrmXkzX3KWFZC5RlTEMInTGOy2lMcw/FMfdi0uY+ISxvgbKQfgiRM8ZyQbdp7pFY5l5K3tzHh2UuULa2iSB3DeSuodatnAwoEeSugdw1IFBHEvdO7hrIXQMCdSRx7+Sugdw1IFBHEvdO7hrIXQMCdSRx7+Sugdw1IFBHEvdO7hrIXQMCdSRx7+Sugdw11CrQ6hfSRy539lxIHwgL6QfgOd5NqXUhffVbOSM33Hlu5QyErZwD8BzvptS6lVNyEkVgqd6LDuzK9DCRQAJz98XwMJH6c58SlrNAmyZsGGhK9V10YFemx9kFEpi7MX7H2dWf+6SwEOiMpRBoIPVP5C0IdHkQqGspBBpI/RN5CwJdHgTqWgqBBlL/RN6CQJenWoHyEGmetkrwE+gKHmY88hBJwpSwrAXKMqYhRNZyFOgKltOwjEnDhLC8BcpC+iFE1nIU6AoWdLOQXsP4sMwF6jmRS0ncO7lrIHcNtW7lZECJIHcN5K4BgTqSuHdy10DuGhCoI4l7J3cN5K4BgTqSuHdy10DuGhCoI4l7J3cN5K4BgTqSuHdy10DuGpQC/fz6YccPvx7/9gqBbkncO7lrIHcNSoF+etkRaPuXH/9AoOscUA4k7p3cNSgF+vTw0/HPm/vPn3YWfRUjUHYiDYCdSC2OvZcR+RLG4TnePaZOgEDfdWz5tL/3/PRy/35+qkDZCz8A9sIfMOy9jNCXMAzP8W4ydaYL9Mubv/z9UqZf3jz8EiDQKaekOJTiNKZIAnM3JfYljMJzvLtMnekC/fz6x/962X4CepTph6v38BOui/NAY9sqwU+ggbmbEvwSBuE53m2mznSBHp4hbe85P79u37p/OH4u+m3L8MJfTxc24ptXViq0liXVX6DpFXqOd9epM6LE037V0qeXm5vPo0CfEOiypUxnXyDVX6DpFXqOd9epM6LE4WZz+679hkAPLH1r7VCKt/CBBOZuSvBLGITneLeZOtMFeuDTyx//iBWo6WfO5aV4iBRJYO6mOPrTdby7TJ1Igf7w643PQKcI1HTVQ3EpljGFEpi7KY7+dB3vJlMnUqA//hH7FP7Rdd1taSkW0scSmLspjv50He8eU2eyQI/O3L1rf7df/xm0DvTRdCKXkrh3ctdA7hqEWzkPG5F27gzeicSAUkHuGshdg1Cgn17u7jb36ozeC8+AEkHuGshdg/IwkQ/d0+yeHjiN6Uji3sldA7lrkB6ovDsC9KfuX15df9HSF+ZA4t7JXQO5a+BEekcS907uGshdAwJ1JHHv5K6B3DUgUEcS907uGshdQ60C9Vx3a7qg2zOsQExzjwSBaqhUoJ47v0y3FHqGFYhp7qEgUA11CtTz7IHyUosOKM+wAjHNPRYEqqFKgTZN2EzWlFpyQHmGFYhp7sEgUA0I1LEUAg3ENPdgEKgGBOpYCoEGYpp7MAhUAwJ1LIVAAzHNPRgEqqFKgZo+FykvxUOkSExzjwWBaqhToKYrc4pLsYwpFNPcQ0GgGioVqOna8NJSLKSPxTT3SBCohloFyoASQe4ayF0DAnUkce/kroHcNSBQRxL3Tu4ayF0DAnUkce/kroHcNSBQRxL3Tu4ayF0DAnUkce/kroHcNSBQRxL3Tu4ayF0DAnUkce/kroHcNSBQRxL3Tu4ayF1DrQJlR8wAIsOKm8j17wCLxFKg5H7vG50Fyp7sAYSGFTaR6z+DIBRHgZL73W80FiinAg0gNqyoiVz/KVixGAqU3O9/o69AmyZWCjEM6CrpeaBbgiZyYFemuQfjJ1By7/lGBDoM0wGFQE+scSLPBrn3fCMCHYbpgEKgJ9Y4kWeD3Hu+EYEOw3RAIdATa5zIs0HuPd/oK1AeIg0hNiweImnwEyi593yjsUBZxjSE0LBYxqTBUKDkfv8bnQXKQvohRIbFQnoNjgIl97vfaC1QzwFVSuLeyV0DuWtAoI4k7p3cNZC7BgTqSOLeyV0DuWtAoI4k7p3cNZC7BgTqSOLeyV0DuWtAoI4k7p3cNZC7BgTqSOLeyV0DuWtAoI4k7p3cNZC7BgTqSOLeyV0DuWuoVaCCbSyBpQou2nOrlWlbnjtiQrNiB1gxHrl7C1SxkTqwVP9Fe272N23Lc092bFacQVCKSe7WApUc5RNYqveiA7uKxLOtwNwDCc6KU7AKccndWaBNE5aSplTfRQd2FYlnW4G5BxKdFeewlmGTOwKdsRQCDYSJPADP8R6ITe4IdMZSCDQQJvIAPMd7IDa5I9AZSyHQQJjIA/Ac74HY5O4sUB4iifBsKzD3QIKz4iFSIS65WwuUZUwiPNsKzD2Q2KxYxlSKSe7eAmUhvQjPtgJzDyQ0KxbSF+ORu7lA2domgtw1kLsGBOpI4t7JXQO5a0CgjiTundw1kPvy/LbhdwRqSOLeyV0DuS/KbwcQqCOJeyd3DeS+FL+dgUAdSdw7uWsg99n57RYI1JHEvZO7BnKfj5vmRKDGJO6d3DWQ+zzck2fNAmUh/QA8wwqEBd3eePbe584tL16MfQ29BcpWzgF4hhUIWwrNseu9xJ17f74Y+xpaC1RyIkJgqUUPE/EMK5DA3AMJzgqBBlHqztafL8a+hs4CbZqw0akpteRxdp5hBRKYeyDRWSHQ6Qxx58GfL8a+hgh0xlIINBAEao++96HuRKDWpRBoIAjUHmHvo8yJQM1LIdBAEKg9it6nmLN2gZo+FykvxUOkSAJzDyQ4KwQ6gAB5Hg069jW0FqjpypziUixjCiUw90Bis0KgZUS582jQsa+ht0BN14aXlmIhfSyBuQcSmhUC7SXWnQeD1rmQngGlgtw1kPtd5pDnjlq3cjKgRJC7BnJ/jtnciUBtSdw7uWsg9xvM604Eakvi3sldA7l3WcCcCNSYxL2TuwZy37KcOBGoM4l7J3cN5L68PBGoK4l7J3cNq85d404Eakvi3sldw1pzF7oTgdqSuHdy17C63NXmbKlVoLk317ATKRbPHWCmO5E8d96dmOy87Q72AHXuqVSgybd3sxc+FM8zCEz3wnue/dASobzdGUphBq1ToIEn3QQfmlMGpzFFUt7VkrkHZxUlUMkVlvQeZbwXL0INWqVAmyZsGASWGgDngQYyoKsFc4/OKkigmivs6T3IdTtevIg1KAJdrNQAEGggCHQAbgKNsVyH9Ql0BKeXzqlUIJFdEVb2UpEYXeHvs3ASaFDByTm1aQXVuWaE3I1vFMrgDjSQkDuhwaUCuyqiqjvQmJvDm6zvDnRMc4FjU6IEHiJFUt4VD5HED5FipHaXUH9+9913VQrUd7VJGSxjCqW4K5YxqZYxheisjAh/fneiToHarncug4X0sZR2xUL6R8EVbt4Hx6ixkAn+/O6aSgW6vq1tJpC7hpy5t15aVqBjuGFOBOpL4t7JXUO63Lt6Mhbo8+ZEoL4k7p3cNWTK/cpSjgLtNeeWWp/CP+YaUFck7p3cNSTJ/basvARaJM4DCNSRxL2Tuwb/3O8oy0OgZbecFyBQRxL3Tu4ajHPvV5daoGPM2YJAHUncO7lrcMy9WGBCgY42ZwsCdSRx7+SuwS33QRbTCHSaOVtqFajnemfPBd2RVJ+7K0YL6YerrECggUd4vngRYc6WSgXquePOc0thJNXnbovHVs6RSusXaND+9ThxHqhToJITEQJLLXqYSCDV5+6L/jCRCV7rFejkE0BC3q7fokqBNk3Y9NOUWvI4u0Cqz90Y6XF24/3TWqjn3yecQddjzinu3IFAHUshUM/cjVEJdKJ/Wgv1/Psogfaqc6o7dyBQx1II1DN3YxYXaIR9jhbq+fdBAu0X53ffcaDyXaqfyAh0nlIItD+sGO9cWKjn34sEWiLO7ziRftAwGHlt8lI8RDLN3ZdFHiLFOOeGhfq+4K70ysxZVGpE61UKtP7lNJb+XEHutsy9jCnIN89YqPcrbkpvmDnvlhpNpQKtf0G3pT9XkLsrMy6kj3LNHQv1f8mZ9MaZ82apqdQqULutbYNI3Du5a5gj9zDL9Fqo/EsniHMWEKgjiXsndw2huS/roFKBepmzBYE6krh3ctcQlrvEQn1fYGjOFgTqSOLeyV1DRO46C935N1dztiBQRxL3Tu4aJuYuttCN/2Z7z3kOAnUkce/krmF87moF/XYuUMtPOp8HgTqSuHdy1zAqd7V9DuwE2mdOO3fuQKCOJO6d3DUMzV0tng795vR05w4E6kji3sldQ3HuauN0KDGnrzr31CrQ6nfERO5Eiqxl9KslhpfKuwOsIHe1arrkF2fLixdjh4O3QKvfkx25Fz50X73Hr5YYWSrtGQR9uas9c6CCW84zXmwFOm44WAu0+lOBArsKPtlJ/6slJpTKegrW453c1Y7ZUcOb9Ru82At01HBwFmjThA10TaklzwONrPUo/tUSU0slPYd1y63c1X75rdScwt8LP4UXB4GOGQ4IdMZSCLT+3IO5yF3tlt8Gfc6JQBFoaCkEWn/uwZxyV2vlt+G/yQ2BItDQUgi0/tyD2eWuNspvI4/9QKBeAuUh0jxtlcBDJAUbB8klNMacLfLeR1LrQySWMQ0i1AksY1qU41wWCnSCOVtSCbQb/4Th4C1QFtIPIbIWC+kX42xaSwQ66v36DXII9NZrMH44mAuULYUiyH0Jrmf3ogK9L85B7txhLtB7r8QEQSHQ2UjcO7nPzDOTfBGB9opzuDt3uAq04OVAoI4k7p3cZ+TOXJ9XoCXmnLCTyE6g5S8JAnUkce/kPg99U34mgc5szha9QEe/LgjUkcS9k3s4RQaIFugy5mwRCnTqi4NAHUncO7nHMUQEYQJdUpwHFAINeo0QqCOJeyf36YzxwXSBKszZsqhAY18rBOpI4t7JfRpjtTBFoDpztiwj0FleLwTqSOLeyX00k+wwUqBic7bMJdAFXrRaBcpOpAF4hhVIYO7zMN0VwwXqYM6Wgt63287LC94NO3SMVipQ9sIPwDOsQAJzj2a8dC4YItD75nwxzFUR9Pf+oqyrkshjx2idApUc5RNYKutpTJFtxRGYexwR3ulSJNCCe84XLwpdFUlv771dlQcfPEarFGjThKWkKZX0PNDItuIIzD2IUPm03Bdo8dv1Fy8UBu0T6J2uhmYfPUYRqGMpBBqIlUDnEdBvzwq0x5xXH3UmEOi0FwCBFuDpBASqwUWgMzvoUkK96rz5mMhZoJZjFIE6lkKggRgIdAkHHSTUL857T9gtBeo8RqsUqOlzkfJSPESKJDD34SxjoI2DSsRZsDbJ6iHSiJewl+AxWqdATVfmFJdiGVMogbkPYSH7BJnzgMCfVwKd8BL2EztGKxWo6drw0lIspI8lMPcSFtJOsDkPLO/PjUB7M3Udo7UKlC2FIlad+0K+mcmcEkJyF4JAHUnc+2pzX8Y31Yjz7J4z8ZhBoI4k7n2NuS9jnBrNOS13BxCoI4l7X1nuyzinwJzC3wtfSGjuNiBQRxL3vpbcl9JO6T2no0DnyN0NBOpI4t5rz30p+Qx9t24l0BlydwWBOpK495pzX8I9Yz/p9BDoPLk7g0AdSdx7pbnP754+c/Y8JRILdK7c7alVoJ7rbk0X0gfi2dak3M9NEb/MvN+cJU/Y4wQqOPt9jePdW6CeO79Mt3IG4tnW+Nxv2iXKoCXmLF6cFCbQ0iucNffxpZZlQlvWAvU8e6C81KKHiQTi2da43O/YZapBI8V5IEqgkrPf1zjenQXaNGGBa0oteZxdIJ5tDc+91y5jDTqHOVuCBHrrChfLPaLUkkxqC4HOWGqNA2o2BnQ14VdL9DCfOVvmEOhiua9xvCPQGUutcUDNRklXBwsN0UsRM95znhMqUMZ7EQjUtdQaB9Rs9HR1ZqEivZQJdClztsQIlPE+hGoFykMkEZ5tPdvVtYX6BFPmz0XN2TJRoP1hBeZ+xRrHu7VAWcYkwrOtG109Y6Fe0fT5c3lztgwV6JCwAnO/zRrHu7dAWUgvwrOtTlf3LdQvnmf9qTJnS7FAh4QVmPtd1jjezQVa65ZCe2xzL7LQGHVpxXmgX6DqF+AOrmOmgFq3cvpO5BIS926Ze7GFhklLfNN5xh2BqtPvx3HMFIJAHUncu1vuwyxU9mU9H3RKDoe/JVB19sWYjZkhIFBHEvdulPsIC93/515xaty5YydQdeJj8Rkzg0GgjiTu3ST3kRZ65r+XmFP6O4lsch9H4t4RqCOJe9fnPsFDVwJNYM4Wfe4TSNw7AnUkce/S3Kfq6CTQPOZsYbxrkAv008sf/9j94fPrh4eHVwh0S+LeNbkHWel37885dzyTAONdwwICfds0//JvX99+f/Mfv7x52Av008uHLa1NEWhWls09UExZzdnCeNcwu0Dfb9fq/8u//fNvzb/+x41//tA6c3P/+dPOoq9iBMpOpAF4htXHAPdM2n55bs7AX+lRWqoojTiBeo73QELH6NwC3flzI9D//mvT/Ok/r/55e9+5E+jT/n8+vfzh1wiBshd+AJ5h3WOEqW67avA9Z+Cv9Hi+1JhIwgTqOd4DiR2jMwv0H3/e3Hj+9183b+G3Bv358p83b+D/9/4z0Hf7W8/Nf/glQKBTTklxKLXo6TSeYT3HaFNdumrUu/WYX+nxbKkJuUQJ1HO8BxI8RmcW6NvtbedOoF83b+K/ufzndw8/7R8ifXnzl7/v/suHq/fwI3prmrCUNKWWPB/RM6xrJpvq6Krxn3NO/ZUez5aaHk+QQD3HeyDRY3RegW6kubnr3Av068erT0G379v3Av38un3r/mH7UeiOb1tum/kup5BGfPPKSrm2deL3iZxUdd+cg0pNbepdyNgAACAASURBVOpQKjirydiPhql4dvWcQPfqbAX6jz9fCPTz681t54VAnxDosqVc29oxWVOtqnrerg+1XoRATSey82gIwbOrcQLdfe75rEAPjLg7PoU08vZaXYq38EELlHrMefmGfb5fKvfb5dv0yKy28Ba+DJvciwR69hb+/cVj+A+7B+9zCNT0uUh5qXU/RBohpyt6zXnzw86gX+lxwZxZHeEhUiEuuRcJ9Ovb7eeee4H+48/nD5E+vdw9N3r2M9ApAjVdmVNcaqXLmAZp6RkKzPn8c6Lpv9Kjy6xZXcIyplJMci8T6Maa2zWgG4G+3+1HOrsBPfLDr7FP4R9d14aXllrbQvpSO95lijlbpvxKjw6zZvUMLKQvxiP3MoG2C+n3nG/mPBPo13f79Z9B60CnXJgDiXsfnHuZHe8w6Z7znKm/GniWRMtgvGtYZivnDX8eaA8TCd6JxIBSMST3abYqEefA3eujBTpfnqUw3jUsc5hIc3MfZ1eg0XvhGVAiCnMfa6otM5izZbhAZ06zHMa7Bpvj7J4eOI3pSOLe+3IfJbYjc5mzpUCgy6Q4HMa7BhuBch5oh8S9P5v7FLFtmdWcLfcEumiKw2G8a5ALtJelL8yBxL3fyn2q12YX54GbAl0+wzEw3jXMK9DtEUznXB3IhEBvkLj3i9ynKm0hc7acC1SU4DgY7xqWFujtY5UR6DmJez/lPkllS91zntMKVJnfWBjvGhYX6LOP42MFKl8bPqnUwgvpA9m2NUVh83zQ2bv6ve1+jQu6rxCMrNzjfdx3Fgl0twx0v/7zY7PdyfnPvw1+Fz/6uix2J44rtexWzjCmHNjeZ84p9513ujq/gDVuKbxEMbKSjvdJbZUJtHMG6P5gka9vr49Vjhfo4W531JUZlFr0MJEYOqYaZtB+c059z15+9vsaD7W4QDKyEo73HVPaKhJoK82DTLfv3j8OfQ8/4bq8TmgbUGrJ4+ymc2WqMoOWmDPi484BZ7+v8Vi1czQjK9d4PzKprSKBtgfZ7dmfB3p1KigCvSbNgLqnqknmDBDnRVcRuQeCQDukGe/nLCHQsztQBFqNQO+p6lmBLmzOlsDcA0GgHfzH+03mF+jmLfzxDXv7Z97CpxboXVU9L1CJOYeHhUAR6ADmF+juLKb9PejHZvc8/vJY5VkEykOkWehX1pU/F77nnBoWD5F4iDSEKW2VCXS7bOnI5tbzbcMypoIvtFvWUWqwgz9LxDm/OQ8E5h5I7EvIMiYFE9oqE+jhMLst7TLQgTegLKSfVmoyw0y2sDkLryEw90BCX0IW0ksY31apQA8K3XlzI9DbxyqHC5StbZMZKjNHcw7EIvdxMN41cBqTI9reh+ssvTlbEo8ZxruGBQX6z78NPkgEgS5NsDvjxLnICR+JxwzjXcNiAt0+j0eghUh6D3VnMnO2JB4zjHcNywi0PZUJgRaydO9x4vzu96m/2VJizpbEY4bxrmEJgbYP4s9/LTwCvcNivceJ83DXGSDQpS7+msRjhvGuYXaBfmwXMQ1++o5AZ2SY0frM2X3HPkqgc19uKYnHDONdw7wCPa6jH61PBBpLtDmvPu0cJtDZrnMciccM413DnAJ93751/78jVn8i0GDizXn7QVGhQOMvMILEY4bxrmE2gR5+m8fP45bPTxUoO5E69Nmss319tDivSxmZk51I3iTufS6B7v2596ZAoOyFbym5G9ztX59qzk6pkl+esSjshTcnce/zCfT00H15gR6234+8NnmpkNNpSty5JcScXX9eGLQ8oJkIzD2QwIG1BYFqmPcOdH/05+ICbZqw0akpNe18xDhxDlwPP+CXZyxIYO6BBA6sHQhUw3wPkd7uh8f3CHR4qZECLRVduDnPBRr4xjQCBGpP4t7nfArfPkda/in86gRa7rh5zNkSLYUYEKg9iXufeSH95GX0CPReqUG/QLjHnKN+nfvoK1wQBGpP4t5n34l0WEu/6E6kwLEpKVXyEGnAL2DvM+fwX+Y++ZdnLElg7oEEZ4VANSyxF/4ff96NlCX3wgeOTUWpnov+7e56oVJzHr9qiD+jrnBRonKPJTYrBKphoePs3u4Gy4KnMQWOTUGp5y/6zHojzXn1QWeJP4OvcFmm5z4HoVkhUA2LnQe6faLEcXaF3Oi97AZxhodEQ1uvLPcskLuGJX+lx3sEWki391LR9apzqDtHtl5L7skgdw38TiRHdr2HiXOoOqe1nj73nJC7BgRqx0ZhJScalYhzSXO25M39cZ0T2YHEvSNQH04muytQU3O2JMz9ROLeyV0DAjXgSmi3BeptzpZMuV+RuHdy14BAlTzntQuBxptzvktKkftzJO6d3DUgUAk9fjsKNMEt5wXeufeQuHdy11CrQD0X0u8o0NzvJe4ctvlyoSvMXSrvRCZ3EZUK1HMrZ9DKpO2XlG+/XPQKk5dKO5HJXUWdApWcAHKfCHWevq7kAJClr7CCUlknMrnLqFKgTRM2DKaXijXnuT9vG3TpK6ynVNKJTO46EOhcpcrEOfDYj/sCXfgK6yuVdCKTuw4EGl4qxpx3H69fCnThK6y2VNKJTO46EGhcqShzfvdd31bOgz4jPqpKP/sCSyWdyOSuo0qBLv1JeJw529vO3r3wgReY/glEYKmsE5ncZdQp0KXWYhSac/B6+OcFOsMFZl8DE1gq7UQmdxWVCnTu1cBx4rz5UecNgc54gclXYQeWyjuRyV1ErQKda2tbnDjvPSTqCnSWy5gPthRqIHcNCLSQZczZFWhs/0vBRNZA7hoQaA9l4ixzZ1mhx3UOKAcS907uGhDocxSbM+w3uXWan9i7ECayBnLXgECvGGDOoVswe815aH5s73qYyBrIXQMCPTHInPfVOdach+ZHXrQBTGQN5K4BgT46mfPQ/MiLNoCJrIHcNaxboMPMGfN+veTp+hoHlAOJeyd3DesUaKg4Y925b37kRRvARNZA7hpqFegzeyCCxTnUnYE7M9iJNEOpZScyL+GBvAIdH5a3QK924cabc8THnYF7g9kLP0epRScyL+GRtAKdEJa1QJvmeGUyc97tqi/cARc4mcBa2UstOZF5CU9kFeiUsJwFuruo4t+6Nr85z9MOOB9xQKleAmulL7XgROYl7JBUoJPCqkagBeIsLBUXNwKtfiLzEnZAoAkFWnbLef/Xt5WZs9sVAnUuhUCrzz2StQp0yJv1wN9/iUDtSyHQ6nOPpFqBPh4EOtydV9/xrD/HdVWWNg+R6n+YwUt4IqlAq32ItLuyS+kNNee5QSe689hVWdosY1rBchpewiNZBVrtMqbtlZ2kN9KcXYNOduehKxbSO5diIb2mVFqBVruQftPf7zHHfsSYc2jzi/60UNhSqIHcNdS6lfPxa5A7R/74aaxxQDmQuHdy17A2gZqb89C88odPg4msgdw1rEigGczZssYB5UDi3sldQ70C/T3bbWeHNQ4oBxL3Tu4a6hZouTlt3LljjQPKgcS9k7uGigWa05071jigHEjcO7lrWLdAR9aenTUOKAcS907uGtYp0JE1F2ONA8qBxL2Tu4ZaBdrdiTRRnp47M9jGMkOpvBPZM/dS8uZeq0Bv7IUfe+PpuTeYjdRzlEo7kT1zLyZt7rUKtGkuT2MaeZWup9MEdpX+KJ/AUlknsmfu5WTN/bFSgTYHgb6Y/HFn04SNqAGlOA/UM3dTPHMfQNLct9QrULsBhUDtSyWdyJ65DyBp7lv8BTqC0yigVNK2PEuZQlj54Q40shR3oJ65m+KZ+wCS5r7F/w50THOBg0BSiodIprmb4pl7OVlzf6xVoKbLOopLsYzJNXdTPHMvJm3u1QrUdGFxaSkW0mtK5Z3InrmXkjf3agXK1jYR5K6B3DUgUEcS907uGshdAwJ1JHHv5K6B3DUgUEcS907uGshdAwJ1JHHv5K6B3DUgUEcS907uGshdAwJ1JHHv5K6B3DUgUEcS907uGshdQ60C9VxYzEJ671LL5m76EgpAoG4C9dzaxlZO81KL5m76EipAoGYCbZqwESUpxWEi9edu+hJKQKBeAm2asBGlKcVxdtXnbvoSakCgCDS0FAKtPnfTl1ADAkWgoaUQaPW5m76EGhAoAg0thUCrz930JdSAQL0EavpZf3kpHiLVn7vpSygBgZoJ1HS1SXEpljGtIHfTl1ABAnUTqOl659JSLKTXlGIhvQYEaidQtraJIHcN5K4BgTqSuHdy10DuGhCoI4l7J3cN5K4BgTqSuHdy10DuGhCoI4l7J3cN5K4BgTqSuHdy10DuGhCoI4l7J3cN5K4BgTqSuHdy10DuGhCoI4l7J3cN5K6hVoF6bhjx3BGTPKzAUnl3IiFQEZUK1HPLsuee7OxhBZZKuxcegaqoU6BNEzY6JaU4jan+3CNfwkcEqqJKgTZN2OjUlOI80Opzj3wJtyBQDQjUsRQCrT53BNohce8I1LEUAq0+dwTaIXHvCNSxFAKtPncE2iFx71UK1PSz/vJSPESqP/dYfyJQEXUK1HS1SXEpljGtIPdQfyJQEZUK1HS9c2kpFtJrSrGQXkPi3msVKANKBLlrIHcNCNSRxL2TuwZy14BAHUncO7lrIHcNCNSRxL2TuwZy14BAHUncO7lrIHcNCNSRxL2TuwZy14BAHUncO7lrIHcNCNSRxL2TuwZy11CrQD3XO3su6E4eVmCpZSey6UL60LbKQKBuAvXccee5pTB7WIGlFp3Ipls5Y9sqA4GaCTTwoAZJKQ4TMc09kMiX8DFOoMFtlYFAvQTaNGHDQFOK4+w8cw8k8iXcEiTQ6LbKQKAINLQUAvXMPRAE2gGBItDQUgjUM/dAEGgHBIpAQ0shUM/cA0GgHRCol0Drf5gROcqzhxVYiodIPEQaSJ0CrX85TeQoTx5WYCmWMbGMaSCVCrT+Bd2Rozx3WIGlWEj/yEL6YdQqULa2iSB3DeSuAYE6krh3ctdA7hoQqCOJeyd3DeSuAYE6krh3ctdA7hoQqCOJeyd3DeSuAYE6krh3ctdA7hoQqCOJeyd3DeSuAYE6krh3ctdA7hoQqCOJeyd3DeSuoVaBVr8jhp1IM5RaNnfTnUgCEvdeqUCr35PNXvg5Si2au+leeAWJe69ToIFHykhKcRpT/blHvoSPCFRFlQJtmrDRqSnFeaDV5x75Em5BoBoQqGMpBFp97gi0Q+LeEahjKQRafe4ItEPi3hGoYykEWn3uCLRD4t6rFKjpZ/3lpXiIVH/usf5EoCLqFKjpapPiUixjWkHuof5EoCIqFajpeufSUiyk15RiIb2GxL3XKlAGlAhy10DuGhCoI4l7J3cN5K4BgTqSuHdy10DuGhCoI4l7J3cN5K4BgTqSuHdy10DuGhCoI4l7J3cN5K5BKtBPLx8eHl61f/n8uvMXBJoVctdA7hqUAv3wsOOHX48yfXj48Q8Eus4B5UDi3sldg1CgG2X+srvx/Onr4X82/+lVjEA91zt7LuhOHlZgqYVzD8S0rUIQ6BiBvtvL8tPL7S3o0/7ec/+X6QL13HHnuaUwe1iBpZbNPRDTtkpBoBMeIn1+vXVma9Mvb7Z3pZMFGnhQg6QUh4msIPdATNsqBoFOEOinl5t7zy9v/vL33d8+XL2HH9Fb04SNKE0pjrOrP/dATNsqB4GOF+jhk9D2rfuH3SeiW75tGVHzNKDGdrWeUqZtVV8qEtO2YAAjX7p3Dw+7W8+jQJ8Q6LKlTNuqvlQkpm3BAMa9dF/ePOwXf94Q6IERd8enATXy9lpdirfw9eceiGlb5fAWftJnoJv38LEC5WHGPG1VX4qHSBoQ6JStnNsVTDc+A50iUJbTDCF5WIGlWMakAYFOEej2MXzsU/hHFnQPIndYgaVYSK8BgY4Q6HHJ524d07v9X4LWgU65MAcS907uGshdg3Qn0v7d+u5de/BOJAaUCnLXQO4a5HvhN+rcvnuP3gvPgBJB7hrIXYPyM9Cn/WlM+zft7V84jWlL4t7JXQO5a5A+RNodAXpQJueBnkjcO7lrIHcNBk/he1j6whxI3Du5ayB3DQjUkcS9k7sGcteAQB1J3Du5ayB3DQjUkcS9k7sGctdQq0DZETOAyFqWE9k090gscy8lce+VCpQ92QMI3UjtOJFNcw/FMfdiEvdep0AlR/kElsp6GtOj5UQ2zT0Ww9zLSdx7lQJtmrCBrimV9DzQLX4T2TT3YPxyH0Di3hGoYykEGohp7sH45T6AxL0jUMdSCDQQ09yD8ct9AIl7R6COpRBoIKa5B+OX+wAS916lQHmINE9bJRhOZNPcYzHMvZzEvdcpUJYxDSHUCY4T2TT3UBxzLyZx75UKlIX0Q4isZTmRTXOPxDL3UhL3XqtAGVAiyF0DuWtAoI4k7p3cNZC7BgTqSOLeyV0DuWtAoI4k7p3cNZC7BgTqSOLeyV0DuWtAoI4k7p3cNZC7BgTqSOLeyV0DuWtAoI4k7p3cNZC7BgTqSOLeyV0DuWuoVaDsRBJhOZEDc3fFMvdSEvdeqUDZC6/CcSIH5m6LY+7FJO69ToFyGpMMw4kcmLsvhrmXk7j3KgXaNGGC0ZTiXMpAAnM3xi/3ASTuHYE6lkKggSBQexL3jkAdSyHQQBCoPYl7R6COpRBoIAjUnsS9VylQHiLpMJzIgbn7Yph7OYl7r1OgLGOS4TiRA3O3xTH3YhL3XqlAWUivwnIiB+buimXupSTuvVaBMqBEkLsGcteAQB1J3Du5ayB3DQjUkcS9k7sGcteAQB1J3Du5ayB3DQjUkcS9k7sGcteAQB1J3Du5ayB3DQjUkcS9k7sGcteAQB1J3Du5ayB3DbUKtPqF9JHkDiuw1BonsgOJe69UoNVv5YwkeViBpdY4kR1I3HudAq3+MJFIsocVWGqNE9mBxL1XKdCmCZt+mlJLDqj0YQWWWuNEdiBx7wjUsRQCrT/3YBCoBgTqWAqB1p97MAhUAwJ1LIVA6889GASqoUqB8jBjCNnDCiy1xonsQOLe6xQoy2mGkDyswFJrnMgOJO69UoGyoHsIucMKLLXGiexA4t5rFSgDSgS5ayB3DQjUkcS9k7sGcteAQB1J3Du5ayB3DQjUkcS9k7sGcteAQB1J3Du5ayB3DQjUkcS9k7sGcteAQB1J3Du5ayB3DQjUkcS9k7sGcteAQB1J3Du5ayB3DbUKtPodMYFdmYYVCDuRvEnce6UCrX5PdmBXpmEFwl54cxL3XqdAqz8VKLAr07AC4TQmdxL3XqVAmyZsJmtK9V10YFemYQUSmLsxCFQDAnUshUADQaD2JO4dgTqWQqCBIFB7EveOQB1LIdBAEKg9iXuvUqCmz0XKS/EQKZLA3H1BoBrqFKjpypziUixjCiUwd1sQqIZKBWq6Nry0FAvpYwnM3RUEqqFWgTKgRJC7BnLXgEAdSdw7uWsgdw0I1JHEvZO7BnLXgEAdSdw7uWsgdw0I1JHEvZO7BnLXgEAdSdw7uWsgdw0I1JHEvZO7BnLXgEAdSdw7uWsgdw21CtRzbXj9C7o9F9KXkjd3BCqiUoF67k6sf0uh51bOYtLmjkBV1ClQz/Mx6j/UwvMwkXKy5v6IQFVUKdCmCZvJmlJJB1RgWBqS5r4FgWpAoI6lkg4oBKoDgWrwF+gIThO50lKm1H+FAPPAHWhkqaT/j8wdqA7uQDX434GOaS5wHktKZR1Qyf2ZNvdHBKqiToGyjElEbn/mzR2BqqhUoCykF5Han4lzR6AiahUoA0oEuWsgdw0I1JHEvZO7BnLXgEAdSdw7uWsgdw0I1JHEvZO7BnLXgEAdSdw7uWsgdw0I1JHEvZO7BnLXgEAdSdw7uWsgdw0I1JHEvZO7BnLXgEAdSdw7uWsgdw21CrT6nUiuW36YyBrIXUOlAq1+L7ztpnMmsgZy11CnQKs/jcn32CMmsgZy11ClQKs/D9T44E0msgZy14BAHUshUA2Jeyd3DQjUsRQC1ZC4d3LXgEAdSyFQDYl7J3cNVQqUh0g6mMgayF1DnQJlGZMMJrIGctdQqUBZSK+CiayB3DXUKlAGlAhy10DuGhCoI4l7J3cN5K4BgTqSuHdy10DuGhCoI4l7J3cN5K4BgTqSuHdy10DuGhCoI4l7J3cN5K4BgTqSuHdy10DuGhCoI4l7J3cN5K4BgTqSuHdy10DuGmoVaPU7kVxhImsgdw2VCrT6vfC2MJE1kLuGOgVa/WlMvjCRNZC7hioFWv15oMYwkTWQuwYE6lhqjQPKgcS9k7sGBOpYao0DyoHEvZO7BgTqWGqNA8qBxL2Tu4YqBcpDJB1MZA3krqFOgbKMSQYTWQO5a6hUoCykV8FE1kDuGmoVKANKBLlrIHcNCNSRxL2TuwZy14BAHUncO7lrIHcNCNSRxL2TuwZy14BAHUncO7lrIHcNCNSRxL2TuwZy14BAHUncO7lrIHcNCNSRxL2TuwZy11CrQFlIL4KJrIHcNVQqULZyqmAiayB3DXUKlMNEZDCRNZC7hioFynF2OpjIGshdAwJ1LLXGAeVA4t7JXQMCdSy1xgHlQOLeyV0DAnUstcYB5UDi3sldQ5UC5SGSDiayBnLXUKdAWcYkg4msgdw1VCpQFtKrYCJrIHcNtQqUASWC3DWQuwYE6kji3sldA7lrQKCOJO6d3DWQuwYE6kji3sldA7lrQKCOJO6d3DWQuwYE6kji3sldA7lrQKCOJO6d3DWQuwYE6kji3sldA7lrQKCOJO6d3DWQu4ZaBcpOJBFMZA3krqFSgbIXXgUTWQO5a6hToJzGJIOJrIHcNVQpUM4D1cFE1kDuGhCoY6k1DigHEvdO7hoQqGOpNQ4oBxL3Tu4aEKhjqTUOKAcS907uGqoUKA+RdDCRNZC7hjoFyjImGUxkDeSuoVKBspBeBRNZA7lrqFWgDCgR5K6B3DUgUEcS907uGshdAwJ1JHHv5K6B3DUgUEcS907uGshdAwJ1JHHv5K6B3DUgUEcS907uGshdg1Sgn14+PDz88Ov+L59fb/7yCoFuSdw7uWsgdw1Kgb572PPqKNOHhx//QKDrHFAOJO6d3DUIBfq0V+e7h7/8fXf/+dPOoq9iBMpCehFMZA3krkEo0HetLN9t1fm0v/f89PLwjn6aQNnKqYKJrIHcNegE+uXN9s7z69adPx1t+uXNwy8BAuUwERlMZA3krsHgKfxWoEebfrh6Dz+iN46z08FE1kDuGvQC3d10fn7dvnX/sL0d3fFty4iSJ1WN7sq7FABUxXgpfNh++nkU6BMCBYC1MVoKT+1D+CuBHhhxd8xbeB28ldRA7hrUb+H3/gwWKA+RdDCRNZC7BrFAP+z9eesz0CkCZRmTDCayBnLXIBXolzeHjZyxT+EfWUgvg4msgdw1KAW68edx5+a7/frPoHWgUy7MgcS9k7sGctcgFGjXn9E7kRhQKshdA7lrEAr0Q/fkkOi98AwoEeSugdw16AS6O77u4XgE09MDpzEdSdw7uWsgdw06gT49nAmU80A7JO6d3DWQuwb1OtB+lr4wBxL3Tu4ayF0DAnUkce/kroHcNSBQRxL3Tu4ayF0DAnUkce/kroHcNdQqUM+dSKWscUA5kLh3ctdQqUA998IXs8YB5UDi3sldQ50C9TyNqZw1DigHEvdO7hqqFKjneaADWOOAciBx7+SuAYEuVmoAaxxQDiTundw1INDFSg1gjQPKgcS9k7sGBLpYqQGscUA5kLh3ctdQpUB5iKSDiayB3DXUKVCWMclgImsgdw2VCpSF9CqYyBrIXUOtAmVAiSB3DeSuAYE6krh3ctdA7hoQqCOJeyd3DeSuAYE6krh3ctdA7hoQqCOJeyd3DeSuAYE6krh3ctdA7hoQqCOJeyd3DeSuAYE6krh3ctdA7hpqFahg9XsgaxxQDiTundw1VCpQxf7LQNY4oBxI3Du5a6hToJITQAJZ44ByIHHv5K6hSoFqzqALZI0DyoHEvZO7BgTqyBoHlAOJeyd3DQjUkTUOKAcS907uGhCoI2scUA4k7p3cNVQpUB4i6WAiayB3DXUKlGVMMpjIGshdQ6UCZSG9CiayBnLXUKtAGVAiyF0DuWtAoI4k7p3cNZC7BgTqSOLeyV0DuWtAoI4k7p3cNZC7BgTqSOLeyV0DuWtAoI4k7p3cNZC7BgTqSOLeyV0DuWtAoI4k7p3cNZC7BgTqSOLeyV0DuWtAoI4k7p3cNZC7BgTqSOLeyV0DuWtAoI4k7p3cNZC7BgTqSOLeyV0DuWtAoI4k7p3cNZC7BgTqSOLeyV0DuWtAoI4k7p3cNZC7BgTqSOLeyV0DuWtAoI4k7p3cNZC7BgTqSOLeyV0DuWtAoI4k7p3cNZC7BgTqSOLeyV0DuWtAoI4k7p3cNZC7BgTqSOLeyV0DuWtAoI4k7p3cNZC7BgTqSOLeyV0DuWtAoI4k7p3cNZC7BgTqSOLeyV0DuWtAoI4k7p3cNZC7BgTqSOLeyV0DuWtAoI4k7p3cNZC7BgTqSOLeyV0DuWtAoI4k7p3cNZC7BgTqSOLeyV0DuWtAoI4k7p3cNZC7Bn+BjuTbb9UdrBNy10DuGqJyR6Cwg9w1kLsGBAqhkLsGcteAQCEUctdA7hoQKIRC7hrIXQMChVDIXQO5a0CgEAq5ayB3DQgUQiF3DeSuoVqBAgBkAYECAIwEgQIAjASBAgCMBIECAIwEgQIAjASBAgCMBIECAIzES6CfXz88PLxSd7E6drFv+OFXdSdr4vPrn45/YtgvxzH3kGFvJdBPL3cX9OMf6kZWRps7Al2Udw/tRGbYL8pl7vUIdPP/CD/tLuuVupOV8XQYUrAc7x7a1Bn2i3LMPWbYOwn0af9/wp9ecie0LO+Yu0uzu/vZz1+G/YJ0co8Z9k4CbS/oy5uHX8SdrIsvb/7yd3UPK+PDZhYfboAY9svRzT1m2BsJ9HhBH7ghWpTPr3/8r5d8ArokHzZDvZ3IDPsF6eQeNOyNBPr5dXstH/hIblEOH6ZzB7Qo7URmW46RewAABupJREFU2C/MQaAxw95RoDzTWJan/RqaTy95J78klwJl2C/D0/Gz54hhj0DhcOvDe8hFQaAano7DPWLYI1A48OklSxEXBIFquMx52rB3FCgfBmlgIc2i8BmohmuBThn2RgLlcaQY7kAXhafwGqq9A/36bv88jAVxy3KcwbyHXJTTOlCG/ZJc/h/XtGHvJFC2ZGg47Mh4xwxektPTYIb9klxsYJg47J0EyqZgDZvEt0PoieMsFuW0oJthvySddaABw95JoNuVWRxLI+ADhzEJOL51ZNgvyjH3kGFvJVAORhSxy50PQJfl9Nkbw35JLnKfOOy9BAoAkAgECgAwEgQKADASBAoAMBIECgAwEgQKADASBAoAMBIECgAwEgQKADASBAoAMBIECgAwEgQKADASBAoAMBIECgAwEgQKz/K2ab45/e2ff2uan6cV/O+/NluORd82f/rPMW2N+a7t1Rz4l38b8f2zNAXJQaDwLFvfnZT5/kynI9gauKUttIxAP+6/vCPQJtB2x+oIdI0gUHiej03zr//R/vkffz79eRQdfx4EtohA3zY3BBqmu7eTLgWyg0DhDhvpfL//0/Q38BsbtxXeN5NqjRbo8dsmNjChGagMBAp32LyJbz8vjHgD372bnaCd6QKdfjVjm4HKQKBwj4/tm92NSSeKYiPQk7PeTvk4IECg0ww+oRmoDAQK99i+c9++iX/beXK9/zDz5I322fr3h3/8eaOn3Vvk/Re237j5y5Vq9vbZfP/3u3fVh48L2u987ideO+usg/Of+745/NPb85Y3f+n2ev4zdrb/eHjctfua4zd3v/BG9bM6Ny4NqgKBwl028tiY6GPHAO+vHqW37G4qN/74X+1fPp79w/brLm87jwL9n3/tfuXxR3xz8ydeCfS8g/Ofe1ugm6v65qzX08/YXedWoG8PRdo/nD7LOH3hdfXzOteXBnWBQOE+248Lu3eP79vbq7etz97vXbG9Cdz+fXsDtlHNP//P8W3y4fPGy0WgXzsCPd6wft/5EW/P/3r8iZcCvejg8uc+8xno991et/9ha7jDwq3dbeQ3X1s3f9Np4uILL6tf/PPVpUFlIFC4z3bu/4/T2+n9vduW97v/uFHE/u/tp6Snp/XvDzddhw88d++EzyR6EujP7Y9q/76TUfvY6fInXgr0soPLn3st0FacnV6PH/G2P/MovIOVD9Uuv/Ci+uU/X14a1AYChR523uu8gT+8F90/FfrY+YyzVc/xffjVhp/j+9u23oV1Wkl9PGhtX/vyJ14K9LKDy597ex3oN19v97q52u+7//L29NZ938z5F14I9PKfLy8NagOBQh/vz5+gPLcR8+1BoO1/3X4UeX3X9bFr0KNAj7eYewN2XXP9E5998H3079kX3BToN23pK73tm7nxL3tPX37hhUAv//ny0qA2ECj00d5r7Wg/yDx7aLNl96FhK9DTG/TOzWaX94dHMp2n8O0/bEucC/L6J94W6LGDy597Q6DdZ+3tHzpv7/fP54+PyLoCvfrCc4Fe/fPlpUFtIFDoo0egH8/+2r1hPHzoeX12x9um8/53skDPO7j8uc9vtuwK9Pwu945An7kdvvi29j8g0NpBoNDHhUDPt/Acdrj/fHoL/831P/988SFgK5ZCgV5sGrow4WUHFz+3UKDcgcIYECj00RXo1dPk98f3yjcF2n7J5nved7ef9wi0dc2u1vXz6wsTXnZw8XNLBHrrM9CbAh3xGSgCrRoECn10BdrZkrQz20lvG1ecCfTsw9D9svqTQt53bw4vLXN8Cr/5wT9f/cRLE152cPlziwR6svvHwwrR2wK9/MKrp/Dn/4xAaweBQh9nAj3tIt957qSv95efgb4/38S5e1O9/9rtx5rt0vhbAj2u/Xl7WAfa/YnPC/T9YU/R+ebREoHeWAd6W6DD14Ei0KpBoNDHmUC3mtoJqn2D3O732T3qaRenn6R03NXz89fuOvqL5ztXlvl4LP39jZ94th5p8/WXHVz+3PcXD5NOdG5WOzuIvv96R6CXX3hZ/eKfEWjtIFDo41ygp9XwO2McH5L/6d8Pmxa/OX1f011R1Hme3t4jPiPQZ/fCXy/o3Hz9ZQeXP/dwJshdgd7YC/+1bfFcoBdfeFX9ai88Aq0aBAp9XAj0/JCl1md7kX1z8RDpfVeDx+/sfuttgd4+jenw9wuBXnZw9XPblfX3Bdr+jG8u/+VKoOdfeF397J8RaO0gUACAkSBQAICRIFAAgJEgUACAkSBQAICRIFAAgJEgUACAkSBQAICRIFAAgJEgUACAkSBQAICRIFAAgJEgUACAkSBQAICRIFAAgJEgUACAkSBQAICRIFAAgJEgUACAkSBQAICR/H+pMZb1EJqevwAAAABJRU5ErkJggg=="/>
-          <p:cNvSpPr>
-            <a:spLocks noChangeAspect="1" noChangeArrowheads="1"/>
-          </p:cNvSpPr>
-          <p:nvPr/>
-        </p:nvSpPr>
-        <p:spPr bwMode="auto">
-          <a:xfrm>
-            <a:off x="155575" y="-144463"/>
-            <a:ext cx="304800" cy="304801"/>
-          </a:xfrm>
-          <a:prstGeom prst="rect">
-            <a:avLst/>
-          </a:prstGeom>
-          <a:noFill/>
-          <a:extLst>
-            <a:ext uri="{909E8E84-426E-40DD-AFC4-6F175D3DCCD1}">
-              <a14:hiddenFill xmlns:a14="http://schemas.microsoft.com/office/drawing/2010/main">
-                <a:solidFill>
-                  <a:srgbClr val="FFFFFF"/>
-                </a:solidFill>
-              </a14:hiddenFill>
-            </a:ext>
-          </a:extLst>
-        </p:spPr>
-        <p:txBody>
-          <a:bodyPr vert="horz" wrap="square" lIns="91440" tIns="45720" rIns="91440" bIns="45720" numCol="1" anchor="t" anchorCtr="0" compatLnSpc="1">
-            <a:prstTxWarp prst="textNoShape">
-              <a:avLst/>
-            </a:prstTxWarp>
-          </a:bodyPr>
-          <a:lstStyle/>
-          <a:p>
-            <a:endParaRPr lang="en-US"/>
-          </a:p>
-        </p:txBody>
-      </p:sp>
-      <p:sp>
-        <p:nvSpPr>
-          <p:cNvPr id="5" name="AutoShape 4" descr="data:image/png;base64,iVBORw0KGgoAAAANSUhEUgAABUAAAAPACAMAAADDuCPrAAAAolBMVEUAAAAAADoAAGYAOpAAZrYzMzMzZv86AAA6Ojo6kJA6kNs9PT1NTU1NTW5NTY5NbqtNjshmAABmZmZmtv9uTU1uq+SOTU2Oq6uOyP+QOgCQkLaQ29uQ2/+rbk2rjk2r5P+2ZgC2kDq2///Ijk3I///KysrW1tbbkDrb///kq27k5Kvk///r6+v/tmb/yI7/25D/5Kv//7b//8j//9v//+T////sHfwrAAAACXBIWXMAAB2HAAAdhwGP5fFlAAAgAElEQVR4nO2da4PcxpFlMWNJ3hXbkrwiufLucM0ZSuJw1GxzaPL//7WtB6oK9ehCAgjg3kic88Wk2B0duJV5jCpkZjdfAQBgFI26AQCArCBQAICRIFAAgJEgUACAkSBQAICRIFAAgJEgUACAkSBQAICRIFAAgJEgUACAkSBQAICRIFAAgJEgUACAkcwn0MdxjP5GBxL3Tu4ayF3DBEEh0NlI3Du5ayB3DQjUkcS9k7sGcteAQB1J3Du5ayB3DQjUkcS9k7sGcteAQB1J3Du5ayB3DQjUkcS9k7sGcteAQB1J3Du5ayB3DQjUkcS9k7sGcteAQB1J3Du5ayB3DQjUkcS9k7sGcteAQB1J3Du5ayB3DQjUkcS9k7sGcteAQB1J3Du5ayB3DQjUkcS9k7sGcteAQB1J3Du5ayB3DQjUkcS9k7sGcteAQB1J3Du5ayB3DQjUkcS9k7sGcteAQB1J3Du5ayB3DQjUkcS9k7sGcteAQB1J3Du5ayB3DQjUkcS9k7sGcteAQB1J3Du5ayB3DQjUkcS9k7sGcteAQB1J3Du5ayB3DQjUkcS9k7sGcteAQB1J3Du5ayB3DQjUkcS9k7sGcteAQB1J3Du5ayB3DQjUkcS9k7sGcteAQB1J3Du5ayB3DVqBvnvY8Mv+z59fb/78CoFuSdw7uWsgdw1Kge6UueGn7V8+vdz9+cc/EOg6B5QDiXsndw1CgX55s7vh/PDwl7/vZPrTzqKvYgTabBh5ZQal1jigHEjce1zugeO9lILeBV0VIRToU3u7+WGrzvYvn17+8GuEQJsmLHBFKSayhsS9h+UeON6L6e9d0VUROoFubkB/Of3t3f7W8/w/jhZo04QFLinFRNaQuPeo3APHezm9vUu6KkIn0M+vOzebX95s38d/3d6Ovpou0KYJC1xTiomsIXHvQbkHjvcB9PWu6aoInUA/vfzxj6eHh90noCebftg/Utrwbcvgwptmjoz45gylAObBc5B6dhXKKIH+v/1T+FcdgT4hUAAZnoPUs6tQhl/ZU7uA6Wl7D3pDoAdG3B3zFl4Hb+E18BZeg+4t/NNh2fz2XXusQHmIpAOBauAhkgblZ6Dtc6Pth6E3PgOdIlCWMclAoBpYxqRBKdDWmds/xD6Ff2QhvQwEqoGF9BqU60A7d6Bf3+3XfwatA51yYQ4k7p3cNZC7BuFOpHftu/XdTWfwTiQGlApy10DuGoQCbTe+P82yF54BJYLcNZC7BuVpTE/7ZaD7N+3tXziNaUvi3sldA7lrkJ4H+uXNRpmH9+ycB3oice/kroHcNXAivSOJeyd3DeSuAYE6krh3ctdA7hoQqCOJeyd3DeSuAYE6krh3ctdA7hpqFSg7kQbgGVYgprlHgkA1VCpQ9sIPwDOsQExzDwWBaqhToJzGNADPsAIxzT0WBKqhSoE2TdhM1pRackB5hhWIae7BIFANCNSxFAINxDT3YBCoBgTqWAqBBmKaezAIVAMCdSyFQAMxzT0YBKqhSoGaPhcpL8VDpEhMc48FgWqoU6CmK3OKS7GMKRTT3ENBoBoqFajp2vDSUiykj8U090gQqIZaBcqAEkHuGshdAwJ1JHHv5K6B3DUgUEcS907uGshdAwJ1JHHv5K6B3DUgUEcS907uGshdAwJ1JHHv5K6B3DUgUEcS907uGshdAwJ1JHHv5K6B3DXUKlDPteH1L+j2XEhfSt7cqxeo54SeUMtboJ67E+vfUui5lbOYtLlXL1DPCT2llrVAPc/HqP9QC8/DRMrJmvtj7QL1nNCTajkLtGnCUtKUSjoZAsPSkDT3LVUL1HNCT6uFQGcslXQyIFAdCLQMBDr3hTmUSjoZEKgOBFoGAp37whxKJZ0MCFQHAi0DgQ65sjHf61Aq62RI7s+0uT9WLlDTCV3tQyTXVQ/FpdJOhtz+zJt77QI1ndDVLmNyXXdbWirvZEjtz8S51y5Q0wld7UL6+geUK+Sugdw11LqVkwElgtw1kLsGBOpI4t7JXQO5a0CgjiTundw1kLsGBOpI4t7JXQO5a0CgjiTundw1kLsGBOpI4t7JXQO5a0CgjiTundw1kLsGBOpI4t7JXQO5a6hVoJ4bF+rficREFkHuGioVqOfW2fr3wjORVZC7hjoF6nl4S/2nMT0ykVWQu4YqBTrpnD6HUmscUA4k7p3cNSBQx1JrHFAOJO6d3DUgUMdSaxxQDiTundw1IFDHUmscUA4k7p3cNVQpUB4i6WAiayB3DXUKlGVMMpjIGshdQ6UCZSG9CiayBnLXUKtAGVAiyF0DuWtAoI4k7p3cNZC7BgTqSOLeyV0DuWtAoI4k7p3cNZC7BgTqSOLeyV0DuWtAoI4k7p3cNZC7BgTqSOLeyV0DuWtAoI4k7p3cNZC7hloFykL6AQReoedE9sw9MnbP3EvJ2/v419BboGzlHEDgFXpOZM/cQ2O3zL2YtL1PeA2tBcphIgMIvMJHy4nsmXts7I65l5O19ymvobNABxwc51lKMZGDprLfRPbMPTh2w9wHkLT3Sa8hAp2xFAINxDN3BNohae8I1LUUAg3EM3cE2iFp7wjUtRQCDcQzdwTaIWnv1QqUh0hDqH4ie+YeG7tj7uVk7X3Ka2gtUJYxDaH6ieyZe2jslrkXk7b3Ca+ht0BZSD+E6ieyZ+6RsXvmXkre3se/huYCZUCJIHcN5K6h1q2cDCgR5K6B3DUgUEcS907uGshdAwJ1JHHv5K6B3DUgUEcS907uGshdAwJ1JHHv5K6B3DUgUEcS907uGshdAwJ1JHHv5K6B3DUgUEcS907uGshdQ60CrX4nUuQ2Fs+dSJ65B8JOpAN5e691J1L1e+EjN1J77oX3zD0Q9sIfSdt7rXvhA0+6kZTqvejIo3wia8VNZM/cA4mNHYEqmPIaOgu0acJGp6ZU30UHdmV6Hqhn7oEEx45ABUx6DRHojKUQqGfugSDQDkl7zyHQEZwujFKL1orDNKw4PLuCIYROw+klnmHp/2dwKMUdqGfugQTHzh2ogEmvobNAeYg0T1sl8BCpkNjYEaiCKa+htUBZxjQEz4nsmXsgobEjUAkTXkNvgbKQfgieE9kz90AiY0egGsa/huYCZUCJIHcN5K6h1q2cDCgR5K6B3DUgUEcS907uGshdAwJ1JHHv5K6B3DUgUEcS907uGshdAwJ1JHHv5K6B3DUgUEcS907uGshdAwJ1JHHv5K6B3DUgUEcS907uGshdQ60CrX4nUiSeO5ECMc09EnLXUKlAq98LH4nnXvhATHMPhdw11ClQyVE+gaUEh1q4ncYUiGnusZC7hioF2jRhUtCUUhyr5nUeaCCmuQdD7hoQqGMpBBqIae7BkLsGBOpYCoEGYpp7MOSuAYE6lkKggZjmHgy5a6hSoDxEGkKoPw0nsmvusZC7hjoFyjKmIUT603Eiu+YeCrlrqFSgLKQfQuAVWk5k19wjIXcNtQrUc0CVkrh3ctdA7hoQqCOJeyd3DeSuAYE6krh3ctdA7hoQqCOJeyd3DeSuAYE6krh3ctdA7hoQqCOJeyd3DeSuAYE6krh3ctdA7hoQqCOJeyd3DeSuoVaBVr+QPnLxu+dC+siuClk490gQqITxw8FboNVv5Yzcfum5lTO0q0KWzT0UBKpgwnCwFmj1h4lEHgDieZhIbFeFLJp7LAhUwJTh4CzQpgkb6JpSfRcd2JXpcXbBXRWyZO7BINDlmTQcEOiMpRAoAh0IAl0eBOpaCoEi0IEg0OVBoK6lECgCHQgCXZ5qBcpDpHnaKoGHSBoQqIApw8FaoCxjGkKoE1jGpAGBKpgwHLwFykL6IUTWYiG9BgQqYfxwMBcoA0oEuWsgdw21buVkQIkgdw3krgGBOpK4d3LXQO4aEKgjiXsndw3krgGBOpK4d3LXQO4aEKgjiXsndw3krgGBOpK4d3LXQO4aEKgjiXsndw3krgGBOpK4d3LXQO4aahVo9TuRIql+J5Jp7pFY5l5K3txr3YlU/V74SKrfC2+aeyiOuReTNvda98IHHpojKbXogIo9YcjwNCbT3GMxzL2crLlPCctZoE0TNgw0pZYcUIFXuMXvPFDT3IPxy30ASXOfFBYCnbEUAq0/92D8ch9A0twRqGspBFp/7sH45T6ApLkjUNdSCLT+3IPxy30ASXOvVqA8RBpC7IwxfJhhmnsshrmXkzX3KWFZC5RlTEMInTGOy2lMcw/FMfdi0uY+ISxvgbKQfgiRM8ZyQbdp7pFY5l5K3tzHh2UuULa2iSB3DeSuodatnAwoEeSugdw1IFBHEvdO7hrIXQMCdSRx7+Sugdw1IFBHEvdO7hrIXQMCdSRx7+Sugdw1IFBHEvdO7hrIXQMCdSRx7+Sugdw11CrQ6hfSRy539lxIHwgL6QfgOd5NqXUhffVbOSM33Hlu5QyErZwD8BzvptS6lVNyEkVgqd6LDuzK9DCRQAJz98XwMJH6c58SlrNAmyZsGGhK9V10YFemx9kFEpi7MX7H2dWf+6SwEOiMpRBoIPVP5C0IdHkQqGspBBpI/RN5CwJdHgTqWgqBBlL/RN6CQJenWoHyEGmetkrwE+gKHmY88hBJwpSwrAXKMqYhRNZyFOgKltOwjEnDhLC8BcpC+iFE1nIU6AoWdLOQXsP4sMwF6jmRS0ncO7lrIHcNtW7lZECJIHcN5K4BgTqSuHdy10DuGhCoI4l7J3cN5K4BgTqSuHdy10DuGhCoI4l7J3cN5K4BgTqSuHdy10DuGpQC/fz6YccPvx7/9gqBbkncO7lrIHcNSoF+etkRaPuXH/9AoOscUA4k7p3cNSgF+vTw0/HPm/vPn3YWfRUjUHYiDYCdSC2OvZcR+RLG4TnePaZOgEDfdWz5tL/3/PRy/35+qkDZCz8A9sIfMOy9jNCXMAzP8W4ydaYL9Mubv/z9UqZf3jz8EiDQKaekOJTiNKZIAnM3JfYljMJzvLtMnekC/fz6x/962X4CepTph6v38BOui/NAY9sqwU+ggbmbEvwSBuE53m2mznSBHp4hbe85P79u37p/OH4u+m3L8MJfTxc24ptXViq0liXVX6DpFXqOd9epM6LE037V0qeXm5vPo0CfEOiypUxnXyDVX6DpFXqOd9epM6LE4WZz+679hkAPLH1r7VCKt/CBBOZuSvBLGITneLeZOtMFeuDTyx//iBWo6WfO5aV4iBRJYO6mOPrTdby7TJ1Igf7w643PQKcI1HTVQ3EpljGFEpi7KY7+dB3vJlMnUqA//hH7FP7Rdd1taSkW0scSmLspjv50He8eU2eyQI/O3L1rf7df/xm0DvTRdCKXkrh3ctdA7hqEWzkPG5F27gzeicSAUkHuGshdg1Cgn17u7jb36ozeC8+AEkHuGshdg/IwkQ/d0+yeHjiN6Uji3sldA7lrkB6ovDsC9KfuX15df9HSF+ZA4t7JXQO5a+BEekcS907uGshdAwJ1JHHv5K6B3DUgUEcS907uGshdQ60C9Vx3a7qg2zOsQExzjwSBaqhUoJ47v0y3FHqGFYhp7qEgUA11CtTz7IHyUosOKM+wAjHNPRYEqqFKgTZN2EzWlFpyQHmGFYhp7sEgUA0I1LEUAg3ENPdgEKgGBOpYCoEGYpp7MAhUAwJ1LIVAAzHNPRgEqqFKgZo+FykvxUOkSExzjwWBaqhToKYrc4pLsYwpFNPcQ0GgGioVqOna8NJSLKSPxTT3SBCohloFyoASQe4ayF0DAnUkce/kroHcNSBQRxL3Tu4ayF0DAnUkce/kroHcNSBQRxL3Tu4ayF0DAnUkce/kroHcNSBQRxL3Tu4ayF0DAnUkce/kroHcNSBQRxL3Tu4ayF1DrQJlR8wAIsOKm8j17wCLxFKg5H7vG50Fyp7sAYSGFTaR6z+DIBRHgZL73W80FiinAg0gNqyoiVz/KVixGAqU3O9/o69AmyZWCjEM6CrpeaBbgiZyYFemuQfjJ1By7/lGBDoM0wGFQE+scSLPBrn3fCMCHYbpgEKgJ9Y4kWeD3Hu+EYEOw3RAIdATa5zIs0HuPd/oK1AeIg0hNiweImnwEyi593yjsUBZxjSE0LBYxqTBUKDkfv8bnQXKQvohRIbFQnoNjgIl97vfaC1QzwFVSuLeyV0DuWtAoI4k7p3cNZC7BgTqSOLeyV0DuWtAoI4k7p3cNZC7BgTqSOLeyV0DuWtAoI4k7p3cNZC7BgTqSOLeyV0DuWtAoI4k7p3cNZC7BgTqSOLeyV0DuWuoVaCCbSyBpQou2nOrlWlbnjtiQrNiB1gxHrl7C1SxkTqwVP9Fe272N23Lc092bFacQVCKSe7WApUc5RNYqveiA7uKxLOtwNwDCc6KU7AKccndWaBNE5aSplTfRQd2FYlnW4G5BxKdFeewlmGTOwKdsRQCDYSJPADP8R6ITe4IdMZSCDQQJvIAPMd7IDa5I9AZSyHQQJjIA/Ac74HY5O4sUB4iifBsKzD3QIKz4iFSIS65WwuUZUwiPNsKzD2Q2KxYxlSKSe7eAmUhvQjPtgJzDyQ0KxbSF+ORu7lA2domgtw1kLsGBOpI4t7JXQO5a0CgjiTundw1kPvy/LbhdwRqSOLeyV0DuS/KbwcQqCOJeyd3DeS+FL+dgUAdSdw7uWsg99n57RYI1JHEvZO7BnKfj5vmRKDGJO6d3DWQ+zzck2fNAmUh/QA8wwqEBd3eePbe584tL16MfQ29BcpWzgF4hhUIWwrNseu9xJ17f74Y+xpaC1RyIkJgqUUPE/EMK5DA3AMJzgqBBlHqztafL8a+hs4CbZqw0akpteRxdp5hBRKYeyDRWSHQ6Qxx58GfL8a+hgh0xlIINBAEao++96HuRKDWpRBoIAjUHmHvo8yJQM1LIdBAEKg9it6nmLN2gZo+FykvxUOkSAJzDyQ4KwQ6gAB5Hg069jW0FqjpypziUixjCiUw90Bis0KgZUS582jQsa+ht0BN14aXlmIhfSyBuQcSmhUC7SXWnQeD1rmQngGlgtw1kPtd5pDnjlq3cjKgRJC7BnJ/jtnciUBtSdw7uWsg9xvM604Eakvi3sldA7l3WcCcCNSYxL2TuwZy37KcOBGoM4l7J3cN5L68PBGoK4l7J3cNq85d404Eakvi3sldw1pzF7oTgdqSuHdy17C63NXmbKlVoLk317ATKRbPHWCmO5E8d96dmOy87Q72AHXuqVSgybd3sxc+FM8zCEz3wnue/dASobzdGUphBq1ToIEn3QQfmlMGpzFFUt7VkrkHZxUlUMkVlvQeZbwXL0INWqVAmyZsGASWGgDngQYyoKsFc4/OKkigmivs6T3IdTtevIg1KAJdrNQAEGggCHQAbgKNsVyH9Ql0BKeXzqlUIJFdEVb2UpEYXeHvs3ASaFDByTm1aQXVuWaE3I1vFMrgDjSQkDuhwaUCuyqiqjvQmJvDm6zvDnRMc4FjU6IEHiJFUt4VD5HED5FipHaXUH9+9913VQrUd7VJGSxjCqW4K5YxqZYxheisjAh/fneiToHarncug4X0sZR2xUL6R8EVbt4Hx6ixkAn+/O6aSgW6vq1tJpC7hpy5t15aVqBjuGFOBOpL4t7JXUO63Lt6Mhbo8+ZEoL4k7p3cNWTK/cpSjgLtNeeWWp/CP+YaUFck7p3cNSTJ/basvARaJM4DCNSRxL2Tuwb/3O8oy0OgZbecFyBQRxL3Tu4ajHPvV5daoGPM2YJAHUncO7lrcMy9WGBCgY42ZwsCdSRx7+SuwS33QRbTCHSaOVtqFajnemfPBd2RVJ+7K0YL6YerrECggUd4vngRYc6WSgXquePOc0thJNXnbovHVs6RSusXaND+9ThxHqhToJITEQJLLXqYSCDV5+6L/jCRCV7rFejkE0BC3q7fokqBNk3Y9NOUWvI4u0Cqz90Y6XF24/3TWqjn3yecQddjzinu3IFAHUshUM/cjVEJdKJ/Wgv1/Psogfaqc6o7dyBQx1II1DN3YxYXaIR9jhbq+fdBAu0X53ffcaDyXaqfyAh0nlIItD+sGO9cWKjn34sEWiLO7ziRftAwGHlt8lI8RDLN3ZdFHiLFOOeGhfq+4K70ysxZVGpE61UKtP7lNJb+XEHutsy9jCnIN89YqPcrbkpvmDnvlhpNpQKtf0G3pT9XkLsrMy6kj3LNHQv1f8mZ9MaZ82apqdQqULutbYNI3Du5a5gj9zDL9Fqo/EsniHMWEKgjiXsndw2huS/roFKBepmzBYE6krh3ctcQlrvEQn1fYGjOFgTqSOLeyV1DRO46C935N1dztiBQRxL3Tu4aJuYuttCN/2Z7z3kOAnUkce/krmF87moF/XYuUMtPOp8HgTqSuHdy1zAqd7V9DuwE2mdOO3fuQKCOJO6d3DUMzV0tng795vR05w4E6kji3sldQ3HuauN0KDGnrzr31CrQ6nfERO5Eiqxl9KslhpfKuwOsIHe1arrkF2fLixdjh4O3QKvfkx25Fz50X73Hr5YYWSrtGQR9uas9c6CCW84zXmwFOm44WAu0+lOBArsKPtlJ/6slJpTKegrW453c1Y7ZUcOb9Ru82At01HBwFmjThA10TaklzwONrPUo/tUSU0slPYd1y63c1X75rdScwt8LP4UXB4GOGQ4IdMZSCLT+3IO5yF3tlt8Gfc6JQBFoaCkEWn/uwZxyV2vlt+G/yQ2BItDQUgi0/tyD2eWuNspvI4/9QKBeAuUh0jxtlcBDJAUbB8klNMacLfLeR1LrQySWMQ0i1AksY1qU41wWCnSCOVtSCbQb/4Th4C1QFtIPIbIWC+kX42xaSwQ66v36DXII9NZrMH44mAuULYUiyH0Jrmf3ogK9L85B7txhLtB7r8QEQSHQ2UjcO7nPzDOTfBGB9opzuDt3uAq04OVAoI4k7p3cZ+TOXJ9XoCXmnLCTyE6g5S8JAnUkce/kPg99U34mgc5szha9QEe/LgjUkcS9k3s4RQaIFugy5mwRCnTqi4NAHUncO7nHMUQEYQJdUpwHFAINeo0QqCOJeyf36YzxwXSBKszZsqhAY18rBOpI4t7JfRpjtTBFoDpztiwj0FleLwTqSOLeyX00k+wwUqBic7bMJdAFXrRaBcpOpAF4hhVIYO7zMN0VwwXqYM6Wgt63287LC94NO3SMVipQ9sIPwDOsQAJzj2a8dC4YItD75nwxzFUR9Pf+oqyrkshjx2idApUc5RNYKutpTJFtxRGYexwR3ulSJNCCe84XLwpdFUlv771dlQcfPEarFGjThKWkKZX0PNDItuIIzD2IUPm03Bdo8dv1Fy8UBu0T6J2uhmYfPUYRqGMpBBqIlUDnEdBvzwq0x5xXH3UmEOi0FwCBFuDpBASqwUWgMzvoUkK96rz5mMhZoJZjFIE6lkKggRgIdAkHHSTUL857T9gtBeo8RqsUqOlzkfJSPESKJDD34SxjoI2DSsRZsDbJ6iHSiJewl+AxWqdATVfmFJdiGVMogbkPYSH7BJnzgMCfVwKd8BL2EztGKxWo6drw0lIspI8lMPcSFtJOsDkPLO/PjUB7M3Udo7UKlC2FIlad+0K+mcmcEkJyF4JAHUnc+2pzX8Y31Yjz7J4z8ZhBoI4k7n2NuS9jnBrNOS13BxCoI4l7X1nuyzinwJzC3wtfSGjuNiBQRxL3vpbcl9JO6T2no0DnyN0NBOpI4t5rz30p+Qx9t24l0BlydwWBOpK495pzX8I9Yz/p9BDoPLk7g0AdSdx7pbnP754+c/Y8JRILdK7c7alVoJ7rbk0X0gfi2dak3M9NEb/MvN+cJU/Y4wQqOPt9jePdW6CeO79Mt3IG4tnW+Nxv2iXKoCXmLF6cFCbQ0iucNffxpZZlQlvWAvU8e6C81KKHiQTi2da43O/YZapBI8V5IEqgkrPf1zjenQXaNGGBa0oteZxdIJ5tDc+91y5jDTqHOVuCBHrrChfLPaLUkkxqC4HOWGqNA2o2BnQ14VdL9DCfOVvmEOhiua9xvCPQGUutcUDNRklXBwsN0UsRM95znhMqUMZ7EQjUtdQaB9Rs9HR1ZqEivZQJdClztsQIlPE+hGoFykMkEZ5tPdvVtYX6BFPmz0XN2TJRoP1hBeZ+xRrHu7VAWcYkwrOtG109Y6Fe0fT5c3lztgwV6JCwAnO/zRrHu7dAWUgvwrOtTlf3LdQvnmf9qTJnS7FAh4QVmPtd1jjezQVa65ZCe2xzL7LQGHVpxXmgX6DqF+AOrmOmgFq3cvpO5BIS926Ze7GFhklLfNN5xh2BqtPvx3HMFIJAHUncu1vuwyxU9mU9H3RKDoe/JVB19sWYjZkhIFBHEvdulPsIC93/515xaty5YydQdeJj8Rkzg0GgjiTu3ST3kRZ65r+XmFP6O4lsch9H4t4RqCOJe9fnPsFDVwJNYM4Wfe4TSNw7AnUkce/S3Kfq6CTQPOZsYbxrkAv008sf/9j94fPrh4eHVwh0S+LeNbkHWel37885dzyTAONdwwICfds0//JvX99+f/Mfv7x52Av008uHLa1NEWhWls09UExZzdnCeNcwu0Dfb9fq/8u//fNvzb/+x41//tA6c3P/+dPOoq9iBMpOpAF4htXHAPdM2n55bs7AX+lRWqoojTiBeo73QELH6NwC3flzI9D//mvT/Ok/r/55e9+5E+jT/n8+vfzh1wiBshd+AJ5h3WOEqW67avA9Z+Cv9Hi+1JhIwgTqOd4DiR2jMwv0H3/e3Hj+9183b+G3Bv358p83b+D/9/4z0Hf7W8/Nf/glQKBTTklxKLXo6TSeYT3HaFNdumrUu/WYX+nxbKkJuUQJ1HO8BxI8RmcW6NvtbedOoF83b+K/ufzndw8/7R8ifXnzl7/v/suHq/fwI3prmrCUNKWWPB/RM6xrJpvq6Krxn3NO/ZUez5aaHk+QQD3HeyDRY3RegW6kubnr3Av068erT0G379v3Av38un3r/mH7UeiOb1tum/kup5BGfPPKSrm2deL3iZxUdd+cg0pNbepdyNgAACAASURBVOpQKjirydiPhql4dvWcQPfqbAX6jz9fCPTz681t54VAnxDosqVc29oxWVOtqnrerg+1XoRATSey82gIwbOrcQLdfe75rEAPjLg7PoU08vZaXYq38EELlHrMefmGfb5fKvfb5dv0yKy28Ba+DJvciwR69hb+/cVj+A+7B+9zCNT0uUh5qXU/RBohpyt6zXnzw86gX+lxwZxZHeEhUiEuuRcJ9Ovb7eeee4H+48/nD5E+vdw9N3r2M9ApAjVdmVNcaqXLmAZp6RkKzPn8c6Lpv9Kjy6xZXcIyplJMci8T6Maa2zWgG4G+3+1HOrsBPfLDr7FP4R9d14aXllrbQvpSO95lijlbpvxKjw6zZvUMLKQvxiP3MoG2C+n3nG/mPBPo13f79Z9B60CnXJgDiXsfnHuZHe8w6Z7znKm/GniWRMtgvGtYZivnDX8eaA8TCd6JxIBSMST3abYqEefA3eujBTpfnqUw3jUsc5hIc3MfZ1eg0XvhGVAiCnMfa6otM5izZbhAZ06zHMa7Bpvj7J4eOI3pSOLe+3IfJbYjc5mzpUCgy6Q4HMa7BhuBch5oh8S9P5v7FLFtmdWcLfcEumiKw2G8a5ALtJelL8yBxL3fyn2q12YX54GbAl0+wzEw3jXMK9DtEUznXB3IhEBvkLj3i9ynKm0hc7acC1SU4DgY7xqWFujtY5UR6DmJez/lPkllS91zntMKVJnfWBjvGhYX6LOP42MFKl8bPqnUwgvpA9m2NUVh83zQ2bv6ve1+jQu6rxCMrNzjfdx3Fgl0twx0v/7zY7PdyfnPvw1+Fz/6uix2J44rtexWzjCmHNjeZ84p9513ujq/gDVuKbxEMbKSjvdJbZUJtHMG6P5gka9vr49Vjhfo4W531JUZlFr0MJEYOqYaZtB+c059z15+9vsaD7W4QDKyEo73HVPaKhJoK82DTLfv3j8OfQ8/4bq8TmgbUGrJ4+ymc2WqMoOWmDPi484BZ7+v8Vi1czQjK9d4PzKprSKBtgfZ7dmfB3p1KigCvSbNgLqnqknmDBDnRVcRuQeCQDukGe/nLCHQsztQBFqNQO+p6lmBLmzOlsDcA0GgHfzH+03mF+jmLfzxDXv7Z97CpxboXVU9L1CJOYeHhUAR6ADmF+juLKb9PejHZvc8/vJY5VkEykOkWehX1pU/F77nnBoWD5F4iDSEKW2VCXS7bOnI5tbzbcMypoIvtFvWUWqwgz9LxDm/OQ8E5h5I7EvIMiYFE9oqE+jhMLst7TLQgTegLKSfVmoyw0y2sDkLryEw90BCX0IW0ksY31apQA8K3XlzI9DbxyqHC5StbZMZKjNHcw7EIvdxMN41cBqTI9reh+ssvTlbEo8ZxruGBQX6z78NPkgEgS5NsDvjxLnICR+JxwzjXcNiAt0+j0eghUh6D3VnMnO2JB4zjHcNywi0PZUJgRaydO9x4vzu96m/2VJizpbEY4bxrmEJgbYP4s9/LTwCvcNivceJ83DXGSDQpS7+msRjhvGuYXaBfmwXMQ1++o5AZ2SY0frM2X3HPkqgc19uKYnHDONdw7wCPa6jH61PBBpLtDmvPu0cJtDZrnMciccM413DnAJ93751/78jVn8i0GDizXn7QVGhQOMvMILEY4bxrmE2gR5+m8fP45bPTxUoO5E69Nmss319tDivSxmZk51I3iTufS6B7v2596ZAoOyFbym5G9ztX59qzk6pkl+esSjshTcnce/zCfT00H15gR6234+8NnmpkNNpSty5JcScXX9eGLQ8oJkIzD2QwIG1BYFqmPcOdH/05+ICbZqw0akpNe18xDhxDlwPP+CXZyxIYO6BBA6sHQhUw3wPkd7uh8f3CHR4qZECLRVduDnPBRr4xjQCBGpP4t7nfArfPkda/in86gRa7rh5zNkSLYUYEKg9iXufeSH95GX0CPReqUG/QLjHnKN+nfvoK1wQBGpP4t5n34l0WEu/6E6kwLEpKVXyEGnAL2DvM+fwX+Y++ZdnLElg7oEEZ4VANSyxF/4ff96NlCX3wgeOTUWpnov+7e56oVJzHr9qiD+jrnBRonKPJTYrBKphoePs3u4Gy4KnMQWOTUGp5y/6zHojzXn1QWeJP4OvcFmm5z4HoVkhUA2LnQe6faLEcXaF3Oi97AZxhodEQ1uvLPcskLuGJX+lx3sEWki391LR9apzqDtHtl5L7skgdw38TiRHdr2HiXOoOqe1nj73nJC7BgRqx0ZhJScalYhzSXO25M39cZ0T2YHEvSNQH04muytQU3O2JMz9ROLeyV0DAjXgSmi3BeptzpZMuV+RuHdy14BAlTzntQuBxptzvktKkftzJO6d3DUgUAk9fjsKNMEt5wXeufeQuHdy11CrQD0X0u8o0NzvJe4ctvlyoSvMXSrvRCZ3EZUK1HMrZ9DKpO2XlG+/XPQKk5dKO5HJXUWdApWcAHKfCHWevq7kAJClr7CCUlknMrnLqFKgTRM2DKaXijXnuT9vG3TpK6ynVNKJTO46EOhcpcrEOfDYj/sCXfgK6yuVdCKTuw4EGl4qxpx3H69fCnThK6y2VNKJTO46EGhcqShzfvdd31bOgz4jPqpKP/sCSyWdyOSuo0qBLv1JeJw529vO3r3wgReY/glEYKmsE5ncZdQp0KXWYhSac/B6+OcFOsMFZl8DE1gq7UQmdxWVCnTu1cBx4rz5UecNgc54gclXYQeWyjuRyV1ErQKda2tbnDjvPSTqCnSWy5gPthRqIHcNCLSQZczZFWhs/0vBRNZA7hoQaA9l4ixzZ1mhx3UOKAcS907uGhDocxSbM+w3uXWan9i7ECayBnLXgECvGGDOoVswe815aH5s73qYyBrIXQMCPTHInPfVOdach+ZHXrQBTGQN5K4BgT46mfPQ/MiLNoCJrIHcNaxboMPMGfN+veTp+hoHlAOJeyd3DesUaKg4Y925b37kRRvARNZA7hpqFegzeyCCxTnUnYE7M9iJNEOpZScyL+GBvAIdH5a3QK924cabc8THnYF7g9kLP0epRScyL+GRtAKdEJa1QJvmeGUyc97tqi/cARc4mcBa2UstOZF5CU9kFeiUsJwFuruo4t+6Nr85z9MOOB9xQKleAmulL7XgROYl7JBUoJPCqkagBeIsLBUXNwKtfiLzEnZAoAkFWnbLef/Xt5WZs9sVAnUuhUCrzz2StQp0yJv1wN9/iUDtSyHQ6nOPpFqBPh4EOtydV9/xrD/HdVWWNg+R6n+YwUt4IqlAq32ItLuyS+kNNee5QSe689hVWdosY1rBchpewiNZBVrtMqbtlZ2kN9KcXYNOduehKxbSO5diIb2mVFqBVruQftPf7zHHfsSYc2jzi/60UNhSqIHcNdS6lfPxa5A7R/74aaxxQDmQuHdy17A2gZqb89C88odPg4msgdw1rEigGczZssYB5UDi3sldQ70C/T3bbWeHNQ4oBxL3Tu4a6hZouTlt3LljjQPKgcS9k7uGigWa05071jigHEjcO7lrWLdAR9aenTUOKAcS907uGtYp0JE1F2ONA8qBxL2Tu4ZaBdrdiTRRnp47M9jGMkOpvBPZM/dS8uZeq0Bv7IUfe+PpuTeYjdRzlEo7kT1zLyZt7rUKtGkuT2MaeZWup9MEdpX+KJ/AUlknsmfu5WTN/bFSgTYHgb6Y/HFn04SNqAGlOA/UM3dTPHMfQNLct9QrULsBhUDtSyWdyJ65DyBp7lv8BTqC0yigVNK2PEuZQlj54Q40shR3oJ65m+KZ+wCS5r7F/w50THOBg0BSiodIprmb4pl7OVlzf6xVoKbLOopLsYzJNXdTPHMvJm3u1QrUdGFxaSkW0mtK5Z3InrmXkjf3agXK1jYR5K6B3DUgUEcS907uGshdAwJ1JHHv5K6B3DUgUEcS907uGshdAwJ1JHHv5K6B3DUgUEcS907uGshdAwJ1JHHv5K6B3DUgUEcS907uGshdQ60C9VxYzEJ671LL5m76EgpAoG4C9dzaxlZO81KL5m76EipAoGYCbZqwESUpxWEi9edu+hJKQKBeAm2asBGlKcVxdtXnbvoSakCgCDS0FAKtPnfTl1ADAkWgoaUQaPW5m76EGhAoAg0thUCrz930JdSAQL0EavpZf3kpHiLVn7vpSygBgZoJ1HS1SXEpljGtIHfTl1ABAnUTqOl659JSLKTXlGIhvQYEaidQtraJIHcN5K4BgTqSuHdy10DuGhCoI4l7J3cN5K4BgTqSuHdy10DuGhCoI4l7J3cN5K4BgTqSuHdy10DuGhCoI4l7J3cN5K4BgTqSuHdy10DuGhCoI4l7J3cN5K6hVoF6bhjx3BGTPKzAUnl3IiFQEZUK1HPLsuee7OxhBZZKuxcegaqoU6BNEzY6JaU4jan+3CNfwkcEqqJKgTZN2OjUlOI80Opzj3wJtyBQDQjUsRQCrT53BNohce8I1LEUAq0+dwTaIXHvCNSxFAKtPncE2iFx71UK1PSz/vJSPESqP/dYfyJQEXUK1HS1SXEpljGtIPdQfyJQEZUK1HS9c2kpFtJrSrGQXkPi3msVKANKBLlrIHcNCNSRxL2TuwZy14BAHUncO7lrIHcNCNSRxL2TuwZy14BAHUncO7lrIHcNCNSRxL2TuwZy14BAHUncO7lrIHcNCNSRxL2TuwZy11CrQD3XO3su6E4eVmCpZSey6UL60LbKQKBuAvXccee5pTB7WIGlFp3Ipls5Y9sqA4GaCTTwoAZJKQ4TMc09kMiX8DFOoMFtlYFAvQTaNGHDQFOK4+w8cw8k8iXcEiTQ6LbKQKAINLQUAvXMPRAE2gGBItDQUgjUM/dAEGgHBIpAQ0shUM/cA0GgHRCol0Drf5gROcqzhxVYiodIPEQaSJ0CrX85TeQoTx5WYCmWMbGMaSCVCrT+Bd2Rozx3WIGlWEj/yEL6YdQqULa2iSB3DeSuAYE6krh3ctdA7hoQqCOJeyd3DeSuAYE6krh3ctdA7hoQqCOJeyd3DeSuAYE6krh3ctdA7hoQqCOJeyd3DeSuAYE6krh3ctdA7hoQqCOJeyd3DeSuoVaBVr8jhp1IM5RaNnfTnUgCEvdeqUCr35PNXvg5Si2au+leeAWJe69ToIFHykhKcRpT/blHvoSPCFRFlQJtmrDRqSnFeaDV5x75Em5BoBoQqGMpBFp97gi0Q+LeEahjKQRafe4ItEPi3hGoYykEWn3uCLRD4t6rFKjpZ/3lpXiIVH/usf5EoCLqFKjpapPiUixjWkHuof5EoCIqFajpeufSUiyk15RiIb2GxL3XKlAGlAhy10DuGhCoI4l7J3cN5K4BgTqSuHdy10DuGhCoI4l7J3cN5K4BgTqSuHdy10DuGhCoI4l7J3cN5K5BKtBPLx8eHl61f/n8uvMXBJoVctdA7hqUAv3wsOOHX48yfXj48Q8Eus4B5UDi3sldg1CgG2X+srvx/Onr4X82/+lVjEA91zt7LuhOHlZgqYVzD8S0rUIQ6BiBvtvL8tPL7S3o0/7ec/+X6QL13HHnuaUwe1iBpZbNPRDTtkpBoBMeIn1+vXVma9Mvb7Z3pZMFGnhQg6QUh4msIPdATNsqBoFOEOinl5t7zy9v/vL33d8+XL2HH9Fb04SNKE0pjrOrP/dATNsqB4GOF+jhk9D2rfuH3SeiW75tGVHzNKDGdrWeUqZtVV8qEtO2YAAjX7p3Dw+7W8+jQJ8Q6LKlTNuqvlQkpm3BAMa9dF/ePOwXf94Q6IERd8enATXy9lpdirfw9eceiGlb5fAWftJnoJv38LEC5WHGPG1VX4qHSBoQ6JStnNsVTDc+A50iUJbTDCF5WIGlWMakAYFOEej2MXzsU/hHFnQPIndYgaVYSK8BgY4Q6HHJ524d07v9X4LWgU65MAcS907uGshdg3Qn0v7d+u5de/BOJAaUCnLXQO4a5HvhN+rcvnuP3gvPgBJB7hrIXYPyM9Cn/WlM+zft7V84jWlL4t7JXQO5a5A+RNodAXpQJueBnkjcO7lrIHcNBk/he1j6whxI3Du5ayB3DQjUkcS9k7sGcteAQB1J3Du5ayB3DQjUkcS9k7sGctdQq0DZETOAyFqWE9k090gscy8lce+VCpQ92QMI3UjtOJFNcw/FMfdiEvdep0AlR/kElsp6GtOj5UQ2zT0Ww9zLSdx7lQJtmrCBrimV9DzQLX4T2TT3YPxyH0Di3hGoYykEGohp7sH45T6AxL0jUMdSCDQQ09yD8ct9AIl7R6COpRBoIKa5B+OX+wAS916lQHmINE9bJRhOZNPcYzHMvZzEvdcpUJYxDSHUCY4T2TT3UBxzLyZx75UKlIX0Q4isZTmRTXOPxDL3UhL3XqtAGVAiyF0DuWtAoI4k7p3cNZC7BgTqSOLeyV0DuWtAoI4k7p3cNZC7BgTqSOLeyV0DuWtAoI4k7p3cNZC7BgTqSOLeyV0DuWtAoI4k7p3cNZC7BgTqSOLeyV0DuWuoVaDsRBJhOZEDc3fFMvdSEvdeqUDZC6/CcSIH5m6LY+7FJO69ToFyGpMMw4kcmLsvhrmXk7j3KgXaNGGC0ZTiXMpAAnM3xi/3ASTuHYE6lkKggSBQexL3jkAdSyHQQBCoPYl7R6COpRBoIAjUnsS9VylQHiLpMJzIgbn7Yph7OYl7r1OgLGOS4TiRA3O3xTH3YhL3XqlAWUivwnIiB+buimXupSTuvVaBMqBEkLsGcteAQB1J3Du5ayB3DQjUkcS9k7sGcteAQB1J3Du5ayB3DQjUkcS9k7sGcteAQB1J3Du5ayB3DQjUkcS9k7sGcteAQB1J3Du5ayB3DbUKtPqF9JHkDiuw1BonsgOJe69UoNVv5YwkeViBpdY4kR1I3HudAq3+MJFIsocVWGqNE9mBxL1XKdCmCZt+mlJLDqj0YQWWWuNEdiBx7wjUsRQCrT/3YBCoBgTqWAqB1p97MAhUAwJ1LIVA6889GASqoUqB8jBjCNnDCiy1xonsQOLe6xQoy2mGkDyswFJrnMgOJO69UoGyoHsIucMKLLXGiexA4t5rFSgDSgS5ayB3DQjUkcS9k7sGcteAQB1J3Du5ayB3DQjUkcS9k7sGcteAQB1J3Du5ayB3DQjUkcS9k7sGcteAQB1J3Du5ayB3DQjUkcS9k7sGcteAQB1J3Du5ayB3DbUKtPodMYFdmYYVCDuRvEnce6UCrX5PdmBXpmEFwl54cxL3XqdAqz8VKLAr07AC4TQmdxL3XqVAmyZsJmtK9V10YFemYQUSmLsxCFQDAnUshUADQaD2JO4dgTqWQqCBIFB7EveOQB1LIdBAEKg9iXuvUqCmz0XKS/EQKZLA3H1BoBrqFKjpypziUixjCiUwd1sQqIZKBWq6Nry0FAvpYwnM3RUEqqFWgTKgRJC7BnLXgEAdSdw7uWsgdw0I1JHEvZO7BnLXgEAdSdw7uWsgdw0I1JHEvZO7BnLXgEAdSdw7uWsgdw0I1JHEvZO7BnLXgEAdSdw7uWsgdw21CtRzbXj9C7o9F9KXkjd3BCqiUoF67k6sf0uh51bOYtLmjkBV1ClQz/Mx6j/UwvMwkXKy5v6IQFVUKdCmCZvJmlJJB1RgWBqS5r4FgWpAoI6lkg4oBKoDgWrwF+gIThO50lKm1H+FAPPAHWhkqaT/j8wdqA7uQDX434GOaS5wHktKZR1Qyf2ZNvdHBKqiToGyjElEbn/mzR2BqqhUoCykF5Han4lzR6AiahUoA0oEuWsgdw0I1JHEvZO7BnLXgEAdSdw7uWsgdw0I1JHEvZO7BnLXgEAdSdw7uWsgdw0I1JHEvZO7BnLXgEAdSdw7uWsgdw0I1JHEvZO7BnLXgEAdSdw7uWsgdw21CrT6nUiuW36YyBrIXUOlAq1+L7ztpnMmsgZy11CnQKs/jcn32CMmsgZy11ClQKs/D9T44E0msgZy14BAHUshUA2Jeyd3DQjUsRQC1ZC4d3LXgEAdSyFQDYl7J3cNVQqUh0g6mMgayF1DnQJlGZMMJrIGctdQqUBZSK+CiayB3DXUKlAGlAhy10DuGhCoI4l7J3cN5K4BgTqSuHdy10DuGhCoI4l7J3cN5K4BgTqSuHdy10DuGhCoI4l7J3cN5K4BgTqSuHdy10DuGhCoI4l7J3cN5K4BgTqSuHdy10DuGmoVaPU7kVxhImsgdw2VCrT6vfC2MJE1kLuGOgVa/WlMvjCRNZC7hioFWv15oMYwkTWQuwYE6lhqjQPKgcS9k7sGBOpYao0DyoHEvZO7BgTqWGqNA8qBxL2Tu4YqBcpDJB1MZA3krqFOgbKMSQYTWQO5a6hUoCykV8FE1kDuGmoVKANKBLlrIHcNCNSRxL2TuwZy14BAHUncO7lrIHcNCNSRxL2TuwZy14BAHUncO7lrIHcNCNSRxL2TuwZy14BAHUncO7lrIHcNCNSRxL2TuwZy11CrQFlIL4KJrIHcNVQqULZyqmAiayB3DXUKlMNEZDCRNZC7hioFynF2OpjIGshdAwJ1LLXGAeVA4t7JXQMCdSy1xgHlQOLeyV0DAnUstcYB5UDi3sldQ5UC5SGSDiayBnLXUKdAWcYkg4msgdw1VCpQFtKrYCJrIHcNtQqUASWC3DWQuwYE6kji3sldA7lrQKCOJO6d3DWQuwYE6kji3sldA7lrQKCOJO6d3DWQuwYE6kji3sldA7lrQKCOJO6d3DWQuwYE6kji3sldA7lrQKCOJO6d3DWQu4ZaBcpOJBFMZA3krqFSgbIXXgUTWQO5a6hToJzGJIOJrIHcNVQpUM4D1cFE1kDuGhCoY6k1DigHEvdO7hoQqGOpNQ4oBxL3Tu4aEKhjqTUOKAcS907uGqoUKA+RdDCRNZC7hjoFyjImGUxkDeSuoVKBspBeBRNZA7lrqFWgDCgR5K6B3DUgUEcS907uGshdAwJ1JHHv5K6B3DUgUEcS907uGshdAwJ1JHHv5K6B3DUgUEcS907uGshdg1Sgn14+PDz88Ov+L59fb/7yCoFuSdw7uWsgdw1Kgb572PPqKNOHhx//QKDrHFAOJO6d3DUIBfq0V+e7h7/8fXf/+dPOoq9iBMpCehFMZA3krkEo0HetLN9t1fm0v/f89PLwjn6aQNnKqYKJrIHcNegE+uXN9s7z69adPx1t+uXNwy8BAuUwERlMZA3krsHgKfxWoEebfrh6Dz+iN46z08FE1kDuGvQC3d10fn7dvnX/sL0d3fFty4iSJ1WN7sq7FABUxXgpfNh++nkU6BMCBYC1MVoKT+1D+CuBHhhxd8xbeB28ldRA7hrUb+H3/gwWKA+RdDCRNZC7BrFAP+z9eesz0CkCZRmTDCayBnLXIBXolzeHjZyxT+EfWUgvg4msgdw1KAW68edx5+a7/frPoHWgUy7MgcS9k7sGctcgFGjXn9E7kRhQKshdA7lrEAr0Q/fkkOi98AwoEeSugdw16AS6O77u4XgE09MDpzEdSdw7uWsgdw06gT49nAmU80A7JO6d3DWQuwb1OtB+lr4wBxL3Tu4ayF0DAnUkce/kroHcNSBQRxL3Tu4ayF0DAnUkce/kroHcNdQqUM+dSKWscUA5kLh3ctdQqUA998IXs8YB5UDi3sldQ50C9TyNqZw1DigHEvdO7hqqFKjneaADWOOAciBx7+SuAYEuVmoAaxxQDiTundw1INDFSg1gjQPKgcS9k7sGBLpYqQGscUA5kLh3ctdQpUB5iKSDiayB3DXUKVCWMclgImsgdw2VCpSF9CqYyBrIXUOtAmVAiSB3DeSuAYE6krh3ctdA7hoQqCOJeyd3DeSuAYE6krh3ctdA7hoQqCOJeyd3DeSuAYE6krh3ctdA7hoQqCOJeyd3DeSuAYE6krh3ctdA7hpqFahg9XsgaxxQDiTundw1VCpQxf7LQNY4oBxI3Du5a6hToJITQAJZ44ByIHHv5K6hSoFqzqALZI0DyoHEvZO7BgTqyBoHlAOJeyd3DQjUkTUOKAcS907uGhCoI2scUA4k7p3cNVQpUB4i6WAiayB3DXUKlGVMMpjIGshdQ6UCZSG9CiayBnLXUKtAGVAiyF0DuWtAoI4k7p3cNZC7BgTqSOLeyV0DuWtAoI4k7p3cNZC7BgTqSOLeyV0DuWtAoI4k7p3cNZC7BgTqSOLeyV0DuWtAoI4k7p3cNZC7BgTqSOLeyV0DuWtAoI4k7p3cNZC7BgTqSOLeyV0DuWtAoI4k7p3cNZC7BgTqSOLeyV0DuWtAoI4k7p3cNZC7BgTqSOLeyV0DuWtAoI4k7p3cNZC7BgTqSOLeyV0DuWtAoI4k7p3cNZC7BgTqSOLeyV0DuWtAoI4k7p3cNZC7BgTqSOLeyV0DuWtAoI4k7p3cNZC7BgTqSOLeyV0DuWtAoI4k7p3cNZC7BgTqSOLeyV0DuWtAoI4k7p3cNZC7BgTqSOLeyV0DuWtAoI4k7p3cNZC7BgTqSOLeyV0DuWtAoI4k7p3cNZC7BgTqSOLeyV0DuWtAoI4k7p3cNZC7BgTqSOLeyV0DuWtAoI4k7p3cNZC7Bn+BjuTbb9UdrBNy10DuGqJyR6Cwg9w1kLsGBAqhkLsGcteAQCEUctdA7hoQKIRC7hrIXQMChVDIXQO5a0CgEAq5ayB3DQgUQiF3DeSuoVqBAgBkAYECAIwEgQIAjASBAgCMBIECAIwEgQIAjASBAgCMBIECAIzES6CfXz88PLxSd7E6drFv+OFXdSdr4vPrn45/YtgvxzH3kGFvJdBPL3cX9OMf6kZWRps7Al2Udw/tRGbYL8pl7vUIdPP/CD/tLuuVupOV8XQYUrAc7x7a1Bn2i3LMPWbYOwn0af9/wp9ecie0LO+Yu0uzu/vZz1+G/YJ0co8Z9k4CbS/oy5uHX8SdrIsvb/7yd3UPK+PDZhYfboAY9svRzT1m2BsJ9HhBH7ghWpTPr3/8r5d8ArokHzZDvZ3IDPsF6eQeNOyNBPr5dXstH/hIblEOH6ZzB7Qo7URmW46RewAABupJREFU2C/MQaAxw95RoDzTWJan/RqaTy95J78klwJl2C/D0/Gz54hhj0DhcOvDe8hFQaAano7DPWLYI1A48OklSxEXBIFquMx52rB3FCgfBmlgIc2i8BmohmuBThn2RgLlcaQY7kAXhafwGqq9A/36bv88jAVxy3KcwbyHXJTTOlCG/ZJc/h/XtGHvJFC2ZGg47Mh4xwxektPTYIb9klxsYJg47J0EyqZgDZvEt0PoieMsFuW0oJthvySddaABw95JoNuVWRxLI+ADhzEJOL51ZNgvyjH3kGFvJVAORhSxy50PQJfl9Nkbw35JLnKfOOy9BAoAkAgECgAwEgQKADASBAoAMBIECgAwEgQKADASBAoAMBIECgAwEgQKADASBAoAMBIECgAwEgQKADASBAoAMBIECgAwEgQKz/K2ab45/e2ff2uan6cV/O+/NluORd82f/rPMW2N+a7t1Rz4l38b8f2zNAXJQaDwLFvfnZT5/kynI9gauKUttIxAP+6/vCPQJtB2x+oIdI0gUHiej03zr//R/vkffz79eRQdfx4EtohA3zY3BBqmu7eTLgWyg0DhDhvpfL//0/Q38BsbtxXeN5NqjRbo8dsmNjChGagMBAp32LyJbz8vjHgD372bnaCd6QKdfjVjm4HKQKBwj4/tm92NSSeKYiPQk7PeTvk4IECg0ww+oRmoDAQK99i+c9++iX/beXK9/zDz5I322fr3h3/8eaOn3Vvk/Re237j5y5Vq9vbZfP/3u3fVh48L2u987ideO+usg/Of+745/NPb85Y3f+n2ev4zdrb/eHjctfua4zd3v/BG9bM6Ny4NqgKBwl028tiY6GPHAO+vHqW37G4qN/74X+1fPp79w/brLm87jwL9n3/tfuXxR3xz8ydeCfS8g/Ofe1ugm6v65qzX08/YXedWoG8PRdo/nD7LOH3hdfXzOteXBnWBQOE+248Lu3eP79vbq7etz97vXbG9Cdz+fXsDtlHNP//P8W3y4fPGy0WgXzsCPd6wft/5EW/P/3r8iZcCvejg8uc+8xno991et/9ha7jDwq3dbeQ3X1s3f9Np4uILL6tf/PPVpUFlIFC4z3bu/4/T2+n9vduW97v/uFHE/u/tp6Snp/XvDzddhw88d++EzyR6EujP7Y9q/76TUfvY6fInXgr0soPLn3st0FacnV6PH/G2P/MovIOVD9Uuv/Ci+uU/X14a1AYChR523uu8gT+8F90/FfrY+YyzVc/xffjVhp/j+9u23oV1Wkl9PGhtX/vyJ14K9LKDy597ex3oN19v97q52u+7//L29NZ938z5F14I9PKfLy8NagOBQh/vz5+gPLcR8+1BoO1/3X4UeX3X9bFr0KNAj7eYewN2XXP9E5998H3079kX3BToN23pK73tm7nxL3tPX37hhUAv//ny0qA2ECj00d5r7Wg/yDx7aLNl96FhK9DTG/TOzWaX94dHMp2n8O0/bEucC/L6J94W6LGDy597Q6DdZ+3tHzpv7/fP54+PyLoCvfrCc4Fe/fPlpUFtIFDoo0egH8/+2r1hPHzoeX12x9um8/53skDPO7j8uc9vtuwK9Pwu945An7kdvvi29j8g0NpBoNDHhUDPt/Acdrj/fHoL/831P/988SFgK5ZCgV5sGrow4WUHFz+3UKDcgcIYECj00RXo1dPk98f3yjcF2n7J5nved7ef9wi0dc2u1vXz6wsTXnZw8XNLBHrrM9CbAh3xGSgCrRoECn10BdrZkrQz20lvG1ecCfTsw9D9svqTQt53bw4vLXN8Cr/5wT9f/cRLE152cPlziwR6svvHwwrR2wK9/MKrp/Dn/4xAaweBQh9nAj3tIt957qSv95efgb4/38S5e1O9/9rtx5rt0vhbAj2u/Xl7WAfa/YnPC/T9YU/R+ebREoHeWAd6W6DD14Ei0KpBoNDHmUC3mtoJqn2D3O732T3qaRenn6R03NXz89fuOvqL5ztXlvl4LP39jZ94th5p8/WXHVz+3PcXD5NOdG5WOzuIvv96R6CXX3hZ/eKfEWjtIFDo41ygp9XwO2McH5L/6d8Pmxa/OX1f011R1Hme3t4jPiPQZ/fCXy/o3Hz9ZQeXP/dwJshdgd7YC/+1bfFcoBdfeFX9ai88Aq0aBAp9XAj0/JCl1md7kX1z8RDpfVeDx+/sfuttgd4+jenw9wuBXnZw9XPblfX3Bdr+jG8u/+VKoOdfeF397J8RaO0gUACAkSBQAICRIFAAgJEgUACAkSBQAICRIFAAgJEgUACAkSBQAICRIFAAgJEgUACAkSBQAICRIFAAgJEgUACAkSBQAICRIFAAgJEgUACAkSBQAICRIFAAgJEgUACAkSBQAICR/H+pMZb1EJqevwAAAABJRU5ErkJggg=="/>
-          <p:cNvSpPr>
-            <a:spLocks noChangeAspect="1" noChangeArrowheads="1"/>
-          </p:cNvSpPr>
-          <p:nvPr/>
-        </p:nvSpPr>
-        <p:spPr bwMode="auto">
-          <a:xfrm>
-            <a:off x="307975" y="7937"/>
-            <a:ext cx="304800" cy="304801"/>
-          </a:xfrm>
-          <a:prstGeom prst="rect">
-            <a:avLst/>
-          </a:prstGeom>
-          <a:noFill/>
-          <a:extLst>
-            <a:ext uri="{909E8E84-426E-40DD-AFC4-6F175D3DCCD1}">
-              <a14:hiddenFill xmlns:a14="http://schemas.microsoft.com/office/drawing/2010/main">
-                <a:solidFill>
-                  <a:srgbClr val="FFFFFF"/>
-                </a:solidFill>
-              </a14:hiddenFill>
-            </a:ext>
-          </a:extLst>
-        </p:spPr>
-        <p:txBody>
-          <a:bodyPr vert="horz" wrap="square" lIns="91440" tIns="45720" rIns="91440" bIns="45720" numCol="1" anchor="t" anchorCtr="0" compatLnSpc="1">
-            <a:prstTxWarp prst="textNoShape">
-              <a:avLst/>
-            </a:prstTxWarp>
-          </a:bodyPr>
-          <a:lstStyle/>
-          <a:p>
-            <a:endParaRPr lang="en-US"/>
-          </a:p>
-        </p:txBody>
-      </p:sp>
-      <p:pic>
-        <p:nvPicPr>
-          <p:cNvPr id="6" name="Picture 5"/>
-          <p:cNvPicPr/>
-          <p:nvPr/>
-        </p:nvPicPr>
-        <p:blipFill rotWithShape="1">
-          <a:blip r:embed="rId2"/>
-          <a:srcRect l="22618" t="30418" r="37218" b="23099"/>
-          <a:stretch/>
-        </p:blipFill>
-        <p:spPr bwMode="auto">
-          <a:xfrm>
-            <a:off x="5105400" y="3657600"/>
-            <a:ext cx="4038600" cy="2819400"/>
-          </a:xfrm>
-          <a:prstGeom prst="rect">
-            <a:avLst/>
-          </a:prstGeom>
-          <a:ln>
-            <a:noFill/>
-          </a:ln>
-          <a:extLst>
-            <a:ext uri="{53640926-AAD7-44D8-BBD7-CCE9431645EC}">
-              <a14:shadowObscured xmlns:a14="http://schemas.microsoft.com/office/drawing/2010/main"/>
-            </a:ext>
-          </a:extLst>
-        </p:spPr>
-      </p:pic>
-      <p:sp>
-        <p:nvSpPr>
-          <p:cNvPr id="8" name="AutoShape 6" descr="data:image/png;base64,iVBORw0KGgoAAAANSUhEUgAABUAAAAPACAMAAADDuCPrAAAAolBMVEUAAAAAADoAAGYAOpAAZrYzMzMzZv86AAA6Ojo6kJA6kNs9PT1NTU1NTW5NTY5NbqtNjshmAABmZmZmtv9uTU1uq+SOTU2Oq6uOyP+QOgCQkLaQ29uQ2/+rbk2rjk2r5P+2ZgC2kDq2///Ijk3I///KysrW1tbbkDrb///kq27k5Kvk///r6+v/tmb/yI7/25D/5Kv//7b//8j//9v//+T////sHfwrAAAACXBIWXMAAB2HAAAdhwGP5fFlAAAgAElEQVR4nO2da4PcxpFlMWNJ3hXbkrwiufLucM0ZSuJw1GxzaPL//7WtB6oK9ehCAgjg3kic88Wk2B0duJV5jCpkZjdfAQBgFI26AQCArCBQAICRIFAAgJEgUACAkSBQAICRIFAAgJEgUACAkSBQAICRIFAAgJEgUACAkSBQAICRIFAAgJEgUACAkcwn0MdxjP5GBxL3Tu4ayF3DBEEh0NlI3Du5ayB3DQjUkcS9k7sGcteAQB1J3Du5ayB3DQjUkcS9k7sGcteAQB1J3Du5ayB3DQjUkcS9k7sGcteAQB1J3Du5ayB3DQjUkcS9k7sGcteAQB1J3Du5ayB3DQjUkcS9k7sGcteAQB1J3Du5ayB3DQjUkcS9k7sGcteAQB1J3Du5ayB3DQjUkcS9k7sGcteAQB1J3Du5ayB3DQjUkcS9k7sGcteAQB1J3Du5ayB3DQjUkcS9k7sGcteAQB1J3Du5ayB3DQjUkcS9k7sGcteAQB1J3Du5ayB3DQjUkcS9k7sGcteAQB1J3Du5ayB3DQjUkcS9k7sGcteAQB1J3Du5ayB3DQjUkcS9k7sGcteAQB1J3Du5ayB3DQjUkcS9k7sGcteAQB1J3Du5ayB3DQjUkcS9k7sGcteAQB1J3Du5ayB3DVqBvnvY8Mv+z59fb/78CoFuSdw7uWsgdw1Kge6UueGn7V8+vdz9+cc/EOg6B5QDiXsndw1CgX55s7vh/PDwl7/vZPrTzqKvYgTabBh5ZQal1jigHEjce1zugeO9lILeBV0VIRToU3u7+WGrzvYvn17+8GuEQJsmLHBFKSayhsS9h+UeON6L6e9d0VUROoFubkB/Of3t3f7W8/w/jhZo04QFLinFRNaQuPeo3APHezm9vUu6KkIn0M+vOzebX95s38d/3d6Ovpou0KYJC1xTiomsIXHvQbkHjvcB9PWu6aoInUA/vfzxj6eHh90noCebftg/Utrwbcvgwptmjoz45gylAObBc5B6dhXKKIH+v/1T+FcdgT4hUAAZnoPUs6tQhl/ZU7uA6Wl7D3pDoAdG3B3zFl4Hb+E18BZeg+4t/NNh2fz2XXusQHmIpAOBauAhkgblZ6Dtc6Pth6E3PgOdIlCWMclAoBpYxqRBKdDWmds/xD6Ff2QhvQwEqoGF9BqU60A7d6Bf3+3XfwatA51yYQ4k7p3cNZC7BuFOpHftu/XdTWfwTiQGlApy10DuGoQCbTe+P82yF54BJYLcNZC7BuVpTE/7ZaD7N+3tXziNaUvi3sldA7lrkJ4H+uXNRpmH9+ycB3oice/kroHcNXAivSOJeyd3DeSuAYE6krh3ctdA7hoQqCOJeyd3DeSuAYE6krh3ctdA7hpqFSg7kQbgGVYgprlHgkA1VCpQ9sIPwDOsQExzDwWBaqhToJzGNADPsAIxzT0WBKqhSoE2TdhM1pRackB5hhWIae7BIFANCNSxFAINxDT3YBCoBgTqWAqBBmKaezAIVAMCdSyFQAMxzT0YBKqhSoGaPhcpL8VDpEhMc48FgWqoU6CmK3OKS7GMKRTT3ENBoBoqFajp2vDSUiykj8U090gQqIZaBcqAEkHuGshdAwJ1JHHv5K6B3DUgUEcS907uGshdAwJ1JHHv5K6B3DUgUEcS907uGshdAwJ1JHHv5K6B3DUgUEcS907uGshdAwJ1JHHv5K6B3DXUKlDPteH1L+j2XEhfSt7cqxeo54SeUMtboJ67E+vfUui5lbOYtLlXL1DPCT2llrVAPc/HqP9QC8/DRMrJmvtj7QL1nNCTajkLtGnCUtKUSjoZAsPSkDT3LVUL1HNCT6uFQGcslXQyIFAdCLQMBDr3hTmUSjoZEKgOBFoGAp37whxKJZ0MCFQHAi0DgQ65sjHf61Aq62RI7s+0uT9WLlDTCV3tQyTXVQ/FpdJOhtz+zJt77QI1ndDVLmNyXXdbWirvZEjtz8S51y5Q0wld7UL6+geUK+Sugdw11LqVkwElgtw1kLsGBOpI4t7JXQO5a0CgjiTundw1kLsGBOpI4t7JXQO5a0CgjiTundw1kLsGBOpI4t7JXQO5a0CgjiTundw1kLsGBOpI4t7JXQO5a6hVoJ4bF+rficREFkHuGioVqOfW2fr3wjORVZC7hjoF6nl4S/2nMT0ykVWQu4YqBTrpnD6HUmscUA4k7p3cNSBQx1JrHFAOJO6d3DUgUMdSaxxQDiTundw1IFDHUmscUA4k7p3cNVQpUB4i6WAiayB3DXUKlGVMMpjIGshdQ6UCZSG9CiayBnLXUKtAGVAiyF0DuWtAoI4k7p3cNZC7BgTqSOLeyV0DuWtAoI4k7p3cNZC7BgTqSOLeyV0DuWtAoI4k7p3cNZC7BgTqSOLeyV0DuWtAoI4k7p3cNZC7hloFykL6AQReoedE9sw9MnbP3EvJ2/v419BboGzlHEDgFXpOZM/cQ2O3zL2YtL1PeA2tBcphIgMIvMJHy4nsmXts7I65l5O19ymvobNABxwc51lKMZGDprLfRPbMPTh2w9wHkLT3Sa8hAp2xFAINxDN3BNohae8I1LUUAg3EM3cE2iFp7wjUtRQCDcQzdwTaIWnv1QqUh0hDqH4ie+YeG7tj7uVk7X3Ka2gtUJYxDaH6ieyZe2jslrkXk7b3Ca+ht0BZSD+E6ieyZ+6RsXvmXkre3se/huYCZUCJIHcN5K6h1q2cDCgR5K6B3DUgUEcS907uGshdAwJ1JHHv5K6B3DUgUEcS907uGshdAwJ1JHHv5K6B3DUgUEcS907uGshdAwJ1JHHv5K6B3DUgUEcS907uGshdQ60CrX4nUuQ2Fs+dSJ65B8JOpAN5e691J1L1e+EjN1J77oX3zD0Q9sIfSdt7rXvhA0+6kZTqvejIo3wia8VNZM/cA4mNHYEqmPIaOgu0acJGp6ZU30UHdmV6Hqhn7oEEx45ABUx6DRHojKUQqGfugSDQDkl7zyHQEZwujFKL1orDNKw4PLuCIYROw+klnmHp/2dwKMUdqGfugQTHzh2ogEmvobNAeYg0T1sl8BCpkNjYEaiCKa+htUBZxjQEz4nsmXsgobEjUAkTXkNvgbKQfgieE9kz90AiY0egGsa/huYCZUCJIHcN5K6h1q2cDCgR5K6B3DUgUEcS907uGshdAwJ1JHHv5K6B3DUgUEcS907uGshdAwJ1JHHv5K6B3DUgUEcS907uGshdAwJ1JHHv5K6B3DUgUEcS907uGshdQ60CrX4nUiSeO5ECMc09EnLXUKlAq98LH4nnXvhATHMPhdw11ClQyVE+gaUEh1q4ncYUiGnusZC7hioF2jRhUtCUUhyr5nUeaCCmuQdD7hoQqGMpBBqIae7BkLsGBOpYCoEGYpp7MOSuAYE6lkKggZjmHgy5a6hSoDxEGkKoPw0nsmvusZC7hjoFyjKmIUT603Eiu+YeCrlrqFSgLKQfQuAVWk5k19wjIXcNtQrUc0CVkrh3ctdA7hoQqCOJeyd3DeSuAYE6krh3ctdA7hoQqCOJeyd3DeSuAYE6krh3ctdA7hoQqCOJeyd3DeSuAYE6krh3ctdA7hoQqCOJeyd3DeSuoVaBVr+QPnLxu+dC+siuClk490gQqITxw8FboNVv5Yzcfum5lTO0q0KWzT0UBKpgwnCwFmj1h4lEHgDieZhIbFeFLJp7LAhUwJTh4CzQpgkb6JpSfRcd2JXpcXbBXRWyZO7BINDlmTQcEOiMpRAoAh0IAl0eBOpaCoEi0IEg0OVBoK6lECgCHQgCXZ5qBcpDpHnaKoGHSBoQqIApw8FaoCxjGkKoE1jGpAGBKpgwHLwFykL6IUTWYiG9BgQqYfxwMBcoA0oEuWsgdw21buVkQIkgdw3krgGBOpK4d3LXQO4aEKgjiXsndw3krgGBOpK4d3LXQO4aEKgjiXsndw3krgGBOpK4d3LXQO4aEKgjiXsndw3krgGBOpK4d3LXQO4aahVo9TuRIql+J5Jp7pFY5l5K3txr3YlU/V74SKrfC2+aeyiOuReTNvda98IHHpojKbXogIo9YcjwNCbT3GMxzL2crLlPCctZoE0TNgw0pZYcUIFXuMXvPFDT3IPxy30ASXOfFBYCnbEUAq0/92D8ch9A0twRqGspBFp/7sH45T6ApLkjUNdSCLT+3IPxy30ASXOvVqA8RBpC7IwxfJhhmnsshrmXkzX3KWFZC5RlTEMInTGOy2lMcw/FMfdi0uY+ISxvgbKQfgiRM8ZyQbdp7pFY5l5K3tzHh2UuULa2iSB3DeSuodatnAwoEeSugdw1IFBHEvdO7hrIXQMCdSRx7+Sugdw1IFBHEvdO7hrIXQMCdSRx7+Sugdw1IFBHEvdO7hrIXQMCdSRx7+Sugdw11CrQ6hfSRy539lxIHwgL6QfgOd5NqXUhffVbOSM33Hlu5QyErZwD8BzvptS6lVNyEkVgqd6LDuzK9DCRQAJz98XwMJH6c58SlrNAmyZsGGhK9V10YFemx9kFEpi7MX7H2dWf+6SwEOiMpRBoIPVP5C0IdHkQqGspBBpI/RN5CwJdHgTqWgqBBlL/RN6CQJenWoHyEGmetkrwE+gKHmY88hBJwpSwrAXKMqYhRNZyFOgKltOwjEnDhLC8BcpC+iFE1nIU6AoWdLOQXsP4sMwF6jmRS0ncO7lrIHcNtW7lZECJIHcN5K4BgTqSuHdy10DuGhCoI4l7J3cN5K4BgTqSuHdy10DuGhCoI4l7J3cN5K4BgTqSuHdy10DuGpQC/fz6YccPvx7/9gqBbkncO7lrIHcNSoF+etkRaPuXH/9AoOscUA4k7p3cNSgF+vTw0/HPm/vPn3YWfRUjUHYiDYCdSC2OvZcR+RLG4TnePaZOgEDfdWz5tL/3/PRy/35+qkDZCz8A9sIfMOy9jNCXMAzP8W4ydaYL9Mubv/z9UqZf3jz8EiDQKaekOJTiNKZIAnM3JfYljMJzvLtMnekC/fz6x/962X4CepTph6v38BOui/NAY9sqwU+ggbmbEvwSBuE53m2mznSBHp4hbe85P79u37p/OH4u+m3L8MJfTxc24ptXViq0liXVX6DpFXqOd9epM6LE037V0qeXm5vPo0CfEOiypUxnXyDVX6DpFXqOd9epM6LE4WZz+679hkAPLH1r7VCKt/CBBOZuSvBLGITneLeZOtMFeuDTyx//iBWo6WfO5aV4iBRJYO6mOPrTdby7TJ1Igf7w643PQKcI1HTVQ3EpljGFEpi7KY7+dB3vJlMnUqA//hH7FP7Rdd1taSkW0scSmLspjv50He8eU2eyQI/O3L1rf7df/xm0DvTRdCKXkrh3ctdA7hqEWzkPG5F27gzeicSAUkHuGshdg1Cgn17u7jb36ozeC8+AEkHuGshdg/IwkQ/d0+yeHjiN6Uji3sldA7lrkB6ovDsC9KfuX15df9HSF+ZA4t7JXQO5a+BEekcS907uGshdAwJ1JHHv5K6B3DUgUEcS907uGshdQ60C9Vx3a7qg2zOsQExzjwSBaqhUoJ47v0y3FHqGFYhp7qEgUA11CtTz7IHyUosOKM+wAjHNPRYEqqFKgTZN2EzWlFpyQHmGFYhp7sEgUA0I1LEUAg3ENPdgEKgGBOpYCoEGYpp7MAhUAwJ1LIVAAzHNPRgEqqFKgZo+FykvxUOkSExzjwWBaqhToKYrc4pLsYwpFNPcQ0GgGioVqOna8NJSLKSPxTT3SBCohloFyoASQe4ayF0DAnUkce/kroHcNSBQRxL3Tu4ayF0DAnUkce/kroHcNSBQRxL3Tu4ayF0DAnUkce/kroHcNSBQRxL3Tu4ayF0DAnUkce/kroHcNSBQRxL3Tu4ayF1DrQJlR8wAIsOKm8j17wCLxFKg5H7vG50Fyp7sAYSGFTaR6z+DIBRHgZL73W80FiinAg0gNqyoiVz/KVixGAqU3O9/o69AmyZWCjEM6CrpeaBbgiZyYFemuQfjJ1By7/lGBDoM0wGFQE+scSLPBrn3fCMCHYbpgEKgJ9Y4kWeD3Hu+EYEOw3RAIdATa5zIs0HuPd/oK1AeIg0hNiweImnwEyi593yjsUBZxjSE0LBYxqTBUKDkfv8bnQXKQvohRIbFQnoNjgIl97vfaC1QzwFVSuLeyV0DuWtAoI4k7p3cNZC7BgTqSOLeyV0DuWtAoI4k7p3cNZC7BgTqSOLeyV0DuWtAoI4k7p3cNZC7BgTqSOLeyV0DuWtAoI4k7p3cNZC7BgTqSOLeyV0DuWuoVaCCbSyBpQou2nOrlWlbnjtiQrNiB1gxHrl7C1SxkTqwVP9Fe272N23Lc092bFacQVCKSe7WApUc5RNYqveiA7uKxLOtwNwDCc6KU7AKccndWaBNE5aSplTfRQd2FYlnW4G5BxKdFeewlmGTOwKdsRQCDYSJPADP8R6ITe4IdMZSCDQQJvIAPMd7IDa5I9AZSyHQQJjIA/Ac74HY5O4sUB4iifBsKzD3QIKz4iFSIS65WwuUZUwiPNsKzD2Q2KxYxlSKSe7eAmUhvQjPtgJzDyQ0KxbSF+ORu7lA2domgtw1kLsGBOpI4t7JXQO5a0CgjiTundw1kPvy/LbhdwRqSOLeyV0DuS/KbwcQqCOJeyd3DeS+FL+dgUAdSdw7uWsg99n57RYI1JHEvZO7BnKfj5vmRKDGJO6d3DWQ+zzck2fNAmUh/QA8wwqEBd3eePbe584tL16MfQ29BcpWzgF4hhUIWwrNseu9xJ17f74Y+xpaC1RyIkJgqUUPE/EMK5DA3AMJzgqBBlHqztafL8a+hs4CbZqw0akpteRxdp5hBRKYeyDRWSHQ6Qxx58GfL8a+hgh0xlIINBAEao++96HuRKDWpRBoIAjUHmHvo8yJQM1LIdBAEKg9it6nmLN2gZo+FykvxUOkSAJzDyQ4KwQ6gAB5Hg069jW0FqjpypziUixjCiUw90Bis0KgZUS582jQsa+ht0BN14aXlmIhfSyBuQcSmhUC7SXWnQeD1rmQngGlgtw1kPtd5pDnjlq3cjKgRJC7BnJ/jtnciUBtSdw7uWsg9xvM604Eakvi3sldA7l3WcCcCNSYxL2TuwZy37KcOBGoM4l7J3cN5L68PBGoK4l7J3cNq85d404Eakvi3sldw1pzF7oTgdqSuHdy17C63NXmbKlVoLk317ATKRbPHWCmO5E8d96dmOy87Q72AHXuqVSgybd3sxc+FM8zCEz3wnue/dASobzdGUphBq1ToIEn3QQfmlMGpzFFUt7VkrkHZxUlUMkVlvQeZbwXL0INWqVAmyZsGASWGgDngQYyoKsFc4/OKkigmivs6T3IdTtevIg1KAJdrNQAEGggCHQAbgKNsVyH9Ql0BKeXzqlUIJFdEVb2UpEYXeHvs3ASaFDByTm1aQXVuWaE3I1vFMrgDjSQkDuhwaUCuyqiqjvQmJvDm6zvDnRMc4FjU6IEHiJFUt4VD5HED5FipHaXUH9+9913VQrUd7VJGSxjCqW4K5YxqZYxheisjAh/fneiToHarncug4X0sZR2xUL6R8EVbt4Hx6ixkAn+/O6aSgW6vq1tJpC7hpy5t15aVqBjuGFOBOpL4t7JXUO63Lt6Mhbo8+ZEoL4k7p3cNWTK/cpSjgLtNeeWWp/CP+YaUFck7p3cNSTJ/basvARaJM4DCNSRxL2Tuwb/3O8oy0OgZbecFyBQRxL3Tu4ajHPvV5daoGPM2YJAHUncO7lrcMy9WGBCgY42ZwsCdSRx7+SuwS33QRbTCHSaOVtqFajnemfPBd2RVJ+7K0YL6YerrECggUd4vngRYc6WSgXquePOc0thJNXnbovHVs6RSusXaND+9ThxHqhToJITEQJLLXqYSCDV5+6L/jCRCV7rFejkE0BC3q7fokqBNk3Y9NOUWvI4u0Cqz90Y6XF24/3TWqjn3yecQddjzinu3IFAHUshUM/cjVEJdKJ/Wgv1/Psogfaqc6o7dyBQx1II1DN3YxYXaIR9jhbq+fdBAu0X53ffcaDyXaqfyAh0nlIItD+sGO9cWKjn34sEWiLO7ziRftAwGHlt8lI8RDLN3ZdFHiLFOOeGhfq+4K70ysxZVGpE61UKtP7lNJb+XEHutsy9jCnIN89YqPcrbkpvmDnvlhpNpQKtf0G3pT9XkLsrMy6kj3LNHQv1f8mZ9MaZ82apqdQqULutbYNI3Du5a5gj9zDL9Fqo/EsniHMWEKgjiXsndw2huS/roFKBepmzBYE6krh3ctcQlrvEQn1fYGjOFgTqSOLeyV1DRO46C935N1dztiBQRxL3Tu4aJuYuttCN/2Z7z3kOAnUkce/krmF87moF/XYuUMtPOp8HgTqSuHdy1zAqd7V9DuwE2mdOO3fuQKCOJO6d3DUMzV0tng795vR05w4E6kji3sldQ3HuauN0KDGnrzr31CrQ6nfERO5Eiqxl9KslhpfKuwOsIHe1arrkF2fLixdjh4O3QKvfkx25Fz50X73Hr5YYWSrtGQR9uas9c6CCW84zXmwFOm44WAu0+lOBArsKPtlJ/6slJpTKegrW453c1Y7ZUcOb9Ru82At01HBwFmjThA10TaklzwONrPUo/tUSU0slPYd1y63c1X75rdScwt8LP4UXB4GOGQ4IdMZSCLT+3IO5yF3tlt8Gfc6JQBFoaCkEWn/uwZxyV2vlt+G/yQ2BItDQUgi0/tyD2eWuNspvI4/9QKBeAuUh0jxtlcBDJAUbB8klNMacLfLeR1LrQySWMQ0i1AksY1qU41wWCnSCOVtSCbQb/4Th4C1QFtIPIbIWC+kX42xaSwQ66v36DXII9NZrMH44mAuULYUiyH0Jrmf3ogK9L85B7txhLtB7r8QEQSHQ2UjcO7nPzDOTfBGB9opzuDt3uAq04OVAoI4k7p3cZ+TOXJ9XoCXmnLCTyE6g5S8JAnUkce/kPg99U34mgc5szha9QEe/LgjUkcS9k3s4RQaIFugy5mwRCnTqi4NAHUncO7nHMUQEYQJdUpwHFAINeo0QqCOJeyf36YzxwXSBKszZsqhAY18rBOpI4t7JfRpjtTBFoDpztiwj0FleLwTqSOLeyX00k+wwUqBic7bMJdAFXrRaBcpOpAF4hhVIYO7zMN0VwwXqYM6Wgt63287LC94NO3SMVipQ9sIPwDOsQAJzj2a8dC4YItD75nwxzFUR9Pf+oqyrkshjx2idApUc5RNYKutpTJFtxRGYexwR3ulSJNCCe84XLwpdFUlv771dlQcfPEarFGjThKWkKZX0PNDItuIIzD2IUPm03Bdo8dv1Fy8UBu0T6J2uhmYfPUYRqGMpBBqIlUDnEdBvzwq0x5xXH3UmEOi0FwCBFuDpBASqwUWgMzvoUkK96rz5mMhZoJZjFIE6lkKggRgIdAkHHSTUL857T9gtBeo8RqsUqOlzkfJSPESKJDD34SxjoI2DSsRZsDbJ6iHSiJewl+AxWqdATVfmFJdiGVMogbkPYSH7BJnzgMCfVwKd8BL2EztGKxWo6drw0lIspI8lMPcSFtJOsDkPLO/PjUB7M3Udo7UKlC2FIlad+0K+mcmcEkJyF4JAHUnc+2pzX8Y31Yjz7J4z8ZhBoI4k7n2NuS9jnBrNOS13BxCoI4l7X1nuyzinwJzC3wtfSGjuNiBQRxL3vpbcl9JO6T2no0DnyN0NBOpI4t5rz30p+Qx9t24l0BlydwWBOpK495pzX8I9Yz/p9BDoPLk7g0AdSdx7pbnP754+c/Y8JRILdK7c7alVoJ7rbk0X0gfi2dak3M9NEb/MvN+cJU/Y4wQqOPt9jePdW6CeO79Mt3IG4tnW+Nxv2iXKoCXmLF6cFCbQ0iucNffxpZZlQlvWAvU8e6C81KKHiQTi2da43O/YZapBI8V5IEqgkrPf1zjenQXaNGGBa0oteZxdIJ5tDc+91y5jDTqHOVuCBHrrChfLPaLUkkxqC4HOWGqNA2o2BnQ14VdL9DCfOVvmEOhiua9xvCPQGUutcUDNRklXBwsN0UsRM95znhMqUMZ7EQjUtdQaB9Rs9HR1ZqEivZQJdClztsQIlPE+hGoFykMkEZ5tPdvVtYX6BFPmz0XN2TJRoP1hBeZ+xRrHu7VAWcYkwrOtG109Y6Fe0fT5c3lztgwV6JCwAnO/zRrHu7dAWUgvwrOtTlf3LdQvnmf9qTJnS7FAh4QVmPtd1jjezQVa65ZCe2xzL7LQGHVpxXmgX6DqF+AOrmOmgFq3cvpO5BIS926Ze7GFhklLfNN5xh2BqtPvx3HMFIJAHUncu1vuwyxU9mU9H3RKDoe/JVB19sWYjZkhIFBHEvdulPsIC93/515xaty5YydQdeJj8Rkzg0GgjiTu3ST3kRZ65r+XmFP6O4lsch9H4t4RqCOJe9fnPsFDVwJNYM4Wfe4TSNw7AnUkce/S3Kfq6CTQPOZsYbxrkAv008sf/9j94fPrh4eHVwh0S+LeNbkHWel37885dzyTAONdwwICfds0//JvX99+f/Mfv7x52Av008uHLa1NEWhWls09UExZzdnCeNcwu0Dfb9fq/8u//fNvzb/+x41//tA6c3P/+dPOoq9iBMpOpAF4htXHAPdM2n55bs7AX+lRWqoojTiBeo73QELH6NwC3flzI9D//mvT/Ok/r/55e9+5E+jT/n8+vfzh1wiBshd+AJ5h3WOEqW67avA9Z+Cv9Hi+1JhIwgTqOd4DiR2jMwv0H3/e3Hj+9183b+G3Bv358p83b+D/9/4z0Hf7W8/Nf/glQKBTTklxKLXo6TSeYT3HaFNdumrUu/WYX+nxbKkJuUQJ1HO8BxI8RmcW6NvtbedOoF83b+K/ufzndw8/7R8ifXnzl7/v/suHq/fwI3prmrCUNKWWPB/RM6xrJpvq6Krxn3NO/ZUez5aaHk+QQD3HeyDRY3RegW6kubnr3Av068erT0G379v3Av38un3r/mH7UeiOb1tum/kup5BGfPPKSrm2deL3iZxUdd+cg0pNbepdyNgAACAASURBVOpQKjirydiPhql4dvWcQPfqbAX6jz9fCPTz681t54VAnxDosqVc29oxWVOtqnrerg+1XoRATSey82gIwbOrcQLdfe75rEAPjLg7PoU08vZaXYq38EELlHrMefmGfb5fKvfb5dv0yKy28Ba+DJvciwR69hb+/cVj+A+7B+9zCNT0uUh5qXU/RBohpyt6zXnzw86gX+lxwZxZHeEhUiEuuRcJ9Ovb7eeee4H+48/nD5E+vdw9N3r2M9ApAjVdmVNcaqXLmAZp6RkKzPn8c6Lpv9Kjy6xZXcIyplJMci8T6Maa2zWgG4G+3+1HOrsBPfLDr7FP4R9d14aXllrbQvpSO95lijlbpvxKjw6zZvUMLKQvxiP3MoG2C+n3nG/mPBPo13f79Z9B60CnXJgDiXsfnHuZHe8w6Z7znKm/GniWRMtgvGtYZivnDX8eaA8TCd6JxIBSMST3abYqEefA3eujBTpfnqUw3jUsc5hIc3MfZ1eg0XvhGVAiCnMfa6otM5izZbhAZ06zHMa7Bpvj7J4eOI3pSOLe+3IfJbYjc5mzpUCgy6Q4HMa7BhuBch5oh8S9P5v7FLFtmdWcLfcEumiKw2G8a5ALtJelL8yBxL3fyn2q12YX54GbAl0+wzEw3jXMK9DtEUznXB3IhEBvkLj3i9ynKm0hc7acC1SU4DgY7xqWFujtY5UR6DmJez/lPkllS91zntMKVJnfWBjvGhYX6LOP42MFKl8bPqnUwgvpA9m2NUVh83zQ2bv6ve1+jQu6rxCMrNzjfdx3Fgl0twx0v/7zY7PdyfnPvw1+Fz/6uix2J44rtexWzjCmHNjeZ84p9513ujq/gDVuKbxEMbKSjvdJbZUJtHMG6P5gka9vr49Vjhfo4W531JUZlFr0MJEYOqYaZtB+c059z15+9vsaD7W4QDKyEo73HVPaKhJoK82DTLfv3j8OfQ8/4bq8TmgbUGrJ4+ymc2WqMoOWmDPi484BZ7+v8Vi1czQjK9d4PzKprSKBtgfZ7dmfB3p1KigCvSbNgLqnqknmDBDnRVcRuQeCQDukGe/nLCHQsztQBFqNQO+p6lmBLmzOlsDcA0GgHfzH+03mF+jmLfzxDXv7Z97CpxboXVU9L1CJOYeHhUAR6ADmF+juLKb9PejHZvc8/vJY5VkEykOkWehX1pU/F77nnBoWD5F4iDSEKW2VCXS7bOnI5tbzbcMypoIvtFvWUWqwgz9LxDm/OQ8E5h5I7EvIMiYFE9oqE+jhMLst7TLQgTegLKSfVmoyw0y2sDkLryEw90BCX0IW0ksY31apQA8K3XlzI9DbxyqHC5StbZMZKjNHcw7EIvdxMN41cBqTI9reh+ssvTlbEo8ZxruGBQX6z78NPkgEgS5NsDvjxLnICR+JxwzjXcNiAt0+j0eghUh6D3VnMnO2JB4zjHcNywi0PZUJgRaydO9x4vzu96m/2VJizpbEY4bxrmEJgbYP4s9/LTwCvcNivceJ83DXGSDQpS7+msRjhvGuYXaBfmwXMQ1++o5AZ2SY0frM2X3HPkqgc19uKYnHDONdw7wCPa6jH61PBBpLtDmvPu0cJtDZrnMciccM413DnAJ93751/78jVn8i0GDizXn7QVGhQOMvMILEY4bxrmE2gR5+m8fP45bPTxUoO5E69Nmss319tDivSxmZk51I3iTufS6B7v2596ZAoOyFbym5G9ztX59qzk6pkl+esSjshTcnce/zCfT00H15gR6234+8NnmpkNNpSty5JcScXX9eGLQ8oJkIzD2QwIG1BYFqmPcOdH/05+ICbZqw0akpNe18xDhxDlwPP+CXZyxIYO6BBA6sHQhUw3wPkd7uh8f3CHR4qZECLRVduDnPBRr4xjQCBGpP4t7nfArfPkda/in86gRa7rh5zNkSLYUYEKg9iXufeSH95GX0CPReqUG/QLjHnKN+nfvoK1wQBGpP4t5n34l0WEu/6E6kwLEpKVXyEGnAL2DvM+fwX+Y++ZdnLElg7oEEZ4VANSyxF/4ff96NlCX3wgeOTUWpnov+7e56oVJzHr9qiD+jrnBRonKPJTYrBKphoePs3u4Gy4KnMQWOTUGp5y/6zHojzXn1QWeJP4OvcFmm5z4HoVkhUA2LnQe6faLEcXaF3Oi97AZxhodEQ1uvLPcskLuGJX+lx3sEWki391LR9apzqDtHtl5L7skgdw38TiRHdr2HiXOoOqe1nj73nJC7BgRqx0ZhJScalYhzSXO25M39cZ0T2YHEvSNQH04muytQU3O2JMz9ROLeyV0DAjXgSmi3BeptzpZMuV+RuHdy14BAlTzntQuBxptzvktKkftzJO6d3DUgUAk9fjsKNMEt5wXeufeQuHdy11CrQD0X0u8o0NzvJe4ctvlyoSvMXSrvRCZ3EZUK1HMrZ9DKpO2XlG+/XPQKk5dKO5HJXUWdApWcAHKfCHWevq7kAJClr7CCUlknMrnLqFKgTRM2DKaXijXnuT9vG3TpK6ynVNKJTO46EOhcpcrEOfDYj/sCXfgK6yuVdCKTuw4EGl4qxpx3H69fCnThK6y2VNKJTO46EGhcqShzfvdd31bOgz4jPqpKP/sCSyWdyOSuo0qBLv1JeJw529vO3r3wgReY/glEYKmsE5ncZdQp0KXWYhSac/B6+OcFOsMFZl8DE1gq7UQmdxWVCnTu1cBx4rz5UecNgc54gclXYQeWyjuRyV1ErQKda2tbnDjvPSTqCnSWy5gPthRqIHcNCLSQZczZFWhs/0vBRNZA7hoQaA9l4ixzZ1mhx3UOKAcS907uGhDocxSbM+w3uXWan9i7ECayBnLXgECvGGDOoVswe815aH5s73qYyBrIXQMCPTHInPfVOdach+ZHXrQBTGQN5K4BgT46mfPQ/MiLNoCJrIHcNaxboMPMGfN+veTp+hoHlAOJeyd3DesUaKg4Y925b37kRRvARNZA7hpqFegzeyCCxTnUnYE7M9iJNEOpZScyL+GBvAIdH5a3QK924cabc8THnYF7g9kLP0epRScyL+GRtAKdEJa1QJvmeGUyc97tqi/cARc4mcBa2UstOZF5CU9kFeiUsJwFuruo4t+6Nr85z9MOOB9xQKleAmulL7XgROYl7JBUoJPCqkagBeIsLBUXNwKtfiLzEnZAoAkFWnbLef/Xt5WZs9sVAnUuhUCrzz2StQp0yJv1wN9/iUDtSyHQ6nOPpFqBPh4EOtydV9/xrD/HdVWWNg+R6n+YwUt4IqlAq32ItLuyS+kNNee5QSe689hVWdosY1rBchpewiNZBVrtMqbtlZ2kN9KcXYNOduehKxbSO5diIb2mVFqBVruQftPf7zHHfsSYc2jzi/60UNhSqIHcNdS6lfPxa5A7R/74aaxxQDmQuHdy17A2gZqb89C88odPg4msgdw1rEigGczZssYB5UDi3sldQ70C/T3bbWeHNQ4oBxL3Tu4a6hZouTlt3LljjQPKgcS9k7uGigWa05071jigHEjcO7lrWLdAR9aenTUOKAcS907uGtYp0JE1F2ONA8qBxL2Tu4ZaBdrdiTRRnp47M9jGMkOpvBPZM/dS8uZeq0Bv7IUfe+PpuTeYjdRzlEo7kT1zLyZt7rUKtGkuT2MaeZWup9MEdpX+KJ/AUlknsmfu5WTN/bFSgTYHgb6Y/HFn04SNqAGlOA/UM3dTPHMfQNLct9QrULsBhUDtSyWdyJ65DyBp7lv8BTqC0yigVNK2PEuZQlj54Q40shR3oJ65m+KZ+wCS5r7F/w50THOBg0BSiodIprmb4pl7OVlzf6xVoKbLOopLsYzJNXdTPHMvJm3u1QrUdGFxaSkW0mtK5Z3InrmXkjf3agXK1jYR5K6B3DUgUEcS907uGshdAwJ1JHHv5K6B3DUgUEcS907uGshdAwJ1JHHv5K6B3DUgUEcS907uGshdAwJ1JHHv5K6B3DUgUEcS907uGshdQ60C9VxYzEJ671LL5m76EgpAoG4C9dzaxlZO81KL5m76EipAoGYCbZqwESUpxWEi9edu+hJKQKBeAm2asBGlKcVxdtXnbvoSakCgCDS0FAKtPnfTl1ADAkWgoaUQaPW5m76EGhAoAg0thUCrz930JdSAQL0EavpZf3kpHiLVn7vpSygBgZoJ1HS1SXEpljGtIHfTl1ABAnUTqOl659JSLKTXlGIhvQYEaidQtraJIHcN5K4BgTqSuHdy10DuGhCoI4l7J3cN5K4BgTqSuHdy10DuGhCoI4l7J3cN5K4BgTqSuHdy10DuGhCoI4l7J3cN5K4BgTqSuHdy10DuGhCoI4l7J3cN5K6hVoF6bhjx3BGTPKzAUnl3IiFQEZUK1HPLsuee7OxhBZZKuxcegaqoU6BNEzY6JaU4jan+3CNfwkcEqqJKgTZN2OjUlOI80Opzj3wJtyBQDQjUsRQCrT53BNohce8I1LEUAq0+dwTaIXHvCNSxFAKtPncE2iFx71UK1PSz/vJSPESqP/dYfyJQEXUK1HS1SXEpljGtIPdQfyJQEZUK1HS9c2kpFtJrSrGQXkPi3msVKANKBLlrIHcNCNSRxL2TuwZy14BAHUncO7lrIHcNCNSRxL2TuwZy14BAHUncO7lrIHcNCNSRxL2TuwZy14BAHUncO7lrIHcNCNSRxL2TuwZy11CrQD3XO3su6E4eVmCpZSey6UL60LbKQKBuAvXccee5pTB7WIGlFp3Ipls5Y9sqA4GaCTTwoAZJKQ4TMc09kMiX8DFOoMFtlYFAvQTaNGHDQFOK4+w8cw8k8iXcEiTQ6LbKQKAINLQUAvXMPRAE2gGBItDQUgjUM/dAEGgHBIpAQ0shUM/cA0GgHRCol0Drf5gROcqzhxVYiodIPEQaSJ0CrX85TeQoTx5WYCmWMbGMaSCVCrT+Bd2Rozx3WIGlWEj/yEL6YdQqULa2iSB3DeSuAYE6krh3ctdA7hoQqCOJeyd3DeSuAYE6krh3ctdA7hoQqCOJeyd3DeSuAYE6krh3ctdA7hoQqCOJeyd3DeSuAYE6krh3ctdA7hoQqCOJeyd3DeSuoVaBVr8jhp1IM5RaNnfTnUgCEvdeqUCr35PNXvg5Si2au+leeAWJe69ToIFHykhKcRpT/blHvoSPCFRFlQJtmrDRqSnFeaDV5x75Em5BoBoQqGMpBFp97gi0Q+LeEahjKQRafe4ItEPi3hGoYykEWn3uCLRD4t6rFKjpZ/3lpXiIVH/usf5EoCLqFKjpapPiUixjWkHuof5EoCIqFajpeufSUiyk15RiIb2GxL3XKlAGlAhy10DuGhCoI4l7J3cN5K4BgTqSuHdy10DuGhCoI4l7J3cN5K4BgTqSuHdy10DuGhCoI4l7J3cN5K5BKtBPLx8eHl61f/n8uvMXBJoVctdA7hqUAv3wsOOHX48yfXj48Q8Eus4B5UDi3sldg1CgG2X+srvx/Onr4X82/+lVjEA91zt7LuhOHlZgqYVzD8S0rUIQ6BiBvtvL8tPL7S3o0/7ec/+X6QL13HHnuaUwe1iBpZbNPRDTtkpBoBMeIn1+vXVma9Mvb7Z3pZMFGnhQg6QUh4msIPdATNsqBoFOEOinl5t7zy9v/vL33d8+XL2HH9Fb04SNKE0pjrOrP/dATNsqB4GOF+jhk9D2rfuH3SeiW75tGVHzNKDGdrWeUqZtVV8qEtO2YAAjX7p3Dw+7W8+jQJ8Q6LKlTNuqvlQkpm3BAMa9dF/ePOwXf94Q6IERd8enATXy9lpdirfw9eceiGlb5fAWftJnoJv38LEC5WHGPG1VX4qHSBoQ6JStnNsVTDc+A50iUJbTDCF5WIGlWMakAYFOEej2MXzsU/hHFnQPIndYgaVYSK8BgY4Q6HHJ524d07v9X4LWgU65MAcS907uGshdg3Qn0v7d+u5de/BOJAaUCnLXQO4a5HvhN+rcvnuP3gvPgBJB7hrIXYPyM9Cn/WlM+zft7V84jWlL4t7JXQO5a5A+RNodAXpQJueBnkjcO7lrIHcNBk/he1j6whxI3Du5ayB3DQjUkcS9k7sGcteAQB1J3Du5ayB3DQjUkcS9k7sGctdQq0DZETOAyFqWE9k090gscy8lce+VCpQ92QMI3UjtOJFNcw/FMfdiEvdep0AlR/kElsp6GtOj5UQ2zT0Ww9zLSdx7lQJtmrCBrimV9DzQLX4T2TT3YPxyH0Di3hGoYykEGohp7sH45T6AxL0jUMdSCDQQ09yD8ct9AIl7R6COpRBoIKa5B+OX+wAS916lQHmINE9bJRhOZNPcYzHMvZzEvdcpUJYxDSHUCY4T2TT3UBxzLyZx75UKlIX0Q4isZTmRTXOPxDL3UhL3XqtAGVAiyF0DuWtAoI4k7p3cNZC7BgTqSOLeyV0DuWtAoI4k7p3cNZC7BgTqSOLeyV0DuWtAoI4k7p3cNZC7BgTqSOLeyV0DuWtAoI4k7p3cNZC7BgTqSOLeyV0DuWuoVaDsRBJhOZEDc3fFMvdSEvdeqUDZC6/CcSIH5m6LY+7FJO69ToFyGpMMw4kcmLsvhrmXk7j3KgXaNGGC0ZTiXMpAAnM3xi/3ASTuHYE6lkKggSBQexL3jkAdSyHQQBCoPYl7R6COpRBoIAjUnsS9VylQHiLpMJzIgbn7Yph7OYl7r1OgLGOS4TiRA3O3xTH3YhL3XqlAWUivwnIiB+buimXupSTuvVaBMqBEkLsGcteAQB1J3Du5ayB3DQjUkcS9k7sGcteAQB1J3Du5ayB3DQjUkcS9k7sGcteAQB1J3Du5ayB3DQjUkcS9k7sGcteAQB1J3Du5ayB3DbUKtPqF9JHkDiuw1BonsgOJe69UoNVv5YwkeViBpdY4kR1I3HudAq3+MJFIsocVWGqNE9mBxL1XKdCmCZt+mlJLDqj0YQWWWuNEdiBx7wjUsRQCrT/3YBCoBgTqWAqB1p97MAhUAwJ1LIVA6889GASqoUqB8jBjCNnDCiy1xonsQOLe6xQoy2mGkDyswFJrnMgOJO69UoGyoHsIucMKLLXGiexA4t5rFSgDSgS5ayB3DQjUkcS9k7sGcteAQB1J3Du5ayB3DQjUkcS9k7sGcteAQB1J3Du5ayB3DQjUkcS9k7sGcteAQB1J3Du5ayB3DQjUkcS9k7sGcteAQB1J3Du5ayB3DbUKtPodMYFdmYYVCDuRvEnce6UCrX5PdmBXpmEFwl54cxL3XqdAqz8VKLAr07AC4TQmdxL3XqVAmyZsJmtK9V10YFemYQUSmLsxCFQDAnUshUADQaD2JO4dgTqWQqCBIFB7EveOQB1LIdBAEKg9iXuvUqCmz0XKS/EQKZLA3H1BoBrqFKjpypziUixjCiUwd1sQqIZKBWq6Nry0FAvpYwnM3RUEqqFWgTKgRJC7BnLXgEAdSdw7uWsgdw0I1JHEvZO7BnLXgEAdSdw7uWsgdw0I1JHEvZO7BnLXgEAdSdw7uWsgdw0I1JHEvZO7BnLXgEAdSdw7uWsgdw21CtRzbXj9C7o9F9KXkjd3BCqiUoF67k6sf0uh51bOYtLmjkBV1ClQz/Mx6j/UwvMwkXKy5v6IQFVUKdCmCZvJmlJJB1RgWBqS5r4FgWpAoI6lkg4oBKoDgWrwF+gIThO50lKm1H+FAPPAHWhkqaT/j8wdqA7uQDX434GOaS5wHktKZR1Qyf2ZNvdHBKqiToGyjElEbn/mzR2BqqhUoCykF5Han4lzR6AiahUoA0oEuWsgdw0I1JHEvZO7BnLXgEAdSdw7uWsgdw0I1JHEvZO7BnLXgEAdSdw7uWsgdw0I1JHEvZO7BnLXgEAdSdw7uWsgdw0I1JHEvZO7BnLXgEAdSdw7uWsgdw21CrT6nUiuW36YyBrIXUOlAq1+L7ztpnMmsgZy11CnQKs/jcn32CMmsgZy11ClQKs/D9T44E0msgZy14BAHUshUA2Jeyd3DQjUsRQC1ZC4d3LXgEAdSyFQDYl7J3cNVQqUh0g6mMgayF1DnQJlGZMMJrIGctdQqUBZSK+CiayB3DXUKlAGlAhy10DuGhCoI4l7J3cN5K4BgTqSuHdy10DuGhCoI4l7J3cN5K4BgTqSuHdy10DuGhCoI4l7J3cN5K4BgTqSuHdy10DuGhCoI4l7J3cN5K4BgTqSuHdy10DuGmoVaPU7kVxhImsgdw2VCrT6vfC2MJE1kLuGOgVa/WlMvjCRNZC7hioFWv15oMYwkTWQuwYE6lhqjQPKgcS9k7sGBOpYao0DyoHEvZO7BgTqWGqNA8qBxL2Tu4YqBcpDJB1MZA3krqFOgbKMSQYTWQO5a6hUoCykV8FE1kDuGmoVKANKBLlrIHcNCNSRxL2TuwZy14BAHUncO7lrIHcNCNSRxL2TuwZy14BAHUncO7lrIHcNCNSRxL2TuwZy14BAHUncO7lrIHcNCNSRxL2TuwZy11CrQFlIL4KJrIHcNVQqULZyqmAiayB3DXUKlMNEZDCRNZC7hioFynF2OpjIGshdAwJ1LLXGAeVA4t7JXQMCdSy1xgHlQOLeyV0DAnUstcYB5UDi3sldQ5UC5SGSDiayBnLXUKdAWcYkg4msgdw1VCpQFtKrYCJrIHcNtQqUASWC3DWQuwYE6kji3sldA7lrQKCOJO6d3DWQuwYE6kji3sldA7lrQKCOJO6d3DWQuwYE6kji3sldA7lrQKCOJO6d3DWQuwYE6kji3sldA7lrQKCOJO6d3DWQu4ZaBcpOJBFMZA3krqFSgbIXXgUTWQO5a6hToJzGJIOJrIHcNVQpUM4D1cFE1kDuGhCoY6k1DigHEvdO7hoQqGOpNQ4oBxL3Tu4aEKhjqTUOKAcS907uGqoUKA+RdDCRNZC7hjoFyjImGUxkDeSuoVKBspBeBRNZA7lrqFWgDCgR5K6B3DUgUEcS907uGshdAwJ1JHHv5K6B3DUgUEcS907uGshdAwJ1JHHv5K6B3DUgUEcS907uGshdg1Sgn14+PDz88Ov+L59fb/7yCoFuSdw7uWsgdw1Kgb572PPqKNOHhx//QKDrHFAOJO6d3DUIBfq0V+e7h7/8fXf/+dPOoq9iBMpCehFMZA3krkEo0HetLN9t1fm0v/f89PLwjn6aQNnKqYKJrIHcNegE+uXN9s7z69adPx1t+uXNwy8BAuUwERlMZA3krsHgKfxWoEebfrh6Dz+iN46z08FE1kDuGvQC3d10fn7dvnX/sL0d3fFty4iSJ1WN7sq7FABUxXgpfNh++nkU6BMCBYC1MVoKT+1D+CuBHhhxd8xbeB28ldRA7hrUb+H3/gwWKA+RdDCRNZC7BrFAP+z9eesz0CkCZRmTDCayBnLXIBXolzeHjZyxT+EfWUgvg4msgdw1KAW68edx5+a7/frPoHWgUy7MgcS9k7sGctcgFGjXn9E7kRhQKshdA7lrEAr0Q/fkkOi98AwoEeSugdw16AS6O77u4XgE09MDpzEdSdw7uWsgdw06gT49nAmU80A7JO6d3DWQuwb1OtB+lr4wBxL3Tu4ayF0DAnUkce/kroHcNSBQRxL3Tu4ayF0DAnUkce/kroHcNdQqUM+dSKWscUA5kLh3ctdQqUA998IXs8YB5UDi3sldQ50C9TyNqZw1DigHEvdO7hqqFKjneaADWOOAciBx7+SuAYEuVmoAaxxQDiTundw1INDFSg1gjQPKgcS9k7sGBLpYqQGscUA5kLh3ctdQpUB5iKSDiayB3DXUKVCWMclgImsgdw2VCpSF9CqYyBrIXUOtAmVAiSB3DeSuAYE6krh3ctdA7hoQqCOJeyd3DeSuAYE6krh3ctdA7hoQqCOJeyd3DeSuAYE6krh3ctdA7hoQqCOJeyd3DeSuAYE6krh3ctdA7hpqFahg9XsgaxxQDiTundw1VCpQxf7LQNY4oBxI3Du5a6hToJITQAJZ44ByIHHv5K6hSoFqzqALZI0DyoHEvZO7BgTqyBoHlAOJeyd3DQjUkTUOKAcS907uGhCoI2scUA4k7p3cNVQpUB4i6WAiayB3DXUKlGVMMpjIGshdQ6UCZSG9CiayBnLXUKtAGVAiyF0DuWtAoI4k7p3cNZC7BgTqSOLeyV0DuWtAoI4k7p3cNZC7BgTqSOLeyV0DuWtAoI4k7p3cNZC7BgTqSOLeyV0DuWtAoI4k7p3cNZC7BgTqSOLeyV0DuWtAoI4k7p3cNZC7BgTqSOLeyV0DuWtAoI4k7p3cNZC7BgTqSOLeyV0DuWtAoI4k7p3cNZC7BgTqSOLeyV0DuWtAoI4k7p3cNZC7BgTqSOLeyV0DuWtAoI4k7p3cNZC7BgTqSOLeyV0DuWtAoI4k7p3cNZC7BgTqSOLeyV0DuWtAoI4k7p3cNZC7BgTqSOLeyV0DuWtAoI4k7p3cNZC7BgTqSOLeyV0DuWtAoI4k7p3cNZC7BgTqSOLeyV0DuWtAoI4k7p3cNZC7BgTqSOLeyV0DuWtAoI4k7p3cNZC7BgTqSOLeyV0DuWtAoI4k7p3cNZC7BgTqSOLeyV0DuWtAoI4k7p3cNZC7Bn+BjuTbb9UdrBNy10DuGqJyR6Cwg9w1kLsGBAqhkLsGcteAQCEUctdA7hoQKIRC7hrIXQMChVDIXQO5a0CgEAq5ayB3DQgUQiF3DeSuoVqBAgBkAYECAIwEgQIAjASBAgCMBIECAIwEgQIAjASBAgCMBIECAIzES6CfXz88PLxSd7E6drFv+OFXdSdr4vPrn45/YtgvxzH3kGFvJdBPL3cX9OMf6kZWRps7Al2Udw/tRGbYL8pl7vUIdPP/CD/tLuuVupOV8XQYUrAc7x7a1Bn2i3LMPWbYOwn0af9/wp9ecie0LO+Yu0uzu/vZz1+G/YJ0co8Z9k4CbS/oy5uHX8SdrIsvb/7yd3UPK+PDZhYfboAY9svRzT1m2BsJ9HhBH7ghWpTPr3/8r5d8ArokHzZDvZ3IDPsF6eQeNOyNBPr5dXstH/hIblEOH6ZzB7Qo7URmW46RewAABupJREFU2C/MQaAxw95RoDzTWJan/RqaTy95J78klwJl2C/D0/Gz54hhj0DhcOvDe8hFQaAano7DPWLYI1A48OklSxEXBIFquMx52rB3FCgfBmlgIc2i8BmohmuBThn2RgLlcaQY7kAXhafwGqq9A/36bv88jAVxy3KcwbyHXJTTOlCG/ZJc/h/XtGHvJFC2ZGg47Mh4xwxektPTYIb9klxsYJg47J0EyqZgDZvEt0PoieMsFuW0oJthvySddaABw95JoNuVWRxLI+ADhzEJOL51ZNgvyjH3kGFvJVAORhSxy50PQJfl9Nkbw35JLnKfOOy9BAoAkAgECgAwEgQKADASBAoAMBIECgAwEgQKADASBAoAMBIECgAwEgQKADASBAoAMBIECgAwEgQKADASBAoAMBIECgAwEgQKz/K2ab45/e2ff2uan6cV/O+/NluORd82f/rPMW2N+a7t1Rz4l38b8f2zNAXJQaDwLFvfnZT5/kynI9gauKUttIxAP+6/vCPQJtB2x+oIdI0gUHiej03zr//R/vkffz79eRQdfx4EtohA3zY3BBqmu7eTLgWyg0DhDhvpfL//0/Q38BsbtxXeN5NqjRbo8dsmNjChGagMBAp32LyJbz8vjHgD372bnaCd6QKdfjVjm4HKQKBwj4/tm92NSSeKYiPQk7PeTvk4IECg0ww+oRmoDAQK99i+c9++iX/beXK9/zDz5I322fr3h3/8eaOn3Vvk/Re237j5y5Vq9vbZfP/3u3fVh48L2u987ideO+usg/Of+745/NPb85Y3f+n2ev4zdrb/eHjctfua4zd3v/BG9bM6Ny4NqgKBwl028tiY6GPHAO+vHqW37G4qN/74X+1fPp79w/brLm87jwL9n3/tfuXxR3xz8ydeCfS8g/Ofe1ugm6v65qzX08/YXedWoG8PRdo/nD7LOH3hdfXzOteXBnWBQOE+248Lu3eP79vbq7etz97vXbG9Cdz+fXsDtlHNP//P8W3y4fPGy0WgXzsCPd6wft/5EW/P/3r8iZcCvejg8uc+8xno991et/9ha7jDwq3dbeQ3X1s3f9Np4uILL6tf/PPVpUFlIFC4z3bu/4/T2+n9vduW97v/uFHE/u/tp6Snp/XvDzddhw88d++EzyR6EujP7Y9q/76TUfvY6fInXgr0soPLn3st0FacnV6PH/G2P/MovIOVD9Uuv/Ci+uU/X14a1AYChR523uu8gT+8F90/FfrY+YyzVc/xffjVhp/j+9u23oV1Wkl9PGhtX/vyJ14K9LKDy597ex3oN19v97q52u+7//L29NZ938z5F14I9PKfLy8NagOBQh/vz5+gPLcR8+1BoO1/3X4UeX3X9bFr0KNAj7eYewN2XXP9E5998H3079kX3BToN23pK73tm7nxL3tPX37hhUAv//ny0qA2ECj00d5r7Wg/yDx7aLNl96FhK9DTG/TOzWaX94dHMp2n8O0/bEucC/L6J94W6LGDy597Q6DdZ+3tHzpv7/fP54+PyLoCvfrCc4Fe/fPlpUFtIFDoo0egH8/+2r1hPHzoeX12x9um8/53skDPO7j8uc9vtuwK9Pwu945An7kdvvi29j8g0NpBoNDHhUDPt/Acdrj/fHoL/831P/988SFgK5ZCgV5sGrow4WUHFz+3UKDcgcIYECj00RXo1dPk98f3yjcF2n7J5nved7ef9wi0dc2u1vXz6wsTXnZw8XNLBHrrM9CbAh3xGSgCrRoECn10BdrZkrQz20lvG1ecCfTsw9D9svqTQt53bw4vLXN8Cr/5wT9f/cRLE152cPlziwR6svvHwwrR2wK9/MKrp/Dn/4xAaweBQh9nAj3tIt957qSv95efgb4/38S5e1O9/9rtx5rt0vhbAj2u/Xl7WAfa/YnPC/T9YU/R+ebREoHeWAd6W6DD14Ei0KpBoNDHmUC3mtoJqn2D3O732T3qaRenn6R03NXz89fuOvqL5ztXlvl4LP39jZ94th5p8/WXHVz+3PcXD5NOdG5WOzuIvv96R6CXX3hZ/eKfEWjtIFDo41ygp9XwO2McH5L/6d8Pmxa/OX1f011R1Hme3t4jPiPQZ/fCXy/o3Hz9ZQeXP/dwJshdgd7YC/+1bfFcoBdfeFX9ai88Aq0aBAp9XAj0/JCl1md7kX1z8RDpfVeDx+/sfuttgd4+jenw9wuBXnZw9XPblfX3Bdr+jG8u/+VKoOdfeF397J8RaO0gUACAkSBQAICRIFAAgJEgUACAkSBQAICRIFAAgJEgUACAkSBQAICRIFAAgJEgUACAkSBQAICRIFAAgJEgUACAkSBQAICRIFAAgJEgUACAkSBQAICRIFAAgJEgUACAkSBQAICR/H+pMZb1EJqevwAAAABJRU5ErkJggg=="/>
-          <p:cNvSpPr>
-            <a:spLocks noChangeAspect="1" noChangeArrowheads="1"/>
-          </p:cNvSpPr>
-          <p:nvPr/>
-        </p:nvSpPr>
-        <p:spPr bwMode="auto">
-          <a:xfrm>
-            <a:off x="460375" y="160337"/>
-            <a:ext cx="304800" cy="304801"/>
-          </a:xfrm>
-          <a:prstGeom prst="rect">
-            <a:avLst/>
-          </a:prstGeom>
-          <a:noFill/>
-          <a:extLst>
-            <a:ext uri="{909E8E84-426E-40DD-AFC4-6F175D3DCCD1}">
-              <a14:hiddenFill xmlns:a14="http://schemas.microsoft.com/office/drawing/2010/main">
-                <a:solidFill>
-                  <a:srgbClr val="FFFFFF"/>
-                </a:solidFill>
-              </a14:hiddenFill>
-            </a:ext>
-          </a:extLst>
-        </p:spPr>
-        <p:txBody>
-          <a:bodyPr vert="horz" wrap="square" lIns="91440" tIns="45720" rIns="91440" bIns="45720" numCol="1" anchor="t" anchorCtr="0" compatLnSpc="1">
-            <a:prstTxWarp prst="textNoShape">
-              <a:avLst/>
-            </a:prstTxWarp>
-          </a:bodyPr>
-          <a:lstStyle/>
-          <a:p>
-            <a:endParaRPr lang="en-US"/>
-          </a:p>
-        </p:txBody>
-      </p:sp>
-      <p:pic>
-        <p:nvPicPr>
-          <p:cNvPr id="9" name="Picture 8"/>
-          <p:cNvPicPr/>
-          <p:nvPr/>
-        </p:nvPicPr>
-        <p:blipFill rotWithShape="1">
-          <a:blip r:embed="rId3"/>
-          <a:srcRect l="22886" t="40700" r="37084" b="12603"/>
-          <a:stretch/>
-        </p:blipFill>
-        <p:spPr bwMode="auto">
-          <a:xfrm>
-            <a:off x="5181600" y="1142999"/>
-            <a:ext cx="2788920" cy="2514601"/>
-          </a:xfrm>
-          <a:prstGeom prst="rect">
-            <a:avLst/>
-          </a:prstGeom>
-          <a:ln>
-            <a:noFill/>
-          </a:ln>
-          <a:extLst>
-            <a:ext uri="{53640926-AAD7-44D8-BBD7-CCE9431645EC}">
-              <a14:shadowObscured xmlns:a14="http://schemas.microsoft.com/office/drawing/2010/main"/>
-            </a:ext>
-          </a:extLst>
-        </p:spPr>
-      </p:pic>
-    </p:spTree>
-    <p:extLst>
-      <p:ext uri="{BB962C8B-B14F-4D97-AF65-F5344CB8AC3E}">
-        <p14:creationId xmlns:p14="http://schemas.microsoft.com/office/powerpoint/2010/main" val="3237407644"/>
-      </p:ext>
-    </p:extLst>
-  </p:cSld>
-  <p:clrMapOvr>
-    <a:masterClrMapping/>
-  </p:clrMapOvr>
-</p:sld>
-</file>
-
-<file path=ppt/slides/slide13.xml><?xml version="1.0" encoding="utf-8"?>
-<p:sld xmlns:a="http://schemas.openxmlformats.org/drawingml/2006/main" xmlns:r="http://schemas.openxmlformats.org/officeDocument/2006/relationships" xmlns:p="http://schemas.openxmlformats.org/presentationml/2006/main">
-  <p:cSld>
-    <p:spTree>
-      <p:nvGrpSpPr>
-        <p:cNvPr id="1" name=""/>
-        <p:cNvGrpSpPr/>
-        <p:nvPr/>
-      </p:nvGrpSpPr>
-      <p:grpSpPr>
-        <a:xfrm>
-          <a:off x="0" y="0"/>
-          <a:ext cx="0" cy="0"/>
-          <a:chOff x="0" y="0"/>
-          <a:chExt cx="0" cy="0"/>
-        </a:xfrm>
-      </p:grpSpPr>
-      <p:sp>
-        <p:nvSpPr>
-          <p:cNvPr id="2" name="Content Placeholder 1"/>
-          <p:cNvSpPr>
-            <a:spLocks noGrp="1"/>
-          </p:cNvSpPr>
-          <p:nvPr>
-            <p:ph idx="1"/>
-          </p:nvPr>
-        </p:nvSpPr>
-        <p:spPr/>
-        <p:txBody>
-          <a:bodyPr/>
-          <a:lstStyle/>
-          <a:p>
-            <a:r>
-              <a:rPr lang="en-US" dirty="0"/>
-              <a:t>Top 3 Factors that Contribute to Turnover: Overtime, Marital Status, and Total Working Years</a:t>
-            </a:r>
-          </a:p>
-          <a:p>
-            <a:r>
-              <a:rPr lang="en-US" dirty="0"/>
-              <a:t>External/personal factors contribute as well as internal/job function factors</a:t>
-            </a:r>
-          </a:p>
-          <a:p>
-            <a:r>
-              <a:rPr lang="en-US" dirty="0"/>
-              <a:t>Variables that are correlated with entry level positions/age (work experience, perk eligibility, marital status)	lead to higher </a:t>
-            </a:r>
-            <a:r>
-              <a:rPr lang="en-US" dirty="0" smtClean="0"/>
-              <a:t>attrition</a:t>
-            </a:r>
-            <a:r>
-              <a:rPr lang="en-US" dirty="0" smtClean="0"/>
-              <a:t>	</a:t>
-            </a:r>
-            <a:endParaRPr lang="en-US" dirty="0"/>
-          </a:p>
-        </p:txBody>
-      </p:sp>
-      <p:sp>
-        <p:nvSpPr>
-          <p:cNvPr id="3" name="Title 2"/>
-          <p:cNvSpPr>
-            <a:spLocks noGrp="1"/>
-          </p:cNvSpPr>
-          <p:nvPr>
-            <p:ph type="title"/>
-          </p:nvPr>
-        </p:nvSpPr>
-        <p:spPr/>
-        <p:txBody>
-          <a:bodyPr/>
-          <a:lstStyle/>
-          <a:p>
-            <a:r>
-              <a:rPr lang="en-US" dirty="0" smtClean="0"/>
-              <a:t>Conclusions</a:t>
-            </a:r>
-            <a:endParaRPr lang="en-US" dirty="0"/>
-          </a:p>
-        </p:txBody>
-      </p:sp>
-    </p:spTree>
-    <p:extLst>
-      <p:ext uri="{BB962C8B-B14F-4D97-AF65-F5344CB8AC3E}">
-        <p14:creationId xmlns:p14="http://schemas.microsoft.com/office/powerpoint/2010/main" val="5799522"/>
-      </p:ext>
-    </p:extLst>
-  </p:cSld>
-  <p:clrMapOvr>
-    <a:masterClrMapping/>
-  </p:clrMapOvr>
-</p:sld>
-</file>
-
-<file path=ppt/slides/slide2.xml><?xml version="1.0" encoding="utf-8"?>
-<p:sld xmlns:a="http://schemas.openxmlformats.org/drawingml/2006/main" xmlns:r="http://schemas.openxmlformats.org/officeDocument/2006/relationships" xmlns:p="http://schemas.openxmlformats.org/presentationml/2006/main">
-  <p:cSld>
-    <p:spTree>
-      <p:nvGrpSpPr>
-        <p:cNvPr id="1" name=""/>
-        <p:cNvGrpSpPr/>
-        <p:nvPr/>
-      </p:nvGrpSpPr>
-      <p:grpSpPr>
-        <a:xfrm>
-          <a:off x="0" y="0"/>
-          <a:ext cx="0" cy="0"/>
-          <a:chOff x="0" y="0"/>
-          <a:chExt cx="0" cy="0"/>
-        </a:xfrm>
-      </p:grpSpPr>
-      <p:sp>
-        <p:nvSpPr>
-          <p:cNvPr id="2" name="Content Placeholder 1"/>
-          <p:cNvSpPr>
-            <a:spLocks noGrp="1"/>
-          </p:cNvSpPr>
-          <p:nvPr>
-            <p:ph idx="1"/>
-          </p:nvPr>
-        </p:nvSpPr>
-        <p:spPr>
-          <a:xfrm>
-            <a:off x="457200" y="1447800"/>
-            <a:ext cx="8401050" cy="4525963"/>
-          </a:xfrm>
-          <a:effectLst>
-            <a:innerShdw blurRad="63500" dist="50800" dir="8100000">
-              <a:prstClr val="black">
-                <a:alpha val="50000"/>
-              </a:prstClr>
-            </a:innerShdw>
-          </a:effectLst>
-        </p:spPr>
-        <p:txBody>
-          <a:bodyPr>
-            <a:normAutofit/>
-          </a:bodyPr>
-          <a:lstStyle/>
-          <a:p>
-            <a:endParaRPr lang="en-US" sz="2600" dirty="0"/>
-          </a:p>
-          <a:p>
-            <a:r>
-              <a:rPr lang="en-US" sz="2600" dirty="0" err="1" smtClean="0"/>
-              <a:t>DDSAnalytics</a:t>
-            </a:r>
-            <a:r>
-              <a:rPr lang="en-US" sz="2600" dirty="0" smtClean="0"/>
-              <a:t>: Using Data to Solve Problems</a:t>
-            </a:r>
-          </a:p>
-          <a:p>
-            <a:endParaRPr lang="en-US" sz="2600" dirty="0"/>
-          </a:p>
-          <a:p>
-            <a:r>
-              <a:rPr lang="en-US" sz="2600" dirty="0" smtClean="0"/>
-              <a:t>Solutions </a:t>
-            </a:r>
-            <a:r>
-              <a:rPr lang="en-US" sz="2600" dirty="0"/>
-              <a:t>for Fortune 1000 </a:t>
-            </a:r>
-            <a:r>
-              <a:rPr lang="en-US" sz="2600" dirty="0" smtClean="0"/>
-              <a:t>Companies</a:t>
-            </a:r>
-          </a:p>
-          <a:p>
-            <a:endParaRPr lang="en-US" sz="800" dirty="0" smtClean="0"/>
-          </a:p>
-          <a:p>
-            <a:pPr lvl="1"/>
-            <a:r>
-              <a:rPr lang="en-US" sz="2400" b="1" dirty="0"/>
-              <a:t>W</a:t>
-            </a:r>
-            <a:r>
-              <a:rPr lang="en-US" sz="2400" dirty="0" smtClean="0"/>
-              <a:t>orkforce Planning </a:t>
-            </a:r>
-          </a:p>
-          <a:p>
-            <a:pPr lvl="1"/>
-            <a:r>
-              <a:rPr lang="en-US" sz="2400" b="1" dirty="0"/>
-              <a:t>E</a:t>
-            </a:r>
-            <a:r>
-              <a:rPr lang="en-US" sz="2400" dirty="0" smtClean="0"/>
-              <a:t>mployee </a:t>
-            </a:r>
-            <a:r>
-              <a:rPr lang="en-US" sz="2400" dirty="0"/>
-              <a:t>T</a:t>
-            </a:r>
-            <a:r>
-              <a:rPr lang="en-US" sz="2400" dirty="0" smtClean="0"/>
-              <a:t>raining </a:t>
-            </a:r>
-            <a:r>
-              <a:rPr lang="en-US" sz="2400" dirty="0"/>
-              <a:t>P</a:t>
-            </a:r>
-            <a:r>
-              <a:rPr lang="en-US" sz="2400" dirty="0" smtClean="0"/>
-              <a:t>rogram</a:t>
-            </a:r>
-          </a:p>
-          <a:p>
-            <a:pPr lvl="1"/>
-            <a:r>
-              <a:rPr lang="en-US" sz="2400" b="1" dirty="0" smtClean="0"/>
-              <a:t>I</a:t>
-            </a:r>
-            <a:r>
-              <a:rPr lang="en-US" sz="2400" dirty="0" smtClean="0"/>
-              <a:t>dentifying High-Potential Employees</a:t>
-            </a:r>
-          </a:p>
-          <a:p>
-            <a:pPr lvl="1"/>
-            <a:r>
-              <a:rPr lang="en-US" sz="2400" b="1" dirty="0" smtClean="0"/>
-              <a:t>R</a:t>
-            </a:r>
-            <a:r>
-              <a:rPr lang="en-US" sz="2400" dirty="0" smtClean="0"/>
-              <a:t>educing Turnover</a:t>
-            </a:r>
-          </a:p>
-          <a:p>
-            <a:pPr lvl="1"/>
-            <a:r>
-              <a:rPr lang="en-US" sz="2400" b="1" dirty="0" smtClean="0"/>
-              <a:t>D</a:t>
-            </a:r>
-            <a:r>
-              <a:rPr lang="en-US" sz="2400" dirty="0" smtClean="0"/>
-              <a:t>ata Interpretation</a:t>
-            </a:r>
-          </a:p>
-          <a:p>
-            <a:pPr lvl="1"/>
-            <a:endParaRPr lang="en-US" sz="2400" dirty="0" smtClean="0"/>
-          </a:p>
-          <a:p>
-            <a:pPr lvl="1"/>
-            <a:endParaRPr lang="en-US" sz="5000" dirty="0" smtClean="0"/>
-          </a:p>
-          <a:p>
-            <a:pPr marL="109728" indent="0">
-              <a:buNone/>
-            </a:pPr>
-            <a:endParaRPr lang="en-US" sz="2600" dirty="0"/>
-          </a:p>
-          <a:p>
-            <a:pPr marL="109728" indent="0">
-              <a:buNone/>
-            </a:pPr>
-            <a:endParaRPr lang="en-US" sz="2600" dirty="0" smtClean="0"/>
-          </a:p>
-          <a:p>
-            <a:endParaRPr lang="en-US" sz="2600" dirty="0"/>
-          </a:p>
-        </p:txBody>
-      </p:sp>
-      <p:sp>
-        <p:nvSpPr>
-          <p:cNvPr id="3" name="Title 2"/>
-          <p:cNvSpPr>
-            <a:spLocks noGrp="1"/>
-          </p:cNvSpPr>
-          <p:nvPr>
-            <p:ph type="title"/>
-          </p:nvPr>
-        </p:nvSpPr>
-        <p:spPr/>
-        <p:txBody>
-          <a:bodyPr/>
-          <a:lstStyle/>
-          <a:p>
-            <a:r>
-              <a:rPr lang="en-US" dirty="0" smtClean="0"/>
-              <a:t>Introduction</a:t>
-            </a:r>
-            <a:endParaRPr lang="en-US" dirty="0"/>
-          </a:p>
-        </p:txBody>
-      </p:sp>
-      <p:sp>
-        <p:nvSpPr>
-          <p:cNvPr id="4" name="AutoShape 2" descr="Related image"/>
-          <p:cNvSpPr>
-            <a:spLocks noChangeAspect="1" noChangeArrowheads="1"/>
-          </p:cNvSpPr>
-          <p:nvPr/>
-        </p:nvSpPr>
-        <p:spPr bwMode="auto">
-          <a:xfrm>
-            <a:off x="155575" y="-144463"/>
-            <a:ext cx="304800" cy="304801"/>
-          </a:xfrm>
-          <a:prstGeom prst="rect">
-            <a:avLst/>
-          </a:prstGeom>
-          <a:noFill/>
-          <a:extLst>
-            <a:ext uri="{909E8E84-426E-40DD-AFC4-6F175D3DCCD1}">
-              <a14:hiddenFill xmlns:a14="http://schemas.microsoft.com/office/drawing/2010/main">
-                <a:solidFill>
-                  <a:srgbClr val="FFFFFF"/>
-                </a:solidFill>
-              </a14:hiddenFill>
-            </a:ext>
-          </a:extLst>
-        </p:spPr>
-        <p:txBody>
-          <a:bodyPr vert="horz" wrap="square" lIns="91440" tIns="45720" rIns="91440" bIns="45720" numCol="1" anchor="t" anchorCtr="0" compatLnSpc="1">
-            <a:prstTxWarp prst="textNoShape">
-              <a:avLst/>
-            </a:prstTxWarp>
-          </a:bodyPr>
-          <a:lstStyle/>
-          <a:p>
-            <a:endParaRPr lang="en-US"/>
-          </a:p>
-        </p:txBody>
-      </p:sp>
-      <p:pic>
-        <p:nvPicPr>
-          <p:cNvPr id="5" name="Picture 4"/>
-          <p:cNvPicPr>
-            <a:picLocks noChangeAspect="1"/>
-          </p:cNvPicPr>
-          <p:nvPr/>
-        </p:nvPicPr>
-        <p:blipFill>
-          <a:blip r:embed="rId3" cstate="print">
-            <a:extLst>
-              <a:ext uri="{28A0092B-C50C-407E-A947-70E740481C1C}">
-                <a14:useLocalDpi xmlns:a14="http://schemas.microsoft.com/office/drawing/2010/main" val="0"/>
-              </a:ext>
-            </a:extLst>
-          </a:blip>
-          <a:stretch>
-            <a:fillRect/>
-          </a:stretch>
-        </p:blipFill>
-        <p:spPr>
-          <a:xfrm>
-            <a:off x="6577378" y="4876800"/>
-            <a:ext cx="2261822" cy="1752600"/>
-          </a:xfrm>
-          <a:prstGeom prst="rect">
-            <a:avLst/>
-          </a:prstGeom>
-        </p:spPr>
-      </p:pic>
-    </p:spTree>
-    <p:extLst>
-      <p:ext uri="{BB962C8B-B14F-4D97-AF65-F5344CB8AC3E}">
-        <p14:creationId xmlns:p14="http://schemas.microsoft.com/office/powerpoint/2010/main" val="4075600054"/>
-      </p:ext>
-    </p:extLst>
-  </p:cSld>
-  <p:clrMapOvr>
-    <a:masterClrMapping/>
-  </p:clrMapOvr>
-</p:sld>
-</file>
-
-<file path=ppt/slides/slide3.xml><?xml version="1.0" encoding="utf-8"?>
-<p:sld xmlns:a="http://schemas.openxmlformats.org/drawingml/2006/main" xmlns:r="http://schemas.openxmlformats.org/officeDocument/2006/relationships" xmlns:p="http://schemas.openxmlformats.org/presentationml/2006/main">
-  <p:cSld>
-    <p:spTree>
-      <p:nvGrpSpPr>
-        <p:cNvPr id="1" name=""/>
-        <p:cNvGrpSpPr/>
-        <p:nvPr/>
-      </p:nvGrpSpPr>
-      <p:grpSpPr>
-        <a:xfrm>
-          <a:off x="0" y="0"/>
-          <a:ext cx="0" cy="0"/>
-          <a:chOff x="0" y="0"/>
-          <a:chExt cx="0" cy="0"/>
-        </a:xfrm>
-      </p:grpSpPr>
-      <p:sp>
-        <p:nvSpPr>
-          <p:cNvPr id="2" name="Content Placeholder 1"/>
-          <p:cNvSpPr>
-            <a:spLocks noGrp="1"/>
-          </p:cNvSpPr>
-          <p:nvPr>
-            <p:ph idx="1"/>
-          </p:nvPr>
-        </p:nvSpPr>
-        <p:spPr/>
-        <p:txBody>
-          <a:bodyPr/>
-          <a:lstStyle/>
-          <a:p>
-            <a:r>
-              <a:rPr lang="en-US" dirty="0" smtClean="0"/>
-              <a:t>Costs Per Hire $4,129</a:t>
-            </a:r>
-          </a:p>
-          <a:p>
-            <a:endParaRPr lang="en-US" dirty="0" smtClean="0"/>
-          </a:p>
-          <a:p>
-            <a:r>
-              <a:rPr lang="en-US" dirty="0" smtClean="0"/>
-              <a:t>Time to Fill 42 days</a:t>
-            </a:r>
-          </a:p>
-          <a:p>
-            <a:endParaRPr lang="en-US" dirty="0" smtClean="0"/>
-          </a:p>
-          <a:p>
-            <a:r>
-              <a:rPr lang="en-US" dirty="0" smtClean="0"/>
-              <a:t>Employee Tenure 8 Years</a:t>
-            </a:r>
-          </a:p>
-          <a:p>
-            <a:endParaRPr lang="en-US" dirty="0" smtClean="0"/>
-          </a:p>
-          <a:p>
-            <a:r>
-              <a:rPr lang="en-US" dirty="0" smtClean="0"/>
-              <a:t>Annual Turnover Rate 19%</a:t>
-            </a:r>
-            <a:endParaRPr lang="en-US" dirty="0"/>
-          </a:p>
-        </p:txBody>
-      </p:sp>
-      <p:sp>
-        <p:nvSpPr>
-          <p:cNvPr id="3" name="Title 2"/>
-          <p:cNvSpPr>
-            <a:spLocks noGrp="1"/>
-          </p:cNvSpPr>
-          <p:nvPr>
-            <p:ph type="title"/>
-          </p:nvPr>
-        </p:nvSpPr>
-        <p:spPr/>
-        <p:txBody>
-          <a:bodyPr/>
-          <a:lstStyle/>
-          <a:p>
-            <a:r>
-              <a:rPr lang="en-US" dirty="0"/>
-              <a:t>Cost of Attrition - 2016</a:t>
-            </a:r>
-          </a:p>
-        </p:txBody>
-      </p:sp>
-      <p:pic>
-        <p:nvPicPr>
-          <p:cNvPr id="4" name="Picture 2" descr="Image result for Human Resource Managementâs 2016 Human Capital Benchmarking Report"/>
-          <p:cNvPicPr>
-            <a:picLocks noChangeAspect="1" noChangeArrowheads="1"/>
-          </p:cNvPicPr>
-          <p:nvPr/>
-        </p:nvPicPr>
-        <p:blipFill rotWithShape="1">
-          <a:blip r:embed="rId3" cstate="print">
-            <a:extLst>
-              <a:ext uri="{28A0092B-C50C-407E-A947-70E740481C1C}">
-                <a14:useLocalDpi xmlns:a14="http://schemas.microsoft.com/office/drawing/2010/main" val="0"/>
-              </a:ext>
-            </a:extLst>
-          </a:blip>
-          <a:srcRect l="8306" r="13708"/>
-          <a:stretch/>
-        </p:blipFill>
-        <p:spPr bwMode="auto">
-          <a:xfrm>
-            <a:off x="6781800" y="4953000"/>
-            <a:ext cx="1666180" cy="1121664"/>
-          </a:xfrm>
-          <a:prstGeom prst="rect">
-            <a:avLst/>
-          </a:prstGeom>
-          <a:noFill/>
-          <a:extLst>
-            <a:ext uri="{909E8E84-426E-40DD-AFC4-6F175D3DCCD1}">
-              <a14:hiddenFill xmlns:a14="http://schemas.microsoft.com/office/drawing/2010/main">
-                <a:solidFill>
-                  <a:srgbClr val="FFFFFF"/>
-                </a:solidFill>
-              </a14:hiddenFill>
-            </a:ext>
-          </a:extLst>
-        </p:spPr>
-      </p:pic>
-      <p:pic>
-        <p:nvPicPr>
-          <p:cNvPr id="5" name="Content Placeholder 3"/>
-          <p:cNvPicPr>
-            <a:picLocks noChangeAspect="1"/>
-          </p:cNvPicPr>
-          <p:nvPr/>
-        </p:nvPicPr>
-        <p:blipFill>
-          <a:blip r:embed="rId4" cstate="print">
-            <a:extLst>
-              <a:ext uri="{28A0092B-C50C-407E-A947-70E740481C1C}">
-                <a14:useLocalDpi xmlns:a14="http://schemas.microsoft.com/office/drawing/2010/main" val="0"/>
-              </a:ext>
-            </a:extLst>
-          </a:blip>
-          <a:stretch>
-            <a:fillRect/>
-          </a:stretch>
-        </p:blipFill>
-        <p:spPr>
-          <a:xfrm>
-            <a:off x="6172200" y="1499099"/>
-            <a:ext cx="2708003" cy="3149101"/>
-          </a:xfrm>
-          <a:prstGeom prst="rect">
-            <a:avLst/>
-          </a:prstGeom>
-          <a:ln>
-            <a:solidFill>
-              <a:schemeClr val="accent1"/>
-            </a:solidFill>
-          </a:ln>
-        </p:spPr>
-      </p:pic>
-    </p:spTree>
-    <p:extLst>
-      <p:ext uri="{BB962C8B-B14F-4D97-AF65-F5344CB8AC3E}">
-        <p14:creationId xmlns:p14="http://schemas.microsoft.com/office/powerpoint/2010/main" val="1930422771"/>
-      </p:ext>
-    </p:extLst>
-  </p:cSld>
-  <p:clrMapOvr>
-    <a:masterClrMapping/>
-  </p:clrMapOvr>
-</p:sld>
-</file>
-
-<file path=ppt/slides/slide4.xml><?xml version="1.0" encoding="utf-8"?>
-<p:sld xmlns:a="http://schemas.openxmlformats.org/drawingml/2006/main" xmlns:r="http://schemas.openxmlformats.org/officeDocument/2006/relationships" xmlns:p="http://schemas.openxmlformats.org/presentationml/2006/main">
-  <p:cSld>
-    <p:spTree>
-      <p:nvGrpSpPr>
-        <p:cNvPr id="1" name=""/>
-        <p:cNvGrpSpPr/>
-        <p:nvPr/>
-      </p:nvGrpSpPr>
-      <p:grpSpPr>
-        <a:xfrm>
-          <a:off x="0" y="0"/>
-          <a:ext cx="0" cy="0"/>
-          <a:chOff x="0" y="0"/>
-          <a:chExt cx="0" cy="0"/>
-        </a:xfrm>
-      </p:grpSpPr>
-      <p:sp>
-        <p:nvSpPr>
-          <p:cNvPr id="2" name="Content Placeholder 1"/>
-          <p:cNvSpPr>
-            <a:spLocks noGrp="1"/>
-          </p:cNvSpPr>
-          <p:nvPr>
-            <p:ph idx="1"/>
-          </p:nvPr>
-        </p:nvSpPr>
-        <p:spPr/>
-        <p:txBody>
-          <a:bodyPr>
-            <a:normAutofit/>
-          </a:bodyPr>
-          <a:lstStyle/>
-          <a:p>
-            <a:r>
-              <a:rPr lang="en-US" sz="2400" dirty="0" smtClean="0"/>
-              <a:t>Probabilistic Machine Learning Algorithm</a:t>
-            </a:r>
-          </a:p>
-          <a:p>
-            <a:endParaRPr lang="en-US" sz="2400" dirty="0" smtClean="0"/>
-          </a:p>
-          <a:p>
-            <a:r>
-              <a:rPr lang="en-US" sz="2400" dirty="0" smtClean="0"/>
-              <a:t>Assumes </a:t>
-            </a:r>
-            <a:r>
-              <a:rPr lang="en-US" sz="2400" dirty="0"/>
-              <a:t>features </a:t>
-            </a:r>
-            <a:r>
-              <a:rPr lang="en-US" sz="2400" dirty="0" smtClean="0"/>
-              <a:t>are independent of each other</a:t>
-            </a:r>
-            <a:endParaRPr lang="en-US" sz="2400" dirty="0"/>
-          </a:p>
-        </p:txBody>
-      </p:sp>
-      <p:sp>
-        <p:nvSpPr>
-          <p:cNvPr id="3" name="Title 2"/>
-          <p:cNvSpPr>
-            <a:spLocks noGrp="1"/>
-          </p:cNvSpPr>
-          <p:nvPr>
-            <p:ph type="title"/>
-          </p:nvPr>
-        </p:nvSpPr>
-        <p:spPr/>
-        <p:txBody>
-          <a:bodyPr>
-            <a:normAutofit fontScale="90000"/>
-          </a:bodyPr>
-          <a:lstStyle/>
-          <a:p>
-            <a:r>
-              <a:rPr lang="en-US" dirty="0" smtClean="0"/>
-              <a:t>Naïve-Bayes: </a:t>
-            </a:r>
-            <a:r>
-              <a:rPr lang="en-US" sz="4000" dirty="0" smtClean="0"/>
-              <a:t>Variable Exploration</a:t>
-            </a:r>
-            <a:endParaRPr lang="en-US" sz="4400" dirty="0"/>
-          </a:p>
-        </p:txBody>
-      </p:sp>
-      <p:graphicFrame>
-        <p:nvGraphicFramePr>
-          <p:cNvPr id="5" name="Table 4"/>
-          <p:cNvGraphicFramePr>
-            <a:graphicFrameLocks noGrp="1"/>
-          </p:cNvGraphicFramePr>
-          <p:nvPr>
-            <p:extLst>
-              <p:ext uri="{D42A27DB-BD31-4B8C-83A1-F6EECF244321}">
-                <p14:modId xmlns:p14="http://schemas.microsoft.com/office/powerpoint/2010/main" val="2920561248"/>
-              </p:ext>
-            </p:extLst>
-          </p:nvPr>
-        </p:nvGraphicFramePr>
-        <p:xfrm>
-          <a:off x="3048000" y="3048000"/>
-          <a:ext cx="3644900" cy="2543175"/>
-        </p:xfrm>
-        <a:graphic>
-          <a:graphicData uri="http://schemas.openxmlformats.org/drawingml/2006/table">
-            <a:tbl>
-              <a:tblPr>
-                <a:tableStyleId>{5C22544A-7EE6-4342-B048-85BDC9FD1C3A}</a:tableStyleId>
-              </a:tblPr>
-              <a:tblGrid>
-                <a:gridCol w="2819400"/>
-                <a:gridCol w="825500"/>
-              </a:tblGrid>
-              <a:tr h="247650">
-                <a:tc>
-                  <a:txBody>
-                    <a:bodyPr/>
-                    <a:lstStyle/>
-                    <a:p>
-                      <a:pPr algn="l" fontAlgn="b"/>
-                      <a:r>
-                        <a:rPr lang="en-US" sz="1400" u="none" strike="noStrike" dirty="0">
-                          <a:effectLst/>
-                        </a:rPr>
-                        <a:t>Variable</a:t>
-                      </a:r>
-                      <a:endParaRPr lang="en-US" sz="1400" b="1" i="0" u="none" strike="noStrike" dirty="0">
-                        <a:solidFill>
-                          <a:srgbClr val="000000"/>
-                        </a:solidFill>
-                        <a:effectLst/>
-                        <a:latin typeface="Calibri"/>
-                      </a:endParaRPr>
-                    </a:p>
-                  </a:txBody>
-                  <a:tcPr marL="85725" marR="9525" marT="9525" marB="0" anchor="b">
-                    <a:lnL w="12700" cap="flat" cmpd="sng" algn="ctr">
-                      <a:solidFill>
-                        <a:schemeClr val="tx1"/>
-                      </a:solidFill>
-                      <a:prstDash val="solid"/>
-                      <a:round/>
-                      <a:headEnd type="none" w="med" len="med"/>
-                      <a:tailEnd type="none" w="med" len="med"/>
-                    </a:lnL>
-                    <a:lnT w="12700" cap="flat" cmpd="sng" algn="ctr">
-                      <a:solidFill>
-                        <a:schemeClr val="tx1"/>
-                      </a:solidFill>
-                      <a:prstDash val="solid"/>
-                      <a:round/>
-                      <a:headEnd type="none" w="med" len="med"/>
-                      <a:tailEnd type="none" w="med" len="med"/>
-                    </a:lnT>
-                    <a:lnB w="12700" cap="flat" cmpd="sng" algn="ctr">
-                      <a:solidFill>
-                        <a:schemeClr val="tx1"/>
-                      </a:solidFill>
-                      <a:prstDash val="solid"/>
-                      <a:round/>
-                      <a:headEnd type="none" w="med" len="med"/>
-                      <a:tailEnd type="none" w="med" len="med"/>
-                    </a:lnB>
-                    <a:solidFill>
-                      <a:schemeClr val="accent1">
-                        <a:lumMod val="40000"/>
-                        <a:lumOff val="60000"/>
-                      </a:schemeClr>
-                    </a:solidFill>
-                  </a:tcPr>
-                </a:tc>
-                <a:tc>
-                  <a:txBody>
-                    <a:bodyPr/>
-                    <a:lstStyle/>
-                    <a:p>
-                      <a:pPr algn="ctr" fontAlgn="b"/>
-                      <a:r>
-                        <a:rPr lang="en-US" sz="1400" u="none" strike="noStrike" dirty="0">
-                          <a:effectLst/>
-                        </a:rPr>
-                        <a:t>P(Y|X)</a:t>
-                      </a:r>
-                      <a:endParaRPr lang="en-US" sz="1400" b="1" i="0" u="none" strike="noStrike" dirty="0">
-                        <a:solidFill>
-                          <a:srgbClr val="000000"/>
-                        </a:solidFill>
-                        <a:effectLst/>
-                        <a:latin typeface="Calibri"/>
-                      </a:endParaRPr>
-                    </a:p>
-                  </a:txBody>
-                  <a:tcPr marL="9525" marR="9525" marT="9525" marB="0" anchor="b">
-                    <a:lnR w="12700" cap="flat" cmpd="sng" algn="ctr">
-                      <a:solidFill>
-                        <a:schemeClr val="tx1"/>
-                      </a:solidFill>
-                      <a:prstDash val="solid"/>
-                      <a:round/>
-                      <a:headEnd type="none" w="med" len="med"/>
-                      <a:tailEnd type="none" w="med" len="med"/>
-                    </a:lnR>
-                    <a:lnT w="12700" cap="flat" cmpd="sng" algn="ctr">
-                      <a:solidFill>
-                        <a:schemeClr val="tx1"/>
-                      </a:solidFill>
-                      <a:prstDash val="solid"/>
-                      <a:round/>
-                      <a:headEnd type="none" w="med" len="med"/>
-                      <a:tailEnd type="none" w="med" len="med"/>
-                    </a:lnT>
-                    <a:lnB w="12700" cap="flat" cmpd="sng" algn="ctr">
-                      <a:solidFill>
-                        <a:schemeClr val="tx1"/>
-                      </a:solidFill>
-                      <a:prstDash val="solid"/>
-                      <a:round/>
-                      <a:headEnd type="none" w="med" len="med"/>
-                      <a:tailEnd type="none" w="med" len="med"/>
-                    </a:lnB>
-                    <a:solidFill>
-                      <a:schemeClr val="accent1">
-                        <a:lumMod val="40000"/>
-                        <a:lumOff val="60000"/>
-                      </a:schemeClr>
-                    </a:solidFill>
-                  </a:tcPr>
-                </a:tc>
-              </a:tr>
-              <a:tr h="190500">
-                <a:tc>
-                  <a:txBody>
-                    <a:bodyPr/>
-                    <a:lstStyle/>
-                    <a:p>
-                      <a:pPr algn="l" fontAlgn="t"/>
-                      <a:r>
-                        <a:rPr lang="en-US" sz="1100" u="none" strike="noStrike" dirty="0">
-                          <a:effectLst/>
-                        </a:rPr>
-                        <a:t>BusinessTravel - Travel Rarely</a:t>
-                      </a:r>
-                      <a:endParaRPr lang="en-US" sz="1100" b="0" i="0" u="none" strike="noStrike" dirty="0">
-                        <a:solidFill>
-                          <a:srgbClr val="333333"/>
-                        </a:solidFill>
-                        <a:effectLst/>
-                        <a:latin typeface="Arial"/>
-                      </a:endParaRPr>
-                    </a:p>
-                  </a:txBody>
-                  <a:tcPr marL="85725" marR="9525" marT="9525" marB="0">
-                    <a:lnL w="12700" cap="flat" cmpd="sng" algn="ctr">
-                      <a:solidFill>
-                        <a:schemeClr val="tx1"/>
-                      </a:solidFill>
-                      <a:prstDash val="solid"/>
-                      <a:round/>
-                      <a:headEnd type="none" w="med" len="med"/>
-                      <a:tailEnd type="none" w="med" len="med"/>
-                    </a:lnL>
-                    <a:lnT w="12700" cap="flat" cmpd="sng" algn="ctr">
-                      <a:solidFill>
-                        <a:schemeClr val="tx1"/>
-                      </a:solidFill>
-                      <a:prstDash val="solid"/>
-                      <a:round/>
-                      <a:headEnd type="none" w="med" len="med"/>
-                      <a:tailEnd type="none" w="med" len="med"/>
-                    </a:lnT>
-                    <a:solidFill>
-                      <a:schemeClr val="accent1">
-                        <a:lumMod val="20000"/>
-                        <a:lumOff val="80000"/>
-                      </a:schemeClr>
-                    </a:solidFill>
-                  </a:tcPr>
-                </a:tc>
-                <a:tc>
-                  <a:txBody>
-                    <a:bodyPr/>
-                    <a:lstStyle/>
-                    <a:p>
-                      <a:pPr algn="ctr" fontAlgn="t"/>
-                      <a:r>
-                        <a:rPr lang="en-US" sz="1100" u="none" strike="noStrike" dirty="0">
-                          <a:effectLst/>
-                        </a:rPr>
-                        <a:t>0.66</a:t>
-                      </a:r>
-                      <a:endParaRPr lang="en-US" sz="1100" b="0" i="0" u="none" strike="noStrike" dirty="0">
-                        <a:solidFill>
-                          <a:srgbClr val="333333"/>
-                        </a:solidFill>
-                        <a:effectLst/>
-                        <a:latin typeface="Arial"/>
-                      </a:endParaRPr>
-                    </a:p>
-                  </a:txBody>
-                  <a:tcPr marL="9525" marR="9525" marT="9525" marB="0">
-                    <a:lnR w="12700" cap="flat" cmpd="sng" algn="ctr">
-                      <a:solidFill>
-                        <a:schemeClr val="tx1"/>
-                      </a:solidFill>
-                      <a:prstDash val="solid"/>
-                      <a:round/>
-                      <a:headEnd type="none" w="med" len="med"/>
-                      <a:tailEnd type="none" w="med" len="med"/>
-                    </a:lnR>
-                    <a:lnT w="12700" cap="flat" cmpd="sng" algn="ctr">
-                      <a:solidFill>
-                        <a:schemeClr val="tx1"/>
-                      </a:solidFill>
-                      <a:prstDash val="solid"/>
-                      <a:round/>
-                      <a:headEnd type="none" w="med" len="med"/>
-                      <a:tailEnd type="none" w="med" len="med"/>
-                    </a:lnT>
-                    <a:solidFill>
-                      <a:schemeClr val="accent1">
-                        <a:lumMod val="20000"/>
-                        <a:lumOff val="80000"/>
-                      </a:schemeClr>
-                    </a:solidFill>
-                  </a:tcPr>
-                </a:tc>
-              </a:tr>
-              <a:tr h="190500">
-                <a:tc>
-                  <a:txBody>
-                    <a:bodyPr/>
-                    <a:lstStyle/>
-                    <a:p>
-                      <a:pPr algn="l" fontAlgn="t"/>
-                      <a:r>
-                        <a:rPr lang="en-US" sz="1100" u="none" strike="noStrike">
-                          <a:effectLst/>
-                        </a:rPr>
-                        <a:t>Department - Research &amp; Develoment</a:t>
-                      </a:r>
-                      <a:endParaRPr lang="en-US" sz="1100" b="0" i="0" u="none" strike="noStrike">
-                        <a:solidFill>
-                          <a:srgbClr val="333333"/>
-                        </a:solidFill>
-                        <a:effectLst/>
-                        <a:latin typeface="Arial"/>
-                      </a:endParaRPr>
-                    </a:p>
-                  </a:txBody>
-                  <a:tcPr marL="85725" marR="9525" marT="9525" marB="0">
-                    <a:lnL w="12700" cap="flat" cmpd="sng" algn="ctr">
-                      <a:solidFill>
-                        <a:schemeClr val="tx1"/>
-                      </a:solidFill>
-                      <a:prstDash val="solid"/>
-                      <a:round/>
-                      <a:headEnd type="none" w="med" len="med"/>
-                      <a:tailEnd type="none" w="med" len="med"/>
-                    </a:lnL>
-                    <a:solidFill>
-                      <a:schemeClr val="accent1">
-                        <a:lumMod val="20000"/>
-                        <a:lumOff val="80000"/>
-                      </a:schemeClr>
-                    </a:solidFill>
-                  </a:tcPr>
-                </a:tc>
-                <a:tc>
-                  <a:txBody>
-                    <a:bodyPr/>
-                    <a:lstStyle/>
-                    <a:p>
-                      <a:pPr algn="ctr" fontAlgn="t"/>
-                      <a:r>
-                        <a:rPr lang="en-US" sz="1100" u="none" strike="noStrike">
-                          <a:effectLst/>
-                        </a:rPr>
-                        <a:t>0.56</a:t>
-                      </a:r>
-                      <a:endParaRPr lang="en-US" sz="1100" b="0" i="0" u="none" strike="noStrike">
-                        <a:solidFill>
-                          <a:srgbClr val="333333"/>
-                        </a:solidFill>
-                        <a:effectLst/>
-                        <a:latin typeface="Arial"/>
-                      </a:endParaRPr>
-                    </a:p>
-                  </a:txBody>
-                  <a:tcPr marL="9525" marR="9525" marT="9525" marB="0">
-                    <a:lnR w="12700" cap="flat" cmpd="sng" algn="ctr">
-                      <a:solidFill>
-                        <a:schemeClr val="tx1"/>
-                      </a:solidFill>
-                      <a:prstDash val="solid"/>
-                      <a:round/>
-                      <a:headEnd type="none" w="med" len="med"/>
-                      <a:tailEnd type="none" w="med" len="med"/>
-                    </a:lnR>
-                    <a:solidFill>
-                      <a:schemeClr val="accent1">
-                        <a:lumMod val="20000"/>
-                        <a:lumOff val="80000"/>
-                      </a:schemeClr>
-                    </a:solidFill>
-                  </a:tcPr>
-                </a:tc>
-              </a:tr>
-              <a:tr h="190500">
-                <a:tc>
-                  <a:txBody>
-                    <a:bodyPr/>
-                    <a:lstStyle/>
-                    <a:p>
-                      <a:pPr algn="l" fontAlgn="t"/>
-                      <a:r>
-                        <a:rPr lang="en-US" sz="1100" u="none" strike="noStrike">
-                          <a:effectLst/>
-                        </a:rPr>
-                        <a:t>DistanceFromHome - Under 10</a:t>
-                      </a:r>
-                      <a:endParaRPr lang="en-US" sz="1100" b="0" i="0" u="none" strike="noStrike">
-                        <a:solidFill>
-                          <a:srgbClr val="333333"/>
-                        </a:solidFill>
-                        <a:effectLst/>
-                        <a:latin typeface="Arial"/>
-                      </a:endParaRPr>
-                    </a:p>
-                  </a:txBody>
-                  <a:tcPr marL="85725" marR="9525" marT="9525" marB="0">
-                    <a:lnL w="12700" cap="flat" cmpd="sng" algn="ctr">
-                      <a:solidFill>
-                        <a:schemeClr val="tx1"/>
-                      </a:solidFill>
-                      <a:prstDash val="solid"/>
-                      <a:round/>
-                      <a:headEnd type="none" w="med" len="med"/>
-                      <a:tailEnd type="none" w="med" len="med"/>
-                    </a:lnL>
-                    <a:solidFill>
-                      <a:schemeClr val="accent1">
-                        <a:lumMod val="20000"/>
-                        <a:lumOff val="80000"/>
-                      </a:schemeClr>
-                    </a:solidFill>
-                  </a:tcPr>
-                </a:tc>
-                <a:tc>
-                  <a:txBody>
-                    <a:bodyPr/>
-                    <a:lstStyle/>
-                    <a:p>
-                      <a:pPr algn="ctr" fontAlgn="t"/>
-                      <a:r>
-                        <a:rPr lang="en-US" sz="1100" u="none" strike="noStrike">
-                          <a:effectLst/>
-                        </a:rPr>
-                        <a:t>0.56</a:t>
-                      </a:r>
-                      <a:endParaRPr lang="en-US" sz="1100" b="0" i="0" u="none" strike="noStrike">
-                        <a:solidFill>
-                          <a:srgbClr val="333333"/>
-                        </a:solidFill>
-                        <a:effectLst/>
-                        <a:latin typeface="Arial"/>
-                      </a:endParaRPr>
-                    </a:p>
-                  </a:txBody>
-                  <a:tcPr marL="9525" marR="9525" marT="9525" marB="0">
-                    <a:lnR w="12700" cap="flat" cmpd="sng" algn="ctr">
-                      <a:solidFill>
-                        <a:schemeClr val="tx1"/>
-                      </a:solidFill>
-                      <a:prstDash val="solid"/>
-                      <a:round/>
-                      <a:headEnd type="none" w="med" len="med"/>
-                      <a:tailEnd type="none" w="med" len="med"/>
-                    </a:lnR>
-                    <a:solidFill>
-                      <a:schemeClr val="accent1">
-                        <a:lumMod val="20000"/>
-                        <a:lumOff val="80000"/>
-                      </a:schemeClr>
-                    </a:solidFill>
-                  </a:tcPr>
-                </a:tc>
-              </a:tr>
-              <a:tr h="190500">
-                <a:tc>
-                  <a:txBody>
-                    <a:bodyPr/>
-                    <a:lstStyle/>
-                    <a:p>
-                      <a:pPr algn="l" fontAlgn="t"/>
-                      <a:r>
-                        <a:rPr lang="en-US" sz="1100" u="none" strike="noStrike">
-                          <a:effectLst/>
-                        </a:rPr>
-                        <a:t>Education - Bachelor Below</a:t>
-                      </a:r>
-                      <a:endParaRPr lang="en-US" sz="1100" b="0" i="0" u="none" strike="noStrike">
-                        <a:solidFill>
-                          <a:srgbClr val="333333"/>
-                        </a:solidFill>
-                        <a:effectLst/>
-                        <a:latin typeface="Arial"/>
-                      </a:endParaRPr>
-                    </a:p>
-                  </a:txBody>
-                  <a:tcPr marL="85725" marR="9525" marT="9525" marB="0">
-                    <a:lnL w="12700" cap="flat" cmpd="sng" algn="ctr">
-                      <a:solidFill>
-                        <a:schemeClr val="tx1"/>
-                      </a:solidFill>
-                      <a:prstDash val="solid"/>
-                      <a:round/>
-                      <a:headEnd type="none" w="med" len="med"/>
-                      <a:tailEnd type="none" w="med" len="med"/>
-                    </a:lnL>
-                    <a:solidFill>
-                      <a:schemeClr val="accent1">
-                        <a:lumMod val="20000"/>
-                        <a:lumOff val="80000"/>
-                      </a:schemeClr>
-                    </a:solidFill>
-                  </a:tcPr>
-                </a:tc>
-                <a:tc>
-                  <a:txBody>
-                    <a:bodyPr/>
-                    <a:lstStyle/>
-                    <a:p>
-                      <a:pPr algn="ctr" fontAlgn="t"/>
-                      <a:r>
-                        <a:rPr lang="en-US" sz="1100" u="none" strike="noStrike">
-                          <a:effectLst/>
-                        </a:rPr>
-                        <a:t>0.42</a:t>
-                      </a:r>
-                      <a:endParaRPr lang="en-US" sz="1100" b="0" i="0" u="none" strike="noStrike">
-                        <a:solidFill>
-                          <a:srgbClr val="333333"/>
-                        </a:solidFill>
-                        <a:effectLst/>
-                        <a:latin typeface="Arial"/>
-                      </a:endParaRPr>
-                    </a:p>
-                  </a:txBody>
-                  <a:tcPr marL="9525" marR="9525" marT="9525" marB="0">
-                    <a:lnR w="12700" cap="flat" cmpd="sng" algn="ctr">
-                      <a:solidFill>
-                        <a:schemeClr val="tx1"/>
-                      </a:solidFill>
-                      <a:prstDash val="solid"/>
-                      <a:round/>
-                      <a:headEnd type="none" w="med" len="med"/>
-                      <a:tailEnd type="none" w="med" len="med"/>
-                    </a:lnR>
-                    <a:solidFill>
-                      <a:schemeClr val="accent1">
-                        <a:lumMod val="20000"/>
-                        <a:lumOff val="80000"/>
-                      </a:schemeClr>
-                    </a:solidFill>
-                  </a:tcPr>
-                </a:tc>
-              </a:tr>
-              <a:tr h="190500">
-                <a:tc>
-                  <a:txBody>
-                    <a:bodyPr/>
-                    <a:lstStyle/>
-                    <a:p>
-                      <a:pPr algn="l" fontAlgn="t"/>
-                      <a:r>
-                        <a:rPr lang="en-US" sz="1100" u="none" strike="noStrike">
-                          <a:effectLst/>
-                        </a:rPr>
-                        <a:t>Gender - Male</a:t>
-                      </a:r>
-                      <a:endParaRPr lang="en-US" sz="1100" b="0" i="0" u="none" strike="noStrike">
-                        <a:solidFill>
-                          <a:srgbClr val="333333"/>
-                        </a:solidFill>
-                        <a:effectLst/>
-                        <a:latin typeface="Arial"/>
-                      </a:endParaRPr>
-                    </a:p>
-                  </a:txBody>
-                  <a:tcPr marL="85725" marR="9525" marT="9525" marB="0">
-                    <a:lnL w="12700" cap="flat" cmpd="sng" algn="ctr">
-                      <a:solidFill>
-                        <a:schemeClr val="tx1"/>
-                      </a:solidFill>
-                      <a:prstDash val="solid"/>
-                      <a:round/>
-                      <a:headEnd type="none" w="med" len="med"/>
-                      <a:tailEnd type="none" w="med" len="med"/>
-                    </a:lnL>
-                    <a:solidFill>
-                      <a:schemeClr val="accent1">
-                        <a:lumMod val="20000"/>
-                        <a:lumOff val="80000"/>
-                      </a:schemeClr>
-                    </a:solidFill>
-                  </a:tcPr>
-                </a:tc>
-                <a:tc>
-                  <a:txBody>
-                    <a:bodyPr/>
-                    <a:lstStyle/>
-                    <a:p>
-                      <a:pPr algn="ctr" fontAlgn="t"/>
-                      <a:r>
-                        <a:rPr lang="en-US" sz="1100" u="none" strike="noStrike">
-                          <a:effectLst/>
-                        </a:rPr>
-                        <a:t>0.63</a:t>
-                      </a:r>
-                      <a:endParaRPr lang="en-US" sz="1100" b="0" i="0" u="none" strike="noStrike">
-                        <a:solidFill>
-                          <a:srgbClr val="333333"/>
-                        </a:solidFill>
-                        <a:effectLst/>
-                        <a:latin typeface="Arial"/>
-                      </a:endParaRPr>
-                    </a:p>
-                  </a:txBody>
-                  <a:tcPr marL="9525" marR="9525" marT="9525" marB="0">
-                    <a:lnR w="12700" cap="flat" cmpd="sng" algn="ctr">
-                      <a:solidFill>
-                        <a:schemeClr val="tx1"/>
-                      </a:solidFill>
-                      <a:prstDash val="solid"/>
-                      <a:round/>
-                      <a:headEnd type="none" w="med" len="med"/>
-                      <a:tailEnd type="none" w="med" len="med"/>
-                    </a:lnR>
-                    <a:solidFill>
-                      <a:schemeClr val="accent1">
-                        <a:lumMod val="20000"/>
-                        <a:lumOff val="80000"/>
-                      </a:schemeClr>
-                    </a:solidFill>
-                  </a:tcPr>
-                </a:tc>
-              </a:tr>
-              <a:tr h="190500">
-                <a:tc>
-                  <a:txBody>
-                    <a:bodyPr/>
-                    <a:lstStyle/>
-                    <a:p>
-                      <a:pPr algn="l" fontAlgn="t"/>
-                      <a:r>
-                        <a:rPr lang="en-US" sz="1100" u="none" strike="noStrike" dirty="0">
-                          <a:effectLst/>
-                        </a:rPr>
-                        <a:t>JobInvolvement - High</a:t>
-                      </a:r>
-                      <a:endParaRPr lang="en-US" sz="1100" b="0" i="0" u="none" strike="noStrike" dirty="0">
-                        <a:solidFill>
-                          <a:srgbClr val="333333"/>
-                        </a:solidFill>
-                        <a:effectLst/>
-                        <a:latin typeface="Arial"/>
-                      </a:endParaRPr>
-                    </a:p>
-                  </a:txBody>
-                  <a:tcPr marL="85725" marR="9525" marT="9525" marB="0">
-                    <a:lnL w="12700" cap="flat" cmpd="sng" algn="ctr">
-                      <a:solidFill>
-                        <a:schemeClr val="tx1"/>
-                      </a:solidFill>
-                      <a:prstDash val="solid"/>
-                      <a:round/>
-                      <a:headEnd type="none" w="med" len="med"/>
-                      <a:tailEnd type="none" w="med" len="med"/>
-                    </a:lnL>
-                    <a:solidFill>
-                      <a:schemeClr val="accent1">
-                        <a:lumMod val="20000"/>
-                        <a:lumOff val="80000"/>
-                      </a:schemeClr>
-                    </a:solidFill>
-                  </a:tcPr>
-                </a:tc>
-                <a:tc>
-                  <a:txBody>
-                    <a:bodyPr/>
-                    <a:lstStyle/>
-                    <a:p>
-                      <a:pPr algn="ctr" fontAlgn="t"/>
-                      <a:r>
-                        <a:rPr lang="en-US" sz="1100" u="none" strike="noStrike">
-                          <a:effectLst/>
-                        </a:rPr>
-                        <a:t>0.53</a:t>
-                      </a:r>
-                      <a:endParaRPr lang="en-US" sz="1100" b="0" i="0" u="none" strike="noStrike">
-                        <a:solidFill>
-                          <a:srgbClr val="333333"/>
-                        </a:solidFill>
-                        <a:effectLst/>
-                        <a:latin typeface="Arial"/>
-                      </a:endParaRPr>
-                    </a:p>
-                  </a:txBody>
-                  <a:tcPr marL="9525" marR="9525" marT="9525" marB="0">
-                    <a:lnR w="12700" cap="flat" cmpd="sng" algn="ctr">
-                      <a:solidFill>
-                        <a:schemeClr val="tx1"/>
-                      </a:solidFill>
-                      <a:prstDash val="solid"/>
-                      <a:round/>
-                      <a:headEnd type="none" w="med" len="med"/>
-                      <a:tailEnd type="none" w="med" len="med"/>
-                    </a:lnR>
-                    <a:solidFill>
-                      <a:schemeClr val="accent1">
-                        <a:lumMod val="20000"/>
-                        <a:lumOff val="80000"/>
-                      </a:schemeClr>
-                    </a:solidFill>
-                  </a:tcPr>
-                </a:tc>
-              </a:tr>
-              <a:tr h="190500">
-                <a:tc>
-                  <a:txBody>
-                    <a:bodyPr/>
-                    <a:lstStyle/>
-                    <a:p>
-                      <a:pPr algn="l" fontAlgn="t"/>
-                      <a:r>
-                        <a:rPr lang="en-US" sz="1100" u="none" strike="noStrike" dirty="0">
-                          <a:effectLst/>
-                        </a:rPr>
-                        <a:t>MonthlyIncome - Under 5,000</a:t>
-                      </a:r>
-                      <a:endParaRPr lang="en-US" sz="1100" b="0" i="0" u="none" strike="noStrike" dirty="0">
-                        <a:solidFill>
-                          <a:srgbClr val="333333"/>
-                        </a:solidFill>
-                        <a:effectLst/>
-                        <a:latin typeface="Arial"/>
-                      </a:endParaRPr>
-                    </a:p>
-                  </a:txBody>
-                  <a:tcPr marL="85725" marR="9525" marT="9525" marB="0">
-                    <a:lnL w="12700" cap="flat" cmpd="sng" algn="ctr">
-                      <a:solidFill>
-                        <a:schemeClr val="tx1"/>
-                      </a:solidFill>
-                      <a:prstDash val="solid"/>
-                      <a:round/>
-                      <a:headEnd type="none" w="med" len="med"/>
-                      <a:tailEnd type="none" w="med" len="med"/>
-                    </a:lnL>
-                    <a:solidFill>
-                      <a:schemeClr val="accent1">
-                        <a:lumMod val="20000"/>
-                        <a:lumOff val="80000"/>
-                      </a:schemeClr>
-                    </a:solidFill>
-                  </a:tcPr>
-                </a:tc>
-                <a:tc>
-                  <a:txBody>
-                    <a:bodyPr/>
-                    <a:lstStyle/>
-                    <a:p>
-                      <a:pPr algn="ctr" fontAlgn="t"/>
-                      <a:r>
-                        <a:rPr lang="en-US" sz="1100" u="none" strike="noStrike">
-                          <a:effectLst/>
-                        </a:rPr>
-                        <a:t>0.69</a:t>
-                      </a:r>
-                      <a:endParaRPr lang="en-US" sz="1100" b="0" i="0" u="none" strike="noStrike">
-                        <a:solidFill>
-                          <a:srgbClr val="333333"/>
-                        </a:solidFill>
-                        <a:effectLst/>
-                        <a:latin typeface="Arial"/>
-                      </a:endParaRPr>
-                    </a:p>
-                  </a:txBody>
-                  <a:tcPr marL="9525" marR="9525" marT="9525" marB="0">
-                    <a:lnR w="12700" cap="flat" cmpd="sng" algn="ctr">
-                      <a:solidFill>
-                        <a:schemeClr val="tx1"/>
-                      </a:solidFill>
-                      <a:prstDash val="solid"/>
-                      <a:round/>
-                      <a:headEnd type="none" w="med" len="med"/>
-                      <a:tailEnd type="none" w="med" len="med"/>
-                    </a:lnR>
-                    <a:solidFill>
-                      <a:schemeClr val="accent1">
-                        <a:lumMod val="20000"/>
-                        <a:lumOff val="80000"/>
-                      </a:schemeClr>
-                    </a:solidFill>
-                  </a:tcPr>
-                </a:tc>
-              </a:tr>
-              <a:tr h="190500">
-                <a:tc>
-                  <a:txBody>
-                    <a:bodyPr/>
-                    <a:lstStyle/>
-                    <a:p>
-                      <a:pPr algn="l" fontAlgn="t"/>
-                      <a:r>
-                        <a:rPr lang="en-US" sz="1100" u="none" strike="noStrike" dirty="0">
-                          <a:effectLst/>
-                        </a:rPr>
-                        <a:t>MaritalStatus - Single</a:t>
-                      </a:r>
-                      <a:endParaRPr lang="en-US" sz="1100" b="0" i="0" u="none" strike="noStrike" dirty="0">
-                        <a:solidFill>
-                          <a:srgbClr val="333333"/>
-                        </a:solidFill>
-                        <a:effectLst/>
-                        <a:latin typeface="Arial"/>
-                      </a:endParaRPr>
-                    </a:p>
-                  </a:txBody>
-                  <a:tcPr marL="85725" marR="9525" marT="9525" marB="0">
-                    <a:lnL w="12700" cap="flat" cmpd="sng" algn="ctr">
-                      <a:solidFill>
-                        <a:schemeClr val="tx1"/>
-                      </a:solidFill>
-                      <a:prstDash val="solid"/>
-                      <a:round/>
-                      <a:headEnd type="none" w="med" len="med"/>
-                      <a:tailEnd type="none" w="med" len="med"/>
-                    </a:lnL>
-                    <a:solidFill>
-                      <a:schemeClr val="accent1">
-                        <a:lumMod val="20000"/>
-                        <a:lumOff val="80000"/>
-                      </a:schemeClr>
-                    </a:solidFill>
-                  </a:tcPr>
-                </a:tc>
-                <a:tc>
-                  <a:txBody>
-                    <a:bodyPr/>
-                    <a:lstStyle/>
-                    <a:p>
-                      <a:pPr algn="ctr" fontAlgn="t"/>
-                      <a:r>
-                        <a:rPr lang="en-US" sz="1100" u="none" strike="noStrike">
-                          <a:effectLst/>
-                        </a:rPr>
-                        <a:t>0.51</a:t>
-                      </a:r>
-                      <a:endParaRPr lang="en-US" sz="1100" b="0" i="0" u="none" strike="noStrike">
-                        <a:solidFill>
-                          <a:srgbClr val="333333"/>
-                        </a:solidFill>
-                        <a:effectLst/>
-                        <a:latin typeface="Arial"/>
-                      </a:endParaRPr>
-                    </a:p>
-                  </a:txBody>
-                  <a:tcPr marL="9525" marR="9525" marT="9525" marB="0">
-                    <a:lnR w="12700" cap="flat" cmpd="sng" algn="ctr">
-                      <a:solidFill>
-                        <a:schemeClr val="tx1"/>
-                      </a:solidFill>
-                      <a:prstDash val="solid"/>
-                      <a:round/>
-                      <a:headEnd type="none" w="med" len="med"/>
-                      <a:tailEnd type="none" w="med" len="med"/>
-                    </a:lnR>
-                    <a:solidFill>
-                      <a:schemeClr val="accent1">
-                        <a:lumMod val="20000"/>
-                        <a:lumOff val="80000"/>
-                      </a:schemeClr>
-                    </a:solidFill>
-                  </a:tcPr>
-                </a:tc>
-              </a:tr>
-              <a:tr h="190500">
-                <a:tc>
-                  <a:txBody>
-                    <a:bodyPr/>
-                    <a:lstStyle/>
-                    <a:p>
-                      <a:pPr algn="l" fontAlgn="t"/>
-                      <a:r>
-                        <a:rPr lang="en-US" sz="1100" u="none" strike="noStrike" dirty="0">
-                          <a:effectLst/>
-                        </a:rPr>
-                        <a:t>NumCompaniesWorked - Less_than_5</a:t>
-                      </a:r>
-                      <a:endParaRPr lang="en-US" sz="1100" b="0" i="0" u="none" strike="noStrike" dirty="0">
-                        <a:solidFill>
-                          <a:srgbClr val="333333"/>
-                        </a:solidFill>
-                        <a:effectLst/>
-                        <a:latin typeface="Arial"/>
-                      </a:endParaRPr>
-                    </a:p>
-                  </a:txBody>
-                  <a:tcPr marL="85725" marR="9525" marT="9525" marB="0">
-                    <a:lnL w="12700" cap="flat" cmpd="sng" algn="ctr">
-                      <a:solidFill>
-                        <a:schemeClr val="tx1"/>
-                      </a:solidFill>
-                      <a:prstDash val="solid"/>
-                      <a:round/>
-                      <a:headEnd type="none" w="med" len="med"/>
-                      <a:tailEnd type="none" w="med" len="med"/>
-                    </a:lnL>
-                    <a:solidFill>
-                      <a:schemeClr val="accent1">
-                        <a:lumMod val="20000"/>
-                        <a:lumOff val="80000"/>
-                      </a:schemeClr>
-                    </a:solidFill>
-                  </a:tcPr>
-                </a:tc>
-                <a:tc>
-                  <a:txBody>
-                    <a:bodyPr/>
-                    <a:lstStyle/>
-                    <a:p>
-                      <a:pPr algn="ctr" fontAlgn="t"/>
-                      <a:r>
-                        <a:rPr lang="en-US" sz="1100" u="none" strike="noStrike">
-                          <a:effectLst/>
-                        </a:rPr>
-                        <a:t>0.72</a:t>
-                      </a:r>
-                      <a:endParaRPr lang="en-US" sz="1100" b="0" i="0" u="none" strike="noStrike">
-                        <a:solidFill>
-                          <a:srgbClr val="333333"/>
-                        </a:solidFill>
-                        <a:effectLst/>
-                        <a:latin typeface="Arial"/>
-                      </a:endParaRPr>
-                    </a:p>
-                  </a:txBody>
-                  <a:tcPr marL="9525" marR="9525" marT="9525" marB="0">
-                    <a:lnR w="12700" cap="flat" cmpd="sng" algn="ctr">
-                      <a:solidFill>
-                        <a:schemeClr val="tx1"/>
-                      </a:solidFill>
-                      <a:prstDash val="solid"/>
-                      <a:round/>
-                      <a:headEnd type="none" w="med" len="med"/>
-                      <a:tailEnd type="none" w="med" len="med"/>
-                    </a:lnR>
-                    <a:solidFill>
-                      <a:schemeClr val="accent1">
-                        <a:lumMod val="20000"/>
-                        <a:lumOff val="80000"/>
-                      </a:schemeClr>
-                    </a:solidFill>
-                  </a:tcPr>
-                </a:tc>
-              </a:tr>
-              <a:tr h="190500">
-                <a:tc>
-                  <a:txBody>
-                    <a:bodyPr/>
-                    <a:lstStyle/>
-                    <a:p>
-                      <a:pPr algn="l" fontAlgn="t"/>
-                      <a:r>
-                        <a:rPr lang="en-US" sz="1100" u="none" strike="noStrike" dirty="0">
-                          <a:effectLst/>
-                        </a:rPr>
-                        <a:t>YearsWithCurrManager - Five_or_Less</a:t>
-                      </a:r>
-                      <a:endParaRPr lang="en-US" sz="1100" b="0" i="0" u="none" strike="noStrike" dirty="0">
-                        <a:solidFill>
-                          <a:srgbClr val="333333"/>
-                        </a:solidFill>
-                        <a:effectLst/>
-                        <a:latin typeface="Arial"/>
-                      </a:endParaRPr>
-                    </a:p>
-                  </a:txBody>
-                  <a:tcPr marL="85725" marR="9525" marT="9525" marB="0">
-                    <a:lnL w="12700" cap="flat" cmpd="sng" algn="ctr">
-                      <a:solidFill>
-                        <a:schemeClr val="tx1"/>
-                      </a:solidFill>
-                      <a:prstDash val="solid"/>
-                      <a:round/>
-                      <a:headEnd type="none" w="med" len="med"/>
-                      <a:tailEnd type="none" w="med" len="med"/>
-                    </a:lnL>
-                    <a:solidFill>
-                      <a:schemeClr val="accent1">
-                        <a:lumMod val="20000"/>
-                        <a:lumOff val="80000"/>
-                      </a:schemeClr>
-                    </a:solidFill>
-                  </a:tcPr>
-                </a:tc>
-                <a:tc>
-                  <a:txBody>
-                    <a:bodyPr/>
-                    <a:lstStyle/>
-                    <a:p>
-                      <a:pPr algn="ctr" fontAlgn="t"/>
-                      <a:r>
-                        <a:rPr lang="en-US" sz="1100" u="none" strike="noStrike">
-                          <a:effectLst/>
-                        </a:rPr>
-                        <a:t>0.74</a:t>
-                      </a:r>
-                      <a:endParaRPr lang="en-US" sz="1100" b="0" i="0" u="none" strike="noStrike">
-                        <a:solidFill>
-                          <a:srgbClr val="333333"/>
-                        </a:solidFill>
-                        <a:effectLst/>
-                        <a:latin typeface="Arial"/>
-                      </a:endParaRPr>
-                    </a:p>
-                  </a:txBody>
-                  <a:tcPr marL="9525" marR="9525" marT="9525" marB="0">
-                    <a:lnR w="12700" cap="flat" cmpd="sng" algn="ctr">
-                      <a:solidFill>
-                        <a:schemeClr val="tx1"/>
-                      </a:solidFill>
-                      <a:prstDash val="solid"/>
-                      <a:round/>
-                      <a:headEnd type="none" w="med" len="med"/>
-                      <a:tailEnd type="none" w="med" len="med"/>
-                    </a:lnR>
-                    <a:solidFill>
-                      <a:schemeClr val="accent1">
-                        <a:lumMod val="20000"/>
-                        <a:lumOff val="80000"/>
-                      </a:schemeClr>
-                    </a:solidFill>
-                  </a:tcPr>
-                </a:tc>
-              </a:tr>
-              <a:tr h="190500">
-                <a:tc>
-                  <a:txBody>
-                    <a:bodyPr/>
-                    <a:lstStyle/>
-                    <a:p>
-                      <a:pPr algn="l" fontAlgn="t"/>
-                      <a:r>
-                        <a:rPr lang="en-US" sz="1100" u="none" strike="noStrike">
-                          <a:effectLst/>
-                        </a:rPr>
-                        <a:t>PercentSalaryHike - Less_than_15%</a:t>
-                      </a:r>
-                      <a:endParaRPr lang="en-US" sz="1100" b="0" i="0" u="none" strike="noStrike">
-                        <a:solidFill>
-                          <a:srgbClr val="333333"/>
-                        </a:solidFill>
-                        <a:effectLst/>
-                        <a:latin typeface="Arial"/>
-                      </a:endParaRPr>
-                    </a:p>
-                  </a:txBody>
-                  <a:tcPr marL="85725" marR="9525" marT="9525" marB="0">
-                    <a:lnL w="12700" cap="flat" cmpd="sng" algn="ctr">
-                      <a:solidFill>
-                        <a:schemeClr val="tx1"/>
-                      </a:solidFill>
-                      <a:prstDash val="solid"/>
-                      <a:round/>
-                      <a:headEnd type="none" w="med" len="med"/>
-                      <a:tailEnd type="none" w="med" len="med"/>
-                    </a:lnL>
-                    <a:solidFill>
-                      <a:schemeClr val="accent1">
-                        <a:lumMod val="20000"/>
-                        <a:lumOff val="80000"/>
-                      </a:schemeClr>
-                    </a:solidFill>
-                  </a:tcPr>
-                </a:tc>
-                <a:tc>
-                  <a:txBody>
-                    <a:bodyPr/>
-                    <a:lstStyle/>
-                    <a:p>
-                      <a:pPr algn="ctr" fontAlgn="t"/>
-                      <a:r>
-                        <a:rPr lang="en-US" sz="1100" u="none" strike="noStrike">
-                          <a:effectLst/>
-                        </a:rPr>
-                        <a:t>0.56</a:t>
-                      </a:r>
-                      <a:endParaRPr lang="en-US" sz="1100" b="0" i="0" u="none" strike="noStrike">
-                        <a:solidFill>
-                          <a:srgbClr val="333333"/>
-                        </a:solidFill>
-                        <a:effectLst/>
-                        <a:latin typeface="Arial"/>
-                      </a:endParaRPr>
-                    </a:p>
-                  </a:txBody>
-                  <a:tcPr marL="9525" marR="9525" marT="9525" marB="0">
-                    <a:lnR w="12700" cap="flat" cmpd="sng" algn="ctr">
-                      <a:solidFill>
-                        <a:schemeClr val="tx1"/>
-                      </a:solidFill>
-                      <a:prstDash val="solid"/>
-                      <a:round/>
-                      <a:headEnd type="none" w="med" len="med"/>
-                      <a:tailEnd type="none" w="med" len="med"/>
-                    </a:lnR>
-                    <a:solidFill>
-                      <a:schemeClr val="accent1">
-                        <a:lumMod val="20000"/>
-                        <a:lumOff val="80000"/>
-                      </a:schemeClr>
-                    </a:solidFill>
-                  </a:tcPr>
-                </a:tc>
-              </a:tr>
-              <a:tr h="200025">
-                <a:tc>
-                  <a:txBody>
-                    <a:bodyPr/>
-                    <a:lstStyle/>
-                    <a:p>
-                      <a:pPr algn="l" fontAlgn="t"/>
-                      <a:r>
-                        <a:rPr lang="en-US" sz="1100" u="none" strike="noStrike" dirty="0">
-                          <a:effectLst/>
-                        </a:rPr>
-                        <a:t>YearsInCurrentRole - Five_or_Less</a:t>
-                      </a:r>
-                      <a:endParaRPr lang="en-US" sz="1100" b="0" i="0" u="none" strike="noStrike" dirty="0">
-                        <a:solidFill>
-                          <a:srgbClr val="333333"/>
-                        </a:solidFill>
-                        <a:effectLst/>
-                        <a:latin typeface="Arial"/>
-                      </a:endParaRPr>
-                    </a:p>
-                  </a:txBody>
-                  <a:tcPr marL="85725" marR="9525" marT="9525" marB="0">
-                    <a:lnL w="12700" cap="flat" cmpd="sng" algn="ctr">
-                      <a:solidFill>
-                        <a:schemeClr val="tx1"/>
-                      </a:solidFill>
-                      <a:prstDash val="solid"/>
-                      <a:round/>
-                      <a:headEnd type="none" w="med" len="med"/>
-                      <a:tailEnd type="none" w="med" len="med"/>
-                    </a:lnL>
-                    <a:lnB w="12700" cap="flat" cmpd="sng" algn="ctr">
-                      <a:solidFill>
-                        <a:schemeClr val="tx1"/>
-                      </a:solidFill>
-                      <a:prstDash val="solid"/>
-                      <a:round/>
-                      <a:headEnd type="none" w="med" len="med"/>
-                      <a:tailEnd type="none" w="med" len="med"/>
-                    </a:lnB>
-                    <a:solidFill>
-                      <a:schemeClr val="accent1">
-                        <a:lumMod val="20000"/>
-                        <a:lumOff val="80000"/>
-                      </a:schemeClr>
-                    </a:solidFill>
-                  </a:tcPr>
-                </a:tc>
-                <a:tc>
-                  <a:txBody>
-                    <a:bodyPr/>
-                    <a:lstStyle/>
-                    <a:p>
-                      <a:pPr algn="ctr" fontAlgn="t"/>
-                      <a:r>
-                        <a:rPr lang="en-US" sz="1100" u="none" strike="noStrike" dirty="0">
-                          <a:effectLst/>
-                        </a:rPr>
-                        <a:t>0.77</a:t>
-                      </a:r>
-                      <a:endParaRPr lang="en-US" sz="1100" b="0" i="0" u="none" strike="noStrike" dirty="0">
-                        <a:solidFill>
-                          <a:srgbClr val="333333"/>
-                        </a:solidFill>
-                        <a:effectLst/>
-                        <a:latin typeface="Arial"/>
-                      </a:endParaRPr>
-                    </a:p>
-                  </a:txBody>
-                  <a:tcPr marL="9525" marR="9525" marT="9525" marB="0">
-                    <a:lnR w="12700" cap="flat" cmpd="sng" algn="ctr">
-                      <a:solidFill>
-                        <a:schemeClr val="tx1"/>
-                      </a:solidFill>
-                      <a:prstDash val="solid"/>
-                      <a:round/>
-                      <a:headEnd type="none" w="med" len="med"/>
-                      <a:tailEnd type="none" w="med" len="med"/>
-                    </a:lnR>
-                    <a:lnB w="12700" cap="flat" cmpd="sng" algn="ctr">
-                      <a:solidFill>
-                        <a:schemeClr val="tx1"/>
-                      </a:solidFill>
-                      <a:prstDash val="solid"/>
-                      <a:round/>
-                      <a:headEnd type="none" w="med" len="med"/>
-                      <a:tailEnd type="none" w="med" len="med"/>
-                    </a:lnB>
-                    <a:solidFill>
-                      <a:schemeClr val="accent1">
-                        <a:lumMod val="20000"/>
-                        <a:lumOff val="80000"/>
-                      </a:schemeClr>
-                    </a:solidFill>
-                  </a:tcPr>
-                </a:tc>
-              </a:tr>
-            </a:tbl>
-          </a:graphicData>
-        </a:graphic>
-      </p:graphicFrame>
-    </p:spTree>
-    <p:extLst>
-      <p:ext uri="{BB962C8B-B14F-4D97-AF65-F5344CB8AC3E}">
-        <p14:creationId xmlns:p14="http://schemas.microsoft.com/office/powerpoint/2010/main" val="3363377559"/>
-      </p:ext>
-    </p:extLst>
-  </p:cSld>
-  <p:clrMapOvr>
-    <a:masterClrMapping/>
-  </p:clrMapOvr>
-</p:sld>
-</file>
-
-<file path=ppt/slides/slide5.xml><?xml version="1.0" encoding="utf-8"?>
-<p:sld xmlns:a="http://schemas.openxmlformats.org/drawingml/2006/main" xmlns:r="http://schemas.openxmlformats.org/officeDocument/2006/relationships" xmlns:p="http://schemas.openxmlformats.org/presentationml/2006/main">
-  <p:cSld>
-    <p:spTree>
-      <p:nvGrpSpPr>
-        <p:cNvPr id="1" name=""/>
-        <p:cNvGrpSpPr/>
-        <p:nvPr/>
-      </p:nvGrpSpPr>
-      <p:grpSpPr>
-        <a:xfrm>
-          <a:off x="0" y="0"/>
-          <a:ext cx="0" cy="0"/>
-          <a:chOff x="0" y="0"/>
-          <a:chExt cx="0" cy="0"/>
-        </a:xfrm>
-      </p:grpSpPr>
-      <p:pic>
-        <p:nvPicPr>
-          <p:cNvPr id="6" name="Picture 5"/>
-          <p:cNvPicPr/>
-          <p:nvPr/>
-        </p:nvPicPr>
-        <p:blipFill rotWithShape="1">
-          <a:blip r:embed="rId2"/>
-          <a:srcRect l="22217" t="40270" r="37620" b="15389"/>
-          <a:stretch/>
-        </p:blipFill>
-        <p:spPr bwMode="auto">
-          <a:xfrm>
-            <a:off x="914400" y="1295400"/>
-            <a:ext cx="7848600" cy="3657600"/>
-          </a:xfrm>
-          <a:prstGeom prst="rect">
-            <a:avLst/>
-          </a:prstGeom>
-          <a:ln>
-            <a:noFill/>
-          </a:ln>
-          <a:extLst>
-            <a:ext uri="{53640926-AAD7-44D8-BBD7-CCE9431645EC}">
-              <a14:shadowObscured xmlns:a14="http://schemas.microsoft.com/office/drawing/2010/main"/>
-            </a:ext>
-          </a:extLst>
-        </p:spPr>
-      </p:pic>
-      <p:sp>
-        <p:nvSpPr>
-          <p:cNvPr id="2" name="Content Placeholder 1"/>
-          <p:cNvSpPr>
-            <a:spLocks noGrp="1"/>
-          </p:cNvSpPr>
-          <p:nvPr>
-            <p:ph idx="1"/>
-          </p:nvPr>
-        </p:nvSpPr>
-        <p:spPr>
-          <a:xfrm>
-            <a:off x="5588977" y="5181600"/>
-            <a:ext cx="3581400" cy="1752600"/>
-          </a:xfrm>
-        </p:spPr>
-        <p:txBody>
-          <a:bodyPr>
-            <a:normAutofit/>
-          </a:bodyPr>
-          <a:lstStyle/>
-          <a:p>
-            <a:pPr marL="914400" lvl="3" indent="-800100" algn="ctr">
-              <a:buNone/>
-            </a:pPr>
-            <a:r>
-              <a:rPr lang="en-US" sz="2400" u="sng" dirty="0" smtClean="0"/>
-              <a:t>Models Statistics</a:t>
-            </a:r>
-            <a:endParaRPr lang="en-US" sz="2400" u="sng" dirty="0" smtClean="0"/>
-          </a:p>
-          <a:p>
-            <a:pPr marL="109728" indent="0">
-              <a:buNone/>
-            </a:pPr>
-            <a:r>
-              <a:rPr lang="en-US" sz="2400" dirty="0" smtClean="0"/>
-              <a:t>    Accuracy: 74%</a:t>
-            </a:r>
-          </a:p>
-          <a:p>
-            <a:pPr marL="109728" indent="0">
-              <a:buNone/>
-            </a:pPr>
-            <a:r>
-              <a:rPr lang="en-US" sz="2400" dirty="0" smtClean="0"/>
-              <a:t>    Recall: 53%</a:t>
-            </a:r>
-          </a:p>
-          <a:p>
-            <a:pPr marL="109728" indent="0">
-              <a:buNone/>
-            </a:pPr>
-            <a:r>
-              <a:rPr lang="en-US" sz="2400" dirty="0" smtClean="0"/>
-              <a:t>    Precision: 70%</a:t>
-            </a:r>
-            <a:endParaRPr lang="en-US" sz="2400" dirty="0"/>
-          </a:p>
-        </p:txBody>
-      </p:sp>
-      <p:sp>
-        <p:nvSpPr>
-          <p:cNvPr id="3" name="Title 2"/>
-          <p:cNvSpPr>
-            <a:spLocks noGrp="1"/>
-          </p:cNvSpPr>
-          <p:nvPr>
-            <p:ph type="title"/>
-          </p:nvPr>
-        </p:nvSpPr>
-        <p:spPr/>
-        <p:txBody>
-          <a:bodyPr>
-            <a:normAutofit fontScale="90000"/>
-          </a:bodyPr>
-          <a:lstStyle/>
-          <a:p>
-            <a:r>
-              <a:rPr lang="en-US" dirty="0" smtClean="0"/>
-              <a:t>Naïve-Bayes: </a:t>
-            </a:r>
-            <a:r>
-              <a:rPr lang="en-US" sz="3900" dirty="0" smtClean="0"/>
-              <a:t>Prediction &amp; Validation</a:t>
-            </a:r>
-            <a:endParaRPr lang="en-US" sz="3900" dirty="0"/>
-          </a:p>
-        </p:txBody>
-      </p:sp>
-    </p:spTree>
-    <p:extLst>
-      <p:ext uri="{BB962C8B-B14F-4D97-AF65-F5344CB8AC3E}">
-        <p14:creationId xmlns:p14="http://schemas.microsoft.com/office/powerpoint/2010/main" val="13562319"/>
-      </p:ext>
-    </p:extLst>
-  </p:cSld>
-  <p:clrMapOvr>
-    <a:masterClrMapping/>
-  </p:clrMapOvr>
-</p:sld>
-</file>
-
-<file path=ppt/slides/slide6.xml><?xml version="1.0" encoding="utf-8"?>
-<p:sld xmlns:a="http://schemas.openxmlformats.org/drawingml/2006/main" xmlns:r="http://schemas.openxmlformats.org/officeDocument/2006/relationships" xmlns:p="http://schemas.openxmlformats.org/presentationml/2006/main">
-  <p:cSld>
-    <p:spTree>
-      <p:nvGrpSpPr>
-        <p:cNvPr id="1" name=""/>
-        <p:cNvGrpSpPr/>
-        <p:nvPr/>
-      </p:nvGrpSpPr>
-      <p:grpSpPr>
-        <a:xfrm>
-          <a:off x="0" y="0"/>
-          <a:ext cx="0" cy="0"/>
-          <a:chOff x="0" y="0"/>
-          <a:chExt cx="0" cy="0"/>
-        </a:xfrm>
-      </p:grpSpPr>
-      <p:pic>
-        <p:nvPicPr>
-          <p:cNvPr id="6" name="Picture 5"/>
-          <p:cNvPicPr/>
-          <p:nvPr/>
-        </p:nvPicPr>
-        <p:blipFill rotWithShape="1">
-          <a:blip r:embed="rId2"/>
-          <a:srcRect l="22217" t="18850" r="39494" b="40237"/>
-          <a:stretch/>
-        </p:blipFill>
-        <p:spPr bwMode="auto">
-          <a:xfrm>
-            <a:off x="4648200" y="4343400"/>
-            <a:ext cx="4267200" cy="2362200"/>
-          </a:xfrm>
-          <a:prstGeom prst="rect">
-            <a:avLst/>
-          </a:prstGeom>
-          <a:ln>
-            <a:noFill/>
-          </a:ln>
-          <a:extLst>
-            <a:ext uri="{53640926-AAD7-44D8-BBD7-CCE9431645EC}">
-              <a14:shadowObscured xmlns:a14="http://schemas.microsoft.com/office/drawing/2010/main"/>
-            </a:ext>
-          </a:extLst>
-        </p:spPr>
-      </p:pic>
-      <p:sp>
-        <p:nvSpPr>
-          <p:cNvPr id="2" name="Content Placeholder 1"/>
-          <p:cNvSpPr>
-            <a:spLocks noGrp="1"/>
-          </p:cNvSpPr>
-          <p:nvPr>
-            <p:ph idx="1"/>
-          </p:nvPr>
-        </p:nvSpPr>
-        <p:spPr>
-          <a:xfrm>
-            <a:off x="457199" y="1481328"/>
-            <a:ext cx="8422005" cy="4525963"/>
-          </a:xfrm>
-        </p:spPr>
-        <p:txBody>
-          <a:bodyPr/>
-          <a:lstStyle/>
-          <a:p>
-            <a:r>
-              <a:rPr lang="en-US" sz="2000" dirty="0" smtClean="0"/>
-              <a:t>Men have </a:t>
-            </a:r>
-            <a:r>
-              <a:rPr lang="en-US" sz="2000" dirty="0"/>
-              <a:t>a higher attrition rate than women (63% </a:t>
-            </a:r>
-            <a:r>
-              <a:rPr lang="en-US" sz="2000" dirty="0" smtClean="0"/>
-              <a:t>vs. </a:t>
-            </a:r>
-            <a:r>
-              <a:rPr lang="en-US" sz="2000" dirty="0"/>
-              <a:t>37</a:t>
-            </a:r>
-            <a:r>
-              <a:rPr lang="en-US" sz="2000" dirty="0" smtClean="0"/>
-              <a:t>%)</a:t>
-            </a:r>
-          </a:p>
-          <a:p>
-            <a:endParaRPr lang="en-US" sz="800" dirty="0"/>
-          </a:p>
-          <a:p>
-            <a:r>
-              <a:rPr lang="en-US" sz="2000" dirty="0"/>
-              <a:t>Singles have a higher attrition rate at 51% than married (35%) or divorced individuals (14</a:t>
-            </a:r>
-            <a:r>
-              <a:rPr lang="en-US" sz="2000" dirty="0" smtClean="0"/>
-              <a:t>%)</a:t>
-            </a:r>
-          </a:p>
-          <a:p>
-            <a:endParaRPr lang="en-US" sz="800" dirty="0"/>
-          </a:p>
-          <a:p>
-            <a:r>
-              <a:rPr lang="en-US" sz="2000" dirty="0" smtClean="0"/>
-              <a:t>Employees with no stock options have a higher attrition rate 65% than those with.</a:t>
-            </a:r>
-          </a:p>
-          <a:p>
-            <a:endParaRPr lang="en-US" sz="800" dirty="0" smtClean="0"/>
-          </a:p>
-          <a:p>
-            <a:r>
-              <a:rPr lang="en-US" sz="2000" dirty="0" smtClean="0"/>
-              <a:t>Those with less then 10 years of work experience have greater attrition rates than those with more. </a:t>
-            </a:r>
-            <a:endParaRPr lang="en-US" sz="2000" dirty="0"/>
-          </a:p>
-        </p:txBody>
-      </p:sp>
-      <p:sp>
-        <p:nvSpPr>
-          <p:cNvPr id="3" name="Title 2"/>
-          <p:cNvSpPr>
-            <a:spLocks noGrp="1"/>
-          </p:cNvSpPr>
-          <p:nvPr>
-            <p:ph type="title"/>
-          </p:nvPr>
-        </p:nvSpPr>
-        <p:spPr/>
-        <p:txBody>
-          <a:bodyPr/>
-          <a:lstStyle/>
-          <a:p>
-            <a:r>
-              <a:rPr lang="en-US" dirty="0" smtClean="0"/>
-              <a:t>Other Findings</a:t>
-            </a:r>
-            <a:endParaRPr lang="en-US" dirty="0"/>
-          </a:p>
-        </p:txBody>
-      </p:sp>
-      <p:sp>
-        <p:nvSpPr>
-          <p:cNvPr id="5" name="AutoShape 2" descr="data:image/png;base64,iVBORw0KGgoAAAANSUhEUgAABUAAAAPACAMAAADDuCPrAAAAh1BMVEUAAAAAADoAAGYAOjoAOmYAOpAAZpAAZrY6AAA6OgA6Ojo6ZmY6ZrY6kNtmAABmAGZmOgBmOpBmZgBmZjpmZmZmkJBmtv+QOgCQkDqQtpCQ27aQ29uQ2/+2ZgC2Zjq2tma2/7a2/9u2///bkDrbtmbb/9vb////AAD/tmb/25D//7b//9v///9qwZE2AAAACXBIWXMAAB2HAAAdhwGP5fFlAAAgAElEQVR4nO3dfWPaWJvYYWbaqbPbdfqy26TbDt32oc+UJP7+n6/ADUdHQuLlBFs3ynX9MYONsUHo/KJ3Vm8ANFnN/QQAnpWAAjQSUIBGAgrQSEABGgkoQCMBBWgkoACNBBSgkYACNBJQgEYCCtBIQAEaCShAIwEFaCSgAI0EFKCRgAI0ElCARgIK0EhAARoJKEAjAQVoJKAAjQQUoJGAAjQSUIBGAgrQSEABGgkoQCMBBWgkoACNBBSgkYACNBJQgEYCCtBIQAEaCShAIwEFaCSgAI0EFKCRgAI0ElCARgIK0EhAARoJKEAjAQVoJKAAjQQUoJGAAjQSUIBGAgrQSEABGgkoQCMBBWgkoACNBBSgkYACNBJQgEYCCtBIQAEaCShAIwEFaCSgAI0EFKCRgC7Sj6+rnZfTl+v9V6vf/3b8crP/6o+/bvxdoz/9/fPum7/9+bPPsHuK5Vm+TD5kXvHsVqsvwzu2r1NfdIaT6/RjPz0ZmZmALtOmLuYxVmWgru8K1fsE9O3bp9UgKv3KJ3N4wSNTYvcyXse/OHt0ea3djwnosxPQZdrWdYpWrXqj9nxJaso7BTR+b/eLj5W/+Wl9sO2xn/0XfXjSr2Nf9NWTq/4xAX12ArpMvUhujmP/uNB56Onto/a9Ajoo5nZs+S6N45NdDRK5rr+xHt7bqSdX/WMC+uwEdJl6G0FPm++Oq8fb+1aV79tieodYMD4+kSh+2pbEPzr/MJwUtwa0duOP8RQEdKGq7JXNd/Ui0O37at4toMewv3Z/JW9XYiL832HkBfRXJ6ALVS1mnjaBHodtLJzePoLfL6BR9sOTjJtZV+BP0yyeZTXpBPRXJ6ALVW3oPBTwX8pi52C723HrXrVKv4kRfvxfHdB12U5Z/ZLt8edGGhjpfj3eOF/oje2eL6ffXC/bHReb+6E5bcx97X2je6pv3b8WI5so1r3nV28lvvCg/tTs/YqyX2n/e3pfnD2xMrkGPzbcBnr+ZlyYuiQgoAtVLWfuR/1v/+PzaWAeYnAaot3SaTeOY9SvT6O8C2i13/wsoGU7QVe3atPBREBLN0tphw+tH7VZdV5Hn2r9cs5r2N951i2iX3xQ9Xd2L7x3cMP1gJYndltAx96MyalLCgK6VGVL52Hw/fHX+jQsN1WW6ib1q/SPJSgloPWBmsOA/sdPZ7+miuBv/zoR0EjGH3//2o9XnbSy1DX2XAdPtfe4sxj2t12UNenLD+o/Ml7T8YVcDWj3xG4K6OibMTV1yUFAl2p7is82xnxZza22wW1Xq5FBO1jSOwX0fKd5FdDzBlUH/hyN7beKv/Uvp6C8db98+Lh+545/pP9Uh39y+AfLJKlfwLUHlb99eLXrahpcDWg3DW8J6PibMTF1SUJAl6oM+k0M1tNadATjEKtqO2OM02qb6ap84xjQ/nFG5wHdf3GM3Jfu2/vhfurhWJqqfHV3r8tv6W516aqfSP+pdmvl8WuHB0XVmz37y9UXHtT74eOrKqmf3Ik0mIY3HAc68WZMTF2SENClOtXikIXTWuRpNTcWY+o9N9XK6aYftKjH3/t1OQtoLNh1fflRrZWPnPdelAXLbsmqrk3Z3lB9Mx7y5fypbrq+7P/keQq7A7i6f0auPqi37t9bh78e0NMP3hDQiTdjfOqShYAu1nGgHjeBHvcl/Vmtx/YPyun2jwzOsTx8+e//c3/wngX0S/ftasvi8efji/FDT0/Lal0XttUPn7L/dsjYS/VHqoD2t5JeOMK1+8eju3X1Qf3zYut1+KsB7e/yvxjQqTdjfOqShYAu1nG983QczPkhP/0zkrrFrE0/aNXaaJeZYUDr87y71dD+1UzGI3Vcda0O0KkLc3jkYKnwLKD9s0EvRGaw3Ply04P6xz/1lwKvBHTs35uJgE69GeNTlywEdLGOC1llFTU2glabQAdHyJf12001Zt/ONueFYUCPQ38w8Msvv3Ty07b/m0f2PvXXWtfV9/pPtffI0Z0tp25WXb7+oN6CX38d/nJARyfXRECn3ozxqUsWArpYMTj/59dVvY/k9//drRPXxzPVX276Kal3KL/0f/lZQLs69IMw+FM9veNS30YD+lr/mjqqg6fa31M/sjnztEWgzvvVB/UL31uHvxzQ8c26FwI68maMT12yENDFihD9t08lFYeNoP/afX0xoN3CUO/wxNOy4DCgpx9/x4AODugZW4gePHYkhsfn1yvRtQetV+deBy93+MXgif1kQM+mLlkI6HJtBsP9MBb/sfv64ir8WUBfeqcx3hnQS6vw4wE9y8QpY6cDqkYD+tbv7PmZj7GDqto1df1Bg6NSez/04IBOrcILaFoCulzDawB366pfuvsH+y3KDpZhQHvduiGgN+9EOgvoeCaq9ejLAS2/YTW2STO2Y/zb2NOZetDZoezVJH1cQKfeDAHNTUCXqyw69fZBdCP54mFMg4Duv6y3610N6M2HMZ0HdLSKVTsuBPTbp96J6iPr8N05ll9ufNDYGvzpqTwuoBcPYxLQtAR0uUowe/uMh+Nx4kD6kYDWY/xqQG89kH4koPWVRbYj1+CrDhHqPdXeDvKz3/pW/1D3qKsPGhw6378u0uMCevFAegFNS0AX7BTM3nJNVYPjOv3oqZwjAa0XQa8G9MZTOd/GqtV9PGc5D6f6/I+zw5j6u6rqkwTGrv42nCjXHnR++k+Vut524fqLawEdnpE/+WYIaG4CumDVedQHp5KNHSNf3TEZ0GpT5vWA3nYxkbexgA6uG9JtmK29nj/Vs909Y2c9Tk2UiQfVS9K939D9/dNX9RcXAlr/2Oj3e89DQHMT0AU7hmiwa6LeyDd9ObuxgFab5q4HtC7T7/91/9+bAzrYb/M6+G2rf/dpNb61YVDe0dScbU+4/KCRzbfVgmp57OvgiwsBrX/sxsvZCWhaArpgZ60YnKH9duGCyqMBjV84dkX6sSFe7cS65zCm3kNXgx1Rh290RyFdPA504qobm+GdFx909tOnF1ldI+r02qovLgS0/rEbL6gsoGkJ6JJVI/1gOwjq3sRHeowGtNsgeEtAq0vq3RvQktB6l3i36jxxtGn1mkevqjT99yYfNLIG35+MEb3ewmV1DcDeqxmEcniZu+7PnX2kh4CmJaB8ACOfZRJQ3sVuWapashJQlklAeRe9y7sP11RhIQSU93F2fKUP82F5BJT3MTyY0xo8CySgvJPBgeFjZwXBkxNQ3kvvcPiLHzoET0pAeT+9E3VgeQQUoJGAAjQSUIBGAgrQSEABGgkoQCMBBWgkoACNBBSgkYACNBJQgEYCCtBIQAEaCShAIwEFaCSgAI0EFKCRgAI0ElCARgIK0EhAARoJKEAjAQVoJKAAjQQUoJGAAjQSUIBGAgrQSEABGgkoQCMBBWgkoACNBBSgkYACNBJQgEYCCtBIQAEaCShAIwEFaCSgAI0EFKCRgAI0ElCARgIK0EhAARoJKEAjAQVoJKAAjQQUoJGAAjQSUIBGAgrQSEABGgkoQCMBBWi0lICulm3uyQuMWcbQnLtv727uCQyMWcbQXK3+35IJKOS0jKEpoMAMljE0BRSYwTKGpoACM1jG0BRQYAbLGJoCCsxgGUNTQIEZLGNoCigwg2UMTQEFZrCMoSmgwAyWMTQFFJjBMoamgAIzWMbQFFBgBssYmgIKzGAZQ1NAgRksY2gKKDCDZQxNAQVmsIyhKaDADJYxNAUUmMEyhqaAAjNYxtAUUGAGyxiaAgrMYBlDU0CBGSxjaAooMINlDE0BBWawjKEpoMAMljE0BRSYwTKGpoACM1jG0BRQYAbLGJoCCsxgGUNTQIEZLGNoCigwg2UMTQEFZrCMoSmgwAyWMTQFFJjBMoamgAIzWMbQFFBgBssYmgIKzGAZQ1NAgRksY2gKKDCDZQxNAQVmsIyhKaDADJYxNAUUmMEyhqaAAjNYxtAUUGAGyxiaAgrMYBlDU0CBGSxjaAooMINlDE0BBWawjKEpoMAMHj00v39e7byO3rfd37X68uC/uCegwAwePDTXq/Dbn2d3fft0vO/3vz32b74JKDCLxw7NzWo1VcnSz9Xqj78e+kffBBSYxUOH5j6S+zru19Vf+nftV+0P4dxMruH/BAEFZvDQobk+dXNX0sFK/KYseG7fYRFUQIEZPHJo7pYyT2vum8Fi5o+vpajVzYcRUGAGjxyau+XOl+5mbzGzuus9CCgwg0cOzWqxc7eY2duNtH2HDZ8VAQVm8OCAng7yHK6nH+7afdNxoC0EFHJ65NBcV3Vc9wO6/3Jz5TjQ1blb/7KAAjN4bEC7aJ4H9J+njxE9PpX2ggooMIP3C2i9rh4r74fdSiPHiE4/OQE9EFDI6WOWQA8BPe5FOj9GdPrJCeiBgEJOH7YK3x3WtL55R5KABgGFnD5oL/y6Oozp9kOaBDQIKOT0yKG5nT4OdCOgP0FAIacPOhNpW+05EtB7CSjk9EHnwu+CWpZIbQO9l4BCTh91NaZyV6+l156cgB4IKOT0UdcDPd11uO/W0+IFNAgo5PTOV6TfrdUfF0W7u26/HKiABgGFnN75M5G6gB4/Uu6uT/QQ0CCgkNM7fypnFdBjXe/5SDkBDQIKOaUemgIaBBRySj00BTQIKOSUemgKaBBQyCn10BTQIKCQU+qhKaBBQCGn1ENTQIOAQk6ph6aABgGFnFIPTQENAgo5pR6aAhoEFHJKPTQFNAgo5JR6aApoEFDIKfXQFNAgoJBT6qEpoEFAIafUQ1NAg4BCTqmHpoAGAYWcUg9NAQ0CCjmlHpoCGgQUcko9NAU0CCjklHpoCmgQUMgp9dAU0CCgkFPqoSmgQUAhp9RDU0CDgEJOqYemgAYBhZxSD00BDQIKOaUemgIaBBRySj00BTQIKOSUemgKaBBQyCn10BTQIKCQU+qhKaBBQCGn1ENTQIOAQk6ph6aABgGFnFIPTQENAgo5pR6aAhoEFHJKPTQFNAgo5JR6aApoEFDIKfXQFNAgoJBT6qEpoEFAIafUQ1NAg4BCTqmHpoAGAYWcUg9NAQ0CCjmlHpoCGgQUcko9NAU0CCjklHpoCmgQUMgp9dAU0CCgkFPqoSmgQUAhp9RDU0CDgEJOqYemgAYBhZxSD00BDQIKOaUemgIaBBRySj00BTQIKOSUemgKaBBQyCn10BTQIKCQU+qhKaBBQCGn1ENTQIOAQk6ph6aABgGFnFIPTQENAgo5pR6aAhoEFHJKPTQFNAgo5JR6aApoEFDIKfXQFNAgoJBT6qEpoEFAIafUQ1NAg4BCTqmHpoAGAYWcUg9NAQ0CCjmlHpoCGgQUcko9NAU0CCjklHpoCmgQUMjp0UPz++fVzuv5HT++roovN/4yAQ0CCjk9eGiuj4n87c/hPVFWAW0hoJDTY4fmpjTy978N7tquBLSVgEJODx2a3z6tVn/8FbF8Gdy3ub2bhYAGAYWcHjo016du7ko6XIlfny+UXiWgQUAhp0cOze+fSyQ3wx1JP74elk3vI6BBQCGnRw7N3XLnS3ez38tdXIcr9dcJaBBQyOmRQ7Na7NwtcPbX2Ler1ZfDjvjz/fMXnpyAHggo5PTggJ72E+0C2i/lZvXbPxz3wd++Ki+gQUAhp0cOzXW1o309COi6OoppoqCrETf+ZQEFZvDYgHbRHAR0fx5SfGM7fqLSm4BOE1DI6f0C2jvs8/vnct+3Tzcf0CSgQUAhpw9aAu3/2K2H1AtoEFDIaYaAnh0jOklAg4BCTh+1F76yFdA7CSjk9Mihub1wHOj4j10hoEFAIaePOhOpcvtlRQQ0CCjk9EHnwvdPUrr1bCQBDQIKOX3Q1ZiqY5e255e6m3xyAnogoJDTB10PdH8gfRR0c8fp8AIaBBRyeucr0pcD6PdtPblxF5KAnggo5PTOn4nUnYHUFfT2C9MLaBBQyOmdP5WzOoXz+KlI91wVVECDgEJOqYemgAYBhZxSD00BDQIKOZ0Pze//5e7PLnovAhoEFHIaCejn+zZUviMBDQIKOY0H9J5jjd6RgAYBhZzGhubm7uON3omABgGFnCaG5rp3OPxcBDQIKOQ0OTT3J1/e9xmajyegQUAhp0tD87g1dL5dSgIaBBRyujI0j8uhN1/+47EENAgo5HRxaHbXBplnKVRAg4BCTtNDc1P2Ix0WQ+c4rElAg4BCThNDc3AkU3Wt+Y8koEFAIadLx4FWC51rAZ2RgEJOk2ci9Q5f2q3Ez3E4k4AGAYWcxgM60173IQENAgo5jQV09lM4TwQ0CCjklHpoCmgQUMhpbAm0twK/nvFkTgENAgo53RDQ+a4oIqBBQCGnawGd6QjQIKBBQCGn3tCsTt2sWIWfm4BCTr2hebr8Ut9816YX0CCgkFN/aG5T9VNAjwQUcrq6E2lOAhoEFHIS0CcgoJBT6qEpoEFAIafUQ1NAg4BCTvXQ3O+E/3K+K95xoHMTUMhJQJ+AgEJOAvoEBBRySj00BTQIKOSUemgKaBBQyCn10BTQIKCQU+qhKaBBQCGn4U6kEXYizU1AIScBfQICCjkJ6BMQUMgp9dAU0CCgkFPqoSmgQUAhp9RDU0CDgEJOqYemgAYBhZycC/8EBBRyEtAnIKCQk4A+AQGFnFIPTQENAgo5pR6aAhoEFHJKPTQFNAgo5JR6aApoEFDIaWJofvs08/6jAwENAgo5jQ7NbbcL/rc/P/oZVQQ0CCjkNDY0N72jmL58+HMqBDQIKOQ0MjT3q+/Hdffq5hwENAgo5DQyNNf1UuduafTlA59On4AGAYWczofmj6+9ZK5Xf/z1cU+nT0CDgEJO50Pz++feZs+tUzlnJ6CQk4A+AQGFnEa3gb5MfvWxBDQIKOQ0vhf+tXyxnfNIUAENAgo5jQ3NbTl+frc6P+eR9AIaBBRy8rHGT0BAIScBfQICCjkJ6BMQUMgp9dAU0CCgkFPqoSmgQUAhp9RDU0CDgEJO14fm9/9kG+jMBBRyunZB5Xt3IsWOqNfJ+799uuMCowIaBBRyGhua6/a98KeHTh1+Hx89f/OTE9ADAYWcJi6o3HhJ+s216q7v+n0CGgQUchq/oPLLvoUvb4OLK1+1T+/+6qH7TQCjlyDZ3hdkAQ0CCjmNXlA5InhYiNzcswa/PnVzV9KxlfjYQCqg9xJQyGn0eqD7fUDfPh0SuMvpzcHbPfJU283YjqTd7/r9vwvo/QQUcpq8oPLpusqb268HulvufOlunn8SyK6qXzYCej8BhZwmA7pbXDwsQ377dPNnIlWLnfuFzeGq/+E6owLaQEAhp+mP9Dheiv7bp5s3glZx3AV0uBE0tq0KaAMBhZxGdyIdliM3sRJ+x2ci1bvs12cBje9cCOjYlaBu/MsCCsxgZGged7wfP8xjc/vHGtfRPAvoNtbvBbSBgEJO4wfS7+MX+4G2E0d0jukHtB/K758jxFbhGwgo5DR1Kudrd1rmzcG7tAS6Pm4JENAGAgo5jQ3NH18PlTteoP72TzW+ENDSTQFtIKCQ0/jQ3Eb91hcvrHRmei98d4SogDYQUMjpkUNzO3kc6Gawb+jGKgtoEFDI6ZFDc/pMJAH9KQIKOT1yaE6fCy+gP0VAIaeJoXm8Juidn2h87WpMb7aBNhFQyOnaR3pMXVp+1NXrgQpoEwGFnMaGZn+F+44LKp9fkX63Vt9PsIA2EFDIaeIjPY79q27eZviZSAL6CAIKOY1/pEfXuM09R9K/nX0qp4A+goBCTqNXY6qTub79YiIPJ6BBQCGn6euBHt1xObuHE9AgoJCTgD4BAYWcRreBvkx+9bEENAgo5DS+F747U2h735GgjyWgQUAhp7GhuS2HIZ3tRP9YAhoEFHKqh+bxAqBDtoHOTUAhJwF9AgIKOQnoExBQyCn10BTQIKCQU+qhKaBBQCGn1ENTQIOAQk4TQ/O4OXS+zZ8HAhoEFHIaHZrV3qRZEyqgQUAhp7Gh2dsb70D6+Qko5DQyNH98Ldeh3382x3xXsxPQIwGFnEaG5raK5j6m93ymx2MJaBBQyGn0akzVhs/d6ryrMc1NQCGn0SvS9z/S3RXp5yagkJMLKj8BAYWcBPQJCCjkZBX+CQgo5GQn0hMQUMjJYUxPQEAhJwfSPwEBhZyunso558nwAhoEFHJyMZEnIKCQk8vZPQEBhZxSD00BDQIKOY0dxjTzcmdHQIOAQk6jB9LPuOO9R0CDgEJOo6dyznfofJ+ABgGFnCyBPgEBhZzGz0Sa7+SjHgENAgo5jQ3Nb5+SLIMKaBBQyGl0G2ify9nNTUAhJwF9AgIKOQnoExBQyCn10BTQIKCQU+qhKaBBQCGn1ENTQIOAQk7Dofnt036z5+voz344AQ0CCjn1h+bhYvR7v/050/PpEdAgoJBTf2iuy673FAUV0CCgkFNvaO4/Aml/IZH9kUwZzkUS0CCgkFNvaK5PZ8HvVuUzLIIKaBBQyKkemtV1mDYpLigioEFAIad6aFZXAv32KcOeeAENAgo5TQQ0x1WVBTQIKOQkoE9AQCEnAX0CAgo5CegTEFDISUCfgIBCTgL6BAQUchLQJyCgkNMgoGNckX5uAgo5CegTEFDISUCfgIBCTqmHpoAGAYWcUg9NAQ0CCjmlHpoCGgQUcko9NAU0CCjklHpoCmgQUMgp9dAU0CCgkFPqoSmgQUAhp9RDU0CDgEJOqYemgAYBhZwePTTjbKbRz1P69mnyrgkCGgQUcnrw0FwfT/88/1DkH19Pp4be/nGfAhoEFHJ67NDcTJ5A3/XzjoIKaBBQyOmhQ3O/kr7/ZPntrpKDy4lujmvv+1X804fPX39yAnogoJDTQ4fm+tTNXUn7K/G7BdDjN3YFPV+/n3pyAnogoJDTI4fmro2nNffNYG/RrqinRdLN7evwAhoEFHJ65NCsKrm7ObWivhbQewko5PTIoVktdu5W2Seuw1wtpl4loEFAIacHB/S0bNlt8zz/GXvh7yWgkNMjh2a9cr4eC+j64lFMYx8ncuNfFlBgBo8NaBdNAX0gAYWc3i+g56E8HUzvONA7CSjk9KFLoHv7I+lfRu85J6BBQCGnDw/oPUfSC2gQUMhpdGjGdZPu/lz4W/bCv50fZH/hyQnogYBCTmNDc9PfkXNzQLe3HAfa+7FrT05ADwQUchoZmttVY0BvOxNJQO8moJDTyNBc39HMngvnwtdf334up4AGAYWczofmpbXvK6avxrT7xumXVjevPjkBPRBQyOl8aO6WI+/52I3a9PVA94eARjZPFwa96ckJ6IGAQk4PDej5FenLMUv1jv1bDwMV0CMBhZxGV+GbA3r2mUjdQZ/xaXN39VNAjwQUchoZmpvbz7U8N/hUzvqo+VgIved3C2gQUMhpZGj+zDr8YwloEFDIaWxoXjqI80MJaBBQyGl0J1LjgfQPJ6BBQCEnAX0CAgo5CegTEFDIKfXQFNAgoJBT6qEpoEFAIafUQ1NAg4BCThND87ghdL7NnwcCGgQUchodmtV+pFkTKqBBQCGnsaHZ2w9/6+cXvQcBDQIKOY0MzcOnD8clj7d3nrz+YAIaBBRyGv9IjxLNfUxvvHz8OxDQIKCQ0+hHelQbPner87dffu7RBDQIKOR09XqgP3Vxu58koEFAIafRUznrlfatUzlnJ6CQk4A+AQGFnKzCPwEBhZzsRHoC9wV0tWwN8xG8F4cxPYF7qjF3395d05wE78OB9E/gvoDO/WzflYCSytVTOec8GV5Ag4AWAkoqLibyBAS0EFBScTm7JyCghYCSSur5UUCDgBYCSiqp50cBDQJaCCippJ4fBTQIaCGgpFLPj/sNn198rHE+AloIKKkI6BMQ0EJASUVAn4CAFgJKKqnnRwENAloIKKmknh8FNAhoIaCkknp+FNAgoIWAksrYBZV7n2S8dj3Q2QloIaCkckNA7USam4AWAkoq1wL6/bOAzk5ACwElld78uBm9gq1V+LkJaCGgpNKbH88OAT14nXrsuxPQIKCFgJJKf37cpuqngB4JaCGgpHJ1J9KcBDQIaCGgpCKgT0BACwElldTzo4AGAS0ElFRSz48CGgS0EFBScTWmJyCghYCSioA+AQEtBJRUBPQJCGghoKSSen4U0CCghYCSSur5UUCDgBYCSioj8+N6vnX2AQENAloIKKmcz48/vs54+ZA+AQ0CWggoqYydibR6meGJjBHQIKCFgJKKJdAnIKCFgJLKyPy43R/MlIKABgEtBJRUxubHb5+SLIMKaBDQQkBJZXQbqAPpcxHQQkBJRUCfgIAWAkoqAvoEBLQQUFJJPT8KaBDQQkBJJfX8KKBBQAsBJZXU86OABgEtBJRUrn4m0trnws9OQAsBJZUbAmon0twEtBBQUrkW0O+fBXR2AloIKKn05sfNaoxV+LkJaCGgpNKbH88OAT14neu5CeiRgBYCSir9+XGbqp8CeiSghYCSytWdSHMS0CCghYCSyqMDGlsBRpdav33a33XPLxfQIKCFgJLKg+fH9XG9/zyT3fbV2/fqC2gQ0EJASeWxB9J3u/GHlaz3T91cUAENAloIKKk89ED6/Ur6Prf7fVGDz1XanFbs1+f3TT85AT0Q0EJASeWhB9KvT23clbS/Er9fAD1+Tsjm9kVQAQ0CWggoqTzyQPoqtpvBjqRtt9j54+vNn7kkoEFACwEllUceSL9b7nzpbva6Wwd1LaB3EtBCQEnlkQfSV5XcLWZOrqevbz6USUCDgBYCSiqPPA500y1a7gI69Vt2i7m3bhQQ0CCghYCSyiMDWq+bTy9mDjePdk9lxI1/WTVMCpjB1flxe/te+DqakwGd/tB5AZ0ioIWAksrl+XG/x7w1oON7inb9dCbSvQS0EFBSuTQ/bu88ceiGJdDtXZ+SLKBBQAsBJZXJ+fGw8Lm647ShWwJ6Xz8F9EhACwEllYn58XQ8010f53F1L/z6zsvbC2gQ0EJASWVsfiwLnzce736yvXwc6P7X3r44e3hyAnogoIWAksr5/NgdTBXagzoAABEVSURBVH/vhyFdOBMpvnXv1e0FNAhoIaCkMpgfTwuff/y1u3VvQC+cCz9yfZFbnpyAHghoIaCk0psfjwufh9A1BPTC1Zj2cb3/+HwBDQJaCCip1PNj7+M4WgI6fT3QOy7BVD85AT0Q0EJASWUQ0G69uyWg51ekPy14Dq5S4mpMdxHQQkBJ5XwJ9Ji+poCefSbSMaBlv76AthDQQkBJpTc/njr3+tYa0OGnch4DOrzQqIDeRUALASWV4fxYTt9sDOhDCWgQ0EJASeV8fuxWtwU0CQEtBJRURufH7X1r2u9GQIOAFgJKKhPz42kx9K5z4R9OQIOAFgJKKtPz42kx9L7T1x9KQIOAFgJKKpfmx+Ni6HxLoQIaBLQQUFK5Mj9uBTQBAS0ElFSuzo8/vgro3AS0EFBSST0/CmgQ0EJASSX1/CigQUALASWV1POjgAYBLQSUVFLPjwIaBLQQUFJJPT8KaBDQQkBJJfX8KKBBQAsBJZXU86OABgEtBJRUUs+PAhoEtBBQUkk9PwpoENBCQEkl9fwooEFACwElldTzo4AGAS0ElFRSz48CGgS0EFBSST0/CmgQ0EJASSX1/CigQUALASWV1POjgAYBLQSUVFLPjwIaBLQQUFJJPT8KaBDQQkBJJfX8KKBBQAsBJZXU86OABgEtBJRUUs+PAhoEtBBQUkk9PwpoENBCQEkl9fwooEFACwElldTzo4AGAS0ElFRSz48CGgS0EFBSST0/CmgQ0EJASSX1/CigQUALASWV1POjgAYBLQSUVFLPjwIaBLQQUFJJPT8KaBDQQkBJJfX8KKBBQAsBJZXU86OABgEtBJRUUs+PAhoEtBBQUkk9PwpoENBCQEkl9fwooEFACwElldTzo4AGAS0ElFRSz48CGgS0EFBSST0/CmgQ0EJASSX1/CigQUALASWV1POjgAYBLQSUVFLPjwIaBLQQUFJJPT8KaBDQQkBJJfX8KKBBQAsBJZXU86OABgEtBJRUUs+PAhoEtBBQUkk9PwpoENBCQEkl9fwooEFACwElldTzo4AGAS0ElFRSz48CGgS0EFBSST0/CmgQ0EJASSX1/CigQUALASWV1POjgAYBLQSUVFLPjwIaBLQQUFJJPT8KaBDQQkBJJfX8KKBBQAsBJZXU86OABgEtBJRUUs+PAhoEtBBQUkk9PwpoENBCQEkl9fwooEFACwElldTzo4AGAS0ElFQePT9+/7zaeZ2++/e/3f7LBDQIaCGgpPLg+XG9Cr/9OXr3j68rAb2fgBYCSiqPnR83q5PxTq6n7hgnoEFACwEllYfOj98+rVZ//PX2tt0V9OX87t3yp4C2ENBCQEnlofPj+tTNXUnPV+L3eRXQFgJaCCipPHJ+/P655HFztiPpsHfpP9gG2kJACwEllUfOj7tFzJfu5n5dvrLfPPrFTqQmAloIKKk8cn6sFjvPS7nZx1VAmwhoIaCk8uCAfjne3JVy7EgmAW0ioIWAksoj58d1F9Dd7bsDuhpx419WDZMCZvDYgHbRFNAHEtBCQEnl/QLaLY12rMI3EdBCQEkl0RLoOQENAloIKKkI6BMQ0EJAScVe+CcgoIWAksoj58ftpeNAL317ioAGAS0ElFQ+7EykAwFtIqCFgJLKh50LfyCgTQS0EFBS+cCrMb0JaCMBLQSUVD7yeqAC2khACwEllXe+Iv1urb5eFBXQJgJaCCipvPNnIgnoIwhoIaCk8s6fyimgjyCghYCSSur5UUCDgBYCSiqp50cBDQJaCCippJ4fBTQIaCGgpJJ6fhTQIKCFgJJK6vlRQIOAFgJKKqnnRwENAloIKKmknh8FNAhoIaCkknp+FNAgoIWAkkrq+VFAg4AWAkoqqedHAQ0CWggoqaSeHwU0CGghoKSSen4U0CCghYCSSur5UUCDgBYCSiqp50cBDQJaCCippJ4fBTQIaCGgpJJ6fhTQIKCFgJJK6vlRQIOAFgJKKqnnRwENAloIKKmknh8FNAhoIaCkknp+FNAgoIWAkkrq+VFAg4AWAkoqqedHAQ0CWggoqaSeHwU0CGghoKSSen4U0CCghYCSSur5UUCDgBYCSiqp50cBDQJaCCippJ4fBTQIaHFfQFfLds+k4H2kfhMENAhocd+kWLjbJwXvJfWbIKBBQAuTohDQDFK/CQIaVKMwKQoBzSD1myCgQTUKk6IQ0AxSvwkCGlSjMCkKAc0g9ZsgoEE1CpOiENAMUr8JAhpUozApCgHNIPWbIKBBNQqTohDQDFK/CQIaVKMwKQoBzSD1myCgQTUKk6IQ0AxSvwkCGlSjMCkKAc0g9ZsgoEE1CpOiENAMUr8JAhpUozApCgHNIPWbIKBBNQqTohDQDFK/CQIaVKMwKQoBzSD1myCgQTUKk6IQ0AxSvwkCGlSjMCkKAc0g9ZsgoEE1CpOiENAMUr8JAhpUozApCgHNIPWbIKBBNQqTohDQDFK/CQIaVKMwKQoBzSD1myCgQTUKk6IQ0AxSvwkCGlSjMCkKAc0g9ZsgoEE1CpOiENAMUr8JAhpUozApCgHNIPWbIKBBNQqTohDQDFK/CQIaVKMwKQoBzSD1myCgQTUKk6IQ0AxSvwkCGlSjMCkKAc0g9ZsgoEE1CpOiENAMUr8JAhpUozApCgHNIPWbIKBBNQqTohDQDFK/CQIaVKMwKQoBzSD1myCgQTUKk6IQ0AxSvwkCGlSjMCkKAc0g9ZsgoEE1CpOiENAMUr8JAhpUozApCgHNIPWbIKBBNQqTorgvoKtlu2dSPJSAPgHVKEyK4r5JsXC3T4oHE9AnoBqFSVGYFMWCAvr98/7fg9c775ogoMFQKUyKwqQolhPQ9XGJ+rc/77lrioAGQ6UwKQqTolhMQDdlm8Tvf7v9ruknJ6AHhkphUhQmRbGUgH77tFr98dfb23aXyZeb77rw5AT0wFApTIrCpCiWEtD1KY67XA7W1C/cdeHJCeiBoVKYFIVJUSwkoN8/l9XzzWBv0YW7Lj05AT0wVAqTojApioUEdLdw+dLd3K+w33LXpScnoAeGSmFSFCZFsZCAVsuWP7729xVduOvSkxPQA0OlMCkKk6JYTkC/HG/uKtnb0nnhrktPTkAPDJXCpChMimIhAV13ldzd7lXywl3dU2k/Q+vxp4Ylc/ubMPczfXcmRWFSFLdPigd7bEC7Mp4FdPKu7qm0T5ePfrs+3O1vwtzP9N2ZFIVJUdw+KR7s/QLaLXJevgvgSSVaAgV4LgIK0Cj1XniAzB4Z0O30wZ4X7gJ4UqnPRALILPW58ACZpb4aE0Bmqa8HCpDZO1+RfrfqflzebLkiPUBm7/yZSF1AWz4TCSCzd/5UziqgDZ/KCZBZ6s+FB8hMQAEaCShAIwEFaCSgAI0EFKCRgAI0ElCARgIK0EhAARoJKEAjAQVoJKAAjQQUoJGAAjQSUIBGAgrQSEABGgkoQCMBBWgkoACNBBSgkYACNBJQgEYCCtBIQAEaCShAIwEFaCSgAI0EFKCRgAI0ElCARgIK0EhAARoJKEAjAQVoJKAAjQQUoJGAAjQSUIBGAgrQSEABGgkoQCMBBWgkoACNBBSgkYACNPoVA7pdvbQ+9Ns/vb39+Prbn/c+bvP7346/4NNqtfrS+uc/UHnGg9sn+ylxyXb3Olevx599lhc9on4db22TYrP7DU/3/t/m8HJWf/x1/Oqfzn5gwa89COjdj2wI6LdPx5noMBzrAZlVecaD2yfXpuE6XuhhaD3Nix5Rv463n5oUX+Jnn3dSnIt87h2mwMiEWO5rPxHQux95f0C3p3+Fv3/ezz/b1f2LsB9s2y039G5XP3BxGsZL3B6Gy9O86BH163hrnRT7h2wO/33mSXFu1894IZuYPucTYrmvvRDQux95d0DXZTVmE395074N4WN0z7h/u3NlGq5PCx27RbdnedFj6tfRNilOc8t6/79nnhRnfnwtLyMWzM8mxHJfe0dAqy0z27I2Ut/sHFZIXvazxe7f3GNFN6c1vP2316uRf2DXq9//z9fDuNvNcl/iT55WCXPqnnH/dv0Tx8mzW64Yicpp5Oxf6LO86DH162icFPVveuZJcW676l7F/h+a9diQ2Vvga+/88gHddBtxNt32rupmpQT0n/c39mNrN1sc7MbN6eZZQf/Xfu45DKzvn+PO75+nxlkO3TPu3+6cBstxOk1t2NpP6Wd50ZfEHPMzk2K9/5ElTIrOerBDaDKgC3ztnV89oLHycfjnMd7i4c3zR+5L+WX/39f9qNk3drfs8aX79sg8VAIaM0/LfvwPVpdipBrHabhbet/3YjO1YWt9mJZP86InlVa0TYr9Ss7+ziVMiuJ8Uoxuy1jka6/86gFdn/5d/OOv6t/GqX8mTwE9bTI/zQ2b3Xeqb59ZakDXx+WtiQ1bh39enuhFT9mUVZG2SXHYSvTyVO//dedjZDKgi3vtlV88oKf17v1K+P72cZ6obp4/8rhg2m3M2RxW3M6+XVloQMvrGP8HZ3vc+/o0L3rCtpsXWidF/PP6/JOicnoxh02/h0ZO7U1b3muv/OIBPb77sRUzDms7vM/VzbNHHmeBKGW35av37YGFBrTEYrQacfTKM73ocZvVT0+Kt5gvnn5S1E6T4npAl/faK798QHuz+6bbDVDdHDyyLuUmfmhzW0C7eS79hvSfD+j6uN77RC961Lreldge0P0jn31S9NU7kbYXA7q819755QM6/Pdw9w/q6R2ubtaPrEp5eviNAT3Nc09wKMd9q/DnL6jamfY8L3rEYKdgy6QIh3A89aQYqg9juhzQ5b32zi8e0DjEove2XtqXNAzo8WGHjTy3BPR5Dib+yZ1Ixz1q9Z1P8KLP1a8jvr53Upz+jT2usDzvpDhT/9syHtDlvvbOrx7Q6mzD43nO+12u1c3eIw9zQm8JdP/P6n4r0MtNAX2e09muBTRe5rdPxwNohy+oHibP86LPDYd7w6RYn46y//Lck+JcOZVzv8fgZWzWX+5rL37NgJ586R0yv+6OhK9u1g5zSl3K9ek33RbQ57mgwvWAXjp6vNs3t58YT/Oiz/Rfx1vLpCgHehy+/7yTYkw3eY4HoAwPpF/waz/55QMaO9xfuztiqFQ3a7tR8sffz/bCv+6XWG8K6NNc0utaQA9T4q+p8xe7KXyYGM/yos8MXkfLpIj7yz/FTzspxkVCTy9ucz5kFvzaw68YUICHEFCARgJ6WbcSd/vqR8tj8rvyqpb5oseZFJN+udcuoJcJ6IlqFCbFpF/utQsoQCMBBWgkoACNBBSgkYACNBJQgEYCCtBIQAEaCShAIwEFaCSgAI0EFKCRgAI0ElCARgIK0EhAARoJKEAjAQVoJKAAjQQUoJGAAjQSUIBGAgrQSEABGgkoQCMBBWgkoACNBBSgkYACNBJQgEYCCtBIQAEaCShAIwEFaCSgAI0EFKCRgAI0ElCARgIK0EhAARoJKEAjAQVoJKAAjQQUoJGAAjQSUIBGAgrQSEABGgkoQCMBBWgkoACNBBSgkYACNBJQgEYCCtBIQAEaCShAIwEFaCSgAI0EFKCRgAI0ElCARgIK0EhAARoJKEAjAQVoJKAAjQQUoJGAAjQSUIBGAgrQSEABGgkoQCMBBWgkoACNBBSgkYACNBJQgEYCCtBIQAEaCShAIwEFaCSgAI0EFKCRgAI0ElCARgIK0EhAARoJKEAjAQVoJKAAjQQUoJGAAjQSUIBGAgrQSEABGgkoQCMBBWgkoACNBBSgkYACNBJQgEYCCtBIQAEaCShAIwEFaCSgAI0EFKCRgAI0ElCARgIK0EhAARoJKEAjAQVoJKAAjQQUoJGAAjQSUIBGAgrQSEABGgkoQCMBBWj0/wFHOJQoxmiWUwAAAABJRU5ErkJggg=="/>
-          <p:cNvSpPr>
-            <a:spLocks noChangeAspect="1" noChangeArrowheads="1"/>
-          </p:cNvSpPr>
-          <p:nvPr/>
-        </p:nvSpPr>
-        <p:spPr bwMode="auto">
-          <a:xfrm>
-            <a:off x="155575" y="-144463"/>
-            <a:ext cx="304800" cy="304801"/>
-          </a:xfrm>
-          <a:prstGeom prst="rect">
-            <a:avLst/>
-          </a:prstGeom>
-          <a:noFill/>
-          <a:extLst>
-            <a:ext uri="{909E8E84-426E-40DD-AFC4-6F175D3DCCD1}">
-              <a14:hiddenFill xmlns:a14="http://schemas.microsoft.com/office/drawing/2010/main">
-                <a:solidFill>
-                  <a:srgbClr val="FFFFFF"/>
-                </a:solidFill>
-              </a14:hiddenFill>
-            </a:ext>
-          </a:extLst>
-        </p:spPr>
-        <p:txBody>
-          <a:bodyPr vert="horz" wrap="square" lIns="91440" tIns="45720" rIns="91440" bIns="45720" numCol="1" anchor="t" anchorCtr="0" compatLnSpc="1">
-            <a:prstTxWarp prst="textNoShape">
-              <a:avLst/>
-            </a:prstTxWarp>
-          </a:bodyPr>
-          <a:lstStyle/>
-          <a:p>
-            <a:endParaRPr lang="en-US"/>
-          </a:p>
-        </p:txBody>
-      </p:sp>
-    </p:spTree>
-    <p:extLst>
-      <p:ext uri="{BB962C8B-B14F-4D97-AF65-F5344CB8AC3E}">
-        <p14:creationId xmlns:p14="http://schemas.microsoft.com/office/powerpoint/2010/main" val="2003386794"/>
-      </p:ext>
-    </p:extLst>
-  </p:cSld>
-  <p:clrMapOvr>
-    <a:masterClrMapping/>
-  </p:clrMapOvr>
-</p:sld>
-</file>
-
-<file path=ppt/slides/slide7.xml><?xml version="1.0" encoding="utf-8"?>
-<p:sld xmlns:a="http://schemas.openxmlformats.org/drawingml/2006/main" xmlns:r="http://schemas.openxmlformats.org/officeDocument/2006/relationships" xmlns:p="http://schemas.openxmlformats.org/presentationml/2006/main">
-  <p:cSld>
-    <p:spTree>
-      <p:nvGrpSpPr>
-        <p:cNvPr id="1" name=""/>
-        <p:cNvGrpSpPr/>
-        <p:nvPr/>
-      </p:nvGrpSpPr>
-      <p:grpSpPr>
-        <a:xfrm>
-          <a:off x="0" y="0"/>
-          <a:ext cx="0" cy="0"/>
-          <a:chOff x="0" y="0"/>
-          <a:chExt cx="0" cy="0"/>
-        </a:xfrm>
-      </p:grpSpPr>
-      <p:sp>
-        <p:nvSpPr>
-          <p:cNvPr id="2" name="Content Placeholder 1"/>
-          <p:cNvSpPr>
-            <a:spLocks noGrp="1"/>
-          </p:cNvSpPr>
-          <p:nvPr>
-            <p:ph idx="1"/>
-          </p:nvPr>
-        </p:nvSpPr>
-        <p:spPr/>
-        <p:txBody>
-          <a:bodyPr/>
-          <a:lstStyle/>
-          <a:p>
-            <a:r>
-              <a:rPr lang="en-US" dirty="0" smtClean="0"/>
-              <a:t>Exclusion of Unnecessary Variables</a:t>
-            </a:r>
-          </a:p>
-          <a:p>
-            <a:pPr lvl="1"/>
-            <a:r>
-              <a:rPr lang="en-US" sz="2000" dirty="0"/>
-              <a:t>"Standard Hours", "Over 18“, "Employee Count”, etc.</a:t>
-            </a:r>
-            <a:endParaRPr lang="en-US" sz="2400" dirty="0"/>
-          </a:p>
-          <a:p>
-            <a:pPr lvl="1"/>
-            <a:endParaRPr lang="en-US" dirty="0" smtClean="0"/>
-          </a:p>
-          <a:p>
-            <a:r>
-              <a:rPr lang="en-US" dirty="0" smtClean="0"/>
-              <a:t>Preliminary Correlation Tests</a:t>
-            </a:r>
-          </a:p>
-          <a:p>
-            <a:pPr lvl="1"/>
-            <a:endParaRPr lang="en-US" dirty="0"/>
-          </a:p>
-          <a:p>
-            <a:pPr lvl="1"/>
-            <a:endParaRPr lang="en-US" sz="2000" dirty="0" smtClean="0"/>
-          </a:p>
-        </p:txBody>
-      </p:sp>
-      <p:sp>
-        <p:nvSpPr>
-          <p:cNvPr id="3" name="Title 2"/>
-          <p:cNvSpPr>
-            <a:spLocks noGrp="1"/>
-          </p:cNvSpPr>
-          <p:nvPr>
-            <p:ph type="title"/>
-          </p:nvPr>
-        </p:nvSpPr>
-        <p:spPr/>
-        <p:txBody>
-          <a:bodyPr/>
-          <a:lstStyle/>
-          <a:p>
-            <a:r>
-              <a:rPr lang="en-US" dirty="0" smtClean="0"/>
-              <a:t>Exploratory Data Analysis</a:t>
-            </a:r>
-            <a:endParaRPr lang="en-US" dirty="0"/>
-          </a:p>
-        </p:txBody>
-      </p:sp>
-      <p:pic>
-        <p:nvPicPr>
-          <p:cNvPr id="6147" name="Picture 3"/>
-          <p:cNvPicPr>
-            <a:picLocks noChangeAspect="1" noChangeArrowheads="1"/>
-          </p:cNvPicPr>
-          <p:nvPr/>
-        </p:nvPicPr>
-        <p:blipFill>
-          <a:blip r:embed="rId2">
-            <a:extLst>
-              <a:ext uri="{28A0092B-C50C-407E-A947-70E740481C1C}">
-                <a14:useLocalDpi xmlns:a14="http://schemas.microsoft.com/office/drawing/2010/main" val="0"/>
-              </a:ext>
-            </a:extLst>
-          </a:blip>
-          <a:srcRect/>
-          <a:stretch>
-            <a:fillRect/>
-          </a:stretch>
-        </p:blipFill>
-        <p:spPr bwMode="auto">
-          <a:xfrm>
-            <a:off x="5867400" y="3352800"/>
-            <a:ext cx="3022946" cy="2819400"/>
-          </a:xfrm>
-          <a:prstGeom prst="rect">
-            <a:avLst/>
-          </a:prstGeom>
-          <a:noFill/>
-          <a:ln w="9525">
-            <a:solidFill>
-              <a:schemeClr val="tx1"/>
-            </a:solidFill>
-            <a:miter lim="800000"/>
-            <a:headEnd/>
-            <a:tailEnd/>
-          </a:ln>
-          <a:extLst>
-            <a:ext uri="{909E8E84-426E-40DD-AFC4-6F175D3DCCD1}">
-              <a14:hiddenFill xmlns:a14="http://schemas.microsoft.com/office/drawing/2010/main">
-                <a:solidFill>
-                  <a:schemeClr val="accent1"/>
-                </a:solidFill>
-              </a14:hiddenFill>
-            </a:ext>
-          </a:extLst>
-        </p:spPr>
-      </p:pic>
-      <p:pic>
-        <p:nvPicPr>
-          <p:cNvPr id="6149" name="Picture 5"/>
-          <p:cNvPicPr>
-            <a:picLocks noChangeAspect="1" noChangeArrowheads="1"/>
-          </p:cNvPicPr>
-          <p:nvPr/>
-        </p:nvPicPr>
-        <p:blipFill>
-          <a:blip r:embed="rId3">
-            <a:extLst>
-              <a:ext uri="{28A0092B-C50C-407E-A947-70E740481C1C}">
-                <a14:useLocalDpi xmlns:a14="http://schemas.microsoft.com/office/drawing/2010/main" val="0"/>
-              </a:ext>
-            </a:extLst>
-          </a:blip>
-          <a:srcRect/>
-          <a:stretch>
-            <a:fillRect/>
-          </a:stretch>
-        </p:blipFill>
-        <p:spPr bwMode="auto">
-          <a:xfrm>
-            <a:off x="990600" y="3352800"/>
-            <a:ext cx="4572000" cy="1905000"/>
-          </a:xfrm>
-          <a:prstGeom prst="rect">
-            <a:avLst/>
-          </a:prstGeom>
-          <a:noFill/>
-          <a:ln w="9525">
-            <a:solidFill>
-              <a:schemeClr val="tx1"/>
-            </a:solidFill>
-            <a:miter lim="800000"/>
-            <a:headEnd/>
-            <a:tailEnd/>
-          </a:ln>
-          <a:extLst>
-            <a:ext uri="{909E8E84-426E-40DD-AFC4-6F175D3DCCD1}">
-              <a14:hiddenFill xmlns:a14="http://schemas.microsoft.com/office/drawing/2010/main">
-                <a:solidFill>
-                  <a:schemeClr val="accent1"/>
-                </a:solidFill>
-              </a14:hiddenFill>
-            </a:ext>
-          </a:extLst>
-        </p:spPr>
-      </p:pic>
-      <p:sp>
-        <p:nvSpPr>
-          <p:cNvPr id="4" name="TextBox 3"/>
-          <p:cNvSpPr txBox="1"/>
-          <p:nvPr/>
-        </p:nvSpPr>
-        <p:spPr>
-          <a:xfrm>
-            <a:off x="1295400" y="5559623"/>
-            <a:ext cx="4038600" cy="307777"/>
-          </a:xfrm>
-          <a:prstGeom prst="rect">
-            <a:avLst/>
-          </a:prstGeom>
-          <a:noFill/>
-        </p:spPr>
-        <p:txBody>
-          <a:bodyPr wrap="square" rtlCol="0">
-            <a:spAutoFit/>
-          </a:bodyPr>
-          <a:lstStyle/>
-          <a:p>
-            <a:r>
-              <a:rPr lang="en-US" sz="1400" dirty="0" smtClean="0"/>
-              <a:t>Correlation Tests of Continuous Variables </a:t>
-            </a:r>
-            <a:endParaRPr lang="en-US" sz="1400" dirty="0"/>
-          </a:p>
-        </p:txBody>
-      </p:sp>
-    </p:spTree>
-    <p:extLst>
-      <p:ext uri="{BB962C8B-B14F-4D97-AF65-F5344CB8AC3E}">
-        <p14:creationId xmlns:p14="http://schemas.microsoft.com/office/powerpoint/2010/main" val="3915541442"/>
-      </p:ext>
-    </p:extLst>
-  </p:cSld>
-  <p:clrMapOvr>
-    <a:masterClrMapping/>
-  </p:clrMapOvr>
-</p:sld>
-</file>
-
-<file path=ppt/slides/slide8.xml><?xml version="1.0" encoding="utf-8"?>
-<p:sld xmlns:a="http://schemas.openxmlformats.org/drawingml/2006/main" xmlns:r="http://schemas.openxmlformats.org/officeDocument/2006/relationships" xmlns:p="http://schemas.openxmlformats.org/presentationml/2006/main">
-  <p:cSld>
-    <p:spTree>
-      <p:nvGrpSpPr>
-        <p:cNvPr id="1" name=""/>
-        <p:cNvGrpSpPr/>
-        <p:nvPr/>
-      </p:nvGrpSpPr>
-      <p:grpSpPr>
-        <a:xfrm>
-          <a:off x="0" y="0"/>
-          <a:ext cx="0" cy="0"/>
-          <a:chOff x="0" y="0"/>
-          <a:chExt cx="0" cy="0"/>
-        </a:xfrm>
-      </p:grpSpPr>
-      <p:sp>
-        <p:nvSpPr>
-          <p:cNvPr id="2" name="Content Placeholder 1"/>
-          <p:cNvSpPr>
-            <a:spLocks noGrp="1"/>
-          </p:cNvSpPr>
-          <p:nvPr>
-            <p:ph idx="1"/>
-          </p:nvPr>
-        </p:nvSpPr>
-        <p:spPr/>
-        <p:txBody>
-          <a:bodyPr/>
-          <a:lstStyle/>
-          <a:p>
-            <a:pPr lvl="1"/>
-            <a:endParaRPr lang="en-US" dirty="0" smtClean="0"/>
-          </a:p>
-          <a:p>
-            <a:pPr lvl="1"/>
-            <a:endParaRPr lang="en-US" dirty="0"/>
-          </a:p>
-          <a:p>
-            <a:pPr lvl="1"/>
-            <a:endParaRPr lang="en-US" dirty="0"/>
-          </a:p>
-          <a:p>
-            <a:endParaRPr lang="en-US" dirty="0" smtClean="0"/>
-          </a:p>
-          <a:p>
-            <a:endParaRPr lang="en-US" dirty="0"/>
-          </a:p>
-          <a:p>
-            <a:endParaRPr lang="en-US" dirty="0" smtClean="0"/>
-          </a:p>
-          <a:p>
-            <a:endParaRPr lang="en-US" dirty="0"/>
-          </a:p>
-          <a:p>
-            <a:endParaRPr lang="en-US" dirty="0" smtClean="0"/>
-          </a:p>
-          <a:p>
-            <a:endParaRPr lang="en-US" dirty="0"/>
-          </a:p>
-          <a:p>
-            <a:pPr lvl="1"/>
-            <a:endParaRPr lang="en-US" sz="2000" dirty="0" smtClean="0"/>
-          </a:p>
-        </p:txBody>
-      </p:sp>
-      <p:sp>
-        <p:nvSpPr>
-          <p:cNvPr id="3" name="Title 2"/>
-          <p:cNvSpPr>
-            <a:spLocks noGrp="1"/>
-          </p:cNvSpPr>
-          <p:nvPr>
-            <p:ph type="title"/>
-          </p:nvPr>
-        </p:nvSpPr>
-        <p:spPr/>
-        <p:txBody>
-          <a:bodyPr/>
-          <a:lstStyle/>
-          <a:p>
-            <a:r>
-              <a:rPr lang="en-US" dirty="0" smtClean="0"/>
-              <a:t>Analysis of Significance</a:t>
-            </a:r>
-            <a:endParaRPr lang="en-US" dirty="0"/>
-          </a:p>
-        </p:txBody>
-      </p:sp>
-      <p:pic>
-        <p:nvPicPr>
-          <p:cNvPr id="7171" name="Picture 3"/>
-          <p:cNvPicPr>
-            <a:picLocks noChangeAspect="1" noChangeArrowheads="1"/>
-          </p:cNvPicPr>
-          <p:nvPr/>
-        </p:nvPicPr>
-        <p:blipFill>
-          <a:blip r:embed="rId2">
-            <a:extLst>
-              <a:ext uri="{28A0092B-C50C-407E-A947-70E740481C1C}">
-                <a14:useLocalDpi xmlns:a14="http://schemas.microsoft.com/office/drawing/2010/main" val="0"/>
-              </a:ext>
-            </a:extLst>
-          </a:blip>
-          <a:srcRect/>
-          <a:stretch>
-            <a:fillRect/>
-          </a:stretch>
-        </p:blipFill>
-        <p:spPr bwMode="auto">
-          <a:xfrm>
-            <a:off x="457200" y="1295400"/>
-            <a:ext cx="5261308" cy="3033713"/>
-          </a:xfrm>
-          <a:prstGeom prst="rect">
-            <a:avLst/>
-          </a:prstGeom>
-          <a:noFill/>
-          <a:ln w="9525">
-            <a:solidFill>
-              <a:schemeClr val="tx1"/>
-            </a:solidFill>
-            <a:miter lim="800000"/>
-            <a:headEnd/>
-            <a:tailEnd/>
-          </a:ln>
-          <a:extLst>
-            <a:ext uri="{909E8E84-426E-40DD-AFC4-6F175D3DCCD1}">
-              <a14:hiddenFill xmlns:a14="http://schemas.microsoft.com/office/drawing/2010/main">
-                <a:solidFill>
-                  <a:schemeClr val="accent1"/>
-                </a:solidFill>
-              </a14:hiddenFill>
-            </a:ext>
-          </a:extLst>
-        </p:spPr>
-      </p:pic>
-      <p:pic>
-        <p:nvPicPr>
-          <p:cNvPr id="7172" name="Picture 4"/>
-          <p:cNvPicPr>
-            <a:picLocks noChangeAspect="1" noChangeArrowheads="1"/>
-          </p:cNvPicPr>
-          <p:nvPr/>
-        </p:nvPicPr>
-        <p:blipFill>
-          <a:blip r:embed="rId3">
-            <a:extLst>
-              <a:ext uri="{28A0092B-C50C-407E-A947-70E740481C1C}">
-                <a14:useLocalDpi xmlns:a14="http://schemas.microsoft.com/office/drawing/2010/main" val="0"/>
-              </a:ext>
-            </a:extLst>
-          </a:blip>
-          <a:srcRect/>
-          <a:stretch>
-            <a:fillRect/>
-          </a:stretch>
-        </p:blipFill>
-        <p:spPr bwMode="auto">
-          <a:xfrm>
-            <a:off x="3789485" y="4572000"/>
-            <a:ext cx="5261308" cy="1867758"/>
-          </a:xfrm>
-          <a:prstGeom prst="rect">
-            <a:avLst/>
-          </a:prstGeom>
-          <a:noFill/>
-          <a:ln w="9525">
-            <a:solidFill>
-              <a:schemeClr val="tx1"/>
-            </a:solidFill>
-            <a:miter lim="800000"/>
-            <a:headEnd/>
-            <a:tailEnd/>
-          </a:ln>
-          <a:extLst>
-            <a:ext uri="{909E8E84-426E-40DD-AFC4-6F175D3DCCD1}">
-              <a14:hiddenFill xmlns:a14="http://schemas.microsoft.com/office/drawing/2010/main">
-                <a:solidFill>
-                  <a:schemeClr val="accent1"/>
-                </a:solidFill>
-              </a14:hiddenFill>
-            </a:ext>
-          </a:extLst>
-        </p:spPr>
-      </p:pic>
-      <p:sp>
-        <p:nvSpPr>
-          <p:cNvPr id="4" name="TextBox 3"/>
-          <p:cNvSpPr txBox="1"/>
-          <p:nvPr/>
-        </p:nvSpPr>
-        <p:spPr>
-          <a:xfrm>
-            <a:off x="5943600" y="2133600"/>
-            <a:ext cx="2819400" cy="646331"/>
-          </a:xfrm>
-          <a:prstGeom prst="rect">
-            <a:avLst/>
-          </a:prstGeom>
-          <a:noFill/>
-        </p:spPr>
-        <p:txBody>
-          <a:bodyPr wrap="square" rtlCol="0">
-            <a:spAutoFit/>
-          </a:bodyPr>
-          <a:lstStyle/>
-          <a:p>
-            <a:pPr algn="ctr"/>
-            <a:r>
-              <a:rPr lang="en-US" i="1" dirty="0" smtClean="0"/>
-              <a:t>t-</a:t>
-            </a:r>
-            <a:r>
-              <a:rPr lang="en-US" dirty="0" smtClean="0"/>
-              <a:t>tests for significance of distributions</a:t>
-            </a:r>
-            <a:endParaRPr lang="en-US" i="1" dirty="0"/>
-          </a:p>
-        </p:txBody>
-      </p:sp>
-      <p:sp>
-        <p:nvSpPr>
-          <p:cNvPr id="5" name="TextBox 4"/>
-          <p:cNvSpPr txBox="1"/>
-          <p:nvPr/>
-        </p:nvSpPr>
-        <p:spPr>
-          <a:xfrm>
-            <a:off x="838200" y="5144869"/>
-            <a:ext cx="2667000" cy="646331"/>
-          </a:xfrm>
-          <a:prstGeom prst="rect">
-            <a:avLst/>
-          </a:prstGeom>
-          <a:noFill/>
-        </p:spPr>
-        <p:txBody>
-          <a:bodyPr wrap="square" rtlCol="0">
-            <a:spAutoFit/>
-          </a:bodyPr>
-          <a:lstStyle/>
-          <a:p>
-            <a:r>
-              <a:rPr lang="en-US" dirty="0" smtClean="0"/>
-              <a:t>ANOVA for Analysis of Categorical Variance</a:t>
-            </a:r>
-            <a:endParaRPr lang="en-US" dirty="0"/>
-          </a:p>
-        </p:txBody>
-      </p:sp>
-    </p:spTree>
-    <p:extLst>
-      <p:ext uri="{BB962C8B-B14F-4D97-AF65-F5344CB8AC3E}">
-        <p14:creationId xmlns:p14="http://schemas.microsoft.com/office/powerpoint/2010/main" val="241419668"/>
-      </p:ext>
-    </p:extLst>
-  </p:cSld>
-  <p:clrMapOvr>
-    <a:masterClrMapping/>
-  </p:clrMapOvr>
-</p:sld>
-</file>
-
-<file path=ppt/slides/slide9.xml><?xml version="1.0" encoding="utf-8"?>
-<p:sld xmlns:a="http://schemas.openxmlformats.org/drawingml/2006/main" xmlns:r="http://schemas.openxmlformats.org/officeDocument/2006/relationships" xmlns:p="http://schemas.openxmlformats.org/presentationml/2006/main">
-  <p:cSld>
-    <p:spTree>
-      <p:nvGrpSpPr>
-        <p:cNvPr id="1" name=""/>
-        <p:cNvGrpSpPr/>
-        <p:nvPr/>
-      </p:nvGrpSpPr>
-      <p:grpSpPr>
-        <a:xfrm>
-          <a:off x="0" y="0"/>
-          <a:ext cx="0" cy="0"/>
-          <a:chOff x="0" y="0"/>
-          <a:chExt cx="0" cy="0"/>
-        </a:xfrm>
-      </p:grpSpPr>
-      <p:sp>
-        <p:nvSpPr>
-          <p:cNvPr id="2" name="Content Placeholder 1"/>
-          <p:cNvSpPr>
-            <a:spLocks noGrp="1"/>
-          </p:cNvSpPr>
-          <p:nvPr>
-            <p:ph idx="1"/>
-          </p:nvPr>
-        </p:nvSpPr>
-        <p:spPr/>
-        <p:txBody>
-          <a:bodyPr/>
-          <a:lstStyle/>
-          <a:p>
-            <a:r>
-              <a:rPr lang="en-US" dirty="0" smtClean="0"/>
               <a:t>Based on the Exploratory Analysis the Following Variables Emerged as </a:t>
             </a:r>
-            <a:endParaRPr lang="en-US" dirty="0" smtClean="0"/>
           </a:p>
           <a:p>
             <a:endParaRPr lang="en-US" dirty="0"/>
@@ -10787,6 +7328,3630 @@
 </p:sld>
 </file>
 
+<file path=ppt/slides/slide11.xml><?xml version="1.0" encoding="utf-8"?>
+<p:sld xmlns:a="http://schemas.openxmlformats.org/drawingml/2006/main" xmlns:r="http://schemas.openxmlformats.org/officeDocument/2006/relationships" xmlns:p="http://schemas.openxmlformats.org/presentationml/2006/main">
+  <p:cSld>
+    <p:spTree>
+      <p:nvGrpSpPr>
+        <p:cNvPr id="1" name=""/>
+        <p:cNvGrpSpPr/>
+        <p:nvPr/>
+      </p:nvGrpSpPr>
+      <p:grpSpPr>
+        <a:xfrm>
+          <a:off x="0" y="0"/>
+          <a:ext cx="0" cy="0"/>
+          <a:chOff x="0" y="0"/>
+          <a:chExt cx="0" cy="0"/>
+        </a:xfrm>
+      </p:grpSpPr>
+      <p:sp>
+        <p:nvSpPr>
+          <p:cNvPr id="2" name="Content Placeholder 1"/>
+          <p:cNvSpPr>
+            <a:spLocks noGrp="1"/>
+          </p:cNvSpPr>
+          <p:nvPr>
+            <p:ph idx="1"/>
+          </p:nvPr>
+        </p:nvSpPr>
+        <p:spPr/>
+        <p:txBody>
+          <a:bodyPr>
+            <a:normAutofit/>
+          </a:bodyPr>
+          <a:lstStyle/>
+          <a:p>
+            <a:r>
+              <a:rPr lang="en-US" dirty="0" smtClean="0"/>
+              <a:t>Classification Regression for Binary Outputs</a:t>
+            </a:r>
+            <a:endParaRPr lang="en-US" dirty="0"/>
+          </a:p>
+          <a:p>
+            <a:r>
+              <a:rPr lang="en-US" dirty="0" smtClean="0"/>
+              <a:t>Assumptions</a:t>
+            </a:r>
+          </a:p>
+          <a:p>
+            <a:pPr lvl="1"/>
+            <a:r>
+              <a:rPr lang="en-US" dirty="0"/>
+              <a:t>A</a:t>
+            </a:r>
+            <a:r>
+              <a:rPr lang="en-US" dirty="0" smtClean="0"/>
+              <a:t>dditive </a:t>
+            </a:r>
+            <a:r>
+              <a:rPr lang="en-US" dirty="0"/>
+              <a:t>relationship between the predictors and the natural log odds of </a:t>
+            </a:r>
+            <a:r>
+              <a:rPr lang="en-US" dirty="0" smtClean="0"/>
+              <a:t>response.</a:t>
+            </a:r>
+          </a:p>
+          <a:p>
+            <a:pPr lvl="1"/>
+            <a:r>
+              <a:rPr lang="en-US" dirty="0" smtClean="0"/>
+              <a:t>Normality, Equal Variance, Independence  </a:t>
+            </a:r>
+          </a:p>
+          <a:p>
+            <a:pPr lvl="1"/>
+            <a:r>
+              <a:rPr lang="en-US" sz="1800" dirty="0" smtClean="0"/>
+              <a:t>Overtime</a:t>
+            </a:r>
+            <a:r>
+              <a:rPr lang="en-US" sz="1800" dirty="0" smtClean="0"/>
+              <a:t>, Marital Status, Total Working Years, Business Travel, Distance From Home, Environment Satisfaction, Job Involvement, Job Role, Job Satisfaction, Marital Status, </a:t>
+            </a:r>
+            <a:r>
+              <a:rPr lang="en-US" sz="1800" dirty="0" err="1" smtClean="0"/>
+              <a:t>Num</a:t>
+            </a:r>
+            <a:r>
+              <a:rPr lang="en-US" sz="1800" dirty="0" smtClean="0"/>
+              <a:t> Companies Worked, Total Working Years, Overtime, Relationship Satisfaction</a:t>
+            </a:r>
+          </a:p>
+          <a:p>
+            <a:pPr lvl="1"/>
+            <a:endParaRPr lang="en-US" dirty="0"/>
+          </a:p>
+        </p:txBody>
+      </p:sp>
+      <p:sp>
+        <p:nvSpPr>
+          <p:cNvPr id="3" name="Title 2"/>
+          <p:cNvSpPr>
+            <a:spLocks noGrp="1"/>
+          </p:cNvSpPr>
+          <p:nvPr>
+            <p:ph type="title"/>
+          </p:nvPr>
+        </p:nvSpPr>
+        <p:spPr/>
+        <p:txBody>
+          <a:bodyPr/>
+          <a:lstStyle/>
+          <a:p>
+            <a:r>
+              <a:rPr lang="en-US" dirty="0" smtClean="0"/>
+              <a:t>Logistic Regression</a:t>
+            </a:r>
+            <a:endParaRPr lang="en-US" dirty="0"/>
+          </a:p>
+        </p:txBody>
+      </p:sp>
+      <p:pic>
+        <p:nvPicPr>
+          <p:cNvPr id="4" name="Picture 3"/>
+          <p:cNvPicPr>
+            <a:picLocks noChangeAspect="1"/>
+          </p:cNvPicPr>
+          <p:nvPr/>
+        </p:nvPicPr>
+        <p:blipFill>
+          <a:blip r:embed="rId3">
+            <a:extLst>
+              <a:ext uri="{28A0092B-C50C-407E-A947-70E740481C1C}">
+                <a14:useLocalDpi xmlns:a14="http://schemas.microsoft.com/office/drawing/2010/main" val="0"/>
+              </a:ext>
+            </a:extLst>
+          </a:blip>
+          <a:stretch>
+            <a:fillRect/>
+          </a:stretch>
+        </p:blipFill>
+        <p:spPr>
+          <a:xfrm>
+            <a:off x="5562600" y="4724400"/>
+            <a:ext cx="3124200" cy="1700013"/>
+          </a:xfrm>
+          <a:prstGeom prst="rect">
+            <a:avLst/>
+          </a:prstGeom>
+        </p:spPr>
+      </p:pic>
+    </p:spTree>
+    <p:extLst>
+      <p:ext uri="{BB962C8B-B14F-4D97-AF65-F5344CB8AC3E}">
+        <p14:creationId xmlns:p14="http://schemas.microsoft.com/office/powerpoint/2010/main" val="3465430031"/>
+      </p:ext>
+    </p:extLst>
+  </p:cSld>
+  <p:clrMapOvr>
+    <a:masterClrMapping/>
+  </p:clrMapOvr>
+</p:sld>
+</file>
+
+<file path=ppt/slides/slide12.xml><?xml version="1.0" encoding="utf-8"?>
+<p:sld xmlns:a="http://schemas.openxmlformats.org/drawingml/2006/main" xmlns:r="http://schemas.openxmlformats.org/officeDocument/2006/relationships" xmlns:p="http://schemas.openxmlformats.org/presentationml/2006/main">
+  <p:cSld>
+    <p:spTree>
+      <p:nvGrpSpPr>
+        <p:cNvPr id="1" name=""/>
+        <p:cNvGrpSpPr/>
+        <p:nvPr/>
+      </p:nvGrpSpPr>
+      <p:grpSpPr>
+        <a:xfrm>
+          <a:off x="0" y="0"/>
+          <a:ext cx="0" cy="0"/>
+          <a:chOff x="0" y="0"/>
+          <a:chExt cx="0" cy="0"/>
+        </a:xfrm>
+      </p:grpSpPr>
+      <p:sp>
+        <p:nvSpPr>
+          <p:cNvPr id="2" name="Content Placeholder 1"/>
+          <p:cNvSpPr>
+            <a:spLocks noGrp="1"/>
+          </p:cNvSpPr>
+          <p:nvPr>
+            <p:ph idx="1"/>
+          </p:nvPr>
+        </p:nvSpPr>
+        <p:spPr/>
+        <p:txBody>
+          <a:bodyPr>
+            <a:normAutofit lnSpcReduction="10000"/>
+          </a:bodyPr>
+          <a:lstStyle/>
+          <a:p>
+            <a:r>
+              <a:rPr lang="en-US" dirty="0" smtClean="0"/>
+              <a:t>Foreword Selection</a:t>
+            </a:r>
+          </a:p>
+          <a:p>
+            <a:pPr lvl="1"/>
+            <a:r>
+              <a:rPr lang="en-US" dirty="0"/>
+              <a:t>B</a:t>
+            </a:r>
+            <a:r>
+              <a:rPr lang="en-US" dirty="0" smtClean="0"/>
+              <a:t>egins </a:t>
+            </a:r>
+            <a:r>
+              <a:rPr lang="en-US" dirty="0"/>
+              <a:t>with an empty model </a:t>
+            </a:r>
+            <a:endParaRPr lang="en-US" dirty="0"/>
+          </a:p>
+          <a:p>
+            <a:pPr lvl="1"/>
+            <a:r>
+              <a:rPr lang="en-US" dirty="0" smtClean="0"/>
+              <a:t>Adds </a:t>
+            </a:r>
+            <a:r>
+              <a:rPr lang="en-US" dirty="0"/>
+              <a:t>in variables one by one</a:t>
+            </a:r>
+            <a:endParaRPr lang="en-US" dirty="0" smtClean="0"/>
+          </a:p>
+          <a:p>
+            <a:endParaRPr lang="en-US" sz="1400" dirty="0" smtClean="0"/>
+          </a:p>
+          <a:p>
+            <a:r>
+              <a:rPr lang="en-US" dirty="0" smtClean="0"/>
+              <a:t>Backward Selection</a:t>
+            </a:r>
+          </a:p>
+          <a:p>
+            <a:pPr lvl="1"/>
+            <a:r>
+              <a:rPr lang="en-US" dirty="0"/>
+              <a:t>B</a:t>
+            </a:r>
+            <a:r>
+              <a:rPr lang="en-US" dirty="0" smtClean="0"/>
+              <a:t>egins with all variables then</a:t>
+            </a:r>
+          </a:p>
+          <a:p>
+            <a:pPr lvl="1"/>
+            <a:r>
+              <a:rPr lang="en-US" dirty="0"/>
+              <a:t>each one is deleted one at </a:t>
+            </a:r>
+            <a:r>
+              <a:rPr lang="en-US" dirty="0" smtClean="0"/>
+              <a:t>a time</a:t>
+            </a:r>
+            <a:endParaRPr lang="en-US" dirty="0" smtClean="0"/>
+          </a:p>
+          <a:p>
+            <a:endParaRPr lang="en-US" dirty="0" smtClean="0"/>
+          </a:p>
+          <a:p>
+            <a:r>
+              <a:rPr lang="en-US" dirty="0" smtClean="0"/>
+              <a:t>Top Variables</a:t>
+            </a:r>
+          </a:p>
+          <a:p>
+            <a:pPr lvl="1"/>
+            <a:r>
+              <a:rPr lang="en-US" dirty="0" smtClean="0"/>
+              <a:t>Marital Status</a:t>
+            </a:r>
+          </a:p>
+          <a:p>
+            <a:pPr lvl="1"/>
+            <a:r>
+              <a:rPr lang="en-US" dirty="0" smtClean="0"/>
+              <a:t>Overtime</a:t>
+            </a:r>
+          </a:p>
+          <a:p>
+            <a:pPr lvl="1"/>
+            <a:r>
+              <a:rPr lang="en-US" dirty="0" smtClean="0"/>
+              <a:t>Total Working Years</a:t>
+            </a:r>
+            <a:endParaRPr lang="en-US" dirty="0"/>
+          </a:p>
+          <a:p>
+            <a:endParaRPr lang="en-US" dirty="0"/>
+          </a:p>
+        </p:txBody>
+      </p:sp>
+      <p:sp>
+        <p:nvSpPr>
+          <p:cNvPr id="3" name="Title 2"/>
+          <p:cNvSpPr>
+            <a:spLocks noGrp="1"/>
+          </p:cNvSpPr>
+          <p:nvPr>
+            <p:ph type="title"/>
+          </p:nvPr>
+        </p:nvSpPr>
+        <p:spPr/>
+        <p:txBody>
+          <a:bodyPr/>
+          <a:lstStyle/>
+          <a:p>
+            <a:r>
+              <a:rPr lang="en-US" dirty="0" smtClean="0"/>
+              <a:t>Model Selection	</a:t>
+            </a:r>
+            <a:endParaRPr lang="en-US" dirty="0"/>
+          </a:p>
+        </p:txBody>
+      </p:sp>
+      <p:pic>
+        <p:nvPicPr>
+          <p:cNvPr id="7170" name="Picture 2"/>
+          <p:cNvPicPr>
+            <a:picLocks noChangeAspect="1" noChangeArrowheads="1"/>
+          </p:cNvPicPr>
+          <p:nvPr/>
+        </p:nvPicPr>
+        <p:blipFill>
+          <a:blip r:embed="rId2">
+            <a:extLst>
+              <a:ext uri="{28A0092B-C50C-407E-A947-70E740481C1C}">
+                <a14:useLocalDpi xmlns:a14="http://schemas.microsoft.com/office/drawing/2010/main" val="0"/>
+              </a:ext>
+            </a:extLst>
+          </a:blip>
+          <a:srcRect/>
+          <a:stretch>
+            <a:fillRect/>
+          </a:stretch>
+        </p:blipFill>
+        <p:spPr bwMode="auto">
+          <a:xfrm>
+            <a:off x="6019800" y="1524000"/>
+            <a:ext cx="2485663" cy="1629042"/>
+          </a:xfrm>
+          <a:prstGeom prst="rect">
+            <a:avLst/>
+          </a:prstGeom>
+          <a:noFill/>
+          <a:ln>
+            <a:noFill/>
+          </a:ln>
+          <a:extLst>
+            <a:ext uri="{909E8E84-426E-40DD-AFC4-6F175D3DCCD1}">
+              <a14:hiddenFill xmlns:a14="http://schemas.microsoft.com/office/drawing/2010/main">
+                <a:solidFill>
+                  <a:schemeClr val="accent1"/>
+                </a:solidFill>
+              </a14:hiddenFill>
+            </a:ext>
+            <a:ext uri="{91240B29-F687-4F45-9708-019B960494DF}">
+              <a14:hiddenLine xmlns:a14="http://schemas.microsoft.com/office/drawing/2010/main" w="9525">
+                <a:solidFill>
+                  <a:schemeClr val="tx1"/>
+                </a:solidFill>
+                <a:miter lim="800000"/>
+                <a:headEnd/>
+                <a:tailEnd/>
+              </a14:hiddenLine>
+            </a:ext>
+          </a:extLst>
+        </p:spPr>
+      </p:pic>
+      <p:sp>
+        <p:nvSpPr>
+          <p:cNvPr id="5" name="Plus 4"/>
+          <p:cNvSpPr/>
+          <p:nvPr/>
+        </p:nvSpPr>
+        <p:spPr>
+          <a:xfrm>
+            <a:off x="7804638" y="2033721"/>
+            <a:ext cx="304800" cy="304800"/>
+          </a:xfrm>
+          <a:prstGeom prst="mathPlus">
+            <a:avLst/>
+          </a:prstGeom>
+          <a:solidFill>
+            <a:srgbClr val="FF0000"/>
+          </a:solidFill>
+          <a:ln>
+            <a:solidFill>
+              <a:srgbClr val="FF0000"/>
+            </a:solidFill>
+          </a:ln>
+        </p:spPr>
+        <p:style>
+          <a:lnRef idx="2">
+            <a:schemeClr val="accent1">
+              <a:shade val="50000"/>
+            </a:schemeClr>
+          </a:lnRef>
+          <a:fillRef idx="1">
+            <a:schemeClr val="accent1"/>
+          </a:fillRef>
+          <a:effectRef idx="0">
+            <a:schemeClr val="accent1"/>
+          </a:effectRef>
+          <a:fontRef idx="minor">
+            <a:schemeClr val="lt1"/>
+          </a:fontRef>
+        </p:style>
+        <p:txBody>
+          <a:bodyPr rtlCol="0" anchor="ctr"/>
+          <a:lstStyle/>
+          <a:p>
+            <a:pPr algn="ctr"/>
+            <a:endParaRPr lang="en-US">
+              <a:solidFill>
+                <a:srgbClr val="FF0000"/>
+              </a:solidFill>
+            </a:endParaRPr>
+          </a:p>
+        </p:txBody>
+      </p:sp>
+      <p:sp>
+        <p:nvSpPr>
+          <p:cNvPr id="6" name="Minus 5"/>
+          <p:cNvSpPr/>
+          <p:nvPr/>
+        </p:nvSpPr>
+        <p:spPr>
+          <a:xfrm>
+            <a:off x="6477000" y="2423746"/>
+            <a:ext cx="381000" cy="152400"/>
+          </a:xfrm>
+          <a:prstGeom prst="mathMinus">
+            <a:avLst/>
+          </a:prstGeom>
+          <a:solidFill>
+            <a:srgbClr val="002060"/>
+          </a:solidFill>
+          <a:ln>
+            <a:solidFill>
+              <a:srgbClr val="002060"/>
+            </a:solidFill>
+          </a:ln>
+        </p:spPr>
+        <p:style>
+          <a:lnRef idx="2">
+            <a:schemeClr val="accent1">
+              <a:shade val="50000"/>
+            </a:schemeClr>
+          </a:lnRef>
+          <a:fillRef idx="1">
+            <a:schemeClr val="accent1"/>
+          </a:fillRef>
+          <a:effectRef idx="0">
+            <a:schemeClr val="accent1"/>
+          </a:effectRef>
+          <a:fontRef idx="minor">
+            <a:schemeClr val="lt1"/>
+          </a:fontRef>
+        </p:style>
+        <p:txBody>
+          <a:bodyPr rtlCol="0" anchor="ctr"/>
+          <a:lstStyle/>
+          <a:p>
+            <a:pPr algn="ctr"/>
+            <a:endParaRPr lang="en-US"/>
+          </a:p>
+        </p:txBody>
+      </p:sp>
+      <p:pic>
+        <p:nvPicPr>
+          <p:cNvPr id="8" name="Picture 7"/>
+          <p:cNvPicPr>
+            <a:picLocks noChangeAspect="1"/>
+          </p:cNvPicPr>
+          <p:nvPr/>
+        </p:nvPicPr>
+        <p:blipFill>
+          <a:blip r:embed="rId3">
+            <a:extLst>
+              <a:ext uri="{28A0092B-C50C-407E-A947-70E740481C1C}">
+                <a14:useLocalDpi xmlns:a14="http://schemas.microsoft.com/office/drawing/2010/main" val="0"/>
+              </a:ext>
+            </a:extLst>
+          </a:blip>
+          <a:stretch>
+            <a:fillRect/>
+          </a:stretch>
+        </p:blipFill>
+        <p:spPr>
+          <a:xfrm>
+            <a:off x="4191000" y="4514516"/>
+            <a:ext cx="2844800" cy="1352884"/>
+          </a:xfrm>
+          <a:prstGeom prst="rect">
+            <a:avLst/>
+          </a:prstGeom>
+        </p:spPr>
+      </p:pic>
+    </p:spTree>
+    <p:extLst>
+      <p:ext uri="{BB962C8B-B14F-4D97-AF65-F5344CB8AC3E}">
+        <p14:creationId xmlns:p14="http://schemas.microsoft.com/office/powerpoint/2010/main" val="453167089"/>
+      </p:ext>
+    </p:extLst>
+  </p:cSld>
+  <p:clrMapOvr>
+    <a:masterClrMapping/>
+  </p:clrMapOvr>
+  <p:timing>
+    <p:tnLst>
+      <p:par>
+        <p:cTn id="1" dur="indefinite" restart="never" nodeType="tmRoot"/>
+      </p:par>
+    </p:tnLst>
+  </p:timing>
+</p:sld>
+</file>
+
+<file path=ppt/slides/slide13.xml><?xml version="1.0" encoding="utf-8"?>
+<p:sld xmlns:a="http://schemas.openxmlformats.org/drawingml/2006/main" xmlns:r="http://schemas.openxmlformats.org/officeDocument/2006/relationships" xmlns:p="http://schemas.openxmlformats.org/presentationml/2006/main">
+  <p:cSld>
+    <p:spTree>
+      <p:nvGrpSpPr>
+        <p:cNvPr id="1" name=""/>
+        <p:cNvGrpSpPr/>
+        <p:nvPr/>
+      </p:nvGrpSpPr>
+      <p:grpSpPr>
+        <a:xfrm>
+          <a:off x="0" y="0"/>
+          <a:ext cx="0" cy="0"/>
+          <a:chOff x="0" y="0"/>
+          <a:chExt cx="0" cy="0"/>
+        </a:xfrm>
+      </p:grpSpPr>
+      <p:sp>
+        <p:nvSpPr>
+          <p:cNvPr id="2" name="Content Placeholder 1"/>
+          <p:cNvSpPr>
+            <a:spLocks noGrp="1"/>
+          </p:cNvSpPr>
+          <p:nvPr>
+            <p:ph idx="1"/>
+          </p:nvPr>
+        </p:nvSpPr>
+        <p:spPr>
+          <a:xfrm>
+            <a:off x="457200" y="1481328"/>
+            <a:ext cx="3886200" cy="4525963"/>
+          </a:xfrm>
+        </p:spPr>
+        <p:txBody>
+          <a:bodyPr>
+            <a:normAutofit/>
+          </a:bodyPr>
+          <a:lstStyle/>
+          <a:p>
+            <a:r>
+              <a:rPr lang="en-US" sz="2000" dirty="0" smtClean="0"/>
+              <a:t>Older employees tend to be promoted less often</a:t>
+            </a:r>
+          </a:p>
+          <a:p>
+            <a:endParaRPr lang="en-US" sz="2000" dirty="0"/>
+          </a:p>
+          <a:p>
+            <a:r>
+              <a:rPr lang="en-US" sz="2000" dirty="0"/>
+              <a:t>Sales Representatives tend to be the </a:t>
+            </a:r>
+            <a:r>
+              <a:rPr lang="en-US" sz="2000" dirty="0" smtClean="0"/>
+              <a:t>youngest</a:t>
+            </a:r>
+          </a:p>
+          <a:p>
+            <a:endParaRPr lang="en-US" sz="2000" dirty="0"/>
+          </a:p>
+          <a:p>
+            <a:r>
+              <a:rPr lang="en-US" sz="2000" dirty="0"/>
+              <a:t>M</a:t>
+            </a:r>
+            <a:r>
+              <a:rPr lang="en-US" sz="2000" dirty="0" smtClean="0"/>
+              <a:t>anagers </a:t>
+            </a:r>
+            <a:r>
+              <a:rPr lang="en-US" sz="2000" dirty="0"/>
+              <a:t>and </a:t>
+            </a:r>
+            <a:r>
+              <a:rPr lang="en-US" sz="2000" dirty="0" smtClean="0"/>
+              <a:t>Directors </a:t>
+            </a:r>
+            <a:r>
+              <a:rPr lang="en-US" sz="2000" dirty="0"/>
+              <a:t>tend to be </a:t>
+            </a:r>
+            <a:r>
+              <a:rPr lang="en-US" sz="2000" dirty="0" smtClean="0"/>
+              <a:t>older</a:t>
+            </a:r>
+          </a:p>
+          <a:p>
+            <a:endParaRPr lang="en-US" sz="2000" dirty="0"/>
+          </a:p>
+          <a:p>
+            <a:r>
+              <a:rPr lang="en-US" sz="2000" dirty="0"/>
+              <a:t>Healthcare </a:t>
+            </a:r>
+            <a:r>
+              <a:rPr lang="en-US" sz="2000" dirty="0" smtClean="0"/>
+              <a:t>Representatives </a:t>
+            </a:r>
+            <a:r>
+              <a:rPr lang="en-US" sz="2000" dirty="0"/>
+              <a:t>tend to be older than </a:t>
+            </a:r>
+            <a:r>
+              <a:rPr lang="en-US" sz="2000" dirty="0" smtClean="0"/>
+              <a:t>Manufacturing </a:t>
+            </a:r>
+            <a:r>
+              <a:rPr lang="en-US" sz="2000" dirty="0"/>
+              <a:t>D</a:t>
+            </a:r>
+            <a:r>
+              <a:rPr lang="en-US" sz="2000" dirty="0" smtClean="0"/>
+              <a:t>irectors</a:t>
+            </a:r>
+          </a:p>
+          <a:p>
+            <a:endParaRPr lang="en-US" sz="2000" dirty="0"/>
+          </a:p>
+          <a:p>
+            <a:endParaRPr lang="en-US" sz="2000" dirty="0"/>
+          </a:p>
+        </p:txBody>
+      </p:sp>
+      <p:sp>
+        <p:nvSpPr>
+          <p:cNvPr id="3" name="Title 2"/>
+          <p:cNvSpPr>
+            <a:spLocks noGrp="1"/>
+          </p:cNvSpPr>
+          <p:nvPr>
+            <p:ph type="title"/>
+          </p:nvPr>
+        </p:nvSpPr>
+        <p:spPr/>
+        <p:txBody>
+          <a:bodyPr/>
+          <a:lstStyle/>
+          <a:p>
+            <a:r>
+              <a:rPr lang="en-US" dirty="0" smtClean="0"/>
+              <a:t>Other Job Role Trends</a:t>
+            </a:r>
+            <a:endParaRPr lang="en-US" dirty="0"/>
+          </a:p>
+        </p:txBody>
+      </p:sp>
+      <p:sp>
+        <p:nvSpPr>
+          <p:cNvPr id="4" name="AutoShape 2" descr="data:image/png;base64,iVBORw0KGgoAAAANSUhEUgAABUAAAAPACAMAAADDuCPrAAAAolBMVEUAAAAAADoAAGYAOpAAZrYzMzMzZv86AAA6Ojo6kJA6kNs9PT1NTU1NTW5NTY5NbqtNjshmAABmZmZmtv9uTU1uq+SOTU2Oq6uOyP+QOgCQkLaQ29uQ2/+rbk2rjk2r5P+2ZgC2kDq2///Ijk3I///KysrW1tbbkDrb///kq27k5Kvk///r6+v/tmb/yI7/25D/5Kv//7b//8j//9v//+T////sHfwrAAAACXBIWXMAAB2HAAAdhwGP5fFlAAAgAElEQVR4nO2da4PcxpFlMWNJ3hXbkrwiufLucM0ZSuJw1GxzaPL//7WtB6oK9ehCAgjg3kic88Wk2B0duJV5jCpkZjdfAQBgFI26AQCArCBQAICRIFAAgJEgUACAkSBQAICRIFAAgJEgUACAkSBQAICRIFAAgJEgUACAkSBQAICRIFAAgJEgUACAkcwn0MdxjP5GBxL3Tu4ayF3DBEEh0NlI3Du5ayB3DQjUkcS9k7sGcteAQB1J3Du5ayB3DQjUkcS9k7sGcteAQB1J3Du5ayB3DQjUkcS9k7sGcteAQB1J3Du5ayB3DQjUkcS9k7sGcteAQB1J3Du5ayB3DQjUkcS9k7sGcteAQB1J3Du5ayB3DQjUkcS9k7sGcteAQB1J3Du5ayB3DQjUkcS9k7sGcteAQB1J3Du5ayB3DQjUkcS9k7sGcteAQB1J3Du5ayB3DQjUkcS9k7sGcteAQB1J3Du5ayB3DQjUkcS9k7sGcteAQB1J3Du5ayB3DQjUkcS9k7sGcteAQB1J3Du5ayB3DQjUkcS9k7sGcteAQB1J3Du5ayB3DQjUkcS9k7sGcteAQB1J3Du5ayB3DQjUkcS9k7sGcteAQB1J3Du5ayB3DQjUkcS9k7sGcteAQB1J3Du5ayB3DVqBvnvY8Mv+z59fb/78CoFuSdw7uWsgdw1Kge6UueGn7V8+vdz9+cc/EOg6B5QDiXsndw1CgX55s7vh/PDwl7/vZPrTzqKvYgTabBh5ZQal1jigHEjce1zugeO9lILeBV0VIRToU3u7+WGrzvYvn17+8GuEQJsmLHBFKSayhsS9h+UeON6L6e9d0VUROoFubkB/Of3t3f7W8/w/jhZo04QFLinFRNaQuPeo3APHezm9vUu6KkIn0M+vOzebX95s38d/3d6Ovpou0KYJC1xTiomsIXHvQbkHjvcB9PWu6aoInUA/vfzxj6eHh90noCebftg/Utrwbcvgwptmjoz45gylAObBc5B6dhXKKIH+v/1T+FcdgT4hUAAZnoPUs6tQhl/ZU7uA6Wl7D3pDoAdG3B3zFl4Hb+E18BZeg+4t/NNh2fz2XXusQHmIpAOBauAhkgblZ6Dtc6Pth6E3PgOdIlCWMclAoBpYxqRBKdDWmds/xD6Ff2QhvQwEqoGF9BqU60A7d6Bf3+3XfwatA51yYQ4k7p3cNZC7BuFOpHftu/XdTWfwTiQGlApy10DuGoQCbTe+P82yF54BJYLcNZC7BuVpTE/7ZaD7N+3tXziNaUvi3sldA7lrkJ4H+uXNRpmH9+ycB3oice/kroHcNXAivSOJeyd3DeSuAYE6krh3ctdA7hoQqCOJeyd3DeSuAYE6krh3ctdA7hpqFSg7kQbgGVYgprlHgkA1VCpQ9sIPwDOsQExzDwWBaqhToJzGNADPsAIxzT0WBKqhSoE2TdhM1pRackB5hhWIae7BIFANCNSxFAINxDT3YBCoBgTqWAqBBmKaezAIVAMCdSyFQAMxzT0YBKqhSoGaPhcpL8VDpEhMc48FgWqoU6CmK3OKS7GMKRTT3ENBoBoqFajp2vDSUiykj8U090gQqIZaBcqAEkHuGshdAwJ1JHHv5K6B3DUgUEcS907uGshdAwJ1JHHv5K6B3DUgUEcS907uGshdAwJ1JHHv5K6B3DUgUEcS907uGshdAwJ1JHHv5K6B3DXUKlDPteH1L+j2XEhfSt7cqxeo54SeUMtboJ67E+vfUui5lbOYtLlXL1DPCT2llrVAPc/HqP9QC8/DRMrJmvtj7QL1nNCTajkLtGnCUtKUSjoZAsPSkDT3LVUL1HNCT6uFQGcslXQyIFAdCLQMBDr3hTmUSjoZEKgOBFoGAp37whxKJZ0MCFQHAi0DgQ65sjHf61Aq62RI7s+0uT9WLlDTCV3tQyTXVQ/FpdJOhtz+zJt77QI1ndDVLmNyXXdbWirvZEjtz8S51y5Q0wld7UL6+geUK+Sugdw11LqVkwElgtw1kLsGBOpI4t7JXQO5a0CgjiTundw1kLsGBOpI4t7JXQO5a0CgjiTundw1kLsGBOpI4t7JXQO5a0CgjiTundw1kLsGBOpI4t7JXQO5a6hVoJ4bF+rficREFkHuGioVqOfW2fr3wjORVZC7hjoF6nl4S/2nMT0ykVWQu4YqBTrpnD6HUmscUA4k7p3cNSBQx1JrHFAOJO6d3DUgUMdSaxxQDiTundw1IFDHUmscUA4k7p3cNVQpUB4i6WAiayB3DXUKlGVMMpjIGshdQ6UCZSG9CiayBnLXUKtAGVAiyF0DuWtAoI4k7p3cNZC7BgTqSOLeyV0DuWtAoI4k7p3cNZC7BgTqSOLeyV0DuWtAoI4k7p3cNZC7BgTqSOLeyV0DuWtAoI4k7p3cNZC7hloFykL6AQReoedE9sw9MnbP3EvJ2/v419BboGzlHEDgFXpOZM/cQ2O3zL2YtL1PeA2tBcphIgMIvMJHy4nsmXts7I65l5O19ymvobNABxwc51lKMZGDprLfRPbMPTh2w9wHkLT3Sa8hAp2xFAINxDN3BNohae8I1LUUAg3EM3cE2iFp7wjUtRQCDcQzdwTaIWnv1QqUh0hDqH4ie+YeG7tj7uVk7X3Ka2gtUJYxDaH6ieyZe2jslrkXk7b3Ca+ht0BZSD+E6ieyZ+6RsXvmXkre3se/huYCZUCJIHcN5K6h1q2cDCgR5K6B3DUgUEcS907uGshdAwJ1JHHv5K6B3DUgUEcS907uGshdAwJ1JHHv5K6B3DUgUEcS907uGshdAwJ1JHHv5K6B3DUgUEcS907uGshdQ60CrX4nUuQ2Fs+dSJ65B8JOpAN5e691J1L1e+EjN1J77oX3zD0Q9sIfSdt7rXvhA0+6kZTqvejIo3wia8VNZM/cA4mNHYEqmPIaOgu0acJGp6ZU30UHdmV6Hqhn7oEEx45ABUx6DRHojKUQqGfugSDQDkl7zyHQEZwujFKL1orDNKw4PLuCIYROw+klnmHp/2dwKMUdqGfugQTHzh2ogEmvobNAeYg0T1sl8BCpkNjYEaiCKa+htUBZxjQEz4nsmXsgobEjUAkTXkNvgbKQfgieE9kz90AiY0egGsa/huYCZUCJIHcN5K6h1q2cDCgR5K6B3DUgUEcS907uGshdAwJ1JHHv5K6B3DUgUEcS907uGshdAwJ1JHHv5K6B3DUgUEcS907uGshdAwJ1JHHv5K6B3DUgUEcS907uGshdQ60CrX4nUiSeO5ECMc09EnLXUKlAq98LH4nnXvhATHMPhdw11ClQyVE+gaUEh1q4ncYUiGnusZC7hioF2jRhUtCUUhyr5nUeaCCmuQdD7hoQqGMpBBqIae7BkLsGBOpYCoEGYpp7MOSuAYE6lkKggZjmHgy5a6hSoDxEGkKoPw0nsmvusZC7hjoFyjKmIUT603Eiu+YeCrlrqFSgLKQfQuAVWk5k19wjIXcNtQrUc0CVkrh3ctdA7hoQqCOJeyd3DeSuAYE6krh3ctdA7hoQqCOJeyd3DeSuAYE6krh3ctdA7hoQqCOJeyd3DeSuAYE6krh3ctdA7hoQqCOJeyd3DeSuoVaBVr+QPnLxu+dC+siuClk490gQqITxw8FboNVv5Yzcfum5lTO0q0KWzT0UBKpgwnCwFmj1h4lEHgDieZhIbFeFLJp7LAhUwJTh4CzQpgkb6JpSfRcd2JXpcXbBXRWyZO7BINDlmTQcEOiMpRAoAh0IAl0eBOpaCoEi0IEg0OVBoK6lECgCHQgCXZ5qBcpDpHnaKoGHSBoQqIApw8FaoCxjGkKoE1jGpAGBKpgwHLwFykL6IUTWYiG9BgQqYfxwMBcoA0oEuWsgdw21buVkQIkgdw3krgGBOpK4d3LXQO4aEKgjiXsndw3krgGBOpK4d3LXQO4aEKgjiXsndw3krgGBOpK4d3LXQO4aEKgjiXsndw3krgGBOpK4d3LXQO4aahVo9TuRIql+J5Jp7pFY5l5K3txr3YlU/V74SKrfC2+aeyiOuReTNvda98IHHpojKbXogIo9YcjwNCbT3GMxzL2crLlPCctZoE0TNgw0pZYcUIFXuMXvPFDT3IPxy30ASXOfFBYCnbEUAq0/92D8ch9A0twRqGspBFp/7sH45T6ApLkjUNdSCLT+3IPxy30ASXOvVqA8RBpC7IwxfJhhmnsshrmXkzX3KWFZC5RlTEMInTGOy2lMcw/FMfdi0uY+ISxvgbKQfgiRM8ZyQbdp7pFY5l5K3tzHh2UuULa2iSB3DeSuodatnAwoEeSugdw1IFBHEvdO7hrIXQMCdSRx7+Sugdw1IFBHEvdO7hrIXQMCdSRx7+Sugdw1IFBHEvdO7hrIXQMCdSRx7+Sugdw11CrQ6hfSRy539lxIHwgL6QfgOd5NqXUhffVbOSM33Hlu5QyErZwD8BzvptS6lVNyEkVgqd6LDuzK9DCRQAJz98XwMJH6c58SlrNAmyZsGGhK9V10YFemx9kFEpi7MX7H2dWf+6SwEOiMpRBoIPVP5C0IdHkQqGspBBpI/RN5CwJdHgTqWgqBBlL/RN6CQJenWoHyEGmetkrwE+gKHmY88hBJwpSwrAXKMqYhRNZyFOgKltOwjEnDhLC8BcpC+iFE1nIU6AoWdLOQXsP4sMwF6jmRS0ncO7lrIHcNtW7lZECJIHcN5K4BgTqSuHdy10DuGhCoI4l7J3cN5K4BgTqSuHdy10DuGhCoI4l7J3cN5K4BgTqSuHdy10DuGpQC/fz6YccPvx7/9gqBbkncO7lrIHcNSoF+etkRaPuXH/9AoOscUA4k7p3cNSgF+vTw0/HPm/vPn3YWfRUjUHYiDYCdSC2OvZcR+RLG4TnePaZOgEDfdWz5tL/3/PRy/35+qkDZCz8A9sIfMOy9jNCXMAzP8W4ydaYL9Mubv/z9UqZf3jz8EiDQKaekOJTiNKZIAnM3JfYljMJzvLtMnekC/fz6x/962X4CepTph6v38BOui/NAY9sqwU+ggbmbEvwSBuE53m2mznSBHp4hbe85P79u37p/OH4u+m3L8MJfTxc24ptXViq0liXVX6DpFXqOd9epM6LE037V0qeXm5vPo0CfEOiypUxnXyDVX6DpFXqOd9epM6LE4WZz+679hkAPLH1r7VCKt/CBBOZuSvBLGITneLeZOtMFeuDTyx//iBWo6WfO5aV4iBRJYO6mOPrTdby7TJ1Igf7w643PQKcI1HTVQ3EpljGFEpi7KY7+dB3vJlMnUqA//hH7FP7Rdd1taSkW0scSmLspjv50He8eU2eyQI/O3L1rf7df/xm0DvTRdCKXkrh3ctdA7hqEWzkPG5F27gzeicSAUkHuGshdg1Cgn17u7jb36ozeC8+AEkHuGshdg/IwkQ/d0+yeHjiN6Uji3sldA7lrkB6ovDsC9KfuX15df9HSF+ZA4t7JXQO5a+BEekcS907uGshdAwJ1JHHv5K6B3DUgUEcS907uGshdQ60C9Vx3a7qg2zOsQExzjwSBaqhUoJ47v0y3FHqGFYhp7qEgUA11CtTz7IHyUosOKM+wAjHNPRYEqqFKgTZN2EzWlFpyQHmGFYhp7sEgUA0I1LEUAg3ENPdgEKgGBOpYCoEGYpp7MAhUAwJ1LIVAAzHNPRgEqqFKgZo+FykvxUOkSExzjwWBaqhToKYrc4pLsYwpFNPcQ0GgGioVqOna8NJSLKSPxTT3SBCohloFyoASQe4ayF0DAnUkce/kroHcNSBQRxL3Tu4ayF0DAnUkce/kroHcNSBQRxL3Tu4ayF0DAnUkce/kroHcNSBQRxL3Tu4ayF0DAnUkce/kroHcNSBQRxL3Tu4ayF1DrQJlR8wAIsOKm8j17wCLxFKg5H7vG50Fyp7sAYSGFTaR6z+DIBRHgZL73W80FiinAg0gNqyoiVz/KVixGAqU3O9/o69AmyZWCjEM6CrpeaBbgiZyYFemuQfjJ1By7/lGBDoM0wGFQE+scSLPBrn3fCMCHYbpgEKgJ9Y4kWeD3Hu+EYEOw3RAIdATa5zIs0HuPd/oK1AeIg0hNiweImnwEyi593yjsUBZxjSE0LBYxqTBUKDkfv8bnQXKQvohRIbFQnoNjgIl97vfaC1QzwFVSuLeyV0DuWtAoI4k7p3cNZC7BgTqSOLeyV0DuWtAoI4k7p3cNZC7BgTqSOLeyV0DuWtAoI4k7p3cNZC7BgTqSOLeyV0DuWtAoI4k7p3cNZC7BgTqSOLeyV0DuWuoVaCCbSyBpQou2nOrlWlbnjtiQrNiB1gxHrl7C1SxkTqwVP9Fe272N23Lc092bFacQVCKSe7WApUc5RNYqveiA7uKxLOtwNwDCc6KU7AKccndWaBNE5aSplTfRQd2FYlnW4G5BxKdFeewlmGTOwKdsRQCDYSJPADP8R6ITe4IdMZSCDQQJvIAPMd7IDa5I9AZSyHQQJjIA/Ac74HY5O4sUB4iifBsKzD3QIKz4iFSIS65WwuUZUwiPNsKzD2Q2KxYxlSKSe7eAmUhvQjPtgJzDyQ0KxbSF+ORu7lA2domgtw1kLsGBOpI4t7JXQO5a0CgjiTundw1kPvy/LbhdwRqSOLeyV0DuS/KbwcQqCOJeyd3DeS+FL+dgUAdSdw7uWsg99n57RYI1JHEvZO7BnKfj5vmRKDGJO6d3DWQ+zzck2fNAmUh/QA8wwqEBd3eePbe584tL16MfQ29BcpWzgF4hhUIWwrNseu9xJ17f74Y+xpaC1RyIkJgqUUPE/EMK5DA3AMJzgqBBlHqztafL8a+hs4CbZqw0akpteRxdp5hBRKYeyDRWSHQ6Qxx58GfL8a+hgh0xlIINBAEao++96HuRKDWpRBoIAjUHmHvo8yJQM1LIdBAEKg9it6nmLN2gZo+FykvxUOkSAJzDyQ4KwQ6gAB5Hg069jW0FqjpypziUixjCiUw90Bis0KgZUS582jQsa+ht0BN14aXlmIhfSyBuQcSmhUC7SXWnQeD1rmQngGlgtw1kPtd5pDnjlq3cjKgRJC7BnJ/jtnciUBtSdw7uWsg9xvM604Eakvi3sldA7l3WcCcCNSYxL2TuwZy37KcOBGoM4l7J3cN5L68PBGoK4l7J3cNq85d404Eakvi3sldw1pzF7oTgdqSuHdy17C63NXmbKlVoLk317ATKRbPHWCmO5E8d96dmOy87Q72AHXuqVSgybd3sxc+FM8zCEz3wnue/dASobzdGUphBq1ToIEn3QQfmlMGpzFFUt7VkrkHZxUlUMkVlvQeZbwXL0INWqVAmyZsGASWGgDngQYyoKsFc4/OKkigmivs6T3IdTtevIg1KAJdrNQAEGggCHQAbgKNsVyH9Ql0BKeXzqlUIJFdEVb2UpEYXeHvs3ASaFDByTm1aQXVuWaE3I1vFMrgDjSQkDuhwaUCuyqiqjvQmJvDm6zvDnRMc4FjU6IEHiJFUt4VD5HED5FipHaXUH9+9913VQrUd7VJGSxjCqW4K5YxqZYxheisjAh/fneiToHarncug4X0sZR2xUL6R8EVbt4Hx6ixkAn+/O6aSgW6vq1tJpC7hpy5t15aVqBjuGFOBOpL4t7JXUO63Lt6Mhbo8+ZEoL4k7p3cNWTK/cpSjgLtNeeWWp/CP+YaUFck7p3cNSTJ/basvARaJM4DCNSRxL2Tuwb/3O8oy0OgZbecFyBQRxL3Tu4ajHPvV5daoGPM2YJAHUncO7lrcMy9WGBCgY42ZwsCdSRx7+SuwS33QRbTCHSaOVtqFajnemfPBd2RVJ+7K0YL6YerrECggUd4vngRYc6WSgXquePOc0thJNXnbovHVs6RSusXaND+9ThxHqhToJITEQJLLXqYSCDV5+6L/jCRCV7rFejkE0BC3q7fokqBNk3Y9NOUWvI4u0Cqz90Y6XF24/3TWqjn3yecQddjzinu3IFAHUshUM/cjVEJdKJ/Wgv1/Psogfaqc6o7dyBQx1II1DN3YxYXaIR9jhbq+fdBAu0X53ffcaDyXaqfyAh0nlIItD+sGO9cWKjn34sEWiLO7ziRftAwGHlt8lI8RDLN3ZdFHiLFOOeGhfq+4K70ysxZVGpE61UKtP7lNJb+XEHutsy9jCnIN89YqPcrbkpvmDnvlhpNpQKtf0G3pT9XkLsrMy6kj3LNHQv1f8mZ9MaZ82apqdQqULutbYNI3Du5a5gj9zDL9Fqo/EsniHMWEKgjiXsndw2huS/roFKBepmzBYE6krh3ctcQlrvEQn1fYGjOFgTqSOLeyV1DRO46C935N1dztiBQRxL3Tu4aJuYuttCN/2Z7z3kOAnUkce/krmF87moF/XYuUMtPOp8HgTqSuHdy1zAqd7V9DuwE2mdOO3fuQKCOJO6d3DUMzV0tng795vR05w4E6kji3sldQ3HuauN0KDGnrzr31CrQ6nfERO5Eiqxl9KslhpfKuwOsIHe1arrkF2fLixdjh4O3QKvfkx25Fz50X73Hr5YYWSrtGQR9uas9c6CCW84zXmwFOm44WAu0+lOBArsKPtlJ/6slJpTKegrW453c1Y7ZUcOb9Ru82At01HBwFmjThA10TaklzwONrPUo/tUSU0slPYd1y63c1X75rdScwt8LP4UXB4GOGQ4IdMZSCLT+3IO5yF3tlt8Gfc6JQBFoaCkEWn/uwZxyV2vlt+G/yQ2BItDQUgi0/tyD2eWuNspvI4/9QKBeAuUh0jxtlcBDJAUbB8klNMacLfLeR1LrQySWMQ0i1AksY1qU41wWCnSCOVtSCbQb/4Th4C1QFtIPIbIWC+kX42xaSwQ66v36DXII9NZrMH44mAuULYUiyH0Jrmf3ogK9L85B7txhLtB7r8QEQSHQ2UjcO7nPzDOTfBGB9opzuDt3uAq04OVAoI4k7p3cZ+TOXJ9XoCXmnLCTyE6g5S8JAnUkce/kPg99U34mgc5szha9QEe/LgjUkcS9k3s4RQaIFugy5mwRCnTqi4NAHUncO7nHMUQEYQJdUpwHFAINeo0QqCOJeyf36YzxwXSBKszZsqhAY18rBOpI4t7JfRpjtTBFoDpztiwj0FleLwTqSOLeyX00k+wwUqBic7bMJdAFXrRaBcpOpAF4hhVIYO7zMN0VwwXqYM6Wgt63287LC94NO3SMVipQ9sIPwDOsQAJzj2a8dC4YItD75nwxzFUR9Pf+oqyrkshjx2idApUc5RNYKutpTJFtxRGYexwR3ulSJNCCe84XLwpdFUlv771dlQcfPEarFGjThKWkKZX0PNDItuIIzD2IUPm03Bdo8dv1Fy8UBu0T6J2uhmYfPUYRqGMpBBqIlUDnEdBvzwq0x5xXH3UmEOi0FwCBFuDpBASqwUWgMzvoUkK96rz5mMhZoJZjFIE6lkKggRgIdAkHHSTUL857T9gtBeo8RqsUqOlzkfJSPESKJDD34SxjoI2DSsRZsDbJ6iHSiJewl+AxWqdATVfmFJdiGVMogbkPYSH7BJnzgMCfVwKd8BL2EztGKxWo6drw0lIspI8lMPcSFtJOsDkPLO/PjUB7M3Udo7UKlC2FIlad+0K+mcmcEkJyF4JAHUnc+2pzX8Y31Yjz7J4z8ZhBoI4k7n2NuS9jnBrNOS13BxCoI4l7X1nuyzinwJzC3wtfSGjuNiBQRxL3vpbcl9JO6T2no0DnyN0NBOpI4t5rz30p+Qx9t24l0BlydwWBOpK495pzX8I9Yz/p9BDoPLk7g0AdSdx7pbnP754+c/Y8JRILdK7c7alVoJ7rbk0X0gfi2dak3M9NEb/MvN+cJU/Y4wQqOPt9jePdW6CeO79Mt3IG4tnW+Nxv2iXKoCXmLF6cFCbQ0iucNffxpZZlQlvWAvU8e6C81KKHiQTi2da43O/YZapBI8V5IEqgkrPf1zjenQXaNGGBa0oteZxdIJ5tDc+91y5jDTqHOVuCBHrrChfLPaLUkkxqC4HOWGqNA2o2BnQ14VdL9DCfOVvmEOhiua9xvCPQGUutcUDNRklXBwsN0UsRM95znhMqUMZ7EQjUtdQaB9Rs9HR1ZqEivZQJdClztsQIlPE+hGoFykMkEZ5tPdvVtYX6BFPmz0XN2TJRoP1hBeZ+xRrHu7VAWcYkwrOtG109Y6Fe0fT5c3lztgwV6JCwAnO/zRrHu7dAWUgvwrOtTlf3LdQvnmf9qTJnS7FAh4QVmPtd1jjezQVa65ZCe2xzL7LQGHVpxXmgX6DqF+AOrmOmgFq3cvpO5BIS926Ze7GFhklLfNN5xh2BqtPvx3HMFIJAHUncu1vuwyxU9mU9H3RKDoe/JVB19sWYjZkhIFBHEvdulPsIC93/515xaty5YydQdeJj8Rkzg0GgjiTu3ST3kRZ65r+XmFP6O4lsch9H4t4RqCOJe9fnPsFDVwJNYM4Wfe4TSNw7AnUkce/S3Kfq6CTQPOZsYbxrkAv008sf/9j94fPrh4eHVwh0S+LeNbkHWel37885dzyTAONdwwICfds0//JvX99+f/Mfv7x52Av008uHLa1NEWhWls09UExZzdnCeNcwu0Dfb9fq/8u//fNvzb/+x41//tA6c3P/+dPOoq9iBMpOpAF4htXHAPdM2n55bs7AX+lRWqoojTiBeo73QELH6NwC3flzI9D//mvT/Ok/r/55e9+5E+jT/n8+vfzh1wiBshd+AJ5h3WOEqW67avA9Z+Cv9Hi+1JhIwgTqOd4DiR2jMwv0H3/e3Hj+9183b+G3Bv358p83b+D/9/4z0Hf7W8/Nf/glQKBTTklxKLXo6TSeYT3HaFNdumrUu/WYX+nxbKkJuUQJ1HO8BxI8RmcW6NvtbedOoF83b+K/ufzndw8/7R8ifXnzl7/v/suHq/fwI3prmrCUNKWWPB/RM6xrJpvq6Krxn3NO/ZUez5aaHk+QQD3HeyDRY3RegW6kubnr3Av068erT0G379v3Av38un3r/mH7UeiOb1tum/kup5BGfPPKSrm2deL3iZxUdd+cg0pNbepdyNgAACAASURBVOpQKjirydiPhql4dvWcQPfqbAX6jz9fCPTz681t54VAnxDosqVc29oxWVOtqnrerg+1XoRATSey82gIwbOrcQLdfe75rEAPjLg7PoU08vZaXYq38EELlHrMefmGfb5fKvfb5dv0yKy28Ba+DJvciwR69hb+/cVj+A+7B+9zCNT0uUh5qXU/RBohpyt6zXnzw86gX+lxwZxZHeEhUiEuuRcJ9Ovb7eeee4H+48/nD5E+vdw9N3r2M9ApAjVdmVNcaqXLmAZp6RkKzPn8c6Lpv9Kjy6xZXcIyplJMci8T6Maa2zWgG4G+3+1HOrsBPfLDr7FP4R9d14aXllrbQvpSO95lijlbpvxKjw6zZvUMLKQvxiP3MoG2C+n3nG/mPBPo13f79Z9B60CnXJgDiXsfnHuZHe8w6Z7znKm/GniWRMtgvGtYZivnDX8eaA8TCd6JxIBSMST3abYqEefA3eujBTpfnqUw3jUsc5hIc3MfZ1eg0XvhGVAiCnMfa6otM5izZbhAZ06zHMa7Bpvj7J4eOI3pSOLe+3IfJbYjc5mzpUCgy6Q4HMa7BhuBch5oh8S9P5v7FLFtmdWcLfcEumiKw2G8a5ALtJelL8yBxL3fyn2q12YX54GbAl0+wzEw3jXMK9DtEUznXB3IhEBvkLj3i9ynKm0hc7acC1SU4DgY7xqWFujtY5UR6DmJez/lPkllS91zntMKVJnfWBjvGhYX6LOP42MFKl8bPqnUwgvpA9m2NUVh83zQ2bv6ve1+jQu6rxCMrNzjfdx3Fgl0twx0v/7zY7PdyfnPvw1+Fz/6uix2J44rtexWzjCmHNjeZ84p9513ujq/gDVuKbxEMbKSjvdJbZUJtHMG6P5gka9vr49Vjhfo4W531JUZlFr0MJEYOqYaZtB+c059z15+9vsaD7W4QDKyEo73HVPaKhJoK82DTLfv3j8OfQ8/4bq8TmgbUGrJ4+ymc2WqMoOWmDPi484BZ7+v8Vi1czQjK9d4PzKprSKBtgfZ7dmfB3p1KigCvSbNgLqnqknmDBDnRVcRuQeCQDukGe/nLCHQsztQBFqNQO+p6lmBLmzOlsDcA0GgHfzH+03mF+jmLfzxDXv7Z97CpxboXVU9L1CJOYeHhUAR6ADmF+juLKb9PejHZvc8/vJY5VkEykOkWehX1pU/F77nnBoWD5F4iDSEKW2VCXS7bOnI5tbzbcMypoIvtFvWUWqwgz9LxDm/OQ8E5h5I7EvIMiYFE9oqE+jhMLst7TLQgTegLKSfVmoyw0y2sDkLryEw90BCX0IW0ksY31apQA8K3XlzI9DbxyqHC5StbZMZKjNHcw7EIvdxMN41cBqTI9reh+ssvTlbEo8ZxruGBQX6z78NPkgEgS5NsDvjxLnICR+JxwzjXcNiAt0+j0eghUh6D3VnMnO2JB4zjHcNywi0PZUJgRaydO9x4vzu96m/2VJizpbEY4bxrmEJgbYP4s9/LTwCvcNivceJ83DXGSDQpS7+msRjhvGuYXaBfmwXMQ1++o5AZ2SY0frM2X3HPkqgc19uKYnHDONdw7wCPa6jH61PBBpLtDmvPu0cJtDZrnMciccM413DnAJ93751/78jVn8i0GDizXn7QVGhQOMvMILEY4bxrmE2gR5+m8fP45bPTxUoO5E69Nmss319tDivSxmZk51I3iTufS6B7v2596ZAoOyFbym5G9ztX59qzk6pkl+esSjshTcnce/zCfT00H15gR6234+8NnmpkNNpSty5JcScXX9eGLQ8oJkIzD2QwIG1BYFqmPcOdH/05+ICbZqw0akpNe18xDhxDlwPP+CXZyxIYO6BBA6sHQhUw3wPkd7uh8f3CHR4qZECLRVduDnPBRr4xjQCBGpP4t7nfArfPkda/in86gRa7rh5zNkSLYUYEKg9iXufeSH95GX0CPReqUG/QLjHnKN+nfvoK1wQBGpP4t5n34l0WEu/6E6kwLEpKVXyEGnAL2DvM+fwX+Y++ZdnLElg7oEEZ4VANSyxF/4ff96NlCX3wgeOTUWpnov+7e56oVJzHr9qiD+jrnBRonKPJTYrBKphoePs3u4Gy4KnMQWOTUGp5y/6zHojzXn1QWeJP4OvcFmm5z4HoVkhUA2LnQe6faLEcXaF3Oi97AZxhodEQ1uvLPcskLuGJX+lx3sEWki391LR9apzqDtHtl5L7skgdw38TiRHdr2HiXOoOqe1nj73nJC7BgRqx0ZhJScalYhzSXO25M39cZ0T2YHEvSNQH04muytQU3O2JMz9ROLeyV0DAjXgSmi3BeptzpZMuV+RuHdy14BAlTzntQuBxptzvktKkftzJO6d3DUgUAk9fjsKNMEt5wXeufeQuHdy11CrQD0X0u8o0NzvJe4ctvlyoSvMXSrvRCZ3EZUK1HMrZ9DKpO2XlG+/XPQKk5dKO5HJXUWdApWcAHKfCHWevq7kAJClr7CCUlknMrnLqFKgTRM2DKaXijXnuT9vG3TpK6ynVNKJTO46EOhcpcrEOfDYj/sCXfgK6yuVdCKTuw4EGl4qxpx3H69fCnThK6y2VNKJTO46EGhcqShzfvdd31bOgz4jPqpKP/sCSyWdyOSuo0qBLv1JeJw529vO3r3wgReY/glEYKmsE5ncZdQp0KXWYhSac/B6+OcFOsMFZl8DE1gq7UQmdxWVCnTu1cBx4rz5UecNgc54gclXYQeWyjuRyV1ErQKda2tbnDjvPSTqCnSWy5gPthRqIHcNCLSQZczZFWhs/0vBRNZA7hoQaA9l4ixzZ1mhx3UOKAcS907uGhDocxSbM+w3uXWan9i7ECayBnLXgECvGGDOoVswe815aH5s73qYyBrIXQMCPTHInPfVOdach+ZHXrQBTGQN5K4BgT46mfPQ/MiLNoCJrIHcNaxboMPMGfN+veTp+hoHlAOJeyd3DesUaKg4Y925b37kRRvARNZA7hpqFegzeyCCxTnUnYE7M9iJNEOpZScyL+GBvAIdH5a3QK924cabc8THnYF7g9kLP0epRScyL+GRtAKdEJa1QJvmeGUyc97tqi/cARc4mcBa2UstOZF5CU9kFeiUsJwFuruo4t+6Nr85z9MOOB9xQKleAmulL7XgROYl7JBUoJPCqkagBeIsLBUXNwKtfiLzEnZAoAkFWnbLef/Xt5WZs9sVAnUuhUCrzz2StQp0yJv1wN9/iUDtSyHQ6nOPpFqBPh4EOtydV9/xrD/HdVWWNg+R6n+YwUt4IqlAq32ItLuyS+kNNee5QSe689hVWdosY1rBchpewiNZBVrtMqbtlZ2kN9KcXYNOduehKxbSO5diIb2mVFqBVruQftPf7zHHfsSYc2jzi/60UNhSqIHcNdS6lfPxa5A7R/74aaxxQDmQuHdy17A2gZqb89C88odPg4msgdw1rEigGczZssYB5UDi3sldQ70C/T3bbWeHNQ4oBxL3Tu4a6hZouTlt3LljjQPKgcS9k7uGigWa05071jigHEjcO7lrWLdAR9aenTUOKAcS907uGtYp0JE1F2ONA8qBxL2Tu4ZaBdrdiTRRnp47M9jGMkOpvBPZM/dS8uZeq0Bv7IUfe+PpuTeYjdRzlEo7kT1zLyZt7rUKtGkuT2MaeZWup9MEdpX+KJ/AUlknsmfu5WTN/bFSgTYHgb6Y/HFn04SNqAGlOA/UM3dTPHMfQNLct9QrULsBhUDtSyWdyJ65DyBp7lv8BTqC0yigVNK2PEuZQlj54Q40shR3oJ65m+KZ+wCS5r7F/w50THOBg0BSiodIprmb4pl7OVlzf6xVoKbLOopLsYzJNXdTPHMvJm3u1QrUdGFxaSkW0mtK5Z3InrmXkjf3agXK1jYR5K6B3DUgUEcS907uGshdAwJ1JHHv5K6B3DUgUEcS907uGshdAwJ1JHHv5K6B3DUgUEcS907uGshdAwJ1JHHv5K6B3DUgUEcS907uGshdQ60C9VxYzEJ671LL5m76EgpAoG4C9dzaxlZO81KL5m76EipAoGYCbZqwESUpxWEi9edu+hJKQKBeAm2asBGlKcVxdtXnbvoSakCgCDS0FAKtPnfTl1ADAkWgoaUQaPW5m76EGhAoAg0thUCrz930JdSAQL0EavpZf3kpHiLVn7vpSygBgZoJ1HS1SXEpljGtIHfTl1ABAnUTqOl659JSLKTXlGIhvQYEaidQtraJIHcN5K4BgTqSuHdy10DuGhCoI4l7J3cN5K4BgTqSuHdy10DuGhCoI4l7J3cN5K4BgTqSuHdy10DuGhCoI4l7J3cN5K4BgTqSuHdy10DuGhCoI4l7J3cN5K6hVoF6bhjx3BGTPKzAUnl3IiFQEZUK1HPLsuee7OxhBZZKuxcegaqoU6BNEzY6JaU4jan+3CNfwkcEqqJKgTZN2OjUlOI80Opzj3wJtyBQDQjUsRQCrT53BNohce8I1LEUAq0+dwTaIXHvCNSxFAKtPncE2iFx71UK1PSz/vJSPESqP/dYfyJQEXUK1HS1SXEpljGtIPdQfyJQEZUK1HS9c2kpFtJrSrGQXkPi3msVKANKBLlrIHcNCNSRxL2TuwZy14BAHUncO7lrIHcNCNSRxL2TuwZy14BAHUncO7lrIHcNCNSRxL2TuwZy14BAHUncO7lrIHcNCNSRxL2TuwZy11CrQD3XO3su6E4eVmCpZSey6UL60LbKQKBuAvXccee5pTB7WIGlFp3Ipls5Y9sqA4GaCTTwoAZJKQ4TMc09kMiX8DFOoMFtlYFAvQTaNGHDQFOK4+w8cw8k8iXcEiTQ6LbKQKAINLQUAvXMPRAE2gGBItDQUgjUM/dAEGgHBIpAQ0shUM/cA0GgHRCol0Drf5gROcqzhxVYiodIPEQaSJ0CrX85TeQoTx5WYCmWMbGMaSCVCrT+Bd2Rozx3WIGlWEj/yEL6YdQqULa2iSB3DeSuAYE6krh3ctdA7hoQqCOJeyd3DeSuAYE6krh3ctdA7hoQqCOJeyd3DeSuAYE6krh3ctdA7hoQqCOJeyd3DeSuAYE6krh3ctdA7hoQqCOJeyd3DeSuoVaBVr8jhp1IM5RaNnfTnUgCEvdeqUCr35PNXvg5Si2au+leeAWJe69ToIFHykhKcRpT/blHvoSPCFRFlQJtmrDRqSnFeaDV5x75Em5BoBoQqGMpBFp97gi0Q+LeEahjKQRafe4ItEPi3hGoYykEWn3uCLRD4t6rFKjpZ/3lpXiIVH/usf5EoCLqFKjpapPiUixjWkHuof5EoCIqFajpeufSUiyk15RiIb2GxL3XKlAGlAhy10DuGhCoI4l7J3cN5K4BgTqSuHdy10DuGhCoI4l7J3cN5K4BgTqSuHdy10DuGhCoI4l7J3cN5K5BKtBPLx8eHl61f/n8uvMXBJoVctdA7hqUAv3wsOOHX48yfXj48Q8Eus4B5UDi3sldg1CgG2X+srvx/Onr4X82/+lVjEA91zt7LuhOHlZgqYVzD8S0rUIQ6BiBvtvL8tPL7S3o0/7ec/+X6QL13HHnuaUwe1iBpZbNPRDTtkpBoBMeIn1+vXVma9Mvb7Z3pZMFGnhQg6QUh4msIPdATNsqBoFOEOinl5t7zy9v/vL33d8+XL2HH9Fb04SNKE0pjrOrP/dATNsqB4GOF+jhk9D2rfuH3SeiW75tGVHzNKDGdrWeUqZtVV8qEtO2YAAjX7p3Dw+7W8+jQJ8Q6LKlTNuqvlQkpm3BAMa9dF/ePOwXf94Q6IERd8enATXy9lpdirfw9eceiGlb5fAWftJnoJv38LEC5WHGPG1VX4qHSBoQ6JStnNsVTDc+A50iUJbTDCF5WIGlWMakAYFOEej2MXzsU/hHFnQPIndYgaVYSK8BgY4Q6HHJ524d07v9X4LWgU65MAcS907uGshdg3Qn0v7d+u5de/BOJAaUCnLXQO4a5HvhN+rcvnuP3gvPgBJB7hrIXYPyM9Cn/WlM+zft7V84jWlL4t7JXQO5a5A+RNodAXpQJueBnkjcO7lrIHcNBk/he1j6whxI3Du5ayB3DQjUkcS9k7sGcteAQB1J3Du5ayB3DQjUkcS9k7sGctdQq0DZETOAyFqWE9k090gscy8lce+VCpQ92QMI3UjtOJFNcw/FMfdiEvdep0AlR/kElsp6GtOj5UQ2zT0Ww9zLSdx7lQJtmrCBrimV9DzQLX4T2TT3YPxyH0Di3hGoYykEGohp7sH45T6AxL0jUMdSCDQQ09yD8ct9AIl7R6COpRBoIKa5B+OX+wAS916lQHmINE9bJRhOZNPcYzHMvZzEvdcpUJYxDSHUCY4T2TT3UBxzLyZx75UKlIX0Q4isZTmRTXOPxDL3UhL3XqtAGVAiyF0DuWtAoI4k7p3cNZC7BgTqSOLeyV0DuWtAoI4k7p3cNZC7BgTqSOLeyV0DuWtAoI4k7p3cNZC7BgTqSOLeyV0DuWtAoI4k7p3cNZC7BgTqSOLeyV0DuWuoVaDsRBJhOZEDc3fFMvdSEvdeqUDZC6/CcSIH5m6LY+7FJO69ToFyGpMMw4kcmLsvhrmXk7j3KgXaNGGC0ZTiXMpAAnM3xi/3ASTuHYE6lkKggSBQexL3jkAdSyHQQBCoPYl7R6COpRBoIAjUnsS9VylQHiLpMJzIgbn7Yph7OYl7r1OgLGOS4TiRA3O3xTH3YhL3XqlAWUivwnIiB+buimXupSTuvVaBMqBEkLsGcteAQB1J3Du5ayB3DQjUkcS9k7sGcteAQB1J3Du5ayB3DQjUkcS9k7sGcteAQB1J3Du5ayB3DQjUkcS9k7sGcteAQB1J3Du5ayB3DbUKtPqF9JHkDiuw1BonsgOJe69UoNVv5YwkeViBpdY4kR1I3HudAq3+MJFIsocVWGqNE9mBxL1XKdCmCZt+mlJLDqj0YQWWWuNEdiBx7wjUsRQCrT/3YBCoBgTqWAqB1p97MAhUAwJ1LIVA6889GASqoUqB8jBjCNnDCiy1xonsQOLe6xQoy2mGkDyswFJrnMgOJO69UoGyoHsIucMKLLXGiexA4t5rFSgDSgS5ayB3DQjUkcS9k7sGcteAQB1J3Du5ayB3DQjUkcS9k7sGcteAQB1J3Du5ayB3DQjUkcS9k7sGcteAQB1J3Du5ayB3DQjUkcS9k7sGcteAQB1J3Du5ayB3DbUKtPodMYFdmYYVCDuRvEnce6UCrX5PdmBXpmEFwl54cxL3XqdAqz8VKLAr07AC4TQmdxL3XqVAmyZsJmtK9V10YFemYQUSmLsxCFQDAnUshUADQaD2JO4dgTqWQqCBIFB7EveOQB1LIdBAEKg9iXuvUqCmz0XKS/EQKZLA3H1BoBrqFKjpypziUixjCiUwd1sQqIZKBWq6Nry0FAvpYwnM3RUEqqFWgTKgRJC7BnLXgEAdSdw7uWsgdw0I1JHEvZO7BnLXgEAdSdw7uWsgdw0I1JHEvZO7BnLXgEAdSdw7uWsgdw0I1JHEvZO7BnLXgEAdSdw7uWsgdw21CtRzbXj9C7o9F9KXkjd3BCqiUoF67k6sf0uh51bOYtLmjkBV1ClQz/Mx6j/UwvMwkXKy5v6IQFVUKdCmCZvJmlJJB1RgWBqS5r4FgWpAoI6lkg4oBKoDgWrwF+gIThO50lKm1H+FAPPAHWhkqaT/j8wdqA7uQDX434GOaS5wHktKZR1Qyf2ZNvdHBKqiToGyjElEbn/mzR2BqqhUoCykF5Han4lzR6AiahUoA0oEuWsgdw0I1JHEvZO7BnLXgEAdSdw7uWsgdw0I1JHEvZO7BnLXgEAdSdw7uWsgdw0I1JHEvZO7BnLXgEAdSdw7uWsgdw0I1JHEvZO7BnLXgEAdSdw7uWsgdw21CrT6nUiuW36YyBrIXUOlAq1+L7ztpnMmsgZy11CnQKs/jcn32CMmsgZy11ClQKs/D9T44E0msgZy14BAHUshUA2Jeyd3DQjUsRQC1ZC4d3LXgEAdSyFQDYl7J3cNVQqUh0g6mMgayF1DnQJlGZMMJrIGctdQqUBZSK+CiayB3DXUKlAGlAhy10DuGhCoI4l7J3cN5K4BgTqSuHdy10DuGhCoI4l7J3cN5K4BgTqSuHdy10DuGhCoI4l7J3cN5K4BgTqSuHdy10DuGhCoI4l7J3cN5K4BgTqSuHdy10DuGmoVaPU7kVxhImsgdw2VCrT6vfC2MJE1kLuGOgVa/WlMvjCRNZC7hioFWv15oMYwkTWQuwYE6lhqjQPKgcS9k7sGBOpYao0DyoHEvZO7BgTqWGqNA8qBxL2Tu4YqBcpDJB1MZA3krqFOgbKMSQYTWQO5a6hUoCykV8FE1kDuGmoVKANKBLlrIHcNCNSRxL2TuwZy14BAHUncO7lrIHcNCNSRxL2TuwZy14BAHUncO7lrIHcNCNSRxL2TuwZy14BAHUncO7lrIHcNCNSRxL2TuwZy11CrQFlIL4KJrIHcNVQqULZyqmAiayB3DXUKlMNEZDCRNZC7hioFynF2OpjIGshdAwJ1LLXGAeVA4t7JXQMCdSy1xgHlQOLeyV0DAnUstcYB5UDi3sldQ5UC5SGSDiayBnLXUKdAWcYkg4msgdw1VCpQFtKrYCJrIHcNtQqUASWC3DWQuwYE6kji3sldA7lrQKCOJO6d3DWQuwYE6kji3sldA7lrQKCOJO6d3DWQuwYE6kji3sldA7lrQKCOJO6d3DWQuwYE6kji3sldA7lrQKCOJO6d3DWQu4ZaBcpOJBFMZA3krqFSgbIXXgUTWQO5a6hToJzGJIOJrIHcNVQpUM4D1cFE1kDuGhCoY6k1DigHEvdO7hoQqGOpNQ4oBxL3Tu4aEKhjqTUOKAcS907uGqoUKA+RdDCRNZC7hjoFyjImGUxkDeSuoVKBspBeBRNZA7lrqFWgDCgR5K6B3DUgUEcS907uGshdAwJ1JHHv5K6B3DUgUEcS907uGshdAwJ1JHHv5K6B3DUgUEcS907uGshdg1Sgn14+PDz88Ov+L59fb/7yCoFuSdw7uWsgdw1Kgb572PPqKNOHhx//QKDrHFAOJO6d3DUIBfq0V+e7h7/8fXf/+dPOoq9iBMpCehFMZA3krkEo0HetLN9t1fm0v/f89PLwjn6aQNnKqYKJrIHcNegE+uXN9s7z69adPx1t+uXNwy8BAuUwERlMZA3krsHgKfxWoEebfrh6Dz+iN46z08FE1kDuGvQC3d10fn7dvnX/sL0d3fFty4iSJ1WN7sq7FABUxXgpfNh++nkU6BMCBYC1MVoKT+1D+CuBHhhxd8xbeB28ldRA7hrUb+H3/gwWKA+RdDCRNZC7BrFAP+z9eesz0CkCZRmTDCayBnLXIBXolzeHjZyxT+EfWUgvg4msgdw1KAW68edx5+a7/frPoHWgUy7MgcS9k7sGctcgFGjXn9E7kRhQKshdA7lrEAr0Q/fkkOi98AwoEeSugdw16AS6O77u4XgE09MDpzEdSdw7uWsgdw06gT49nAmU80A7JO6d3DWQuwb1OtB+lr4wBxL3Tu4ayF0DAnUkce/kroHcNSBQRxL3Tu4ayF0DAnUkce/kroHcNdQqUM+dSKWscUA5kLh3ctdQqUA998IXs8YB5UDi3sldQ50C9TyNqZw1DigHEvdO7hqqFKjneaADWOOAciBx7+SuAYEuVmoAaxxQDiTundw1INDFSg1gjQPKgcS9k7sGBLpYqQGscUA5kLh3ctdQpUB5iKSDiayB3DXUKVCWMclgImsgdw2VCpSF9CqYyBrIXUOtAmVAiSB3DeSuAYE6krh3ctdA7hoQqCOJeyd3DeSuAYE6krh3ctdA7hoQqCOJeyd3DeSuAYE6krh3ctdA7hoQqCOJeyd3DeSuAYE6krh3ctdA7hpqFahg9XsgaxxQDiTundw1VCpQxf7LQNY4oBxI3Du5a6hToJITQAJZ44ByIHHv5K6hSoFqzqALZI0DyoHEvZO7BgTqyBoHlAOJeyd3DQjUkTUOKAcS907uGhCoI2scUA4k7p3cNVQpUB4i6WAiayB3DXUKlGVMMpjIGshdQ6UCZSG9CiayBnLXUKtAGVAiyF0DuWtAoI4k7p3cNZC7BgTqSOLeyV0DuWtAoI4k7p3cNZC7BgTqSOLeyV0DuWtAoI4k7p3cNZC7BgTqSOLeyV0DuWtAoI4k7p3cNZC7BgTqSOLeyV0DuWtAoI4k7p3cNZC7BgTqSOLeyV0DuWtAoI4k7p3cNZC7BgTqSOLeyV0DuWtAoI4k7p3cNZC7BgTqSOLeyV0DuWtAoI4k7p3cNZC7BgTqSOLeyV0DuWtAoI4k7p3cNZC7BgTqSOLeyV0DuWtAoI4k7p3cNZC7BgTqSOLeyV0DuWtAoI4k7p3cNZC7BgTqSOLeyV0DuWtAoI4k7p3cNZC7BgTqSOLeyV0DuWtAoI4k7p3cNZC7BgTqSOLeyV0DuWtAoI4k7p3cNZC7BgTqSOLeyV0DuWtAoI4k7p3cNZC7BgTqSOLeyV0DuWtAoI4k7p3cNZC7BgTqSOLeyV0DuWtAoI4k7p3cNZC7Bn+BjuTbb9UdrBNy10DuGqJyR6Cwg9w1kLsGBAqhkLsGcteAQCEUctdA7hoQKIRC7hrIXQMChVDIXQO5a0CgEAq5ayB3DQgUQiF3DeSuoVqBAgBkAYECAIwEgQIAjASBAgCMBIECAIwEgQIAjASBAgCMBIECAIzES6CfXz88PLxSd7E6drFv+OFXdSdr4vPrn45/YtgvxzH3kGFvJdBPL3cX9OMf6kZWRps7Al2Udw/tRGbYL8pl7vUIdPP/CD/tLuuVupOV8XQYUrAc7x7a1Bn2i3LMPWbYOwn0af9/wp9ecie0LO+Yu0uzu/vZz1+G/YJ0co8Z9k4CbS/oy5uHX8SdrIsvb/7yd3UPK+PDZhYfboAY9svRzT1m2BsJ9HhBH7ghWpTPr3/8r5d8ArokHzZDvZ3IDPsF6eQeNOyNBPr5dXstH/hIblEOH6ZzB7Qo7URmW46RewAABupJREFU2C/MQaAxw95RoDzTWJan/RqaTy95J78klwJl2C/D0/Gz54hhj0DhcOvDe8hFQaAano7DPWLYI1A48OklSxEXBIFquMx52rB3FCgfBmlgIc2i8BmohmuBThn2RgLlcaQY7kAXhafwGqq9A/36bv88jAVxy3KcwbyHXJTTOlCG/ZJc/h/XtGHvJFC2ZGg47Mh4xwxektPTYIb9klxsYJg47J0EyqZgDZvEt0PoieMsFuW0oJthvySddaABw95JoNuVWRxLI+ADhzEJOL51ZNgvyjH3kGFvJVAORhSxy50PQJfl9Nkbw35JLnKfOOy9BAoAkAgECgAwEgQKADASBAoAMBIECgAwEgQKADASBAoAMBIECgAwEgQKADASBAoAMBIECgAwEgQKADASBAoAMBIECgAwEgQKz/K2ab45/e2ff2uan6cV/O+/NluORd82f/rPMW2N+a7t1Rz4l38b8f2zNAXJQaDwLFvfnZT5/kynI9gauKUttIxAP+6/vCPQJtB2x+oIdI0gUHiej03zr//R/vkffz79eRQdfx4EtohA3zY3BBqmu7eTLgWyg0DhDhvpfL//0/Q38BsbtxXeN5NqjRbo8dsmNjChGagMBAp32LyJbz8vjHgD372bnaCd6QKdfjVjm4HKQKBwj4/tm92NSSeKYiPQk7PeTvk4IECg0ww+oRmoDAQK99i+c9++iX/beXK9/zDz5I322fr3h3/8eaOn3Vvk/Re237j5y5Vq9vbZfP/3u3fVh48L2u987ideO+usg/Of+745/NPb85Y3f+n2ev4zdrb/eHjctfua4zd3v/BG9bM6Ny4NqgKBwl028tiY6GPHAO+vHqW37G4qN/74X+1fPp79w/brLm87jwL9n3/tfuXxR3xz8ydeCfS8g/Ofe1ugm6v65qzX08/YXedWoG8PRdo/nD7LOH3hdfXzOteXBnWBQOE+248Lu3eP79vbq7etz97vXbG9Cdz+fXsDtlHNP//P8W3y4fPGy0WgXzsCPd6wft/5EW/P/3r8iZcCvejg8uc+8xno991et/9ha7jDwq3dbeQ3X1s3f9Np4uILL6tf/PPVpUFlIFC4z3bu/4/T2+n9vduW97v/uFHE/u/tp6Snp/XvDzddhw88d++EzyR6EujP7Y9q/76TUfvY6fInXgr0soPLn3st0FacnV6PH/G2P/MovIOVD9Uuv/Ci+uU/X14a1AYChR523uu8gT+8F90/FfrY+YyzVc/xffjVhp/j+9u23oV1Wkl9PGhtX/vyJ14K9LKDy597ex3oN19v97q52u+7//L29NZ938z5F14I9PKfLy8NagOBQh/vz5+gPLcR8+1BoO1/3X4UeX3X9bFr0KNAj7eYewN2XXP9E5998H3079kX3BToN23pK73tm7nxL3tPX37hhUAv//ny0qA2ECj00d5r7Wg/yDx7aLNl96FhK9DTG/TOzWaX94dHMp2n8O0/bEucC/L6J94W6LGDy597Q6DdZ+3tHzpv7/fP54+PyLoCvfrCc4Fe/fPlpUFtIFDoo0egH8/+2r1hPHzoeX12x9um8/53skDPO7j8uc9vtuwK9Pwu945An7kdvvi29j8g0NpBoNDHhUDPt/Acdrj/fHoL/831P/988SFgK5ZCgV5sGrow4WUHFz+3UKDcgcIYECj00RXo1dPk98f3yjcF2n7J5nved7ef9wi0dc2u1vXz6wsTXnZw8XNLBHrrM9CbAh3xGSgCrRoECn10BdrZkrQz20lvG1ecCfTsw9D9svqTQt53bw4vLXN8Cr/5wT9f/cRLE152cPlziwR6svvHwwrR2wK9/MKrp/Dn/4xAaweBQh9nAj3tIt957qSv95efgb4/38S5e1O9/9rtx5rt0vhbAj2u/Xl7WAfa/YnPC/T9YU/R+ebREoHeWAd6W6DD14Ei0KpBoNDHmUC3mtoJqn2D3O732T3qaRenn6R03NXz89fuOvqL5ztXlvl4LP39jZ94th5p8/WXHVz+3PcXD5NOdG5WOzuIvv96R6CXX3hZ/eKfEWjtIFDo41ygp9XwO2McH5L/6d8Pmxa/OX1f011R1Hme3t4jPiPQZ/fCXy/o3Hz9ZQeXP/dwJshdgd7YC/+1bfFcoBdfeFX9ai88Aq0aBAp9XAj0/JCl1md7kX1z8RDpfVeDx+/sfuttgd4+jenw9wuBXnZw9XPblfX3Bdr+jG8u/+VKoOdfeF397J8RaO0gUACAkSBQAICRIFAAgJEgUACAkSBQAICRIFAAgJEgUACAkSBQAICRIFAAgJEgUACAkSBQAICRIFAAgJEgUACAkSBQAICRIFAAgJEgUACAkSBQAICRIFAAgJEgUACAkSBQAICR/H+pMZb1EJqevwAAAABJRU5ErkJggg=="/>
+          <p:cNvSpPr>
+            <a:spLocks noChangeAspect="1" noChangeArrowheads="1"/>
+          </p:cNvSpPr>
+          <p:nvPr/>
+        </p:nvSpPr>
+        <p:spPr bwMode="auto">
+          <a:xfrm>
+            <a:off x="155575" y="-144463"/>
+            <a:ext cx="304800" cy="304801"/>
+          </a:xfrm>
+          <a:prstGeom prst="rect">
+            <a:avLst/>
+          </a:prstGeom>
+          <a:noFill/>
+          <a:extLst>
+            <a:ext uri="{909E8E84-426E-40DD-AFC4-6F175D3DCCD1}">
+              <a14:hiddenFill xmlns:a14="http://schemas.microsoft.com/office/drawing/2010/main">
+                <a:solidFill>
+                  <a:srgbClr val="FFFFFF"/>
+                </a:solidFill>
+              </a14:hiddenFill>
+            </a:ext>
+          </a:extLst>
+        </p:spPr>
+        <p:txBody>
+          <a:bodyPr vert="horz" wrap="square" lIns="91440" tIns="45720" rIns="91440" bIns="45720" numCol="1" anchor="t" anchorCtr="0" compatLnSpc="1">
+            <a:prstTxWarp prst="textNoShape">
+              <a:avLst/>
+            </a:prstTxWarp>
+          </a:bodyPr>
+          <a:lstStyle/>
+          <a:p>
+            <a:endParaRPr lang="en-US"/>
+          </a:p>
+        </p:txBody>
+      </p:sp>
+      <p:sp>
+        <p:nvSpPr>
+          <p:cNvPr id="5" name="AutoShape 4" descr="data:image/png;base64,iVBORw0KGgoAAAANSUhEUgAABUAAAAPACAMAAADDuCPrAAAAolBMVEUAAAAAADoAAGYAOpAAZrYzMzMzZv86AAA6Ojo6kJA6kNs9PT1NTU1NTW5NTY5NbqtNjshmAABmZmZmtv9uTU1uq+SOTU2Oq6uOyP+QOgCQkLaQ29uQ2/+rbk2rjk2r5P+2ZgC2kDq2///Ijk3I///KysrW1tbbkDrb///kq27k5Kvk///r6+v/tmb/yI7/25D/5Kv//7b//8j//9v//+T////sHfwrAAAACXBIWXMAAB2HAAAdhwGP5fFlAAAgAElEQVR4nO2da4PcxpFlMWNJ3hXbkrwiufLucM0ZSuJw1GxzaPL//7WtB6oK9ehCAgjg3kic88Wk2B0duJV5jCpkZjdfAQBgFI26AQCArCBQAICRIFAAgJEgUACAkSBQAICRIFAAgJEgUACAkSBQAICRIFAAgJEgUACAkSBQAICRIFAAgJEgUACAkcwn0MdxjP5GBxL3Tu4ayF3DBEEh0NlI3Du5ayB3DQjUkcS9k7sGcteAQB1J3Du5ayB3DQjUkcS9k7sGcteAQB1J3Du5ayB3DQjUkcS9k7sGcteAQB1J3Du5ayB3DQjUkcS9k7sGcteAQB1J3Du5ayB3DQjUkcS9k7sGcteAQB1J3Du5ayB3DQjUkcS9k7sGcteAQB1J3Du5ayB3DQjUkcS9k7sGcteAQB1J3Du5ayB3DQjUkcS9k7sGcteAQB1J3Du5ayB3DQjUkcS9k7sGcteAQB1J3Du5ayB3DQjUkcS9k7sGcteAQB1J3Du5ayB3DQjUkcS9k7sGcteAQB1J3Du5ayB3DQjUkcS9k7sGcteAQB1J3Du5ayB3DQjUkcS9k7sGcteAQB1J3Du5ayB3DQjUkcS9k7sGcteAQB1J3Du5ayB3DQjUkcS9k7sGcteAQB1J3Du5ayB3DVqBvnvY8Mv+z59fb/78CoFuSdw7uWsgdw1Kge6UueGn7V8+vdz9+cc/EOg6B5QDiXsndw1CgX55s7vh/PDwl7/vZPrTzqKvYgTabBh5ZQal1jigHEjce1zugeO9lILeBV0VIRToU3u7+WGrzvYvn17+8GuEQJsmLHBFKSayhsS9h+UeON6L6e9d0VUROoFubkB/Of3t3f7W8/w/jhZo04QFLinFRNaQuPeo3APHezm9vUu6KkIn0M+vOzebX95s38d/3d6Ovpou0KYJC1xTiomsIXHvQbkHjvcB9PWu6aoInUA/vfzxj6eHh90noCebftg/Utrwbcvgwptmjoz45gylAObBc5B6dhXKKIH+v/1T+FcdgT4hUAAZnoPUs6tQhl/ZU7uA6Wl7D3pDoAdG3B3zFl4Hb+E18BZeg+4t/NNh2fz2XXusQHmIpAOBauAhkgblZ6Dtc6Pth6E3PgOdIlCWMclAoBpYxqRBKdDWmds/xD6Ff2QhvQwEqoGF9BqU60A7d6Bf3+3XfwatA51yYQ4k7p3cNZC7BuFOpHftu/XdTWfwTiQGlApy10DuGoQCbTe+P82yF54BJYLcNZC7BuVpTE/7ZaD7N+3tXziNaUvi3sldA7lrkJ4H+uXNRpmH9+ycB3oice/kroHcNXAivSOJeyd3DeSuAYE6krh3ctdA7hoQqCOJeyd3DeSuAYE6krh3ctdA7hpqFSg7kQbgGVYgprlHgkA1VCpQ9sIPwDOsQExzDwWBaqhToJzGNADPsAIxzT0WBKqhSoE2TdhM1pRackB5hhWIae7BIFANCNSxFAINxDT3YBCoBgTqWAqBBmKaezAIVAMCdSyFQAMxzT0YBKqhSoGaPhcpL8VDpEhMc48FgWqoU6CmK3OKS7GMKRTT3ENBoBoqFajp2vDSUiykj8U090gQqIZaBcqAEkHuGshdAwJ1JHHv5K6B3DUgUEcS907uGshdAwJ1JHHv5K6B3DUgUEcS907uGshdAwJ1JHHv5K6B3DUgUEcS907uGshdAwJ1JHHv5K6B3DXUKlDPteH1L+j2XEhfSt7cqxeo54SeUMtboJ67E+vfUui5lbOYtLlXL1DPCT2llrVAPc/HqP9QC8/DRMrJmvtj7QL1nNCTajkLtGnCUtKUSjoZAsPSkDT3LVUL1HNCT6uFQGcslXQyIFAdCLQMBDr3hTmUSjoZEKgOBFoGAp37whxKJZ0MCFQHAi0DgQ65sjHf61Aq62RI7s+0uT9WLlDTCV3tQyTXVQ/FpdJOhtz+zJt77QI1ndDVLmNyXXdbWirvZEjtz8S51y5Q0wld7UL6+geUK+Sugdw11LqVkwElgtw1kLsGBOpI4t7JXQO5a0CgjiTundw1kLsGBOpI4t7JXQO5a0CgjiTundw1kLsGBOpI4t7JXQO5a0CgjiTundw1kLsGBOpI4t7JXQO5a6hVoJ4bF+rficREFkHuGioVqOfW2fr3wjORVZC7hjoF6nl4S/2nMT0ykVWQu4YqBTrpnD6HUmscUA4k7p3cNSBQx1JrHFAOJO6d3DUgUMdSaxxQDiTundw1IFDHUmscUA4k7p3cNVQpUB4i6WAiayB3DXUKlGVMMpjIGshdQ6UCZSG9CiayBnLXUKtAGVAiyF0DuWtAoI4k7p3cNZC7BgTqSOLeyV0DuWtAoI4k7p3cNZC7BgTqSOLeyV0DuWtAoI4k7p3cNZC7BgTqSOLeyV0DuWtAoI4k7p3cNZC7hloFykL6AQReoedE9sw9MnbP3EvJ2/v419BboGzlHEDgFXpOZM/cQ2O3zL2YtL1PeA2tBcphIgMIvMJHy4nsmXts7I65l5O19ymvobNABxwc51lKMZGDprLfRPbMPTh2w9wHkLT3Sa8hAp2xFAINxDN3BNohae8I1LUUAg3EM3cE2iFp7wjUtRQCDcQzdwTaIWnv1QqUh0hDqH4ie+YeG7tj7uVk7X3Ka2gtUJYxDaH6ieyZe2jslrkXk7b3Ca+ht0BZSD+E6ieyZ+6RsXvmXkre3se/huYCZUCJIHcN5K6h1q2cDCgR5K6B3DUgUEcS907uGshdAwJ1JHHv5K6B3DUgUEcS907uGshdAwJ1JHHv5K6B3DUgUEcS907uGshdAwJ1JHHv5K6B3DUgUEcS907uGshdQ60CrX4nUuQ2Fs+dSJ65B8JOpAN5e691J1L1e+EjN1J77oX3zD0Q9sIfSdt7rXvhA0+6kZTqvejIo3wia8VNZM/cA4mNHYEqmPIaOgu0acJGp6ZU30UHdmV6Hqhn7oEEx45ABUx6DRHojKUQqGfugSDQDkl7zyHQEZwujFKL1orDNKw4PLuCIYROw+klnmHp/2dwKMUdqGfugQTHzh2ogEmvobNAeYg0T1sl8BCpkNjYEaiCKa+htUBZxjQEz4nsmXsgobEjUAkTXkNvgbKQfgieE9kz90AiY0egGsa/huYCZUCJIHcN5K6h1q2cDCgR5K6B3DUgUEcS907uGshdAwJ1JHHv5K6B3DUgUEcS907uGshdAwJ1JHHv5K6B3DUgUEcS907uGshdAwJ1JHHv5K6B3DUgUEcS907uGshdQ60CrX4nUiSeO5ECMc09EnLXUKlAq98LH4nnXvhATHMPhdw11ClQyVE+gaUEh1q4ncYUiGnusZC7hioF2jRhUtCUUhyr5nUeaCCmuQdD7hoQqGMpBBqIae7BkLsGBOpYCoEGYpp7MOSuAYE6lkKggZjmHgy5a6hSoDxEGkKoPw0nsmvusZC7hjoFyjKmIUT603Eiu+YeCrlrqFSgLKQfQuAVWk5k19wjIXcNtQrUc0CVkrh3ctdA7hoQqCOJeyd3DeSuAYE6krh3ctdA7hoQqCOJeyd3DeSuAYE6krh3ctdA7hoQqCOJeyd3DeSuAYE6krh3ctdA7hoQqCOJeyd3DeSuoVaBVr+QPnLxu+dC+siuClk490gQqITxw8FboNVv5Yzcfum5lTO0q0KWzT0UBKpgwnCwFmj1h4lEHgDieZhIbFeFLJp7LAhUwJTh4CzQpgkb6JpSfRcd2JXpcXbBXRWyZO7BINDlmTQcEOiMpRAoAh0IAl0eBOpaCoEi0IEg0OVBoK6lECgCHQgCXZ5qBcpDpHnaKoGHSBoQqIApw8FaoCxjGkKoE1jGpAGBKpgwHLwFykL6IUTWYiG9BgQqYfxwMBcoA0oEuWsgdw21buVkQIkgdw3krgGBOpK4d3LXQO4aEKgjiXsndw3krgGBOpK4d3LXQO4aEKgjiXsndw3krgGBOpK4d3LXQO4aEKgjiXsndw3krgGBOpK4d3LXQO4aahVo9TuRIql+J5Jp7pFY5l5K3txr3YlU/V74SKrfC2+aeyiOuReTNvda98IHHpojKbXogIo9YcjwNCbT3GMxzL2crLlPCctZoE0TNgw0pZYcUIFXuMXvPFDT3IPxy30ASXOfFBYCnbEUAq0/92D8ch9A0twRqGspBFp/7sH45T6ApLkjUNdSCLT+3IPxy30ASXOvVqA8RBpC7IwxfJhhmnsshrmXkzX3KWFZC5RlTEMInTGOy2lMcw/FMfdi0uY+ISxvgbKQfgiRM8ZyQbdp7pFY5l5K3tzHh2UuULa2iSB3DeSuodatnAwoEeSugdw1IFBHEvdO7hrIXQMCdSRx7+Sugdw1IFBHEvdO7hrIXQMCdSRx7+Sugdw1IFBHEvdO7hrIXQMCdSRx7+Sugdw11CrQ6hfSRy539lxIHwgL6QfgOd5NqXUhffVbOSM33Hlu5QyErZwD8BzvptS6lVNyEkVgqd6LDuzK9DCRQAJz98XwMJH6c58SlrNAmyZsGGhK9V10YFemx9kFEpi7MX7H2dWf+6SwEOiMpRBoIPVP5C0IdHkQqGspBBpI/RN5CwJdHgTqWgqBBlL/RN6CQJenWoHyEGmetkrwE+gKHmY88hBJwpSwrAXKMqYhRNZyFOgKltOwjEnDhLC8BcpC+iFE1nIU6AoWdLOQXsP4sMwF6jmRS0ncO7lrIHcNtW7lZECJIHcN5K4BgTqSuHdy10DuGhCoI4l7J3cN5K4BgTqSuHdy10DuGhCoI4l7J3cN5K4BgTqSuHdy10DuGpQC/fz6YccPvx7/9gqBbkncO7lrIHcNSoF+etkRaPuXH/9AoOscUA4k7p3cNSgF+vTw0/HPm/vPn3YWfRUjUHYiDYCdSC2OvZcR+RLG4TnePaZOgEDfdWz5tL/3/PRy/35+qkDZCz8A9sIfMOy9jNCXMAzP8W4ydaYL9Mubv/z9UqZf3jz8EiDQKaekOJTiNKZIAnM3JfYljMJzvLtMnekC/fz6x/962X4CepTph6v38BOui/NAY9sqwU+ggbmbEvwSBuE53m2mznSBHp4hbe85P79u37p/OH4u+m3L8MJfTxc24ptXViq0liXVX6DpFXqOd9epM6LE037V0qeXm5vPo0CfEOiypUxnXyDVX6DpFXqOd9epM6LE4WZz+679hkAPLH1r7VCKt/CBBOZuSvBLGITneLeZOtMFeuDTyx//iBWo6WfO5aV4iBRJYO6mOPrTdby7TJ1Igf7w643PQKcI1HTVQ3EpljGFEpi7KY7+dB3vJlMnUqA//hH7FP7Rdd1taSkW0scSmLspjv50He8eU2eyQI/O3L1rf7df/xm0DvTRdCKXkrh3ctdA7hqEWzkPG5F27gzeicSAUkHuGshdg1Cgn17u7jb36ozeC8+AEkHuGshdg/IwkQ/d0+yeHjiN6Uji3sldA7lrkB6ovDsC9KfuX15df9HSF+ZA4t7JXQO5a+BEekcS907uGshdAwJ1JHHv5K6B3DUgUEcS907uGshdQ60C9Vx3a7qg2zOsQExzjwSBaqhUoJ47v0y3FHqGFYhp7qEgUA11CtTz7IHyUosOKM+wAjHNPRYEqqFKgTZN2EzWlFpyQHmGFYhp7sEgUA0I1LEUAg3ENPdgEKgGBOpYCoEGYpp7MAhUAwJ1LIVAAzHNPRgEqqFKgZo+FykvxUOkSExzjwWBaqhToKYrc4pLsYwpFNPcQ0GgGioVqOna8NJSLKSPxTT3SBCohloFyoASQe4ayF0DAnUkce/kroHcNSBQRxL3Tu4ayF0DAnUkce/kroHcNSBQRxL3Tu4ayF0DAnUkce/kroHcNSBQRxL3Tu4ayF0DAnUkce/kroHcNSBQRxL3Tu4ayF1DrQJlR8wAIsOKm8j17wCLxFKg5H7vG50Fyp7sAYSGFTaR6z+DIBRHgZL73W80FiinAg0gNqyoiVz/KVixGAqU3O9/o69AmyZWCjEM6CrpeaBbgiZyYFemuQfjJ1By7/lGBDoM0wGFQE+scSLPBrn3fCMCHYbpgEKgJ9Y4kWeD3Hu+EYEOw3RAIdATa5zIs0HuPd/oK1AeIg0hNiweImnwEyi593yjsUBZxjSE0LBYxqTBUKDkfv8bnQXKQvohRIbFQnoNjgIl97vfaC1QzwFVSuLeyV0DuWtAoI4k7p3cNZC7BgTqSOLeyV0DuWtAoI4k7p3cNZC7BgTqSOLeyV0DuWtAoI4k7p3cNZC7BgTqSOLeyV0DuWtAoI4k7p3cNZC7BgTqSOLeyV0DuWuoVaCCbSyBpQou2nOrlWlbnjtiQrNiB1gxHrl7C1SxkTqwVP9Fe272N23Lc092bFacQVCKSe7WApUc5RNYqveiA7uKxLOtwNwDCc6KU7AKccndWaBNE5aSplTfRQd2FYlnW4G5BxKdFeewlmGTOwKdsRQCDYSJPADP8R6ITe4IdMZSCDQQJvIAPMd7IDa5I9AZSyHQQJjIA/Ac74HY5O4sUB4iifBsKzD3QIKz4iFSIS65WwuUZUwiPNsKzD2Q2KxYxlSKSe7eAmUhvQjPtgJzDyQ0KxbSF+ORu7lA2domgtw1kLsGBOpI4t7JXQO5a0CgjiTundw1kPvy/LbhdwRqSOLeyV0DuS/KbwcQqCOJeyd3DeS+FL+dgUAdSdw7uWsg99n57RYI1JHEvZO7BnKfj5vmRKDGJO6d3DWQ+zzck2fNAmUh/QA8wwqEBd3eePbe584tL16MfQ29BcpWzgF4hhUIWwrNseu9xJ17f74Y+xpaC1RyIkJgqUUPE/EMK5DA3AMJzgqBBlHqztafL8a+hs4CbZqw0akpteRxdp5hBRKYeyDRWSHQ6Qxx58GfL8a+hgh0xlIINBAEao++96HuRKDWpRBoIAjUHmHvo8yJQM1LIdBAEKg9it6nmLN2gZo+FykvxUOkSAJzDyQ4KwQ6gAB5Hg069jW0FqjpypziUixjCiUw90Bis0KgZUS582jQsa+ht0BN14aXlmIhfSyBuQcSmhUC7SXWnQeD1rmQngGlgtw1kPtd5pDnjlq3cjKgRJC7BnJ/jtnciUBtSdw7uWsg9xvM604Eakvi3sldA7l3WcCcCNSYxL2TuwZy37KcOBGoM4l7J3cN5L68PBGoK4l7J3cNq85d404Eakvi3sldw1pzF7oTgdqSuHdy17C63NXmbKlVoLk317ATKRbPHWCmO5E8d96dmOy87Q72AHXuqVSgybd3sxc+FM8zCEz3wnue/dASobzdGUphBq1ToIEn3QQfmlMGpzFFUt7VkrkHZxUlUMkVlvQeZbwXL0INWqVAmyZsGASWGgDngQYyoKsFc4/OKkigmivs6T3IdTtevIg1KAJdrNQAEGggCHQAbgKNsVyH9Ql0BKeXzqlUIJFdEVb2UpEYXeHvs3ASaFDByTm1aQXVuWaE3I1vFMrgDjSQkDuhwaUCuyqiqjvQmJvDm6zvDnRMc4FjU6IEHiJFUt4VD5HED5FipHaXUH9+9913VQrUd7VJGSxjCqW4K5YxqZYxheisjAh/fneiToHarncug4X0sZR2xUL6R8EVbt4Hx6ixkAn+/O6aSgW6vq1tJpC7hpy5t15aVqBjuGFOBOpL4t7JXUO63Lt6Mhbo8+ZEoL4k7p3cNWTK/cpSjgLtNeeWWp/CP+YaUFck7p3cNSTJ/basvARaJM4DCNSRxL2Tuwb/3O8oy0OgZbecFyBQRxL3Tu4ajHPvV5daoGPM2YJAHUncO7lrcMy9WGBCgY42ZwsCdSRx7+SuwS33QRbTCHSaOVtqFajnemfPBd2RVJ+7K0YL6YerrECggUd4vngRYc6WSgXquePOc0thJNXnbovHVs6RSusXaND+9ThxHqhToJITEQJLLXqYSCDV5+6L/jCRCV7rFejkE0BC3q7fokqBNk3Y9NOUWvI4u0Cqz90Y6XF24/3TWqjn3yecQddjzinu3IFAHUshUM/cjVEJdKJ/Wgv1/Psogfaqc6o7dyBQx1II1DN3YxYXaIR9jhbq+fdBAu0X53ffcaDyXaqfyAh0nlIItD+sGO9cWKjn34sEWiLO7ziRftAwGHlt8lI8RDLN3ZdFHiLFOOeGhfq+4K70ysxZVGpE61UKtP7lNJb+XEHutsy9jCnIN89YqPcrbkpvmDnvlhpNpQKtf0G3pT9XkLsrMy6kj3LNHQv1f8mZ9MaZ82apqdQqULutbYNI3Du5a5gj9zDL9Fqo/EsniHMWEKgjiXsndw2huS/roFKBepmzBYE6krh3ctcQlrvEQn1fYGjOFgTqSOLeyV1DRO46C935N1dztiBQRxL3Tu4aJuYuttCN/2Z7z3kOAnUkce/krmF87moF/XYuUMtPOp8HgTqSuHdy1zAqd7V9DuwE2mdOO3fuQKCOJO6d3DUMzV0tng795vR05w4E6kji3sldQ3HuauN0KDGnrzr31CrQ6nfERO5Eiqxl9KslhpfKuwOsIHe1arrkF2fLixdjh4O3QKvfkx25Fz50X73Hr5YYWSrtGQR9uas9c6CCW84zXmwFOm44WAu0+lOBArsKPtlJ/6slJpTKegrW453c1Y7ZUcOb9Ru82At01HBwFmjThA10TaklzwONrPUo/tUSU0slPYd1y63c1X75rdScwt8LP4UXB4GOGQ4IdMZSCLT+3IO5yF3tlt8Gfc6JQBFoaCkEWn/uwZxyV2vlt+G/yQ2BItDQUgi0/tyD2eWuNspvI4/9QKBeAuUh0jxtlcBDJAUbB8klNMacLfLeR1LrQySWMQ0i1AksY1qU41wWCnSCOVtSCbQb/4Th4C1QFtIPIbIWC+kX42xaSwQ66v36DXII9NZrMH44mAuULYUiyH0Jrmf3ogK9L85B7txhLtB7r8QEQSHQ2UjcO7nPzDOTfBGB9opzuDt3uAq04OVAoI4k7p3cZ+TOXJ9XoCXmnLCTyE6g5S8JAnUkce/kPg99U34mgc5szha9QEe/LgjUkcS9k3s4RQaIFugy5mwRCnTqi4NAHUncO7nHMUQEYQJdUpwHFAINeo0QqCOJeyf36YzxwXSBKszZsqhAY18rBOpI4t7JfRpjtTBFoDpztiwj0FleLwTqSOLeyX00k+wwUqBic7bMJdAFXrRaBcpOpAF4hhVIYO7zMN0VwwXqYM6Wgt63287LC94NO3SMVipQ9sIPwDOsQAJzj2a8dC4YItD75nwxzFUR9Pf+oqyrkshjx2idApUc5RNYKutpTJFtxRGYexwR3ulSJNCCe84XLwpdFUlv771dlQcfPEarFGjThKWkKZX0PNDItuIIzD2IUPm03Bdo8dv1Fy8UBu0T6J2uhmYfPUYRqGMpBBqIlUDnEdBvzwq0x5xXH3UmEOi0FwCBFuDpBASqwUWgMzvoUkK96rz5mMhZoJZjFIE6lkKggRgIdAkHHSTUL857T9gtBeo8RqsUqOlzkfJSPESKJDD34SxjoI2DSsRZsDbJ6iHSiJewl+AxWqdATVfmFJdiGVMogbkPYSH7BJnzgMCfVwKd8BL2EztGKxWo6drw0lIspI8lMPcSFtJOsDkPLO/PjUB7M3Udo7UKlC2FIlad+0K+mcmcEkJyF4JAHUnc+2pzX8Y31Yjz7J4z8ZhBoI4k7n2NuS9jnBrNOS13BxCoI4l7X1nuyzinwJzC3wtfSGjuNiBQRxL3vpbcl9JO6T2no0DnyN0NBOpI4t5rz30p+Qx9t24l0BlydwWBOpK495pzX8I9Yz/p9BDoPLk7g0AdSdx7pbnP754+c/Y8JRILdK7c7alVoJ7rbk0X0gfi2dak3M9NEb/MvN+cJU/Y4wQqOPt9jePdW6CeO79Mt3IG4tnW+Nxv2iXKoCXmLF6cFCbQ0iucNffxpZZlQlvWAvU8e6C81KKHiQTi2da43O/YZapBI8V5IEqgkrPf1zjenQXaNGGBa0oteZxdIJ5tDc+91y5jDTqHOVuCBHrrChfLPaLUkkxqC4HOWGqNA2o2BnQ14VdL9DCfOVvmEOhiua9xvCPQGUutcUDNRklXBwsN0UsRM95znhMqUMZ7EQjUtdQaB9Rs9HR1ZqEivZQJdClztsQIlPE+hGoFykMkEZ5tPdvVtYX6BFPmz0XN2TJRoP1hBeZ+xRrHu7VAWcYkwrOtG109Y6Fe0fT5c3lztgwV6JCwAnO/zRrHu7dAWUgvwrOtTlf3LdQvnmf9qTJnS7FAh4QVmPtd1jjezQVa65ZCe2xzL7LQGHVpxXmgX6DqF+AOrmOmgFq3cvpO5BIS926Ze7GFhklLfNN5xh2BqtPvx3HMFIJAHUncu1vuwyxU9mU9H3RKDoe/JVB19sWYjZkhIFBHEvdulPsIC93/515xaty5YydQdeJj8Rkzg0GgjiTu3ST3kRZ65r+XmFP6O4lsch9H4t4RqCOJe9fnPsFDVwJNYM4Wfe4TSNw7AnUkce/S3Kfq6CTQPOZsYbxrkAv008sf/9j94fPrh4eHVwh0S+LeNbkHWel37885dzyTAONdwwICfds0//JvX99+f/Mfv7x52Av008uHLa1NEWhWls09UExZzdnCeNcwu0Dfb9fq/8u//fNvzb/+x41//tA6c3P/+dPOoq9iBMpOpAF4htXHAPdM2n55bs7AX+lRWqoojTiBeo73QELH6NwC3flzI9D//mvT/Ok/r/55e9+5E+jT/n8+vfzh1wiBshd+AJ5h3WOEqW67avA9Z+Cv9Hi+1JhIwgTqOd4DiR2jMwv0H3/e3Hj+9183b+G3Bv358p83b+D/9/4z0Hf7W8/Nf/glQKBTTklxKLXo6TSeYT3HaFNdumrUu/WYX+nxbKkJuUQJ1HO8BxI8RmcW6NvtbedOoF83b+K/ufzndw8/7R8ifXnzl7/v/suHq/fwI3prmrCUNKWWPB/RM6xrJpvq6Krxn3NO/ZUez5aaHk+QQD3HeyDRY3RegW6kubnr3Av068erT0G379v3Av38un3r/mH7UeiOb1tum/kup5BGfPPKSrm2deL3iZxUdd+cg0pNbepdyNgAACAASURBVOpQKjirydiPhql4dvWcQPfqbAX6jz9fCPTz681t54VAnxDosqVc29oxWVOtqnrerg+1XoRATSey82gIwbOrcQLdfe75rEAPjLg7PoU08vZaXYq38EELlHrMefmGfb5fKvfb5dv0yKy28Ba+DJvciwR69hb+/cVj+A+7B+9zCNT0uUh5qXU/RBohpyt6zXnzw86gX+lxwZxZHeEhUiEuuRcJ9Ovb7eeee4H+48/nD5E+vdw9N3r2M9ApAjVdmVNcaqXLmAZp6RkKzPn8c6Lpv9Kjy6xZXcIyplJMci8T6Maa2zWgG4G+3+1HOrsBPfLDr7FP4R9d14aXllrbQvpSO95lijlbpvxKjw6zZvUMLKQvxiP3MoG2C+n3nG/mPBPo13f79Z9B60CnXJgDiXsfnHuZHe8w6Z7znKm/GniWRMtgvGtYZivnDX8eaA8TCd6JxIBSMST3abYqEefA3eujBTpfnqUw3jUsc5hIc3MfZ1eg0XvhGVAiCnMfa6otM5izZbhAZ06zHMa7Bpvj7J4eOI3pSOLe+3IfJbYjc5mzpUCgy6Q4HMa7BhuBch5oh8S9P5v7FLFtmdWcLfcEumiKw2G8a5ALtJelL8yBxL3fyn2q12YX54GbAl0+wzEw3jXMK9DtEUznXB3IhEBvkLj3i9ynKm0hc7acC1SU4DgY7xqWFujtY5UR6DmJez/lPkllS91zntMKVJnfWBjvGhYX6LOP42MFKl8bPqnUwgvpA9m2NUVh83zQ2bv6ve1+jQu6rxCMrNzjfdx3Fgl0twx0v/7zY7PdyfnPvw1+Fz/6uix2J44rtexWzjCmHNjeZ84p9513ujq/gDVuKbxEMbKSjvdJbZUJtHMG6P5gka9vr49Vjhfo4W531JUZlFr0MJEYOqYaZtB+c059z15+9vsaD7W4QDKyEo73HVPaKhJoK82DTLfv3j8OfQ8/4bq8TmgbUGrJ4+ymc2WqMoOWmDPi484BZ7+v8Vi1czQjK9d4PzKprSKBtgfZ7dmfB3p1KigCvSbNgLqnqknmDBDnRVcRuQeCQDukGe/nLCHQsztQBFqNQO+p6lmBLmzOlsDcA0GgHfzH+03mF+jmLfzxDXv7Z97CpxboXVU9L1CJOYeHhUAR6ADmF+juLKb9PejHZvc8/vJY5VkEykOkWehX1pU/F77nnBoWD5F4iDSEKW2VCXS7bOnI5tbzbcMypoIvtFvWUWqwgz9LxDm/OQ8E5h5I7EvIMiYFE9oqE+jhMLst7TLQgTegLKSfVmoyw0y2sDkLryEw90BCX0IW0ksY31apQA8K3XlzI9DbxyqHC5StbZMZKjNHcw7EIvdxMN41cBqTI9reh+ssvTlbEo8ZxruGBQX6z78NPkgEgS5NsDvjxLnICR+JxwzjXcNiAt0+j0eghUh6D3VnMnO2JB4zjHcNywi0PZUJgRaydO9x4vzu96m/2VJizpbEY4bxrmEJgbYP4s9/LTwCvcNivceJ83DXGSDQpS7+msRjhvGuYXaBfmwXMQ1++o5AZ2SY0frM2X3HPkqgc19uKYnHDONdw7wCPa6jH61PBBpLtDmvPu0cJtDZrnMciccM413DnAJ93751/78jVn8i0GDizXn7QVGhQOMvMILEY4bxrmE2gR5+m8fP45bPTxUoO5E69Nmss319tDivSxmZk51I3iTufS6B7v2596ZAoOyFbym5G9ztX59qzk6pkl+esSjshTcnce/zCfT00H15gR6234+8NnmpkNNpSty5JcScXX9eGLQ8oJkIzD2QwIG1BYFqmPcOdH/05+ICbZqw0akpNe18xDhxDlwPP+CXZyxIYO6BBA6sHQhUw3wPkd7uh8f3CHR4qZECLRVduDnPBRr4xjQCBGpP4t7nfArfPkda/in86gRa7rh5zNkSLYUYEKg9iXufeSH95GX0CPReqUG/QLjHnKN+nfvoK1wQBGpP4t5n34l0WEu/6E6kwLEpKVXyEGnAL2DvM+fwX+Y++ZdnLElg7oEEZ4VANSyxF/4ff96NlCX3wgeOTUWpnov+7e56oVJzHr9qiD+jrnBRonKPJTYrBKphoePs3u4Gy4KnMQWOTUGp5y/6zHojzXn1QWeJP4OvcFmm5z4HoVkhUA2LnQe6faLEcXaF3Oi97AZxhodEQ1uvLPcskLuGJX+lx3sEWki391LR9apzqDtHtl5L7skgdw38TiRHdr2HiXOoOqe1nj73nJC7BgRqx0ZhJScalYhzSXO25M39cZ0T2YHEvSNQH04muytQU3O2JMz9ROLeyV0DAjXgSmi3BeptzpZMuV+RuHdy14BAlTzntQuBxptzvktKkftzJO6d3DUgUAk9fjsKNMEt5wXeufeQuHdy11CrQD0X0u8o0NzvJe4ctvlyoSvMXSrvRCZ3EZUK1HMrZ9DKpO2XlG+/XPQKk5dKO5HJXUWdApWcAHKfCHWevq7kAJClr7CCUlknMrnLqFKgTRM2DKaXijXnuT9vG3TpK6ynVNKJTO46EOhcpcrEOfDYj/sCXfgK6yuVdCKTuw4EGl4qxpx3H69fCnThK6y2VNKJTO46EGhcqShzfvdd31bOgz4jPqpKP/sCSyWdyOSuo0qBLv1JeJw529vO3r3wgReY/glEYKmsE5ncZdQp0KXWYhSac/B6+OcFOsMFZl8DE1gq7UQmdxWVCnTu1cBx4rz5UecNgc54gclXYQeWyjuRyV1ErQKda2tbnDjvPSTqCnSWy5gPthRqIHcNCLSQZczZFWhs/0vBRNZA7hoQaA9l4ixzZ1mhx3UOKAcS907uGhDocxSbM+w3uXWan9i7ECayBnLXgECvGGDOoVswe815aH5s73qYyBrIXQMCPTHInPfVOdach+ZHXrQBTGQN5K4BgT46mfPQ/MiLNoCJrIHcNaxboMPMGfN+veTp+hoHlAOJeyd3DesUaKg4Y925b37kRRvARNZA7hpqFegzeyCCxTnUnYE7M9iJNEOpZScyL+GBvAIdH5a3QK924cabc8THnYF7g9kLP0epRScyL+GRtAKdEJa1QJvmeGUyc97tqi/cARc4mcBa2UstOZF5CU9kFeiUsJwFuruo4t+6Nr85z9MOOB9xQKleAmulL7XgROYl7JBUoJPCqkagBeIsLBUXNwKtfiLzEnZAoAkFWnbLef/Xt5WZs9sVAnUuhUCrzz2StQp0yJv1wN9/iUDtSyHQ6nOPpFqBPh4EOtydV9/xrD/HdVWWNg+R6n+YwUt4IqlAq32ItLuyS+kNNee5QSe689hVWdosY1rBchpewiNZBVrtMqbtlZ2kN9KcXYNOduehKxbSO5diIb2mVFqBVruQftPf7zHHfsSYc2jzi/60UNhSqIHcNdS6lfPxa5A7R/74aaxxQDmQuHdy17A2gZqb89C88odPg4msgdw1rEigGczZssYB5UDi3sldQ70C/T3bbWeHNQ4oBxL3Tu4a6hZouTlt3LljjQPKgcS9k7uGigWa05071jigHEjcO7lrWLdAR9aenTUOKAcS907uGtYp0JE1F2ONA8qBxL2Tu4ZaBdrdiTRRnp47M9jGMkOpvBPZM/dS8uZeq0Bv7IUfe+PpuTeYjdRzlEo7kT1zLyZt7rUKtGkuT2MaeZWup9MEdpX+KJ/AUlknsmfu5WTN/bFSgTYHgb6Y/HFn04SNqAGlOA/UM3dTPHMfQNLct9QrULsBhUDtSyWdyJ65DyBp7lv8BTqC0yigVNK2PEuZQlj54Q40shR3oJ65m+KZ+wCS5r7F/w50THOBg0BSiodIprmb4pl7OVlzf6xVoKbLOopLsYzJNXdTPHMvJm3u1QrUdGFxaSkW0mtK5Z3InrmXkjf3agXK1jYR5K6B3DUgUEcS907uGshdAwJ1JHHv5K6B3DUgUEcS907uGshdAwJ1JHHv5K6B3DUgUEcS907uGshdAwJ1JHHv5K6B3DUgUEcS907uGshdQ60C9VxYzEJ671LL5m76EgpAoG4C9dzaxlZO81KL5m76EipAoGYCbZqwESUpxWEi9edu+hJKQKBeAm2asBGlKcVxdtXnbvoSakCgCDS0FAKtPnfTl1ADAkWgoaUQaPW5m76EGhAoAg0thUCrz930JdSAQL0EavpZf3kpHiLVn7vpSygBgZoJ1HS1SXEpljGtIHfTl1ABAnUTqOl659JSLKTXlGIhvQYEaidQtraJIHcN5K4BgTqSuHdy10DuGhCoI4l7J3cN5K4BgTqSuHdy10DuGhCoI4l7J3cN5K4BgTqSuHdy10DuGhCoI4l7J3cN5K4BgTqSuHdy10DuGhCoI4l7J3cN5K6hVoF6bhjx3BGTPKzAUnl3IiFQEZUK1HPLsuee7OxhBZZKuxcegaqoU6BNEzY6JaU4jan+3CNfwkcEqqJKgTZN2OjUlOI80Opzj3wJtyBQDQjUsRQCrT53BNohce8I1LEUAq0+dwTaIXHvCNSxFAKtPncE2iFx71UK1PSz/vJSPESqP/dYfyJQEXUK1HS1SXEpljGtIPdQfyJQEZUK1HS9c2kpFtJrSrGQXkPi3msVKANKBLlrIHcNCNSRxL2TuwZy14BAHUncO7lrIHcNCNSRxL2TuwZy14BAHUncO7lrIHcNCNSRxL2TuwZy14BAHUncO7lrIHcNCNSRxL2TuwZy11CrQD3XO3su6E4eVmCpZSey6UL60LbKQKBuAvXccee5pTB7WIGlFp3Ipls5Y9sqA4GaCTTwoAZJKQ4TMc09kMiX8DFOoMFtlYFAvQTaNGHDQFOK4+w8cw8k8iXcEiTQ6LbKQKAINLQUAvXMPRAE2gGBItDQUgjUM/dAEGgHBIpAQ0shUM/cA0GgHRCol0Drf5gROcqzhxVYiodIPEQaSJ0CrX85TeQoTx5WYCmWMbGMaSCVCrT+Bd2Rozx3WIGlWEj/yEL6YdQqULa2iSB3DeSuAYE6krh3ctdA7hoQqCOJeyd3DeSuAYE6krh3ctdA7hoQqCOJeyd3DeSuAYE6krh3ctdA7hoQqCOJeyd3DeSuAYE6krh3ctdA7hoQqCOJeyd3DeSuoVaBVr8jhp1IM5RaNnfTnUgCEvdeqUCr35PNXvg5Si2au+leeAWJe69ToIFHykhKcRpT/blHvoSPCFRFlQJtmrDRqSnFeaDV5x75Em5BoBoQqGMpBFp97gi0Q+LeEahjKQRafe4ItEPi3hGoYykEWn3uCLRD4t6rFKjpZ/3lpXiIVH/usf5EoCLqFKjpapPiUixjWkHuof5EoCIqFajpeufSUiyk15RiIb2GxL3XKlAGlAhy10DuGhCoI4l7J3cN5K4BgTqSuHdy10DuGhCoI4l7J3cN5K4BgTqSuHdy10DuGhCoI4l7J3cN5K5BKtBPLx8eHl61f/n8uvMXBJoVctdA7hqUAv3wsOOHX48yfXj48Q8Eus4B5UDi3sldg1CgG2X+srvx/Onr4X82/+lVjEA91zt7LuhOHlZgqYVzD8S0rUIQ6BiBvtvL8tPL7S3o0/7ec/+X6QL13HHnuaUwe1iBpZbNPRDTtkpBoBMeIn1+vXVma9Mvb7Z3pZMFGnhQg6QUh4msIPdATNsqBoFOEOinl5t7zy9v/vL33d8+XL2HH9Fb04SNKE0pjrOrP/dATNsqB4GOF+jhk9D2rfuH3SeiW75tGVHzNKDGdrWeUqZtVV8qEtO2YAAjX7p3Dw+7W8+jQJ8Q6LKlTNuqvlQkpm3BAMa9dF/ePOwXf94Q6IERd8enATXy9lpdirfw9eceiGlb5fAWftJnoJv38LEC5WHGPG1VX4qHSBoQ6JStnNsVTDc+A50iUJbTDCF5WIGlWMakAYFOEej2MXzsU/hHFnQPIndYgaVYSK8BgY4Q6HHJ524d07v9X4LWgU65MAcS907uGshdg3Qn0v7d+u5de/BOJAaUCnLXQO4a5HvhN+rcvnuP3gvPgBJB7hrIXYPyM9Cn/WlM+zft7V84jWlL4t7JXQO5a5A+RNodAXpQJueBnkjcO7lrIHcNBk/he1j6whxI3Du5ayB3DQjUkcS9k7sGcteAQB1J3Du5ayB3DQjUkcS9k7sGctdQq0DZETOAyFqWE9k090gscy8lce+VCpQ92QMI3UjtOJFNcw/FMfdiEvdep0AlR/kElsp6GtOj5UQ2zT0Ww9zLSdx7lQJtmrCBrimV9DzQLX4T2TT3YPxyH0Di3hGoYykEGohp7sH45T6AxL0jUMdSCDQQ09yD8ct9AIl7R6COpRBoIKa5B+OX+wAS916lQHmINE9bJRhOZNPcYzHMvZzEvdcpUJYxDSHUCY4T2TT3UBxzLyZx75UKlIX0Q4isZTmRTXOPxDL3UhL3XqtAGVAiyF0DuWtAoI4k7p3cNZC7BgTqSOLeyV0DuWtAoI4k7p3cNZC7BgTqSOLeyV0DuWtAoI4k7p3cNZC7BgTqSOLeyV0DuWtAoI4k7p3cNZC7BgTqSOLeyV0DuWuoVaDsRBJhOZEDc3fFMvdSEvdeqUDZC6/CcSIH5m6LY+7FJO69ToFyGpMMw4kcmLsvhrmXk7j3KgXaNGGC0ZTiXMpAAnM3xi/3ASTuHYE6lkKggSBQexL3jkAdSyHQQBCoPYl7R6COpRBoIAjUnsS9VylQHiLpMJzIgbn7Yph7OYl7r1OgLGOS4TiRA3O3xTH3YhL3XqlAWUivwnIiB+buimXupSTuvVaBMqBEkLsGcteAQB1J3Du5ayB3DQjUkcS9k7sGcteAQB1J3Du5ayB3DQjUkcS9k7sGcteAQB1J3Du5ayB3DQjUkcS9k7sGcteAQB1J3Du5ayB3DbUKtPqF9JHkDiuw1BonsgOJe69UoNVv5YwkeViBpdY4kR1I3HudAq3+MJFIsocVWGqNE9mBxL1XKdCmCZt+mlJLDqj0YQWWWuNEdiBx7wjUsRQCrT/3YBCoBgTqWAqB1p97MAhUAwJ1LIVA6889GASqoUqB8jBjCNnDCiy1xonsQOLe6xQoy2mGkDyswFJrnMgOJO69UoGyoHsIucMKLLXGiexA4t5rFSgDSgS5ayB3DQjUkcS9k7sGcteAQB1J3Du5ayB3DQjUkcS9k7sGcteAQB1J3Du5ayB3DQjUkcS9k7sGcteAQB1J3Du5ayB3DQjUkcS9k7sGcteAQB1J3Du5ayB3DbUKtPodMYFdmYYVCDuRvEnce6UCrX5PdmBXpmEFwl54cxL3XqdAqz8VKLAr07AC4TQmdxL3XqVAmyZsJmtK9V10YFemYQUSmLsxCFQDAnUshUADQaD2JO4dgTqWQqCBIFB7EveOQB1LIdBAEKg9iXuvUqCmz0XKS/EQKZLA3H1BoBrqFKjpypziUixjCiUwd1sQqIZKBWq6Nry0FAvpYwnM3RUEqqFWgTKgRJC7BnLXgEAdSdw7uWsgdw0I1JHEvZO7BnLXgEAdSdw7uWsgdw0I1JHEvZO7BnLXgEAdSdw7uWsgdw0I1JHEvZO7BnLXgEAdSdw7uWsgdw21CtRzbXj9C7o9F9KXkjd3BCqiUoF67k6sf0uh51bOYtLmjkBV1ClQz/Mx6j/UwvMwkXKy5v6IQFVUKdCmCZvJmlJJB1RgWBqS5r4FgWpAoI6lkg4oBKoDgWrwF+gIThO50lKm1H+FAPPAHWhkqaT/j8wdqA7uQDX434GOaS5wHktKZR1Qyf2ZNvdHBKqiToGyjElEbn/mzR2BqqhUoCykF5Han4lzR6AiahUoA0oEuWsgdw0I1JHEvZO7BnLXgEAdSdw7uWsgdw0I1JHEvZO7BnLXgEAdSdw7uWsgdw0I1JHEvZO7BnLXgEAdSdw7uWsgdw0I1JHEvZO7BnLXgEAdSdw7uWsgdw21CrT6nUiuW36YyBrIXUOlAq1+L7ztpnMmsgZy11CnQKs/jcn32CMmsgZy11ClQKs/D9T44E0msgZy14BAHUshUA2Jeyd3DQjUsRQC1ZC4d3LXgEAdSyFQDYl7J3cNVQqUh0g6mMgayF1DnQJlGZMMJrIGctdQqUBZSK+CiayB3DXUKlAGlAhy10DuGhCoI4l7J3cN5K4BgTqSuHdy10DuGhCoI4l7J3cN5K4BgTqSuHdy10DuGhCoI4l7J3cN5K4BgTqSuHdy10DuGhCoI4l7J3cN5K4BgTqSuHdy10DuGmoVaPU7kVxhImsgdw2VCrT6vfC2MJE1kLuGOgVa/WlMvjCRNZC7hioFWv15oMYwkTWQuwYE6lhqjQPKgcS9k7sGBOpYao0DyoHEvZO7BgTqWGqNA8qBxL2Tu4YqBcpDJB1MZA3krqFOgbKMSQYTWQO5a6hUoCykV8FE1kDuGmoVKANKBLlrIHcNCNSRxL2TuwZy14BAHUncO7lrIHcNCNSRxL2TuwZy14BAHUncO7lrIHcNCNSRxL2TuwZy14BAHUncO7lrIHcNCNSRxL2TuwZy11CrQFlIL4KJrIHcNVQqULZyqmAiayB3DXUKlMNEZDCRNZC7hioFynF2OpjIGshdAwJ1LLXGAeVA4t7JXQMCdSy1xgHlQOLeyV0DAnUstcYB5UDi3sldQ5UC5SGSDiayBnLXUKdAWcYkg4msgdw1VCpQFtKrYCJrIHcNtQqUASWC3DWQuwYE6kji3sldA7lrQKCOJO6d3DWQuwYE6kji3sldA7lrQKCOJO6d3DWQuwYE6kji3sldA7lrQKCOJO6d3DWQuwYE6kji3sldA7lrQKCOJO6d3DWQu4ZaBcpOJBFMZA3krqFSgbIXXgUTWQO5a6hToJzGJIOJrIHcNVQpUM4D1cFE1kDuGhCoY6k1DigHEvdO7hoQqGOpNQ4oBxL3Tu4aEKhjqTUOKAcS907uGqoUKA+RdDCRNZC7hjoFyjImGUxkDeSuoVKBspBeBRNZA7lrqFWgDCgR5K6B3DUgUEcS907uGshdAwJ1JHHv5K6B3DUgUEcS907uGshdAwJ1JHHv5K6B3DUgUEcS907uGshdg1Sgn14+PDz88Ov+L59fb/7yCoFuSdw7uWsgdw1Kgb572PPqKNOHhx//QKDrHFAOJO6d3DUIBfq0V+e7h7/8fXf/+dPOoq9iBMpCehFMZA3krkEo0HetLN9t1fm0v/f89PLwjn6aQNnKqYKJrIHcNegE+uXN9s7z69adPx1t+uXNwy8BAuUwERlMZA3krsHgKfxWoEebfrh6Dz+iN46z08FE1kDuGvQC3d10fn7dvnX/sL0d3fFty4iSJ1WN7sq7FABUxXgpfNh++nkU6BMCBYC1MVoKT+1D+CuBHhhxd8xbeB28ldRA7hrUb+H3/gwWKA+RdDCRNZC7BrFAP+z9eesz0CkCZRmTDCayBnLXIBXolzeHjZyxT+EfWUgvg4msgdw1KAW68edx5+a7/frPoHWgUy7MgcS9k7sGctcgFGjXn9E7kRhQKshdA7lrEAr0Q/fkkOi98AwoEeSugdw16AS6O77u4XgE09MDpzEdSdw7uWsgdw06gT49nAmU80A7JO6d3DWQuwb1OtB+lr4wBxL3Tu4ayF0DAnUkce/kroHcNSBQRxL3Tu4ayF0DAnUkce/kroHcNdQqUM+dSKWscUA5kLh3ctdQqUA998IXs8YB5UDi3sldQ50C9TyNqZw1DigHEvdO7hqqFKjneaADWOOAciBx7+SuAYEuVmoAaxxQDiTundw1INDFSg1gjQPKgcS9k7sGBLpYqQGscUA5kLh3ctdQpUB5iKSDiayB3DXUKVCWMclgImsgdw2VCpSF9CqYyBrIXUOtAmVAiSB3DeSuAYE6krh3ctdA7hoQqCOJeyd3DeSuAYE6krh3ctdA7hoQqCOJeyd3DeSuAYE6krh3ctdA7hoQqCOJeyd3DeSuAYE6krh3ctdA7hpqFahg9XsgaxxQDiTundw1VCpQxf7LQNY4oBxI3Du5a6hToJITQAJZ44ByIHHv5K6hSoFqzqALZI0DyoHEvZO7BgTqyBoHlAOJeyd3DQjUkTUOKAcS907uGhCoI2scUA4k7p3cNVQpUB4i6WAiayB3DXUKlGVMMpjIGshdQ6UCZSG9CiayBnLXUKtAGVAiyF0DuWtAoI4k7p3cNZC7BgTqSOLeyV0DuWtAoI4k7p3cNZC7BgTqSOLeyV0DuWtAoI4k7p3cNZC7BgTqSOLeyV0DuWtAoI4k7p3cNZC7BgTqSOLeyV0DuWtAoI4k7p3cNZC7BgTqSOLeyV0DuWtAoI4k7p3cNZC7BgTqSOLeyV0DuWtAoI4k7p3cNZC7BgTqSOLeyV0DuWtAoI4k7p3cNZC7BgTqSOLeyV0DuWtAoI4k7p3cNZC7BgTqSOLeyV0DuWtAoI4k7p3cNZC7BgTqSOLeyV0DuWtAoI4k7p3cNZC7BgTqSOLeyV0DuWtAoI4k7p3cNZC7BgTqSOLeyV0DuWtAoI4k7p3cNZC7BgTqSOLeyV0DuWtAoI4k7p3cNZC7BgTqSOLeyV0DuWtAoI4k7p3cNZC7BgTqSOLeyV0DuWtAoI4k7p3cNZC7BgTqSOLeyV0DuWtAoI4k7p3cNZC7Bn+BjuTbb9UdrBNy10DuGqJyR6Cwg9w1kLsGBAqhkLsGcteAQCEUctdA7hoQKIRC7hrIXQMChVDIXQO5a0CgEAq5ayB3DQgUQiF3DeSuoVqBAgBkAYECAIwEgQIAjASBAgCMBIECAIwEgQIAjASBAgCMBIECAIzES6CfXz88PLxSd7E6drFv+OFXdSdr4vPrn45/YtgvxzH3kGFvJdBPL3cX9OMf6kZWRps7Al2Udw/tRGbYL8pl7vUIdPP/CD/tLuuVupOV8XQYUrAc7x7a1Bn2i3LMPWbYOwn0af9/wp9ecie0LO+Yu0uzu/vZz1+G/YJ0co8Z9k4CbS/oy5uHX8SdrIsvb/7yd3UPK+PDZhYfboAY9svRzT1m2BsJ9HhBH7ghWpTPr3/8r5d8ArokHzZDvZ3IDPsF6eQeNOyNBPr5dXstH/hIblEOH6ZzB7Qo7URmW46RewAABupJREFU2C/MQaAxw95RoDzTWJan/RqaTy95J78klwJl2C/D0/Gz54hhj0DhcOvDe8hFQaAano7DPWLYI1A48OklSxEXBIFquMx52rB3FCgfBmlgIc2i8BmohmuBThn2RgLlcaQY7kAXhafwGqq9A/36bv88jAVxy3KcwbyHXJTTOlCG/ZJc/h/XtGHvJFC2ZGg47Mh4xwxektPTYIb9klxsYJg47J0EyqZgDZvEt0PoieMsFuW0oJthvySddaABw95JoNuVWRxLI+ADhzEJOL51ZNgvyjH3kGFvJVAORhSxy50PQJfl9Nkbw35JLnKfOOy9BAoAkAgECgAwEgQKADASBAoAMBIECgAwEgQKADASBAoAMBIECgAwEgQKADASBAoAMBIECgAwEgQKADASBAoAMBIECgAwEgQKz/K2ab45/e2ff2uan6cV/O+/NluORd82f/rPMW2N+a7t1Rz4l38b8f2zNAXJQaDwLFvfnZT5/kynI9gauKUttIxAP+6/vCPQJtB2x+oIdI0gUHiej03zr//R/vkffz79eRQdfx4EtohA3zY3BBqmu7eTLgWyg0DhDhvpfL//0/Q38BsbtxXeN5NqjRbo8dsmNjChGagMBAp32LyJbz8vjHgD372bnaCd6QKdfjVjm4HKQKBwj4/tm92NSSeKYiPQk7PeTvk4IECg0ww+oRmoDAQK99i+c9++iX/beXK9/zDz5I322fr3h3/8eaOn3Vvk/Re237j5y5Vq9vbZfP/3u3fVh48L2u987ideO+usg/Of+745/NPb85Y3f+n2ev4zdrb/eHjctfua4zd3v/BG9bM6Ny4NqgKBwl028tiY6GPHAO+vHqW37G4qN/74X+1fPp79w/brLm87jwL9n3/tfuXxR3xz8ydeCfS8g/Ofe1ugm6v65qzX08/YXedWoG8PRdo/nD7LOH3hdfXzOteXBnWBQOE+248Lu3eP79vbq7etz97vXbG9Cdz+fXsDtlHNP//P8W3y4fPGy0WgXzsCPd6wft/5EW/P/3r8iZcCvejg8uc+8xno991et/9ha7jDwq3dbeQ3X1s3f9Np4uILL6tf/PPVpUFlIFC4z3bu/4/T2+n9vduW97v/uFHE/u/tp6Snp/XvDzddhw88d++EzyR6EujP7Y9q/76TUfvY6fInXgr0soPLn3st0FacnV6PH/G2P/MovIOVD9Uuv/Ci+uU/X14a1AYChR523uu8gT+8F90/FfrY+YyzVc/xffjVhp/j+9u23oV1Wkl9PGhtX/vyJ14K9LKDy597ex3oN19v97q52u+7//L29NZ938z5F14I9PKfLy8NagOBQh/vz5+gPLcR8+1BoO1/3X4UeX3X9bFr0KNAj7eYewN2XXP9E5998H3079kX3BToN23pK73tm7nxL3tPX37hhUAv//ny0qA2ECj00d5r7Wg/yDx7aLNl96FhK9DTG/TOzWaX94dHMp2n8O0/bEucC/L6J94W6LGDy597Q6DdZ+3tHzpv7/fP54+PyLoCvfrCc4Fe/fPlpUFtIFDoo0egH8/+2r1hPHzoeX12x9um8/53skDPO7j8uc9vtuwK9Pwu945An7kdvvi29j8g0NpBoNDHhUDPt/Acdrj/fHoL/831P/988SFgK5ZCgV5sGrow4WUHFz+3UKDcgcIYECj00RXo1dPk98f3yjcF2n7J5nved7ef9wi0dc2u1vXz6wsTXnZw8XNLBHrrM9CbAh3xGSgCrRoECn10BdrZkrQz20lvG1ecCfTsw9D9svqTQt53bw4vLXN8Cr/5wT9f/cRLE152cPlziwR6svvHwwrR2wK9/MKrp/Dn/4xAaweBQh9nAj3tIt957qSv95efgb4/38S5e1O9/9rtx5rt0vhbAj2u/Xl7WAfa/YnPC/T9YU/R+ebREoHeWAd6W6DD14Ei0KpBoNDHmUC3mtoJqn2D3O732T3qaRenn6R03NXz89fuOvqL5ztXlvl4LP39jZ94th5p8/WXHVz+3PcXD5NOdG5WOzuIvv96R6CXX3hZ/eKfEWjtIFDo41ygp9XwO2McH5L/6d8Pmxa/OX1f011R1Hme3t4jPiPQZ/fCXy/o3Hz9ZQeXP/dwJshdgd7YC/+1bfFcoBdfeFX9ai88Aq0aBAp9XAj0/JCl1md7kX1z8RDpfVeDx+/sfuttgd4+jenw9wuBXnZw9XPblfX3Bdr+jG8u/+VKoOdfeF397J8RaO0gUACAkSBQAICRIFAAgJEgUACAkSBQAICRIFAAgJEgUACAkSBQAICRIFAAgJEgUACAkSBQAICRIFAAgJEgUACAkSBQAICRIFAAgJEgUACAkSBQAICRIFAAgJEgUACAkSBQAICR/H+pMZb1EJqevwAAAABJRU5ErkJggg=="/>
+          <p:cNvSpPr>
+            <a:spLocks noChangeAspect="1" noChangeArrowheads="1"/>
+          </p:cNvSpPr>
+          <p:nvPr/>
+        </p:nvSpPr>
+        <p:spPr bwMode="auto">
+          <a:xfrm>
+            <a:off x="307975" y="7937"/>
+            <a:ext cx="304800" cy="304801"/>
+          </a:xfrm>
+          <a:prstGeom prst="rect">
+            <a:avLst/>
+          </a:prstGeom>
+          <a:noFill/>
+          <a:extLst>
+            <a:ext uri="{909E8E84-426E-40DD-AFC4-6F175D3DCCD1}">
+              <a14:hiddenFill xmlns:a14="http://schemas.microsoft.com/office/drawing/2010/main">
+                <a:solidFill>
+                  <a:srgbClr val="FFFFFF"/>
+                </a:solidFill>
+              </a14:hiddenFill>
+            </a:ext>
+          </a:extLst>
+        </p:spPr>
+        <p:txBody>
+          <a:bodyPr vert="horz" wrap="square" lIns="91440" tIns="45720" rIns="91440" bIns="45720" numCol="1" anchor="t" anchorCtr="0" compatLnSpc="1">
+            <a:prstTxWarp prst="textNoShape">
+              <a:avLst/>
+            </a:prstTxWarp>
+          </a:bodyPr>
+          <a:lstStyle/>
+          <a:p>
+            <a:endParaRPr lang="en-US"/>
+          </a:p>
+        </p:txBody>
+      </p:sp>
+      <p:pic>
+        <p:nvPicPr>
+          <p:cNvPr id="6" name="Picture 5"/>
+          <p:cNvPicPr/>
+          <p:nvPr/>
+        </p:nvPicPr>
+        <p:blipFill rotWithShape="1">
+          <a:blip r:embed="rId2"/>
+          <a:srcRect l="22618" t="30418" r="37218" b="23099"/>
+          <a:stretch/>
+        </p:blipFill>
+        <p:spPr bwMode="auto">
+          <a:xfrm>
+            <a:off x="5105400" y="3657600"/>
+            <a:ext cx="4038600" cy="2819400"/>
+          </a:xfrm>
+          <a:prstGeom prst="rect">
+            <a:avLst/>
+          </a:prstGeom>
+          <a:ln>
+            <a:noFill/>
+          </a:ln>
+          <a:extLst>
+            <a:ext uri="{53640926-AAD7-44D8-BBD7-CCE9431645EC}">
+              <a14:shadowObscured xmlns:a14="http://schemas.microsoft.com/office/drawing/2010/main"/>
+            </a:ext>
+          </a:extLst>
+        </p:spPr>
+      </p:pic>
+      <p:sp>
+        <p:nvSpPr>
+          <p:cNvPr id="8" name="AutoShape 6" descr="data:image/png;base64,iVBORw0KGgoAAAANSUhEUgAABUAAAAPACAMAAADDuCPrAAAAolBMVEUAAAAAADoAAGYAOpAAZrYzMzMzZv86AAA6Ojo6kJA6kNs9PT1NTU1NTW5NTY5NbqtNjshmAABmZmZmtv9uTU1uq+SOTU2Oq6uOyP+QOgCQkLaQ29uQ2/+rbk2rjk2r5P+2ZgC2kDq2///Ijk3I///KysrW1tbbkDrb///kq27k5Kvk///r6+v/tmb/yI7/25D/5Kv//7b//8j//9v//+T////sHfwrAAAACXBIWXMAAB2HAAAdhwGP5fFlAAAgAElEQVR4nO2da4PcxpFlMWNJ3hXbkrwiufLucM0ZSuJw1GxzaPL//7WtB6oK9ehCAgjg3kic88Wk2B0duJV5jCpkZjdfAQBgFI26AQCArCBQAICRIFAAgJEgUACAkSBQAICRIFAAgJEgUACAkSBQAICRIFAAgJEgUACAkSBQAICRIFAAgJEgUACAkcwn0MdxjP5GBxL3Tu4ayF3DBEEh0NlI3Du5ayB3DQjUkcS9k7sGcteAQB1J3Du5ayB3DQjUkcS9k7sGcteAQB1J3Du5ayB3DQjUkcS9k7sGcteAQB1J3Du5ayB3DQjUkcS9k7sGcteAQB1J3Du5ayB3DQjUkcS9k7sGcteAQB1J3Du5ayB3DQjUkcS9k7sGcteAQB1J3Du5ayB3DQjUkcS9k7sGcteAQB1J3Du5ayB3DQjUkcS9k7sGcteAQB1J3Du5ayB3DQjUkcS9k7sGcteAQB1J3Du5ayB3DQjUkcS9k7sGcteAQB1J3Du5ayB3DQjUkcS9k7sGcteAQB1J3Du5ayB3DQjUkcS9k7sGcteAQB1J3Du5ayB3DQjUkcS9k7sGcteAQB1J3Du5ayB3DQjUkcS9k7sGcteAQB1J3Du5ayB3DQjUkcS9k7sGcteAQB1J3Du5ayB3DVqBvnvY8Mv+z59fb/78CoFuSdw7uWsgdw1Kge6UueGn7V8+vdz9+cc/EOg6B5QDiXsndw1CgX55s7vh/PDwl7/vZPrTzqKvYgTabBh5ZQal1jigHEjce1zugeO9lILeBV0VIRToU3u7+WGrzvYvn17+8GuEQJsmLHBFKSayhsS9h+UeON6L6e9d0VUROoFubkB/Of3t3f7W8/w/jhZo04QFLinFRNaQuPeo3APHezm9vUu6KkIn0M+vOzebX95s38d/3d6Ovpou0KYJC1xTiomsIXHvQbkHjvcB9PWu6aoInUA/vfzxj6eHh90noCebftg/Utrwbcvgwptmjoz45gylAObBc5B6dhXKKIH+v/1T+FcdgT4hUAAZnoPUs6tQhl/ZU7uA6Wl7D3pDoAdG3B3zFl4Hb+E18BZeg+4t/NNh2fz2XXusQHmIpAOBauAhkgblZ6Dtc6Pth6E3PgOdIlCWMclAoBpYxqRBKdDWmds/xD6Ff2QhvQwEqoGF9BqU60A7d6Bf3+3XfwatA51yYQ4k7p3cNZC7BuFOpHftu/XdTWfwTiQGlApy10DuGoQCbTe+P82yF54BJYLcNZC7BuVpTE/7ZaD7N+3tXziNaUvi3sldA7lrkJ4H+uXNRpmH9+ycB3oice/kroHcNXAivSOJeyd3DeSuAYE6krh3ctdA7hoQqCOJeyd3DeSuAYE6krh3ctdA7hpqFSg7kQbgGVYgprlHgkA1VCpQ9sIPwDOsQExzDwWBaqhToJzGNADPsAIxzT0WBKqhSoE2TdhM1pRackB5hhWIae7BIFANCNSxFAINxDT3YBCoBgTqWAqBBmKaezAIVAMCdSyFQAMxzT0YBKqhSoGaPhcpL8VDpEhMc48FgWqoU6CmK3OKS7GMKRTT3ENBoBoqFajp2vDSUiykj8U090gQqIZaBcqAEkHuGshdAwJ1JHHv5K6B3DUgUEcS907uGshdAwJ1JHHv5K6B3DUgUEcS907uGshdAwJ1JHHv5K6B3DUgUEcS907uGshdAwJ1JHHv5K6B3DXUKlDPteH1L+j2XEhfSt7cqxeo54SeUMtboJ67E+vfUui5lbOYtLlXL1DPCT2llrVAPc/HqP9QC8/DRMrJmvtj7QL1nNCTajkLtGnCUtKUSjoZAsPSkDT3LVUL1HNCT6uFQGcslXQyIFAdCLQMBDr3hTmUSjoZEKgOBFoGAp37whxKJZ0MCFQHAi0DgQ65sjHf61Aq62RI7s+0uT9WLlDTCV3tQyTXVQ/FpdJOhtz+zJt77QI1ndDVLmNyXXdbWirvZEjtz8S51y5Q0wld7UL6+geUK+Sugdw11LqVkwElgtw1kLsGBOpI4t7JXQO5a0CgjiTundw1kLsGBOpI4t7JXQO5a0CgjiTundw1kLsGBOpI4t7JXQO5a0CgjiTundw1kLsGBOpI4t7JXQO5a6hVoJ4bF+rficREFkHuGioVqOfW2fr3wjORVZC7hjoF6nl4S/2nMT0ykVWQu4YqBTrpnD6HUmscUA4k7p3cNSBQx1JrHFAOJO6d3DUgUMdSaxxQDiTundw1IFDHUmscUA4k7p3cNVQpUB4i6WAiayB3DXUKlGVMMpjIGshdQ6UCZSG9CiayBnLXUKtAGVAiyF0DuWtAoI4k7p3cNZC7BgTqSOLeyV0DuWtAoI4k7p3cNZC7BgTqSOLeyV0DuWtAoI4k7p3cNZC7BgTqSOLeyV0DuWtAoI4k7p3cNZC7hloFykL6AQReoedE9sw9MnbP3EvJ2/v419BboGzlHEDgFXpOZM/cQ2O3zL2YtL1PeA2tBcphIgMIvMJHy4nsmXts7I65l5O19ymvobNABxwc51lKMZGDprLfRPbMPTh2w9wHkLT3Sa8hAp2xFAINxDN3BNohae8I1LUUAg3EM3cE2iFp7wjUtRQCDcQzdwTaIWnv1QqUh0hDqH4ie+YeG7tj7uVk7X3Ka2gtUJYxDaH6ieyZe2jslrkXk7b3Ca+ht0BZSD+E6ieyZ+6RsXvmXkre3se/huYCZUCJIHcN5K6h1q2cDCgR5K6B3DUgUEcS907uGshdAwJ1JHHv5K6B3DUgUEcS907uGshdAwJ1JHHv5K6B3DUgUEcS907uGshdAwJ1JHHv5K6B3DUgUEcS907uGshdQ60CrX4nUuQ2Fs+dSJ65B8JOpAN5e691J1L1e+EjN1J77oX3zD0Q9sIfSdt7rXvhA0+6kZTqvejIo3wia8VNZM/cA4mNHYEqmPIaOgu0acJGp6ZU30UHdmV6Hqhn7oEEx45ABUx6DRHojKUQqGfugSDQDkl7zyHQEZwujFKL1orDNKw4PLuCIYROw+klnmHp/2dwKMUdqGfugQTHzh2ogEmvobNAeYg0T1sl8BCpkNjYEaiCKa+htUBZxjQEz4nsmXsgobEjUAkTXkNvgbKQfgieE9kz90AiY0egGsa/huYCZUCJIHcN5K6h1q2cDCgR5K6B3DUgUEcS907uGshdAwJ1JHHv5K6B3DUgUEcS907uGshdAwJ1JHHv5K6B3DUgUEcS907uGshdAwJ1JHHv5K6B3DUgUEcS907uGshdQ60CrX4nUiSeO5ECMc09EnLXUKlAq98LH4nnXvhATHMPhdw11ClQyVE+gaUEh1q4ncYUiGnusZC7hioF2jRhUtCUUhyr5nUeaCCmuQdD7hoQqGMpBBqIae7BkLsGBOpYCoEGYpp7MOSuAYE6lkKggZjmHgy5a6hSoDxEGkKoPw0nsmvusZC7hjoFyjKmIUT603Eiu+YeCrlrqFSgLKQfQuAVWk5k19wjIXcNtQrUc0CVkrh3ctdA7hoQqCOJeyd3DeSuAYE6krh3ctdA7hoQqCOJeyd3DeSuAYE6krh3ctdA7hoQqCOJeyd3DeSuAYE6krh3ctdA7hoQqCOJeyd3DeSuoVaBVr+QPnLxu+dC+siuClk490gQqITxw8FboNVv5Yzcfum5lTO0q0KWzT0UBKpgwnCwFmj1h4lEHgDieZhIbFeFLJp7LAhUwJTh4CzQpgkb6JpSfRcd2JXpcXbBXRWyZO7BINDlmTQcEOiMpRAoAh0IAl0eBOpaCoEi0IEg0OVBoK6lECgCHQgCXZ5qBcpDpHnaKoGHSBoQqIApw8FaoCxjGkKoE1jGpAGBKpgwHLwFykL6IUTWYiG9BgQqYfxwMBcoA0oEuWsgdw21buVkQIkgdw3krgGBOpK4d3LXQO4aEKgjiXsndw3krgGBOpK4d3LXQO4aEKgjiXsndw3krgGBOpK4d3LXQO4aEKgjiXsndw3krgGBOpK4d3LXQO4aahVo9TuRIql+J5Jp7pFY5l5K3txr3YlU/V74SKrfC2+aeyiOuReTNvda98IHHpojKbXogIo9YcjwNCbT3GMxzL2crLlPCctZoE0TNgw0pZYcUIFXuMXvPFDT3IPxy30ASXOfFBYCnbEUAq0/92D8ch9A0twRqGspBFp/7sH45T6ApLkjUNdSCLT+3IPxy30ASXOvVqA8RBpC7IwxfJhhmnsshrmXkzX3KWFZC5RlTEMInTGOy2lMcw/FMfdi0uY+ISxvgbKQfgiRM8ZyQbdp7pFY5l5K3tzHh2UuULa2iSB3DeSuodatnAwoEeSugdw1IFBHEvdO7hrIXQMCdSRx7+Sugdw1IFBHEvdO7hrIXQMCdSRx7+Sugdw1IFBHEvdO7hrIXQMCdSRx7+Sugdw11CrQ6hfSRy539lxIHwgL6QfgOd5NqXUhffVbOSM33Hlu5QyErZwD8BzvptS6lVNyEkVgqd6LDuzK9DCRQAJz98XwMJH6c58SlrNAmyZsGGhK9V10YFemx9kFEpi7MX7H2dWf+6SwEOiMpRBoIPVP5C0IdHkQqGspBBpI/RN5CwJdHgTqWgqBBlL/RN6CQJenWoHyEGmetkrwE+gKHmY88hBJwpSwrAXKMqYhRNZyFOgKltOwjEnDhLC8BcpC+iFE1nIU6AoWdLOQXsP4sMwF6jmRS0ncO7lrIHcNtW7lZECJIHcN5K4BgTqSuHdy10DuGhCoI4l7J3cN5K4BgTqSuHdy10DuGhCoI4l7J3cN5K4BgTqSuHdy10DuGpQC/fz6YccPvx7/9gqBbkncO7lrIHcNSoF+etkRaPuXH/9AoOscUA4k7p3cNSgF+vTw0/HPm/vPn3YWfRUjUHYiDYCdSC2OvZcR+RLG4TnePaZOgEDfdWz5tL/3/PRy/35+qkDZCz8A9sIfMOy9jNCXMAzP8W4ydaYL9Mubv/z9UqZf3jz8EiDQKaekOJTiNKZIAnM3JfYljMJzvLtMnekC/fz6x/962X4CepTph6v38BOui/NAY9sqwU+ggbmbEvwSBuE53m2mznSBHp4hbe85P79u37p/OH4u+m3L8MJfTxc24ptXViq0liXVX6DpFXqOd9epM6LE037V0qeXm5vPo0CfEOiypUxnXyDVX6DpFXqOd9epM6LE4WZz+679hkAPLH1r7VCKt/CBBOZuSvBLGITneLeZOtMFeuDTyx//iBWo6WfO5aV4iBRJYO6mOPrTdby7TJ1Igf7w643PQKcI1HTVQ3EpljGFEpi7KY7+dB3vJlMnUqA//hH7FP7Rdd1taSkW0scSmLspjv50He8eU2eyQI/O3L1rf7df/xm0DvTRdCKXkrh3ctdA7hqEWzkPG5F27gzeicSAUkHuGshdg1Cgn17u7jb36ozeC8+AEkHuGshdg/IwkQ/d0+yeHjiN6Uji3sldA7lrkB6ovDsC9KfuX15df9HSF+ZA4t7JXQO5a+BEekcS907uGshdAwJ1JHHv5K6B3DUgUEcS907uGshdQ60C9Vx3a7qg2zOsQExzjwSBaqhUoJ47v0y3FHqGFYhp7qEgUA11CtTz7IHyUosOKM+wAjHNPRYEqqFKgTZN2EzWlFpyQHmGFYhp7sEgUA0I1LEUAg3ENPdgEKgGBOpYCoEGYpp7MAhUAwJ1LIVAAzHNPRgEqqFKgZo+FykvxUOkSExzjwWBaqhToKYrc4pLsYwpFNPcQ0GgGioVqOna8NJSLKSPxTT3SBCohloFyoASQe4ayF0DAnUkce/kroHcNSBQRxL3Tu4ayF0DAnUkce/kroHcNSBQRxL3Tu4ayF0DAnUkce/kroHcNSBQRxL3Tu4ayF0DAnUkce/kroHcNSBQRxL3Tu4ayF1DrQJlR8wAIsOKm8j17wCLxFKg5H7vG50Fyp7sAYSGFTaR6z+DIBRHgZL73W80FiinAg0gNqyoiVz/KVixGAqU3O9/o69AmyZWCjEM6CrpeaBbgiZyYFemuQfjJ1By7/lGBDoM0wGFQE+scSLPBrn3fCMCHYbpgEKgJ9Y4kWeD3Hu+EYEOw3RAIdATa5zIs0HuPd/oK1AeIg0hNiweImnwEyi593yjsUBZxjSE0LBYxqTBUKDkfv8bnQXKQvohRIbFQnoNjgIl97vfaC1QzwFVSuLeyV0DuWtAoI4k7p3cNZC7BgTqSOLeyV0DuWtAoI4k7p3cNZC7BgTqSOLeyV0DuWtAoI4k7p3cNZC7BgTqSOLeyV0DuWtAoI4k7p3cNZC7BgTqSOLeyV0DuWuoVaCCbSyBpQou2nOrlWlbnjtiQrNiB1gxHrl7C1SxkTqwVP9Fe272N23Lc092bFacQVCKSe7WApUc5RNYqveiA7uKxLOtwNwDCc6KU7AKccndWaBNE5aSplTfRQd2FYlnW4G5BxKdFeewlmGTOwKdsRQCDYSJPADP8R6ITe4IdMZSCDQQJvIAPMd7IDa5I9AZSyHQQJjIA/Ac74HY5O4sUB4iifBsKzD3QIKz4iFSIS65WwuUZUwiPNsKzD2Q2KxYxlSKSe7eAmUhvQjPtgJzDyQ0KxbSF+ORu7lA2domgtw1kLsGBOpI4t7JXQO5a0CgjiTundw1kPvy/LbhdwRqSOLeyV0DuS/KbwcQqCOJeyd3DeS+FL+dgUAdSdw7uWsg99n57RYI1JHEvZO7BnKfj5vmRKDGJO6d3DWQ+zzck2fNAmUh/QA8wwqEBd3eePbe584tL16MfQ29BcpWzgF4hhUIWwrNseu9xJ17f74Y+xpaC1RyIkJgqUUPE/EMK5DA3AMJzgqBBlHqztafL8a+hs4CbZqw0akpteRxdp5hBRKYeyDRWSHQ6Qxx58GfL8a+hgh0xlIINBAEao++96HuRKDWpRBoIAjUHmHvo8yJQM1LIdBAEKg9it6nmLN2gZo+FykvxUOkSAJzDyQ4KwQ6gAB5Hg069jW0FqjpypziUixjCiUw90Bis0KgZUS582jQsa+ht0BN14aXlmIhfSyBuQcSmhUC7SXWnQeD1rmQngGlgtw1kPtd5pDnjlq3cjKgRJC7BnJ/jtnciUBtSdw7uWsg9xvM604Eakvi3sldA7l3WcCcCNSYxL2TuwZy37KcOBGoM4l7J3cN5L68PBGoK4l7J3cNq85d404Eakvi3sldw1pzF7oTgdqSuHdy17C63NXmbKlVoLk317ATKRbPHWCmO5E8d96dmOy87Q72AHXuqVSgybd3sxc+FM8zCEz3wnue/dASobzdGUphBq1ToIEn3QQfmlMGpzFFUt7VkrkHZxUlUMkVlvQeZbwXL0INWqVAmyZsGASWGgDngQYyoKsFc4/OKkigmivs6T3IdTtevIg1KAJdrNQAEGggCHQAbgKNsVyH9Ql0BKeXzqlUIJFdEVb2UpEYXeHvs3ASaFDByTm1aQXVuWaE3I1vFMrgDjSQkDuhwaUCuyqiqjvQmJvDm6zvDnRMc4FjU6IEHiJFUt4VD5HED5FipHaXUH9+9913VQrUd7VJGSxjCqW4K5YxqZYxheisjAh/fneiToHarncug4X0sZR2xUL6R8EVbt4Hx6ixkAn+/O6aSgW6vq1tJpC7hpy5t15aVqBjuGFOBOpL4t7JXUO63Lt6Mhbo8+ZEoL4k7p3cNWTK/cpSjgLtNeeWWp/CP+YaUFck7p3cNSTJ/basvARaJM4DCNSRxL2Tuwb/3O8oy0OgZbecFyBQRxL3Tu4ajHPvV5daoGPM2YJAHUncO7lrcMy9WGBCgY42ZwsCdSRx7+SuwS33QRbTCHSaOVtqFajnemfPBd2RVJ+7K0YL6YerrECggUd4vngRYc6WSgXquePOc0thJNXnbovHVs6RSusXaND+9ThxHqhToJITEQJLLXqYSCDV5+6L/jCRCV7rFejkE0BC3q7fokqBNk3Y9NOUWvI4u0Cqz90Y6XF24/3TWqjn3yecQddjzinu3IFAHUshUM/cjVEJdKJ/Wgv1/Psogfaqc6o7dyBQx1II1DN3YxYXaIR9jhbq+fdBAu0X53ffcaDyXaqfyAh0nlIItD+sGO9cWKjn34sEWiLO7ziRftAwGHlt8lI8RDLN3ZdFHiLFOOeGhfq+4K70ysxZVGpE61UKtP7lNJb+XEHutsy9jCnIN89YqPcrbkpvmDnvlhpNpQKtf0G3pT9XkLsrMy6kj3LNHQv1f8mZ9MaZ82apqdQqULutbYNI3Du5a5gj9zDL9Fqo/EsniHMWEKgjiXsndw2huS/roFKBepmzBYE6krh3ctcQlrvEQn1fYGjOFgTqSOLeyV1DRO46C935N1dztiBQRxL3Tu4aJuYuttCN/2Z7z3kOAnUkce/krmF87moF/XYuUMtPOp8HgTqSuHdy1zAqd7V9DuwE2mdOO3fuQKCOJO6d3DUMzV0tng795vR05w4E6kji3sldQ3HuauN0KDGnrzr31CrQ6nfERO5Eiqxl9KslhpfKuwOsIHe1arrkF2fLixdjh4O3QKvfkx25Fz50X73Hr5YYWSrtGQR9uas9c6CCW84zXmwFOm44WAu0+lOBArsKPtlJ/6slJpTKegrW453c1Y7ZUcOb9Ru82At01HBwFmjThA10TaklzwONrPUo/tUSU0slPYd1y63c1X75rdScwt8LP4UXB4GOGQ4IdMZSCLT+3IO5yF3tlt8Gfc6JQBFoaCkEWn/uwZxyV2vlt+G/yQ2BItDQUgi0/tyD2eWuNspvI4/9QKBeAuUh0jxtlcBDJAUbB8klNMacLfLeR1LrQySWMQ0i1AksY1qU41wWCnSCOVtSCbQb/4Th4C1QFtIPIbIWC+kX42xaSwQ66v36DXII9NZrMH44mAuULYUiyH0Jrmf3ogK9L85B7txhLtB7r8QEQSHQ2UjcO7nPzDOTfBGB9opzuDt3uAq04OVAoI4k7p3cZ+TOXJ9XoCXmnLCTyE6g5S8JAnUkce/kPg99U34mgc5szha9QEe/LgjUkcS9k3s4RQaIFugy5mwRCnTqi4NAHUncO7nHMUQEYQJdUpwHFAINeo0QqCOJeyf36YzxwXSBKszZsqhAY18rBOpI4t7JfRpjtTBFoDpztiwj0FleLwTqSOLeyX00k+wwUqBic7bMJdAFXrRaBcpOpAF4hhVIYO7zMN0VwwXqYM6Wgt63287LC94NO3SMVipQ9sIPwDOsQAJzj2a8dC4YItD75nwxzFUR9Pf+oqyrkshjx2idApUc5RNYKutpTJFtxRGYexwR3ulSJNCCe84XLwpdFUlv771dlQcfPEarFGjThKWkKZX0PNDItuIIzD2IUPm03Bdo8dv1Fy8UBu0T6J2uhmYfPUYRqGMpBBqIlUDnEdBvzwq0x5xXH3UmEOi0FwCBFuDpBASqwUWgMzvoUkK96rz5mMhZoJZjFIE6lkKggRgIdAkHHSTUL857T9gtBeo8RqsUqOlzkfJSPESKJDD34SxjoI2DSsRZsDbJ6iHSiJewl+AxWqdATVfmFJdiGVMogbkPYSH7BJnzgMCfVwKd8BL2EztGKxWo6drw0lIspI8lMPcSFtJOsDkPLO/PjUB7M3Udo7UKlC2FIlad+0K+mcmcEkJyF4JAHUnc+2pzX8Y31Yjz7J4z8ZhBoI4k7n2NuS9jnBrNOS13BxCoI4l7X1nuyzinwJzC3wtfSGjuNiBQRxL3vpbcl9JO6T2no0DnyN0NBOpI4t5rz30p+Qx9t24l0BlydwWBOpK495pzX8I9Yz/p9BDoPLk7g0AdSdx7pbnP754+c/Y8JRILdK7c7alVoJ7rbk0X0gfi2dak3M9NEb/MvN+cJU/Y4wQqOPt9jePdW6CeO79Mt3IG4tnW+Nxv2iXKoCXmLF6cFCbQ0iucNffxpZZlQlvWAvU8e6C81KKHiQTi2da43O/YZapBI8V5IEqgkrPf1zjenQXaNGGBa0oteZxdIJ5tDc+91y5jDTqHOVuCBHrrChfLPaLUkkxqC4HOWGqNA2o2BnQ14VdL9DCfOVvmEOhiua9xvCPQGUutcUDNRklXBwsN0UsRM95znhMqUMZ7EQjUtdQaB9Rs9HR1ZqEivZQJdClztsQIlPE+hGoFykMkEZ5tPdvVtYX6BFPmz0XN2TJRoP1hBeZ+xRrHu7VAWcYkwrOtG109Y6Fe0fT5c3lztgwV6JCwAnO/zRrHu7dAWUgvwrOtTlf3LdQvnmf9qTJnS7FAh4QVmPtd1jjezQVa65ZCe2xzL7LQGHVpxXmgX6DqF+AOrmOmgFq3cvpO5BIS926Ze7GFhklLfNN5xh2BqtPvx3HMFIJAHUncu1vuwyxU9mU9H3RKDoe/JVB19sWYjZkhIFBHEvdulPsIC93/515xaty5YydQdeJj8Rkzg0GgjiTu3ST3kRZ65r+XmFP6O4lsch9H4t4RqCOJe9fnPsFDVwJNYM4Wfe4TSNw7AnUkce/S3Kfq6CTQPOZsYbxrkAv008sf/9j94fPrh4eHVwh0S+LeNbkHWel37885dzyTAONdwwICfds0//JvX99+f/Mfv7x52Av008uHLa1NEWhWls09UExZzdnCeNcwu0Dfb9fq/8u//fNvzb/+x41//tA6c3P/+dPOoq9iBMpOpAF4htXHAPdM2n55bs7AX+lRWqoojTiBeo73QELH6NwC3flzI9D//mvT/Ok/r/55e9+5E+jT/n8+vfzh1wiBshd+AJ5h3WOEqW67avA9Z+Cv9Hi+1JhIwgTqOd4DiR2jMwv0H3/e3Hj+9183b+G3Bv358p83b+D/9/4z0Hf7W8/Nf/glQKBTTklxKLXo6TSeYT3HaFNdumrUu/WYX+nxbKkJuUQJ1HO8BxI8RmcW6NvtbedOoF83b+K/ufzndw8/7R8ifXnzl7/v/suHq/fwI3prmrCUNKWWPB/RM6xrJpvq6Krxn3NO/ZUez5aaHk+QQD3HeyDRY3RegW6kubnr3Av068erT0G379v3Av38un3r/mH7UeiOb1tum/kup5BGfPPKSrm2deL3iZxUdd+cg0pNbepdyNgAACAASURBVOpQKjirydiPhql4dvWcQPfqbAX6jz9fCPTz681t54VAnxDosqVc29oxWVOtqnrerg+1XoRATSey82gIwbOrcQLdfe75rEAPjLg7PoU08vZaXYq38EELlHrMefmGfb5fKvfb5dv0yKy28Ba+DJvciwR69hb+/cVj+A+7B+9zCNT0uUh5qXU/RBohpyt6zXnzw86gX+lxwZxZHeEhUiEuuRcJ9Ovb7eeee4H+48/nD5E+vdw9N3r2M9ApAjVdmVNcaqXLmAZp6RkKzPn8c6Lpv9Kjy6xZXcIyplJMci8T6Maa2zWgG4G+3+1HOrsBPfLDr7FP4R9d14aXllrbQvpSO95lijlbpvxKjw6zZvUMLKQvxiP3MoG2C+n3nG/mPBPo13f79Z9B60CnXJgDiXsfnHuZHe8w6Z7znKm/GniWRMtgvGtYZivnDX8eaA8TCd6JxIBSMST3abYqEefA3eujBTpfnqUw3jUsc5hIc3MfZ1eg0XvhGVAiCnMfa6otM5izZbhAZ06zHMa7Bpvj7J4eOI3pSOLe+3IfJbYjc5mzpUCgy6Q4HMa7BhuBch5oh8S9P5v7FLFtmdWcLfcEumiKw2G8a5ALtJelL8yBxL3fyn2q12YX54GbAl0+wzEw3jXMK9DtEUznXB3IhEBvkLj3i9ynKm0hc7acC1SU4DgY7xqWFujtY5UR6DmJez/lPkllS91zntMKVJnfWBjvGhYX6LOP42MFKl8bPqnUwgvpA9m2NUVh83zQ2bv6ve1+jQu6rxCMrNzjfdx3Fgl0twx0v/7zY7PdyfnPvw1+Fz/6uix2J44rtexWzjCmHNjeZ84p9513ujq/gDVuKbxEMbKSjvdJbZUJtHMG6P5gka9vr49Vjhfo4W531JUZlFr0MJEYOqYaZtB+c059z15+9vsaD7W4QDKyEo73HVPaKhJoK82DTLfv3j8OfQ8/4bq8TmgbUGrJ4+ymc2WqMoOWmDPi484BZ7+v8Vi1czQjK9d4PzKprSKBtgfZ7dmfB3p1KigCvSbNgLqnqknmDBDnRVcRuQeCQDukGe/nLCHQsztQBFqNQO+p6lmBLmzOlsDcA0GgHfzH+03mF+jmLfzxDXv7Z97CpxboXVU9L1CJOYeHhUAR6ADmF+juLKb9PejHZvc8/vJY5VkEykOkWehX1pU/F77nnBoWD5F4iDSEKW2VCXS7bOnI5tbzbcMypoIvtFvWUWqwgz9LxDm/OQ8E5h5I7EvIMiYFE9oqE+jhMLst7TLQgTegLKSfVmoyw0y2sDkLryEw90BCX0IW0ksY31apQA8K3XlzI9DbxyqHC5StbZMZKjNHcw7EIvdxMN41cBqTI9reh+ssvTlbEo8ZxruGBQX6z78NPkgEgS5NsDvjxLnICR+JxwzjXcNiAt0+j0eghUh6D3VnMnO2JB4zjHcNywi0PZUJgRaydO9x4vzu96m/2VJizpbEY4bxrmEJgbYP4s9/LTwCvcNivceJ83DXGSDQpS7+msRjhvGuYXaBfmwXMQ1++o5AZ2SY0frM2X3HPkqgc19uKYnHDONdw7wCPa6jH61PBBpLtDmvPu0cJtDZrnMciccM413DnAJ93751/78jVn8i0GDizXn7QVGhQOMvMILEY4bxrmE2gR5+m8fP45bPTxUoO5E69Nmss319tDivSxmZk51I3iTufS6B7v2596ZAoOyFbym5G9ztX59qzk6pkl+esSjshTcnce/zCfT00H15gR6234+8NnmpkNNpSty5JcScXX9eGLQ8oJkIzD2QwIG1BYFqmPcOdH/05+ICbZqw0akpNe18xDhxDlwPP+CXZyxIYO6BBA6sHQhUw3wPkd7uh8f3CHR4qZECLRVduDnPBRr4xjQCBGpP4t7nfArfPkda/in86gRa7rh5zNkSLYUYEKg9iXufeSH95GX0CPReqUG/QLjHnKN+nfvoK1wQBGpP4t5n34l0WEu/6E6kwLEpKVXyEGnAL2DvM+fwX+Y++ZdnLElg7oEEZ4VANSyxF/4ff96NlCX3wgeOTUWpnov+7e56oVJzHr9qiD+jrnBRonKPJTYrBKphoePs3u4Gy4KnMQWOTUGp5y/6zHojzXn1QWeJP4OvcFmm5z4HoVkhUA2LnQe6faLEcXaF3Oi97AZxhodEQ1uvLPcskLuGJX+lx3sEWki391LR9apzqDtHtl5L7skgdw38TiRHdr2HiXOoOqe1nj73nJC7BgRqx0ZhJScalYhzSXO25M39cZ0T2YHEvSNQH04muytQU3O2JMz9ROLeyV0DAjXgSmi3BeptzpZMuV+RuHdy14BAlTzntQuBxptzvktKkftzJO6d3DUgUAk9fjsKNMEt5wXeufeQuHdy11CrQD0X0u8o0NzvJe4ctvlyoSvMXSrvRCZ3EZUK1HMrZ9DKpO2XlG+/XPQKk5dKO5HJXUWdApWcAHKfCHWevq7kAJClr7CCUlknMrnLqFKgTRM2DKaXijXnuT9vG3TpK6ynVNKJTO46EOhcpcrEOfDYj/sCXfgK6yuVdCKTuw4EGl4qxpx3H69fCnThK6y2VNKJTO46EGhcqShzfvdd31bOgz4jPqpKP/sCSyWdyOSuo0qBLv1JeJw529vO3r3wgReY/glEYKmsE5ncZdQp0KXWYhSac/B6+OcFOsMFZl8DE1gq7UQmdxWVCnTu1cBx4rz5UecNgc54gclXYQeWyjuRyV1ErQKda2tbnDjvPSTqCnSWy5gPthRqIHcNCLSQZczZFWhs/0vBRNZA7hoQaA9l4ixzZ1mhx3UOKAcS907uGhDocxSbM+w3uXWan9i7ECayBnLXgECvGGDOoVswe815aH5s73qYyBrIXQMCPTHInPfVOdach+ZHXrQBTGQN5K4BgT46mfPQ/MiLNoCJrIHcNaxboMPMGfN+veTp+hoHlAOJeyd3DesUaKg4Y925b37kRRvARNZA7hpqFegzeyCCxTnUnYE7M9iJNEOpZScyL+GBvAIdH5a3QK924cabc8THnYF7g9kLP0epRScyL+GRtAKdEJa1QJvmeGUyc97tqi/cARc4mcBa2UstOZF5CU9kFeiUsJwFuruo4t+6Nr85z9MOOB9xQKleAmulL7XgROYl7JBUoJPCqkagBeIsLBUXNwKtfiLzEnZAoAkFWnbLef/Xt5WZs9sVAnUuhUCrzz2StQp0yJv1wN9/iUDtSyHQ6nOPpFqBPh4EOtydV9/xrD/HdVWWNg+R6n+YwUt4IqlAq32ItLuyS+kNNee5QSe689hVWdosY1rBchpewiNZBVrtMqbtlZ2kN9KcXYNOduehKxbSO5diIb2mVFqBVruQftPf7zHHfsSYc2jzi/60UNhSqIHcNdS6lfPxa5A7R/74aaxxQDmQuHdy17A2gZqb89C88odPg4msgdw1rEigGczZssYB5UDi3sldQ70C/T3bbWeHNQ4oBxL3Tu4a6hZouTlt3LljjQPKgcS9k7uGigWa05071jigHEjcO7lrWLdAR9aenTUOKAcS907uGtYp0JE1F2ONA8qBxL2Tu4ZaBdrdiTRRnp47M9jGMkOpvBPZM/dS8uZeq0Bv7IUfe+PpuTeYjdRzlEo7kT1zLyZt7rUKtGkuT2MaeZWup9MEdpX+KJ/AUlknsmfu5WTN/bFSgTYHgb6Y/HFn04SNqAGlOA/UM3dTPHMfQNLct9QrULsBhUDtSyWdyJ65DyBp7lv8BTqC0yigVNK2PEuZQlj54Q40shR3oJ65m+KZ+wCS5r7F/w50THOBg0BSiodIprmb4pl7OVlzf6xVoKbLOopLsYzJNXdTPHMvJm3u1QrUdGFxaSkW0mtK5Z3InrmXkjf3agXK1jYR5K6B3DUgUEcS907uGshdAwJ1JHHv5K6B3DUgUEcS907uGshdAwJ1JHHv5K6B3DUgUEcS907uGshdAwJ1JHHv5K6B3DUgUEcS907uGshdQ60C9VxYzEJ671LL5m76EgpAoG4C9dzaxlZO81KL5m76EipAoGYCbZqwESUpxWEi9edu+hJKQKBeAm2asBGlKcVxdtXnbvoSakCgCDS0FAKtPnfTl1ADAkWgoaUQaPW5m76EGhAoAg0thUCrz930JdSAQL0EavpZf3kpHiLVn7vpSygBgZoJ1HS1SXEpljGtIHfTl1ABAnUTqOl659JSLKTXlGIhvQYEaidQtraJIHcN5K4BgTqSuHdy10DuGhCoI4l7J3cN5K4BgTqSuHdy10DuGhCoI4l7J3cN5K4BgTqSuHdy10DuGhCoI4l7J3cN5K4BgTqSuHdy10DuGhCoI4l7J3cN5K6hVoF6bhjx3BGTPKzAUnl3IiFQEZUK1HPLsuee7OxhBZZKuxcegaqoU6BNEzY6JaU4jan+3CNfwkcEqqJKgTZN2OjUlOI80Opzj3wJtyBQDQjUsRQCrT53BNohce8I1LEUAq0+dwTaIXHvCNSxFAKtPncE2iFx71UK1PSz/vJSPESqP/dYfyJQEXUK1HS1SXEpljGtIPdQfyJQEZUK1HS9c2kpFtJrSrGQXkPi3msVKANKBLlrIHcNCNSRxL2TuwZy14BAHUncO7lrIHcNCNSRxL2TuwZy14BAHUncO7lrIHcNCNSRxL2TuwZy14BAHUncO7lrIHcNCNSRxL2TuwZy11CrQD3XO3su6E4eVmCpZSey6UL60LbKQKBuAvXccee5pTB7WIGlFp3Ipls5Y9sqA4GaCTTwoAZJKQ4TMc09kMiX8DFOoMFtlYFAvQTaNGHDQFOK4+w8cw8k8iXcEiTQ6LbKQKAINLQUAvXMPRAE2gGBItDQUgjUM/dAEGgHBIpAQ0shUM/cA0GgHRCol0Drf5gROcqzhxVYiodIPEQaSJ0CrX85TeQoTx5WYCmWMbGMaSCVCrT+Bd2Rozx3WIGlWEj/yEL6YdQqULa2iSB3DeSuAYE6krh3ctdA7hoQqCOJeyd3DeSuAYE6krh3ctdA7hoQqCOJeyd3DeSuAYE6krh3ctdA7hoQqCOJeyd3DeSuAYE6krh3ctdA7hoQqCOJeyd3DeSuoVaBVr8jhp1IM5RaNnfTnUgCEvdeqUCr35PNXvg5Si2au+leeAWJe69ToIFHykhKcRpT/blHvoSPCFRFlQJtmrDRqSnFeaDV5x75Em5BoBoQqGMpBFp97gi0Q+LeEahjKQRafe4ItEPi3hGoYykEWn3uCLRD4t6rFKjpZ/3lpXiIVH/usf5EoCLqFKjpapPiUixjWkHuof5EoCIqFajpeufSUiyk15RiIb2GxL3XKlAGlAhy10DuGhCoI4l7J3cN5K4BgTqSuHdy10DuGhCoI4l7J3cN5K4BgTqSuHdy10DuGhCoI4l7J3cN5K5BKtBPLx8eHl61f/n8uvMXBJoVctdA7hqUAv3wsOOHX48yfXj48Q8Eus4B5UDi3sldg1CgG2X+srvx/Onr4X82/+lVjEA91zt7LuhOHlZgqYVzD8S0rUIQ6BiBvtvL8tPL7S3o0/7ec/+X6QL13HHnuaUwe1iBpZbNPRDTtkpBoBMeIn1+vXVma9Mvb7Z3pZMFGnhQg6QUh4msIPdATNsqBoFOEOinl5t7zy9v/vL33d8+XL2HH9Fb04SNKE0pjrOrP/dATNsqB4GOF+jhk9D2rfuH3SeiW75tGVHzNKDGdrWeUqZtVV8qEtO2YAAjX7p3Dw+7W8+jQJ8Q6LKlTNuqvlQkpm3BAMa9dF/ePOwXf94Q6IERd8enATXy9lpdirfw9eceiGlb5fAWftJnoJv38LEC5WHGPG1VX4qHSBoQ6JStnNsVTDc+A50iUJbTDCF5WIGlWMakAYFOEej2MXzsU/hHFnQPIndYgaVYSK8BgY4Q6HHJ524d07v9X4LWgU65MAcS907uGshdg3Qn0v7d+u5de/BOJAaUCnLXQO4a5HvhN+rcvnuP3gvPgBJB7hrIXYPyM9Cn/WlM+zft7V84jWlL4t7JXQO5a5A+RNodAXpQJueBnkjcO7lrIHcNBk/he1j6whxI3Du5ayB3DQjUkcS9k7sGcteAQB1J3Du5ayB3DQjUkcS9k7sGctdQq0DZETOAyFqWE9k090gscy8lce+VCpQ92QMI3UjtOJFNcw/FMfdiEvdep0AlR/kElsp6GtOj5UQ2zT0Ww9zLSdx7lQJtmrCBrimV9DzQLX4T2TT3YPxyH0Di3hGoYykEGohp7sH45T6AxL0jUMdSCDQQ09yD8ct9AIl7R6COpRBoIKa5B+OX+wAS916lQHmINE9bJRhOZNPcYzHMvZzEvdcpUJYxDSHUCY4T2TT3UBxzLyZx75UKlIX0Q4isZTmRTXOPxDL3UhL3XqtAGVAiyF0DuWtAoI4k7p3cNZC7BgTqSOLeyV0DuWtAoI4k7p3cNZC7BgTqSOLeyV0DuWtAoI4k7p3cNZC7BgTqSOLeyV0DuWtAoI4k7p3cNZC7BgTqSOLeyV0DuWuoVaDsRBJhOZEDc3fFMvdSEvdeqUDZC6/CcSIH5m6LY+7FJO69ToFyGpMMw4kcmLsvhrmXk7j3KgXaNGGC0ZTiXMpAAnM3xi/3ASTuHYE6lkKggSBQexL3jkAdSyHQQBCoPYl7R6COpRBoIAjUnsS9VylQHiLpMJzIgbn7Yph7OYl7r1OgLGOS4TiRA3O3xTH3YhL3XqlAWUivwnIiB+buimXupSTuvVaBMqBEkLsGcteAQB1J3Du5ayB3DQjUkcS9k7sGcteAQB1J3Du5ayB3DQjUkcS9k7sGcteAQB1J3Du5ayB3DQjUkcS9k7sGcteAQB1J3Du5ayB3DbUKtPqF9JHkDiuw1BonsgOJe69UoNVv5YwkeViBpdY4kR1I3HudAq3+MJFIsocVWGqNE9mBxL1XKdCmCZt+mlJLDqj0YQWWWuNEdiBx7wjUsRQCrT/3YBCoBgTqWAqB1p97MAhUAwJ1LIVA6889GASqoUqB8jBjCNnDCiy1xonsQOLe6xQoy2mGkDyswFJrnMgOJO69UoGyoHsIucMKLLXGiexA4t5rFSgDSgS5ayB3DQjUkcS9k7sGcteAQB1J3Du5ayB3DQjUkcS9k7sGcteAQB1J3Du5ayB3DQjUkcS9k7sGcteAQB1J3Du5ayB3DQjUkcS9k7sGcteAQB1J3Du5ayB3DbUKtPodMYFdmYYVCDuRvEnce6UCrX5PdmBXpmEFwl54cxL3XqdAqz8VKLAr07AC4TQmdxL3XqVAmyZsJmtK9V10YFemYQUSmLsxCFQDAnUshUADQaD2JO4dgTqWQqCBIFB7EveOQB1LIdBAEKg9iXuvUqCmz0XKS/EQKZLA3H1BoBrqFKjpypziUixjCiUwd1sQqIZKBWq6Nry0FAvpYwnM3RUEqqFWgTKgRJC7BnLXgEAdSdw7uWsgdw0I1JHEvZO7BnLXgEAdSdw7uWsgdw0I1JHEvZO7BnLXgEAdSdw7uWsgdw0I1JHEvZO7BnLXgEAdSdw7uWsgdw21CtRzbXj9C7o9F9KXkjd3BCqiUoF67k6sf0uh51bOYtLmjkBV1ClQz/Mx6j/UwvMwkXKy5v6IQFVUKdCmCZvJmlJJB1RgWBqS5r4FgWpAoI6lkg4oBKoDgWrwF+gIThO50lKm1H+FAPPAHWhkqaT/j8wdqA7uQDX434GOaS5wHktKZR1Qyf2ZNvdHBKqiToGyjElEbn/mzR2BqqhUoCykF5Han4lzR6AiahUoA0oEuWsgdw0I1JHEvZO7BnLXgEAdSdw7uWsgdw0I1JHEvZO7BnLXgEAdSdw7uWsgdw0I1JHEvZO7BnLXgEAdSdw7uWsgdw0I1JHEvZO7BnLXgEAdSdw7uWsgdw21CrT6nUiuW36YyBrIXUOlAq1+L7ztpnMmsgZy11CnQKs/jcn32CMmsgZy11ClQKs/D9T44E0msgZy14BAHUshUA2Jeyd3DQjUsRQC1ZC4d3LXgEAdSyFQDYl7J3cNVQqUh0g6mMgayF1DnQJlGZMMJrIGctdQqUBZSK+CiayB3DXUKlAGlAhy10DuGhCoI4l7J3cN5K4BgTqSuHdy10DuGhCoI4l7J3cN5K4BgTqSuHdy10DuGhCoI4l7J3cN5K4BgTqSuHdy10DuGhCoI4l7J3cN5K4BgTqSuHdy10DuGmoVaPU7kVxhImsgdw2VCrT6vfC2MJE1kLuGOgVa/WlMvjCRNZC7hioFWv15oMYwkTWQuwYE6lhqjQPKgcS9k7sGBOpYao0DyoHEvZO7BgTqWGqNA8qBxL2Tu4YqBcpDJB1MZA3krqFOgbKMSQYTWQO5a6hUoCykV8FE1kDuGmoVKANKBLlrIHcNCNSRxL2TuwZy14BAHUncO7lrIHcNCNSRxL2TuwZy14BAHUncO7lrIHcNCNSRxL2TuwZy14BAHUncO7lrIHcNCNSRxL2TuwZy11CrQFlIL4KJrIHcNVQqULZyqmAiayB3DXUKlMNEZDCRNZC7hioFynF2OpjIGshdAwJ1LLXGAeVA4t7JXQMCdSy1xgHlQOLeyV0DAnUstcYB5UDi3sldQ5UC5SGSDiayBnLXUKdAWcYkg4msgdw1VCpQFtKrYCJrIHcNtQqUASWC3DWQuwYE6kji3sldA7lrQKCOJO6d3DWQuwYE6kji3sldA7lrQKCOJO6d3DWQuwYE6kji3sldA7lrQKCOJO6d3DWQuwYE6kji3sldA7lrQKCOJO6d3DWQu4ZaBcpOJBFMZA3krqFSgbIXXgUTWQO5a6hToJzGJIOJrIHcNVQpUM4D1cFE1kDuGhCoY6k1DigHEvdO7hoQqGOpNQ4oBxL3Tu4aEKhjqTUOKAcS907uGqoUKA+RdDCRNZC7hjoFyjImGUxkDeSuoVKBspBeBRNZA7lrqFWgDCgR5K6B3DUgUEcS907uGshdAwJ1JHHv5K6B3DUgUEcS907uGshdAwJ1JHHv5K6B3DUgUEcS907uGshdg1Sgn14+PDz88Ov+L59fb/7yCoFuSdw7uWsgdw1Kgb572PPqKNOHhx//QKDrHFAOJO6d3DUIBfq0V+e7h7/8fXf/+dPOoq9iBMpCehFMZA3krkEo0HetLN9t1fm0v/f89PLwjn6aQNnKqYKJrIHcNegE+uXN9s7z69adPx1t+uXNwy8BAuUwERlMZA3krsHgKfxWoEebfrh6Dz+iN46z08FE1kDuGvQC3d10fn7dvnX/sL0d3fFty4iSJ1WN7sq7FABUxXgpfNh++nkU6BMCBYC1MVoKT+1D+CuBHhhxd8xbeB28ldRA7hrUb+H3/gwWKA+RdDCRNZC7BrFAP+z9eesz0CkCZRmTDCayBnLXIBXolzeHjZyxT+EfWUgvg4msgdw1KAW68edx5+a7/frPoHWgUy7MgcS9k7sGctcgFGjXn9E7kRhQKshdA7lrEAr0Q/fkkOi98AwoEeSugdw16AS6O77u4XgE09MDpzEdSdw7uWsgdw06gT49nAmU80A7JO6d3DWQuwb1OtB+lr4wBxL3Tu4ayF0DAnUkce/kroHcNSBQRxL3Tu4ayF0DAnUkce/kroHcNdQqUM+dSKWscUA5kLh3ctdQqUA998IXs8YB5UDi3sldQ50C9TyNqZw1DigHEvdO7hqqFKjneaADWOOAciBx7+SuAYEuVmoAaxxQDiTundw1INDFSg1gjQPKgcS9k7sGBLpYqQGscUA5kLh3ctdQpUB5iKSDiayB3DXUKVCWMclgImsgdw2VCpSF9CqYyBrIXUOtAmVAiSB3DeSuAYE6krh3ctdA7hoQqCOJeyd3DeSuAYE6krh3ctdA7hoQqCOJeyd3DeSuAYE6krh3ctdA7hoQqCOJeyd3DeSuAYE6krh3ctdA7hpqFahg9XsgaxxQDiTundw1VCpQxf7LQNY4oBxI3Du5a6hToJITQAJZ44ByIHHv5K6hSoFqzqALZI0DyoHEvZO7BgTqyBoHlAOJeyd3DQjUkTUOKAcS907uGhCoI2scUA4k7p3cNVQpUB4i6WAiayB3DXUKlGVMMpjIGshdQ6UCZSG9CiayBnLXUKtAGVAiyF0DuWtAoI4k7p3cNZC7BgTqSOLeyV0DuWtAoI4k7p3cNZC7BgTqSOLeyV0DuWtAoI4k7p3cNZC7BgTqSOLeyV0DuWtAoI4k7p3cNZC7BgTqSOLeyV0DuWtAoI4k7p3cNZC7BgTqSOLeyV0DuWtAoI4k7p3cNZC7BgTqSOLeyV0DuWtAoI4k7p3cNZC7BgTqSOLeyV0DuWtAoI4k7p3cNZC7BgTqSOLeyV0DuWtAoI4k7p3cNZC7BgTqSOLeyV0DuWtAoI4k7p3cNZC7BgTqSOLeyV0DuWtAoI4k7p3cNZC7BgTqSOLeyV0DuWtAoI4k7p3cNZC7BgTqSOLeyV0DuWtAoI4k7p3cNZC7BgTqSOLeyV0DuWtAoI4k7p3cNZC7BgTqSOLeyV0DuWtAoI4k7p3cNZC7BgTqSOLeyV0DuWtAoI4k7p3cNZC7BgTqSOLeyV0DuWtAoI4k7p3cNZC7Bn+BjuTbb9UdrBNy10DuGqJyR6Cwg9w1kLsGBAqhkLsGcteAQCEUctdA7hoQKIRC7hrIXQMChVDIXQO5a0CgEAq5ayB3DQgUQiF3DeSuoVqBAgBkAYECAIwEgQIAjASBAgCMBIECAIwEgQIAjASBAgCMBIECAIzES6CfXz88PLxSd7E6drFv+OFXdSdr4vPrn45/YtgvxzH3kGFvJdBPL3cX9OMf6kZWRps7Al2Udw/tRGbYL8pl7vUIdPP/CD/tLuuVupOV8XQYUrAc7x7a1Bn2i3LMPWbYOwn0af9/wp9ecie0LO+Yu0uzu/vZz1+G/YJ0co8Z9k4CbS/oy5uHX8SdrIsvb/7yd3UPK+PDZhYfboAY9svRzT1m2BsJ9HhBH7ghWpTPr3/8r5d8ArokHzZDvZ3IDPsF6eQeNOyNBPr5dXstH/hIblEOH6ZzB7Qo7URmW46RewAABupJREFU2C/MQaAxw95RoDzTWJan/RqaTy95J78klwJl2C/D0/Gz54hhj0DhcOvDe8hFQaAano7DPWLYI1A48OklSxEXBIFquMx52rB3FCgfBmlgIc2i8BmohmuBThn2RgLlcaQY7kAXhafwGqq9A/36bv88jAVxy3KcwbyHXJTTOlCG/ZJc/h/XtGHvJFC2ZGg47Mh4xwxektPTYIb9klxsYJg47J0EyqZgDZvEt0PoieMsFuW0oJthvySddaABw95JoNuVWRxLI+ADhzEJOL51ZNgvyjH3kGFvJVAORhSxy50PQJfl9Nkbw35JLnKfOOy9BAoAkAgECgAwEgQKADASBAoAMBIECgAwEgQKADASBAoAMBIECgAwEgQKADASBAoAMBIECgAwEgQKADASBAoAMBIECgAwEgQKz/K2ab45/e2ff2uan6cV/O+/NluORd82f/rPMW2N+a7t1Rz4l38b8f2zNAXJQaDwLFvfnZT5/kynI9gauKUttIxAP+6/vCPQJtB2x+oIdI0gUHiej03zr//R/vkffz79eRQdfx4EtohA3zY3BBqmu7eTLgWyg0DhDhvpfL//0/Q38BsbtxXeN5NqjRbo8dsmNjChGagMBAp32LyJbz8vjHgD372bnaCd6QKdfjVjm4HKQKBwj4/tm92NSSeKYiPQk7PeTvk4IECg0ww+oRmoDAQK99i+c9++iX/beXK9/zDz5I322fr3h3/8eaOn3Vvk/Re237j5y5Vq9vbZfP/3u3fVh48L2u987ideO+usg/Of+745/NPb85Y3f+n2ev4zdrb/eHjctfua4zd3v/BG9bM6Ny4NqgKBwl028tiY6GPHAO+vHqW37G4qN/74X+1fPp79w/brLm87jwL9n3/tfuXxR3xz8ydeCfS8g/Ofe1ugm6v65qzX08/YXedWoG8PRdo/nD7LOH3hdfXzOteXBnWBQOE+248Lu3eP79vbq7etz97vXbG9Cdz+fXsDtlHNP//P8W3y4fPGy0WgXzsCPd6wft/5EW/P/3r8iZcCvejg8uc+8xno991et/9ha7jDwq3dbeQ3X1s3f9Np4uILL6tf/PPVpUFlIFC4z3bu/4/T2+n9vduW97v/uFHE/u/tp6Snp/XvDzddhw88d++EzyR6EujP7Y9q/76TUfvY6fInXgr0soPLn3st0FacnV6PH/G2P/MovIOVD9Uuv/Ci+uU/X14a1AYChR523uu8gT+8F90/FfrY+YyzVc/xffjVhp/j+9u23oV1Wkl9PGhtX/vyJ14K9LKDy597ex3oN19v97q52u+7//L29NZ938z5F14I9PKfLy8NagOBQh/vz5+gPLcR8+1BoO1/3X4UeX3X9bFr0KNAj7eYewN2XXP9E5998H3079kX3BToN23pK73tm7nxL3tPX37hhUAv//ny0qA2ECj00d5r7Wg/yDx7aLNl96FhK9DTG/TOzWaX94dHMp2n8O0/bEucC/L6J94W6LGDy597Q6DdZ+3tHzpv7/fP54+PyLoCvfrCc4Fe/fPlpUFtIFDoo0egH8/+2r1hPHzoeX12x9um8/53skDPO7j8uc9vtuwK9Pwu945An7kdvvi29j8g0NpBoNDHhUDPt/Acdrj/fHoL/831P/988SFgK5ZCgV5sGrow4WUHFz+3UKDcgcIYECj00RXo1dPk98f3yjcF2n7J5nved7ef9wi0dc2u1vXz6wsTXnZw8XNLBHrrM9CbAh3xGSgCrRoECn10BdrZkrQz20lvG1ecCfTsw9D9svqTQt53bw4vLXN8Cr/5wT9f/cRLE152cPlziwR6svvHwwrR2wK9/MKrp/Dn/4xAaweBQh9nAj3tIt957qSv95efgb4/38S5e1O9/9rtx5rt0vhbAj2u/Xl7WAfa/YnPC/T9YU/R+ebREoHeWAd6W6DD14Ei0KpBoNDHmUC3mtoJqn2D3O732T3qaRenn6R03NXz89fuOvqL5ztXlvl4LP39jZ94th5p8/WXHVz+3PcXD5NOdG5WOzuIvv96R6CXX3hZ/eKfEWjtIFDo41ygp9XwO2McH5L/6d8Pmxa/OX1f011R1Hme3t4jPiPQZ/fCXy/o3Hz9ZQeXP/dwJshdgd7YC/+1bfFcoBdfeFX9ai88Aq0aBAp9XAj0/JCl1md7kX1z8RDpfVeDx+/sfuttgd4+jenw9wuBXnZw9XPblfX3Bdr+jG8u/+VKoOdfeF397J8RaO0gUACAkSBQAICRIFAAgJEgUACAkSBQAICRIFAAgJEgUACAkSBQAICRIFAAgJEgUACAkSBQAICRIFAAgJEgUACAkSBQAICRIFAAgJEgUACAkSBQAICRIFAAgJEgUACAkSBQAICR/H+pMZb1EJqevwAAAABJRU5ErkJggg=="/>
+          <p:cNvSpPr>
+            <a:spLocks noChangeAspect="1" noChangeArrowheads="1"/>
+          </p:cNvSpPr>
+          <p:nvPr/>
+        </p:nvSpPr>
+        <p:spPr bwMode="auto">
+          <a:xfrm>
+            <a:off x="460375" y="160337"/>
+            <a:ext cx="304800" cy="304801"/>
+          </a:xfrm>
+          <a:prstGeom prst="rect">
+            <a:avLst/>
+          </a:prstGeom>
+          <a:noFill/>
+          <a:extLst>
+            <a:ext uri="{909E8E84-426E-40DD-AFC4-6F175D3DCCD1}">
+              <a14:hiddenFill xmlns:a14="http://schemas.microsoft.com/office/drawing/2010/main">
+                <a:solidFill>
+                  <a:srgbClr val="FFFFFF"/>
+                </a:solidFill>
+              </a14:hiddenFill>
+            </a:ext>
+          </a:extLst>
+        </p:spPr>
+        <p:txBody>
+          <a:bodyPr vert="horz" wrap="square" lIns="91440" tIns="45720" rIns="91440" bIns="45720" numCol="1" anchor="t" anchorCtr="0" compatLnSpc="1">
+            <a:prstTxWarp prst="textNoShape">
+              <a:avLst/>
+            </a:prstTxWarp>
+          </a:bodyPr>
+          <a:lstStyle/>
+          <a:p>
+            <a:endParaRPr lang="en-US"/>
+          </a:p>
+        </p:txBody>
+      </p:sp>
+      <p:pic>
+        <p:nvPicPr>
+          <p:cNvPr id="9" name="Picture 8"/>
+          <p:cNvPicPr/>
+          <p:nvPr/>
+        </p:nvPicPr>
+        <p:blipFill rotWithShape="1">
+          <a:blip r:embed="rId3"/>
+          <a:srcRect l="22886" t="40700" r="37084" b="12603"/>
+          <a:stretch/>
+        </p:blipFill>
+        <p:spPr bwMode="auto">
+          <a:xfrm>
+            <a:off x="5181600" y="1142999"/>
+            <a:ext cx="2788920" cy="2514601"/>
+          </a:xfrm>
+          <a:prstGeom prst="rect">
+            <a:avLst/>
+          </a:prstGeom>
+          <a:ln>
+            <a:noFill/>
+          </a:ln>
+          <a:extLst>
+            <a:ext uri="{53640926-AAD7-44D8-BBD7-CCE9431645EC}">
+              <a14:shadowObscured xmlns:a14="http://schemas.microsoft.com/office/drawing/2010/main"/>
+            </a:ext>
+          </a:extLst>
+        </p:spPr>
+      </p:pic>
+    </p:spTree>
+    <p:extLst>
+      <p:ext uri="{BB962C8B-B14F-4D97-AF65-F5344CB8AC3E}">
+        <p14:creationId xmlns:p14="http://schemas.microsoft.com/office/powerpoint/2010/main" val="3237407644"/>
+      </p:ext>
+    </p:extLst>
+  </p:cSld>
+  <p:clrMapOvr>
+    <a:masterClrMapping/>
+  </p:clrMapOvr>
+</p:sld>
+</file>
+
+<file path=ppt/slides/slide14.xml><?xml version="1.0" encoding="utf-8"?>
+<p:sld xmlns:a="http://schemas.openxmlformats.org/drawingml/2006/main" xmlns:r="http://schemas.openxmlformats.org/officeDocument/2006/relationships" xmlns:p="http://schemas.openxmlformats.org/presentationml/2006/main">
+  <p:cSld>
+    <p:spTree>
+      <p:nvGrpSpPr>
+        <p:cNvPr id="1" name=""/>
+        <p:cNvGrpSpPr/>
+        <p:nvPr/>
+      </p:nvGrpSpPr>
+      <p:grpSpPr>
+        <a:xfrm>
+          <a:off x="0" y="0"/>
+          <a:ext cx="0" cy="0"/>
+          <a:chOff x="0" y="0"/>
+          <a:chExt cx="0" cy="0"/>
+        </a:xfrm>
+      </p:grpSpPr>
+      <p:sp>
+        <p:nvSpPr>
+          <p:cNvPr id="2" name="Content Placeholder 1"/>
+          <p:cNvSpPr>
+            <a:spLocks noGrp="1"/>
+          </p:cNvSpPr>
+          <p:nvPr>
+            <p:ph idx="1"/>
+          </p:nvPr>
+        </p:nvSpPr>
+        <p:spPr/>
+        <p:txBody>
+          <a:bodyPr/>
+          <a:lstStyle/>
+          <a:p>
+            <a:r>
+              <a:rPr lang="en-US" dirty="0" smtClean="0"/>
+              <a:t>Top 3 Factors that Contribute to Turnover: Overtime, Marital Status, and Total Working Years</a:t>
+            </a:r>
+          </a:p>
+          <a:p>
+            <a:r>
+              <a:rPr lang="en-US" dirty="0" smtClean="0"/>
+              <a:t>External/personal factors contribute as well as internal/job function factors</a:t>
+            </a:r>
+          </a:p>
+          <a:p>
+            <a:r>
+              <a:rPr lang="en-US" dirty="0" smtClean="0"/>
+              <a:t>Variables that are correlated with entry level positions/age (work experience, perk eligibility, marital status)	lead to higher attrition</a:t>
+            </a:r>
+            <a:endParaRPr lang="en-US" dirty="0"/>
+          </a:p>
+        </p:txBody>
+      </p:sp>
+      <p:sp>
+        <p:nvSpPr>
+          <p:cNvPr id="3" name="Title 2"/>
+          <p:cNvSpPr>
+            <a:spLocks noGrp="1"/>
+          </p:cNvSpPr>
+          <p:nvPr>
+            <p:ph type="title"/>
+          </p:nvPr>
+        </p:nvSpPr>
+        <p:spPr/>
+        <p:txBody>
+          <a:bodyPr/>
+          <a:lstStyle/>
+          <a:p>
+            <a:r>
+              <a:rPr lang="en-US" dirty="0" smtClean="0"/>
+              <a:t>Conclusions</a:t>
+            </a:r>
+            <a:endParaRPr lang="en-US" dirty="0"/>
+          </a:p>
+        </p:txBody>
+      </p:sp>
+    </p:spTree>
+    <p:extLst>
+      <p:ext uri="{BB962C8B-B14F-4D97-AF65-F5344CB8AC3E}">
+        <p14:creationId xmlns:p14="http://schemas.microsoft.com/office/powerpoint/2010/main" val="5799522"/>
+      </p:ext>
+    </p:extLst>
+  </p:cSld>
+  <p:clrMapOvr>
+    <a:masterClrMapping/>
+  </p:clrMapOvr>
+</p:sld>
+</file>
+
+<file path=ppt/slides/slide2.xml><?xml version="1.0" encoding="utf-8"?>
+<p:sld xmlns:a="http://schemas.openxmlformats.org/drawingml/2006/main" xmlns:r="http://schemas.openxmlformats.org/officeDocument/2006/relationships" xmlns:p="http://schemas.openxmlformats.org/presentationml/2006/main">
+  <p:cSld>
+    <p:spTree>
+      <p:nvGrpSpPr>
+        <p:cNvPr id="1" name=""/>
+        <p:cNvGrpSpPr/>
+        <p:nvPr/>
+      </p:nvGrpSpPr>
+      <p:grpSpPr>
+        <a:xfrm>
+          <a:off x="0" y="0"/>
+          <a:ext cx="0" cy="0"/>
+          <a:chOff x="0" y="0"/>
+          <a:chExt cx="0" cy="0"/>
+        </a:xfrm>
+      </p:grpSpPr>
+      <p:sp>
+        <p:nvSpPr>
+          <p:cNvPr id="2" name="Content Placeholder 1"/>
+          <p:cNvSpPr>
+            <a:spLocks noGrp="1"/>
+          </p:cNvSpPr>
+          <p:nvPr>
+            <p:ph idx="1"/>
+          </p:nvPr>
+        </p:nvSpPr>
+        <p:spPr>
+          <a:xfrm>
+            <a:off x="457200" y="1447800"/>
+            <a:ext cx="8401050" cy="4525963"/>
+          </a:xfrm>
+          <a:effectLst>
+            <a:innerShdw blurRad="63500" dist="50800" dir="8100000">
+              <a:prstClr val="black">
+                <a:alpha val="50000"/>
+              </a:prstClr>
+            </a:innerShdw>
+          </a:effectLst>
+        </p:spPr>
+        <p:txBody>
+          <a:bodyPr>
+            <a:normAutofit/>
+          </a:bodyPr>
+          <a:lstStyle/>
+          <a:p>
+            <a:endParaRPr lang="en-US" sz="2600" dirty="0"/>
+          </a:p>
+          <a:p>
+            <a:r>
+              <a:rPr lang="en-US" sz="2600" dirty="0" err="1" smtClean="0"/>
+              <a:t>DDSAnalytics</a:t>
+            </a:r>
+            <a:r>
+              <a:rPr lang="en-US" sz="2600" dirty="0" smtClean="0"/>
+              <a:t>: Using Data to Solve Problems</a:t>
+            </a:r>
+          </a:p>
+          <a:p>
+            <a:endParaRPr lang="en-US" sz="2600" dirty="0"/>
+          </a:p>
+          <a:p>
+            <a:r>
+              <a:rPr lang="en-US" sz="2600" dirty="0" smtClean="0"/>
+              <a:t>Solutions </a:t>
+            </a:r>
+            <a:r>
+              <a:rPr lang="en-US" sz="2600" dirty="0"/>
+              <a:t>for Fortune 1000 </a:t>
+            </a:r>
+            <a:r>
+              <a:rPr lang="en-US" sz="2600" dirty="0" smtClean="0"/>
+              <a:t>Companies</a:t>
+            </a:r>
+          </a:p>
+          <a:p>
+            <a:endParaRPr lang="en-US" sz="800" dirty="0" smtClean="0"/>
+          </a:p>
+          <a:p>
+            <a:pPr lvl="1"/>
+            <a:r>
+              <a:rPr lang="en-US" sz="2400" b="1" dirty="0"/>
+              <a:t>W</a:t>
+            </a:r>
+            <a:r>
+              <a:rPr lang="en-US" sz="2400" dirty="0" smtClean="0"/>
+              <a:t>orkforce Planning </a:t>
+            </a:r>
+          </a:p>
+          <a:p>
+            <a:pPr lvl="1"/>
+            <a:r>
+              <a:rPr lang="en-US" sz="2400" b="1" dirty="0"/>
+              <a:t>E</a:t>
+            </a:r>
+            <a:r>
+              <a:rPr lang="en-US" sz="2400" dirty="0" smtClean="0"/>
+              <a:t>mployee </a:t>
+            </a:r>
+            <a:r>
+              <a:rPr lang="en-US" sz="2400" dirty="0"/>
+              <a:t>T</a:t>
+            </a:r>
+            <a:r>
+              <a:rPr lang="en-US" sz="2400" dirty="0" smtClean="0"/>
+              <a:t>raining </a:t>
+            </a:r>
+            <a:r>
+              <a:rPr lang="en-US" sz="2400" dirty="0"/>
+              <a:t>P</a:t>
+            </a:r>
+            <a:r>
+              <a:rPr lang="en-US" sz="2400" dirty="0" smtClean="0"/>
+              <a:t>rogram</a:t>
+            </a:r>
+          </a:p>
+          <a:p>
+            <a:pPr lvl="1"/>
+            <a:r>
+              <a:rPr lang="en-US" sz="2400" b="1" dirty="0" smtClean="0"/>
+              <a:t>I</a:t>
+            </a:r>
+            <a:r>
+              <a:rPr lang="en-US" sz="2400" dirty="0" smtClean="0"/>
+              <a:t>dentifying High-Potential Employees</a:t>
+            </a:r>
+          </a:p>
+          <a:p>
+            <a:pPr lvl="1"/>
+            <a:r>
+              <a:rPr lang="en-US" sz="2400" b="1" dirty="0" smtClean="0"/>
+              <a:t>R</a:t>
+            </a:r>
+            <a:r>
+              <a:rPr lang="en-US" sz="2400" dirty="0" smtClean="0"/>
+              <a:t>educing Turnover</a:t>
+            </a:r>
+          </a:p>
+          <a:p>
+            <a:pPr lvl="1"/>
+            <a:r>
+              <a:rPr lang="en-US" sz="2400" b="1" dirty="0" smtClean="0"/>
+              <a:t>D</a:t>
+            </a:r>
+            <a:r>
+              <a:rPr lang="en-US" sz="2400" dirty="0" smtClean="0"/>
+              <a:t>ata Interpretation</a:t>
+            </a:r>
+          </a:p>
+          <a:p>
+            <a:pPr lvl="1"/>
+            <a:endParaRPr lang="en-US" sz="2400" dirty="0" smtClean="0"/>
+          </a:p>
+          <a:p>
+            <a:pPr lvl="1"/>
+            <a:endParaRPr lang="en-US" sz="5000" dirty="0" smtClean="0"/>
+          </a:p>
+          <a:p>
+            <a:pPr marL="109728" indent="0">
+              <a:buNone/>
+            </a:pPr>
+            <a:endParaRPr lang="en-US" sz="2600" dirty="0"/>
+          </a:p>
+          <a:p>
+            <a:pPr marL="109728" indent="0">
+              <a:buNone/>
+            </a:pPr>
+            <a:endParaRPr lang="en-US" sz="2600" dirty="0" smtClean="0"/>
+          </a:p>
+          <a:p>
+            <a:endParaRPr lang="en-US" sz="2600" dirty="0"/>
+          </a:p>
+        </p:txBody>
+      </p:sp>
+      <p:sp>
+        <p:nvSpPr>
+          <p:cNvPr id="3" name="Title 2"/>
+          <p:cNvSpPr>
+            <a:spLocks noGrp="1"/>
+          </p:cNvSpPr>
+          <p:nvPr>
+            <p:ph type="title"/>
+          </p:nvPr>
+        </p:nvSpPr>
+        <p:spPr/>
+        <p:txBody>
+          <a:bodyPr/>
+          <a:lstStyle/>
+          <a:p>
+            <a:r>
+              <a:rPr lang="en-US" dirty="0" smtClean="0"/>
+              <a:t>Introduction</a:t>
+            </a:r>
+            <a:endParaRPr lang="en-US" dirty="0"/>
+          </a:p>
+        </p:txBody>
+      </p:sp>
+      <p:sp>
+        <p:nvSpPr>
+          <p:cNvPr id="4" name="AutoShape 2" descr="Related image"/>
+          <p:cNvSpPr>
+            <a:spLocks noChangeAspect="1" noChangeArrowheads="1"/>
+          </p:cNvSpPr>
+          <p:nvPr/>
+        </p:nvSpPr>
+        <p:spPr bwMode="auto">
+          <a:xfrm>
+            <a:off x="155575" y="-144463"/>
+            <a:ext cx="304800" cy="304801"/>
+          </a:xfrm>
+          <a:prstGeom prst="rect">
+            <a:avLst/>
+          </a:prstGeom>
+          <a:noFill/>
+          <a:extLst>
+            <a:ext uri="{909E8E84-426E-40DD-AFC4-6F175D3DCCD1}">
+              <a14:hiddenFill xmlns:a14="http://schemas.microsoft.com/office/drawing/2010/main">
+                <a:solidFill>
+                  <a:srgbClr val="FFFFFF"/>
+                </a:solidFill>
+              </a14:hiddenFill>
+            </a:ext>
+          </a:extLst>
+        </p:spPr>
+        <p:txBody>
+          <a:bodyPr vert="horz" wrap="square" lIns="91440" tIns="45720" rIns="91440" bIns="45720" numCol="1" anchor="t" anchorCtr="0" compatLnSpc="1">
+            <a:prstTxWarp prst="textNoShape">
+              <a:avLst/>
+            </a:prstTxWarp>
+          </a:bodyPr>
+          <a:lstStyle/>
+          <a:p>
+            <a:endParaRPr lang="en-US"/>
+          </a:p>
+        </p:txBody>
+      </p:sp>
+      <p:pic>
+        <p:nvPicPr>
+          <p:cNvPr id="5" name="Picture 4"/>
+          <p:cNvPicPr>
+            <a:picLocks noChangeAspect="1"/>
+          </p:cNvPicPr>
+          <p:nvPr/>
+        </p:nvPicPr>
+        <p:blipFill>
+          <a:blip r:embed="rId3" cstate="print">
+            <a:extLst>
+              <a:ext uri="{28A0092B-C50C-407E-A947-70E740481C1C}">
+                <a14:useLocalDpi xmlns:a14="http://schemas.microsoft.com/office/drawing/2010/main" val="0"/>
+              </a:ext>
+            </a:extLst>
+          </a:blip>
+          <a:stretch>
+            <a:fillRect/>
+          </a:stretch>
+        </p:blipFill>
+        <p:spPr>
+          <a:xfrm>
+            <a:off x="6577378" y="4876800"/>
+            <a:ext cx="2261822" cy="1752600"/>
+          </a:xfrm>
+          <a:prstGeom prst="rect">
+            <a:avLst/>
+          </a:prstGeom>
+        </p:spPr>
+      </p:pic>
+    </p:spTree>
+    <p:extLst>
+      <p:ext uri="{BB962C8B-B14F-4D97-AF65-F5344CB8AC3E}">
+        <p14:creationId xmlns:p14="http://schemas.microsoft.com/office/powerpoint/2010/main" val="4075600054"/>
+      </p:ext>
+    </p:extLst>
+  </p:cSld>
+  <p:clrMapOvr>
+    <a:masterClrMapping/>
+  </p:clrMapOvr>
+</p:sld>
+</file>
+
+<file path=ppt/slides/slide3.xml><?xml version="1.0" encoding="utf-8"?>
+<p:sld xmlns:a="http://schemas.openxmlformats.org/drawingml/2006/main" xmlns:r="http://schemas.openxmlformats.org/officeDocument/2006/relationships" xmlns:p="http://schemas.openxmlformats.org/presentationml/2006/main">
+  <p:cSld>
+    <p:spTree>
+      <p:nvGrpSpPr>
+        <p:cNvPr id="1" name=""/>
+        <p:cNvGrpSpPr/>
+        <p:nvPr/>
+      </p:nvGrpSpPr>
+      <p:grpSpPr>
+        <a:xfrm>
+          <a:off x="0" y="0"/>
+          <a:ext cx="0" cy="0"/>
+          <a:chOff x="0" y="0"/>
+          <a:chExt cx="0" cy="0"/>
+        </a:xfrm>
+      </p:grpSpPr>
+      <p:sp>
+        <p:nvSpPr>
+          <p:cNvPr id="2" name="Content Placeholder 1"/>
+          <p:cNvSpPr>
+            <a:spLocks noGrp="1"/>
+          </p:cNvSpPr>
+          <p:nvPr>
+            <p:ph idx="1"/>
+          </p:nvPr>
+        </p:nvSpPr>
+        <p:spPr/>
+        <p:txBody>
+          <a:bodyPr/>
+          <a:lstStyle/>
+          <a:p>
+            <a:r>
+              <a:rPr lang="en-US" dirty="0" smtClean="0"/>
+              <a:t>Costs Per Hire $4,129</a:t>
+            </a:r>
+          </a:p>
+          <a:p>
+            <a:endParaRPr lang="en-US" dirty="0" smtClean="0"/>
+          </a:p>
+          <a:p>
+            <a:r>
+              <a:rPr lang="en-US" dirty="0" smtClean="0"/>
+              <a:t>Time to Fill 42 days</a:t>
+            </a:r>
+          </a:p>
+          <a:p>
+            <a:endParaRPr lang="en-US" dirty="0" smtClean="0"/>
+          </a:p>
+          <a:p>
+            <a:r>
+              <a:rPr lang="en-US" dirty="0" smtClean="0"/>
+              <a:t>Employee Tenure 8 Years</a:t>
+            </a:r>
+          </a:p>
+          <a:p>
+            <a:endParaRPr lang="en-US" dirty="0" smtClean="0"/>
+          </a:p>
+          <a:p>
+            <a:r>
+              <a:rPr lang="en-US" dirty="0" smtClean="0"/>
+              <a:t>Annual Turnover Rate 19%</a:t>
+            </a:r>
+            <a:endParaRPr lang="en-US" dirty="0"/>
+          </a:p>
+        </p:txBody>
+      </p:sp>
+      <p:sp>
+        <p:nvSpPr>
+          <p:cNvPr id="3" name="Title 2"/>
+          <p:cNvSpPr>
+            <a:spLocks noGrp="1"/>
+          </p:cNvSpPr>
+          <p:nvPr>
+            <p:ph type="title"/>
+          </p:nvPr>
+        </p:nvSpPr>
+        <p:spPr/>
+        <p:txBody>
+          <a:bodyPr/>
+          <a:lstStyle/>
+          <a:p>
+            <a:r>
+              <a:rPr lang="en-US" dirty="0"/>
+              <a:t>Cost of Attrition - 2016</a:t>
+            </a:r>
+          </a:p>
+        </p:txBody>
+      </p:sp>
+      <p:pic>
+        <p:nvPicPr>
+          <p:cNvPr id="4" name="Picture 2" descr="Image result for Human Resource Managementâs 2016 Human Capital Benchmarking Report"/>
+          <p:cNvPicPr>
+            <a:picLocks noChangeAspect="1" noChangeArrowheads="1"/>
+          </p:cNvPicPr>
+          <p:nvPr/>
+        </p:nvPicPr>
+        <p:blipFill rotWithShape="1">
+          <a:blip r:embed="rId3" cstate="print">
+            <a:extLst>
+              <a:ext uri="{28A0092B-C50C-407E-A947-70E740481C1C}">
+                <a14:useLocalDpi xmlns:a14="http://schemas.microsoft.com/office/drawing/2010/main" val="0"/>
+              </a:ext>
+            </a:extLst>
+          </a:blip>
+          <a:srcRect l="8306" r="13708"/>
+          <a:stretch/>
+        </p:blipFill>
+        <p:spPr bwMode="auto">
+          <a:xfrm>
+            <a:off x="6781800" y="4953000"/>
+            <a:ext cx="1666180" cy="1121664"/>
+          </a:xfrm>
+          <a:prstGeom prst="rect">
+            <a:avLst/>
+          </a:prstGeom>
+          <a:noFill/>
+          <a:extLst>
+            <a:ext uri="{909E8E84-426E-40DD-AFC4-6F175D3DCCD1}">
+              <a14:hiddenFill xmlns:a14="http://schemas.microsoft.com/office/drawing/2010/main">
+                <a:solidFill>
+                  <a:srgbClr val="FFFFFF"/>
+                </a:solidFill>
+              </a14:hiddenFill>
+            </a:ext>
+          </a:extLst>
+        </p:spPr>
+      </p:pic>
+      <p:pic>
+        <p:nvPicPr>
+          <p:cNvPr id="5" name="Content Placeholder 3"/>
+          <p:cNvPicPr>
+            <a:picLocks noChangeAspect="1"/>
+          </p:cNvPicPr>
+          <p:nvPr/>
+        </p:nvPicPr>
+        <p:blipFill>
+          <a:blip r:embed="rId4" cstate="print">
+            <a:extLst>
+              <a:ext uri="{28A0092B-C50C-407E-A947-70E740481C1C}">
+                <a14:useLocalDpi xmlns:a14="http://schemas.microsoft.com/office/drawing/2010/main" val="0"/>
+              </a:ext>
+            </a:extLst>
+          </a:blip>
+          <a:stretch>
+            <a:fillRect/>
+          </a:stretch>
+        </p:blipFill>
+        <p:spPr>
+          <a:xfrm>
+            <a:off x="6172200" y="1499099"/>
+            <a:ext cx="2708003" cy="3149101"/>
+          </a:xfrm>
+          <a:prstGeom prst="rect">
+            <a:avLst/>
+          </a:prstGeom>
+          <a:ln>
+            <a:solidFill>
+              <a:schemeClr val="accent1"/>
+            </a:solidFill>
+          </a:ln>
+        </p:spPr>
+      </p:pic>
+    </p:spTree>
+    <p:extLst>
+      <p:ext uri="{BB962C8B-B14F-4D97-AF65-F5344CB8AC3E}">
+        <p14:creationId xmlns:p14="http://schemas.microsoft.com/office/powerpoint/2010/main" val="1930422771"/>
+      </p:ext>
+    </p:extLst>
+  </p:cSld>
+  <p:clrMapOvr>
+    <a:masterClrMapping/>
+  </p:clrMapOvr>
+</p:sld>
+</file>
+
+<file path=ppt/slides/slide4.xml><?xml version="1.0" encoding="utf-8"?>
+<p:sld xmlns:a="http://schemas.openxmlformats.org/drawingml/2006/main" xmlns:r="http://schemas.openxmlformats.org/officeDocument/2006/relationships" xmlns:p="http://schemas.openxmlformats.org/presentationml/2006/main">
+  <p:cSld>
+    <p:spTree>
+      <p:nvGrpSpPr>
+        <p:cNvPr id="1" name=""/>
+        <p:cNvGrpSpPr/>
+        <p:nvPr/>
+      </p:nvGrpSpPr>
+      <p:grpSpPr>
+        <a:xfrm>
+          <a:off x="0" y="0"/>
+          <a:ext cx="0" cy="0"/>
+          <a:chOff x="0" y="0"/>
+          <a:chExt cx="0" cy="0"/>
+        </a:xfrm>
+      </p:grpSpPr>
+      <p:sp>
+        <p:nvSpPr>
+          <p:cNvPr id="2" name="Content Placeholder 1"/>
+          <p:cNvSpPr>
+            <a:spLocks noGrp="1"/>
+          </p:cNvSpPr>
+          <p:nvPr>
+            <p:ph idx="1"/>
+          </p:nvPr>
+        </p:nvSpPr>
+        <p:spPr/>
+        <p:txBody>
+          <a:bodyPr>
+            <a:normAutofit/>
+          </a:bodyPr>
+          <a:lstStyle/>
+          <a:p>
+            <a:r>
+              <a:rPr lang="en-US" sz="2400" dirty="0" smtClean="0"/>
+              <a:t>Probabilistic Machine Learning Algorithm</a:t>
+            </a:r>
+          </a:p>
+          <a:p>
+            <a:endParaRPr lang="en-US" sz="2400" dirty="0" smtClean="0"/>
+          </a:p>
+          <a:p>
+            <a:r>
+              <a:rPr lang="en-US" sz="2400" dirty="0" smtClean="0"/>
+              <a:t>Assumes </a:t>
+            </a:r>
+            <a:r>
+              <a:rPr lang="en-US" sz="2400" dirty="0"/>
+              <a:t>features </a:t>
+            </a:r>
+            <a:r>
+              <a:rPr lang="en-US" sz="2400" dirty="0" smtClean="0"/>
+              <a:t>are independent of each other</a:t>
+            </a:r>
+            <a:endParaRPr lang="en-US" sz="2400" dirty="0"/>
+          </a:p>
+        </p:txBody>
+      </p:sp>
+      <p:sp>
+        <p:nvSpPr>
+          <p:cNvPr id="3" name="Title 2"/>
+          <p:cNvSpPr>
+            <a:spLocks noGrp="1"/>
+          </p:cNvSpPr>
+          <p:nvPr>
+            <p:ph type="title"/>
+          </p:nvPr>
+        </p:nvSpPr>
+        <p:spPr/>
+        <p:txBody>
+          <a:bodyPr>
+            <a:normAutofit fontScale="90000"/>
+          </a:bodyPr>
+          <a:lstStyle/>
+          <a:p>
+            <a:r>
+              <a:rPr lang="en-US" dirty="0" smtClean="0"/>
+              <a:t>Naïve-Bayes: </a:t>
+            </a:r>
+            <a:r>
+              <a:rPr lang="en-US" sz="4000" dirty="0" smtClean="0"/>
+              <a:t>Variable Exploration</a:t>
+            </a:r>
+            <a:endParaRPr lang="en-US" sz="4400" dirty="0"/>
+          </a:p>
+        </p:txBody>
+      </p:sp>
+      <p:graphicFrame>
+        <p:nvGraphicFramePr>
+          <p:cNvPr id="5" name="Table 4"/>
+          <p:cNvGraphicFramePr>
+            <a:graphicFrameLocks noGrp="1"/>
+          </p:cNvGraphicFramePr>
+          <p:nvPr>
+            <p:extLst>
+              <p:ext uri="{D42A27DB-BD31-4B8C-83A1-F6EECF244321}">
+                <p14:modId xmlns:p14="http://schemas.microsoft.com/office/powerpoint/2010/main" val="2920561248"/>
+              </p:ext>
+            </p:extLst>
+          </p:nvPr>
+        </p:nvGraphicFramePr>
+        <p:xfrm>
+          <a:off x="3048000" y="3048000"/>
+          <a:ext cx="3644900" cy="2543175"/>
+        </p:xfrm>
+        <a:graphic>
+          <a:graphicData uri="http://schemas.openxmlformats.org/drawingml/2006/table">
+            <a:tbl>
+              <a:tblPr>
+                <a:tableStyleId>{5C22544A-7EE6-4342-B048-85BDC9FD1C3A}</a:tableStyleId>
+              </a:tblPr>
+              <a:tblGrid>
+                <a:gridCol w="2819400"/>
+                <a:gridCol w="825500"/>
+              </a:tblGrid>
+              <a:tr h="247650">
+                <a:tc>
+                  <a:txBody>
+                    <a:bodyPr/>
+                    <a:lstStyle/>
+                    <a:p>
+                      <a:pPr algn="l" fontAlgn="b"/>
+                      <a:r>
+                        <a:rPr lang="en-US" sz="1400" u="none" strike="noStrike" dirty="0">
+                          <a:effectLst/>
+                        </a:rPr>
+                        <a:t>Variable</a:t>
+                      </a:r>
+                      <a:endParaRPr lang="en-US" sz="1400" b="1" i="0" u="none" strike="noStrike" dirty="0">
+                        <a:solidFill>
+                          <a:srgbClr val="000000"/>
+                        </a:solidFill>
+                        <a:effectLst/>
+                        <a:latin typeface="Calibri"/>
+                      </a:endParaRPr>
+                    </a:p>
+                  </a:txBody>
+                  <a:tcPr marL="85725" marR="9525" marT="9525" marB="0" anchor="b">
+                    <a:lnL w="12700" cap="flat" cmpd="sng" algn="ctr">
+                      <a:solidFill>
+                        <a:schemeClr val="tx1"/>
+                      </a:solidFill>
+                      <a:prstDash val="solid"/>
+                      <a:round/>
+                      <a:headEnd type="none" w="med" len="med"/>
+                      <a:tailEnd type="none" w="med" len="med"/>
+                    </a:lnL>
+                    <a:lnT w="12700" cap="flat" cmpd="sng" algn="ctr">
+                      <a:solidFill>
+                        <a:schemeClr val="tx1"/>
+                      </a:solidFill>
+                      <a:prstDash val="solid"/>
+                      <a:round/>
+                      <a:headEnd type="none" w="med" len="med"/>
+                      <a:tailEnd type="none" w="med" len="med"/>
+                    </a:lnT>
+                    <a:lnB w="12700" cap="flat" cmpd="sng" algn="ctr">
+                      <a:solidFill>
+                        <a:schemeClr val="tx1"/>
+                      </a:solidFill>
+                      <a:prstDash val="solid"/>
+                      <a:round/>
+                      <a:headEnd type="none" w="med" len="med"/>
+                      <a:tailEnd type="none" w="med" len="med"/>
+                    </a:lnB>
+                    <a:solidFill>
+                      <a:schemeClr val="accent1">
+                        <a:lumMod val="40000"/>
+                        <a:lumOff val="60000"/>
+                      </a:schemeClr>
+                    </a:solidFill>
+                  </a:tcPr>
+                </a:tc>
+                <a:tc>
+                  <a:txBody>
+                    <a:bodyPr/>
+                    <a:lstStyle/>
+                    <a:p>
+                      <a:pPr algn="ctr" fontAlgn="b"/>
+                      <a:r>
+                        <a:rPr lang="en-US" sz="1400" u="none" strike="noStrike" dirty="0">
+                          <a:effectLst/>
+                        </a:rPr>
+                        <a:t>P(Y|X)</a:t>
+                      </a:r>
+                      <a:endParaRPr lang="en-US" sz="1400" b="1" i="0" u="none" strike="noStrike" dirty="0">
+                        <a:solidFill>
+                          <a:srgbClr val="000000"/>
+                        </a:solidFill>
+                        <a:effectLst/>
+                        <a:latin typeface="Calibri"/>
+                      </a:endParaRPr>
+                    </a:p>
+                  </a:txBody>
+                  <a:tcPr marL="9525" marR="9525" marT="9525" marB="0" anchor="b">
+                    <a:lnR w="12700" cap="flat" cmpd="sng" algn="ctr">
+                      <a:solidFill>
+                        <a:schemeClr val="tx1"/>
+                      </a:solidFill>
+                      <a:prstDash val="solid"/>
+                      <a:round/>
+                      <a:headEnd type="none" w="med" len="med"/>
+                      <a:tailEnd type="none" w="med" len="med"/>
+                    </a:lnR>
+                    <a:lnT w="12700" cap="flat" cmpd="sng" algn="ctr">
+                      <a:solidFill>
+                        <a:schemeClr val="tx1"/>
+                      </a:solidFill>
+                      <a:prstDash val="solid"/>
+                      <a:round/>
+                      <a:headEnd type="none" w="med" len="med"/>
+                      <a:tailEnd type="none" w="med" len="med"/>
+                    </a:lnT>
+                    <a:lnB w="12700" cap="flat" cmpd="sng" algn="ctr">
+                      <a:solidFill>
+                        <a:schemeClr val="tx1"/>
+                      </a:solidFill>
+                      <a:prstDash val="solid"/>
+                      <a:round/>
+                      <a:headEnd type="none" w="med" len="med"/>
+                      <a:tailEnd type="none" w="med" len="med"/>
+                    </a:lnB>
+                    <a:solidFill>
+                      <a:schemeClr val="accent1">
+                        <a:lumMod val="40000"/>
+                        <a:lumOff val="60000"/>
+                      </a:schemeClr>
+                    </a:solidFill>
+                  </a:tcPr>
+                </a:tc>
+              </a:tr>
+              <a:tr h="190500">
+                <a:tc>
+                  <a:txBody>
+                    <a:bodyPr/>
+                    <a:lstStyle/>
+                    <a:p>
+                      <a:pPr algn="l" fontAlgn="t"/>
+                      <a:r>
+                        <a:rPr lang="en-US" sz="1100" u="none" strike="noStrike" dirty="0">
+                          <a:effectLst/>
+                        </a:rPr>
+                        <a:t>BusinessTravel - Travel Rarely</a:t>
+                      </a:r>
+                      <a:endParaRPr lang="en-US" sz="1100" b="0" i="0" u="none" strike="noStrike" dirty="0">
+                        <a:solidFill>
+                          <a:srgbClr val="333333"/>
+                        </a:solidFill>
+                        <a:effectLst/>
+                        <a:latin typeface="Arial"/>
+                      </a:endParaRPr>
+                    </a:p>
+                  </a:txBody>
+                  <a:tcPr marL="85725" marR="9525" marT="9525" marB="0">
+                    <a:lnL w="12700" cap="flat" cmpd="sng" algn="ctr">
+                      <a:solidFill>
+                        <a:schemeClr val="tx1"/>
+                      </a:solidFill>
+                      <a:prstDash val="solid"/>
+                      <a:round/>
+                      <a:headEnd type="none" w="med" len="med"/>
+                      <a:tailEnd type="none" w="med" len="med"/>
+                    </a:lnL>
+                    <a:lnT w="12700" cap="flat" cmpd="sng" algn="ctr">
+                      <a:solidFill>
+                        <a:schemeClr val="tx1"/>
+                      </a:solidFill>
+                      <a:prstDash val="solid"/>
+                      <a:round/>
+                      <a:headEnd type="none" w="med" len="med"/>
+                      <a:tailEnd type="none" w="med" len="med"/>
+                    </a:lnT>
+                    <a:solidFill>
+                      <a:schemeClr val="accent1">
+                        <a:lumMod val="20000"/>
+                        <a:lumOff val="80000"/>
+                      </a:schemeClr>
+                    </a:solidFill>
+                  </a:tcPr>
+                </a:tc>
+                <a:tc>
+                  <a:txBody>
+                    <a:bodyPr/>
+                    <a:lstStyle/>
+                    <a:p>
+                      <a:pPr algn="ctr" fontAlgn="t"/>
+                      <a:r>
+                        <a:rPr lang="en-US" sz="1100" u="none" strike="noStrike" dirty="0">
+                          <a:effectLst/>
+                        </a:rPr>
+                        <a:t>0.66</a:t>
+                      </a:r>
+                      <a:endParaRPr lang="en-US" sz="1100" b="0" i="0" u="none" strike="noStrike" dirty="0">
+                        <a:solidFill>
+                          <a:srgbClr val="333333"/>
+                        </a:solidFill>
+                        <a:effectLst/>
+                        <a:latin typeface="Arial"/>
+                      </a:endParaRPr>
+                    </a:p>
+                  </a:txBody>
+                  <a:tcPr marL="9525" marR="9525" marT="9525" marB="0">
+                    <a:lnR w="12700" cap="flat" cmpd="sng" algn="ctr">
+                      <a:solidFill>
+                        <a:schemeClr val="tx1"/>
+                      </a:solidFill>
+                      <a:prstDash val="solid"/>
+                      <a:round/>
+                      <a:headEnd type="none" w="med" len="med"/>
+                      <a:tailEnd type="none" w="med" len="med"/>
+                    </a:lnR>
+                    <a:lnT w="12700" cap="flat" cmpd="sng" algn="ctr">
+                      <a:solidFill>
+                        <a:schemeClr val="tx1"/>
+                      </a:solidFill>
+                      <a:prstDash val="solid"/>
+                      <a:round/>
+                      <a:headEnd type="none" w="med" len="med"/>
+                      <a:tailEnd type="none" w="med" len="med"/>
+                    </a:lnT>
+                    <a:solidFill>
+                      <a:schemeClr val="accent1">
+                        <a:lumMod val="20000"/>
+                        <a:lumOff val="80000"/>
+                      </a:schemeClr>
+                    </a:solidFill>
+                  </a:tcPr>
+                </a:tc>
+              </a:tr>
+              <a:tr h="190500">
+                <a:tc>
+                  <a:txBody>
+                    <a:bodyPr/>
+                    <a:lstStyle/>
+                    <a:p>
+                      <a:pPr algn="l" fontAlgn="t"/>
+                      <a:r>
+                        <a:rPr lang="en-US" sz="1100" u="none" strike="noStrike">
+                          <a:effectLst/>
+                        </a:rPr>
+                        <a:t>Department - Research &amp; Develoment</a:t>
+                      </a:r>
+                      <a:endParaRPr lang="en-US" sz="1100" b="0" i="0" u="none" strike="noStrike">
+                        <a:solidFill>
+                          <a:srgbClr val="333333"/>
+                        </a:solidFill>
+                        <a:effectLst/>
+                        <a:latin typeface="Arial"/>
+                      </a:endParaRPr>
+                    </a:p>
+                  </a:txBody>
+                  <a:tcPr marL="85725" marR="9525" marT="9525" marB="0">
+                    <a:lnL w="12700" cap="flat" cmpd="sng" algn="ctr">
+                      <a:solidFill>
+                        <a:schemeClr val="tx1"/>
+                      </a:solidFill>
+                      <a:prstDash val="solid"/>
+                      <a:round/>
+                      <a:headEnd type="none" w="med" len="med"/>
+                      <a:tailEnd type="none" w="med" len="med"/>
+                    </a:lnL>
+                    <a:solidFill>
+                      <a:schemeClr val="accent1">
+                        <a:lumMod val="20000"/>
+                        <a:lumOff val="80000"/>
+                      </a:schemeClr>
+                    </a:solidFill>
+                  </a:tcPr>
+                </a:tc>
+                <a:tc>
+                  <a:txBody>
+                    <a:bodyPr/>
+                    <a:lstStyle/>
+                    <a:p>
+                      <a:pPr algn="ctr" fontAlgn="t"/>
+                      <a:r>
+                        <a:rPr lang="en-US" sz="1100" u="none" strike="noStrike">
+                          <a:effectLst/>
+                        </a:rPr>
+                        <a:t>0.56</a:t>
+                      </a:r>
+                      <a:endParaRPr lang="en-US" sz="1100" b="0" i="0" u="none" strike="noStrike">
+                        <a:solidFill>
+                          <a:srgbClr val="333333"/>
+                        </a:solidFill>
+                        <a:effectLst/>
+                        <a:latin typeface="Arial"/>
+                      </a:endParaRPr>
+                    </a:p>
+                  </a:txBody>
+                  <a:tcPr marL="9525" marR="9525" marT="9525" marB="0">
+                    <a:lnR w="12700" cap="flat" cmpd="sng" algn="ctr">
+                      <a:solidFill>
+                        <a:schemeClr val="tx1"/>
+                      </a:solidFill>
+                      <a:prstDash val="solid"/>
+                      <a:round/>
+                      <a:headEnd type="none" w="med" len="med"/>
+                      <a:tailEnd type="none" w="med" len="med"/>
+                    </a:lnR>
+                    <a:solidFill>
+                      <a:schemeClr val="accent1">
+                        <a:lumMod val="20000"/>
+                        <a:lumOff val="80000"/>
+                      </a:schemeClr>
+                    </a:solidFill>
+                  </a:tcPr>
+                </a:tc>
+              </a:tr>
+              <a:tr h="190500">
+                <a:tc>
+                  <a:txBody>
+                    <a:bodyPr/>
+                    <a:lstStyle/>
+                    <a:p>
+                      <a:pPr algn="l" fontAlgn="t"/>
+                      <a:r>
+                        <a:rPr lang="en-US" sz="1100" u="none" strike="noStrike">
+                          <a:effectLst/>
+                        </a:rPr>
+                        <a:t>DistanceFromHome - Under 10</a:t>
+                      </a:r>
+                      <a:endParaRPr lang="en-US" sz="1100" b="0" i="0" u="none" strike="noStrike">
+                        <a:solidFill>
+                          <a:srgbClr val="333333"/>
+                        </a:solidFill>
+                        <a:effectLst/>
+                        <a:latin typeface="Arial"/>
+                      </a:endParaRPr>
+                    </a:p>
+                  </a:txBody>
+                  <a:tcPr marL="85725" marR="9525" marT="9525" marB="0">
+                    <a:lnL w="12700" cap="flat" cmpd="sng" algn="ctr">
+                      <a:solidFill>
+                        <a:schemeClr val="tx1"/>
+                      </a:solidFill>
+                      <a:prstDash val="solid"/>
+                      <a:round/>
+                      <a:headEnd type="none" w="med" len="med"/>
+                      <a:tailEnd type="none" w="med" len="med"/>
+                    </a:lnL>
+                    <a:solidFill>
+                      <a:schemeClr val="accent1">
+                        <a:lumMod val="20000"/>
+                        <a:lumOff val="80000"/>
+                      </a:schemeClr>
+                    </a:solidFill>
+                  </a:tcPr>
+                </a:tc>
+                <a:tc>
+                  <a:txBody>
+                    <a:bodyPr/>
+                    <a:lstStyle/>
+                    <a:p>
+                      <a:pPr algn="ctr" fontAlgn="t"/>
+                      <a:r>
+                        <a:rPr lang="en-US" sz="1100" u="none" strike="noStrike">
+                          <a:effectLst/>
+                        </a:rPr>
+                        <a:t>0.56</a:t>
+                      </a:r>
+                      <a:endParaRPr lang="en-US" sz="1100" b="0" i="0" u="none" strike="noStrike">
+                        <a:solidFill>
+                          <a:srgbClr val="333333"/>
+                        </a:solidFill>
+                        <a:effectLst/>
+                        <a:latin typeface="Arial"/>
+                      </a:endParaRPr>
+                    </a:p>
+                  </a:txBody>
+                  <a:tcPr marL="9525" marR="9525" marT="9525" marB="0">
+                    <a:lnR w="12700" cap="flat" cmpd="sng" algn="ctr">
+                      <a:solidFill>
+                        <a:schemeClr val="tx1"/>
+                      </a:solidFill>
+                      <a:prstDash val="solid"/>
+                      <a:round/>
+                      <a:headEnd type="none" w="med" len="med"/>
+                      <a:tailEnd type="none" w="med" len="med"/>
+                    </a:lnR>
+                    <a:solidFill>
+                      <a:schemeClr val="accent1">
+                        <a:lumMod val="20000"/>
+                        <a:lumOff val="80000"/>
+                      </a:schemeClr>
+                    </a:solidFill>
+                  </a:tcPr>
+                </a:tc>
+              </a:tr>
+              <a:tr h="190500">
+                <a:tc>
+                  <a:txBody>
+                    <a:bodyPr/>
+                    <a:lstStyle/>
+                    <a:p>
+                      <a:pPr algn="l" fontAlgn="t"/>
+                      <a:r>
+                        <a:rPr lang="en-US" sz="1100" u="none" strike="noStrike">
+                          <a:effectLst/>
+                        </a:rPr>
+                        <a:t>Education - Bachelor Below</a:t>
+                      </a:r>
+                      <a:endParaRPr lang="en-US" sz="1100" b="0" i="0" u="none" strike="noStrike">
+                        <a:solidFill>
+                          <a:srgbClr val="333333"/>
+                        </a:solidFill>
+                        <a:effectLst/>
+                        <a:latin typeface="Arial"/>
+                      </a:endParaRPr>
+                    </a:p>
+                  </a:txBody>
+                  <a:tcPr marL="85725" marR="9525" marT="9525" marB="0">
+                    <a:lnL w="12700" cap="flat" cmpd="sng" algn="ctr">
+                      <a:solidFill>
+                        <a:schemeClr val="tx1"/>
+                      </a:solidFill>
+                      <a:prstDash val="solid"/>
+                      <a:round/>
+                      <a:headEnd type="none" w="med" len="med"/>
+                      <a:tailEnd type="none" w="med" len="med"/>
+                    </a:lnL>
+                    <a:solidFill>
+                      <a:schemeClr val="accent1">
+                        <a:lumMod val="20000"/>
+                        <a:lumOff val="80000"/>
+                      </a:schemeClr>
+                    </a:solidFill>
+                  </a:tcPr>
+                </a:tc>
+                <a:tc>
+                  <a:txBody>
+                    <a:bodyPr/>
+                    <a:lstStyle/>
+                    <a:p>
+                      <a:pPr algn="ctr" fontAlgn="t"/>
+                      <a:r>
+                        <a:rPr lang="en-US" sz="1100" u="none" strike="noStrike">
+                          <a:effectLst/>
+                        </a:rPr>
+                        <a:t>0.42</a:t>
+                      </a:r>
+                      <a:endParaRPr lang="en-US" sz="1100" b="0" i="0" u="none" strike="noStrike">
+                        <a:solidFill>
+                          <a:srgbClr val="333333"/>
+                        </a:solidFill>
+                        <a:effectLst/>
+                        <a:latin typeface="Arial"/>
+                      </a:endParaRPr>
+                    </a:p>
+                  </a:txBody>
+                  <a:tcPr marL="9525" marR="9525" marT="9525" marB="0">
+                    <a:lnR w="12700" cap="flat" cmpd="sng" algn="ctr">
+                      <a:solidFill>
+                        <a:schemeClr val="tx1"/>
+                      </a:solidFill>
+                      <a:prstDash val="solid"/>
+                      <a:round/>
+                      <a:headEnd type="none" w="med" len="med"/>
+                      <a:tailEnd type="none" w="med" len="med"/>
+                    </a:lnR>
+                    <a:solidFill>
+                      <a:schemeClr val="accent1">
+                        <a:lumMod val="20000"/>
+                        <a:lumOff val="80000"/>
+                      </a:schemeClr>
+                    </a:solidFill>
+                  </a:tcPr>
+                </a:tc>
+              </a:tr>
+              <a:tr h="190500">
+                <a:tc>
+                  <a:txBody>
+                    <a:bodyPr/>
+                    <a:lstStyle/>
+                    <a:p>
+                      <a:pPr algn="l" fontAlgn="t"/>
+                      <a:r>
+                        <a:rPr lang="en-US" sz="1100" u="none" strike="noStrike">
+                          <a:effectLst/>
+                        </a:rPr>
+                        <a:t>Gender - Male</a:t>
+                      </a:r>
+                      <a:endParaRPr lang="en-US" sz="1100" b="0" i="0" u="none" strike="noStrike">
+                        <a:solidFill>
+                          <a:srgbClr val="333333"/>
+                        </a:solidFill>
+                        <a:effectLst/>
+                        <a:latin typeface="Arial"/>
+                      </a:endParaRPr>
+                    </a:p>
+                  </a:txBody>
+                  <a:tcPr marL="85725" marR="9525" marT="9525" marB="0">
+                    <a:lnL w="12700" cap="flat" cmpd="sng" algn="ctr">
+                      <a:solidFill>
+                        <a:schemeClr val="tx1"/>
+                      </a:solidFill>
+                      <a:prstDash val="solid"/>
+                      <a:round/>
+                      <a:headEnd type="none" w="med" len="med"/>
+                      <a:tailEnd type="none" w="med" len="med"/>
+                    </a:lnL>
+                    <a:solidFill>
+                      <a:schemeClr val="accent1">
+                        <a:lumMod val="20000"/>
+                        <a:lumOff val="80000"/>
+                      </a:schemeClr>
+                    </a:solidFill>
+                  </a:tcPr>
+                </a:tc>
+                <a:tc>
+                  <a:txBody>
+                    <a:bodyPr/>
+                    <a:lstStyle/>
+                    <a:p>
+                      <a:pPr algn="ctr" fontAlgn="t"/>
+                      <a:r>
+                        <a:rPr lang="en-US" sz="1100" u="none" strike="noStrike">
+                          <a:effectLst/>
+                        </a:rPr>
+                        <a:t>0.63</a:t>
+                      </a:r>
+                      <a:endParaRPr lang="en-US" sz="1100" b="0" i="0" u="none" strike="noStrike">
+                        <a:solidFill>
+                          <a:srgbClr val="333333"/>
+                        </a:solidFill>
+                        <a:effectLst/>
+                        <a:latin typeface="Arial"/>
+                      </a:endParaRPr>
+                    </a:p>
+                  </a:txBody>
+                  <a:tcPr marL="9525" marR="9525" marT="9525" marB="0">
+                    <a:lnR w="12700" cap="flat" cmpd="sng" algn="ctr">
+                      <a:solidFill>
+                        <a:schemeClr val="tx1"/>
+                      </a:solidFill>
+                      <a:prstDash val="solid"/>
+                      <a:round/>
+                      <a:headEnd type="none" w="med" len="med"/>
+                      <a:tailEnd type="none" w="med" len="med"/>
+                    </a:lnR>
+                    <a:solidFill>
+                      <a:schemeClr val="accent1">
+                        <a:lumMod val="20000"/>
+                        <a:lumOff val="80000"/>
+                      </a:schemeClr>
+                    </a:solidFill>
+                  </a:tcPr>
+                </a:tc>
+              </a:tr>
+              <a:tr h="190500">
+                <a:tc>
+                  <a:txBody>
+                    <a:bodyPr/>
+                    <a:lstStyle/>
+                    <a:p>
+                      <a:pPr algn="l" fontAlgn="t"/>
+                      <a:r>
+                        <a:rPr lang="en-US" sz="1100" u="none" strike="noStrike" dirty="0">
+                          <a:effectLst/>
+                        </a:rPr>
+                        <a:t>JobInvolvement - High</a:t>
+                      </a:r>
+                      <a:endParaRPr lang="en-US" sz="1100" b="0" i="0" u="none" strike="noStrike" dirty="0">
+                        <a:solidFill>
+                          <a:srgbClr val="333333"/>
+                        </a:solidFill>
+                        <a:effectLst/>
+                        <a:latin typeface="Arial"/>
+                      </a:endParaRPr>
+                    </a:p>
+                  </a:txBody>
+                  <a:tcPr marL="85725" marR="9525" marT="9525" marB="0">
+                    <a:lnL w="12700" cap="flat" cmpd="sng" algn="ctr">
+                      <a:solidFill>
+                        <a:schemeClr val="tx1"/>
+                      </a:solidFill>
+                      <a:prstDash val="solid"/>
+                      <a:round/>
+                      <a:headEnd type="none" w="med" len="med"/>
+                      <a:tailEnd type="none" w="med" len="med"/>
+                    </a:lnL>
+                    <a:solidFill>
+                      <a:schemeClr val="accent1">
+                        <a:lumMod val="20000"/>
+                        <a:lumOff val="80000"/>
+                      </a:schemeClr>
+                    </a:solidFill>
+                  </a:tcPr>
+                </a:tc>
+                <a:tc>
+                  <a:txBody>
+                    <a:bodyPr/>
+                    <a:lstStyle/>
+                    <a:p>
+                      <a:pPr algn="ctr" fontAlgn="t"/>
+                      <a:r>
+                        <a:rPr lang="en-US" sz="1100" u="none" strike="noStrike">
+                          <a:effectLst/>
+                        </a:rPr>
+                        <a:t>0.53</a:t>
+                      </a:r>
+                      <a:endParaRPr lang="en-US" sz="1100" b="0" i="0" u="none" strike="noStrike">
+                        <a:solidFill>
+                          <a:srgbClr val="333333"/>
+                        </a:solidFill>
+                        <a:effectLst/>
+                        <a:latin typeface="Arial"/>
+                      </a:endParaRPr>
+                    </a:p>
+                  </a:txBody>
+                  <a:tcPr marL="9525" marR="9525" marT="9525" marB="0">
+                    <a:lnR w="12700" cap="flat" cmpd="sng" algn="ctr">
+                      <a:solidFill>
+                        <a:schemeClr val="tx1"/>
+                      </a:solidFill>
+                      <a:prstDash val="solid"/>
+                      <a:round/>
+                      <a:headEnd type="none" w="med" len="med"/>
+                      <a:tailEnd type="none" w="med" len="med"/>
+                    </a:lnR>
+                    <a:solidFill>
+                      <a:schemeClr val="accent1">
+                        <a:lumMod val="20000"/>
+                        <a:lumOff val="80000"/>
+                      </a:schemeClr>
+                    </a:solidFill>
+                  </a:tcPr>
+                </a:tc>
+              </a:tr>
+              <a:tr h="190500">
+                <a:tc>
+                  <a:txBody>
+                    <a:bodyPr/>
+                    <a:lstStyle/>
+                    <a:p>
+                      <a:pPr algn="l" fontAlgn="t"/>
+                      <a:r>
+                        <a:rPr lang="en-US" sz="1100" u="none" strike="noStrike" dirty="0">
+                          <a:effectLst/>
+                        </a:rPr>
+                        <a:t>MonthlyIncome - Under 5,000</a:t>
+                      </a:r>
+                      <a:endParaRPr lang="en-US" sz="1100" b="0" i="0" u="none" strike="noStrike" dirty="0">
+                        <a:solidFill>
+                          <a:srgbClr val="333333"/>
+                        </a:solidFill>
+                        <a:effectLst/>
+                        <a:latin typeface="Arial"/>
+                      </a:endParaRPr>
+                    </a:p>
+                  </a:txBody>
+                  <a:tcPr marL="85725" marR="9525" marT="9525" marB="0">
+                    <a:lnL w="12700" cap="flat" cmpd="sng" algn="ctr">
+                      <a:solidFill>
+                        <a:schemeClr val="tx1"/>
+                      </a:solidFill>
+                      <a:prstDash val="solid"/>
+                      <a:round/>
+                      <a:headEnd type="none" w="med" len="med"/>
+                      <a:tailEnd type="none" w="med" len="med"/>
+                    </a:lnL>
+                    <a:solidFill>
+                      <a:schemeClr val="accent1">
+                        <a:lumMod val="20000"/>
+                        <a:lumOff val="80000"/>
+                      </a:schemeClr>
+                    </a:solidFill>
+                  </a:tcPr>
+                </a:tc>
+                <a:tc>
+                  <a:txBody>
+                    <a:bodyPr/>
+                    <a:lstStyle/>
+                    <a:p>
+                      <a:pPr algn="ctr" fontAlgn="t"/>
+                      <a:r>
+                        <a:rPr lang="en-US" sz="1100" u="none" strike="noStrike">
+                          <a:effectLst/>
+                        </a:rPr>
+                        <a:t>0.69</a:t>
+                      </a:r>
+                      <a:endParaRPr lang="en-US" sz="1100" b="0" i="0" u="none" strike="noStrike">
+                        <a:solidFill>
+                          <a:srgbClr val="333333"/>
+                        </a:solidFill>
+                        <a:effectLst/>
+                        <a:latin typeface="Arial"/>
+                      </a:endParaRPr>
+                    </a:p>
+                  </a:txBody>
+                  <a:tcPr marL="9525" marR="9525" marT="9525" marB="0">
+                    <a:lnR w="12700" cap="flat" cmpd="sng" algn="ctr">
+                      <a:solidFill>
+                        <a:schemeClr val="tx1"/>
+                      </a:solidFill>
+                      <a:prstDash val="solid"/>
+                      <a:round/>
+                      <a:headEnd type="none" w="med" len="med"/>
+                      <a:tailEnd type="none" w="med" len="med"/>
+                    </a:lnR>
+                    <a:solidFill>
+                      <a:schemeClr val="accent1">
+                        <a:lumMod val="20000"/>
+                        <a:lumOff val="80000"/>
+                      </a:schemeClr>
+                    </a:solidFill>
+                  </a:tcPr>
+                </a:tc>
+              </a:tr>
+              <a:tr h="190500">
+                <a:tc>
+                  <a:txBody>
+                    <a:bodyPr/>
+                    <a:lstStyle/>
+                    <a:p>
+                      <a:pPr algn="l" fontAlgn="t"/>
+                      <a:r>
+                        <a:rPr lang="en-US" sz="1100" u="none" strike="noStrike" dirty="0">
+                          <a:effectLst/>
+                        </a:rPr>
+                        <a:t>MaritalStatus - Single</a:t>
+                      </a:r>
+                      <a:endParaRPr lang="en-US" sz="1100" b="0" i="0" u="none" strike="noStrike" dirty="0">
+                        <a:solidFill>
+                          <a:srgbClr val="333333"/>
+                        </a:solidFill>
+                        <a:effectLst/>
+                        <a:latin typeface="Arial"/>
+                      </a:endParaRPr>
+                    </a:p>
+                  </a:txBody>
+                  <a:tcPr marL="85725" marR="9525" marT="9525" marB="0">
+                    <a:lnL w="12700" cap="flat" cmpd="sng" algn="ctr">
+                      <a:solidFill>
+                        <a:schemeClr val="tx1"/>
+                      </a:solidFill>
+                      <a:prstDash val="solid"/>
+                      <a:round/>
+                      <a:headEnd type="none" w="med" len="med"/>
+                      <a:tailEnd type="none" w="med" len="med"/>
+                    </a:lnL>
+                    <a:solidFill>
+                      <a:schemeClr val="accent1">
+                        <a:lumMod val="20000"/>
+                        <a:lumOff val="80000"/>
+                      </a:schemeClr>
+                    </a:solidFill>
+                  </a:tcPr>
+                </a:tc>
+                <a:tc>
+                  <a:txBody>
+                    <a:bodyPr/>
+                    <a:lstStyle/>
+                    <a:p>
+                      <a:pPr algn="ctr" fontAlgn="t"/>
+                      <a:r>
+                        <a:rPr lang="en-US" sz="1100" u="none" strike="noStrike">
+                          <a:effectLst/>
+                        </a:rPr>
+                        <a:t>0.51</a:t>
+                      </a:r>
+                      <a:endParaRPr lang="en-US" sz="1100" b="0" i="0" u="none" strike="noStrike">
+                        <a:solidFill>
+                          <a:srgbClr val="333333"/>
+                        </a:solidFill>
+                        <a:effectLst/>
+                        <a:latin typeface="Arial"/>
+                      </a:endParaRPr>
+                    </a:p>
+                  </a:txBody>
+                  <a:tcPr marL="9525" marR="9525" marT="9525" marB="0">
+                    <a:lnR w="12700" cap="flat" cmpd="sng" algn="ctr">
+                      <a:solidFill>
+                        <a:schemeClr val="tx1"/>
+                      </a:solidFill>
+                      <a:prstDash val="solid"/>
+                      <a:round/>
+                      <a:headEnd type="none" w="med" len="med"/>
+                      <a:tailEnd type="none" w="med" len="med"/>
+                    </a:lnR>
+                    <a:solidFill>
+                      <a:schemeClr val="accent1">
+                        <a:lumMod val="20000"/>
+                        <a:lumOff val="80000"/>
+                      </a:schemeClr>
+                    </a:solidFill>
+                  </a:tcPr>
+                </a:tc>
+              </a:tr>
+              <a:tr h="190500">
+                <a:tc>
+                  <a:txBody>
+                    <a:bodyPr/>
+                    <a:lstStyle/>
+                    <a:p>
+                      <a:pPr algn="l" fontAlgn="t"/>
+                      <a:r>
+                        <a:rPr lang="en-US" sz="1100" u="none" strike="noStrike" dirty="0">
+                          <a:effectLst/>
+                        </a:rPr>
+                        <a:t>NumCompaniesWorked - Less_than_5</a:t>
+                      </a:r>
+                      <a:endParaRPr lang="en-US" sz="1100" b="0" i="0" u="none" strike="noStrike" dirty="0">
+                        <a:solidFill>
+                          <a:srgbClr val="333333"/>
+                        </a:solidFill>
+                        <a:effectLst/>
+                        <a:latin typeface="Arial"/>
+                      </a:endParaRPr>
+                    </a:p>
+                  </a:txBody>
+                  <a:tcPr marL="85725" marR="9525" marT="9525" marB="0">
+                    <a:lnL w="12700" cap="flat" cmpd="sng" algn="ctr">
+                      <a:solidFill>
+                        <a:schemeClr val="tx1"/>
+                      </a:solidFill>
+                      <a:prstDash val="solid"/>
+                      <a:round/>
+                      <a:headEnd type="none" w="med" len="med"/>
+                      <a:tailEnd type="none" w="med" len="med"/>
+                    </a:lnL>
+                    <a:solidFill>
+                      <a:schemeClr val="accent1">
+                        <a:lumMod val="20000"/>
+                        <a:lumOff val="80000"/>
+                      </a:schemeClr>
+                    </a:solidFill>
+                  </a:tcPr>
+                </a:tc>
+                <a:tc>
+                  <a:txBody>
+                    <a:bodyPr/>
+                    <a:lstStyle/>
+                    <a:p>
+                      <a:pPr algn="ctr" fontAlgn="t"/>
+                      <a:r>
+                        <a:rPr lang="en-US" sz="1100" u="none" strike="noStrike">
+                          <a:effectLst/>
+                        </a:rPr>
+                        <a:t>0.72</a:t>
+                      </a:r>
+                      <a:endParaRPr lang="en-US" sz="1100" b="0" i="0" u="none" strike="noStrike">
+                        <a:solidFill>
+                          <a:srgbClr val="333333"/>
+                        </a:solidFill>
+                        <a:effectLst/>
+                        <a:latin typeface="Arial"/>
+                      </a:endParaRPr>
+                    </a:p>
+                  </a:txBody>
+                  <a:tcPr marL="9525" marR="9525" marT="9525" marB="0">
+                    <a:lnR w="12700" cap="flat" cmpd="sng" algn="ctr">
+                      <a:solidFill>
+                        <a:schemeClr val="tx1"/>
+                      </a:solidFill>
+                      <a:prstDash val="solid"/>
+                      <a:round/>
+                      <a:headEnd type="none" w="med" len="med"/>
+                      <a:tailEnd type="none" w="med" len="med"/>
+                    </a:lnR>
+                    <a:solidFill>
+                      <a:schemeClr val="accent1">
+                        <a:lumMod val="20000"/>
+                        <a:lumOff val="80000"/>
+                      </a:schemeClr>
+                    </a:solidFill>
+                  </a:tcPr>
+                </a:tc>
+              </a:tr>
+              <a:tr h="190500">
+                <a:tc>
+                  <a:txBody>
+                    <a:bodyPr/>
+                    <a:lstStyle/>
+                    <a:p>
+                      <a:pPr algn="l" fontAlgn="t"/>
+                      <a:r>
+                        <a:rPr lang="en-US" sz="1100" u="none" strike="noStrike" dirty="0">
+                          <a:effectLst/>
+                        </a:rPr>
+                        <a:t>YearsWithCurrManager - Five_or_Less</a:t>
+                      </a:r>
+                      <a:endParaRPr lang="en-US" sz="1100" b="0" i="0" u="none" strike="noStrike" dirty="0">
+                        <a:solidFill>
+                          <a:srgbClr val="333333"/>
+                        </a:solidFill>
+                        <a:effectLst/>
+                        <a:latin typeface="Arial"/>
+                      </a:endParaRPr>
+                    </a:p>
+                  </a:txBody>
+                  <a:tcPr marL="85725" marR="9525" marT="9525" marB="0">
+                    <a:lnL w="12700" cap="flat" cmpd="sng" algn="ctr">
+                      <a:solidFill>
+                        <a:schemeClr val="tx1"/>
+                      </a:solidFill>
+                      <a:prstDash val="solid"/>
+                      <a:round/>
+                      <a:headEnd type="none" w="med" len="med"/>
+                      <a:tailEnd type="none" w="med" len="med"/>
+                    </a:lnL>
+                    <a:solidFill>
+                      <a:schemeClr val="accent1">
+                        <a:lumMod val="20000"/>
+                        <a:lumOff val="80000"/>
+                      </a:schemeClr>
+                    </a:solidFill>
+                  </a:tcPr>
+                </a:tc>
+                <a:tc>
+                  <a:txBody>
+                    <a:bodyPr/>
+                    <a:lstStyle/>
+                    <a:p>
+                      <a:pPr algn="ctr" fontAlgn="t"/>
+                      <a:r>
+                        <a:rPr lang="en-US" sz="1100" u="none" strike="noStrike">
+                          <a:effectLst/>
+                        </a:rPr>
+                        <a:t>0.74</a:t>
+                      </a:r>
+                      <a:endParaRPr lang="en-US" sz="1100" b="0" i="0" u="none" strike="noStrike">
+                        <a:solidFill>
+                          <a:srgbClr val="333333"/>
+                        </a:solidFill>
+                        <a:effectLst/>
+                        <a:latin typeface="Arial"/>
+                      </a:endParaRPr>
+                    </a:p>
+                  </a:txBody>
+                  <a:tcPr marL="9525" marR="9525" marT="9525" marB="0">
+                    <a:lnR w="12700" cap="flat" cmpd="sng" algn="ctr">
+                      <a:solidFill>
+                        <a:schemeClr val="tx1"/>
+                      </a:solidFill>
+                      <a:prstDash val="solid"/>
+                      <a:round/>
+                      <a:headEnd type="none" w="med" len="med"/>
+                      <a:tailEnd type="none" w="med" len="med"/>
+                    </a:lnR>
+                    <a:solidFill>
+                      <a:schemeClr val="accent1">
+                        <a:lumMod val="20000"/>
+                        <a:lumOff val="80000"/>
+                      </a:schemeClr>
+                    </a:solidFill>
+                  </a:tcPr>
+                </a:tc>
+              </a:tr>
+              <a:tr h="190500">
+                <a:tc>
+                  <a:txBody>
+                    <a:bodyPr/>
+                    <a:lstStyle/>
+                    <a:p>
+                      <a:pPr algn="l" fontAlgn="t"/>
+                      <a:r>
+                        <a:rPr lang="en-US" sz="1100" u="none" strike="noStrike">
+                          <a:effectLst/>
+                        </a:rPr>
+                        <a:t>PercentSalaryHike - Less_than_15%</a:t>
+                      </a:r>
+                      <a:endParaRPr lang="en-US" sz="1100" b="0" i="0" u="none" strike="noStrike">
+                        <a:solidFill>
+                          <a:srgbClr val="333333"/>
+                        </a:solidFill>
+                        <a:effectLst/>
+                        <a:latin typeface="Arial"/>
+                      </a:endParaRPr>
+                    </a:p>
+                  </a:txBody>
+                  <a:tcPr marL="85725" marR="9525" marT="9525" marB="0">
+                    <a:lnL w="12700" cap="flat" cmpd="sng" algn="ctr">
+                      <a:solidFill>
+                        <a:schemeClr val="tx1"/>
+                      </a:solidFill>
+                      <a:prstDash val="solid"/>
+                      <a:round/>
+                      <a:headEnd type="none" w="med" len="med"/>
+                      <a:tailEnd type="none" w="med" len="med"/>
+                    </a:lnL>
+                    <a:solidFill>
+                      <a:schemeClr val="accent1">
+                        <a:lumMod val="20000"/>
+                        <a:lumOff val="80000"/>
+                      </a:schemeClr>
+                    </a:solidFill>
+                  </a:tcPr>
+                </a:tc>
+                <a:tc>
+                  <a:txBody>
+                    <a:bodyPr/>
+                    <a:lstStyle/>
+                    <a:p>
+                      <a:pPr algn="ctr" fontAlgn="t"/>
+                      <a:r>
+                        <a:rPr lang="en-US" sz="1100" u="none" strike="noStrike">
+                          <a:effectLst/>
+                        </a:rPr>
+                        <a:t>0.56</a:t>
+                      </a:r>
+                      <a:endParaRPr lang="en-US" sz="1100" b="0" i="0" u="none" strike="noStrike">
+                        <a:solidFill>
+                          <a:srgbClr val="333333"/>
+                        </a:solidFill>
+                        <a:effectLst/>
+                        <a:latin typeface="Arial"/>
+                      </a:endParaRPr>
+                    </a:p>
+                  </a:txBody>
+                  <a:tcPr marL="9525" marR="9525" marT="9525" marB="0">
+                    <a:lnR w="12700" cap="flat" cmpd="sng" algn="ctr">
+                      <a:solidFill>
+                        <a:schemeClr val="tx1"/>
+                      </a:solidFill>
+                      <a:prstDash val="solid"/>
+                      <a:round/>
+                      <a:headEnd type="none" w="med" len="med"/>
+                      <a:tailEnd type="none" w="med" len="med"/>
+                    </a:lnR>
+                    <a:solidFill>
+                      <a:schemeClr val="accent1">
+                        <a:lumMod val="20000"/>
+                        <a:lumOff val="80000"/>
+                      </a:schemeClr>
+                    </a:solidFill>
+                  </a:tcPr>
+                </a:tc>
+              </a:tr>
+              <a:tr h="200025">
+                <a:tc>
+                  <a:txBody>
+                    <a:bodyPr/>
+                    <a:lstStyle/>
+                    <a:p>
+                      <a:pPr algn="l" fontAlgn="t"/>
+                      <a:r>
+                        <a:rPr lang="en-US" sz="1100" u="none" strike="noStrike" dirty="0">
+                          <a:effectLst/>
+                        </a:rPr>
+                        <a:t>YearsInCurrentRole - Five_or_Less</a:t>
+                      </a:r>
+                      <a:endParaRPr lang="en-US" sz="1100" b="0" i="0" u="none" strike="noStrike" dirty="0">
+                        <a:solidFill>
+                          <a:srgbClr val="333333"/>
+                        </a:solidFill>
+                        <a:effectLst/>
+                        <a:latin typeface="Arial"/>
+                      </a:endParaRPr>
+                    </a:p>
+                  </a:txBody>
+                  <a:tcPr marL="85725" marR="9525" marT="9525" marB="0">
+                    <a:lnL w="12700" cap="flat" cmpd="sng" algn="ctr">
+                      <a:solidFill>
+                        <a:schemeClr val="tx1"/>
+                      </a:solidFill>
+                      <a:prstDash val="solid"/>
+                      <a:round/>
+                      <a:headEnd type="none" w="med" len="med"/>
+                      <a:tailEnd type="none" w="med" len="med"/>
+                    </a:lnL>
+                    <a:lnB w="12700" cap="flat" cmpd="sng" algn="ctr">
+                      <a:solidFill>
+                        <a:schemeClr val="tx1"/>
+                      </a:solidFill>
+                      <a:prstDash val="solid"/>
+                      <a:round/>
+                      <a:headEnd type="none" w="med" len="med"/>
+                      <a:tailEnd type="none" w="med" len="med"/>
+                    </a:lnB>
+                    <a:solidFill>
+                      <a:schemeClr val="accent1">
+                        <a:lumMod val="20000"/>
+                        <a:lumOff val="80000"/>
+                      </a:schemeClr>
+                    </a:solidFill>
+                  </a:tcPr>
+                </a:tc>
+                <a:tc>
+                  <a:txBody>
+                    <a:bodyPr/>
+                    <a:lstStyle/>
+                    <a:p>
+                      <a:pPr algn="ctr" fontAlgn="t"/>
+                      <a:r>
+                        <a:rPr lang="en-US" sz="1100" u="none" strike="noStrike" dirty="0">
+                          <a:effectLst/>
+                        </a:rPr>
+                        <a:t>0.77</a:t>
+                      </a:r>
+                      <a:endParaRPr lang="en-US" sz="1100" b="0" i="0" u="none" strike="noStrike" dirty="0">
+                        <a:solidFill>
+                          <a:srgbClr val="333333"/>
+                        </a:solidFill>
+                        <a:effectLst/>
+                        <a:latin typeface="Arial"/>
+                      </a:endParaRPr>
+                    </a:p>
+                  </a:txBody>
+                  <a:tcPr marL="9525" marR="9525" marT="9525" marB="0">
+                    <a:lnR w="12700" cap="flat" cmpd="sng" algn="ctr">
+                      <a:solidFill>
+                        <a:schemeClr val="tx1"/>
+                      </a:solidFill>
+                      <a:prstDash val="solid"/>
+                      <a:round/>
+                      <a:headEnd type="none" w="med" len="med"/>
+                      <a:tailEnd type="none" w="med" len="med"/>
+                    </a:lnR>
+                    <a:lnB w="12700" cap="flat" cmpd="sng" algn="ctr">
+                      <a:solidFill>
+                        <a:schemeClr val="tx1"/>
+                      </a:solidFill>
+                      <a:prstDash val="solid"/>
+                      <a:round/>
+                      <a:headEnd type="none" w="med" len="med"/>
+                      <a:tailEnd type="none" w="med" len="med"/>
+                    </a:lnB>
+                    <a:solidFill>
+                      <a:schemeClr val="accent1">
+                        <a:lumMod val="20000"/>
+                        <a:lumOff val="80000"/>
+                      </a:schemeClr>
+                    </a:solidFill>
+                  </a:tcPr>
+                </a:tc>
+              </a:tr>
+            </a:tbl>
+          </a:graphicData>
+        </a:graphic>
+      </p:graphicFrame>
+    </p:spTree>
+    <p:extLst>
+      <p:ext uri="{BB962C8B-B14F-4D97-AF65-F5344CB8AC3E}">
+        <p14:creationId xmlns:p14="http://schemas.microsoft.com/office/powerpoint/2010/main" val="3363377559"/>
+      </p:ext>
+    </p:extLst>
+  </p:cSld>
+  <p:clrMapOvr>
+    <a:masterClrMapping/>
+  </p:clrMapOvr>
+</p:sld>
+</file>
+
+<file path=ppt/slides/slide5.xml><?xml version="1.0" encoding="utf-8"?>
+<p:sld xmlns:a="http://schemas.openxmlformats.org/drawingml/2006/main" xmlns:r="http://schemas.openxmlformats.org/officeDocument/2006/relationships" xmlns:p="http://schemas.openxmlformats.org/presentationml/2006/main">
+  <p:cSld>
+    <p:spTree>
+      <p:nvGrpSpPr>
+        <p:cNvPr id="1" name=""/>
+        <p:cNvGrpSpPr/>
+        <p:nvPr/>
+      </p:nvGrpSpPr>
+      <p:grpSpPr>
+        <a:xfrm>
+          <a:off x="0" y="0"/>
+          <a:ext cx="0" cy="0"/>
+          <a:chOff x="0" y="0"/>
+          <a:chExt cx="0" cy="0"/>
+        </a:xfrm>
+      </p:grpSpPr>
+      <p:pic>
+        <p:nvPicPr>
+          <p:cNvPr id="6" name="Picture 5"/>
+          <p:cNvPicPr/>
+          <p:nvPr/>
+        </p:nvPicPr>
+        <p:blipFill rotWithShape="1">
+          <a:blip r:embed="rId2"/>
+          <a:srcRect l="22217" t="40270" r="37620" b="15389"/>
+          <a:stretch/>
+        </p:blipFill>
+        <p:spPr bwMode="auto">
+          <a:xfrm>
+            <a:off x="914400" y="1295400"/>
+            <a:ext cx="7848600" cy="3657600"/>
+          </a:xfrm>
+          <a:prstGeom prst="rect">
+            <a:avLst/>
+          </a:prstGeom>
+          <a:ln>
+            <a:noFill/>
+          </a:ln>
+          <a:extLst>
+            <a:ext uri="{53640926-AAD7-44D8-BBD7-CCE9431645EC}">
+              <a14:shadowObscured xmlns:a14="http://schemas.microsoft.com/office/drawing/2010/main"/>
+            </a:ext>
+          </a:extLst>
+        </p:spPr>
+      </p:pic>
+      <p:sp>
+        <p:nvSpPr>
+          <p:cNvPr id="2" name="Content Placeholder 1"/>
+          <p:cNvSpPr>
+            <a:spLocks noGrp="1"/>
+          </p:cNvSpPr>
+          <p:nvPr>
+            <p:ph idx="1"/>
+          </p:nvPr>
+        </p:nvSpPr>
+        <p:spPr>
+          <a:xfrm>
+            <a:off x="5588977" y="5181600"/>
+            <a:ext cx="3581400" cy="1752600"/>
+          </a:xfrm>
+        </p:spPr>
+        <p:txBody>
+          <a:bodyPr>
+            <a:normAutofit/>
+          </a:bodyPr>
+          <a:lstStyle/>
+          <a:p>
+            <a:pPr marL="914400" lvl="3" indent="-800100" algn="ctr">
+              <a:buNone/>
+            </a:pPr>
+            <a:r>
+              <a:rPr lang="en-US" sz="2400" u="sng" dirty="0" smtClean="0"/>
+              <a:t>Models Statistics</a:t>
+            </a:r>
+          </a:p>
+          <a:p>
+            <a:pPr marL="109728" indent="0">
+              <a:buNone/>
+            </a:pPr>
+            <a:r>
+              <a:rPr lang="en-US" sz="2400" dirty="0" smtClean="0"/>
+              <a:t>    Accuracy: 74%</a:t>
+            </a:r>
+          </a:p>
+          <a:p>
+            <a:pPr marL="109728" indent="0">
+              <a:buNone/>
+            </a:pPr>
+            <a:r>
+              <a:rPr lang="en-US" sz="2400" dirty="0" smtClean="0"/>
+              <a:t>    Recall: 53%</a:t>
+            </a:r>
+          </a:p>
+          <a:p>
+            <a:pPr marL="109728" indent="0">
+              <a:buNone/>
+            </a:pPr>
+            <a:r>
+              <a:rPr lang="en-US" sz="2400" dirty="0" smtClean="0"/>
+              <a:t>    Precision: 70%</a:t>
+            </a:r>
+            <a:endParaRPr lang="en-US" sz="2400" dirty="0"/>
+          </a:p>
+        </p:txBody>
+      </p:sp>
+      <p:sp>
+        <p:nvSpPr>
+          <p:cNvPr id="3" name="Title 2"/>
+          <p:cNvSpPr>
+            <a:spLocks noGrp="1"/>
+          </p:cNvSpPr>
+          <p:nvPr>
+            <p:ph type="title"/>
+          </p:nvPr>
+        </p:nvSpPr>
+        <p:spPr/>
+        <p:txBody>
+          <a:bodyPr>
+            <a:normAutofit fontScale="90000"/>
+          </a:bodyPr>
+          <a:lstStyle/>
+          <a:p>
+            <a:r>
+              <a:rPr lang="en-US" dirty="0" smtClean="0"/>
+              <a:t>Naïve-Bayes: </a:t>
+            </a:r>
+            <a:r>
+              <a:rPr lang="en-US" sz="3900" dirty="0" smtClean="0"/>
+              <a:t>Prediction &amp; Validation</a:t>
+            </a:r>
+            <a:endParaRPr lang="en-US" sz="3900" dirty="0"/>
+          </a:p>
+        </p:txBody>
+      </p:sp>
+    </p:spTree>
+    <p:extLst>
+      <p:ext uri="{BB962C8B-B14F-4D97-AF65-F5344CB8AC3E}">
+        <p14:creationId xmlns:p14="http://schemas.microsoft.com/office/powerpoint/2010/main" val="13562319"/>
+      </p:ext>
+    </p:extLst>
+  </p:cSld>
+  <p:clrMapOvr>
+    <a:masterClrMapping/>
+  </p:clrMapOvr>
+</p:sld>
+</file>
+
+<file path=ppt/slides/slide6.xml><?xml version="1.0" encoding="utf-8"?>
+<p:sld xmlns:a="http://schemas.openxmlformats.org/drawingml/2006/main" xmlns:r="http://schemas.openxmlformats.org/officeDocument/2006/relationships" xmlns:p="http://schemas.openxmlformats.org/presentationml/2006/main">
+  <p:cSld>
+    <p:spTree>
+      <p:nvGrpSpPr>
+        <p:cNvPr id="1" name=""/>
+        <p:cNvGrpSpPr/>
+        <p:nvPr/>
+      </p:nvGrpSpPr>
+      <p:grpSpPr>
+        <a:xfrm>
+          <a:off x="0" y="0"/>
+          <a:ext cx="0" cy="0"/>
+          <a:chOff x="0" y="0"/>
+          <a:chExt cx="0" cy="0"/>
+        </a:xfrm>
+      </p:grpSpPr>
+      <p:pic>
+        <p:nvPicPr>
+          <p:cNvPr id="6" name="Picture 5"/>
+          <p:cNvPicPr/>
+          <p:nvPr/>
+        </p:nvPicPr>
+        <p:blipFill rotWithShape="1">
+          <a:blip r:embed="rId2"/>
+          <a:srcRect l="22217" t="18850" r="39494" b="40237"/>
+          <a:stretch/>
+        </p:blipFill>
+        <p:spPr bwMode="auto">
+          <a:xfrm>
+            <a:off x="4648200" y="4343400"/>
+            <a:ext cx="4267200" cy="2362200"/>
+          </a:xfrm>
+          <a:prstGeom prst="rect">
+            <a:avLst/>
+          </a:prstGeom>
+          <a:ln>
+            <a:noFill/>
+          </a:ln>
+          <a:extLst>
+            <a:ext uri="{53640926-AAD7-44D8-BBD7-CCE9431645EC}">
+              <a14:shadowObscured xmlns:a14="http://schemas.microsoft.com/office/drawing/2010/main"/>
+            </a:ext>
+          </a:extLst>
+        </p:spPr>
+      </p:pic>
+      <p:sp>
+        <p:nvSpPr>
+          <p:cNvPr id="2" name="Content Placeholder 1"/>
+          <p:cNvSpPr>
+            <a:spLocks noGrp="1"/>
+          </p:cNvSpPr>
+          <p:nvPr>
+            <p:ph idx="1"/>
+          </p:nvPr>
+        </p:nvSpPr>
+        <p:spPr>
+          <a:xfrm>
+            <a:off x="457199" y="1481328"/>
+            <a:ext cx="8422005" cy="4525963"/>
+          </a:xfrm>
+        </p:spPr>
+        <p:txBody>
+          <a:bodyPr/>
+          <a:lstStyle/>
+          <a:p>
+            <a:r>
+              <a:rPr lang="en-US" sz="2000" dirty="0" smtClean="0"/>
+              <a:t>Men have </a:t>
+            </a:r>
+            <a:r>
+              <a:rPr lang="en-US" sz="2000" dirty="0"/>
+              <a:t>a higher attrition rate than women (63% </a:t>
+            </a:r>
+            <a:r>
+              <a:rPr lang="en-US" sz="2000" dirty="0" smtClean="0"/>
+              <a:t>vs. </a:t>
+            </a:r>
+            <a:r>
+              <a:rPr lang="en-US" sz="2000" dirty="0"/>
+              <a:t>37</a:t>
+            </a:r>
+            <a:r>
+              <a:rPr lang="en-US" sz="2000" dirty="0" smtClean="0"/>
+              <a:t>%)</a:t>
+            </a:r>
+          </a:p>
+          <a:p>
+            <a:endParaRPr lang="en-US" sz="800" dirty="0"/>
+          </a:p>
+          <a:p>
+            <a:r>
+              <a:rPr lang="en-US" sz="2000" dirty="0"/>
+              <a:t>Singles have a higher attrition rate at 51% than married (35%) or divorced individuals (14</a:t>
+            </a:r>
+            <a:r>
+              <a:rPr lang="en-US" sz="2000" dirty="0" smtClean="0"/>
+              <a:t>%)</a:t>
+            </a:r>
+          </a:p>
+          <a:p>
+            <a:endParaRPr lang="en-US" sz="800" dirty="0"/>
+          </a:p>
+          <a:p>
+            <a:r>
+              <a:rPr lang="en-US" sz="2000" dirty="0" smtClean="0"/>
+              <a:t>Employees with no stock options have a higher attrition rate 65% than those with.</a:t>
+            </a:r>
+          </a:p>
+          <a:p>
+            <a:endParaRPr lang="en-US" sz="800" dirty="0" smtClean="0"/>
+          </a:p>
+          <a:p>
+            <a:r>
+              <a:rPr lang="en-US" sz="2000" dirty="0" smtClean="0"/>
+              <a:t>Those with less then 10 years of work experience have greater attrition rates than those with more. </a:t>
+            </a:r>
+            <a:endParaRPr lang="en-US" sz="2000" dirty="0"/>
+          </a:p>
+        </p:txBody>
+      </p:sp>
+      <p:sp>
+        <p:nvSpPr>
+          <p:cNvPr id="3" name="Title 2"/>
+          <p:cNvSpPr>
+            <a:spLocks noGrp="1"/>
+          </p:cNvSpPr>
+          <p:nvPr>
+            <p:ph type="title"/>
+          </p:nvPr>
+        </p:nvSpPr>
+        <p:spPr/>
+        <p:txBody>
+          <a:bodyPr/>
+          <a:lstStyle/>
+          <a:p>
+            <a:r>
+              <a:rPr lang="en-US" dirty="0" smtClean="0"/>
+              <a:t>Other Findings</a:t>
+            </a:r>
+            <a:endParaRPr lang="en-US" dirty="0"/>
+          </a:p>
+        </p:txBody>
+      </p:sp>
+      <p:sp>
+        <p:nvSpPr>
+          <p:cNvPr id="5" name="AutoShape 2" descr="data:image/png;base64,iVBORw0KGgoAAAANSUhEUgAABUAAAAPACAMAAADDuCPrAAAAh1BMVEUAAAAAADoAAGYAOjoAOmYAOpAAZpAAZrY6AAA6OgA6Ojo6ZmY6ZrY6kNtmAABmAGZmOgBmOpBmZgBmZjpmZmZmkJBmtv+QOgCQkDqQtpCQ27aQ29uQ2/+2ZgC2Zjq2tma2/7a2/9u2///bkDrbtmbb/9vb////AAD/tmb/25D//7b//9v///9qwZE2AAAACXBIWXMAAB2HAAAdhwGP5fFlAAAgAElEQVR4nO3dfWPaWJvYYWbaqbPbdfqy26TbDt32oc+UJP7+n6/ADUdHQuLlBFs3ynX9MYONsUHo/KJ3Vm8ANFnN/QQAnpWAAjQSUIBGAgrQSEABGgkoQCMBBWgkoACNBBSgkYACNBJQgEYCCtBIQAEaCShAIwEFaCSgAI0EFKCRgAI0ElCARgIK0EhAARoJKEAjAQVoJKAAjQQUoJGAAjQSUIBGAgrQSEABGgkoQCMBBWgkoACNBBSgkYACNBJQgEYCCtBIQAEaCShAIwEFaCSgAI0EFKCRgAI0ElCARgIK0EhAARoJKEAjAQVoJKAAjQQUoJGAAjQSUIBGAgrQSEABGgkoQCMBBWgkoACNBBSgkYACNBJQgEYCCtBIQAEaCShAIwEFaCSgAI0EFKCRgC7Sj6+rnZfTl+v9V6vf/3b8crP/6o+/bvxdoz/9/fPum7/9+bPPsHuK5Vm+TD5kXvHsVqsvwzu2r1NfdIaT6/RjPz0ZmZmALtOmLuYxVmWgru8K1fsE9O3bp9UgKv3KJ3N4wSNTYvcyXse/OHt0ea3djwnosxPQZdrWdYpWrXqj9nxJaso7BTR+b/eLj5W/+Wl9sO2xn/0XfXjSr2Nf9NWTq/4xAX12ArpMvUhujmP/uNB56Onto/a9Ajoo5nZs+S6N45NdDRK5rr+xHt7bqSdX/WMC+uwEdJl6G0FPm++Oq8fb+1aV79tieodYMD4+kSh+2pbEPzr/MJwUtwa0duOP8RQEdKGq7JXNd/Ui0O37at4toMewv3Z/JW9XYiL832HkBfRXJ6ALVS1mnjaBHodtLJzePoLfL6BR9sOTjJtZV+BP0yyeZTXpBPRXJ6ALVW3oPBTwX8pi52C723HrXrVKv4kRfvxfHdB12U5Z/ZLt8edGGhjpfj3eOF/oje2eL6ffXC/bHReb+6E5bcx97X2je6pv3b8WI5so1r3nV28lvvCg/tTs/YqyX2n/e3pfnD2xMrkGPzbcBnr+ZlyYuiQgoAtVLWfuR/1v/+PzaWAeYnAaot3SaTeOY9SvT6O8C2i13/wsoGU7QVe3atPBREBLN0tphw+tH7VZdV5Hn2r9cs5r2N951i2iX3xQ9Xd2L7x3cMP1gJYndltAx96MyalLCgK6VGVL52Hw/fHX+jQsN1WW6ib1q/SPJSgloPWBmsOA/sdPZ7+miuBv/zoR0EjGH3//2o9XnbSy1DX2XAdPtfe4sxj2t12UNenLD+o/Ml7T8YVcDWj3xG4K6OibMTV1yUFAl2p7is82xnxZza22wW1Xq5FBO1jSOwX0fKd5FdDzBlUH/hyN7beKv/Uvp6C8db98+Lh+545/pP9Uh39y+AfLJKlfwLUHlb99eLXrahpcDWg3DW8J6PibMTF1SUJAl6oM+k0M1tNadATjEKtqO2OM02qb6ap84xjQ/nFG5wHdf3GM3Jfu2/vhfurhWJqqfHV3r8tv6W516aqfSP+pdmvl8WuHB0XVmz37y9UXHtT74eOrKqmf3Ik0mIY3HAc68WZMTF2SENClOtXikIXTWuRpNTcWY+o9N9XK6aYftKjH3/t1OQtoLNh1fflRrZWPnPdelAXLbsmqrk3Z3lB9Mx7y5fypbrq+7P/keQq7A7i6f0auPqi37t9bh78e0NMP3hDQiTdjfOqShYAu1nGgHjeBHvcl/Vmtx/YPyun2jwzOsTx8+e//c3/wngX0S/ftasvi8efji/FDT0/Lal0XttUPn7L/dsjYS/VHqoD2t5JeOMK1+8eju3X1Qf3zYut1+KsB7e/yvxjQqTdjfOqShYAu1nG983QczPkhP/0zkrrFrE0/aNXaaJeZYUDr87y71dD+1UzGI3Vcda0O0KkLc3jkYKnwLKD9s0EvRGaw3Ply04P6xz/1lwKvBHTs35uJgE69GeNTlywEdLGOC1llFTU2glabQAdHyJf12001Zt/ONueFYUCPQ38w8Msvv3Ty07b/m0f2PvXXWtfV9/pPtffI0Z0tp25WXb7+oN6CX38d/nJARyfXRECn3ozxqUsWArpYMTj/59dVvY/k9//drRPXxzPVX276Kal3KL/0f/lZQLs69IMw+FM9veNS30YD+lr/mjqqg6fa31M/sjnztEWgzvvVB/UL31uHvxzQ8c26FwI68maMT12yENDFihD9t08lFYeNoP/afX0xoN3CUO/wxNOy4DCgpx9/x4AODugZW4gePHYkhsfn1yvRtQetV+deBy93+MXgif1kQM+mLlkI6HJtBsP9MBb/sfv64ir8WUBfeqcx3hnQS6vw4wE9y8QpY6cDqkYD+tbv7PmZj7GDqto1df1Bg6NSez/04IBOrcILaFoCulzDawB366pfuvsH+y3KDpZhQHvduiGgN+9EOgvoeCaq9ejLAS2/YTW2STO2Y/zb2NOZetDZoezVJH1cQKfeDAHNTUCXqyw69fZBdCP54mFMg4Duv6y3610N6M2HMZ0HdLSKVTsuBPTbp96J6iPr8N05ll9ufNDYGvzpqTwuoBcPYxLQtAR0uUowe/uMh+Nx4kD6kYDWY/xqQG89kH4koPWVRbYj1+CrDhHqPdXeDvKz3/pW/1D3qKsPGhw6378u0uMCevFAegFNS0AX7BTM3nJNVYPjOv3oqZwjAa0XQa8G9MZTOd/GqtV9PGc5D6f6/I+zw5j6u6rqkwTGrv42nCjXHnR++k+Vut524fqLawEdnpE/+WYIaG4CumDVedQHp5KNHSNf3TEZ0GpT5vWA3nYxkbexgA6uG9JtmK29nj/Vs909Y2c9Tk2UiQfVS9K939D9/dNX9RcXAlr/2Oj3e89DQHMT0AU7hmiwa6LeyDd9ObuxgFab5q4HtC7T7/91/9+bAzrYb/M6+G2rf/dpNb61YVDe0dScbU+4/KCRzbfVgmp57OvgiwsBrX/sxsvZCWhaArpgZ60YnKH9duGCyqMBjV84dkX6sSFe7cS65zCm3kNXgx1Rh290RyFdPA504qobm+GdFx909tOnF1ldI+r02qovLgS0/rEbL6gsoGkJ6JJVI/1gOwjq3sRHeowGtNsgeEtAq0vq3RvQktB6l3i36jxxtGn1mkevqjT99yYfNLIG35+MEb3ewmV1DcDeqxmEcniZu+7PnX2kh4CmJaB8ACOfZRJQ3sVuWapashJQlklAeRe9y7sP11RhIQSU93F2fKUP82F5BJT3MTyY0xo8CySgvJPBgeFjZwXBkxNQ3kvvcPiLHzoET0pAeT+9E3VgeQQUoJGAAjQSUIBGAgrQSEABGgkoQCMBBWgkoACNBBSgkYACNBJQgEYCCtBIQAEaCShAIwEFaCSgAI0EFKCRgAI0ElCARgIK0EhAARoJKEAjAQVoJKAAjQQUoJGAAjQSUIBGAgrQSEABGgkoQCMBBWgkoACNBBSgkYACNBJQgEYCCtBIQAEaCShAIwEFaCSgAI0EFKCRgAI0ElCARgIK0EhAARoJKEAjAQVoJKAAjQQUoJGAAjQSUIBGAgrQSEABGgkoQCMBBWi0lICulm3uyQuMWcbQnLtv727uCQyMWcbQXK3+35IJKOS0jKEpoMAMljE0BRSYwTKGpoACM1jG0BRQYAbLGJoCCsxgGUNTQIEZLGNoCigwg2UMTQEFZrCMoSmgwAyWMTQFFJjBMoamgAIzWMbQFFBgBssYmgIKzGAZQ1NAgRksY2gKKDCDZQxNAQVmsIyhKaDADJYxNAUUmMEyhqaAAjNYxtAUUGAGyxiaAgrMYBlDU0CBGSxjaAooMINlDE0BBWawjKEpoMAMljE0BRSYwTKGpoACM1jG0BRQYAbLGJoCCsxgGUNTQIEZLGNoCigwg2UMTQEFZrCMoSmgwAyWMTQFFJjBMoamgAIzWMbQFFBgBssYmgIKzGAZQ1NAgRksY2gKKDCDZQxNAQVmsIyhKaDADJYxNAUUmMEyhqaAAjNYxtAUUGAGyxiaAgrMYBlDU0CBGSxjaAooMINlDE0BBWawjKEpoMAMHj00v39e7byO3rfd37X68uC/uCegwAwePDTXq/Dbn2d3fft0vO/3vz32b74JKDCLxw7NzWo1VcnSz9Xqj78e+kffBBSYxUOH5j6S+zru19Vf+nftV+0P4dxMruH/BAEFZvDQobk+dXNX0sFK/KYseG7fYRFUQIEZPHJo7pYyT2vum8Fi5o+vpajVzYcRUGAGjxyau+XOl+5mbzGzuus9CCgwg0cOzWqxc7eY2duNtH2HDZ8VAQVm8OCAng7yHK6nH+7afdNxoC0EFHJ65NBcV3Vc9wO6/3Jz5TjQ1blb/7KAAjN4bEC7aJ4H9J+njxE9PpX2ggooMIP3C2i9rh4r74fdSiPHiE4/OQE9EFDI6WOWQA8BPe5FOj9GdPrJCeiBgEJOH7YK3x3WtL55R5KABgGFnD5oL/y6Oozp9kOaBDQIKOT0yKG5nT4OdCOgP0FAIacPOhNpW+05EtB7CSjk9EHnwu+CWpZIbQO9l4BCTh91NaZyV6+l156cgB4IKOT0UdcDPd11uO/W0+IFNAgo5PTOV6TfrdUfF0W7u26/HKiABgGFnN75M5G6gB4/Uu6uT/QQ0CCgkNM7fypnFdBjXe/5SDkBDQIKOaUemgIaBBRySj00BTQIKOSUemgKaBBQyCn10BTQIKCQU+qhKaBBQCGn1ENTQIOAQk6ph6aABgGFnFIPTQENAgo5pR6aAhoEFHJKPTQFNAgo5JR6aApoEFDIKfXQFNAgoJBT6qEpoEFAIafUQ1NAg4BCTqmHpoAGAYWcUg9NAQ0CCjmlHpoCGgQUcko9NAU0CCjklHpoCmgQUMgp9dAU0CCgkFPqoSmgQUAhp9RDU0CDgEJOqYemgAYBhZxSD00BDQIKOaUemgIaBBRySj00BTQIKOSUemgKaBBQyCn10BTQIKCQU+qhKaBBQCGn1ENTQIOAQk6ph6aABgGFnFIPTQENAgo5pR6aAhoEFHJKPTQFNAgo5JR6aApoEFDIKfXQFNAgoJBT6qEpoEFAIafUQ1NAg4BCTqmHpoAGAYWcUg9NAQ0CCjmlHpoCGgQUcko9NAU0CCjklHpoCmgQUMgp9dAU0CCgkFPqoSmgQUAhp9RDU0CDgEJOqYemgAYBhZxSD00BDQIKOaUemgIaBBRySj00BTQIKOSUemgKaBBQyCn10BTQIKCQU+qhKaBBQCGn1ENTQIOAQk6ph6aABgGFnFIPTQENAgo5pR6aAhoEFHJKPTQFNAgo5JR6aApoEFDIKfXQFNAgoJBT6qEpoEFAIafUQ1NAg4BCTqmHpoAGAYWcUg9NAQ0CCjmlHpoCGgQUcko9NAU0CCjklHpoCmgQUMjp0UPz++fVzuv5HT++roovN/4yAQ0CCjk9eGiuj4n87c/hPVFWAW0hoJDTY4fmpjTy978N7tquBLSVgEJODx2a3z6tVn/8FbF8Gdy3ub2bhYAGAYWcHjo016du7ko6XIlfny+UXiWgQUAhp0cOze+fSyQ3wx1JP74elk3vI6BBQCGnRw7N3XLnS3ez38tdXIcr9dcJaBBQyOmRQ7Na7NwtcPbX2Ler1ZfDjvjz/fMXnpyAHggo5PTggJ72E+0C2i/lZvXbPxz3wd++Ki+gQUAhp0cOzXW1o309COi6OoppoqCrETf+ZQEFZvDYgHbRHAR0fx5SfGM7fqLSm4BOE1DI6f0C2jvs8/vnct+3Tzcf0CSgQUAhpw9aAu3/2K2H1AtoEFDIaYaAnh0jOklAg4BCTh+1F76yFdA7CSjk9Mihub1wHOj4j10hoEFAIaePOhOpcvtlRQQ0CCjk9EHnwvdPUrr1bCQBDQIKOX3Q1ZiqY5e255e6m3xyAnogoJDTB10PdH8gfRR0c8fp8AIaBBRyeucr0pcD6PdtPblxF5KAnggo5PTOn4nUnYHUFfT2C9MLaBBQyOmdP5WzOoXz+KlI91wVVECDgEJOqYemgAYBhZxSD00BDQIKOZ0Pze//5e7PLnovAhoEFHIaCejn+zZUviMBDQIKOY0H9J5jjd6RgAYBhZzGhubm7uON3omABgGFnCaG5rp3OPxcBDQIKOQ0OTT3J1/e9xmajyegQUAhp0tD87g1dL5dSgIaBBRyujI0j8uhN1/+47EENAgo5HRxaHbXBplnKVRAg4BCTtNDc1P2Ix0WQ+c4rElAg4BCThNDc3AkU3Wt+Y8koEFAIadLx4FWC51rAZ2RgEJOk2ci9Q5f2q3Ez3E4k4AGAYWcxgM60173IQENAgo5jQV09lM4TwQ0CCjklHpoCmgQUMhpbAm0twK/nvFkTgENAgo53RDQ+a4oIqBBQCGnawGd6QjQIKBBQCGn3tCsTt2sWIWfm4BCTr2hebr8Ut9816YX0CCgkFN/aG5T9VNAjwQUcrq6E2lOAhoEFHIS0CcgoJBT6qEpoEFAIafUQ1NAg4BCTvXQ3O+E/3K+K95xoHMTUMhJQJ+AgEJOAvoEBBRySj00BTQIKOSUemgKaBBQyCn10BTQIKCQU+qhKaBBQCGn4U6kEXYizU1AIScBfQICCjkJ6BMQUMgp9dAU0CCgkFPqoSmgQUAhp9RDU0CDgEJOqYemgAYBhZycC/8EBBRyEtAnIKCQk4A+AQGFnFIPTQENAgo5pR6aAhoEFHJKPTQFNAgo5JR6aApoEFDIaWJofvs08/6jAwENAgo5jQ7NbbcL/rc/P/oZVQQ0CCjkNDY0N72jmL58+HMqBDQIKOQ0MjT3q+/Hdffq5hwENAgo5DQyNNf1UuduafTlA59On4AGAYWczofmj6+9ZK5Xf/z1cU+nT0CDgEJO50Pz++feZs+tUzlnJ6CQk4A+AQGFnEa3gb5MfvWxBDQIKOQ0vhf+tXyxnfNIUAENAgo5jQ3NbTl+frc6P+eR9AIaBBRy8rHGT0BAIScBfQICCjkJ6BMQUMgp9dAU0CCgkFPqoSmgQUAhp9RDU0CDgEJO14fm9/9kG+jMBBRyunZB5Xt3IsWOqNfJ+799uuMCowIaBBRyGhua6/a98KeHTh1+Hx89f/OTE9ADAYWcJi6o3HhJ+s216q7v+n0CGgQUchq/oPLLvoUvb4OLK1+1T+/+6qH7TQCjlyDZ3hdkAQ0CCjmNXlA5InhYiNzcswa/PnVzV9KxlfjYQCqg9xJQyGn0eqD7fUDfPh0SuMvpzcHbPfJU283YjqTd7/r9vwvo/QQUcpq8oPLpusqb268HulvufOlunn8SyK6qXzYCej8BhZwmA7pbXDwsQ377dPNnIlWLnfuFzeGq/+E6owLaQEAhp+mP9Dheiv7bp5s3glZx3AV0uBE0tq0KaAMBhZxGdyIdliM3sRJ+x2ci1bvs12cBje9cCOjYlaBu/MsCCsxgZGged7wfP8xjc/vHGtfRPAvoNtbvBbSBgEJO4wfS7+MX+4G2E0d0jukHtB/K758jxFbhGwgo5DR1Kudrd1rmzcG7tAS6Pm4JENAGAgo5jQ3NH18PlTteoP72TzW+ENDSTQFtIKCQ0/jQ3Eb91hcvrHRmei98d4SogDYQUMjpkUNzO3kc6Gawb+jGKgtoEFDI6ZFDc/pMJAH9KQIKOT1yaE6fCy+gP0VAIaeJoXm8Juidn2h87WpMb7aBNhFQyOnaR3pMXVp+1NXrgQpoEwGFnMaGZn+F+44LKp9fkX63Vt9PsIA2EFDIaeIjPY79q27eZviZSAL6CAIKOY1/pEfXuM09R9K/nX0qp4A+goBCTqNXY6qTub79YiIPJ6BBQCGn6euBHt1xObuHE9AgoJCTgD4BAYWcRreBvkx+9bEENAgo5DS+F747U2h735GgjyWgQUAhp7GhuS2HIZ3tRP9YAhoEFHKqh+bxAqBDtoHOTUAhJwF9AgIKOQnoExBQyCn10BTQIKCQU+qhKaBBQCGn1ENTQIOAQk4TQ/O4OXS+zZ8HAhoEFHIaHZrV3qRZEyqgQUAhp7Gh2dsb70D6+Qko5DQyNH98Ldeh3382x3xXsxPQIwGFnEaG5raK5j6m93ymx2MJaBBQyGn0akzVhs/d6ryrMc1NQCGn0SvS9z/S3RXp5yagkJMLKj8BAYWcBPQJCCjkZBX+CQgo5GQn0hMQUMjJYUxPQEAhJwfSPwEBhZyunso558nwAhoEFHJyMZEnIKCQk8vZPQEBhZxSD00BDQIKOY0dxjTzcmdHQIOAQk6jB9LPuOO9R0CDgEJOo6dyznfofJ+ABgGFnCyBPgEBhZzGz0Sa7+SjHgENAgo5jQ3Nb5+SLIMKaBBQyGl0G2ify9nNTUAhJwF9AgIKOQnoExBQyCn10BTQIKCQU+qhKaBBQCGn1ENTQIOAQk7Dofnt036z5+voz344AQ0CCjn1h+bhYvR7v/050/PpEdAgoJBTf2iuy673FAUV0CCgkFNvaO4/Aml/IZH9kUwZzkUS0CCgkFNvaK5PZ8HvVuUzLIIKaBBQyKkemtV1mDYpLigioEFAIad6aFZXAv32KcOeeAENAgo5TQQ0x1WVBTQIKOQkoE9AQCEnAX0CAgo5CegTEFDISUCfgIBCTgL6BAQUchLQJyCgkNMgoGNckX5uAgo5CegTEFDISUCfgIBCTqmHpoAGAYWcUg9NAQ0CCjmlHpoCGgQUcko9NAU0CCjklHpoCmgQUMgp9dAU0CCgkFPqoSmgQUAhp9RDU0CDgEJOqYemgAYBhZwePTTjbKbRz1P69mnyrgkCGgQUcnrw0FwfT/88/1DkH19Pp4be/nGfAhoEFHJ67NDcTJ5A3/XzjoIKaBBQyOmhQ3O/kr7/ZPntrpKDy4lujmvv+1X804fPX39yAnogoJDTQ4fm+tTNXUn7K/G7BdDjN3YFPV+/n3pyAnogoJDTI4fmro2nNffNYG/RrqinRdLN7evwAhoEFHJ65NCsKrm7ObWivhbQewko5PTIoVktdu5W2Seuw1wtpl4loEFAIacHB/S0bNlt8zz/GXvh7yWgkNMjh2a9cr4eC+j64lFMYx8ncuNfFlBgBo8NaBdNAX0gAYWc3i+g56E8HUzvONA7CSjk9KFLoHv7I+lfRu85J6BBQCGnDw/oPUfSC2gQUMhpdGjGdZPu/lz4W/bCv50fZH/hyQnogYBCTmNDc9PfkXNzQLe3HAfa+7FrT05ADwQUchoZmttVY0BvOxNJQO8moJDTyNBc39HMngvnwtdf334up4AGAYWczofmpbXvK6avxrT7xumXVjevPjkBPRBQyOl8aO6WI+/52I3a9PVA94eARjZPFwa96ckJ6IGAQk4PDej5FenLMUv1jv1bDwMV0CMBhZxGV+GbA3r2mUjdQZ/xaXN39VNAjwQUchoZmpvbz7U8N/hUzvqo+VgIved3C2gQUMhpZGj+zDr8YwloEFDIaWxoXjqI80MJaBBQyGl0J1LjgfQPJ6BBQCEnAX0CAgo5CegTEFDIKfXQFNAgoJBT6qEpoEFAIafUQ1NAg4BCThND87ghdL7NnwcCGgQUchodmtV+pFkTKqBBQCGnsaHZ2w9/6+cXvQcBDQIKOY0MzcOnD8clj7d3nrz+YAIaBBRyGv9IjxLNfUxvvHz8OxDQIKCQ0+hHelQbPner87dffu7RBDQIKOR09XqgP3Vxu58koEFAIafRUznrlfatUzlnJ6CQk4A+AQGFnKzCPwEBhZzsRHoC9wV0tWwN8xG8F4cxPYF7qjF3395d05wE78OB9E/gvoDO/WzflYCSytVTOec8GV5Ag4AWAkoqLibyBAS0EFBScTm7JyCghYCSSur5UUCDgBYCSiqp50cBDQJaCCippJ4fBTQIaCGgpFLPj/sNn198rHE+AloIKKkI6BMQ0EJASUVAn4CAFgJKKqnnRwENAloIKKmknh8FNAhoIaCkknp+FNAgoIWAksrYBZV7n2S8dj3Q2QloIaCkckNA7USam4AWAkoq1wL6/bOAzk5ACwElld78uBm9gq1V+LkJaCGgpNKbH88OAT14nXrsuxPQIKCFgJJKf37cpuqngB4JaCGgpHJ1J9KcBDQIaCGgpCKgT0BACwElldTzo4AGAS0ElFRSz48CGgS0EFBScTWmJyCghYCSioA+AQEtBJRUBPQJCGghoKSSen4U0CCghYCSSur5UUCDgBYCSioj8+N6vnX2AQENAloIKKmcz48/vs54+ZA+AQ0CWggoqYydibR6meGJjBHQIKCFgJKKJdAnIKCFgJLKyPy43R/MlIKABgEtBJRUxubHb5+SLIMKaBDQQkBJZXQbqAPpcxHQQkBJRUCfgIAWAkoqAvoEBLQQUFJJPT8KaBDQQkBJJfX8KKBBQAsBJZXU86OABgEtBJRUrn4m0trnws9OQAsBJZUbAmon0twEtBBQUrkW0O+fBXR2AloIKKn05sfNaoxV+LkJaCGgpNKbH88OAT14neu5CeiRgBYCSir9+XGbqp8CeiSghYCSytWdSHMS0CCghYCSyqMDGlsBRpdav33a33XPLxfQIKCFgJLKg+fH9XG9/zyT3fbV2/fqC2gQ0EJASeWxB9J3u/GHlaz3T91cUAENAloIKKk89ED6/Ur6Prf7fVGDz1XanFbs1+f3TT85AT0Q0EJASeWhB9KvT23clbS/Er9fAD1+Tsjm9kVQAQ0CWggoqTzyQPoqtpvBjqRtt9j54+vNn7kkoEFACwEllUceSL9b7nzpbva6Wwd1LaB3EtBCQEnlkQfSV5XcLWZOrqevbz6USUCDgBYCSiqPPA500y1a7gI69Vt2i7m3bhQQ0CCghYCSyiMDWq+bTy9mDjePdk9lxI1/WTVMCpjB1flxe/te+DqakwGd/tB5AZ0ioIWAksrl+XG/x7w1oON7inb9dCbSvQS0EFBSuTQ/bu88ceiGJdDtXZ+SLKBBQAsBJZXJ+fGw8Lm647ShWwJ6Xz8F9EhACwEllYn58XQ8010f53F1L/z6zsvbC2gQ0EJASWVsfiwLnzce736yvXwc6P7X3r44e3hyAnogoIWAksr5/NgdTBXagzoAABEVSURBVH/vhyFdOBMpvnXv1e0FNAhoIaCkMpgfTwuff/y1u3VvQC+cCz9yfZFbnpyAHghoIaCk0psfjwufh9A1BPTC1Zj2cb3/+HwBDQJaCCip1PNj7+M4WgI6fT3QOy7BVD85AT0Q0EJASWUQ0G69uyWg51ekPy14Dq5S4mpMdxHQQkBJ5XwJ9Ji+poCefSbSMaBlv76AthDQQkBJpTc/njr3+tYa0OGnch4DOrzQqIDeRUALASWV4fxYTt9sDOhDCWgQ0EJASeV8fuxWtwU0CQEtBJRURufH7X1r2u9GQIOAFgJKKhPz42kx9K5z4R9OQIOAFgJKKtPz42kx9L7T1x9KQIOAFgJKKpfmx+Ni6HxLoQIaBLQQUFK5Mj9uBTQBAS0ElFSuzo8/vgro3AS0EFBSST0/CmgQ0EJASSX1/CigQUALASWV1POjgAYBLQSUVFLPjwIaBLQQUFJJPT8KaBDQQkBJJfX8KKBBQAsBJZXU86OABgEtBJRUUs+PAhoEtBBQUkk9PwpoENBCQEkl9fwooEFACwElldTzo4AGAS0ElFRSz48CGgS0EFBSST0/CmgQ0EJASSX1/CigQUALASWV1POjgAYBLQSUVFLPjwIaBLQQUFJJPT8KaBDQQkBJJfX8KKBBQAsBJZXU86OABgEtBJRUUs+PAhoEtBBQUkk9PwpoENBCQEkl9fwooEFACwElldTzo4AGAS0ElFRSz48CGgS0EFBSST0/CmgQ0EJASSX1/CigQUALASWV1POjgAYBLQSUVFLPjwIaBLQQUFJJPT8KaBDQQkBJJfX8KKBBQAsBJZXU86OABgEtBJRUUs+PAhoEtBBQUkk9PwpoENBCQEkl9fwooEFACwElldTzo4AGAS0ElFRSz48CGgS0EFBSST0/CmgQ0EJASSX1/CigQUALASWV1POjgAYBLQSUVFLPjwIaBLQQUFJJPT8KaBDQQkBJJfX8KKBBQAsBJZXU86OABgEtBJRUUs+PAhoEtBBQUkk9PwpoENBCQEkl9fwooEFACwElldTzo4AGAS0ElFRSz48CGgS0EFBSST0/CmgQ0EJASSX1/CigQUALASWV1POjgAYBLQSUVFLPjwIaBLQQUFJJPT8KaBDQQkBJJfX8KKBBQAsBJZXU86OABgEtBJRUUs+PAhoEtBBQUkk9PwpoENBCQEkl9fwooEFACwElldTzo4AGAS0ElFQePT9+/7zaeZ2++/e/3f7LBDQIaCGgpPLg+XG9Cr/9OXr3j68rAb2fgBYCSiqPnR83q5PxTq6n7hgnoEFACwEllYfOj98+rVZ//PX2tt0V9OX87t3yp4C2ENBCQEnlofPj+tTNXUnPV+L3eRXQFgJaCCipPHJ+/P655HFztiPpsHfpP9gG2kJACwEllUfOj7tFzJfu5n5dvrLfPPrFTqQmAloIKKk8cn6sFjvPS7nZx1VAmwhoIaCk8uCAfjne3JVy7EgmAW0ioIWAksoj58d1F9Dd7bsDuhpx419WDZMCZvDYgHbRFNAHEtBCQEnl/QLaLY12rMI3EdBCQEkl0RLoOQENAloIKKkI6BMQ0EJAScVe+CcgoIWAksoj58ftpeNAL317ioAGAS0ElFQ+7EykAwFtIqCFgJLKh50LfyCgTQS0EFBS+cCrMb0JaCMBLQSUVD7yeqAC2khACwEllXe+Iv1urb5eFBXQJgJaCCipvPNnIgnoIwhoIaCk8s6fyimgjyCghYCSSur5UUCDgBYCSiqp50cBDQJaCCippJ4fBTQIaCGgpJJ6fhTQIKCFgJJK6vlRQIOAFgJKKqnnRwENAloIKKmknh8FNAhoIaCkknp+FNAgoIWAkkrq+VFAg4AWAkoqqedHAQ0CWggoqaSeHwU0CGghoKSSen4U0CCghYCSSur5UUCDgBYCSiqp50cBDQJaCCippJ4fBTQIaCGgpJJ6fhTQIKCFgJJK6vlRQIOAFgJKKqnnRwENAloIKKmknh8FNAhoIaCkknp+FNAgoIWAkkrq+VFAg4AWAkoqqedHAQ0CWggoqaSeHwU0CGghoKSSen4U0CCghYCSSur5UUCDgBYCSiqp50cBDQJaCCippJ4fBTQIaHFfQFfLds+k4H2kfhMENAhocd+kWLjbJwXvJfWbIKBBQAuTohDQDFK/CQIaVKMwKQoBzSD1myCgQTUKk6IQ0AxSvwkCGlSjMCkKAc0g9ZsgoEE1CpOiENAMUr8JAhpUozApCgHNIPWbIKBBNQqTohDQDFK/CQIaVKMwKQoBzSD1myCgQTUKk6IQ0AxSvwkCGlSjMCkKAc0g9ZsgoEE1CpOiENAMUr8JAhpUozApCgHNIPWbIKBBNQqTohDQDFK/CQIaVKMwKQoBzSD1myCgQTUKk6IQ0AxSvwkCGlSjMCkKAc0g9ZsgoEE1CpOiENAMUr8JAhpUozApCgHNIPWbIKBBNQqTohDQDFK/CQIaVKMwKQoBzSD1myCgQTUKk6IQ0AxSvwkCGlSjMCkKAc0g9ZsgoEE1CpOiENAMUr8JAhpUozApCgHNIPWbIKBBNQqTohDQDFK/CQIaVKMwKQoBzSD1myCgQTUKk6IQ0AxSvwkCGlSjMCkKAc0g9ZsgoEE1CpOiENAMUr8JAhpUozApCgHNIPWbIKBBNQqTohDQDFK/CQIaVKMwKQoBzSD1myCgQTUKk6IQ0AxSvwkCGlSjMCkKAc0g9ZsgoEE1CpOiENAMUr8JAhpUozApCgHNIPWbIKBBNQqTorgvoKtlu2dSPJSAPgHVKEyK4r5JsXC3T4oHE9AnoBqFSVGYFMWCAvr98/7fg9c775ogoMFQKUyKwqQolhPQ9XGJ+rc/77lrioAGQ6UwKQqTolhMQDdlm8Tvf7v9ruknJ6AHhkphUhQmRbGUgH77tFr98dfb23aXyZeb77rw5AT0wFApTIrCpCiWEtD1KY67XA7W1C/cdeHJCeiBoVKYFIVJUSwkoN8/l9XzzWBv0YW7Lj05AT0wVAqTojApioUEdLdw+dLd3K+w33LXpScnoAeGSmFSFCZFsZCAVsuWP7729xVduOvSkxPQA0OlMCkKk6JYTkC/HG/uKtnb0nnhrktPTkAPDJXCpChMimIhAV13ldzd7lXywl3dU2k/Q+vxp4Ylc/ubMPczfXcmRWFSFLdPigd7bEC7Mp4FdPKu7qm0T5ePfrs+3O1vwtzP9N2ZFIVJUdw+KR7s/QLaLXJevgvgSSVaAgV4LgIK0Cj1XniAzB4Z0O30wZ4X7gJ4UqnPRALILPW58ACZpb4aE0Bmqa8HCpDZO1+RfrfqflzebLkiPUBm7/yZSF1AWz4TCSCzd/5UziqgDZ/KCZBZ6s+FB8hMQAEaCShAIwEFaCSgAI0EFKCRgAI0ElCARgIK0EhAARoJKEAjAQVoJKAAjQQUoJGAAjQSUIBGAgrQSEABGgkoQCMBBWgkoACNBBSgkYACNBJQgEYCCtBIQAEaCShAIwEFaCSgAI0EFKCRgAI0ElCARgIK0EhAARoJKEAjAQVoJKAAjQQUoJGAAjQSUIBGAgrQSEABGgkoQCMBBWgkoACNBBSgkYACNPoVA7pdvbQ+9Ns/vb39+Prbn/c+bvP7346/4NNqtfrS+uc/UHnGg9sn+ylxyXb3Olevx599lhc9on4db22TYrP7DU/3/t/m8HJWf/x1/Oqfzn5gwa89COjdj2wI6LdPx5noMBzrAZlVecaD2yfXpuE6XuhhaD3Nix5Rv463n5oUX+Jnn3dSnIt87h2mwMiEWO5rPxHQux95f0C3p3+Fv3/ezz/b1f2LsB9s2y039G5XP3BxGsZL3B6Gy9O86BH163hrnRT7h2wO/33mSXFu1894IZuYPucTYrmvvRDQux95d0DXZTVmE395074N4WN0z7h/u3NlGq5PCx27RbdnedFj6tfRNilOc8t6/79nnhRnfnwtLyMWzM8mxHJfe0dAqy0z27I2Ut/sHFZIXvazxe7f3GNFN6c1vP2316uRf2DXq9//z9fDuNvNcl/iT55WCXPqnnH/dv0Tx8mzW64Yicpp5Oxf6LO86DH162icFPVveuZJcW676l7F/h+a9diQ2Vvga+/88gHddBtxNt32rupmpQT0n/c39mNrN1sc7MbN6eZZQf/Xfu45DKzvn+PO75+nxlkO3TPu3+6cBstxOk1t2NpP6Wd50ZfEHPMzk2K9/5ElTIrOerBDaDKgC3ztnV89oLHycfjnMd7i4c3zR+5L+WX/39f9qNk3drfs8aX79sg8VAIaM0/LfvwPVpdipBrHabhbet/3YjO1YWt9mJZP86InlVa0TYr9Ss7+ziVMiuJ8Uoxuy1jka6/86gFdn/5d/OOv6t/GqX8mTwE9bTI/zQ2b3Xeqb59ZakDXx+WtiQ1bh39enuhFT9mUVZG2SXHYSvTyVO//dedjZDKgi3vtlV88oKf17v1K+P72cZ6obp4/8rhg2m3M2RxW3M6+XVloQMvrGP8HZ3vc+/o0L3rCtpsXWidF/PP6/JOicnoxh02/h0ZO7U1b3muv/OIBPb77sRUzDms7vM/VzbNHHmeBKGW35av37YGFBrTEYrQacfTKM73ocZvVT0+Kt5gvnn5S1E6T4npAl/faK798QHuz+6bbDVDdHDyyLuUmfmhzW0C7eS79hvSfD+j6uN77RC961Lreldge0P0jn31S9NU7kbYXA7q819755QM6/Pdw9w/q6R2ubtaPrEp5eviNAT3Nc09wKMd9q/DnL6jamfY8L3rEYKdgy6QIh3A89aQYqg9juhzQ5b32zi8e0DjEove2XtqXNAzo8WGHjTy3BPR5Dib+yZ1Ixz1q9Z1P8KLP1a8jvr53Upz+jT2usDzvpDhT/9syHtDlvvbOrx7Q6mzD43nO+12u1c3eIw9zQm8JdP/P6n4r0MtNAX2e09muBTRe5rdPxwNohy+oHibP86LPDYd7w6RYn46y//Lck+JcOZVzv8fgZWzWX+5rL37NgJ586R0yv+6OhK9u1g5zSl3K9ek33RbQ57mgwvWAXjp6vNs3t58YT/Oiz/Rfx1vLpCgHehy+/7yTYkw3eY4HoAwPpF/waz/55QMaO9xfuztiqFQ3a7tR8sffz/bCv+6XWG8K6NNc0utaQA9T4q+p8xe7KXyYGM/yos8MXkfLpIj7yz/FTzspxkVCTy9ucz5kFvzaw68YUICHEFCARgJ6WbcSd/vqR8tj8rvyqpb5oseZFJN+udcuoJcJ6IlqFCbFpF/utQsoQCMBBWgkoACNBBSgkYACNBJQgEYCCtBIQAEaCShAIwEFaCSgAI0EFKCRgAI0ElCARgIK0EhAARoJKEAjAQVoJKAAjQQUoJGAAjQSUIBGAgrQSEABGgkoQCMBBWgkoACNBBSgkYACNBJQgEYCCtBIQAEaCShAIwEFaCSgAI0EFKCRgAI0ElCARgIK0EhAARoJKEAjAQVoJKAAjQQUoJGAAjQSUIBGAgrQSEABGgkoQCMBBWgkoACNBBSgkYACNBJQgEYCCtBIQAEaCShAIwEFaCSgAI0EFKCRgAI0ElCARgIK0EhAARoJKEAjAQVoJKAAjQQUoJGAAjQSUIBGAgrQSEABGgkoQCMBBWgkoACNBBSgkYACNBJQgEYCCtBIQAEaCShAIwEFaCSgAI0EFKCRgAI0ElCARgIK0EhAARoJKEAjAQVoJKAAjQQUoJGAAjQSUIBGAgrQSEABGgkoQCMBBWgkoACNBBSgkYACNBJQgEYCCtBIQAEaCShAIwEFaCSgAI0EFKCRgAI0ElCARgIK0EhAARoJKEAjAQVoJKAAjQQUoJGAAjQSUIBGAgrQSEABGgkoQCMBBWj0/wFHOJQoxmiWUwAAAABJRU5ErkJggg=="/>
+          <p:cNvSpPr>
+            <a:spLocks noChangeAspect="1" noChangeArrowheads="1"/>
+          </p:cNvSpPr>
+          <p:nvPr/>
+        </p:nvSpPr>
+        <p:spPr bwMode="auto">
+          <a:xfrm>
+            <a:off x="155575" y="-144463"/>
+            <a:ext cx="304800" cy="304801"/>
+          </a:xfrm>
+          <a:prstGeom prst="rect">
+            <a:avLst/>
+          </a:prstGeom>
+          <a:noFill/>
+          <a:extLst>
+            <a:ext uri="{909E8E84-426E-40DD-AFC4-6F175D3DCCD1}">
+              <a14:hiddenFill xmlns:a14="http://schemas.microsoft.com/office/drawing/2010/main">
+                <a:solidFill>
+                  <a:srgbClr val="FFFFFF"/>
+                </a:solidFill>
+              </a14:hiddenFill>
+            </a:ext>
+          </a:extLst>
+        </p:spPr>
+        <p:txBody>
+          <a:bodyPr vert="horz" wrap="square" lIns="91440" tIns="45720" rIns="91440" bIns="45720" numCol="1" anchor="t" anchorCtr="0" compatLnSpc="1">
+            <a:prstTxWarp prst="textNoShape">
+              <a:avLst/>
+            </a:prstTxWarp>
+          </a:bodyPr>
+          <a:lstStyle/>
+          <a:p>
+            <a:endParaRPr lang="en-US"/>
+          </a:p>
+        </p:txBody>
+      </p:sp>
+    </p:spTree>
+    <p:extLst>
+      <p:ext uri="{BB962C8B-B14F-4D97-AF65-F5344CB8AC3E}">
+        <p14:creationId xmlns:p14="http://schemas.microsoft.com/office/powerpoint/2010/main" val="2003386794"/>
+      </p:ext>
+    </p:extLst>
+  </p:cSld>
+  <p:clrMapOvr>
+    <a:masterClrMapping/>
+  </p:clrMapOvr>
+</p:sld>
+</file>
+
+<file path=ppt/slides/slide7.xml><?xml version="1.0" encoding="utf-8"?>
+<p:sld xmlns:a="http://schemas.openxmlformats.org/drawingml/2006/main" xmlns:r="http://schemas.openxmlformats.org/officeDocument/2006/relationships" xmlns:p="http://schemas.openxmlformats.org/presentationml/2006/main">
+  <p:cSld>
+    <p:spTree>
+      <p:nvGrpSpPr>
+        <p:cNvPr id="1" name=""/>
+        <p:cNvGrpSpPr/>
+        <p:nvPr/>
+      </p:nvGrpSpPr>
+      <p:grpSpPr>
+        <a:xfrm>
+          <a:off x="0" y="0"/>
+          <a:ext cx="0" cy="0"/>
+          <a:chOff x="0" y="0"/>
+          <a:chExt cx="0" cy="0"/>
+        </a:xfrm>
+      </p:grpSpPr>
+      <p:sp>
+        <p:nvSpPr>
+          <p:cNvPr id="2" name="Content Placeholder 1"/>
+          <p:cNvSpPr>
+            <a:spLocks noGrp="1"/>
+          </p:cNvSpPr>
+          <p:nvPr>
+            <p:ph idx="1"/>
+          </p:nvPr>
+        </p:nvSpPr>
+        <p:spPr/>
+        <p:txBody>
+          <a:bodyPr/>
+          <a:lstStyle/>
+          <a:p>
+            <a:r>
+              <a:rPr lang="en-US" dirty="0" smtClean="0"/>
+              <a:t>Attributes based on rankings tend to have higher attrition rates for middle ranks</a:t>
+            </a:r>
+          </a:p>
+          <a:p>
+            <a:endParaRPr lang="en-US" dirty="0"/>
+          </a:p>
+        </p:txBody>
+      </p:sp>
+      <p:sp>
+        <p:nvSpPr>
+          <p:cNvPr id="3" name="Title 2"/>
+          <p:cNvSpPr>
+            <a:spLocks noGrp="1"/>
+          </p:cNvSpPr>
+          <p:nvPr>
+            <p:ph type="title"/>
+          </p:nvPr>
+        </p:nvSpPr>
+        <p:spPr/>
+        <p:txBody>
+          <a:bodyPr/>
+          <a:lstStyle/>
+          <a:p>
+            <a:r>
+              <a:rPr lang="en-US" dirty="0" smtClean="0"/>
+              <a:t>Other Findings</a:t>
+            </a:r>
+            <a:endParaRPr lang="en-US" dirty="0"/>
+          </a:p>
+        </p:txBody>
+      </p:sp>
+      <p:pic>
+        <p:nvPicPr>
+          <p:cNvPr id="4" name="Picture 3"/>
+          <p:cNvPicPr>
+            <a:picLocks noChangeAspect="1"/>
+          </p:cNvPicPr>
+          <p:nvPr/>
+        </p:nvPicPr>
+        <p:blipFill>
+          <a:blip r:embed="rId2">
+            <a:extLst>
+              <a:ext uri="{28A0092B-C50C-407E-A947-70E740481C1C}">
+                <a14:useLocalDpi xmlns:a14="http://schemas.microsoft.com/office/drawing/2010/main" val="0"/>
+              </a:ext>
+            </a:extLst>
+          </a:blip>
+          <a:stretch>
+            <a:fillRect/>
+          </a:stretch>
+        </p:blipFill>
+        <p:spPr>
+          <a:xfrm>
+            <a:off x="381000" y="2971800"/>
+            <a:ext cx="4049138" cy="2349500"/>
+          </a:xfrm>
+          <a:prstGeom prst="rect">
+            <a:avLst/>
+          </a:prstGeom>
+        </p:spPr>
+      </p:pic>
+      <p:pic>
+        <p:nvPicPr>
+          <p:cNvPr id="5" name="Picture 4"/>
+          <p:cNvPicPr>
+            <a:picLocks noChangeAspect="1"/>
+          </p:cNvPicPr>
+          <p:nvPr/>
+        </p:nvPicPr>
+        <p:blipFill>
+          <a:blip r:embed="rId3">
+            <a:extLst>
+              <a:ext uri="{28A0092B-C50C-407E-A947-70E740481C1C}">
+                <a14:useLocalDpi xmlns:a14="http://schemas.microsoft.com/office/drawing/2010/main" val="0"/>
+              </a:ext>
+            </a:extLst>
+          </a:blip>
+          <a:stretch>
+            <a:fillRect/>
+          </a:stretch>
+        </p:blipFill>
+        <p:spPr>
+          <a:xfrm>
+            <a:off x="4499411" y="2970408"/>
+            <a:ext cx="4034989" cy="2363592"/>
+          </a:xfrm>
+          <a:prstGeom prst="rect">
+            <a:avLst/>
+          </a:prstGeom>
+        </p:spPr>
+      </p:pic>
+    </p:spTree>
+    <p:extLst>
+      <p:ext uri="{BB962C8B-B14F-4D97-AF65-F5344CB8AC3E}">
+        <p14:creationId xmlns:p14="http://schemas.microsoft.com/office/powerpoint/2010/main" val="218252302"/>
+      </p:ext>
+    </p:extLst>
+  </p:cSld>
+  <p:clrMapOvr>
+    <a:masterClrMapping/>
+  </p:clrMapOvr>
+</p:sld>
+</file>
+
+<file path=ppt/slides/slide8.xml><?xml version="1.0" encoding="utf-8"?>
+<p:sld xmlns:a="http://schemas.openxmlformats.org/drawingml/2006/main" xmlns:r="http://schemas.openxmlformats.org/officeDocument/2006/relationships" xmlns:p="http://schemas.openxmlformats.org/presentationml/2006/main">
+  <p:cSld>
+    <p:spTree>
+      <p:nvGrpSpPr>
+        <p:cNvPr id="1" name=""/>
+        <p:cNvGrpSpPr/>
+        <p:nvPr/>
+      </p:nvGrpSpPr>
+      <p:grpSpPr>
+        <a:xfrm>
+          <a:off x="0" y="0"/>
+          <a:ext cx="0" cy="0"/>
+          <a:chOff x="0" y="0"/>
+          <a:chExt cx="0" cy="0"/>
+        </a:xfrm>
+      </p:grpSpPr>
+      <p:sp>
+        <p:nvSpPr>
+          <p:cNvPr id="2" name="Content Placeholder 1"/>
+          <p:cNvSpPr>
+            <a:spLocks noGrp="1"/>
+          </p:cNvSpPr>
+          <p:nvPr>
+            <p:ph idx="1"/>
+          </p:nvPr>
+        </p:nvSpPr>
+        <p:spPr/>
+        <p:txBody>
+          <a:bodyPr/>
+          <a:lstStyle/>
+          <a:p>
+            <a:r>
+              <a:rPr lang="en-US" dirty="0" smtClean="0"/>
+              <a:t>Exclusion of Unnecessary Variables</a:t>
+            </a:r>
+          </a:p>
+          <a:p>
+            <a:pPr lvl="1"/>
+            <a:r>
+              <a:rPr lang="en-US" sz="2000" dirty="0"/>
+              <a:t>"Standard Hours", "Over 18“, "Employee Count”, etc.</a:t>
+            </a:r>
+            <a:endParaRPr lang="en-US" sz="2400" dirty="0"/>
+          </a:p>
+          <a:p>
+            <a:pPr lvl="1"/>
+            <a:endParaRPr lang="en-US" dirty="0" smtClean="0"/>
+          </a:p>
+          <a:p>
+            <a:r>
+              <a:rPr lang="en-US" dirty="0" smtClean="0"/>
+              <a:t>Preliminary Correlation Tests</a:t>
+            </a:r>
+          </a:p>
+          <a:p>
+            <a:pPr lvl="1"/>
+            <a:endParaRPr lang="en-US" dirty="0"/>
+          </a:p>
+          <a:p>
+            <a:pPr lvl="1"/>
+            <a:endParaRPr lang="en-US" sz="2000" dirty="0" smtClean="0"/>
+          </a:p>
+        </p:txBody>
+      </p:sp>
+      <p:sp>
+        <p:nvSpPr>
+          <p:cNvPr id="3" name="Title 2"/>
+          <p:cNvSpPr>
+            <a:spLocks noGrp="1"/>
+          </p:cNvSpPr>
+          <p:nvPr>
+            <p:ph type="title"/>
+          </p:nvPr>
+        </p:nvSpPr>
+        <p:spPr/>
+        <p:txBody>
+          <a:bodyPr/>
+          <a:lstStyle/>
+          <a:p>
+            <a:r>
+              <a:rPr lang="en-US" dirty="0" smtClean="0"/>
+              <a:t>Exploratory Data Analysis</a:t>
+            </a:r>
+            <a:endParaRPr lang="en-US" dirty="0"/>
+          </a:p>
+        </p:txBody>
+      </p:sp>
+      <p:pic>
+        <p:nvPicPr>
+          <p:cNvPr id="6147" name="Picture 3"/>
+          <p:cNvPicPr>
+            <a:picLocks noChangeAspect="1" noChangeArrowheads="1"/>
+          </p:cNvPicPr>
+          <p:nvPr/>
+        </p:nvPicPr>
+        <p:blipFill>
+          <a:blip r:embed="rId2">
+            <a:extLst>
+              <a:ext uri="{28A0092B-C50C-407E-A947-70E740481C1C}">
+                <a14:useLocalDpi xmlns:a14="http://schemas.microsoft.com/office/drawing/2010/main" val="0"/>
+              </a:ext>
+            </a:extLst>
+          </a:blip>
+          <a:srcRect/>
+          <a:stretch>
+            <a:fillRect/>
+          </a:stretch>
+        </p:blipFill>
+        <p:spPr bwMode="auto">
+          <a:xfrm>
+            <a:off x="5867400" y="3352800"/>
+            <a:ext cx="3022946" cy="2819400"/>
+          </a:xfrm>
+          <a:prstGeom prst="rect">
+            <a:avLst/>
+          </a:prstGeom>
+          <a:noFill/>
+          <a:ln w="9525">
+            <a:solidFill>
+              <a:schemeClr val="tx1"/>
+            </a:solidFill>
+            <a:miter lim="800000"/>
+            <a:headEnd/>
+            <a:tailEnd/>
+          </a:ln>
+          <a:extLst>
+            <a:ext uri="{909E8E84-426E-40DD-AFC4-6F175D3DCCD1}">
+              <a14:hiddenFill xmlns:a14="http://schemas.microsoft.com/office/drawing/2010/main">
+                <a:solidFill>
+                  <a:schemeClr val="accent1"/>
+                </a:solidFill>
+              </a14:hiddenFill>
+            </a:ext>
+          </a:extLst>
+        </p:spPr>
+      </p:pic>
+      <p:pic>
+        <p:nvPicPr>
+          <p:cNvPr id="6149" name="Picture 5"/>
+          <p:cNvPicPr>
+            <a:picLocks noChangeAspect="1" noChangeArrowheads="1"/>
+          </p:cNvPicPr>
+          <p:nvPr/>
+        </p:nvPicPr>
+        <p:blipFill>
+          <a:blip r:embed="rId3">
+            <a:extLst>
+              <a:ext uri="{28A0092B-C50C-407E-A947-70E740481C1C}">
+                <a14:useLocalDpi xmlns:a14="http://schemas.microsoft.com/office/drawing/2010/main" val="0"/>
+              </a:ext>
+            </a:extLst>
+          </a:blip>
+          <a:srcRect/>
+          <a:stretch>
+            <a:fillRect/>
+          </a:stretch>
+        </p:blipFill>
+        <p:spPr bwMode="auto">
+          <a:xfrm>
+            <a:off x="990600" y="3352800"/>
+            <a:ext cx="4572000" cy="1905000"/>
+          </a:xfrm>
+          <a:prstGeom prst="rect">
+            <a:avLst/>
+          </a:prstGeom>
+          <a:noFill/>
+          <a:ln w="9525">
+            <a:solidFill>
+              <a:schemeClr val="tx1"/>
+            </a:solidFill>
+            <a:miter lim="800000"/>
+            <a:headEnd/>
+            <a:tailEnd/>
+          </a:ln>
+          <a:extLst>
+            <a:ext uri="{909E8E84-426E-40DD-AFC4-6F175D3DCCD1}">
+              <a14:hiddenFill xmlns:a14="http://schemas.microsoft.com/office/drawing/2010/main">
+                <a:solidFill>
+                  <a:schemeClr val="accent1"/>
+                </a:solidFill>
+              </a14:hiddenFill>
+            </a:ext>
+          </a:extLst>
+        </p:spPr>
+      </p:pic>
+      <p:sp>
+        <p:nvSpPr>
+          <p:cNvPr id="4" name="TextBox 3"/>
+          <p:cNvSpPr txBox="1"/>
+          <p:nvPr/>
+        </p:nvSpPr>
+        <p:spPr>
+          <a:xfrm>
+            <a:off x="1295400" y="5559623"/>
+            <a:ext cx="4038600" cy="307777"/>
+          </a:xfrm>
+          <a:prstGeom prst="rect">
+            <a:avLst/>
+          </a:prstGeom>
+          <a:noFill/>
+        </p:spPr>
+        <p:txBody>
+          <a:bodyPr wrap="square" rtlCol="0">
+            <a:spAutoFit/>
+          </a:bodyPr>
+          <a:lstStyle/>
+          <a:p>
+            <a:r>
+              <a:rPr lang="en-US" sz="1400" dirty="0" smtClean="0"/>
+              <a:t>Correlation Tests of Continuous Variables </a:t>
+            </a:r>
+            <a:endParaRPr lang="en-US" sz="1400" dirty="0"/>
+          </a:p>
+        </p:txBody>
+      </p:sp>
+    </p:spTree>
+    <p:extLst>
+      <p:ext uri="{BB962C8B-B14F-4D97-AF65-F5344CB8AC3E}">
+        <p14:creationId xmlns:p14="http://schemas.microsoft.com/office/powerpoint/2010/main" val="3915541442"/>
+      </p:ext>
+    </p:extLst>
+  </p:cSld>
+  <p:clrMapOvr>
+    <a:masterClrMapping/>
+  </p:clrMapOvr>
+</p:sld>
+</file>
+
+<file path=ppt/slides/slide9.xml><?xml version="1.0" encoding="utf-8"?>
+<p:sld xmlns:a="http://schemas.openxmlformats.org/drawingml/2006/main" xmlns:r="http://schemas.openxmlformats.org/officeDocument/2006/relationships" xmlns:p="http://schemas.openxmlformats.org/presentationml/2006/main">
+  <p:cSld>
+    <p:spTree>
+      <p:nvGrpSpPr>
+        <p:cNvPr id="1" name=""/>
+        <p:cNvGrpSpPr/>
+        <p:nvPr/>
+      </p:nvGrpSpPr>
+      <p:grpSpPr>
+        <a:xfrm>
+          <a:off x="0" y="0"/>
+          <a:ext cx="0" cy="0"/>
+          <a:chOff x="0" y="0"/>
+          <a:chExt cx="0" cy="0"/>
+        </a:xfrm>
+      </p:grpSpPr>
+      <p:sp>
+        <p:nvSpPr>
+          <p:cNvPr id="2" name="Content Placeholder 1"/>
+          <p:cNvSpPr>
+            <a:spLocks noGrp="1"/>
+          </p:cNvSpPr>
+          <p:nvPr>
+            <p:ph idx="1"/>
+          </p:nvPr>
+        </p:nvSpPr>
+        <p:spPr/>
+        <p:txBody>
+          <a:bodyPr/>
+          <a:lstStyle/>
+          <a:p>
+            <a:pPr lvl="1"/>
+            <a:endParaRPr lang="en-US" dirty="0" smtClean="0"/>
+          </a:p>
+          <a:p>
+            <a:pPr lvl="1"/>
+            <a:endParaRPr lang="en-US" dirty="0"/>
+          </a:p>
+          <a:p>
+            <a:pPr lvl="1"/>
+            <a:endParaRPr lang="en-US" dirty="0"/>
+          </a:p>
+          <a:p>
+            <a:endParaRPr lang="en-US" dirty="0" smtClean="0"/>
+          </a:p>
+          <a:p>
+            <a:endParaRPr lang="en-US" dirty="0"/>
+          </a:p>
+          <a:p>
+            <a:endParaRPr lang="en-US" dirty="0" smtClean="0"/>
+          </a:p>
+          <a:p>
+            <a:endParaRPr lang="en-US" dirty="0"/>
+          </a:p>
+          <a:p>
+            <a:endParaRPr lang="en-US" dirty="0" smtClean="0"/>
+          </a:p>
+          <a:p>
+            <a:endParaRPr lang="en-US" dirty="0"/>
+          </a:p>
+          <a:p>
+            <a:pPr lvl="1"/>
+            <a:endParaRPr lang="en-US" sz="2000" dirty="0" smtClean="0"/>
+          </a:p>
+        </p:txBody>
+      </p:sp>
+      <p:sp>
+        <p:nvSpPr>
+          <p:cNvPr id="3" name="Title 2"/>
+          <p:cNvSpPr>
+            <a:spLocks noGrp="1"/>
+          </p:cNvSpPr>
+          <p:nvPr>
+            <p:ph type="title"/>
+          </p:nvPr>
+        </p:nvSpPr>
+        <p:spPr/>
+        <p:txBody>
+          <a:bodyPr/>
+          <a:lstStyle/>
+          <a:p>
+            <a:r>
+              <a:rPr lang="en-US" dirty="0" smtClean="0"/>
+              <a:t>Analysis of Significance</a:t>
+            </a:r>
+            <a:endParaRPr lang="en-US" dirty="0"/>
+          </a:p>
+        </p:txBody>
+      </p:sp>
+      <p:pic>
+        <p:nvPicPr>
+          <p:cNvPr id="7171" name="Picture 3"/>
+          <p:cNvPicPr>
+            <a:picLocks noChangeAspect="1" noChangeArrowheads="1"/>
+          </p:cNvPicPr>
+          <p:nvPr/>
+        </p:nvPicPr>
+        <p:blipFill>
+          <a:blip r:embed="rId2">
+            <a:extLst>
+              <a:ext uri="{28A0092B-C50C-407E-A947-70E740481C1C}">
+                <a14:useLocalDpi xmlns:a14="http://schemas.microsoft.com/office/drawing/2010/main" val="0"/>
+              </a:ext>
+            </a:extLst>
+          </a:blip>
+          <a:srcRect/>
+          <a:stretch>
+            <a:fillRect/>
+          </a:stretch>
+        </p:blipFill>
+        <p:spPr bwMode="auto">
+          <a:xfrm>
+            <a:off x="457200" y="1295400"/>
+            <a:ext cx="5261308" cy="3033713"/>
+          </a:xfrm>
+          <a:prstGeom prst="rect">
+            <a:avLst/>
+          </a:prstGeom>
+          <a:noFill/>
+          <a:ln w="9525">
+            <a:solidFill>
+              <a:schemeClr val="tx1"/>
+            </a:solidFill>
+            <a:miter lim="800000"/>
+            <a:headEnd/>
+            <a:tailEnd/>
+          </a:ln>
+          <a:extLst>
+            <a:ext uri="{909E8E84-426E-40DD-AFC4-6F175D3DCCD1}">
+              <a14:hiddenFill xmlns:a14="http://schemas.microsoft.com/office/drawing/2010/main">
+                <a:solidFill>
+                  <a:schemeClr val="accent1"/>
+                </a:solidFill>
+              </a14:hiddenFill>
+            </a:ext>
+          </a:extLst>
+        </p:spPr>
+      </p:pic>
+      <p:pic>
+        <p:nvPicPr>
+          <p:cNvPr id="7172" name="Picture 4"/>
+          <p:cNvPicPr>
+            <a:picLocks noChangeAspect="1" noChangeArrowheads="1"/>
+          </p:cNvPicPr>
+          <p:nvPr/>
+        </p:nvPicPr>
+        <p:blipFill>
+          <a:blip r:embed="rId3">
+            <a:extLst>
+              <a:ext uri="{28A0092B-C50C-407E-A947-70E740481C1C}">
+                <a14:useLocalDpi xmlns:a14="http://schemas.microsoft.com/office/drawing/2010/main" val="0"/>
+              </a:ext>
+            </a:extLst>
+          </a:blip>
+          <a:srcRect/>
+          <a:stretch>
+            <a:fillRect/>
+          </a:stretch>
+        </p:blipFill>
+        <p:spPr bwMode="auto">
+          <a:xfrm>
+            <a:off x="3789485" y="4572000"/>
+            <a:ext cx="5261308" cy="1867758"/>
+          </a:xfrm>
+          <a:prstGeom prst="rect">
+            <a:avLst/>
+          </a:prstGeom>
+          <a:noFill/>
+          <a:ln w="9525">
+            <a:solidFill>
+              <a:schemeClr val="tx1"/>
+            </a:solidFill>
+            <a:miter lim="800000"/>
+            <a:headEnd/>
+            <a:tailEnd/>
+          </a:ln>
+          <a:extLst>
+            <a:ext uri="{909E8E84-426E-40DD-AFC4-6F175D3DCCD1}">
+              <a14:hiddenFill xmlns:a14="http://schemas.microsoft.com/office/drawing/2010/main">
+                <a:solidFill>
+                  <a:schemeClr val="accent1"/>
+                </a:solidFill>
+              </a14:hiddenFill>
+            </a:ext>
+          </a:extLst>
+        </p:spPr>
+      </p:pic>
+      <p:sp>
+        <p:nvSpPr>
+          <p:cNvPr id="4" name="TextBox 3"/>
+          <p:cNvSpPr txBox="1"/>
+          <p:nvPr/>
+        </p:nvSpPr>
+        <p:spPr>
+          <a:xfrm>
+            <a:off x="5943600" y="2133600"/>
+            <a:ext cx="2819400" cy="646331"/>
+          </a:xfrm>
+          <a:prstGeom prst="rect">
+            <a:avLst/>
+          </a:prstGeom>
+          <a:noFill/>
+        </p:spPr>
+        <p:txBody>
+          <a:bodyPr wrap="square" rtlCol="0">
+            <a:spAutoFit/>
+          </a:bodyPr>
+          <a:lstStyle/>
+          <a:p>
+            <a:pPr algn="ctr"/>
+            <a:r>
+              <a:rPr lang="en-US" i="1" dirty="0" smtClean="0"/>
+              <a:t>t-</a:t>
+            </a:r>
+            <a:r>
+              <a:rPr lang="en-US" dirty="0" smtClean="0"/>
+              <a:t>tests for significance of distributions</a:t>
+            </a:r>
+            <a:endParaRPr lang="en-US" i="1" dirty="0"/>
+          </a:p>
+        </p:txBody>
+      </p:sp>
+      <p:sp>
+        <p:nvSpPr>
+          <p:cNvPr id="5" name="TextBox 4"/>
+          <p:cNvSpPr txBox="1"/>
+          <p:nvPr/>
+        </p:nvSpPr>
+        <p:spPr>
+          <a:xfrm>
+            <a:off x="838200" y="5144869"/>
+            <a:ext cx="2667000" cy="646331"/>
+          </a:xfrm>
+          <a:prstGeom prst="rect">
+            <a:avLst/>
+          </a:prstGeom>
+          <a:noFill/>
+        </p:spPr>
+        <p:txBody>
+          <a:bodyPr wrap="square" rtlCol="0">
+            <a:spAutoFit/>
+          </a:bodyPr>
+          <a:lstStyle/>
+          <a:p>
+            <a:r>
+              <a:rPr lang="en-US" dirty="0" smtClean="0"/>
+              <a:t>ANOVA for Analysis of Categorical Variance</a:t>
+            </a:r>
+            <a:endParaRPr lang="en-US" dirty="0"/>
+          </a:p>
+        </p:txBody>
+      </p:sp>
+    </p:spTree>
+    <p:extLst>
+      <p:ext uri="{BB962C8B-B14F-4D97-AF65-F5344CB8AC3E}">
+        <p14:creationId xmlns:p14="http://schemas.microsoft.com/office/powerpoint/2010/main" val="241419668"/>
+      </p:ext>
+    </p:extLst>
+  </p:cSld>
+  <p:clrMapOvr>
+    <a:masterClrMapping/>
+  </p:clrMapOvr>
+</p:sld>
+</file>
+
 <file path=ppt/theme/theme1.xml><?xml version="1.0" encoding="utf-8"?>
 <a:theme xmlns:a="http://schemas.openxmlformats.org/drawingml/2006/main" name="Concourse">
   <a:themeElements>

--- a/DDS Attrition Analysis.pptx
+++ b/DDS Attrition Analysis.pptx
@@ -12,9 +12,9 @@
     <p:sldId id="259" r:id="rId3"/>
     <p:sldId id="258" r:id="rId4"/>
     <p:sldId id="269" r:id="rId5"/>
-    <p:sldId id="262" r:id="rId6"/>
-    <p:sldId id="265" r:id="rId7"/>
-    <p:sldId id="271" r:id="rId8"/>
+    <p:sldId id="265" r:id="rId6"/>
+    <p:sldId id="271" r:id="rId7"/>
+    <p:sldId id="262" r:id="rId8"/>
     <p:sldId id="261" r:id="rId9"/>
     <p:sldId id="267" r:id="rId10"/>
     <p:sldId id="268" r:id="rId11"/>
@@ -9972,158 +9972,17 @@
   <p:clrMapOvr>
     <a:masterClrMapping/>
   </p:clrMapOvr>
+  <p:timing>
+    <p:tnLst>
+      <p:par>
+        <p:cTn id="1" dur="indefinite" restart="never" nodeType="tmRoot"/>
+      </p:par>
+    </p:tnLst>
+  </p:timing>
 </p:sld>
 </file>
 
 <file path=ppt/slides/slide5.xml><?xml version="1.0" encoding="utf-8"?>
-<p:sld xmlns:a="http://schemas.openxmlformats.org/drawingml/2006/main" xmlns:r="http://schemas.openxmlformats.org/officeDocument/2006/relationships" xmlns:p="http://schemas.openxmlformats.org/presentationml/2006/main">
-  <p:cSld>
-    <p:spTree>
-      <p:nvGrpSpPr>
-        <p:cNvPr id="1" name=""/>
-        <p:cNvGrpSpPr/>
-        <p:nvPr/>
-      </p:nvGrpSpPr>
-      <p:grpSpPr>
-        <a:xfrm>
-          <a:off x="0" y="0"/>
-          <a:ext cx="0" cy="0"/>
-          <a:chOff x="0" y="0"/>
-          <a:chExt cx="0" cy="0"/>
-        </a:xfrm>
-      </p:grpSpPr>
-      <p:pic>
-        <p:nvPicPr>
-          <p:cNvPr id="6" name="Picture 5"/>
-          <p:cNvPicPr/>
-          <p:nvPr/>
-        </p:nvPicPr>
-        <p:blipFill rotWithShape="1">
-          <a:blip r:embed="rId2"/>
-          <a:srcRect l="22217" t="40270" r="37620" b="15389"/>
-          <a:stretch/>
-        </p:blipFill>
-        <p:spPr bwMode="auto">
-          <a:xfrm>
-            <a:off x="914400" y="1295400"/>
-            <a:ext cx="7848600" cy="3657600"/>
-          </a:xfrm>
-          <a:prstGeom prst="rect">
-            <a:avLst/>
-          </a:prstGeom>
-          <a:ln>
-            <a:noFill/>
-          </a:ln>
-          <a:extLst>
-            <a:ext uri="{53640926-AAD7-44D8-BBD7-CCE9431645EC}">
-              <a14:shadowObscured xmlns:a14="http://schemas.microsoft.com/office/drawing/2010/main"/>
-            </a:ext>
-          </a:extLst>
-        </p:spPr>
-      </p:pic>
-      <p:sp>
-        <p:nvSpPr>
-          <p:cNvPr id="2" name="Content Placeholder 1"/>
-          <p:cNvSpPr>
-            <a:spLocks noGrp="1"/>
-          </p:cNvSpPr>
-          <p:nvPr>
-            <p:ph idx="1"/>
-          </p:nvPr>
-        </p:nvSpPr>
-        <p:spPr>
-          <a:xfrm>
-            <a:off x="5588977" y="5181600"/>
-            <a:ext cx="3581400" cy="1752600"/>
-          </a:xfrm>
-        </p:spPr>
-        <p:txBody>
-          <a:bodyPr>
-            <a:normAutofit/>
-          </a:bodyPr>
-          <a:lstStyle/>
-          <a:p>
-            <a:pPr marL="914400" lvl="3" indent="-800100" algn="ctr">
-              <a:buNone/>
-            </a:pPr>
-            <a:r>
-              <a:rPr lang="en-US" sz="2400" u="sng" dirty="0" smtClean="0"/>
-              <a:t>Models Statistics</a:t>
-            </a:r>
-          </a:p>
-          <a:p>
-            <a:pPr marL="109728" indent="0">
-              <a:buNone/>
-            </a:pPr>
-            <a:r>
-              <a:rPr lang="en-US" sz="2400" dirty="0" smtClean="0"/>
-              <a:t>    Accuracy: 74%</a:t>
-            </a:r>
-          </a:p>
-          <a:p>
-            <a:pPr marL="109728" indent="0">
-              <a:buNone/>
-            </a:pPr>
-            <a:r>
-              <a:rPr lang="en-US" sz="2400" dirty="0" smtClean="0"/>
-              <a:t>    Recall: 53%</a:t>
-            </a:r>
-          </a:p>
-          <a:p>
-            <a:pPr marL="109728" indent="0">
-              <a:buNone/>
-            </a:pPr>
-            <a:r>
-              <a:rPr lang="en-US" sz="2400" dirty="0" smtClean="0"/>
-              <a:t>    Precision: 70%</a:t>
-            </a:r>
-            <a:endParaRPr lang="en-US" sz="2400" dirty="0"/>
-          </a:p>
-        </p:txBody>
-      </p:sp>
-      <p:sp>
-        <p:nvSpPr>
-          <p:cNvPr id="3" name="Title 2"/>
-          <p:cNvSpPr>
-            <a:spLocks noGrp="1"/>
-          </p:cNvSpPr>
-          <p:nvPr>
-            <p:ph type="title"/>
-          </p:nvPr>
-        </p:nvSpPr>
-        <p:spPr/>
-        <p:txBody>
-          <a:bodyPr>
-            <a:normAutofit fontScale="90000"/>
-          </a:bodyPr>
-          <a:lstStyle/>
-          <a:p>
-            <a:r>
-              <a:rPr lang="en-US" dirty="0" smtClean="0"/>
-              <a:t>Naïve-Bayes: </a:t>
-            </a:r>
-            <a:r>
-              <a:rPr lang="en-US" sz="3900" dirty="0" smtClean="0"/>
-              <a:t>Prediction &amp; Validation</a:t>
-            </a:r>
-            <a:endParaRPr lang="en-US" sz="3900" dirty="0"/>
-          </a:p>
-        </p:txBody>
-      </p:sp>
-    </p:spTree>
-    <p:extLst>
-      <p:ext uri="{BB962C8B-B14F-4D97-AF65-F5344CB8AC3E}">
-        <p14:creationId xmlns:p14="http://schemas.microsoft.com/office/powerpoint/2010/main" val="13562319"/>
-      </p:ext>
-    </p:extLst>
-  </p:cSld>
-  <p:clrMapOvr>
-    <a:masterClrMapping/>
-  </p:clrMapOvr>
-</p:sld>
-</file>
-
-<file path=ppt/slides/slide6.xml><?xml version="1.0" encoding="utf-8"?>
 <p:sld xmlns:a="http://schemas.openxmlformats.org/drawingml/2006/main" xmlns:r="http://schemas.openxmlformats.org/officeDocument/2006/relationships" xmlns:p="http://schemas.openxmlformats.org/presentationml/2006/main">
   <p:cSld>
     <p:spTree>
@@ -10316,10 +10175,17 @@
   <p:clrMapOvr>
     <a:masterClrMapping/>
   </p:clrMapOvr>
+  <p:timing>
+    <p:tnLst>
+      <p:par>
+        <p:cTn id="1" dur="indefinite" restart="never" nodeType="tmRoot"/>
+      </p:par>
+    </p:tnLst>
+  </p:timing>
 </p:sld>
 </file>
 
-<file path=ppt/slides/slide7.xml><?xml version="1.0" encoding="utf-8"?>
+<file path=ppt/slides/slide6.xml><?xml version="1.0" encoding="utf-8"?>
 <p:sld xmlns:a="http://schemas.openxmlformats.org/drawingml/2006/main" xmlns:r="http://schemas.openxmlformats.org/officeDocument/2006/relationships" xmlns:p="http://schemas.openxmlformats.org/presentationml/2006/main">
   <p:cSld>
     <p:spTree>
@@ -10454,6 +10320,168 @@
   <p:clrMapOvr>
     <a:masterClrMapping/>
   </p:clrMapOvr>
+  <p:timing>
+    <p:tnLst>
+      <p:par>
+        <p:cTn id="1" dur="indefinite" restart="never" nodeType="tmRoot"/>
+      </p:par>
+    </p:tnLst>
+  </p:timing>
+</p:sld>
+</file>
+
+<file path=ppt/slides/slide7.xml><?xml version="1.0" encoding="utf-8"?>
+<p:sld xmlns:a="http://schemas.openxmlformats.org/drawingml/2006/main" xmlns:r="http://schemas.openxmlformats.org/officeDocument/2006/relationships" xmlns:p="http://schemas.openxmlformats.org/presentationml/2006/main">
+  <p:cSld>
+    <p:spTree>
+      <p:nvGrpSpPr>
+        <p:cNvPr id="1" name=""/>
+        <p:cNvGrpSpPr/>
+        <p:nvPr/>
+      </p:nvGrpSpPr>
+      <p:grpSpPr>
+        <a:xfrm>
+          <a:off x="0" y="0"/>
+          <a:ext cx="0" cy="0"/>
+          <a:chOff x="0" y="0"/>
+          <a:chExt cx="0" cy="0"/>
+        </a:xfrm>
+      </p:grpSpPr>
+      <p:pic>
+        <p:nvPicPr>
+          <p:cNvPr id="6" name="Picture 5"/>
+          <p:cNvPicPr/>
+          <p:nvPr/>
+        </p:nvPicPr>
+        <p:blipFill rotWithShape="1">
+          <a:blip r:embed="rId2"/>
+          <a:srcRect l="22217" t="40270" r="37620" b="15389"/>
+          <a:stretch/>
+        </p:blipFill>
+        <p:spPr bwMode="auto">
+          <a:xfrm>
+            <a:off x="914400" y="1295400"/>
+            <a:ext cx="7848600" cy="3657600"/>
+          </a:xfrm>
+          <a:prstGeom prst="rect">
+            <a:avLst/>
+          </a:prstGeom>
+          <a:ln>
+            <a:noFill/>
+          </a:ln>
+          <a:extLst>
+            <a:ext uri="{53640926-AAD7-44D8-BBD7-CCE9431645EC}">
+              <a14:shadowObscured xmlns:a14="http://schemas.microsoft.com/office/drawing/2010/main"/>
+            </a:ext>
+          </a:extLst>
+        </p:spPr>
+      </p:pic>
+      <p:sp>
+        <p:nvSpPr>
+          <p:cNvPr id="2" name="Content Placeholder 1"/>
+          <p:cNvSpPr>
+            <a:spLocks noGrp="1"/>
+          </p:cNvSpPr>
+          <p:nvPr>
+            <p:ph idx="1"/>
+          </p:nvPr>
+        </p:nvSpPr>
+        <p:spPr>
+          <a:xfrm>
+            <a:off x="5588977" y="5181600"/>
+            <a:ext cx="3581400" cy="1752600"/>
+          </a:xfrm>
+        </p:spPr>
+        <p:txBody>
+          <a:bodyPr>
+            <a:normAutofit/>
+          </a:bodyPr>
+          <a:lstStyle/>
+          <a:p>
+            <a:pPr marL="914400" lvl="3" indent="-800100" algn="ctr">
+              <a:buNone/>
+            </a:pPr>
+            <a:r>
+              <a:rPr lang="en-US" sz="2400" u="sng" dirty="0" smtClean="0"/>
+              <a:t>Models Statistics</a:t>
+            </a:r>
+          </a:p>
+          <a:p>
+            <a:pPr marL="109728" indent="0">
+              <a:buNone/>
+            </a:pPr>
+            <a:r>
+              <a:rPr lang="en-US" sz="2400" dirty="0" smtClean="0"/>
+              <a:t>    Accuracy: 74%</a:t>
+            </a:r>
+          </a:p>
+          <a:p>
+            <a:pPr marL="109728" indent="0">
+              <a:buNone/>
+            </a:pPr>
+            <a:r>
+              <a:rPr lang="en-US" sz="2400" dirty="0" smtClean="0"/>
+              <a:t>    Recall: 53%</a:t>
+            </a:r>
+          </a:p>
+          <a:p>
+            <a:pPr marL="109728" indent="0">
+              <a:buNone/>
+            </a:pPr>
+            <a:r>
+              <a:rPr lang="en-US" sz="2400" dirty="0" smtClean="0"/>
+              <a:t>    Precision: 70%</a:t>
+            </a:r>
+            <a:endParaRPr lang="en-US" sz="2400" dirty="0"/>
+          </a:p>
+        </p:txBody>
+      </p:sp>
+      <p:sp>
+        <p:nvSpPr>
+          <p:cNvPr id="3" name="Title 2"/>
+          <p:cNvSpPr>
+            <a:spLocks noGrp="1"/>
+          </p:cNvSpPr>
+          <p:nvPr>
+            <p:ph type="title"/>
+          </p:nvPr>
+        </p:nvSpPr>
+        <p:spPr/>
+        <p:txBody>
+          <a:bodyPr>
+            <a:normAutofit fontScale="90000"/>
+          </a:bodyPr>
+          <a:lstStyle/>
+          <a:p>
+            <a:r>
+              <a:rPr lang="en-US" dirty="0" smtClean="0"/>
+              <a:t>Naïve-Bayes: </a:t>
+            </a:r>
+            <a:r>
+              <a:rPr lang="en-US" sz="3900" dirty="0" smtClean="0"/>
+              <a:t>Prediction &amp; Validation</a:t>
+            </a:r>
+            <a:endParaRPr lang="en-US" sz="3900" dirty="0"/>
+          </a:p>
+        </p:txBody>
+      </p:sp>
+    </p:spTree>
+    <p:extLst>
+      <p:ext uri="{BB962C8B-B14F-4D97-AF65-F5344CB8AC3E}">
+        <p14:creationId xmlns:p14="http://schemas.microsoft.com/office/powerpoint/2010/main" val="13562319"/>
+      </p:ext>
+    </p:extLst>
+  </p:cSld>
+  <p:clrMapOvr>
+    <a:masterClrMapping/>
+  </p:clrMapOvr>
+  <p:timing>
+    <p:tnLst>
+      <p:par>
+        <p:cTn id="1" dur="indefinite" restart="never" nodeType="tmRoot"/>
+      </p:par>
+    </p:tnLst>
+  </p:timing>
 </p:sld>
 </file>
 
@@ -10683,6 +10711,13 @@
   <p:clrMapOvr>
     <a:masterClrMapping/>
   </p:clrMapOvr>
+  <p:timing>
+    <p:tnLst>
+      <p:par>
+        <p:cTn id="1" dur="indefinite" restart="never" nodeType="tmRoot"/>
+      </p:par>
+    </p:tnLst>
+  </p:timing>
 </p:sld>
 </file>
 
